--- a/presentations/TechnologyDrivenDevelopment.pptx
+++ b/presentations/TechnologyDrivenDevelopment.pptx
@@ -232,7 +232,7 @@
           <a:p>
             <a:fld id="{94AE22AB-730F-4C4B-A6E7-89E97B93078F}" type="datetimeFigureOut">
               <a:rPr kumimoji="1" lang="ja-JP" altLang="en-US" smtClean="0"/>
-              <a:t>2014/4/14</a:t>
+              <a:t>2014/4/15</a:t>
             </a:fld>
             <a:endParaRPr kumimoji="1" lang="ja-JP" altLang="en-US" dirty="0"/>
           </a:p>
@@ -13371,14 +13371,73 @@
               <a:defRPr/>
             </a:pPr>
             <a:r>
-              <a:rPr lang="ja-JP" altLang="en-US" sz="3600" b="0" kern="0" dirty="0" smtClean="0">
+              <a:rPr lang="en-US" altLang="ja-JP" sz="3600" b="0" kern="0" dirty="0" smtClean="0">
                 <a:solidFill>
                   <a:srgbClr val="000000"/>
                 </a:solidFill>
                 <a:latin typeface="+mn-lt"/>
                 <a:ea typeface="+mn-ea"/>
               </a:rPr>
-              <a:t>★情報技術部</a:t>
+              <a:t>Hiroyuki Ito</a:t>
+            </a:r>
+          </a:p>
+          <a:p>
+            <a:pPr algn="l" defTabSz="381000">
+              <a:spcBef>
+                <a:spcPct val="20000"/>
+              </a:spcBef>
+              <a:buClr>
+                <a:srgbClr val="FFFFFF"/>
+              </a:buClr>
+              <a:defRPr/>
+            </a:pPr>
+            <a:r>
+              <a:rPr lang="en-US" altLang="ja-JP" sz="3600" b="0" kern="0" dirty="0" smtClean="0">
+                <a:solidFill>
+                  <a:srgbClr val="000000"/>
+                </a:solidFill>
+                <a:latin typeface="+mn-lt"/>
+                <a:ea typeface="+mn-ea"/>
+              </a:rPr>
+              <a:t>(The Hiro)</a:t>
+            </a:r>
+            <a:endParaRPr lang="en-US" altLang="ja-JP" sz="3600" b="0" kern="0" dirty="0" smtClean="0">
+              <a:solidFill>
+                <a:srgbClr val="000000"/>
+              </a:solidFill>
+              <a:latin typeface="+mn-lt"/>
+              <a:ea typeface="+mn-ea"/>
+            </a:endParaRPr>
+          </a:p>
+          <a:p>
+            <a:pPr algn="l" defTabSz="381000">
+              <a:spcBef>
+                <a:spcPct val="20000"/>
+              </a:spcBef>
+              <a:buClr>
+                <a:srgbClr val="FFFFFF"/>
+              </a:buClr>
+              <a:defRPr/>
+            </a:pPr>
+            <a:r>
+              <a:rPr lang="ja-JP" altLang="en-US" sz="3600" b="0" kern="0" dirty="0" smtClean="0">
+                <a:solidFill>
+                  <a:srgbClr val="000000"/>
+                </a:solidFill>
+                <a:latin typeface="+mn-lt"/>
+                <a:ea typeface="+mn-ea"/>
+              </a:rPr>
+              <a:t>★</a:t>
+            </a:r>
+            <a:r>
+              <a:rPr lang="ja-JP" altLang="en-US" sz="3600" b="0" kern="0" dirty="0" smtClean="0">
+                <a:solidFill>
+                  <a:srgbClr val="000000"/>
+                </a:solidFill>
+                <a:latin typeface="+mn-lt"/>
+                <a:ea typeface="+mn-ea"/>
+              </a:rPr>
+              <a:t>情報技術部</a:t>
             </a:r>
             <a:endParaRPr lang="en-US" altLang="ja-JP" sz="3600" b="0" kern="0" dirty="0" smtClean="0">
               <a:solidFill>
@@ -13583,7 +13642,17 @@
                 <a:latin typeface="+mj-ea"/>
                 <a:ea typeface="+mj-ea"/>
               </a:rPr>
-              <a:t>Hiroyuki Ito (The Hiro)</a:t>
+              <a:t>Abou</a:t>
+            </a:r>
+            <a:r>
+              <a:rPr lang="en-US" altLang="ja-JP" kern="0" dirty="0" smtClean="0">
+                <a:solidFill>
+                  <a:schemeClr val="accent1"/>
+                </a:solidFill>
+                <a:latin typeface="+mj-ea"/>
+                <a:ea typeface="+mj-ea"/>
+              </a:rPr>
+              <a:t>t me</a:t>
             </a:r>
             <a:endParaRPr kumimoji="1" lang="ja-JP" altLang="en-US" dirty="0">
               <a:latin typeface="+mj-ea"/>
@@ -27870,9 +27939,12 @@
 </file>
 
 <file path=customXml/item1.xml><?xml version="1.0" encoding="utf-8"?>
-<p:properties xmlns:p="http://schemas.microsoft.com/office/2006/metadata/properties" xmlns:xsi="http://www.w3.org/2001/XMLSchema-instance">
-  <documentManagement/>
-</p:properties>
+<?mso-contentType ?>
+<FormTemplates xmlns="http://schemas.microsoft.com/sharepoint/v3/contenttype/forms">
+  <Display>DocumentLibraryForm</Display>
+  <Edit>DocumentLibraryForm</Edit>
+  <New>DocumentLibraryForm</New>
+</FormTemplates>
 </file>
 
 <file path=customXml/item2.xml><?xml version="1.0" encoding="utf-8"?>
@@ -27925,24 +27997,15 @@
 </file>
 
 <file path=customXml/item3.xml><?xml version="1.0" encoding="utf-8"?>
-<?mso-contentType ?>
-<FormTemplates xmlns="http://schemas.microsoft.com/sharepoint/v3/contenttype/forms">
-  <Display>DocumentLibraryForm</Display>
-  <Edit>DocumentLibraryForm</Edit>
-  <New>DocumentLibraryForm</New>
-</FormTemplates>
+<p:properties xmlns:p="http://schemas.microsoft.com/office/2006/metadata/properties" xmlns:xsi="http://www.w3.org/2001/XMLSchema-instance">
+  <documentManagement/>
+</p:properties>
 </file>
 
 <file path=customXml/itemProps1.xml><?xml version="1.0" encoding="utf-8"?>
-<ds:datastoreItem xmlns:ds="http://schemas.openxmlformats.org/officeDocument/2006/customXml" ds:itemID="{E52D75E9-7A55-4E2A-89EF-D6493A63AB07}">
+<ds:datastoreItem xmlns:ds="http://schemas.openxmlformats.org/officeDocument/2006/customXml" ds:itemID="{564C25D7-D27D-47E0-8384-6126C745CB52}">
   <ds:schemaRefs>
-    <ds:schemaRef ds:uri="http://www.w3.org/XML/1998/namespace"/>
-    <ds:schemaRef ds:uri="http://schemas.microsoft.com/office/2006/documentManagement/types"/>
-    <ds:schemaRef ds:uri="http://purl.org/dc/dcmitype/"/>
-    <ds:schemaRef ds:uri="http://purl.org/dc/terms/"/>
-    <ds:schemaRef ds:uri="http://schemas.microsoft.com/office/2006/metadata/properties"/>
-    <ds:schemaRef ds:uri="http://purl.org/dc/elements/1.1/"/>
-    <ds:schemaRef ds:uri="http://schemas.openxmlformats.org/package/2006/metadata/core-properties"/>
+    <ds:schemaRef ds:uri="http://schemas.microsoft.com/sharepoint/v3/contenttype/forms"/>
   </ds:schemaRefs>
 </ds:datastoreItem>
 </file>
@@ -27963,9 +28026,15 @@
 </file>
 
 <file path=customXml/itemProps3.xml><?xml version="1.0" encoding="utf-8"?>
-<ds:datastoreItem xmlns:ds="http://schemas.openxmlformats.org/officeDocument/2006/customXml" ds:itemID="{564C25D7-D27D-47E0-8384-6126C745CB52}">
+<ds:datastoreItem xmlns:ds="http://schemas.openxmlformats.org/officeDocument/2006/customXml" ds:itemID="{E52D75E9-7A55-4E2A-89EF-D6493A63AB07}">
   <ds:schemaRefs>
-    <ds:schemaRef ds:uri="http://schemas.microsoft.com/sharepoint/v3/contenttype/forms"/>
+    <ds:schemaRef ds:uri="http://www.w3.org/XML/1998/namespace"/>
+    <ds:schemaRef ds:uri="http://schemas.microsoft.com/office/2006/documentManagement/types"/>
+    <ds:schemaRef ds:uri="http://purl.org/dc/dcmitype/"/>
+    <ds:schemaRef ds:uri="http://purl.org/dc/terms/"/>
+    <ds:schemaRef ds:uri="http://schemas.microsoft.com/office/2006/metadata/properties"/>
+    <ds:schemaRef ds:uri="http://purl.org/dc/elements/1.1/"/>
+    <ds:schemaRef ds:uri="http://schemas.openxmlformats.org/package/2006/metadata/core-properties"/>
   </ds:schemaRefs>
 </ds:datastoreItem>
 </file>
--- a/presentations/TechnologyDrivenDevelopment.pptx
+++ b/presentations/TechnologyDrivenDevelopment.pptx
@@ -234,7 +234,7 @@
           <a:p>
             <a:fld id="{94AE22AB-730F-4C4B-A6E7-89E97B93078F}" type="datetimeFigureOut">
               <a:rPr kumimoji="1" lang="ja-JP" altLang="en-US" smtClean="0"/>
-              <a:t>2014/4/20</a:t>
+              <a:t>2014/5/18</a:t>
             </a:fld>
             <a:endParaRPr kumimoji="1" lang="ja-JP" altLang="en-US" dirty="0"/>
           </a:p>
@@ -18873,7 +18873,7 @@
         </p:nvSpPr>
         <p:spPr>
           <a:xfrm>
-            <a:off x="2809977" y="2454680"/>
+            <a:off x="2527578" y="2166648"/>
             <a:ext cx="1373556" cy="900000"/>
           </a:xfrm>
           <a:prstGeom prst="rect">
@@ -19057,7 +19057,7 @@
         </p:nvSpPr>
         <p:spPr>
           <a:xfrm>
-            <a:off x="7020272" y="2454680"/>
+            <a:off x="6737873" y="2166648"/>
             <a:ext cx="1351859" cy="900000"/>
           </a:xfrm>
           <a:prstGeom prst="flowChartMagneticDisk">
@@ -19126,7 +19126,7 @@
         </p:nvCxnSpPr>
         <p:spPr>
           <a:xfrm>
-            <a:off x="2076168" y="2902885"/>
+            <a:off x="1793769" y="2614853"/>
             <a:ext cx="733809" cy="1795"/>
           </a:xfrm>
           <a:prstGeom prst="line">
@@ -19172,7 +19172,7 @@
         </p:nvCxnSpPr>
         <p:spPr>
           <a:xfrm flipV="1">
-            <a:off x="6305596" y="2904680"/>
+            <a:off x="6023197" y="2616648"/>
             <a:ext cx="714676" cy="1923"/>
           </a:xfrm>
           <a:prstGeom prst="line">
@@ -19215,7 +19215,7 @@
         </p:nvSpPr>
         <p:spPr bwMode="auto">
           <a:xfrm>
-            <a:off x="4355976" y="1052736"/>
+            <a:off x="4073577" y="764704"/>
             <a:ext cx="4781350" cy="1426305"/>
           </a:xfrm>
           <a:prstGeom prst="ellipse">
@@ -19280,7 +19280,7 @@
         </p:nvSpPr>
         <p:spPr>
           <a:xfrm>
-            <a:off x="4932040" y="2456603"/>
+            <a:off x="4649641" y="2168571"/>
             <a:ext cx="1373556" cy="900000"/>
           </a:xfrm>
           <a:prstGeom prst="rect">
@@ -19457,7 +19457,7 @@
         </p:nvCxnSpPr>
         <p:spPr>
           <a:xfrm>
-            <a:off x="4183533" y="2904680"/>
+            <a:off x="3901134" y="2616648"/>
             <a:ext cx="748507" cy="1923"/>
           </a:xfrm>
           <a:prstGeom prst="line">
@@ -19502,7 +19502,7 @@
         </p:nvSpPr>
         <p:spPr>
           <a:xfrm>
-            <a:off x="605927" y="3540655"/>
+            <a:off x="323528" y="3252623"/>
             <a:ext cx="1661817" cy="590811"/>
           </a:xfrm>
           <a:prstGeom prst="rect">
@@ -19553,7 +19553,7 @@
         </p:nvSpPr>
         <p:spPr>
           <a:xfrm>
-            <a:off x="7020272" y="3679205"/>
+            <a:off x="6737873" y="3391173"/>
             <a:ext cx="1351859" cy="900000"/>
           </a:xfrm>
           <a:prstGeom prst="flowChartMagneticDisk">
@@ -19621,7 +19621,7 @@
         </p:nvSpPr>
         <p:spPr>
           <a:xfrm>
-            <a:off x="4932040" y="3681128"/>
+            <a:off x="4649641" y="3393096"/>
             <a:ext cx="1373556" cy="900000"/>
           </a:xfrm>
           <a:prstGeom prst="rect">
@@ -19795,7 +19795,7 @@
         </p:nvSpPr>
         <p:spPr>
           <a:xfrm>
-            <a:off x="7020272" y="1306203"/>
+            <a:off x="6737873" y="1018171"/>
             <a:ext cx="1351859" cy="900000"/>
           </a:xfrm>
           <a:prstGeom prst="flowChartMagneticDisk">
@@ -19863,7 +19863,7 @@
         </p:nvSpPr>
         <p:spPr>
           <a:xfrm>
-            <a:off x="4932040" y="1308126"/>
+            <a:off x="4649641" y="1020094"/>
             <a:ext cx="1373556" cy="900000"/>
           </a:xfrm>
           <a:prstGeom prst="rect">
@@ -20040,7 +20040,7 @@
         </p:nvCxnSpPr>
         <p:spPr>
           <a:xfrm flipH="1">
-            <a:off x="6305596" y="1756203"/>
+            <a:off x="6023197" y="1468171"/>
             <a:ext cx="714676" cy="1923"/>
           </a:xfrm>
           <a:prstGeom prst="line">
@@ -20086,7 +20086,7 @@
         </p:nvCxnSpPr>
         <p:spPr>
           <a:xfrm flipH="1">
-            <a:off x="6305596" y="4129205"/>
+            <a:off x="6023197" y="3841173"/>
             <a:ext cx="714676" cy="1923"/>
           </a:xfrm>
           <a:prstGeom prst="line">
@@ -20132,7 +20132,7 @@
         </p:nvCxnSpPr>
         <p:spPr>
           <a:xfrm flipH="1" flipV="1">
-            <a:off x="4183533" y="2904680"/>
+            <a:off x="3901134" y="2616648"/>
             <a:ext cx="748507" cy="1226448"/>
           </a:xfrm>
           <a:prstGeom prst="line">
@@ -20178,7 +20178,7 @@
         </p:nvCxnSpPr>
         <p:spPr>
           <a:xfrm flipH="1">
-            <a:off x="4183533" y="1758126"/>
+            <a:off x="3901134" y="1470094"/>
             <a:ext cx="748507" cy="1146554"/>
           </a:xfrm>
           <a:prstGeom prst="line">
@@ -20221,7 +20221,7 @@
         </p:nvSpPr>
         <p:spPr bwMode="auto">
           <a:xfrm>
-            <a:off x="4355976" y="2204864"/>
+            <a:off x="4073577" y="1916832"/>
             <a:ext cx="4781350" cy="1426305"/>
           </a:xfrm>
           <a:prstGeom prst="ellipse">
@@ -20284,7 +20284,7 @@
         </p:nvSpPr>
         <p:spPr bwMode="auto">
           <a:xfrm>
-            <a:off x="4355976" y="3429000"/>
+            <a:off x="4073577" y="3140968"/>
             <a:ext cx="4781350" cy="1426305"/>
           </a:xfrm>
           <a:prstGeom prst="ellipse">
@@ -20347,7 +20347,7 @@
         </p:nvSpPr>
         <p:spPr bwMode="auto">
           <a:xfrm>
-            <a:off x="2555776" y="2115312"/>
+            <a:off x="2273377" y="1827280"/>
             <a:ext cx="1858191" cy="1587437"/>
           </a:xfrm>
           <a:prstGeom prst="ellipse">
@@ -20410,8 +20410,8 @@
         </p:nvSpPr>
         <p:spPr>
           <a:xfrm>
-            <a:off x="179512" y="4941168"/>
-            <a:ext cx="8784976" cy="936104"/>
+            <a:off x="179512" y="4653136"/>
+            <a:ext cx="8784976" cy="1224136"/>
           </a:xfrm>
           <a:prstGeom prst="rect">
             <a:avLst/>
@@ -20436,26 +20436,17 @@
               <a:buChar char="•"/>
             </a:pPr>
             <a:r>
-              <a:rPr kumimoji="0" lang="en-US" altLang="en-US" sz="2400" kern="0" dirty="0" smtClean="0">
+              <a:rPr kumimoji="0" lang="en-US" altLang="en-US" sz="2400" kern="0" dirty="0" smtClean="0"/>
+              <a:t>Can test each component </a:t>
+            </a:r>
+            <a:r>
+              <a:rPr kumimoji="0" lang="en-US" altLang="en-US" sz="2400" b="1" kern="0" dirty="0" smtClean="0">
                 <a:solidFill>
                   <a:srgbClr val="BF0000"/>
                 </a:solidFill>
               </a:rPr>
-              <a:t>個々の</a:t>
-            </a:r>
-            <a:r>
-              <a:rPr kumimoji="0" lang="ja-JP" altLang="en-US" sz="2400" kern="0" dirty="0" smtClean="0">
-                <a:solidFill>
-                  <a:sysClr val="windowText" lastClr="000000"/>
-                </a:solidFill>
-              </a:rPr>
-              <a:t>コンポーネント毎に独立・分割して（自動）テストが可能に。</a:t>
-            </a:r>
-            <a:endParaRPr kumimoji="0" lang="en-US" altLang="ja-JP" sz="2400" kern="0" dirty="0" smtClean="0">
-              <a:solidFill>
-                <a:sysClr val="windowText" lastClr="000000"/>
-              </a:solidFill>
-            </a:endParaRPr>
+              <a:t>independently and separately</a:t>
+            </a:r>
           </a:p>
           <a:p>
             <a:pPr marL="342900" indent="-342900">
@@ -20463,32 +20454,63 @@
               <a:buChar char="•"/>
             </a:pPr>
             <a:r>
-              <a:rPr kumimoji="0" lang="ja-JP" altLang="en-US" sz="2400" kern="0" dirty="0" smtClean="0">
+              <a:rPr kumimoji="0" lang="en-US" altLang="ja-JP" sz="2400" kern="0" dirty="0" smtClean="0">
                 <a:solidFill>
                   <a:sysClr val="windowText" lastClr="000000"/>
                 </a:solidFill>
               </a:rPr>
-              <a:t>画面一式を開発する期間を、１週間から</a:t>
-            </a:r>
-            <a:r>
-              <a:rPr kumimoji="0" lang="ja-JP" altLang="en-US" sz="2400" kern="0" dirty="0" smtClean="0">
+              <a:t>It takes </a:t>
+            </a:r>
+            <a:r>
+              <a:rPr kumimoji="0" lang="en-US" altLang="ja-JP" sz="2400" b="1" kern="0" dirty="0" smtClean="0">
                 <a:solidFill>
                   <a:schemeClr val="accent1"/>
                 </a:solidFill>
               </a:rPr>
-              <a:t>１日</a:t>
-            </a:r>
-            <a:r>
-              <a:rPr kumimoji="0" lang="ja-JP" altLang="en-US" sz="2400" kern="0" dirty="0" smtClean="0">
+              <a:t>one day</a:t>
+            </a:r>
+            <a:r>
+              <a:rPr kumimoji="0" lang="en-US" altLang="ja-JP" sz="2400" kern="0" dirty="0" smtClean="0">
                 <a:solidFill>
                   <a:sysClr val="windowText" lastClr="000000"/>
                 </a:solidFill>
               </a:rPr>
-              <a:t>に削減。</a:t>
-            </a:r>
-            <a:endParaRPr lang="en-US" altLang="ja-JP" sz="2400" b="1" dirty="0">
+              <a:t> to implement one activity set</a:t>
+            </a:r>
+            <a:br>
+              <a:rPr kumimoji="0" lang="en-US" altLang="ja-JP" sz="2400" kern="0" dirty="0" smtClean="0">
+                <a:solidFill>
+                  <a:sysClr val="windowText" lastClr="000000"/>
+                </a:solidFill>
+              </a:rPr>
+            </a:br>
+            <a:r>
+              <a:rPr kumimoji="0" lang="en-US" altLang="ja-JP" sz="2400" kern="0" dirty="0" smtClean="0">
+                <a:solidFill>
+                  <a:sysClr val="windowText" lastClr="000000"/>
+                </a:solidFill>
+              </a:rPr>
+              <a:t>(</a:t>
+            </a:r>
+            <a:r>
+              <a:rPr kumimoji="0" lang="en-US" altLang="ja-JP" sz="2400" b="1" kern="0" dirty="0" smtClean="0">
+                <a:solidFill>
+                  <a:schemeClr val="accent1"/>
+                </a:solidFill>
+              </a:rPr>
+              <a:t>five times faster</a:t>
+            </a:r>
+            <a:r>
+              <a:rPr kumimoji="0" lang="en-US" altLang="ja-JP" sz="2400" kern="0" dirty="0" smtClean="0">
+                <a:solidFill>
+                  <a:sysClr val="windowText" lastClr="000000"/>
+                </a:solidFill>
+              </a:rPr>
+              <a:t> than at the start of the project)</a:t>
+            </a:r>
+            <a:endParaRPr kumimoji="0" lang="en-US" altLang="ja-JP" sz="2400" kern="0" dirty="0" smtClean="0">
               <a:solidFill>
-                <a:schemeClr val="bg1"/>
+                <a:sysClr val="windowText" lastClr="000000"/>
               </a:solidFill>
             </a:endParaRPr>
           </a:p>
@@ -20517,7 +20539,7 @@
         </p:blipFill>
         <p:spPr bwMode="auto">
           <a:xfrm>
-            <a:off x="797501" y="2263551"/>
+            <a:off x="515102" y="1975519"/>
             <a:ext cx="1278667" cy="1278667"/>
           </a:xfrm>
           <a:prstGeom prst="rect">
@@ -30432,9 +30454,12 @@
 </file>
 
 <file path=customXml/item1.xml><?xml version="1.0" encoding="utf-8"?>
-<p:properties xmlns:p="http://schemas.microsoft.com/office/2006/metadata/properties" xmlns:xsi="http://www.w3.org/2001/XMLSchema-instance">
-  <documentManagement/>
-</p:properties>
+<?mso-contentType ?>
+<FormTemplates xmlns="http://schemas.microsoft.com/sharepoint/v3/contenttype/forms">
+  <Display>DocumentLibraryForm</Display>
+  <Edit>DocumentLibraryForm</Edit>
+  <New>DocumentLibraryForm</New>
+</FormTemplates>
 </file>
 
 <file path=customXml/item2.xml><?xml version="1.0" encoding="utf-8"?>
@@ -30487,24 +30512,15 @@
 </file>
 
 <file path=customXml/item3.xml><?xml version="1.0" encoding="utf-8"?>
-<?mso-contentType ?>
-<FormTemplates xmlns="http://schemas.microsoft.com/sharepoint/v3/contenttype/forms">
-  <Display>DocumentLibraryForm</Display>
-  <Edit>DocumentLibraryForm</Edit>
-  <New>DocumentLibraryForm</New>
-</FormTemplates>
+<p:properties xmlns:p="http://schemas.microsoft.com/office/2006/metadata/properties" xmlns:xsi="http://www.w3.org/2001/XMLSchema-instance">
+  <documentManagement/>
+</p:properties>
 </file>
 
 <file path=customXml/itemProps1.xml><?xml version="1.0" encoding="utf-8"?>
-<ds:datastoreItem xmlns:ds="http://schemas.openxmlformats.org/officeDocument/2006/customXml" ds:itemID="{E52D75E9-7A55-4E2A-89EF-D6493A63AB07}">
+<ds:datastoreItem xmlns:ds="http://schemas.openxmlformats.org/officeDocument/2006/customXml" ds:itemID="{564C25D7-D27D-47E0-8384-6126C745CB52}">
   <ds:schemaRefs>
-    <ds:schemaRef ds:uri="http://schemas.microsoft.com/office/2006/metadata/properties"/>
-    <ds:schemaRef ds:uri="http://www.w3.org/XML/1998/namespace"/>
-    <ds:schemaRef ds:uri="http://schemas.microsoft.com/office/2006/documentManagement/types"/>
-    <ds:schemaRef ds:uri="http://purl.org/dc/elements/1.1/"/>
-    <ds:schemaRef ds:uri="http://purl.org/dc/terms/"/>
-    <ds:schemaRef ds:uri="http://purl.org/dc/dcmitype/"/>
-    <ds:schemaRef ds:uri="http://schemas.openxmlformats.org/package/2006/metadata/core-properties"/>
+    <ds:schemaRef ds:uri="http://schemas.microsoft.com/sharepoint/v3/contenttype/forms"/>
   </ds:schemaRefs>
 </ds:datastoreItem>
 </file>
@@ -30525,9 +30541,15 @@
 </file>
 
 <file path=customXml/itemProps3.xml><?xml version="1.0" encoding="utf-8"?>
-<ds:datastoreItem xmlns:ds="http://schemas.openxmlformats.org/officeDocument/2006/customXml" ds:itemID="{564C25D7-D27D-47E0-8384-6126C745CB52}">
+<ds:datastoreItem xmlns:ds="http://schemas.openxmlformats.org/officeDocument/2006/customXml" ds:itemID="{E52D75E9-7A55-4E2A-89EF-D6493A63AB07}">
   <ds:schemaRefs>
-    <ds:schemaRef ds:uri="http://schemas.microsoft.com/sharepoint/v3/contenttype/forms"/>
+    <ds:schemaRef ds:uri="http://schemas.microsoft.com/office/2006/metadata/properties"/>
+    <ds:schemaRef ds:uri="http://www.w3.org/XML/1998/namespace"/>
+    <ds:schemaRef ds:uri="http://schemas.microsoft.com/office/2006/documentManagement/types"/>
+    <ds:schemaRef ds:uri="http://purl.org/dc/elements/1.1/"/>
+    <ds:schemaRef ds:uri="http://purl.org/dc/terms/"/>
+    <ds:schemaRef ds:uri="http://purl.org/dc/dcmitype/"/>
+    <ds:schemaRef ds:uri="http://schemas.openxmlformats.org/package/2006/metadata/core-properties"/>
   </ds:schemaRefs>
 </ds:datastoreItem>
 </file>
--- a/presentations/TechnologyDrivenDevelopment.pptx
+++ b/presentations/TechnologyDrivenDevelopment.pptx
@@ -149,7 +149,26 @@
 <p:cmAuthorLst xmlns:a="http://schemas.openxmlformats.org/drawingml/2006/main" xmlns:r="http://schemas.openxmlformats.org/officeDocument/2006/relationships" xmlns:p="http://schemas.openxmlformats.org/presentationml/2006/main">
   <p:cmAuthor id="0" name="伊藤 宏幸" initials="" lastIdx="2" clrIdx="0"/>
   <p:cmAuthor id="1" name="楽天株式会社" initials="楽天株式会社" lastIdx="19" clrIdx="1"/>
+  <p:cmAuthor id="2" name="Hiroyuki Ito (The Hiro)" initials="TheHiro" lastIdx="2" clrIdx="2"/>
 </p:cmAuthorLst>
+</file>
+
+<file path=ppt/comments/comment1.xml><?xml version="1.0" encoding="utf-8"?>
+<p:cmLst xmlns:a="http://schemas.openxmlformats.org/drawingml/2006/main" xmlns:r="http://schemas.openxmlformats.org/officeDocument/2006/relationships" xmlns:p="http://schemas.openxmlformats.org/presentationml/2006/main">
+  <p:cm authorId="2" dt="2014-06-02T17:50:32.206" idx="1">
+    <p:pos x="4298" y="2195"/>
+    <p:text>字のバランス。</p:text>
+  </p:cm>
+</p:cmLst>
+</file>
+
+<file path=ppt/comments/comment2.xml><?xml version="1.0" encoding="utf-8"?>
+<p:cmLst xmlns:a="http://schemas.openxmlformats.org/drawingml/2006/main" xmlns:r="http://schemas.openxmlformats.org/officeDocument/2006/relationships" xmlns:p="http://schemas.openxmlformats.org/presentationml/2006/main">
+  <p:cm authorId="2" dt="2014-06-02T17:54:25.528" idx="2">
+    <p:pos x="4902" y="814"/>
+    <p:text>Context で通じるか？</p:text>
+  </p:cm>
+</p:cmLst>
 </file>
 
 <file path=ppt/notesMasters/notesMaster1.xml><?xml version="1.0" encoding="utf-8"?>
@@ -234,7 +253,7 @@
           <a:p>
             <a:fld id="{94AE22AB-730F-4C4B-A6E7-89E97B93078F}" type="datetimeFigureOut">
               <a:rPr kumimoji="1" lang="ja-JP" altLang="en-US" smtClean="0"/>
-              <a:t>2014/5/18</a:t>
+              <a:t>2014/6/2</a:t>
             </a:fld>
             <a:endParaRPr kumimoji="1" lang="ja-JP" altLang="en-US" dirty="0"/>
           </a:p>
@@ -591,11 +610,7 @@
             </a:r>
             <a:r>
               <a:rPr kumimoji="1" lang="en-US" altLang="ja-JP" baseline="0" dirty="0" smtClean="0"/>
-              <a:t> I’d like to share about Technology-Driven Development, the new </a:t>
-            </a:r>
-            <a:r>
-              <a:rPr kumimoji="1" lang="en-US" altLang="ja-JP" baseline="0" smtClean="0"/>
-              <a:t>approach?</a:t>
+              <a:t> I’d like to share about Technology-Driven Development, the new approach?</a:t>
             </a:r>
             <a:endParaRPr kumimoji="1" lang="ja-JP" altLang="en-US" dirty="0"/>
           </a:p>
@@ -4194,7 +4209,9 @@
             <a:avLst/>
           </a:prstGeom>
           <a:ln>
-            <a:noFill/>
+            <a:solidFill>
+              <a:schemeClr val="accent1"/>
+            </a:solidFill>
           </a:ln>
         </p:spPr>
         <p:txBody>
@@ -4204,7 +4221,7 @@
           <a:lstStyle/>
           <a:p>
             <a:r>
-              <a:rPr lang="en-US" altLang="ja-JP" sz="4800" b="1" dirty="0">
+              <a:rPr lang="en-US" altLang="ja-JP" sz="4800" b="1" dirty="0" smtClean="0">
                 <a:solidFill>
                   <a:srgbClr val="C00000"/>
                 </a:solidFill>
@@ -4212,10 +4229,10 @@
                 <a:ea typeface="+mj-ea"/>
                 <a:cs typeface="Arial" pitchFamily="34" charset="0"/>
               </a:rPr>
-              <a:t>Technology</a:t>
-            </a:r>
-            <a:r>
-              <a:rPr lang="en-US" altLang="ja-JP" sz="4800" b="1" dirty="0" smtClean="0">
+              <a:t>Technology-Driven </a:t>
+            </a:r>
+            <a:r>
+              <a:rPr lang="en-US" altLang="ja-JP" sz="4800" b="1" dirty="0">
                 <a:solidFill>
                   <a:srgbClr val="C00000"/>
                 </a:solidFill>
@@ -4223,10 +4240,10 @@
                 <a:ea typeface="+mj-ea"/>
                 <a:cs typeface="Arial" pitchFamily="34" charset="0"/>
               </a:rPr>
-              <a:t>­-Driven </a:t>
-            </a:r>
-            <a:r>
-              <a:rPr lang="en-US" altLang="ja-JP" sz="4800" b="1" dirty="0">
+              <a:t>Development</a:t>
+            </a:r>
+            <a:r>
+              <a:rPr lang="en-US" altLang="ja-JP" sz="4800" b="1" dirty="0" smtClean="0">
                 <a:solidFill>
                   <a:srgbClr val="C00000"/>
                 </a:solidFill>
@@ -4234,8 +4251,10 @@
                 <a:ea typeface="+mj-ea"/>
                 <a:cs typeface="Arial" pitchFamily="34" charset="0"/>
               </a:rPr>
-              <a:t>Development</a:t>
-            </a:r>
+              <a:t>:</a:t>
+            </a:r>
+          </a:p>
+          <a:p>
             <a:r>
               <a:rPr lang="en-US" altLang="ja-JP" sz="4800" b="1" dirty="0" smtClean="0">
                 <a:solidFill>
@@ -4245,12 +4264,10 @@
                 <a:ea typeface="+mj-ea"/>
                 <a:cs typeface="Arial" pitchFamily="34" charset="0"/>
               </a:rPr>
-              <a:t>:</a:t>
-            </a:r>
-          </a:p>
-          <a:p>
-            <a:r>
-              <a:rPr lang="en-US" altLang="ja-JP" sz="4800" b="1" dirty="0" smtClean="0">
+              <a:t>Using Automation and </a:t>
+            </a:r>
+            <a:r>
+              <a:rPr lang="en-US" altLang="ja-JP" sz="4800" b="1" dirty="0">
                 <a:solidFill>
                   <a:srgbClr val="C00000"/>
                 </a:solidFill>
@@ -4258,10 +4275,10 @@
                 <a:ea typeface="+mj-ea"/>
                 <a:cs typeface="Arial" pitchFamily="34" charset="0"/>
               </a:rPr>
-              <a:t>Using </a:t>
-            </a:r>
-            <a:r>
-              <a:rPr lang="en-US" altLang="ja-JP" sz="4800" b="1" dirty="0">
+              <a:t>Development </a:t>
+            </a:r>
+            <a:r>
+              <a:rPr lang="en-US" altLang="ja-JP" sz="4800" b="1" dirty="0" smtClean="0">
                 <a:solidFill>
                   <a:srgbClr val="C00000"/>
                 </a:solidFill>
@@ -4269,7 +4286,31 @@
                 <a:ea typeface="+mj-ea"/>
                 <a:cs typeface="Arial" pitchFamily="34" charset="0"/>
               </a:rPr>
-              <a:t>Automation and Techniques to Grow an Agile Culture</a:t>
+              <a:t>Techniques</a:t>
+            </a:r>
+          </a:p>
+          <a:p>
+            <a:r>
+              <a:rPr lang="en-US" altLang="ja-JP" sz="4800" b="1" dirty="0" smtClean="0">
+                <a:solidFill>
+                  <a:srgbClr val="C00000"/>
+                </a:solidFill>
+                <a:latin typeface="+mj-ea"/>
+                <a:ea typeface="+mj-ea"/>
+                <a:cs typeface="Arial" pitchFamily="34" charset="0"/>
+              </a:rPr>
+              <a:t>to </a:t>
+            </a:r>
+            <a:r>
+              <a:rPr lang="en-US" altLang="ja-JP" sz="4800" b="1" dirty="0">
+                <a:solidFill>
+                  <a:srgbClr val="C00000"/>
+                </a:solidFill>
+                <a:latin typeface="+mj-ea"/>
+                <a:ea typeface="+mj-ea"/>
+                <a:cs typeface="Arial" pitchFamily="34" charset="0"/>
+              </a:rPr>
+              <a:t>Grow an Agile Culture</a:t>
             </a:r>
             <a:endParaRPr lang="en-US" altLang="ja-JP" sz="4800" b="1" dirty="0" smtClean="0">
               <a:solidFill>
@@ -20508,11 +20549,6 @@
               </a:rPr>
               <a:t> than at the start of the project)</a:t>
             </a:r>
-            <a:endParaRPr kumimoji="0" lang="en-US" altLang="ja-JP" sz="2400" kern="0" dirty="0" smtClean="0">
-              <a:solidFill>
-                <a:sysClr val="windowText" lastClr="000000"/>
-              </a:solidFill>
-            </a:endParaRPr>
           </a:p>
         </p:txBody>
       </p:sp>
@@ -24469,7 +24505,7 @@
                 </a:solidFill>
                 <a:latin typeface="+mn-lt"/>
               </a:rPr>
-              <a:t>TDD: for making android development easy</a:t>
+              <a:t>TDD: Learning Android development via unit tests</a:t>
             </a:r>
             <a:endParaRPr kumimoji="1" lang="ja-JP" altLang="en-US" b="1" i="0" u="none" strike="noStrike" kern="0" cap="none" spc="0" normalizeH="0" baseline="0" noProof="0" dirty="0" smtClean="0">
               <a:ln>
@@ -24674,7 +24710,7 @@
                 <a:latin typeface="+mn-lt"/>
                 <a:ea typeface="ＭＳ Ｐゴシック" panose="020B0600070205080204" pitchFamily="50" charset="-128"/>
               </a:rPr>
-              <a:t>CI/CD: aiming to all stakeholders</a:t>
+              <a:t>CI/CD: Aiming for release automation and for collaboration</a:t>
             </a:r>
             <a:endParaRPr kumimoji="1" lang="ja-JP" altLang="en-US" b="1" i="0" u="none" strike="noStrike" kern="0" cap="none" spc="0" normalizeH="0" baseline="0" noProof="0" dirty="0" smtClean="0">
               <a:ln>
@@ -24878,7 +24914,7 @@
                 </a:solidFill>
                 <a:latin typeface="+mn-lt"/>
               </a:rPr>
-              <a:t>BDD: for supporting the team more</a:t>
+              <a:t>BDD: Improving the discipline</a:t>
             </a:r>
             <a:endParaRPr kumimoji="1" lang="ja-JP" altLang="en-US" b="1" i="0" u="none" strike="noStrike" kern="0" cap="none" spc="0" normalizeH="0" baseline="0" noProof="0" dirty="0" smtClean="0">
               <a:ln>
@@ -30454,12 +30490,9 @@
 </file>
 
 <file path=customXml/item1.xml><?xml version="1.0" encoding="utf-8"?>
-<?mso-contentType ?>
-<FormTemplates xmlns="http://schemas.microsoft.com/sharepoint/v3/contenttype/forms">
-  <Display>DocumentLibraryForm</Display>
-  <Edit>DocumentLibraryForm</Edit>
-  <New>DocumentLibraryForm</New>
-</FormTemplates>
+<p:properties xmlns:p="http://schemas.microsoft.com/office/2006/metadata/properties" xmlns:xsi="http://www.w3.org/2001/XMLSchema-instance">
+  <documentManagement/>
+</p:properties>
 </file>
 
 <file path=customXml/item2.xml><?xml version="1.0" encoding="utf-8"?>
@@ -30512,15 +30545,24 @@
 </file>
 
 <file path=customXml/item3.xml><?xml version="1.0" encoding="utf-8"?>
-<p:properties xmlns:p="http://schemas.microsoft.com/office/2006/metadata/properties" xmlns:xsi="http://www.w3.org/2001/XMLSchema-instance">
-  <documentManagement/>
-</p:properties>
+<?mso-contentType ?>
+<FormTemplates xmlns="http://schemas.microsoft.com/sharepoint/v3/contenttype/forms">
+  <Display>DocumentLibraryForm</Display>
+  <Edit>DocumentLibraryForm</Edit>
+  <New>DocumentLibraryForm</New>
+</FormTemplates>
 </file>
 
 <file path=customXml/itemProps1.xml><?xml version="1.0" encoding="utf-8"?>
-<ds:datastoreItem xmlns:ds="http://schemas.openxmlformats.org/officeDocument/2006/customXml" ds:itemID="{564C25D7-D27D-47E0-8384-6126C745CB52}">
+<ds:datastoreItem xmlns:ds="http://schemas.openxmlformats.org/officeDocument/2006/customXml" ds:itemID="{E52D75E9-7A55-4E2A-89EF-D6493A63AB07}">
   <ds:schemaRefs>
-    <ds:schemaRef ds:uri="http://schemas.microsoft.com/sharepoint/v3/contenttype/forms"/>
+    <ds:schemaRef ds:uri="http://schemas.microsoft.com/office/2006/metadata/properties"/>
+    <ds:schemaRef ds:uri="http://www.w3.org/XML/1998/namespace"/>
+    <ds:schemaRef ds:uri="http://schemas.microsoft.com/office/2006/documentManagement/types"/>
+    <ds:schemaRef ds:uri="http://purl.org/dc/elements/1.1/"/>
+    <ds:schemaRef ds:uri="http://purl.org/dc/terms/"/>
+    <ds:schemaRef ds:uri="http://purl.org/dc/dcmitype/"/>
+    <ds:schemaRef ds:uri="http://schemas.openxmlformats.org/package/2006/metadata/core-properties"/>
   </ds:schemaRefs>
 </ds:datastoreItem>
 </file>
@@ -30541,15 +30583,9 @@
 </file>
 
 <file path=customXml/itemProps3.xml><?xml version="1.0" encoding="utf-8"?>
-<ds:datastoreItem xmlns:ds="http://schemas.openxmlformats.org/officeDocument/2006/customXml" ds:itemID="{E52D75E9-7A55-4E2A-89EF-D6493A63AB07}">
+<ds:datastoreItem xmlns:ds="http://schemas.openxmlformats.org/officeDocument/2006/customXml" ds:itemID="{564C25D7-D27D-47E0-8384-6126C745CB52}">
   <ds:schemaRefs>
-    <ds:schemaRef ds:uri="http://schemas.microsoft.com/office/2006/metadata/properties"/>
-    <ds:schemaRef ds:uri="http://www.w3.org/XML/1998/namespace"/>
-    <ds:schemaRef ds:uri="http://schemas.microsoft.com/office/2006/documentManagement/types"/>
-    <ds:schemaRef ds:uri="http://purl.org/dc/elements/1.1/"/>
-    <ds:schemaRef ds:uri="http://purl.org/dc/terms/"/>
-    <ds:schemaRef ds:uri="http://purl.org/dc/dcmitype/"/>
-    <ds:schemaRef ds:uri="http://schemas.openxmlformats.org/package/2006/metadata/core-properties"/>
+    <ds:schemaRef ds:uri="http://schemas.microsoft.com/sharepoint/v3/contenttype/forms"/>
   </ds:schemaRefs>
 </ds:datastoreItem>
 </file>
--- a/presentations/TechnologyDrivenDevelopment.pptx
+++ b/presentations/TechnologyDrivenDevelopment.pptx
@@ -5,45 +5,46 @@
     <p:sldMasterId id="2147483648" r:id="rId4"/>
   </p:sldMasterIdLst>
   <p:notesMasterIdLst>
-    <p:notesMasterId r:id="rId41"/>
+    <p:notesMasterId r:id="rId42"/>
   </p:notesMasterIdLst>
   <p:sldIdLst>
     <p:sldId id="498" r:id="rId5"/>
     <p:sldId id="475" r:id="rId6"/>
-    <p:sldId id="480" r:id="rId7"/>
-    <p:sldId id="684" r:id="rId8"/>
-    <p:sldId id="694" r:id="rId9"/>
-    <p:sldId id="695" r:id="rId10"/>
-    <p:sldId id="696" r:id="rId11"/>
-    <p:sldId id="697" r:id="rId12"/>
-    <p:sldId id="698" r:id="rId13"/>
-    <p:sldId id="699" r:id="rId14"/>
-    <p:sldId id="700" r:id="rId15"/>
-    <p:sldId id="701" r:id="rId16"/>
-    <p:sldId id="702" r:id="rId17"/>
-    <p:sldId id="703" r:id="rId18"/>
-    <p:sldId id="704" r:id="rId19"/>
-    <p:sldId id="522" r:id="rId20"/>
-    <p:sldId id="619" r:id="rId21"/>
-    <p:sldId id="685" r:id="rId22"/>
-    <p:sldId id="686" r:id="rId23"/>
-    <p:sldId id="346" r:id="rId24"/>
-    <p:sldId id="635" r:id="rId25"/>
-    <p:sldId id="687" r:id="rId26"/>
-    <p:sldId id="690" r:id="rId27"/>
-    <p:sldId id="691" r:id="rId28"/>
-    <p:sldId id="692" r:id="rId29"/>
-    <p:sldId id="688" r:id="rId30"/>
-    <p:sldId id="693" r:id="rId31"/>
-    <p:sldId id="632" r:id="rId32"/>
-    <p:sldId id="689" r:id="rId33"/>
-    <p:sldId id="670" r:id="rId34"/>
-    <p:sldId id="656" r:id="rId35"/>
-    <p:sldId id="588" r:id="rId36"/>
-    <p:sldId id="510" r:id="rId37"/>
-    <p:sldId id="555" r:id="rId38"/>
-    <p:sldId id="552" r:id="rId39"/>
-    <p:sldId id="680" r:id="rId40"/>
+    <p:sldId id="705" r:id="rId7"/>
+    <p:sldId id="480" r:id="rId8"/>
+    <p:sldId id="684" r:id="rId9"/>
+    <p:sldId id="694" r:id="rId10"/>
+    <p:sldId id="695" r:id="rId11"/>
+    <p:sldId id="696" r:id="rId12"/>
+    <p:sldId id="697" r:id="rId13"/>
+    <p:sldId id="698" r:id="rId14"/>
+    <p:sldId id="699" r:id="rId15"/>
+    <p:sldId id="700" r:id="rId16"/>
+    <p:sldId id="701" r:id="rId17"/>
+    <p:sldId id="702" r:id="rId18"/>
+    <p:sldId id="703" r:id="rId19"/>
+    <p:sldId id="704" r:id="rId20"/>
+    <p:sldId id="522" r:id="rId21"/>
+    <p:sldId id="619" r:id="rId22"/>
+    <p:sldId id="685" r:id="rId23"/>
+    <p:sldId id="686" r:id="rId24"/>
+    <p:sldId id="346" r:id="rId25"/>
+    <p:sldId id="635" r:id="rId26"/>
+    <p:sldId id="687" r:id="rId27"/>
+    <p:sldId id="690" r:id="rId28"/>
+    <p:sldId id="691" r:id="rId29"/>
+    <p:sldId id="692" r:id="rId30"/>
+    <p:sldId id="688" r:id="rId31"/>
+    <p:sldId id="693" r:id="rId32"/>
+    <p:sldId id="632" r:id="rId33"/>
+    <p:sldId id="689" r:id="rId34"/>
+    <p:sldId id="670" r:id="rId35"/>
+    <p:sldId id="656" r:id="rId36"/>
+    <p:sldId id="588" r:id="rId37"/>
+    <p:sldId id="510" r:id="rId38"/>
+    <p:sldId id="555" r:id="rId39"/>
+    <p:sldId id="552" r:id="rId40"/>
+    <p:sldId id="680" r:id="rId41"/>
   </p:sldIdLst>
   <p:sldSz cx="9144000" cy="6858000" type="screen4x3"/>
   <p:notesSz cx="6807200" cy="9939338"/>
@@ -149,7 +150,7 @@
 <p:cmAuthorLst xmlns:a="http://schemas.openxmlformats.org/drawingml/2006/main" xmlns:r="http://schemas.openxmlformats.org/officeDocument/2006/relationships" xmlns:p="http://schemas.openxmlformats.org/presentationml/2006/main">
   <p:cmAuthor id="0" name="伊藤 宏幸" initials="" lastIdx="2" clrIdx="0"/>
   <p:cmAuthor id="1" name="楽天株式会社" initials="楽天株式会社" lastIdx="19" clrIdx="1"/>
-  <p:cmAuthor id="2" name="Hiroyuki Ito (The Hiro)" initials="TheHiro" lastIdx="2" clrIdx="2"/>
+  <p:cmAuthor id="2" name="Hiroyuki Ito (The Hiro)" initials="TheHiro" lastIdx="3" clrIdx="2"/>
 </p:cmAuthorLst>
 </file>
 
@@ -163,6 +164,15 @@
 </file>
 
 <file path=ppt/comments/comment2.xml><?xml version="1.0" encoding="utf-8"?>
+<p:cmLst xmlns:a="http://schemas.openxmlformats.org/drawingml/2006/main" xmlns:r="http://schemas.openxmlformats.org/officeDocument/2006/relationships" xmlns:p="http://schemas.openxmlformats.org/presentationml/2006/main">
+  <p:cm authorId="2" dt="2014-06-15T20:19:57.338" idx="3">
+    <p:pos x="3969" y="2945"/>
+    <p:text>画像が古いので改める</p:text>
+  </p:cm>
+</p:cmLst>
+</file>
+
+<file path=ppt/comments/comment3.xml><?xml version="1.0" encoding="utf-8"?>
 <p:cmLst xmlns:a="http://schemas.openxmlformats.org/drawingml/2006/main" xmlns:r="http://schemas.openxmlformats.org/officeDocument/2006/relationships" xmlns:p="http://schemas.openxmlformats.org/presentationml/2006/main">
   <p:cm authorId="2" dt="2014-06-02T17:54:25.528" idx="2">
     <p:pos x="4902" y="814"/>
@@ -253,7 +263,7 @@
           <a:p>
             <a:fld id="{94AE22AB-730F-4C4B-A6E7-89E97B93078F}" type="datetimeFigureOut">
               <a:rPr kumimoji="1" lang="ja-JP" altLang="en-US" smtClean="0"/>
-              <a:t>2014/6/2</a:t>
+              <a:t>2014/6/15</a:t>
             </a:fld>
             <a:endParaRPr kumimoji="1" lang="ja-JP" altLang="en-US" dirty="0"/>
           </a:p>
@@ -759,7 +769,7 @@
           <a:p>
             <a:fld id="{0D38E3F1-FAA5-4043-BB02-BBDB9D30AFA5}" type="slidenum">
               <a:rPr kumimoji="1" lang="ja-JP" altLang="en-US" smtClean="0"/>
-              <a:t>22</a:t>
+              <a:t>23</a:t>
             </a:fld>
             <a:endParaRPr kumimoji="1" lang="ja-JP" altLang="en-US" dirty="0"/>
           </a:p>
@@ -885,7 +895,7 @@
           <a:p>
             <a:fld id="{0D38E3F1-FAA5-4043-BB02-BBDB9D30AFA5}" type="slidenum">
               <a:rPr kumimoji="1" lang="ja-JP" altLang="en-US" smtClean="0"/>
-              <a:t>26</a:t>
+              <a:t>27</a:t>
             </a:fld>
             <a:endParaRPr kumimoji="1" lang="ja-JP" altLang="en-US" dirty="0"/>
           </a:p>
@@ -996,7 +1006,7 @@
           <a:p>
             <a:fld id="{0D38E3F1-FAA5-4043-BB02-BBDB9D30AFA5}" type="slidenum">
               <a:rPr kumimoji="1" lang="ja-JP" altLang="en-US" smtClean="0"/>
-              <a:t>28</a:t>
+              <a:t>29</a:t>
             </a:fld>
             <a:endParaRPr kumimoji="1" lang="ja-JP" altLang="en-US" dirty="0"/>
           </a:p>
@@ -1122,7 +1132,7 @@
           <a:p>
             <a:fld id="{0D38E3F1-FAA5-4043-BB02-BBDB9D30AFA5}" type="slidenum">
               <a:rPr kumimoji="1" lang="ja-JP" altLang="en-US" smtClean="0"/>
-              <a:t>29</a:t>
+              <a:t>30</a:t>
             </a:fld>
             <a:endParaRPr kumimoji="1" lang="ja-JP" altLang="en-US" dirty="0"/>
           </a:p>
@@ -1210,7 +1220,7 @@
           <a:p>
             <a:fld id="{0D38E3F1-FAA5-4043-BB02-BBDB9D30AFA5}" type="slidenum">
               <a:rPr kumimoji="1" lang="ja-JP" altLang="en-US" smtClean="0"/>
-              <a:t>30</a:t>
+              <a:t>31</a:t>
             </a:fld>
             <a:endParaRPr kumimoji="1" lang="ja-JP" altLang="en-US" dirty="0"/>
           </a:p>
@@ -1298,7 +1308,7 @@
           <a:p>
             <a:fld id="{0D38E3F1-FAA5-4043-BB02-BBDB9D30AFA5}" type="slidenum">
               <a:rPr kumimoji="1" lang="ja-JP" altLang="en-US" smtClean="0"/>
-              <a:t>31</a:t>
+              <a:t>32</a:t>
             </a:fld>
             <a:endParaRPr kumimoji="1" lang="ja-JP" altLang="en-US" dirty="0"/>
           </a:p>
@@ -1386,7 +1396,7 @@
           <a:p>
             <a:fld id="{0D38E3F1-FAA5-4043-BB02-BBDB9D30AFA5}" type="slidenum">
               <a:rPr kumimoji="1" lang="ja-JP" altLang="en-US" smtClean="0"/>
-              <a:t>32</a:t>
+              <a:t>33</a:t>
             </a:fld>
             <a:endParaRPr kumimoji="1" lang="ja-JP" altLang="en-US" dirty="0"/>
           </a:p>
@@ -1502,7 +1512,7 @@
           <a:p>
             <a:fld id="{0D38E3F1-FAA5-4043-BB02-BBDB9D30AFA5}" type="slidenum">
               <a:rPr kumimoji="1" lang="ja-JP" altLang="en-US" smtClean="0"/>
-              <a:t>33</a:t>
+              <a:t>34</a:t>
             </a:fld>
             <a:endParaRPr kumimoji="1" lang="ja-JP" altLang="en-US" dirty="0"/>
           </a:p>
@@ -1590,7 +1600,7 @@
           <a:p>
             <a:fld id="{0D38E3F1-FAA5-4043-BB02-BBDB9D30AFA5}" type="slidenum">
               <a:rPr kumimoji="1" lang="ja-JP" altLang="en-US" smtClean="0"/>
-              <a:t>34</a:t>
+              <a:t>35</a:t>
             </a:fld>
             <a:endParaRPr kumimoji="1" lang="ja-JP" altLang="en-US" dirty="0"/>
           </a:p>
@@ -1692,7 +1702,7 @@
           <a:p>
             <a:fld id="{0D38E3F1-FAA5-4043-BB02-BBDB9D30AFA5}" type="slidenum">
               <a:rPr kumimoji="1" lang="ja-JP" altLang="en-US" smtClean="0"/>
-              <a:t>35</a:t>
+              <a:t>36</a:t>
             </a:fld>
             <a:endParaRPr kumimoji="1" lang="ja-JP" altLang="en-US" dirty="0"/>
           </a:p>
@@ -1899,7 +1909,7 @@
           <a:p>
             <a:fld id="{0D38E3F1-FAA5-4043-BB02-BBDB9D30AFA5}" type="slidenum">
               <a:rPr kumimoji="1" lang="ja-JP" altLang="en-US" smtClean="0"/>
-              <a:t>36</a:t>
+              <a:t>37</a:t>
             </a:fld>
             <a:endParaRPr kumimoji="1" lang="ja-JP" altLang="en-US" dirty="0"/>
           </a:p>
@@ -2025,7 +2035,7 @@
           <a:p>
             <a:fld id="{0D38E3F1-FAA5-4043-BB02-BBDB9D30AFA5}" type="slidenum">
               <a:rPr kumimoji="1" lang="ja-JP" altLang="en-US" smtClean="0"/>
-              <a:t>3</a:t>
+              <a:t>4</a:t>
             </a:fld>
             <a:endParaRPr kumimoji="1" lang="ja-JP" altLang="en-US" dirty="0"/>
           </a:p>
@@ -2151,7 +2161,7 @@
           <a:p>
             <a:fld id="{0D38E3F1-FAA5-4043-BB02-BBDB9D30AFA5}" type="slidenum">
               <a:rPr kumimoji="1" lang="ja-JP" altLang="en-US" smtClean="0"/>
-              <a:t>4</a:t>
+              <a:t>5</a:t>
             </a:fld>
             <a:endParaRPr kumimoji="1" lang="ja-JP" altLang="en-US" dirty="0"/>
           </a:p>
@@ -2375,7 +2385,7 @@
           <a:p>
             <a:fld id="{0D38E3F1-FAA5-4043-BB02-BBDB9D30AFA5}" type="slidenum">
               <a:rPr kumimoji="1" lang="ja-JP" altLang="en-US" smtClean="0"/>
-              <a:t>16</a:t>
+              <a:t>17</a:t>
             </a:fld>
             <a:endParaRPr kumimoji="1" lang="ja-JP" altLang="en-US" dirty="0"/>
           </a:p>
@@ -2550,7 +2560,7 @@
           <a:p>
             <a:fld id="{0D38E3F1-FAA5-4043-BB02-BBDB9D30AFA5}" type="slidenum">
               <a:rPr kumimoji="1" lang="ja-JP" altLang="en-US" smtClean="0"/>
-              <a:t>17</a:t>
+              <a:t>18</a:t>
             </a:fld>
             <a:endParaRPr kumimoji="1" lang="ja-JP" altLang="en-US" dirty="0"/>
           </a:p>
@@ -2676,7 +2686,7 @@
           <a:p>
             <a:fld id="{0D38E3F1-FAA5-4043-BB02-BBDB9D30AFA5}" type="slidenum">
               <a:rPr kumimoji="1" lang="ja-JP" altLang="en-US" smtClean="0"/>
-              <a:t>18</a:t>
+              <a:t>19</a:t>
             </a:fld>
             <a:endParaRPr kumimoji="1" lang="ja-JP" altLang="en-US" dirty="0"/>
           </a:p>
@@ -3286,7 +3296,7 @@
           <a:p>
             <a:fld id="{0D38E3F1-FAA5-4043-BB02-BBDB9D30AFA5}" type="slidenum">
               <a:rPr kumimoji="1" lang="ja-JP" altLang="en-US" smtClean="0"/>
-              <a:t>20</a:t>
+              <a:t>21</a:t>
             </a:fld>
             <a:endParaRPr kumimoji="1" lang="ja-JP" altLang="en-US" dirty="0"/>
           </a:p>
@@ -3410,7 +3420,7 @@
           <a:p>
             <a:fld id="{0D38E3F1-FAA5-4043-BB02-BBDB9D30AFA5}" type="slidenum">
               <a:rPr kumimoji="1" lang="ja-JP" altLang="en-US" smtClean="0"/>
-              <a:t>21</a:t>
+              <a:t>22</a:t>
             </a:fld>
             <a:endParaRPr kumimoji="1" lang="ja-JP" altLang="en-US" dirty="0"/>
           </a:p>
@@ -4419,8 +4429,17 @@
               <a:rPr lang="en-US" altLang="ja-JP" sz="1400" b="1" dirty="0" smtClean="0">
                 <a:latin typeface="Arial" pitchFamily="34" charset="0"/>
                 <a:cs typeface="Arial" pitchFamily="34" charset="0"/>
-              </a:rPr>
-              <a:t>http://www.rakuten.co.jp/</a:t>
+                <a:hlinkClick r:id="rId3"/>
+              </a:rPr>
+              <a:t>http://www.rakuten.co.jp</a:t>
+            </a:r>
+            <a:r>
+              <a:rPr lang="en-US" altLang="ja-JP" sz="1400" b="1" dirty="0" smtClean="0">
+                <a:latin typeface="Arial" pitchFamily="34" charset="0"/>
+                <a:cs typeface="Arial" pitchFamily="34" charset="0"/>
+                <a:hlinkClick r:id="rId3"/>
+              </a:rPr>
+              <a:t>/</a:t>
             </a:r>
             <a:endParaRPr lang="en-US" altLang="ja-JP" sz="1400" b="1" dirty="0">
               <a:latin typeface="Arial" pitchFamily="34" charset="0"/>
@@ -4522,7 +4541,7 @@
                 <a:ea typeface="+mn-ea"/>
                 <a:cs typeface="ＭＳ 明朝"/>
               </a:rPr>
-              <a:t>3) </a:t>
+              <a:t>2) </a:t>
             </a:r>
             <a:r>
               <a:rPr kumimoji="0" lang="ja-JP" altLang="en-US" sz="4400" b="0" kern="0" dirty="0" smtClean="0">
@@ -4533,7 +4552,7 @@
                 <a:ea typeface="+mn-ea"/>
                 <a:cs typeface="ＭＳ 明朝"/>
               </a:rPr>
-              <a:t>テストもリリースも全て</a:t>
+              <a:t>レガシーコードの</a:t>
             </a:r>
             <a:r>
               <a:rPr kumimoji="0" lang="ja-JP" altLang="en-US" sz="4400" b="0" kern="0" dirty="0" smtClean="0">
@@ -4544,9 +4563,9 @@
                 <a:ea typeface="+mn-ea"/>
                 <a:cs typeface="ＭＳ 明朝"/>
               </a:rPr>
-              <a:t>手作業</a:t>
-            </a:r>
-            <a:endParaRPr kumimoji="0" lang="en-US" altLang="ja-JP" sz="4400" b="0" kern="0" dirty="0" smtClean="0">
+              <a:t>エンハンス</a:t>
+            </a:r>
+            <a:endParaRPr kumimoji="0" lang="en-US" altLang="ja-JP" sz="4400" b="0" kern="0" dirty="0">
               <a:solidFill>
                 <a:srgbClr val="BF0000"/>
               </a:solidFill>
@@ -4556,7 +4575,7 @@
             </a:endParaRPr>
           </a:p>
           <a:p>
-            <a:pPr indent="622300" algn="l">
+            <a:pPr indent="620713" algn="l">
               <a:spcBef>
                 <a:spcPts val="0"/>
               </a:spcBef>
@@ -4564,7 +4583,7 @@
             <a:r>
               <a:rPr kumimoji="0" lang="en-US" altLang="ja-JP" sz="4400" b="0" kern="0" dirty="0" smtClean="0">
                 <a:solidFill>
-                  <a:schemeClr val="tx1"/>
+                  <a:srgbClr val="000000"/>
                 </a:solidFill>
                 <a:latin typeface="+mn-ea"/>
                 <a:ea typeface="+mn-ea"/>
@@ -4575,17 +4594,17 @@
             <a:r>
               <a:rPr kumimoji="0" lang="ja-JP" altLang="en-US" sz="4400" b="0" kern="0" dirty="0" smtClean="0">
                 <a:solidFill>
-                  <a:schemeClr val="tx1"/>
+                  <a:srgbClr val="000000"/>
                 </a:solidFill>
                 <a:latin typeface="+mn-ea"/>
                 <a:ea typeface="+mn-ea"/>
                 <a:cs typeface="ＭＳ 明朝"/>
               </a:rPr>
-              <a:t>徹夜なんてザラ</a:t>
-            </a:r>
-            <a:endParaRPr kumimoji="0" lang="en-US" altLang="ja-JP" sz="4400" b="0" kern="0" dirty="0" smtClean="0">
+              <a:t>自動テストなどない</a:t>
+            </a:r>
+            <a:endParaRPr kumimoji="0" lang="ja-JP" altLang="en-US" sz="4400" b="0" kern="0" dirty="0">
               <a:solidFill>
-                <a:schemeClr val="tx1"/>
+                <a:srgbClr val="000000"/>
               </a:solidFill>
               <a:latin typeface="+mn-ea"/>
               <a:ea typeface="+mn-ea"/>
@@ -4597,7 +4616,7 @@
     </p:spTree>
     <p:extLst>
       <p:ext uri="{BB962C8B-B14F-4D97-AF65-F5344CB8AC3E}">
-        <p14:creationId xmlns:p14="http://schemas.microsoft.com/office/powerpoint/2010/main" val="810821384"/>
+        <p14:creationId xmlns:p14="http://schemas.microsoft.com/office/powerpoint/2010/main" val="3030580250"/>
       </p:ext>
     </p:extLst>
   </p:cSld>
@@ -4687,7 +4706,7 @@
                 <a:ea typeface="+mn-ea"/>
                 <a:cs typeface="ＭＳ 明朝"/>
               </a:rPr>
-              <a:t>4) </a:t>
+              <a:t>3) </a:t>
             </a:r>
             <a:r>
               <a:rPr kumimoji="0" lang="ja-JP" altLang="en-US" sz="4400" b="0" kern="0" dirty="0" smtClean="0">
@@ -4698,7 +4717,7 @@
                 <a:ea typeface="+mn-ea"/>
                 <a:cs typeface="ＭＳ 明朝"/>
               </a:rPr>
-              <a:t>メンバーが非常に</a:t>
+              <a:t>テストもリリースも全て</a:t>
             </a:r>
             <a:r>
               <a:rPr kumimoji="0" lang="ja-JP" altLang="en-US" sz="4400" b="0" kern="0" dirty="0" smtClean="0">
@@ -4709,7 +4728,7 @@
                 <a:ea typeface="+mn-ea"/>
                 <a:cs typeface="ＭＳ 明朝"/>
               </a:rPr>
-              <a:t>若い</a:t>
+              <a:t>手作業</a:t>
             </a:r>
             <a:endParaRPr kumimoji="0" lang="en-US" altLang="ja-JP" sz="4400" b="0" kern="0" dirty="0" smtClean="0">
               <a:solidFill>
@@ -4729,9 +4748,10 @@
             <a:r>
               <a:rPr kumimoji="0" lang="en-US" altLang="ja-JP" sz="4400" b="0" kern="0" dirty="0" smtClean="0">
                 <a:solidFill>
-                  <a:srgbClr val="000000"/>
+                  <a:schemeClr val="tx1"/>
                 </a:solidFill>
                 <a:latin typeface="+mn-ea"/>
+                <a:ea typeface="+mn-ea"/>
                 <a:cs typeface="ＭＳ 明朝"/>
               </a:rPr>
               <a:t>※</a:t>
@@ -4739,18 +4759,20 @@
             <a:r>
               <a:rPr kumimoji="0" lang="ja-JP" altLang="en-US" sz="4400" b="0" kern="0" dirty="0" smtClean="0">
                 <a:solidFill>
-                  <a:srgbClr val="000000"/>
+                  <a:schemeClr val="tx1"/>
                 </a:solidFill>
                 <a:latin typeface="+mn-ea"/>
+                <a:ea typeface="+mn-ea"/>
                 <a:cs typeface="ＭＳ 明朝"/>
               </a:rPr>
-              <a:t>平均キャリアは３年前後</a:t>
-            </a:r>
-            <a:endParaRPr kumimoji="0" lang="ja-JP" altLang="en-US" sz="4400" b="0" kern="0" dirty="0">
+              <a:t>徹夜なんてザラ</a:t>
+            </a:r>
+            <a:endParaRPr kumimoji="0" lang="en-US" altLang="ja-JP" sz="4400" b="0" kern="0" dirty="0" smtClean="0">
               <a:solidFill>
-                <a:srgbClr val="000000"/>
+                <a:schemeClr val="tx1"/>
               </a:solidFill>
               <a:latin typeface="+mn-ea"/>
+              <a:ea typeface="+mn-ea"/>
               <a:cs typeface="ＭＳ 明朝"/>
             </a:endParaRPr>
           </a:p>
@@ -4759,7 +4781,7 @@
     </p:spTree>
     <p:extLst>
       <p:ext uri="{BB962C8B-B14F-4D97-AF65-F5344CB8AC3E}">
-        <p14:creationId xmlns:p14="http://schemas.microsoft.com/office/powerpoint/2010/main" val="2305762005"/>
+        <p14:creationId xmlns:p14="http://schemas.microsoft.com/office/powerpoint/2010/main" val="810821384"/>
       </p:ext>
     </p:extLst>
   </p:cSld>
@@ -4803,8 +4825,8 @@
         </p:nvSpPr>
         <p:spPr>
           <a:xfrm>
-            <a:off x="107504" y="1192412"/>
-            <a:ext cx="8928992" cy="4473176"/>
+            <a:off x="179512" y="1192412"/>
+            <a:ext cx="8784976" cy="4473176"/>
           </a:xfrm>
           <a:prstGeom prst="rect">
             <a:avLst/>
@@ -4835,20 +4857,47 @@
             </a:lvl1pPr>
           </a:lstStyle>
           <a:p>
-            <a:r>
-              <a:rPr lang="ja-JP" altLang="en-US" sz="8800" b="0" dirty="0" smtClean="0">
-                <a:solidFill>
-                  <a:schemeClr val="tx1"/>
+            <a:pPr algn="l">
+              <a:spcBef>
+                <a:spcPts val="0"/>
+              </a:spcBef>
+            </a:pPr>
+            <a:r>
+              <a:rPr kumimoji="0" lang="en-US" altLang="ja-JP" sz="4400" b="0" kern="0" dirty="0" smtClean="0">
+                <a:solidFill>
+                  <a:srgbClr val="000000"/>
                 </a:solidFill>
                 <a:latin typeface="+mn-ea"/>
                 <a:ea typeface="+mn-ea"/>
                 <a:cs typeface="ＭＳ 明朝"/>
               </a:rPr>
-              <a:t>皆さんなら</a:t>
-            </a:r>
-            <a:endParaRPr lang="en-US" altLang="ja-JP" sz="8800" b="0" dirty="0" smtClean="0">
+              <a:t>4) </a:t>
+            </a:r>
+            <a:r>
+              <a:rPr kumimoji="0" lang="ja-JP" altLang="en-US" sz="4400" b="0" kern="0" dirty="0" smtClean="0">
+                <a:solidFill>
+                  <a:srgbClr val="000000"/>
+                </a:solidFill>
+                <a:latin typeface="+mn-ea"/>
+                <a:ea typeface="+mn-ea"/>
+                <a:cs typeface="ＭＳ 明朝"/>
+              </a:rPr>
+              <a:t>メンバーが非常に</a:t>
+            </a:r>
+            <a:r>
+              <a:rPr kumimoji="0" lang="ja-JP" altLang="en-US" sz="4400" b="0" kern="0" dirty="0" smtClean="0">
+                <a:solidFill>
+                  <a:srgbClr val="BF0000"/>
+                </a:solidFill>
+                <a:latin typeface="+mn-ea"/>
+                <a:ea typeface="+mn-ea"/>
+                <a:cs typeface="ＭＳ 明朝"/>
+              </a:rPr>
+              <a:t>若い</a:t>
+            </a:r>
+            <a:endParaRPr kumimoji="0" lang="en-US" altLang="ja-JP" sz="4400" b="0" kern="0" dirty="0" smtClean="0">
               <a:solidFill>
-                <a:schemeClr val="tx1"/>
+                <a:srgbClr val="BF0000"/>
               </a:solidFill>
               <a:latin typeface="+mn-ea"/>
               <a:ea typeface="+mn-ea"/>
@@ -4856,34 +4905,36 @@
             </a:endParaRPr>
           </a:p>
           <a:p>
-            <a:r>
-              <a:rPr lang="ja-JP" altLang="en-US" sz="8800" b="0" dirty="0" smtClean="0">
-                <a:solidFill>
-                  <a:srgbClr val="BF0000"/>
+            <a:pPr indent="622300" algn="l">
+              <a:spcBef>
+                <a:spcPts val="0"/>
+              </a:spcBef>
+            </a:pPr>
+            <a:r>
+              <a:rPr kumimoji="0" lang="en-US" altLang="ja-JP" sz="4400" b="0" kern="0" dirty="0" smtClean="0">
+                <a:solidFill>
+                  <a:srgbClr val="000000"/>
                 </a:solidFill>
                 <a:latin typeface="+mn-ea"/>
-                <a:ea typeface="+mn-ea"/>
                 <a:cs typeface="ＭＳ 明朝"/>
               </a:rPr>
-              <a:t>どう</a:t>
-            </a:r>
-            <a:r>
-              <a:rPr lang="ja-JP" altLang="en-US" sz="8800" b="0" dirty="0" smtClean="0">
-                <a:solidFill>
-                  <a:schemeClr val="tx1"/>
+              <a:t>※</a:t>
+            </a:r>
+            <a:r>
+              <a:rPr kumimoji="0" lang="ja-JP" altLang="en-US" sz="4400" b="0" kern="0" dirty="0" smtClean="0">
+                <a:solidFill>
+                  <a:srgbClr val="000000"/>
                 </a:solidFill>
                 <a:latin typeface="+mn-ea"/>
-                <a:ea typeface="+mn-ea"/>
                 <a:cs typeface="ＭＳ 明朝"/>
               </a:rPr>
-              <a:t>思いますか？</a:t>
-            </a:r>
-            <a:endParaRPr lang="en-US" altLang="ja-JP" sz="8800" b="0" dirty="0" smtClean="0">
+              <a:t>平均キャリアは３年前後</a:t>
+            </a:r>
+            <a:endParaRPr kumimoji="0" lang="ja-JP" altLang="en-US" sz="4400" b="0" kern="0" dirty="0">
               <a:solidFill>
-                <a:schemeClr val="tx1"/>
+                <a:srgbClr val="000000"/>
               </a:solidFill>
               <a:latin typeface="+mn-ea"/>
-              <a:ea typeface="+mn-ea"/>
               <a:cs typeface="ＭＳ 明朝"/>
             </a:endParaRPr>
           </a:p>
@@ -4892,7 +4943,7 @@
     </p:spTree>
     <p:extLst>
       <p:ext uri="{BB962C8B-B14F-4D97-AF65-F5344CB8AC3E}">
-        <p14:creationId xmlns:p14="http://schemas.microsoft.com/office/powerpoint/2010/main" val="3663135761"/>
+        <p14:creationId xmlns:p14="http://schemas.microsoft.com/office/powerpoint/2010/main" val="2305762005"/>
       </p:ext>
     </p:extLst>
   </p:cSld>
@@ -4969,19 +5020,19 @@
           </a:lstStyle>
           <a:p>
             <a:r>
-              <a:rPr lang="ja-JP" altLang="en-US" sz="9600" b="0" dirty="0" smtClean="0">
-                <a:solidFill>
-                  <a:srgbClr val="000000"/>
+              <a:rPr lang="ja-JP" altLang="en-US" sz="8800" b="0" dirty="0" smtClean="0">
+                <a:solidFill>
+                  <a:schemeClr val="tx1"/>
                 </a:solidFill>
                 <a:latin typeface="+mn-ea"/>
                 <a:ea typeface="+mn-ea"/>
                 <a:cs typeface="ＭＳ 明朝"/>
               </a:rPr>
-              <a:t>私は</a:t>
-            </a:r>
-            <a:endParaRPr lang="en-US" altLang="ja-JP" sz="9600" b="0" dirty="0" smtClean="0">
+              <a:t>皆さんなら</a:t>
+            </a:r>
+            <a:endParaRPr lang="en-US" altLang="ja-JP" sz="8800" b="0" dirty="0" smtClean="0">
               <a:solidFill>
-                <a:srgbClr val="000000"/>
+                <a:schemeClr val="tx1"/>
               </a:solidFill>
               <a:latin typeface="+mn-ea"/>
               <a:ea typeface="+mn-ea"/>
@@ -4990,7 +5041,7 @@
           </a:p>
           <a:p>
             <a:r>
-              <a:rPr lang="ja-JP" altLang="en-US" sz="9600" b="0" dirty="0" smtClean="0">
+              <a:rPr lang="ja-JP" altLang="en-US" sz="8800" b="0" dirty="0" smtClean="0">
                 <a:solidFill>
                   <a:srgbClr val="BF0000"/>
                 </a:solidFill>
@@ -4998,22 +5049,22 @@
                 <a:ea typeface="+mn-ea"/>
                 <a:cs typeface="ＭＳ 明朝"/>
               </a:rPr>
-              <a:t>わくわく</a:t>
-            </a:r>
-            <a:r>
-              <a:rPr lang="ja-JP" altLang="en-US" sz="9600" b="0" dirty="0" smtClean="0">
-                <a:solidFill>
-                  <a:srgbClr val="000000"/>
+              <a:t>どう</a:t>
+            </a:r>
+            <a:r>
+              <a:rPr lang="ja-JP" altLang="en-US" sz="8800" b="0" dirty="0" smtClean="0">
+                <a:solidFill>
+                  <a:schemeClr val="tx1"/>
                 </a:solidFill>
                 <a:latin typeface="+mn-ea"/>
                 <a:ea typeface="+mn-ea"/>
                 <a:cs typeface="ＭＳ 明朝"/>
               </a:rPr>
-              <a:t>しました。</a:t>
-            </a:r>
-            <a:endParaRPr lang="en-US" altLang="ja-JP" sz="9600" b="0" dirty="0" smtClean="0">
+              <a:t>思いますか？</a:t>
+            </a:r>
+            <a:endParaRPr lang="en-US" altLang="ja-JP" sz="8800" b="0" dirty="0" smtClean="0">
               <a:solidFill>
-                <a:srgbClr val="000000"/>
+                <a:schemeClr val="tx1"/>
               </a:solidFill>
               <a:latin typeface="+mn-ea"/>
               <a:ea typeface="+mn-ea"/>
@@ -5025,7 +5076,7 @@
     </p:spTree>
     <p:extLst>
       <p:ext uri="{BB962C8B-B14F-4D97-AF65-F5344CB8AC3E}">
-        <p14:creationId xmlns:p14="http://schemas.microsoft.com/office/powerpoint/2010/main" val="2585997850"/>
+        <p14:creationId xmlns:p14="http://schemas.microsoft.com/office/powerpoint/2010/main" val="3663135761"/>
       </p:ext>
     </p:extLst>
   </p:cSld>
@@ -5110,6 +5161,139 @@
                 <a:ea typeface="+mn-ea"/>
                 <a:cs typeface="ＭＳ 明朝"/>
               </a:rPr>
+              <a:t>私は</a:t>
+            </a:r>
+            <a:endParaRPr lang="en-US" altLang="ja-JP" sz="9600" b="0" dirty="0" smtClean="0">
+              <a:solidFill>
+                <a:srgbClr val="000000"/>
+              </a:solidFill>
+              <a:latin typeface="+mn-ea"/>
+              <a:ea typeface="+mn-ea"/>
+              <a:cs typeface="ＭＳ 明朝"/>
+            </a:endParaRPr>
+          </a:p>
+          <a:p>
+            <a:r>
+              <a:rPr lang="ja-JP" altLang="en-US" sz="9600" b="0" dirty="0" smtClean="0">
+                <a:solidFill>
+                  <a:srgbClr val="BF0000"/>
+                </a:solidFill>
+                <a:latin typeface="+mn-ea"/>
+                <a:ea typeface="+mn-ea"/>
+                <a:cs typeface="ＭＳ 明朝"/>
+              </a:rPr>
+              <a:t>わくわく</a:t>
+            </a:r>
+            <a:r>
+              <a:rPr lang="ja-JP" altLang="en-US" sz="9600" b="0" dirty="0" smtClean="0">
+                <a:solidFill>
+                  <a:srgbClr val="000000"/>
+                </a:solidFill>
+                <a:latin typeface="+mn-ea"/>
+                <a:ea typeface="+mn-ea"/>
+                <a:cs typeface="ＭＳ 明朝"/>
+              </a:rPr>
+              <a:t>しました。</a:t>
+            </a:r>
+            <a:endParaRPr lang="en-US" altLang="ja-JP" sz="9600" b="0" dirty="0" smtClean="0">
+              <a:solidFill>
+                <a:srgbClr val="000000"/>
+              </a:solidFill>
+              <a:latin typeface="+mn-ea"/>
+              <a:ea typeface="+mn-ea"/>
+              <a:cs typeface="ＭＳ 明朝"/>
+            </a:endParaRPr>
+          </a:p>
+        </p:txBody>
+      </p:sp>
+    </p:spTree>
+    <p:extLst>
+      <p:ext uri="{BB962C8B-B14F-4D97-AF65-F5344CB8AC3E}">
+        <p14:creationId xmlns:p14="http://schemas.microsoft.com/office/powerpoint/2010/main" val="2585997850"/>
+      </p:ext>
+    </p:extLst>
+  </p:cSld>
+  <p:clrMapOvr>
+    <a:masterClrMapping/>
+  </p:clrMapOvr>
+  <p:timing>
+    <p:tnLst>
+      <p:par>
+        <p:cTn id="1" dur="indefinite" restart="never" nodeType="tmRoot"/>
+      </p:par>
+    </p:tnLst>
+  </p:timing>
+</p:sld>
+</file>
+
+<file path=ppt/slides/slide15.xml><?xml version="1.0" encoding="utf-8"?>
+<p:sld xmlns:a="http://schemas.openxmlformats.org/drawingml/2006/main" xmlns:r="http://schemas.openxmlformats.org/officeDocument/2006/relationships" xmlns:p="http://schemas.openxmlformats.org/presentationml/2006/main">
+  <p:cSld>
+    <p:spTree>
+      <p:nvGrpSpPr>
+        <p:cNvPr id="1" name=""/>
+        <p:cNvGrpSpPr/>
+        <p:nvPr/>
+      </p:nvGrpSpPr>
+      <p:grpSpPr>
+        <a:xfrm>
+          <a:off x="0" y="0"/>
+          <a:ext cx="0" cy="0"/>
+          <a:chOff x="0" y="0"/>
+          <a:chExt cx="0" cy="0"/>
+        </a:xfrm>
+      </p:grpSpPr>
+      <p:sp>
+        <p:nvSpPr>
+          <p:cNvPr id="7" name="タイトル 2"/>
+          <p:cNvSpPr txBox="1">
+            <a:spLocks/>
+          </p:cNvSpPr>
+          <p:nvPr/>
+        </p:nvSpPr>
+        <p:spPr>
+          <a:xfrm>
+            <a:off x="107504" y="1192412"/>
+            <a:ext cx="8928992" cy="4473176"/>
+          </a:xfrm>
+          <a:prstGeom prst="rect">
+            <a:avLst/>
+          </a:prstGeom>
+          <a:noFill/>
+          <a:ln>
+            <a:noFill/>
+          </a:ln>
+        </p:spPr>
+        <p:txBody>
+          <a:bodyPr anchor="ctr" anchorCtr="0">
+            <a:noAutofit/>
+          </a:bodyPr>
+          <a:lstStyle>
+            <a:lvl1pPr algn="ctr" defTabSz="914400" rtl="0" eaLnBrk="1" latinLnBrk="0" hangingPunct="1">
+              <a:spcBef>
+                <a:spcPct val="0"/>
+              </a:spcBef>
+              <a:buNone/>
+              <a:defRPr kumimoji="1" sz="2800" b="1" kern="1200" baseline="0">
+                <a:solidFill>
+                  <a:srgbClr val="C00000"/>
+                </a:solidFill>
+                <a:latin typeface="Arial" pitchFamily="34" charset="0"/>
+                <a:ea typeface="ＭＳ Ｐゴシック" pitchFamily="50" charset="-128"/>
+                <a:cs typeface="+mj-cs"/>
+              </a:defRPr>
+            </a:lvl1pPr>
+          </a:lstStyle>
+          <a:p>
+            <a:r>
+              <a:rPr lang="ja-JP" altLang="en-US" sz="9600" b="0" dirty="0" smtClean="0">
+                <a:solidFill>
+                  <a:srgbClr val="000000"/>
+                </a:solidFill>
+                <a:latin typeface="+mn-ea"/>
+                <a:ea typeface="+mn-ea"/>
+                <a:cs typeface="ＭＳ 明朝"/>
+              </a:rPr>
               <a:t>どこに</a:t>
             </a:r>
             <a:endParaRPr lang="en-US" altLang="ja-JP" sz="9600" b="0" dirty="0" smtClean="0">
@@ -5188,7 +5372,7 @@
 </p:sld>
 </file>
 
-<file path=ppt/slides/slide15.xml><?xml version="1.0" encoding="utf-8"?>
+<file path=ppt/slides/slide16.xml><?xml version="1.0" encoding="utf-8"?>
 <p:sld xmlns:a="http://schemas.openxmlformats.org/drawingml/2006/main" xmlns:r="http://schemas.openxmlformats.org/officeDocument/2006/relationships" xmlns:p="http://schemas.openxmlformats.org/presentationml/2006/main">
   <p:cSld>
     <p:spTree>
@@ -6215,7 +6399,7 @@
 </p:sld>
 </file>
 
-<file path=ppt/slides/slide16.xml><?xml version="1.0" encoding="utf-8"?>
+<file path=ppt/slides/slide17.xml><?xml version="1.0" encoding="utf-8"?>
 <p:sld xmlns:a="http://schemas.openxmlformats.org/drawingml/2006/main" xmlns:r="http://schemas.openxmlformats.org/officeDocument/2006/relationships" xmlns:p="http://schemas.openxmlformats.org/presentationml/2006/main">
   <p:cSld>
     <p:spTree>
@@ -7733,7 +7917,7 @@
 </p:sld>
 </file>
 
-<file path=ppt/slides/slide17.xml><?xml version="1.0" encoding="utf-8"?>
+<file path=ppt/slides/slide18.xml><?xml version="1.0" encoding="utf-8"?>
 <p:sld xmlns:a="http://schemas.openxmlformats.org/drawingml/2006/main" xmlns:r="http://schemas.openxmlformats.org/officeDocument/2006/relationships" xmlns:p="http://schemas.openxmlformats.org/presentationml/2006/main">
   <p:cSld>
     <p:spTree>
@@ -10443,7 +10627,7 @@
 </p:sld>
 </file>
 
-<file path=ppt/slides/slide18.xml><?xml version="1.0" encoding="utf-8"?>
+<file path=ppt/slides/slide19.xml><?xml version="1.0" encoding="utf-8"?>
 <p:sld xmlns:a="http://schemas.openxmlformats.org/drawingml/2006/main" xmlns:r="http://schemas.openxmlformats.org/officeDocument/2006/relationships" xmlns:p="http://schemas.openxmlformats.org/presentationml/2006/main">
   <p:cSld>
     <p:spTree>
@@ -11522,7 +11706,373 @@
 </p:sld>
 </file>
 
-<file path=ppt/slides/slide19.xml><?xml version="1.0" encoding="utf-8"?>
+<file path=ppt/slides/slide2.xml><?xml version="1.0" encoding="utf-8"?>
+<p:sld xmlns:a="http://schemas.openxmlformats.org/drawingml/2006/main" xmlns:r="http://schemas.openxmlformats.org/officeDocument/2006/relationships" xmlns:p="http://schemas.openxmlformats.org/presentationml/2006/main">
+  <p:cSld>
+    <p:spTree>
+      <p:nvGrpSpPr>
+        <p:cNvPr id="1" name=""/>
+        <p:cNvGrpSpPr/>
+        <p:nvPr/>
+      </p:nvGrpSpPr>
+      <p:grpSpPr>
+        <a:xfrm>
+          <a:off x="0" y="0"/>
+          <a:ext cx="0" cy="0"/>
+          <a:chOff x="0" y="0"/>
+          <a:chExt cx="0" cy="0"/>
+        </a:xfrm>
+      </p:grpSpPr>
+      <p:sp>
+        <p:nvSpPr>
+          <p:cNvPr id="5" name="タイトル 2"/>
+          <p:cNvSpPr txBox="1">
+            <a:spLocks/>
+          </p:cNvSpPr>
+          <p:nvPr/>
+        </p:nvSpPr>
+        <p:spPr>
+          <a:xfrm>
+            <a:off x="4139952" y="1054800"/>
+            <a:ext cx="4858944" cy="5038496"/>
+          </a:xfrm>
+          <a:prstGeom prst="rect">
+            <a:avLst/>
+          </a:prstGeom>
+          <a:noFill/>
+          <a:ln>
+            <a:noFill/>
+          </a:ln>
+        </p:spPr>
+        <p:txBody>
+          <a:bodyPr anchor="ctr" anchorCtr="0">
+            <a:noAutofit/>
+          </a:bodyPr>
+          <a:lstStyle>
+            <a:lvl1pPr algn="ctr" defTabSz="914400" rtl="0" eaLnBrk="1" latinLnBrk="0" hangingPunct="1">
+              <a:spcBef>
+                <a:spcPct val="0"/>
+              </a:spcBef>
+              <a:buNone/>
+              <a:defRPr kumimoji="1" sz="2800" b="1" kern="1200" baseline="0">
+                <a:solidFill>
+                  <a:srgbClr val="C00000"/>
+                </a:solidFill>
+                <a:latin typeface="Arial" pitchFamily="34" charset="0"/>
+                <a:ea typeface="ＭＳ Ｐゴシック" pitchFamily="50" charset="-128"/>
+                <a:cs typeface="+mj-cs"/>
+              </a:defRPr>
+            </a:lvl1pPr>
+          </a:lstStyle>
+          <a:p>
+            <a:pPr algn="l" defTabSz="381000">
+              <a:spcBef>
+                <a:spcPct val="20000"/>
+              </a:spcBef>
+              <a:buClr>
+                <a:srgbClr val="FFFFFF"/>
+              </a:buClr>
+              <a:defRPr/>
+            </a:pPr>
+            <a:r>
+              <a:rPr lang="en-US" altLang="ja-JP" sz="3600" b="0" kern="0" dirty="0" smtClean="0">
+                <a:solidFill>
+                  <a:srgbClr val="000000"/>
+                </a:solidFill>
+                <a:latin typeface="+mn-lt"/>
+                <a:ea typeface="+mn-ea"/>
+              </a:rPr>
+              <a:t>Hiroyuki Ito</a:t>
+            </a:r>
+          </a:p>
+          <a:p>
+            <a:pPr algn="l" defTabSz="381000">
+              <a:spcBef>
+                <a:spcPct val="20000"/>
+              </a:spcBef>
+              <a:buClr>
+                <a:srgbClr val="FFFFFF"/>
+              </a:buClr>
+              <a:defRPr/>
+            </a:pPr>
+            <a:r>
+              <a:rPr lang="en-US" altLang="ja-JP" sz="3600" b="0" kern="0" dirty="0" smtClean="0">
+                <a:solidFill>
+                  <a:srgbClr val="000000"/>
+                </a:solidFill>
+                <a:latin typeface="+mn-lt"/>
+                <a:ea typeface="+mn-ea"/>
+              </a:rPr>
+              <a:t>(The Hiro)</a:t>
+            </a:r>
+          </a:p>
+          <a:p>
+            <a:pPr lvl="0" algn="l" defTabSz="381000">
+              <a:spcBef>
+                <a:spcPct val="20000"/>
+              </a:spcBef>
+              <a:buClr>
+                <a:srgbClr val="FFFFFF"/>
+              </a:buClr>
+              <a:defRPr/>
+            </a:pPr>
+            <a:r>
+              <a:rPr lang="en-US" altLang="ja-JP" sz="3600" b="0" kern="0" dirty="0" smtClean="0">
+                <a:solidFill>
+                  <a:schemeClr val="accent1"/>
+                </a:solidFill>
+                <a:latin typeface="+mn-lt"/>
+                <a:ea typeface="+mn-ea"/>
+              </a:rPr>
+              <a:t>Test-Driven Development Group!</a:t>
+            </a:r>
+            <a:endParaRPr lang="en-US" altLang="ja-JP" sz="3600" b="0" kern="0" dirty="0" smtClean="0">
+              <a:solidFill>
+                <a:srgbClr val="000000"/>
+              </a:solidFill>
+              <a:latin typeface="+mn-lt"/>
+              <a:ea typeface="+mn-ea"/>
+            </a:endParaRPr>
+          </a:p>
+          <a:p>
+            <a:pPr lvl="0" algn="l" defTabSz="381000">
+              <a:spcBef>
+                <a:spcPct val="20000"/>
+              </a:spcBef>
+              <a:buClr>
+                <a:srgbClr val="FFFFFF"/>
+              </a:buClr>
+              <a:defRPr/>
+            </a:pPr>
+            <a:r>
+              <a:rPr lang="en-US" altLang="ja-JP" sz="3600" b="0" kern="0" dirty="0" smtClean="0">
+                <a:solidFill>
+                  <a:schemeClr val="accent6"/>
+                </a:solidFill>
+                <a:latin typeface="+mn-lt"/>
+                <a:ea typeface="+mn-ea"/>
+              </a:rPr>
+              <a:t>@hageyahhoo</a:t>
+            </a:r>
+          </a:p>
+          <a:p>
+            <a:pPr lvl="0" algn="l" defTabSz="381000">
+              <a:spcBef>
+                <a:spcPct val="20000"/>
+              </a:spcBef>
+              <a:buClr>
+                <a:srgbClr val="FFFFFF"/>
+              </a:buClr>
+              <a:defRPr/>
+            </a:pPr>
+            <a:endParaRPr lang="en-US" altLang="ja-JP" sz="3600" b="0" kern="0" dirty="0" smtClean="0">
+              <a:solidFill>
+                <a:srgbClr val="000000"/>
+              </a:solidFill>
+              <a:latin typeface="+mn-lt"/>
+              <a:ea typeface="+mn-ea"/>
+            </a:endParaRPr>
+          </a:p>
+          <a:p>
+            <a:pPr lvl="0" algn="l" defTabSz="381000">
+              <a:spcBef>
+                <a:spcPct val="20000"/>
+              </a:spcBef>
+              <a:buClr>
+                <a:srgbClr val="FFFFFF"/>
+              </a:buClr>
+              <a:defRPr/>
+            </a:pPr>
+            <a:endParaRPr lang="en-US" altLang="ja-JP" sz="3600" b="0" kern="0" dirty="0">
+              <a:solidFill>
+                <a:srgbClr val="000000"/>
+              </a:solidFill>
+              <a:latin typeface="+mn-lt"/>
+              <a:ea typeface="+mn-ea"/>
+            </a:endParaRPr>
+          </a:p>
+          <a:p>
+            <a:pPr lvl="0" algn="l" defTabSz="381000">
+              <a:spcBef>
+                <a:spcPct val="20000"/>
+              </a:spcBef>
+              <a:buClr>
+                <a:srgbClr val="FFFFFF"/>
+              </a:buClr>
+              <a:defRPr/>
+            </a:pPr>
+            <a:endParaRPr lang="en-US" altLang="ja-JP" sz="3600" b="0" kern="0" dirty="0" smtClean="0">
+              <a:solidFill>
+                <a:srgbClr val="000000"/>
+              </a:solidFill>
+              <a:latin typeface="+mn-lt"/>
+              <a:ea typeface="+mn-ea"/>
+            </a:endParaRPr>
+          </a:p>
+          <a:p>
+            <a:pPr lvl="0" algn="l" defTabSz="381000">
+              <a:spcBef>
+                <a:spcPct val="20000"/>
+              </a:spcBef>
+              <a:buClr>
+                <a:srgbClr val="FFFFFF"/>
+              </a:buClr>
+              <a:defRPr/>
+            </a:pPr>
+            <a:endParaRPr lang="en-US" altLang="ja-JP" sz="3600" b="0" kern="0" dirty="0" smtClean="0">
+              <a:solidFill>
+                <a:srgbClr val="000000"/>
+              </a:solidFill>
+              <a:latin typeface="+mn-lt"/>
+              <a:ea typeface="+mn-ea"/>
+            </a:endParaRPr>
+          </a:p>
+        </p:txBody>
+      </p:sp>
+      <p:sp>
+        <p:nvSpPr>
+          <p:cNvPr id="4" name="タイトル 1"/>
+          <p:cNvSpPr>
+            <a:spLocks noGrp="1"/>
+          </p:cNvSpPr>
+          <p:nvPr>
+            <p:ph type="title"/>
+          </p:nvPr>
+        </p:nvSpPr>
+        <p:spPr>
+          <a:xfrm>
+            <a:off x="360000" y="252000"/>
+            <a:ext cx="8424000" cy="360000"/>
+          </a:xfrm>
+          <a:noFill/>
+          <a:ln>
+            <a:solidFill>
+              <a:srgbClr val="FFFFFF"/>
+            </a:solidFill>
+          </a:ln>
+        </p:spPr>
+        <p:txBody>
+          <a:bodyPr>
+            <a:normAutofit fontScale="90000"/>
+          </a:bodyPr>
+          <a:lstStyle/>
+          <a:p>
+            <a:r>
+              <a:rPr lang="en-US" altLang="ja-JP" kern="0" dirty="0" smtClean="0">
+                <a:solidFill>
+                  <a:schemeClr val="accent1"/>
+                </a:solidFill>
+                <a:latin typeface="+mj-ea"/>
+                <a:ea typeface="+mj-ea"/>
+              </a:rPr>
+              <a:t>About me</a:t>
+            </a:r>
+            <a:endParaRPr kumimoji="1" lang="ja-JP" altLang="en-US" dirty="0">
+              <a:latin typeface="+mj-ea"/>
+              <a:ea typeface="+mj-ea"/>
+            </a:endParaRPr>
+          </a:p>
+        </p:txBody>
+      </p:sp>
+      <p:pic>
+        <p:nvPicPr>
+          <p:cNvPr id="2" name="図 1"/>
+          <p:cNvPicPr>
+            <a:picLocks noChangeAspect="1"/>
+          </p:cNvPicPr>
+          <p:nvPr/>
+        </p:nvPicPr>
+        <p:blipFill>
+          <a:blip r:embed="rId3"/>
+          <a:stretch>
+            <a:fillRect/>
+          </a:stretch>
+        </p:blipFill>
+        <p:spPr>
+          <a:xfrm>
+            <a:off x="4224660" y="3645098"/>
+            <a:ext cx="3404220" cy="1144041"/>
+          </a:xfrm>
+          <a:prstGeom prst="rect">
+            <a:avLst/>
+          </a:prstGeom>
+        </p:spPr>
+      </p:pic>
+      <p:pic>
+        <p:nvPicPr>
+          <p:cNvPr id="6" name="図 5"/>
+          <p:cNvPicPr>
+            <a:picLocks noChangeAspect="1"/>
+          </p:cNvPicPr>
+          <p:nvPr/>
+        </p:nvPicPr>
+        <p:blipFill>
+          <a:blip r:embed="rId4"/>
+          <a:stretch>
+            <a:fillRect/>
+          </a:stretch>
+        </p:blipFill>
+        <p:spPr>
+          <a:xfrm>
+            <a:off x="4211960" y="5011962"/>
+            <a:ext cx="3413521" cy="1153342"/>
+          </a:xfrm>
+          <a:prstGeom prst="rect">
+            <a:avLst/>
+          </a:prstGeom>
+        </p:spPr>
+      </p:pic>
+      <p:pic>
+        <p:nvPicPr>
+          <p:cNvPr id="3" name="図 2" descr="TheHiro.jpg"/>
+          <p:cNvPicPr>
+            <a:picLocks noChangeAspect="1"/>
+          </p:cNvPicPr>
+          <p:nvPr/>
+        </p:nvPicPr>
+        <p:blipFill>
+          <a:blip r:embed="rId5">
+            <a:extLst>
+              <a:ext uri="{28A0092B-C50C-407E-A947-70E740481C1C}">
+                <a14:useLocalDpi xmlns:a14="http://schemas.microsoft.com/office/drawing/2010/main" val="0"/>
+              </a:ext>
+            </a:extLst>
+          </a:blip>
+          <a:stretch>
+            <a:fillRect/>
+          </a:stretch>
+        </p:blipFill>
+        <p:spPr>
+          <a:xfrm>
+            <a:off x="251520" y="1016732"/>
+            <a:ext cx="3859629" cy="4824536"/>
+          </a:xfrm>
+          <a:prstGeom prst="rect">
+            <a:avLst/>
+          </a:prstGeom>
+        </p:spPr>
+      </p:pic>
+    </p:spTree>
+    <p:extLst>
+      <p:ext uri="{BB962C8B-B14F-4D97-AF65-F5344CB8AC3E}">
+        <p14:creationId xmlns:p14="http://schemas.microsoft.com/office/powerpoint/2010/main" val="522943376"/>
+      </p:ext>
+    </p:extLst>
+  </p:cSld>
+  <p:clrMapOvr>
+    <a:masterClrMapping/>
+  </p:clrMapOvr>
+  <p:timing>
+    <p:tnLst>
+      <p:par>
+        <p:cTn id="1" dur="indefinite" restart="never" nodeType="tmRoot"/>
+      </p:par>
+    </p:tnLst>
+  </p:timing>
+</p:sld>
+</file>
+
+<file path=ppt/slides/slide20.xml><?xml version="1.0" encoding="utf-8"?>
 <p:sld xmlns:a="http://schemas.openxmlformats.org/drawingml/2006/main" xmlns:r="http://schemas.openxmlformats.org/officeDocument/2006/relationships" xmlns:p="http://schemas.openxmlformats.org/presentationml/2006/main">
   <p:cSld>
     <p:spTree>
@@ -13250,373 +13800,7 @@
 </p:sld>
 </file>
 
-<file path=ppt/slides/slide2.xml><?xml version="1.0" encoding="utf-8"?>
-<p:sld xmlns:a="http://schemas.openxmlformats.org/drawingml/2006/main" xmlns:r="http://schemas.openxmlformats.org/officeDocument/2006/relationships" xmlns:p="http://schemas.openxmlformats.org/presentationml/2006/main">
-  <p:cSld>
-    <p:spTree>
-      <p:nvGrpSpPr>
-        <p:cNvPr id="1" name=""/>
-        <p:cNvGrpSpPr/>
-        <p:nvPr/>
-      </p:nvGrpSpPr>
-      <p:grpSpPr>
-        <a:xfrm>
-          <a:off x="0" y="0"/>
-          <a:ext cx="0" cy="0"/>
-          <a:chOff x="0" y="0"/>
-          <a:chExt cx="0" cy="0"/>
-        </a:xfrm>
-      </p:grpSpPr>
-      <p:sp>
-        <p:nvSpPr>
-          <p:cNvPr id="5" name="タイトル 2"/>
-          <p:cNvSpPr txBox="1">
-            <a:spLocks/>
-          </p:cNvSpPr>
-          <p:nvPr/>
-        </p:nvSpPr>
-        <p:spPr>
-          <a:xfrm>
-            <a:off x="4139952" y="1054800"/>
-            <a:ext cx="4858944" cy="5038496"/>
-          </a:xfrm>
-          <a:prstGeom prst="rect">
-            <a:avLst/>
-          </a:prstGeom>
-          <a:noFill/>
-          <a:ln>
-            <a:noFill/>
-          </a:ln>
-        </p:spPr>
-        <p:txBody>
-          <a:bodyPr anchor="ctr" anchorCtr="0">
-            <a:noAutofit/>
-          </a:bodyPr>
-          <a:lstStyle>
-            <a:lvl1pPr algn="ctr" defTabSz="914400" rtl="0" eaLnBrk="1" latinLnBrk="0" hangingPunct="1">
-              <a:spcBef>
-                <a:spcPct val="0"/>
-              </a:spcBef>
-              <a:buNone/>
-              <a:defRPr kumimoji="1" sz="2800" b="1" kern="1200" baseline="0">
-                <a:solidFill>
-                  <a:srgbClr val="C00000"/>
-                </a:solidFill>
-                <a:latin typeface="Arial" pitchFamily="34" charset="0"/>
-                <a:ea typeface="ＭＳ Ｐゴシック" pitchFamily="50" charset="-128"/>
-                <a:cs typeface="+mj-cs"/>
-              </a:defRPr>
-            </a:lvl1pPr>
-          </a:lstStyle>
-          <a:p>
-            <a:pPr algn="l" defTabSz="381000">
-              <a:spcBef>
-                <a:spcPct val="20000"/>
-              </a:spcBef>
-              <a:buClr>
-                <a:srgbClr val="FFFFFF"/>
-              </a:buClr>
-              <a:defRPr/>
-            </a:pPr>
-            <a:r>
-              <a:rPr lang="en-US" altLang="ja-JP" sz="3600" b="0" kern="0" dirty="0" smtClean="0">
-                <a:solidFill>
-                  <a:srgbClr val="000000"/>
-                </a:solidFill>
-                <a:latin typeface="+mn-lt"/>
-                <a:ea typeface="+mn-ea"/>
-              </a:rPr>
-              <a:t>Hiroyuki Ito</a:t>
-            </a:r>
-          </a:p>
-          <a:p>
-            <a:pPr algn="l" defTabSz="381000">
-              <a:spcBef>
-                <a:spcPct val="20000"/>
-              </a:spcBef>
-              <a:buClr>
-                <a:srgbClr val="FFFFFF"/>
-              </a:buClr>
-              <a:defRPr/>
-            </a:pPr>
-            <a:r>
-              <a:rPr lang="en-US" altLang="ja-JP" sz="3600" b="0" kern="0" dirty="0" smtClean="0">
-                <a:solidFill>
-                  <a:srgbClr val="000000"/>
-                </a:solidFill>
-                <a:latin typeface="+mn-lt"/>
-                <a:ea typeface="+mn-ea"/>
-              </a:rPr>
-              <a:t>(The Hiro)</a:t>
-            </a:r>
-          </a:p>
-          <a:p>
-            <a:pPr lvl="0" algn="l" defTabSz="381000">
-              <a:spcBef>
-                <a:spcPct val="20000"/>
-              </a:spcBef>
-              <a:buClr>
-                <a:srgbClr val="FFFFFF"/>
-              </a:buClr>
-              <a:defRPr/>
-            </a:pPr>
-            <a:r>
-              <a:rPr lang="en-US" altLang="ja-JP" sz="3600" b="0" kern="0" dirty="0" smtClean="0">
-                <a:solidFill>
-                  <a:schemeClr val="accent1"/>
-                </a:solidFill>
-                <a:latin typeface="+mn-lt"/>
-                <a:ea typeface="+mn-ea"/>
-              </a:rPr>
-              <a:t>Test-Driven Development Group!</a:t>
-            </a:r>
-            <a:endParaRPr lang="en-US" altLang="ja-JP" sz="3600" b="0" kern="0" dirty="0" smtClean="0">
-              <a:solidFill>
-                <a:srgbClr val="000000"/>
-              </a:solidFill>
-              <a:latin typeface="+mn-lt"/>
-              <a:ea typeface="+mn-ea"/>
-            </a:endParaRPr>
-          </a:p>
-          <a:p>
-            <a:pPr lvl="0" algn="l" defTabSz="381000">
-              <a:spcBef>
-                <a:spcPct val="20000"/>
-              </a:spcBef>
-              <a:buClr>
-                <a:srgbClr val="FFFFFF"/>
-              </a:buClr>
-              <a:defRPr/>
-            </a:pPr>
-            <a:r>
-              <a:rPr lang="en-US" altLang="ja-JP" sz="3600" b="0" kern="0" dirty="0" smtClean="0">
-                <a:solidFill>
-                  <a:schemeClr val="accent6"/>
-                </a:solidFill>
-                <a:latin typeface="+mn-lt"/>
-                <a:ea typeface="+mn-ea"/>
-              </a:rPr>
-              <a:t>@hageyahhoo</a:t>
-            </a:r>
-          </a:p>
-          <a:p>
-            <a:pPr lvl="0" algn="l" defTabSz="381000">
-              <a:spcBef>
-                <a:spcPct val="20000"/>
-              </a:spcBef>
-              <a:buClr>
-                <a:srgbClr val="FFFFFF"/>
-              </a:buClr>
-              <a:defRPr/>
-            </a:pPr>
-            <a:endParaRPr lang="en-US" altLang="ja-JP" sz="3600" b="0" kern="0" dirty="0" smtClean="0">
-              <a:solidFill>
-                <a:srgbClr val="000000"/>
-              </a:solidFill>
-              <a:latin typeface="+mn-lt"/>
-              <a:ea typeface="+mn-ea"/>
-            </a:endParaRPr>
-          </a:p>
-          <a:p>
-            <a:pPr lvl="0" algn="l" defTabSz="381000">
-              <a:spcBef>
-                <a:spcPct val="20000"/>
-              </a:spcBef>
-              <a:buClr>
-                <a:srgbClr val="FFFFFF"/>
-              </a:buClr>
-              <a:defRPr/>
-            </a:pPr>
-            <a:endParaRPr lang="en-US" altLang="ja-JP" sz="3600" b="0" kern="0" dirty="0">
-              <a:solidFill>
-                <a:srgbClr val="000000"/>
-              </a:solidFill>
-              <a:latin typeface="+mn-lt"/>
-              <a:ea typeface="+mn-ea"/>
-            </a:endParaRPr>
-          </a:p>
-          <a:p>
-            <a:pPr lvl="0" algn="l" defTabSz="381000">
-              <a:spcBef>
-                <a:spcPct val="20000"/>
-              </a:spcBef>
-              <a:buClr>
-                <a:srgbClr val="FFFFFF"/>
-              </a:buClr>
-              <a:defRPr/>
-            </a:pPr>
-            <a:endParaRPr lang="en-US" altLang="ja-JP" sz="3600" b="0" kern="0" dirty="0" smtClean="0">
-              <a:solidFill>
-                <a:srgbClr val="000000"/>
-              </a:solidFill>
-              <a:latin typeface="+mn-lt"/>
-              <a:ea typeface="+mn-ea"/>
-            </a:endParaRPr>
-          </a:p>
-          <a:p>
-            <a:pPr lvl="0" algn="l" defTabSz="381000">
-              <a:spcBef>
-                <a:spcPct val="20000"/>
-              </a:spcBef>
-              <a:buClr>
-                <a:srgbClr val="FFFFFF"/>
-              </a:buClr>
-              <a:defRPr/>
-            </a:pPr>
-            <a:endParaRPr lang="en-US" altLang="ja-JP" sz="3600" b="0" kern="0" dirty="0" smtClean="0">
-              <a:solidFill>
-                <a:srgbClr val="000000"/>
-              </a:solidFill>
-              <a:latin typeface="+mn-lt"/>
-              <a:ea typeface="+mn-ea"/>
-            </a:endParaRPr>
-          </a:p>
-        </p:txBody>
-      </p:sp>
-      <p:sp>
-        <p:nvSpPr>
-          <p:cNvPr id="4" name="タイトル 1"/>
-          <p:cNvSpPr>
-            <a:spLocks noGrp="1"/>
-          </p:cNvSpPr>
-          <p:nvPr>
-            <p:ph type="title"/>
-          </p:nvPr>
-        </p:nvSpPr>
-        <p:spPr>
-          <a:xfrm>
-            <a:off x="360000" y="252000"/>
-            <a:ext cx="8424000" cy="360000"/>
-          </a:xfrm>
-          <a:noFill/>
-          <a:ln>
-            <a:solidFill>
-              <a:srgbClr val="FFFFFF"/>
-            </a:solidFill>
-          </a:ln>
-        </p:spPr>
-        <p:txBody>
-          <a:bodyPr>
-            <a:normAutofit fontScale="90000"/>
-          </a:bodyPr>
-          <a:lstStyle/>
-          <a:p>
-            <a:r>
-              <a:rPr lang="en-US" altLang="ja-JP" kern="0" dirty="0" smtClean="0">
-                <a:solidFill>
-                  <a:schemeClr val="accent1"/>
-                </a:solidFill>
-                <a:latin typeface="+mj-ea"/>
-                <a:ea typeface="+mj-ea"/>
-              </a:rPr>
-              <a:t>About me</a:t>
-            </a:r>
-            <a:endParaRPr kumimoji="1" lang="ja-JP" altLang="en-US" dirty="0">
-              <a:latin typeface="+mj-ea"/>
-              <a:ea typeface="+mj-ea"/>
-            </a:endParaRPr>
-          </a:p>
-        </p:txBody>
-      </p:sp>
-      <p:pic>
-        <p:nvPicPr>
-          <p:cNvPr id="2" name="図 1"/>
-          <p:cNvPicPr>
-            <a:picLocks noChangeAspect="1"/>
-          </p:cNvPicPr>
-          <p:nvPr/>
-        </p:nvPicPr>
-        <p:blipFill>
-          <a:blip r:embed="rId3"/>
-          <a:stretch>
-            <a:fillRect/>
-          </a:stretch>
-        </p:blipFill>
-        <p:spPr>
-          <a:xfrm>
-            <a:off x="4224660" y="3645098"/>
-            <a:ext cx="3404220" cy="1144041"/>
-          </a:xfrm>
-          <a:prstGeom prst="rect">
-            <a:avLst/>
-          </a:prstGeom>
-        </p:spPr>
-      </p:pic>
-      <p:pic>
-        <p:nvPicPr>
-          <p:cNvPr id="6" name="図 5"/>
-          <p:cNvPicPr>
-            <a:picLocks noChangeAspect="1"/>
-          </p:cNvPicPr>
-          <p:nvPr/>
-        </p:nvPicPr>
-        <p:blipFill>
-          <a:blip r:embed="rId4"/>
-          <a:stretch>
-            <a:fillRect/>
-          </a:stretch>
-        </p:blipFill>
-        <p:spPr>
-          <a:xfrm>
-            <a:off x="4211960" y="5011962"/>
-            <a:ext cx="3413521" cy="1153342"/>
-          </a:xfrm>
-          <a:prstGeom prst="rect">
-            <a:avLst/>
-          </a:prstGeom>
-        </p:spPr>
-      </p:pic>
-      <p:pic>
-        <p:nvPicPr>
-          <p:cNvPr id="3" name="図 2" descr="TheHiro.jpg"/>
-          <p:cNvPicPr>
-            <a:picLocks noChangeAspect="1"/>
-          </p:cNvPicPr>
-          <p:nvPr/>
-        </p:nvPicPr>
-        <p:blipFill>
-          <a:blip r:embed="rId5">
-            <a:extLst>
-              <a:ext uri="{28A0092B-C50C-407E-A947-70E740481C1C}">
-                <a14:useLocalDpi xmlns:a14="http://schemas.microsoft.com/office/drawing/2010/main" val="0"/>
-              </a:ext>
-            </a:extLst>
-          </a:blip>
-          <a:stretch>
-            <a:fillRect/>
-          </a:stretch>
-        </p:blipFill>
-        <p:spPr>
-          <a:xfrm>
-            <a:off x="251520" y="1016732"/>
-            <a:ext cx="3859629" cy="4824536"/>
-          </a:xfrm>
-          <a:prstGeom prst="rect">
-            <a:avLst/>
-          </a:prstGeom>
-        </p:spPr>
-      </p:pic>
-    </p:spTree>
-    <p:extLst>
-      <p:ext uri="{BB962C8B-B14F-4D97-AF65-F5344CB8AC3E}">
-        <p14:creationId xmlns:p14="http://schemas.microsoft.com/office/powerpoint/2010/main" val="522943376"/>
-      </p:ext>
-    </p:extLst>
-  </p:cSld>
-  <p:clrMapOvr>
-    <a:masterClrMapping/>
-  </p:clrMapOvr>
-  <p:timing>
-    <p:tnLst>
-      <p:par>
-        <p:cTn id="1" dur="indefinite" restart="never" nodeType="tmRoot"/>
-      </p:par>
-    </p:tnLst>
-  </p:timing>
-</p:sld>
-</file>
-
-<file path=ppt/slides/slide20.xml><?xml version="1.0" encoding="utf-8"?>
+<file path=ppt/slides/slide21.xml><?xml version="1.0" encoding="utf-8"?>
 <p:sld xmlns:a="http://schemas.openxmlformats.org/drawingml/2006/main" xmlns:r="http://schemas.openxmlformats.org/officeDocument/2006/relationships" xmlns:p="http://schemas.openxmlformats.org/presentationml/2006/main">
   <p:cSld>
     <p:spTree>
@@ -15494,7 +15678,7 @@
 </p:sld>
 </file>
 
-<file path=ppt/slides/slide21.xml><?xml version="1.0" encoding="utf-8"?>
+<file path=ppt/slides/slide22.xml><?xml version="1.0" encoding="utf-8"?>
 <p:sld xmlns:a="http://schemas.openxmlformats.org/drawingml/2006/main" xmlns:r="http://schemas.openxmlformats.org/officeDocument/2006/relationships" xmlns:p="http://schemas.openxmlformats.org/presentationml/2006/main">
   <p:cSld>
     <p:spTree>
@@ -15575,7 +15759,7 @@
 </p:sld>
 </file>
 
-<file path=ppt/slides/slide22.xml><?xml version="1.0" encoding="utf-8"?>
+<file path=ppt/slides/slide23.xml><?xml version="1.0" encoding="utf-8"?>
 <p:sld xmlns:a="http://schemas.openxmlformats.org/drawingml/2006/main" xmlns:r="http://schemas.openxmlformats.org/officeDocument/2006/relationships" xmlns:p="http://schemas.openxmlformats.org/presentationml/2006/main">
   <p:cSld>
     <p:spTree>
@@ -16654,7 +16838,7 @@
 </p:sld>
 </file>
 
-<file path=ppt/slides/slide23.xml><?xml version="1.0" encoding="utf-8"?>
+<file path=ppt/slides/slide24.xml><?xml version="1.0" encoding="utf-8"?>
 <p:sld xmlns:a="http://schemas.openxmlformats.org/drawingml/2006/main" xmlns:r="http://schemas.openxmlformats.org/officeDocument/2006/relationships" xmlns:p="http://schemas.openxmlformats.org/presentationml/2006/main">
   <p:cSld>
     <p:spTree>
@@ -18326,7 +18510,7 @@
 </p:sld>
 </file>
 
-<file path=ppt/slides/slide24.xml><?xml version="1.0" encoding="utf-8"?>
+<file path=ppt/slides/slide25.xml><?xml version="1.0" encoding="utf-8"?>
 <p:sld xmlns:a="http://schemas.openxmlformats.org/drawingml/2006/main" xmlns:r="http://schemas.openxmlformats.org/officeDocument/2006/relationships" xmlns:p="http://schemas.openxmlformats.org/presentationml/2006/main">
   <p:cSld>
     <p:spTree>
@@ -18853,7 +19037,7 @@
 </p:sld>
 </file>
 
-<file path=ppt/slides/slide25.xml><?xml version="1.0" encoding="utf-8"?>
+<file path=ppt/slides/slide26.xml><?xml version="1.0" encoding="utf-8"?>
 <p:sld xmlns:a="http://schemas.openxmlformats.org/drawingml/2006/main" xmlns:r="http://schemas.openxmlformats.org/officeDocument/2006/relationships" xmlns:p="http://schemas.openxmlformats.org/presentationml/2006/main">
   <p:cSld>
     <p:spTree>
@@ -20839,7 +21023,7 @@
 </p:sld>
 </file>
 
-<file path=ppt/slides/slide26.xml><?xml version="1.0" encoding="utf-8"?>
+<file path=ppt/slides/slide27.xml><?xml version="1.0" encoding="utf-8"?>
 <p:sld xmlns:a="http://schemas.openxmlformats.org/drawingml/2006/main" xmlns:r="http://schemas.openxmlformats.org/officeDocument/2006/relationships" xmlns:p="http://schemas.openxmlformats.org/presentationml/2006/main">
   <p:cSld>
     <p:spTree>
@@ -21918,7 +22102,7 @@
 </p:sld>
 </file>
 
-<file path=ppt/slides/slide27.xml><?xml version="1.0" encoding="utf-8"?>
+<file path=ppt/slides/slide28.xml><?xml version="1.0" encoding="utf-8"?>
 <p:sld xmlns:a="http://schemas.openxmlformats.org/drawingml/2006/main" xmlns:r="http://schemas.openxmlformats.org/officeDocument/2006/relationships" xmlns:p="http://schemas.openxmlformats.org/presentationml/2006/main">
   <p:cSld>
     <p:spTree>
@@ -22275,7 +22459,7 @@
 </p:sld>
 </file>
 
-<file path=ppt/slides/slide28.xml><?xml version="1.0" encoding="utf-8"?>
+<file path=ppt/slides/slide29.xml><?xml version="1.0" encoding="utf-8"?>
 <p:sld xmlns:a="http://schemas.openxmlformats.org/drawingml/2006/main" xmlns:r="http://schemas.openxmlformats.org/officeDocument/2006/relationships" xmlns:p="http://schemas.openxmlformats.org/presentationml/2006/main">
   <p:cSld>
     <p:spTree>
@@ -22977,7 +23161,202 @@
 </p:sld>
 </file>
 
-<file path=ppt/slides/slide29.xml><?xml version="1.0" encoding="utf-8"?>
+<file path=ppt/slides/slide3.xml><?xml version="1.0" encoding="utf-8"?>
+<p:sld xmlns:a="http://schemas.openxmlformats.org/drawingml/2006/main" xmlns:r="http://schemas.openxmlformats.org/officeDocument/2006/relationships" xmlns:p="http://schemas.openxmlformats.org/presentationml/2006/main">
+  <p:cSld>
+    <p:spTree>
+      <p:nvGrpSpPr>
+        <p:cNvPr id="1" name=""/>
+        <p:cNvGrpSpPr/>
+        <p:nvPr/>
+      </p:nvGrpSpPr>
+      <p:grpSpPr>
+        <a:xfrm>
+          <a:off x="0" y="0"/>
+          <a:ext cx="0" cy="0"/>
+          <a:chOff x="0" y="0"/>
+          <a:chExt cx="0" cy="0"/>
+        </a:xfrm>
+      </p:grpSpPr>
+      <p:sp>
+        <p:nvSpPr>
+          <p:cNvPr id="7" name="タイトル 2"/>
+          <p:cNvSpPr txBox="1">
+            <a:spLocks/>
+          </p:cNvSpPr>
+          <p:nvPr/>
+        </p:nvSpPr>
+        <p:spPr>
+          <a:xfrm>
+            <a:off x="360000" y="1192412"/>
+            <a:ext cx="8424000" cy="4473176"/>
+          </a:xfrm>
+          <a:prstGeom prst="rect">
+            <a:avLst/>
+          </a:prstGeom>
+          <a:noFill/>
+          <a:ln>
+            <a:solidFill>
+              <a:schemeClr val="accent1"/>
+            </a:solidFill>
+          </a:ln>
+        </p:spPr>
+        <p:txBody>
+          <a:bodyPr anchor="ctr" anchorCtr="0">
+            <a:noAutofit/>
+          </a:bodyPr>
+          <a:lstStyle>
+            <a:lvl1pPr algn="ctr" defTabSz="914400" rtl="0" eaLnBrk="1" latinLnBrk="0" hangingPunct="1">
+              <a:spcBef>
+                <a:spcPct val="0"/>
+              </a:spcBef>
+              <a:buNone/>
+              <a:defRPr kumimoji="1" sz="2800" b="1" kern="1200" baseline="0">
+                <a:solidFill>
+                  <a:srgbClr val="C00000"/>
+                </a:solidFill>
+                <a:latin typeface="Arial" pitchFamily="34" charset="0"/>
+                <a:ea typeface="ＭＳ Ｐゴシック" pitchFamily="50" charset="-128"/>
+                <a:cs typeface="+mj-cs"/>
+              </a:defRPr>
+            </a:lvl1pPr>
+          </a:lstStyle>
+          <a:p>
+            <a:r>
+              <a:rPr lang="en-US" altLang="ja-JP" sz="6000" b="0" dirty="0" smtClean="0">
+                <a:solidFill>
+                  <a:srgbClr val="000000"/>
+                </a:solidFill>
+                <a:latin typeface="+mn-ea"/>
+                <a:ea typeface="+mn-ea"/>
+                <a:cs typeface="ＭＳ 明朝"/>
+              </a:rPr>
+              <a:t>※</a:t>
+            </a:r>
+            <a:r>
+              <a:rPr lang="ja-JP" altLang="en-US" sz="6000" b="0" dirty="0" smtClean="0">
+                <a:solidFill>
+                  <a:srgbClr val="000000"/>
+                </a:solidFill>
+                <a:latin typeface="+mn-ea"/>
+                <a:ea typeface="+mn-ea"/>
+                <a:cs typeface="ＭＳ 明朝"/>
+              </a:rPr>
+              <a:t>楽天的なものを追加する？</a:t>
+            </a:r>
+            <a:endParaRPr lang="en-US" altLang="ja-JP" sz="6000" b="0" dirty="0" smtClean="0">
+              <a:solidFill>
+                <a:srgbClr val="000000"/>
+              </a:solidFill>
+              <a:latin typeface="+mn-ea"/>
+              <a:ea typeface="+mn-ea"/>
+              <a:cs typeface="ＭＳ 明朝"/>
+            </a:endParaRPr>
+          </a:p>
+          <a:p>
+            <a:r>
+              <a:rPr lang="en-US" altLang="ja-JP" sz="6000" b="0" dirty="0" smtClean="0">
+                <a:solidFill>
+                  <a:srgbClr val="000000"/>
+                </a:solidFill>
+                <a:latin typeface="+mn-ea"/>
+                <a:ea typeface="+mn-ea"/>
+                <a:cs typeface="ＭＳ 明朝"/>
+              </a:rPr>
+              <a:t>Masahiro Tanaka</a:t>
+            </a:r>
+          </a:p>
+          <a:p>
+            <a:r>
+              <a:rPr lang="ja-JP" altLang="en-US" sz="6000" b="0" dirty="0">
+                <a:solidFill>
+                  <a:srgbClr val="000000"/>
+                </a:solidFill>
+                <a:latin typeface="+mn-ea"/>
+                <a:ea typeface="+mn-ea"/>
+                <a:cs typeface="ＭＳ 明朝"/>
+              </a:rPr>
+              <a:t>的な</a:t>
+            </a:r>
+            <a:endParaRPr lang="en-US" altLang="ja-JP" sz="6000" b="0" dirty="0" smtClean="0">
+              <a:solidFill>
+                <a:srgbClr val="000000"/>
+              </a:solidFill>
+              <a:latin typeface="+mn-ea"/>
+              <a:ea typeface="+mn-ea"/>
+              <a:cs typeface="ＭＳ 明朝"/>
+            </a:endParaRPr>
+          </a:p>
+        </p:txBody>
+      </p:sp>
+      <p:sp>
+        <p:nvSpPr>
+          <p:cNvPr id="3" name="タイトル 1"/>
+          <p:cNvSpPr>
+            <a:spLocks noGrp="1"/>
+          </p:cNvSpPr>
+          <p:nvPr>
+            <p:ph type="title"/>
+          </p:nvPr>
+        </p:nvSpPr>
+        <p:spPr>
+          <a:xfrm>
+            <a:off x="360000" y="252000"/>
+            <a:ext cx="8424000" cy="360000"/>
+          </a:xfrm>
+          <a:solidFill>
+            <a:srgbClr val="FFFF00"/>
+          </a:solidFill>
+          <a:ln>
+            <a:solidFill>
+              <a:schemeClr val="accent1"/>
+            </a:solidFill>
+          </a:ln>
+        </p:spPr>
+        <p:txBody>
+          <a:bodyPr>
+            <a:normAutofit fontScale="90000"/>
+          </a:bodyPr>
+          <a:lstStyle/>
+          <a:p>
+            <a:r>
+              <a:rPr lang="en-US" altLang="ja-JP" kern="0" dirty="0" smtClean="0">
+                <a:solidFill>
+                  <a:schemeClr val="accent1"/>
+                </a:solidFill>
+                <a:latin typeface="+mj-ea"/>
+                <a:ea typeface="+mj-ea"/>
+              </a:rPr>
+              <a:t>About me</a:t>
+            </a:r>
+            <a:endParaRPr kumimoji="1" lang="ja-JP" altLang="en-US" dirty="0">
+              <a:latin typeface="+mj-ea"/>
+              <a:ea typeface="+mj-ea"/>
+            </a:endParaRPr>
+          </a:p>
+        </p:txBody>
+      </p:sp>
+    </p:spTree>
+    <p:extLst>
+      <p:ext uri="{BB962C8B-B14F-4D97-AF65-F5344CB8AC3E}">
+        <p14:creationId xmlns:p14="http://schemas.microsoft.com/office/powerpoint/2010/main" val="3194219365"/>
+      </p:ext>
+    </p:extLst>
+  </p:cSld>
+  <p:clrMapOvr>
+    <a:masterClrMapping/>
+  </p:clrMapOvr>
+  <p:timing>
+    <p:tnLst>
+      <p:par>
+        <p:cTn id="1" dur="indefinite" restart="never" nodeType="tmRoot"/>
+      </p:par>
+    </p:tnLst>
+  </p:timing>
+</p:sld>
+</file>
+
+<file path=ppt/slides/slide30.xml><?xml version="1.0" encoding="utf-8"?>
 <p:sld xmlns:a="http://schemas.openxmlformats.org/drawingml/2006/main" xmlns:r="http://schemas.openxmlformats.org/officeDocument/2006/relationships" xmlns:p="http://schemas.openxmlformats.org/presentationml/2006/main">
   <p:cSld>
     <p:spTree>
@@ -24056,1105 +24435,7 @@
 </p:sld>
 </file>
 
-<file path=ppt/slides/slide3.xml><?xml version="1.0" encoding="utf-8"?>
-<p:sld xmlns:a="http://schemas.openxmlformats.org/drawingml/2006/main" xmlns:r="http://schemas.openxmlformats.org/officeDocument/2006/relationships" xmlns:p="http://schemas.openxmlformats.org/presentationml/2006/main">
-  <p:cSld>
-    <p:spTree>
-      <p:nvGrpSpPr>
-        <p:cNvPr id="1" name=""/>
-        <p:cNvGrpSpPr/>
-        <p:nvPr/>
-      </p:nvGrpSpPr>
-      <p:grpSpPr>
-        <a:xfrm>
-          <a:off x="0" y="0"/>
-          <a:ext cx="0" cy="0"/>
-          <a:chOff x="0" y="0"/>
-          <a:chExt cx="0" cy="0"/>
-        </a:xfrm>
-      </p:grpSpPr>
-      <p:sp>
-        <p:nvSpPr>
-          <p:cNvPr id="2" name="タイトル 1"/>
-          <p:cNvSpPr>
-            <a:spLocks noGrp="1"/>
-          </p:cNvSpPr>
-          <p:nvPr>
-            <p:ph type="title"/>
-          </p:nvPr>
-        </p:nvSpPr>
-        <p:spPr>
-          <a:noFill/>
-        </p:spPr>
-        <p:txBody>
-          <a:bodyPr>
-            <a:normAutofit fontScale="90000"/>
-          </a:bodyPr>
-          <a:lstStyle/>
-          <a:p>
-            <a:r>
-              <a:rPr kumimoji="1" lang="en-US" altLang="ja-JP" dirty="0" smtClean="0"/>
-              <a:t>Agenda</a:t>
-            </a:r>
-            <a:endParaRPr kumimoji="1" lang="ja-JP" altLang="en-US" dirty="0"/>
-          </a:p>
-        </p:txBody>
-      </p:sp>
-      <p:sp>
-        <p:nvSpPr>
-          <p:cNvPr id="5" name="Text Box 17"/>
-          <p:cNvSpPr txBox="1">
-            <a:spLocks noChangeArrowheads="1"/>
-          </p:cNvSpPr>
-          <p:nvPr/>
-        </p:nvSpPr>
-        <p:spPr bwMode="auto">
-          <a:xfrm>
-            <a:off x="445331" y="1052736"/>
-            <a:ext cx="8240400" cy="540000"/>
-          </a:xfrm>
-          <a:prstGeom prst="rect">
-            <a:avLst/>
-          </a:prstGeom>
-          <a:solidFill>
-            <a:srgbClr val="C00000"/>
-          </a:solidFill>
-          <a:ln w="12700">
-            <a:solidFill>
-              <a:srgbClr val="BF0000"/>
-            </a:solidFill>
-            <a:miter lim="800000"/>
-            <a:headEnd/>
-            <a:tailEnd/>
-          </a:ln>
-          <a:effectLst>
-            <a:outerShdw blurRad="88900" dist="38100" dir="8100000" algn="ctr" rotWithShape="0">
-              <a:schemeClr val="tx1">
-                <a:alpha val="30000"/>
-              </a:schemeClr>
-            </a:outerShdw>
-          </a:effectLst>
-          <a:extLst/>
-        </p:spPr>
-        <p:txBody>
-          <a:bodyPr anchor="ctr" anchorCtr="0"/>
-          <a:lstStyle>
-            <a:lvl1pPr algn="l" defTabSz="381000">
-              <a:spcBef>
-                <a:spcPct val="0"/>
-              </a:spcBef>
-              <a:defRPr kumimoji="1" sz="2400">
-                <a:solidFill>
-                  <a:schemeClr val="tx1"/>
-                </a:solidFill>
-                <a:latin typeface="Times New Roman" pitchFamily="18" charset="0"/>
-                <a:ea typeface="ＭＳ Ｐゴシック" charset="-128"/>
-              </a:defRPr>
-            </a:lvl1pPr>
-            <a:lvl2pPr algn="l" defTabSz="381000">
-              <a:spcBef>
-                <a:spcPct val="0"/>
-              </a:spcBef>
-              <a:defRPr kumimoji="1" sz="2400">
-                <a:solidFill>
-                  <a:schemeClr val="tx1"/>
-                </a:solidFill>
-                <a:latin typeface="Times New Roman" pitchFamily="18" charset="0"/>
-                <a:ea typeface="ＭＳ Ｐゴシック" charset="-128"/>
-              </a:defRPr>
-            </a:lvl2pPr>
-            <a:lvl3pPr algn="l" defTabSz="381000">
-              <a:spcBef>
-                <a:spcPct val="0"/>
-              </a:spcBef>
-              <a:defRPr kumimoji="1" sz="2400">
-                <a:solidFill>
-                  <a:schemeClr val="tx1"/>
-                </a:solidFill>
-                <a:latin typeface="Times New Roman" pitchFamily="18" charset="0"/>
-                <a:ea typeface="ＭＳ Ｐゴシック" charset="-128"/>
-              </a:defRPr>
-            </a:lvl3pPr>
-            <a:lvl4pPr algn="l" defTabSz="381000">
-              <a:spcBef>
-                <a:spcPct val="0"/>
-              </a:spcBef>
-              <a:defRPr kumimoji="1" sz="2400">
-                <a:solidFill>
-                  <a:schemeClr val="tx1"/>
-                </a:solidFill>
-                <a:latin typeface="Times New Roman" pitchFamily="18" charset="0"/>
-                <a:ea typeface="ＭＳ Ｐゴシック" charset="-128"/>
-              </a:defRPr>
-            </a:lvl4pPr>
-            <a:lvl5pPr algn="l" defTabSz="381000">
-              <a:spcBef>
-                <a:spcPct val="0"/>
-              </a:spcBef>
-              <a:defRPr kumimoji="1" sz="2400">
-                <a:solidFill>
-                  <a:schemeClr val="tx1"/>
-                </a:solidFill>
-                <a:latin typeface="Times New Roman" pitchFamily="18" charset="0"/>
-                <a:ea typeface="ＭＳ Ｐゴシック" charset="-128"/>
-              </a:defRPr>
-            </a:lvl5pPr>
-            <a:lvl6pPr defTabSz="381000" fontAlgn="base">
-              <a:spcBef>
-                <a:spcPct val="0"/>
-              </a:spcBef>
-              <a:spcAft>
-                <a:spcPct val="0"/>
-              </a:spcAft>
-              <a:defRPr kumimoji="1" sz="2400">
-                <a:solidFill>
-                  <a:schemeClr val="tx1"/>
-                </a:solidFill>
-                <a:latin typeface="Times New Roman" pitchFamily="18" charset="0"/>
-                <a:ea typeface="ＭＳ Ｐゴシック" charset="-128"/>
-              </a:defRPr>
-            </a:lvl6pPr>
-            <a:lvl7pPr defTabSz="381000" fontAlgn="base">
-              <a:spcBef>
-                <a:spcPct val="0"/>
-              </a:spcBef>
-              <a:spcAft>
-                <a:spcPct val="0"/>
-              </a:spcAft>
-              <a:defRPr kumimoji="1" sz="2400">
-                <a:solidFill>
-                  <a:schemeClr val="tx1"/>
-                </a:solidFill>
-                <a:latin typeface="Times New Roman" pitchFamily="18" charset="0"/>
-                <a:ea typeface="ＭＳ Ｐゴシック" charset="-128"/>
-              </a:defRPr>
-            </a:lvl7pPr>
-            <a:lvl8pPr defTabSz="381000" fontAlgn="base">
-              <a:spcBef>
-                <a:spcPct val="0"/>
-              </a:spcBef>
-              <a:spcAft>
-                <a:spcPct val="0"/>
-              </a:spcAft>
-              <a:defRPr kumimoji="1" sz="2400">
-                <a:solidFill>
-                  <a:schemeClr val="tx1"/>
-                </a:solidFill>
-                <a:latin typeface="Times New Roman" pitchFamily="18" charset="0"/>
-                <a:ea typeface="ＭＳ Ｐゴシック" charset="-128"/>
-              </a:defRPr>
-            </a:lvl8pPr>
-            <a:lvl9pPr defTabSz="381000" fontAlgn="base">
-              <a:spcBef>
-                <a:spcPct val="0"/>
-              </a:spcBef>
-              <a:spcAft>
-                <a:spcPct val="0"/>
-              </a:spcAft>
-              <a:defRPr kumimoji="1" sz="2400">
-                <a:solidFill>
-                  <a:schemeClr val="tx1"/>
-                </a:solidFill>
-                <a:latin typeface="Times New Roman" pitchFamily="18" charset="0"/>
-                <a:ea typeface="ＭＳ Ｐゴシック" charset="-128"/>
-              </a:defRPr>
-            </a:lvl9pPr>
-          </a:lstStyle>
-          <a:p>
-            <a:pPr marL="0" marR="0" lvl="0" indent="0" algn="l" defTabSz="381000" eaLnBrk="1" fontAlgn="auto" latinLnBrk="0" hangingPunct="1">
-              <a:lnSpc>
-                <a:spcPct val="100000"/>
-              </a:lnSpc>
-              <a:spcBef>
-                <a:spcPct val="20000"/>
-              </a:spcBef>
-              <a:spcAft>
-                <a:spcPts val="0"/>
-              </a:spcAft>
-              <a:buClr>
-                <a:srgbClr val="FFFFFF"/>
-              </a:buClr>
-              <a:buSzTx/>
-              <a:tabLst/>
-              <a:defRPr/>
-            </a:pPr>
-            <a:r>
-              <a:rPr kumimoji="1" lang="en-US" altLang="ja-JP" b="1" i="0" u="none" strike="noStrike" kern="0" cap="none" spc="0" normalizeH="0" baseline="0" noProof="0" dirty="0" smtClean="0">
-                <a:ln>
-                  <a:noFill/>
-                </a:ln>
-                <a:solidFill>
-                  <a:srgbClr val="FFFFFF"/>
-                </a:solidFill>
-                <a:effectLst/>
-                <a:uLnTx/>
-                <a:uFillTx/>
-                <a:latin typeface="+mn-lt"/>
-                <a:ea typeface="ＭＳ Ｐゴシック" panose="020B0600070205080204" pitchFamily="50" charset="-128"/>
-              </a:rPr>
-              <a:t>1. Context</a:t>
-            </a:r>
-            <a:endParaRPr kumimoji="1" lang="ja-JP" altLang="en-US" b="1" i="0" u="none" strike="noStrike" kern="0" cap="none" spc="0" normalizeH="0" baseline="0" noProof="0" dirty="0" smtClean="0">
-              <a:ln>
-                <a:noFill/>
-              </a:ln>
-              <a:solidFill>
-                <a:srgbClr val="FFFFFF"/>
-              </a:solidFill>
-              <a:effectLst/>
-              <a:uLnTx/>
-              <a:uFillTx/>
-              <a:latin typeface="+mn-lt"/>
-              <a:ea typeface="ＭＳ Ｐゴシック" panose="020B0600070205080204" pitchFamily="50" charset="-128"/>
-            </a:endParaRPr>
-          </a:p>
-        </p:txBody>
-      </p:sp>
-      <p:sp>
-        <p:nvSpPr>
-          <p:cNvPr id="8" name="Text Box 17"/>
-          <p:cNvSpPr txBox="1">
-            <a:spLocks noChangeArrowheads="1"/>
-          </p:cNvSpPr>
-          <p:nvPr/>
-        </p:nvSpPr>
-        <p:spPr bwMode="auto">
-          <a:xfrm>
-            <a:off x="445331" y="3068960"/>
-            <a:ext cx="8240400" cy="540000"/>
-          </a:xfrm>
-          <a:prstGeom prst="rect">
-            <a:avLst/>
-          </a:prstGeom>
-          <a:solidFill>
-            <a:srgbClr val="C00000"/>
-          </a:solidFill>
-          <a:ln w="12700">
-            <a:solidFill>
-              <a:srgbClr val="BF0000"/>
-            </a:solidFill>
-            <a:miter lim="800000"/>
-            <a:headEnd/>
-            <a:tailEnd/>
-          </a:ln>
-          <a:effectLst>
-            <a:outerShdw blurRad="88900" dist="38100" dir="8100000" algn="ctr" rotWithShape="0">
-              <a:schemeClr val="tx1">
-                <a:alpha val="30000"/>
-              </a:schemeClr>
-            </a:outerShdw>
-          </a:effectLst>
-          <a:extLst/>
-        </p:spPr>
-        <p:txBody>
-          <a:bodyPr anchor="ctr" anchorCtr="0"/>
-          <a:lstStyle>
-            <a:lvl1pPr algn="l" defTabSz="381000">
-              <a:spcBef>
-                <a:spcPct val="0"/>
-              </a:spcBef>
-              <a:defRPr kumimoji="1" sz="2400">
-                <a:solidFill>
-                  <a:schemeClr val="tx1"/>
-                </a:solidFill>
-                <a:latin typeface="Times New Roman" pitchFamily="18" charset="0"/>
-                <a:ea typeface="ＭＳ Ｐゴシック" charset="-128"/>
-              </a:defRPr>
-            </a:lvl1pPr>
-            <a:lvl2pPr algn="l" defTabSz="381000">
-              <a:spcBef>
-                <a:spcPct val="0"/>
-              </a:spcBef>
-              <a:defRPr kumimoji="1" sz="2400">
-                <a:solidFill>
-                  <a:schemeClr val="tx1"/>
-                </a:solidFill>
-                <a:latin typeface="Times New Roman" pitchFamily="18" charset="0"/>
-                <a:ea typeface="ＭＳ Ｐゴシック" charset="-128"/>
-              </a:defRPr>
-            </a:lvl2pPr>
-            <a:lvl3pPr algn="l" defTabSz="381000">
-              <a:spcBef>
-                <a:spcPct val="0"/>
-              </a:spcBef>
-              <a:defRPr kumimoji="1" sz="2400">
-                <a:solidFill>
-                  <a:schemeClr val="tx1"/>
-                </a:solidFill>
-                <a:latin typeface="Times New Roman" pitchFamily="18" charset="0"/>
-                <a:ea typeface="ＭＳ Ｐゴシック" charset="-128"/>
-              </a:defRPr>
-            </a:lvl3pPr>
-            <a:lvl4pPr algn="l" defTabSz="381000">
-              <a:spcBef>
-                <a:spcPct val="0"/>
-              </a:spcBef>
-              <a:defRPr kumimoji="1" sz="2400">
-                <a:solidFill>
-                  <a:schemeClr val="tx1"/>
-                </a:solidFill>
-                <a:latin typeface="Times New Roman" pitchFamily="18" charset="0"/>
-                <a:ea typeface="ＭＳ Ｐゴシック" charset="-128"/>
-              </a:defRPr>
-            </a:lvl4pPr>
-            <a:lvl5pPr algn="l" defTabSz="381000">
-              <a:spcBef>
-                <a:spcPct val="0"/>
-              </a:spcBef>
-              <a:defRPr kumimoji="1" sz="2400">
-                <a:solidFill>
-                  <a:schemeClr val="tx1"/>
-                </a:solidFill>
-                <a:latin typeface="Times New Roman" pitchFamily="18" charset="0"/>
-                <a:ea typeface="ＭＳ Ｐゴシック" charset="-128"/>
-              </a:defRPr>
-            </a:lvl5pPr>
-            <a:lvl6pPr defTabSz="381000" fontAlgn="base">
-              <a:spcBef>
-                <a:spcPct val="0"/>
-              </a:spcBef>
-              <a:spcAft>
-                <a:spcPct val="0"/>
-              </a:spcAft>
-              <a:defRPr kumimoji="1" sz="2400">
-                <a:solidFill>
-                  <a:schemeClr val="tx1"/>
-                </a:solidFill>
-                <a:latin typeface="Times New Roman" pitchFamily="18" charset="0"/>
-                <a:ea typeface="ＭＳ Ｐゴシック" charset="-128"/>
-              </a:defRPr>
-            </a:lvl6pPr>
-            <a:lvl7pPr defTabSz="381000" fontAlgn="base">
-              <a:spcBef>
-                <a:spcPct val="0"/>
-              </a:spcBef>
-              <a:spcAft>
-                <a:spcPct val="0"/>
-              </a:spcAft>
-              <a:defRPr kumimoji="1" sz="2400">
-                <a:solidFill>
-                  <a:schemeClr val="tx1"/>
-                </a:solidFill>
-                <a:latin typeface="Times New Roman" pitchFamily="18" charset="0"/>
-                <a:ea typeface="ＭＳ Ｐゴシック" charset="-128"/>
-              </a:defRPr>
-            </a:lvl7pPr>
-            <a:lvl8pPr defTabSz="381000" fontAlgn="base">
-              <a:spcBef>
-                <a:spcPct val="0"/>
-              </a:spcBef>
-              <a:spcAft>
-                <a:spcPct val="0"/>
-              </a:spcAft>
-              <a:defRPr kumimoji="1" sz="2400">
-                <a:solidFill>
-                  <a:schemeClr val="tx1"/>
-                </a:solidFill>
-                <a:latin typeface="Times New Roman" pitchFamily="18" charset="0"/>
-                <a:ea typeface="ＭＳ Ｐゴシック" charset="-128"/>
-              </a:defRPr>
-            </a:lvl8pPr>
-            <a:lvl9pPr defTabSz="381000" fontAlgn="base">
-              <a:spcBef>
-                <a:spcPct val="0"/>
-              </a:spcBef>
-              <a:spcAft>
-                <a:spcPct val="0"/>
-              </a:spcAft>
-              <a:defRPr kumimoji="1" sz="2400">
-                <a:solidFill>
-                  <a:schemeClr val="tx1"/>
-                </a:solidFill>
-                <a:latin typeface="Times New Roman" pitchFamily="18" charset="0"/>
-                <a:ea typeface="ＭＳ Ｐゴシック" charset="-128"/>
-              </a:defRPr>
-            </a:lvl9pPr>
-          </a:lstStyle>
-          <a:p>
-            <a:pPr lvl="0">
-              <a:spcBef>
-                <a:spcPct val="20000"/>
-              </a:spcBef>
-              <a:buClr>
-                <a:srgbClr val="FFFFFF"/>
-              </a:buClr>
-              <a:defRPr/>
-            </a:pPr>
-            <a:r>
-              <a:rPr lang="en-US" altLang="ja-JP" b="1" kern="0" dirty="0">
-                <a:solidFill>
-                  <a:srgbClr val="FFFFFF"/>
-                </a:solidFill>
-                <a:latin typeface="+mn-lt"/>
-              </a:rPr>
-              <a:t>3</a:t>
-            </a:r>
-            <a:r>
-              <a:rPr lang="en-US" altLang="ja-JP" b="1" kern="0" dirty="0" smtClean="0">
-                <a:solidFill>
-                  <a:srgbClr val="FFFFFF"/>
-                </a:solidFill>
-                <a:latin typeface="+mn-lt"/>
-              </a:rPr>
-              <a:t>. </a:t>
-            </a:r>
-            <a:r>
-              <a:rPr lang="en-US" altLang="ja-JP" b="1" kern="0" dirty="0">
-                <a:solidFill>
-                  <a:srgbClr val="FFFFFF"/>
-                </a:solidFill>
-                <a:latin typeface="+mn-lt"/>
-              </a:rPr>
-              <a:t>TDD: Learning Android development via unit tests</a:t>
-            </a:r>
-            <a:endParaRPr kumimoji="1" lang="ja-JP" altLang="en-US" b="1" i="0" u="none" strike="noStrike" kern="0" cap="none" spc="0" normalizeH="0" baseline="0" noProof="0" dirty="0" smtClean="0">
-              <a:ln>
-                <a:noFill/>
-              </a:ln>
-              <a:solidFill>
-                <a:srgbClr val="FFFFFF"/>
-              </a:solidFill>
-              <a:effectLst/>
-              <a:uLnTx/>
-              <a:uFillTx/>
-              <a:latin typeface="+mn-lt"/>
-            </a:endParaRPr>
-          </a:p>
-        </p:txBody>
-      </p:sp>
-      <p:sp>
-        <p:nvSpPr>
-          <p:cNvPr id="10" name="Text Box 17"/>
-          <p:cNvSpPr txBox="1">
-            <a:spLocks noChangeArrowheads="1"/>
-          </p:cNvSpPr>
-          <p:nvPr/>
-        </p:nvSpPr>
-        <p:spPr bwMode="auto">
-          <a:xfrm>
-            <a:off x="445331" y="2060848"/>
-            <a:ext cx="8240400" cy="540000"/>
-          </a:xfrm>
-          <a:prstGeom prst="rect">
-            <a:avLst/>
-          </a:prstGeom>
-          <a:solidFill>
-            <a:srgbClr val="C00000"/>
-          </a:solidFill>
-          <a:ln w="12700">
-            <a:solidFill>
-              <a:srgbClr val="BF0000"/>
-            </a:solidFill>
-            <a:miter lim="800000"/>
-            <a:headEnd/>
-            <a:tailEnd/>
-          </a:ln>
-          <a:effectLst>
-            <a:outerShdw blurRad="88900" dist="38100" dir="8100000" algn="ctr" rotWithShape="0">
-              <a:schemeClr val="tx1">
-                <a:alpha val="30000"/>
-              </a:schemeClr>
-            </a:outerShdw>
-          </a:effectLst>
-          <a:extLst/>
-        </p:spPr>
-        <p:txBody>
-          <a:bodyPr anchor="ctr" anchorCtr="0"/>
-          <a:lstStyle>
-            <a:lvl1pPr algn="l" defTabSz="381000">
-              <a:spcBef>
-                <a:spcPct val="0"/>
-              </a:spcBef>
-              <a:defRPr kumimoji="1" sz="2400">
-                <a:solidFill>
-                  <a:schemeClr val="tx1"/>
-                </a:solidFill>
-                <a:latin typeface="Times New Roman" pitchFamily="18" charset="0"/>
-                <a:ea typeface="ＭＳ Ｐゴシック" charset="-128"/>
-              </a:defRPr>
-            </a:lvl1pPr>
-            <a:lvl2pPr algn="l" defTabSz="381000">
-              <a:spcBef>
-                <a:spcPct val="0"/>
-              </a:spcBef>
-              <a:defRPr kumimoji="1" sz="2400">
-                <a:solidFill>
-                  <a:schemeClr val="tx1"/>
-                </a:solidFill>
-                <a:latin typeface="Times New Roman" pitchFamily="18" charset="0"/>
-                <a:ea typeface="ＭＳ Ｐゴシック" charset="-128"/>
-              </a:defRPr>
-            </a:lvl2pPr>
-            <a:lvl3pPr algn="l" defTabSz="381000">
-              <a:spcBef>
-                <a:spcPct val="0"/>
-              </a:spcBef>
-              <a:defRPr kumimoji="1" sz="2400">
-                <a:solidFill>
-                  <a:schemeClr val="tx1"/>
-                </a:solidFill>
-                <a:latin typeface="Times New Roman" pitchFamily="18" charset="0"/>
-                <a:ea typeface="ＭＳ Ｐゴシック" charset="-128"/>
-              </a:defRPr>
-            </a:lvl3pPr>
-            <a:lvl4pPr algn="l" defTabSz="381000">
-              <a:spcBef>
-                <a:spcPct val="0"/>
-              </a:spcBef>
-              <a:defRPr kumimoji="1" sz="2400">
-                <a:solidFill>
-                  <a:schemeClr val="tx1"/>
-                </a:solidFill>
-                <a:latin typeface="Times New Roman" pitchFamily="18" charset="0"/>
-                <a:ea typeface="ＭＳ Ｐゴシック" charset="-128"/>
-              </a:defRPr>
-            </a:lvl4pPr>
-            <a:lvl5pPr algn="l" defTabSz="381000">
-              <a:spcBef>
-                <a:spcPct val="0"/>
-              </a:spcBef>
-              <a:defRPr kumimoji="1" sz="2400">
-                <a:solidFill>
-                  <a:schemeClr val="tx1"/>
-                </a:solidFill>
-                <a:latin typeface="Times New Roman" pitchFamily="18" charset="0"/>
-                <a:ea typeface="ＭＳ Ｐゴシック" charset="-128"/>
-              </a:defRPr>
-            </a:lvl5pPr>
-            <a:lvl6pPr defTabSz="381000" fontAlgn="base">
-              <a:spcBef>
-                <a:spcPct val="0"/>
-              </a:spcBef>
-              <a:spcAft>
-                <a:spcPct val="0"/>
-              </a:spcAft>
-              <a:defRPr kumimoji="1" sz="2400">
-                <a:solidFill>
-                  <a:schemeClr val="tx1"/>
-                </a:solidFill>
-                <a:latin typeface="Times New Roman" pitchFamily="18" charset="0"/>
-                <a:ea typeface="ＭＳ Ｐゴシック" charset="-128"/>
-              </a:defRPr>
-            </a:lvl6pPr>
-            <a:lvl7pPr defTabSz="381000" fontAlgn="base">
-              <a:spcBef>
-                <a:spcPct val="0"/>
-              </a:spcBef>
-              <a:spcAft>
-                <a:spcPct val="0"/>
-              </a:spcAft>
-              <a:defRPr kumimoji="1" sz="2400">
-                <a:solidFill>
-                  <a:schemeClr val="tx1"/>
-                </a:solidFill>
-                <a:latin typeface="Times New Roman" pitchFamily="18" charset="0"/>
-                <a:ea typeface="ＭＳ Ｐゴシック" charset="-128"/>
-              </a:defRPr>
-            </a:lvl7pPr>
-            <a:lvl8pPr defTabSz="381000" fontAlgn="base">
-              <a:spcBef>
-                <a:spcPct val="0"/>
-              </a:spcBef>
-              <a:spcAft>
-                <a:spcPct val="0"/>
-              </a:spcAft>
-              <a:defRPr kumimoji="1" sz="2400">
-                <a:solidFill>
-                  <a:schemeClr val="tx1"/>
-                </a:solidFill>
-                <a:latin typeface="Times New Roman" pitchFamily="18" charset="0"/>
-                <a:ea typeface="ＭＳ Ｐゴシック" charset="-128"/>
-              </a:defRPr>
-            </a:lvl8pPr>
-            <a:lvl9pPr defTabSz="381000" fontAlgn="base">
-              <a:spcBef>
-                <a:spcPct val="0"/>
-              </a:spcBef>
-              <a:spcAft>
-                <a:spcPct val="0"/>
-              </a:spcAft>
-              <a:defRPr kumimoji="1" sz="2400">
-                <a:solidFill>
-                  <a:schemeClr val="tx1"/>
-                </a:solidFill>
-                <a:latin typeface="Times New Roman" pitchFamily="18" charset="0"/>
-                <a:ea typeface="ＭＳ Ｐゴシック" charset="-128"/>
-              </a:defRPr>
-            </a:lvl9pPr>
-          </a:lstStyle>
-          <a:p>
-            <a:pPr lvl="0">
-              <a:spcBef>
-                <a:spcPct val="20000"/>
-              </a:spcBef>
-              <a:buClr>
-                <a:srgbClr val="FFFFFF"/>
-              </a:buClr>
-              <a:defRPr/>
-            </a:pPr>
-            <a:r>
-              <a:rPr lang="en-US" altLang="ja-JP" b="1" kern="0" dirty="0" smtClean="0">
-                <a:solidFill>
-                  <a:srgbClr val="FFFFFF"/>
-                </a:solidFill>
-                <a:latin typeface="+mn-lt"/>
-                <a:ea typeface="ＭＳ Ｐゴシック" panose="020B0600070205080204" pitchFamily="50" charset="-128"/>
-              </a:rPr>
-              <a:t>2. </a:t>
-            </a:r>
-            <a:r>
-              <a:rPr lang="en-US" altLang="ja-JP" b="1" kern="0" dirty="0">
-                <a:solidFill>
-                  <a:srgbClr val="FFFFFF"/>
-                </a:solidFill>
-                <a:latin typeface="+mn-lt"/>
-                <a:ea typeface="ＭＳ Ｐゴシック" panose="020B0600070205080204" pitchFamily="50" charset="-128"/>
-              </a:rPr>
-              <a:t>CI/CD: Aiming for release automation and for collaboration</a:t>
-            </a:r>
-            <a:endParaRPr kumimoji="1" lang="ja-JP" altLang="en-US" b="1" i="0" u="none" strike="noStrike" kern="0" cap="none" spc="0" normalizeH="0" baseline="0" noProof="0" dirty="0" smtClean="0">
-              <a:ln>
-                <a:noFill/>
-              </a:ln>
-              <a:solidFill>
-                <a:srgbClr val="FFFFFF"/>
-              </a:solidFill>
-              <a:effectLst/>
-              <a:uLnTx/>
-              <a:uFillTx/>
-              <a:latin typeface="+mn-lt"/>
-              <a:ea typeface="ＭＳ Ｐゴシック" panose="020B0600070205080204" pitchFamily="50" charset="-128"/>
-            </a:endParaRPr>
-          </a:p>
-        </p:txBody>
-      </p:sp>
-      <p:sp>
-        <p:nvSpPr>
-          <p:cNvPr id="6" name="Text Box 17"/>
-          <p:cNvSpPr txBox="1">
-            <a:spLocks noChangeArrowheads="1"/>
-          </p:cNvSpPr>
-          <p:nvPr/>
-        </p:nvSpPr>
-        <p:spPr bwMode="auto">
-          <a:xfrm>
-            <a:off x="445331" y="4077072"/>
-            <a:ext cx="8240400" cy="540000"/>
-          </a:xfrm>
-          <a:prstGeom prst="rect">
-            <a:avLst/>
-          </a:prstGeom>
-          <a:solidFill>
-            <a:srgbClr val="C00000"/>
-          </a:solidFill>
-          <a:ln w="12700">
-            <a:solidFill>
-              <a:srgbClr val="BF0000"/>
-            </a:solidFill>
-            <a:miter lim="800000"/>
-            <a:headEnd/>
-            <a:tailEnd/>
-          </a:ln>
-          <a:effectLst>
-            <a:outerShdw blurRad="88900" dist="38100" dir="8100000" algn="ctr" rotWithShape="0">
-              <a:schemeClr val="tx1">
-                <a:alpha val="30000"/>
-              </a:schemeClr>
-            </a:outerShdw>
-          </a:effectLst>
-          <a:extLst/>
-        </p:spPr>
-        <p:txBody>
-          <a:bodyPr anchor="ctr" anchorCtr="0"/>
-          <a:lstStyle>
-            <a:lvl1pPr algn="l" defTabSz="381000">
-              <a:spcBef>
-                <a:spcPct val="0"/>
-              </a:spcBef>
-              <a:defRPr kumimoji="1" sz="2400">
-                <a:solidFill>
-                  <a:schemeClr val="tx1"/>
-                </a:solidFill>
-                <a:latin typeface="Times New Roman" pitchFamily="18" charset="0"/>
-                <a:ea typeface="ＭＳ Ｐゴシック" charset="-128"/>
-              </a:defRPr>
-            </a:lvl1pPr>
-            <a:lvl2pPr algn="l" defTabSz="381000">
-              <a:spcBef>
-                <a:spcPct val="0"/>
-              </a:spcBef>
-              <a:defRPr kumimoji="1" sz="2400">
-                <a:solidFill>
-                  <a:schemeClr val="tx1"/>
-                </a:solidFill>
-                <a:latin typeface="Times New Roman" pitchFamily="18" charset="0"/>
-                <a:ea typeface="ＭＳ Ｐゴシック" charset="-128"/>
-              </a:defRPr>
-            </a:lvl2pPr>
-            <a:lvl3pPr algn="l" defTabSz="381000">
-              <a:spcBef>
-                <a:spcPct val="0"/>
-              </a:spcBef>
-              <a:defRPr kumimoji="1" sz="2400">
-                <a:solidFill>
-                  <a:schemeClr val="tx1"/>
-                </a:solidFill>
-                <a:latin typeface="Times New Roman" pitchFamily="18" charset="0"/>
-                <a:ea typeface="ＭＳ Ｐゴシック" charset="-128"/>
-              </a:defRPr>
-            </a:lvl3pPr>
-            <a:lvl4pPr algn="l" defTabSz="381000">
-              <a:spcBef>
-                <a:spcPct val="0"/>
-              </a:spcBef>
-              <a:defRPr kumimoji="1" sz="2400">
-                <a:solidFill>
-                  <a:schemeClr val="tx1"/>
-                </a:solidFill>
-                <a:latin typeface="Times New Roman" pitchFamily="18" charset="0"/>
-                <a:ea typeface="ＭＳ Ｐゴシック" charset="-128"/>
-              </a:defRPr>
-            </a:lvl4pPr>
-            <a:lvl5pPr algn="l" defTabSz="381000">
-              <a:spcBef>
-                <a:spcPct val="0"/>
-              </a:spcBef>
-              <a:defRPr kumimoji="1" sz="2400">
-                <a:solidFill>
-                  <a:schemeClr val="tx1"/>
-                </a:solidFill>
-                <a:latin typeface="Times New Roman" pitchFamily="18" charset="0"/>
-                <a:ea typeface="ＭＳ Ｐゴシック" charset="-128"/>
-              </a:defRPr>
-            </a:lvl5pPr>
-            <a:lvl6pPr defTabSz="381000" fontAlgn="base">
-              <a:spcBef>
-                <a:spcPct val="0"/>
-              </a:spcBef>
-              <a:spcAft>
-                <a:spcPct val="0"/>
-              </a:spcAft>
-              <a:defRPr kumimoji="1" sz="2400">
-                <a:solidFill>
-                  <a:schemeClr val="tx1"/>
-                </a:solidFill>
-                <a:latin typeface="Times New Roman" pitchFamily="18" charset="0"/>
-                <a:ea typeface="ＭＳ Ｐゴシック" charset="-128"/>
-              </a:defRPr>
-            </a:lvl6pPr>
-            <a:lvl7pPr defTabSz="381000" fontAlgn="base">
-              <a:spcBef>
-                <a:spcPct val="0"/>
-              </a:spcBef>
-              <a:spcAft>
-                <a:spcPct val="0"/>
-              </a:spcAft>
-              <a:defRPr kumimoji="1" sz="2400">
-                <a:solidFill>
-                  <a:schemeClr val="tx1"/>
-                </a:solidFill>
-                <a:latin typeface="Times New Roman" pitchFamily="18" charset="0"/>
-                <a:ea typeface="ＭＳ Ｐゴシック" charset="-128"/>
-              </a:defRPr>
-            </a:lvl7pPr>
-            <a:lvl8pPr defTabSz="381000" fontAlgn="base">
-              <a:spcBef>
-                <a:spcPct val="0"/>
-              </a:spcBef>
-              <a:spcAft>
-                <a:spcPct val="0"/>
-              </a:spcAft>
-              <a:defRPr kumimoji="1" sz="2400">
-                <a:solidFill>
-                  <a:schemeClr val="tx1"/>
-                </a:solidFill>
-                <a:latin typeface="Times New Roman" pitchFamily="18" charset="0"/>
-                <a:ea typeface="ＭＳ Ｐゴシック" charset="-128"/>
-              </a:defRPr>
-            </a:lvl8pPr>
-            <a:lvl9pPr defTabSz="381000" fontAlgn="base">
-              <a:spcBef>
-                <a:spcPct val="0"/>
-              </a:spcBef>
-              <a:spcAft>
-                <a:spcPct val="0"/>
-              </a:spcAft>
-              <a:defRPr kumimoji="1" sz="2400">
-                <a:solidFill>
-                  <a:schemeClr val="tx1"/>
-                </a:solidFill>
-                <a:latin typeface="Times New Roman" pitchFamily="18" charset="0"/>
-                <a:ea typeface="ＭＳ Ｐゴシック" charset="-128"/>
-              </a:defRPr>
-            </a:lvl9pPr>
-          </a:lstStyle>
-          <a:p>
-            <a:pPr lvl="0">
-              <a:spcBef>
-                <a:spcPct val="20000"/>
-              </a:spcBef>
-              <a:buClr>
-                <a:srgbClr val="FFFFFF"/>
-              </a:buClr>
-              <a:defRPr/>
-            </a:pPr>
-            <a:r>
-              <a:rPr lang="en-US" altLang="ja-JP" b="1" kern="0" dirty="0" smtClean="0">
-                <a:solidFill>
-                  <a:srgbClr val="FFFFFF"/>
-                </a:solidFill>
-                <a:latin typeface="+mn-lt"/>
-              </a:rPr>
-              <a:t>4. </a:t>
-            </a:r>
-            <a:r>
-              <a:rPr lang="en-US" altLang="ja-JP" b="1" kern="0" dirty="0">
-                <a:solidFill>
-                  <a:srgbClr val="FFFFFF"/>
-                </a:solidFill>
-                <a:latin typeface="+mn-lt"/>
-              </a:rPr>
-              <a:t>BDD: Improving the discipline</a:t>
-            </a:r>
-            <a:endParaRPr kumimoji="1" lang="ja-JP" altLang="en-US" b="1" i="0" u="none" strike="noStrike" kern="0" cap="none" spc="0" normalizeH="0" baseline="0" noProof="0" dirty="0" smtClean="0">
-              <a:ln>
-                <a:noFill/>
-              </a:ln>
-              <a:solidFill>
-                <a:srgbClr val="FFFFFF"/>
-              </a:solidFill>
-              <a:effectLst/>
-              <a:uLnTx/>
-              <a:uFillTx/>
-              <a:latin typeface="+mn-lt"/>
-            </a:endParaRPr>
-          </a:p>
-        </p:txBody>
-      </p:sp>
-      <p:sp>
-        <p:nvSpPr>
-          <p:cNvPr id="7" name="Text Box 17"/>
-          <p:cNvSpPr txBox="1">
-            <a:spLocks noChangeArrowheads="1"/>
-          </p:cNvSpPr>
-          <p:nvPr/>
-        </p:nvSpPr>
-        <p:spPr bwMode="auto">
-          <a:xfrm>
-            <a:off x="445331" y="5085184"/>
-            <a:ext cx="8240400" cy="540000"/>
-          </a:xfrm>
-          <a:prstGeom prst="rect">
-            <a:avLst/>
-          </a:prstGeom>
-          <a:solidFill>
-            <a:srgbClr val="C00000"/>
-          </a:solidFill>
-          <a:ln w="12700">
-            <a:solidFill>
-              <a:srgbClr val="BF0000"/>
-            </a:solidFill>
-            <a:miter lim="800000"/>
-            <a:headEnd/>
-            <a:tailEnd/>
-          </a:ln>
-          <a:effectLst>
-            <a:outerShdw blurRad="88900" dist="38100" dir="8100000" algn="ctr" rotWithShape="0">
-              <a:schemeClr val="tx1">
-                <a:alpha val="30000"/>
-              </a:schemeClr>
-            </a:outerShdw>
-          </a:effectLst>
-          <a:extLst/>
-        </p:spPr>
-        <p:txBody>
-          <a:bodyPr anchor="ctr" anchorCtr="0"/>
-          <a:lstStyle>
-            <a:lvl1pPr algn="l" defTabSz="381000">
-              <a:spcBef>
-                <a:spcPct val="0"/>
-              </a:spcBef>
-              <a:defRPr kumimoji="1" sz="2400">
-                <a:solidFill>
-                  <a:schemeClr val="tx1"/>
-                </a:solidFill>
-                <a:latin typeface="Times New Roman" pitchFamily="18" charset="0"/>
-                <a:ea typeface="ＭＳ Ｐゴシック" charset="-128"/>
-              </a:defRPr>
-            </a:lvl1pPr>
-            <a:lvl2pPr algn="l" defTabSz="381000">
-              <a:spcBef>
-                <a:spcPct val="0"/>
-              </a:spcBef>
-              <a:defRPr kumimoji="1" sz="2400">
-                <a:solidFill>
-                  <a:schemeClr val="tx1"/>
-                </a:solidFill>
-                <a:latin typeface="Times New Roman" pitchFamily="18" charset="0"/>
-                <a:ea typeface="ＭＳ Ｐゴシック" charset="-128"/>
-              </a:defRPr>
-            </a:lvl2pPr>
-            <a:lvl3pPr algn="l" defTabSz="381000">
-              <a:spcBef>
-                <a:spcPct val="0"/>
-              </a:spcBef>
-              <a:defRPr kumimoji="1" sz="2400">
-                <a:solidFill>
-                  <a:schemeClr val="tx1"/>
-                </a:solidFill>
-                <a:latin typeface="Times New Roman" pitchFamily="18" charset="0"/>
-                <a:ea typeface="ＭＳ Ｐゴシック" charset="-128"/>
-              </a:defRPr>
-            </a:lvl3pPr>
-            <a:lvl4pPr algn="l" defTabSz="381000">
-              <a:spcBef>
-                <a:spcPct val="0"/>
-              </a:spcBef>
-              <a:defRPr kumimoji="1" sz="2400">
-                <a:solidFill>
-                  <a:schemeClr val="tx1"/>
-                </a:solidFill>
-                <a:latin typeface="Times New Roman" pitchFamily="18" charset="0"/>
-                <a:ea typeface="ＭＳ Ｐゴシック" charset="-128"/>
-              </a:defRPr>
-            </a:lvl4pPr>
-            <a:lvl5pPr algn="l" defTabSz="381000">
-              <a:spcBef>
-                <a:spcPct val="0"/>
-              </a:spcBef>
-              <a:defRPr kumimoji="1" sz="2400">
-                <a:solidFill>
-                  <a:schemeClr val="tx1"/>
-                </a:solidFill>
-                <a:latin typeface="Times New Roman" pitchFamily="18" charset="0"/>
-                <a:ea typeface="ＭＳ Ｐゴシック" charset="-128"/>
-              </a:defRPr>
-            </a:lvl5pPr>
-            <a:lvl6pPr defTabSz="381000" fontAlgn="base">
-              <a:spcBef>
-                <a:spcPct val="0"/>
-              </a:spcBef>
-              <a:spcAft>
-                <a:spcPct val="0"/>
-              </a:spcAft>
-              <a:defRPr kumimoji="1" sz="2400">
-                <a:solidFill>
-                  <a:schemeClr val="tx1"/>
-                </a:solidFill>
-                <a:latin typeface="Times New Roman" pitchFamily="18" charset="0"/>
-                <a:ea typeface="ＭＳ Ｐゴシック" charset="-128"/>
-              </a:defRPr>
-            </a:lvl6pPr>
-            <a:lvl7pPr defTabSz="381000" fontAlgn="base">
-              <a:spcBef>
-                <a:spcPct val="0"/>
-              </a:spcBef>
-              <a:spcAft>
-                <a:spcPct val="0"/>
-              </a:spcAft>
-              <a:defRPr kumimoji="1" sz="2400">
-                <a:solidFill>
-                  <a:schemeClr val="tx1"/>
-                </a:solidFill>
-                <a:latin typeface="Times New Roman" pitchFamily="18" charset="0"/>
-                <a:ea typeface="ＭＳ Ｐゴシック" charset="-128"/>
-              </a:defRPr>
-            </a:lvl7pPr>
-            <a:lvl8pPr defTabSz="381000" fontAlgn="base">
-              <a:spcBef>
-                <a:spcPct val="0"/>
-              </a:spcBef>
-              <a:spcAft>
-                <a:spcPct val="0"/>
-              </a:spcAft>
-              <a:defRPr kumimoji="1" sz="2400">
-                <a:solidFill>
-                  <a:schemeClr val="tx1"/>
-                </a:solidFill>
-                <a:latin typeface="Times New Roman" pitchFamily="18" charset="0"/>
-                <a:ea typeface="ＭＳ Ｐゴシック" charset="-128"/>
-              </a:defRPr>
-            </a:lvl8pPr>
-            <a:lvl9pPr defTabSz="381000" fontAlgn="base">
-              <a:spcBef>
-                <a:spcPct val="0"/>
-              </a:spcBef>
-              <a:spcAft>
-                <a:spcPct val="0"/>
-              </a:spcAft>
-              <a:defRPr kumimoji="1" sz="2400">
-                <a:solidFill>
-                  <a:schemeClr val="tx1"/>
-                </a:solidFill>
-                <a:latin typeface="Times New Roman" pitchFamily="18" charset="0"/>
-                <a:ea typeface="ＭＳ Ｐゴシック" charset="-128"/>
-              </a:defRPr>
-            </a:lvl9pPr>
-          </a:lstStyle>
-          <a:p>
-            <a:pPr lvl="0">
-              <a:spcBef>
-                <a:spcPct val="20000"/>
-              </a:spcBef>
-              <a:buClr>
-                <a:srgbClr val="FFFFFF"/>
-              </a:buClr>
-              <a:defRPr/>
-            </a:pPr>
-            <a:r>
-              <a:rPr lang="en-US" altLang="ja-JP" b="1" kern="0" dirty="0" smtClean="0">
-                <a:solidFill>
-                  <a:srgbClr val="FFFFFF"/>
-                </a:solidFill>
-                <a:latin typeface="+mn-lt"/>
-              </a:rPr>
-              <a:t>5. </a:t>
-            </a:r>
-            <a:r>
-              <a:rPr lang="en-US" altLang="ja-JP" b="1" kern="0" dirty="0">
-                <a:solidFill>
-                  <a:srgbClr val="FFFFFF"/>
-                </a:solidFill>
-                <a:latin typeface="+mn-lt"/>
-              </a:rPr>
-              <a:t>Discussion</a:t>
-            </a:r>
-            <a:endParaRPr kumimoji="1" lang="ja-JP" altLang="en-US" b="1" i="0" u="none" strike="noStrike" kern="0" cap="none" spc="0" normalizeH="0" baseline="0" noProof="0" dirty="0" smtClean="0">
-              <a:ln>
-                <a:noFill/>
-              </a:ln>
-              <a:solidFill>
-                <a:srgbClr val="FFFFFF"/>
-              </a:solidFill>
-              <a:effectLst/>
-              <a:uLnTx/>
-              <a:uFillTx/>
-              <a:latin typeface="+mn-lt"/>
-            </a:endParaRPr>
-          </a:p>
-        </p:txBody>
-      </p:sp>
-    </p:spTree>
-    <p:extLst>
-      <p:ext uri="{BB962C8B-B14F-4D97-AF65-F5344CB8AC3E}">
-        <p14:creationId xmlns:p14="http://schemas.microsoft.com/office/powerpoint/2010/main" val="3773336615"/>
-      </p:ext>
-    </p:extLst>
-  </p:cSld>
-  <p:clrMapOvr>
-    <a:masterClrMapping/>
-  </p:clrMapOvr>
-  <p:timing>
-    <p:tnLst>
-      <p:par>
-        <p:cTn id="1" dur="indefinite" restart="never" nodeType="tmRoot"/>
-      </p:par>
-    </p:tnLst>
-  </p:timing>
-</p:sld>
-</file>
-
-<file path=ppt/slides/slide30.xml><?xml version="1.0" encoding="utf-8"?>
+<file path=ppt/slides/slide31.xml><?xml version="1.0" encoding="utf-8"?>
 <p:sld xmlns:a="http://schemas.openxmlformats.org/drawingml/2006/main" xmlns:r="http://schemas.openxmlformats.org/officeDocument/2006/relationships" xmlns:p="http://schemas.openxmlformats.org/presentationml/2006/main">
   <p:cSld>
     <p:spTree>
@@ -25506,7 +24787,7 @@
 </p:sld>
 </file>
 
-<file path=ppt/slides/slide31.xml><?xml version="1.0" encoding="utf-8"?>
+<file path=ppt/slides/slide32.xml><?xml version="1.0" encoding="utf-8"?>
 <p:sld xmlns:a="http://schemas.openxmlformats.org/drawingml/2006/main" xmlns:r="http://schemas.openxmlformats.org/officeDocument/2006/relationships" xmlns:p="http://schemas.openxmlformats.org/presentationml/2006/main">
   <p:cSld>
     <p:spTree>
@@ -27215,7 +26496,7 @@
 </p:sld>
 </file>
 
-<file path=ppt/slides/slide32.xml><?xml version="1.0" encoding="utf-8"?>
+<file path=ppt/slides/slide33.xml><?xml version="1.0" encoding="utf-8"?>
 <p:sld xmlns:a="http://schemas.openxmlformats.org/drawingml/2006/main" xmlns:r="http://schemas.openxmlformats.org/officeDocument/2006/relationships" xmlns:p="http://schemas.openxmlformats.org/presentationml/2006/main">
   <p:cSld>
     <p:spTree>
@@ -27336,7 +26617,7 @@
 </p:sld>
 </file>
 
-<file path=ppt/slides/slide33.xml><?xml version="1.0" encoding="utf-8"?>
+<file path=ppt/slides/slide34.xml><?xml version="1.0" encoding="utf-8"?>
 <p:sld xmlns:a="http://schemas.openxmlformats.org/drawingml/2006/main" xmlns:r="http://schemas.openxmlformats.org/officeDocument/2006/relationships" xmlns:p="http://schemas.openxmlformats.org/presentationml/2006/main">
   <p:cSld>
     <p:spTree>
@@ -27561,7 +26842,7 @@
 </p:sld>
 </file>
 
-<file path=ppt/slides/slide34.xml><?xml version="1.0" encoding="utf-8"?>
+<file path=ppt/slides/slide35.xml><?xml version="1.0" encoding="utf-8"?>
 <p:sld xmlns:a="http://schemas.openxmlformats.org/drawingml/2006/main" xmlns:r="http://schemas.openxmlformats.org/officeDocument/2006/relationships" xmlns:p="http://schemas.openxmlformats.org/presentationml/2006/main">
   <p:cSld>
     <p:spTree>
@@ -27677,172 +26958,6 @@
     <p:extLst>
       <p:ext uri="{BB962C8B-B14F-4D97-AF65-F5344CB8AC3E}">
         <p14:creationId xmlns:p14="http://schemas.microsoft.com/office/powerpoint/2010/main" val="1440638798"/>
-      </p:ext>
-    </p:extLst>
-  </p:cSld>
-  <p:clrMapOvr>
-    <a:masterClrMapping/>
-  </p:clrMapOvr>
-  <p:timing>
-    <p:tnLst>
-      <p:par>
-        <p:cTn id="1" dur="indefinite" restart="never" nodeType="tmRoot"/>
-      </p:par>
-    </p:tnLst>
-  </p:timing>
-</p:sld>
-</file>
-
-<file path=ppt/slides/slide35.xml><?xml version="1.0" encoding="utf-8"?>
-<p:sld xmlns:a="http://schemas.openxmlformats.org/drawingml/2006/main" xmlns:r="http://schemas.openxmlformats.org/officeDocument/2006/relationships" xmlns:p="http://schemas.openxmlformats.org/presentationml/2006/main">
-  <p:cSld>
-    <p:spTree>
-      <p:nvGrpSpPr>
-        <p:cNvPr id="1" name=""/>
-        <p:cNvGrpSpPr/>
-        <p:nvPr/>
-      </p:nvGrpSpPr>
-      <p:grpSpPr>
-        <a:xfrm>
-          <a:off x="0" y="0"/>
-          <a:ext cx="0" cy="0"/>
-          <a:chOff x="0" y="0"/>
-          <a:chExt cx="0" cy="0"/>
-        </a:xfrm>
-      </p:grpSpPr>
-      <p:sp>
-        <p:nvSpPr>
-          <p:cNvPr id="7" name="タイトル 2"/>
-          <p:cNvSpPr txBox="1">
-            <a:spLocks/>
-          </p:cNvSpPr>
-          <p:nvPr/>
-        </p:nvSpPr>
-        <p:spPr>
-          <a:xfrm>
-            <a:off x="215516" y="1192412"/>
-            <a:ext cx="8712968" cy="4860000"/>
-          </a:xfrm>
-          <a:prstGeom prst="rect">
-            <a:avLst/>
-          </a:prstGeom>
-          <a:noFill/>
-          <a:ln>
-            <a:noFill/>
-          </a:ln>
-        </p:spPr>
-        <p:txBody>
-          <a:bodyPr anchor="ctr" anchorCtr="0">
-            <a:noAutofit/>
-          </a:bodyPr>
-          <a:lstStyle>
-            <a:lvl1pPr algn="ctr" defTabSz="914400" rtl="0" eaLnBrk="1" latinLnBrk="0" hangingPunct="1">
-              <a:spcBef>
-                <a:spcPct val="0"/>
-              </a:spcBef>
-              <a:buNone/>
-              <a:defRPr kumimoji="1" sz="2800" b="1" kern="1200" baseline="0">
-                <a:solidFill>
-                  <a:srgbClr val="C00000"/>
-                </a:solidFill>
-                <a:latin typeface="Arial" pitchFamily="34" charset="0"/>
-                <a:ea typeface="ＭＳ Ｐゴシック" pitchFamily="50" charset="-128"/>
-                <a:cs typeface="+mj-cs"/>
-              </a:defRPr>
-            </a:lvl1pPr>
-          </a:lstStyle>
-          <a:p>
-            <a:r>
-              <a:rPr lang="ja-JP" altLang="en-US" sz="7200" b="0" dirty="0" smtClean="0">
-                <a:solidFill>
-                  <a:schemeClr val="tx1"/>
-                </a:solidFill>
-              </a:rPr>
-              <a:t>１つ１つ試しながら</a:t>
-            </a:r>
-            <a:endParaRPr lang="en-US" altLang="ja-JP" sz="7200" b="0" dirty="0" smtClean="0">
-              <a:solidFill>
-                <a:schemeClr val="tx1"/>
-              </a:solidFill>
-            </a:endParaRPr>
-          </a:p>
-          <a:p>
-            <a:r>
-              <a:rPr lang="ja-JP" altLang="en-US" sz="7200" b="0" dirty="0" smtClean="0">
-                <a:solidFill>
-                  <a:schemeClr val="tx1"/>
-                </a:solidFill>
-                <a:latin typeface="+mn-ea"/>
-                <a:ea typeface="+mn-ea"/>
-                <a:cs typeface="ＭＳ 明朝"/>
-              </a:rPr>
-              <a:t>考え行動し続け、</a:t>
-            </a:r>
-            <a:endParaRPr lang="en-US" altLang="ja-JP" sz="7200" b="0" dirty="0" smtClean="0">
-              <a:solidFill>
-                <a:schemeClr val="tx1"/>
-              </a:solidFill>
-              <a:latin typeface="+mn-ea"/>
-              <a:ea typeface="+mn-ea"/>
-              <a:cs typeface="ＭＳ 明朝"/>
-            </a:endParaRPr>
-          </a:p>
-          <a:p>
-            <a:r>
-              <a:rPr lang="ja-JP" altLang="en-US" sz="7200" b="0" dirty="0" smtClean="0">
-                <a:latin typeface="+mn-ea"/>
-                <a:ea typeface="+mn-ea"/>
-                <a:cs typeface="ＭＳ 明朝"/>
-              </a:rPr>
-              <a:t>あなたの答え</a:t>
-            </a:r>
-            <a:r>
-              <a:rPr lang="ja-JP" altLang="en-US" sz="7200" b="0" dirty="0" smtClean="0">
-                <a:solidFill>
-                  <a:schemeClr val="tx1"/>
-                </a:solidFill>
-                <a:latin typeface="+mn-ea"/>
-                <a:ea typeface="+mn-ea"/>
-                <a:cs typeface="ＭＳ 明朝"/>
-              </a:rPr>
-              <a:t>を</a:t>
-            </a:r>
-            <a:endParaRPr lang="en-US" altLang="ja-JP" sz="7200" b="0" dirty="0" smtClean="0">
-              <a:solidFill>
-                <a:schemeClr val="tx1"/>
-              </a:solidFill>
-              <a:latin typeface="+mn-ea"/>
-              <a:ea typeface="+mn-ea"/>
-              <a:cs typeface="ＭＳ 明朝"/>
-            </a:endParaRPr>
-          </a:p>
-          <a:p>
-            <a:r>
-              <a:rPr lang="ja-JP" altLang="en-US" sz="7200" b="0" dirty="0">
-                <a:solidFill>
-                  <a:schemeClr val="tx1"/>
-                </a:solidFill>
-                <a:latin typeface="+mn-ea"/>
-                <a:ea typeface="+mn-ea"/>
-                <a:cs typeface="ＭＳ 明朝"/>
-              </a:rPr>
-              <a:t>みつけてみましょう。</a:t>
-            </a:r>
-            <a:endParaRPr lang="en-US" altLang="ja-JP" sz="7200" b="0" dirty="0" smtClean="0">
-              <a:solidFill>
-                <a:schemeClr val="tx1"/>
-              </a:solidFill>
-              <a:latin typeface="+mn-ea"/>
-              <a:ea typeface="+mn-ea"/>
-              <a:cs typeface="ＭＳ 明朝"/>
-            </a:endParaRPr>
-          </a:p>
-        </p:txBody>
-      </p:sp>
-    </p:spTree>
-    <p:extLst>
-      <p:ext uri="{BB962C8B-B14F-4D97-AF65-F5344CB8AC3E}">
-        <p14:creationId xmlns:p14="http://schemas.microsoft.com/office/powerpoint/2010/main" val="119077267"/>
       </p:ext>
     </p:extLst>
   </p:cSld>
@@ -27887,6 +27002,172 @@
         <p:spPr>
           <a:xfrm>
             <a:off x="215516" y="1192412"/>
+            <a:ext cx="8712968" cy="4860000"/>
+          </a:xfrm>
+          <a:prstGeom prst="rect">
+            <a:avLst/>
+          </a:prstGeom>
+          <a:noFill/>
+          <a:ln>
+            <a:noFill/>
+          </a:ln>
+        </p:spPr>
+        <p:txBody>
+          <a:bodyPr anchor="ctr" anchorCtr="0">
+            <a:noAutofit/>
+          </a:bodyPr>
+          <a:lstStyle>
+            <a:lvl1pPr algn="ctr" defTabSz="914400" rtl="0" eaLnBrk="1" latinLnBrk="0" hangingPunct="1">
+              <a:spcBef>
+                <a:spcPct val="0"/>
+              </a:spcBef>
+              <a:buNone/>
+              <a:defRPr kumimoji="1" sz="2800" b="1" kern="1200" baseline="0">
+                <a:solidFill>
+                  <a:srgbClr val="C00000"/>
+                </a:solidFill>
+                <a:latin typeface="Arial" pitchFamily="34" charset="0"/>
+                <a:ea typeface="ＭＳ Ｐゴシック" pitchFamily="50" charset="-128"/>
+                <a:cs typeface="+mj-cs"/>
+              </a:defRPr>
+            </a:lvl1pPr>
+          </a:lstStyle>
+          <a:p>
+            <a:r>
+              <a:rPr lang="ja-JP" altLang="en-US" sz="7200" b="0" dirty="0" smtClean="0">
+                <a:solidFill>
+                  <a:schemeClr val="tx1"/>
+                </a:solidFill>
+              </a:rPr>
+              <a:t>１つ１つ試しながら</a:t>
+            </a:r>
+            <a:endParaRPr lang="en-US" altLang="ja-JP" sz="7200" b="0" dirty="0" smtClean="0">
+              <a:solidFill>
+                <a:schemeClr val="tx1"/>
+              </a:solidFill>
+            </a:endParaRPr>
+          </a:p>
+          <a:p>
+            <a:r>
+              <a:rPr lang="ja-JP" altLang="en-US" sz="7200" b="0" dirty="0" smtClean="0">
+                <a:solidFill>
+                  <a:schemeClr val="tx1"/>
+                </a:solidFill>
+                <a:latin typeface="+mn-ea"/>
+                <a:ea typeface="+mn-ea"/>
+                <a:cs typeface="ＭＳ 明朝"/>
+              </a:rPr>
+              <a:t>考え行動し続け、</a:t>
+            </a:r>
+            <a:endParaRPr lang="en-US" altLang="ja-JP" sz="7200" b="0" dirty="0" smtClean="0">
+              <a:solidFill>
+                <a:schemeClr val="tx1"/>
+              </a:solidFill>
+              <a:latin typeface="+mn-ea"/>
+              <a:ea typeface="+mn-ea"/>
+              <a:cs typeface="ＭＳ 明朝"/>
+            </a:endParaRPr>
+          </a:p>
+          <a:p>
+            <a:r>
+              <a:rPr lang="ja-JP" altLang="en-US" sz="7200" b="0" dirty="0" smtClean="0">
+                <a:latin typeface="+mn-ea"/>
+                <a:ea typeface="+mn-ea"/>
+                <a:cs typeface="ＭＳ 明朝"/>
+              </a:rPr>
+              <a:t>あなたの答え</a:t>
+            </a:r>
+            <a:r>
+              <a:rPr lang="ja-JP" altLang="en-US" sz="7200" b="0" dirty="0" smtClean="0">
+                <a:solidFill>
+                  <a:schemeClr val="tx1"/>
+                </a:solidFill>
+                <a:latin typeface="+mn-ea"/>
+                <a:ea typeface="+mn-ea"/>
+                <a:cs typeface="ＭＳ 明朝"/>
+              </a:rPr>
+              <a:t>を</a:t>
+            </a:r>
+            <a:endParaRPr lang="en-US" altLang="ja-JP" sz="7200" b="0" dirty="0" smtClean="0">
+              <a:solidFill>
+                <a:schemeClr val="tx1"/>
+              </a:solidFill>
+              <a:latin typeface="+mn-ea"/>
+              <a:ea typeface="+mn-ea"/>
+              <a:cs typeface="ＭＳ 明朝"/>
+            </a:endParaRPr>
+          </a:p>
+          <a:p>
+            <a:r>
+              <a:rPr lang="ja-JP" altLang="en-US" sz="7200" b="0" dirty="0">
+                <a:solidFill>
+                  <a:schemeClr val="tx1"/>
+                </a:solidFill>
+                <a:latin typeface="+mn-ea"/>
+                <a:ea typeface="+mn-ea"/>
+                <a:cs typeface="ＭＳ 明朝"/>
+              </a:rPr>
+              <a:t>みつけてみましょう。</a:t>
+            </a:r>
+            <a:endParaRPr lang="en-US" altLang="ja-JP" sz="7200" b="0" dirty="0" smtClean="0">
+              <a:solidFill>
+                <a:schemeClr val="tx1"/>
+              </a:solidFill>
+              <a:latin typeface="+mn-ea"/>
+              <a:ea typeface="+mn-ea"/>
+              <a:cs typeface="ＭＳ 明朝"/>
+            </a:endParaRPr>
+          </a:p>
+        </p:txBody>
+      </p:sp>
+    </p:spTree>
+    <p:extLst>
+      <p:ext uri="{BB962C8B-B14F-4D97-AF65-F5344CB8AC3E}">
+        <p14:creationId xmlns:p14="http://schemas.microsoft.com/office/powerpoint/2010/main" val="119077267"/>
+      </p:ext>
+    </p:extLst>
+  </p:cSld>
+  <p:clrMapOvr>
+    <a:masterClrMapping/>
+  </p:clrMapOvr>
+  <p:timing>
+    <p:tnLst>
+      <p:par>
+        <p:cTn id="1" dur="indefinite" restart="never" nodeType="tmRoot"/>
+      </p:par>
+    </p:tnLst>
+  </p:timing>
+</p:sld>
+</file>
+
+<file path=ppt/slides/slide37.xml><?xml version="1.0" encoding="utf-8"?>
+<p:sld xmlns:a="http://schemas.openxmlformats.org/drawingml/2006/main" xmlns:r="http://schemas.openxmlformats.org/officeDocument/2006/relationships" xmlns:p="http://schemas.openxmlformats.org/presentationml/2006/main">
+  <p:cSld>
+    <p:spTree>
+      <p:nvGrpSpPr>
+        <p:cNvPr id="1" name=""/>
+        <p:cNvGrpSpPr/>
+        <p:nvPr/>
+      </p:nvGrpSpPr>
+      <p:grpSpPr>
+        <a:xfrm>
+          <a:off x="0" y="0"/>
+          <a:ext cx="0" cy="0"/>
+          <a:chOff x="0" y="0"/>
+          <a:chExt cx="0" cy="0"/>
+        </a:xfrm>
+      </p:grpSpPr>
+      <p:sp>
+        <p:nvSpPr>
+          <p:cNvPr id="7" name="タイトル 2"/>
+          <p:cNvSpPr txBox="1">
+            <a:spLocks/>
+          </p:cNvSpPr>
+          <p:nvPr/>
+        </p:nvSpPr>
+        <p:spPr>
+          <a:xfrm>
+            <a:off x="215516" y="1192412"/>
             <a:ext cx="8712968" cy="4473176"/>
           </a:xfrm>
           <a:prstGeom prst="rect">
@@ -27992,6 +27273,1104 @@
 </file>
 
 <file path=ppt/slides/slide4.xml><?xml version="1.0" encoding="utf-8"?>
+<p:sld xmlns:a="http://schemas.openxmlformats.org/drawingml/2006/main" xmlns:r="http://schemas.openxmlformats.org/officeDocument/2006/relationships" xmlns:p="http://schemas.openxmlformats.org/presentationml/2006/main">
+  <p:cSld>
+    <p:spTree>
+      <p:nvGrpSpPr>
+        <p:cNvPr id="1" name=""/>
+        <p:cNvGrpSpPr/>
+        <p:nvPr/>
+      </p:nvGrpSpPr>
+      <p:grpSpPr>
+        <a:xfrm>
+          <a:off x="0" y="0"/>
+          <a:ext cx="0" cy="0"/>
+          <a:chOff x="0" y="0"/>
+          <a:chExt cx="0" cy="0"/>
+        </a:xfrm>
+      </p:grpSpPr>
+      <p:sp>
+        <p:nvSpPr>
+          <p:cNvPr id="2" name="タイトル 1"/>
+          <p:cNvSpPr>
+            <a:spLocks noGrp="1"/>
+          </p:cNvSpPr>
+          <p:nvPr>
+            <p:ph type="title"/>
+          </p:nvPr>
+        </p:nvSpPr>
+        <p:spPr>
+          <a:noFill/>
+        </p:spPr>
+        <p:txBody>
+          <a:bodyPr>
+            <a:normAutofit fontScale="90000"/>
+          </a:bodyPr>
+          <a:lstStyle/>
+          <a:p>
+            <a:r>
+              <a:rPr kumimoji="1" lang="en-US" altLang="ja-JP" dirty="0" smtClean="0"/>
+              <a:t>Agenda</a:t>
+            </a:r>
+            <a:endParaRPr kumimoji="1" lang="ja-JP" altLang="en-US" dirty="0"/>
+          </a:p>
+        </p:txBody>
+      </p:sp>
+      <p:sp>
+        <p:nvSpPr>
+          <p:cNvPr id="5" name="Text Box 17"/>
+          <p:cNvSpPr txBox="1">
+            <a:spLocks noChangeArrowheads="1"/>
+          </p:cNvSpPr>
+          <p:nvPr/>
+        </p:nvSpPr>
+        <p:spPr bwMode="auto">
+          <a:xfrm>
+            <a:off x="445331" y="1052736"/>
+            <a:ext cx="8240400" cy="540000"/>
+          </a:xfrm>
+          <a:prstGeom prst="rect">
+            <a:avLst/>
+          </a:prstGeom>
+          <a:solidFill>
+            <a:srgbClr val="C00000"/>
+          </a:solidFill>
+          <a:ln w="12700">
+            <a:solidFill>
+              <a:srgbClr val="BF0000"/>
+            </a:solidFill>
+            <a:miter lim="800000"/>
+            <a:headEnd/>
+            <a:tailEnd/>
+          </a:ln>
+          <a:effectLst>
+            <a:outerShdw blurRad="88900" dist="38100" dir="8100000" algn="ctr" rotWithShape="0">
+              <a:schemeClr val="tx1">
+                <a:alpha val="30000"/>
+              </a:schemeClr>
+            </a:outerShdw>
+          </a:effectLst>
+          <a:extLst/>
+        </p:spPr>
+        <p:txBody>
+          <a:bodyPr anchor="ctr" anchorCtr="0"/>
+          <a:lstStyle>
+            <a:lvl1pPr algn="l" defTabSz="381000">
+              <a:spcBef>
+                <a:spcPct val="0"/>
+              </a:spcBef>
+              <a:defRPr kumimoji="1" sz="2400">
+                <a:solidFill>
+                  <a:schemeClr val="tx1"/>
+                </a:solidFill>
+                <a:latin typeface="Times New Roman" pitchFamily="18" charset="0"/>
+                <a:ea typeface="ＭＳ Ｐゴシック" charset="-128"/>
+              </a:defRPr>
+            </a:lvl1pPr>
+            <a:lvl2pPr algn="l" defTabSz="381000">
+              <a:spcBef>
+                <a:spcPct val="0"/>
+              </a:spcBef>
+              <a:defRPr kumimoji="1" sz="2400">
+                <a:solidFill>
+                  <a:schemeClr val="tx1"/>
+                </a:solidFill>
+                <a:latin typeface="Times New Roman" pitchFamily="18" charset="0"/>
+                <a:ea typeface="ＭＳ Ｐゴシック" charset="-128"/>
+              </a:defRPr>
+            </a:lvl2pPr>
+            <a:lvl3pPr algn="l" defTabSz="381000">
+              <a:spcBef>
+                <a:spcPct val="0"/>
+              </a:spcBef>
+              <a:defRPr kumimoji="1" sz="2400">
+                <a:solidFill>
+                  <a:schemeClr val="tx1"/>
+                </a:solidFill>
+                <a:latin typeface="Times New Roman" pitchFamily="18" charset="0"/>
+                <a:ea typeface="ＭＳ Ｐゴシック" charset="-128"/>
+              </a:defRPr>
+            </a:lvl3pPr>
+            <a:lvl4pPr algn="l" defTabSz="381000">
+              <a:spcBef>
+                <a:spcPct val="0"/>
+              </a:spcBef>
+              <a:defRPr kumimoji="1" sz="2400">
+                <a:solidFill>
+                  <a:schemeClr val="tx1"/>
+                </a:solidFill>
+                <a:latin typeface="Times New Roman" pitchFamily="18" charset="0"/>
+                <a:ea typeface="ＭＳ Ｐゴシック" charset="-128"/>
+              </a:defRPr>
+            </a:lvl4pPr>
+            <a:lvl5pPr algn="l" defTabSz="381000">
+              <a:spcBef>
+                <a:spcPct val="0"/>
+              </a:spcBef>
+              <a:defRPr kumimoji="1" sz="2400">
+                <a:solidFill>
+                  <a:schemeClr val="tx1"/>
+                </a:solidFill>
+                <a:latin typeface="Times New Roman" pitchFamily="18" charset="0"/>
+                <a:ea typeface="ＭＳ Ｐゴシック" charset="-128"/>
+              </a:defRPr>
+            </a:lvl5pPr>
+            <a:lvl6pPr defTabSz="381000" fontAlgn="base">
+              <a:spcBef>
+                <a:spcPct val="0"/>
+              </a:spcBef>
+              <a:spcAft>
+                <a:spcPct val="0"/>
+              </a:spcAft>
+              <a:defRPr kumimoji="1" sz="2400">
+                <a:solidFill>
+                  <a:schemeClr val="tx1"/>
+                </a:solidFill>
+                <a:latin typeface="Times New Roman" pitchFamily="18" charset="0"/>
+                <a:ea typeface="ＭＳ Ｐゴシック" charset="-128"/>
+              </a:defRPr>
+            </a:lvl6pPr>
+            <a:lvl7pPr defTabSz="381000" fontAlgn="base">
+              <a:spcBef>
+                <a:spcPct val="0"/>
+              </a:spcBef>
+              <a:spcAft>
+                <a:spcPct val="0"/>
+              </a:spcAft>
+              <a:defRPr kumimoji="1" sz="2400">
+                <a:solidFill>
+                  <a:schemeClr val="tx1"/>
+                </a:solidFill>
+                <a:latin typeface="Times New Roman" pitchFamily="18" charset="0"/>
+                <a:ea typeface="ＭＳ Ｐゴシック" charset="-128"/>
+              </a:defRPr>
+            </a:lvl7pPr>
+            <a:lvl8pPr defTabSz="381000" fontAlgn="base">
+              <a:spcBef>
+                <a:spcPct val="0"/>
+              </a:spcBef>
+              <a:spcAft>
+                <a:spcPct val="0"/>
+              </a:spcAft>
+              <a:defRPr kumimoji="1" sz="2400">
+                <a:solidFill>
+                  <a:schemeClr val="tx1"/>
+                </a:solidFill>
+                <a:latin typeface="Times New Roman" pitchFamily="18" charset="0"/>
+                <a:ea typeface="ＭＳ Ｐゴシック" charset="-128"/>
+              </a:defRPr>
+            </a:lvl8pPr>
+            <a:lvl9pPr defTabSz="381000" fontAlgn="base">
+              <a:spcBef>
+                <a:spcPct val="0"/>
+              </a:spcBef>
+              <a:spcAft>
+                <a:spcPct val="0"/>
+              </a:spcAft>
+              <a:defRPr kumimoji="1" sz="2400">
+                <a:solidFill>
+                  <a:schemeClr val="tx1"/>
+                </a:solidFill>
+                <a:latin typeface="Times New Roman" pitchFamily="18" charset="0"/>
+                <a:ea typeface="ＭＳ Ｐゴシック" charset="-128"/>
+              </a:defRPr>
+            </a:lvl9pPr>
+          </a:lstStyle>
+          <a:p>
+            <a:pPr marL="0" marR="0" lvl="0" indent="0" algn="l" defTabSz="381000" eaLnBrk="1" fontAlgn="auto" latinLnBrk="0" hangingPunct="1">
+              <a:lnSpc>
+                <a:spcPct val="100000"/>
+              </a:lnSpc>
+              <a:spcBef>
+                <a:spcPct val="20000"/>
+              </a:spcBef>
+              <a:spcAft>
+                <a:spcPts val="0"/>
+              </a:spcAft>
+              <a:buClr>
+                <a:srgbClr val="FFFFFF"/>
+              </a:buClr>
+              <a:buSzTx/>
+              <a:tabLst/>
+              <a:defRPr/>
+            </a:pPr>
+            <a:r>
+              <a:rPr kumimoji="1" lang="en-US" altLang="ja-JP" b="1" i="0" u="none" strike="noStrike" kern="0" cap="none" spc="0" normalizeH="0" baseline="0" noProof="0" dirty="0" smtClean="0">
+                <a:ln>
+                  <a:noFill/>
+                </a:ln>
+                <a:solidFill>
+                  <a:srgbClr val="FFFFFF"/>
+                </a:solidFill>
+                <a:effectLst/>
+                <a:uLnTx/>
+                <a:uFillTx/>
+                <a:latin typeface="+mn-lt"/>
+                <a:ea typeface="ＭＳ Ｐゴシック" panose="020B0600070205080204" pitchFamily="50" charset="-128"/>
+              </a:rPr>
+              <a:t>1. Context</a:t>
+            </a:r>
+            <a:endParaRPr kumimoji="1" lang="ja-JP" altLang="en-US" b="1" i="0" u="none" strike="noStrike" kern="0" cap="none" spc="0" normalizeH="0" baseline="0" noProof="0" dirty="0" smtClean="0">
+              <a:ln>
+                <a:noFill/>
+              </a:ln>
+              <a:solidFill>
+                <a:srgbClr val="FFFFFF"/>
+              </a:solidFill>
+              <a:effectLst/>
+              <a:uLnTx/>
+              <a:uFillTx/>
+              <a:latin typeface="+mn-lt"/>
+              <a:ea typeface="ＭＳ Ｐゴシック" panose="020B0600070205080204" pitchFamily="50" charset="-128"/>
+            </a:endParaRPr>
+          </a:p>
+        </p:txBody>
+      </p:sp>
+      <p:sp>
+        <p:nvSpPr>
+          <p:cNvPr id="8" name="Text Box 17"/>
+          <p:cNvSpPr txBox="1">
+            <a:spLocks noChangeArrowheads="1"/>
+          </p:cNvSpPr>
+          <p:nvPr/>
+        </p:nvSpPr>
+        <p:spPr bwMode="auto">
+          <a:xfrm>
+            <a:off x="445331" y="3068960"/>
+            <a:ext cx="8240400" cy="540000"/>
+          </a:xfrm>
+          <a:prstGeom prst="rect">
+            <a:avLst/>
+          </a:prstGeom>
+          <a:solidFill>
+            <a:srgbClr val="C00000"/>
+          </a:solidFill>
+          <a:ln w="12700">
+            <a:solidFill>
+              <a:srgbClr val="BF0000"/>
+            </a:solidFill>
+            <a:miter lim="800000"/>
+            <a:headEnd/>
+            <a:tailEnd/>
+          </a:ln>
+          <a:effectLst>
+            <a:outerShdw blurRad="88900" dist="38100" dir="8100000" algn="ctr" rotWithShape="0">
+              <a:schemeClr val="tx1">
+                <a:alpha val="30000"/>
+              </a:schemeClr>
+            </a:outerShdw>
+          </a:effectLst>
+          <a:extLst/>
+        </p:spPr>
+        <p:txBody>
+          <a:bodyPr anchor="ctr" anchorCtr="0"/>
+          <a:lstStyle>
+            <a:lvl1pPr algn="l" defTabSz="381000">
+              <a:spcBef>
+                <a:spcPct val="0"/>
+              </a:spcBef>
+              <a:defRPr kumimoji="1" sz="2400">
+                <a:solidFill>
+                  <a:schemeClr val="tx1"/>
+                </a:solidFill>
+                <a:latin typeface="Times New Roman" pitchFamily="18" charset="0"/>
+                <a:ea typeface="ＭＳ Ｐゴシック" charset="-128"/>
+              </a:defRPr>
+            </a:lvl1pPr>
+            <a:lvl2pPr algn="l" defTabSz="381000">
+              <a:spcBef>
+                <a:spcPct val="0"/>
+              </a:spcBef>
+              <a:defRPr kumimoji="1" sz="2400">
+                <a:solidFill>
+                  <a:schemeClr val="tx1"/>
+                </a:solidFill>
+                <a:latin typeface="Times New Roman" pitchFamily="18" charset="0"/>
+                <a:ea typeface="ＭＳ Ｐゴシック" charset="-128"/>
+              </a:defRPr>
+            </a:lvl2pPr>
+            <a:lvl3pPr algn="l" defTabSz="381000">
+              <a:spcBef>
+                <a:spcPct val="0"/>
+              </a:spcBef>
+              <a:defRPr kumimoji="1" sz="2400">
+                <a:solidFill>
+                  <a:schemeClr val="tx1"/>
+                </a:solidFill>
+                <a:latin typeface="Times New Roman" pitchFamily="18" charset="0"/>
+                <a:ea typeface="ＭＳ Ｐゴシック" charset="-128"/>
+              </a:defRPr>
+            </a:lvl3pPr>
+            <a:lvl4pPr algn="l" defTabSz="381000">
+              <a:spcBef>
+                <a:spcPct val="0"/>
+              </a:spcBef>
+              <a:defRPr kumimoji="1" sz="2400">
+                <a:solidFill>
+                  <a:schemeClr val="tx1"/>
+                </a:solidFill>
+                <a:latin typeface="Times New Roman" pitchFamily="18" charset="0"/>
+                <a:ea typeface="ＭＳ Ｐゴシック" charset="-128"/>
+              </a:defRPr>
+            </a:lvl4pPr>
+            <a:lvl5pPr algn="l" defTabSz="381000">
+              <a:spcBef>
+                <a:spcPct val="0"/>
+              </a:spcBef>
+              <a:defRPr kumimoji="1" sz="2400">
+                <a:solidFill>
+                  <a:schemeClr val="tx1"/>
+                </a:solidFill>
+                <a:latin typeface="Times New Roman" pitchFamily="18" charset="0"/>
+                <a:ea typeface="ＭＳ Ｐゴシック" charset="-128"/>
+              </a:defRPr>
+            </a:lvl5pPr>
+            <a:lvl6pPr defTabSz="381000" fontAlgn="base">
+              <a:spcBef>
+                <a:spcPct val="0"/>
+              </a:spcBef>
+              <a:spcAft>
+                <a:spcPct val="0"/>
+              </a:spcAft>
+              <a:defRPr kumimoji="1" sz="2400">
+                <a:solidFill>
+                  <a:schemeClr val="tx1"/>
+                </a:solidFill>
+                <a:latin typeface="Times New Roman" pitchFamily="18" charset="0"/>
+                <a:ea typeface="ＭＳ Ｐゴシック" charset="-128"/>
+              </a:defRPr>
+            </a:lvl6pPr>
+            <a:lvl7pPr defTabSz="381000" fontAlgn="base">
+              <a:spcBef>
+                <a:spcPct val="0"/>
+              </a:spcBef>
+              <a:spcAft>
+                <a:spcPct val="0"/>
+              </a:spcAft>
+              <a:defRPr kumimoji="1" sz="2400">
+                <a:solidFill>
+                  <a:schemeClr val="tx1"/>
+                </a:solidFill>
+                <a:latin typeface="Times New Roman" pitchFamily="18" charset="0"/>
+                <a:ea typeface="ＭＳ Ｐゴシック" charset="-128"/>
+              </a:defRPr>
+            </a:lvl7pPr>
+            <a:lvl8pPr defTabSz="381000" fontAlgn="base">
+              <a:spcBef>
+                <a:spcPct val="0"/>
+              </a:spcBef>
+              <a:spcAft>
+                <a:spcPct val="0"/>
+              </a:spcAft>
+              <a:defRPr kumimoji="1" sz="2400">
+                <a:solidFill>
+                  <a:schemeClr val="tx1"/>
+                </a:solidFill>
+                <a:latin typeface="Times New Roman" pitchFamily="18" charset="0"/>
+                <a:ea typeface="ＭＳ Ｐゴシック" charset="-128"/>
+              </a:defRPr>
+            </a:lvl8pPr>
+            <a:lvl9pPr defTabSz="381000" fontAlgn="base">
+              <a:spcBef>
+                <a:spcPct val="0"/>
+              </a:spcBef>
+              <a:spcAft>
+                <a:spcPct val="0"/>
+              </a:spcAft>
+              <a:defRPr kumimoji="1" sz="2400">
+                <a:solidFill>
+                  <a:schemeClr val="tx1"/>
+                </a:solidFill>
+                <a:latin typeface="Times New Roman" pitchFamily="18" charset="0"/>
+                <a:ea typeface="ＭＳ Ｐゴシック" charset="-128"/>
+              </a:defRPr>
+            </a:lvl9pPr>
+          </a:lstStyle>
+          <a:p>
+            <a:pPr lvl="0">
+              <a:spcBef>
+                <a:spcPct val="20000"/>
+              </a:spcBef>
+              <a:buClr>
+                <a:srgbClr val="FFFFFF"/>
+              </a:buClr>
+              <a:defRPr/>
+            </a:pPr>
+            <a:r>
+              <a:rPr lang="en-US" altLang="ja-JP" b="1" kern="0" dirty="0">
+                <a:solidFill>
+                  <a:srgbClr val="FFFFFF"/>
+                </a:solidFill>
+                <a:latin typeface="+mn-lt"/>
+              </a:rPr>
+              <a:t>3</a:t>
+            </a:r>
+            <a:r>
+              <a:rPr lang="en-US" altLang="ja-JP" b="1" kern="0" dirty="0" smtClean="0">
+                <a:solidFill>
+                  <a:srgbClr val="FFFFFF"/>
+                </a:solidFill>
+                <a:latin typeface="+mn-lt"/>
+              </a:rPr>
+              <a:t>. </a:t>
+            </a:r>
+            <a:r>
+              <a:rPr lang="en-US" altLang="ja-JP" b="1" kern="0" dirty="0">
+                <a:solidFill>
+                  <a:srgbClr val="FFFFFF"/>
+                </a:solidFill>
+                <a:latin typeface="+mn-lt"/>
+              </a:rPr>
+              <a:t>TDD: Learning Android development via unit tests</a:t>
+            </a:r>
+            <a:endParaRPr kumimoji="1" lang="ja-JP" altLang="en-US" b="1" i="0" u="none" strike="noStrike" kern="0" cap="none" spc="0" normalizeH="0" baseline="0" noProof="0" dirty="0" smtClean="0">
+              <a:ln>
+                <a:noFill/>
+              </a:ln>
+              <a:solidFill>
+                <a:srgbClr val="FFFFFF"/>
+              </a:solidFill>
+              <a:effectLst/>
+              <a:uLnTx/>
+              <a:uFillTx/>
+              <a:latin typeface="+mn-lt"/>
+            </a:endParaRPr>
+          </a:p>
+        </p:txBody>
+      </p:sp>
+      <p:sp>
+        <p:nvSpPr>
+          <p:cNvPr id="10" name="Text Box 17"/>
+          <p:cNvSpPr txBox="1">
+            <a:spLocks noChangeArrowheads="1"/>
+          </p:cNvSpPr>
+          <p:nvPr/>
+        </p:nvSpPr>
+        <p:spPr bwMode="auto">
+          <a:xfrm>
+            <a:off x="445331" y="2060848"/>
+            <a:ext cx="8240400" cy="540000"/>
+          </a:xfrm>
+          <a:prstGeom prst="rect">
+            <a:avLst/>
+          </a:prstGeom>
+          <a:solidFill>
+            <a:srgbClr val="C00000"/>
+          </a:solidFill>
+          <a:ln w="12700">
+            <a:solidFill>
+              <a:srgbClr val="BF0000"/>
+            </a:solidFill>
+            <a:miter lim="800000"/>
+            <a:headEnd/>
+            <a:tailEnd/>
+          </a:ln>
+          <a:effectLst>
+            <a:outerShdw blurRad="88900" dist="38100" dir="8100000" algn="ctr" rotWithShape="0">
+              <a:schemeClr val="tx1">
+                <a:alpha val="30000"/>
+              </a:schemeClr>
+            </a:outerShdw>
+          </a:effectLst>
+          <a:extLst/>
+        </p:spPr>
+        <p:txBody>
+          <a:bodyPr anchor="ctr" anchorCtr="0"/>
+          <a:lstStyle>
+            <a:lvl1pPr algn="l" defTabSz="381000">
+              <a:spcBef>
+                <a:spcPct val="0"/>
+              </a:spcBef>
+              <a:defRPr kumimoji="1" sz="2400">
+                <a:solidFill>
+                  <a:schemeClr val="tx1"/>
+                </a:solidFill>
+                <a:latin typeface="Times New Roman" pitchFamily="18" charset="0"/>
+                <a:ea typeface="ＭＳ Ｐゴシック" charset="-128"/>
+              </a:defRPr>
+            </a:lvl1pPr>
+            <a:lvl2pPr algn="l" defTabSz="381000">
+              <a:spcBef>
+                <a:spcPct val="0"/>
+              </a:spcBef>
+              <a:defRPr kumimoji="1" sz="2400">
+                <a:solidFill>
+                  <a:schemeClr val="tx1"/>
+                </a:solidFill>
+                <a:latin typeface="Times New Roman" pitchFamily="18" charset="0"/>
+                <a:ea typeface="ＭＳ Ｐゴシック" charset="-128"/>
+              </a:defRPr>
+            </a:lvl2pPr>
+            <a:lvl3pPr algn="l" defTabSz="381000">
+              <a:spcBef>
+                <a:spcPct val="0"/>
+              </a:spcBef>
+              <a:defRPr kumimoji="1" sz="2400">
+                <a:solidFill>
+                  <a:schemeClr val="tx1"/>
+                </a:solidFill>
+                <a:latin typeface="Times New Roman" pitchFamily="18" charset="0"/>
+                <a:ea typeface="ＭＳ Ｐゴシック" charset="-128"/>
+              </a:defRPr>
+            </a:lvl3pPr>
+            <a:lvl4pPr algn="l" defTabSz="381000">
+              <a:spcBef>
+                <a:spcPct val="0"/>
+              </a:spcBef>
+              <a:defRPr kumimoji="1" sz="2400">
+                <a:solidFill>
+                  <a:schemeClr val="tx1"/>
+                </a:solidFill>
+                <a:latin typeface="Times New Roman" pitchFamily="18" charset="0"/>
+                <a:ea typeface="ＭＳ Ｐゴシック" charset="-128"/>
+              </a:defRPr>
+            </a:lvl4pPr>
+            <a:lvl5pPr algn="l" defTabSz="381000">
+              <a:spcBef>
+                <a:spcPct val="0"/>
+              </a:spcBef>
+              <a:defRPr kumimoji="1" sz="2400">
+                <a:solidFill>
+                  <a:schemeClr val="tx1"/>
+                </a:solidFill>
+                <a:latin typeface="Times New Roman" pitchFamily="18" charset="0"/>
+                <a:ea typeface="ＭＳ Ｐゴシック" charset="-128"/>
+              </a:defRPr>
+            </a:lvl5pPr>
+            <a:lvl6pPr defTabSz="381000" fontAlgn="base">
+              <a:spcBef>
+                <a:spcPct val="0"/>
+              </a:spcBef>
+              <a:spcAft>
+                <a:spcPct val="0"/>
+              </a:spcAft>
+              <a:defRPr kumimoji="1" sz="2400">
+                <a:solidFill>
+                  <a:schemeClr val="tx1"/>
+                </a:solidFill>
+                <a:latin typeface="Times New Roman" pitchFamily="18" charset="0"/>
+                <a:ea typeface="ＭＳ Ｐゴシック" charset="-128"/>
+              </a:defRPr>
+            </a:lvl6pPr>
+            <a:lvl7pPr defTabSz="381000" fontAlgn="base">
+              <a:spcBef>
+                <a:spcPct val="0"/>
+              </a:spcBef>
+              <a:spcAft>
+                <a:spcPct val="0"/>
+              </a:spcAft>
+              <a:defRPr kumimoji="1" sz="2400">
+                <a:solidFill>
+                  <a:schemeClr val="tx1"/>
+                </a:solidFill>
+                <a:latin typeface="Times New Roman" pitchFamily="18" charset="0"/>
+                <a:ea typeface="ＭＳ Ｐゴシック" charset="-128"/>
+              </a:defRPr>
+            </a:lvl7pPr>
+            <a:lvl8pPr defTabSz="381000" fontAlgn="base">
+              <a:spcBef>
+                <a:spcPct val="0"/>
+              </a:spcBef>
+              <a:spcAft>
+                <a:spcPct val="0"/>
+              </a:spcAft>
+              <a:defRPr kumimoji="1" sz="2400">
+                <a:solidFill>
+                  <a:schemeClr val="tx1"/>
+                </a:solidFill>
+                <a:latin typeface="Times New Roman" pitchFamily="18" charset="0"/>
+                <a:ea typeface="ＭＳ Ｐゴシック" charset="-128"/>
+              </a:defRPr>
+            </a:lvl8pPr>
+            <a:lvl9pPr defTabSz="381000" fontAlgn="base">
+              <a:spcBef>
+                <a:spcPct val="0"/>
+              </a:spcBef>
+              <a:spcAft>
+                <a:spcPct val="0"/>
+              </a:spcAft>
+              <a:defRPr kumimoji="1" sz="2400">
+                <a:solidFill>
+                  <a:schemeClr val="tx1"/>
+                </a:solidFill>
+                <a:latin typeface="Times New Roman" pitchFamily="18" charset="0"/>
+                <a:ea typeface="ＭＳ Ｐゴシック" charset="-128"/>
+              </a:defRPr>
+            </a:lvl9pPr>
+          </a:lstStyle>
+          <a:p>
+            <a:pPr lvl="0">
+              <a:spcBef>
+                <a:spcPct val="20000"/>
+              </a:spcBef>
+              <a:buClr>
+                <a:srgbClr val="FFFFFF"/>
+              </a:buClr>
+              <a:defRPr/>
+            </a:pPr>
+            <a:r>
+              <a:rPr lang="en-US" altLang="ja-JP" b="1" kern="0" dirty="0" smtClean="0">
+                <a:solidFill>
+                  <a:srgbClr val="FFFFFF"/>
+                </a:solidFill>
+                <a:latin typeface="+mn-lt"/>
+                <a:ea typeface="ＭＳ Ｐゴシック" panose="020B0600070205080204" pitchFamily="50" charset="-128"/>
+              </a:rPr>
+              <a:t>2. </a:t>
+            </a:r>
+            <a:r>
+              <a:rPr lang="en-US" altLang="ja-JP" b="1" kern="0" dirty="0">
+                <a:solidFill>
+                  <a:srgbClr val="FFFFFF"/>
+                </a:solidFill>
+                <a:latin typeface="+mn-lt"/>
+                <a:ea typeface="ＭＳ Ｐゴシック" panose="020B0600070205080204" pitchFamily="50" charset="-128"/>
+              </a:rPr>
+              <a:t>CI/CD: Aiming for release automation and for collaboration</a:t>
+            </a:r>
+            <a:endParaRPr kumimoji="1" lang="ja-JP" altLang="en-US" b="1" i="0" u="none" strike="noStrike" kern="0" cap="none" spc="0" normalizeH="0" baseline="0" noProof="0" dirty="0" smtClean="0">
+              <a:ln>
+                <a:noFill/>
+              </a:ln>
+              <a:solidFill>
+                <a:srgbClr val="FFFFFF"/>
+              </a:solidFill>
+              <a:effectLst/>
+              <a:uLnTx/>
+              <a:uFillTx/>
+              <a:latin typeface="+mn-lt"/>
+              <a:ea typeface="ＭＳ Ｐゴシック" panose="020B0600070205080204" pitchFamily="50" charset="-128"/>
+            </a:endParaRPr>
+          </a:p>
+        </p:txBody>
+      </p:sp>
+      <p:sp>
+        <p:nvSpPr>
+          <p:cNvPr id="6" name="Text Box 17"/>
+          <p:cNvSpPr txBox="1">
+            <a:spLocks noChangeArrowheads="1"/>
+          </p:cNvSpPr>
+          <p:nvPr/>
+        </p:nvSpPr>
+        <p:spPr bwMode="auto">
+          <a:xfrm>
+            <a:off x="445331" y="4077072"/>
+            <a:ext cx="8240400" cy="540000"/>
+          </a:xfrm>
+          <a:prstGeom prst="rect">
+            <a:avLst/>
+          </a:prstGeom>
+          <a:solidFill>
+            <a:srgbClr val="C00000"/>
+          </a:solidFill>
+          <a:ln w="12700">
+            <a:solidFill>
+              <a:srgbClr val="BF0000"/>
+            </a:solidFill>
+            <a:miter lim="800000"/>
+            <a:headEnd/>
+            <a:tailEnd/>
+          </a:ln>
+          <a:effectLst>
+            <a:outerShdw blurRad="88900" dist="38100" dir="8100000" algn="ctr" rotWithShape="0">
+              <a:schemeClr val="tx1">
+                <a:alpha val="30000"/>
+              </a:schemeClr>
+            </a:outerShdw>
+          </a:effectLst>
+          <a:extLst/>
+        </p:spPr>
+        <p:txBody>
+          <a:bodyPr anchor="ctr" anchorCtr="0"/>
+          <a:lstStyle>
+            <a:lvl1pPr algn="l" defTabSz="381000">
+              <a:spcBef>
+                <a:spcPct val="0"/>
+              </a:spcBef>
+              <a:defRPr kumimoji="1" sz="2400">
+                <a:solidFill>
+                  <a:schemeClr val="tx1"/>
+                </a:solidFill>
+                <a:latin typeface="Times New Roman" pitchFamily="18" charset="0"/>
+                <a:ea typeface="ＭＳ Ｐゴシック" charset="-128"/>
+              </a:defRPr>
+            </a:lvl1pPr>
+            <a:lvl2pPr algn="l" defTabSz="381000">
+              <a:spcBef>
+                <a:spcPct val="0"/>
+              </a:spcBef>
+              <a:defRPr kumimoji="1" sz="2400">
+                <a:solidFill>
+                  <a:schemeClr val="tx1"/>
+                </a:solidFill>
+                <a:latin typeface="Times New Roman" pitchFamily="18" charset="0"/>
+                <a:ea typeface="ＭＳ Ｐゴシック" charset="-128"/>
+              </a:defRPr>
+            </a:lvl2pPr>
+            <a:lvl3pPr algn="l" defTabSz="381000">
+              <a:spcBef>
+                <a:spcPct val="0"/>
+              </a:spcBef>
+              <a:defRPr kumimoji="1" sz="2400">
+                <a:solidFill>
+                  <a:schemeClr val="tx1"/>
+                </a:solidFill>
+                <a:latin typeface="Times New Roman" pitchFamily="18" charset="0"/>
+                <a:ea typeface="ＭＳ Ｐゴシック" charset="-128"/>
+              </a:defRPr>
+            </a:lvl3pPr>
+            <a:lvl4pPr algn="l" defTabSz="381000">
+              <a:spcBef>
+                <a:spcPct val="0"/>
+              </a:spcBef>
+              <a:defRPr kumimoji="1" sz="2400">
+                <a:solidFill>
+                  <a:schemeClr val="tx1"/>
+                </a:solidFill>
+                <a:latin typeface="Times New Roman" pitchFamily="18" charset="0"/>
+                <a:ea typeface="ＭＳ Ｐゴシック" charset="-128"/>
+              </a:defRPr>
+            </a:lvl4pPr>
+            <a:lvl5pPr algn="l" defTabSz="381000">
+              <a:spcBef>
+                <a:spcPct val="0"/>
+              </a:spcBef>
+              <a:defRPr kumimoji="1" sz="2400">
+                <a:solidFill>
+                  <a:schemeClr val="tx1"/>
+                </a:solidFill>
+                <a:latin typeface="Times New Roman" pitchFamily="18" charset="0"/>
+                <a:ea typeface="ＭＳ Ｐゴシック" charset="-128"/>
+              </a:defRPr>
+            </a:lvl5pPr>
+            <a:lvl6pPr defTabSz="381000" fontAlgn="base">
+              <a:spcBef>
+                <a:spcPct val="0"/>
+              </a:spcBef>
+              <a:spcAft>
+                <a:spcPct val="0"/>
+              </a:spcAft>
+              <a:defRPr kumimoji="1" sz="2400">
+                <a:solidFill>
+                  <a:schemeClr val="tx1"/>
+                </a:solidFill>
+                <a:latin typeface="Times New Roman" pitchFamily="18" charset="0"/>
+                <a:ea typeface="ＭＳ Ｐゴシック" charset="-128"/>
+              </a:defRPr>
+            </a:lvl6pPr>
+            <a:lvl7pPr defTabSz="381000" fontAlgn="base">
+              <a:spcBef>
+                <a:spcPct val="0"/>
+              </a:spcBef>
+              <a:spcAft>
+                <a:spcPct val="0"/>
+              </a:spcAft>
+              <a:defRPr kumimoji="1" sz="2400">
+                <a:solidFill>
+                  <a:schemeClr val="tx1"/>
+                </a:solidFill>
+                <a:latin typeface="Times New Roman" pitchFamily="18" charset="0"/>
+                <a:ea typeface="ＭＳ Ｐゴシック" charset="-128"/>
+              </a:defRPr>
+            </a:lvl7pPr>
+            <a:lvl8pPr defTabSz="381000" fontAlgn="base">
+              <a:spcBef>
+                <a:spcPct val="0"/>
+              </a:spcBef>
+              <a:spcAft>
+                <a:spcPct val="0"/>
+              </a:spcAft>
+              <a:defRPr kumimoji="1" sz="2400">
+                <a:solidFill>
+                  <a:schemeClr val="tx1"/>
+                </a:solidFill>
+                <a:latin typeface="Times New Roman" pitchFamily="18" charset="0"/>
+                <a:ea typeface="ＭＳ Ｐゴシック" charset="-128"/>
+              </a:defRPr>
+            </a:lvl8pPr>
+            <a:lvl9pPr defTabSz="381000" fontAlgn="base">
+              <a:spcBef>
+                <a:spcPct val="0"/>
+              </a:spcBef>
+              <a:spcAft>
+                <a:spcPct val="0"/>
+              </a:spcAft>
+              <a:defRPr kumimoji="1" sz="2400">
+                <a:solidFill>
+                  <a:schemeClr val="tx1"/>
+                </a:solidFill>
+                <a:latin typeface="Times New Roman" pitchFamily="18" charset="0"/>
+                <a:ea typeface="ＭＳ Ｐゴシック" charset="-128"/>
+              </a:defRPr>
+            </a:lvl9pPr>
+          </a:lstStyle>
+          <a:p>
+            <a:pPr lvl="0">
+              <a:spcBef>
+                <a:spcPct val="20000"/>
+              </a:spcBef>
+              <a:buClr>
+                <a:srgbClr val="FFFFFF"/>
+              </a:buClr>
+              <a:defRPr/>
+            </a:pPr>
+            <a:r>
+              <a:rPr lang="en-US" altLang="ja-JP" b="1" kern="0" dirty="0" smtClean="0">
+                <a:solidFill>
+                  <a:srgbClr val="FFFFFF"/>
+                </a:solidFill>
+                <a:latin typeface="+mn-lt"/>
+              </a:rPr>
+              <a:t>4. </a:t>
+            </a:r>
+            <a:r>
+              <a:rPr lang="en-US" altLang="ja-JP" b="1" kern="0" dirty="0">
+                <a:solidFill>
+                  <a:srgbClr val="FFFFFF"/>
+                </a:solidFill>
+                <a:latin typeface="+mn-lt"/>
+              </a:rPr>
+              <a:t>BDD: Improving the discipline</a:t>
+            </a:r>
+            <a:endParaRPr kumimoji="1" lang="ja-JP" altLang="en-US" b="1" i="0" u="none" strike="noStrike" kern="0" cap="none" spc="0" normalizeH="0" baseline="0" noProof="0" dirty="0" smtClean="0">
+              <a:ln>
+                <a:noFill/>
+              </a:ln>
+              <a:solidFill>
+                <a:srgbClr val="FFFFFF"/>
+              </a:solidFill>
+              <a:effectLst/>
+              <a:uLnTx/>
+              <a:uFillTx/>
+              <a:latin typeface="+mn-lt"/>
+            </a:endParaRPr>
+          </a:p>
+        </p:txBody>
+      </p:sp>
+      <p:sp>
+        <p:nvSpPr>
+          <p:cNvPr id="7" name="Text Box 17"/>
+          <p:cNvSpPr txBox="1">
+            <a:spLocks noChangeArrowheads="1"/>
+          </p:cNvSpPr>
+          <p:nvPr/>
+        </p:nvSpPr>
+        <p:spPr bwMode="auto">
+          <a:xfrm>
+            <a:off x="445331" y="5085184"/>
+            <a:ext cx="8240400" cy="540000"/>
+          </a:xfrm>
+          <a:prstGeom prst="rect">
+            <a:avLst/>
+          </a:prstGeom>
+          <a:solidFill>
+            <a:srgbClr val="C00000"/>
+          </a:solidFill>
+          <a:ln w="12700">
+            <a:solidFill>
+              <a:srgbClr val="BF0000"/>
+            </a:solidFill>
+            <a:miter lim="800000"/>
+            <a:headEnd/>
+            <a:tailEnd/>
+          </a:ln>
+          <a:effectLst>
+            <a:outerShdw blurRad="88900" dist="38100" dir="8100000" algn="ctr" rotWithShape="0">
+              <a:schemeClr val="tx1">
+                <a:alpha val="30000"/>
+              </a:schemeClr>
+            </a:outerShdw>
+          </a:effectLst>
+          <a:extLst/>
+        </p:spPr>
+        <p:txBody>
+          <a:bodyPr anchor="ctr" anchorCtr="0"/>
+          <a:lstStyle>
+            <a:lvl1pPr algn="l" defTabSz="381000">
+              <a:spcBef>
+                <a:spcPct val="0"/>
+              </a:spcBef>
+              <a:defRPr kumimoji="1" sz="2400">
+                <a:solidFill>
+                  <a:schemeClr val="tx1"/>
+                </a:solidFill>
+                <a:latin typeface="Times New Roman" pitchFamily="18" charset="0"/>
+                <a:ea typeface="ＭＳ Ｐゴシック" charset="-128"/>
+              </a:defRPr>
+            </a:lvl1pPr>
+            <a:lvl2pPr algn="l" defTabSz="381000">
+              <a:spcBef>
+                <a:spcPct val="0"/>
+              </a:spcBef>
+              <a:defRPr kumimoji="1" sz="2400">
+                <a:solidFill>
+                  <a:schemeClr val="tx1"/>
+                </a:solidFill>
+                <a:latin typeface="Times New Roman" pitchFamily="18" charset="0"/>
+                <a:ea typeface="ＭＳ Ｐゴシック" charset="-128"/>
+              </a:defRPr>
+            </a:lvl2pPr>
+            <a:lvl3pPr algn="l" defTabSz="381000">
+              <a:spcBef>
+                <a:spcPct val="0"/>
+              </a:spcBef>
+              <a:defRPr kumimoji="1" sz="2400">
+                <a:solidFill>
+                  <a:schemeClr val="tx1"/>
+                </a:solidFill>
+                <a:latin typeface="Times New Roman" pitchFamily="18" charset="0"/>
+                <a:ea typeface="ＭＳ Ｐゴシック" charset="-128"/>
+              </a:defRPr>
+            </a:lvl3pPr>
+            <a:lvl4pPr algn="l" defTabSz="381000">
+              <a:spcBef>
+                <a:spcPct val="0"/>
+              </a:spcBef>
+              <a:defRPr kumimoji="1" sz="2400">
+                <a:solidFill>
+                  <a:schemeClr val="tx1"/>
+                </a:solidFill>
+                <a:latin typeface="Times New Roman" pitchFamily="18" charset="0"/>
+                <a:ea typeface="ＭＳ Ｐゴシック" charset="-128"/>
+              </a:defRPr>
+            </a:lvl4pPr>
+            <a:lvl5pPr algn="l" defTabSz="381000">
+              <a:spcBef>
+                <a:spcPct val="0"/>
+              </a:spcBef>
+              <a:defRPr kumimoji="1" sz="2400">
+                <a:solidFill>
+                  <a:schemeClr val="tx1"/>
+                </a:solidFill>
+                <a:latin typeface="Times New Roman" pitchFamily="18" charset="0"/>
+                <a:ea typeface="ＭＳ Ｐゴシック" charset="-128"/>
+              </a:defRPr>
+            </a:lvl5pPr>
+            <a:lvl6pPr defTabSz="381000" fontAlgn="base">
+              <a:spcBef>
+                <a:spcPct val="0"/>
+              </a:spcBef>
+              <a:spcAft>
+                <a:spcPct val="0"/>
+              </a:spcAft>
+              <a:defRPr kumimoji="1" sz="2400">
+                <a:solidFill>
+                  <a:schemeClr val="tx1"/>
+                </a:solidFill>
+                <a:latin typeface="Times New Roman" pitchFamily="18" charset="0"/>
+                <a:ea typeface="ＭＳ Ｐゴシック" charset="-128"/>
+              </a:defRPr>
+            </a:lvl6pPr>
+            <a:lvl7pPr defTabSz="381000" fontAlgn="base">
+              <a:spcBef>
+                <a:spcPct val="0"/>
+              </a:spcBef>
+              <a:spcAft>
+                <a:spcPct val="0"/>
+              </a:spcAft>
+              <a:defRPr kumimoji="1" sz="2400">
+                <a:solidFill>
+                  <a:schemeClr val="tx1"/>
+                </a:solidFill>
+                <a:latin typeface="Times New Roman" pitchFamily="18" charset="0"/>
+                <a:ea typeface="ＭＳ Ｐゴシック" charset="-128"/>
+              </a:defRPr>
+            </a:lvl7pPr>
+            <a:lvl8pPr defTabSz="381000" fontAlgn="base">
+              <a:spcBef>
+                <a:spcPct val="0"/>
+              </a:spcBef>
+              <a:spcAft>
+                <a:spcPct val="0"/>
+              </a:spcAft>
+              <a:defRPr kumimoji="1" sz="2400">
+                <a:solidFill>
+                  <a:schemeClr val="tx1"/>
+                </a:solidFill>
+                <a:latin typeface="Times New Roman" pitchFamily="18" charset="0"/>
+                <a:ea typeface="ＭＳ Ｐゴシック" charset="-128"/>
+              </a:defRPr>
+            </a:lvl8pPr>
+            <a:lvl9pPr defTabSz="381000" fontAlgn="base">
+              <a:spcBef>
+                <a:spcPct val="0"/>
+              </a:spcBef>
+              <a:spcAft>
+                <a:spcPct val="0"/>
+              </a:spcAft>
+              <a:defRPr kumimoji="1" sz="2400">
+                <a:solidFill>
+                  <a:schemeClr val="tx1"/>
+                </a:solidFill>
+                <a:latin typeface="Times New Roman" pitchFamily="18" charset="0"/>
+                <a:ea typeface="ＭＳ Ｐゴシック" charset="-128"/>
+              </a:defRPr>
+            </a:lvl9pPr>
+          </a:lstStyle>
+          <a:p>
+            <a:pPr lvl="0">
+              <a:spcBef>
+                <a:spcPct val="20000"/>
+              </a:spcBef>
+              <a:buClr>
+                <a:srgbClr val="FFFFFF"/>
+              </a:buClr>
+              <a:defRPr/>
+            </a:pPr>
+            <a:r>
+              <a:rPr lang="en-US" altLang="ja-JP" b="1" kern="0" dirty="0" smtClean="0">
+                <a:solidFill>
+                  <a:srgbClr val="FFFFFF"/>
+                </a:solidFill>
+                <a:latin typeface="+mn-lt"/>
+              </a:rPr>
+              <a:t>5. </a:t>
+            </a:r>
+            <a:r>
+              <a:rPr lang="en-US" altLang="ja-JP" b="1" kern="0" dirty="0">
+                <a:solidFill>
+                  <a:srgbClr val="FFFFFF"/>
+                </a:solidFill>
+                <a:latin typeface="+mn-lt"/>
+              </a:rPr>
+              <a:t>Discussion</a:t>
+            </a:r>
+            <a:endParaRPr kumimoji="1" lang="ja-JP" altLang="en-US" b="1" i="0" u="none" strike="noStrike" kern="0" cap="none" spc="0" normalizeH="0" baseline="0" noProof="0" dirty="0" smtClean="0">
+              <a:ln>
+                <a:noFill/>
+              </a:ln>
+              <a:solidFill>
+                <a:srgbClr val="FFFFFF"/>
+              </a:solidFill>
+              <a:effectLst/>
+              <a:uLnTx/>
+              <a:uFillTx/>
+              <a:latin typeface="+mn-lt"/>
+            </a:endParaRPr>
+          </a:p>
+        </p:txBody>
+      </p:sp>
+    </p:spTree>
+    <p:extLst>
+      <p:ext uri="{BB962C8B-B14F-4D97-AF65-F5344CB8AC3E}">
+        <p14:creationId xmlns:p14="http://schemas.microsoft.com/office/powerpoint/2010/main" val="3773336615"/>
+      </p:ext>
+    </p:extLst>
+  </p:cSld>
+  <p:clrMapOvr>
+    <a:masterClrMapping/>
+  </p:clrMapOvr>
+  <p:timing>
+    <p:tnLst>
+      <p:par>
+        <p:cTn id="1" dur="indefinite" restart="never" nodeType="tmRoot"/>
+      </p:par>
+    </p:tnLst>
+  </p:timing>
+</p:sld>
+</file>
+
+<file path=ppt/slides/slide5.xml><?xml version="1.0" encoding="utf-8"?>
 <p:sld xmlns:a="http://schemas.openxmlformats.org/drawingml/2006/main" xmlns:r="http://schemas.openxmlformats.org/officeDocument/2006/relationships" xmlns:p="http://schemas.openxmlformats.org/presentationml/2006/main">
   <p:cSld>
     <p:spTree>
@@ -29070,7 +29449,7 @@
 </p:sld>
 </file>
 
-<file path=ppt/slides/slide5.xml><?xml version="1.0" encoding="utf-8"?>
+<file path=ppt/slides/slide6.xml><?xml version="1.0" encoding="utf-8"?>
 <p:sld xmlns:a="http://schemas.openxmlformats.org/drawingml/2006/main" xmlns:r="http://schemas.openxmlformats.org/officeDocument/2006/relationships" xmlns:p="http://schemas.openxmlformats.org/presentationml/2006/main">
   <p:cSld>
     <p:spTree>
@@ -29193,7 +29572,7 @@
 </p:sld>
 </file>
 
-<file path=ppt/slides/slide6.xml><?xml version="1.0" encoding="utf-8"?>
+<file path=ppt/slides/slide7.xml><?xml version="1.0" encoding="utf-8"?>
 <p:sld xmlns:a="http://schemas.openxmlformats.org/drawingml/2006/main" xmlns:r="http://schemas.openxmlformats.org/officeDocument/2006/relationships" xmlns:p="http://schemas.openxmlformats.org/presentationml/2006/main">
   <p:cSld>
     <p:spTree>
@@ -29389,7 +29768,7 @@
 </p:sld>
 </file>
 
-<file path=ppt/slides/slide7.xml><?xml version="1.0" encoding="utf-8"?>
+<file path=ppt/slides/slide8.xml><?xml version="1.0" encoding="utf-8"?>
 <p:sld xmlns:a="http://schemas.openxmlformats.org/drawingml/2006/main" xmlns:r="http://schemas.openxmlformats.org/officeDocument/2006/relationships" xmlns:p="http://schemas.openxmlformats.org/presentationml/2006/main">
   <p:cSld>
     <p:spTree>
@@ -29517,193 +29896,6 @@
     <p:extLst>
       <p:ext uri="{BB962C8B-B14F-4D97-AF65-F5344CB8AC3E}">
         <p14:creationId xmlns:p14="http://schemas.microsoft.com/office/powerpoint/2010/main" val="4029237450"/>
-      </p:ext>
-    </p:extLst>
-  </p:cSld>
-  <p:clrMapOvr>
-    <a:masterClrMapping/>
-  </p:clrMapOvr>
-  <p:timing>
-    <p:tnLst>
-      <p:par>
-        <p:cTn id="1" dur="indefinite" restart="never" nodeType="tmRoot"/>
-      </p:par>
-    </p:tnLst>
-  </p:timing>
-</p:sld>
-</file>
-
-<file path=ppt/slides/slide8.xml><?xml version="1.0" encoding="utf-8"?>
-<p:sld xmlns:a="http://schemas.openxmlformats.org/drawingml/2006/main" xmlns:r="http://schemas.openxmlformats.org/officeDocument/2006/relationships" xmlns:p="http://schemas.openxmlformats.org/presentationml/2006/main">
-  <p:cSld>
-    <p:spTree>
-      <p:nvGrpSpPr>
-        <p:cNvPr id="1" name=""/>
-        <p:cNvGrpSpPr/>
-        <p:nvPr/>
-      </p:nvGrpSpPr>
-      <p:grpSpPr>
-        <a:xfrm>
-          <a:off x="0" y="0"/>
-          <a:ext cx="0" cy="0"/>
-          <a:chOff x="0" y="0"/>
-          <a:chExt cx="0" cy="0"/>
-        </a:xfrm>
-      </p:grpSpPr>
-      <p:sp>
-        <p:nvSpPr>
-          <p:cNvPr id="7" name="タイトル 2"/>
-          <p:cNvSpPr txBox="1">
-            <a:spLocks/>
-          </p:cNvSpPr>
-          <p:nvPr/>
-        </p:nvSpPr>
-        <p:spPr>
-          <a:xfrm>
-            <a:off x="179512" y="1192412"/>
-            <a:ext cx="8784976" cy="4473176"/>
-          </a:xfrm>
-          <a:prstGeom prst="rect">
-            <a:avLst/>
-          </a:prstGeom>
-          <a:noFill/>
-          <a:ln>
-            <a:noFill/>
-          </a:ln>
-        </p:spPr>
-        <p:txBody>
-          <a:bodyPr anchor="ctr" anchorCtr="0">
-            <a:noAutofit/>
-          </a:bodyPr>
-          <a:lstStyle>
-            <a:lvl1pPr algn="ctr" defTabSz="914400" rtl="0" eaLnBrk="1" latinLnBrk="0" hangingPunct="1">
-              <a:spcBef>
-                <a:spcPct val="0"/>
-              </a:spcBef>
-              <a:buNone/>
-              <a:defRPr kumimoji="1" sz="2800" b="1" kern="1200" baseline="0">
-                <a:solidFill>
-                  <a:srgbClr val="C00000"/>
-                </a:solidFill>
-                <a:latin typeface="Arial" pitchFamily="34" charset="0"/>
-                <a:ea typeface="ＭＳ Ｐゴシック" pitchFamily="50" charset="-128"/>
-                <a:cs typeface="+mj-cs"/>
-              </a:defRPr>
-            </a:lvl1pPr>
-          </a:lstStyle>
-          <a:p>
-            <a:pPr algn="l">
-              <a:spcBef>
-                <a:spcPts val="0"/>
-              </a:spcBef>
-            </a:pPr>
-            <a:r>
-              <a:rPr kumimoji="0" lang="en-US" altLang="ja-JP" sz="4400" b="0" kern="0" dirty="0" smtClean="0">
-                <a:solidFill>
-                  <a:srgbClr val="000000"/>
-                </a:solidFill>
-                <a:latin typeface="+mn-ea"/>
-                <a:ea typeface="+mn-ea"/>
-                <a:cs typeface="ＭＳ 明朝"/>
-              </a:rPr>
-              <a:t>1) </a:t>
-            </a:r>
-            <a:r>
-              <a:rPr kumimoji="0" lang="ja-JP" altLang="en-US" sz="4400" b="0" kern="0" dirty="0" smtClean="0">
-                <a:solidFill>
-                  <a:srgbClr val="000000"/>
-                </a:solidFill>
-                <a:latin typeface="+mn-ea"/>
-                <a:ea typeface="+mn-ea"/>
-                <a:cs typeface="ＭＳ 明朝"/>
-              </a:rPr>
-              <a:t>スクラム</a:t>
-            </a:r>
-            <a:r>
-              <a:rPr kumimoji="0" lang="ja-JP" altLang="en-US" sz="4400" b="0" kern="0" dirty="0">
-                <a:solidFill>
-                  <a:srgbClr val="000000"/>
-                </a:solidFill>
-                <a:latin typeface="+mn-ea"/>
-                <a:ea typeface="+mn-ea"/>
-                <a:cs typeface="ＭＳ 明朝"/>
-              </a:rPr>
-              <a:t>を</a:t>
-            </a:r>
-            <a:r>
-              <a:rPr kumimoji="0" lang="ja-JP" altLang="en-US" sz="4400" b="0" kern="0" dirty="0" smtClean="0">
-                <a:solidFill>
-                  <a:srgbClr val="000000"/>
-                </a:solidFill>
-                <a:latin typeface="+mn-ea"/>
-                <a:ea typeface="+mn-ea"/>
-                <a:cs typeface="ＭＳ 明朝"/>
-              </a:rPr>
-              <a:t>採用することにしたが、</a:t>
-            </a:r>
-            <a:endParaRPr kumimoji="0" lang="en-US" altLang="ja-JP" sz="4400" b="0" kern="0" dirty="0">
-              <a:solidFill>
-                <a:srgbClr val="000000"/>
-              </a:solidFill>
-              <a:latin typeface="+mn-ea"/>
-              <a:ea typeface="+mn-ea"/>
-              <a:cs typeface="ＭＳ 明朝"/>
-            </a:endParaRPr>
-          </a:p>
-          <a:p>
-            <a:pPr indent="536575" algn="l">
-              <a:spcBef>
-                <a:spcPts val="0"/>
-              </a:spcBef>
-            </a:pPr>
-            <a:r>
-              <a:rPr kumimoji="0" lang="ja-JP" altLang="en-US" sz="4400" b="0" kern="0" dirty="0" smtClean="0">
-                <a:solidFill>
-                  <a:srgbClr val="000000"/>
-                </a:solidFill>
-                <a:latin typeface="+mn-ea"/>
-                <a:ea typeface="+mn-ea"/>
-                <a:cs typeface="ＭＳ 明朝"/>
-              </a:rPr>
-              <a:t>アジャイル・</a:t>
-            </a:r>
-            <a:r>
-              <a:rPr kumimoji="0" lang="ja-JP" altLang="en-US" sz="4400" b="0" kern="0" dirty="0">
-                <a:solidFill>
-                  <a:srgbClr val="000000"/>
-                </a:solidFill>
-                <a:latin typeface="+mn-ea"/>
-                <a:ea typeface="+mn-ea"/>
-                <a:cs typeface="ＭＳ 明朝"/>
-              </a:rPr>
-              <a:t>スクラム経験者は</a:t>
-            </a:r>
-            <a:r>
-              <a:rPr kumimoji="0" lang="ja-JP" altLang="en-US" sz="4400" b="0" kern="0" dirty="0" smtClean="0">
-                <a:solidFill>
-                  <a:srgbClr val="BF0000"/>
-                </a:solidFill>
-                <a:latin typeface="+mn-ea"/>
-                <a:ea typeface="+mn-ea"/>
-                <a:cs typeface="ＭＳ 明朝"/>
-              </a:rPr>
-              <a:t>ゼロ</a:t>
-            </a:r>
-            <a:endParaRPr kumimoji="0" lang="ja-JP" altLang="en-US" sz="4400" b="0" kern="0" dirty="0">
-              <a:solidFill>
-                <a:srgbClr val="BF0000"/>
-              </a:solidFill>
-              <a:latin typeface="+mn-ea"/>
-              <a:ea typeface="+mn-ea"/>
-              <a:cs typeface="ＭＳ 明朝"/>
-            </a:endParaRPr>
-          </a:p>
-        </p:txBody>
-      </p:sp>
-    </p:spTree>
-    <p:extLst>
-      <p:ext uri="{BB962C8B-B14F-4D97-AF65-F5344CB8AC3E}">
-        <p14:creationId xmlns:p14="http://schemas.microsoft.com/office/powerpoint/2010/main" val="2495657841"/>
       </p:ext>
     </p:extLst>
   </p:cSld>
@@ -29793,7 +29985,7 @@
                 <a:ea typeface="+mn-ea"/>
                 <a:cs typeface="ＭＳ 明朝"/>
               </a:rPr>
-              <a:t>2) </a:t>
+              <a:t>1) </a:t>
             </a:r>
             <a:r>
               <a:rPr kumimoji="0" lang="ja-JP" altLang="en-US" sz="4400" b="0" kern="0" dirty="0" smtClean="0">
@@ -29804,20 +29996,79 @@
                 <a:ea typeface="+mn-ea"/>
                 <a:cs typeface="ＭＳ 明朝"/>
               </a:rPr>
-              <a:t>レガシーコードの</a:t>
-            </a:r>
-            <a:r>
-              <a:rPr kumimoji="0" lang="ja-JP" altLang="en-US" sz="4400" b="0" kern="0" dirty="0" smtClean="0">
-                <a:solidFill>
-                  <a:srgbClr val="BF0000"/>
+              <a:t>スクラム</a:t>
+            </a:r>
+            <a:r>
+              <a:rPr kumimoji="0" lang="ja-JP" altLang="en-US" sz="4400" b="0" kern="0" dirty="0">
+                <a:solidFill>
+                  <a:srgbClr val="000000"/>
                 </a:solidFill>
                 <a:latin typeface="+mn-ea"/>
                 <a:ea typeface="+mn-ea"/>
                 <a:cs typeface="ＭＳ 明朝"/>
               </a:rPr>
-              <a:t>エンハンス</a:t>
+              <a:t>を</a:t>
+            </a:r>
+            <a:r>
+              <a:rPr kumimoji="0" lang="ja-JP" altLang="en-US" sz="4400" b="0" kern="0" dirty="0" smtClean="0">
+                <a:solidFill>
+                  <a:srgbClr val="000000"/>
+                </a:solidFill>
+                <a:latin typeface="+mn-ea"/>
+                <a:ea typeface="+mn-ea"/>
+                <a:cs typeface="ＭＳ 明朝"/>
+              </a:rPr>
+              <a:t>採用することにしたが、</a:t>
             </a:r>
             <a:endParaRPr kumimoji="0" lang="en-US" altLang="ja-JP" sz="4400" b="0" kern="0" dirty="0">
+              <a:solidFill>
+                <a:srgbClr val="000000"/>
+              </a:solidFill>
+              <a:latin typeface="+mn-ea"/>
+              <a:ea typeface="+mn-ea"/>
+              <a:cs typeface="ＭＳ 明朝"/>
+            </a:endParaRPr>
+          </a:p>
+          <a:p>
+            <a:pPr indent="536575" algn="l">
+              <a:spcBef>
+                <a:spcPts val="0"/>
+              </a:spcBef>
+            </a:pPr>
+            <a:r>
+              <a:rPr kumimoji="0" lang="ja-JP" altLang="en-US" sz="4400" b="0" kern="0" dirty="0" smtClean="0">
+                <a:solidFill>
+                  <a:srgbClr val="000000"/>
+                </a:solidFill>
+                <a:latin typeface="+mn-ea"/>
+                <a:ea typeface="+mn-ea"/>
+                <a:cs typeface="ＭＳ 明朝"/>
+              </a:rPr>
+              <a:t>アジャイル・</a:t>
+            </a:r>
+            <a:r>
+              <a:rPr kumimoji="0" lang="ja-JP" altLang="en-US" sz="4400" b="0" kern="0" dirty="0">
+                <a:solidFill>
+                  <a:srgbClr val="000000"/>
+                </a:solidFill>
+                <a:latin typeface="+mn-ea"/>
+                <a:ea typeface="+mn-ea"/>
+                <a:cs typeface="ＭＳ 明朝"/>
+              </a:rPr>
+              <a:t>スクラム経験者は</a:t>
+            </a:r>
+            <a:r>
+              <a:rPr kumimoji="0" lang="ja-JP" altLang="en-US" sz="4400" b="0" kern="0" dirty="0" smtClean="0">
+                <a:solidFill>
+                  <a:srgbClr val="BF0000"/>
+                </a:solidFill>
+                <a:latin typeface="+mn-ea"/>
+                <a:ea typeface="+mn-ea"/>
+                <a:cs typeface="ＭＳ 明朝"/>
+              </a:rPr>
+              <a:t>ゼロ</a:t>
+            </a:r>
+            <a:endParaRPr kumimoji="0" lang="ja-JP" altLang="en-US" sz="4400" b="0" kern="0" dirty="0">
               <a:solidFill>
                 <a:srgbClr val="BF0000"/>
               </a:solidFill>
@@ -29826,49 +30077,12 @@
               <a:cs typeface="ＭＳ 明朝"/>
             </a:endParaRPr>
           </a:p>
-          <a:p>
-            <a:pPr indent="620713" algn="l">
-              <a:spcBef>
-                <a:spcPts val="0"/>
-              </a:spcBef>
-            </a:pPr>
-            <a:r>
-              <a:rPr kumimoji="0" lang="en-US" altLang="ja-JP" sz="4400" b="0" kern="0" dirty="0" smtClean="0">
-                <a:solidFill>
-                  <a:srgbClr val="000000"/>
-                </a:solidFill>
-                <a:latin typeface="+mn-ea"/>
-                <a:ea typeface="+mn-ea"/>
-                <a:cs typeface="ＭＳ 明朝"/>
-              </a:rPr>
-              <a:t>※</a:t>
-            </a:r>
-            <a:r>
-              <a:rPr kumimoji="0" lang="ja-JP" altLang="en-US" sz="4400" b="0" kern="0" dirty="0" smtClean="0">
-                <a:solidFill>
-                  <a:srgbClr val="000000"/>
-                </a:solidFill>
-                <a:latin typeface="+mn-ea"/>
-                <a:ea typeface="+mn-ea"/>
-                <a:cs typeface="ＭＳ 明朝"/>
-              </a:rPr>
-              <a:t>自動テストなどない</a:t>
-            </a:r>
-            <a:endParaRPr kumimoji="0" lang="ja-JP" altLang="en-US" sz="4400" b="0" kern="0" dirty="0">
-              <a:solidFill>
-                <a:srgbClr val="000000"/>
-              </a:solidFill>
-              <a:latin typeface="+mn-ea"/>
-              <a:ea typeface="+mn-ea"/>
-              <a:cs typeface="ＭＳ 明朝"/>
-            </a:endParaRPr>
-          </a:p>
         </p:txBody>
       </p:sp>
     </p:spTree>
     <p:extLst>
       <p:ext uri="{BB962C8B-B14F-4D97-AF65-F5344CB8AC3E}">
-        <p14:creationId xmlns:p14="http://schemas.microsoft.com/office/powerpoint/2010/main" val="3030580250"/>
+        <p14:creationId xmlns:p14="http://schemas.microsoft.com/office/powerpoint/2010/main" val="2495657841"/>
       </p:ext>
     </p:extLst>
   </p:cSld>
@@ -30490,9 +30704,12 @@
 </file>
 
 <file path=customXml/item1.xml><?xml version="1.0" encoding="utf-8"?>
-<p:properties xmlns:p="http://schemas.microsoft.com/office/2006/metadata/properties" xmlns:xsi="http://www.w3.org/2001/XMLSchema-instance">
-  <documentManagement/>
-</p:properties>
+<?mso-contentType ?>
+<FormTemplates xmlns="http://schemas.microsoft.com/sharepoint/v3/contenttype/forms">
+  <Display>DocumentLibraryForm</Display>
+  <Edit>DocumentLibraryForm</Edit>
+  <New>DocumentLibraryForm</New>
+</FormTemplates>
 </file>
 
 <file path=customXml/item2.xml><?xml version="1.0" encoding="utf-8"?>
@@ -30545,24 +30762,15 @@
 </file>
 
 <file path=customXml/item3.xml><?xml version="1.0" encoding="utf-8"?>
-<?mso-contentType ?>
-<FormTemplates xmlns="http://schemas.microsoft.com/sharepoint/v3/contenttype/forms">
-  <Display>DocumentLibraryForm</Display>
-  <Edit>DocumentLibraryForm</Edit>
-  <New>DocumentLibraryForm</New>
-</FormTemplates>
+<p:properties xmlns:p="http://schemas.microsoft.com/office/2006/metadata/properties" xmlns:xsi="http://www.w3.org/2001/XMLSchema-instance">
+  <documentManagement/>
+</p:properties>
 </file>
 
 <file path=customXml/itemProps1.xml><?xml version="1.0" encoding="utf-8"?>
-<ds:datastoreItem xmlns:ds="http://schemas.openxmlformats.org/officeDocument/2006/customXml" ds:itemID="{E52D75E9-7A55-4E2A-89EF-D6493A63AB07}">
+<ds:datastoreItem xmlns:ds="http://schemas.openxmlformats.org/officeDocument/2006/customXml" ds:itemID="{564C25D7-D27D-47E0-8384-6126C745CB52}">
   <ds:schemaRefs>
-    <ds:schemaRef ds:uri="http://schemas.microsoft.com/office/2006/metadata/properties"/>
-    <ds:schemaRef ds:uri="http://www.w3.org/XML/1998/namespace"/>
-    <ds:schemaRef ds:uri="http://schemas.microsoft.com/office/2006/documentManagement/types"/>
-    <ds:schemaRef ds:uri="http://purl.org/dc/elements/1.1/"/>
-    <ds:schemaRef ds:uri="http://purl.org/dc/terms/"/>
-    <ds:schemaRef ds:uri="http://purl.org/dc/dcmitype/"/>
-    <ds:schemaRef ds:uri="http://schemas.openxmlformats.org/package/2006/metadata/core-properties"/>
+    <ds:schemaRef ds:uri="http://schemas.microsoft.com/sharepoint/v3/contenttype/forms"/>
   </ds:schemaRefs>
 </ds:datastoreItem>
 </file>
@@ -30583,9 +30791,15 @@
 </file>
 
 <file path=customXml/itemProps3.xml><?xml version="1.0" encoding="utf-8"?>
-<ds:datastoreItem xmlns:ds="http://schemas.openxmlformats.org/officeDocument/2006/customXml" ds:itemID="{564C25D7-D27D-47E0-8384-6126C745CB52}">
+<ds:datastoreItem xmlns:ds="http://schemas.openxmlformats.org/officeDocument/2006/customXml" ds:itemID="{E52D75E9-7A55-4E2A-89EF-D6493A63AB07}">
   <ds:schemaRefs>
-    <ds:schemaRef ds:uri="http://schemas.microsoft.com/sharepoint/v3/contenttype/forms"/>
+    <ds:schemaRef ds:uri="http://schemas.microsoft.com/office/2006/metadata/properties"/>
+    <ds:schemaRef ds:uri="http://www.w3.org/XML/1998/namespace"/>
+    <ds:schemaRef ds:uri="http://schemas.microsoft.com/office/2006/documentManagement/types"/>
+    <ds:schemaRef ds:uri="http://purl.org/dc/elements/1.1/"/>
+    <ds:schemaRef ds:uri="http://purl.org/dc/terms/"/>
+    <ds:schemaRef ds:uri="http://purl.org/dc/dcmitype/"/>
+    <ds:schemaRef ds:uri="http://schemas.openxmlformats.org/package/2006/metadata/core-properties"/>
   </ds:schemaRefs>
 </ds:datastoreItem>
 </file>
--- a/presentations/TechnologyDrivenDevelopment.pptx
+++ b/presentations/TechnologyDrivenDevelopment.pptx
@@ -263,7 +263,7 @@
           <a:p>
             <a:fld id="{94AE22AB-730F-4C4B-A6E7-89E97B93078F}" type="datetimeFigureOut">
               <a:rPr kumimoji="1" lang="ja-JP" altLang="en-US" smtClean="0"/>
-              <a:t>2014/6/15</a:t>
+              <a:t>2014/6/27</a:t>
             </a:fld>
             <a:endParaRPr kumimoji="1" lang="ja-JP" altLang="en-US" dirty="0"/>
           </a:p>
@@ -4239,10 +4239,22 @@
                 <a:ea typeface="+mj-ea"/>
                 <a:cs typeface="Arial" pitchFamily="34" charset="0"/>
               </a:rPr>
-              <a:t>Technology-Driven </a:t>
-            </a:r>
-            <a:r>
-              <a:rPr lang="en-US" altLang="ja-JP" sz="4800" b="1" dirty="0">
+              <a:t>Technology-Driven Development</a:t>
+            </a:r>
+          </a:p>
+          <a:p>
+            <a:endParaRPr lang="en-US" altLang="ja-JP" sz="4400" b="1" dirty="0" smtClean="0">
+              <a:solidFill>
+                <a:srgbClr val="C00000"/>
+              </a:solidFill>
+              <a:latin typeface="+mj-ea"/>
+              <a:ea typeface="+mj-ea"/>
+              <a:cs typeface="Arial" pitchFamily="34" charset="0"/>
+            </a:endParaRPr>
+          </a:p>
+          <a:p>
+            <a:r>
+              <a:rPr lang="en-US" altLang="ja-JP" sz="4400" b="1" dirty="0" smtClean="0">
                 <a:solidFill>
                   <a:srgbClr val="C00000"/>
                 </a:solidFill>
@@ -4250,10 +4262,10 @@
                 <a:ea typeface="+mj-ea"/>
                 <a:cs typeface="Arial" pitchFamily="34" charset="0"/>
               </a:rPr>
-              <a:t>Development</a:t>
-            </a:r>
-            <a:r>
-              <a:rPr lang="en-US" altLang="ja-JP" sz="4800" b="1" dirty="0" smtClean="0">
+              <a:t>Using </a:t>
+            </a:r>
+            <a:r>
+              <a:rPr lang="en-US" altLang="ja-JP" sz="4400" b="1" dirty="0">
                 <a:solidFill>
                   <a:srgbClr val="C00000"/>
                 </a:solidFill>
@@ -4261,12 +4273,10 @@
                 <a:ea typeface="+mj-ea"/>
                 <a:cs typeface="Arial" pitchFamily="34" charset="0"/>
               </a:rPr>
-              <a:t>:</a:t>
-            </a:r>
-          </a:p>
-          <a:p>
-            <a:r>
-              <a:rPr lang="en-US" altLang="ja-JP" sz="4800" b="1" dirty="0" smtClean="0">
+              <a:t>Automation and Development Techniques to Grow an Agile </a:t>
+            </a:r>
+            <a:r>
+              <a:rPr lang="en-US" altLang="ja-JP" sz="4400" b="1" dirty="0" smtClean="0">
                 <a:solidFill>
                   <a:srgbClr val="C00000"/>
                 </a:solidFill>
@@ -4274,53 +4284,7 @@
                 <a:ea typeface="+mj-ea"/>
                 <a:cs typeface="Arial" pitchFamily="34" charset="0"/>
               </a:rPr>
-              <a:t>Using Automation and </a:t>
-            </a:r>
-            <a:r>
-              <a:rPr lang="en-US" altLang="ja-JP" sz="4800" b="1" dirty="0">
-                <a:solidFill>
-                  <a:srgbClr val="C00000"/>
-                </a:solidFill>
-                <a:latin typeface="+mj-ea"/>
-                <a:ea typeface="+mj-ea"/>
-                <a:cs typeface="Arial" pitchFamily="34" charset="0"/>
-              </a:rPr>
-              <a:t>Development </a:t>
-            </a:r>
-            <a:r>
-              <a:rPr lang="en-US" altLang="ja-JP" sz="4800" b="1" dirty="0" smtClean="0">
-                <a:solidFill>
-                  <a:srgbClr val="C00000"/>
-                </a:solidFill>
-                <a:latin typeface="+mj-ea"/>
-                <a:ea typeface="+mj-ea"/>
-                <a:cs typeface="Arial" pitchFamily="34" charset="0"/>
-              </a:rPr>
-              <a:t>Techniques</a:t>
-            </a:r>
-          </a:p>
-          <a:p>
-            <a:r>
-              <a:rPr lang="en-US" altLang="ja-JP" sz="4800" b="1" dirty="0" smtClean="0">
-                <a:solidFill>
-                  <a:srgbClr val="C00000"/>
-                </a:solidFill>
-                <a:latin typeface="+mj-ea"/>
-                <a:ea typeface="+mj-ea"/>
-                <a:cs typeface="Arial" pitchFamily="34" charset="0"/>
-              </a:rPr>
-              <a:t>to </a:t>
-            </a:r>
-            <a:r>
-              <a:rPr lang="en-US" altLang="ja-JP" sz="4800" b="1" dirty="0">
-                <a:solidFill>
-                  <a:srgbClr val="C00000"/>
-                </a:solidFill>
-                <a:latin typeface="+mj-ea"/>
-                <a:ea typeface="+mj-ea"/>
-                <a:cs typeface="Arial" pitchFamily="34" charset="0"/>
-              </a:rPr>
-              <a:t>Grow an Agile Culture</a:t>
+              <a:t>Culture</a:t>
             </a:r>
             <a:endParaRPr lang="en-US" altLang="ja-JP" sz="4800" b="1" dirty="0" smtClean="0">
               <a:solidFill>
@@ -4431,15 +4395,7 @@
                 <a:cs typeface="Arial" pitchFamily="34" charset="0"/>
                 <a:hlinkClick r:id="rId3"/>
               </a:rPr>
-              <a:t>http://www.rakuten.co.jp</a:t>
-            </a:r>
-            <a:r>
-              <a:rPr lang="en-US" altLang="ja-JP" sz="1400" b="1" dirty="0" smtClean="0">
-                <a:latin typeface="Arial" pitchFamily="34" charset="0"/>
-                <a:cs typeface="Arial" pitchFamily="34" charset="0"/>
-                <a:hlinkClick r:id="rId3"/>
-              </a:rPr>
-              <a:t>/</a:t>
+              <a:t>http://www.rakuten.co.jp/</a:t>
             </a:r>
             <a:endParaRPr lang="en-US" altLang="ja-JP" sz="1400" b="1" dirty="0">
               <a:latin typeface="Arial" pitchFamily="34" charset="0"/>
@@ -12024,9 +11980,9 @@
       </p:pic>
       <p:pic>
         <p:nvPicPr>
-          <p:cNvPr id="3" name="図 2" descr="TheHiro.jpg"/>
+          <p:cNvPr id="1026" name="Picture 2" descr="C:\Users\hiroyuki.a.ito\Pictures\Thehiro_v2.jpg"/>
           <p:cNvPicPr>
-            <a:picLocks noChangeAspect="1"/>
+            <a:picLocks noChangeAspect="1" noChangeArrowheads="1"/>
           </p:cNvPicPr>
           <p:nvPr/>
         </p:nvPicPr>
@@ -12038,18 +11994,29 @@
               </a:ext>
             </a:extLst>
           </a:blip>
+          <a:srcRect/>
           <a:stretch>
             <a:fillRect/>
           </a:stretch>
         </p:blipFill>
-        <p:spPr>
+        <p:spPr bwMode="auto">
           <a:xfrm>
-            <a:off x="251520" y="1016732"/>
-            <a:ext cx="3859629" cy="4824536"/>
+            <a:off x="231078" y="1016732"/>
+            <a:ext cx="3429000" cy="3429000"/>
           </a:xfrm>
           <a:prstGeom prst="rect">
             <a:avLst/>
           </a:prstGeom>
+          <a:noFill/>
+          <a:extLst>
+            <a:ext uri="{909E8E84-426E-40DD-AFC4-6F175D3DCCD1}">
+              <a14:hiddenFill xmlns:a14="http://schemas.microsoft.com/office/drawing/2010/main">
+                <a:solidFill>
+                  <a:srgbClr val="FFFFFF"/>
+                </a:solidFill>
+              </a14:hiddenFill>
+            </a:ext>
+          </a:extLst>
         </p:spPr>
       </p:pic>
     </p:spTree>
@@ -30704,12 +30671,9 @@
 </file>
 
 <file path=customXml/item1.xml><?xml version="1.0" encoding="utf-8"?>
-<?mso-contentType ?>
-<FormTemplates xmlns="http://schemas.microsoft.com/sharepoint/v3/contenttype/forms">
-  <Display>DocumentLibraryForm</Display>
-  <Edit>DocumentLibraryForm</Edit>
-  <New>DocumentLibraryForm</New>
-</FormTemplates>
+<p:properties xmlns:p="http://schemas.microsoft.com/office/2006/metadata/properties" xmlns:xsi="http://www.w3.org/2001/XMLSchema-instance">
+  <documentManagement/>
+</p:properties>
 </file>
 
 <file path=customXml/item2.xml><?xml version="1.0" encoding="utf-8"?>
@@ -30762,15 +30726,24 @@
 </file>
 
 <file path=customXml/item3.xml><?xml version="1.0" encoding="utf-8"?>
-<p:properties xmlns:p="http://schemas.microsoft.com/office/2006/metadata/properties" xmlns:xsi="http://www.w3.org/2001/XMLSchema-instance">
-  <documentManagement/>
-</p:properties>
+<?mso-contentType ?>
+<FormTemplates xmlns="http://schemas.microsoft.com/sharepoint/v3/contenttype/forms">
+  <Display>DocumentLibraryForm</Display>
+  <Edit>DocumentLibraryForm</Edit>
+  <New>DocumentLibraryForm</New>
+</FormTemplates>
 </file>
 
 <file path=customXml/itemProps1.xml><?xml version="1.0" encoding="utf-8"?>
-<ds:datastoreItem xmlns:ds="http://schemas.openxmlformats.org/officeDocument/2006/customXml" ds:itemID="{564C25D7-D27D-47E0-8384-6126C745CB52}">
+<ds:datastoreItem xmlns:ds="http://schemas.openxmlformats.org/officeDocument/2006/customXml" ds:itemID="{E52D75E9-7A55-4E2A-89EF-D6493A63AB07}">
   <ds:schemaRefs>
-    <ds:schemaRef ds:uri="http://schemas.microsoft.com/sharepoint/v3/contenttype/forms"/>
+    <ds:schemaRef ds:uri="http://schemas.microsoft.com/office/2006/metadata/properties"/>
+    <ds:schemaRef ds:uri="http://purl.org/dc/dcmitype/"/>
+    <ds:schemaRef ds:uri="http://www.w3.org/XML/1998/namespace"/>
+    <ds:schemaRef ds:uri="http://purl.org/dc/elements/1.1/"/>
+    <ds:schemaRef ds:uri="http://schemas.microsoft.com/office/2006/documentManagement/types"/>
+    <ds:schemaRef ds:uri="http://schemas.openxmlformats.org/package/2006/metadata/core-properties"/>
+    <ds:schemaRef ds:uri="http://purl.org/dc/terms/"/>
   </ds:schemaRefs>
 </ds:datastoreItem>
 </file>
@@ -30791,15 +30764,9 @@
 </file>
 
 <file path=customXml/itemProps3.xml><?xml version="1.0" encoding="utf-8"?>
-<ds:datastoreItem xmlns:ds="http://schemas.openxmlformats.org/officeDocument/2006/customXml" ds:itemID="{E52D75E9-7A55-4E2A-89EF-D6493A63AB07}">
+<ds:datastoreItem xmlns:ds="http://schemas.openxmlformats.org/officeDocument/2006/customXml" ds:itemID="{564C25D7-D27D-47E0-8384-6126C745CB52}">
   <ds:schemaRefs>
-    <ds:schemaRef ds:uri="http://schemas.microsoft.com/office/2006/metadata/properties"/>
-    <ds:schemaRef ds:uri="http://www.w3.org/XML/1998/namespace"/>
-    <ds:schemaRef ds:uri="http://schemas.microsoft.com/office/2006/documentManagement/types"/>
-    <ds:schemaRef ds:uri="http://purl.org/dc/elements/1.1/"/>
-    <ds:schemaRef ds:uri="http://purl.org/dc/terms/"/>
-    <ds:schemaRef ds:uri="http://purl.org/dc/dcmitype/"/>
-    <ds:schemaRef ds:uri="http://schemas.openxmlformats.org/package/2006/metadata/core-properties"/>
+    <ds:schemaRef ds:uri="http://schemas.microsoft.com/sharepoint/v3/contenttype/forms"/>
   </ds:schemaRefs>
 </ds:datastoreItem>
 </file>
--- a/presentations/TechnologyDrivenDevelopment.pptx
+++ b/presentations/TechnologyDrivenDevelopment.pptx
@@ -10,37 +10,37 @@
   <p:sldIdLst>
     <p:sldId id="498" r:id="rId5"/>
     <p:sldId id="475" r:id="rId6"/>
-    <p:sldId id="705" r:id="rId7"/>
-    <p:sldId id="480" r:id="rId8"/>
-    <p:sldId id="684" r:id="rId9"/>
-    <p:sldId id="694" r:id="rId10"/>
-    <p:sldId id="695" r:id="rId11"/>
-    <p:sldId id="696" r:id="rId12"/>
-    <p:sldId id="697" r:id="rId13"/>
-    <p:sldId id="698" r:id="rId14"/>
-    <p:sldId id="699" r:id="rId15"/>
-    <p:sldId id="700" r:id="rId16"/>
-    <p:sldId id="701" r:id="rId17"/>
-    <p:sldId id="702" r:id="rId18"/>
-    <p:sldId id="703" r:id="rId19"/>
-    <p:sldId id="704" r:id="rId20"/>
-    <p:sldId id="522" r:id="rId21"/>
-    <p:sldId id="619" r:id="rId22"/>
-    <p:sldId id="685" r:id="rId23"/>
-    <p:sldId id="686" r:id="rId24"/>
-    <p:sldId id="346" r:id="rId25"/>
-    <p:sldId id="635" r:id="rId26"/>
-    <p:sldId id="687" r:id="rId27"/>
-    <p:sldId id="690" r:id="rId28"/>
-    <p:sldId id="691" r:id="rId29"/>
-    <p:sldId id="692" r:id="rId30"/>
-    <p:sldId id="688" r:id="rId31"/>
-    <p:sldId id="693" r:id="rId32"/>
-    <p:sldId id="632" r:id="rId33"/>
-    <p:sldId id="689" r:id="rId34"/>
-    <p:sldId id="670" r:id="rId35"/>
-    <p:sldId id="656" r:id="rId36"/>
-    <p:sldId id="588" r:id="rId37"/>
+    <p:sldId id="480" r:id="rId7"/>
+    <p:sldId id="705" r:id="rId8"/>
+    <p:sldId id="694" r:id="rId9"/>
+    <p:sldId id="695" r:id="rId10"/>
+    <p:sldId id="696" r:id="rId11"/>
+    <p:sldId id="697" r:id="rId12"/>
+    <p:sldId id="698" r:id="rId13"/>
+    <p:sldId id="699" r:id="rId14"/>
+    <p:sldId id="700" r:id="rId15"/>
+    <p:sldId id="701" r:id="rId16"/>
+    <p:sldId id="702" r:id="rId17"/>
+    <p:sldId id="703" r:id="rId18"/>
+    <p:sldId id="704" r:id="rId19"/>
+    <p:sldId id="522" r:id="rId20"/>
+    <p:sldId id="619" r:id="rId21"/>
+    <p:sldId id="706" r:id="rId22"/>
+    <p:sldId id="686" r:id="rId23"/>
+    <p:sldId id="346" r:id="rId24"/>
+    <p:sldId id="635" r:id="rId25"/>
+    <p:sldId id="707" r:id="rId26"/>
+    <p:sldId id="690" r:id="rId27"/>
+    <p:sldId id="691" r:id="rId28"/>
+    <p:sldId id="692" r:id="rId29"/>
+    <p:sldId id="708" r:id="rId30"/>
+    <p:sldId id="693" r:id="rId31"/>
+    <p:sldId id="632" r:id="rId32"/>
+    <p:sldId id="709" r:id="rId33"/>
+    <p:sldId id="670" r:id="rId34"/>
+    <p:sldId id="656" r:id="rId35"/>
+    <p:sldId id="588" r:id="rId36"/>
+    <p:sldId id="710" r:id="rId37"/>
     <p:sldId id="510" r:id="rId38"/>
     <p:sldId id="555" r:id="rId39"/>
     <p:sldId id="552" r:id="rId40"/>
@@ -150,33 +150,15 @@
 <p:cmAuthorLst xmlns:a="http://schemas.openxmlformats.org/drawingml/2006/main" xmlns:r="http://schemas.openxmlformats.org/officeDocument/2006/relationships" xmlns:p="http://schemas.openxmlformats.org/presentationml/2006/main">
   <p:cmAuthor id="0" name="伊藤 宏幸" initials="" lastIdx="2" clrIdx="0"/>
   <p:cmAuthor id="1" name="楽天株式会社" initials="楽天株式会社" lastIdx="19" clrIdx="1"/>
-  <p:cmAuthor id="2" name="Hiroyuki Ito (The Hiro)" initials="TheHiro" lastIdx="3" clrIdx="2"/>
+  <p:cmAuthor id="2" name="Hiroyuki Ito (The Hiro)" initials="TheHiro" lastIdx="4" clrIdx="2"/>
 </p:cmAuthorLst>
 </file>
 
 <file path=ppt/comments/comment1.xml><?xml version="1.0" encoding="utf-8"?>
 <p:cmLst xmlns:a="http://schemas.openxmlformats.org/drawingml/2006/main" xmlns:r="http://schemas.openxmlformats.org/officeDocument/2006/relationships" xmlns:p="http://schemas.openxmlformats.org/presentationml/2006/main">
-  <p:cm authorId="2" dt="2014-06-02T17:50:32.206" idx="1">
-    <p:pos x="4298" y="2195"/>
-    <p:text>字のバランス。</p:text>
-  </p:cm>
-</p:cmLst>
-</file>
-
-<file path=ppt/comments/comment2.xml><?xml version="1.0" encoding="utf-8"?>
-<p:cmLst xmlns:a="http://schemas.openxmlformats.org/drawingml/2006/main" xmlns:r="http://schemas.openxmlformats.org/officeDocument/2006/relationships" xmlns:p="http://schemas.openxmlformats.org/presentationml/2006/main">
   <p:cm authorId="2" dt="2014-06-15T20:19:57.338" idx="3">
     <p:pos x="3969" y="2945"/>
     <p:text>画像が古いので改める</p:text>
-  </p:cm>
-</p:cmLst>
-</file>
-
-<file path=ppt/comments/comment3.xml><?xml version="1.0" encoding="utf-8"?>
-<p:cmLst xmlns:a="http://schemas.openxmlformats.org/drawingml/2006/main" xmlns:r="http://schemas.openxmlformats.org/officeDocument/2006/relationships" xmlns:p="http://schemas.openxmlformats.org/presentationml/2006/main">
-  <p:cm authorId="2" dt="2014-06-02T17:54:25.528" idx="2">
-    <p:pos x="4902" y="814"/>
-    <p:text>Context で通じるか？</p:text>
   </p:cm>
 </p:cmLst>
 </file>
@@ -263,7 +245,7 @@
           <a:p>
             <a:fld id="{94AE22AB-730F-4C4B-A6E7-89E97B93078F}" type="datetimeFigureOut">
               <a:rPr kumimoji="1" lang="ja-JP" altLang="en-US" smtClean="0"/>
-              <a:t>2014/6/27</a:t>
+              <a:t>2014/6/30</a:t>
             </a:fld>
             <a:endParaRPr kumimoji="1" lang="ja-JP" altLang="en-US" dirty="0"/>
           </a:p>
@@ -707,48 +689,21 @@
           <a:lstStyle/>
           <a:p>
             <a:r>
-              <a:rPr kumimoji="1" lang="ja-JP" altLang="en-US" baseline="0" dirty="0" smtClean="0"/>
-              <a:t>今回のアジェンダは、こちらになります。</a:t>
-            </a:r>
-            <a:endParaRPr kumimoji="1" lang="en-US" altLang="ja-JP" baseline="0" dirty="0" smtClean="0"/>
+              <a:rPr kumimoji="1" lang="en-US" altLang="ja-JP" baseline="0" dirty="0" smtClean="0"/>
+              <a:t>Next, I will explain the 3 approaches, CI/CD, TDD, and BDD.</a:t>
+            </a:r>
           </a:p>
           <a:p>
             <a:r>
-              <a:rPr kumimoji="1" lang="ja-JP" altLang="en-US" baseline="0" dirty="0" smtClean="0"/>
-              <a:t>まず最初に導入として、私が昨年関わった現場の概要をご説明させていただきます。</a:t>
-            </a:r>
-            <a:endParaRPr kumimoji="1" lang="en-US" altLang="ja-JP" baseline="0" dirty="0" smtClean="0"/>
+              <a:rPr kumimoji="1" lang="en-US" altLang="ja-JP" baseline="0" dirty="0" smtClean="0"/>
+              <a:t>After that, I will talk about the problems, possibilities, and the future of Technology-Driven Development.</a:t>
+            </a:r>
           </a:p>
           <a:p>
             <a:r>
-              <a:rPr kumimoji="1" lang="ja-JP" altLang="en-US" baseline="0" dirty="0" smtClean="0"/>
-              <a:t>次に、「リーン開発」や「アジャイル」の考え方に基づく、具体的な問題解決の事例についてお話させていただきます。</a:t>
-            </a:r>
-            <a:endParaRPr kumimoji="1" lang="en-US" altLang="ja-JP" baseline="0" dirty="0" smtClean="0"/>
-          </a:p>
-          <a:p>
-            <a:pPr marL="0" marR="0" indent="0" algn="l" defTabSz="914400" rtl="0" eaLnBrk="1" fontAlgn="auto" latinLnBrk="0" hangingPunct="1">
-              <a:lnSpc>
-                <a:spcPct val="100000"/>
-              </a:lnSpc>
-              <a:spcBef>
-                <a:spcPts val="0"/>
-              </a:spcBef>
-              <a:spcAft>
-                <a:spcPts val="0"/>
-              </a:spcAft>
-              <a:buClrTx/>
-              <a:buSzTx/>
-              <a:buFontTx/>
-              <a:buNone/>
-              <a:tabLst/>
-              <a:defRPr/>
-            </a:pPr>
-            <a:r>
-              <a:rPr kumimoji="1" lang="ja-JP" altLang="en-US" baseline="0" dirty="0" smtClean="0"/>
-              <a:t>最後に結論として、私が現場の最前線に立って得たものについてお話させていただきます。</a:t>
-            </a:r>
-            <a:endParaRPr kumimoji="1" lang="en-US" altLang="ja-JP" baseline="0" dirty="0" smtClean="0"/>
+              <a:rPr kumimoji="1" lang="en-US" altLang="ja-JP" baseline="0" dirty="0" smtClean="0"/>
+              <a:t>At last I will conclude this report.</a:t>
+            </a:r>
           </a:p>
         </p:txBody>
       </p:sp>
@@ -769,7 +724,7 @@
           <a:p>
             <a:fld id="{0D38E3F1-FAA5-4043-BB02-BBDB9D30AFA5}" type="slidenum">
               <a:rPr kumimoji="1" lang="ja-JP" altLang="en-US" smtClean="0"/>
-              <a:t>23</a:t>
+              <a:t>22</a:t>
             </a:fld>
             <a:endParaRPr kumimoji="1" lang="ja-JP" altLang="en-US" dirty="0"/>
           </a:p>
@@ -833,48 +788,21 @@
           <a:lstStyle/>
           <a:p>
             <a:r>
-              <a:rPr kumimoji="1" lang="ja-JP" altLang="en-US" baseline="0" dirty="0" smtClean="0"/>
-              <a:t>今回のアジェンダは、こちらになります。</a:t>
-            </a:r>
-            <a:endParaRPr kumimoji="1" lang="en-US" altLang="ja-JP" baseline="0" dirty="0" smtClean="0"/>
+              <a:rPr kumimoji="1" lang="en-US" altLang="ja-JP" baseline="0" dirty="0" smtClean="0"/>
+              <a:t>Next, I will explain the 3 approaches, CI/CD, TDD, and BDD.</a:t>
+            </a:r>
           </a:p>
           <a:p>
             <a:r>
-              <a:rPr kumimoji="1" lang="ja-JP" altLang="en-US" baseline="0" dirty="0" smtClean="0"/>
-              <a:t>まず最初に導入として、私が昨年関わった現場の概要をご説明させていただきます。</a:t>
-            </a:r>
-            <a:endParaRPr kumimoji="1" lang="en-US" altLang="ja-JP" baseline="0" dirty="0" smtClean="0"/>
+              <a:rPr kumimoji="1" lang="en-US" altLang="ja-JP" baseline="0" dirty="0" smtClean="0"/>
+              <a:t>After that, I will talk about the problems, possibilities, and the future of Technology-Driven Development.</a:t>
+            </a:r>
           </a:p>
           <a:p>
             <a:r>
-              <a:rPr kumimoji="1" lang="ja-JP" altLang="en-US" baseline="0" dirty="0" smtClean="0"/>
-              <a:t>次に、「リーン開発」や「アジャイル」の考え方に基づく、具体的な問題解決の事例についてお話させていただきます。</a:t>
-            </a:r>
-            <a:endParaRPr kumimoji="1" lang="en-US" altLang="ja-JP" baseline="0" dirty="0" smtClean="0"/>
-          </a:p>
-          <a:p>
-            <a:pPr marL="0" marR="0" indent="0" algn="l" defTabSz="914400" rtl="0" eaLnBrk="1" fontAlgn="auto" latinLnBrk="0" hangingPunct="1">
-              <a:lnSpc>
-                <a:spcPct val="100000"/>
-              </a:lnSpc>
-              <a:spcBef>
-                <a:spcPts val="0"/>
-              </a:spcBef>
-              <a:spcAft>
-                <a:spcPts val="0"/>
-              </a:spcAft>
-              <a:buClrTx/>
-              <a:buSzTx/>
-              <a:buFontTx/>
-              <a:buNone/>
-              <a:tabLst/>
-              <a:defRPr/>
-            </a:pPr>
-            <a:r>
-              <a:rPr kumimoji="1" lang="ja-JP" altLang="en-US" baseline="0" dirty="0" smtClean="0"/>
-              <a:t>最後に結論として、私が現場の最前線に立って得たものについてお話させていただきます。</a:t>
-            </a:r>
-            <a:endParaRPr kumimoji="1" lang="en-US" altLang="ja-JP" baseline="0" dirty="0" smtClean="0"/>
+              <a:rPr kumimoji="1" lang="en-US" altLang="ja-JP" baseline="0" dirty="0" smtClean="0"/>
+              <a:t>At last I will conclude this report.</a:t>
+            </a:r>
           </a:p>
         </p:txBody>
       </p:sp>
@@ -895,7 +823,7 @@
           <a:p>
             <a:fld id="{0D38E3F1-FAA5-4043-BB02-BBDB9D30AFA5}" type="slidenum">
               <a:rPr kumimoji="1" lang="ja-JP" altLang="en-US" smtClean="0"/>
-              <a:t>27</a:t>
+              <a:t>26</a:t>
             </a:fld>
             <a:endParaRPr kumimoji="1" lang="ja-JP" altLang="en-US" dirty="0"/>
           </a:p>
@@ -1006,7 +934,7 @@
           <a:p>
             <a:fld id="{0D38E3F1-FAA5-4043-BB02-BBDB9D30AFA5}" type="slidenum">
               <a:rPr kumimoji="1" lang="ja-JP" altLang="en-US" smtClean="0"/>
-              <a:t>29</a:t>
+              <a:t>28</a:t>
             </a:fld>
             <a:endParaRPr kumimoji="1" lang="ja-JP" altLang="en-US" dirty="0"/>
           </a:p>
@@ -1070,48 +998,9 @@
           <a:lstStyle/>
           <a:p>
             <a:r>
-              <a:rPr kumimoji="1" lang="ja-JP" altLang="en-US" baseline="0" dirty="0" smtClean="0"/>
-              <a:t>今回のアジェンダは、こちらになります。</a:t>
-            </a:r>
-            <a:endParaRPr kumimoji="1" lang="en-US" altLang="ja-JP" baseline="0" dirty="0" smtClean="0"/>
-          </a:p>
-          <a:p>
-            <a:r>
-              <a:rPr kumimoji="1" lang="ja-JP" altLang="en-US" baseline="0" dirty="0" smtClean="0"/>
-              <a:t>まず最初に導入として、私が昨年関わった現場の概要をご説明させていただきます。</a:t>
-            </a:r>
-            <a:endParaRPr kumimoji="1" lang="en-US" altLang="ja-JP" baseline="0" dirty="0" smtClean="0"/>
-          </a:p>
-          <a:p>
-            <a:r>
-              <a:rPr kumimoji="1" lang="ja-JP" altLang="en-US" baseline="0" dirty="0" smtClean="0"/>
-              <a:t>次に、「リーン開発」や「アジャイル」の考え方に基づく、具体的な問題解決の事例についてお話させていただきます。</a:t>
-            </a:r>
-            <a:endParaRPr kumimoji="1" lang="en-US" altLang="ja-JP" baseline="0" dirty="0" smtClean="0"/>
-          </a:p>
-          <a:p>
-            <a:pPr marL="0" marR="0" indent="0" algn="l" defTabSz="914400" rtl="0" eaLnBrk="1" fontAlgn="auto" latinLnBrk="0" hangingPunct="1">
-              <a:lnSpc>
-                <a:spcPct val="100000"/>
-              </a:lnSpc>
-              <a:spcBef>
-                <a:spcPts val="0"/>
-              </a:spcBef>
-              <a:spcAft>
-                <a:spcPts val="0"/>
-              </a:spcAft>
-              <a:buClrTx/>
-              <a:buSzTx/>
-              <a:buFontTx/>
-              <a:buNone/>
-              <a:tabLst/>
-              <a:defRPr/>
-            </a:pPr>
-            <a:r>
-              <a:rPr kumimoji="1" lang="ja-JP" altLang="en-US" baseline="0" dirty="0" smtClean="0"/>
-              <a:t>最後に結論として、私が現場の最前線に立って得たものについてお話させていただきます。</a:t>
-            </a:r>
-            <a:endParaRPr kumimoji="1" lang="en-US" altLang="ja-JP" baseline="0" dirty="0" smtClean="0"/>
+              <a:rPr kumimoji="1" lang="en-US" altLang="ja-JP" baseline="0" dirty="0" smtClean="0"/>
+              <a:t>Next, I will talk about the problems, possibilities, and the future of Technology-Driven Development.</a:t>
+            </a:r>
           </a:p>
         </p:txBody>
       </p:sp>
@@ -1132,7 +1021,7 @@
           <a:p>
             <a:fld id="{0D38E3F1-FAA5-4043-BB02-BBDB9D30AFA5}" type="slidenum">
               <a:rPr kumimoji="1" lang="ja-JP" altLang="en-US" smtClean="0"/>
-              <a:t>30</a:t>
+              <a:t>29</a:t>
             </a:fld>
             <a:endParaRPr kumimoji="1" lang="ja-JP" altLang="en-US" dirty="0"/>
           </a:p>
@@ -1220,7 +1109,7 @@
           <a:p>
             <a:fld id="{0D38E3F1-FAA5-4043-BB02-BBDB9D30AFA5}" type="slidenum">
               <a:rPr kumimoji="1" lang="ja-JP" altLang="en-US" smtClean="0"/>
-              <a:t>31</a:t>
+              <a:t>30</a:t>
             </a:fld>
             <a:endParaRPr kumimoji="1" lang="ja-JP" altLang="en-US" dirty="0"/>
           </a:p>
@@ -1308,7 +1197,7 @@
           <a:p>
             <a:fld id="{0D38E3F1-FAA5-4043-BB02-BBDB9D30AFA5}" type="slidenum">
               <a:rPr kumimoji="1" lang="ja-JP" altLang="en-US" smtClean="0"/>
-              <a:t>32</a:t>
+              <a:t>31</a:t>
             </a:fld>
             <a:endParaRPr kumimoji="1" lang="ja-JP" altLang="en-US" dirty="0"/>
           </a:p>
@@ -1396,7 +1285,7 @@
           <a:p>
             <a:fld id="{0D38E3F1-FAA5-4043-BB02-BBDB9D30AFA5}" type="slidenum">
               <a:rPr kumimoji="1" lang="ja-JP" altLang="en-US" smtClean="0"/>
-              <a:t>33</a:t>
+              <a:t>32</a:t>
             </a:fld>
             <a:endParaRPr kumimoji="1" lang="ja-JP" altLang="en-US" dirty="0"/>
           </a:p>
@@ -1460,38 +1349,9 @@
           <a:lstStyle/>
           <a:p>
             <a:r>
-              <a:rPr kumimoji="1" lang="ja-JP" altLang="en-US" dirty="0" smtClean="0"/>
-              <a:t>ここまでお話させていただいた内容は、</a:t>
-            </a:r>
-            <a:endParaRPr kumimoji="1" lang="en-US" altLang="ja-JP" dirty="0" smtClean="0"/>
-          </a:p>
-          <a:p>
-            <a:r>
-              <a:rPr kumimoji="1" lang="ja-JP" altLang="en-US" dirty="0" smtClean="0"/>
-              <a:t>いずれも私たちが現場の日々の現実に向き合い、</a:t>
-            </a:r>
-            <a:endParaRPr kumimoji="1" lang="en-US" altLang="ja-JP" dirty="0" smtClean="0"/>
-          </a:p>
-          <a:p>
-            <a:r>
-              <a:rPr kumimoji="1" lang="ja-JP" altLang="en-US" dirty="0" smtClean="0"/>
-              <a:t>試行錯誤を繰り返し、</a:t>
-            </a:r>
-            <a:endParaRPr kumimoji="1" lang="en-US" altLang="ja-JP" dirty="0" smtClean="0"/>
-          </a:p>
-          <a:p>
-            <a:r>
-              <a:rPr kumimoji="1" lang="ja-JP" altLang="en-US" dirty="0" smtClean="0"/>
-              <a:t>ようやく見つけた答えの１つです。</a:t>
-            </a:r>
-            <a:endParaRPr kumimoji="1" lang="en-US" altLang="ja-JP" dirty="0" smtClean="0"/>
-          </a:p>
-          <a:p>
-            <a:r>
-              <a:rPr kumimoji="1" lang="ja-JP" altLang="en-US" dirty="0" smtClean="0"/>
-              <a:t>すなわち、答えは現場にあります。</a:t>
-            </a:r>
-            <a:endParaRPr kumimoji="1" lang="ja-JP" altLang="en-US" dirty="0"/>
+              <a:rPr kumimoji="1" lang="en-US" altLang="ja-JP" baseline="0" dirty="0" smtClean="0"/>
+              <a:t>At last, conclusion of this report.</a:t>
+            </a:r>
           </a:p>
         </p:txBody>
       </p:sp>
@@ -1512,7 +1372,7 @@
           <a:p>
             <a:fld id="{0D38E3F1-FAA5-4043-BB02-BBDB9D30AFA5}" type="slidenum">
               <a:rPr kumimoji="1" lang="ja-JP" altLang="en-US" smtClean="0"/>
-              <a:t>34</a:t>
+              <a:t>33</a:t>
             </a:fld>
             <a:endParaRPr kumimoji="1" lang="ja-JP" altLang="en-US" dirty="0"/>
           </a:p>
@@ -1521,7 +1381,7 @@
     </p:spTree>
     <p:extLst>
       <p:ext uri="{BB962C8B-B14F-4D97-AF65-F5344CB8AC3E}">
-        <p14:creationId xmlns:p14="http://schemas.microsoft.com/office/powerpoint/2010/main" val="1023739980"/>
+        <p14:creationId xmlns:p14="http://schemas.microsoft.com/office/powerpoint/2010/main" val="4222455853"/>
       </p:ext>
     </p:extLst>
   </p:cSld>
@@ -1577,7 +1437,35 @@
           <a:p>
             <a:r>
               <a:rPr kumimoji="1" lang="ja-JP" altLang="en-US" dirty="0" smtClean="0"/>
-              <a:t>この現場実践主義こそが、私が考える「リーン開発」であり「アジャイル」です。</a:t>
+              <a:t>ここまでお話させていただいた内容は、</a:t>
+            </a:r>
+            <a:endParaRPr kumimoji="1" lang="en-US" altLang="ja-JP" dirty="0" smtClean="0"/>
+          </a:p>
+          <a:p>
+            <a:r>
+              <a:rPr kumimoji="1" lang="ja-JP" altLang="en-US" dirty="0" smtClean="0"/>
+              <a:t>いずれも私たちが現場の日々の現実に向き合い、</a:t>
+            </a:r>
+            <a:endParaRPr kumimoji="1" lang="en-US" altLang="ja-JP" dirty="0" smtClean="0"/>
+          </a:p>
+          <a:p>
+            <a:r>
+              <a:rPr kumimoji="1" lang="ja-JP" altLang="en-US" dirty="0" smtClean="0"/>
+              <a:t>試行錯誤を繰り返し、</a:t>
+            </a:r>
+            <a:endParaRPr kumimoji="1" lang="en-US" altLang="ja-JP" dirty="0" smtClean="0"/>
+          </a:p>
+          <a:p>
+            <a:r>
+              <a:rPr kumimoji="1" lang="ja-JP" altLang="en-US" dirty="0" smtClean="0"/>
+              <a:t>ようやく見つけた答えの１つです。</a:t>
+            </a:r>
+            <a:endParaRPr kumimoji="1" lang="en-US" altLang="ja-JP" dirty="0" smtClean="0"/>
+          </a:p>
+          <a:p>
+            <a:r>
+              <a:rPr kumimoji="1" lang="ja-JP" altLang="en-US" dirty="0" smtClean="0"/>
+              <a:t>すなわち、答えは現場にあります。</a:t>
             </a:r>
             <a:endParaRPr kumimoji="1" lang="ja-JP" altLang="en-US" dirty="0"/>
           </a:p>
@@ -1600,7 +1488,7 @@
           <a:p>
             <a:fld id="{0D38E3F1-FAA5-4043-BB02-BBDB9D30AFA5}" type="slidenum">
               <a:rPr kumimoji="1" lang="ja-JP" altLang="en-US" smtClean="0"/>
-              <a:t>35</a:t>
+              <a:t>34</a:t>
             </a:fld>
             <a:endParaRPr kumimoji="1" lang="ja-JP" altLang="en-US" dirty="0"/>
           </a:p>
@@ -1609,7 +1497,7 @@
     </p:spTree>
     <p:extLst>
       <p:ext uri="{BB962C8B-B14F-4D97-AF65-F5344CB8AC3E}">
-        <p14:creationId xmlns:p14="http://schemas.microsoft.com/office/powerpoint/2010/main" val="2965438642"/>
+        <p14:creationId xmlns:p14="http://schemas.microsoft.com/office/powerpoint/2010/main" val="1023739980"/>
       </p:ext>
     </p:extLst>
   </p:cSld>
@@ -1665,21 +1553,7 @@
           <a:p>
             <a:r>
               <a:rPr kumimoji="1" lang="ja-JP" altLang="en-US" dirty="0" smtClean="0"/>
-              <a:t>是非皆さんには、</a:t>
-            </a:r>
-            <a:endParaRPr kumimoji="1" lang="en-US" altLang="ja-JP" dirty="0" smtClean="0"/>
-          </a:p>
-          <a:p>
-            <a:r>
-              <a:rPr kumimoji="1" lang="ja-JP" altLang="en-US" dirty="0" smtClean="0"/>
-              <a:t>現場で試行錯誤を繰り返しながら、</a:t>
-            </a:r>
-            <a:endParaRPr kumimoji="1" lang="en-US" altLang="ja-JP" dirty="0" smtClean="0"/>
-          </a:p>
-          <a:p>
-            <a:r>
-              <a:rPr kumimoji="1" lang="ja-JP" altLang="en-US" dirty="0" smtClean="0"/>
-              <a:t>自分の「リーン開発」と「アジャイル」を、そして自分の答えを見つけていただきたいと考えています。</a:t>
+              <a:t>この現場実践主義こそが、私が考える「リーン開発」であり「アジャイル」です。</a:t>
             </a:r>
             <a:endParaRPr kumimoji="1" lang="ja-JP" altLang="en-US" dirty="0"/>
           </a:p>
@@ -1702,7 +1576,7 @@
           <a:p>
             <a:fld id="{0D38E3F1-FAA5-4043-BB02-BBDB9D30AFA5}" type="slidenum">
               <a:rPr kumimoji="1" lang="ja-JP" altLang="en-US" smtClean="0"/>
-              <a:t>36</a:t>
+              <a:t>35</a:t>
             </a:fld>
             <a:endParaRPr kumimoji="1" lang="ja-JP" altLang="en-US" dirty="0"/>
           </a:p>
@@ -1711,7 +1585,7 @@
     </p:spTree>
     <p:extLst>
       <p:ext uri="{BB962C8B-B14F-4D97-AF65-F5344CB8AC3E}">
-        <p14:creationId xmlns:p14="http://schemas.microsoft.com/office/powerpoint/2010/main" val="520003850"/>
+        <p14:creationId xmlns:p14="http://schemas.microsoft.com/office/powerpoint/2010/main" val="2965438642"/>
       </p:ext>
     </p:extLst>
   </p:cSld>
@@ -1869,6 +1743,108 @@
           <a:p>
             <a:r>
               <a:rPr kumimoji="1" lang="ja-JP" altLang="en-US" dirty="0" smtClean="0"/>
+              <a:t>是非皆さんには、</a:t>
+            </a:r>
+            <a:endParaRPr kumimoji="1" lang="en-US" altLang="ja-JP" dirty="0" smtClean="0"/>
+          </a:p>
+          <a:p>
+            <a:r>
+              <a:rPr kumimoji="1" lang="ja-JP" altLang="en-US" dirty="0" smtClean="0"/>
+              <a:t>現場で試行錯誤を繰り返しながら、</a:t>
+            </a:r>
+            <a:endParaRPr kumimoji="1" lang="en-US" altLang="ja-JP" dirty="0" smtClean="0"/>
+          </a:p>
+          <a:p>
+            <a:r>
+              <a:rPr kumimoji="1" lang="ja-JP" altLang="en-US" dirty="0" smtClean="0"/>
+              <a:t>自分の「リーン開発」と「アジャイル」を、そして自分の答えを見つけていただきたいと考えています。</a:t>
+            </a:r>
+            <a:endParaRPr kumimoji="1" lang="ja-JP" altLang="en-US" dirty="0"/>
+          </a:p>
+        </p:txBody>
+      </p:sp>
+      <p:sp>
+        <p:nvSpPr>
+          <p:cNvPr id="4" name="スライド番号プレースホルダー 3"/>
+          <p:cNvSpPr>
+            <a:spLocks noGrp="1"/>
+          </p:cNvSpPr>
+          <p:nvPr>
+            <p:ph type="sldNum" sz="quarter" idx="10"/>
+          </p:nvPr>
+        </p:nvSpPr>
+        <p:spPr/>
+        <p:txBody>
+          <a:bodyPr/>
+          <a:lstStyle/>
+          <a:p>
+            <a:fld id="{0D38E3F1-FAA5-4043-BB02-BBDB9D30AFA5}" type="slidenum">
+              <a:rPr kumimoji="1" lang="ja-JP" altLang="en-US" smtClean="0"/>
+              <a:t>36</a:t>
+            </a:fld>
+            <a:endParaRPr kumimoji="1" lang="ja-JP" altLang="en-US" dirty="0"/>
+          </a:p>
+        </p:txBody>
+      </p:sp>
+    </p:spTree>
+    <p:extLst>
+      <p:ext uri="{BB962C8B-B14F-4D97-AF65-F5344CB8AC3E}">
+        <p14:creationId xmlns:p14="http://schemas.microsoft.com/office/powerpoint/2010/main" val="520003850"/>
+      </p:ext>
+    </p:extLst>
+  </p:cSld>
+  <p:clrMapOvr>
+    <a:masterClrMapping/>
+  </p:clrMapOvr>
+</p:notes>
+</file>
+
+<file path=ppt/notesSlides/notesSlide21.xml><?xml version="1.0" encoding="utf-8"?>
+<p:notes xmlns:a="http://schemas.openxmlformats.org/drawingml/2006/main" xmlns:r="http://schemas.openxmlformats.org/officeDocument/2006/relationships" xmlns:p="http://schemas.openxmlformats.org/presentationml/2006/main">
+  <p:cSld>
+    <p:spTree>
+      <p:nvGrpSpPr>
+        <p:cNvPr id="1" name=""/>
+        <p:cNvGrpSpPr/>
+        <p:nvPr/>
+      </p:nvGrpSpPr>
+      <p:grpSpPr>
+        <a:xfrm>
+          <a:off x="0" y="0"/>
+          <a:ext cx="0" cy="0"/>
+          <a:chOff x="0" y="0"/>
+          <a:chExt cx="0" cy="0"/>
+        </a:xfrm>
+      </p:grpSpPr>
+      <p:sp>
+        <p:nvSpPr>
+          <p:cNvPr id="2" name="スライド イメージ プレースホルダー 1"/>
+          <p:cNvSpPr>
+            <a:spLocks noGrp="1" noRot="1" noChangeAspect="1"/>
+          </p:cNvSpPr>
+          <p:nvPr>
+            <p:ph type="sldImg"/>
+          </p:nvPr>
+        </p:nvSpPr>
+        <p:spPr/>
+      </p:sp>
+      <p:sp>
+        <p:nvSpPr>
+          <p:cNvPr id="3" name="ノート プレースホルダー 2"/>
+          <p:cNvSpPr>
+            <a:spLocks noGrp="1"/>
+          </p:cNvSpPr>
+          <p:nvPr>
+            <p:ph type="body" idx="1"/>
+          </p:nvPr>
+        </p:nvSpPr>
+        <p:spPr/>
+        <p:txBody>
+          <a:bodyPr/>
+          <a:lstStyle/>
+          <a:p>
+            <a:r>
+              <a:rPr kumimoji="1" lang="ja-JP" altLang="en-US" dirty="0" smtClean="0"/>
               <a:t>そして、楽しく天下を取りましょう！</a:t>
             </a:r>
             <a:endParaRPr kumimoji="1" lang="en-US" altLang="ja-JP" dirty="0" smtClean="0"/>
@@ -1973,48 +1949,33 @@
           <a:lstStyle/>
           <a:p>
             <a:r>
-              <a:rPr kumimoji="1" lang="ja-JP" altLang="en-US" baseline="0" dirty="0" smtClean="0"/>
-              <a:t>今回のアジェンダは、こちらになります。</a:t>
-            </a:r>
-            <a:endParaRPr kumimoji="1" lang="en-US" altLang="ja-JP" baseline="0" dirty="0" smtClean="0"/>
+              <a:rPr kumimoji="1" lang="en-US" altLang="ja-JP" baseline="0" dirty="0" smtClean="0"/>
+              <a:t>Here is this session’s agenda.</a:t>
+            </a:r>
           </a:p>
           <a:p>
             <a:r>
-              <a:rPr kumimoji="1" lang="ja-JP" altLang="en-US" baseline="0" dirty="0" smtClean="0"/>
-              <a:t>まず最初に導入として、私が昨年関わった現場の概要をご説明させていただきます。</a:t>
-            </a:r>
-            <a:endParaRPr kumimoji="1" lang="en-US" altLang="ja-JP" baseline="0" dirty="0" smtClean="0"/>
+              <a:rPr kumimoji="1" lang="en-US" altLang="ja-JP" baseline="0" dirty="0" smtClean="0"/>
+              <a:t>At first, I will talk about the conditions and the challenges of my project.</a:t>
+            </a:r>
           </a:p>
           <a:p>
             <a:r>
-              <a:rPr kumimoji="1" lang="ja-JP" altLang="en-US" baseline="0" dirty="0" smtClean="0"/>
-              <a:t>次に、「リーン開発」や「アジャイル」の考え方に基づく、具体的な問題解決の事例についてお話させていただきます。</a:t>
-            </a:r>
-            <a:endParaRPr kumimoji="1" lang="en-US" altLang="ja-JP" baseline="0" dirty="0" smtClean="0"/>
+              <a:rPr kumimoji="1" lang="en-US" altLang="ja-JP" baseline="0" dirty="0" smtClean="0"/>
+              <a:t>Next, I will explain the 3 approaches, CI/CD, TDD, and BDD.</a:t>
+            </a:r>
           </a:p>
           <a:p>
-            <a:pPr marL="0" marR="0" indent="0" algn="l" defTabSz="914400" rtl="0" eaLnBrk="1" fontAlgn="auto" latinLnBrk="0" hangingPunct="1">
-              <a:lnSpc>
-                <a:spcPct val="100000"/>
-              </a:lnSpc>
-              <a:spcBef>
-                <a:spcPts val="0"/>
-              </a:spcBef>
-              <a:spcAft>
-                <a:spcPts val="0"/>
-              </a:spcAft>
-              <a:buClrTx/>
-              <a:buSzTx/>
-              <a:buFontTx/>
-              <a:buNone/>
-              <a:tabLst/>
-              <a:defRPr/>
-            </a:pPr>
-            <a:r>
-              <a:rPr kumimoji="1" lang="ja-JP" altLang="en-US" baseline="0" dirty="0" smtClean="0"/>
-              <a:t>最後に結論として、私が現場の最前線に立って得たものについてお話させていただきます。</a:t>
-            </a:r>
-            <a:endParaRPr kumimoji="1" lang="en-US" altLang="ja-JP" baseline="0" dirty="0" smtClean="0"/>
+            <a:r>
+              <a:rPr kumimoji="1" lang="en-US" altLang="ja-JP" baseline="0" dirty="0" smtClean="0"/>
+              <a:t>After that, I will talk about the problems, possibilities, and the future of Technology-Driven Development.</a:t>
+            </a:r>
+          </a:p>
+          <a:p>
+            <a:r>
+              <a:rPr kumimoji="1" lang="en-US" altLang="ja-JP" baseline="0" dirty="0" smtClean="0"/>
+              <a:t>At last I will conclude this report.</a:t>
+            </a:r>
           </a:p>
         </p:txBody>
       </p:sp>
@@ -2035,7 +1996,7 @@
           <a:p>
             <a:fld id="{0D38E3F1-FAA5-4043-BB02-BBDB9D30AFA5}" type="slidenum">
               <a:rPr kumimoji="1" lang="ja-JP" altLang="en-US" smtClean="0"/>
-              <a:t>4</a:t>
+              <a:t>3</a:t>
             </a:fld>
             <a:endParaRPr kumimoji="1" lang="ja-JP" altLang="en-US" dirty="0"/>
           </a:p>
@@ -2098,27 +2059,6 @@
           <a:bodyPr/>
           <a:lstStyle/>
           <a:p>
-            <a:r>
-              <a:rPr kumimoji="1" lang="ja-JP" altLang="en-US" baseline="0" dirty="0" smtClean="0"/>
-              <a:t>今回のアジェンダは、こちらになります。</a:t>
-            </a:r>
-            <a:endParaRPr kumimoji="1" lang="en-US" altLang="ja-JP" baseline="0" dirty="0" smtClean="0"/>
-          </a:p>
-          <a:p>
-            <a:r>
-              <a:rPr kumimoji="1" lang="ja-JP" altLang="en-US" baseline="0" dirty="0" smtClean="0"/>
-              <a:t>まず最初に導入として、私が昨年関わった現場の概要をご説明させていただきます。</a:t>
-            </a:r>
-            <a:endParaRPr kumimoji="1" lang="en-US" altLang="ja-JP" baseline="0" dirty="0" smtClean="0"/>
-          </a:p>
-          <a:p>
-            <a:r>
-              <a:rPr kumimoji="1" lang="ja-JP" altLang="en-US" baseline="0" dirty="0" smtClean="0"/>
-              <a:t>次に、「リーン開発」や「アジャイル」の考え方に基づく、具体的な問題解決の事例についてお話させていただきます。</a:t>
-            </a:r>
-            <a:endParaRPr kumimoji="1" lang="en-US" altLang="ja-JP" baseline="0" dirty="0" smtClean="0"/>
-          </a:p>
-          <a:p>
             <a:pPr marL="0" marR="0" indent="0" algn="l" defTabSz="914400" rtl="0" eaLnBrk="1" fontAlgn="auto" latinLnBrk="0" hangingPunct="1">
               <a:lnSpc>
                 <a:spcPct val="100000"/>
@@ -2137,10 +2077,9 @@
               <a:defRPr/>
             </a:pPr>
             <a:r>
-              <a:rPr kumimoji="1" lang="ja-JP" altLang="en-US" baseline="0" dirty="0" smtClean="0"/>
-              <a:t>最後に結論として、私が現場の最前線に立って得たものについてお話させていただきます。</a:t>
-            </a:r>
-            <a:endParaRPr kumimoji="1" lang="en-US" altLang="ja-JP" baseline="0" dirty="0" smtClean="0"/>
+              <a:rPr kumimoji="1" lang="en-US" altLang="ja-JP" baseline="0" dirty="0" smtClean="0"/>
+              <a:t>At first, I will talk about the conditions and the challenges of my project.</a:t>
+            </a:r>
           </a:p>
         </p:txBody>
       </p:sp>
@@ -2161,7 +2100,7 @@
           <a:p>
             <a:fld id="{0D38E3F1-FAA5-4043-BB02-BBDB9D30AFA5}" type="slidenum">
               <a:rPr kumimoji="1" lang="ja-JP" altLang="en-US" smtClean="0"/>
-              <a:t>5</a:t>
+              <a:t>4</a:t>
             </a:fld>
             <a:endParaRPr kumimoji="1" lang="ja-JP" altLang="en-US" dirty="0"/>
           </a:p>
@@ -2385,7 +2324,7 @@
           <a:p>
             <a:fld id="{0D38E3F1-FAA5-4043-BB02-BBDB9D30AFA5}" type="slidenum">
               <a:rPr kumimoji="1" lang="ja-JP" altLang="en-US" smtClean="0"/>
-              <a:t>17</a:t>
+              <a:t>16</a:t>
             </a:fld>
             <a:endParaRPr kumimoji="1" lang="ja-JP" altLang="en-US" dirty="0"/>
           </a:p>
@@ -2560,7 +2499,7 @@
           <a:p>
             <a:fld id="{0D38E3F1-FAA5-4043-BB02-BBDB9D30AFA5}" type="slidenum">
               <a:rPr kumimoji="1" lang="ja-JP" altLang="en-US" smtClean="0"/>
-              <a:t>18</a:t>
+              <a:t>17</a:t>
             </a:fld>
             <a:endParaRPr kumimoji="1" lang="ja-JP" altLang="en-US" dirty="0"/>
           </a:p>
@@ -2624,48 +2563,21 @@
           <a:lstStyle/>
           <a:p>
             <a:r>
-              <a:rPr kumimoji="1" lang="ja-JP" altLang="en-US" baseline="0" dirty="0" smtClean="0"/>
-              <a:t>今回のアジェンダは、こちらになります。</a:t>
-            </a:r>
-            <a:endParaRPr kumimoji="1" lang="en-US" altLang="ja-JP" baseline="0" dirty="0" smtClean="0"/>
+              <a:rPr kumimoji="1" lang="en-US" altLang="ja-JP" baseline="0" dirty="0" smtClean="0"/>
+              <a:t>Next, I will explain the 3 approaches, CI/CD, TDD, and BDD.</a:t>
+            </a:r>
           </a:p>
           <a:p>
             <a:r>
-              <a:rPr kumimoji="1" lang="ja-JP" altLang="en-US" baseline="0" dirty="0" smtClean="0"/>
-              <a:t>まず最初に導入として、私が昨年関わった現場の概要をご説明させていただきます。</a:t>
-            </a:r>
-            <a:endParaRPr kumimoji="1" lang="en-US" altLang="ja-JP" baseline="0" dirty="0" smtClean="0"/>
+              <a:rPr kumimoji="1" lang="en-US" altLang="ja-JP" baseline="0" dirty="0" smtClean="0"/>
+              <a:t>After that, I will talk about the problems, possibilities, and the future of Technology-Driven Development.</a:t>
+            </a:r>
           </a:p>
           <a:p>
             <a:r>
-              <a:rPr kumimoji="1" lang="ja-JP" altLang="en-US" baseline="0" dirty="0" smtClean="0"/>
-              <a:t>次に、「リーン開発」や「アジャイル」の考え方に基づく、具体的な問題解決の事例についてお話させていただきます。</a:t>
-            </a:r>
-            <a:endParaRPr kumimoji="1" lang="en-US" altLang="ja-JP" baseline="0" dirty="0" smtClean="0"/>
-          </a:p>
-          <a:p>
-            <a:pPr marL="0" marR="0" indent="0" algn="l" defTabSz="914400" rtl="0" eaLnBrk="1" fontAlgn="auto" latinLnBrk="0" hangingPunct="1">
-              <a:lnSpc>
-                <a:spcPct val="100000"/>
-              </a:lnSpc>
-              <a:spcBef>
-                <a:spcPts val="0"/>
-              </a:spcBef>
-              <a:spcAft>
-                <a:spcPts val="0"/>
-              </a:spcAft>
-              <a:buClrTx/>
-              <a:buSzTx/>
-              <a:buFontTx/>
-              <a:buNone/>
-              <a:tabLst/>
-              <a:defRPr/>
-            </a:pPr>
-            <a:r>
-              <a:rPr kumimoji="1" lang="ja-JP" altLang="en-US" baseline="0" dirty="0" smtClean="0"/>
-              <a:t>最後に結論として、私が現場の最前線に立って得たものについてお話させていただきます。</a:t>
-            </a:r>
-            <a:endParaRPr kumimoji="1" lang="en-US" altLang="ja-JP" baseline="0" dirty="0" smtClean="0"/>
+              <a:rPr kumimoji="1" lang="en-US" altLang="ja-JP" baseline="0" dirty="0" smtClean="0"/>
+              <a:t>At last I will conclude this report.</a:t>
+            </a:r>
           </a:p>
         </p:txBody>
       </p:sp>
@@ -2686,7 +2598,7 @@
           <a:p>
             <a:fld id="{0D38E3F1-FAA5-4043-BB02-BBDB9D30AFA5}" type="slidenum">
               <a:rPr kumimoji="1" lang="ja-JP" altLang="en-US" smtClean="0"/>
-              <a:t>19</a:t>
+              <a:t>18</a:t>
             </a:fld>
             <a:endParaRPr kumimoji="1" lang="ja-JP" altLang="en-US" dirty="0"/>
           </a:p>
@@ -3296,7 +3208,7 @@
           <a:p>
             <a:fld id="{0D38E3F1-FAA5-4043-BB02-BBDB9D30AFA5}" type="slidenum">
               <a:rPr kumimoji="1" lang="ja-JP" altLang="en-US" smtClean="0"/>
-              <a:t>21</a:t>
+              <a:t>20</a:t>
             </a:fld>
             <a:endParaRPr kumimoji="1" lang="ja-JP" altLang="en-US" dirty="0"/>
           </a:p>
@@ -3420,7 +3332,7 @@
           <a:p>
             <a:fld id="{0D38E3F1-FAA5-4043-BB02-BBDB9D30AFA5}" type="slidenum">
               <a:rPr kumimoji="1" lang="ja-JP" altLang="en-US" smtClean="0"/>
-              <a:t>22</a:t>
+              <a:t>21</a:t>
             </a:fld>
             <a:endParaRPr kumimoji="1" lang="ja-JP" altLang="en-US" dirty="0"/>
           </a:p>
@@ -4219,9 +4131,7 @@
             <a:avLst/>
           </a:prstGeom>
           <a:ln>
-            <a:solidFill>
-              <a:schemeClr val="accent1"/>
-            </a:solidFill>
+            <a:noFill/>
           </a:ln>
         </p:spPr>
         <p:txBody>
@@ -4239,11 +4149,20 @@
                 <a:ea typeface="+mj-ea"/>
                 <a:cs typeface="Arial" pitchFamily="34" charset="0"/>
               </a:rPr>
-              <a:t>Technology-Driven Development</a:t>
-            </a:r>
-          </a:p>
-          <a:p>
-            <a:endParaRPr lang="en-US" altLang="ja-JP" sz="4400" b="1" dirty="0" smtClean="0">
+              <a:t>Technology-Driven </a:t>
+            </a:r>
+            <a:r>
+              <a:rPr lang="en-US" altLang="ja-JP" sz="4800" b="1" dirty="0" smtClean="0">
+                <a:solidFill>
+                  <a:srgbClr val="C00000"/>
+                </a:solidFill>
+                <a:latin typeface="+mj-ea"/>
+                <a:ea typeface="+mj-ea"/>
+                <a:cs typeface="Arial" pitchFamily="34" charset="0"/>
+              </a:rPr>
+              <a:t>Development:</a:t>
+            </a:r>
+            <a:endParaRPr lang="en-US" altLang="ja-JP" sz="4800" b="1" dirty="0" smtClean="0">
               <a:solidFill>
                 <a:srgbClr val="C00000"/>
               </a:solidFill>
@@ -4254,7 +4173,7 @@
           </a:p>
           <a:p>
             <a:r>
-              <a:rPr lang="en-US" altLang="ja-JP" sz="4400" b="1" dirty="0" smtClean="0">
+              <a:rPr lang="en-US" altLang="ja-JP" sz="4800" b="1" dirty="0" smtClean="0">
                 <a:solidFill>
                   <a:srgbClr val="C00000"/>
                 </a:solidFill>
@@ -4265,7 +4184,7 @@
               <a:t>Using </a:t>
             </a:r>
             <a:r>
-              <a:rPr lang="en-US" altLang="ja-JP" sz="4400" b="1" dirty="0">
+              <a:rPr lang="en-US" altLang="ja-JP" sz="4800" b="1" dirty="0">
                 <a:solidFill>
                   <a:srgbClr val="C00000"/>
                 </a:solidFill>
@@ -4273,10 +4192,10 @@
                 <a:ea typeface="+mj-ea"/>
                 <a:cs typeface="Arial" pitchFamily="34" charset="0"/>
               </a:rPr>
-              <a:t>Automation and Development Techniques to Grow an Agile </a:t>
-            </a:r>
-            <a:r>
-              <a:rPr lang="en-US" altLang="ja-JP" sz="4400" b="1" dirty="0" smtClean="0">
+              <a:t>Automation </a:t>
+            </a:r>
+            <a:r>
+              <a:rPr lang="en-US" altLang="ja-JP" sz="4800" b="1" dirty="0" smtClean="0">
                 <a:solidFill>
                   <a:srgbClr val="C00000"/>
                 </a:solidFill>
@@ -4284,9 +4203,57 @@
                 <a:ea typeface="+mj-ea"/>
                 <a:cs typeface="Arial" pitchFamily="34" charset="0"/>
               </a:rPr>
+              <a:t>and</a:t>
+            </a:r>
+          </a:p>
+          <a:p>
+            <a:r>
+              <a:rPr lang="en-US" altLang="ja-JP" sz="4800" b="1" dirty="0" smtClean="0">
+                <a:solidFill>
+                  <a:srgbClr val="C00000"/>
+                </a:solidFill>
+                <a:latin typeface="+mj-ea"/>
+                <a:ea typeface="+mj-ea"/>
+                <a:cs typeface="Arial" pitchFamily="34" charset="0"/>
+              </a:rPr>
+              <a:t>Development Techniques</a:t>
+            </a:r>
+          </a:p>
+          <a:p>
+            <a:r>
+              <a:rPr lang="en-US" altLang="ja-JP" sz="4800" b="1" dirty="0" smtClean="0">
+                <a:solidFill>
+                  <a:srgbClr val="C00000"/>
+                </a:solidFill>
+                <a:latin typeface="+mj-ea"/>
+                <a:ea typeface="+mj-ea"/>
+                <a:cs typeface="Arial" pitchFamily="34" charset="0"/>
+              </a:rPr>
+              <a:t>to </a:t>
+            </a:r>
+            <a:r>
+              <a:rPr lang="en-US" altLang="ja-JP" sz="4800" b="1" dirty="0">
+                <a:solidFill>
+                  <a:srgbClr val="C00000"/>
+                </a:solidFill>
+                <a:latin typeface="+mj-ea"/>
+                <a:ea typeface="+mj-ea"/>
+                <a:cs typeface="Arial" pitchFamily="34" charset="0"/>
+              </a:rPr>
+              <a:t>Grow an Agile </a:t>
+            </a:r>
+            <a:r>
+              <a:rPr lang="en-US" altLang="ja-JP" sz="4800" b="1" dirty="0" smtClean="0">
+                <a:solidFill>
+                  <a:srgbClr val="C00000"/>
+                </a:solidFill>
+                <a:latin typeface="+mj-ea"/>
+                <a:ea typeface="+mj-ea"/>
+                <a:cs typeface="Arial" pitchFamily="34" charset="0"/>
+              </a:rPr>
               <a:t>Culture</a:t>
             </a:r>
-            <a:endParaRPr lang="en-US" altLang="ja-JP" sz="4800" b="1" dirty="0" smtClean="0">
+            <a:endParaRPr lang="en-US" altLang="ja-JP" sz="6000" b="1" dirty="0" smtClean="0">
               <a:solidFill>
                 <a:srgbClr val="C00000"/>
               </a:solidFill>
@@ -4497,7 +4464,7 @@
                 <a:ea typeface="+mn-ea"/>
                 <a:cs typeface="ＭＳ 明朝"/>
               </a:rPr>
-              <a:t>2) </a:t>
+              <a:t>3) </a:t>
             </a:r>
             <a:r>
               <a:rPr kumimoji="0" lang="ja-JP" altLang="en-US" sz="4400" b="0" kern="0" dirty="0" smtClean="0">
@@ -4508,7 +4475,7 @@
                 <a:ea typeface="+mn-ea"/>
                 <a:cs typeface="ＭＳ 明朝"/>
               </a:rPr>
-              <a:t>レガシーコードの</a:t>
+              <a:t>テストもリリースも全て</a:t>
             </a:r>
             <a:r>
               <a:rPr kumimoji="0" lang="ja-JP" altLang="en-US" sz="4400" b="0" kern="0" dirty="0" smtClean="0">
@@ -4519,9 +4486,9 @@
                 <a:ea typeface="+mn-ea"/>
                 <a:cs typeface="ＭＳ 明朝"/>
               </a:rPr>
-              <a:t>エンハンス</a:t>
-            </a:r>
-            <a:endParaRPr kumimoji="0" lang="en-US" altLang="ja-JP" sz="4400" b="0" kern="0" dirty="0">
+              <a:t>手作業</a:t>
+            </a:r>
+            <a:endParaRPr kumimoji="0" lang="en-US" altLang="ja-JP" sz="4400" b="0" kern="0" dirty="0" smtClean="0">
               <a:solidFill>
                 <a:srgbClr val="BF0000"/>
               </a:solidFill>
@@ -4531,7 +4498,7 @@
             </a:endParaRPr>
           </a:p>
           <a:p>
-            <a:pPr indent="620713" algn="l">
+            <a:pPr indent="622300" algn="l">
               <a:spcBef>
                 <a:spcPts val="0"/>
               </a:spcBef>
@@ -4539,7 +4506,7 @@
             <a:r>
               <a:rPr kumimoji="0" lang="en-US" altLang="ja-JP" sz="4400" b="0" kern="0" dirty="0" smtClean="0">
                 <a:solidFill>
-                  <a:srgbClr val="000000"/>
+                  <a:schemeClr val="tx1"/>
                 </a:solidFill>
                 <a:latin typeface="+mn-ea"/>
                 <a:ea typeface="+mn-ea"/>
@@ -4550,17 +4517,17 @@
             <a:r>
               <a:rPr kumimoji="0" lang="ja-JP" altLang="en-US" sz="4400" b="0" kern="0" dirty="0" smtClean="0">
                 <a:solidFill>
-                  <a:srgbClr val="000000"/>
+                  <a:schemeClr val="tx1"/>
                 </a:solidFill>
                 <a:latin typeface="+mn-ea"/>
                 <a:ea typeface="+mn-ea"/>
                 <a:cs typeface="ＭＳ 明朝"/>
               </a:rPr>
-              <a:t>自動テストなどない</a:t>
-            </a:r>
-            <a:endParaRPr kumimoji="0" lang="ja-JP" altLang="en-US" sz="4400" b="0" kern="0" dirty="0">
+              <a:t>徹夜なんてザラ</a:t>
+            </a:r>
+            <a:endParaRPr kumimoji="0" lang="en-US" altLang="ja-JP" sz="4400" b="0" kern="0" dirty="0" smtClean="0">
               <a:solidFill>
-                <a:srgbClr val="000000"/>
+                <a:schemeClr val="tx1"/>
               </a:solidFill>
               <a:latin typeface="+mn-ea"/>
               <a:ea typeface="+mn-ea"/>
@@ -4572,7 +4539,7 @@
     </p:spTree>
     <p:extLst>
       <p:ext uri="{BB962C8B-B14F-4D97-AF65-F5344CB8AC3E}">
-        <p14:creationId xmlns:p14="http://schemas.microsoft.com/office/powerpoint/2010/main" val="3030580250"/>
+        <p14:creationId xmlns:p14="http://schemas.microsoft.com/office/powerpoint/2010/main" val="810821384"/>
       </p:ext>
     </p:extLst>
   </p:cSld>
@@ -4662,7 +4629,7 @@
                 <a:ea typeface="+mn-ea"/>
                 <a:cs typeface="ＭＳ 明朝"/>
               </a:rPr>
-              <a:t>3) </a:t>
+              <a:t>4) </a:t>
             </a:r>
             <a:r>
               <a:rPr kumimoji="0" lang="ja-JP" altLang="en-US" sz="4400" b="0" kern="0" dirty="0" smtClean="0">
@@ -4673,7 +4640,7 @@
                 <a:ea typeface="+mn-ea"/>
                 <a:cs typeface="ＭＳ 明朝"/>
               </a:rPr>
-              <a:t>テストもリリースも全て</a:t>
+              <a:t>メンバーが非常に</a:t>
             </a:r>
             <a:r>
               <a:rPr kumimoji="0" lang="ja-JP" altLang="en-US" sz="4400" b="0" kern="0" dirty="0" smtClean="0">
@@ -4684,7 +4651,7 @@
                 <a:ea typeface="+mn-ea"/>
                 <a:cs typeface="ＭＳ 明朝"/>
               </a:rPr>
-              <a:t>手作業</a:t>
+              <a:t>若い</a:t>
             </a:r>
             <a:endParaRPr kumimoji="0" lang="en-US" altLang="ja-JP" sz="4400" b="0" kern="0" dirty="0" smtClean="0">
               <a:solidFill>
@@ -4704,10 +4671,9 @@
             <a:r>
               <a:rPr kumimoji="0" lang="en-US" altLang="ja-JP" sz="4400" b="0" kern="0" dirty="0" smtClean="0">
                 <a:solidFill>
-                  <a:schemeClr val="tx1"/>
+                  <a:srgbClr val="000000"/>
                 </a:solidFill>
                 <a:latin typeface="+mn-ea"/>
-                <a:ea typeface="+mn-ea"/>
                 <a:cs typeface="ＭＳ 明朝"/>
               </a:rPr>
               <a:t>※</a:t>
@@ -4715,20 +4681,18 @@
             <a:r>
               <a:rPr kumimoji="0" lang="ja-JP" altLang="en-US" sz="4400" b="0" kern="0" dirty="0" smtClean="0">
                 <a:solidFill>
-                  <a:schemeClr val="tx1"/>
+                  <a:srgbClr val="000000"/>
                 </a:solidFill>
                 <a:latin typeface="+mn-ea"/>
-                <a:ea typeface="+mn-ea"/>
                 <a:cs typeface="ＭＳ 明朝"/>
               </a:rPr>
-              <a:t>徹夜なんてザラ</a:t>
-            </a:r>
-            <a:endParaRPr kumimoji="0" lang="en-US" altLang="ja-JP" sz="4400" b="0" kern="0" dirty="0" smtClean="0">
+              <a:t>平均キャリアは３年前後</a:t>
+            </a:r>
+            <a:endParaRPr kumimoji="0" lang="ja-JP" altLang="en-US" sz="4400" b="0" kern="0" dirty="0">
               <a:solidFill>
-                <a:schemeClr val="tx1"/>
+                <a:srgbClr val="000000"/>
               </a:solidFill>
               <a:latin typeface="+mn-ea"/>
-              <a:ea typeface="+mn-ea"/>
               <a:cs typeface="ＭＳ 明朝"/>
             </a:endParaRPr>
           </a:p>
@@ -4737,7 +4701,7 @@
     </p:spTree>
     <p:extLst>
       <p:ext uri="{BB962C8B-B14F-4D97-AF65-F5344CB8AC3E}">
-        <p14:creationId xmlns:p14="http://schemas.microsoft.com/office/powerpoint/2010/main" val="810821384"/>
+        <p14:creationId xmlns:p14="http://schemas.microsoft.com/office/powerpoint/2010/main" val="2305762005"/>
       </p:ext>
     </p:extLst>
   </p:cSld>
@@ -4781,8 +4745,8 @@
         </p:nvSpPr>
         <p:spPr>
           <a:xfrm>
-            <a:off x="179512" y="1192412"/>
-            <a:ext cx="8784976" cy="4473176"/>
+            <a:off x="107504" y="1192412"/>
+            <a:ext cx="8928992" cy="4473176"/>
           </a:xfrm>
           <a:prstGeom prst="rect">
             <a:avLst/>
@@ -4813,47 +4777,20 @@
             </a:lvl1pPr>
           </a:lstStyle>
           <a:p>
-            <a:pPr algn="l">
-              <a:spcBef>
-                <a:spcPts val="0"/>
-              </a:spcBef>
-            </a:pPr>
-            <a:r>
-              <a:rPr kumimoji="0" lang="en-US" altLang="ja-JP" sz="4400" b="0" kern="0" dirty="0" smtClean="0">
-                <a:solidFill>
-                  <a:srgbClr val="000000"/>
+            <a:r>
+              <a:rPr lang="ja-JP" altLang="en-US" sz="8800" b="0" dirty="0" smtClean="0">
+                <a:solidFill>
+                  <a:schemeClr val="tx1"/>
                 </a:solidFill>
                 <a:latin typeface="+mn-ea"/>
                 <a:ea typeface="+mn-ea"/>
                 <a:cs typeface="ＭＳ 明朝"/>
               </a:rPr>
-              <a:t>4) </a:t>
-            </a:r>
-            <a:r>
-              <a:rPr kumimoji="0" lang="ja-JP" altLang="en-US" sz="4400" b="0" kern="0" dirty="0" smtClean="0">
-                <a:solidFill>
-                  <a:srgbClr val="000000"/>
-                </a:solidFill>
-                <a:latin typeface="+mn-ea"/>
-                <a:ea typeface="+mn-ea"/>
-                <a:cs typeface="ＭＳ 明朝"/>
-              </a:rPr>
-              <a:t>メンバーが非常に</a:t>
-            </a:r>
-            <a:r>
-              <a:rPr kumimoji="0" lang="ja-JP" altLang="en-US" sz="4400" b="0" kern="0" dirty="0" smtClean="0">
-                <a:solidFill>
-                  <a:srgbClr val="BF0000"/>
-                </a:solidFill>
-                <a:latin typeface="+mn-ea"/>
-                <a:ea typeface="+mn-ea"/>
-                <a:cs typeface="ＭＳ 明朝"/>
-              </a:rPr>
-              <a:t>若い</a:t>
-            </a:r>
-            <a:endParaRPr kumimoji="0" lang="en-US" altLang="ja-JP" sz="4400" b="0" kern="0" dirty="0" smtClean="0">
+              <a:t>皆さんなら</a:t>
+            </a:r>
+            <a:endParaRPr lang="en-US" altLang="ja-JP" sz="8800" b="0" dirty="0" smtClean="0">
               <a:solidFill>
-                <a:srgbClr val="BF0000"/>
+                <a:schemeClr val="tx1"/>
               </a:solidFill>
               <a:latin typeface="+mn-ea"/>
               <a:ea typeface="+mn-ea"/>
@@ -4861,36 +4798,34 @@
             </a:endParaRPr>
           </a:p>
           <a:p>
-            <a:pPr indent="622300" algn="l">
-              <a:spcBef>
-                <a:spcPts val="0"/>
-              </a:spcBef>
-            </a:pPr>
-            <a:r>
-              <a:rPr kumimoji="0" lang="en-US" altLang="ja-JP" sz="4400" b="0" kern="0" dirty="0" smtClean="0">
-                <a:solidFill>
-                  <a:srgbClr val="000000"/>
+            <a:r>
+              <a:rPr lang="ja-JP" altLang="en-US" sz="8800" b="0" dirty="0" smtClean="0">
+                <a:solidFill>
+                  <a:srgbClr val="BF0000"/>
                 </a:solidFill>
                 <a:latin typeface="+mn-ea"/>
+                <a:ea typeface="+mn-ea"/>
                 <a:cs typeface="ＭＳ 明朝"/>
               </a:rPr>
-              <a:t>※</a:t>
-            </a:r>
-            <a:r>
-              <a:rPr kumimoji="0" lang="ja-JP" altLang="en-US" sz="4400" b="0" kern="0" dirty="0" smtClean="0">
-                <a:solidFill>
-                  <a:srgbClr val="000000"/>
+              <a:t>どう</a:t>
+            </a:r>
+            <a:r>
+              <a:rPr lang="ja-JP" altLang="en-US" sz="8800" b="0" dirty="0" smtClean="0">
+                <a:solidFill>
+                  <a:schemeClr val="tx1"/>
                 </a:solidFill>
                 <a:latin typeface="+mn-ea"/>
+                <a:ea typeface="+mn-ea"/>
                 <a:cs typeface="ＭＳ 明朝"/>
               </a:rPr>
-              <a:t>平均キャリアは３年前後</a:t>
-            </a:r>
-            <a:endParaRPr kumimoji="0" lang="ja-JP" altLang="en-US" sz="4400" b="0" kern="0" dirty="0">
+              <a:t>思いますか？</a:t>
+            </a:r>
+            <a:endParaRPr lang="en-US" altLang="ja-JP" sz="8800" b="0" dirty="0" smtClean="0">
               <a:solidFill>
-                <a:srgbClr val="000000"/>
+                <a:schemeClr val="tx1"/>
               </a:solidFill>
               <a:latin typeface="+mn-ea"/>
+              <a:ea typeface="+mn-ea"/>
               <a:cs typeface="ＭＳ 明朝"/>
             </a:endParaRPr>
           </a:p>
@@ -4899,7 +4834,7 @@
     </p:spTree>
     <p:extLst>
       <p:ext uri="{BB962C8B-B14F-4D97-AF65-F5344CB8AC3E}">
-        <p14:creationId xmlns:p14="http://schemas.microsoft.com/office/powerpoint/2010/main" val="2305762005"/>
+        <p14:creationId xmlns:p14="http://schemas.microsoft.com/office/powerpoint/2010/main" val="3663135761"/>
       </p:ext>
     </p:extLst>
   </p:cSld>
@@ -4976,19 +4911,19 @@
           </a:lstStyle>
           <a:p>
             <a:r>
-              <a:rPr lang="ja-JP" altLang="en-US" sz="8800" b="0" dirty="0" smtClean="0">
-                <a:solidFill>
-                  <a:schemeClr val="tx1"/>
+              <a:rPr lang="ja-JP" altLang="en-US" sz="9600" b="0" dirty="0" smtClean="0">
+                <a:solidFill>
+                  <a:srgbClr val="000000"/>
                 </a:solidFill>
                 <a:latin typeface="+mn-ea"/>
                 <a:ea typeface="+mn-ea"/>
                 <a:cs typeface="ＭＳ 明朝"/>
               </a:rPr>
-              <a:t>皆さんなら</a:t>
-            </a:r>
-            <a:endParaRPr lang="en-US" altLang="ja-JP" sz="8800" b="0" dirty="0" smtClean="0">
+              <a:t>私は</a:t>
+            </a:r>
+            <a:endParaRPr lang="en-US" altLang="ja-JP" sz="9600" b="0" dirty="0" smtClean="0">
               <a:solidFill>
-                <a:schemeClr val="tx1"/>
+                <a:srgbClr val="000000"/>
               </a:solidFill>
               <a:latin typeface="+mn-ea"/>
               <a:ea typeface="+mn-ea"/>
@@ -4997,7 +4932,7 @@
           </a:p>
           <a:p>
             <a:r>
-              <a:rPr lang="ja-JP" altLang="en-US" sz="8800" b="0" dirty="0" smtClean="0">
+              <a:rPr lang="ja-JP" altLang="en-US" sz="9600" b="0" dirty="0" smtClean="0">
                 <a:solidFill>
                   <a:srgbClr val="BF0000"/>
                 </a:solidFill>
@@ -5005,22 +4940,22 @@
                 <a:ea typeface="+mn-ea"/>
                 <a:cs typeface="ＭＳ 明朝"/>
               </a:rPr>
-              <a:t>どう</a:t>
-            </a:r>
-            <a:r>
-              <a:rPr lang="ja-JP" altLang="en-US" sz="8800" b="0" dirty="0" smtClean="0">
-                <a:solidFill>
-                  <a:schemeClr val="tx1"/>
+              <a:t>わくわく</a:t>
+            </a:r>
+            <a:r>
+              <a:rPr lang="ja-JP" altLang="en-US" sz="9600" b="0" dirty="0" smtClean="0">
+                <a:solidFill>
+                  <a:srgbClr val="000000"/>
                 </a:solidFill>
                 <a:latin typeface="+mn-ea"/>
                 <a:ea typeface="+mn-ea"/>
                 <a:cs typeface="ＭＳ 明朝"/>
               </a:rPr>
-              <a:t>思いますか？</a:t>
-            </a:r>
-            <a:endParaRPr lang="en-US" altLang="ja-JP" sz="8800" b="0" dirty="0" smtClean="0">
+              <a:t>しました。</a:t>
+            </a:r>
+            <a:endParaRPr lang="en-US" altLang="ja-JP" sz="9600" b="0" dirty="0" smtClean="0">
               <a:solidFill>
-                <a:schemeClr val="tx1"/>
+                <a:srgbClr val="000000"/>
               </a:solidFill>
               <a:latin typeface="+mn-ea"/>
               <a:ea typeface="+mn-ea"/>
@@ -5032,7 +4967,7 @@
     </p:spTree>
     <p:extLst>
       <p:ext uri="{BB962C8B-B14F-4D97-AF65-F5344CB8AC3E}">
-        <p14:creationId xmlns:p14="http://schemas.microsoft.com/office/powerpoint/2010/main" val="3663135761"/>
+        <p14:creationId xmlns:p14="http://schemas.microsoft.com/office/powerpoint/2010/main" val="2585997850"/>
       </p:ext>
     </p:extLst>
   </p:cSld>
@@ -5117,139 +5052,6 @@
                 <a:ea typeface="+mn-ea"/>
                 <a:cs typeface="ＭＳ 明朝"/>
               </a:rPr>
-              <a:t>私は</a:t>
-            </a:r>
-            <a:endParaRPr lang="en-US" altLang="ja-JP" sz="9600" b="0" dirty="0" smtClean="0">
-              <a:solidFill>
-                <a:srgbClr val="000000"/>
-              </a:solidFill>
-              <a:latin typeface="+mn-ea"/>
-              <a:ea typeface="+mn-ea"/>
-              <a:cs typeface="ＭＳ 明朝"/>
-            </a:endParaRPr>
-          </a:p>
-          <a:p>
-            <a:r>
-              <a:rPr lang="ja-JP" altLang="en-US" sz="9600" b="0" dirty="0" smtClean="0">
-                <a:solidFill>
-                  <a:srgbClr val="BF0000"/>
-                </a:solidFill>
-                <a:latin typeface="+mn-ea"/>
-                <a:ea typeface="+mn-ea"/>
-                <a:cs typeface="ＭＳ 明朝"/>
-              </a:rPr>
-              <a:t>わくわく</a:t>
-            </a:r>
-            <a:r>
-              <a:rPr lang="ja-JP" altLang="en-US" sz="9600" b="0" dirty="0" smtClean="0">
-                <a:solidFill>
-                  <a:srgbClr val="000000"/>
-                </a:solidFill>
-                <a:latin typeface="+mn-ea"/>
-                <a:ea typeface="+mn-ea"/>
-                <a:cs typeface="ＭＳ 明朝"/>
-              </a:rPr>
-              <a:t>しました。</a:t>
-            </a:r>
-            <a:endParaRPr lang="en-US" altLang="ja-JP" sz="9600" b="0" dirty="0" smtClean="0">
-              <a:solidFill>
-                <a:srgbClr val="000000"/>
-              </a:solidFill>
-              <a:latin typeface="+mn-ea"/>
-              <a:ea typeface="+mn-ea"/>
-              <a:cs typeface="ＭＳ 明朝"/>
-            </a:endParaRPr>
-          </a:p>
-        </p:txBody>
-      </p:sp>
-    </p:spTree>
-    <p:extLst>
-      <p:ext uri="{BB962C8B-B14F-4D97-AF65-F5344CB8AC3E}">
-        <p14:creationId xmlns:p14="http://schemas.microsoft.com/office/powerpoint/2010/main" val="2585997850"/>
-      </p:ext>
-    </p:extLst>
-  </p:cSld>
-  <p:clrMapOvr>
-    <a:masterClrMapping/>
-  </p:clrMapOvr>
-  <p:timing>
-    <p:tnLst>
-      <p:par>
-        <p:cTn id="1" dur="indefinite" restart="never" nodeType="tmRoot"/>
-      </p:par>
-    </p:tnLst>
-  </p:timing>
-</p:sld>
-</file>
-
-<file path=ppt/slides/slide15.xml><?xml version="1.0" encoding="utf-8"?>
-<p:sld xmlns:a="http://schemas.openxmlformats.org/drawingml/2006/main" xmlns:r="http://schemas.openxmlformats.org/officeDocument/2006/relationships" xmlns:p="http://schemas.openxmlformats.org/presentationml/2006/main">
-  <p:cSld>
-    <p:spTree>
-      <p:nvGrpSpPr>
-        <p:cNvPr id="1" name=""/>
-        <p:cNvGrpSpPr/>
-        <p:nvPr/>
-      </p:nvGrpSpPr>
-      <p:grpSpPr>
-        <a:xfrm>
-          <a:off x="0" y="0"/>
-          <a:ext cx="0" cy="0"/>
-          <a:chOff x="0" y="0"/>
-          <a:chExt cx="0" cy="0"/>
-        </a:xfrm>
-      </p:grpSpPr>
-      <p:sp>
-        <p:nvSpPr>
-          <p:cNvPr id="7" name="タイトル 2"/>
-          <p:cNvSpPr txBox="1">
-            <a:spLocks/>
-          </p:cNvSpPr>
-          <p:nvPr/>
-        </p:nvSpPr>
-        <p:spPr>
-          <a:xfrm>
-            <a:off x="107504" y="1192412"/>
-            <a:ext cx="8928992" cy="4473176"/>
-          </a:xfrm>
-          <a:prstGeom prst="rect">
-            <a:avLst/>
-          </a:prstGeom>
-          <a:noFill/>
-          <a:ln>
-            <a:noFill/>
-          </a:ln>
-        </p:spPr>
-        <p:txBody>
-          <a:bodyPr anchor="ctr" anchorCtr="0">
-            <a:noAutofit/>
-          </a:bodyPr>
-          <a:lstStyle>
-            <a:lvl1pPr algn="ctr" defTabSz="914400" rtl="0" eaLnBrk="1" latinLnBrk="0" hangingPunct="1">
-              <a:spcBef>
-                <a:spcPct val="0"/>
-              </a:spcBef>
-              <a:buNone/>
-              <a:defRPr kumimoji="1" sz="2800" b="1" kern="1200" baseline="0">
-                <a:solidFill>
-                  <a:srgbClr val="C00000"/>
-                </a:solidFill>
-                <a:latin typeface="Arial" pitchFamily="34" charset="0"/>
-                <a:ea typeface="ＭＳ Ｐゴシック" pitchFamily="50" charset="-128"/>
-                <a:cs typeface="+mj-cs"/>
-              </a:defRPr>
-            </a:lvl1pPr>
-          </a:lstStyle>
-          <a:p>
-            <a:r>
-              <a:rPr lang="ja-JP" altLang="en-US" sz="9600" b="0" dirty="0" smtClean="0">
-                <a:solidFill>
-                  <a:srgbClr val="000000"/>
-                </a:solidFill>
-                <a:latin typeface="+mn-ea"/>
-                <a:ea typeface="+mn-ea"/>
-                <a:cs typeface="ＭＳ 明朝"/>
-              </a:rPr>
               <a:t>どこに</a:t>
             </a:r>
             <a:endParaRPr lang="en-US" altLang="ja-JP" sz="9600" b="0" dirty="0" smtClean="0">
@@ -5328,7 +5130,7 @@
 </p:sld>
 </file>
 
-<file path=ppt/slides/slide16.xml><?xml version="1.0" encoding="utf-8"?>
+<file path=ppt/slides/slide15.xml><?xml version="1.0" encoding="utf-8"?>
 <p:sld xmlns:a="http://schemas.openxmlformats.org/drawingml/2006/main" xmlns:r="http://schemas.openxmlformats.org/officeDocument/2006/relationships" xmlns:p="http://schemas.openxmlformats.org/presentationml/2006/main">
   <p:cSld>
     <p:spTree>
@@ -6355,7 +6157,7 @@
 </p:sld>
 </file>
 
-<file path=ppt/slides/slide17.xml><?xml version="1.0" encoding="utf-8"?>
+<file path=ppt/slides/slide16.xml><?xml version="1.0" encoding="utf-8"?>
 <p:sld xmlns:a="http://schemas.openxmlformats.org/drawingml/2006/main" xmlns:r="http://schemas.openxmlformats.org/officeDocument/2006/relationships" xmlns:p="http://schemas.openxmlformats.org/presentationml/2006/main">
   <p:cSld>
     <p:spTree>
@@ -7873,7 +7675,7 @@
 </p:sld>
 </file>
 
-<file path=ppt/slides/slide18.xml><?xml version="1.0" encoding="utf-8"?>
+<file path=ppt/slides/slide17.xml><?xml version="1.0" encoding="utf-8"?>
 <p:sld xmlns:a="http://schemas.openxmlformats.org/drawingml/2006/main" xmlns:r="http://schemas.openxmlformats.org/officeDocument/2006/relationships" xmlns:p="http://schemas.openxmlformats.org/presentationml/2006/main">
   <p:cSld>
     <p:spTree>
@@ -10583,7 +10385,7 @@
 </p:sld>
 </file>
 
-<file path=ppt/slides/slide19.xml><?xml version="1.0" encoding="utf-8"?>
+<file path=ppt/slides/slide18.xml><?xml version="1.0" encoding="utf-8"?>
 <p:sld xmlns:a="http://schemas.openxmlformats.org/drawingml/2006/main" xmlns:r="http://schemas.openxmlformats.org/officeDocument/2006/relationships" xmlns:p="http://schemas.openxmlformats.org/presentationml/2006/main">
   <p:cSld>
     <p:spTree>
@@ -10763,21 +10565,13 @@
             </a:lvl9pPr>
           </a:lstStyle>
           <a:p>
-            <a:pPr marL="0" marR="0" lvl="0" indent="0" algn="l" defTabSz="381000" eaLnBrk="1" fontAlgn="auto" latinLnBrk="0" hangingPunct="1">
-              <a:lnSpc>
-                <a:spcPct val="100000"/>
-              </a:lnSpc>
+            <a:pPr lvl="0">
               <a:spcBef>
                 <a:spcPct val="20000"/>
               </a:spcBef>
-              <a:spcAft>
-                <a:spcPts val="0"/>
-              </a:spcAft>
               <a:buClr>
                 <a:srgbClr val="FFFFFF"/>
               </a:buClr>
-              <a:buSzTx/>
-              <a:tabLst/>
               <a:defRPr/>
             </a:pPr>
             <a:r>
@@ -10794,7 +10588,27 @@
                 <a:latin typeface="+mn-lt"/>
                 <a:ea typeface="ＭＳ Ｐゴシック" panose="020B0600070205080204" pitchFamily="50" charset="-128"/>
               </a:rPr>
-              <a:t>1. Context</a:t>
+              <a:t>1. </a:t>
+            </a:r>
+            <a:r>
+              <a:rPr lang="en-US" altLang="ja-JP" b="1" kern="0" dirty="0">
+                <a:solidFill>
+                  <a:srgbClr val="FFFFFF"/>
+                </a:solidFill>
+                <a:latin typeface="+mn-lt"/>
+                <a:ea typeface="ＭＳ Ｐゴシック" panose="020B0600070205080204" pitchFamily="50" charset="-128"/>
+              </a:rPr>
+              <a:t>Conditions and </a:t>
+            </a:r>
+            <a:r>
+              <a:rPr lang="en-US" altLang="ja-JP" b="1" kern="0" dirty="0" smtClean="0">
+                <a:solidFill>
+                  <a:srgbClr val="FFFFFF"/>
+                </a:solidFill>
+                <a:latin typeface="+mn-lt"/>
+                <a:ea typeface="ＭＳ Ｐゴシック" panose="020B0600070205080204" pitchFamily="50" charset="-128"/>
+              </a:rPr>
+              <a:t>Challenges</a:t>
             </a:r>
             <a:endParaRPr kumimoji="1" lang="ja-JP" altLang="en-US" b="1" i="0" u="none" strike="noStrike" kern="0" cap="none" spc="0" normalizeH="0" baseline="0" noProof="0" dirty="0" smtClean="0">
               <a:ln>
@@ -10822,7 +10636,7 @@
         </p:nvSpPr>
         <p:spPr bwMode="auto">
           <a:xfrm>
-            <a:off x="445331" y="3068960"/>
+            <a:off x="445331" y="2802004"/>
             <a:ext cx="8240400" cy="540000"/>
           </a:xfrm>
           <a:prstGeom prst="rect">
@@ -11009,7 +10823,7 @@
                 </a:solidFill>
                 <a:latin typeface="+mn-lt"/>
               </a:rPr>
-              <a:t>TDD: for making android development easy</a:t>
+              <a:t>TDD</a:t>
             </a:r>
             <a:endParaRPr kumimoji="1" lang="ja-JP" altLang="en-US" b="1" i="0" u="none" strike="noStrike" kern="0" cap="none" spc="0" normalizeH="0" baseline="0" noProof="0" dirty="0" smtClean="0">
               <a:ln>
@@ -11036,7 +10850,7 @@
         </p:nvSpPr>
         <p:spPr bwMode="auto">
           <a:xfrm>
-            <a:off x="445331" y="2060848"/>
+            <a:off x="445331" y="1927370"/>
             <a:ext cx="8240400" cy="540000"/>
           </a:xfrm>
           <a:prstGeom prst="rect">
@@ -11047,7 +10861,7 @@
           </a:solidFill>
           <a:ln w="12700">
             <a:solidFill>
-              <a:schemeClr val="accent1"/>
+              <a:srgbClr val="C00000"/>
             </a:solidFill>
             <a:miter lim="800000"/>
             <a:headEnd/>
@@ -11214,7 +11028,7 @@
                 <a:latin typeface="+mn-lt"/>
                 <a:ea typeface="ＭＳ Ｐゴシック" panose="020B0600070205080204" pitchFamily="50" charset="-128"/>
               </a:rPr>
-              <a:t>CI/CD: aiming to all stakeholders</a:t>
+              <a:t>CI/CD</a:t>
             </a:r>
             <a:endParaRPr kumimoji="1" lang="ja-JP" altLang="en-US" b="1" i="0" u="none" strike="noStrike" kern="0" cap="none" spc="0" normalizeH="0" baseline="0" noProof="0" dirty="0" smtClean="0">
               <a:ln>
@@ -11242,7 +11056,7 @@
         </p:nvSpPr>
         <p:spPr bwMode="auto">
           <a:xfrm>
-            <a:off x="445331" y="4077072"/>
+            <a:off x="445331" y="3676638"/>
             <a:ext cx="8240400" cy="540000"/>
           </a:xfrm>
           <a:prstGeom prst="rect">
@@ -11420,7 +11234,7 @@
                 </a:solidFill>
                 <a:latin typeface="+mn-lt"/>
               </a:rPr>
-              <a:t>BDD: for supporting the team more</a:t>
+              <a:t>BDD</a:t>
             </a:r>
             <a:endParaRPr kumimoji="1" lang="ja-JP" altLang="en-US" b="1" i="0" u="none" strike="noStrike" kern="0" cap="none" spc="0" normalizeH="0" baseline="0" noProof="0" dirty="0" smtClean="0">
               <a:ln>
@@ -11447,7 +11261,7 @@
         </p:nvSpPr>
         <p:spPr bwMode="auto">
           <a:xfrm>
-            <a:off x="445331" y="5085184"/>
+            <a:off x="445331" y="4551272"/>
             <a:ext cx="8240400" cy="540000"/>
           </a:xfrm>
           <a:prstGeom prst="rect">
@@ -11625,7 +11439,212 @@
                 </a:solidFill>
                 <a:latin typeface="+mn-lt"/>
               </a:rPr>
-              <a:t>Discussion</a:t>
+              <a:t>Problems, Possibility and Future</a:t>
+            </a:r>
+            <a:endParaRPr kumimoji="1" lang="ja-JP" altLang="en-US" b="1" i="0" u="none" strike="noStrike" kern="0" cap="none" spc="0" normalizeH="0" baseline="0" noProof="0" dirty="0" smtClean="0">
+              <a:ln>
+                <a:noFill/>
+              </a:ln>
+              <a:solidFill>
+                <a:srgbClr val="FFFFFF"/>
+              </a:solidFill>
+              <a:effectLst/>
+              <a:uLnTx/>
+              <a:uFillTx/>
+              <a:latin typeface="+mn-lt"/>
+            </a:endParaRPr>
+          </a:p>
+        </p:txBody>
+      </p:sp>
+      <p:sp>
+        <p:nvSpPr>
+          <p:cNvPr id="11" name="Text Box 17"/>
+          <p:cNvSpPr txBox="1">
+            <a:spLocks noChangeArrowheads="1"/>
+          </p:cNvSpPr>
+          <p:nvPr/>
+        </p:nvSpPr>
+        <p:spPr bwMode="auto">
+          <a:xfrm>
+            <a:off x="445331" y="5425904"/>
+            <a:ext cx="8240400" cy="540000"/>
+          </a:xfrm>
+          <a:prstGeom prst="rect">
+            <a:avLst/>
+          </a:prstGeom>
+          <a:solidFill>
+            <a:schemeClr val="bg1">
+              <a:lumMod val="50000"/>
+            </a:schemeClr>
+          </a:solidFill>
+          <a:ln w="12700">
+            <a:solidFill>
+              <a:schemeClr val="tx1"/>
+            </a:solidFill>
+            <a:miter lim="800000"/>
+            <a:headEnd/>
+            <a:tailEnd/>
+          </a:ln>
+          <a:effectLst>
+            <a:outerShdw blurRad="88900" dist="38100" dir="8100000" algn="ctr" rotWithShape="0">
+              <a:schemeClr val="tx1">
+                <a:alpha val="30000"/>
+              </a:schemeClr>
+            </a:outerShdw>
+          </a:effectLst>
+          <a:extLst/>
+        </p:spPr>
+        <p:txBody>
+          <a:bodyPr anchor="ctr" anchorCtr="0"/>
+          <a:lstStyle>
+            <a:lvl1pPr algn="l" defTabSz="381000">
+              <a:spcBef>
+                <a:spcPct val="0"/>
+              </a:spcBef>
+              <a:defRPr kumimoji="1" sz="2400">
+                <a:solidFill>
+                  <a:schemeClr val="tx1"/>
+                </a:solidFill>
+                <a:latin typeface="Times New Roman" pitchFamily="18" charset="0"/>
+                <a:ea typeface="ＭＳ Ｐゴシック" charset="-128"/>
+              </a:defRPr>
+            </a:lvl1pPr>
+            <a:lvl2pPr algn="l" defTabSz="381000">
+              <a:spcBef>
+                <a:spcPct val="0"/>
+              </a:spcBef>
+              <a:defRPr kumimoji="1" sz="2400">
+                <a:solidFill>
+                  <a:schemeClr val="tx1"/>
+                </a:solidFill>
+                <a:latin typeface="Times New Roman" pitchFamily="18" charset="0"/>
+                <a:ea typeface="ＭＳ Ｐゴシック" charset="-128"/>
+              </a:defRPr>
+            </a:lvl2pPr>
+            <a:lvl3pPr algn="l" defTabSz="381000">
+              <a:spcBef>
+                <a:spcPct val="0"/>
+              </a:spcBef>
+              <a:defRPr kumimoji="1" sz="2400">
+                <a:solidFill>
+                  <a:schemeClr val="tx1"/>
+                </a:solidFill>
+                <a:latin typeface="Times New Roman" pitchFamily="18" charset="0"/>
+                <a:ea typeface="ＭＳ Ｐゴシック" charset="-128"/>
+              </a:defRPr>
+            </a:lvl3pPr>
+            <a:lvl4pPr algn="l" defTabSz="381000">
+              <a:spcBef>
+                <a:spcPct val="0"/>
+              </a:spcBef>
+              <a:defRPr kumimoji="1" sz="2400">
+                <a:solidFill>
+                  <a:schemeClr val="tx1"/>
+                </a:solidFill>
+                <a:latin typeface="Times New Roman" pitchFamily="18" charset="0"/>
+                <a:ea typeface="ＭＳ Ｐゴシック" charset="-128"/>
+              </a:defRPr>
+            </a:lvl4pPr>
+            <a:lvl5pPr algn="l" defTabSz="381000">
+              <a:spcBef>
+                <a:spcPct val="0"/>
+              </a:spcBef>
+              <a:defRPr kumimoji="1" sz="2400">
+                <a:solidFill>
+                  <a:schemeClr val="tx1"/>
+                </a:solidFill>
+                <a:latin typeface="Times New Roman" pitchFamily="18" charset="0"/>
+                <a:ea typeface="ＭＳ Ｐゴシック" charset="-128"/>
+              </a:defRPr>
+            </a:lvl5pPr>
+            <a:lvl6pPr defTabSz="381000" fontAlgn="base">
+              <a:spcBef>
+                <a:spcPct val="0"/>
+              </a:spcBef>
+              <a:spcAft>
+                <a:spcPct val="0"/>
+              </a:spcAft>
+              <a:defRPr kumimoji="1" sz="2400">
+                <a:solidFill>
+                  <a:schemeClr val="tx1"/>
+                </a:solidFill>
+                <a:latin typeface="Times New Roman" pitchFamily="18" charset="0"/>
+                <a:ea typeface="ＭＳ Ｐゴシック" charset="-128"/>
+              </a:defRPr>
+            </a:lvl6pPr>
+            <a:lvl7pPr defTabSz="381000" fontAlgn="base">
+              <a:spcBef>
+                <a:spcPct val="0"/>
+              </a:spcBef>
+              <a:spcAft>
+                <a:spcPct val="0"/>
+              </a:spcAft>
+              <a:defRPr kumimoji="1" sz="2400">
+                <a:solidFill>
+                  <a:schemeClr val="tx1"/>
+                </a:solidFill>
+                <a:latin typeface="Times New Roman" pitchFamily="18" charset="0"/>
+                <a:ea typeface="ＭＳ Ｐゴシック" charset="-128"/>
+              </a:defRPr>
+            </a:lvl7pPr>
+            <a:lvl8pPr defTabSz="381000" fontAlgn="base">
+              <a:spcBef>
+                <a:spcPct val="0"/>
+              </a:spcBef>
+              <a:spcAft>
+                <a:spcPct val="0"/>
+              </a:spcAft>
+              <a:defRPr kumimoji="1" sz="2400">
+                <a:solidFill>
+                  <a:schemeClr val="tx1"/>
+                </a:solidFill>
+                <a:latin typeface="Times New Roman" pitchFamily="18" charset="0"/>
+                <a:ea typeface="ＭＳ Ｐゴシック" charset="-128"/>
+              </a:defRPr>
+            </a:lvl8pPr>
+            <a:lvl9pPr defTabSz="381000" fontAlgn="base">
+              <a:spcBef>
+                <a:spcPct val="0"/>
+              </a:spcBef>
+              <a:spcAft>
+                <a:spcPct val="0"/>
+              </a:spcAft>
+              <a:defRPr kumimoji="1" sz="2400">
+                <a:solidFill>
+                  <a:schemeClr val="tx1"/>
+                </a:solidFill>
+                <a:latin typeface="Times New Roman" pitchFamily="18" charset="0"/>
+                <a:ea typeface="ＭＳ Ｐゴシック" charset="-128"/>
+              </a:defRPr>
+            </a:lvl9pPr>
+          </a:lstStyle>
+          <a:p>
+            <a:pPr lvl="0">
+              <a:spcBef>
+                <a:spcPct val="20000"/>
+              </a:spcBef>
+              <a:buClr>
+                <a:srgbClr val="FFFFFF"/>
+              </a:buClr>
+              <a:defRPr/>
+            </a:pPr>
+            <a:r>
+              <a:rPr lang="en-US" altLang="ja-JP" b="1" kern="0" dirty="0" smtClean="0">
+                <a:solidFill>
+                  <a:srgbClr val="FFFFFF"/>
+                </a:solidFill>
+                <a:latin typeface="+mn-lt"/>
+              </a:rPr>
+              <a:t>6</a:t>
+            </a:r>
+            <a:r>
+              <a:rPr lang="en-US" altLang="ja-JP" b="1" kern="0" dirty="0">
+                <a:solidFill>
+                  <a:srgbClr val="FFFFFF"/>
+                </a:solidFill>
+                <a:latin typeface="+mn-lt"/>
+              </a:rPr>
+              <a:t>. Conclusions</a:t>
             </a:r>
             <a:endParaRPr kumimoji="1" lang="ja-JP" altLang="en-US" b="1" i="0" u="none" strike="noStrike" kern="0" cap="none" spc="0" normalizeH="0" baseline="0" noProof="0" dirty="0" smtClean="0">
               <a:ln>
@@ -11645,7 +11664,7 @@
     </p:spTree>
     <p:extLst>
       <p:ext uri="{BB962C8B-B14F-4D97-AF65-F5344CB8AC3E}">
-        <p14:creationId xmlns:p14="http://schemas.microsoft.com/office/powerpoint/2010/main" val="3435401762"/>
+        <p14:creationId xmlns:p14="http://schemas.microsoft.com/office/powerpoint/2010/main" val="3193054339"/>
       </p:ext>
     </p:extLst>
   </p:cSld>
@@ -11662,384 +11681,7 @@
 </p:sld>
 </file>
 
-<file path=ppt/slides/slide2.xml><?xml version="1.0" encoding="utf-8"?>
-<p:sld xmlns:a="http://schemas.openxmlformats.org/drawingml/2006/main" xmlns:r="http://schemas.openxmlformats.org/officeDocument/2006/relationships" xmlns:p="http://schemas.openxmlformats.org/presentationml/2006/main">
-  <p:cSld>
-    <p:spTree>
-      <p:nvGrpSpPr>
-        <p:cNvPr id="1" name=""/>
-        <p:cNvGrpSpPr/>
-        <p:nvPr/>
-      </p:nvGrpSpPr>
-      <p:grpSpPr>
-        <a:xfrm>
-          <a:off x="0" y="0"/>
-          <a:ext cx="0" cy="0"/>
-          <a:chOff x="0" y="0"/>
-          <a:chExt cx="0" cy="0"/>
-        </a:xfrm>
-      </p:grpSpPr>
-      <p:sp>
-        <p:nvSpPr>
-          <p:cNvPr id="5" name="タイトル 2"/>
-          <p:cNvSpPr txBox="1">
-            <a:spLocks/>
-          </p:cNvSpPr>
-          <p:nvPr/>
-        </p:nvSpPr>
-        <p:spPr>
-          <a:xfrm>
-            <a:off x="4139952" y="1054800"/>
-            <a:ext cx="4858944" cy="5038496"/>
-          </a:xfrm>
-          <a:prstGeom prst="rect">
-            <a:avLst/>
-          </a:prstGeom>
-          <a:noFill/>
-          <a:ln>
-            <a:noFill/>
-          </a:ln>
-        </p:spPr>
-        <p:txBody>
-          <a:bodyPr anchor="ctr" anchorCtr="0">
-            <a:noAutofit/>
-          </a:bodyPr>
-          <a:lstStyle>
-            <a:lvl1pPr algn="ctr" defTabSz="914400" rtl="0" eaLnBrk="1" latinLnBrk="0" hangingPunct="1">
-              <a:spcBef>
-                <a:spcPct val="0"/>
-              </a:spcBef>
-              <a:buNone/>
-              <a:defRPr kumimoji="1" sz="2800" b="1" kern="1200" baseline="0">
-                <a:solidFill>
-                  <a:srgbClr val="C00000"/>
-                </a:solidFill>
-                <a:latin typeface="Arial" pitchFamily="34" charset="0"/>
-                <a:ea typeface="ＭＳ Ｐゴシック" pitchFamily="50" charset="-128"/>
-                <a:cs typeface="+mj-cs"/>
-              </a:defRPr>
-            </a:lvl1pPr>
-          </a:lstStyle>
-          <a:p>
-            <a:pPr algn="l" defTabSz="381000">
-              <a:spcBef>
-                <a:spcPct val="20000"/>
-              </a:spcBef>
-              <a:buClr>
-                <a:srgbClr val="FFFFFF"/>
-              </a:buClr>
-              <a:defRPr/>
-            </a:pPr>
-            <a:r>
-              <a:rPr lang="en-US" altLang="ja-JP" sz="3600" b="0" kern="0" dirty="0" smtClean="0">
-                <a:solidFill>
-                  <a:srgbClr val="000000"/>
-                </a:solidFill>
-                <a:latin typeface="+mn-lt"/>
-                <a:ea typeface="+mn-ea"/>
-              </a:rPr>
-              <a:t>Hiroyuki Ito</a:t>
-            </a:r>
-          </a:p>
-          <a:p>
-            <a:pPr algn="l" defTabSz="381000">
-              <a:spcBef>
-                <a:spcPct val="20000"/>
-              </a:spcBef>
-              <a:buClr>
-                <a:srgbClr val="FFFFFF"/>
-              </a:buClr>
-              <a:defRPr/>
-            </a:pPr>
-            <a:r>
-              <a:rPr lang="en-US" altLang="ja-JP" sz="3600" b="0" kern="0" dirty="0" smtClean="0">
-                <a:solidFill>
-                  <a:srgbClr val="000000"/>
-                </a:solidFill>
-                <a:latin typeface="+mn-lt"/>
-                <a:ea typeface="+mn-ea"/>
-              </a:rPr>
-              <a:t>(The Hiro)</a:t>
-            </a:r>
-          </a:p>
-          <a:p>
-            <a:pPr lvl="0" algn="l" defTabSz="381000">
-              <a:spcBef>
-                <a:spcPct val="20000"/>
-              </a:spcBef>
-              <a:buClr>
-                <a:srgbClr val="FFFFFF"/>
-              </a:buClr>
-              <a:defRPr/>
-            </a:pPr>
-            <a:r>
-              <a:rPr lang="en-US" altLang="ja-JP" sz="3600" b="0" kern="0" dirty="0" smtClean="0">
-                <a:solidFill>
-                  <a:schemeClr val="accent1"/>
-                </a:solidFill>
-                <a:latin typeface="+mn-lt"/>
-                <a:ea typeface="+mn-ea"/>
-              </a:rPr>
-              <a:t>Test-Driven Development Group!</a:t>
-            </a:r>
-            <a:endParaRPr lang="en-US" altLang="ja-JP" sz="3600" b="0" kern="0" dirty="0" smtClean="0">
-              <a:solidFill>
-                <a:srgbClr val="000000"/>
-              </a:solidFill>
-              <a:latin typeface="+mn-lt"/>
-              <a:ea typeface="+mn-ea"/>
-            </a:endParaRPr>
-          </a:p>
-          <a:p>
-            <a:pPr lvl="0" algn="l" defTabSz="381000">
-              <a:spcBef>
-                <a:spcPct val="20000"/>
-              </a:spcBef>
-              <a:buClr>
-                <a:srgbClr val="FFFFFF"/>
-              </a:buClr>
-              <a:defRPr/>
-            </a:pPr>
-            <a:r>
-              <a:rPr lang="en-US" altLang="ja-JP" sz="3600" b="0" kern="0" dirty="0" smtClean="0">
-                <a:solidFill>
-                  <a:schemeClr val="accent6"/>
-                </a:solidFill>
-                <a:latin typeface="+mn-lt"/>
-                <a:ea typeface="+mn-ea"/>
-              </a:rPr>
-              <a:t>@hageyahhoo</a:t>
-            </a:r>
-          </a:p>
-          <a:p>
-            <a:pPr lvl="0" algn="l" defTabSz="381000">
-              <a:spcBef>
-                <a:spcPct val="20000"/>
-              </a:spcBef>
-              <a:buClr>
-                <a:srgbClr val="FFFFFF"/>
-              </a:buClr>
-              <a:defRPr/>
-            </a:pPr>
-            <a:endParaRPr lang="en-US" altLang="ja-JP" sz="3600" b="0" kern="0" dirty="0" smtClean="0">
-              <a:solidFill>
-                <a:srgbClr val="000000"/>
-              </a:solidFill>
-              <a:latin typeface="+mn-lt"/>
-              <a:ea typeface="+mn-ea"/>
-            </a:endParaRPr>
-          </a:p>
-          <a:p>
-            <a:pPr lvl="0" algn="l" defTabSz="381000">
-              <a:spcBef>
-                <a:spcPct val="20000"/>
-              </a:spcBef>
-              <a:buClr>
-                <a:srgbClr val="FFFFFF"/>
-              </a:buClr>
-              <a:defRPr/>
-            </a:pPr>
-            <a:endParaRPr lang="en-US" altLang="ja-JP" sz="3600" b="0" kern="0" dirty="0">
-              <a:solidFill>
-                <a:srgbClr val="000000"/>
-              </a:solidFill>
-              <a:latin typeface="+mn-lt"/>
-              <a:ea typeface="+mn-ea"/>
-            </a:endParaRPr>
-          </a:p>
-          <a:p>
-            <a:pPr lvl="0" algn="l" defTabSz="381000">
-              <a:spcBef>
-                <a:spcPct val="20000"/>
-              </a:spcBef>
-              <a:buClr>
-                <a:srgbClr val="FFFFFF"/>
-              </a:buClr>
-              <a:defRPr/>
-            </a:pPr>
-            <a:endParaRPr lang="en-US" altLang="ja-JP" sz="3600" b="0" kern="0" dirty="0" smtClean="0">
-              <a:solidFill>
-                <a:srgbClr val="000000"/>
-              </a:solidFill>
-              <a:latin typeface="+mn-lt"/>
-              <a:ea typeface="+mn-ea"/>
-            </a:endParaRPr>
-          </a:p>
-          <a:p>
-            <a:pPr lvl="0" algn="l" defTabSz="381000">
-              <a:spcBef>
-                <a:spcPct val="20000"/>
-              </a:spcBef>
-              <a:buClr>
-                <a:srgbClr val="FFFFFF"/>
-              </a:buClr>
-              <a:defRPr/>
-            </a:pPr>
-            <a:endParaRPr lang="en-US" altLang="ja-JP" sz="3600" b="0" kern="0" dirty="0" smtClean="0">
-              <a:solidFill>
-                <a:srgbClr val="000000"/>
-              </a:solidFill>
-              <a:latin typeface="+mn-lt"/>
-              <a:ea typeface="+mn-ea"/>
-            </a:endParaRPr>
-          </a:p>
-        </p:txBody>
-      </p:sp>
-      <p:sp>
-        <p:nvSpPr>
-          <p:cNvPr id="4" name="タイトル 1"/>
-          <p:cNvSpPr>
-            <a:spLocks noGrp="1"/>
-          </p:cNvSpPr>
-          <p:nvPr>
-            <p:ph type="title"/>
-          </p:nvPr>
-        </p:nvSpPr>
-        <p:spPr>
-          <a:xfrm>
-            <a:off x="360000" y="252000"/>
-            <a:ext cx="8424000" cy="360000"/>
-          </a:xfrm>
-          <a:noFill/>
-          <a:ln>
-            <a:solidFill>
-              <a:srgbClr val="FFFFFF"/>
-            </a:solidFill>
-          </a:ln>
-        </p:spPr>
-        <p:txBody>
-          <a:bodyPr>
-            <a:normAutofit fontScale="90000"/>
-          </a:bodyPr>
-          <a:lstStyle/>
-          <a:p>
-            <a:r>
-              <a:rPr lang="en-US" altLang="ja-JP" kern="0" dirty="0" smtClean="0">
-                <a:solidFill>
-                  <a:schemeClr val="accent1"/>
-                </a:solidFill>
-                <a:latin typeface="+mj-ea"/>
-                <a:ea typeface="+mj-ea"/>
-              </a:rPr>
-              <a:t>About me</a:t>
-            </a:r>
-            <a:endParaRPr kumimoji="1" lang="ja-JP" altLang="en-US" dirty="0">
-              <a:latin typeface="+mj-ea"/>
-              <a:ea typeface="+mj-ea"/>
-            </a:endParaRPr>
-          </a:p>
-        </p:txBody>
-      </p:sp>
-      <p:pic>
-        <p:nvPicPr>
-          <p:cNvPr id="2" name="図 1"/>
-          <p:cNvPicPr>
-            <a:picLocks noChangeAspect="1"/>
-          </p:cNvPicPr>
-          <p:nvPr/>
-        </p:nvPicPr>
-        <p:blipFill>
-          <a:blip r:embed="rId3"/>
-          <a:stretch>
-            <a:fillRect/>
-          </a:stretch>
-        </p:blipFill>
-        <p:spPr>
-          <a:xfrm>
-            <a:off x="4224660" y="3645098"/>
-            <a:ext cx="3404220" cy="1144041"/>
-          </a:xfrm>
-          <a:prstGeom prst="rect">
-            <a:avLst/>
-          </a:prstGeom>
-        </p:spPr>
-      </p:pic>
-      <p:pic>
-        <p:nvPicPr>
-          <p:cNvPr id="6" name="図 5"/>
-          <p:cNvPicPr>
-            <a:picLocks noChangeAspect="1"/>
-          </p:cNvPicPr>
-          <p:nvPr/>
-        </p:nvPicPr>
-        <p:blipFill>
-          <a:blip r:embed="rId4"/>
-          <a:stretch>
-            <a:fillRect/>
-          </a:stretch>
-        </p:blipFill>
-        <p:spPr>
-          <a:xfrm>
-            <a:off x="4211960" y="5011962"/>
-            <a:ext cx="3413521" cy="1153342"/>
-          </a:xfrm>
-          <a:prstGeom prst="rect">
-            <a:avLst/>
-          </a:prstGeom>
-        </p:spPr>
-      </p:pic>
-      <p:pic>
-        <p:nvPicPr>
-          <p:cNvPr id="1026" name="Picture 2" descr="C:\Users\hiroyuki.a.ito\Pictures\Thehiro_v2.jpg"/>
-          <p:cNvPicPr>
-            <a:picLocks noChangeAspect="1" noChangeArrowheads="1"/>
-          </p:cNvPicPr>
-          <p:nvPr/>
-        </p:nvPicPr>
-        <p:blipFill>
-          <a:blip r:embed="rId5">
-            <a:extLst>
-              <a:ext uri="{28A0092B-C50C-407E-A947-70E740481C1C}">
-                <a14:useLocalDpi xmlns:a14="http://schemas.microsoft.com/office/drawing/2010/main" val="0"/>
-              </a:ext>
-            </a:extLst>
-          </a:blip>
-          <a:srcRect/>
-          <a:stretch>
-            <a:fillRect/>
-          </a:stretch>
-        </p:blipFill>
-        <p:spPr bwMode="auto">
-          <a:xfrm>
-            <a:off x="231078" y="1016732"/>
-            <a:ext cx="3429000" cy="3429000"/>
-          </a:xfrm>
-          <a:prstGeom prst="rect">
-            <a:avLst/>
-          </a:prstGeom>
-          <a:noFill/>
-          <a:extLst>
-            <a:ext uri="{909E8E84-426E-40DD-AFC4-6F175D3DCCD1}">
-              <a14:hiddenFill xmlns:a14="http://schemas.microsoft.com/office/drawing/2010/main">
-                <a:solidFill>
-                  <a:srgbClr val="FFFFFF"/>
-                </a:solidFill>
-              </a14:hiddenFill>
-            </a:ext>
-          </a:extLst>
-        </p:spPr>
-      </p:pic>
-    </p:spTree>
-    <p:extLst>
-      <p:ext uri="{BB962C8B-B14F-4D97-AF65-F5344CB8AC3E}">
-        <p14:creationId xmlns:p14="http://schemas.microsoft.com/office/powerpoint/2010/main" val="522943376"/>
-      </p:ext>
-    </p:extLst>
-  </p:cSld>
-  <p:clrMapOvr>
-    <a:masterClrMapping/>
-  </p:clrMapOvr>
-  <p:timing>
-    <p:tnLst>
-      <p:par>
-        <p:cTn id="1" dur="indefinite" restart="never" nodeType="tmRoot"/>
-      </p:par>
-    </p:tnLst>
-  </p:timing>
-</p:sld>
-</file>
-
-<file path=ppt/slides/slide20.xml><?xml version="1.0" encoding="utf-8"?>
+<file path=ppt/slides/slide19.xml><?xml version="1.0" encoding="utf-8"?>
 <p:sld xmlns:a="http://schemas.openxmlformats.org/drawingml/2006/main" xmlns:r="http://schemas.openxmlformats.org/officeDocument/2006/relationships" xmlns:p="http://schemas.openxmlformats.org/presentationml/2006/main">
   <p:cSld>
     <p:spTree>
@@ -13767,7 +13409,384 @@
 </p:sld>
 </file>
 
-<file path=ppt/slides/slide21.xml><?xml version="1.0" encoding="utf-8"?>
+<file path=ppt/slides/slide2.xml><?xml version="1.0" encoding="utf-8"?>
+<p:sld xmlns:a="http://schemas.openxmlformats.org/drawingml/2006/main" xmlns:r="http://schemas.openxmlformats.org/officeDocument/2006/relationships" xmlns:p="http://schemas.openxmlformats.org/presentationml/2006/main">
+  <p:cSld>
+    <p:spTree>
+      <p:nvGrpSpPr>
+        <p:cNvPr id="1" name=""/>
+        <p:cNvGrpSpPr/>
+        <p:nvPr/>
+      </p:nvGrpSpPr>
+      <p:grpSpPr>
+        <a:xfrm>
+          <a:off x="0" y="0"/>
+          <a:ext cx="0" cy="0"/>
+          <a:chOff x="0" y="0"/>
+          <a:chExt cx="0" cy="0"/>
+        </a:xfrm>
+      </p:grpSpPr>
+      <p:sp>
+        <p:nvSpPr>
+          <p:cNvPr id="5" name="タイトル 2"/>
+          <p:cNvSpPr txBox="1">
+            <a:spLocks/>
+          </p:cNvSpPr>
+          <p:nvPr/>
+        </p:nvSpPr>
+        <p:spPr>
+          <a:xfrm>
+            <a:off x="4139952" y="1054800"/>
+            <a:ext cx="4858944" cy="5038496"/>
+          </a:xfrm>
+          <a:prstGeom prst="rect">
+            <a:avLst/>
+          </a:prstGeom>
+          <a:noFill/>
+          <a:ln>
+            <a:noFill/>
+          </a:ln>
+        </p:spPr>
+        <p:txBody>
+          <a:bodyPr anchor="ctr" anchorCtr="0">
+            <a:noAutofit/>
+          </a:bodyPr>
+          <a:lstStyle>
+            <a:lvl1pPr algn="ctr" defTabSz="914400" rtl="0" eaLnBrk="1" latinLnBrk="0" hangingPunct="1">
+              <a:spcBef>
+                <a:spcPct val="0"/>
+              </a:spcBef>
+              <a:buNone/>
+              <a:defRPr kumimoji="1" sz="2800" b="1" kern="1200" baseline="0">
+                <a:solidFill>
+                  <a:srgbClr val="C00000"/>
+                </a:solidFill>
+                <a:latin typeface="Arial" pitchFamily="34" charset="0"/>
+                <a:ea typeface="ＭＳ Ｐゴシック" pitchFamily="50" charset="-128"/>
+                <a:cs typeface="+mj-cs"/>
+              </a:defRPr>
+            </a:lvl1pPr>
+          </a:lstStyle>
+          <a:p>
+            <a:pPr algn="l" defTabSz="381000">
+              <a:spcBef>
+                <a:spcPct val="20000"/>
+              </a:spcBef>
+              <a:buClr>
+                <a:srgbClr val="FFFFFF"/>
+              </a:buClr>
+              <a:defRPr/>
+            </a:pPr>
+            <a:r>
+              <a:rPr lang="en-US" altLang="ja-JP" sz="3600" b="0" kern="0" dirty="0" smtClean="0">
+                <a:solidFill>
+                  <a:srgbClr val="000000"/>
+                </a:solidFill>
+                <a:latin typeface="+mn-lt"/>
+                <a:ea typeface="+mn-ea"/>
+              </a:rPr>
+              <a:t>Hiroyuki Ito</a:t>
+            </a:r>
+          </a:p>
+          <a:p>
+            <a:pPr algn="l" defTabSz="381000">
+              <a:spcBef>
+                <a:spcPct val="20000"/>
+              </a:spcBef>
+              <a:buClr>
+                <a:srgbClr val="FFFFFF"/>
+              </a:buClr>
+              <a:defRPr/>
+            </a:pPr>
+            <a:r>
+              <a:rPr lang="en-US" altLang="ja-JP" sz="3600" b="0" kern="0" dirty="0" smtClean="0">
+                <a:solidFill>
+                  <a:srgbClr val="000000"/>
+                </a:solidFill>
+                <a:latin typeface="+mn-lt"/>
+                <a:ea typeface="+mn-ea"/>
+              </a:rPr>
+              <a:t>(The Hiro)</a:t>
+            </a:r>
+          </a:p>
+          <a:p>
+            <a:pPr lvl="0" algn="l" defTabSz="381000">
+              <a:spcBef>
+                <a:spcPct val="20000"/>
+              </a:spcBef>
+              <a:buClr>
+                <a:srgbClr val="FFFFFF"/>
+              </a:buClr>
+              <a:defRPr/>
+            </a:pPr>
+            <a:r>
+              <a:rPr lang="en-US" altLang="ja-JP" sz="3600" b="0" kern="0" dirty="0" smtClean="0">
+                <a:solidFill>
+                  <a:schemeClr val="accent1"/>
+                </a:solidFill>
+                <a:latin typeface="+mn-lt"/>
+                <a:ea typeface="+mn-ea"/>
+              </a:rPr>
+              <a:t>Test-Driven Development Group!</a:t>
+            </a:r>
+            <a:endParaRPr lang="en-US" altLang="ja-JP" sz="3600" b="0" kern="0" dirty="0" smtClean="0">
+              <a:solidFill>
+                <a:srgbClr val="000000"/>
+              </a:solidFill>
+              <a:latin typeface="+mn-lt"/>
+              <a:ea typeface="+mn-ea"/>
+            </a:endParaRPr>
+          </a:p>
+          <a:p>
+            <a:pPr lvl="0" algn="l" defTabSz="381000">
+              <a:spcBef>
+                <a:spcPct val="20000"/>
+              </a:spcBef>
+              <a:buClr>
+                <a:srgbClr val="FFFFFF"/>
+              </a:buClr>
+              <a:defRPr/>
+            </a:pPr>
+            <a:r>
+              <a:rPr lang="en-US" altLang="ja-JP" sz="3600" b="0" kern="0" dirty="0" smtClean="0">
+                <a:solidFill>
+                  <a:schemeClr val="accent6"/>
+                </a:solidFill>
+                <a:latin typeface="+mn-lt"/>
+                <a:ea typeface="+mn-ea"/>
+              </a:rPr>
+              <a:t>@hageyahhoo</a:t>
+            </a:r>
+          </a:p>
+          <a:p>
+            <a:pPr lvl="0" algn="l" defTabSz="381000">
+              <a:spcBef>
+                <a:spcPct val="20000"/>
+              </a:spcBef>
+              <a:buClr>
+                <a:srgbClr val="FFFFFF"/>
+              </a:buClr>
+              <a:defRPr/>
+            </a:pPr>
+            <a:endParaRPr lang="en-US" altLang="ja-JP" sz="3600" b="0" kern="0" dirty="0" smtClean="0">
+              <a:solidFill>
+                <a:srgbClr val="000000"/>
+              </a:solidFill>
+              <a:latin typeface="+mn-lt"/>
+              <a:ea typeface="+mn-ea"/>
+            </a:endParaRPr>
+          </a:p>
+          <a:p>
+            <a:pPr lvl="0" algn="l" defTabSz="381000">
+              <a:spcBef>
+                <a:spcPct val="20000"/>
+              </a:spcBef>
+              <a:buClr>
+                <a:srgbClr val="FFFFFF"/>
+              </a:buClr>
+              <a:defRPr/>
+            </a:pPr>
+            <a:endParaRPr lang="en-US" altLang="ja-JP" sz="3600" b="0" kern="0" dirty="0">
+              <a:solidFill>
+                <a:srgbClr val="000000"/>
+              </a:solidFill>
+              <a:latin typeface="+mn-lt"/>
+              <a:ea typeface="+mn-ea"/>
+            </a:endParaRPr>
+          </a:p>
+          <a:p>
+            <a:pPr lvl="0" algn="l" defTabSz="381000">
+              <a:spcBef>
+                <a:spcPct val="20000"/>
+              </a:spcBef>
+              <a:buClr>
+                <a:srgbClr val="FFFFFF"/>
+              </a:buClr>
+              <a:defRPr/>
+            </a:pPr>
+            <a:endParaRPr lang="en-US" altLang="ja-JP" sz="3600" b="0" kern="0" dirty="0" smtClean="0">
+              <a:solidFill>
+                <a:srgbClr val="000000"/>
+              </a:solidFill>
+              <a:latin typeface="+mn-lt"/>
+              <a:ea typeface="+mn-ea"/>
+            </a:endParaRPr>
+          </a:p>
+          <a:p>
+            <a:pPr lvl="0" algn="l" defTabSz="381000">
+              <a:spcBef>
+                <a:spcPct val="20000"/>
+              </a:spcBef>
+              <a:buClr>
+                <a:srgbClr val="FFFFFF"/>
+              </a:buClr>
+              <a:defRPr/>
+            </a:pPr>
+            <a:endParaRPr lang="en-US" altLang="ja-JP" sz="3600" b="0" kern="0" dirty="0" smtClean="0">
+              <a:solidFill>
+                <a:srgbClr val="000000"/>
+              </a:solidFill>
+              <a:latin typeface="+mn-lt"/>
+              <a:ea typeface="+mn-ea"/>
+            </a:endParaRPr>
+          </a:p>
+        </p:txBody>
+      </p:sp>
+      <p:sp>
+        <p:nvSpPr>
+          <p:cNvPr id="4" name="タイトル 1"/>
+          <p:cNvSpPr>
+            <a:spLocks noGrp="1"/>
+          </p:cNvSpPr>
+          <p:nvPr>
+            <p:ph type="title"/>
+          </p:nvPr>
+        </p:nvSpPr>
+        <p:spPr>
+          <a:xfrm>
+            <a:off x="360000" y="252000"/>
+            <a:ext cx="8424000" cy="360000"/>
+          </a:xfrm>
+          <a:noFill/>
+          <a:ln>
+            <a:solidFill>
+              <a:srgbClr val="FFFFFF"/>
+            </a:solidFill>
+          </a:ln>
+        </p:spPr>
+        <p:txBody>
+          <a:bodyPr>
+            <a:normAutofit fontScale="90000"/>
+          </a:bodyPr>
+          <a:lstStyle/>
+          <a:p>
+            <a:r>
+              <a:rPr lang="en-US" altLang="ja-JP" kern="0" dirty="0" smtClean="0">
+                <a:solidFill>
+                  <a:schemeClr val="accent1"/>
+                </a:solidFill>
+                <a:latin typeface="+mj-ea"/>
+                <a:ea typeface="+mj-ea"/>
+              </a:rPr>
+              <a:t>About me</a:t>
+            </a:r>
+            <a:endParaRPr kumimoji="1" lang="ja-JP" altLang="en-US" dirty="0">
+              <a:latin typeface="+mj-ea"/>
+              <a:ea typeface="+mj-ea"/>
+            </a:endParaRPr>
+          </a:p>
+        </p:txBody>
+      </p:sp>
+      <p:pic>
+        <p:nvPicPr>
+          <p:cNvPr id="2" name="図 1"/>
+          <p:cNvPicPr>
+            <a:picLocks noChangeAspect="1"/>
+          </p:cNvPicPr>
+          <p:nvPr/>
+        </p:nvPicPr>
+        <p:blipFill>
+          <a:blip r:embed="rId3"/>
+          <a:stretch>
+            <a:fillRect/>
+          </a:stretch>
+        </p:blipFill>
+        <p:spPr>
+          <a:xfrm>
+            <a:off x="4224660" y="3645098"/>
+            <a:ext cx="3404220" cy="1144041"/>
+          </a:xfrm>
+          <a:prstGeom prst="rect">
+            <a:avLst/>
+          </a:prstGeom>
+        </p:spPr>
+      </p:pic>
+      <p:pic>
+        <p:nvPicPr>
+          <p:cNvPr id="6" name="図 5"/>
+          <p:cNvPicPr>
+            <a:picLocks noChangeAspect="1"/>
+          </p:cNvPicPr>
+          <p:nvPr/>
+        </p:nvPicPr>
+        <p:blipFill>
+          <a:blip r:embed="rId4"/>
+          <a:stretch>
+            <a:fillRect/>
+          </a:stretch>
+        </p:blipFill>
+        <p:spPr>
+          <a:xfrm>
+            <a:off x="4211960" y="5011962"/>
+            <a:ext cx="3413521" cy="1153342"/>
+          </a:xfrm>
+          <a:prstGeom prst="rect">
+            <a:avLst/>
+          </a:prstGeom>
+        </p:spPr>
+      </p:pic>
+      <p:pic>
+        <p:nvPicPr>
+          <p:cNvPr id="1026" name="Picture 2" descr="C:\Users\hiroyuki.a.ito\Pictures\Thehiro_v2.jpg"/>
+          <p:cNvPicPr>
+            <a:picLocks noChangeAspect="1" noChangeArrowheads="1"/>
+          </p:cNvPicPr>
+          <p:nvPr/>
+        </p:nvPicPr>
+        <p:blipFill>
+          <a:blip r:embed="rId5">
+            <a:extLst>
+              <a:ext uri="{28A0092B-C50C-407E-A947-70E740481C1C}">
+                <a14:useLocalDpi xmlns:a14="http://schemas.microsoft.com/office/drawing/2010/main" val="0"/>
+              </a:ext>
+            </a:extLst>
+          </a:blip>
+          <a:srcRect/>
+          <a:stretch>
+            <a:fillRect/>
+          </a:stretch>
+        </p:blipFill>
+        <p:spPr bwMode="auto">
+          <a:xfrm>
+            <a:off x="231078" y="1016732"/>
+            <a:ext cx="3429000" cy="3429000"/>
+          </a:xfrm>
+          <a:prstGeom prst="rect">
+            <a:avLst/>
+          </a:prstGeom>
+          <a:noFill/>
+          <a:extLst>
+            <a:ext uri="{909E8E84-426E-40DD-AFC4-6F175D3DCCD1}">
+              <a14:hiddenFill xmlns:a14="http://schemas.microsoft.com/office/drawing/2010/main">
+                <a:solidFill>
+                  <a:srgbClr val="FFFFFF"/>
+                </a:solidFill>
+              </a14:hiddenFill>
+            </a:ext>
+          </a:extLst>
+        </p:spPr>
+      </p:pic>
+    </p:spTree>
+    <p:extLst>
+      <p:ext uri="{BB962C8B-B14F-4D97-AF65-F5344CB8AC3E}">
+        <p14:creationId xmlns:p14="http://schemas.microsoft.com/office/powerpoint/2010/main" val="522943376"/>
+      </p:ext>
+    </p:extLst>
+  </p:cSld>
+  <p:clrMapOvr>
+    <a:masterClrMapping/>
+  </p:clrMapOvr>
+  <p:timing>
+    <p:tnLst>
+      <p:par>
+        <p:cTn id="1" dur="indefinite" restart="never" nodeType="tmRoot"/>
+      </p:par>
+    </p:tnLst>
+  </p:timing>
+</p:sld>
+</file>
+
+<file path=ppt/slides/slide20.xml><?xml version="1.0" encoding="utf-8"?>
 <p:sld xmlns:a="http://schemas.openxmlformats.org/drawingml/2006/main" xmlns:r="http://schemas.openxmlformats.org/officeDocument/2006/relationships" xmlns:p="http://schemas.openxmlformats.org/presentationml/2006/main">
   <p:cSld>
     <p:spTree>
@@ -15645,7 +15664,7 @@
 </p:sld>
 </file>
 
-<file path=ppt/slides/slide22.xml><?xml version="1.0" encoding="utf-8"?>
+<file path=ppt/slides/slide21.xml><?xml version="1.0" encoding="utf-8"?>
 <p:sld xmlns:a="http://schemas.openxmlformats.org/drawingml/2006/main" xmlns:r="http://schemas.openxmlformats.org/officeDocument/2006/relationships" xmlns:p="http://schemas.openxmlformats.org/presentationml/2006/main">
   <p:cSld>
     <p:spTree>
@@ -15726,7 +15745,7 @@
 </p:sld>
 </file>
 
-<file path=ppt/slides/slide23.xml><?xml version="1.0" encoding="utf-8"?>
+<file path=ppt/slides/slide22.xml><?xml version="1.0" encoding="utf-8"?>
 <p:sld xmlns:a="http://schemas.openxmlformats.org/drawingml/2006/main" xmlns:r="http://schemas.openxmlformats.org/officeDocument/2006/relationships" xmlns:p="http://schemas.openxmlformats.org/presentationml/2006/main">
   <p:cSld>
     <p:spTree>
@@ -15906,21 +15925,13 @@
             </a:lvl9pPr>
           </a:lstStyle>
           <a:p>
-            <a:pPr marL="0" marR="0" lvl="0" indent="0" algn="l" defTabSz="381000" eaLnBrk="1" fontAlgn="auto" latinLnBrk="0" hangingPunct="1">
-              <a:lnSpc>
-                <a:spcPct val="100000"/>
-              </a:lnSpc>
+            <a:pPr lvl="0">
               <a:spcBef>
                 <a:spcPct val="20000"/>
               </a:spcBef>
-              <a:spcAft>
-                <a:spcPts val="0"/>
-              </a:spcAft>
               <a:buClr>
                 <a:srgbClr val="FFFFFF"/>
               </a:buClr>
-              <a:buSzTx/>
-              <a:tabLst/>
               <a:defRPr/>
             </a:pPr>
             <a:r>
@@ -15937,7 +15948,27 @@
                 <a:latin typeface="+mn-lt"/>
                 <a:ea typeface="ＭＳ Ｐゴシック" panose="020B0600070205080204" pitchFamily="50" charset="-128"/>
               </a:rPr>
-              <a:t>1. Context</a:t>
+              <a:t>1. </a:t>
+            </a:r>
+            <a:r>
+              <a:rPr lang="en-US" altLang="ja-JP" b="1" kern="0" dirty="0">
+                <a:solidFill>
+                  <a:srgbClr val="FFFFFF"/>
+                </a:solidFill>
+                <a:latin typeface="+mn-lt"/>
+                <a:ea typeface="ＭＳ Ｐゴシック" panose="020B0600070205080204" pitchFamily="50" charset="-128"/>
+              </a:rPr>
+              <a:t>Conditions and </a:t>
+            </a:r>
+            <a:r>
+              <a:rPr lang="en-US" altLang="ja-JP" b="1" kern="0" dirty="0" smtClean="0">
+                <a:solidFill>
+                  <a:srgbClr val="FFFFFF"/>
+                </a:solidFill>
+                <a:latin typeface="+mn-lt"/>
+                <a:ea typeface="ＭＳ Ｐゴシック" panose="020B0600070205080204" pitchFamily="50" charset="-128"/>
+              </a:rPr>
+              <a:t>Challenges</a:t>
             </a:r>
             <a:endParaRPr kumimoji="1" lang="ja-JP" altLang="en-US" b="1" i="0" u="none" strike="noStrike" kern="0" cap="none" spc="0" normalizeH="0" baseline="0" noProof="0" dirty="0" smtClean="0">
               <a:ln>
@@ -15965,7 +15996,7 @@
         </p:nvSpPr>
         <p:spPr bwMode="auto">
           <a:xfrm>
-            <a:off x="445331" y="3068960"/>
+            <a:off x="445331" y="2802004"/>
             <a:ext cx="8240400" cy="540000"/>
           </a:xfrm>
           <a:prstGeom prst="rect">
@@ -15976,7 +16007,7 @@
           </a:solidFill>
           <a:ln w="12700">
             <a:solidFill>
-              <a:schemeClr val="accent1"/>
+              <a:srgbClr val="C00000"/>
             </a:solidFill>
             <a:miter lim="800000"/>
             <a:headEnd/>
@@ -16150,7 +16181,7 @@
                 </a:solidFill>
                 <a:latin typeface="+mn-lt"/>
               </a:rPr>
-              <a:t>TDD: for making android development easy</a:t>
+              <a:t>TDD</a:t>
             </a:r>
             <a:endParaRPr kumimoji="1" lang="ja-JP" altLang="en-US" b="1" i="0" u="none" strike="noStrike" kern="0" cap="none" spc="0" normalizeH="0" baseline="0" noProof="0" dirty="0" smtClean="0">
               <a:ln>
@@ -16177,7 +16208,7 @@
         </p:nvSpPr>
         <p:spPr bwMode="auto">
           <a:xfrm>
-            <a:off x="445331" y="2060848"/>
+            <a:off x="445331" y="1927370"/>
             <a:ext cx="8240400" cy="540000"/>
           </a:xfrm>
           <a:prstGeom prst="rect">
@@ -16357,7 +16388,7 @@
                 <a:latin typeface="+mn-lt"/>
                 <a:ea typeface="ＭＳ Ｐゴシック" panose="020B0600070205080204" pitchFamily="50" charset="-128"/>
               </a:rPr>
-              <a:t>CI/CD: aiming to all stakeholders</a:t>
+              <a:t>CI/CD</a:t>
             </a:r>
             <a:endParaRPr kumimoji="1" lang="ja-JP" altLang="en-US" b="1" i="0" u="none" strike="noStrike" kern="0" cap="none" spc="0" normalizeH="0" baseline="0" noProof="0" dirty="0" smtClean="0">
               <a:ln>
@@ -16385,7 +16416,7 @@
         </p:nvSpPr>
         <p:spPr bwMode="auto">
           <a:xfrm>
-            <a:off x="445331" y="4077072"/>
+            <a:off x="445331" y="3676638"/>
             <a:ext cx="8240400" cy="540000"/>
           </a:xfrm>
           <a:prstGeom prst="rect">
@@ -16563,7 +16594,7 @@
                 </a:solidFill>
                 <a:latin typeface="+mn-lt"/>
               </a:rPr>
-              <a:t>BDD: for supporting the team more</a:t>
+              <a:t>BDD</a:t>
             </a:r>
             <a:endParaRPr kumimoji="1" lang="ja-JP" altLang="en-US" b="1" i="0" u="none" strike="noStrike" kern="0" cap="none" spc="0" normalizeH="0" baseline="0" noProof="0" dirty="0" smtClean="0">
               <a:ln>
@@ -16590,7 +16621,7 @@
         </p:nvSpPr>
         <p:spPr bwMode="auto">
           <a:xfrm>
-            <a:off x="445331" y="5085184"/>
+            <a:off x="445331" y="4551272"/>
             <a:ext cx="8240400" cy="540000"/>
           </a:xfrm>
           <a:prstGeom prst="rect">
@@ -16768,7 +16799,212 @@
                 </a:solidFill>
                 <a:latin typeface="+mn-lt"/>
               </a:rPr>
-              <a:t>Discussion</a:t>
+              <a:t>Problems, Possibility and Future</a:t>
+            </a:r>
+            <a:endParaRPr kumimoji="1" lang="ja-JP" altLang="en-US" b="1" i="0" u="none" strike="noStrike" kern="0" cap="none" spc="0" normalizeH="0" baseline="0" noProof="0" dirty="0" smtClean="0">
+              <a:ln>
+                <a:noFill/>
+              </a:ln>
+              <a:solidFill>
+                <a:srgbClr val="FFFFFF"/>
+              </a:solidFill>
+              <a:effectLst/>
+              <a:uLnTx/>
+              <a:uFillTx/>
+              <a:latin typeface="+mn-lt"/>
+            </a:endParaRPr>
+          </a:p>
+        </p:txBody>
+      </p:sp>
+      <p:sp>
+        <p:nvSpPr>
+          <p:cNvPr id="11" name="Text Box 17"/>
+          <p:cNvSpPr txBox="1">
+            <a:spLocks noChangeArrowheads="1"/>
+          </p:cNvSpPr>
+          <p:nvPr/>
+        </p:nvSpPr>
+        <p:spPr bwMode="auto">
+          <a:xfrm>
+            <a:off x="445331" y="5425904"/>
+            <a:ext cx="8240400" cy="540000"/>
+          </a:xfrm>
+          <a:prstGeom prst="rect">
+            <a:avLst/>
+          </a:prstGeom>
+          <a:solidFill>
+            <a:schemeClr val="bg1">
+              <a:lumMod val="50000"/>
+            </a:schemeClr>
+          </a:solidFill>
+          <a:ln w="12700">
+            <a:solidFill>
+              <a:schemeClr val="tx1"/>
+            </a:solidFill>
+            <a:miter lim="800000"/>
+            <a:headEnd/>
+            <a:tailEnd/>
+          </a:ln>
+          <a:effectLst>
+            <a:outerShdw blurRad="88900" dist="38100" dir="8100000" algn="ctr" rotWithShape="0">
+              <a:schemeClr val="tx1">
+                <a:alpha val="30000"/>
+              </a:schemeClr>
+            </a:outerShdw>
+          </a:effectLst>
+          <a:extLst/>
+        </p:spPr>
+        <p:txBody>
+          <a:bodyPr anchor="ctr" anchorCtr="0"/>
+          <a:lstStyle>
+            <a:lvl1pPr algn="l" defTabSz="381000">
+              <a:spcBef>
+                <a:spcPct val="0"/>
+              </a:spcBef>
+              <a:defRPr kumimoji="1" sz="2400">
+                <a:solidFill>
+                  <a:schemeClr val="tx1"/>
+                </a:solidFill>
+                <a:latin typeface="Times New Roman" pitchFamily="18" charset="0"/>
+                <a:ea typeface="ＭＳ Ｐゴシック" charset="-128"/>
+              </a:defRPr>
+            </a:lvl1pPr>
+            <a:lvl2pPr algn="l" defTabSz="381000">
+              <a:spcBef>
+                <a:spcPct val="0"/>
+              </a:spcBef>
+              <a:defRPr kumimoji="1" sz="2400">
+                <a:solidFill>
+                  <a:schemeClr val="tx1"/>
+                </a:solidFill>
+                <a:latin typeface="Times New Roman" pitchFamily="18" charset="0"/>
+                <a:ea typeface="ＭＳ Ｐゴシック" charset="-128"/>
+              </a:defRPr>
+            </a:lvl2pPr>
+            <a:lvl3pPr algn="l" defTabSz="381000">
+              <a:spcBef>
+                <a:spcPct val="0"/>
+              </a:spcBef>
+              <a:defRPr kumimoji="1" sz="2400">
+                <a:solidFill>
+                  <a:schemeClr val="tx1"/>
+                </a:solidFill>
+                <a:latin typeface="Times New Roman" pitchFamily="18" charset="0"/>
+                <a:ea typeface="ＭＳ Ｐゴシック" charset="-128"/>
+              </a:defRPr>
+            </a:lvl3pPr>
+            <a:lvl4pPr algn="l" defTabSz="381000">
+              <a:spcBef>
+                <a:spcPct val="0"/>
+              </a:spcBef>
+              <a:defRPr kumimoji="1" sz="2400">
+                <a:solidFill>
+                  <a:schemeClr val="tx1"/>
+                </a:solidFill>
+                <a:latin typeface="Times New Roman" pitchFamily="18" charset="0"/>
+                <a:ea typeface="ＭＳ Ｐゴシック" charset="-128"/>
+              </a:defRPr>
+            </a:lvl4pPr>
+            <a:lvl5pPr algn="l" defTabSz="381000">
+              <a:spcBef>
+                <a:spcPct val="0"/>
+              </a:spcBef>
+              <a:defRPr kumimoji="1" sz="2400">
+                <a:solidFill>
+                  <a:schemeClr val="tx1"/>
+                </a:solidFill>
+                <a:latin typeface="Times New Roman" pitchFamily="18" charset="0"/>
+                <a:ea typeface="ＭＳ Ｐゴシック" charset="-128"/>
+              </a:defRPr>
+            </a:lvl5pPr>
+            <a:lvl6pPr defTabSz="381000" fontAlgn="base">
+              <a:spcBef>
+                <a:spcPct val="0"/>
+              </a:spcBef>
+              <a:spcAft>
+                <a:spcPct val="0"/>
+              </a:spcAft>
+              <a:defRPr kumimoji="1" sz="2400">
+                <a:solidFill>
+                  <a:schemeClr val="tx1"/>
+                </a:solidFill>
+                <a:latin typeface="Times New Roman" pitchFamily="18" charset="0"/>
+                <a:ea typeface="ＭＳ Ｐゴシック" charset="-128"/>
+              </a:defRPr>
+            </a:lvl6pPr>
+            <a:lvl7pPr defTabSz="381000" fontAlgn="base">
+              <a:spcBef>
+                <a:spcPct val="0"/>
+              </a:spcBef>
+              <a:spcAft>
+                <a:spcPct val="0"/>
+              </a:spcAft>
+              <a:defRPr kumimoji="1" sz="2400">
+                <a:solidFill>
+                  <a:schemeClr val="tx1"/>
+                </a:solidFill>
+                <a:latin typeface="Times New Roman" pitchFamily="18" charset="0"/>
+                <a:ea typeface="ＭＳ Ｐゴシック" charset="-128"/>
+              </a:defRPr>
+            </a:lvl7pPr>
+            <a:lvl8pPr defTabSz="381000" fontAlgn="base">
+              <a:spcBef>
+                <a:spcPct val="0"/>
+              </a:spcBef>
+              <a:spcAft>
+                <a:spcPct val="0"/>
+              </a:spcAft>
+              <a:defRPr kumimoji="1" sz="2400">
+                <a:solidFill>
+                  <a:schemeClr val="tx1"/>
+                </a:solidFill>
+                <a:latin typeface="Times New Roman" pitchFamily="18" charset="0"/>
+                <a:ea typeface="ＭＳ Ｐゴシック" charset="-128"/>
+              </a:defRPr>
+            </a:lvl8pPr>
+            <a:lvl9pPr defTabSz="381000" fontAlgn="base">
+              <a:spcBef>
+                <a:spcPct val="0"/>
+              </a:spcBef>
+              <a:spcAft>
+                <a:spcPct val="0"/>
+              </a:spcAft>
+              <a:defRPr kumimoji="1" sz="2400">
+                <a:solidFill>
+                  <a:schemeClr val="tx1"/>
+                </a:solidFill>
+                <a:latin typeface="Times New Roman" pitchFamily="18" charset="0"/>
+                <a:ea typeface="ＭＳ Ｐゴシック" charset="-128"/>
+              </a:defRPr>
+            </a:lvl9pPr>
+          </a:lstStyle>
+          <a:p>
+            <a:pPr lvl="0">
+              <a:spcBef>
+                <a:spcPct val="20000"/>
+              </a:spcBef>
+              <a:buClr>
+                <a:srgbClr val="FFFFFF"/>
+              </a:buClr>
+              <a:defRPr/>
+            </a:pPr>
+            <a:r>
+              <a:rPr lang="en-US" altLang="ja-JP" b="1" kern="0" dirty="0" smtClean="0">
+                <a:solidFill>
+                  <a:srgbClr val="FFFFFF"/>
+                </a:solidFill>
+                <a:latin typeface="+mn-lt"/>
+              </a:rPr>
+              <a:t>6</a:t>
+            </a:r>
+            <a:r>
+              <a:rPr lang="en-US" altLang="ja-JP" b="1" kern="0" dirty="0">
+                <a:solidFill>
+                  <a:srgbClr val="FFFFFF"/>
+                </a:solidFill>
+                <a:latin typeface="+mn-lt"/>
+              </a:rPr>
+              <a:t>. Conclusions</a:t>
             </a:r>
             <a:endParaRPr kumimoji="1" lang="ja-JP" altLang="en-US" b="1" i="0" u="none" strike="noStrike" kern="0" cap="none" spc="0" normalizeH="0" baseline="0" noProof="0" dirty="0" smtClean="0">
               <a:ln>
@@ -16788,7 +17024,7 @@
     </p:spTree>
     <p:extLst>
       <p:ext uri="{BB962C8B-B14F-4D97-AF65-F5344CB8AC3E}">
-        <p14:creationId xmlns:p14="http://schemas.microsoft.com/office/powerpoint/2010/main" val="4043777533"/>
+        <p14:creationId xmlns:p14="http://schemas.microsoft.com/office/powerpoint/2010/main" val="4037681733"/>
       </p:ext>
     </p:extLst>
   </p:cSld>
@@ -16805,7 +17041,7 @@
 </p:sld>
 </file>
 
-<file path=ppt/slides/slide24.xml><?xml version="1.0" encoding="utf-8"?>
+<file path=ppt/slides/slide23.xml><?xml version="1.0" encoding="utf-8"?>
 <p:sld xmlns:a="http://schemas.openxmlformats.org/drawingml/2006/main" xmlns:r="http://schemas.openxmlformats.org/officeDocument/2006/relationships" xmlns:p="http://schemas.openxmlformats.org/presentationml/2006/main">
   <p:cSld>
     <p:spTree>
@@ -18477,7 +18713,7 @@
 </p:sld>
 </file>
 
-<file path=ppt/slides/slide25.xml><?xml version="1.0" encoding="utf-8"?>
+<file path=ppt/slides/slide24.xml><?xml version="1.0" encoding="utf-8"?>
 <p:sld xmlns:a="http://schemas.openxmlformats.org/drawingml/2006/main" xmlns:r="http://schemas.openxmlformats.org/officeDocument/2006/relationships" xmlns:p="http://schemas.openxmlformats.org/presentationml/2006/main">
   <p:cSld>
     <p:spTree>
@@ -19004,7 +19240,7 @@
 </p:sld>
 </file>
 
-<file path=ppt/slides/slide26.xml><?xml version="1.0" encoding="utf-8"?>
+<file path=ppt/slides/slide25.xml><?xml version="1.0" encoding="utf-8"?>
 <p:sld xmlns:a="http://schemas.openxmlformats.org/drawingml/2006/main" xmlns:r="http://schemas.openxmlformats.org/officeDocument/2006/relationships" xmlns:p="http://schemas.openxmlformats.org/presentationml/2006/main">
   <p:cSld>
     <p:spTree>
@@ -20990,7 +21226,7 @@
 </p:sld>
 </file>
 
-<file path=ppt/slides/slide27.xml><?xml version="1.0" encoding="utf-8"?>
+<file path=ppt/slides/slide26.xml><?xml version="1.0" encoding="utf-8"?>
 <p:sld xmlns:a="http://schemas.openxmlformats.org/drawingml/2006/main" xmlns:r="http://schemas.openxmlformats.org/officeDocument/2006/relationships" xmlns:p="http://schemas.openxmlformats.org/presentationml/2006/main">
   <p:cSld>
     <p:spTree>
@@ -21170,21 +21406,13 @@
             </a:lvl9pPr>
           </a:lstStyle>
           <a:p>
-            <a:pPr marL="0" marR="0" lvl="0" indent="0" algn="l" defTabSz="381000" eaLnBrk="1" fontAlgn="auto" latinLnBrk="0" hangingPunct="1">
-              <a:lnSpc>
-                <a:spcPct val="100000"/>
-              </a:lnSpc>
+            <a:pPr lvl="0">
               <a:spcBef>
                 <a:spcPct val="20000"/>
               </a:spcBef>
-              <a:spcAft>
-                <a:spcPts val="0"/>
-              </a:spcAft>
               <a:buClr>
                 <a:srgbClr val="FFFFFF"/>
               </a:buClr>
-              <a:buSzTx/>
-              <a:tabLst/>
               <a:defRPr/>
             </a:pPr>
             <a:r>
@@ -21201,7 +21429,27 @@
                 <a:latin typeface="+mn-lt"/>
                 <a:ea typeface="ＭＳ Ｐゴシック" panose="020B0600070205080204" pitchFamily="50" charset="-128"/>
               </a:rPr>
-              <a:t>1. Context</a:t>
+              <a:t>1. </a:t>
+            </a:r>
+            <a:r>
+              <a:rPr lang="en-US" altLang="ja-JP" b="1" kern="0" dirty="0">
+                <a:solidFill>
+                  <a:srgbClr val="FFFFFF"/>
+                </a:solidFill>
+                <a:latin typeface="+mn-lt"/>
+                <a:ea typeface="ＭＳ Ｐゴシック" panose="020B0600070205080204" pitchFamily="50" charset="-128"/>
+              </a:rPr>
+              <a:t>Conditions and </a:t>
+            </a:r>
+            <a:r>
+              <a:rPr lang="en-US" altLang="ja-JP" b="1" kern="0" dirty="0" smtClean="0">
+                <a:solidFill>
+                  <a:srgbClr val="FFFFFF"/>
+                </a:solidFill>
+                <a:latin typeface="+mn-lt"/>
+                <a:ea typeface="ＭＳ Ｐゴシック" panose="020B0600070205080204" pitchFamily="50" charset="-128"/>
+              </a:rPr>
+              <a:t>Challenges</a:t>
             </a:r>
             <a:endParaRPr kumimoji="1" lang="ja-JP" altLang="en-US" b="1" i="0" u="none" strike="noStrike" kern="0" cap="none" spc="0" normalizeH="0" baseline="0" noProof="0" dirty="0" smtClean="0">
               <a:ln>
@@ -21229,7 +21477,7 @@
         </p:nvSpPr>
         <p:spPr bwMode="auto">
           <a:xfrm>
-            <a:off x="445331" y="3068960"/>
+            <a:off x="445331" y="2802004"/>
             <a:ext cx="8240400" cy="540000"/>
           </a:xfrm>
           <a:prstGeom prst="rect">
@@ -21416,7 +21664,7 @@
                 </a:solidFill>
                 <a:latin typeface="+mn-lt"/>
               </a:rPr>
-              <a:t>TDD: for making android development easy</a:t>
+              <a:t>TDD</a:t>
             </a:r>
             <a:endParaRPr kumimoji="1" lang="ja-JP" altLang="en-US" b="1" i="0" u="none" strike="noStrike" kern="0" cap="none" spc="0" normalizeH="0" baseline="0" noProof="0" dirty="0" smtClean="0">
               <a:ln>
@@ -21443,7 +21691,7 @@
         </p:nvSpPr>
         <p:spPr bwMode="auto">
           <a:xfrm>
-            <a:off x="445331" y="2060848"/>
+            <a:off x="445331" y="1927370"/>
             <a:ext cx="8240400" cy="540000"/>
           </a:xfrm>
           <a:prstGeom prst="rect">
@@ -21623,7 +21871,7 @@
                 <a:latin typeface="+mn-lt"/>
                 <a:ea typeface="ＭＳ Ｐゴシック" panose="020B0600070205080204" pitchFamily="50" charset="-128"/>
               </a:rPr>
-              <a:t>CI/CD: aiming to all stakeholders</a:t>
+              <a:t>CI/CD</a:t>
             </a:r>
             <a:endParaRPr kumimoji="1" lang="ja-JP" altLang="en-US" b="1" i="0" u="none" strike="noStrike" kern="0" cap="none" spc="0" normalizeH="0" baseline="0" noProof="0" dirty="0" smtClean="0">
               <a:ln>
@@ -21651,7 +21899,7 @@
         </p:nvSpPr>
         <p:spPr bwMode="auto">
           <a:xfrm>
-            <a:off x="445331" y="4077072"/>
+            <a:off x="445331" y="3676638"/>
             <a:ext cx="8240400" cy="540000"/>
           </a:xfrm>
           <a:prstGeom prst="rect">
@@ -21662,7 +21910,7 @@
           </a:solidFill>
           <a:ln w="12700">
             <a:solidFill>
-              <a:schemeClr val="accent1"/>
+              <a:srgbClr val="C00000"/>
             </a:solidFill>
             <a:miter lim="800000"/>
             <a:headEnd/>
@@ -21827,7 +22075,7 @@
                 </a:solidFill>
                 <a:latin typeface="+mn-lt"/>
               </a:rPr>
-              <a:t>BDD: for supporting the team more</a:t>
+              <a:t>BDD</a:t>
             </a:r>
             <a:endParaRPr kumimoji="1" lang="ja-JP" altLang="en-US" b="1" i="0" u="none" strike="noStrike" kern="0" cap="none" spc="0" normalizeH="0" baseline="0" noProof="0" dirty="0" smtClean="0">
               <a:ln>
@@ -21854,7 +22102,7 @@
         </p:nvSpPr>
         <p:spPr bwMode="auto">
           <a:xfrm>
-            <a:off x="445331" y="5085184"/>
+            <a:off x="445331" y="4551272"/>
             <a:ext cx="8240400" cy="540000"/>
           </a:xfrm>
           <a:prstGeom prst="rect">
@@ -22032,7 +22280,212 @@
                 </a:solidFill>
                 <a:latin typeface="+mn-lt"/>
               </a:rPr>
-              <a:t>Discussion</a:t>
+              <a:t>Problems, Possibility and Future</a:t>
+            </a:r>
+            <a:endParaRPr kumimoji="1" lang="ja-JP" altLang="en-US" b="1" i="0" u="none" strike="noStrike" kern="0" cap="none" spc="0" normalizeH="0" baseline="0" noProof="0" dirty="0" smtClean="0">
+              <a:ln>
+                <a:noFill/>
+              </a:ln>
+              <a:solidFill>
+                <a:srgbClr val="FFFFFF"/>
+              </a:solidFill>
+              <a:effectLst/>
+              <a:uLnTx/>
+              <a:uFillTx/>
+              <a:latin typeface="+mn-lt"/>
+            </a:endParaRPr>
+          </a:p>
+        </p:txBody>
+      </p:sp>
+      <p:sp>
+        <p:nvSpPr>
+          <p:cNvPr id="11" name="Text Box 17"/>
+          <p:cNvSpPr txBox="1">
+            <a:spLocks noChangeArrowheads="1"/>
+          </p:cNvSpPr>
+          <p:nvPr/>
+        </p:nvSpPr>
+        <p:spPr bwMode="auto">
+          <a:xfrm>
+            <a:off x="445331" y="5425904"/>
+            <a:ext cx="8240400" cy="540000"/>
+          </a:xfrm>
+          <a:prstGeom prst="rect">
+            <a:avLst/>
+          </a:prstGeom>
+          <a:solidFill>
+            <a:schemeClr val="bg1">
+              <a:lumMod val="50000"/>
+            </a:schemeClr>
+          </a:solidFill>
+          <a:ln w="12700">
+            <a:solidFill>
+              <a:schemeClr val="tx1"/>
+            </a:solidFill>
+            <a:miter lim="800000"/>
+            <a:headEnd/>
+            <a:tailEnd/>
+          </a:ln>
+          <a:effectLst>
+            <a:outerShdw blurRad="88900" dist="38100" dir="8100000" algn="ctr" rotWithShape="0">
+              <a:schemeClr val="tx1">
+                <a:alpha val="30000"/>
+              </a:schemeClr>
+            </a:outerShdw>
+          </a:effectLst>
+          <a:extLst/>
+        </p:spPr>
+        <p:txBody>
+          <a:bodyPr anchor="ctr" anchorCtr="0"/>
+          <a:lstStyle>
+            <a:lvl1pPr algn="l" defTabSz="381000">
+              <a:spcBef>
+                <a:spcPct val="0"/>
+              </a:spcBef>
+              <a:defRPr kumimoji="1" sz="2400">
+                <a:solidFill>
+                  <a:schemeClr val="tx1"/>
+                </a:solidFill>
+                <a:latin typeface="Times New Roman" pitchFamily="18" charset="0"/>
+                <a:ea typeface="ＭＳ Ｐゴシック" charset="-128"/>
+              </a:defRPr>
+            </a:lvl1pPr>
+            <a:lvl2pPr algn="l" defTabSz="381000">
+              <a:spcBef>
+                <a:spcPct val="0"/>
+              </a:spcBef>
+              <a:defRPr kumimoji="1" sz="2400">
+                <a:solidFill>
+                  <a:schemeClr val="tx1"/>
+                </a:solidFill>
+                <a:latin typeface="Times New Roman" pitchFamily="18" charset="0"/>
+                <a:ea typeface="ＭＳ Ｐゴシック" charset="-128"/>
+              </a:defRPr>
+            </a:lvl2pPr>
+            <a:lvl3pPr algn="l" defTabSz="381000">
+              <a:spcBef>
+                <a:spcPct val="0"/>
+              </a:spcBef>
+              <a:defRPr kumimoji="1" sz="2400">
+                <a:solidFill>
+                  <a:schemeClr val="tx1"/>
+                </a:solidFill>
+                <a:latin typeface="Times New Roman" pitchFamily="18" charset="0"/>
+                <a:ea typeface="ＭＳ Ｐゴシック" charset="-128"/>
+              </a:defRPr>
+            </a:lvl3pPr>
+            <a:lvl4pPr algn="l" defTabSz="381000">
+              <a:spcBef>
+                <a:spcPct val="0"/>
+              </a:spcBef>
+              <a:defRPr kumimoji="1" sz="2400">
+                <a:solidFill>
+                  <a:schemeClr val="tx1"/>
+                </a:solidFill>
+                <a:latin typeface="Times New Roman" pitchFamily="18" charset="0"/>
+                <a:ea typeface="ＭＳ Ｐゴシック" charset="-128"/>
+              </a:defRPr>
+            </a:lvl4pPr>
+            <a:lvl5pPr algn="l" defTabSz="381000">
+              <a:spcBef>
+                <a:spcPct val="0"/>
+              </a:spcBef>
+              <a:defRPr kumimoji="1" sz="2400">
+                <a:solidFill>
+                  <a:schemeClr val="tx1"/>
+                </a:solidFill>
+                <a:latin typeface="Times New Roman" pitchFamily="18" charset="0"/>
+                <a:ea typeface="ＭＳ Ｐゴシック" charset="-128"/>
+              </a:defRPr>
+            </a:lvl5pPr>
+            <a:lvl6pPr defTabSz="381000" fontAlgn="base">
+              <a:spcBef>
+                <a:spcPct val="0"/>
+              </a:spcBef>
+              <a:spcAft>
+                <a:spcPct val="0"/>
+              </a:spcAft>
+              <a:defRPr kumimoji="1" sz="2400">
+                <a:solidFill>
+                  <a:schemeClr val="tx1"/>
+                </a:solidFill>
+                <a:latin typeface="Times New Roman" pitchFamily="18" charset="0"/>
+                <a:ea typeface="ＭＳ Ｐゴシック" charset="-128"/>
+              </a:defRPr>
+            </a:lvl6pPr>
+            <a:lvl7pPr defTabSz="381000" fontAlgn="base">
+              <a:spcBef>
+                <a:spcPct val="0"/>
+              </a:spcBef>
+              <a:spcAft>
+                <a:spcPct val="0"/>
+              </a:spcAft>
+              <a:defRPr kumimoji="1" sz="2400">
+                <a:solidFill>
+                  <a:schemeClr val="tx1"/>
+                </a:solidFill>
+                <a:latin typeface="Times New Roman" pitchFamily="18" charset="0"/>
+                <a:ea typeface="ＭＳ Ｐゴシック" charset="-128"/>
+              </a:defRPr>
+            </a:lvl7pPr>
+            <a:lvl8pPr defTabSz="381000" fontAlgn="base">
+              <a:spcBef>
+                <a:spcPct val="0"/>
+              </a:spcBef>
+              <a:spcAft>
+                <a:spcPct val="0"/>
+              </a:spcAft>
+              <a:defRPr kumimoji="1" sz="2400">
+                <a:solidFill>
+                  <a:schemeClr val="tx1"/>
+                </a:solidFill>
+                <a:latin typeface="Times New Roman" pitchFamily="18" charset="0"/>
+                <a:ea typeface="ＭＳ Ｐゴシック" charset="-128"/>
+              </a:defRPr>
+            </a:lvl8pPr>
+            <a:lvl9pPr defTabSz="381000" fontAlgn="base">
+              <a:spcBef>
+                <a:spcPct val="0"/>
+              </a:spcBef>
+              <a:spcAft>
+                <a:spcPct val="0"/>
+              </a:spcAft>
+              <a:defRPr kumimoji="1" sz="2400">
+                <a:solidFill>
+                  <a:schemeClr val="tx1"/>
+                </a:solidFill>
+                <a:latin typeface="Times New Roman" pitchFamily="18" charset="0"/>
+                <a:ea typeface="ＭＳ Ｐゴシック" charset="-128"/>
+              </a:defRPr>
+            </a:lvl9pPr>
+          </a:lstStyle>
+          <a:p>
+            <a:pPr lvl="0">
+              <a:spcBef>
+                <a:spcPct val="20000"/>
+              </a:spcBef>
+              <a:buClr>
+                <a:srgbClr val="FFFFFF"/>
+              </a:buClr>
+              <a:defRPr/>
+            </a:pPr>
+            <a:r>
+              <a:rPr lang="en-US" altLang="ja-JP" b="1" kern="0" dirty="0" smtClean="0">
+                <a:solidFill>
+                  <a:srgbClr val="FFFFFF"/>
+                </a:solidFill>
+                <a:latin typeface="+mn-lt"/>
+              </a:rPr>
+              <a:t>6</a:t>
+            </a:r>
+            <a:r>
+              <a:rPr lang="en-US" altLang="ja-JP" b="1" kern="0" dirty="0">
+                <a:solidFill>
+                  <a:srgbClr val="FFFFFF"/>
+                </a:solidFill>
+                <a:latin typeface="+mn-lt"/>
+              </a:rPr>
+              <a:t>. Conclusions</a:t>
             </a:r>
             <a:endParaRPr kumimoji="1" lang="ja-JP" altLang="en-US" b="1" i="0" u="none" strike="noStrike" kern="0" cap="none" spc="0" normalizeH="0" baseline="0" noProof="0" dirty="0" smtClean="0">
               <a:ln>
@@ -22052,7 +22505,364 @@
     </p:spTree>
     <p:extLst>
       <p:ext uri="{BB962C8B-B14F-4D97-AF65-F5344CB8AC3E}">
-        <p14:creationId xmlns:p14="http://schemas.microsoft.com/office/powerpoint/2010/main" val="4043777533"/>
+        <p14:creationId xmlns:p14="http://schemas.microsoft.com/office/powerpoint/2010/main" val="4037681733"/>
+      </p:ext>
+    </p:extLst>
+  </p:cSld>
+  <p:clrMapOvr>
+    <a:masterClrMapping/>
+  </p:clrMapOvr>
+  <p:timing>
+    <p:tnLst>
+      <p:par>
+        <p:cTn id="1" dur="indefinite" restart="never" nodeType="tmRoot"/>
+      </p:par>
+    </p:tnLst>
+  </p:timing>
+</p:sld>
+</file>
+
+<file path=ppt/slides/slide27.xml><?xml version="1.0" encoding="utf-8"?>
+<p:sld xmlns:a="http://schemas.openxmlformats.org/drawingml/2006/main" xmlns:r="http://schemas.openxmlformats.org/officeDocument/2006/relationships" xmlns:p="http://schemas.openxmlformats.org/presentationml/2006/main">
+  <p:cSld>
+    <p:spTree>
+      <p:nvGrpSpPr>
+        <p:cNvPr id="1" name=""/>
+        <p:cNvGrpSpPr/>
+        <p:nvPr/>
+      </p:nvGrpSpPr>
+      <p:grpSpPr>
+        <a:xfrm>
+          <a:off x="0" y="0"/>
+          <a:ext cx="0" cy="0"/>
+          <a:chOff x="0" y="0"/>
+          <a:chExt cx="0" cy="0"/>
+        </a:xfrm>
+      </p:grpSpPr>
+      <p:sp>
+        <p:nvSpPr>
+          <p:cNvPr id="4" name="タイトル 1"/>
+          <p:cNvSpPr>
+            <a:spLocks noGrp="1"/>
+          </p:cNvSpPr>
+          <p:nvPr>
+            <p:ph type="title"/>
+          </p:nvPr>
+        </p:nvSpPr>
+        <p:spPr>
+          <a:xfrm>
+            <a:off x="360000" y="252000"/>
+            <a:ext cx="8424000" cy="360000"/>
+          </a:xfrm>
+          <a:noFill/>
+          <a:ln>
+            <a:noFill/>
+          </a:ln>
+        </p:spPr>
+        <p:txBody>
+          <a:bodyPr>
+            <a:normAutofit fontScale="90000"/>
+          </a:bodyPr>
+          <a:lstStyle/>
+          <a:p>
+            <a:r>
+              <a:rPr lang="en-US" altLang="ja-JP" dirty="0" smtClean="0"/>
+              <a:t>Calabash-android : Our answer</a:t>
+            </a:r>
+            <a:endParaRPr kumimoji="1" lang="ja-JP" altLang="en-US" dirty="0"/>
+          </a:p>
+        </p:txBody>
+      </p:sp>
+      <p:pic>
+        <p:nvPicPr>
+          <p:cNvPr id="2052" name="Picture 4" descr="C:\Users\hiroyuki.a.ito\Pictures\TDD\cucumber_logo.png"/>
+          <p:cNvPicPr>
+            <a:picLocks noChangeAspect="1" noChangeArrowheads="1"/>
+          </p:cNvPicPr>
+          <p:nvPr/>
+        </p:nvPicPr>
+        <p:blipFill>
+          <a:blip r:embed="rId2">
+            <a:extLst>
+              <a:ext uri="{28A0092B-C50C-407E-A947-70E740481C1C}">
+                <a14:useLocalDpi xmlns:a14="http://schemas.microsoft.com/office/drawing/2010/main" val="0"/>
+              </a:ext>
+            </a:extLst>
+          </a:blip>
+          <a:srcRect/>
+          <a:stretch>
+            <a:fillRect/>
+          </a:stretch>
+        </p:blipFill>
+        <p:spPr bwMode="auto">
+          <a:xfrm>
+            <a:off x="904736" y="764704"/>
+            <a:ext cx="7334528" cy="2232248"/>
+          </a:xfrm>
+          <a:prstGeom prst="rect">
+            <a:avLst/>
+          </a:prstGeom>
+          <a:noFill/>
+          <a:ln>
+            <a:noFill/>
+          </a:ln>
+          <a:extLst>
+            <a:ext uri="{909E8E84-426E-40DD-AFC4-6F175D3DCCD1}">
+              <a14:hiddenFill xmlns:a14="http://schemas.microsoft.com/office/drawing/2010/main">
+                <a:solidFill>
+                  <a:srgbClr val="FFFFFF"/>
+                </a:solidFill>
+              </a14:hiddenFill>
+            </a:ext>
+          </a:extLst>
+        </p:spPr>
+      </p:pic>
+      <p:sp>
+        <p:nvSpPr>
+          <p:cNvPr id="5" name="タイトル 2"/>
+          <p:cNvSpPr txBox="1">
+            <a:spLocks/>
+          </p:cNvSpPr>
+          <p:nvPr/>
+        </p:nvSpPr>
+        <p:spPr>
+          <a:xfrm>
+            <a:off x="107504" y="3622204"/>
+            <a:ext cx="8928992" cy="2615108"/>
+          </a:xfrm>
+          <a:prstGeom prst="rect">
+            <a:avLst/>
+          </a:prstGeom>
+          <a:noFill/>
+          <a:ln>
+            <a:noFill/>
+          </a:ln>
+        </p:spPr>
+        <p:txBody>
+          <a:bodyPr anchor="t" anchorCtr="0">
+            <a:noAutofit/>
+          </a:bodyPr>
+          <a:lstStyle>
+            <a:lvl1pPr algn="ctr" defTabSz="914400" rtl="0" eaLnBrk="1" latinLnBrk="0" hangingPunct="1">
+              <a:spcBef>
+                <a:spcPct val="0"/>
+              </a:spcBef>
+              <a:buNone/>
+              <a:defRPr kumimoji="1" sz="2800" b="1" kern="1200" baseline="0">
+                <a:solidFill>
+                  <a:srgbClr val="C00000"/>
+                </a:solidFill>
+                <a:latin typeface="Arial" pitchFamily="34" charset="0"/>
+                <a:ea typeface="ＭＳ Ｐゴシック" pitchFamily="50" charset="-128"/>
+                <a:cs typeface="+mj-cs"/>
+              </a:defRPr>
+            </a:lvl1pPr>
+          </a:lstStyle>
+          <a:p>
+            <a:pPr marL="342900" indent="-342900" algn="l">
+              <a:buFont typeface="Arial" pitchFamily="34" charset="0"/>
+              <a:buChar char="•"/>
+            </a:pPr>
+            <a:r>
+              <a:rPr lang="en-US" altLang="ja-JP" b="0" dirty="0" smtClean="0">
+                <a:solidFill>
+                  <a:schemeClr val="tx1"/>
+                </a:solidFill>
+                <a:latin typeface="+mn-lt"/>
+              </a:rPr>
+              <a:t>Cucumber </a:t>
+            </a:r>
+            <a:r>
+              <a:rPr lang="ja-JP" altLang="en-US" b="0" dirty="0" smtClean="0">
+                <a:solidFill>
+                  <a:schemeClr val="tx1"/>
+                </a:solidFill>
+                <a:latin typeface="+mn-lt"/>
+              </a:rPr>
+              <a:t>の</a:t>
+            </a:r>
+            <a:r>
+              <a:rPr lang="en-US" altLang="ja-JP" b="0" dirty="0" smtClean="0">
+                <a:solidFill>
+                  <a:schemeClr val="tx1"/>
+                </a:solidFill>
+                <a:latin typeface="+mn-lt"/>
+              </a:rPr>
+              <a:t> </a:t>
+            </a:r>
+            <a:r>
+              <a:rPr lang="en-US" altLang="ja-JP" b="0" dirty="0" smtClean="0">
+                <a:solidFill>
+                  <a:schemeClr val="accent1"/>
+                </a:solidFill>
+                <a:latin typeface="+mn-lt"/>
+              </a:rPr>
+              <a:t>Android </a:t>
+            </a:r>
+            <a:r>
+              <a:rPr lang="ja-JP" altLang="en-US" b="0" dirty="0" smtClean="0">
+                <a:solidFill>
+                  <a:schemeClr val="accent1"/>
+                </a:solidFill>
+                <a:latin typeface="+mn-lt"/>
+              </a:rPr>
+              <a:t>用</a:t>
+            </a:r>
+            <a:r>
+              <a:rPr lang="en-US" altLang="ja-JP" b="0" dirty="0" smtClean="0">
+                <a:solidFill>
+                  <a:schemeClr val="accent1"/>
+                </a:solidFill>
+                <a:latin typeface="+mn-lt"/>
+              </a:rPr>
+              <a:t> Wrapper</a:t>
+            </a:r>
+            <a:r>
+              <a:rPr lang="en-US" altLang="ja-JP" b="0" dirty="0" smtClean="0">
+                <a:solidFill>
+                  <a:schemeClr val="tx1"/>
+                </a:solidFill>
+                <a:latin typeface="+mn-lt"/>
+              </a:rPr>
+              <a:t> </a:t>
+            </a:r>
+            <a:r>
+              <a:rPr lang="ja-JP" altLang="en-US" b="0" dirty="0" smtClean="0">
+                <a:solidFill>
+                  <a:schemeClr val="tx1"/>
+                </a:solidFill>
+                <a:latin typeface="+mn-lt"/>
+              </a:rPr>
+              <a:t>です。</a:t>
+            </a:r>
+            <a:endParaRPr lang="en-US" altLang="ja-JP" b="0" dirty="0" smtClean="0">
+              <a:solidFill>
+                <a:schemeClr val="tx1"/>
+              </a:solidFill>
+              <a:latin typeface="+mn-lt"/>
+            </a:endParaRPr>
+          </a:p>
+          <a:p>
+            <a:pPr marL="342900" indent="-342900" algn="l">
+              <a:buFont typeface="Arial" pitchFamily="34" charset="0"/>
+              <a:buChar char="•"/>
+            </a:pPr>
+            <a:r>
+              <a:rPr lang="ja-JP" altLang="en-US" b="0" dirty="0" smtClean="0">
+                <a:solidFill>
+                  <a:schemeClr val="tx1"/>
+                </a:solidFill>
+                <a:latin typeface="+mn-lt"/>
+              </a:rPr>
+              <a:t>テスト仕様書を自動実行できるイメージです。</a:t>
+            </a:r>
+            <a:endParaRPr lang="en-US" altLang="ja-JP" b="0" dirty="0" smtClean="0">
+              <a:solidFill>
+                <a:schemeClr val="tx1"/>
+              </a:solidFill>
+              <a:latin typeface="+mn-lt"/>
+            </a:endParaRPr>
+          </a:p>
+          <a:p>
+            <a:pPr marL="365125" indent="-365125" algn="l">
+              <a:buFont typeface="Arial"/>
+              <a:buChar char="•"/>
+            </a:pPr>
+            <a:r>
+              <a:rPr lang="ja-JP" altLang="en-US" b="0" dirty="0">
+                <a:solidFill>
+                  <a:schemeClr val="tx1"/>
+                </a:solidFill>
+              </a:rPr>
+              <a:t>エンジニア</a:t>
+            </a:r>
+            <a:r>
+              <a:rPr lang="ja-JP" altLang="en-US" b="0" dirty="0" smtClean="0">
+                <a:solidFill>
+                  <a:schemeClr val="tx1"/>
+                </a:solidFill>
+              </a:rPr>
+              <a:t>以外でもテストケースをメンテナンスできます。</a:t>
+            </a:r>
+            <a:endParaRPr lang="en-US" altLang="ja-JP" b="0" dirty="0">
+              <a:solidFill>
+                <a:schemeClr val="tx1"/>
+              </a:solidFill>
+            </a:endParaRPr>
+          </a:p>
+          <a:p>
+            <a:pPr marL="365125" indent="-365125" algn="l">
+              <a:buFont typeface="Arial"/>
+              <a:buChar char="•"/>
+            </a:pPr>
+            <a:r>
+              <a:rPr lang="ja-JP" altLang="en-US" b="0" dirty="0">
+                <a:solidFill>
+                  <a:schemeClr val="tx1"/>
+                </a:solidFill>
+              </a:rPr>
+              <a:t>ビジネス・マネージャー</a:t>
+            </a:r>
+            <a:r>
+              <a:rPr lang="ja-JP" altLang="en-US" b="0" dirty="0" smtClean="0">
+                <a:solidFill>
+                  <a:schemeClr val="tx1"/>
+                </a:solidFill>
+              </a:rPr>
+              <a:t>が読めるため、</a:t>
+            </a:r>
+            <a:endParaRPr lang="en-US" altLang="ja-JP" b="0" dirty="0" smtClean="0">
+              <a:solidFill>
+                <a:schemeClr val="tx1"/>
+              </a:solidFill>
+            </a:endParaRPr>
+          </a:p>
+          <a:p>
+            <a:pPr marL="365125" algn="l"/>
+            <a:r>
+              <a:rPr lang="ja-JP" altLang="en-US" b="0" dirty="0" smtClean="0">
+                <a:solidFill>
+                  <a:srgbClr val="000000"/>
+                </a:solidFill>
+              </a:rPr>
+              <a:t>テスト</a:t>
+            </a:r>
+            <a:r>
+              <a:rPr lang="ja-JP" altLang="en-US" b="0" dirty="0">
+                <a:solidFill>
+                  <a:srgbClr val="000000"/>
+                </a:solidFill>
+              </a:rPr>
+              <a:t>の妥当性を判断</a:t>
+            </a:r>
+            <a:r>
+              <a:rPr lang="ja-JP" altLang="en-US" b="0" dirty="0" smtClean="0">
+                <a:solidFill>
+                  <a:srgbClr val="000000"/>
+                </a:solidFill>
+              </a:rPr>
+              <a:t>で</a:t>
+            </a:r>
+            <a:r>
+              <a:rPr lang="ja-JP" altLang="en-US" b="0" dirty="0" smtClean="0">
+                <a:solidFill>
+                  <a:schemeClr val="tx1"/>
+                </a:solidFill>
+              </a:rPr>
+              <a:t>きます。</a:t>
+            </a:r>
+            <a:endParaRPr lang="en-US" altLang="ja-JP" b="0" dirty="0">
+              <a:solidFill>
+                <a:schemeClr val="tx1"/>
+              </a:solidFill>
+            </a:endParaRPr>
+          </a:p>
+        </p:txBody>
+      </p:sp>
+    </p:spTree>
+    <p:extLst>
+      <p:ext uri="{BB962C8B-B14F-4D97-AF65-F5344CB8AC3E}">
+        <p14:creationId xmlns:p14="http://schemas.microsoft.com/office/powerpoint/2010/main" val="2507103883"/>
       </p:ext>
     </p:extLst>
   </p:cSld>
@@ -22113,363 +22923,6 @@
           <a:lstStyle/>
           <a:p>
             <a:r>
-              <a:rPr lang="en-US" altLang="ja-JP" dirty="0" smtClean="0"/>
-              <a:t>Calabash-android : Our answer</a:t>
-            </a:r>
-            <a:endParaRPr kumimoji="1" lang="ja-JP" altLang="en-US" dirty="0"/>
-          </a:p>
-        </p:txBody>
-      </p:sp>
-      <p:pic>
-        <p:nvPicPr>
-          <p:cNvPr id="2052" name="Picture 4" descr="C:\Users\hiroyuki.a.ito\Pictures\TDD\cucumber_logo.png"/>
-          <p:cNvPicPr>
-            <a:picLocks noChangeAspect="1" noChangeArrowheads="1"/>
-          </p:cNvPicPr>
-          <p:nvPr/>
-        </p:nvPicPr>
-        <p:blipFill>
-          <a:blip r:embed="rId2">
-            <a:extLst>
-              <a:ext uri="{28A0092B-C50C-407E-A947-70E740481C1C}">
-                <a14:useLocalDpi xmlns:a14="http://schemas.microsoft.com/office/drawing/2010/main" val="0"/>
-              </a:ext>
-            </a:extLst>
-          </a:blip>
-          <a:srcRect/>
-          <a:stretch>
-            <a:fillRect/>
-          </a:stretch>
-        </p:blipFill>
-        <p:spPr bwMode="auto">
-          <a:xfrm>
-            <a:off x="904736" y="764704"/>
-            <a:ext cx="7334528" cy="2232248"/>
-          </a:xfrm>
-          <a:prstGeom prst="rect">
-            <a:avLst/>
-          </a:prstGeom>
-          <a:noFill/>
-          <a:ln>
-            <a:noFill/>
-          </a:ln>
-          <a:extLst>
-            <a:ext uri="{909E8E84-426E-40DD-AFC4-6F175D3DCCD1}">
-              <a14:hiddenFill xmlns:a14="http://schemas.microsoft.com/office/drawing/2010/main">
-                <a:solidFill>
-                  <a:srgbClr val="FFFFFF"/>
-                </a:solidFill>
-              </a14:hiddenFill>
-            </a:ext>
-          </a:extLst>
-        </p:spPr>
-      </p:pic>
-      <p:sp>
-        <p:nvSpPr>
-          <p:cNvPr id="5" name="タイトル 2"/>
-          <p:cNvSpPr txBox="1">
-            <a:spLocks/>
-          </p:cNvSpPr>
-          <p:nvPr/>
-        </p:nvSpPr>
-        <p:spPr>
-          <a:xfrm>
-            <a:off x="107504" y="3622204"/>
-            <a:ext cx="8928992" cy="2615108"/>
-          </a:xfrm>
-          <a:prstGeom prst="rect">
-            <a:avLst/>
-          </a:prstGeom>
-          <a:noFill/>
-          <a:ln>
-            <a:noFill/>
-          </a:ln>
-        </p:spPr>
-        <p:txBody>
-          <a:bodyPr anchor="t" anchorCtr="0">
-            <a:noAutofit/>
-          </a:bodyPr>
-          <a:lstStyle>
-            <a:lvl1pPr algn="ctr" defTabSz="914400" rtl="0" eaLnBrk="1" latinLnBrk="0" hangingPunct="1">
-              <a:spcBef>
-                <a:spcPct val="0"/>
-              </a:spcBef>
-              <a:buNone/>
-              <a:defRPr kumimoji="1" sz="2800" b="1" kern="1200" baseline="0">
-                <a:solidFill>
-                  <a:srgbClr val="C00000"/>
-                </a:solidFill>
-                <a:latin typeface="Arial" pitchFamily="34" charset="0"/>
-                <a:ea typeface="ＭＳ Ｐゴシック" pitchFamily="50" charset="-128"/>
-                <a:cs typeface="+mj-cs"/>
-              </a:defRPr>
-            </a:lvl1pPr>
-          </a:lstStyle>
-          <a:p>
-            <a:pPr marL="342900" indent="-342900" algn="l">
-              <a:buFont typeface="Arial" pitchFamily="34" charset="0"/>
-              <a:buChar char="•"/>
-            </a:pPr>
-            <a:r>
-              <a:rPr lang="en-US" altLang="ja-JP" b="0" dirty="0" smtClean="0">
-                <a:solidFill>
-                  <a:schemeClr val="tx1"/>
-                </a:solidFill>
-                <a:latin typeface="+mn-lt"/>
-              </a:rPr>
-              <a:t>Cucumber </a:t>
-            </a:r>
-            <a:r>
-              <a:rPr lang="ja-JP" altLang="en-US" b="0" dirty="0" smtClean="0">
-                <a:solidFill>
-                  <a:schemeClr val="tx1"/>
-                </a:solidFill>
-                <a:latin typeface="+mn-lt"/>
-              </a:rPr>
-              <a:t>の</a:t>
-            </a:r>
-            <a:r>
-              <a:rPr lang="en-US" altLang="ja-JP" b="0" dirty="0" smtClean="0">
-                <a:solidFill>
-                  <a:schemeClr val="tx1"/>
-                </a:solidFill>
-                <a:latin typeface="+mn-lt"/>
-              </a:rPr>
-              <a:t> </a:t>
-            </a:r>
-            <a:r>
-              <a:rPr lang="en-US" altLang="ja-JP" b="0" dirty="0" smtClean="0">
-                <a:solidFill>
-                  <a:schemeClr val="accent1"/>
-                </a:solidFill>
-                <a:latin typeface="+mn-lt"/>
-              </a:rPr>
-              <a:t>Android </a:t>
-            </a:r>
-            <a:r>
-              <a:rPr lang="ja-JP" altLang="en-US" b="0" dirty="0" smtClean="0">
-                <a:solidFill>
-                  <a:schemeClr val="accent1"/>
-                </a:solidFill>
-                <a:latin typeface="+mn-lt"/>
-              </a:rPr>
-              <a:t>用</a:t>
-            </a:r>
-            <a:r>
-              <a:rPr lang="en-US" altLang="ja-JP" b="0" dirty="0" smtClean="0">
-                <a:solidFill>
-                  <a:schemeClr val="accent1"/>
-                </a:solidFill>
-                <a:latin typeface="+mn-lt"/>
-              </a:rPr>
-              <a:t> Wrapper</a:t>
-            </a:r>
-            <a:r>
-              <a:rPr lang="en-US" altLang="ja-JP" b="0" dirty="0" smtClean="0">
-                <a:solidFill>
-                  <a:schemeClr val="tx1"/>
-                </a:solidFill>
-                <a:latin typeface="+mn-lt"/>
-              </a:rPr>
-              <a:t> </a:t>
-            </a:r>
-            <a:r>
-              <a:rPr lang="ja-JP" altLang="en-US" b="0" dirty="0" smtClean="0">
-                <a:solidFill>
-                  <a:schemeClr val="tx1"/>
-                </a:solidFill>
-                <a:latin typeface="+mn-lt"/>
-              </a:rPr>
-              <a:t>です。</a:t>
-            </a:r>
-            <a:endParaRPr lang="en-US" altLang="ja-JP" b="0" dirty="0" smtClean="0">
-              <a:solidFill>
-                <a:schemeClr val="tx1"/>
-              </a:solidFill>
-              <a:latin typeface="+mn-lt"/>
-            </a:endParaRPr>
-          </a:p>
-          <a:p>
-            <a:pPr marL="342900" indent="-342900" algn="l">
-              <a:buFont typeface="Arial" pitchFamily="34" charset="0"/>
-              <a:buChar char="•"/>
-            </a:pPr>
-            <a:r>
-              <a:rPr lang="ja-JP" altLang="en-US" b="0" dirty="0" smtClean="0">
-                <a:solidFill>
-                  <a:schemeClr val="tx1"/>
-                </a:solidFill>
-                <a:latin typeface="+mn-lt"/>
-              </a:rPr>
-              <a:t>テスト仕様書を自動実行できるイメージです。</a:t>
-            </a:r>
-            <a:endParaRPr lang="en-US" altLang="ja-JP" b="0" dirty="0" smtClean="0">
-              <a:solidFill>
-                <a:schemeClr val="tx1"/>
-              </a:solidFill>
-              <a:latin typeface="+mn-lt"/>
-            </a:endParaRPr>
-          </a:p>
-          <a:p>
-            <a:pPr marL="365125" indent="-365125" algn="l">
-              <a:buFont typeface="Arial"/>
-              <a:buChar char="•"/>
-            </a:pPr>
-            <a:r>
-              <a:rPr lang="ja-JP" altLang="en-US" b="0" dirty="0">
-                <a:solidFill>
-                  <a:schemeClr val="tx1"/>
-                </a:solidFill>
-              </a:rPr>
-              <a:t>エンジニア</a:t>
-            </a:r>
-            <a:r>
-              <a:rPr lang="ja-JP" altLang="en-US" b="0" dirty="0" smtClean="0">
-                <a:solidFill>
-                  <a:schemeClr val="tx1"/>
-                </a:solidFill>
-              </a:rPr>
-              <a:t>以外でもテストケースをメンテナンスできます。</a:t>
-            </a:r>
-            <a:endParaRPr lang="en-US" altLang="ja-JP" b="0" dirty="0">
-              <a:solidFill>
-                <a:schemeClr val="tx1"/>
-              </a:solidFill>
-            </a:endParaRPr>
-          </a:p>
-          <a:p>
-            <a:pPr marL="365125" indent="-365125" algn="l">
-              <a:buFont typeface="Arial"/>
-              <a:buChar char="•"/>
-            </a:pPr>
-            <a:r>
-              <a:rPr lang="ja-JP" altLang="en-US" b="0" dirty="0">
-                <a:solidFill>
-                  <a:schemeClr val="tx1"/>
-                </a:solidFill>
-              </a:rPr>
-              <a:t>ビジネス・マネージャー</a:t>
-            </a:r>
-            <a:r>
-              <a:rPr lang="ja-JP" altLang="en-US" b="0" dirty="0" smtClean="0">
-                <a:solidFill>
-                  <a:schemeClr val="tx1"/>
-                </a:solidFill>
-              </a:rPr>
-              <a:t>が読めるため、</a:t>
-            </a:r>
-            <a:endParaRPr lang="en-US" altLang="ja-JP" b="0" dirty="0" smtClean="0">
-              <a:solidFill>
-                <a:schemeClr val="tx1"/>
-              </a:solidFill>
-            </a:endParaRPr>
-          </a:p>
-          <a:p>
-            <a:pPr marL="365125" algn="l"/>
-            <a:r>
-              <a:rPr lang="ja-JP" altLang="en-US" b="0" dirty="0" smtClean="0">
-                <a:solidFill>
-                  <a:srgbClr val="000000"/>
-                </a:solidFill>
-              </a:rPr>
-              <a:t>テスト</a:t>
-            </a:r>
-            <a:r>
-              <a:rPr lang="ja-JP" altLang="en-US" b="0" dirty="0">
-                <a:solidFill>
-                  <a:srgbClr val="000000"/>
-                </a:solidFill>
-              </a:rPr>
-              <a:t>の妥当性を判断</a:t>
-            </a:r>
-            <a:r>
-              <a:rPr lang="ja-JP" altLang="en-US" b="0" dirty="0" smtClean="0">
-                <a:solidFill>
-                  <a:srgbClr val="000000"/>
-                </a:solidFill>
-              </a:rPr>
-              <a:t>で</a:t>
-            </a:r>
-            <a:r>
-              <a:rPr lang="ja-JP" altLang="en-US" b="0" dirty="0" smtClean="0">
-                <a:solidFill>
-                  <a:schemeClr val="tx1"/>
-                </a:solidFill>
-              </a:rPr>
-              <a:t>きます。</a:t>
-            </a:r>
-            <a:endParaRPr lang="en-US" altLang="ja-JP" b="0" dirty="0">
-              <a:solidFill>
-                <a:schemeClr val="tx1"/>
-              </a:solidFill>
-            </a:endParaRPr>
-          </a:p>
-        </p:txBody>
-      </p:sp>
-    </p:spTree>
-    <p:extLst>
-      <p:ext uri="{BB962C8B-B14F-4D97-AF65-F5344CB8AC3E}">
-        <p14:creationId xmlns:p14="http://schemas.microsoft.com/office/powerpoint/2010/main" val="2507103883"/>
-      </p:ext>
-    </p:extLst>
-  </p:cSld>
-  <p:clrMapOvr>
-    <a:masterClrMapping/>
-  </p:clrMapOvr>
-  <p:timing>
-    <p:tnLst>
-      <p:par>
-        <p:cTn id="1" dur="indefinite" restart="never" nodeType="tmRoot"/>
-      </p:par>
-    </p:tnLst>
-  </p:timing>
-</p:sld>
-</file>
-
-<file path=ppt/slides/slide29.xml><?xml version="1.0" encoding="utf-8"?>
-<p:sld xmlns:a="http://schemas.openxmlformats.org/drawingml/2006/main" xmlns:r="http://schemas.openxmlformats.org/officeDocument/2006/relationships" xmlns:p="http://schemas.openxmlformats.org/presentationml/2006/main">
-  <p:cSld>
-    <p:spTree>
-      <p:nvGrpSpPr>
-        <p:cNvPr id="1" name=""/>
-        <p:cNvGrpSpPr/>
-        <p:nvPr/>
-      </p:nvGrpSpPr>
-      <p:grpSpPr>
-        <a:xfrm>
-          <a:off x="0" y="0"/>
-          <a:ext cx="0" cy="0"/>
-          <a:chOff x="0" y="0"/>
-          <a:chExt cx="0" cy="0"/>
-        </a:xfrm>
-      </p:grpSpPr>
-      <p:sp>
-        <p:nvSpPr>
-          <p:cNvPr id="4" name="タイトル 1"/>
-          <p:cNvSpPr>
-            <a:spLocks noGrp="1"/>
-          </p:cNvSpPr>
-          <p:nvPr>
-            <p:ph type="title"/>
-          </p:nvPr>
-        </p:nvSpPr>
-        <p:spPr>
-          <a:xfrm>
-            <a:off x="360000" y="252000"/>
-            <a:ext cx="8424000" cy="360000"/>
-          </a:xfrm>
-          <a:noFill/>
-          <a:ln>
-            <a:noFill/>
-          </a:ln>
-        </p:spPr>
-        <p:txBody>
-          <a:bodyPr>
-            <a:normAutofit fontScale="90000"/>
-          </a:bodyPr>
-          <a:lstStyle/>
-          <a:p>
-            <a:r>
               <a:rPr lang="ja-JP" altLang="en-US" dirty="0" smtClean="0"/>
               <a:t>（例）　</a:t>
             </a:r>
@@ -23128,202 +23581,7 @@
 </p:sld>
 </file>
 
-<file path=ppt/slides/slide3.xml><?xml version="1.0" encoding="utf-8"?>
-<p:sld xmlns:a="http://schemas.openxmlformats.org/drawingml/2006/main" xmlns:r="http://schemas.openxmlformats.org/officeDocument/2006/relationships" xmlns:p="http://schemas.openxmlformats.org/presentationml/2006/main">
-  <p:cSld>
-    <p:spTree>
-      <p:nvGrpSpPr>
-        <p:cNvPr id="1" name=""/>
-        <p:cNvGrpSpPr/>
-        <p:nvPr/>
-      </p:nvGrpSpPr>
-      <p:grpSpPr>
-        <a:xfrm>
-          <a:off x="0" y="0"/>
-          <a:ext cx="0" cy="0"/>
-          <a:chOff x="0" y="0"/>
-          <a:chExt cx="0" cy="0"/>
-        </a:xfrm>
-      </p:grpSpPr>
-      <p:sp>
-        <p:nvSpPr>
-          <p:cNvPr id="7" name="タイトル 2"/>
-          <p:cNvSpPr txBox="1">
-            <a:spLocks/>
-          </p:cNvSpPr>
-          <p:nvPr/>
-        </p:nvSpPr>
-        <p:spPr>
-          <a:xfrm>
-            <a:off x="360000" y="1192412"/>
-            <a:ext cx="8424000" cy="4473176"/>
-          </a:xfrm>
-          <a:prstGeom prst="rect">
-            <a:avLst/>
-          </a:prstGeom>
-          <a:noFill/>
-          <a:ln>
-            <a:solidFill>
-              <a:schemeClr val="accent1"/>
-            </a:solidFill>
-          </a:ln>
-        </p:spPr>
-        <p:txBody>
-          <a:bodyPr anchor="ctr" anchorCtr="0">
-            <a:noAutofit/>
-          </a:bodyPr>
-          <a:lstStyle>
-            <a:lvl1pPr algn="ctr" defTabSz="914400" rtl="0" eaLnBrk="1" latinLnBrk="0" hangingPunct="1">
-              <a:spcBef>
-                <a:spcPct val="0"/>
-              </a:spcBef>
-              <a:buNone/>
-              <a:defRPr kumimoji="1" sz="2800" b="1" kern="1200" baseline="0">
-                <a:solidFill>
-                  <a:srgbClr val="C00000"/>
-                </a:solidFill>
-                <a:latin typeface="Arial" pitchFamily="34" charset="0"/>
-                <a:ea typeface="ＭＳ Ｐゴシック" pitchFamily="50" charset="-128"/>
-                <a:cs typeface="+mj-cs"/>
-              </a:defRPr>
-            </a:lvl1pPr>
-          </a:lstStyle>
-          <a:p>
-            <a:r>
-              <a:rPr lang="en-US" altLang="ja-JP" sz="6000" b="0" dirty="0" smtClean="0">
-                <a:solidFill>
-                  <a:srgbClr val="000000"/>
-                </a:solidFill>
-                <a:latin typeface="+mn-ea"/>
-                <a:ea typeface="+mn-ea"/>
-                <a:cs typeface="ＭＳ 明朝"/>
-              </a:rPr>
-              <a:t>※</a:t>
-            </a:r>
-            <a:r>
-              <a:rPr lang="ja-JP" altLang="en-US" sz="6000" b="0" dirty="0" smtClean="0">
-                <a:solidFill>
-                  <a:srgbClr val="000000"/>
-                </a:solidFill>
-                <a:latin typeface="+mn-ea"/>
-                <a:ea typeface="+mn-ea"/>
-                <a:cs typeface="ＭＳ 明朝"/>
-              </a:rPr>
-              <a:t>楽天的なものを追加する？</a:t>
-            </a:r>
-            <a:endParaRPr lang="en-US" altLang="ja-JP" sz="6000" b="0" dirty="0" smtClean="0">
-              <a:solidFill>
-                <a:srgbClr val="000000"/>
-              </a:solidFill>
-              <a:latin typeface="+mn-ea"/>
-              <a:ea typeface="+mn-ea"/>
-              <a:cs typeface="ＭＳ 明朝"/>
-            </a:endParaRPr>
-          </a:p>
-          <a:p>
-            <a:r>
-              <a:rPr lang="en-US" altLang="ja-JP" sz="6000" b="0" dirty="0" smtClean="0">
-                <a:solidFill>
-                  <a:srgbClr val="000000"/>
-                </a:solidFill>
-                <a:latin typeface="+mn-ea"/>
-                <a:ea typeface="+mn-ea"/>
-                <a:cs typeface="ＭＳ 明朝"/>
-              </a:rPr>
-              <a:t>Masahiro Tanaka</a:t>
-            </a:r>
-          </a:p>
-          <a:p>
-            <a:r>
-              <a:rPr lang="ja-JP" altLang="en-US" sz="6000" b="0" dirty="0">
-                <a:solidFill>
-                  <a:srgbClr val="000000"/>
-                </a:solidFill>
-                <a:latin typeface="+mn-ea"/>
-                <a:ea typeface="+mn-ea"/>
-                <a:cs typeface="ＭＳ 明朝"/>
-              </a:rPr>
-              <a:t>的な</a:t>
-            </a:r>
-            <a:endParaRPr lang="en-US" altLang="ja-JP" sz="6000" b="0" dirty="0" smtClean="0">
-              <a:solidFill>
-                <a:srgbClr val="000000"/>
-              </a:solidFill>
-              <a:latin typeface="+mn-ea"/>
-              <a:ea typeface="+mn-ea"/>
-              <a:cs typeface="ＭＳ 明朝"/>
-            </a:endParaRPr>
-          </a:p>
-        </p:txBody>
-      </p:sp>
-      <p:sp>
-        <p:nvSpPr>
-          <p:cNvPr id="3" name="タイトル 1"/>
-          <p:cNvSpPr>
-            <a:spLocks noGrp="1"/>
-          </p:cNvSpPr>
-          <p:nvPr>
-            <p:ph type="title"/>
-          </p:nvPr>
-        </p:nvSpPr>
-        <p:spPr>
-          <a:xfrm>
-            <a:off x="360000" y="252000"/>
-            <a:ext cx="8424000" cy="360000"/>
-          </a:xfrm>
-          <a:solidFill>
-            <a:srgbClr val="FFFF00"/>
-          </a:solidFill>
-          <a:ln>
-            <a:solidFill>
-              <a:schemeClr val="accent1"/>
-            </a:solidFill>
-          </a:ln>
-        </p:spPr>
-        <p:txBody>
-          <a:bodyPr>
-            <a:normAutofit fontScale="90000"/>
-          </a:bodyPr>
-          <a:lstStyle/>
-          <a:p>
-            <a:r>
-              <a:rPr lang="en-US" altLang="ja-JP" kern="0" dirty="0" smtClean="0">
-                <a:solidFill>
-                  <a:schemeClr val="accent1"/>
-                </a:solidFill>
-                <a:latin typeface="+mj-ea"/>
-                <a:ea typeface="+mj-ea"/>
-              </a:rPr>
-              <a:t>About me</a:t>
-            </a:r>
-            <a:endParaRPr kumimoji="1" lang="ja-JP" altLang="en-US" dirty="0">
-              <a:latin typeface="+mj-ea"/>
-              <a:ea typeface="+mj-ea"/>
-            </a:endParaRPr>
-          </a:p>
-        </p:txBody>
-      </p:sp>
-    </p:spTree>
-    <p:extLst>
-      <p:ext uri="{BB962C8B-B14F-4D97-AF65-F5344CB8AC3E}">
-        <p14:creationId xmlns:p14="http://schemas.microsoft.com/office/powerpoint/2010/main" val="3194219365"/>
-      </p:ext>
-    </p:extLst>
-  </p:cSld>
-  <p:clrMapOvr>
-    <a:masterClrMapping/>
-  </p:clrMapOvr>
-  <p:timing>
-    <p:tnLst>
-      <p:par>
-        <p:cTn id="1" dur="indefinite" restart="never" nodeType="tmRoot"/>
-      </p:par>
-    </p:tnLst>
-  </p:timing>
-</p:sld>
-</file>
-
-<file path=ppt/slides/slide30.xml><?xml version="1.0" encoding="utf-8"?>
+<file path=ppt/slides/slide29.xml><?xml version="1.0" encoding="utf-8"?>
 <p:sld xmlns:a="http://schemas.openxmlformats.org/drawingml/2006/main" xmlns:r="http://schemas.openxmlformats.org/officeDocument/2006/relationships" xmlns:p="http://schemas.openxmlformats.org/presentationml/2006/main">
   <p:cSld>
     <p:spTree>
@@ -23503,21 +23761,13 @@
             </a:lvl9pPr>
           </a:lstStyle>
           <a:p>
-            <a:pPr marL="0" marR="0" lvl="0" indent="0" algn="l" defTabSz="381000" eaLnBrk="1" fontAlgn="auto" latinLnBrk="0" hangingPunct="1">
-              <a:lnSpc>
-                <a:spcPct val="100000"/>
-              </a:lnSpc>
+            <a:pPr lvl="0">
               <a:spcBef>
                 <a:spcPct val="20000"/>
               </a:spcBef>
-              <a:spcAft>
-                <a:spcPts val="0"/>
-              </a:spcAft>
               <a:buClr>
                 <a:srgbClr val="FFFFFF"/>
               </a:buClr>
-              <a:buSzTx/>
-              <a:tabLst/>
               <a:defRPr/>
             </a:pPr>
             <a:r>
@@ -23534,7 +23784,27 @@
                 <a:latin typeface="+mn-lt"/>
                 <a:ea typeface="ＭＳ Ｐゴシック" panose="020B0600070205080204" pitchFamily="50" charset="-128"/>
               </a:rPr>
-              <a:t>1. Context</a:t>
+              <a:t>1. </a:t>
+            </a:r>
+            <a:r>
+              <a:rPr lang="en-US" altLang="ja-JP" b="1" kern="0" dirty="0">
+                <a:solidFill>
+                  <a:srgbClr val="FFFFFF"/>
+                </a:solidFill>
+                <a:latin typeface="+mn-lt"/>
+                <a:ea typeface="ＭＳ Ｐゴシック" panose="020B0600070205080204" pitchFamily="50" charset="-128"/>
+              </a:rPr>
+              <a:t>Conditions and </a:t>
+            </a:r>
+            <a:r>
+              <a:rPr lang="en-US" altLang="ja-JP" b="1" kern="0" dirty="0" smtClean="0">
+                <a:solidFill>
+                  <a:srgbClr val="FFFFFF"/>
+                </a:solidFill>
+                <a:latin typeface="+mn-lt"/>
+                <a:ea typeface="ＭＳ Ｐゴシック" panose="020B0600070205080204" pitchFamily="50" charset="-128"/>
+              </a:rPr>
+              <a:t>Challenges</a:t>
             </a:r>
             <a:endParaRPr kumimoji="1" lang="ja-JP" altLang="en-US" b="1" i="0" u="none" strike="noStrike" kern="0" cap="none" spc="0" normalizeH="0" baseline="0" noProof="0" dirty="0" smtClean="0">
               <a:ln>
@@ -23562,7 +23832,7 @@
         </p:nvSpPr>
         <p:spPr bwMode="auto">
           <a:xfrm>
-            <a:off x="445331" y="3068960"/>
+            <a:off x="445331" y="2802004"/>
             <a:ext cx="8240400" cy="540000"/>
           </a:xfrm>
           <a:prstGeom prst="rect">
@@ -23749,7 +24019,7 @@
                 </a:solidFill>
                 <a:latin typeface="+mn-lt"/>
               </a:rPr>
-              <a:t>TDD: for making android development easy</a:t>
+              <a:t>TDD</a:t>
             </a:r>
             <a:endParaRPr kumimoji="1" lang="ja-JP" altLang="en-US" b="1" i="0" u="none" strike="noStrike" kern="0" cap="none" spc="0" normalizeH="0" baseline="0" noProof="0" dirty="0" smtClean="0">
               <a:ln>
@@ -23776,7 +24046,7 @@
         </p:nvSpPr>
         <p:spPr bwMode="auto">
           <a:xfrm>
-            <a:off x="445331" y="2060848"/>
+            <a:off x="445331" y="1927370"/>
             <a:ext cx="8240400" cy="540000"/>
           </a:xfrm>
           <a:prstGeom prst="rect">
@@ -23956,7 +24226,7 @@
                 <a:latin typeface="+mn-lt"/>
                 <a:ea typeface="ＭＳ Ｐゴシック" panose="020B0600070205080204" pitchFamily="50" charset="-128"/>
               </a:rPr>
-              <a:t>CI/CD: aiming to all stakeholders</a:t>
+              <a:t>CI/CD</a:t>
             </a:r>
             <a:endParaRPr kumimoji="1" lang="ja-JP" altLang="en-US" b="1" i="0" u="none" strike="noStrike" kern="0" cap="none" spc="0" normalizeH="0" baseline="0" noProof="0" dirty="0" smtClean="0">
               <a:ln>
@@ -23984,7 +24254,7 @@
         </p:nvSpPr>
         <p:spPr bwMode="auto">
           <a:xfrm>
-            <a:off x="445331" y="4077072"/>
+            <a:off x="445331" y="3676638"/>
             <a:ext cx="8240400" cy="540000"/>
           </a:xfrm>
           <a:prstGeom prst="rect">
@@ -24162,7 +24432,7 @@
                 </a:solidFill>
                 <a:latin typeface="+mn-lt"/>
               </a:rPr>
-              <a:t>BDD: for supporting the team more</a:t>
+              <a:t>BDD</a:t>
             </a:r>
             <a:endParaRPr kumimoji="1" lang="ja-JP" altLang="en-US" b="1" i="0" u="none" strike="noStrike" kern="0" cap="none" spc="0" normalizeH="0" baseline="0" noProof="0" dirty="0" smtClean="0">
               <a:ln>
@@ -24189,7 +24459,7 @@
         </p:nvSpPr>
         <p:spPr bwMode="auto">
           <a:xfrm>
-            <a:off x="445331" y="5085184"/>
+            <a:off x="445331" y="4551272"/>
             <a:ext cx="8240400" cy="540000"/>
           </a:xfrm>
           <a:prstGeom prst="rect">
@@ -24200,7 +24470,7 @@
           </a:solidFill>
           <a:ln w="12700">
             <a:solidFill>
-              <a:schemeClr val="accent1"/>
+              <a:srgbClr val="C00000"/>
             </a:solidFill>
             <a:miter lim="800000"/>
             <a:headEnd/>
@@ -24365,7 +24635,212 @@
                 </a:solidFill>
                 <a:latin typeface="+mn-lt"/>
               </a:rPr>
-              <a:t>Discussion</a:t>
+              <a:t>Problems, Possibility and Future</a:t>
+            </a:r>
+            <a:endParaRPr kumimoji="1" lang="ja-JP" altLang="en-US" b="1" i="0" u="none" strike="noStrike" kern="0" cap="none" spc="0" normalizeH="0" baseline="0" noProof="0" dirty="0" smtClean="0">
+              <a:ln>
+                <a:noFill/>
+              </a:ln>
+              <a:solidFill>
+                <a:srgbClr val="FFFFFF"/>
+              </a:solidFill>
+              <a:effectLst/>
+              <a:uLnTx/>
+              <a:uFillTx/>
+              <a:latin typeface="+mn-lt"/>
+            </a:endParaRPr>
+          </a:p>
+        </p:txBody>
+      </p:sp>
+      <p:sp>
+        <p:nvSpPr>
+          <p:cNvPr id="11" name="Text Box 17"/>
+          <p:cNvSpPr txBox="1">
+            <a:spLocks noChangeArrowheads="1"/>
+          </p:cNvSpPr>
+          <p:nvPr/>
+        </p:nvSpPr>
+        <p:spPr bwMode="auto">
+          <a:xfrm>
+            <a:off x="445331" y="5425904"/>
+            <a:ext cx="8240400" cy="540000"/>
+          </a:xfrm>
+          <a:prstGeom prst="rect">
+            <a:avLst/>
+          </a:prstGeom>
+          <a:solidFill>
+            <a:schemeClr val="bg1">
+              <a:lumMod val="50000"/>
+            </a:schemeClr>
+          </a:solidFill>
+          <a:ln w="12700">
+            <a:solidFill>
+              <a:schemeClr val="tx1"/>
+            </a:solidFill>
+            <a:miter lim="800000"/>
+            <a:headEnd/>
+            <a:tailEnd/>
+          </a:ln>
+          <a:effectLst>
+            <a:outerShdw blurRad="88900" dist="38100" dir="8100000" algn="ctr" rotWithShape="0">
+              <a:schemeClr val="tx1">
+                <a:alpha val="30000"/>
+              </a:schemeClr>
+            </a:outerShdw>
+          </a:effectLst>
+          <a:extLst/>
+        </p:spPr>
+        <p:txBody>
+          <a:bodyPr anchor="ctr" anchorCtr="0"/>
+          <a:lstStyle>
+            <a:lvl1pPr algn="l" defTabSz="381000">
+              <a:spcBef>
+                <a:spcPct val="0"/>
+              </a:spcBef>
+              <a:defRPr kumimoji="1" sz="2400">
+                <a:solidFill>
+                  <a:schemeClr val="tx1"/>
+                </a:solidFill>
+                <a:latin typeface="Times New Roman" pitchFamily="18" charset="0"/>
+                <a:ea typeface="ＭＳ Ｐゴシック" charset="-128"/>
+              </a:defRPr>
+            </a:lvl1pPr>
+            <a:lvl2pPr algn="l" defTabSz="381000">
+              <a:spcBef>
+                <a:spcPct val="0"/>
+              </a:spcBef>
+              <a:defRPr kumimoji="1" sz="2400">
+                <a:solidFill>
+                  <a:schemeClr val="tx1"/>
+                </a:solidFill>
+                <a:latin typeface="Times New Roman" pitchFamily="18" charset="0"/>
+                <a:ea typeface="ＭＳ Ｐゴシック" charset="-128"/>
+              </a:defRPr>
+            </a:lvl2pPr>
+            <a:lvl3pPr algn="l" defTabSz="381000">
+              <a:spcBef>
+                <a:spcPct val="0"/>
+              </a:spcBef>
+              <a:defRPr kumimoji="1" sz="2400">
+                <a:solidFill>
+                  <a:schemeClr val="tx1"/>
+                </a:solidFill>
+                <a:latin typeface="Times New Roman" pitchFamily="18" charset="0"/>
+                <a:ea typeface="ＭＳ Ｐゴシック" charset="-128"/>
+              </a:defRPr>
+            </a:lvl3pPr>
+            <a:lvl4pPr algn="l" defTabSz="381000">
+              <a:spcBef>
+                <a:spcPct val="0"/>
+              </a:spcBef>
+              <a:defRPr kumimoji="1" sz="2400">
+                <a:solidFill>
+                  <a:schemeClr val="tx1"/>
+                </a:solidFill>
+                <a:latin typeface="Times New Roman" pitchFamily="18" charset="0"/>
+                <a:ea typeface="ＭＳ Ｐゴシック" charset="-128"/>
+              </a:defRPr>
+            </a:lvl4pPr>
+            <a:lvl5pPr algn="l" defTabSz="381000">
+              <a:spcBef>
+                <a:spcPct val="0"/>
+              </a:spcBef>
+              <a:defRPr kumimoji="1" sz="2400">
+                <a:solidFill>
+                  <a:schemeClr val="tx1"/>
+                </a:solidFill>
+                <a:latin typeface="Times New Roman" pitchFamily="18" charset="0"/>
+                <a:ea typeface="ＭＳ Ｐゴシック" charset="-128"/>
+              </a:defRPr>
+            </a:lvl5pPr>
+            <a:lvl6pPr defTabSz="381000" fontAlgn="base">
+              <a:spcBef>
+                <a:spcPct val="0"/>
+              </a:spcBef>
+              <a:spcAft>
+                <a:spcPct val="0"/>
+              </a:spcAft>
+              <a:defRPr kumimoji="1" sz="2400">
+                <a:solidFill>
+                  <a:schemeClr val="tx1"/>
+                </a:solidFill>
+                <a:latin typeface="Times New Roman" pitchFamily="18" charset="0"/>
+                <a:ea typeface="ＭＳ Ｐゴシック" charset="-128"/>
+              </a:defRPr>
+            </a:lvl6pPr>
+            <a:lvl7pPr defTabSz="381000" fontAlgn="base">
+              <a:spcBef>
+                <a:spcPct val="0"/>
+              </a:spcBef>
+              <a:spcAft>
+                <a:spcPct val="0"/>
+              </a:spcAft>
+              <a:defRPr kumimoji="1" sz="2400">
+                <a:solidFill>
+                  <a:schemeClr val="tx1"/>
+                </a:solidFill>
+                <a:latin typeface="Times New Roman" pitchFamily="18" charset="0"/>
+                <a:ea typeface="ＭＳ Ｐゴシック" charset="-128"/>
+              </a:defRPr>
+            </a:lvl7pPr>
+            <a:lvl8pPr defTabSz="381000" fontAlgn="base">
+              <a:spcBef>
+                <a:spcPct val="0"/>
+              </a:spcBef>
+              <a:spcAft>
+                <a:spcPct val="0"/>
+              </a:spcAft>
+              <a:defRPr kumimoji="1" sz="2400">
+                <a:solidFill>
+                  <a:schemeClr val="tx1"/>
+                </a:solidFill>
+                <a:latin typeface="Times New Roman" pitchFamily="18" charset="0"/>
+                <a:ea typeface="ＭＳ Ｐゴシック" charset="-128"/>
+              </a:defRPr>
+            </a:lvl8pPr>
+            <a:lvl9pPr defTabSz="381000" fontAlgn="base">
+              <a:spcBef>
+                <a:spcPct val="0"/>
+              </a:spcBef>
+              <a:spcAft>
+                <a:spcPct val="0"/>
+              </a:spcAft>
+              <a:defRPr kumimoji="1" sz="2400">
+                <a:solidFill>
+                  <a:schemeClr val="tx1"/>
+                </a:solidFill>
+                <a:latin typeface="Times New Roman" pitchFamily="18" charset="0"/>
+                <a:ea typeface="ＭＳ Ｐゴシック" charset="-128"/>
+              </a:defRPr>
+            </a:lvl9pPr>
+          </a:lstStyle>
+          <a:p>
+            <a:pPr lvl="0">
+              <a:spcBef>
+                <a:spcPct val="20000"/>
+              </a:spcBef>
+              <a:buClr>
+                <a:srgbClr val="FFFFFF"/>
+              </a:buClr>
+              <a:defRPr/>
+            </a:pPr>
+            <a:r>
+              <a:rPr lang="en-US" altLang="ja-JP" b="1" kern="0" dirty="0" smtClean="0">
+                <a:solidFill>
+                  <a:srgbClr val="FFFFFF"/>
+                </a:solidFill>
+                <a:latin typeface="+mn-lt"/>
+              </a:rPr>
+              <a:t>6</a:t>
+            </a:r>
+            <a:r>
+              <a:rPr lang="en-US" altLang="ja-JP" b="1" kern="0" dirty="0">
+                <a:solidFill>
+                  <a:srgbClr val="FFFFFF"/>
+                </a:solidFill>
+                <a:latin typeface="+mn-lt"/>
+              </a:rPr>
+              <a:t>. Conclusions</a:t>
             </a:r>
             <a:endParaRPr kumimoji="1" lang="ja-JP" altLang="en-US" b="1" i="0" u="none" strike="noStrike" kern="0" cap="none" spc="0" normalizeH="0" baseline="0" noProof="0" dirty="0" smtClean="0">
               <a:ln>
@@ -24385,7 +24860,7 @@
     </p:spTree>
     <p:extLst>
       <p:ext uri="{BB962C8B-B14F-4D97-AF65-F5344CB8AC3E}">
-        <p14:creationId xmlns:p14="http://schemas.microsoft.com/office/powerpoint/2010/main" val="4043777533"/>
+        <p14:creationId xmlns:p14="http://schemas.microsoft.com/office/powerpoint/2010/main" val="4037681733"/>
       </p:ext>
     </p:extLst>
   </p:cSld>
@@ -24402,7 +24877,1320 @@
 </p:sld>
 </file>
 
-<file path=ppt/slides/slide31.xml><?xml version="1.0" encoding="utf-8"?>
+<file path=ppt/slides/slide3.xml><?xml version="1.0" encoding="utf-8"?>
+<p:sld xmlns:a="http://schemas.openxmlformats.org/drawingml/2006/main" xmlns:r="http://schemas.openxmlformats.org/officeDocument/2006/relationships" xmlns:p="http://schemas.openxmlformats.org/presentationml/2006/main">
+  <p:cSld>
+    <p:spTree>
+      <p:nvGrpSpPr>
+        <p:cNvPr id="1" name=""/>
+        <p:cNvGrpSpPr/>
+        <p:nvPr/>
+      </p:nvGrpSpPr>
+      <p:grpSpPr>
+        <a:xfrm>
+          <a:off x="0" y="0"/>
+          <a:ext cx="0" cy="0"/>
+          <a:chOff x="0" y="0"/>
+          <a:chExt cx="0" cy="0"/>
+        </a:xfrm>
+      </p:grpSpPr>
+      <p:sp>
+        <p:nvSpPr>
+          <p:cNvPr id="2" name="タイトル 1"/>
+          <p:cNvSpPr>
+            <a:spLocks noGrp="1"/>
+          </p:cNvSpPr>
+          <p:nvPr>
+            <p:ph type="title"/>
+          </p:nvPr>
+        </p:nvSpPr>
+        <p:spPr>
+          <a:noFill/>
+        </p:spPr>
+        <p:txBody>
+          <a:bodyPr>
+            <a:normAutofit fontScale="90000"/>
+          </a:bodyPr>
+          <a:lstStyle/>
+          <a:p>
+            <a:r>
+              <a:rPr kumimoji="1" lang="en-US" altLang="ja-JP" dirty="0" smtClean="0"/>
+              <a:t>Agenda</a:t>
+            </a:r>
+            <a:endParaRPr kumimoji="1" lang="ja-JP" altLang="en-US" dirty="0"/>
+          </a:p>
+        </p:txBody>
+      </p:sp>
+      <p:sp>
+        <p:nvSpPr>
+          <p:cNvPr id="5" name="Text Box 17"/>
+          <p:cNvSpPr txBox="1">
+            <a:spLocks noChangeArrowheads="1"/>
+          </p:cNvSpPr>
+          <p:nvPr/>
+        </p:nvSpPr>
+        <p:spPr bwMode="auto">
+          <a:xfrm>
+            <a:off x="445331" y="1052736"/>
+            <a:ext cx="8240400" cy="540000"/>
+          </a:xfrm>
+          <a:prstGeom prst="rect">
+            <a:avLst/>
+          </a:prstGeom>
+          <a:solidFill>
+            <a:srgbClr val="C00000"/>
+          </a:solidFill>
+          <a:ln w="12700">
+            <a:solidFill>
+              <a:srgbClr val="BF0000"/>
+            </a:solidFill>
+            <a:miter lim="800000"/>
+            <a:headEnd/>
+            <a:tailEnd/>
+          </a:ln>
+          <a:effectLst>
+            <a:outerShdw blurRad="88900" dist="38100" dir="8100000" algn="ctr" rotWithShape="0">
+              <a:schemeClr val="tx1">
+                <a:alpha val="30000"/>
+              </a:schemeClr>
+            </a:outerShdw>
+          </a:effectLst>
+          <a:extLst/>
+        </p:spPr>
+        <p:txBody>
+          <a:bodyPr anchor="ctr" anchorCtr="0"/>
+          <a:lstStyle>
+            <a:lvl1pPr algn="l" defTabSz="381000">
+              <a:spcBef>
+                <a:spcPct val="0"/>
+              </a:spcBef>
+              <a:defRPr kumimoji="1" sz="2400">
+                <a:solidFill>
+                  <a:schemeClr val="tx1"/>
+                </a:solidFill>
+                <a:latin typeface="Times New Roman" pitchFamily="18" charset="0"/>
+                <a:ea typeface="ＭＳ Ｐゴシック" charset="-128"/>
+              </a:defRPr>
+            </a:lvl1pPr>
+            <a:lvl2pPr algn="l" defTabSz="381000">
+              <a:spcBef>
+                <a:spcPct val="0"/>
+              </a:spcBef>
+              <a:defRPr kumimoji="1" sz="2400">
+                <a:solidFill>
+                  <a:schemeClr val="tx1"/>
+                </a:solidFill>
+                <a:latin typeface="Times New Roman" pitchFamily="18" charset="0"/>
+                <a:ea typeface="ＭＳ Ｐゴシック" charset="-128"/>
+              </a:defRPr>
+            </a:lvl2pPr>
+            <a:lvl3pPr algn="l" defTabSz="381000">
+              <a:spcBef>
+                <a:spcPct val="0"/>
+              </a:spcBef>
+              <a:defRPr kumimoji="1" sz="2400">
+                <a:solidFill>
+                  <a:schemeClr val="tx1"/>
+                </a:solidFill>
+                <a:latin typeface="Times New Roman" pitchFamily="18" charset="0"/>
+                <a:ea typeface="ＭＳ Ｐゴシック" charset="-128"/>
+              </a:defRPr>
+            </a:lvl3pPr>
+            <a:lvl4pPr algn="l" defTabSz="381000">
+              <a:spcBef>
+                <a:spcPct val="0"/>
+              </a:spcBef>
+              <a:defRPr kumimoji="1" sz="2400">
+                <a:solidFill>
+                  <a:schemeClr val="tx1"/>
+                </a:solidFill>
+                <a:latin typeface="Times New Roman" pitchFamily="18" charset="0"/>
+                <a:ea typeface="ＭＳ Ｐゴシック" charset="-128"/>
+              </a:defRPr>
+            </a:lvl4pPr>
+            <a:lvl5pPr algn="l" defTabSz="381000">
+              <a:spcBef>
+                <a:spcPct val="0"/>
+              </a:spcBef>
+              <a:defRPr kumimoji="1" sz="2400">
+                <a:solidFill>
+                  <a:schemeClr val="tx1"/>
+                </a:solidFill>
+                <a:latin typeface="Times New Roman" pitchFamily="18" charset="0"/>
+                <a:ea typeface="ＭＳ Ｐゴシック" charset="-128"/>
+              </a:defRPr>
+            </a:lvl5pPr>
+            <a:lvl6pPr defTabSz="381000" fontAlgn="base">
+              <a:spcBef>
+                <a:spcPct val="0"/>
+              </a:spcBef>
+              <a:spcAft>
+                <a:spcPct val="0"/>
+              </a:spcAft>
+              <a:defRPr kumimoji="1" sz="2400">
+                <a:solidFill>
+                  <a:schemeClr val="tx1"/>
+                </a:solidFill>
+                <a:latin typeface="Times New Roman" pitchFamily="18" charset="0"/>
+                <a:ea typeface="ＭＳ Ｐゴシック" charset="-128"/>
+              </a:defRPr>
+            </a:lvl6pPr>
+            <a:lvl7pPr defTabSz="381000" fontAlgn="base">
+              <a:spcBef>
+                <a:spcPct val="0"/>
+              </a:spcBef>
+              <a:spcAft>
+                <a:spcPct val="0"/>
+              </a:spcAft>
+              <a:defRPr kumimoji="1" sz="2400">
+                <a:solidFill>
+                  <a:schemeClr val="tx1"/>
+                </a:solidFill>
+                <a:latin typeface="Times New Roman" pitchFamily="18" charset="0"/>
+                <a:ea typeface="ＭＳ Ｐゴシック" charset="-128"/>
+              </a:defRPr>
+            </a:lvl7pPr>
+            <a:lvl8pPr defTabSz="381000" fontAlgn="base">
+              <a:spcBef>
+                <a:spcPct val="0"/>
+              </a:spcBef>
+              <a:spcAft>
+                <a:spcPct val="0"/>
+              </a:spcAft>
+              <a:defRPr kumimoji="1" sz="2400">
+                <a:solidFill>
+                  <a:schemeClr val="tx1"/>
+                </a:solidFill>
+                <a:latin typeface="Times New Roman" pitchFamily="18" charset="0"/>
+                <a:ea typeface="ＭＳ Ｐゴシック" charset="-128"/>
+              </a:defRPr>
+            </a:lvl8pPr>
+            <a:lvl9pPr defTabSz="381000" fontAlgn="base">
+              <a:spcBef>
+                <a:spcPct val="0"/>
+              </a:spcBef>
+              <a:spcAft>
+                <a:spcPct val="0"/>
+              </a:spcAft>
+              <a:defRPr kumimoji="1" sz="2400">
+                <a:solidFill>
+                  <a:schemeClr val="tx1"/>
+                </a:solidFill>
+                <a:latin typeface="Times New Roman" pitchFamily="18" charset="0"/>
+                <a:ea typeface="ＭＳ Ｐゴシック" charset="-128"/>
+              </a:defRPr>
+            </a:lvl9pPr>
+          </a:lstStyle>
+          <a:p>
+            <a:pPr lvl="0">
+              <a:spcBef>
+                <a:spcPct val="20000"/>
+              </a:spcBef>
+              <a:buClr>
+                <a:srgbClr val="FFFFFF"/>
+              </a:buClr>
+              <a:defRPr/>
+            </a:pPr>
+            <a:r>
+              <a:rPr kumimoji="1" lang="en-US" altLang="ja-JP" b="1" i="0" u="none" strike="noStrike" kern="0" cap="none" spc="0" normalizeH="0" baseline="0" noProof="0" dirty="0" smtClean="0">
+                <a:ln>
+                  <a:noFill/>
+                </a:ln>
+                <a:solidFill>
+                  <a:srgbClr val="FFFFFF"/>
+                </a:solidFill>
+                <a:effectLst/>
+                <a:uLnTx/>
+                <a:uFillTx/>
+                <a:latin typeface="+mn-lt"/>
+                <a:ea typeface="ＭＳ Ｐゴシック" panose="020B0600070205080204" pitchFamily="50" charset="-128"/>
+              </a:rPr>
+              <a:t>1. </a:t>
+            </a:r>
+            <a:r>
+              <a:rPr lang="en-US" altLang="ja-JP" b="1" kern="0" dirty="0">
+                <a:solidFill>
+                  <a:srgbClr val="FFFFFF"/>
+                </a:solidFill>
+                <a:latin typeface="+mn-lt"/>
+                <a:ea typeface="ＭＳ Ｐゴシック" panose="020B0600070205080204" pitchFamily="50" charset="-128"/>
+              </a:rPr>
+              <a:t>Conditions and </a:t>
+            </a:r>
+            <a:r>
+              <a:rPr lang="en-US" altLang="ja-JP" b="1" kern="0" dirty="0" smtClean="0">
+                <a:solidFill>
+                  <a:srgbClr val="FFFFFF"/>
+                </a:solidFill>
+                <a:latin typeface="+mn-lt"/>
+                <a:ea typeface="ＭＳ Ｐゴシック" panose="020B0600070205080204" pitchFamily="50" charset="-128"/>
+              </a:rPr>
+              <a:t>Challenges</a:t>
+            </a:r>
+            <a:endParaRPr kumimoji="1" lang="ja-JP" altLang="en-US" b="1" i="0" u="none" strike="noStrike" kern="0" cap="none" spc="0" normalizeH="0" baseline="0" noProof="0" dirty="0" smtClean="0">
+              <a:ln>
+                <a:noFill/>
+              </a:ln>
+              <a:solidFill>
+                <a:srgbClr val="FFFFFF"/>
+              </a:solidFill>
+              <a:effectLst/>
+              <a:uLnTx/>
+              <a:uFillTx/>
+              <a:latin typeface="+mn-lt"/>
+              <a:ea typeface="ＭＳ Ｐゴシック" panose="020B0600070205080204" pitchFamily="50" charset="-128"/>
+            </a:endParaRPr>
+          </a:p>
+        </p:txBody>
+      </p:sp>
+      <p:sp>
+        <p:nvSpPr>
+          <p:cNvPr id="8" name="Text Box 17"/>
+          <p:cNvSpPr txBox="1">
+            <a:spLocks noChangeArrowheads="1"/>
+          </p:cNvSpPr>
+          <p:nvPr/>
+        </p:nvSpPr>
+        <p:spPr bwMode="auto">
+          <a:xfrm>
+            <a:off x="445331" y="2802004"/>
+            <a:ext cx="8240400" cy="540000"/>
+          </a:xfrm>
+          <a:prstGeom prst="rect">
+            <a:avLst/>
+          </a:prstGeom>
+          <a:solidFill>
+            <a:srgbClr val="C00000"/>
+          </a:solidFill>
+          <a:ln w="12700">
+            <a:solidFill>
+              <a:srgbClr val="BF0000"/>
+            </a:solidFill>
+            <a:miter lim="800000"/>
+            <a:headEnd/>
+            <a:tailEnd/>
+          </a:ln>
+          <a:effectLst>
+            <a:outerShdw blurRad="88900" dist="38100" dir="8100000" algn="ctr" rotWithShape="0">
+              <a:schemeClr val="tx1">
+                <a:alpha val="30000"/>
+              </a:schemeClr>
+            </a:outerShdw>
+          </a:effectLst>
+          <a:extLst/>
+        </p:spPr>
+        <p:txBody>
+          <a:bodyPr anchor="ctr" anchorCtr="0"/>
+          <a:lstStyle>
+            <a:lvl1pPr algn="l" defTabSz="381000">
+              <a:spcBef>
+                <a:spcPct val="0"/>
+              </a:spcBef>
+              <a:defRPr kumimoji="1" sz="2400">
+                <a:solidFill>
+                  <a:schemeClr val="tx1"/>
+                </a:solidFill>
+                <a:latin typeface="Times New Roman" pitchFamily="18" charset="0"/>
+                <a:ea typeface="ＭＳ Ｐゴシック" charset="-128"/>
+              </a:defRPr>
+            </a:lvl1pPr>
+            <a:lvl2pPr algn="l" defTabSz="381000">
+              <a:spcBef>
+                <a:spcPct val="0"/>
+              </a:spcBef>
+              <a:defRPr kumimoji="1" sz="2400">
+                <a:solidFill>
+                  <a:schemeClr val="tx1"/>
+                </a:solidFill>
+                <a:latin typeface="Times New Roman" pitchFamily="18" charset="0"/>
+                <a:ea typeface="ＭＳ Ｐゴシック" charset="-128"/>
+              </a:defRPr>
+            </a:lvl2pPr>
+            <a:lvl3pPr algn="l" defTabSz="381000">
+              <a:spcBef>
+                <a:spcPct val="0"/>
+              </a:spcBef>
+              <a:defRPr kumimoji="1" sz="2400">
+                <a:solidFill>
+                  <a:schemeClr val="tx1"/>
+                </a:solidFill>
+                <a:latin typeface="Times New Roman" pitchFamily="18" charset="0"/>
+                <a:ea typeface="ＭＳ Ｐゴシック" charset="-128"/>
+              </a:defRPr>
+            </a:lvl3pPr>
+            <a:lvl4pPr algn="l" defTabSz="381000">
+              <a:spcBef>
+                <a:spcPct val="0"/>
+              </a:spcBef>
+              <a:defRPr kumimoji="1" sz="2400">
+                <a:solidFill>
+                  <a:schemeClr val="tx1"/>
+                </a:solidFill>
+                <a:latin typeface="Times New Roman" pitchFamily="18" charset="0"/>
+                <a:ea typeface="ＭＳ Ｐゴシック" charset="-128"/>
+              </a:defRPr>
+            </a:lvl4pPr>
+            <a:lvl5pPr algn="l" defTabSz="381000">
+              <a:spcBef>
+                <a:spcPct val="0"/>
+              </a:spcBef>
+              <a:defRPr kumimoji="1" sz="2400">
+                <a:solidFill>
+                  <a:schemeClr val="tx1"/>
+                </a:solidFill>
+                <a:latin typeface="Times New Roman" pitchFamily="18" charset="0"/>
+                <a:ea typeface="ＭＳ Ｐゴシック" charset="-128"/>
+              </a:defRPr>
+            </a:lvl5pPr>
+            <a:lvl6pPr defTabSz="381000" fontAlgn="base">
+              <a:spcBef>
+                <a:spcPct val="0"/>
+              </a:spcBef>
+              <a:spcAft>
+                <a:spcPct val="0"/>
+              </a:spcAft>
+              <a:defRPr kumimoji="1" sz="2400">
+                <a:solidFill>
+                  <a:schemeClr val="tx1"/>
+                </a:solidFill>
+                <a:latin typeface="Times New Roman" pitchFamily="18" charset="0"/>
+                <a:ea typeface="ＭＳ Ｐゴシック" charset="-128"/>
+              </a:defRPr>
+            </a:lvl6pPr>
+            <a:lvl7pPr defTabSz="381000" fontAlgn="base">
+              <a:spcBef>
+                <a:spcPct val="0"/>
+              </a:spcBef>
+              <a:spcAft>
+                <a:spcPct val="0"/>
+              </a:spcAft>
+              <a:defRPr kumimoji="1" sz="2400">
+                <a:solidFill>
+                  <a:schemeClr val="tx1"/>
+                </a:solidFill>
+                <a:latin typeface="Times New Roman" pitchFamily="18" charset="0"/>
+                <a:ea typeface="ＭＳ Ｐゴシック" charset="-128"/>
+              </a:defRPr>
+            </a:lvl7pPr>
+            <a:lvl8pPr defTabSz="381000" fontAlgn="base">
+              <a:spcBef>
+                <a:spcPct val="0"/>
+              </a:spcBef>
+              <a:spcAft>
+                <a:spcPct val="0"/>
+              </a:spcAft>
+              <a:defRPr kumimoji="1" sz="2400">
+                <a:solidFill>
+                  <a:schemeClr val="tx1"/>
+                </a:solidFill>
+                <a:latin typeface="Times New Roman" pitchFamily="18" charset="0"/>
+                <a:ea typeface="ＭＳ Ｐゴシック" charset="-128"/>
+              </a:defRPr>
+            </a:lvl8pPr>
+            <a:lvl9pPr defTabSz="381000" fontAlgn="base">
+              <a:spcBef>
+                <a:spcPct val="0"/>
+              </a:spcBef>
+              <a:spcAft>
+                <a:spcPct val="0"/>
+              </a:spcAft>
+              <a:defRPr kumimoji="1" sz="2400">
+                <a:solidFill>
+                  <a:schemeClr val="tx1"/>
+                </a:solidFill>
+                <a:latin typeface="Times New Roman" pitchFamily="18" charset="0"/>
+                <a:ea typeface="ＭＳ Ｐゴシック" charset="-128"/>
+              </a:defRPr>
+            </a:lvl9pPr>
+          </a:lstStyle>
+          <a:p>
+            <a:pPr lvl="0">
+              <a:spcBef>
+                <a:spcPct val="20000"/>
+              </a:spcBef>
+              <a:buClr>
+                <a:srgbClr val="FFFFFF"/>
+              </a:buClr>
+              <a:defRPr/>
+            </a:pPr>
+            <a:r>
+              <a:rPr lang="en-US" altLang="ja-JP" b="1" kern="0" dirty="0">
+                <a:solidFill>
+                  <a:srgbClr val="FFFFFF"/>
+                </a:solidFill>
+                <a:latin typeface="+mn-lt"/>
+              </a:rPr>
+              <a:t>3</a:t>
+            </a:r>
+            <a:r>
+              <a:rPr lang="en-US" altLang="ja-JP" b="1" kern="0" dirty="0" smtClean="0">
+                <a:solidFill>
+                  <a:srgbClr val="FFFFFF"/>
+                </a:solidFill>
+                <a:latin typeface="+mn-lt"/>
+              </a:rPr>
+              <a:t>. </a:t>
+            </a:r>
+            <a:r>
+              <a:rPr lang="en-US" altLang="ja-JP" b="1" kern="0" dirty="0" smtClean="0">
+                <a:solidFill>
+                  <a:srgbClr val="FFFFFF"/>
+                </a:solidFill>
+                <a:latin typeface="+mn-lt"/>
+              </a:rPr>
+              <a:t>TDD</a:t>
+            </a:r>
+            <a:endParaRPr kumimoji="1" lang="ja-JP" altLang="en-US" b="1" i="0" u="none" strike="noStrike" kern="0" cap="none" spc="0" normalizeH="0" baseline="0" noProof="0" dirty="0" smtClean="0">
+              <a:ln>
+                <a:noFill/>
+              </a:ln>
+              <a:solidFill>
+                <a:srgbClr val="FFFFFF"/>
+              </a:solidFill>
+              <a:effectLst/>
+              <a:uLnTx/>
+              <a:uFillTx/>
+              <a:latin typeface="+mn-lt"/>
+            </a:endParaRPr>
+          </a:p>
+        </p:txBody>
+      </p:sp>
+      <p:sp>
+        <p:nvSpPr>
+          <p:cNvPr id="10" name="Text Box 17"/>
+          <p:cNvSpPr txBox="1">
+            <a:spLocks noChangeArrowheads="1"/>
+          </p:cNvSpPr>
+          <p:nvPr/>
+        </p:nvSpPr>
+        <p:spPr bwMode="auto">
+          <a:xfrm>
+            <a:off x="445331" y="1927370"/>
+            <a:ext cx="8240400" cy="540000"/>
+          </a:xfrm>
+          <a:prstGeom prst="rect">
+            <a:avLst/>
+          </a:prstGeom>
+          <a:solidFill>
+            <a:srgbClr val="C00000"/>
+          </a:solidFill>
+          <a:ln w="12700">
+            <a:solidFill>
+              <a:srgbClr val="BF0000"/>
+            </a:solidFill>
+            <a:miter lim="800000"/>
+            <a:headEnd/>
+            <a:tailEnd/>
+          </a:ln>
+          <a:effectLst>
+            <a:outerShdw blurRad="88900" dist="38100" dir="8100000" algn="ctr" rotWithShape="0">
+              <a:schemeClr val="tx1">
+                <a:alpha val="30000"/>
+              </a:schemeClr>
+            </a:outerShdw>
+          </a:effectLst>
+          <a:extLst/>
+        </p:spPr>
+        <p:txBody>
+          <a:bodyPr anchor="ctr" anchorCtr="0"/>
+          <a:lstStyle>
+            <a:lvl1pPr algn="l" defTabSz="381000">
+              <a:spcBef>
+                <a:spcPct val="0"/>
+              </a:spcBef>
+              <a:defRPr kumimoji="1" sz="2400">
+                <a:solidFill>
+                  <a:schemeClr val="tx1"/>
+                </a:solidFill>
+                <a:latin typeface="Times New Roman" pitchFamily="18" charset="0"/>
+                <a:ea typeface="ＭＳ Ｐゴシック" charset="-128"/>
+              </a:defRPr>
+            </a:lvl1pPr>
+            <a:lvl2pPr algn="l" defTabSz="381000">
+              <a:spcBef>
+                <a:spcPct val="0"/>
+              </a:spcBef>
+              <a:defRPr kumimoji="1" sz="2400">
+                <a:solidFill>
+                  <a:schemeClr val="tx1"/>
+                </a:solidFill>
+                <a:latin typeface="Times New Roman" pitchFamily="18" charset="0"/>
+                <a:ea typeface="ＭＳ Ｐゴシック" charset="-128"/>
+              </a:defRPr>
+            </a:lvl2pPr>
+            <a:lvl3pPr algn="l" defTabSz="381000">
+              <a:spcBef>
+                <a:spcPct val="0"/>
+              </a:spcBef>
+              <a:defRPr kumimoji="1" sz="2400">
+                <a:solidFill>
+                  <a:schemeClr val="tx1"/>
+                </a:solidFill>
+                <a:latin typeface="Times New Roman" pitchFamily="18" charset="0"/>
+                <a:ea typeface="ＭＳ Ｐゴシック" charset="-128"/>
+              </a:defRPr>
+            </a:lvl3pPr>
+            <a:lvl4pPr algn="l" defTabSz="381000">
+              <a:spcBef>
+                <a:spcPct val="0"/>
+              </a:spcBef>
+              <a:defRPr kumimoji="1" sz="2400">
+                <a:solidFill>
+                  <a:schemeClr val="tx1"/>
+                </a:solidFill>
+                <a:latin typeface="Times New Roman" pitchFamily="18" charset="0"/>
+                <a:ea typeface="ＭＳ Ｐゴシック" charset="-128"/>
+              </a:defRPr>
+            </a:lvl4pPr>
+            <a:lvl5pPr algn="l" defTabSz="381000">
+              <a:spcBef>
+                <a:spcPct val="0"/>
+              </a:spcBef>
+              <a:defRPr kumimoji="1" sz="2400">
+                <a:solidFill>
+                  <a:schemeClr val="tx1"/>
+                </a:solidFill>
+                <a:latin typeface="Times New Roman" pitchFamily="18" charset="0"/>
+                <a:ea typeface="ＭＳ Ｐゴシック" charset="-128"/>
+              </a:defRPr>
+            </a:lvl5pPr>
+            <a:lvl6pPr defTabSz="381000" fontAlgn="base">
+              <a:spcBef>
+                <a:spcPct val="0"/>
+              </a:spcBef>
+              <a:spcAft>
+                <a:spcPct val="0"/>
+              </a:spcAft>
+              <a:defRPr kumimoji="1" sz="2400">
+                <a:solidFill>
+                  <a:schemeClr val="tx1"/>
+                </a:solidFill>
+                <a:latin typeface="Times New Roman" pitchFamily="18" charset="0"/>
+                <a:ea typeface="ＭＳ Ｐゴシック" charset="-128"/>
+              </a:defRPr>
+            </a:lvl6pPr>
+            <a:lvl7pPr defTabSz="381000" fontAlgn="base">
+              <a:spcBef>
+                <a:spcPct val="0"/>
+              </a:spcBef>
+              <a:spcAft>
+                <a:spcPct val="0"/>
+              </a:spcAft>
+              <a:defRPr kumimoji="1" sz="2400">
+                <a:solidFill>
+                  <a:schemeClr val="tx1"/>
+                </a:solidFill>
+                <a:latin typeface="Times New Roman" pitchFamily="18" charset="0"/>
+                <a:ea typeface="ＭＳ Ｐゴシック" charset="-128"/>
+              </a:defRPr>
+            </a:lvl7pPr>
+            <a:lvl8pPr defTabSz="381000" fontAlgn="base">
+              <a:spcBef>
+                <a:spcPct val="0"/>
+              </a:spcBef>
+              <a:spcAft>
+                <a:spcPct val="0"/>
+              </a:spcAft>
+              <a:defRPr kumimoji="1" sz="2400">
+                <a:solidFill>
+                  <a:schemeClr val="tx1"/>
+                </a:solidFill>
+                <a:latin typeface="Times New Roman" pitchFamily="18" charset="0"/>
+                <a:ea typeface="ＭＳ Ｐゴシック" charset="-128"/>
+              </a:defRPr>
+            </a:lvl8pPr>
+            <a:lvl9pPr defTabSz="381000" fontAlgn="base">
+              <a:spcBef>
+                <a:spcPct val="0"/>
+              </a:spcBef>
+              <a:spcAft>
+                <a:spcPct val="0"/>
+              </a:spcAft>
+              <a:defRPr kumimoji="1" sz="2400">
+                <a:solidFill>
+                  <a:schemeClr val="tx1"/>
+                </a:solidFill>
+                <a:latin typeface="Times New Roman" pitchFamily="18" charset="0"/>
+                <a:ea typeface="ＭＳ Ｐゴシック" charset="-128"/>
+              </a:defRPr>
+            </a:lvl9pPr>
+          </a:lstStyle>
+          <a:p>
+            <a:pPr lvl="0">
+              <a:spcBef>
+                <a:spcPct val="20000"/>
+              </a:spcBef>
+              <a:buClr>
+                <a:srgbClr val="FFFFFF"/>
+              </a:buClr>
+              <a:defRPr/>
+            </a:pPr>
+            <a:r>
+              <a:rPr lang="en-US" altLang="ja-JP" b="1" kern="0" dirty="0" smtClean="0">
+                <a:solidFill>
+                  <a:srgbClr val="FFFFFF"/>
+                </a:solidFill>
+                <a:latin typeface="+mn-lt"/>
+                <a:ea typeface="ＭＳ Ｐゴシック" panose="020B0600070205080204" pitchFamily="50" charset="-128"/>
+              </a:rPr>
+              <a:t>2. </a:t>
+            </a:r>
+            <a:r>
+              <a:rPr lang="en-US" altLang="ja-JP" b="1" kern="0" dirty="0" smtClean="0">
+                <a:solidFill>
+                  <a:srgbClr val="FFFFFF"/>
+                </a:solidFill>
+                <a:latin typeface="+mn-lt"/>
+                <a:ea typeface="ＭＳ Ｐゴシック" panose="020B0600070205080204" pitchFamily="50" charset="-128"/>
+              </a:rPr>
+              <a:t>CI/CD</a:t>
+            </a:r>
+            <a:endParaRPr kumimoji="1" lang="ja-JP" altLang="en-US" b="1" i="0" u="none" strike="noStrike" kern="0" cap="none" spc="0" normalizeH="0" baseline="0" noProof="0" dirty="0" smtClean="0">
+              <a:ln>
+                <a:noFill/>
+              </a:ln>
+              <a:solidFill>
+                <a:srgbClr val="FFFFFF"/>
+              </a:solidFill>
+              <a:effectLst/>
+              <a:uLnTx/>
+              <a:uFillTx/>
+              <a:latin typeface="+mn-lt"/>
+              <a:ea typeface="ＭＳ Ｐゴシック" panose="020B0600070205080204" pitchFamily="50" charset="-128"/>
+            </a:endParaRPr>
+          </a:p>
+        </p:txBody>
+      </p:sp>
+      <p:sp>
+        <p:nvSpPr>
+          <p:cNvPr id="6" name="Text Box 17"/>
+          <p:cNvSpPr txBox="1">
+            <a:spLocks noChangeArrowheads="1"/>
+          </p:cNvSpPr>
+          <p:nvPr/>
+        </p:nvSpPr>
+        <p:spPr bwMode="auto">
+          <a:xfrm>
+            <a:off x="445331" y="3676638"/>
+            <a:ext cx="8240400" cy="540000"/>
+          </a:xfrm>
+          <a:prstGeom prst="rect">
+            <a:avLst/>
+          </a:prstGeom>
+          <a:solidFill>
+            <a:srgbClr val="C00000"/>
+          </a:solidFill>
+          <a:ln w="12700">
+            <a:solidFill>
+              <a:srgbClr val="BF0000"/>
+            </a:solidFill>
+            <a:miter lim="800000"/>
+            <a:headEnd/>
+            <a:tailEnd/>
+          </a:ln>
+          <a:effectLst>
+            <a:outerShdw blurRad="88900" dist="38100" dir="8100000" algn="ctr" rotWithShape="0">
+              <a:schemeClr val="tx1">
+                <a:alpha val="30000"/>
+              </a:schemeClr>
+            </a:outerShdw>
+          </a:effectLst>
+          <a:extLst/>
+        </p:spPr>
+        <p:txBody>
+          <a:bodyPr anchor="ctr" anchorCtr="0"/>
+          <a:lstStyle>
+            <a:lvl1pPr algn="l" defTabSz="381000">
+              <a:spcBef>
+                <a:spcPct val="0"/>
+              </a:spcBef>
+              <a:defRPr kumimoji="1" sz="2400">
+                <a:solidFill>
+                  <a:schemeClr val="tx1"/>
+                </a:solidFill>
+                <a:latin typeface="Times New Roman" pitchFamily="18" charset="0"/>
+                <a:ea typeface="ＭＳ Ｐゴシック" charset="-128"/>
+              </a:defRPr>
+            </a:lvl1pPr>
+            <a:lvl2pPr algn="l" defTabSz="381000">
+              <a:spcBef>
+                <a:spcPct val="0"/>
+              </a:spcBef>
+              <a:defRPr kumimoji="1" sz="2400">
+                <a:solidFill>
+                  <a:schemeClr val="tx1"/>
+                </a:solidFill>
+                <a:latin typeface="Times New Roman" pitchFamily="18" charset="0"/>
+                <a:ea typeface="ＭＳ Ｐゴシック" charset="-128"/>
+              </a:defRPr>
+            </a:lvl2pPr>
+            <a:lvl3pPr algn="l" defTabSz="381000">
+              <a:spcBef>
+                <a:spcPct val="0"/>
+              </a:spcBef>
+              <a:defRPr kumimoji="1" sz="2400">
+                <a:solidFill>
+                  <a:schemeClr val="tx1"/>
+                </a:solidFill>
+                <a:latin typeface="Times New Roman" pitchFamily="18" charset="0"/>
+                <a:ea typeface="ＭＳ Ｐゴシック" charset="-128"/>
+              </a:defRPr>
+            </a:lvl3pPr>
+            <a:lvl4pPr algn="l" defTabSz="381000">
+              <a:spcBef>
+                <a:spcPct val="0"/>
+              </a:spcBef>
+              <a:defRPr kumimoji="1" sz="2400">
+                <a:solidFill>
+                  <a:schemeClr val="tx1"/>
+                </a:solidFill>
+                <a:latin typeface="Times New Roman" pitchFamily="18" charset="0"/>
+                <a:ea typeface="ＭＳ Ｐゴシック" charset="-128"/>
+              </a:defRPr>
+            </a:lvl4pPr>
+            <a:lvl5pPr algn="l" defTabSz="381000">
+              <a:spcBef>
+                <a:spcPct val="0"/>
+              </a:spcBef>
+              <a:defRPr kumimoji="1" sz="2400">
+                <a:solidFill>
+                  <a:schemeClr val="tx1"/>
+                </a:solidFill>
+                <a:latin typeface="Times New Roman" pitchFamily="18" charset="0"/>
+                <a:ea typeface="ＭＳ Ｐゴシック" charset="-128"/>
+              </a:defRPr>
+            </a:lvl5pPr>
+            <a:lvl6pPr defTabSz="381000" fontAlgn="base">
+              <a:spcBef>
+                <a:spcPct val="0"/>
+              </a:spcBef>
+              <a:spcAft>
+                <a:spcPct val="0"/>
+              </a:spcAft>
+              <a:defRPr kumimoji="1" sz="2400">
+                <a:solidFill>
+                  <a:schemeClr val="tx1"/>
+                </a:solidFill>
+                <a:latin typeface="Times New Roman" pitchFamily="18" charset="0"/>
+                <a:ea typeface="ＭＳ Ｐゴシック" charset="-128"/>
+              </a:defRPr>
+            </a:lvl6pPr>
+            <a:lvl7pPr defTabSz="381000" fontAlgn="base">
+              <a:spcBef>
+                <a:spcPct val="0"/>
+              </a:spcBef>
+              <a:spcAft>
+                <a:spcPct val="0"/>
+              </a:spcAft>
+              <a:defRPr kumimoji="1" sz="2400">
+                <a:solidFill>
+                  <a:schemeClr val="tx1"/>
+                </a:solidFill>
+                <a:latin typeface="Times New Roman" pitchFamily="18" charset="0"/>
+                <a:ea typeface="ＭＳ Ｐゴシック" charset="-128"/>
+              </a:defRPr>
+            </a:lvl7pPr>
+            <a:lvl8pPr defTabSz="381000" fontAlgn="base">
+              <a:spcBef>
+                <a:spcPct val="0"/>
+              </a:spcBef>
+              <a:spcAft>
+                <a:spcPct val="0"/>
+              </a:spcAft>
+              <a:defRPr kumimoji="1" sz="2400">
+                <a:solidFill>
+                  <a:schemeClr val="tx1"/>
+                </a:solidFill>
+                <a:latin typeface="Times New Roman" pitchFamily="18" charset="0"/>
+                <a:ea typeface="ＭＳ Ｐゴシック" charset="-128"/>
+              </a:defRPr>
+            </a:lvl8pPr>
+            <a:lvl9pPr defTabSz="381000" fontAlgn="base">
+              <a:spcBef>
+                <a:spcPct val="0"/>
+              </a:spcBef>
+              <a:spcAft>
+                <a:spcPct val="0"/>
+              </a:spcAft>
+              <a:defRPr kumimoji="1" sz="2400">
+                <a:solidFill>
+                  <a:schemeClr val="tx1"/>
+                </a:solidFill>
+                <a:latin typeface="Times New Roman" pitchFamily="18" charset="0"/>
+                <a:ea typeface="ＭＳ Ｐゴシック" charset="-128"/>
+              </a:defRPr>
+            </a:lvl9pPr>
+          </a:lstStyle>
+          <a:p>
+            <a:pPr lvl="0">
+              <a:spcBef>
+                <a:spcPct val="20000"/>
+              </a:spcBef>
+              <a:buClr>
+                <a:srgbClr val="FFFFFF"/>
+              </a:buClr>
+              <a:defRPr/>
+            </a:pPr>
+            <a:r>
+              <a:rPr lang="en-US" altLang="ja-JP" b="1" kern="0" dirty="0" smtClean="0">
+                <a:solidFill>
+                  <a:srgbClr val="FFFFFF"/>
+                </a:solidFill>
+                <a:latin typeface="+mn-lt"/>
+              </a:rPr>
+              <a:t>4. </a:t>
+            </a:r>
+            <a:r>
+              <a:rPr lang="en-US" altLang="ja-JP" b="1" kern="0" dirty="0" smtClean="0">
+                <a:solidFill>
+                  <a:srgbClr val="FFFFFF"/>
+                </a:solidFill>
+                <a:latin typeface="+mn-lt"/>
+              </a:rPr>
+              <a:t>BDD</a:t>
+            </a:r>
+            <a:endParaRPr kumimoji="1" lang="ja-JP" altLang="en-US" b="1" i="0" u="none" strike="noStrike" kern="0" cap="none" spc="0" normalizeH="0" baseline="0" noProof="0" dirty="0" smtClean="0">
+              <a:ln>
+                <a:noFill/>
+              </a:ln>
+              <a:solidFill>
+                <a:srgbClr val="FFFFFF"/>
+              </a:solidFill>
+              <a:effectLst/>
+              <a:uLnTx/>
+              <a:uFillTx/>
+              <a:latin typeface="+mn-lt"/>
+            </a:endParaRPr>
+          </a:p>
+        </p:txBody>
+      </p:sp>
+      <p:sp>
+        <p:nvSpPr>
+          <p:cNvPr id="7" name="Text Box 17"/>
+          <p:cNvSpPr txBox="1">
+            <a:spLocks noChangeArrowheads="1"/>
+          </p:cNvSpPr>
+          <p:nvPr/>
+        </p:nvSpPr>
+        <p:spPr bwMode="auto">
+          <a:xfrm>
+            <a:off x="445331" y="4551272"/>
+            <a:ext cx="8240400" cy="540000"/>
+          </a:xfrm>
+          <a:prstGeom prst="rect">
+            <a:avLst/>
+          </a:prstGeom>
+          <a:solidFill>
+            <a:srgbClr val="C00000"/>
+          </a:solidFill>
+          <a:ln w="12700">
+            <a:solidFill>
+              <a:srgbClr val="BF0000"/>
+            </a:solidFill>
+            <a:miter lim="800000"/>
+            <a:headEnd/>
+            <a:tailEnd/>
+          </a:ln>
+          <a:effectLst>
+            <a:outerShdw blurRad="88900" dist="38100" dir="8100000" algn="ctr" rotWithShape="0">
+              <a:schemeClr val="tx1">
+                <a:alpha val="30000"/>
+              </a:schemeClr>
+            </a:outerShdw>
+          </a:effectLst>
+          <a:extLst/>
+        </p:spPr>
+        <p:txBody>
+          <a:bodyPr anchor="ctr" anchorCtr="0"/>
+          <a:lstStyle>
+            <a:lvl1pPr algn="l" defTabSz="381000">
+              <a:spcBef>
+                <a:spcPct val="0"/>
+              </a:spcBef>
+              <a:defRPr kumimoji="1" sz="2400">
+                <a:solidFill>
+                  <a:schemeClr val="tx1"/>
+                </a:solidFill>
+                <a:latin typeface="Times New Roman" pitchFamily="18" charset="0"/>
+                <a:ea typeface="ＭＳ Ｐゴシック" charset="-128"/>
+              </a:defRPr>
+            </a:lvl1pPr>
+            <a:lvl2pPr algn="l" defTabSz="381000">
+              <a:spcBef>
+                <a:spcPct val="0"/>
+              </a:spcBef>
+              <a:defRPr kumimoji="1" sz="2400">
+                <a:solidFill>
+                  <a:schemeClr val="tx1"/>
+                </a:solidFill>
+                <a:latin typeface="Times New Roman" pitchFamily="18" charset="0"/>
+                <a:ea typeface="ＭＳ Ｐゴシック" charset="-128"/>
+              </a:defRPr>
+            </a:lvl2pPr>
+            <a:lvl3pPr algn="l" defTabSz="381000">
+              <a:spcBef>
+                <a:spcPct val="0"/>
+              </a:spcBef>
+              <a:defRPr kumimoji="1" sz="2400">
+                <a:solidFill>
+                  <a:schemeClr val="tx1"/>
+                </a:solidFill>
+                <a:latin typeface="Times New Roman" pitchFamily="18" charset="0"/>
+                <a:ea typeface="ＭＳ Ｐゴシック" charset="-128"/>
+              </a:defRPr>
+            </a:lvl3pPr>
+            <a:lvl4pPr algn="l" defTabSz="381000">
+              <a:spcBef>
+                <a:spcPct val="0"/>
+              </a:spcBef>
+              <a:defRPr kumimoji="1" sz="2400">
+                <a:solidFill>
+                  <a:schemeClr val="tx1"/>
+                </a:solidFill>
+                <a:latin typeface="Times New Roman" pitchFamily="18" charset="0"/>
+                <a:ea typeface="ＭＳ Ｐゴシック" charset="-128"/>
+              </a:defRPr>
+            </a:lvl4pPr>
+            <a:lvl5pPr algn="l" defTabSz="381000">
+              <a:spcBef>
+                <a:spcPct val="0"/>
+              </a:spcBef>
+              <a:defRPr kumimoji="1" sz="2400">
+                <a:solidFill>
+                  <a:schemeClr val="tx1"/>
+                </a:solidFill>
+                <a:latin typeface="Times New Roman" pitchFamily="18" charset="0"/>
+                <a:ea typeface="ＭＳ Ｐゴシック" charset="-128"/>
+              </a:defRPr>
+            </a:lvl5pPr>
+            <a:lvl6pPr defTabSz="381000" fontAlgn="base">
+              <a:spcBef>
+                <a:spcPct val="0"/>
+              </a:spcBef>
+              <a:spcAft>
+                <a:spcPct val="0"/>
+              </a:spcAft>
+              <a:defRPr kumimoji="1" sz="2400">
+                <a:solidFill>
+                  <a:schemeClr val="tx1"/>
+                </a:solidFill>
+                <a:latin typeface="Times New Roman" pitchFamily="18" charset="0"/>
+                <a:ea typeface="ＭＳ Ｐゴシック" charset="-128"/>
+              </a:defRPr>
+            </a:lvl6pPr>
+            <a:lvl7pPr defTabSz="381000" fontAlgn="base">
+              <a:spcBef>
+                <a:spcPct val="0"/>
+              </a:spcBef>
+              <a:spcAft>
+                <a:spcPct val="0"/>
+              </a:spcAft>
+              <a:defRPr kumimoji="1" sz="2400">
+                <a:solidFill>
+                  <a:schemeClr val="tx1"/>
+                </a:solidFill>
+                <a:latin typeface="Times New Roman" pitchFamily="18" charset="0"/>
+                <a:ea typeface="ＭＳ Ｐゴシック" charset="-128"/>
+              </a:defRPr>
+            </a:lvl7pPr>
+            <a:lvl8pPr defTabSz="381000" fontAlgn="base">
+              <a:spcBef>
+                <a:spcPct val="0"/>
+              </a:spcBef>
+              <a:spcAft>
+                <a:spcPct val="0"/>
+              </a:spcAft>
+              <a:defRPr kumimoji="1" sz="2400">
+                <a:solidFill>
+                  <a:schemeClr val="tx1"/>
+                </a:solidFill>
+                <a:latin typeface="Times New Roman" pitchFamily="18" charset="0"/>
+                <a:ea typeface="ＭＳ Ｐゴシック" charset="-128"/>
+              </a:defRPr>
+            </a:lvl8pPr>
+            <a:lvl9pPr defTabSz="381000" fontAlgn="base">
+              <a:spcBef>
+                <a:spcPct val="0"/>
+              </a:spcBef>
+              <a:spcAft>
+                <a:spcPct val="0"/>
+              </a:spcAft>
+              <a:defRPr kumimoji="1" sz="2400">
+                <a:solidFill>
+                  <a:schemeClr val="tx1"/>
+                </a:solidFill>
+                <a:latin typeface="Times New Roman" pitchFamily="18" charset="0"/>
+                <a:ea typeface="ＭＳ Ｐゴシック" charset="-128"/>
+              </a:defRPr>
+            </a:lvl9pPr>
+          </a:lstStyle>
+          <a:p>
+            <a:pPr lvl="0">
+              <a:spcBef>
+                <a:spcPct val="20000"/>
+              </a:spcBef>
+              <a:buClr>
+                <a:srgbClr val="FFFFFF"/>
+              </a:buClr>
+              <a:defRPr/>
+            </a:pPr>
+            <a:r>
+              <a:rPr lang="en-US" altLang="ja-JP" b="1" kern="0" dirty="0" smtClean="0">
+                <a:solidFill>
+                  <a:srgbClr val="FFFFFF"/>
+                </a:solidFill>
+                <a:latin typeface="+mn-lt"/>
+              </a:rPr>
+              <a:t>5. </a:t>
+            </a:r>
+            <a:r>
+              <a:rPr lang="en-US" altLang="ja-JP" b="1" kern="0" dirty="0">
+                <a:solidFill>
+                  <a:srgbClr val="FFFFFF"/>
+                </a:solidFill>
+                <a:latin typeface="+mn-lt"/>
+              </a:rPr>
+              <a:t>Problems, Possibility and Future</a:t>
+            </a:r>
+            <a:endParaRPr kumimoji="1" lang="ja-JP" altLang="en-US" b="1" i="0" u="none" strike="noStrike" kern="0" cap="none" spc="0" normalizeH="0" baseline="0" noProof="0" dirty="0" smtClean="0">
+              <a:ln>
+                <a:noFill/>
+              </a:ln>
+              <a:solidFill>
+                <a:srgbClr val="FFFFFF"/>
+              </a:solidFill>
+              <a:effectLst/>
+              <a:uLnTx/>
+              <a:uFillTx/>
+              <a:latin typeface="+mn-lt"/>
+            </a:endParaRPr>
+          </a:p>
+        </p:txBody>
+      </p:sp>
+      <p:sp>
+        <p:nvSpPr>
+          <p:cNvPr id="11" name="Text Box 17"/>
+          <p:cNvSpPr txBox="1">
+            <a:spLocks noChangeArrowheads="1"/>
+          </p:cNvSpPr>
+          <p:nvPr/>
+        </p:nvSpPr>
+        <p:spPr bwMode="auto">
+          <a:xfrm>
+            <a:off x="445331" y="5425904"/>
+            <a:ext cx="8240400" cy="540000"/>
+          </a:xfrm>
+          <a:prstGeom prst="rect">
+            <a:avLst/>
+          </a:prstGeom>
+          <a:solidFill>
+            <a:srgbClr val="C00000"/>
+          </a:solidFill>
+          <a:ln w="12700">
+            <a:solidFill>
+              <a:srgbClr val="BF0000"/>
+            </a:solidFill>
+            <a:miter lim="800000"/>
+            <a:headEnd/>
+            <a:tailEnd/>
+          </a:ln>
+          <a:effectLst>
+            <a:outerShdw blurRad="88900" dist="38100" dir="8100000" algn="ctr" rotWithShape="0">
+              <a:schemeClr val="tx1">
+                <a:alpha val="30000"/>
+              </a:schemeClr>
+            </a:outerShdw>
+          </a:effectLst>
+          <a:extLst/>
+        </p:spPr>
+        <p:txBody>
+          <a:bodyPr anchor="ctr" anchorCtr="0"/>
+          <a:lstStyle>
+            <a:lvl1pPr algn="l" defTabSz="381000">
+              <a:spcBef>
+                <a:spcPct val="0"/>
+              </a:spcBef>
+              <a:defRPr kumimoji="1" sz="2400">
+                <a:solidFill>
+                  <a:schemeClr val="tx1"/>
+                </a:solidFill>
+                <a:latin typeface="Times New Roman" pitchFamily="18" charset="0"/>
+                <a:ea typeface="ＭＳ Ｐゴシック" charset="-128"/>
+              </a:defRPr>
+            </a:lvl1pPr>
+            <a:lvl2pPr algn="l" defTabSz="381000">
+              <a:spcBef>
+                <a:spcPct val="0"/>
+              </a:spcBef>
+              <a:defRPr kumimoji="1" sz="2400">
+                <a:solidFill>
+                  <a:schemeClr val="tx1"/>
+                </a:solidFill>
+                <a:latin typeface="Times New Roman" pitchFamily="18" charset="0"/>
+                <a:ea typeface="ＭＳ Ｐゴシック" charset="-128"/>
+              </a:defRPr>
+            </a:lvl2pPr>
+            <a:lvl3pPr algn="l" defTabSz="381000">
+              <a:spcBef>
+                <a:spcPct val="0"/>
+              </a:spcBef>
+              <a:defRPr kumimoji="1" sz="2400">
+                <a:solidFill>
+                  <a:schemeClr val="tx1"/>
+                </a:solidFill>
+                <a:latin typeface="Times New Roman" pitchFamily="18" charset="0"/>
+                <a:ea typeface="ＭＳ Ｐゴシック" charset="-128"/>
+              </a:defRPr>
+            </a:lvl3pPr>
+            <a:lvl4pPr algn="l" defTabSz="381000">
+              <a:spcBef>
+                <a:spcPct val="0"/>
+              </a:spcBef>
+              <a:defRPr kumimoji="1" sz="2400">
+                <a:solidFill>
+                  <a:schemeClr val="tx1"/>
+                </a:solidFill>
+                <a:latin typeface="Times New Roman" pitchFamily="18" charset="0"/>
+                <a:ea typeface="ＭＳ Ｐゴシック" charset="-128"/>
+              </a:defRPr>
+            </a:lvl4pPr>
+            <a:lvl5pPr algn="l" defTabSz="381000">
+              <a:spcBef>
+                <a:spcPct val="0"/>
+              </a:spcBef>
+              <a:defRPr kumimoji="1" sz="2400">
+                <a:solidFill>
+                  <a:schemeClr val="tx1"/>
+                </a:solidFill>
+                <a:latin typeface="Times New Roman" pitchFamily="18" charset="0"/>
+                <a:ea typeface="ＭＳ Ｐゴシック" charset="-128"/>
+              </a:defRPr>
+            </a:lvl5pPr>
+            <a:lvl6pPr defTabSz="381000" fontAlgn="base">
+              <a:spcBef>
+                <a:spcPct val="0"/>
+              </a:spcBef>
+              <a:spcAft>
+                <a:spcPct val="0"/>
+              </a:spcAft>
+              <a:defRPr kumimoji="1" sz="2400">
+                <a:solidFill>
+                  <a:schemeClr val="tx1"/>
+                </a:solidFill>
+                <a:latin typeface="Times New Roman" pitchFamily="18" charset="0"/>
+                <a:ea typeface="ＭＳ Ｐゴシック" charset="-128"/>
+              </a:defRPr>
+            </a:lvl6pPr>
+            <a:lvl7pPr defTabSz="381000" fontAlgn="base">
+              <a:spcBef>
+                <a:spcPct val="0"/>
+              </a:spcBef>
+              <a:spcAft>
+                <a:spcPct val="0"/>
+              </a:spcAft>
+              <a:defRPr kumimoji="1" sz="2400">
+                <a:solidFill>
+                  <a:schemeClr val="tx1"/>
+                </a:solidFill>
+                <a:latin typeface="Times New Roman" pitchFamily="18" charset="0"/>
+                <a:ea typeface="ＭＳ Ｐゴシック" charset="-128"/>
+              </a:defRPr>
+            </a:lvl7pPr>
+            <a:lvl8pPr defTabSz="381000" fontAlgn="base">
+              <a:spcBef>
+                <a:spcPct val="0"/>
+              </a:spcBef>
+              <a:spcAft>
+                <a:spcPct val="0"/>
+              </a:spcAft>
+              <a:defRPr kumimoji="1" sz="2400">
+                <a:solidFill>
+                  <a:schemeClr val="tx1"/>
+                </a:solidFill>
+                <a:latin typeface="Times New Roman" pitchFamily="18" charset="0"/>
+                <a:ea typeface="ＭＳ Ｐゴシック" charset="-128"/>
+              </a:defRPr>
+            </a:lvl8pPr>
+            <a:lvl9pPr defTabSz="381000" fontAlgn="base">
+              <a:spcBef>
+                <a:spcPct val="0"/>
+              </a:spcBef>
+              <a:spcAft>
+                <a:spcPct val="0"/>
+              </a:spcAft>
+              <a:defRPr kumimoji="1" sz="2400">
+                <a:solidFill>
+                  <a:schemeClr val="tx1"/>
+                </a:solidFill>
+                <a:latin typeface="Times New Roman" pitchFamily="18" charset="0"/>
+                <a:ea typeface="ＭＳ Ｐゴシック" charset="-128"/>
+              </a:defRPr>
+            </a:lvl9pPr>
+          </a:lstStyle>
+          <a:p>
+            <a:pPr lvl="0">
+              <a:spcBef>
+                <a:spcPct val="20000"/>
+              </a:spcBef>
+              <a:buClr>
+                <a:srgbClr val="FFFFFF"/>
+              </a:buClr>
+              <a:defRPr/>
+            </a:pPr>
+            <a:r>
+              <a:rPr lang="en-US" altLang="ja-JP" b="1" kern="0" dirty="0" smtClean="0">
+                <a:solidFill>
+                  <a:srgbClr val="FFFFFF"/>
+                </a:solidFill>
+                <a:latin typeface="+mn-lt"/>
+              </a:rPr>
+              <a:t>6</a:t>
+            </a:r>
+            <a:r>
+              <a:rPr lang="en-US" altLang="ja-JP" b="1" kern="0" dirty="0">
+                <a:solidFill>
+                  <a:srgbClr val="FFFFFF"/>
+                </a:solidFill>
+                <a:latin typeface="+mn-lt"/>
+              </a:rPr>
+              <a:t>. Conclusions</a:t>
+            </a:r>
+            <a:endParaRPr kumimoji="1" lang="ja-JP" altLang="en-US" b="1" i="0" u="none" strike="noStrike" kern="0" cap="none" spc="0" normalizeH="0" baseline="0" noProof="0" dirty="0" smtClean="0">
+              <a:ln>
+                <a:noFill/>
+              </a:ln>
+              <a:solidFill>
+                <a:srgbClr val="FFFFFF"/>
+              </a:solidFill>
+              <a:effectLst/>
+              <a:uLnTx/>
+              <a:uFillTx/>
+              <a:latin typeface="+mn-lt"/>
+            </a:endParaRPr>
+          </a:p>
+        </p:txBody>
+      </p:sp>
+    </p:spTree>
+    <p:extLst>
+      <p:ext uri="{BB962C8B-B14F-4D97-AF65-F5344CB8AC3E}">
+        <p14:creationId xmlns:p14="http://schemas.microsoft.com/office/powerpoint/2010/main" val="3773336615"/>
+      </p:ext>
+    </p:extLst>
+  </p:cSld>
+  <p:clrMapOvr>
+    <a:masterClrMapping/>
+  </p:clrMapOvr>
+  <p:timing>
+    <p:tnLst>
+      <p:par>
+        <p:cTn id="1" dur="indefinite" restart="never" nodeType="tmRoot"/>
+      </p:par>
+    </p:tnLst>
+  </p:timing>
+</p:sld>
+</file>
+
+<file path=ppt/slides/slide30.xml><?xml version="1.0" encoding="utf-8"?>
 <p:sld xmlns:a="http://schemas.openxmlformats.org/drawingml/2006/main" xmlns:r="http://schemas.openxmlformats.org/officeDocument/2006/relationships" xmlns:p="http://schemas.openxmlformats.org/presentationml/2006/main">
   <p:cSld>
     <p:spTree>
@@ -24754,7 +26542,7 @@
 </p:sld>
 </file>
 
-<file path=ppt/slides/slide32.xml><?xml version="1.0" encoding="utf-8"?>
+<file path=ppt/slides/slide31.xml><?xml version="1.0" encoding="utf-8"?>
 <p:sld xmlns:a="http://schemas.openxmlformats.org/drawingml/2006/main" xmlns:r="http://schemas.openxmlformats.org/officeDocument/2006/relationships" xmlns:p="http://schemas.openxmlformats.org/presentationml/2006/main">
   <p:cSld>
     <p:spTree>
@@ -26463,7 +28251,7 @@
 </p:sld>
 </file>
 
-<file path=ppt/slides/slide33.xml><?xml version="1.0" encoding="utf-8"?>
+<file path=ppt/slides/slide32.xml><?xml version="1.0" encoding="utf-8"?>
 <p:sld xmlns:a="http://schemas.openxmlformats.org/drawingml/2006/main" xmlns:r="http://schemas.openxmlformats.org/officeDocument/2006/relationships" xmlns:p="http://schemas.openxmlformats.org/presentationml/2006/main">
   <p:cSld>
     <p:spTree>
@@ -26568,6 +28356,1302 @@
     <p:extLst>
       <p:ext uri="{BB962C8B-B14F-4D97-AF65-F5344CB8AC3E}">
         <p14:creationId xmlns:p14="http://schemas.microsoft.com/office/powerpoint/2010/main" val="2750390317"/>
+      </p:ext>
+    </p:extLst>
+  </p:cSld>
+  <p:clrMapOvr>
+    <a:masterClrMapping/>
+  </p:clrMapOvr>
+  <p:timing>
+    <p:tnLst>
+      <p:par>
+        <p:cTn id="1" dur="indefinite" restart="never" nodeType="tmRoot"/>
+      </p:par>
+    </p:tnLst>
+  </p:timing>
+</p:sld>
+</file>
+
+<file path=ppt/slides/slide33.xml><?xml version="1.0" encoding="utf-8"?>
+<p:sld xmlns:a="http://schemas.openxmlformats.org/drawingml/2006/main" xmlns:r="http://schemas.openxmlformats.org/officeDocument/2006/relationships" xmlns:p="http://schemas.openxmlformats.org/presentationml/2006/main">
+  <p:cSld>
+    <p:spTree>
+      <p:nvGrpSpPr>
+        <p:cNvPr id="1" name=""/>
+        <p:cNvGrpSpPr/>
+        <p:nvPr/>
+      </p:nvGrpSpPr>
+      <p:grpSpPr>
+        <a:xfrm>
+          <a:off x="0" y="0"/>
+          <a:ext cx="0" cy="0"/>
+          <a:chOff x="0" y="0"/>
+          <a:chExt cx="0" cy="0"/>
+        </a:xfrm>
+      </p:grpSpPr>
+      <p:sp>
+        <p:nvSpPr>
+          <p:cNvPr id="5" name="Text Box 17"/>
+          <p:cNvSpPr txBox="1">
+            <a:spLocks noChangeArrowheads="1"/>
+          </p:cNvSpPr>
+          <p:nvPr/>
+        </p:nvSpPr>
+        <p:spPr bwMode="auto">
+          <a:xfrm>
+            <a:off x="445331" y="1052736"/>
+            <a:ext cx="8240400" cy="540000"/>
+          </a:xfrm>
+          <a:prstGeom prst="rect">
+            <a:avLst/>
+          </a:prstGeom>
+          <a:solidFill>
+            <a:schemeClr val="bg1">
+              <a:lumMod val="50000"/>
+            </a:schemeClr>
+          </a:solidFill>
+          <a:ln w="12700">
+            <a:solidFill>
+              <a:schemeClr val="tx1"/>
+            </a:solidFill>
+            <a:miter lim="800000"/>
+            <a:headEnd/>
+            <a:tailEnd/>
+          </a:ln>
+          <a:effectLst>
+            <a:outerShdw blurRad="88900" dist="38100" dir="8100000" algn="ctr" rotWithShape="0">
+              <a:schemeClr val="tx1">
+                <a:alpha val="30000"/>
+              </a:schemeClr>
+            </a:outerShdw>
+          </a:effectLst>
+          <a:extLst/>
+        </p:spPr>
+        <p:txBody>
+          <a:bodyPr anchor="ctr" anchorCtr="0"/>
+          <a:lstStyle>
+            <a:lvl1pPr algn="l" defTabSz="381000">
+              <a:spcBef>
+                <a:spcPct val="0"/>
+              </a:spcBef>
+              <a:defRPr kumimoji="1" sz="2400">
+                <a:solidFill>
+                  <a:schemeClr val="tx1"/>
+                </a:solidFill>
+                <a:latin typeface="Times New Roman" pitchFamily="18" charset="0"/>
+                <a:ea typeface="ＭＳ Ｐゴシック" charset="-128"/>
+              </a:defRPr>
+            </a:lvl1pPr>
+            <a:lvl2pPr algn="l" defTabSz="381000">
+              <a:spcBef>
+                <a:spcPct val="0"/>
+              </a:spcBef>
+              <a:defRPr kumimoji="1" sz="2400">
+                <a:solidFill>
+                  <a:schemeClr val="tx1"/>
+                </a:solidFill>
+                <a:latin typeface="Times New Roman" pitchFamily="18" charset="0"/>
+                <a:ea typeface="ＭＳ Ｐゴシック" charset="-128"/>
+              </a:defRPr>
+            </a:lvl2pPr>
+            <a:lvl3pPr algn="l" defTabSz="381000">
+              <a:spcBef>
+                <a:spcPct val="0"/>
+              </a:spcBef>
+              <a:defRPr kumimoji="1" sz="2400">
+                <a:solidFill>
+                  <a:schemeClr val="tx1"/>
+                </a:solidFill>
+                <a:latin typeface="Times New Roman" pitchFamily="18" charset="0"/>
+                <a:ea typeface="ＭＳ Ｐゴシック" charset="-128"/>
+              </a:defRPr>
+            </a:lvl3pPr>
+            <a:lvl4pPr algn="l" defTabSz="381000">
+              <a:spcBef>
+                <a:spcPct val="0"/>
+              </a:spcBef>
+              <a:defRPr kumimoji="1" sz="2400">
+                <a:solidFill>
+                  <a:schemeClr val="tx1"/>
+                </a:solidFill>
+                <a:latin typeface="Times New Roman" pitchFamily="18" charset="0"/>
+                <a:ea typeface="ＭＳ Ｐゴシック" charset="-128"/>
+              </a:defRPr>
+            </a:lvl4pPr>
+            <a:lvl5pPr algn="l" defTabSz="381000">
+              <a:spcBef>
+                <a:spcPct val="0"/>
+              </a:spcBef>
+              <a:defRPr kumimoji="1" sz="2400">
+                <a:solidFill>
+                  <a:schemeClr val="tx1"/>
+                </a:solidFill>
+                <a:latin typeface="Times New Roman" pitchFamily="18" charset="0"/>
+                <a:ea typeface="ＭＳ Ｐゴシック" charset="-128"/>
+              </a:defRPr>
+            </a:lvl5pPr>
+            <a:lvl6pPr defTabSz="381000" fontAlgn="base">
+              <a:spcBef>
+                <a:spcPct val="0"/>
+              </a:spcBef>
+              <a:spcAft>
+                <a:spcPct val="0"/>
+              </a:spcAft>
+              <a:defRPr kumimoji="1" sz="2400">
+                <a:solidFill>
+                  <a:schemeClr val="tx1"/>
+                </a:solidFill>
+                <a:latin typeface="Times New Roman" pitchFamily="18" charset="0"/>
+                <a:ea typeface="ＭＳ Ｐゴシック" charset="-128"/>
+              </a:defRPr>
+            </a:lvl6pPr>
+            <a:lvl7pPr defTabSz="381000" fontAlgn="base">
+              <a:spcBef>
+                <a:spcPct val="0"/>
+              </a:spcBef>
+              <a:spcAft>
+                <a:spcPct val="0"/>
+              </a:spcAft>
+              <a:defRPr kumimoji="1" sz="2400">
+                <a:solidFill>
+                  <a:schemeClr val="tx1"/>
+                </a:solidFill>
+                <a:latin typeface="Times New Roman" pitchFamily="18" charset="0"/>
+                <a:ea typeface="ＭＳ Ｐゴシック" charset="-128"/>
+              </a:defRPr>
+            </a:lvl7pPr>
+            <a:lvl8pPr defTabSz="381000" fontAlgn="base">
+              <a:spcBef>
+                <a:spcPct val="0"/>
+              </a:spcBef>
+              <a:spcAft>
+                <a:spcPct val="0"/>
+              </a:spcAft>
+              <a:defRPr kumimoji="1" sz="2400">
+                <a:solidFill>
+                  <a:schemeClr val="tx1"/>
+                </a:solidFill>
+                <a:latin typeface="Times New Roman" pitchFamily="18" charset="0"/>
+                <a:ea typeface="ＭＳ Ｐゴシック" charset="-128"/>
+              </a:defRPr>
+            </a:lvl8pPr>
+            <a:lvl9pPr defTabSz="381000" fontAlgn="base">
+              <a:spcBef>
+                <a:spcPct val="0"/>
+              </a:spcBef>
+              <a:spcAft>
+                <a:spcPct val="0"/>
+              </a:spcAft>
+              <a:defRPr kumimoji="1" sz="2400">
+                <a:solidFill>
+                  <a:schemeClr val="tx1"/>
+                </a:solidFill>
+                <a:latin typeface="Times New Roman" pitchFamily="18" charset="0"/>
+                <a:ea typeface="ＭＳ Ｐゴシック" charset="-128"/>
+              </a:defRPr>
+            </a:lvl9pPr>
+          </a:lstStyle>
+          <a:p>
+            <a:pPr lvl="0">
+              <a:spcBef>
+                <a:spcPct val="20000"/>
+              </a:spcBef>
+              <a:buClr>
+                <a:srgbClr val="FFFFFF"/>
+              </a:buClr>
+              <a:defRPr/>
+            </a:pPr>
+            <a:r>
+              <a:rPr kumimoji="1" lang="en-US" altLang="ja-JP" b="1" i="0" u="none" strike="noStrike" kern="0" cap="none" spc="0" normalizeH="0" baseline="0" noProof="0" dirty="0" smtClean="0">
+                <a:ln>
+                  <a:noFill/>
+                </a:ln>
+                <a:solidFill>
+                  <a:srgbClr val="FFFFFF"/>
+                </a:solidFill>
+                <a:effectLst/>
+                <a:uLnTx/>
+                <a:uFillTx/>
+                <a:latin typeface="+mn-lt"/>
+                <a:ea typeface="ＭＳ Ｐゴシック" panose="020B0600070205080204" pitchFamily="50" charset="-128"/>
+              </a:rPr>
+              <a:t>1. </a:t>
+            </a:r>
+            <a:r>
+              <a:rPr lang="en-US" altLang="ja-JP" b="1" kern="0" dirty="0">
+                <a:solidFill>
+                  <a:srgbClr val="FFFFFF"/>
+                </a:solidFill>
+                <a:latin typeface="+mn-lt"/>
+                <a:ea typeface="ＭＳ Ｐゴシック" panose="020B0600070205080204" pitchFamily="50" charset="-128"/>
+              </a:rPr>
+              <a:t>Conditions and </a:t>
+            </a:r>
+            <a:r>
+              <a:rPr lang="en-US" altLang="ja-JP" b="1" kern="0" dirty="0" smtClean="0">
+                <a:solidFill>
+                  <a:srgbClr val="FFFFFF"/>
+                </a:solidFill>
+                <a:latin typeface="+mn-lt"/>
+                <a:ea typeface="ＭＳ Ｐゴシック" panose="020B0600070205080204" pitchFamily="50" charset="-128"/>
+              </a:rPr>
+              <a:t>Challenges</a:t>
+            </a:r>
+            <a:endParaRPr kumimoji="1" lang="ja-JP" altLang="en-US" b="1" i="0" u="none" strike="noStrike" kern="0" cap="none" spc="0" normalizeH="0" baseline="0" noProof="0" dirty="0" smtClean="0">
+              <a:ln>
+                <a:noFill/>
+              </a:ln>
+              <a:solidFill>
+                <a:srgbClr val="FFFFFF"/>
+              </a:solidFill>
+              <a:effectLst/>
+              <a:uLnTx/>
+              <a:uFillTx/>
+              <a:latin typeface="+mn-lt"/>
+              <a:ea typeface="ＭＳ Ｐゴシック" panose="020B0600070205080204" pitchFamily="50" charset="-128"/>
+            </a:endParaRPr>
+          </a:p>
+        </p:txBody>
+      </p:sp>
+      <p:sp>
+        <p:nvSpPr>
+          <p:cNvPr id="8" name="Text Box 17"/>
+          <p:cNvSpPr txBox="1">
+            <a:spLocks noChangeArrowheads="1"/>
+          </p:cNvSpPr>
+          <p:nvPr/>
+        </p:nvSpPr>
+        <p:spPr bwMode="auto">
+          <a:xfrm>
+            <a:off x="445331" y="2802004"/>
+            <a:ext cx="8240400" cy="540000"/>
+          </a:xfrm>
+          <a:prstGeom prst="rect">
+            <a:avLst/>
+          </a:prstGeom>
+          <a:solidFill>
+            <a:schemeClr val="bg1">
+              <a:lumMod val="50000"/>
+            </a:schemeClr>
+          </a:solidFill>
+          <a:ln w="12700">
+            <a:solidFill>
+              <a:schemeClr val="tx1"/>
+            </a:solidFill>
+            <a:miter lim="800000"/>
+            <a:headEnd/>
+            <a:tailEnd/>
+          </a:ln>
+          <a:effectLst>
+            <a:outerShdw blurRad="88900" dist="38100" dir="8100000" algn="ctr" rotWithShape="0">
+              <a:schemeClr val="tx1">
+                <a:alpha val="30000"/>
+              </a:schemeClr>
+            </a:outerShdw>
+          </a:effectLst>
+          <a:extLst/>
+        </p:spPr>
+        <p:txBody>
+          <a:bodyPr anchor="ctr" anchorCtr="0"/>
+          <a:lstStyle>
+            <a:lvl1pPr algn="l" defTabSz="381000">
+              <a:spcBef>
+                <a:spcPct val="0"/>
+              </a:spcBef>
+              <a:defRPr kumimoji="1" sz="2400">
+                <a:solidFill>
+                  <a:schemeClr val="tx1"/>
+                </a:solidFill>
+                <a:latin typeface="Times New Roman" pitchFamily="18" charset="0"/>
+                <a:ea typeface="ＭＳ Ｐゴシック" charset="-128"/>
+              </a:defRPr>
+            </a:lvl1pPr>
+            <a:lvl2pPr algn="l" defTabSz="381000">
+              <a:spcBef>
+                <a:spcPct val="0"/>
+              </a:spcBef>
+              <a:defRPr kumimoji="1" sz="2400">
+                <a:solidFill>
+                  <a:schemeClr val="tx1"/>
+                </a:solidFill>
+                <a:latin typeface="Times New Roman" pitchFamily="18" charset="0"/>
+                <a:ea typeface="ＭＳ Ｐゴシック" charset="-128"/>
+              </a:defRPr>
+            </a:lvl2pPr>
+            <a:lvl3pPr algn="l" defTabSz="381000">
+              <a:spcBef>
+                <a:spcPct val="0"/>
+              </a:spcBef>
+              <a:defRPr kumimoji="1" sz="2400">
+                <a:solidFill>
+                  <a:schemeClr val="tx1"/>
+                </a:solidFill>
+                <a:latin typeface="Times New Roman" pitchFamily="18" charset="0"/>
+                <a:ea typeface="ＭＳ Ｐゴシック" charset="-128"/>
+              </a:defRPr>
+            </a:lvl3pPr>
+            <a:lvl4pPr algn="l" defTabSz="381000">
+              <a:spcBef>
+                <a:spcPct val="0"/>
+              </a:spcBef>
+              <a:defRPr kumimoji="1" sz="2400">
+                <a:solidFill>
+                  <a:schemeClr val="tx1"/>
+                </a:solidFill>
+                <a:latin typeface="Times New Roman" pitchFamily="18" charset="0"/>
+                <a:ea typeface="ＭＳ Ｐゴシック" charset="-128"/>
+              </a:defRPr>
+            </a:lvl4pPr>
+            <a:lvl5pPr algn="l" defTabSz="381000">
+              <a:spcBef>
+                <a:spcPct val="0"/>
+              </a:spcBef>
+              <a:defRPr kumimoji="1" sz="2400">
+                <a:solidFill>
+                  <a:schemeClr val="tx1"/>
+                </a:solidFill>
+                <a:latin typeface="Times New Roman" pitchFamily="18" charset="0"/>
+                <a:ea typeface="ＭＳ Ｐゴシック" charset="-128"/>
+              </a:defRPr>
+            </a:lvl5pPr>
+            <a:lvl6pPr defTabSz="381000" fontAlgn="base">
+              <a:spcBef>
+                <a:spcPct val="0"/>
+              </a:spcBef>
+              <a:spcAft>
+                <a:spcPct val="0"/>
+              </a:spcAft>
+              <a:defRPr kumimoji="1" sz="2400">
+                <a:solidFill>
+                  <a:schemeClr val="tx1"/>
+                </a:solidFill>
+                <a:latin typeface="Times New Roman" pitchFamily="18" charset="0"/>
+                <a:ea typeface="ＭＳ Ｐゴシック" charset="-128"/>
+              </a:defRPr>
+            </a:lvl6pPr>
+            <a:lvl7pPr defTabSz="381000" fontAlgn="base">
+              <a:spcBef>
+                <a:spcPct val="0"/>
+              </a:spcBef>
+              <a:spcAft>
+                <a:spcPct val="0"/>
+              </a:spcAft>
+              <a:defRPr kumimoji="1" sz="2400">
+                <a:solidFill>
+                  <a:schemeClr val="tx1"/>
+                </a:solidFill>
+                <a:latin typeface="Times New Roman" pitchFamily="18" charset="0"/>
+                <a:ea typeface="ＭＳ Ｐゴシック" charset="-128"/>
+              </a:defRPr>
+            </a:lvl7pPr>
+            <a:lvl8pPr defTabSz="381000" fontAlgn="base">
+              <a:spcBef>
+                <a:spcPct val="0"/>
+              </a:spcBef>
+              <a:spcAft>
+                <a:spcPct val="0"/>
+              </a:spcAft>
+              <a:defRPr kumimoji="1" sz="2400">
+                <a:solidFill>
+                  <a:schemeClr val="tx1"/>
+                </a:solidFill>
+                <a:latin typeface="Times New Roman" pitchFamily="18" charset="0"/>
+                <a:ea typeface="ＭＳ Ｐゴシック" charset="-128"/>
+              </a:defRPr>
+            </a:lvl8pPr>
+            <a:lvl9pPr defTabSz="381000" fontAlgn="base">
+              <a:spcBef>
+                <a:spcPct val="0"/>
+              </a:spcBef>
+              <a:spcAft>
+                <a:spcPct val="0"/>
+              </a:spcAft>
+              <a:defRPr kumimoji="1" sz="2400">
+                <a:solidFill>
+                  <a:schemeClr val="tx1"/>
+                </a:solidFill>
+                <a:latin typeface="Times New Roman" pitchFamily="18" charset="0"/>
+                <a:ea typeface="ＭＳ Ｐゴシック" charset="-128"/>
+              </a:defRPr>
+            </a:lvl9pPr>
+          </a:lstStyle>
+          <a:p>
+            <a:pPr lvl="0">
+              <a:spcBef>
+                <a:spcPct val="20000"/>
+              </a:spcBef>
+              <a:buClr>
+                <a:srgbClr val="FFFFFF"/>
+              </a:buClr>
+              <a:defRPr/>
+            </a:pPr>
+            <a:r>
+              <a:rPr lang="en-US" altLang="ja-JP" b="1" kern="0" dirty="0">
+                <a:solidFill>
+                  <a:srgbClr val="FFFFFF"/>
+                </a:solidFill>
+                <a:latin typeface="+mn-lt"/>
+              </a:rPr>
+              <a:t>3</a:t>
+            </a:r>
+            <a:r>
+              <a:rPr lang="en-US" altLang="ja-JP" b="1" kern="0" dirty="0" smtClean="0">
+                <a:solidFill>
+                  <a:srgbClr val="FFFFFF"/>
+                </a:solidFill>
+                <a:latin typeface="+mn-lt"/>
+              </a:rPr>
+              <a:t>. </a:t>
+            </a:r>
+            <a:r>
+              <a:rPr lang="en-US" altLang="ja-JP" b="1" kern="0" dirty="0">
+                <a:solidFill>
+                  <a:srgbClr val="FFFFFF"/>
+                </a:solidFill>
+                <a:latin typeface="+mn-lt"/>
+              </a:rPr>
+              <a:t>TDD</a:t>
+            </a:r>
+            <a:endParaRPr kumimoji="1" lang="ja-JP" altLang="en-US" b="1" i="0" u="none" strike="noStrike" kern="0" cap="none" spc="0" normalizeH="0" baseline="0" noProof="0" dirty="0" smtClean="0">
+              <a:ln>
+                <a:noFill/>
+              </a:ln>
+              <a:solidFill>
+                <a:srgbClr val="FFFFFF"/>
+              </a:solidFill>
+              <a:effectLst/>
+              <a:uLnTx/>
+              <a:uFillTx/>
+              <a:latin typeface="+mn-lt"/>
+            </a:endParaRPr>
+          </a:p>
+        </p:txBody>
+      </p:sp>
+      <p:sp>
+        <p:nvSpPr>
+          <p:cNvPr id="10" name="Text Box 17"/>
+          <p:cNvSpPr txBox="1">
+            <a:spLocks noChangeArrowheads="1"/>
+          </p:cNvSpPr>
+          <p:nvPr/>
+        </p:nvSpPr>
+        <p:spPr bwMode="auto">
+          <a:xfrm>
+            <a:off x="445331" y="1927370"/>
+            <a:ext cx="8240400" cy="540000"/>
+          </a:xfrm>
+          <a:prstGeom prst="rect">
+            <a:avLst/>
+          </a:prstGeom>
+          <a:solidFill>
+            <a:schemeClr val="bg1">
+              <a:lumMod val="50000"/>
+            </a:schemeClr>
+          </a:solidFill>
+          <a:ln w="12700">
+            <a:solidFill>
+              <a:schemeClr val="tx1"/>
+            </a:solidFill>
+            <a:miter lim="800000"/>
+            <a:headEnd/>
+            <a:tailEnd/>
+          </a:ln>
+          <a:effectLst>
+            <a:outerShdw blurRad="88900" dist="38100" dir="8100000" algn="ctr" rotWithShape="0">
+              <a:schemeClr val="tx1">
+                <a:alpha val="30000"/>
+              </a:schemeClr>
+            </a:outerShdw>
+          </a:effectLst>
+          <a:extLst/>
+        </p:spPr>
+        <p:txBody>
+          <a:bodyPr anchor="ctr" anchorCtr="0"/>
+          <a:lstStyle>
+            <a:lvl1pPr algn="l" defTabSz="381000">
+              <a:spcBef>
+                <a:spcPct val="0"/>
+              </a:spcBef>
+              <a:defRPr kumimoji="1" sz="2400">
+                <a:solidFill>
+                  <a:schemeClr val="tx1"/>
+                </a:solidFill>
+                <a:latin typeface="Times New Roman" pitchFamily="18" charset="0"/>
+                <a:ea typeface="ＭＳ Ｐゴシック" charset="-128"/>
+              </a:defRPr>
+            </a:lvl1pPr>
+            <a:lvl2pPr algn="l" defTabSz="381000">
+              <a:spcBef>
+                <a:spcPct val="0"/>
+              </a:spcBef>
+              <a:defRPr kumimoji="1" sz="2400">
+                <a:solidFill>
+                  <a:schemeClr val="tx1"/>
+                </a:solidFill>
+                <a:latin typeface="Times New Roman" pitchFamily="18" charset="0"/>
+                <a:ea typeface="ＭＳ Ｐゴシック" charset="-128"/>
+              </a:defRPr>
+            </a:lvl2pPr>
+            <a:lvl3pPr algn="l" defTabSz="381000">
+              <a:spcBef>
+                <a:spcPct val="0"/>
+              </a:spcBef>
+              <a:defRPr kumimoji="1" sz="2400">
+                <a:solidFill>
+                  <a:schemeClr val="tx1"/>
+                </a:solidFill>
+                <a:latin typeface="Times New Roman" pitchFamily="18" charset="0"/>
+                <a:ea typeface="ＭＳ Ｐゴシック" charset="-128"/>
+              </a:defRPr>
+            </a:lvl3pPr>
+            <a:lvl4pPr algn="l" defTabSz="381000">
+              <a:spcBef>
+                <a:spcPct val="0"/>
+              </a:spcBef>
+              <a:defRPr kumimoji="1" sz="2400">
+                <a:solidFill>
+                  <a:schemeClr val="tx1"/>
+                </a:solidFill>
+                <a:latin typeface="Times New Roman" pitchFamily="18" charset="0"/>
+                <a:ea typeface="ＭＳ Ｐゴシック" charset="-128"/>
+              </a:defRPr>
+            </a:lvl4pPr>
+            <a:lvl5pPr algn="l" defTabSz="381000">
+              <a:spcBef>
+                <a:spcPct val="0"/>
+              </a:spcBef>
+              <a:defRPr kumimoji="1" sz="2400">
+                <a:solidFill>
+                  <a:schemeClr val="tx1"/>
+                </a:solidFill>
+                <a:latin typeface="Times New Roman" pitchFamily="18" charset="0"/>
+                <a:ea typeface="ＭＳ Ｐゴシック" charset="-128"/>
+              </a:defRPr>
+            </a:lvl5pPr>
+            <a:lvl6pPr defTabSz="381000" fontAlgn="base">
+              <a:spcBef>
+                <a:spcPct val="0"/>
+              </a:spcBef>
+              <a:spcAft>
+                <a:spcPct val="0"/>
+              </a:spcAft>
+              <a:defRPr kumimoji="1" sz="2400">
+                <a:solidFill>
+                  <a:schemeClr val="tx1"/>
+                </a:solidFill>
+                <a:latin typeface="Times New Roman" pitchFamily="18" charset="0"/>
+                <a:ea typeface="ＭＳ Ｐゴシック" charset="-128"/>
+              </a:defRPr>
+            </a:lvl6pPr>
+            <a:lvl7pPr defTabSz="381000" fontAlgn="base">
+              <a:spcBef>
+                <a:spcPct val="0"/>
+              </a:spcBef>
+              <a:spcAft>
+                <a:spcPct val="0"/>
+              </a:spcAft>
+              <a:defRPr kumimoji="1" sz="2400">
+                <a:solidFill>
+                  <a:schemeClr val="tx1"/>
+                </a:solidFill>
+                <a:latin typeface="Times New Roman" pitchFamily="18" charset="0"/>
+                <a:ea typeface="ＭＳ Ｐゴシック" charset="-128"/>
+              </a:defRPr>
+            </a:lvl7pPr>
+            <a:lvl8pPr defTabSz="381000" fontAlgn="base">
+              <a:spcBef>
+                <a:spcPct val="0"/>
+              </a:spcBef>
+              <a:spcAft>
+                <a:spcPct val="0"/>
+              </a:spcAft>
+              <a:defRPr kumimoji="1" sz="2400">
+                <a:solidFill>
+                  <a:schemeClr val="tx1"/>
+                </a:solidFill>
+                <a:latin typeface="Times New Roman" pitchFamily="18" charset="0"/>
+                <a:ea typeface="ＭＳ Ｐゴシック" charset="-128"/>
+              </a:defRPr>
+            </a:lvl8pPr>
+            <a:lvl9pPr defTabSz="381000" fontAlgn="base">
+              <a:spcBef>
+                <a:spcPct val="0"/>
+              </a:spcBef>
+              <a:spcAft>
+                <a:spcPct val="0"/>
+              </a:spcAft>
+              <a:defRPr kumimoji="1" sz="2400">
+                <a:solidFill>
+                  <a:schemeClr val="tx1"/>
+                </a:solidFill>
+                <a:latin typeface="Times New Roman" pitchFamily="18" charset="0"/>
+                <a:ea typeface="ＭＳ Ｐゴシック" charset="-128"/>
+              </a:defRPr>
+            </a:lvl9pPr>
+          </a:lstStyle>
+          <a:p>
+            <a:pPr lvl="0">
+              <a:spcBef>
+                <a:spcPct val="20000"/>
+              </a:spcBef>
+              <a:buClr>
+                <a:srgbClr val="FFFFFF"/>
+              </a:buClr>
+              <a:defRPr/>
+            </a:pPr>
+            <a:r>
+              <a:rPr lang="en-US" altLang="ja-JP" b="1" kern="0" dirty="0" smtClean="0">
+                <a:solidFill>
+                  <a:srgbClr val="FFFFFF"/>
+                </a:solidFill>
+                <a:latin typeface="+mn-lt"/>
+                <a:ea typeface="ＭＳ Ｐゴシック" panose="020B0600070205080204" pitchFamily="50" charset="-128"/>
+              </a:rPr>
+              <a:t>2. </a:t>
+            </a:r>
+            <a:r>
+              <a:rPr lang="en-US" altLang="ja-JP" b="1" kern="0" dirty="0">
+                <a:solidFill>
+                  <a:srgbClr val="FFFFFF"/>
+                </a:solidFill>
+                <a:latin typeface="+mn-lt"/>
+                <a:ea typeface="ＭＳ Ｐゴシック" panose="020B0600070205080204" pitchFamily="50" charset="-128"/>
+              </a:rPr>
+              <a:t>CI/CD</a:t>
+            </a:r>
+            <a:endParaRPr kumimoji="1" lang="ja-JP" altLang="en-US" b="1" i="0" u="none" strike="noStrike" kern="0" cap="none" spc="0" normalizeH="0" baseline="0" noProof="0" dirty="0" smtClean="0">
+              <a:ln>
+                <a:noFill/>
+              </a:ln>
+              <a:solidFill>
+                <a:srgbClr val="FFFFFF"/>
+              </a:solidFill>
+              <a:effectLst/>
+              <a:uLnTx/>
+              <a:uFillTx/>
+              <a:latin typeface="+mn-lt"/>
+              <a:ea typeface="ＭＳ Ｐゴシック" panose="020B0600070205080204" pitchFamily="50" charset="-128"/>
+            </a:endParaRPr>
+          </a:p>
+        </p:txBody>
+      </p:sp>
+      <p:sp>
+        <p:nvSpPr>
+          <p:cNvPr id="6" name="Text Box 17"/>
+          <p:cNvSpPr txBox="1">
+            <a:spLocks noChangeArrowheads="1"/>
+          </p:cNvSpPr>
+          <p:nvPr/>
+        </p:nvSpPr>
+        <p:spPr bwMode="auto">
+          <a:xfrm>
+            <a:off x="445331" y="3676638"/>
+            <a:ext cx="8240400" cy="540000"/>
+          </a:xfrm>
+          <a:prstGeom prst="rect">
+            <a:avLst/>
+          </a:prstGeom>
+          <a:solidFill>
+            <a:schemeClr val="bg1">
+              <a:lumMod val="50000"/>
+            </a:schemeClr>
+          </a:solidFill>
+          <a:ln w="12700">
+            <a:solidFill>
+              <a:schemeClr val="tx1"/>
+            </a:solidFill>
+            <a:miter lim="800000"/>
+            <a:headEnd/>
+            <a:tailEnd/>
+          </a:ln>
+          <a:effectLst>
+            <a:outerShdw blurRad="88900" dist="38100" dir="8100000" algn="ctr" rotWithShape="0">
+              <a:schemeClr val="tx1">
+                <a:alpha val="30000"/>
+              </a:schemeClr>
+            </a:outerShdw>
+          </a:effectLst>
+          <a:extLst/>
+        </p:spPr>
+        <p:txBody>
+          <a:bodyPr anchor="ctr" anchorCtr="0"/>
+          <a:lstStyle>
+            <a:lvl1pPr algn="l" defTabSz="381000">
+              <a:spcBef>
+                <a:spcPct val="0"/>
+              </a:spcBef>
+              <a:defRPr kumimoji="1" sz="2400">
+                <a:solidFill>
+                  <a:schemeClr val="tx1"/>
+                </a:solidFill>
+                <a:latin typeface="Times New Roman" pitchFamily="18" charset="0"/>
+                <a:ea typeface="ＭＳ Ｐゴシック" charset="-128"/>
+              </a:defRPr>
+            </a:lvl1pPr>
+            <a:lvl2pPr algn="l" defTabSz="381000">
+              <a:spcBef>
+                <a:spcPct val="0"/>
+              </a:spcBef>
+              <a:defRPr kumimoji="1" sz="2400">
+                <a:solidFill>
+                  <a:schemeClr val="tx1"/>
+                </a:solidFill>
+                <a:latin typeface="Times New Roman" pitchFamily="18" charset="0"/>
+                <a:ea typeface="ＭＳ Ｐゴシック" charset="-128"/>
+              </a:defRPr>
+            </a:lvl2pPr>
+            <a:lvl3pPr algn="l" defTabSz="381000">
+              <a:spcBef>
+                <a:spcPct val="0"/>
+              </a:spcBef>
+              <a:defRPr kumimoji="1" sz="2400">
+                <a:solidFill>
+                  <a:schemeClr val="tx1"/>
+                </a:solidFill>
+                <a:latin typeface="Times New Roman" pitchFamily="18" charset="0"/>
+                <a:ea typeface="ＭＳ Ｐゴシック" charset="-128"/>
+              </a:defRPr>
+            </a:lvl3pPr>
+            <a:lvl4pPr algn="l" defTabSz="381000">
+              <a:spcBef>
+                <a:spcPct val="0"/>
+              </a:spcBef>
+              <a:defRPr kumimoji="1" sz="2400">
+                <a:solidFill>
+                  <a:schemeClr val="tx1"/>
+                </a:solidFill>
+                <a:latin typeface="Times New Roman" pitchFamily="18" charset="0"/>
+                <a:ea typeface="ＭＳ Ｐゴシック" charset="-128"/>
+              </a:defRPr>
+            </a:lvl4pPr>
+            <a:lvl5pPr algn="l" defTabSz="381000">
+              <a:spcBef>
+                <a:spcPct val="0"/>
+              </a:spcBef>
+              <a:defRPr kumimoji="1" sz="2400">
+                <a:solidFill>
+                  <a:schemeClr val="tx1"/>
+                </a:solidFill>
+                <a:latin typeface="Times New Roman" pitchFamily="18" charset="0"/>
+                <a:ea typeface="ＭＳ Ｐゴシック" charset="-128"/>
+              </a:defRPr>
+            </a:lvl5pPr>
+            <a:lvl6pPr defTabSz="381000" fontAlgn="base">
+              <a:spcBef>
+                <a:spcPct val="0"/>
+              </a:spcBef>
+              <a:spcAft>
+                <a:spcPct val="0"/>
+              </a:spcAft>
+              <a:defRPr kumimoji="1" sz="2400">
+                <a:solidFill>
+                  <a:schemeClr val="tx1"/>
+                </a:solidFill>
+                <a:latin typeface="Times New Roman" pitchFamily="18" charset="0"/>
+                <a:ea typeface="ＭＳ Ｐゴシック" charset="-128"/>
+              </a:defRPr>
+            </a:lvl6pPr>
+            <a:lvl7pPr defTabSz="381000" fontAlgn="base">
+              <a:spcBef>
+                <a:spcPct val="0"/>
+              </a:spcBef>
+              <a:spcAft>
+                <a:spcPct val="0"/>
+              </a:spcAft>
+              <a:defRPr kumimoji="1" sz="2400">
+                <a:solidFill>
+                  <a:schemeClr val="tx1"/>
+                </a:solidFill>
+                <a:latin typeface="Times New Roman" pitchFamily="18" charset="0"/>
+                <a:ea typeface="ＭＳ Ｐゴシック" charset="-128"/>
+              </a:defRPr>
+            </a:lvl7pPr>
+            <a:lvl8pPr defTabSz="381000" fontAlgn="base">
+              <a:spcBef>
+                <a:spcPct val="0"/>
+              </a:spcBef>
+              <a:spcAft>
+                <a:spcPct val="0"/>
+              </a:spcAft>
+              <a:defRPr kumimoji="1" sz="2400">
+                <a:solidFill>
+                  <a:schemeClr val="tx1"/>
+                </a:solidFill>
+                <a:latin typeface="Times New Roman" pitchFamily="18" charset="0"/>
+                <a:ea typeface="ＭＳ Ｐゴシック" charset="-128"/>
+              </a:defRPr>
+            </a:lvl8pPr>
+            <a:lvl9pPr defTabSz="381000" fontAlgn="base">
+              <a:spcBef>
+                <a:spcPct val="0"/>
+              </a:spcBef>
+              <a:spcAft>
+                <a:spcPct val="0"/>
+              </a:spcAft>
+              <a:defRPr kumimoji="1" sz="2400">
+                <a:solidFill>
+                  <a:schemeClr val="tx1"/>
+                </a:solidFill>
+                <a:latin typeface="Times New Roman" pitchFamily="18" charset="0"/>
+                <a:ea typeface="ＭＳ Ｐゴシック" charset="-128"/>
+              </a:defRPr>
+            </a:lvl9pPr>
+          </a:lstStyle>
+          <a:p>
+            <a:pPr lvl="0">
+              <a:spcBef>
+                <a:spcPct val="20000"/>
+              </a:spcBef>
+              <a:buClr>
+                <a:srgbClr val="FFFFFF"/>
+              </a:buClr>
+              <a:defRPr/>
+            </a:pPr>
+            <a:r>
+              <a:rPr lang="en-US" altLang="ja-JP" b="1" kern="0" dirty="0" smtClean="0">
+                <a:solidFill>
+                  <a:srgbClr val="FFFFFF"/>
+                </a:solidFill>
+                <a:latin typeface="+mn-lt"/>
+              </a:rPr>
+              <a:t>4. </a:t>
+            </a:r>
+            <a:r>
+              <a:rPr lang="en-US" altLang="ja-JP" b="1" kern="0" dirty="0">
+                <a:solidFill>
+                  <a:srgbClr val="FFFFFF"/>
+                </a:solidFill>
+                <a:latin typeface="+mn-lt"/>
+              </a:rPr>
+              <a:t>BDD</a:t>
+            </a:r>
+            <a:endParaRPr kumimoji="1" lang="ja-JP" altLang="en-US" b="1" i="0" u="none" strike="noStrike" kern="0" cap="none" spc="0" normalizeH="0" baseline="0" noProof="0" dirty="0" smtClean="0">
+              <a:ln>
+                <a:noFill/>
+              </a:ln>
+              <a:solidFill>
+                <a:srgbClr val="FFFFFF"/>
+              </a:solidFill>
+              <a:effectLst/>
+              <a:uLnTx/>
+              <a:uFillTx/>
+              <a:latin typeface="+mn-lt"/>
+            </a:endParaRPr>
+          </a:p>
+        </p:txBody>
+      </p:sp>
+      <p:sp>
+        <p:nvSpPr>
+          <p:cNvPr id="7" name="Text Box 17"/>
+          <p:cNvSpPr txBox="1">
+            <a:spLocks noChangeArrowheads="1"/>
+          </p:cNvSpPr>
+          <p:nvPr/>
+        </p:nvSpPr>
+        <p:spPr bwMode="auto">
+          <a:xfrm>
+            <a:off x="445331" y="4551272"/>
+            <a:ext cx="8240400" cy="540000"/>
+          </a:xfrm>
+          <a:prstGeom prst="rect">
+            <a:avLst/>
+          </a:prstGeom>
+          <a:solidFill>
+            <a:schemeClr val="bg1">
+              <a:lumMod val="50000"/>
+            </a:schemeClr>
+          </a:solidFill>
+          <a:ln w="12700">
+            <a:solidFill>
+              <a:schemeClr val="tx1"/>
+            </a:solidFill>
+            <a:miter lim="800000"/>
+            <a:headEnd/>
+            <a:tailEnd/>
+          </a:ln>
+          <a:effectLst>
+            <a:outerShdw blurRad="88900" dist="38100" dir="8100000" algn="ctr" rotWithShape="0">
+              <a:schemeClr val="tx1">
+                <a:alpha val="30000"/>
+              </a:schemeClr>
+            </a:outerShdw>
+          </a:effectLst>
+          <a:extLst/>
+        </p:spPr>
+        <p:txBody>
+          <a:bodyPr anchor="ctr" anchorCtr="0"/>
+          <a:lstStyle>
+            <a:lvl1pPr algn="l" defTabSz="381000">
+              <a:spcBef>
+                <a:spcPct val="0"/>
+              </a:spcBef>
+              <a:defRPr kumimoji="1" sz="2400">
+                <a:solidFill>
+                  <a:schemeClr val="tx1"/>
+                </a:solidFill>
+                <a:latin typeface="Times New Roman" pitchFamily="18" charset="0"/>
+                <a:ea typeface="ＭＳ Ｐゴシック" charset="-128"/>
+              </a:defRPr>
+            </a:lvl1pPr>
+            <a:lvl2pPr algn="l" defTabSz="381000">
+              <a:spcBef>
+                <a:spcPct val="0"/>
+              </a:spcBef>
+              <a:defRPr kumimoji="1" sz="2400">
+                <a:solidFill>
+                  <a:schemeClr val="tx1"/>
+                </a:solidFill>
+                <a:latin typeface="Times New Roman" pitchFamily="18" charset="0"/>
+                <a:ea typeface="ＭＳ Ｐゴシック" charset="-128"/>
+              </a:defRPr>
+            </a:lvl2pPr>
+            <a:lvl3pPr algn="l" defTabSz="381000">
+              <a:spcBef>
+                <a:spcPct val="0"/>
+              </a:spcBef>
+              <a:defRPr kumimoji="1" sz="2400">
+                <a:solidFill>
+                  <a:schemeClr val="tx1"/>
+                </a:solidFill>
+                <a:latin typeface="Times New Roman" pitchFamily="18" charset="0"/>
+                <a:ea typeface="ＭＳ Ｐゴシック" charset="-128"/>
+              </a:defRPr>
+            </a:lvl3pPr>
+            <a:lvl4pPr algn="l" defTabSz="381000">
+              <a:spcBef>
+                <a:spcPct val="0"/>
+              </a:spcBef>
+              <a:defRPr kumimoji="1" sz="2400">
+                <a:solidFill>
+                  <a:schemeClr val="tx1"/>
+                </a:solidFill>
+                <a:latin typeface="Times New Roman" pitchFamily="18" charset="0"/>
+                <a:ea typeface="ＭＳ Ｐゴシック" charset="-128"/>
+              </a:defRPr>
+            </a:lvl4pPr>
+            <a:lvl5pPr algn="l" defTabSz="381000">
+              <a:spcBef>
+                <a:spcPct val="0"/>
+              </a:spcBef>
+              <a:defRPr kumimoji="1" sz="2400">
+                <a:solidFill>
+                  <a:schemeClr val="tx1"/>
+                </a:solidFill>
+                <a:latin typeface="Times New Roman" pitchFamily="18" charset="0"/>
+                <a:ea typeface="ＭＳ Ｐゴシック" charset="-128"/>
+              </a:defRPr>
+            </a:lvl5pPr>
+            <a:lvl6pPr defTabSz="381000" fontAlgn="base">
+              <a:spcBef>
+                <a:spcPct val="0"/>
+              </a:spcBef>
+              <a:spcAft>
+                <a:spcPct val="0"/>
+              </a:spcAft>
+              <a:defRPr kumimoji="1" sz="2400">
+                <a:solidFill>
+                  <a:schemeClr val="tx1"/>
+                </a:solidFill>
+                <a:latin typeface="Times New Roman" pitchFamily="18" charset="0"/>
+                <a:ea typeface="ＭＳ Ｐゴシック" charset="-128"/>
+              </a:defRPr>
+            </a:lvl6pPr>
+            <a:lvl7pPr defTabSz="381000" fontAlgn="base">
+              <a:spcBef>
+                <a:spcPct val="0"/>
+              </a:spcBef>
+              <a:spcAft>
+                <a:spcPct val="0"/>
+              </a:spcAft>
+              <a:defRPr kumimoji="1" sz="2400">
+                <a:solidFill>
+                  <a:schemeClr val="tx1"/>
+                </a:solidFill>
+                <a:latin typeface="Times New Roman" pitchFamily="18" charset="0"/>
+                <a:ea typeface="ＭＳ Ｐゴシック" charset="-128"/>
+              </a:defRPr>
+            </a:lvl7pPr>
+            <a:lvl8pPr defTabSz="381000" fontAlgn="base">
+              <a:spcBef>
+                <a:spcPct val="0"/>
+              </a:spcBef>
+              <a:spcAft>
+                <a:spcPct val="0"/>
+              </a:spcAft>
+              <a:defRPr kumimoji="1" sz="2400">
+                <a:solidFill>
+                  <a:schemeClr val="tx1"/>
+                </a:solidFill>
+                <a:latin typeface="Times New Roman" pitchFamily="18" charset="0"/>
+                <a:ea typeface="ＭＳ Ｐゴシック" charset="-128"/>
+              </a:defRPr>
+            </a:lvl8pPr>
+            <a:lvl9pPr defTabSz="381000" fontAlgn="base">
+              <a:spcBef>
+                <a:spcPct val="0"/>
+              </a:spcBef>
+              <a:spcAft>
+                <a:spcPct val="0"/>
+              </a:spcAft>
+              <a:defRPr kumimoji="1" sz="2400">
+                <a:solidFill>
+                  <a:schemeClr val="tx1"/>
+                </a:solidFill>
+                <a:latin typeface="Times New Roman" pitchFamily="18" charset="0"/>
+                <a:ea typeface="ＭＳ Ｐゴシック" charset="-128"/>
+              </a:defRPr>
+            </a:lvl9pPr>
+          </a:lstStyle>
+          <a:p>
+            <a:pPr lvl="0">
+              <a:spcBef>
+                <a:spcPct val="20000"/>
+              </a:spcBef>
+              <a:buClr>
+                <a:srgbClr val="FFFFFF"/>
+              </a:buClr>
+              <a:defRPr/>
+            </a:pPr>
+            <a:r>
+              <a:rPr lang="en-US" altLang="ja-JP" b="1" kern="0" dirty="0" smtClean="0">
+                <a:solidFill>
+                  <a:srgbClr val="FFFFFF"/>
+                </a:solidFill>
+                <a:latin typeface="+mn-lt"/>
+              </a:rPr>
+              <a:t>5. </a:t>
+            </a:r>
+            <a:r>
+              <a:rPr lang="en-US" altLang="ja-JP" b="1" kern="0" dirty="0">
+                <a:solidFill>
+                  <a:srgbClr val="FFFFFF"/>
+                </a:solidFill>
+                <a:latin typeface="+mn-lt"/>
+              </a:rPr>
+              <a:t>Problems, Possibility and Future</a:t>
+            </a:r>
+            <a:endParaRPr kumimoji="1" lang="ja-JP" altLang="en-US" b="1" i="0" u="none" strike="noStrike" kern="0" cap="none" spc="0" normalizeH="0" baseline="0" noProof="0" dirty="0" smtClean="0">
+              <a:ln>
+                <a:noFill/>
+              </a:ln>
+              <a:solidFill>
+                <a:srgbClr val="FFFFFF"/>
+              </a:solidFill>
+              <a:effectLst/>
+              <a:uLnTx/>
+              <a:uFillTx/>
+              <a:latin typeface="+mn-lt"/>
+            </a:endParaRPr>
+          </a:p>
+        </p:txBody>
+      </p:sp>
+      <p:sp>
+        <p:nvSpPr>
+          <p:cNvPr id="11" name="Text Box 17"/>
+          <p:cNvSpPr txBox="1">
+            <a:spLocks noChangeArrowheads="1"/>
+          </p:cNvSpPr>
+          <p:nvPr/>
+        </p:nvSpPr>
+        <p:spPr bwMode="auto">
+          <a:xfrm>
+            <a:off x="445331" y="5425904"/>
+            <a:ext cx="8240400" cy="540000"/>
+          </a:xfrm>
+          <a:prstGeom prst="rect">
+            <a:avLst/>
+          </a:prstGeom>
+          <a:solidFill>
+            <a:srgbClr val="C00000"/>
+          </a:solidFill>
+          <a:ln w="12700">
+            <a:solidFill>
+              <a:srgbClr val="C00000"/>
+            </a:solidFill>
+            <a:miter lim="800000"/>
+            <a:headEnd/>
+            <a:tailEnd/>
+          </a:ln>
+          <a:effectLst>
+            <a:outerShdw blurRad="88900" dist="38100" dir="8100000" algn="ctr" rotWithShape="0">
+              <a:schemeClr val="tx1">
+                <a:alpha val="30000"/>
+              </a:schemeClr>
+            </a:outerShdw>
+          </a:effectLst>
+          <a:extLst/>
+        </p:spPr>
+        <p:txBody>
+          <a:bodyPr anchor="ctr" anchorCtr="0"/>
+          <a:lstStyle>
+            <a:lvl1pPr algn="l" defTabSz="381000">
+              <a:spcBef>
+                <a:spcPct val="0"/>
+              </a:spcBef>
+              <a:defRPr kumimoji="1" sz="2400">
+                <a:solidFill>
+                  <a:schemeClr val="tx1"/>
+                </a:solidFill>
+                <a:latin typeface="Times New Roman" pitchFamily="18" charset="0"/>
+                <a:ea typeface="ＭＳ Ｐゴシック" charset="-128"/>
+              </a:defRPr>
+            </a:lvl1pPr>
+            <a:lvl2pPr algn="l" defTabSz="381000">
+              <a:spcBef>
+                <a:spcPct val="0"/>
+              </a:spcBef>
+              <a:defRPr kumimoji="1" sz="2400">
+                <a:solidFill>
+                  <a:schemeClr val="tx1"/>
+                </a:solidFill>
+                <a:latin typeface="Times New Roman" pitchFamily="18" charset="0"/>
+                <a:ea typeface="ＭＳ Ｐゴシック" charset="-128"/>
+              </a:defRPr>
+            </a:lvl2pPr>
+            <a:lvl3pPr algn="l" defTabSz="381000">
+              <a:spcBef>
+                <a:spcPct val="0"/>
+              </a:spcBef>
+              <a:defRPr kumimoji="1" sz="2400">
+                <a:solidFill>
+                  <a:schemeClr val="tx1"/>
+                </a:solidFill>
+                <a:latin typeface="Times New Roman" pitchFamily="18" charset="0"/>
+                <a:ea typeface="ＭＳ Ｐゴシック" charset="-128"/>
+              </a:defRPr>
+            </a:lvl3pPr>
+            <a:lvl4pPr algn="l" defTabSz="381000">
+              <a:spcBef>
+                <a:spcPct val="0"/>
+              </a:spcBef>
+              <a:defRPr kumimoji="1" sz="2400">
+                <a:solidFill>
+                  <a:schemeClr val="tx1"/>
+                </a:solidFill>
+                <a:latin typeface="Times New Roman" pitchFamily="18" charset="0"/>
+                <a:ea typeface="ＭＳ Ｐゴシック" charset="-128"/>
+              </a:defRPr>
+            </a:lvl4pPr>
+            <a:lvl5pPr algn="l" defTabSz="381000">
+              <a:spcBef>
+                <a:spcPct val="0"/>
+              </a:spcBef>
+              <a:defRPr kumimoji="1" sz="2400">
+                <a:solidFill>
+                  <a:schemeClr val="tx1"/>
+                </a:solidFill>
+                <a:latin typeface="Times New Roman" pitchFamily="18" charset="0"/>
+                <a:ea typeface="ＭＳ Ｐゴシック" charset="-128"/>
+              </a:defRPr>
+            </a:lvl5pPr>
+            <a:lvl6pPr defTabSz="381000" fontAlgn="base">
+              <a:spcBef>
+                <a:spcPct val="0"/>
+              </a:spcBef>
+              <a:spcAft>
+                <a:spcPct val="0"/>
+              </a:spcAft>
+              <a:defRPr kumimoji="1" sz="2400">
+                <a:solidFill>
+                  <a:schemeClr val="tx1"/>
+                </a:solidFill>
+                <a:latin typeface="Times New Roman" pitchFamily="18" charset="0"/>
+                <a:ea typeface="ＭＳ Ｐゴシック" charset="-128"/>
+              </a:defRPr>
+            </a:lvl6pPr>
+            <a:lvl7pPr defTabSz="381000" fontAlgn="base">
+              <a:spcBef>
+                <a:spcPct val="0"/>
+              </a:spcBef>
+              <a:spcAft>
+                <a:spcPct val="0"/>
+              </a:spcAft>
+              <a:defRPr kumimoji="1" sz="2400">
+                <a:solidFill>
+                  <a:schemeClr val="tx1"/>
+                </a:solidFill>
+                <a:latin typeface="Times New Roman" pitchFamily="18" charset="0"/>
+                <a:ea typeface="ＭＳ Ｐゴシック" charset="-128"/>
+              </a:defRPr>
+            </a:lvl7pPr>
+            <a:lvl8pPr defTabSz="381000" fontAlgn="base">
+              <a:spcBef>
+                <a:spcPct val="0"/>
+              </a:spcBef>
+              <a:spcAft>
+                <a:spcPct val="0"/>
+              </a:spcAft>
+              <a:defRPr kumimoji="1" sz="2400">
+                <a:solidFill>
+                  <a:schemeClr val="tx1"/>
+                </a:solidFill>
+                <a:latin typeface="Times New Roman" pitchFamily="18" charset="0"/>
+                <a:ea typeface="ＭＳ Ｐゴシック" charset="-128"/>
+              </a:defRPr>
+            </a:lvl8pPr>
+            <a:lvl9pPr defTabSz="381000" fontAlgn="base">
+              <a:spcBef>
+                <a:spcPct val="0"/>
+              </a:spcBef>
+              <a:spcAft>
+                <a:spcPct val="0"/>
+              </a:spcAft>
+              <a:defRPr kumimoji="1" sz="2400">
+                <a:solidFill>
+                  <a:schemeClr val="tx1"/>
+                </a:solidFill>
+                <a:latin typeface="Times New Roman" pitchFamily="18" charset="0"/>
+                <a:ea typeface="ＭＳ Ｐゴシック" charset="-128"/>
+              </a:defRPr>
+            </a:lvl9pPr>
+          </a:lstStyle>
+          <a:p>
+            <a:pPr lvl="0">
+              <a:spcBef>
+                <a:spcPct val="20000"/>
+              </a:spcBef>
+              <a:buClr>
+                <a:srgbClr val="FFFFFF"/>
+              </a:buClr>
+              <a:defRPr/>
+            </a:pPr>
+            <a:r>
+              <a:rPr lang="en-US" altLang="ja-JP" b="1" kern="0" dirty="0" smtClean="0">
+                <a:solidFill>
+                  <a:srgbClr val="FFFFFF"/>
+                </a:solidFill>
+                <a:latin typeface="+mn-lt"/>
+              </a:rPr>
+              <a:t>6</a:t>
+            </a:r>
+            <a:r>
+              <a:rPr lang="en-US" altLang="ja-JP" b="1" kern="0" dirty="0">
+                <a:solidFill>
+                  <a:srgbClr val="FFFFFF"/>
+                </a:solidFill>
+                <a:latin typeface="+mn-lt"/>
+              </a:rPr>
+              <a:t>. Conclusions</a:t>
+            </a:r>
+            <a:endParaRPr kumimoji="1" lang="ja-JP" altLang="en-US" b="1" i="0" u="none" strike="noStrike" kern="0" cap="none" spc="0" normalizeH="0" baseline="0" noProof="0" dirty="0" smtClean="0">
+              <a:ln>
+                <a:noFill/>
+              </a:ln>
+              <a:solidFill>
+                <a:srgbClr val="FFFFFF"/>
+              </a:solidFill>
+              <a:effectLst/>
+              <a:uLnTx/>
+              <a:uFillTx/>
+              <a:latin typeface="+mn-lt"/>
+            </a:endParaRPr>
+          </a:p>
+        </p:txBody>
+      </p:sp>
+    </p:spTree>
+    <p:extLst>
+      <p:ext uri="{BB962C8B-B14F-4D97-AF65-F5344CB8AC3E}">
+        <p14:creationId xmlns:p14="http://schemas.microsoft.com/office/powerpoint/2010/main" val="4037681733"/>
       </p:ext>
     </p:extLst>
   </p:cSld>
@@ -27258,33 +30342,6 @@
       </p:grpSpPr>
       <p:sp>
         <p:nvSpPr>
-          <p:cNvPr id="2" name="タイトル 1"/>
-          <p:cNvSpPr>
-            <a:spLocks noGrp="1"/>
-          </p:cNvSpPr>
-          <p:nvPr>
-            <p:ph type="title"/>
-          </p:nvPr>
-        </p:nvSpPr>
-        <p:spPr>
-          <a:noFill/>
-        </p:spPr>
-        <p:txBody>
-          <a:bodyPr>
-            <a:normAutofit fontScale="90000"/>
-          </a:bodyPr>
-          <a:lstStyle/>
-          <a:p>
-            <a:r>
-              <a:rPr kumimoji="1" lang="en-US" altLang="ja-JP" dirty="0" smtClean="0"/>
-              <a:t>Agenda</a:t>
-            </a:r>
-            <a:endParaRPr kumimoji="1" lang="ja-JP" altLang="en-US" dirty="0"/>
-          </a:p>
-        </p:txBody>
-      </p:sp>
-      <p:sp>
-        <p:nvSpPr>
           <p:cNvPr id="5" name="Text Box 17"/>
           <p:cNvSpPr txBox="1">
             <a:spLocks noChangeArrowheads="1"/>
@@ -27444,21 +30501,13 @@
             </a:lvl9pPr>
           </a:lstStyle>
           <a:p>
-            <a:pPr marL="0" marR="0" lvl="0" indent="0" algn="l" defTabSz="381000" eaLnBrk="1" fontAlgn="auto" latinLnBrk="0" hangingPunct="1">
-              <a:lnSpc>
-                <a:spcPct val="100000"/>
-              </a:lnSpc>
+            <a:pPr lvl="0">
               <a:spcBef>
                 <a:spcPct val="20000"/>
               </a:spcBef>
-              <a:spcAft>
-                <a:spcPts val="0"/>
-              </a:spcAft>
               <a:buClr>
                 <a:srgbClr val="FFFFFF"/>
               </a:buClr>
-              <a:buSzTx/>
-              <a:tabLst/>
               <a:defRPr/>
             </a:pPr>
             <a:r>
@@ -27475,7 +30524,27 @@
                 <a:latin typeface="+mn-lt"/>
                 <a:ea typeface="ＭＳ Ｐゴシック" panose="020B0600070205080204" pitchFamily="50" charset="-128"/>
               </a:rPr>
-              <a:t>1. Context</a:t>
+              <a:t>1. </a:t>
+            </a:r>
+            <a:r>
+              <a:rPr lang="en-US" altLang="ja-JP" b="1" kern="0" dirty="0">
+                <a:solidFill>
+                  <a:srgbClr val="FFFFFF"/>
+                </a:solidFill>
+                <a:latin typeface="+mn-lt"/>
+                <a:ea typeface="ＭＳ Ｐゴシック" panose="020B0600070205080204" pitchFamily="50" charset="-128"/>
+              </a:rPr>
+              <a:t>Conditions and </a:t>
+            </a:r>
+            <a:r>
+              <a:rPr lang="en-US" altLang="ja-JP" b="1" kern="0" dirty="0" smtClean="0">
+                <a:solidFill>
+                  <a:srgbClr val="FFFFFF"/>
+                </a:solidFill>
+                <a:latin typeface="+mn-lt"/>
+                <a:ea typeface="ＭＳ Ｐゴシック" panose="020B0600070205080204" pitchFamily="50" charset="-128"/>
+              </a:rPr>
+              <a:t>Challenges</a:t>
             </a:r>
             <a:endParaRPr kumimoji="1" lang="ja-JP" altLang="en-US" b="1" i="0" u="none" strike="noStrike" kern="0" cap="none" spc="0" normalizeH="0" baseline="0" noProof="0" dirty="0" smtClean="0">
               <a:ln>
@@ -27503,18 +30572,20 @@
         </p:nvSpPr>
         <p:spPr bwMode="auto">
           <a:xfrm>
-            <a:off x="445331" y="3068960"/>
+            <a:off x="445331" y="2802004"/>
             <a:ext cx="8240400" cy="540000"/>
           </a:xfrm>
           <a:prstGeom prst="rect">
             <a:avLst/>
           </a:prstGeom>
           <a:solidFill>
-            <a:srgbClr val="C00000"/>
+            <a:schemeClr val="bg1">
+              <a:lumMod val="50000"/>
+            </a:schemeClr>
           </a:solidFill>
           <a:ln w="12700">
             <a:solidFill>
-              <a:srgbClr val="BF0000"/>
+              <a:schemeClr val="tx1"/>
             </a:solidFill>
             <a:miter lim="800000"/>
             <a:headEnd/>
@@ -27688,7 +30759,7 @@
                 </a:solidFill>
                 <a:latin typeface="+mn-lt"/>
               </a:rPr>
-              <a:t>TDD: Learning Android development via unit tests</a:t>
+              <a:t>TDD</a:t>
             </a:r>
             <a:endParaRPr kumimoji="1" lang="ja-JP" altLang="en-US" b="1" i="0" u="none" strike="noStrike" kern="0" cap="none" spc="0" normalizeH="0" baseline="0" noProof="0" dirty="0" smtClean="0">
               <a:ln>
@@ -27715,18 +30786,20 @@
         </p:nvSpPr>
         <p:spPr bwMode="auto">
           <a:xfrm>
-            <a:off x="445331" y="2060848"/>
+            <a:off x="445331" y="1927370"/>
             <a:ext cx="8240400" cy="540000"/>
           </a:xfrm>
           <a:prstGeom prst="rect">
             <a:avLst/>
           </a:prstGeom>
           <a:solidFill>
-            <a:srgbClr val="C00000"/>
+            <a:schemeClr val="bg1">
+              <a:lumMod val="50000"/>
+            </a:schemeClr>
           </a:solidFill>
           <a:ln w="12700">
             <a:solidFill>
-              <a:srgbClr val="BF0000"/>
+              <a:schemeClr val="tx1"/>
             </a:solidFill>
             <a:miter lim="800000"/>
             <a:headEnd/>
@@ -27893,7 +30966,7 @@
                 <a:latin typeface="+mn-lt"/>
                 <a:ea typeface="ＭＳ Ｐゴシック" panose="020B0600070205080204" pitchFamily="50" charset="-128"/>
               </a:rPr>
-              <a:t>CI/CD: Aiming for release automation and for collaboration</a:t>
+              <a:t>CI/CD</a:t>
             </a:r>
             <a:endParaRPr kumimoji="1" lang="ja-JP" altLang="en-US" b="1" i="0" u="none" strike="noStrike" kern="0" cap="none" spc="0" normalizeH="0" baseline="0" noProof="0" dirty="0" smtClean="0">
               <a:ln>
@@ -27921,18 +30994,20 @@
         </p:nvSpPr>
         <p:spPr bwMode="auto">
           <a:xfrm>
-            <a:off x="445331" y="4077072"/>
+            <a:off x="445331" y="3676638"/>
             <a:ext cx="8240400" cy="540000"/>
           </a:xfrm>
           <a:prstGeom prst="rect">
             <a:avLst/>
           </a:prstGeom>
           <a:solidFill>
-            <a:srgbClr val="C00000"/>
+            <a:schemeClr val="bg1">
+              <a:lumMod val="50000"/>
+            </a:schemeClr>
           </a:solidFill>
           <a:ln w="12700">
             <a:solidFill>
-              <a:srgbClr val="BF0000"/>
+              <a:schemeClr val="tx1"/>
             </a:solidFill>
             <a:miter lim="800000"/>
             <a:headEnd/>
@@ -28097,7 +31172,7 @@
                 </a:solidFill>
                 <a:latin typeface="+mn-lt"/>
               </a:rPr>
-              <a:t>BDD: Improving the discipline</a:t>
+              <a:t>BDD</a:t>
             </a:r>
             <a:endParaRPr kumimoji="1" lang="ja-JP" altLang="en-US" b="1" i="0" u="none" strike="noStrike" kern="0" cap="none" spc="0" normalizeH="0" baseline="0" noProof="0" dirty="0" smtClean="0">
               <a:ln>
@@ -28124,18 +31199,20 @@
         </p:nvSpPr>
         <p:spPr bwMode="auto">
           <a:xfrm>
-            <a:off x="445331" y="5085184"/>
+            <a:off x="445331" y="4551272"/>
             <a:ext cx="8240400" cy="540000"/>
           </a:xfrm>
           <a:prstGeom prst="rect">
             <a:avLst/>
           </a:prstGeom>
           <a:solidFill>
-            <a:srgbClr val="C00000"/>
+            <a:schemeClr val="bg1">
+              <a:lumMod val="50000"/>
+            </a:schemeClr>
           </a:solidFill>
           <a:ln w="12700">
             <a:solidFill>
-              <a:srgbClr val="BF0000"/>
+              <a:schemeClr val="tx1"/>
             </a:solidFill>
             <a:miter lim="800000"/>
             <a:headEnd/>
@@ -28300,7 +31377,212 @@
                 </a:solidFill>
                 <a:latin typeface="+mn-lt"/>
               </a:rPr>
-              <a:t>Discussion</a:t>
+              <a:t>Problems, Possibility and Future</a:t>
+            </a:r>
+            <a:endParaRPr kumimoji="1" lang="ja-JP" altLang="en-US" b="1" i="0" u="none" strike="noStrike" kern="0" cap="none" spc="0" normalizeH="0" baseline="0" noProof="0" dirty="0" smtClean="0">
+              <a:ln>
+                <a:noFill/>
+              </a:ln>
+              <a:solidFill>
+                <a:srgbClr val="FFFFFF"/>
+              </a:solidFill>
+              <a:effectLst/>
+              <a:uLnTx/>
+              <a:uFillTx/>
+              <a:latin typeface="+mn-lt"/>
+            </a:endParaRPr>
+          </a:p>
+        </p:txBody>
+      </p:sp>
+      <p:sp>
+        <p:nvSpPr>
+          <p:cNvPr id="11" name="Text Box 17"/>
+          <p:cNvSpPr txBox="1">
+            <a:spLocks noChangeArrowheads="1"/>
+          </p:cNvSpPr>
+          <p:nvPr/>
+        </p:nvSpPr>
+        <p:spPr bwMode="auto">
+          <a:xfrm>
+            <a:off x="445331" y="5425904"/>
+            <a:ext cx="8240400" cy="540000"/>
+          </a:xfrm>
+          <a:prstGeom prst="rect">
+            <a:avLst/>
+          </a:prstGeom>
+          <a:solidFill>
+            <a:schemeClr val="bg1">
+              <a:lumMod val="50000"/>
+            </a:schemeClr>
+          </a:solidFill>
+          <a:ln w="12700">
+            <a:solidFill>
+              <a:schemeClr val="tx1"/>
+            </a:solidFill>
+            <a:miter lim="800000"/>
+            <a:headEnd/>
+            <a:tailEnd/>
+          </a:ln>
+          <a:effectLst>
+            <a:outerShdw blurRad="88900" dist="38100" dir="8100000" algn="ctr" rotWithShape="0">
+              <a:schemeClr val="tx1">
+                <a:alpha val="30000"/>
+              </a:schemeClr>
+            </a:outerShdw>
+          </a:effectLst>
+          <a:extLst/>
+        </p:spPr>
+        <p:txBody>
+          <a:bodyPr anchor="ctr" anchorCtr="0"/>
+          <a:lstStyle>
+            <a:lvl1pPr algn="l" defTabSz="381000">
+              <a:spcBef>
+                <a:spcPct val="0"/>
+              </a:spcBef>
+              <a:defRPr kumimoji="1" sz="2400">
+                <a:solidFill>
+                  <a:schemeClr val="tx1"/>
+                </a:solidFill>
+                <a:latin typeface="Times New Roman" pitchFamily="18" charset="0"/>
+                <a:ea typeface="ＭＳ Ｐゴシック" charset="-128"/>
+              </a:defRPr>
+            </a:lvl1pPr>
+            <a:lvl2pPr algn="l" defTabSz="381000">
+              <a:spcBef>
+                <a:spcPct val="0"/>
+              </a:spcBef>
+              <a:defRPr kumimoji="1" sz="2400">
+                <a:solidFill>
+                  <a:schemeClr val="tx1"/>
+                </a:solidFill>
+                <a:latin typeface="Times New Roman" pitchFamily="18" charset="0"/>
+                <a:ea typeface="ＭＳ Ｐゴシック" charset="-128"/>
+              </a:defRPr>
+            </a:lvl2pPr>
+            <a:lvl3pPr algn="l" defTabSz="381000">
+              <a:spcBef>
+                <a:spcPct val="0"/>
+              </a:spcBef>
+              <a:defRPr kumimoji="1" sz="2400">
+                <a:solidFill>
+                  <a:schemeClr val="tx1"/>
+                </a:solidFill>
+                <a:latin typeface="Times New Roman" pitchFamily="18" charset="0"/>
+                <a:ea typeface="ＭＳ Ｐゴシック" charset="-128"/>
+              </a:defRPr>
+            </a:lvl3pPr>
+            <a:lvl4pPr algn="l" defTabSz="381000">
+              <a:spcBef>
+                <a:spcPct val="0"/>
+              </a:spcBef>
+              <a:defRPr kumimoji="1" sz="2400">
+                <a:solidFill>
+                  <a:schemeClr val="tx1"/>
+                </a:solidFill>
+                <a:latin typeface="Times New Roman" pitchFamily="18" charset="0"/>
+                <a:ea typeface="ＭＳ Ｐゴシック" charset="-128"/>
+              </a:defRPr>
+            </a:lvl4pPr>
+            <a:lvl5pPr algn="l" defTabSz="381000">
+              <a:spcBef>
+                <a:spcPct val="0"/>
+              </a:spcBef>
+              <a:defRPr kumimoji="1" sz="2400">
+                <a:solidFill>
+                  <a:schemeClr val="tx1"/>
+                </a:solidFill>
+                <a:latin typeface="Times New Roman" pitchFamily="18" charset="0"/>
+                <a:ea typeface="ＭＳ Ｐゴシック" charset="-128"/>
+              </a:defRPr>
+            </a:lvl5pPr>
+            <a:lvl6pPr defTabSz="381000" fontAlgn="base">
+              <a:spcBef>
+                <a:spcPct val="0"/>
+              </a:spcBef>
+              <a:spcAft>
+                <a:spcPct val="0"/>
+              </a:spcAft>
+              <a:defRPr kumimoji="1" sz="2400">
+                <a:solidFill>
+                  <a:schemeClr val="tx1"/>
+                </a:solidFill>
+                <a:latin typeface="Times New Roman" pitchFamily="18" charset="0"/>
+                <a:ea typeface="ＭＳ Ｐゴシック" charset="-128"/>
+              </a:defRPr>
+            </a:lvl6pPr>
+            <a:lvl7pPr defTabSz="381000" fontAlgn="base">
+              <a:spcBef>
+                <a:spcPct val="0"/>
+              </a:spcBef>
+              <a:spcAft>
+                <a:spcPct val="0"/>
+              </a:spcAft>
+              <a:defRPr kumimoji="1" sz="2400">
+                <a:solidFill>
+                  <a:schemeClr val="tx1"/>
+                </a:solidFill>
+                <a:latin typeface="Times New Roman" pitchFamily="18" charset="0"/>
+                <a:ea typeface="ＭＳ Ｐゴシック" charset="-128"/>
+              </a:defRPr>
+            </a:lvl7pPr>
+            <a:lvl8pPr defTabSz="381000" fontAlgn="base">
+              <a:spcBef>
+                <a:spcPct val="0"/>
+              </a:spcBef>
+              <a:spcAft>
+                <a:spcPct val="0"/>
+              </a:spcAft>
+              <a:defRPr kumimoji="1" sz="2400">
+                <a:solidFill>
+                  <a:schemeClr val="tx1"/>
+                </a:solidFill>
+                <a:latin typeface="Times New Roman" pitchFamily="18" charset="0"/>
+                <a:ea typeface="ＭＳ Ｐゴシック" charset="-128"/>
+              </a:defRPr>
+            </a:lvl8pPr>
+            <a:lvl9pPr defTabSz="381000" fontAlgn="base">
+              <a:spcBef>
+                <a:spcPct val="0"/>
+              </a:spcBef>
+              <a:spcAft>
+                <a:spcPct val="0"/>
+              </a:spcAft>
+              <a:defRPr kumimoji="1" sz="2400">
+                <a:solidFill>
+                  <a:schemeClr val="tx1"/>
+                </a:solidFill>
+                <a:latin typeface="Times New Roman" pitchFamily="18" charset="0"/>
+                <a:ea typeface="ＭＳ Ｐゴシック" charset="-128"/>
+              </a:defRPr>
+            </a:lvl9pPr>
+          </a:lstStyle>
+          <a:p>
+            <a:pPr lvl="0">
+              <a:spcBef>
+                <a:spcPct val="20000"/>
+              </a:spcBef>
+              <a:buClr>
+                <a:srgbClr val="FFFFFF"/>
+              </a:buClr>
+              <a:defRPr/>
+            </a:pPr>
+            <a:r>
+              <a:rPr lang="en-US" altLang="ja-JP" b="1" kern="0" dirty="0" smtClean="0">
+                <a:solidFill>
+                  <a:srgbClr val="FFFFFF"/>
+                </a:solidFill>
+                <a:latin typeface="+mn-lt"/>
+              </a:rPr>
+              <a:t>6</a:t>
+            </a:r>
+            <a:r>
+              <a:rPr lang="en-US" altLang="ja-JP" b="1" kern="0" dirty="0">
+                <a:solidFill>
+                  <a:srgbClr val="FFFFFF"/>
+                </a:solidFill>
+                <a:latin typeface="+mn-lt"/>
+              </a:rPr>
+              <a:t>. Conclusions</a:t>
             </a:r>
             <a:endParaRPr kumimoji="1" lang="ja-JP" altLang="en-US" b="1" i="0" u="none" strike="noStrike" kern="0" cap="none" spc="0" normalizeH="0" baseline="0" noProof="0" dirty="0" smtClean="0">
               <a:ln>
@@ -28320,7 +31602,7 @@
     </p:spTree>
     <p:extLst>
       <p:ext uri="{BB962C8B-B14F-4D97-AF65-F5344CB8AC3E}">
-        <p14:creationId xmlns:p14="http://schemas.microsoft.com/office/powerpoint/2010/main" val="3773336615"/>
+        <p14:creationId xmlns:p14="http://schemas.microsoft.com/office/powerpoint/2010/main" val="1781670292"/>
       </p:ext>
     </p:extLst>
   </p:cSld>
@@ -28356,1042 +31638,86 @@
       </p:grpSpPr>
       <p:sp>
         <p:nvSpPr>
-          <p:cNvPr id="5" name="Text Box 17"/>
+          <p:cNvPr id="7" name="タイトル 2"/>
           <p:cNvSpPr txBox="1">
-            <a:spLocks noChangeArrowheads="1"/>
+            <a:spLocks/>
           </p:cNvSpPr>
           <p:nvPr/>
         </p:nvSpPr>
-        <p:spPr bwMode="auto">
+        <p:spPr>
           <a:xfrm>
-            <a:off x="445331" y="1052736"/>
-            <a:ext cx="8240400" cy="540000"/>
+            <a:off x="360000" y="1192412"/>
+            <a:ext cx="8424000" cy="4473176"/>
           </a:xfrm>
           <a:prstGeom prst="rect">
             <a:avLst/>
           </a:prstGeom>
-          <a:solidFill>
-            <a:srgbClr val="C00000"/>
-          </a:solidFill>
-          <a:ln w="12700">
-            <a:solidFill>
-              <a:schemeClr val="accent1"/>
-            </a:solidFill>
-            <a:miter lim="800000"/>
-            <a:headEnd/>
-            <a:tailEnd/>
+          <a:noFill/>
+          <a:ln>
+            <a:noFill/>
           </a:ln>
-          <a:effectLst>
-            <a:outerShdw blurRad="88900" dist="38100" dir="8100000" algn="ctr" rotWithShape="0">
-              <a:schemeClr val="tx1">
-                <a:alpha val="30000"/>
-              </a:schemeClr>
-            </a:outerShdw>
-          </a:effectLst>
-          <a:extLst/>
         </p:spPr>
         <p:txBody>
-          <a:bodyPr anchor="ctr" anchorCtr="0"/>
+          <a:bodyPr anchor="ctr" anchorCtr="0">
+            <a:noAutofit/>
+          </a:bodyPr>
           <a:lstStyle>
-            <a:lvl1pPr algn="l" defTabSz="381000">
-              <a:spcBef>
-                <a:spcPct val="0"/>
-              </a:spcBef>
-              <a:defRPr kumimoji="1" sz="2400">
-                <a:solidFill>
-                  <a:schemeClr val="tx1"/>
-                </a:solidFill>
-                <a:latin typeface="Times New Roman" pitchFamily="18" charset="0"/>
-                <a:ea typeface="ＭＳ Ｐゴシック" charset="-128"/>
+            <a:lvl1pPr algn="ctr" defTabSz="914400" rtl="0" eaLnBrk="1" latinLnBrk="0" hangingPunct="1">
+              <a:spcBef>
+                <a:spcPct val="0"/>
+              </a:spcBef>
+              <a:buNone/>
+              <a:defRPr kumimoji="1" sz="2800" b="1" kern="1200" baseline="0">
+                <a:solidFill>
+                  <a:srgbClr val="C00000"/>
+                </a:solidFill>
+                <a:latin typeface="Arial" pitchFamily="34" charset="0"/>
+                <a:ea typeface="ＭＳ Ｐゴシック" pitchFamily="50" charset="-128"/>
+                <a:cs typeface="+mj-cs"/>
               </a:defRPr>
             </a:lvl1pPr>
-            <a:lvl2pPr algn="l" defTabSz="381000">
-              <a:spcBef>
-                <a:spcPct val="0"/>
-              </a:spcBef>
-              <a:defRPr kumimoji="1" sz="2400">
-                <a:solidFill>
-                  <a:schemeClr val="tx1"/>
-                </a:solidFill>
-                <a:latin typeface="Times New Roman" pitchFamily="18" charset="0"/>
-                <a:ea typeface="ＭＳ Ｐゴシック" charset="-128"/>
-              </a:defRPr>
-            </a:lvl2pPr>
-            <a:lvl3pPr algn="l" defTabSz="381000">
-              <a:spcBef>
-                <a:spcPct val="0"/>
-              </a:spcBef>
-              <a:defRPr kumimoji="1" sz="2400">
-                <a:solidFill>
-                  <a:schemeClr val="tx1"/>
-                </a:solidFill>
-                <a:latin typeface="Times New Roman" pitchFamily="18" charset="0"/>
-                <a:ea typeface="ＭＳ Ｐゴシック" charset="-128"/>
-              </a:defRPr>
-            </a:lvl3pPr>
-            <a:lvl4pPr algn="l" defTabSz="381000">
-              <a:spcBef>
-                <a:spcPct val="0"/>
-              </a:spcBef>
-              <a:defRPr kumimoji="1" sz="2400">
-                <a:solidFill>
-                  <a:schemeClr val="tx1"/>
-                </a:solidFill>
-                <a:latin typeface="Times New Roman" pitchFamily="18" charset="0"/>
-                <a:ea typeface="ＭＳ Ｐゴシック" charset="-128"/>
-              </a:defRPr>
-            </a:lvl4pPr>
-            <a:lvl5pPr algn="l" defTabSz="381000">
-              <a:spcBef>
-                <a:spcPct val="0"/>
-              </a:spcBef>
-              <a:defRPr kumimoji="1" sz="2400">
-                <a:solidFill>
-                  <a:schemeClr val="tx1"/>
-                </a:solidFill>
-                <a:latin typeface="Times New Roman" pitchFamily="18" charset="0"/>
-                <a:ea typeface="ＭＳ Ｐゴシック" charset="-128"/>
-              </a:defRPr>
-            </a:lvl5pPr>
-            <a:lvl6pPr defTabSz="381000" fontAlgn="base">
-              <a:spcBef>
-                <a:spcPct val="0"/>
-              </a:spcBef>
-              <a:spcAft>
-                <a:spcPct val="0"/>
-              </a:spcAft>
-              <a:defRPr kumimoji="1" sz="2400">
-                <a:solidFill>
-                  <a:schemeClr val="tx1"/>
-                </a:solidFill>
-                <a:latin typeface="Times New Roman" pitchFamily="18" charset="0"/>
-                <a:ea typeface="ＭＳ Ｐゴシック" charset="-128"/>
-              </a:defRPr>
-            </a:lvl6pPr>
-            <a:lvl7pPr defTabSz="381000" fontAlgn="base">
-              <a:spcBef>
-                <a:spcPct val="0"/>
-              </a:spcBef>
-              <a:spcAft>
-                <a:spcPct val="0"/>
-              </a:spcAft>
-              <a:defRPr kumimoji="1" sz="2400">
-                <a:solidFill>
-                  <a:schemeClr val="tx1"/>
-                </a:solidFill>
-                <a:latin typeface="Times New Roman" pitchFamily="18" charset="0"/>
-                <a:ea typeface="ＭＳ Ｐゴシック" charset="-128"/>
-              </a:defRPr>
-            </a:lvl7pPr>
-            <a:lvl8pPr defTabSz="381000" fontAlgn="base">
-              <a:spcBef>
-                <a:spcPct val="0"/>
-              </a:spcBef>
-              <a:spcAft>
-                <a:spcPct val="0"/>
-              </a:spcAft>
-              <a:defRPr kumimoji="1" sz="2400">
-                <a:solidFill>
-                  <a:schemeClr val="tx1"/>
-                </a:solidFill>
-                <a:latin typeface="Times New Roman" pitchFamily="18" charset="0"/>
-                <a:ea typeface="ＭＳ Ｐゴシック" charset="-128"/>
-              </a:defRPr>
-            </a:lvl8pPr>
-            <a:lvl9pPr defTabSz="381000" fontAlgn="base">
-              <a:spcBef>
-                <a:spcPct val="0"/>
-              </a:spcBef>
-              <a:spcAft>
-                <a:spcPct val="0"/>
-              </a:spcAft>
-              <a:defRPr kumimoji="1" sz="2400">
-                <a:solidFill>
-                  <a:schemeClr val="tx1"/>
-                </a:solidFill>
-                <a:latin typeface="Times New Roman" pitchFamily="18" charset="0"/>
-                <a:ea typeface="ＭＳ Ｐゴシック" charset="-128"/>
-              </a:defRPr>
-            </a:lvl9pPr>
           </a:lstStyle>
           <a:p>
-            <a:pPr marL="0" marR="0" lvl="0" indent="0" algn="l" defTabSz="381000" eaLnBrk="1" fontAlgn="auto" latinLnBrk="0" hangingPunct="1">
-              <a:lnSpc>
-                <a:spcPct val="100000"/>
-              </a:lnSpc>
-              <a:spcBef>
-                <a:spcPct val="20000"/>
-              </a:spcBef>
-              <a:spcAft>
-                <a:spcPts val="0"/>
-              </a:spcAft>
-              <a:buClr>
-                <a:srgbClr val="FFFFFF"/>
-              </a:buClr>
-              <a:buSzTx/>
-              <a:tabLst/>
-              <a:defRPr/>
-            </a:pPr>
-            <a:r>
-              <a:rPr kumimoji="1" lang="en-US" altLang="ja-JP" b="1" i="0" u="none" strike="noStrike" kern="0" cap="none" spc="0" normalizeH="0" baseline="0" noProof="0" dirty="0" smtClean="0">
-                <a:ln>
-                  <a:noFill/>
-                </a:ln>
-                <a:solidFill>
-                  <a:srgbClr val="FFFFFF"/>
-                </a:solidFill>
-                <a:effectLst/>
-                <a:uLnTx/>
-                <a:uFillTx/>
-                <a:latin typeface="+mn-lt"/>
-                <a:ea typeface="ＭＳ Ｐゴシック" panose="020B0600070205080204" pitchFamily="50" charset="-128"/>
-              </a:rPr>
-              <a:t>1. Context</a:t>
-            </a:r>
-            <a:endParaRPr kumimoji="1" lang="ja-JP" altLang="en-US" b="1" i="0" u="none" strike="noStrike" kern="0" cap="none" spc="0" normalizeH="0" baseline="0" noProof="0" dirty="0" smtClean="0">
-              <a:ln>
-                <a:noFill/>
-              </a:ln>
+            <a:r>
+              <a:rPr lang="ja-JP" altLang="en-US" sz="9600" b="0" dirty="0" smtClean="0">
+                <a:solidFill>
+                  <a:srgbClr val="000000"/>
+                </a:solidFill>
+                <a:latin typeface="+mn-ea"/>
+                <a:ea typeface="+mn-ea"/>
+                <a:cs typeface="ＭＳ 明朝"/>
+              </a:rPr>
+              <a:t>今年の</a:t>
+            </a:r>
+            <a:r>
+              <a:rPr lang="en-US" altLang="ja-JP" sz="9600" b="0" dirty="0" smtClean="0">
+                <a:solidFill>
+                  <a:srgbClr val="BF0000"/>
+                </a:solidFill>
+                <a:latin typeface="+mn-ea"/>
+                <a:ea typeface="+mn-ea"/>
+                <a:cs typeface="ＭＳ 明朝"/>
+              </a:rPr>
+              <a:t>GW</a:t>
+            </a:r>
+            <a:r>
+              <a:rPr lang="ja-JP" altLang="en-US" sz="9600" b="0" dirty="0" smtClean="0">
+                <a:solidFill>
+                  <a:srgbClr val="000000"/>
+                </a:solidFill>
+                <a:latin typeface="+mn-ea"/>
+                <a:ea typeface="+mn-ea"/>
+                <a:cs typeface="ＭＳ 明朝"/>
+              </a:rPr>
+              <a:t>前</a:t>
+            </a:r>
+            <a:endParaRPr lang="en-US" altLang="ja-JP" sz="9600" b="0" dirty="0" smtClean="0">
               <a:solidFill>
-                <a:srgbClr val="FFFFFF"/>
+                <a:srgbClr val="000000"/>
               </a:solidFill>
-              <a:effectLst/>
-              <a:uLnTx/>
-              <a:uFillTx/>
-              <a:latin typeface="+mn-lt"/>
-              <a:ea typeface="ＭＳ Ｐゴシック" panose="020B0600070205080204" pitchFamily="50" charset="-128"/>
-            </a:endParaRPr>
-          </a:p>
-        </p:txBody>
-      </p:sp>
-      <p:sp>
-        <p:nvSpPr>
-          <p:cNvPr id="8" name="Text Box 17"/>
-          <p:cNvSpPr txBox="1">
-            <a:spLocks noChangeArrowheads="1"/>
-          </p:cNvSpPr>
-          <p:nvPr/>
-        </p:nvSpPr>
-        <p:spPr bwMode="auto">
-          <a:xfrm>
-            <a:off x="445331" y="3068960"/>
-            <a:ext cx="8240400" cy="540000"/>
-          </a:xfrm>
-          <a:prstGeom prst="rect">
-            <a:avLst/>
-          </a:prstGeom>
-          <a:solidFill>
-            <a:schemeClr val="bg1">
-              <a:lumMod val="50000"/>
-            </a:schemeClr>
-          </a:solidFill>
-          <a:ln w="12700">
-            <a:solidFill>
-              <a:schemeClr val="tx1"/>
-            </a:solidFill>
-            <a:miter lim="800000"/>
-            <a:headEnd/>
-            <a:tailEnd/>
-          </a:ln>
-          <a:effectLst>
-            <a:outerShdw blurRad="88900" dist="38100" dir="8100000" algn="ctr" rotWithShape="0">
-              <a:schemeClr val="tx1">
-                <a:alpha val="30000"/>
-              </a:schemeClr>
-            </a:outerShdw>
-          </a:effectLst>
-          <a:extLst/>
-        </p:spPr>
-        <p:txBody>
-          <a:bodyPr anchor="ctr" anchorCtr="0"/>
-          <a:lstStyle>
-            <a:lvl1pPr algn="l" defTabSz="381000">
-              <a:spcBef>
-                <a:spcPct val="0"/>
-              </a:spcBef>
-              <a:defRPr kumimoji="1" sz="2400">
-                <a:solidFill>
-                  <a:schemeClr val="tx1"/>
-                </a:solidFill>
-                <a:latin typeface="Times New Roman" pitchFamily="18" charset="0"/>
-                <a:ea typeface="ＭＳ Ｐゴシック" charset="-128"/>
-              </a:defRPr>
-            </a:lvl1pPr>
-            <a:lvl2pPr algn="l" defTabSz="381000">
-              <a:spcBef>
-                <a:spcPct val="0"/>
-              </a:spcBef>
-              <a:defRPr kumimoji="1" sz="2400">
-                <a:solidFill>
-                  <a:schemeClr val="tx1"/>
-                </a:solidFill>
-                <a:latin typeface="Times New Roman" pitchFamily="18" charset="0"/>
-                <a:ea typeface="ＭＳ Ｐゴシック" charset="-128"/>
-              </a:defRPr>
-            </a:lvl2pPr>
-            <a:lvl3pPr algn="l" defTabSz="381000">
-              <a:spcBef>
-                <a:spcPct val="0"/>
-              </a:spcBef>
-              <a:defRPr kumimoji="1" sz="2400">
-                <a:solidFill>
-                  <a:schemeClr val="tx1"/>
-                </a:solidFill>
-                <a:latin typeface="Times New Roman" pitchFamily="18" charset="0"/>
-                <a:ea typeface="ＭＳ Ｐゴシック" charset="-128"/>
-              </a:defRPr>
-            </a:lvl3pPr>
-            <a:lvl4pPr algn="l" defTabSz="381000">
-              <a:spcBef>
-                <a:spcPct val="0"/>
-              </a:spcBef>
-              <a:defRPr kumimoji="1" sz="2400">
-                <a:solidFill>
-                  <a:schemeClr val="tx1"/>
-                </a:solidFill>
-                <a:latin typeface="Times New Roman" pitchFamily="18" charset="0"/>
-                <a:ea typeface="ＭＳ Ｐゴシック" charset="-128"/>
-              </a:defRPr>
-            </a:lvl4pPr>
-            <a:lvl5pPr algn="l" defTabSz="381000">
-              <a:spcBef>
-                <a:spcPct val="0"/>
-              </a:spcBef>
-              <a:defRPr kumimoji="1" sz="2400">
-                <a:solidFill>
-                  <a:schemeClr val="tx1"/>
-                </a:solidFill>
-                <a:latin typeface="Times New Roman" pitchFamily="18" charset="0"/>
-                <a:ea typeface="ＭＳ Ｐゴシック" charset="-128"/>
-              </a:defRPr>
-            </a:lvl5pPr>
-            <a:lvl6pPr defTabSz="381000" fontAlgn="base">
-              <a:spcBef>
-                <a:spcPct val="0"/>
-              </a:spcBef>
-              <a:spcAft>
-                <a:spcPct val="0"/>
-              </a:spcAft>
-              <a:defRPr kumimoji="1" sz="2400">
-                <a:solidFill>
-                  <a:schemeClr val="tx1"/>
-                </a:solidFill>
-                <a:latin typeface="Times New Roman" pitchFamily="18" charset="0"/>
-                <a:ea typeface="ＭＳ Ｐゴシック" charset="-128"/>
-              </a:defRPr>
-            </a:lvl6pPr>
-            <a:lvl7pPr defTabSz="381000" fontAlgn="base">
-              <a:spcBef>
-                <a:spcPct val="0"/>
-              </a:spcBef>
-              <a:spcAft>
-                <a:spcPct val="0"/>
-              </a:spcAft>
-              <a:defRPr kumimoji="1" sz="2400">
-                <a:solidFill>
-                  <a:schemeClr val="tx1"/>
-                </a:solidFill>
-                <a:latin typeface="Times New Roman" pitchFamily="18" charset="0"/>
-                <a:ea typeface="ＭＳ Ｐゴシック" charset="-128"/>
-              </a:defRPr>
-            </a:lvl7pPr>
-            <a:lvl8pPr defTabSz="381000" fontAlgn="base">
-              <a:spcBef>
-                <a:spcPct val="0"/>
-              </a:spcBef>
-              <a:spcAft>
-                <a:spcPct val="0"/>
-              </a:spcAft>
-              <a:defRPr kumimoji="1" sz="2400">
-                <a:solidFill>
-                  <a:schemeClr val="tx1"/>
-                </a:solidFill>
-                <a:latin typeface="Times New Roman" pitchFamily="18" charset="0"/>
-                <a:ea typeface="ＭＳ Ｐゴシック" charset="-128"/>
-              </a:defRPr>
-            </a:lvl8pPr>
-            <a:lvl9pPr defTabSz="381000" fontAlgn="base">
-              <a:spcBef>
-                <a:spcPct val="0"/>
-              </a:spcBef>
-              <a:spcAft>
-                <a:spcPct val="0"/>
-              </a:spcAft>
-              <a:defRPr kumimoji="1" sz="2400">
-                <a:solidFill>
-                  <a:schemeClr val="tx1"/>
-                </a:solidFill>
-                <a:latin typeface="Times New Roman" pitchFamily="18" charset="0"/>
-                <a:ea typeface="ＭＳ Ｐゴシック" charset="-128"/>
-              </a:defRPr>
-            </a:lvl9pPr>
-          </a:lstStyle>
-          <a:p>
-            <a:pPr lvl="0">
-              <a:spcBef>
-                <a:spcPct val="20000"/>
-              </a:spcBef>
-              <a:buClr>
-                <a:srgbClr val="FFFFFF"/>
-              </a:buClr>
-              <a:defRPr/>
-            </a:pPr>
-            <a:r>
-              <a:rPr lang="en-US" altLang="ja-JP" b="1" kern="0" dirty="0">
-                <a:solidFill>
-                  <a:srgbClr val="FFFFFF"/>
-                </a:solidFill>
-                <a:latin typeface="+mn-lt"/>
-              </a:rPr>
-              <a:t>3</a:t>
-            </a:r>
-            <a:r>
-              <a:rPr lang="en-US" altLang="ja-JP" b="1" kern="0" dirty="0" smtClean="0">
-                <a:solidFill>
-                  <a:srgbClr val="FFFFFF"/>
-                </a:solidFill>
-                <a:latin typeface="+mn-lt"/>
-              </a:rPr>
-              <a:t>. </a:t>
-            </a:r>
-            <a:r>
-              <a:rPr lang="en-US" altLang="ja-JP" b="1" kern="0" dirty="0">
-                <a:solidFill>
-                  <a:srgbClr val="FFFFFF"/>
-                </a:solidFill>
-                <a:latin typeface="+mn-lt"/>
-              </a:rPr>
-              <a:t>TDD: for making android development easy</a:t>
-            </a:r>
-            <a:endParaRPr kumimoji="1" lang="ja-JP" altLang="en-US" b="1" i="0" u="none" strike="noStrike" kern="0" cap="none" spc="0" normalizeH="0" baseline="0" noProof="0" dirty="0" smtClean="0">
-              <a:ln>
-                <a:noFill/>
-              </a:ln>
-              <a:solidFill>
-                <a:srgbClr val="FFFFFF"/>
-              </a:solidFill>
-              <a:effectLst/>
-              <a:uLnTx/>
-              <a:uFillTx/>
-              <a:latin typeface="+mn-lt"/>
-            </a:endParaRPr>
-          </a:p>
-        </p:txBody>
-      </p:sp>
-      <p:sp>
-        <p:nvSpPr>
-          <p:cNvPr id="10" name="Text Box 17"/>
-          <p:cNvSpPr txBox="1">
-            <a:spLocks noChangeArrowheads="1"/>
-          </p:cNvSpPr>
-          <p:nvPr/>
-        </p:nvSpPr>
-        <p:spPr bwMode="auto">
-          <a:xfrm>
-            <a:off x="445331" y="2060848"/>
-            <a:ext cx="8240400" cy="540000"/>
-          </a:xfrm>
-          <a:prstGeom prst="rect">
-            <a:avLst/>
-          </a:prstGeom>
-          <a:solidFill>
-            <a:schemeClr val="bg1">
-              <a:lumMod val="50000"/>
-            </a:schemeClr>
-          </a:solidFill>
-          <a:ln w="12700">
-            <a:solidFill>
-              <a:schemeClr val="tx1"/>
-            </a:solidFill>
-            <a:miter lim="800000"/>
-            <a:headEnd/>
-            <a:tailEnd/>
-          </a:ln>
-          <a:effectLst>
-            <a:outerShdw blurRad="88900" dist="38100" dir="8100000" algn="ctr" rotWithShape="0">
-              <a:schemeClr val="tx1">
-                <a:alpha val="30000"/>
-              </a:schemeClr>
-            </a:outerShdw>
-          </a:effectLst>
-          <a:extLst/>
-        </p:spPr>
-        <p:txBody>
-          <a:bodyPr anchor="ctr" anchorCtr="0"/>
-          <a:lstStyle>
-            <a:lvl1pPr algn="l" defTabSz="381000">
-              <a:spcBef>
-                <a:spcPct val="0"/>
-              </a:spcBef>
-              <a:defRPr kumimoji="1" sz="2400">
-                <a:solidFill>
-                  <a:schemeClr val="tx1"/>
-                </a:solidFill>
-                <a:latin typeface="Times New Roman" pitchFamily="18" charset="0"/>
-                <a:ea typeface="ＭＳ Ｐゴシック" charset="-128"/>
-              </a:defRPr>
-            </a:lvl1pPr>
-            <a:lvl2pPr algn="l" defTabSz="381000">
-              <a:spcBef>
-                <a:spcPct val="0"/>
-              </a:spcBef>
-              <a:defRPr kumimoji="1" sz="2400">
-                <a:solidFill>
-                  <a:schemeClr val="tx1"/>
-                </a:solidFill>
-                <a:latin typeface="Times New Roman" pitchFamily="18" charset="0"/>
-                <a:ea typeface="ＭＳ Ｐゴシック" charset="-128"/>
-              </a:defRPr>
-            </a:lvl2pPr>
-            <a:lvl3pPr algn="l" defTabSz="381000">
-              <a:spcBef>
-                <a:spcPct val="0"/>
-              </a:spcBef>
-              <a:defRPr kumimoji="1" sz="2400">
-                <a:solidFill>
-                  <a:schemeClr val="tx1"/>
-                </a:solidFill>
-                <a:latin typeface="Times New Roman" pitchFamily="18" charset="0"/>
-                <a:ea typeface="ＭＳ Ｐゴシック" charset="-128"/>
-              </a:defRPr>
-            </a:lvl3pPr>
-            <a:lvl4pPr algn="l" defTabSz="381000">
-              <a:spcBef>
-                <a:spcPct val="0"/>
-              </a:spcBef>
-              <a:defRPr kumimoji="1" sz="2400">
-                <a:solidFill>
-                  <a:schemeClr val="tx1"/>
-                </a:solidFill>
-                <a:latin typeface="Times New Roman" pitchFamily="18" charset="0"/>
-                <a:ea typeface="ＭＳ Ｐゴシック" charset="-128"/>
-              </a:defRPr>
-            </a:lvl4pPr>
-            <a:lvl5pPr algn="l" defTabSz="381000">
-              <a:spcBef>
-                <a:spcPct val="0"/>
-              </a:spcBef>
-              <a:defRPr kumimoji="1" sz="2400">
-                <a:solidFill>
-                  <a:schemeClr val="tx1"/>
-                </a:solidFill>
-                <a:latin typeface="Times New Roman" pitchFamily="18" charset="0"/>
-                <a:ea typeface="ＭＳ Ｐゴシック" charset="-128"/>
-              </a:defRPr>
-            </a:lvl5pPr>
-            <a:lvl6pPr defTabSz="381000" fontAlgn="base">
-              <a:spcBef>
-                <a:spcPct val="0"/>
-              </a:spcBef>
-              <a:spcAft>
-                <a:spcPct val="0"/>
-              </a:spcAft>
-              <a:defRPr kumimoji="1" sz="2400">
-                <a:solidFill>
-                  <a:schemeClr val="tx1"/>
-                </a:solidFill>
-                <a:latin typeface="Times New Roman" pitchFamily="18" charset="0"/>
-                <a:ea typeface="ＭＳ Ｐゴシック" charset="-128"/>
-              </a:defRPr>
-            </a:lvl6pPr>
-            <a:lvl7pPr defTabSz="381000" fontAlgn="base">
-              <a:spcBef>
-                <a:spcPct val="0"/>
-              </a:spcBef>
-              <a:spcAft>
-                <a:spcPct val="0"/>
-              </a:spcAft>
-              <a:defRPr kumimoji="1" sz="2400">
-                <a:solidFill>
-                  <a:schemeClr val="tx1"/>
-                </a:solidFill>
-                <a:latin typeface="Times New Roman" pitchFamily="18" charset="0"/>
-                <a:ea typeface="ＭＳ Ｐゴシック" charset="-128"/>
-              </a:defRPr>
-            </a:lvl7pPr>
-            <a:lvl8pPr defTabSz="381000" fontAlgn="base">
-              <a:spcBef>
-                <a:spcPct val="0"/>
-              </a:spcBef>
-              <a:spcAft>
-                <a:spcPct val="0"/>
-              </a:spcAft>
-              <a:defRPr kumimoji="1" sz="2400">
-                <a:solidFill>
-                  <a:schemeClr val="tx1"/>
-                </a:solidFill>
-                <a:latin typeface="Times New Roman" pitchFamily="18" charset="0"/>
-                <a:ea typeface="ＭＳ Ｐゴシック" charset="-128"/>
-              </a:defRPr>
-            </a:lvl8pPr>
-            <a:lvl9pPr defTabSz="381000" fontAlgn="base">
-              <a:spcBef>
-                <a:spcPct val="0"/>
-              </a:spcBef>
-              <a:spcAft>
-                <a:spcPct val="0"/>
-              </a:spcAft>
-              <a:defRPr kumimoji="1" sz="2400">
-                <a:solidFill>
-                  <a:schemeClr val="tx1"/>
-                </a:solidFill>
-                <a:latin typeface="Times New Roman" pitchFamily="18" charset="0"/>
-                <a:ea typeface="ＭＳ Ｐゴシック" charset="-128"/>
-              </a:defRPr>
-            </a:lvl9pPr>
-          </a:lstStyle>
-          <a:p>
-            <a:pPr lvl="0">
-              <a:spcBef>
-                <a:spcPct val="20000"/>
-              </a:spcBef>
-              <a:buClr>
-                <a:srgbClr val="FFFFFF"/>
-              </a:buClr>
-              <a:defRPr/>
-            </a:pPr>
-            <a:r>
-              <a:rPr lang="en-US" altLang="ja-JP" b="1" kern="0" dirty="0" smtClean="0">
-                <a:solidFill>
-                  <a:srgbClr val="FFFFFF"/>
-                </a:solidFill>
-                <a:latin typeface="+mn-lt"/>
-                <a:ea typeface="ＭＳ Ｐゴシック" panose="020B0600070205080204" pitchFamily="50" charset="-128"/>
-              </a:rPr>
-              <a:t>2. </a:t>
-            </a:r>
-            <a:r>
-              <a:rPr lang="en-US" altLang="ja-JP" b="1" kern="0" dirty="0">
-                <a:solidFill>
-                  <a:srgbClr val="FFFFFF"/>
-                </a:solidFill>
-                <a:latin typeface="+mn-lt"/>
-                <a:ea typeface="ＭＳ Ｐゴシック" panose="020B0600070205080204" pitchFamily="50" charset="-128"/>
-              </a:rPr>
-              <a:t>CI/CD: aiming to all stakeholders</a:t>
-            </a:r>
-            <a:endParaRPr kumimoji="1" lang="ja-JP" altLang="en-US" b="1" i="0" u="none" strike="noStrike" kern="0" cap="none" spc="0" normalizeH="0" baseline="0" noProof="0" dirty="0" smtClean="0">
-              <a:ln>
-                <a:noFill/>
-              </a:ln>
-              <a:solidFill>
-                <a:srgbClr val="FFFFFF"/>
-              </a:solidFill>
-              <a:effectLst/>
-              <a:uLnTx/>
-              <a:uFillTx/>
-              <a:latin typeface="+mn-lt"/>
-              <a:ea typeface="ＭＳ Ｐゴシック" panose="020B0600070205080204" pitchFamily="50" charset="-128"/>
-            </a:endParaRPr>
-          </a:p>
-        </p:txBody>
-      </p:sp>
-      <p:sp>
-        <p:nvSpPr>
-          <p:cNvPr id="6" name="Text Box 17"/>
-          <p:cNvSpPr txBox="1">
-            <a:spLocks noChangeArrowheads="1"/>
-          </p:cNvSpPr>
-          <p:nvPr/>
-        </p:nvSpPr>
-        <p:spPr bwMode="auto">
-          <a:xfrm>
-            <a:off x="445331" y="4077072"/>
-            <a:ext cx="8240400" cy="540000"/>
-          </a:xfrm>
-          <a:prstGeom prst="rect">
-            <a:avLst/>
-          </a:prstGeom>
-          <a:solidFill>
-            <a:schemeClr val="bg1">
-              <a:lumMod val="50000"/>
-            </a:schemeClr>
-          </a:solidFill>
-          <a:ln w="12700">
-            <a:solidFill>
-              <a:schemeClr val="tx1"/>
-            </a:solidFill>
-            <a:miter lim="800000"/>
-            <a:headEnd/>
-            <a:tailEnd/>
-          </a:ln>
-          <a:effectLst>
-            <a:outerShdw blurRad="88900" dist="38100" dir="8100000" algn="ctr" rotWithShape="0">
-              <a:schemeClr val="tx1">
-                <a:alpha val="30000"/>
-              </a:schemeClr>
-            </a:outerShdw>
-          </a:effectLst>
-          <a:extLst/>
-        </p:spPr>
-        <p:txBody>
-          <a:bodyPr anchor="ctr" anchorCtr="0"/>
-          <a:lstStyle>
-            <a:lvl1pPr algn="l" defTabSz="381000">
-              <a:spcBef>
-                <a:spcPct val="0"/>
-              </a:spcBef>
-              <a:defRPr kumimoji="1" sz="2400">
-                <a:solidFill>
-                  <a:schemeClr val="tx1"/>
-                </a:solidFill>
-                <a:latin typeface="Times New Roman" pitchFamily="18" charset="0"/>
-                <a:ea typeface="ＭＳ Ｐゴシック" charset="-128"/>
-              </a:defRPr>
-            </a:lvl1pPr>
-            <a:lvl2pPr algn="l" defTabSz="381000">
-              <a:spcBef>
-                <a:spcPct val="0"/>
-              </a:spcBef>
-              <a:defRPr kumimoji="1" sz="2400">
-                <a:solidFill>
-                  <a:schemeClr val="tx1"/>
-                </a:solidFill>
-                <a:latin typeface="Times New Roman" pitchFamily="18" charset="0"/>
-                <a:ea typeface="ＭＳ Ｐゴシック" charset="-128"/>
-              </a:defRPr>
-            </a:lvl2pPr>
-            <a:lvl3pPr algn="l" defTabSz="381000">
-              <a:spcBef>
-                <a:spcPct val="0"/>
-              </a:spcBef>
-              <a:defRPr kumimoji="1" sz="2400">
-                <a:solidFill>
-                  <a:schemeClr val="tx1"/>
-                </a:solidFill>
-                <a:latin typeface="Times New Roman" pitchFamily="18" charset="0"/>
-                <a:ea typeface="ＭＳ Ｐゴシック" charset="-128"/>
-              </a:defRPr>
-            </a:lvl3pPr>
-            <a:lvl4pPr algn="l" defTabSz="381000">
-              <a:spcBef>
-                <a:spcPct val="0"/>
-              </a:spcBef>
-              <a:defRPr kumimoji="1" sz="2400">
-                <a:solidFill>
-                  <a:schemeClr val="tx1"/>
-                </a:solidFill>
-                <a:latin typeface="Times New Roman" pitchFamily="18" charset="0"/>
-                <a:ea typeface="ＭＳ Ｐゴシック" charset="-128"/>
-              </a:defRPr>
-            </a:lvl4pPr>
-            <a:lvl5pPr algn="l" defTabSz="381000">
-              <a:spcBef>
-                <a:spcPct val="0"/>
-              </a:spcBef>
-              <a:defRPr kumimoji="1" sz="2400">
-                <a:solidFill>
-                  <a:schemeClr val="tx1"/>
-                </a:solidFill>
-                <a:latin typeface="Times New Roman" pitchFamily="18" charset="0"/>
-                <a:ea typeface="ＭＳ Ｐゴシック" charset="-128"/>
-              </a:defRPr>
-            </a:lvl5pPr>
-            <a:lvl6pPr defTabSz="381000" fontAlgn="base">
-              <a:spcBef>
-                <a:spcPct val="0"/>
-              </a:spcBef>
-              <a:spcAft>
-                <a:spcPct val="0"/>
-              </a:spcAft>
-              <a:defRPr kumimoji="1" sz="2400">
-                <a:solidFill>
-                  <a:schemeClr val="tx1"/>
-                </a:solidFill>
-                <a:latin typeface="Times New Roman" pitchFamily="18" charset="0"/>
-                <a:ea typeface="ＭＳ Ｐゴシック" charset="-128"/>
-              </a:defRPr>
-            </a:lvl6pPr>
-            <a:lvl7pPr defTabSz="381000" fontAlgn="base">
-              <a:spcBef>
-                <a:spcPct val="0"/>
-              </a:spcBef>
-              <a:spcAft>
-                <a:spcPct val="0"/>
-              </a:spcAft>
-              <a:defRPr kumimoji="1" sz="2400">
-                <a:solidFill>
-                  <a:schemeClr val="tx1"/>
-                </a:solidFill>
-                <a:latin typeface="Times New Roman" pitchFamily="18" charset="0"/>
-                <a:ea typeface="ＭＳ Ｐゴシック" charset="-128"/>
-              </a:defRPr>
-            </a:lvl7pPr>
-            <a:lvl8pPr defTabSz="381000" fontAlgn="base">
-              <a:spcBef>
-                <a:spcPct val="0"/>
-              </a:spcBef>
-              <a:spcAft>
-                <a:spcPct val="0"/>
-              </a:spcAft>
-              <a:defRPr kumimoji="1" sz="2400">
-                <a:solidFill>
-                  <a:schemeClr val="tx1"/>
-                </a:solidFill>
-                <a:latin typeface="Times New Roman" pitchFamily="18" charset="0"/>
-                <a:ea typeface="ＭＳ Ｐゴシック" charset="-128"/>
-              </a:defRPr>
-            </a:lvl8pPr>
-            <a:lvl9pPr defTabSz="381000" fontAlgn="base">
-              <a:spcBef>
-                <a:spcPct val="0"/>
-              </a:spcBef>
-              <a:spcAft>
-                <a:spcPct val="0"/>
-              </a:spcAft>
-              <a:defRPr kumimoji="1" sz="2400">
-                <a:solidFill>
-                  <a:schemeClr val="tx1"/>
-                </a:solidFill>
-                <a:latin typeface="Times New Roman" pitchFamily="18" charset="0"/>
-                <a:ea typeface="ＭＳ Ｐゴシック" charset="-128"/>
-              </a:defRPr>
-            </a:lvl9pPr>
-          </a:lstStyle>
-          <a:p>
-            <a:pPr lvl="0">
-              <a:spcBef>
-                <a:spcPct val="20000"/>
-              </a:spcBef>
-              <a:buClr>
-                <a:srgbClr val="FFFFFF"/>
-              </a:buClr>
-              <a:defRPr/>
-            </a:pPr>
-            <a:r>
-              <a:rPr lang="en-US" altLang="ja-JP" b="1" kern="0" dirty="0" smtClean="0">
-                <a:solidFill>
-                  <a:srgbClr val="FFFFFF"/>
-                </a:solidFill>
-                <a:latin typeface="+mn-lt"/>
-              </a:rPr>
-              <a:t>4. </a:t>
-            </a:r>
-            <a:r>
-              <a:rPr lang="en-US" altLang="ja-JP" b="1" kern="0" dirty="0">
-                <a:solidFill>
-                  <a:srgbClr val="FFFFFF"/>
-                </a:solidFill>
-                <a:latin typeface="+mn-lt"/>
-              </a:rPr>
-              <a:t>BDD: for supporting the team more</a:t>
-            </a:r>
-            <a:endParaRPr kumimoji="1" lang="ja-JP" altLang="en-US" b="1" i="0" u="none" strike="noStrike" kern="0" cap="none" spc="0" normalizeH="0" baseline="0" noProof="0" dirty="0" smtClean="0">
-              <a:ln>
-                <a:noFill/>
-              </a:ln>
-              <a:solidFill>
-                <a:srgbClr val="FFFFFF"/>
-              </a:solidFill>
-              <a:effectLst/>
-              <a:uLnTx/>
-              <a:uFillTx/>
-              <a:latin typeface="+mn-lt"/>
-            </a:endParaRPr>
-          </a:p>
-        </p:txBody>
-      </p:sp>
-      <p:sp>
-        <p:nvSpPr>
-          <p:cNvPr id="7" name="Text Box 17"/>
-          <p:cNvSpPr txBox="1">
-            <a:spLocks noChangeArrowheads="1"/>
-          </p:cNvSpPr>
-          <p:nvPr/>
-        </p:nvSpPr>
-        <p:spPr bwMode="auto">
-          <a:xfrm>
-            <a:off x="445331" y="5085184"/>
-            <a:ext cx="8240400" cy="540000"/>
-          </a:xfrm>
-          <a:prstGeom prst="rect">
-            <a:avLst/>
-          </a:prstGeom>
-          <a:solidFill>
-            <a:schemeClr val="bg1">
-              <a:lumMod val="50000"/>
-            </a:schemeClr>
-          </a:solidFill>
-          <a:ln w="12700">
-            <a:solidFill>
-              <a:schemeClr val="tx1"/>
-            </a:solidFill>
-            <a:miter lim="800000"/>
-            <a:headEnd/>
-            <a:tailEnd/>
-          </a:ln>
-          <a:effectLst>
-            <a:outerShdw blurRad="88900" dist="38100" dir="8100000" algn="ctr" rotWithShape="0">
-              <a:schemeClr val="tx1">
-                <a:alpha val="30000"/>
-              </a:schemeClr>
-            </a:outerShdw>
-          </a:effectLst>
-          <a:extLst/>
-        </p:spPr>
-        <p:txBody>
-          <a:bodyPr anchor="ctr" anchorCtr="0"/>
-          <a:lstStyle>
-            <a:lvl1pPr algn="l" defTabSz="381000">
-              <a:spcBef>
-                <a:spcPct val="0"/>
-              </a:spcBef>
-              <a:defRPr kumimoji="1" sz="2400">
-                <a:solidFill>
-                  <a:schemeClr val="tx1"/>
-                </a:solidFill>
-                <a:latin typeface="Times New Roman" pitchFamily="18" charset="0"/>
-                <a:ea typeface="ＭＳ Ｐゴシック" charset="-128"/>
-              </a:defRPr>
-            </a:lvl1pPr>
-            <a:lvl2pPr algn="l" defTabSz="381000">
-              <a:spcBef>
-                <a:spcPct val="0"/>
-              </a:spcBef>
-              <a:defRPr kumimoji="1" sz="2400">
-                <a:solidFill>
-                  <a:schemeClr val="tx1"/>
-                </a:solidFill>
-                <a:latin typeface="Times New Roman" pitchFamily="18" charset="0"/>
-                <a:ea typeface="ＭＳ Ｐゴシック" charset="-128"/>
-              </a:defRPr>
-            </a:lvl2pPr>
-            <a:lvl3pPr algn="l" defTabSz="381000">
-              <a:spcBef>
-                <a:spcPct val="0"/>
-              </a:spcBef>
-              <a:defRPr kumimoji="1" sz="2400">
-                <a:solidFill>
-                  <a:schemeClr val="tx1"/>
-                </a:solidFill>
-                <a:latin typeface="Times New Roman" pitchFamily="18" charset="0"/>
-                <a:ea typeface="ＭＳ Ｐゴシック" charset="-128"/>
-              </a:defRPr>
-            </a:lvl3pPr>
-            <a:lvl4pPr algn="l" defTabSz="381000">
-              <a:spcBef>
-                <a:spcPct val="0"/>
-              </a:spcBef>
-              <a:defRPr kumimoji="1" sz="2400">
-                <a:solidFill>
-                  <a:schemeClr val="tx1"/>
-                </a:solidFill>
-                <a:latin typeface="Times New Roman" pitchFamily="18" charset="0"/>
-                <a:ea typeface="ＭＳ Ｐゴシック" charset="-128"/>
-              </a:defRPr>
-            </a:lvl4pPr>
-            <a:lvl5pPr algn="l" defTabSz="381000">
-              <a:spcBef>
-                <a:spcPct val="0"/>
-              </a:spcBef>
-              <a:defRPr kumimoji="1" sz="2400">
-                <a:solidFill>
-                  <a:schemeClr val="tx1"/>
-                </a:solidFill>
-                <a:latin typeface="Times New Roman" pitchFamily="18" charset="0"/>
-                <a:ea typeface="ＭＳ Ｐゴシック" charset="-128"/>
-              </a:defRPr>
-            </a:lvl5pPr>
-            <a:lvl6pPr defTabSz="381000" fontAlgn="base">
-              <a:spcBef>
-                <a:spcPct val="0"/>
-              </a:spcBef>
-              <a:spcAft>
-                <a:spcPct val="0"/>
-              </a:spcAft>
-              <a:defRPr kumimoji="1" sz="2400">
-                <a:solidFill>
-                  <a:schemeClr val="tx1"/>
-                </a:solidFill>
-                <a:latin typeface="Times New Roman" pitchFamily="18" charset="0"/>
-                <a:ea typeface="ＭＳ Ｐゴシック" charset="-128"/>
-              </a:defRPr>
-            </a:lvl6pPr>
-            <a:lvl7pPr defTabSz="381000" fontAlgn="base">
-              <a:spcBef>
-                <a:spcPct val="0"/>
-              </a:spcBef>
-              <a:spcAft>
-                <a:spcPct val="0"/>
-              </a:spcAft>
-              <a:defRPr kumimoji="1" sz="2400">
-                <a:solidFill>
-                  <a:schemeClr val="tx1"/>
-                </a:solidFill>
-                <a:latin typeface="Times New Roman" pitchFamily="18" charset="0"/>
-                <a:ea typeface="ＭＳ Ｐゴシック" charset="-128"/>
-              </a:defRPr>
-            </a:lvl7pPr>
-            <a:lvl8pPr defTabSz="381000" fontAlgn="base">
-              <a:spcBef>
-                <a:spcPct val="0"/>
-              </a:spcBef>
-              <a:spcAft>
-                <a:spcPct val="0"/>
-              </a:spcAft>
-              <a:defRPr kumimoji="1" sz="2400">
-                <a:solidFill>
-                  <a:schemeClr val="tx1"/>
-                </a:solidFill>
-                <a:latin typeface="Times New Roman" pitchFamily="18" charset="0"/>
-                <a:ea typeface="ＭＳ Ｐゴシック" charset="-128"/>
-              </a:defRPr>
-            </a:lvl8pPr>
-            <a:lvl9pPr defTabSz="381000" fontAlgn="base">
-              <a:spcBef>
-                <a:spcPct val="0"/>
-              </a:spcBef>
-              <a:spcAft>
-                <a:spcPct val="0"/>
-              </a:spcAft>
-              <a:defRPr kumimoji="1" sz="2400">
-                <a:solidFill>
-                  <a:schemeClr val="tx1"/>
-                </a:solidFill>
-                <a:latin typeface="Times New Roman" pitchFamily="18" charset="0"/>
-                <a:ea typeface="ＭＳ Ｐゴシック" charset="-128"/>
-              </a:defRPr>
-            </a:lvl9pPr>
-          </a:lstStyle>
-          <a:p>
-            <a:pPr lvl="0">
-              <a:spcBef>
-                <a:spcPct val="20000"/>
-              </a:spcBef>
-              <a:buClr>
-                <a:srgbClr val="FFFFFF"/>
-              </a:buClr>
-              <a:defRPr/>
-            </a:pPr>
-            <a:r>
-              <a:rPr lang="en-US" altLang="ja-JP" b="1" kern="0" dirty="0" smtClean="0">
-                <a:solidFill>
-                  <a:srgbClr val="FFFFFF"/>
-                </a:solidFill>
-                <a:latin typeface="+mn-lt"/>
-              </a:rPr>
-              <a:t>5. </a:t>
-            </a:r>
-            <a:r>
-              <a:rPr lang="en-US" altLang="ja-JP" b="1" kern="0" dirty="0">
-                <a:solidFill>
-                  <a:srgbClr val="FFFFFF"/>
-                </a:solidFill>
-                <a:latin typeface="+mn-lt"/>
-              </a:rPr>
-              <a:t>Discussion</a:t>
-            </a:r>
-            <a:endParaRPr kumimoji="1" lang="ja-JP" altLang="en-US" b="1" i="0" u="none" strike="noStrike" kern="0" cap="none" spc="0" normalizeH="0" baseline="0" noProof="0" dirty="0" smtClean="0">
-              <a:ln>
-                <a:noFill/>
-              </a:ln>
-              <a:solidFill>
-                <a:srgbClr val="FFFFFF"/>
-              </a:solidFill>
-              <a:effectLst/>
-              <a:uLnTx/>
-              <a:uFillTx/>
-              <a:latin typeface="+mn-lt"/>
+              <a:latin typeface="+mn-ea"/>
+              <a:ea typeface="+mn-ea"/>
+              <a:cs typeface="ＭＳ 明朝"/>
             </a:endParaRPr>
           </a:p>
         </p:txBody>
@@ -29399,7 +31725,7 @@
     </p:spTree>
     <p:extLst>
       <p:ext uri="{BB962C8B-B14F-4D97-AF65-F5344CB8AC3E}">
-        <p14:creationId xmlns:p14="http://schemas.microsoft.com/office/powerpoint/2010/main" val="2699118108"/>
+        <p14:creationId xmlns:p14="http://schemas.microsoft.com/office/powerpoint/2010/main" val="2727676713"/>
       </p:ext>
     </p:extLst>
   </p:cSld>
@@ -29443,8 +31769,8 @@
         </p:nvSpPr>
         <p:spPr>
           <a:xfrm>
-            <a:off x="360000" y="1192412"/>
-            <a:ext cx="8424000" cy="4473176"/>
+            <a:off x="107504" y="584684"/>
+            <a:ext cx="8928992" cy="5688632"/>
           </a:xfrm>
           <a:prstGeom prst="rect">
             <a:avLst/>
@@ -29476,18 +31802,28 @@
           </a:lstStyle>
           <a:p>
             <a:r>
-              <a:rPr lang="ja-JP" altLang="en-US" sz="9600" b="0" dirty="0" smtClean="0">
-                <a:solidFill>
-                  <a:srgbClr val="000000"/>
+              <a:rPr lang="ja-JP" altLang="en-US" sz="7200" b="0" dirty="0" smtClean="0">
+                <a:solidFill>
+                  <a:schemeClr val="tx1"/>
                 </a:solidFill>
                 <a:latin typeface="+mn-ea"/>
                 <a:ea typeface="+mn-ea"/>
                 <a:cs typeface="ＭＳ 明朝"/>
               </a:rPr>
-              <a:t>今年の</a:t>
-            </a:r>
-            <a:r>
-              <a:rPr lang="en-US" altLang="ja-JP" sz="9600" b="0" dirty="0" smtClean="0">
+              <a:t>某プロジェクトから、</a:t>
+            </a:r>
+            <a:endParaRPr lang="en-US" altLang="ja-JP" sz="7200" b="0" dirty="0" smtClean="0">
+              <a:solidFill>
+                <a:schemeClr val="tx1"/>
+              </a:solidFill>
+              <a:latin typeface="+mn-ea"/>
+              <a:ea typeface="+mn-ea"/>
+              <a:cs typeface="ＭＳ 明朝"/>
+            </a:endParaRPr>
+          </a:p>
+          <a:p>
+            <a:r>
+              <a:rPr lang="ja-JP" altLang="en-US" sz="7200" b="0" dirty="0" smtClean="0">
                 <a:solidFill>
                   <a:srgbClr val="BF0000"/>
                 </a:solidFill>
@@ -29495,10 +31831,10 @@
                 <a:ea typeface="+mn-ea"/>
                 <a:cs typeface="ＭＳ 明朝"/>
               </a:rPr>
-              <a:t>GW</a:t>
-            </a:r>
-            <a:r>
-              <a:rPr lang="ja-JP" altLang="en-US" sz="9600" b="0" dirty="0" smtClean="0">
+              <a:t>アジャイルコーチ</a:t>
+            </a:r>
+            <a:r>
+              <a:rPr lang="ja-JP" altLang="en-US" sz="7200" b="0" dirty="0" smtClean="0">
                 <a:solidFill>
                   <a:srgbClr val="000000"/>
                 </a:solidFill>
@@ -29506,9 +31842,72 @@
                 <a:ea typeface="+mn-ea"/>
                 <a:cs typeface="ＭＳ 明朝"/>
               </a:rPr>
-              <a:t>前</a:t>
-            </a:r>
-            <a:endParaRPr lang="en-US" altLang="ja-JP" sz="9600" b="0" dirty="0" smtClean="0">
+              <a:t>として</a:t>
+            </a:r>
+            <a:endParaRPr lang="en-US" altLang="ja-JP" sz="7200" b="0" dirty="0" smtClean="0">
+              <a:solidFill>
+                <a:srgbClr val="000000"/>
+              </a:solidFill>
+              <a:latin typeface="+mn-ea"/>
+              <a:ea typeface="+mn-ea"/>
+              <a:cs typeface="ＭＳ 明朝"/>
+            </a:endParaRPr>
+          </a:p>
+          <a:p>
+            <a:r>
+              <a:rPr lang="ja-JP" altLang="en-US" sz="7200" b="0" dirty="0" smtClean="0">
+                <a:solidFill>
+                  <a:srgbClr val="000000"/>
+                </a:solidFill>
+                <a:latin typeface="+mn-ea"/>
+                <a:ea typeface="+mn-ea"/>
+                <a:cs typeface="ＭＳ 明朝"/>
+              </a:rPr>
+              <a:t>サポートして欲しい</a:t>
+            </a:r>
+            <a:endParaRPr lang="en-US" altLang="ja-JP" sz="7200" b="0" dirty="0" smtClean="0">
+              <a:solidFill>
+                <a:srgbClr val="000000"/>
+              </a:solidFill>
+              <a:latin typeface="+mn-ea"/>
+              <a:ea typeface="+mn-ea"/>
+              <a:cs typeface="ＭＳ 明朝"/>
+            </a:endParaRPr>
+          </a:p>
+          <a:p>
+            <a:r>
+              <a:rPr lang="ja-JP" altLang="en-US" sz="7200" b="0" dirty="0" smtClean="0">
+                <a:solidFill>
+                  <a:srgbClr val="000000"/>
+                </a:solidFill>
+                <a:latin typeface="+mn-ea"/>
+                <a:ea typeface="+mn-ea"/>
+                <a:cs typeface="ＭＳ 明朝"/>
+              </a:rPr>
+              <a:t>というリクエストを</a:t>
+            </a:r>
+            <a:endParaRPr lang="en-US" altLang="ja-JP" sz="7200" b="0" dirty="0" smtClean="0">
+              <a:solidFill>
+                <a:srgbClr val="000000"/>
+              </a:solidFill>
+              <a:latin typeface="+mn-ea"/>
+              <a:ea typeface="+mn-ea"/>
+              <a:cs typeface="ＭＳ 明朝"/>
+            </a:endParaRPr>
+          </a:p>
+          <a:p>
+            <a:r>
+              <a:rPr lang="ja-JP" altLang="en-US" sz="7200" b="0" dirty="0" smtClean="0">
+                <a:solidFill>
+                  <a:srgbClr val="000000"/>
+                </a:solidFill>
+                <a:latin typeface="+mn-ea"/>
+                <a:ea typeface="+mn-ea"/>
+                <a:cs typeface="ＭＳ 明朝"/>
+              </a:rPr>
+              <a:t>いただきました。</a:t>
+            </a:r>
+            <a:endParaRPr lang="en-US" altLang="ja-JP" sz="7200" b="0" dirty="0" smtClean="0">
               <a:solidFill>
                 <a:srgbClr val="000000"/>
               </a:solidFill>
@@ -29522,7 +31921,7 @@
     </p:spTree>
     <p:extLst>
       <p:ext uri="{BB962C8B-B14F-4D97-AF65-F5344CB8AC3E}">
-        <p14:creationId xmlns:p14="http://schemas.microsoft.com/office/powerpoint/2010/main" val="2727676713"/>
+        <p14:creationId xmlns:p14="http://schemas.microsoft.com/office/powerpoint/2010/main" val="3752741527"/>
       </p:ext>
     </p:extLst>
   </p:cSld>
@@ -29566,8 +31965,8 @@
         </p:nvSpPr>
         <p:spPr>
           <a:xfrm>
-            <a:off x="107504" y="584684"/>
-            <a:ext cx="8928992" cy="5688632"/>
+            <a:off x="53752" y="1192412"/>
+            <a:ext cx="9036496" cy="4473176"/>
           </a:xfrm>
           <a:prstGeom prst="rect">
             <a:avLst/>
@@ -29599,39 +31998,29 @@
           </a:lstStyle>
           <a:p>
             <a:r>
-              <a:rPr lang="ja-JP" altLang="en-US" sz="7200" b="0" dirty="0" smtClean="0">
-                <a:solidFill>
-                  <a:schemeClr val="tx1"/>
+              <a:rPr lang="ja-JP" altLang="en-US" sz="9600" b="0" dirty="0" smtClean="0">
+                <a:solidFill>
+                  <a:srgbClr val="000000"/>
                 </a:solidFill>
                 <a:latin typeface="+mn-ea"/>
                 <a:ea typeface="+mn-ea"/>
                 <a:cs typeface="ＭＳ 明朝"/>
               </a:rPr>
-              <a:t>某プロジェクトから、</a:t>
-            </a:r>
-            <a:endParaRPr lang="en-US" altLang="ja-JP" sz="7200" b="0" dirty="0" smtClean="0">
-              <a:solidFill>
-                <a:schemeClr val="tx1"/>
-              </a:solidFill>
-              <a:latin typeface="+mn-ea"/>
-              <a:ea typeface="+mn-ea"/>
-              <a:cs typeface="ＭＳ 明朝"/>
-            </a:endParaRPr>
-          </a:p>
-          <a:p>
-            <a:r>
-              <a:rPr lang="ja-JP" altLang="en-US" sz="7200" b="0" dirty="0" smtClean="0">
-                <a:solidFill>
-                  <a:srgbClr val="BF0000"/>
+              <a:t>私の</a:t>
+            </a:r>
+            <a:r>
+              <a:rPr lang="ja-JP" altLang="en-US" sz="9600" b="0" dirty="0" smtClean="0">
+                <a:solidFill>
+                  <a:schemeClr val="accent1"/>
                 </a:solidFill>
                 <a:latin typeface="+mn-ea"/>
                 <a:ea typeface="+mn-ea"/>
                 <a:cs typeface="ＭＳ 明朝"/>
               </a:rPr>
-              <a:t>アジャイルコーチ</a:t>
-            </a:r>
-            <a:r>
-              <a:rPr lang="ja-JP" altLang="en-US" sz="7200" b="0" dirty="0" smtClean="0">
+              <a:t>目</a:t>
+            </a:r>
+            <a:r>
+              <a:rPr lang="ja-JP" altLang="en-US" sz="9600" b="0" dirty="0" smtClean="0">
                 <a:solidFill>
                   <a:srgbClr val="000000"/>
                 </a:solidFill>
@@ -29639,9 +32028,9 @@
                 <a:ea typeface="+mn-ea"/>
                 <a:cs typeface="ＭＳ 明朝"/>
               </a:rPr>
-              <a:t>として</a:t>
-            </a:r>
-            <a:endParaRPr lang="en-US" altLang="ja-JP" sz="7200" b="0" dirty="0" smtClean="0">
+              <a:t>から見た</a:t>
+            </a:r>
+            <a:endParaRPr lang="en-US" altLang="ja-JP" sz="9600" b="0" dirty="0" smtClean="0">
               <a:solidFill>
                 <a:srgbClr val="000000"/>
               </a:solidFill>
@@ -29652,7 +32041,7 @@
           </a:p>
           <a:p>
             <a:r>
-              <a:rPr lang="ja-JP" altLang="en-US" sz="7200" b="0" dirty="0" smtClean="0">
+              <a:rPr lang="ja-JP" altLang="en-US" sz="9600" b="0" dirty="0" smtClean="0">
                 <a:solidFill>
                   <a:srgbClr val="000000"/>
                 </a:solidFill>
@@ -29660,51 +32049,9 @@
                 <a:ea typeface="+mn-ea"/>
                 <a:cs typeface="ＭＳ 明朝"/>
               </a:rPr>
-              <a:t>サポートして欲しい</a:t>
-            </a:r>
-            <a:endParaRPr lang="en-US" altLang="ja-JP" sz="7200" b="0" dirty="0" smtClean="0">
-              <a:solidFill>
-                <a:srgbClr val="000000"/>
-              </a:solidFill>
-              <a:latin typeface="+mn-ea"/>
-              <a:ea typeface="+mn-ea"/>
-              <a:cs typeface="ＭＳ 明朝"/>
-            </a:endParaRPr>
-          </a:p>
-          <a:p>
-            <a:r>
-              <a:rPr lang="ja-JP" altLang="en-US" sz="7200" b="0" dirty="0" smtClean="0">
-                <a:solidFill>
-                  <a:srgbClr val="000000"/>
-                </a:solidFill>
-                <a:latin typeface="+mn-ea"/>
-                <a:ea typeface="+mn-ea"/>
-                <a:cs typeface="ＭＳ 明朝"/>
-              </a:rPr>
-              <a:t>というリクエストを</a:t>
-            </a:r>
-            <a:endParaRPr lang="en-US" altLang="ja-JP" sz="7200" b="0" dirty="0" smtClean="0">
-              <a:solidFill>
-                <a:srgbClr val="000000"/>
-              </a:solidFill>
-              <a:latin typeface="+mn-ea"/>
-              <a:ea typeface="+mn-ea"/>
-              <a:cs typeface="ＭＳ 明朝"/>
-            </a:endParaRPr>
-          </a:p>
-          <a:p>
-            <a:r>
-              <a:rPr lang="ja-JP" altLang="en-US" sz="7200" b="0" dirty="0" smtClean="0">
-                <a:solidFill>
-                  <a:srgbClr val="000000"/>
-                </a:solidFill>
-                <a:latin typeface="+mn-ea"/>
-                <a:ea typeface="+mn-ea"/>
-                <a:cs typeface="ＭＳ 明朝"/>
-              </a:rPr>
-              <a:t>いただきました。</a:t>
-            </a:r>
-            <a:endParaRPr lang="en-US" altLang="ja-JP" sz="7200" b="0" dirty="0" smtClean="0">
+              <a:t>チーム状況</a:t>
+            </a:r>
+            <a:endParaRPr lang="en-US" altLang="ja-JP" sz="9600" b="0" dirty="0" smtClean="0">
               <a:solidFill>
                 <a:srgbClr val="000000"/>
               </a:solidFill>
@@ -29718,7 +32065,7 @@
     </p:spTree>
     <p:extLst>
       <p:ext uri="{BB962C8B-B14F-4D97-AF65-F5344CB8AC3E}">
-        <p14:creationId xmlns:p14="http://schemas.microsoft.com/office/powerpoint/2010/main" val="3752741527"/>
+        <p14:creationId xmlns:p14="http://schemas.microsoft.com/office/powerpoint/2010/main" val="4029237450"/>
       </p:ext>
     </p:extLst>
   </p:cSld>
@@ -29762,8 +32109,8 @@
         </p:nvSpPr>
         <p:spPr>
           <a:xfrm>
-            <a:off x="53752" y="1192412"/>
-            <a:ext cx="9036496" cy="4473176"/>
+            <a:off x="179512" y="1192412"/>
+            <a:ext cx="8784976" cy="4473176"/>
           </a:xfrm>
           <a:prstGeom prst="rect">
             <a:avLst/>
@@ -29794,8 +32141,13 @@
             </a:lvl1pPr>
           </a:lstStyle>
           <a:p>
-            <a:r>
-              <a:rPr lang="ja-JP" altLang="en-US" sz="9600" b="0" dirty="0" smtClean="0">
+            <a:pPr algn="l">
+              <a:spcBef>
+                <a:spcPts val="0"/>
+              </a:spcBef>
+            </a:pPr>
+            <a:r>
+              <a:rPr kumimoji="0" lang="en-US" altLang="ja-JP" sz="4400" b="0" kern="0" dirty="0" smtClean="0">
                 <a:solidFill>
                   <a:srgbClr val="000000"/>
                 </a:solidFill>
@@ -29803,21 +32155,21 @@
                 <a:ea typeface="+mn-ea"/>
                 <a:cs typeface="ＭＳ 明朝"/>
               </a:rPr>
-              <a:t>私の</a:t>
-            </a:r>
-            <a:r>
-              <a:rPr lang="ja-JP" altLang="en-US" sz="9600" b="0" dirty="0" smtClean="0">
-                <a:solidFill>
-                  <a:schemeClr val="accent1"/>
+              <a:t>1) </a:t>
+            </a:r>
+            <a:r>
+              <a:rPr kumimoji="0" lang="ja-JP" altLang="en-US" sz="4400" b="0" kern="0" dirty="0" smtClean="0">
+                <a:solidFill>
+                  <a:srgbClr val="000000"/>
                 </a:solidFill>
                 <a:latin typeface="+mn-ea"/>
                 <a:ea typeface="+mn-ea"/>
                 <a:cs typeface="ＭＳ 明朝"/>
               </a:rPr>
-              <a:t>目</a:t>
-            </a:r>
-            <a:r>
-              <a:rPr lang="ja-JP" altLang="en-US" sz="9600" b="0" dirty="0" smtClean="0">
+              <a:t>スクラム</a:t>
+            </a:r>
+            <a:r>
+              <a:rPr kumimoji="0" lang="ja-JP" altLang="en-US" sz="4400" b="0" kern="0" dirty="0">
                 <a:solidFill>
                   <a:srgbClr val="000000"/>
                 </a:solidFill>
@@ -29825,9 +32177,20 @@
                 <a:ea typeface="+mn-ea"/>
                 <a:cs typeface="ＭＳ 明朝"/>
               </a:rPr>
-              <a:t>から見た</a:t>
-            </a:r>
-            <a:endParaRPr lang="en-US" altLang="ja-JP" sz="9600" b="0" dirty="0" smtClean="0">
+              <a:t>を</a:t>
+            </a:r>
+            <a:r>
+              <a:rPr kumimoji="0" lang="ja-JP" altLang="en-US" sz="4400" b="0" kern="0" dirty="0" smtClean="0">
+                <a:solidFill>
+                  <a:srgbClr val="000000"/>
+                </a:solidFill>
+                <a:latin typeface="+mn-ea"/>
+                <a:ea typeface="+mn-ea"/>
+                <a:cs typeface="ＭＳ 明朝"/>
+              </a:rPr>
+              <a:t>採用することにしたが、</a:t>
+            </a:r>
+            <a:endParaRPr kumimoji="0" lang="en-US" altLang="ja-JP" sz="4400" b="0" kern="0" dirty="0">
               <a:solidFill>
                 <a:srgbClr val="000000"/>
               </a:solidFill>
@@ -29837,8 +32200,13 @@
             </a:endParaRPr>
           </a:p>
           <a:p>
-            <a:r>
-              <a:rPr lang="ja-JP" altLang="en-US" sz="9600" b="0" dirty="0" smtClean="0">
+            <a:pPr indent="536575" algn="l">
+              <a:spcBef>
+                <a:spcPts val="0"/>
+              </a:spcBef>
+            </a:pPr>
+            <a:r>
+              <a:rPr kumimoji="0" lang="ja-JP" altLang="en-US" sz="4400" b="0" kern="0" dirty="0" smtClean="0">
                 <a:solidFill>
                   <a:srgbClr val="000000"/>
                 </a:solidFill>
@@ -29846,11 +32214,33 @@
                 <a:ea typeface="+mn-ea"/>
                 <a:cs typeface="ＭＳ 明朝"/>
               </a:rPr>
-              <a:t>チーム状況</a:t>
-            </a:r>
-            <a:endParaRPr lang="en-US" altLang="ja-JP" sz="9600" b="0" dirty="0" smtClean="0">
+              <a:t>アジャイル・</a:t>
+            </a:r>
+            <a:r>
+              <a:rPr kumimoji="0" lang="ja-JP" altLang="en-US" sz="4400" b="0" kern="0" dirty="0">
+                <a:solidFill>
+                  <a:srgbClr val="000000"/>
+                </a:solidFill>
+                <a:latin typeface="+mn-ea"/>
+                <a:ea typeface="+mn-ea"/>
+                <a:cs typeface="ＭＳ 明朝"/>
+              </a:rPr>
+              <a:t>スクラム経験者は</a:t>
+            </a:r>
+            <a:r>
+              <a:rPr kumimoji="0" lang="ja-JP" altLang="en-US" sz="4400" b="0" kern="0" dirty="0" smtClean="0">
+                <a:solidFill>
+                  <a:srgbClr val="BF0000"/>
+                </a:solidFill>
+                <a:latin typeface="+mn-ea"/>
+                <a:ea typeface="+mn-ea"/>
+                <a:cs typeface="ＭＳ 明朝"/>
+              </a:rPr>
+              <a:t>ゼロ</a:t>
+            </a:r>
+            <a:endParaRPr kumimoji="0" lang="ja-JP" altLang="en-US" sz="4400" b="0" kern="0" dirty="0">
               <a:solidFill>
-                <a:srgbClr val="000000"/>
+                <a:srgbClr val="BF0000"/>
               </a:solidFill>
               <a:latin typeface="+mn-ea"/>
               <a:ea typeface="+mn-ea"/>
@@ -29862,7 +32252,7 @@
     </p:spTree>
     <p:extLst>
       <p:ext uri="{BB962C8B-B14F-4D97-AF65-F5344CB8AC3E}">
-        <p14:creationId xmlns:p14="http://schemas.microsoft.com/office/powerpoint/2010/main" val="4029237450"/>
+        <p14:creationId xmlns:p14="http://schemas.microsoft.com/office/powerpoint/2010/main" val="2495657841"/>
       </p:ext>
     </p:extLst>
   </p:cSld>
@@ -29952,7 +32342,7 @@
                 <a:ea typeface="+mn-ea"/>
                 <a:cs typeface="ＭＳ 明朝"/>
               </a:rPr>
-              <a:t>1) </a:t>
+              <a:t>2) </a:t>
             </a:r>
             <a:r>
               <a:rPr kumimoji="0" lang="ja-JP" altLang="en-US" sz="4400" b="0" kern="0" dirty="0" smtClean="0">
@@ -29963,33 +32353,22 @@
                 <a:ea typeface="+mn-ea"/>
                 <a:cs typeface="ＭＳ 明朝"/>
               </a:rPr>
-              <a:t>スクラム</a:t>
-            </a:r>
-            <a:r>
-              <a:rPr kumimoji="0" lang="ja-JP" altLang="en-US" sz="4400" b="0" kern="0" dirty="0">
-                <a:solidFill>
-                  <a:srgbClr val="000000"/>
+              <a:t>レガシーコードの</a:t>
+            </a:r>
+            <a:r>
+              <a:rPr kumimoji="0" lang="ja-JP" altLang="en-US" sz="4400" b="0" kern="0" dirty="0" smtClean="0">
+                <a:solidFill>
+                  <a:srgbClr val="BF0000"/>
                 </a:solidFill>
                 <a:latin typeface="+mn-ea"/>
                 <a:ea typeface="+mn-ea"/>
                 <a:cs typeface="ＭＳ 明朝"/>
               </a:rPr>
-              <a:t>を</a:t>
-            </a:r>
-            <a:r>
-              <a:rPr kumimoji="0" lang="ja-JP" altLang="en-US" sz="4400" b="0" kern="0" dirty="0" smtClean="0">
-                <a:solidFill>
-                  <a:srgbClr val="000000"/>
-                </a:solidFill>
-                <a:latin typeface="+mn-ea"/>
-                <a:ea typeface="+mn-ea"/>
-                <a:cs typeface="ＭＳ 明朝"/>
-              </a:rPr>
-              <a:t>採用することにしたが、</a:t>
+              <a:t>エンハンス</a:t>
             </a:r>
             <a:endParaRPr kumimoji="0" lang="en-US" altLang="ja-JP" sz="4400" b="0" kern="0" dirty="0">
               <a:solidFill>
-                <a:srgbClr val="000000"/>
+                <a:srgbClr val="BF0000"/>
               </a:solidFill>
               <a:latin typeface="+mn-ea"/>
               <a:ea typeface="+mn-ea"/>
@@ -29997,13 +32376,13 @@
             </a:endParaRPr>
           </a:p>
           <a:p>
-            <a:pPr indent="536575" algn="l">
+            <a:pPr indent="620713" algn="l">
               <a:spcBef>
                 <a:spcPts val="0"/>
               </a:spcBef>
             </a:pPr>
             <a:r>
-              <a:rPr kumimoji="0" lang="ja-JP" altLang="en-US" sz="4400" b="0" kern="0" dirty="0" smtClean="0">
+              <a:rPr kumimoji="0" lang="en-US" altLang="ja-JP" sz="4400" b="0" kern="0" dirty="0" smtClean="0">
                 <a:solidFill>
                   <a:srgbClr val="000000"/>
                 </a:solidFill>
@@ -30011,10 +32390,10 @@
                 <a:ea typeface="+mn-ea"/>
                 <a:cs typeface="ＭＳ 明朝"/>
               </a:rPr>
-              <a:t>アジャイル・</a:t>
-            </a:r>
-            <a:r>
-              <a:rPr kumimoji="0" lang="ja-JP" altLang="en-US" sz="4400" b="0" kern="0" dirty="0">
+              <a:t>※</a:t>
+            </a:r>
+            <a:r>
+              <a:rPr kumimoji="0" lang="ja-JP" altLang="en-US" sz="4400" b="0" kern="0" dirty="0" smtClean="0">
                 <a:solidFill>
                   <a:srgbClr val="000000"/>
                 </a:solidFill>
@@ -30022,22 +32401,11 @@
                 <a:ea typeface="+mn-ea"/>
                 <a:cs typeface="ＭＳ 明朝"/>
               </a:rPr>
-              <a:t>スクラム経験者は</a:t>
-            </a:r>
-            <a:r>
-              <a:rPr kumimoji="0" lang="ja-JP" altLang="en-US" sz="4400" b="0" kern="0" dirty="0" smtClean="0">
-                <a:solidFill>
-                  <a:srgbClr val="BF0000"/>
-                </a:solidFill>
-                <a:latin typeface="+mn-ea"/>
-                <a:ea typeface="+mn-ea"/>
-                <a:cs typeface="ＭＳ 明朝"/>
-              </a:rPr>
-              <a:t>ゼロ</a:t>
+              <a:t>自動テストなどない</a:t>
             </a:r>
             <a:endParaRPr kumimoji="0" lang="ja-JP" altLang="en-US" sz="4400" b="0" kern="0" dirty="0">
               <a:solidFill>
-                <a:srgbClr val="BF0000"/>
+                <a:srgbClr val="000000"/>
               </a:solidFill>
               <a:latin typeface="+mn-ea"/>
               <a:ea typeface="+mn-ea"/>
@@ -30049,7 +32417,7 @@
     </p:spTree>
     <p:extLst>
       <p:ext uri="{BB962C8B-B14F-4D97-AF65-F5344CB8AC3E}">
-        <p14:creationId xmlns:p14="http://schemas.microsoft.com/office/powerpoint/2010/main" val="2495657841"/>
+        <p14:creationId xmlns:p14="http://schemas.microsoft.com/office/powerpoint/2010/main" val="3030580250"/>
       </p:ext>
     </p:extLst>
   </p:cSld>
@@ -30671,9 +33039,12 @@
 </file>
 
 <file path=customXml/item1.xml><?xml version="1.0" encoding="utf-8"?>
-<p:properties xmlns:p="http://schemas.microsoft.com/office/2006/metadata/properties" xmlns:xsi="http://www.w3.org/2001/XMLSchema-instance">
-  <documentManagement/>
-</p:properties>
+<?mso-contentType ?>
+<FormTemplates xmlns="http://schemas.microsoft.com/sharepoint/v3/contenttype/forms">
+  <Display>DocumentLibraryForm</Display>
+  <Edit>DocumentLibraryForm</Edit>
+  <New>DocumentLibraryForm</New>
+</FormTemplates>
 </file>
 
 <file path=customXml/item2.xml><?xml version="1.0" encoding="utf-8"?>
@@ -30726,24 +33097,15 @@
 </file>
 
 <file path=customXml/item3.xml><?xml version="1.0" encoding="utf-8"?>
-<?mso-contentType ?>
-<FormTemplates xmlns="http://schemas.microsoft.com/sharepoint/v3/contenttype/forms">
-  <Display>DocumentLibraryForm</Display>
-  <Edit>DocumentLibraryForm</Edit>
-  <New>DocumentLibraryForm</New>
-</FormTemplates>
+<p:properties xmlns:p="http://schemas.microsoft.com/office/2006/metadata/properties" xmlns:xsi="http://www.w3.org/2001/XMLSchema-instance">
+  <documentManagement/>
+</p:properties>
 </file>
 
 <file path=customXml/itemProps1.xml><?xml version="1.0" encoding="utf-8"?>
-<ds:datastoreItem xmlns:ds="http://schemas.openxmlformats.org/officeDocument/2006/customXml" ds:itemID="{E52D75E9-7A55-4E2A-89EF-D6493A63AB07}">
+<ds:datastoreItem xmlns:ds="http://schemas.openxmlformats.org/officeDocument/2006/customXml" ds:itemID="{564C25D7-D27D-47E0-8384-6126C745CB52}">
   <ds:schemaRefs>
-    <ds:schemaRef ds:uri="http://schemas.microsoft.com/office/2006/metadata/properties"/>
-    <ds:schemaRef ds:uri="http://purl.org/dc/dcmitype/"/>
-    <ds:schemaRef ds:uri="http://www.w3.org/XML/1998/namespace"/>
-    <ds:schemaRef ds:uri="http://purl.org/dc/elements/1.1/"/>
-    <ds:schemaRef ds:uri="http://schemas.microsoft.com/office/2006/documentManagement/types"/>
-    <ds:schemaRef ds:uri="http://schemas.openxmlformats.org/package/2006/metadata/core-properties"/>
-    <ds:schemaRef ds:uri="http://purl.org/dc/terms/"/>
+    <ds:schemaRef ds:uri="http://schemas.microsoft.com/sharepoint/v3/contenttype/forms"/>
   </ds:schemaRefs>
 </ds:datastoreItem>
 </file>
@@ -30764,9 +33126,15 @@
 </file>
 
 <file path=customXml/itemProps3.xml><?xml version="1.0" encoding="utf-8"?>
-<ds:datastoreItem xmlns:ds="http://schemas.openxmlformats.org/officeDocument/2006/customXml" ds:itemID="{564C25D7-D27D-47E0-8384-6126C745CB52}">
+<ds:datastoreItem xmlns:ds="http://schemas.openxmlformats.org/officeDocument/2006/customXml" ds:itemID="{E52D75E9-7A55-4E2A-89EF-D6493A63AB07}">
   <ds:schemaRefs>
-    <ds:schemaRef ds:uri="http://schemas.microsoft.com/sharepoint/v3/contenttype/forms"/>
+    <ds:schemaRef ds:uri="http://purl.org/dc/elements/1.1/"/>
+    <ds:schemaRef ds:uri="http://purl.org/dc/dcmitype/"/>
+    <ds:schemaRef ds:uri="http://www.w3.org/XML/1998/namespace"/>
+    <ds:schemaRef ds:uri="http://purl.org/dc/terms/"/>
+    <ds:schemaRef ds:uri="http://schemas.microsoft.com/office/2006/documentManagement/types"/>
+    <ds:schemaRef ds:uri="http://schemas.microsoft.com/office/2006/metadata/properties"/>
+    <ds:schemaRef ds:uri="http://schemas.openxmlformats.org/package/2006/metadata/core-properties"/>
   </ds:schemaRefs>
 </ds:datastoreItem>
 </file>
--- a/presentations/TechnologyDrivenDevelopment.pptx
+++ b/presentations/TechnologyDrivenDevelopment.pptx
@@ -10,25 +10,25 @@
   <p:sldIdLst>
     <p:sldId id="498" r:id="rId5"/>
     <p:sldId id="475" r:id="rId6"/>
-    <p:sldId id="480" r:id="rId7"/>
-    <p:sldId id="705" r:id="rId8"/>
-    <p:sldId id="694" r:id="rId9"/>
-    <p:sldId id="695" r:id="rId10"/>
-    <p:sldId id="696" r:id="rId11"/>
-    <p:sldId id="697" r:id="rId12"/>
-    <p:sldId id="698" r:id="rId13"/>
-    <p:sldId id="699" r:id="rId14"/>
-    <p:sldId id="700" r:id="rId15"/>
-    <p:sldId id="701" r:id="rId16"/>
-    <p:sldId id="702" r:id="rId17"/>
-    <p:sldId id="703" r:id="rId18"/>
-    <p:sldId id="704" r:id="rId19"/>
-    <p:sldId id="522" r:id="rId20"/>
-    <p:sldId id="619" r:id="rId21"/>
-    <p:sldId id="706" r:id="rId22"/>
-    <p:sldId id="686" r:id="rId23"/>
-    <p:sldId id="346" r:id="rId24"/>
-    <p:sldId id="635" r:id="rId25"/>
+    <p:sldId id="712" r:id="rId7"/>
+    <p:sldId id="713" r:id="rId8"/>
+    <p:sldId id="480" r:id="rId9"/>
+    <p:sldId id="705" r:id="rId10"/>
+    <p:sldId id="694" r:id="rId11"/>
+    <p:sldId id="695" r:id="rId12"/>
+    <p:sldId id="696" r:id="rId13"/>
+    <p:sldId id="697" r:id="rId14"/>
+    <p:sldId id="698" r:id="rId15"/>
+    <p:sldId id="699" r:id="rId16"/>
+    <p:sldId id="700" r:id="rId17"/>
+    <p:sldId id="701" r:id="rId18"/>
+    <p:sldId id="702" r:id="rId19"/>
+    <p:sldId id="703" r:id="rId20"/>
+    <p:sldId id="704" r:id="rId21"/>
+    <p:sldId id="522" r:id="rId22"/>
+    <p:sldId id="619" r:id="rId23"/>
+    <p:sldId id="706" r:id="rId24"/>
+    <p:sldId id="711" r:id="rId25"/>
     <p:sldId id="707" r:id="rId26"/>
     <p:sldId id="690" r:id="rId27"/>
     <p:sldId id="691" r:id="rId28"/>
@@ -1949,33 +1949,10 @@
           <a:lstStyle/>
           <a:p>
             <a:r>
-              <a:rPr kumimoji="1" lang="en-US" altLang="ja-JP" baseline="0" dirty="0" smtClean="0"/>
-              <a:t>Here is this session’s agenda.</a:t>
-            </a:r>
-          </a:p>
-          <a:p>
-            <a:r>
-              <a:rPr kumimoji="1" lang="en-US" altLang="ja-JP" baseline="0" dirty="0" smtClean="0"/>
-              <a:t>At first, I will talk about the conditions and the challenges of my project.</a:t>
-            </a:r>
-          </a:p>
-          <a:p>
-            <a:r>
-              <a:rPr kumimoji="1" lang="en-US" altLang="ja-JP" baseline="0" dirty="0" smtClean="0"/>
-              <a:t>Next, I will explain the 3 approaches, CI/CD, TDD, and BDD.</a:t>
-            </a:r>
-          </a:p>
-          <a:p>
-            <a:r>
-              <a:rPr kumimoji="1" lang="en-US" altLang="ja-JP" baseline="0" dirty="0" smtClean="0"/>
-              <a:t>After that, I will talk about the problems, possibilities, and the future of Technology-Driven Development.</a:t>
-            </a:r>
-          </a:p>
-          <a:p>
-            <a:r>
-              <a:rPr kumimoji="1" lang="en-US" altLang="ja-JP" baseline="0" dirty="0" smtClean="0"/>
-              <a:t>At last I will conclude this report.</a:t>
-            </a:r>
+              <a:rPr kumimoji="1" lang="ja-JP" altLang="en-US" dirty="0" smtClean="0"/>
+              <a:t>また今の時代、現場を戦い抜くためには、自動化ツールをあらゆる局面で最大限に活用していくことが重要です。</a:t>
+            </a:r>
+            <a:endParaRPr kumimoji="1" lang="en-US" altLang="ja-JP" dirty="0" smtClean="0"/>
           </a:p>
         </p:txBody>
       </p:sp>
@@ -2005,7 +1982,7 @@
     </p:spTree>
     <p:extLst>
       <p:ext uri="{BB962C8B-B14F-4D97-AF65-F5344CB8AC3E}">
-        <p14:creationId xmlns:p14="http://schemas.microsoft.com/office/powerpoint/2010/main" val="4222455853"/>
+        <p14:creationId xmlns:p14="http://schemas.microsoft.com/office/powerpoint/2010/main" val="2965438642"/>
       </p:ext>
     </p:extLst>
   </p:cSld>
@@ -2059,27 +2036,11 @@
           <a:bodyPr/>
           <a:lstStyle/>
           <a:p>
-            <a:pPr marL="0" marR="0" indent="0" algn="l" defTabSz="914400" rtl="0" eaLnBrk="1" fontAlgn="auto" latinLnBrk="0" hangingPunct="1">
-              <a:lnSpc>
-                <a:spcPct val="100000"/>
-              </a:lnSpc>
-              <a:spcBef>
-                <a:spcPts val="0"/>
-              </a:spcBef>
-              <a:spcAft>
-                <a:spcPts val="0"/>
-              </a:spcAft>
-              <a:buClrTx/>
-              <a:buSzTx/>
-              <a:buFontTx/>
-              <a:buNone/>
-              <a:tabLst/>
-              <a:defRPr/>
-            </a:pPr>
-            <a:r>
-              <a:rPr kumimoji="1" lang="en-US" altLang="ja-JP" baseline="0" dirty="0" smtClean="0"/>
-              <a:t>At first, I will talk about the conditions and the challenges of my project.</a:t>
-            </a:r>
+            <a:r>
+              <a:rPr kumimoji="1" lang="ja-JP" altLang="en-US" dirty="0" smtClean="0"/>
+              <a:t>また今の時代、現場を戦い抜くためには、自動化ツールをあらゆる局面で最大限に活用していくことが重要です。</a:t>
+            </a:r>
+            <a:endParaRPr kumimoji="1" lang="en-US" altLang="ja-JP" dirty="0" smtClean="0"/>
           </a:p>
         </p:txBody>
       </p:sp>
@@ -2109,7 +2070,7 @@
     </p:spTree>
     <p:extLst>
       <p:ext uri="{BB962C8B-B14F-4D97-AF65-F5344CB8AC3E}">
-        <p14:creationId xmlns:p14="http://schemas.microsoft.com/office/powerpoint/2010/main" val="4222455853"/>
+        <p14:creationId xmlns:p14="http://schemas.microsoft.com/office/powerpoint/2010/main" val="2965438642"/>
       </p:ext>
     </p:extLst>
   </p:cSld>
@@ -2163,147 +2124,34 @@
           <a:bodyPr/>
           <a:lstStyle/>
           <a:p>
-            <a:pPr marL="0" indent="0" algn="l">
-              <a:buFont typeface="Arial" panose="020B0604020202020204" pitchFamily="34" charset="0"/>
-              <a:buNone/>
-            </a:pPr>
-            <a:r>
-              <a:rPr lang="ja-JP" altLang="en-US" b="0" dirty="0" smtClean="0">
-                <a:solidFill>
-                  <a:srgbClr val="000000"/>
-                </a:solidFill>
-                <a:latin typeface="+mn-ea"/>
-              </a:rPr>
-              <a:t>私が支援したチームは、大きく３種類のメンバーで構成されていました。</a:t>
-            </a:r>
-            <a:endParaRPr lang="en-US" altLang="ja-JP" b="0" dirty="0" smtClean="0">
-              <a:solidFill>
-                <a:srgbClr val="000000"/>
-              </a:solidFill>
-              <a:latin typeface="+mn-ea"/>
-            </a:endParaRPr>
+            <a:r>
+              <a:rPr kumimoji="1" lang="en-US" altLang="ja-JP" baseline="0" dirty="0" smtClean="0"/>
+              <a:t>Here is this session’s agenda.</a:t>
+            </a:r>
           </a:p>
           <a:p>
-            <a:pPr marL="171450" indent="-171450" algn="l">
-              <a:buFont typeface="Arial" panose="020B0604020202020204" pitchFamily="34" charset="0"/>
-              <a:buChar char="•"/>
-            </a:pPr>
-            <a:r>
-              <a:rPr lang="ja-JP" altLang="en-US" b="0" dirty="0" smtClean="0">
-                <a:solidFill>
-                  <a:srgbClr val="000000"/>
-                </a:solidFill>
-                <a:latin typeface="+mn-ea"/>
-              </a:rPr>
-              <a:t>まず、売上などの営業的観点からプロダクトの方向性を決める「ビジネスアナリスト」</a:t>
-            </a:r>
-            <a:endParaRPr lang="en-US" altLang="ja-JP" b="0" dirty="0" smtClean="0">
-              <a:solidFill>
-                <a:srgbClr val="000000"/>
-              </a:solidFill>
-              <a:latin typeface="+mn-ea"/>
-            </a:endParaRPr>
+            <a:r>
+              <a:rPr kumimoji="1" lang="en-US" altLang="ja-JP" baseline="0" dirty="0" smtClean="0"/>
+              <a:t>At first, I will talk about the conditions and the challenges of my project.</a:t>
+            </a:r>
           </a:p>
           <a:p>
-            <a:pPr marL="171450" indent="-171450" algn="l">
-              <a:buFont typeface="Arial" panose="020B0604020202020204" pitchFamily="34" charset="0"/>
-              <a:buChar char="•"/>
-            </a:pPr>
-            <a:r>
-              <a:rPr lang="ja-JP" altLang="en-US" b="0" dirty="0" smtClean="0">
-                <a:solidFill>
-                  <a:srgbClr val="000000"/>
-                </a:solidFill>
-                <a:latin typeface="+mn-ea"/>
-              </a:rPr>
-              <a:t>次に、見栄えや操作性の観点からプロダクトの方向性を決める「</a:t>
-            </a:r>
-            <a:r>
-              <a:rPr lang="en-US" altLang="ja-JP" b="0" dirty="0" smtClean="0">
-                <a:solidFill>
-                  <a:srgbClr val="000000"/>
-                </a:solidFill>
-                <a:latin typeface="+mn-ea"/>
-              </a:rPr>
-              <a:t>UI/UX </a:t>
-            </a:r>
-            <a:r>
-              <a:rPr lang="ja-JP" altLang="en-US" b="0" dirty="0" smtClean="0">
-                <a:solidFill>
-                  <a:srgbClr val="000000"/>
-                </a:solidFill>
-                <a:latin typeface="+mn-ea"/>
-              </a:rPr>
-              <a:t>デザイナー」</a:t>
-            </a:r>
-            <a:endParaRPr lang="en-US" altLang="ja-JP" b="0" dirty="0" smtClean="0">
-              <a:solidFill>
-                <a:srgbClr val="000000"/>
-              </a:solidFill>
-              <a:latin typeface="+mn-ea"/>
-            </a:endParaRPr>
+            <a:r>
+              <a:rPr kumimoji="1" lang="en-US" altLang="ja-JP" baseline="0" dirty="0" smtClean="0"/>
+              <a:t>Next, I will explain the 3 approaches, CI/CD, TDD, and BDD.</a:t>
+            </a:r>
           </a:p>
           <a:p>
-            <a:pPr marL="171450" indent="-171450" algn="l">
-              <a:buFont typeface="Arial" panose="020B0604020202020204" pitchFamily="34" charset="0"/>
-              <a:buChar char="•"/>
-            </a:pPr>
-            <a:r>
-              <a:rPr lang="ja-JP" altLang="en-US" b="0" dirty="0" smtClean="0">
-                <a:solidFill>
-                  <a:srgbClr val="000000"/>
-                </a:solidFill>
-                <a:latin typeface="+mn-ea"/>
-              </a:rPr>
-              <a:t>そして、開発・テスト・運用を担当する「</a:t>
-            </a:r>
-            <a:r>
-              <a:rPr kumimoji="1" lang="ja-JP" altLang="en-US" sz="1200" dirty="0" smtClean="0"/>
-              <a:t>開発者」</a:t>
-            </a:r>
-            <a:endParaRPr lang="en-US" altLang="ja-JP" b="0" dirty="0" smtClean="0">
-              <a:solidFill>
-                <a:srgbClr val="000000"/>
-              </a:solidFill>
-              <a:latin typeface="+mn-ea"/>
-            </a:endParaRPr>
+            <a:r>
+              <a:rPr kumimoji="1" lang="en-US" altLang="ja-JP" baseline="0" dirty="0" smtClean="0"/>
+              <a:t>After that, I will talk about the problems, possibilities, and the future of Technology-Driven Development.</a:t>
+            </a:r>
           </a:p>
           <a:p>
-            <a:pPr marL="0" indent="0" algn="l">
-              <a:buFont typeface="Arial" panose="020B0604020202020204" pitchFamily="34" charset="0"/>
-              <a:buNone/>
-            </a:pPr>
-            <a:r>
-              <a:rPr lang="ja-JP" altLang="en-US" b="0" dirty="0" smtClean="0">
-                <a:solidFill>
-                  <a:srgbClr val="000000"/>
-                </a:solidFill>
-                <a:latin typeface="+mn-ea"/>
-              </a:rPr>
-              <a:t>私が支援したチームは、全員で１０人前後でした。</a:t>
-            </a:r>
-            <a:endParaRPr lang="en-US" altLang="ja-JP" b="0" dirty="0" smtClean="0">
-              <a:solidFill>
-                <a:srgbClr val="000000"/>
-              </a:solidFill>
-              <a:latin typeface="+mn-ea"/>
-            </a:endParaRPr>
-          </a:p>
-          <a:p>
-            <a:pPr marL="0" indent="0" algn="l">
-              <a:buFont typeface="Arial" panose="020B0604020202020204" pitchFamily="34" charset="0"/>
-              <a:buNone/>
-            </a:pPr>
-            <a:r>
-              <a:rPr lang="ja-JP" altLang="en-US" b="0" dirty="0" smtClean="0">
-                <a:solidFill>
-                  <a:srgbClr val="000000"/>
-                </a:solidFill>
-                <a:latin typeface="+mn-ea"/>
-              </a:rPr>
-              <a:t>私はこのチームに、アジャイルコーチとして参加しました。</a:t>
-            </a:r>
-            <a:endParaRPr kumimoji="1" lang="ja-JP" altLang="en-US" dirty="0"/>
+            <a:r>
+              <a:rPr kumimoji="1" lang="en-US" altLang="ja-JP" baseline="0" dirty="0" smtClean="0"/>
+              <a:t>At last I will conclude this report.</a:t>
+            </a:r>
           </a:p>
         </p:txBody>
       </p:sp>
@@ -2324,7 +2172,7 @@
           <a:p>
             <a:fld id="{0D38E3F1-FAA5-4043-BB02-BBDB9D30AFA5}" type="slidenum">
               <a:rPr kumimoji="1" lang="ja-JP" altLang="en-US" smtClean="0"/>
-              <a:t>16</a:t>
+              <a:t>5</a:t>
             </a:fld>
             <a:endParaRPr kumimoji="1" lang="ja-JP" altLang="en-US" dirty="0"/>
           </a:p>
@@ -2333,7 +2181,7 @@
     </p:spTree>
     <p:extLst>
       <p:ext uri="{BB962C8B-B14F-4D97-AF65-F5344CB8AC3E}">
-        <p14:creationId xmlns:p14="http://schemas.microsoft.com/office/powerpoint/2010/main" val="3097568748"/>
+        <p14:creationId xmlns:p14="http://schemas.microsoft.com/office/powerpoint/2010/main" val="4222455853"/>
       </p:ext>
     </p:extLst>
   </p:cSld>
@@ -2387,98 +2235,27 @@
           <a:bodyPr/>
           <a:lstStyle/>
           <a:p>
-            <a:pPr marL="0" indent="0" algn="l">
-              <a:buFont typeface="Arial" panose="020B0604020202020204" pitchFamily="34" charset="0"/>
+            <a:pPr marL="0" marR="0" indent="0" algn="l" defTabSz="914400" rtl="0" eaLnBrk="1" fontAlgn="auto" latinLnBrk="0" hangingPunct="1">
+              <a:lnSpc>
+                <a:spcPct val="100000"/>
+              </a:lnSpc>
+              <a:spcBef>
+                <a:spcPts val="0"/>
+              </a:spcBef>
+              <a:spcAft>
+                <a:spcPts val="0"/>
+              </a:spcAft>
+              <a:buClrTx/>
+              <a:buSzTx/>
+              <a:buFontTx/>
               <a:buNone/>
+              <a:tabLst/>
+              <a:defRPr/>
             </a:pPr>
             <a:r>
-              <a:rPr kumimoji="1" lang="ja-JP" altLang="en-US" dirty="0" smtClean="0"/>
-              <a:t>次に、具体的なプロダクト開発の進め方についてご説明します</a:t>
-            </a:r>
-            <a:r>
-              <a:rPr kumimoji="1" lang="en-US" altLang="ja-JP" dirty="0" smtClean="0"/>
-              <a:t>…</a:t>
-            </a:r>
-          </a:p>
-          <a:p>
-            <a:pPr marL="0" indent="0" algn="l">
-              <a:buFont typeface="Arial" panose="020B0604020202020204" pitchFamily="34" charset="0"/>
-              <a:buNone/>
-            </a:pPr>
-            <a:r>
-              <a:rPr kumimoji="1" lang="ja-JP" altLang="en-US" dirty="0" smtClean="0"/>
-              <a:t>・まず、プロダクトとして何を作るべきか、ビジネスアナリストや </a:t>
-            </a:r>
-            <a:r>
-              <a:rPr kumimoji="1" lang="en-US" altLang="ja-JP" dirty="0" smtClean="0"/>
-              <a:t>UI/UX </a:t>
-            </a:r>
-            <a:r>
-              <a:rPr kumimoji="1" lang="ja-JP" altLang="en-US" dirty="0" smtClean="0"/>
-              <a:t>デザイナーから要望を募ります。これを「要件定義」と言います</a:t>
-            </a:r>
-            <a:r>
-              <a:rPr kumimoji="1" lang="en-US" altLang="ja-JP" dirty="0" smtClean="0"/>
-              <a:t>…</a:t>
-            </a:r>
-          </a:p>
-          <a:p>
-            <a:pPr marL="0" indent="0" algn="l">
-              <a:buFont typeface="Arial" panose="020B0604020202020204" pitchFamily="34" charset="0"/>
-              <a:buNone/>
-            </a:pPr>
-            <a:r>
-              <a:rPr kumimoji="1" lang="ja-JP" altLang="en-US" dirty="0" smtClean="0"/>
-              <a:t>・次に、要件定義の内容に基づいて、開発者がプログラミングや単体・結合テストを行ないます</a:t>
-            </a:r>
-            <a:r>
-              <a:rPr kumimoji="1" lang="en-US" altLang="ja-JP" dirty="0" smtClean="0"/>
-              <a:t>…</a:t>
-            </a:r>
-          </a:p>
-          <a:p>
-            <a:pPr marL="0" indent="0" algn="l">
-              <a:buFont typeface="Arial" panose="020B0604020202020204" pitchFamily="34" charset="0"/>
-              <a:buNone/>
-            </a:pPr>
-            <a:r>
-              <a:rPr kumimoji="1" lang="ja-JP" altLang="en-US" dirty="0" smtClean="0"/>
-              <a:t>・そして、開発者がつくり上げたプロダクトを、ビジネスアナリストと</a:t>
-            </a:r>
-            <a:r>
-              <a:rPr kumimoji="1" lang="en-US" altLang="ja-JP" dirty="0" smtClean="0"/>
-              <a:t>UI/UX </a:t>
-            </a:r>
-            <a:r>
-              <a:rPr kumimoji="1" lang="ja-JP" altLang="en-US" dirty="0" smtClean="0"/>
-              <a:t>デザイナーが最終確認します</a:t>
-            </a:r>
-            <a:r>
-              <a:rPr kumimoji="1" lang="en-US" altLang="ja-JP" dirty="0" smtClean="0"/>
-              <a:t>…</a:t>
-            </a:r>
-          </a:p>
-          <a:p>
-            <a:pPr marL="0" indent="0" algn="l">
-              <a:buFont typeface="Arial" panose="020B0604020202020204" pitchFamily="34" charset="0"/>
-              <a:buNone/>
-            </a:pPr>
-            <a:r>
-              <a:rPr kumimoji="1" lang="ja-JP" altLang="en-US" dirty="0" smtClean="0"/>
-              <a:t>このサイクルを１ヶ月毎に繰り返すのが、基本的な流れです。</a:t>
-            </a:r>
-            <a:endParaRPr kumimoji="1" lang="en-US" altLang="ja-JP" dirty="0" smtClean="0"/>
-          </a:p>
-          <a:p>
-            <a:pPr marL="0" indent="0" algn="l">
-              <a:buFont typeface="Arial" panose="020B0604020202020204" pitchFamily="34" charset="0"/>
-              <a:buNone/>
-            </a:pPr>
-            <a:r>
-              <a:rPr kumimoji="1" lang="ja-JP" altLang="en-US" dirty="0" smtClean="0"/>
-              <a:t>またこのサイクルを、「スプリント」や「イテレーション」と呼称します。</a:t>
-            </a:r>
-            <a:endParaRPr kumimoji="1" lang="en-US" altLang="ja-JP" dirty="0" smtClean="0"/>
+              <a:rPr kumimoji="1" lang="en-US" altLang="ja-JP" baseline="0" dirty="0" smtClean="0"/>
+              <a:t>At first, I will talk about the conditions and the challenges of my project.</a:t>
+            </a:r>
           </a:p>
         </p:txBody>
       </p:sp>
@@ -2499,7 +2276,7 @@
           <a:p>
             <a:fld id="{0D38E3F1-FAA5-4043-BB02-BBDB9D30AFA5}" type="slidenum">
               <a:rPr kumimoji="1" lang="ja-JP" altLang="en-US" smtClean="0"/>
-              <a:t>17</a:t>
+              <a:t>6</a:t>
             </a:fld>
             <a:endParaRPr kumimoji="1" lang="ja-JP" altLang="en-US" dirty="0"/>
           </a:p>
@@ -2508,7 +2285,7 @@
     </p:spTree>
     <p:extLst>
       <p:ext uri="{BB962C8B-B14F-4D97-AF65-F5344CB8AC3E}">
-        <p14:creationId xmlns:p14="http://schemas.microsoft.com/office/powerpoint/2010/main" val="3097568748"/>
+        <p14:creationId xmlns:p14="http://schemas.microsoft.com/office/powerpoint/2010/main" val="4222455853"/>
       </p:ext>
     </p:extLst>
   </p:cSld>
@@ -2562,22 +2339,147 @@
           <a:bodyPr/>
           <a:lstStyle/>
           <a:p>
-            <a:r>
-              <a:rPr kumimoji="1" lang="en-US" altLang="ja-JP" baseline="0" dirty="0" smtClean="0"/>
-              <a:t>Next, I will explain the 3 approaches, CI/CD, TDD, and BDD.</a:t>
-            </a:r>
+            <a:pPr marL="0" indent="0" algn="l">
+              <a:buFont typeface="Arial" panose="020B0604020202020204" pitchFamily="34" charset="0"/>
+              <a:buNone/>
+            </a:pPr>
+            <a:r>
+              <a:rPr lang="ja-JP" altLang="en-US" b="0" dirty="0" smtClean="0">
+                <a:solidFill>
+                  <a:srgbClr val="000000"/>
+                </a:solidFill>
+                <a:latin typeface="+mn-ea"/>
+              </a:rPr>
+              <a:t>私が支援したチームは、大きく３種類のメンバーで構成されていました。</a:t>
+            </a:r>
+            <a:endParaRPr lang="en-US" altLang="ja-JP" b="0" dirty="0" smtClean="0">
+              <a:solidFill>
+                <a:srgbClr val="000000"/>
+              </a:solidFill>
+              <a:latin typeface="+mn-ea"/>
+            </a:endParaRPr>
           </a:p>
           <a:p>
-            <a:r>
-              <a:rPr kumimoji="1" lang="en-US" altLang="ja-JP" baseline="0" dirty="0" smtClean="0"/>
-              <a:t>After that, I will talk about the problems, possibilities, and the future of Technology-Driven Development.</a:t>
-            </a:r>
+            <a:pPr marL="171450" indent="-171450" algn="l">
+              <a:buFont typeface="Arial" panose="020B0604020202020204" pitchFamily="34" charset="0"/>
+              <a:buChar char="•"/>
+            </a:pPr>
+            <a:r>
+              <a:rPr lang="ja-JP" altLang="en-US" b="0" dirty="0" smtClean="0">
+                <a:solidFill>
+                  <a:srgbClr val="000000"/>
+                </a:solidFill>
+                <a:latin typeface="+mn-ea"/>
+              </a:rPr>
+              <a:t>まず、売上などの営業的観点からプロダクトの方向性を決める「ビジネスアナリスト」</a:t>
+            </a:r>
+            <a:endParaRPr lang="en-US" altLang="ja-JP" b="0" dirty="0" smtClean="0">
+              <a:solidFill>
+                <a:srgbClr val="000000"/>
+              </a:solidFill>
+              <a:latin typeface="+mn-ea"/>
+            </a:endParaRPr>
           </a:p>
           <a:p>
-            <a:r>
-              <a:rPr kumimoji="1" lang="en-US" altLang="ja-JP" baseline="0" dirty="0" smtClean="0"/>
-              <a:t>At last I will conclude this report.</a:t>
-            </a:r>
+            <a:pPr marL="171450" indent="-171450" algn="l">
+              <a:buFont typeface="Arial" panose="020B0604020202020204" pitchFamily="34" charset="0"/>
+              <a:buChar char="•"/>
+            </a:pPr>
+            <a:r>
+              <a:rPr lang="ja-JP" altLang="en-US" b="0" dirty="0" smtClean="0">
+                <a:solidFill>
+                  <a:srgbClr val="000000"/>
+                </a:solidFill>
+                <a:latin typeface="+mn-ea"/>
+              </a:rPr>
+              <a:t>次に、見栄えや操作性の観点からプロダクトの方向性を決める「</a:t>
+            </a:r>
+            <a:r>
+              <a:rPr lang="en-US" altLang="ja-JP" b="0" dirty="0" smtClean="0">
+                <a:solidFill>
+                  <a:srgbClr val="000000"/>
+                </a:solidFill>
+                <a:latin typeface="+mn-ea"/>
+              </a:rPr>
+              <a:t>UI/UX </a:t>
+            </a:r>
+            <a:r>
+              <a:rPr lang="ja-JP" altLang="en-US" b="0" dirty="0" smtClean="0">
+                <a:solidFill>
+                  <a:srgbClr val="000000"/>
+                </a:solidFill>
+                <a:latin typeface="+mn-ea"/>
+              </a:rPr>
+              <a:t>デザイナー」</a:t>
+            </a:r>
+            <a:endParaRPr lang="en-US" altLang="ja-JP" b="0" dirty="0" smtClean="0">
+              <a:solidFill>
+                <a:srgbClr val="000000"/>
+              </a:solidFill>
+              <a:latin typeface="+mn-ea"/>
+            </a:endParaRPr>
+          </a:p>
+          <a:p>
+            <a:pPr marL="171450" indent="-171450" algn="l">
+              <a:buFont typeface="Arial" panose="020B0604020202020204" pitchFamily="34" charset="0"/>
+              <a:buChar char="•"/>
+            </a:pPr>
+            <a:r>
+              <a:rPr lang="ja-JP" altLang="en-US" b="0" dirty="0" smtClean="0">
+                <a:solidFill>
+                  <a:srgbClr val="000000"/>
+                </a:solidFill>
+                <a:latin typeface="+mn-ea"/>
+              </a:rPr>
+              <a:t>そして、開発・テスト・運用を担当する「</a:t>
+            </a:r>
+            <a:r>
+              <a:rPr kumimoji="1" lang="ja-JP" altLang="en-US" sz="1200" dirty="0" smtClean="0"/>
+              <a:t>開発者」</a:t>
+            </a:r>
+            <a:endParaRPr lang="en-US" altLang="ja-JP" b="0" dirty="0" smtClean="0">
+              <a:solidFill>
+                <a:srgbClr val="000000"/>
+              </a:solidFill>
+              <a:latin typeface="+mn-ea"/>
+            </a:endParaRPr>
+          </a:p>
+          <a:p>
+            <a:pPr marL="0" indent="0" algn="l">
+              <a:buFont typeface="Arial" panose="020B0604020202020204" pitchFamily="34" charset="0"/>
+              <a:buNone/>
+            </a:pPr>
+            <a:r>
+              <a:rPr lang="ja-JP" altLang="en-US" b="0" dirty="0" smtClean="0">
+                <a:solidFill>
+                  <a:srgbClr val="000000"/>
+                </a:solidFill>
+                <a:latin typeface="+mn-ea"/>
+              </a:rPr>
+              <a:t>私が支援したチームは、全員で１０人前後でした。</a:t>
+            </a:r>
+            <a:endParaRPr lang="en-US" altLang="ja-JP" b="0" dirty="0" smtClean="0">
+              <a:solidFill>
+                <a:srgbClr val="000000"/>
+              </a:solidFill>
+              <a:latin typeface="+mn-ea"/>
+            </a:endParaRPr>
+          </a:p>
+          <a:p>
+            <a:pPr marL="0" indent="0" algn="l">
+              <a:buFont typeface="Arial" panose="020B0604020202020204" pitchFamily="34" charset="0"/>
+              <a:buNone/>
+            </a:pPr>
+            <a:r>
+              <a:rPr lang="ja-JP" altLang="en-US" b="0" dirty="0" smtClean="0">
+                <a:solidFill>
+                  <a:srgbClr val="000000"/>
+                </a:solidFill>
+                <a:latin typeface="+mn-ea"/>
+              </a:rPr>
+              <a:t>私はこのチームに、アジャイルコーチとして参加しました。</a:t>
+            </a:r>
+            <a:endParaRPr kumimoji="1" lang="ja-JP" altLang="en-US" dirty="0"/>
           </a:p>
         </p:txBody>
       </p:sp>
@@ -2607,7 +2509,7 @@
     </p:spTree>
     <p:extLst>
       <p:ext uri="{BB962C8B-B14F-4D97-AF65-F5344CB8AC3E}">
-        <p14:creationId xmlns:p14="http://schemas.microsoft.com/office/powerpoint/2010/main" val="4222455853"/>
+        <p14:creationId xmlns:p14="http://schemas.microsoft.com/office/powerpoint/2010/main" val="3097568748"/>
       </p:ext>
     </p:extLst>
   </p:cSld>
@@ -2661,533 +2563,98 @@
           <a:bodyPr/>
           <a:lstStyle/>
           <a:p>
-            <a:pPr marL="0" marR="0" indent="0" algn="l" defTabSz="914400" rtl="0" eaLnBrk="1" fontAlgn="auto" latinLnBrk="0" hangingPunct="1">
-              <a:lnSpc>
-                <a:spcPct val="100000"/>
-              </a:lnSpc>
-              <a:spcBef>
-                <a:spcPts val="0"/>
-              </a:spcBef>
-              <a:spcAft>
-                <a:spcPts val="0"/>
-              </a:spcAft>
-              <a:buClrTx/>
-              <a:buSzTx/>
-              <a:buFont typeface="Arial"/>
+            <a:pPr marL="0" indent="0" algn="l">
+              <a:buFont typeface="Arial" panose="020B0604020202020204" pitchFamily="34" charset="0"/>
               <a:buNone/>
-              <a:tabLst/>
-              <a:defRPr/>
             </a:pPr>
             <a:r>
-              <a:rPr lang="ja-JP" altLang="en-US" dirty="0" smtClean="0">
-                <a:solidFill>
-                  <a:schemeClr val="tx1"/>
-                </a:solidFill>
-                <a:latin typeface="+mn-lt"/>
-              </a:rPr>
-              <a:t>そこで私たちは、</a:t>
-            </a:r>
-            <a:r>
-              <a:rPr lang="en-US" altLang="ja-JP" dirty="0" smtClean="0">
-                <a:solidFill>
-                  <a:schemeClr val="tx1"/>
-                </a:solidFill>
-                <a:latin typeface="+mn-lt"/>
-              </a:rPr>
-              <a:t>Jenkins </a:t>
-            </a:r>
-            <a:r>
-              <a:rPr lang="ja-JP" altLang="en-US" dirty="0" smtClean="0">
-                <a:solidFill>
-                  <a:schemeClr val="tx1"/>
-                </a:solidFill>
-                <a:latin typeface="+mn-lt"/>
-              </a:rPr>
-              <a:t>を活用して、ビルド・テスト・リリースの自動化を実現しました</a:t>
-            </a:r>
-            <a:r>
-              <a:rPr lang="en-US" altLang="ja-JP" dirty="0" smtClean="0">
-                <a:solidFill>
-                  <a:schemeClr val="tx1"/>
-                </a:solidFill>
-                <a:latin typeface="+mn-lt"/>
-              </a:rPr>
+              <a:rPr kumimoji="1" lang="ja-JP" altLang="en-US" dirty="0" smtClean="0"/>
+              <a:t>次に、具体的なプロダクト開発の進め方についてご説明します</a:t>
+            </a:r>
+            <a:r>
+              <a:rPr kumimoji="1" lang="en-US" altLang="ja-JP" dirty="0" smtClean="0"/>
               <a:t>…</a:t>
             </a:r>
           </a:p>
           <a:p>
-            <a:pPr marL="0" marR="0" indent="0" algn="l" defTabSz="914400" rtl="0" eaLnBrk="1" fontAlgn="auto" latinLnBrk="0" hangingPunct="1">
-              <a:lnSpc>
-                <a:spcPct val="100000"/>
-              </a:lnSpc>
-              <a:spcBef>
-                <a:spcPts val="0"/>
-              </a:spcBef>
-              <a:spcAft>
-                <a:spcPts val="0"/>
-              </a:spcAft>
-              <a:buClrTx/>
-              <a:buSzTx/>
-              <a:buFont typeface="Arial"/>
+            <a:pPr marL="0" indent="0" algn="l">
+              <a:buFont typeface="Arial" panose="020B0604020202020204" pitchFamily="34" charset="0"/>
               <a:buNone/>
-              <a:tabLst/>
-              <a:defRPr/>
             </a:pPr>
             <a:r>
-              <a:rPr lang="ja-JP" altLang="en-US" dirty="0" smtClean="0">
-                <a:solidFill>
-                  <a:schemeClr val="tx1"/>
-                </a:solidFill>
-                <a:latin typeface="+mn-lt"/>
-              </a:rPr>
-              <a:t>まず、私のノート </a:t>
-            </a:r>
-            <a:r>
-              <a:rPr lang="en-US" altLang="ja-JP" dirty="0" smtClean="0">
-                <a:solidFill>
-                  <a:schemeClr val="tx1"/>
-                </a:solidFill>
-                <a:latin typeface="+mn-lt"/>
-              </a:rPr>
-              <a:t>PC</a:t>
-            </a:r>
-            <a:r>
-              <a:rPr lang="en-US" altLang="ja-JP" baseline="0" dirty="0" smtClean="0">
-                <a:solidFill>
-                  <a:schemeClr val="tx1"/>
-                </a:solidFill>
-                <a:latin typeface="+mn-lt"/>
-              </a:rPr>
-              <a:t> </a:t>
-            </a:r>
-            <a:r>
-              <a:rPr lang="ja-JP" altLang="en-US" baseline="0" dirty="0" smtClean="0">
-                <a:solidFill>
-                  <a:schemeClr val="tx1"/>
-                </a:solidFill>
-                <a:latin typeface="+mn-lt"/>
-              </a:rPr>
-              <a:t>で </a:t>
-            </a:r>
-            <a:r>
-              <a:rPr lang="en-US" altLang="ja-JP" baseline="0" dirty="0" smtClean="0">
-                <a:solidFill>
-                  <a:schemeClr val="tx1"/>
-                </a:solidFill>
-                <a:latin typeface="+mn-lt"/>
-              </a:rPr>
-              <a:t>Jenkins </a:t>
-            </a:r>
-            <a:r>
-              <a:rPr lang="ja-JP" altLang="en-US" baseline="0" dirty="0" smtClean="0">
-                <a:solidFill>
-                  <a:schemeClr val="tx1"/>
-                </a:solidFill>
-                <a:latin typeface="+mn-lt"/>
-              </a:rPr>
-              <a:t>を稼動させ</a:t>
-            </a:r>
-            <a:r>
-              <a:rPr lang="en-US" altLang="ja-JP" baseline="0" dirty="0" smtClean="0">
-                <a:solidFill>
-                  <a:schemeClr val="tx1"/>
-                </a:solidFill>
-                <a:latin typeface="+mn-lt"/>
-              </a:rPr>
+              <a:rPr kumimoji="1" lang="ja-JP" altLang="en-US" dirty="0" smtClean="0"/>
+              <a:t>・まず、プロダクトとして何を作るべきか、ビジネスアナリストや </a:t>
+            </a:r>
+            <a:r>
+              <a:rPr kumimoji="1" lang="en-US" altLang="ja-JP" dirty="0" smtClean="0"/>
+              <a:t>UI/UX </a:t>
+            </a:r>
+            <a:r>
+              <a:rPr kumimoji="1" lang="ja-JP" altLang="en-US" dirty="0" smtClean="0"/>
+              <a:t>デザイナーから要望を募ります。これを「要件定義」と言います</a:t>
+            </a:r>
+            <a:r>
+              <a:rPr kumimoji="1" lang="en-US" altLang="ja-JP" dirty="0" smtClean="0"/>
               <a:t>…</a:t>
             </a:r>
           </a:p>
           <a:p>
-            <a:pPr marL="0" marR="0" indent="0" algn="l" defTabSz="914400" rtl="0" eaLnBrk="1" fontAlgn="auto" latinLnBrk="0" hangingPunct="1">
-              <a:lnSpc>
-                <a:spcPct val="100000"/>
-              </a:lnSpc>
-              <a:spcBef>
-                <a:spcPts val="0"/>
-              </a:spcBef>
-              <a:spcAft>
-                <a:spcPts val="0"/>
-              </a:spcAft>
-              <a:buClrTx/>
-              <a:buSzTx/>
-              <a:buFont typeface="Arial"/>
+            <a:pPr marL="0" indent="0" algn="l">
+              <a:buFont typeface="Arial" panose="020B0604020202020204" pitchFamily="34" charset="0"/>
               <a:buNone/>
-              <a:tabLst/>
-              <a:defRPr/>
             </a:pPr>
             <a:r>
-              <a:rPr lang="en-US" altLang="ja-JP" baseline="0" dirty="0" smtClean="0">
-                <a:solidFill>
-                  <a:schemeClr val="tx1"/>
-                </a:solidFill>
-                <a:latin typeface="+mn-lt"/>
-              </a:rPr>
-              <a:t>Stash</a:t>
-            </a:r>
-            <a:r>
-              <a:rPr lang="ja-JP" altLang="en-US" baseline="0" dirty="0" smtClean="0">
-                <a:solidFill>
-                  <a:schemeClr val="tx1"/>
-                </a:solidFill>
-                <a:latin typeface="+mn-lt"/>
-              </a:rPr>
-              <a:t>（これは弊社内の </a:t>
-            </a:r>
-            <a:r>
-              <a:rPr lang="en-US" altLang="ja-JP" baseline="0" dirty="0" smtClean="0">
-                <a:solidFill>
-                  <a:schemeClr val="tx1"/>
-                </a:solidFill>
-                <a:latin typeface="+mn-lt"/>
-              </a:rPr>
-              <a:t>GitHub </a:t>
-            </a:r>
-            <a:r>
-              <a:rPr lang="ja-JP" altLang="en-US" baseline="0" dirty="0" smtClean="0">
-                <a:solidFill>
-                  <a:schemeClr val="tx1"/>
-                </a:solidFill>
-                <a:latin typeface="+mn-lt"/>
-              </a:rPr>
-              <a:t>のことです）に対して、１時間おきにプログラムの更新をチェックするようにしました</a:t>
-            </a:r>
-            <a:r>
-              <a:rPr lang="en-US" altLang="ja-JP" baseline="0" dirty="0" smtClean="0">
-                <a:solidFill>
-                  <a:schemeClr val="tx1"/>
-                </a:solidFill>
-                <a:latin typeface="+mn-lt"/>
-              </a:rPr>
+              <a:rPr kumimoji="1" lang="ja-JP" altLang="en-US" dirty="0" smtClean="0"/>
+              <a:t>・次に、要件定義の内容に基づいて、開発者がプログラミングや単体・結合テストを行ないます</a:t>
+            </a:r>
+            <a:r>
+              <a:rPr kumimoji="1" lang="en-US" altLang="ja-JP" dirty="0" smtClean="0"/>
               <a:t>…</a:t>
             </a:r>
           </a:p>
           <a:p>
-            <a:pPr marL="0" marR="0" indent="0" algn="l" defTabSz="914400" rtl="0" eaLnBrk="1" fontAlgn="auto" latinLnBrk="0" hangingPunct="1">
-              <a:lnSpc>
-                <a:spcPct val="100000"/>
-              </a:lnSpc>
-              <a:spcBef>
-                <a:spcPts val="0"/>
-              </a:spcBef>
-              <a:spcAft>
-                <a:spcPts val="0"/>
-              </a:spcAft>
-              <a:buClrTx/>
-              <a:buSzTx/>
-              <a:buFont typeface="Arial"/>
+            <a:pPr marL="0" indent="0" algn="l">
+              <a:buFont typeface="Arial" panose="020B0604020202020204" pitchFamily="34" charset="0"/>
               <a:buNone/>
-              <a:tabLst/>
-              <a:defRPr/>
             </a:pPr>
             <a:r>
-              <a:rPr lang="ja-JP" altLang="en-US" baseline="0" dirty="0" smtClean="0">
-                <a:solidFill>
-                  <a:schemeClr val="tx1"/>
-                </a:solidFill>
-                <a:latin typeface="+mn-lt"/>
-              </a:rPr>
-              <a:t>そして、</a:t>
-            </a:r>
-            <a:r>
-              <a:rPr lang="ja-JP" altLang="en-US" sz="1200" b="0" dirty="0" smtClean="0">
-                <a:latin typeface="+mn-lt"/>
-              </a:rPr>
-              <a:t>誰かがプログラムを修正したら、それを自動的に検知して、アプリのビルドと回帰テストを自動的に行います。</a:t>
-            </a:r>
-            <a:endParaRPr lang="en-US" altLang="ja-JP" sz="1200" b="0" dirty="0" smtClean="0">
-              <a:latin typeface="+mn-lt"/>
-            </a:endParaRPr>
+              <a:rPr kumimoji="1" lang="ja-JP" altLang="en-US" dirty="0" smtClean="0"/>
+              <a:t>・そして、開発者がつくり上げたプロダクトを、ビジネスアナリストと</a:t>
+            </a:r>
+            <a:r>
+              <a:rPr kumimoji="1" lang="en-US" altLang="ja-JP" dirty="0" smtClean="0"/>
+              <a:t>UI/UX </a:t>
+            </a:r>
+            <a:r>
+              <a:rPr kumimoji="1" lang="ja-JP" altLang="en-US" dirty="0" smtClean="0"/>
+              <a:t>デザイナーが最終確認します</a:t>
+            </a:r>
+            <a:r>
+              <a:rPr kumimoji="1" lang="en-US" altLang="ja-JP" dirty="0" smtClean="0"/>
+              <a:t>…</a:t>
+            </a:r>
           </a:p>
           <a:p>
-            <a:pPr marL="0" marR="0" indent="0" algn="l" defTabSz="914400" rtl="0" eaLnBrk="1" fontAlgn="auto" latinLnBrk="0" hangingPunct="1">
-              <a:lnSpc>
-                <a:spcPct val="100000"/>
-              </a:lnSpc>
-              <a:spcBef>
-                <a:spcPts val="0"/>
-              </a:spcBef>
-              <a:spcAft>
-                <a:spcPts val="0"/>
-              </a:spcAft>
-              <a:buClrTx/>
-              <a:buSzTx/>
-              <a:buFont typeface="Arial"/>
+            <a:pPr marL="0" indent="0" algn="l">
+              <a:buFont typeface="Arial" panose="020B0604020202020204" pitchFamily="34" charset="0"/>
               <a:buNone/>
-              <a:tabLst/>
-              <a:defRPr/>
             </a:pPr>
             <a:r>
-              <a:rPr lang="ja-JP" altLang="en-US" sz="1200" b="0" dirty="0" smtClean="0">
-                <a:solidFill>
-                  <a:schemeClr val="tx1"/>
-                </a:solidFill>
-                <a:latin typeface="+mn-lt"/>
-              </a:rPr>
-              <a:t>　もしここで問題があれば、即時チームメンバー全員にメールで通知するようにしました</a:t>
-            </a:r>
-            <a:r>
-              <a:rPr lang="en-US" altLang="ja-JP" sz="1200" b="0" dirty="0" smtClean="0">
-                <a:solidFill>
-                  <a:schemeClr val="tx1"/>
-                </a:solidFill>
-                <a:latin typeface="+mn-lt"/>
-              </a:rPr>
-              <a:t>…</a:t>
-            </a:r>
-            <a:endParaRPr lang="en-US" altLang="ja-JP" sz="1200" b="0" dirty="0" smtClean="0">
-              <a:solidFill>
-                <a:srgbClr val="000000"/>
-              </a:solidFill>
-              <a:latin typeface="+mn-lt"/>
-            </a:endParaRPr>
+              <a:rPr kumimoji="1" lang="ja-JP" altLang="en-US" dirty="0" smtClean="0"/>
+              <a:t>このサイクルを１ヶ月毎に繰り返すのが、基本的な流れです。</a:t>
+            </a:r>
+            <a:endParaRPr kumimoji="1" lang="en-US" altLang="ja-JP" dirty="0" smtClean="0"/>
           </a:p>
           <a:p>
-            <a:pPr marL="0" marR="0" indent="0" algn="l" defTabSz="914400" rtl="0" eaLnBrk="1" fontAlgn="auto" latinLnBrk="0" hangingPunct="1">
-              <a:lnSpc>
-                <a:spcPct val="100000"/>
-              </a:lnSpc>
-              <a:spcBef>
-                <a:spcPts val="0"/>
-              </a:spcBef>
-              <a:spcAft>
-                <a:spcPts val="0"/>
-              </a:spcAft>
-              <a:buClrTx/>
-              <a:buSzTx/>
-              <a:buFont typeface="Arial"/>
+            <a:pPr marL="0" indent="0" algn="l">
+              <a:buFont typeface="Arial" panose="020B0604020202020204" pitchFamily="34" charset="0"/>
               <a:buNone/>
-              <a:tabLst/>
-              <a:defRPr/>
             </a:pPr>
             <a:r>
-              <a:rPr lang="ja-JP" altLang="en-US" sz="1200" b="0" dirty="0" smtClean="0">
-                <a:latin typeface="+mn-lt"/>
-              </a:rPr>
-              <a:t>そして、回帰テストに問題がなければ</a:t>
-            </a:r>
-            <a:r>
-              <a:rPr lang="ja-JP" altLang="en-US" sz="1200" b="0" baseline="0" dirty="0" smtClean="0">
-                <a:solidFill>
-                  <a:schemeClr val="tx1"/>
-                </a:solidFill>
-                <a:latin typeface="+mn-lt"/>
-              </a:rPr>
-              <a:t>、</a:t>
-            </a:r>
-            <a:r>
-              <a:rPr lang="ja-JP" altLang="en-US" sz="1200" b="0" dirty="0" smtClean="0">
-                <a:latin typeface="+mn-lt"/>
-              </a:rPr>
-              <a:t>即</a:t>
-            </a:r>
-            <a:r>
-              <a:rPr lang="ja-JP" altLang="en-US" sz="1200" b="0" dirty="0" smtClean="0">
-                <a:solidFill>
-                  <a:srgbClr val="000000"/>
-                </a:solidFill>
-                <a:latin typeface="+mn-lt"/>
-              </a:rPr>
-              <a:t>ステークホルダー全員の端末に最新のアプリを</a:t>
-            </a:r>
-            <a:r>
-              <a:rPr lang="ja-JP" altLang="en-US" sz="1200" b="0" dirty="0" smtClean="0">
-                <a:latin typeface="+mn-lt"/>
-              </a:rPr>
-              <a:t>自動インストール</a:t>
-            </a:r>
-            <a:r>
-              <a:rPr lang="ja-JP" altLang="en-US" sz="1200" b="0" dirty="0" smtClean="0">
-                <a:solidFill>
-                  <a:srgbClr val="000000"/>
-                </a:solidFill>
-                <a:latin typeface="+mn-lt"/>
-              </a:rPr>
-              <a:t>できるようにしました</a:t>
-            </a:r>
-            <a:r>
-              <a:rPr lang="en-US" altLang="ja-JP" baseline="0" dirty="0" smtClean="0">
-                <a:solidFill>
-                  <a:schemeClr val="tx1"/>
-                </a:solidFill>
-                <a:latin typeface="+mn-lt"/>
-              </a:rPr>
-              <a:t>…</a:t>
-            </a:r>
-            <a:endParaRPr lang="en-US" altLang="ja-JP" sz="1200" b="0" dirty="0" smtClean="0">
-              <a:solidFill>
-                <a:srgbClr val="000000"/>
-              </a:solidFill>
-              <a:latin typeface="+mn-lt"/>
-            </a:endParaRPr>
-          </a:p>
-          <a:p>
-            <a:pPr marL="0" marR="0" indent="0" algn="l" defTabSz="914400" rtl="0" eaLnBrk="1" fontAlgn="auto" latinLnBrk="0" hangingPunct="1">
-              <a:lnSpc>
-                <a:spcPct val="100000"/>
-              </a:lnSpc>
-              <a:spcBef>
-                <a:spcPts val="0"/>
-              </a:spcBef>
-              <a:spcAft>
-                <a:spcPts val="0"/>
-              </a:spcAft>
-              <a:buClrTx/>
-              <a:buSzTx/>
-              <a:buFont typeface="Arial"/>
-              <a:buNone/>
-              <a:tabLst/>
-              <a:defRPr/>
-            </a:pPr>
-            <a:r>
-              <a:rPr lang="ja-JP" altLang="en-US" sz="1200" b="0" dirty="0" smtClean="0">
-                <a:latin typeface="+mn-lt"/>
-              </a:rPr>
-              <a:t>そして、</a:t>
-            </a:r>
-            <a:r>
-              <a:rPr lang="ja-JP" altLang="en-US" dirty="0" smtClean="0">
-                <a:solidFill>
-                  <a:schemeClr val="tx1"/>
-                </a:solidFill>
-                <a:latin typeface="+mn-lt"/>
-              </a:rPr>
-              <a:t>最新のアプリを、毎日の朝礼でステークホルダーにデモするようにしました。</a:t>
-            </a:r>
-            <a:endParaRPr lang="en-US" altLang="ja-JP" dirty="0" smtClean="0">
-              <a:solidFill>
-                <a:schemeClr val="tx1"/>
-              </a:solidFill>
-              <a:latin typeface="+mn-lt"/>
-            </a:endParaRPr>
-          </a:p>
-          <a:p>
-            <a:pPr marL="0" marR="0" indent="0" algn="l" defTabSz="914400" rtl="0" eaLnBrk="1" fontAlgn="auto" latinLnBrk="0" hangingPunct="1">
-              <a:lnSpc>
-                <a:spcPct val="100000"/>
-              </a:lnSpc>
-              <a:spcBef>
-                <a:spcPts val="0"/>
-              </a:spcBef>
-              <a:spcAft>
-                <a:spcPts val="0"/>
-              </a:spcAft>
-              <a:buClrTx/>
-              <a:buSzTx/>
-              <a:buFont typeface="Arial"/>
-              <a:buNone/>
-              <a:tabLst/>
-              <a:defRPr/>
-            </a:pPr>
-            <a:r>
-              <a:rPr lang="ja-JP" altLang="en-US" dirty="0" smtClean="0">
-                <a:solidFill>
-                  <a:schemeClr val="tx1"/>
-                </a:solidFill>
-                <a:latin typeface="+mn-lt"/>
-              </a:rPr>
-              <a:t>　これは、まだ最新のアプリを試していない人へのフォローと、進捗報告とを兼ねていました。</a:t>
-            </a:r>
-            <a:endParaRPr lang="en-US" altLang="ja-JP" sz="1200" b="0" dirty="0" smtClean="0">
-              <a:solidFill>
-                <a:srgbClr val="000000"/>
-              </a:solidFill>
-              <a:latin typeface="+mn-lt"/>
-            </a:endParaRPr>
-          </a:p>
-          <a:p>
-            <a:pPr marL="0" marR="0" indent="0" algn="l" defTabSz="914400" rtl="0" eaLnBrk="1" fontAlgn="auto" latinLnBrk="0" hangingPunct="1">
-              <a:lnSpc>
-                <a:spcPct val="100000"/>
-              </a:lnSpc>
-              <a:spcBef>
-                <a:spcPts val="0"/>
-              </a:spcBef>
-              <a:spcAft>
-                <a:spcPts val="0"/>
-              </a:spcAft>
-              <a:buClrTx/>
-              <a:buSzTx/>
-              <a:buFont typeface="Arial"/>
-              <a:buNone/>
-              <a:tabLst/>
-              <a:defRPr/>
-            </a:pPr>
-            <a:endParaRPr lang="en-US" altLang="ja-JP" dirty="0" smtClean="0">
-              <a:solidFill>
-                <a:schemeClr val="tx1"/>
-              </a:solidFill>
-              <a:latin typeface="+mn-lt"/>
-            </a:endParaRPr>
-          </a:p>
-          <a:p>
-            <a:pPr marL="0" marR="0" indent="0" algn="l" defTabSz="914400" rtl="0" eaLnBrk="1" fontAlgn="auto" latinLnBrk="0" hangingPunct="1">
-              <a:lnSpc>
-                <a:spcPct val="100000"/>
-              </a:lnSpc>
-              <a:spcBef>
-                <a:spcPts val="0"/>
-              </a:spcBef>
-              <a:spcAft>
-                <a:spcPts val="0"/>
-              </a:spcAft>
-              <a:buClrTx/>
-              <a:buSzTx/>
-              <a:buFont typeface="Arial"/>
-              <a:buNone/>
-              <a:tabLst/>
-              <a:defRPr/>
-            </a:pPr>
-            <a:r>
-              <a:rPr lang="ja-JP" altLang="en-US" dirty="0" smtClean="0">
-                <a:solidFill>
-                  <a:schemeClr val="tx1"/>
-                </a:solidFill>
-                <a:latin typeface="+mn-lt"/>
-              </a:rPr>
-              <a:t>こうした仕組みや考え方を、</a:t>
-            </a:r>
-            <a:r>
-              <a:rPr lang="en-US" altLang="ja-JP" dirty="0" smtClean="0">
-                <a:solidFill>
-                  <a:schemeClr val="tx1"/>
-                </a:solidFill>
-                <a:latin typeface="+mn-lt"/>
-              </a:rPr>
-              <a:t>Continuous Integration</a:t>
-            </a:r>
-            <a:r>
-              <a:rPr lang="ja-JP" altLang="en-US" dirty="0" smtClean="0">
-                <a:solidFill>
-                  <a:schemeClr val="tx1"/>
-                </a:solidFill>
-                <a:latin typeface="+mn-lt"/>
-              </a:rPr>
-              <a:t>／</a:t>
-            </a:r>
-            <a:r>
-              <a:rPr lang="en-US" altLang="ja-JP" dirty="0" smtClean="0">
-                <a:solidFill>
-                  <a:schemeClr val="tx1"/>
-                </a:solidFill>
-                <a:latin typeface="+mn-lt"/>
-              </a:rPr>
-              <a:t>Continuous Delivery </a:t>
-            </a:r>
-            <a:r>
-              <a:rPr lang="ja-JP" altLang="en-US" dirty="0" smtClean="0">
-                <a:solidFill>
-                  <a:schemeClr val="tx1"/>
-                </a:solidFill>
-                <a:latin typeface="+mn-lt"/>
-              </a:rPr>
-              <a:t>と言います。</a:t>
-            </a:r>
-            <a:endParaRPr lang="en-US" altLang="ja-JP" dirty="0" smtClean="0">
-              <a:solidFill>
-                <a:schemeClr val="tx1"/>
-              </a:solidFill>
-              <a:latin typeface="+mn-lt"/>
-            </a:endParaRPr>
+              <a:rPr kumimoji="1" lang="ja-JP" altLang="en-US" dirty="0" smtClean="0"/>
+              <a:t>またこのサイクルを、「スプリント」や「イテレーション」と呼称します。</a:t>
+            </a:r>
+            <a:endParaRPr kumimoji="1" lang="en-US" altLang="ja-JP" dirty="0" smtClean="0"/>
           </a:p>
         </p:txBody>
       </p:sp>
@@ -3208,7 +2675,7 @@
           <a:p>
             <a:fld id="{0D38E3F1-FAA5-4043-BB02-BBDB9D30AFA5}" type="slidenum">
               <a:rPr kumimoji="1" lang="ja-JP" altLang="en-US" smtClean="0"/>
-              <a:t>20</a:t>
+              <a:t>19</a:t>
             </a:fld>
             <a:endParaRPr kumimoji="1" lang="ja-JP" altLang="en-US" dirty="0"/>
           </a:p>
@@ -3217,7 +2684,7 @@
     </p:spTree>
     <p:extLst>
       <p:ext uri="{BB962C8B-B14F-4D97-AF65-F5344CB8AC3E}">
-        <p14:creationId xmlns:p14="http://schemas.microsoft.com/office/powerpoint/2010/main" val="3541334960"/>
+        <p14:creationId xmlns:p14="http://schemas.microsoft.com/office/powerpoint/2010/main" val="3097568748"/>
       </p:ext>
     </p:extLst>
   </p:cSld>
@@ -3272,46 +2739,21 @@
           <a:lstStyle/>
           <a:p>
             <a:r>
-              <a:rPr kumimoji="1" lang="ja-JP" altLang="en-US" dirty="0" smtClean="0"/>
-              <a:t>例として、万が一コンパイルエラーがあるプログラムを </a:t>
-            </a:r>
-            <a:r>
-              <a:rPr kumimoji="1" lang="en-US" altLang="ja-JP" dirty="0" smtClean="0"/>
-              <a:t>Stash(GitHub) </a:t>
-            </a:r>
-            <a:r>
-              <a:rPr kumimoji="1" lang="ja-JP" altLang="en-US" dirty="0" smtClean="0"/>
-              <a:t>へ </a:t>
-            </a:r>
-            <a:r>
-              <a:rPr kumimoji="1" lang="en-US" altLang="ja-JP" dirty="0" smtClean="0"/>
-              <a:t>push</a:t>
-            </a:r>
-            <a:r>
               <a:rPr kumimoji="1" lang="en-US" altLang="ja-JP" baseline="0" dirty="0" smtClean="0"/>
-              <a:t> </a:t>
-            </a:r>
-            <a:r>
-              <a:rPr kumimoji="1" lang="ja-JP" altLang="en-US" baseline="0" dirty="0" smtClean="0"/>
-              <a:t>しようものなら即、</a:t>
-            </a:r>
+              <a:t>Next, I will explain the 3 approaches, CI/CD, TDD, and BDD.</a:t>
+            </a:r>
+          </a:p>
+          <a:p>
             <a:r>
               <a:rPr kumimoji="1" lang="en-US" altLang="ja-JP" baseline="0" dirty="0" smtClean="0"/>
-              <a:t>push </a:t>
-            </a:r>
-            <a:r>
-              <a:rPr kumimoji="1" lang="ja-JP" altLang="en-US" baseline="0" dirty="0" smtClean="0"/>
-              <a:t>した当人を名指しして、このようなメールを </a:t>
-            </a:r>
+              <a:t>After that, I will talk about the problems, possibilities, and the future of Technology-Driven Development.</a:t>
+            </a:r>
+          </a:p>
+          <a:p>
             <a:r>
               <a:rPr kumimoji="1" lang="en-US" altLang="ja-JP" baseline="0" dirty="0" smtClean="0"/>
-              <a:t>Jenkins </a:t>
-            </a:r>
-            <a:r>
-              <a:rPr kumimoji="1" lang="ja-JP" altLang="en-US" baseline="0" dirty="0" smtClean="0"/>
-              <a:t>から送りつけるようにしました。</a:t>
-            </a:r>
-            <a:endParaRPr kumimoji="1" lang="en-US" altLang="ja-JP" dirty="0" smtClean="0"/>
+              <a:t>At last I will conclude this report.</a:t>
+            </a:r>
           </a:p>
         </p:txBody>
       </p:sp>
@@ -3332,7 +2774,7 @@
           <a:p>
             <a:fld id="{0D38E3F1-FAA5-4043-BB02-BBDB9D30AFA5}" type="slidenum">
               <a:rPr kumimoji="1" lang="ja-JP" altLang="en-US" smtClean="0"/>
-              <a:t>21</a:t>
+              <a:t>20</a:t>
             </a:fld>
             <a:endParaRPr kumimoji="1" lang="ja-JP" altLang="en-US" dirty="0"/>
           </a:p>
@@ -3341,7 +2783,7 @@
     </p:spTree>
     <p:extLst>
       <p:ext uri="{BB962C8B-B14F-4D97-AF65-F5344CB8AC3E}">
-        <p14:creationId xmlns:p14="http://schemas.microsoft.com/office/powerpoint/2010/main" val="2478648550"/>
+        <p14:creationId xmlns:p14="http://schemas.microsoft.com/office/powerpoint/2010/main" val="4222455853"/>
       </p:ext>
     </p:extLst>
   </p:cSld>
@@ -4149,27 +3591,8 @@
                 <a:ea typeface="+mj-ea"/>
                 <a:cs typeface="Arial" pitchFamily="34" charset="0"/>
               </a:rPr>
-              <a:t>Technology-Driven </a:t>
-            </a:r>
-            <a:r>
-              <a:rPr lang="en-US" altLang="ja-JP" sz="4800" b="1" dirty="0" smtClean="0">
-                <a:solidFill>
-                  <a:srgbClr val="C00000"/>
-                </a:solidFill>
-                <a:latin typeface="+mj-ea"/>
-                <a:ea typeface="+mj-ea"/>
-                <a:cs typeface="Arial" pitchFamily="34" charset="0"/>
-              </a:rPr>
-              <a:t>Development:</a:t>
-            </a:r>
-            <a:endParaRPr lang="en-US" altLang="ja-JP" sz="4800" b="1" dirty="0" smtClean="0">
-              <a:solidFill>
-                <a:srgbClr val="C00000"/>
-              </a:solidFill>
-              <a:latin typeface="+mj-ea"/>
-              <a:ea typeface="+mj-ea"/>
-              <a:cs typeface="Arial" pitchFamily="34" charset="0"/>
-            </a:endParaRPr>
+              <a:t>Technology-Driven Development:</a:t>
+            </a:r>
           </a:p>
           <a:p>
             <a:r>
@@ -4464,7 +3887,7 @@
                 <a:ea typeface="+mn-ea"/>
                 <a:cs typeface="ＭＳ 明朝"/>
               </a:rPr>
-              <a:t>3) </a:t>
+              <a:t>1) </a:t>
             </a:r>
             <a:r>
               <a:rPr kumimoji="0" lang="ja-JP" altLang="en-US" sz="4400" b="0" kern="0" dirty="0" smtClean="0">
@@ -4475,22 +3898,33 @@
                 <a:ea typeface="+mn-ea"/>
                 <a:cs typeface="ＭＳ 明朝"/>
               </a:rPr>
-              <a:t>テストもリリースも全て</a:t>
-            </a:r>
-            <a:r>
-              <a:rPr kumimoji="0" lang="ja-JP" altLang="en-US" sz="4400" b="0" kern="0" dirty="0" smtClean="0">
-                <a:solidFill>
-                  <a:srgbClr val="BF0000"/>
+              <a:t>スクラム</a:t>
+            </a:r>
+            <a:r>
+              <a:rPr kumimoji="0" lang="ja-JP" altLang="en-US" sz="4400" b="0" kern="0" dirty="0">
+                <a:solidFill>
+                  <a:srgbClr val="000000"/>
                 </a:solidFill>
                 <a:latin typeface="+mn-ea"/>
                 <a:ea typeface="+mn-ea"/>
                 <a:cs typeface="ＭＳ 明朝"/>
               </a:rPr>
-              <a:t>手作業</a:t>
-            </a:r>
-            <a:endParaRPr kumimoji="0" lang="en-US" altLang="ja-JP" sz="4400" b="0" kern="0" dirty="0" smtClean="0">
+              <a:t>を</a:t>
+            </a:r>
+            <a:r>
+              <a:rPr kumimoji="0" lang="ja-JP" altLang="en-US" sz="4400" b="0" kern="0" dirty="0" smtClean="0">
+                <a:solidFill>
+                  <a:srgbClr val="000000"/>
+                </a:solidFill>
+                <a:latin typeface="+mn-ea"/>
+                <a:ea typeface="+mn-ea"/>
+                <a:cs typeface="ＭＳ 明朝"/>
+              </a:rPr>
+              <a:t>採用することにしたが、</a:t>
+            </a:r>
+            <a:endParaRPr kumimoji="0" lang="en-US" altLang="ja-JP" sz="4400" b="0" kern="0" dirty="0">
               <a:solidFill>
-                <a:srgbClr val="BF0000"/>
+                <a:srgbClr val="000000"/>
               </a:solidFill>
               <a:latin typeface="+mn-ea"/>
               <a:ea typeface="+mn-ea"/>
@@ -4498,36 +3932,47 @@
             </a:endParaRPr>
           </a:p>
           <a:p>
-            <a:pPr indent="622300" algn="l">
+            <a:pPr indent="536575" algn="l">
               <a:spcBef>
                 <a:spcPts val="0"/>
               </a:spcBef>
             </a:pPr>
             <a:r>
-              <a:rPr kumimoji="0" lang="en-US" altLang="ja-JP" sz="4400" b="0" kern="0" dirty="0" smtClean="0">
-                <a:solidFill>
-                  <a:schemeClr val="tx1"/>
+              <a:rPr kumimoji="0" lang="ja-JP" altLang="en-US" sz="4400" b="0" kern="0" dirty="0" smtClean="0">
+                <a:solidFill>
+                  <a:srgbClr val="000000"/>
                 </a:solidFill>
                 <a:latin typeface="+mn-ea"/>
                 <a:ea typeface="+mn-ea"/>
                 <a:cs typeface="ＭＳ 明朝"/>
               </a:rPr>
-              <a:t>※</a:t>
-            </a:r>
-            <a:r>
-              <a:rPr kumimoji="0" lang="ja-JP" altLang="en-US" sz="4400" b="0" kern="0" dirty="0" smtClean="0">
-                <a:solidFill>
-                  <a:schemeClr val="tx1"/>
+              <a:t>アジャイル・</a:t>
+            </a:r>
+            <a:r>
+              <a:rPr kumimoji="0" lang="ja-JP" altLang="en-US" sz="4400" b="0" kern="0" dirty="0">
+                <a:solidFill>
+                  <a:srgbClr val="000000"/>
                 </a:solidFill>
                 <a:latin typeface="+mn-ea"/>
                 <a:ea typeface="+mn-ea"/>
                 <a:cs typeface="ＭＳ 明朝"/>
               </a:rPr>
-              <a:t>徹夜なんてザラ</a:t>
-            </a:r>
-            <a:endParaRPr kumimoji="0" lang="en-US" altLang="ja-JP" sz="4400" b="0" kern="0" dirty="0" smtClean="0">
+              <a:t>スクラム経験者は</a:t>
+            </a:r>
+            <a:r>
+              <a:rPr kumimoji="0" lang="ja-JP" altLang="en-US" sz="4400" b="0" kern="0" dirty="0" smtClean="0">
+                <a:solidFill>
+                  <a:srgbClr val="BF0000"/>
+                </a:solidFill>
+                <a:latin typeface="+mn-ea"/>
+                <a:ea typeface="+mn-ea"/>
+                <a:cs typeface="ＭＳ 明朝"/>
+              </a:rPr>
+              <a:t>ゼロ</a:t>
+            </a:r>
+            <a:endParaRPr kumimoji="0" lang="ja-JP" altLang="en-US" sz="4400" b="0" kern="0" dirty="0">
               <a:solidFill>
-                <a:schemeClr val="tx1"/>
+                <a:srgbClr val="BF0000"/>
               </a:solidFill>
               <a:latin typeface="+mn-ea"/>
               <a:ea typeface="+mn-ea"/>
@@ -4539,7 +3984,7 @@
     </p:spTree>
     <p:extLst>
       <p:ext uri="{BB962C8B-B14F-4D97-AF65-F5344CB8AC3E}">
-        <p14:creationId xmlns:p14="http://schemas.microsoft.com/office/powerpoint/2010/main" val="810821384"/>
+        <p14:creationId xmlns:p14="http://schemas.microsoft.com/office/powerpoint/2010/main" val="2495657841"/>
       </p:ext>
     </p:extLst>
   </p:cSld>
@@ -4629,7 +4074,7 @@
                 <a:ea typeface="+mn-ea"/>
                 <a:cs typeface="ＭＳ 明朝"/>
               </a:rPr>
-              <a:t>4) </a:t>
+              <a:t>2) </a:t>
             </a:r>
             <a:r>
               <a:rPr kumimoji="0" lang="ja-JP" altLang="en-US" sz="4400" b="0" kern="0" dirty="0" smtClean="0">
@@ -4640,7 +4085,7 @@
                 <a:ea typeface="+mn-ea"/>
                 <a:cs typeface="ＭＳ 明朝"/>
               </a:rPr>
-              <a:t>メンバーが非常に</a:t>
+              <a:t>レガシーコードの</a:t>
             </a:r>
             <a:r>
               <a:rPr kumimoji="0" lang="ja-JP" altLang="en-US" sz="4400" b="0" kern="0" dirty="0" smtClean="0">
@@ -4651,9 +4096,9 @@
                 <a:ea typeface="+mn-ea"/>
                 <a:cs typeface="ＭＳ 明朝"/>
               </a:rPr>
-              <a:t>若い</a:t>
-            </a:r>
-            <a:endParaRPr kumimoji="0" lang="en-US" altLang="ja-JP" sz="4400" b="0" kern="0" dirty="0" smtClean="0">
+              <a:t>エンハンス</a:t>
+            </a:r>
+            <a:endParaRPr kumimoji="0" lang="en-US" altLang="ja-JP" sz="4400" b="0" kern="0" dirty="0">
               <a:solidFill>
                 <a:srgbClr val="BF0000"/>
               </a:solidFill>
@@ -4663,7 +4108,7 @@
             </a:endParaRPr>
           </a:p>
           <a:p>
-            <a:pPr indent="622300" algn="l">
+            <a:pPr indent="620713" algn="l">
               <a:spcBef>
                 <a:spcPts val="0"/>
               </a:spcBef>
@@ -4674,6 +4119,7 @@
                   <a:srgbClr val="000000"/>
                 </a:solidFill>
                 <a:latin typeface="+mn-ea"/>
+                <a:ea typeface="+mn-ea"/>
                 <a:cs typeface="ＭＳ 明朝"/>
               </a:rPr>
               <a:t>※</a:t>
@@ -4684,15 +4130,17 @@
                   <a:srgbClr val="000000"/>
                 </a:solidFill>
                 <a:latin typeface="+mn-ea"/>
+                <a:ea typeface="+mn-ea"/>
                 <a:cs typeface="ＭＳ 明朝"/>
               </a:rPr>
-              <a:t>平均キャリアは３年前後</a:t>
+              <a:t>自動テストなどない</a:t>
             </a:r>
             <a:endParaRPr kumimoji="0" lang="ja-JP" altLang="en-US" sz="4400" b="0" kern="0" dirty="0">
               <a:solidFill>
                 <a:srgbClr val="000000"/>
               </a:solidFill>
               <a:latin typeface="+mn-ea"/>
+              <a:ea typeface="+mn-ea"/>
               <a:cs typeface="ＭＳ 明朝"/>
             </a:endParaRPr>
           </a:p>
@@ -4701,7 +4149,7 @@
     </p:spTree>
     <p:extLst>
       <p:ext uri="{BB962C8B-B14F-4D97-AF65-F5344CB8AC3E}">
-        <p14:creationId xmlns:p14="http://schemas.microsoft.com/office/powerpoint/2010/main" val="2305762005"/>
+        <p14:creationId xmlns:p14="http://schemas.microsoft.com/office/powerpoint/2010/main" val="3030580250"/>
       </p:ext>
     </p:extLst>
   </p:cSld>
@@ -4745,8 +4193,8 @@
         </p:nvSpPr>
         <p:spPr>
           <a:xfrm>
-            <a:off x="107504" y="1192412"/>
-            <a:ext cx="8928992" cy="4473176"/>
+            <a:off x="179512" y="1192412"/>
+            <a:ext cx="8784976" cy="4473176"/>
           </a:xfrm>
           <a:prstGeom prst="rect">
             <a:avLst/>
@@ -4777,20 +4225,47 @@
             </a:lvl1pPr>
           </a:lstStyle>
           <a:p>
-            <a:r>
-              <a:rPr lang="ja-JP" altLang="en-US" sz="8800" b="0" dirty="0" smtClean="0">
-                <a:solidFill>
-                  <a:schemeClr val="tx1"/>
+            <a:pPr algn="l">
+              <a:spcBef>
+                <a:spcPts val="0"/>
+              </a:spcBef>
+            </a:pPr>
+            <a:r>
+              <a:rPr kumimoji="0" lang="en-US" altLang="ja-JP" sz="4400" b="0" kern="0" dirty="0" smtClean="0">
+                <a:solidFill>
+                  <a:srgbClr val="000000"/>
                 </a:solidFill>
                 <a:latin typeface="+mn-ea"/>
                 <a:ea typeface="+mn-ea"/>
                 <a:cs typeface="ＭＳ 明朝"/>
               </a:rPr>
-              <a:t>皆さんなら</a:t>
-            </a:r>
-            <a:endParaRPr lang="en-US" altLang="ja-JP" sz="8800" b="0" dirty="0" smtClean="0">
+              <a:t>3) </a:t>
+            </a:r>
+            <a:r>
+              <a:rPr kumimoji="0" lang="ja-JP" altLang="en-US" sz="4400" b="0" kern="0" dirty="0" smtClean="0">
+                <a:solidFill>
+                  <a:srgbClr val="000000"/>
+                </a:solidFill>
+                <a:latin typeface="+mn-ea"/>
+                <a:ea typeface="+mn-ea"/>
+                <a:cs typeface="ＭＳ 明朝"/>
+              </a:rPr>
+              <a:t>テストもリリースも全て</a:t>
+            </a:r>
+            <a:r>
+              <a:rPr kumimoji="0" lang="ja-JP" altLang="en-US" sz="4400" b="0" kern="0" dirty="0" smtClean="0">
+                <a:solidFill>
+                  <a:srgbClr val="BF0000"/>
+                </a:solidFill>
+                <a:latin typeface="+mn-ea"/>
+                <a:ea typeface="+mn-ea"/>
+                <a:cs typeface="ＭＳ 明朝"/>
+              </a:rPr>
+              <a:t>手作業</a:t>
+            </a:r>
+            <a:endParaRPr kumimoji="0" lang="en-US" altLang="ja-JP" sz="4400" b="0" kern="0" dirty="0" smtClean="0">
               <a:solidFill>
-                <a:schemeClr val="tx1"/>
+                <a:srgbClr val="BF0000"/>
               </a:solidFill>
               <a:latin typeface="+mn-ea"/>
               <a:ea typeface="+mn-ea"/>
@@ -4798,19 +4273,24 @@
             </a:endParaRPr>
           </a:p>
           <a:p>
-            <a:r>
-              <a:rPr lang="ja-JP" altLang="en-US" sz="8800" b="0" dirty="0" smtClean="0">
-                <a:solidFill>
-                  <a:srgbClr val="BF0000"/>
+            <a:pPr indent="622300" algn="l">
+              <a:spcBef>
+                <a:spcPts val="0"/>
+              </a:spcBef>
+            </a:pPr>
+            <a:r>
+              <a:rPr kumimoji="0" lang="en-US" altLang="ja-JP" sz="4400" b="0" kern="0" dirty="0" smtClean="0">
+                <a:solidFill>
+                  <a:schemeClr val="tx1"/>
                 </a:solidFill>
                 <a:latin typeface="+mn-ea"/>
                 <a:ea typeface="+mn-ea"/>
                 <a:cs typeface="ＭＳ 明朝"/>
               </a:rPr>
-              <a:t>どう</a:t>
-            </a:r>
-            <a:r>
-              <a:rPr lang="ja-JP" altLang="en-US" sz="8800" b="0" dirty="0" smtClean="0">
+              <a:t>※</a:t>
+            </a:r>
+            <a:r>
+              <a:rPr kumimoji="0" lang="ja-JP" altLang="en-US" sz="4400" b="0" kern="0" dirty="0" smtClean="0">
                 <a:solidFill>
                   <a:schemeClr val="tx1"/>
                 </a:solidFill>
@@ -4818,9 +4298,9 @@
                 <a:ea typeface="+mn-ea"/>
                 <a:cs typeface="ＭＳ 明朝"/>
               </a:rPr>
-              <a:t>思いますか？</a:t>
-            </a:r>
-            <a:endParaRPr lang="en-US" altLang="ja-JP" sz="8800" b="0" dirty="0" smtClean="0">
+              <a:t>徹夜なんてザラ</a:t>
+            </a:r>
+            <a:endParaRPr kumimoji="0" lang="en-US" altLang="ja-JP" sz="4400" b="0" kern="0" dirty="0" smtClean="0">
               <a:solidFill>
                 <a:schemeClr val="tx1"/>
               </a:solidFill>
@@ -4834,7 +4314,7 @@
     </p:spTree>
     <p:extLst>
       <p:ext uri="{BB962C8B-B14F-4D97-AF65-F5344CB8AC3E}">
-        <p14:creationId xmlns:p14="http://schemas.microsoft.com/office/powerpoint/2010/main" val="3663135761"/>
+        <p14:creationId xmlns:p14="http://schemas.microsoft.com/office/powerpoint/2010/main" val="810821384"/>
       </p:ext>
     </p:extLst>
   </p:cSld>
@@ -4878,8 +4358,8 @@
         </p:nvSpPr>
         <p:spPr>
           <a:xfrm>
-            <a:off x="107504" y="1192412"/>
-            <a:ext cx="8928992" cy="4473176"/>
+            <a:off x="179512" y="1192412"/>
+            <a:ext cx="8784976" cy="4473176"/>
           </a:xfrm>
           <a:prstGeom prst="rect">
             <a:avLst/>
@@ -4910,8 +4390,13 @@
             </a:lvl1pPr>
           </a:lstStyle>
           <a:p>
-            <a:r>
-              <a:rPr lang="ja-JP" altLang="en-US" sz="9600" b="0" dirty="0" smtClean="0">
+            <a:pPr algn="l">
+              <a:spcBef>
+                <a:spcPts val="0"/>
+              </a:spcBef>
+            </a:pPr>
+            <a:r>
+              <a:rPr kumimoji="0" lang="en-US" altLang="ja-JP" sz="4400" b="0" kern="0" dirty="0" smtClean="0">
                 <a:solidFill>
                   <a:srgbClr val="000000"/>
                 </a:solidFill>
@@ -4919,11 +4404,33 @@
                 <a:ea typeface="+mn-ea"/>
                 <a:cs typeface="ＭＳ 明朝"/>
               </a:rPr>
-              <a:t>私は</a:t>
-            </a:r>
-            <a:endParaRPr lang="en-US" altLang="ja-JP" sz="9600" b="0" dirty="0" smtClean="0">
+              <a:t>4) </a:t>
+            </a:r>
+            <a:r>
+              <a:rPr kumimoji="0" lang="ja-JP" altLang="en-US" sz="4400" b="0" kern="0" dirty="0" smtClean="0">
+                <a:solidFill>
+                  <a:srgbClr val="000000"/>
+                </a:solidFill>
+                <a:latin typeface="+mn-ea"/>
+                <a:ea typeface="+mn-ea"/>
+                <a:cs typeface="ＭＳ 明朝"/>
+              </a:rPr>
+              <a:t>メンバーが非常に</a:t>
+            </a:r>
+            <a:r>
+              <a:rPr kumimoji="0" lang="ja-JP" altLang="en-US" sz="4400" b="0" kern="0" dirty="0" smtClean="0">
+                <a:solidFill>
+                  <a:srgbClr val="BF0000"/>
+                </a:solidFill>
+                <a:latin typeface="+mn-ea"/>
+                <a:ea typeface="+mn-ea"/>
+                <a:cs typeface="ＭＳ 明朝"/>
+              </a:rPr>
+              <a:t>若い</a:t>
+            </a:r>
+            <a:endParaRPr kumimoji="0" lang="en-US" altLang="ja-JP" sz="4400" b="0" kern="0" dirty="0" smtClean="0">
               <a:solidFill>
-                <a:srgbClr val="000000"/>
+                <a:srgbClr val="BF0000"/>
               </a:solidFill>
               <a:latin typeface="+mn-ea"/>
               <a:ea typeface="+mn-ea"/>
@@ -4931,34 +4438,36 @@
             </a:endParaRPr>
           </a:p>
           <a:p>
-            <a:r>
-              <a:rPr lang="ja-JP" altLang="en-US" sz="9600" b="0" dirty="0" smtClean="0">
-                <a:solidFill>
-                  <a:srgbClr val="BF0000"/>
+            <a:pPr indent="622300" algn="l">
+              <a:spcBef>
+                <a:spcPts val="0"/>
+              </a:spcBef>
+            </a:pPr>
+            <a:r>
+              <a:rPr kumimoji="0" lang="en-US" altLang="ja-JP" sz="4400" b="0" kern="0" dirty="0" smtClean="0">
+                <a:solidFill>
+                  <a:srgbClr val="000000"/>
                 </a:solidFill>
                 <a:latin typeface="+mn-ea"/>
-                <a:ea typeface="+mn-ea"/>
                 <a:cs typeface="ＭＳ 明朝"/>
               </a:rPr>
-              <a:t>わくわく</a:t>
-            </a:r>
-            <a:r>
-              <a:rPr lang="ja-JP" altLang="en-US" sz="9600" b="0" dirty="0" smtClean="0">
+              <a:t>※</a:t>
+            </a:r>
+            <a:r>
+              <a:rPr kumimoji="0" lang="ja-JP" altLang="en-US" sz="4400" b="0" kern="0" dirty="0" smtClean="0">
                 <a:solidFill>
                   <a:srgbClr val="000000"/>
                 </a:solidFill>
                 <a:latin typeface="+mn-ea"/>
-                <a:ea typeface="+mn-ea"/>
                 <a:cs typeface="ＭＳ 明朝"/>
               </a:rPr>
-              <a:t>しました。</a:t>
-            </a:r>
-            <a:endParaRPr lang="en-US" altLang="ja-JP" sz="9600" b="0" dirty="0" smtClean="0">
+              <a:t>平均キャリアは３年前後</a:t>
+            </a:r>
+            <a:endParaRPr kumimoji="0" lang="ja-JP" altLang="en-US" sz="4400" b="0" kern="0" dirty="0">
               <a:solidFill>
                 <a:srgbClr val="000000"/>
               </a:solidFill>
               <a:latin typeface="+mn-ea"/>
-              <a:ea typeface="+mn-ea"/>
               <a:cs typeface="ＭＳ 明朝"/>
             </a:endParaRPr>
           </a:p>
@@ -4967,7 +4476,7 @@
     </p:spTree>
     <p:extLst>
       <p:ext uri="{BB962C8B-B14F-4D97-AF65-F5344CB8AC3E}">
-        <p14:creationId xmlns:p14="http://schemas.microsoft.com/office/powerpoint/2010/main" val="2585997850"/>
+        <p14:creationId xmlns:p14="http://schemas.microsoft.com/office/powerpoint/2010/main" val="2305762005"/>
       </p:ext>
     </p:extLst>
   </p:cSld>
@@ -5044,6 +4553,272 @@
           </a:lstStyle>
           <a:p>
             <a:r>
+              <a:rPr lang="ja-JP" altLang="en-US" sz="8800" b="0" dirty="0" smtClean="0">
+                <a:solidFill>
+                  <a:schemeClr val="tx1"/>
+                </a:solidFill>
+                <a:latin typeface="+mn-ea"/>
+                <a:ea typeface="+mn-ea"/>
+                <a:cs typeface="ＭＳ 明朝"/>
+              </a:rPr>
+              <a:t>皆さんなら</a:t>
+            </a:r>
+            <a:endParaRPr lang="en-US" altLang="ja-JP" sz="8800" b="0" dirty="0" smtClean="0">
+              <a:solidFill>
+                <a:schemeClr val="tx1"/>
+              </a:solidFill>
+              <a:latin typeface="+mn-ea"/>
+              <a:ea typeface="+mn-ea"/>
+              <a:cs typeface="ＭＳ 明朝"/>
+            </a:endParaRPr>
+          </a:p>
+          <a:p>
+            <a:r>
+              <a:rPr lang="ja-JP" altLang="en-US" sz="8800" b="0" dirty="0" smtClean="0">
+                <a:solidFill>
+                  <a:srgbClr val="BF0000"/>
+                </a:solidFill>
+                <a:latin typeface="+mn-ea"/>
+                <a:ea typeface="+mn-ea"/>
+                <a:cs typeface="ＭＳ 明朝"/>
+              </a:rPr>
+              <a:t>どう</a:t>
+            </a:r>
+            <a:r>
+              <a:rPr lang="ja-JP" altLang="en-US" sz="8800" b="0" dirty="0" smtClean="0">
+                <a:solidFill>
+                  <a:schemeClr val="tx1"/>
+                </a:solidFill>
+                <a:latin typeface="+mn-ea"/>
+                <a:ea typeface="+mn-ea"/>
+                <a:cs typeface="ＭＳ 明朝"/>
+              </a:rPr>
+              <a:t>思いますか？</a:t>
+            </a:r>
+            <a:endParaRPr lang="en-US" altLang="ja-JP" sz="8800" b="0" dirty="0" smtClean="0">
+              <a:solidFill>
+                <a:schemeClr val="tx1"/>
+              </a:solidFill>
+              <a:latin typeface="+mn-ea"/>
+              <a:ea typeface="+mn-ea"/>
+              <a:cs typeface="ＭＳ 明朝"/>
+            </a:endParaRPr>
+          </a:p>
+        </p:txBody>
+      </p:sp>
+    </p:spTree>
+    <p:extLst>
+      <p:ext uri="{BB962C8B-B14F-4D97-AF65-F5344CB8AC3E}">
+        <p14:creationId xmlns:p14="http://schemas.microsoft.com/office/powerpoint/2010/main" val="3663135761"/>
+      </p:ext>
+    </p:extLst>
+  </p:cSld>
+  <p:clrMapOvr>
+    <a:masterClrMapping/>
+  </p:clrMapOvr>
+  <p:timing>
+    <p:tnLst>
+      <p:par>
+        <p:cTn id="1" dur="indefinite" restart="never" nodeType="tmRoot"/>
+      </p:par>
+    </p:tnLst>
+  </p:timing>
+</p:sld>
+</file>
+
+<file path=ppt/slides/slide15.xml><?xml version="1.0" encoding="utf-8"?>
+<p:sld xmlns:a="http://schemas.openxmlformats.org/drawingml/2006/main" xmlns:r="http://schemas.openxmlformats.org/officeDocument/2006/relationships" xmlns:p="http://schemas.openxmlformats.org/presentationml/2006/main">
+  <p:cSld>
+    <p:spTree>
+      <p:nvGrpSpPr>
+        <p:cNvPr id="1" name=""/>
+        <p:cNvGrpSpPr/>
+        <p:nvPr/>
+      </p:nvGrpSpPr>
+      <p:grpSpPr>
+        <a:xfrm>
+          <a:off x="0" y="0"/>
+          <a:ext cx="0" cy="0"/>
+          <a:chOff x="0" y="0"/>
+          <a:chExt cx="0" cy="0"/>
+        </a:xfrm>
+      </p:grpSpPr>
+      <p:sp>
+        <p:nvSpPr>
+          <p:cNvPr id="7" name="タイトル 2"/>
+          <p:cNvSpPr txBox="1">
+            <a:spLocks/>
+          </p:cNvSpPr>
+          <p:nvPr/>
+        </p:nvSpPr>
+        <p:spPr>
+          <a:xfrm>
+            <a:off x="107504" y="1192412"/>
+            <a:ext cx="8928992" cy="4473176"/>
+          </a:xfrm>
+          <a:prstGeom prst="rect">
+            <a:avLst/>
+          </a:prstGeom>
+          <a:noFill/>
+          <a:ln>
+            <a:noFill/>
+          </a:ln>
+        </p:spPr>
+        <p:txBody>
+          <a:bodyPr anchor="ctr" anchorCtr="0">
+            <a:noAutofit/>
+          </a:bodyPr>
+          <a:lstStyle>
+            <a:lvl1pPr algn="ctr" defTabSz="914400" rtl="0" eaLnBrk="1" latinLnBrk="0" hangingPunct="1">
+              <a:spcBef>
+                <a:spcPct val="0"/>
+              </a:spcBef>
+              <a:buNone/>
+              <a:defRPr kumimoji="1" sz="2800" b="1" kern="1200" baseline="0">
+                <a:solidFill>
+                  <a:srgbClr val="C00000"/>
+                </a:solidFill>
+                <a:latin typeface="Arial" pitchFamily="34" charset="0"/>
+                <a:ea typeface="ＭＳ Ｐゴシック" pitchFamily="50" charset="-128"/>
+                <a:cs typeface="+mj-cs"/>
+              </a:defRPr>
+            </a:lvl1pPr>
+          </a:lstStyle>
+          <a:p>
+            <a:r>
+              <a:rPr lang="ja-JP" altLang="en-US" sz="9600" b="0" dirty="0" smtClean="0">
+                <a:solidFill>
+                  <a:srgbClr val="000000"/>
+                </a:solidFill>
+                <a:latin typeface="+mn-ea"/>
+                <a:ea typeface="+mn-ea"/>
+                <a:cs typeface="ＭＳ 明朝"/>
+              </a:rPr>
+              <a:t>私は</a:t>
+            </a:r>
+            <a:endParaRPr lang="en-US" altLang="ja-JP" sz="9600" b="0" dirty="0" smtClean="0">
+              <a:solidFill>
+                <a:srgbClr val="000000"/>
+              </a:solidFill>
+              <a:latin typeface="+mn-ea"/>
+              <a:ea typeface="+mn-ea"/>
+              <a:cs typeface="ＭＳ 明朝"/>
+            </a:endParaRPr>
+          </a:p>
+          <a:p>
+            <a:r>
+              <a:rPr lang="ja-JP" altLang="en-US" sz="9600" b="0" dirty="0" smtClean="0">
+                <a:solidFill>
+                  <a:srgbClr val="BF0000"/>
+                </a:solidFill>
+                <a:latin typeface="+mn-ea"/>
+                <a:ea typeface="+mn-ea"/>
+                <a:cs typeface="ＭＳ 明朝"/>
+              </a:rPr>
+              <a:t>わくわく</a:t>
+            </a:r>
+            <a:r>
+              <a:rPr lang="ja-JP" altLang="en-US" sz="9600" b="0" dirty="0" smtClean="0">
+                <a:solidFill>
+                  <a:srgbClr val="000000"/>
+                </a:solidFill>
+                <a:latin typeface="+mn-ea"/>
+                <a:ea typeface="+mn-ea"/>
+                <a:cs typeface="ＭＳ 明朝"/>
+              </a:rPr>
+              <a:t>しました。</a:t>
+            </a:r>
+            <a:endParaRPr lang="en-US" altLang="ja-JP" sz="9600" b="0" dirty="0" smtClean="0">
+              <a:solidFill>
+                <a:srgbClr val="000000"/>
+              </a:solidFill>
+              <a:latin typeface="+mn-ea"/>
+              <a:ea typeface="+mn-ea"/>
+              <a:cs typeface="ＭＳ 明朝"/>
+            </a:endParaRPr>
+          </a:p>
+        </p:txBody>
+      </p:sp>
+    </p:spTree>
+    <p:extLst>
+      <p:ext uri="{BB962C8B-B14F-4D97-AF65-F5344CB8AC3E}">
+        <p14:creationId xmlns:p14="http://schemas.microsoft.com/office/powerpoint/2010/main" val="2585997850"/>
+      </p:ext>
+    </p:extLst>
+  </p:cSld>
+  <p:clrMapOvr>
+    <a:masterClrMapping/>
+  </p:clrMapOvr>
+  <p:timing>
+    <p:tnLst>
+      <p:par>
+        <p:cTn id="1" dur="indefinite" restart="never" nodeType="tmRoot"/>
+      </p:par>
+    </p:tnLst>
+  </p:timing>
+</p:sld>
+</file>
+
+<file path=ppt/slides/slide16.xml><?xml version="1.0" encoding="utf-8"?>
+<p:sld xmlns:a="http://schemas.openxmlformats.org/drawingml/2006/main" xmlns:r="http://schemas.openxmlformats.org/officeDocument/2006/relationships" xmlns:p="http://schemas.openxmlformats.org/presentationml/2006/main">
+  <p:cSld>
+    <p:spTree>
+      <p:nvGrpSpPr>
+        <p:cNvPr id="1" name=""/>
+        <p:cNvGrpSpPr/>
+        <p:nvPr/>
+      </p:nvGrpSpPr>
+      <p:grpSpPr>
+        <a:xfrm>
+          <a:off x="0" y="0"/>
+          <a:ext cx="0" cy="0"/>
+          <a:chOff x="0" y="0"/>
+          <a:chExt cx="0" cy="0"/>
+        </a:xfrm>
+      </p:grpSpPr>
+      <p:sp>
+        <p:nvSpPr>
+          <p:cNvPr id="7" name="タイトル 2"/>
+          <p:cNvSpPr txBox="1">
+            <a:spLocks/>
+          </p:cNvSpPr>
+          <p:nvPr/>
+        </p:nvSpPr>
+        <p:spPr>
+          <a:xfrm>
+            <a:off x="107504" y="1192412"/>
+            <a:ext cx="8928992" cy="4473176"/>
+          </a:xfrm>
+          <a:prstGeom prst="rect">
+            <a:avLst/>
+          </a:prstGeom>
+          <a:noFill/>
+          <a:ln>
+            <a:noFill/>
+          </a:ln>
+        </p:spPr>
+        <p:txBody>
+          <a:bodyPr anchor="ctr" anchorCtr="0">
+            <a:noAutofit/>
+          </a:bodyPr>
+          <a:lstStyle>
+            <a:lvl1pPr algn="ctr" defTabSz="914400" rtl="0" eaLnBrk="1" latinLnBrk="0" hangingPunct="1">
+              <a:spcBef>
+                <a:spcPct val="0"/>
+              </a:spcBef>
+              <a:buNone/>
+              <a:defRPr kumimoji="1" sz="2800" b="1" kern="1200" baseline="0">
+                <a:solidFill>
+                  <a:srgbClr val="C00000"/>
+                </a:solidFill>
+                <a:latin typeface="Arial" pitchFamily="34" charset="0"/>
+                <a:ea typeface="ＭＳ Ｐゴシック" pitchFamily="50" charset="-128"/>
+                <a:cs typeface="+mj-cs"/>
+              </a:defRPr>
+            </a:lvl1pPr>
+          </a:lstStyle>
+          <a:p>
+            <a:r>
               <a:rPr lang="ja-JP" altLang="en-US" sz="9600" b="0" dirty="0" smtClean="0">
                 <a:solidFill>
                   <a:srgbClr val="000000"/>
@@ -5130,7 +4905,7 @@
 </p:sld>
 </file>
 
-<file path=ppt/slides/slide15.xml><?xml version="1.0" encoding="utf-8"?>
+<file path=ppt/slides/slide17.xml><?xml version="1.0" encoding="utf-8"?>
 <p:sld xmlns:a="http://schemas.openxmlformats.org/drawingml/2006/main" xmlns:r="http://schemas.openxmlformats.org/officeDocument/2006/relationships" xmlns:p="http://schemas.openxmlformats.org/presentationml/2006/main">
   <p:cSld>
     <p:spTree>
@@ -6157,7 +5932,7 @@
 </p:sld>
 </file>
 
-<file path=ppt/slides/slide16.xml><?xml version="1.0" encoding="utf-8"?>
+<file path=ppt/slides/slide18.xml><?xml version="1.0" encoding="utf-8"?>
 <p:sld xmlns:a="http://schemas.openxmlformats.org/drawingml/2006/main" xmlns:r="http://schemas.openxmlformats.org/officeDocument/2006/relationships" xmlns:p="http://schemas.openxmlformats.org/presentationml/2006/main">
   <p:cSld>
     <p:spTree>
@@ -7675,7 +7450,7 @@
 </p:sld>
 </file>
 
-<file path=ppt/slides/slide17.xml><?xml version="1.0" encoding="utf-8"?>
+<file path=ppt/slides/slide19.xml><?xml version="1.0" encoding="utf-8"?>
 <p:sld xmlns:a="http://schemas.openxmlformats.org/drawingml/2006/main" xmlns:r="http://schemas.openxmlformats.org/officeDocument/2006/relationships" xmlns:p="http://schemas.openxmlformats.org/presentationml/2006/main">
   <p:cSld>
     <p:spTree>
@@ -10385,7 +10160,384 @@
 </p:sld>
 </file>
 
-<file path=ppt/slides/slide18.xml><?xml version="1.0" encoding="utf-8"?>
+<file path=ppt/slides/slide2.xml><?xml version="1.0" encoding="utf-8"?>
+<p:sld xmlns:a="http://schemas.openxmlformats.org/drawingml/2006/main" xmlns:r="http://schemas.openxmlformats.org/officeDocument/2006/relationships" xmlns:p="http://schemas.openxmlformats.org/presentationml/2006/main">
+  <p:cSld>
+    <p:spTree>
+      <p:nvGrpSpPr>
+        <p:cNvPr id="1" name=""/>
+        <p:cNvGrpSpPr/>
+        <p:nvPr/>
+      </p:nvGrpSpPr>
+      <p:grpSpPr>
+        <a:xfrm>
+          <a:off x="0" y="0"/>
+          <a:ext cx="0" cy="0"/>
+          <a:chOff x="0" y="0"/>
+          <a:chExt cx="0" cy="0"/>
+        </a:xfrm>
+      </p:grpSpPr>
+      <p:sp>
+        <p:nvSpPr>
+          <p:cNvPr id="5" name="タイトル 2"/>
+          <p:cNvSpPr txBox="1">
+            <a:spLocks/>
+          </p:cNvSpPr>
+          <p:nvPr/>
+        </p:nvSpPr>
+        <p:spPr>
+          <a:xfrm>
+            <a:off x="4139952" y="1054800"/>
+            <a:ext cx="4858944" cy="5038496"/>
+          </a:xfrm>
+          <a:prstGeom prst="rect">
+            <a:avLst/>
+          </a:prstGeom>
+          <a:noFill/>
+          <a:ln>
+            <a:noFill/>
+          </a:ln>
+        </p:spPr>
+        <p:txBody>
+          <a:bodyPr anchor="ctr" anchorCtr="0">
+            <a:noAutofit/>
+          </a:bodyPr>
+          <a:lstStyle>
+            <a:lvl1pPr algn="ctr" defTabSz="914400" rtl="0" eaLnBrk="1" latinLnBrk="0" hangingPunct="1">
+              <a:spcBef>
+                <a:spcPct val="0"/>
+              </a:spcBef>
+              <a:buNone/>
+              <a:defRPr kumimoji="1" sz="2800" b="1" kern="1200" baseline="0">
+                <a:solidFill>
+                  <a:srgbClr val="C00000"/>
+                </a:solidFill>
+                <a:latin typeface="Arial" pitchFamily="34" charset="0"/>
+                <a:ea typeface="ＭＳ Ｐゴシック" pitchFamily="50" charset="-128"/>
+                <a:cs typeface="+mj-cs"/>
+              </a:defRPr>
+            </a:lvl1pPr>
+          </a:lstStyle>
+          <a:p>
+            <a:pPr algn="l" defTabSz="381000">
+              <a:spcBef>
+                <a:spcPct val="20000"/>
+              </a:spcBef>
+              <a:buClr>
+                <a:srgbClr val="FFFFFF"/>
+              </a:buClr>
+              <a:defRPr/>
+            </a:pPr>
+            <a:r>
+              <a:rPr lang="en-US" altLang="ja-JP" sz="3600" b="0" kern="0" dirty="0" smtClean="0">
+                <a:solidFill>
+                  <a:srgbClr val="000000"/>
+                </a:solidFill>
+                <a:latin typeface="+mn-lt"/>
+                <a:ea typeface="+mn-ea"/>
+              </a:rPr>
+              <a:t>Hiroyuki Ito</a:t>
+            </a:r>
+          </a:p>
+          <a:p>
+            <a:pPr algn="l" defTabSz="381000">
+              <a:spcBef>
+                <a:spcPct val="20000"/>
+              </a:spcBef>
+              <a:buClr>
+                <a:srgbClr val="FFFFFF"/>
+              </a:buClr>
+              <a:defRPr/>
+            </a:pPr>
+            <a:r>
+              <a:rPr lang="en-US" altLang="ja-JP" sz="3600" b="0" kern="0" dirty="0" smtClean="0">
+                <a:solidFill>
+                  <a:srgbClr val="000000"/>
+                </a:solidFill>
+                <a:latin typeface="+mn-lt"/>
+                <a:ea typeface="+mn-ea"/>
+              </a:rPr>
+              <a:t>(The Hiro)</a:t>
+            </a:r>
+          </a:p>
+          <a:p>
+            <a:pPr lvl="0" algn="l" defTabSz="381000">
+              <a:spcBef>
+                <a:spcPct val="20000"/>
+              </a:spcBef>
+              <a:buClr>
+                <a:srgbClr val="FFFFFF"/>
+              </a:buClr>
+              <a:defRPr/>
+            </a:pPr>
+            <a:r>
+              <a:rPr lang="en-US" altLang="ja-JP" sz="3600" b="0" kern="0" dirty="0" smtClean="0">
+                <a:solidFill>
+                  <a:schemeClr val="accent1"/>
+                </a:solidFill>
+                <a:latin typeface="+mn-lt"/>
+                <a:ea typeface="+mn-ea"/>
+              </a:rPr>
+              <a:t>Test-Driven Development Group!</a:t>
+            </a:r>
+            <a:endParaRPr lang="en-US" altLang="ja-JP" sz="3600" b="0" kern="0" dirty="0" smtClean="0">
+              <a:solidFill>
+                <a:srgbClr val="000000"/>
+              </a:solidFill>
+              <a:latin typeface="+mn-lt"/>
+              <a:ea typeface="+mn-ea"/>
+            </a:endParaRPr>
+          </a:p>
+          <a:p>
+            <a:pPr lvl="0" algn="l" defTabSz="381000">
+              <a:spcBef>
+                <a:spcPct val="20000"/>
+              </a:spcBef>
+              <a:buClr>
+                <a:srgbClr val="FFFFFF"/>
+              </a:buClr>
+              <a:defRPr/>
+            </a:pPr>
+            <a:r>
+              <a:rPr lang="en-US" altLang="ja-JP" sz="3600" b="0" kern="0" dirty="0" smtClean="0">
+                <a:solidFill>
+                  <a:schemeClr val="accent6"/>
+                </a:solidFill>
+                <a:latin typeface="+mn-lt"/>
+                <a:ea typeface="+mn-ea"/>
+              </a:rPr>
+              <a:t>@hageyahhoo</a:t>
+            </a:r>
+          </a:p>
+          <a:p>
+            <a:pPr lvl="0" algn="l" defTabSz="381000">
+              <a:spcBef>
+                <a:spcPct val="20000"/>
+              </a:spcBef>
+              <a:buClr>
+                <a:srgbClr val="FFFFFF"/>
+              </a:buClr>
+              <a:defRPr/>
+            </a:pPr>
+            <a:endParaRPr lang="en-US" altLang="ja-JP" sz="3600" b="0" kern="0" dirty="0" smtClean="0">
+              <a:solidFill>
+                <a:srgbClr val="000000"/>
+              </a:solidFill>
+              <a:latin typeface="+mn-lt"/>
+              <a:ea typeface="+mn-ea"/>
+            </a:endParaRPr>
+          </a:p>
+          <a:p>
+            <a:pPr lvl="0" algn="l" defTabSz="381000">
+              <a:spcBef>
+                <a:spcPct val="20000"/>
+              </a:spcBef>
+              <a:buClr>
+                <a:srgbClr val="FFFFFF"/>
+              </a:buClr>
+              <a:defRPr/>
+            </a:pPr>
+            <a:endParaRPr lang="en-US" altLang="ja-JP" sz="3600" b="0" kern="0" dirty="0">
+              <a:solidFill>
+                <a:srgbClr val="000000"/>
+              </a:solidFill>
+              <a:latin typeface="+mn-lt"/>
+              <a:ea typeface="+mn-ea"/>
+            </a:endParaRPr>
+          </a:p>
+          <a:p>
+            <a:pPr lvl="0" algn="l" defTabSz="381000">
+              <a:spcBef>
+                <a:spcPct val="20000"/>
+              </a:spcBef>
+              <a:buClr>
+                <a:srgbClr val="FFFFFF"/>
+              </a:buClr>
+              <a:defRPr/>
+            </a:pPr>
+            <a:endParaRPr lang="en-US" altLang="ja-JP" sz="3600" b="0" kern="0" dirty="0" smtClean="0">
+              <a:solidFill>
+                <a:srgbClr val="000000"/>
+              </a:solidFill>
+              <a:latin typeface="+mn-lt"/>
+              <a:ea typeface="+mn-ea"/>
+            </a:endParaRPr>
+          </a:p>
+          <a:p>
+            <a:pPr lvl="0" algn="l" defTabSz="381000">
+              <a:spcBef>
+                <a:spcPct val="20000"/>
+              </a:spcBef>
+              <a:buClr>
+                <a:srgbClr val="FFFFFF"/>
+              </a:buClr>
+              <a:defRPr/>
+            </a:pPr>
+            <a:endParaRPr lang="en-US" altLang="ja-JP" sz="3600" b="0" kern="0" dirty="0" smtClean="0">
+              <a:solidFill>
+                <a:srgbClr val="000000"/>
+              </a:solidFill>
+              <a:latin typeface="+mn-lt"/>
+              <a:ea typeface="+mn-ea"/>
+            </a:endParaRPr>
+          </a:p>
+        </p:txBody>
+      </p:sp>
+      <p:sp>
+        <p:nvSpPr>
+          <p:cNvPr id="4" name="タイトル 1"/>
+          <p:cNvSpPr>
+            <a:spLocks noGrp="1"/>
+          </p:cNvSpPr>
+          <p:nvPr>
+            <p:ph type="title"/>
+          </p:nvPr>
+        </p:nvSpPr>
+        <p:spPr>
+          <a:xfrm>
+            <a:off x="360000" y="252000"/>
+            <a:ext cx="8424000" cy="360000"/>
+          </a:xfrm>
+          <a:noFill/>
+          <a:ln>
+            <a:solidFill>
+              <a:srgbClr val="FFFFFF"/>
+            </a:solidFill>
+          </a:ln>
+        </p:spPr>
+        <p:txBody>
+          <a:bodyPr>
+            <a:normAutofit fontScale="90000"/>
+          </a:bodyPr>
+          <a:lstStyle/>
+          <a:p>
+            <a:r>
+              <a:rPr lang="en-US" altLang="ja-JP" kern="0" dirty="0" smtClean="0">
+                <a:solidFill>
+                  <a:schemeClr val="accent1"/>
+                </a:solidFill>
+                <a:latin typeface="+mj-ea"/>
+                <a:ea typeface="+mj-ea"/>
+              </a:rPr>
+              <a:t>About me</a:t>
+            </a:r>
+            <a:endParaRPr kumimoji="1" lang="ja-JP" altLang="en-US" dirty="0">
+              <a:latin typeface="+mj-ea"/>
+              <a:ea typeface="+mj-ea"/>
+            </a:endParaRPr>
+          </a:p>
+        </p:txBody>
+      </p:sp>
+      <p:pic>
+        <p:nvPicPr>
+          <p:cNvPr id="2" name="図 1"/>
+          <p:cNvPicPr>
+            <a:picLocks noChangeAspect="1"/>
+          </p:cNvPicPr>
+          <p:nvPr/>
+        </p:nvPicPr>
+        <p:blipFill>
+          <a:blip r:embed="rId3"/>
+          <a:stretch>
+            <a:fillRect/>
+          </a:stretch>
+        </p:blipFill>
+        <p:spPr>
+          <a:xfrm>
+            <a:off x="4224660" y="3645098"/>
+            <a:ext cx="3404220" cy="1144041"/>
+          </a:xfrm>
+          <a:prstGeom prst="rect">
+            <a:avLst/>
+          </a:prstGeom>
+        </p:spPr>
+      </p:pic>
+      <p:pic>
+        <p:nvPicPr>
+          <p:cNvPr id="6" name="図 5"/>
+          <p:cNvPicPr>
+            <a:picLocks noChangeAspect="1"/>
+          </p:cNvPicPr>
+          <p:nvPr/>
+        </p:nvPicPr>
+        <p:blipFill>
+          <a:blip r:embed="rId4"/>
+          <a:stretch>
+            <a:fillRect/>
+          </a:stretch>
+        </p:blipFill>
+        <p:spPr>
+          <a:xfrm>
+            <a:off x="4211960" y="5011962"/>
+            <a:ext cx="3413521" cy="1153342"/>
+          </a:xfrm>
+          <a:prstGeom prst="rect">
+            <a:avLst/>
+          </a:prstGeom>
+        </p:spPr>
+      </p:pic>
+      <p:pic>
+        <p:nvPicPr>
+          <p:cNvPr id="1026" name="Picture 2" descr="C:\Users\hiroyuki.a.ito\Pictures\Thehiro_v2.jpg"/>
+          <p:cNvPicPr>
+            <a:picLocks noChangeAspect="1" noChangeArrowheads="1"/>
+          </p:cNvPicPr>
+          <p:nvPr/>
+        </p:nvPicPr>
+        <p:blipFill>
+          <a:blip r:embed="rId5">
+            <a:extLst>
+              <a:ext uri="{28A0092B-C50C-407E-A947-70E740481C1C}">
+                <a14:useLocalDpi xmlns:a14="http://schemas.microsoft.com/office/drawing/2010/main" val="0"/>
+              </a:ext>
+            </a:extLst>
+          </a:blip>
+          <a:srcRect/>
+          <a:stretch>
+            <a:fillRect/>
+          </a:stretch>
+        </p:blipFill>
+        <p:spPr bwMode="auto">
+          <a:xfrm>
+            <a:off x="231078" y="1016732"/>
+            <a:ext cx="3429000" cy="3429000"/>
+          </a:xfrm>
+          <a:prstGeom prst="rect">
+            <a:avLst/>
+          </a:prstGeom>
+          <a:noFill/>
+          <a:extLst>
+            <a:ext uri="{909E8E84-426E-40DD-AFC4-6F175D3DCCD1}">
+              <a14:hiddenFill xmlns:a14="http://schemas.microsoft.com/office/drawing/2010/main">
+                <a:solidFill>
+                  <a:srgbClr val="FFFFFF"/>
+                </a:solidFill>
+              </a14:hiddenFill>
+            </a:ext>
+          </a:extLst>
+        </p:spPr>
+      </p:pic>
+    </p:spTree>
+    <p:extLst>
+      <p:ext uri="{BB962C8B-B14F-4D97-AF65-F5344CB8AC3E}">
+        <p14:creationId xmlns:p14="http://schemas.microsoft.com/office/powerpoint/2010/main" val="522943376"/>
+      </p:ext>
+    </p:extLst>
+  </p:cSld>
+  <p:clrMapOvr>
+    <a:masterClrMapping/>
+  </p:clrMapOvr>
+  <p:timing>
+    <p:tnLst>
+      <p:par>
+        <p:cTn id="1" dur="indefinite" restart="never" nodeType="tmRoot"/>
+      </p:par>
+    </p:tnLst>
+  </p:timing>
+</p:sld>
+</file>
+
+<file path=ppt/slides/slide20.xml><?xml version="1.0" encoding="utf-8"?>
 <p:sld xmlns:a="http://schemas.openxmlformats.org/drawingml/2006/main" xmlns:r="http://schemas.openxmlformats.org/officeDocument/2006/relationships" xmlns:p="http://schemas.openxmlformats.org/presentationml/2006/main">
   <p:cSld>
     <p:spTree>
@@ -11681,7 +11833,7 @@
 </p:sld>
 </file>
 
-<file path=ppt/slides/slide19.xml><?xml version="1.0" encoding="utf-8"?>
+<file path=ppt/slides/slide21.xml><?xml version="1.0" encoding="utf-8"?>
 <p:sld xmlns:a="http://schemas.openxmlformats.org/drawingml/2006/main" xmlns:r="http://schemas.openxmlformats.org/officeDocument/2006/relationships" xmlns:p="http://schemas.openxmlformats.org/presentationml/2006/main">
   <p:cSld>
     <p:spTree>
@@ -11726,14 +11878,30 @@
           <a:p>
             <a:r>
               <a:rPr kumimoji="1" lang="en-US" altLang="ja-JP" dirty="0" smtClean="0">
-                <a:latin typeface="+mj-ea"/>
+                <a:latin typeface="+mn-lt"/>
                 <a:ea typeface="+mj-ea"/>
                 <a:cs typeface="ＭＳ 明朝"/>
               </a:rPr>
-              <a:t>Our CI/CD Strategy</a:t>
+              <a:t>The </a:t>
+            </a:r>
+            <a:r>
+              <a:rPr lang="en-US" altLang="ja-JP" dirty="0" smtClean="0">
+                <a:latin typeface="+mn-lt"/>
+                <a:ea typeface="+mj-ea"/>
+                <a:cs typeface="ＭＳ 明朝"/>
+              </a:rPr>
+              <a:t>Implementation of </a:t>
+            </a:r>
+            <a:r>
+              <a:rPr kumimoji="1" lang="en-US" altLang="ja-JP" dirty="0" smtClean="0">
+                <a:latin typeface="+mn-lt"/>
+                <a:ea typeface="+mj-ea"/>
+                <a:cs typeface="ＭＳ 明朝"/>
+              </a:rPr>
+              <a:t>CI/CD</a:t>
             </a:r>
             <a:endParaRPr kumimoji="1" lang="ja-JP" altLang="en-US" dirty="0">
-              <a:latin typeface="+mj-ea"/>
+              <a:latin typeface="+mn-lt"/>
               <a:ea typeface="+mj-ea"/>
               <a:cs typeface="ＭＳ 明朝"/>
             </a:endParaRPr>
@@ -12410,8 +12578,8 @@
         </p:nvSpPr>
         <p:spPr>
           <a:xfrm>
-            <a:off x="3851920" y="5517232"/>
-            <a:ext cx="4896544" cy="950851"/>
+            <a:off x="3851920" y="5697352"/>
+            <a:ext cx="4896544" cy="900000"/>
           </a:xfrm>
           <a:prstGeom prst="rect">
             <a:avLst/>
@@ -12460,7 +12628,7 @@
                   <a:schemeClr val="tx1"/>
                 </a:solidFill>
               </a:rPr>
-              <a:t>to BU members &amp; MGRs everyday</a:t>
+              <a:t>to </a:t>
             </a:r>
             <a:r>
               <a:rPr lang="en-US" altLang="ja-JP" sz="2000" b="0" dirty="0" smtClean="0">
@@ -12468,7 +12636,18 @@
                   <a:schemeClr val="tx1"/>
                 </a:solidFill>
               </a:rPr>
-              <a:t>!</a:t>
+              <a:t>the business analyst and managers</a:t>
+            </a:r>
+          </a:p>
+          <a:p>
+            <a:pPr algn="l"/>
+            <a:r>
+              <a:rPr lang="en-US" altLang="ja-JP" sz="2000" b="0" dirty="0" smtClean="0">
+                <a:solidFill>
+                  <a:schemeClr val="tx1"/>
+                </a:solidFill>
+              </a:rPr>
+              <a:t>in every daily scrum</a:t>
             </a:r>
             <a:endParaRPr lang="en-US" altLang="ja-JP" sz="2000" b="0" dirty="0" smtClean="0">
               <a:solidFill>
@@ -12534,8 +12713,8 @@
         </p:nvSpPr>
         <p:spPr>
           <a:xfrm>
-            <a:off x="2411760" y="2132856"/>
-            <a:ext cx="3323635" cy="878843"/>
+            <a:off x="2411760" y="2132855"/>
+            <a:ext cx="3323635" cy="900000"/>
           </a:xfrm>
           <a:prstGeom prst="rect">
             <a:avLst/>
@@ -12606,31 +12785,28 @@
           </a:p>
         </p:txBody>
       </p:sp>
-      <p:sp>
-        <p:nvSpPr>
-          <p:cNvPr id="24" name="四角形吹き出し 23"/>
-          <p:cNvSpPr/>
+      <p:cxnSp>
+        <p:nvCxnSpPr>
+          <p:cNvPr id="21" name="曲線コネクタ 20"/>
+          <p:cNvCxnSpPr/>
           <p:nvPr/>
-        </p:nvSpPr>
+        </p:nvCxnSpPr>
         <p:spPr>
-          <a:xfrm>
-            <a:off x="6372200" y="273034"/>
-            <a:ext cx="2711716" cy="823752"/>
+          <a:xfrm rot="10800000" flipH="1" flipV="1">
+            <a:off x="6059580" y="2722261"/>
+            <a:ext cx="1452454" cy="1124845"/>
           </a:xfrm>
-          <a:prstGeom prst="wedgeRectCallout">
+          <a:prstGeom prst="curvedConnector4">
             <a:avLst>
-              <a:gd name="adj1" fmla="val -44777"/>
-              <a:gd name="adj2" fmla="val -36801"/>
+              <a:gd name="adj1" fmla="val -36321"/>
+              <a:gd name="adj2" fmla="val 162532"/>
             </a:avLst>
           </a:prstGeom>
-          <a:solidFill>
-            <a:srgbClr val="FFFF00"/>
-          </a:solidFill>
           <a:ln w="38100">
             <a:solidFill>
-              <a:schemeClr val="accent1"/>
+              <a:schemeClr val="tx1"/>
             </a:solidFill>
-            <a:tailEnd type="none"/>
+            <a:tailEnd type="arrow"/>
           </a:ln>
           <a:effectLst>
             <a:outerShdw blurRad="88900" dist="38100" dir="8100000" algn="ctr" rotWithShape="0">
@@ -12654,30 +12830,80 @@
             <a:schemeClr val="tx1"/>
           </a:fontRef>
         </p:style>
+      </p:cxnSp>
+      <p:sp>
+        <p:nvSpPr>
+          <p:cNvPr id="24" name="タイトル 2"/>
+          <p:cNvSpPr txBox="1">
+            <a:spLocks/>
+          </p:cNvSpPr>
+          <p:nvPr/>
+        </p:nvSpPr>
+        <p:spPr>
+          <a:xfrm>
+            <a:off x="4387476" y="4585729"/>
+            <a:ext cx="3825432" cy="900000"/>
+          </a:xfrm>
+          <a:prstGeom prst="rect">
+            <a:avLst/>
+          </a:prstGeom>
+          <a:noFill/>
+          <a:ln>
+            <a:noFill/>
+          </a:ln>
+        </p:spPr>
         <p:txBody>
-          <a:bodyPr rtlCol="0" anchor="ctr"/>
-          <a:lstStyle/>
+          <a:bodyPr anchor="ctr" anchorCtr="0">
+            <a:noAutofit/>
+          </a:bodyPr>
+          <a:lstStyle>
+            <a:lvl1pPr algn="ctr" defTabSz="914400" rtl="0" eaLnBrk="1" latinLnBrk="0" hangingPunct="1">
+              <a:spcBef>
+                <a:spcPct val="0"/>
+              </a:spcBef>
+              <a:buNone/>
+              <a:defRPr kumimoji="1" sz="2800" b="1" kern="1200" baseline="0">
+                <a:solidFill>
+                  <a:srgbClr val="C00000"/>
+                </a:solidFill>
+                <a:latin typeface="Arial" pitchFamily="34" charset="0"/>
+                <a:ea typeface="ＭＳ Ｐゴシック" pitchFamily="50" charset="-128"/>
+                <a:cs typeface="+mj-cs"/>
+              </a:defRPr>
+            </a:lvl1pPr>
+          </a:lstStyle>
           <a:p>
-            <a:pPr algn="ctr"/>
-            <a:r>
-              <a:rPr kumimoji="1" lang="en-US" altLang="ja-JP" sz="2400" b="1" dirty="0" smtClean="0"/>
-              <a:t>We achieved it</a:t>
+            <a:r>
+              <a:rPr lang="en-US" altLang="ja-JP" sz="2000" b="0" dirty="0" smtClean="0">
+                <a:solidFill>
+                  <a:schemeClr val="tx1"/>
+                </a:solidFill>
+                <a:latin typeface="+mn-lt"/>
+                <a:ea typeface="+mn-ea"/>
+                <a:cs typeface="ＭＳ 明朝"/>
+              </a:rPr>
+              <a:t>Build applications</a:t>
             </a:r>
           </a:p>
           <a:p>
-            <a:pPr algn="ctr"/>
-            <a:r>
-              <a:rPr lang="en-US" altLang="ja-JP" sz="2400" b="1" dirty="0" smtClean="0"/>
-              <a:t>within 2 weeks</a:t>
-            </a:r>
-            <a:endParaRPr kumimoji="1" lang="ja-JP" altLang="en-US" sz="2400" b="1" dirty="0"/>
+            <a:r>
+              <a:rPr lang="en-US" altLang="ja-JP" sz="2000" b="0" dirty="0" smtClean="0">
+                <a:solidFill>
+                  <a:schemeClr val="tx1"/>
+                </a:solidFill>
+                <a:latin typeface="+mn-lt"/>
+                <a:ea typeface="+mn-ea"/>
+                <a:cs typeface="ＭＳ 明朝"/>
+              </a:rPr>
+              <a:t>and run regression tests automatically</a:t>
+            </a:r>
           </a:p>
         </p:txBody>
       </p:sp>
     </p:spTree>
     <p:extLst>
       <p:ext uri="{BB962C8B-B14F-4D97-AF65-F5344CB8AC3E}">
-        <p14:creationId xmlns:p14="http://schemas.microsoft.com/office/powerpoint/2010/main" val="4132156165"/>
+        <p14:creationId xmlns:p14="http://schemas.microsoft.com/office/powerpoint/2010/main" val="2091486335"/>
       </p:ext>
     </p:extLst>
   </p:cSld>
@@ -12916,7 +13142,7 @@
                             </p:stCondLst>
                             <p:childTnLst>
                               <p:par>
-                                <p:cTn id="24" presetID="5" presetClass="entr" presetSubtype="10" fill="hold" grpId="0" nodeType="clickEffect">
+                                <p:cTn id="24" presetID="5" presetClass="entr" presetSubtype="10" fill="hold" nodeType="clickEffect">
                                   <p:stCondLst>
                                     <p:cond delay="0"/>
                                   </p:stCondLst>
@@ -12929,7 +13155,7 @@
                                           </p:stCondLst>
                                         </p:cTn>
                                         <p:tgtEl>
-                                          <p:spTgt spid="25"/>
+                                          <p:spTgt spid="21"/>
                                         </p:tgtEl>
                                         <p:attrNameLst>
                                           <p:attrName>style.visibility</p:attrName>
@@ -12943,7 +13169,7 @@
                                       <p:cBhvr>
                                         <p:cTn id="26" dur="500"/>
                                         <p:tgtEl>
-                                          <p:spTgt spid="25"/>
+                                          <p:spTgt spid="21"/>
                                         </p:tgtEl>
                                       </p:cBhvr>
                                     </p:animEffect>
@@ -12951,7 +13177,7 @@
                                 </p:cTn>
                               </p:par>
                               <p:par>
-                                <p:cTn id="27" presetID="5" presetClass="entr" presetSubtype="10" fill="hold" nodeType="withEffect">
+                                <p:cTn id="27" presetID="5" presetClass="entr" presetSubtype="10" fill="hold" grpId="0" nodeType="withEffect">
                                   <p:stCondLst>
                                     <p:cond delay="0"/>
                                   </p:stCondLst>
@@ -12959,392 +13185,6 @@
                                     <p:set>
                                       <p:cBhvr>
                                         <p:cTn id="28" dur="1" fill="hold">
-                                          <p:stCondLst>
-                                            <p:cond delay="0"/>
-                                          </p:stCondLst>
-                                        </p:cTn>
-                                        <p:tgtEl>
-                                          <p:spTgt spid="6"/>
-                                        </p:tgtEl>
-                                        <p:attrNameLst>
-                                          <p:attrName>style.visibility</p:attrName>
-                                        </p:attrNameLst>
-                                      </p:cBhvr>
-                                      <p:to>
-                                        <p:strVal val="visible"/>
-                                      </p:to>
-                                    </p:set>
-                                    <p:animEffect transition="in" filter="checkerboard(across)">
-                                      <p:cBhvr>
-                                        <p:cTn id="29" dur="500"/>
-                                        <p:tgtEl>
-                                          <p:spTgt spid="6"/>
-                                        </p:tgtEl>
-                                      </p:cBhvr>
-                                    </p:animEffect>
-                                  </p:childTnLst>
-                                </p:cTn>
-                              </p:par>
-                              <p:par>
-                                <p:cTn id="30" presetID="5" presetClass="entr" presetSubtype="10" fill="hold" nodeType="withEffect">
-                                  <p:stCondLst>
-                                    <p:cond delay="0"/>
-                                  </p:stCondLst>
-                                  <p:childTnLst>
-                                    <p:set>
-                                      <p:cBhvr>
-                                        <p:cTn id="31" dur="1" fill="hold">
-                                          <p:stCondLst>
-                                            <p:cond delay="0"/>
-                                          </p:stCondLst>
-                                        </p:cTn>
-                                        <p:tgtEl>
-                                          <p:spTgt spid="1028"/>
-                                        </p:tgtEl>
-                                        <p:attrNameLst>
-                                          <p:attrName>style.visibility</p:attrName>
-                                        </p:attrNameLst>
-                                      </p:cBhvr>
-                                      <p:to>
-                                        <p:strVal val="visible"/>
-                                      </p:to>
-                                    </p:set>
-                                    <p:animEffect transition="in" filter="checkerboard(across)">
-                                      <p:cBhvr>
-                                        <p:cTn id="32" dur="500"/>
-                                        <p:tgtEl>
-                                          <p:spTgt spid="1028"/>
-                                        </p:tgtEl>
-                                      </p:cBhvr>
-                                    </p:animEffect>
-                                  </p:childTnLst>
-                                </p:cTn>
-                              </p:par>
-                              <p:par>
-                                <p:cTn id="33" presetID="5" presetClass="entr" presetSubtype="10" fill="hold" nodeType="withEffect">
-                                  <p:stCondLst>
-                                    <p:cond delay="0"/>
-                                  </p:stCondLst>
-                                  <p:childTnLst>
-                                    <p:set>
-                                      <p:cBhvr>
-                                        <p:cTn id="34" dur="1" fill="hold">
-                                          <p:stCondLst>
-                                            <p:cond delay="0"/>
-                                          </p:stCondLst>
-                                        </p:cTn>
-                                        <p:tgtEl>
-                                          <p:spTgt spid="55"/>
-                                        </p:tgtEl>
-                                        <p:attrNameLst>
-                                          <p:attrName>style.visibility</p:attrName>
-                                        </p:attrNameLst>
-                                      </p:cBhvr>
-                                      <p:to>
-                                        <p:strVal val="visible"/>
-                                      </p:to>
-                                    </p:set>
-                                    <p:animEffect transition="in" filter="checkerboard(across)">
-                                      <p:cBhvr>
-                                        <p:cTn id="35" dur="500"/>
-                                        <p:tgtEl>
-                                          <p:spTgt spid="55"/>
-                                        </p:tgtEl>
-                                      </p:cBhvr>
-                                    </p:animEffect>
-                                  </p:childTnLst>
-                                </p:cTn>
-                              </p:par>
-                            </p:childTnLst>
-                          </p:cTn>
-                        </p:par>
-                      </p:childTnLst>
-                    </p:cTn>
-                  </p:par>
-                  <p:par>
-                    <p:cTn id="36" fill="hold">
-                      <p:stCondLst>
-                        <p:cond delay="indefinite"/>
-                      </p:stCondLst>
-                      <p:childTnLst>
-                        <p:par>
-                          <p:cTn id="37" fill="hold">
-                            <p:stCondLst>
-                              <p:cond delay="0"/>
-                            </p:stCondLst>
-                            <p:childTnLst>
-                              <p:par>
-                                <p:cTn id="38" presetID="5" presetClass="entr" presetSubtype="10" fill="hold" nodeType="clickEffect">
-                                  <p:stCondLst>
-                                    <p:cond delay="0"/>
-                                  </p:stCondLst>
-                                  <p:childTnLst>
-                                    <p:set>
-                                      <p:cBhvr>
-                                        <p:cTn id="39" dur="1" fill="hold">
-                                          <p:stCondLst>
-                                            <p:cond delay="0"/>
-                                          </p:stCondLst>
-                                        </p:cTn>
-                                        <p:tgtEl>
-                                          <p:spTgt spid="9"/>
-                                        </p:tgtEl>
-                                        <p:attrNameLst>
-                                          <p:attrName>style.visibility</p:attrName>
-                                        </p:attrNameLst>
-                                      </p:cBhvr>
-                                      <p:to>
-                                        <p:strVal val="visible"/>
-                                      </p:to>
-                                    </p:set>
-                                    <p:animEffect transition="in" filter="checkerboard(across)">
-                                      <p:cBhvr>
-                                        <p:cTn id="40" dur="500"/>
-                                        <p:tgtEl>
-                                          <p:spTgt spid="9"/>
-                                        </p:tgtEl>
-                                      </p:cBhvr>
-                                    </p:animEffect>
-                                  </p:childTnLst>
-                                </p:cTn>
-                              </p:par>
-                              <p:par>
-                                <p:cTn id="41" presetID="5" presetClass="entr" presetSubtype="10" fill="hold" nodeType="withEffect">
-                                  <p:stCondLst>
-                                    <p:cond delay="0"/>
-                                  </p:stCondLst>
-                                  <p:childTnLst>
-                                    <p:set>
-                                      <p:cBhvr>
-                                        <p:cTn id="42" dur="1" fill="hold">
-                                          <p:stCondLst>
-                                            <p:cond delay="0"/>
-                                          </p:stCondLst>
-                                        </p:cTn>
-                                        <p:tgtEl>
-                                          <p:spTgt spid="10"/>
-                                        </p:tgtEl>
-                                        <p:attrNameLst>
-                                          <p:attrName>style.visibility</p:attrName>
-                                        </p:attrNameLst>
-                                      </p:cBhvr>
-                                      <p:to>
-                                        <p:strVal val="visible"/>
-                                      </p:to>
-                                    </p:set>
-                                    <p:animEffect transition="in" filter="checkerboard(across)">
-                                      <p:cBhvr>
-                                        <p:cTn id="43" dur="500"/>
-                                        <p:tgtEl>
-                                          <p:spTgt spid="10"/>
-                                        </p:tgtEl>
-                                      </p:cBhvr>
-                                    </p:animEffect>
-                                  </p:childTnLst>
-                                </p:cTn>
-                              </p:par>
-                              <p:par>
-                                <p:cTn id="44" presetID="5" presetClass="entr" presetSubtype="10" fill="hold" nodeType="withEffect">
-                                  <p:stCondLst>
-                                    <p:cond delay="0"/>
-                                  </p:stCondLst>
-                                  <p:childTnLst>
-                                    <p:set>
-                                      <p:cBhvr>
-                                        <p:cTn id="45" dur="1" fill="hold">
-                                          <p:stCondLst>
-                                            <p:cond delay="0"/>
-                                          </p:stCondLst>
-                                        </p:cTn>
-                                        <p:tgtEl>
-                                          <p:spTgt spid="17"/>
-                                        </p:tgtEl>
-                                        <p:attrNameLst>
-                                          <p:attrName>style.visibility</p:attrName>
-                                        </p:attrNameLst>
-                                      </p:cBhvr>
-                                      <p:to>
-                                        <p:strVal val="visible"/>
-                                      </p:to>
-                                    </p:set>
-                                    <p:animEffect transition="in" filter="checkerboard(across)">
-                                      <p:cBhvr>
-                                        <p:cTn id="46" dur="500"/>
-                                        <p:tgtEl>
-                                          <p:spTgt spid="17"/>
-                                        </p:tgtEl>
-                                      </p:cBhvr>
-                                    </p:animEffect>
-                                  </p:childTnLst>
-                                </p:cTn>
-                              </p:par>
-                              <p:par>
-                                <p:cTn id="47" presetID="5" presetClass="entr" presetSubtype="10" fill="hold" nodeType="withEffect">
-                                  <p:stCondLst>
-                                    <p:cond delay="0"/>
-                                  </p:stCondLst>
-                                  <p:childTnLst>
-                                    <p:set>
-                                      <p:cBhvr>
-                                        <p:cTn id="48" dur="1" fill="hold">
-                                          <p:stCondLst>
-                                            <p:cond delay="0"/>
-                                          </p:stCondLst>
-                                        </p:cTn>
-                                        <p:tgtEl>
-                                          <p:spTgt spid="19"/>
-                                        </p:tgtEl>
-                                        <p:attrNameLst>
-                                          <p:attrName>style.visibility</p:attrName>
-                                        </p:attrNameLst>
-                                      </p:cBhvr>
-                                      <p:to>
-                                        <p:strVal val="visible"/>
-                                      </p:to>
-                                    </p:set>
-                                    <p:animEffect transition="in" filter="checkerboard(across)">
-                                      <p:cBhvr>
-                                        <p:cTn id="49" dur="500"/>
-                                        <p:tgtEl>
-                                          <p:spTgt spid="19"/>
-                                        </p:tgtEl>
-                                      </p:cBhvr>
-                                    </p:animEffect>
-                                  </p:childTnLst>
-                                </p:cTn>
-                              </p:par>
-                              <p:par>
-                                <p:cTn id="50" presetID="5" presetClass="entr" presetSubtype="10" fill="hold" nodeType="withEffect">
-                                  <p:stCondLst>
-                                    <p:cond delay="0"/>
-                                  </p:stCondLst>
-                                  <p:childTnLst>
-                                    <p:set>
-                                      <p:cBhvr>
-                                        <p:cTn id="51" dur="1" fill="hold">
-                                          <p:stCondLst>
-                                            <p:cond delay="0"/>
-                                          </p:stCondLst>
-                                        </p:cTn>
-                                        <p:tgtEl>
-                                          <p:spTgt spid="23"/>
-                                        </p:tgtEl>
-                                        <p:attrNameLst>
-                                          <p:attrName>style.visibility</p:attrName>
-                                        </p:attrNameLst>
-                                      </p:cBhvr>
-                                      <p:to>
-                                        <p:strVal val="visible"/>
-                                      </p:to>
-                                    </p:set>
-                                    <p:animEffect transition="in" filter="checkerboard(across)">
-                                      <p:cBhvr>
-                                        <p:cTn id="52" dur="500"/>
-                                        <p:tgtEl>
-                                          <p:spTgt spid="23"/>
-                                        </p:tgtEl>
-                                      </p:cBhvr>
-                                    </p:animEffect>
-                                  </p:childTnLst>
-                                </p:cTn>
-                              </p:par>
-                              <p:par>
-                                <p:cTn id="53" presetID="5" presetClass="entr" presetSubtype="10" fill="hold" nodeType="withEffect">
-                                  <p:stCondLst>
-                                    <p:cond delay="0"/>
-                                  </p:stCondLst>
-                                  <p:childTnLst>
-                                    <p:set>
-                                      <p:cBhvr>
-                                        <p:cTn id="54" dur="1" fill="hold">
-                                          <p:stCondLst>
-                                            <p:cond delay="0"/>
-                                          </p:stCondLst>
-                                        </p:cTn>
-                                        <p:tgtEl>
-                                          <p:spTgt spid="22"/>
-                                        </p:tgtEl>
-                                        <p:attrNameLst>
-                                          <p:attrName>style.visibility</p:attrName>
-                                        </p:attrNameLst>
-                                      </p:cBhvr>
-                                      <p:to>
-                                        <p:strVal val="visible"/>
-                                      </p:to>
-                                    </p:set>
-                                    <p:animEffect transition="in" filter="checkerboard(across)">
-                                      <p:cBhvr>
-                                        <p:cTn id="55" dur="500"/>
-                                        <p:tgtEl>
-                                          <p:spTgt spid="22"/>
-                                        </p:tgtEl>
-                                      </p:cBhvr>
-                                    </p:animEffect>
-                                  </p:childTnLst>
-                                </p:cTn>
-                              </p:par>
-                              <p:par>
-                                <p:cTn id="56" presetID="5" presetClass="entr" presetSubtype="10" fill="hold" grpId="0" nodeType="withEffect">
-                                  <p:stCondLst>
-                                    <p:cond delay="0"/>
-                                  </p:stCondLst>
-                                  <p:childTnLst>
-                                    <p:set>
-                                      <p:cBhvr>
-                                        <p:cTn id="57" dur="1" fill="hold">
-                                          <p:stCondLst>
-                                            <p:cond delay="0"/>
-                                          </p:stCondLst>
-                                        </p:cTn>
-                                        <p:tgtEl>
-                                          <p:spTgt spid="33"/>
-                                        </p:tgtEl>
-                                        <p:attrNameLst>
-                                          <p:attrName>style.visibility</p:attrName>
-                                        </p:attrNameLst>
-                                      </p:cBhvr>
-                                      <p:to>
-                                        <p:strVal val="visible"/>
-                                      </p:to>
-                                    </p:set>
-                                    <p:animEffect transition="in" filter="checkerboard(across)">
-                                      <p:cBhvr>
-                                        <p:cTn id="58" dur="500"/>
-                                        <p:tgtEl>
-                                          <p:spTgt spid="33"/>
-                                        </p:tgtEl>
-                                      </p:cBhvr>
-                                    </p:animEffect>
-                                  </p:childTnLst>
-                                </p:cTn>
-                              </p:par>
-                            </p:childTnLst>
-                          </p:cTn>
-                        </p:par>
-                      </p:childTnLst>
-                    </p:cTn>
-                  </p:par>
-                  <p:par>
-                    <p:cTn id="59" fill="hold">
-                      <p:stCondLst>
-                        <p:cond delay="indefinite"/>
-                      </p:stCondLst>
-                      <p:childTnLst>
-                        <p:par>
-                          <p:cTn id="60" fill="hold">
-                            <p:stCondLst>
-                              <p:cond delay="0"/>
-                            </p:stCondLst>
-                            <p:childTnLst>
-                              <p:par>
-                                <p:cTn id="61" presetID="10" presetClass="entr" presetSubtype="0" fill="hold" grpId="0" nodeType="clickEffect">
-                                  <p:stCondLst>
-                                    <p:cond delay="0"/>
-                                  </p:stCondLst>
-                                  <p:childTnLst>
-                                    <p:set>
-                                      <p:cBhvr>
-                                        <p:cTn id="62" dur="1" fill="hold">
                                           <p:stCondLst>
                                             <p:cond delay="0"/>
                                           </p:stCondLst>
@@ -13360,1845 +13200,11 @@
                                         <p:strVal val="visible"/>
                                       </p:to>
                                     </p:set>
-                                    <p:animEffect transition="in" filter="fade">
-                                      <p:cBhvr>
-                                        <p:cTn id="63" dur="500"/>
-                                        <p:tgtEl>
-                                          <p:spTgt spid="24"/>
-                                        </p:tgtEl>
-                                      </p:cBhvr>
-                                    </p:animEffect>
-                                  </p:childTnLst>
-                                </p:cTn>
-                              </p:par>
-                            </p:childTnLst>
-                          </p:cTn>
-                        </p:par>
-                      </p:childTnLst>
-                    </p:cTn>
-                  </p:par>
-                </p:childTnLst>
-              </p:cTn>
-              <p:prevCondLst>
-                <p:cond evt="onPrev" delay="0">
-                  <p:tgtEl>
-                    <p:sldTgt/>
-                  </p:tgtEl>
-                </p:cond>
-              </p:prevCondLst>
-              <p:nextCondLst>
-                <p:cond evt="onNext" delay="0">
-                  <p:tgtEl>
-                    <p:sldTgt/>
-                  </p:tgtEl>
-                </p:cond>
-              </p:nextCondLst>
-            </p:seq>
-          </p:childTnLst>
-        </p:cTn>
-      </p:par>
-    </p:tnLst>
-    <p:bldLst>
-      <p:bldP spid="31" grpId="0"/>
-      <p:bldP spid="32" grpId="0"/>
-      <p:bldP spid="33" grpId="0"/>
-      <p:bldP spid="25" grpId="0"/>
-      <p:bldP spid="24" grpId="0" animBg="1"/>
-    </p:bldLst>
-  </p:timing>
-</p:sld>
-</file>
-
-<file path=ppt/slides/slide2.xml><?xml version="1.0" encoding="utf-8"?>
-<p:sld xmlns:a="http://schemas.openxmlformats.org/drawingml/2006/main" xmlns:r="http://schemas.openxmlformats.org/officeDocument/2006/relationships" xmlns:p="http://schemas.openxmlformats.org/presentationml/2006/main">
-  <p:cSld>
-    <p:spTree>
-      <p:nvGrpSpPr>
-        <p:cNvPr id="1" name=""/>
-        <p:cNvGrpSpPr/>
-        <p:nvPr/>
-      </p:nvGrpSpPr>
-      <p:grpSpPr>
-        <a:xfrm>
-          <a:off x="0" y="0"/>
-          <a:ext cx="0" cy="0"/>
-          <a:chOff x="0" y="0"/>
-          <a:chExt cx="0" cy="0"/>
-        </a:xfrm>
-      </p:grpSpPr>
-      <p:sp>
-        <p:nvSpPr>
-          <p:cNvPr id="5" name="タイトル 2"/>
-          <p:cNvSpPr txBox="1">
-            <a:spLocks/>
-          </p:cNvSpPr>
-          <p:nvPr/>
-        </p:nvSpPr>
-        <p:spPr>
-          <a:xfrm>
-            <a:off x="4139952" y="1054800"/>
-            <a:ext cx="4858944" cy="5038496"/>
-          </a:xfrm>
-          <a:prstGeom prst="rect">
-            <a:avLst/>
-          </a:prstGeom>
-          <a:noFill/>
-          <a:ln>
-            <a:noFill/>
-          </a:ln>
-        </p:spPr>
-        <p:txBody>
-          <a:bodyPr anchor="ctr" anchorCtr="0">
-            <a:noAutofit/>
-          </a:bodyPr>
-          <a:lstStyle>
-            <a:lvl1pPr algn="ctr" defTabSz="914400" rtl="0" eaLnBrk="1" latinLnBrk="0" hangingPunct="1">
-              <a:spcBef>
-                <a:spcPct val="0"/>
-              </a:spcBef>
-              <a:buNone/>
-              <a:defRPr kumimoji="1" sz="2800" b="1" kern="1200" baseline="0">
-                <a:solidFill>
-                  <a:srgbClr val="C00000"/>
-                </a:solidFill>
-                <a:latin typeface="Arial" pitchFamily="34" charset="0"/>
-                <a:ea typeface="ＭＳ Ｐゴシック" pitchFamily="50" charset="-128"/>
-                <a:cs typeface="+mj-cs"/>
-              </a:defRPr>
-            </a:lvl1pPr>
-          </a:lstStyle>
-          <a:p>
-            <a:pPr algn="l" defTabSz="381000">
-              <a:spcBef>
-                <a:spcPct val="20000"/>
-              </a:spcBef>
-              <a:buClr>
-                <a:srgbClr val="FFFFFF"/>
-              </a:buClr>
-              <a:defRPr/>
-            </a:pPr>
-            <a:r>
-              <a:rPr lang="en-US" altLang="ja-JP" sz="3600" b="0" kern="0" dirty="0" smtClean="0">
-                <a:solidFill>
-                  <a:srgbClr val="000000"/>
-                </a:solidFill>
-                <a:latin typeface="+mn-lt"/>
-                <a:ea typeface="+mn-ea"/>
-              </a:rPr>
-              <a:t>Hiroyuki Ito</a:t>
-            </a:r>
-          </a:p>
-          <a:p>
-            <a:pPr algn="l" defTabSz="381000">
-              <a:spcBef>
-                <a:spcPct val="20000"/>
-              </a:spcBef>
-              <a:buClr>
-                <a:srgbClr val="FFFFFF"/>
-              </a:buClr>
-              <a:defRPr/>
-            </a:pPr>
-            <a:r>
-              <a:rPr lang="en-US" altLang="ja-JP" sz="3600" b="0" kern="0" dirty="0" smtClean="0">
-                <a:solidFill>
-                  <a:srgbClr val="000000"/>
-                </a:solidFill>
-                <a:latin typeface="+mn-lt"/>
-                <a:ea typeface="+mn-ea"/>
-              </a:rPr>
-              <a:t>(The Hiro)</a:t>
-            </a:r>
-          </a:p>
-          <a:p>
-            <a:pPr lvl="0" algn="l" defTabSz="381000">
-              <a:spcBef>
-                <a:spcPct val="20000"/>
-              </a:spcBef>
-              <a:buClr>
-                <a:srgbClr val="FFFFFF"/>
-              </a:buClr>
-              <a:defRPr/>
-            </a:pPr>
-            <a:r>
-              <a:rPr lang="en-US" altLang="ja-JP" sz="3600" b="0" kern="0" dirty="0" smtClean="0">
-                <a:solidFill>
-                  <a:schemeClr val="accent1"/>
-                </a:solidFill>
-                <a:latin typeface="+mn-lt"/>
-                <a:ea typeface="+mn-ea"/>
-              </a:rPr>
-              <a:t>Test-Driven Development Group!</a:t>
-            </a:r>
-            <a:endParaRPr lang="en-US" altLang="ja-JP" sz="3600" b="0" kern="0" dirty="0" smtClean="0">
-              <a:solidFill>
-                <a:srgbClr val="000000"/>
-              </a:solidFill>
-              <a:latin typeface="+mn-lt"/>
-              <a:ea typeface="+mn-ea"/>
-            </a:endParaRPr>
-          </a:p>
-          <a:p>
-            <a:pPr lvl="0" algn="l" defTabSz="381000">
-              <a:spcBef>
-                <a:spcPct val="20000"/>
-              </a:spcBef>
-              <a:buClr>
-                <a:srgbClr val="FFFFFF"/>
-              </a:buClr>
-              <a:defRPr/>
-            </a:pPr>
-            <a:r>
-              <a:rPr lang="en-US" altLang="ja-JP" sz="3600" b="0" kern="0" dirty="0" smtClean="0">
-                <a:solidFill>
-                  <a:schemeClr val="accent6"/>
-                </a:solidFill>
-                <a:latin typeface="+mn-lt"/>
-                <a:ea typeface="+mn-ea"/>
-              </a:rPr>
-              <a:t>@hageyahhoo</a:t>
-            </a:r>
-          </a:p>
-          <a:p>
-            <a:pPr lvl="0" algn="l" defTabSz="381000">
-              <a:spcBef>
-                <a:spcPct val="20000"/>
-              </a:spcBef>
-              <a:buClr>
-                <a:srgbClr val="FFFFFF"/>
-              </a:buClr>
-              <a:defRPr/>
-            </a:pPr>
-            <a:endParaRPr lang="en-US" altLang="ja-JP" sz="3600" b="0" kern="0" dirty="0" smtClean="0">
-              <a:solidFill>
-                <a:srgbClr val="000000"/>
-              </a:solidFill>
-              <a:latin typeface="+mn-lt"/>
-              <a:ea typeface="+mn-ea"/>
-            </a:endParaRPr>
-          </a:p>
-          <a:p>
-            <a:pPr lvl="0" algn="l" defTabSz="381000">
-              <a:spcBef>
-                <a:spcPct val="20000"/>
-              </a:spcBef>
-              <a:buClr>
-                <a:srgbClr val="FFFFFF"/>
-              </a:buClr>
-              <a:defRPr/>
-            </a:pPr>
-            <a:endParaRPr lang="en-US" altLang="ja-JP" sz="3600" b="0" kern="0" dirty="0">
-              <a:solidFill>
-                <a:srgbClr val="000000"/>
-              </a:solidFill>
-              <a:latin typeface="+mn-lt"/>
-              <a:ea typeface="+mn-ea"/>
-            </a:endParaRPr>
-          </a:p>
-          <a:p>
-            <a:pPr lvl="0" algn="l" defTabSz="381000">
-              <a:spcBef>
-                <a:spcPct val="20000"/>
-              </a:spcBef>
-              <a:buClr>
-                <a:srgbClr val="FFFFFF"/>
-              </a:buClr>
-              <a:defRPr/>
-            </a:pPr>
-            <a:endParaRPr lang="en-US" altLang="ja-JP" sz="3600" b="0" kern="0" dirty="0" smtClean="0">
-              <a:solidFill>
-                <a:srgbClr val="000000"/>
-              </a:solidFill>
-              <a:latin typeface="+mn-lt"/>
-              <a:ea typeface="+mn-ea"/>
-            </a:endParaRPr>
-          </a:p>
-          <a:p>
-            <a:pPr lvl="0" algn="l" defTabSz="381000">
-              <a:spcBef>
-                <a:spcPct val="20000"/>
-              </a:spcBef>
-              <a:buClr>
-                <a:srgbClr val="FFFFFF"/>
-              </a:buClr>
-              <a:defRPr/>
-            </a:pPr>
-            <a:endParaRPr lang="en-US" altLang="ja-JP" sz="3600" b="0" kern="0" dirty="0" smtClean="0">
-              <a:solidFill>
-                <a:srgbClr val="000000"/>
-              </a:solidFill>
-              <a:latin typeface="+mn-lt"/>
-              <a:ea typeface="+mn-ea"/>
-            </a:endParaRPr>
-          </a:p>
-        </p:txBody>
-      </p:sp>
-      <p:sp>
-        <p:nvSpPr>
-          <p:cNvPr id="4" name="タイトル 1"/>
-          <p:cNvSpPr>
-            <a:spLocks noGrp="1"/>
-          </p:cNvSpPr>
-          <p:nvPr>
-            <p:ph type="title"/>
-          </p:nvPr>
-        </p:nvSpPr>
-        <p:spPr>
-          <a:xfrm>
-            <a:off x="360000" y="252000"/>
-            <a:ext cx="8424000" cy="360000"/>
-          </a:xfrm>
-          <a:noFill/>
-          <a:ln>
-            <a:solidFill>
-              <a:srgbClr val="FFFFFF"/>
-            </a:solidFill>
-          </a:ln>
-        </p:spPr>
-        <p:txBody>
-          <a:bodyPr>
-            <a:normAutofit fontScale="90000"/>
-          </a:bodyPr>
-          <a:lstStyle/>
-          <a:p>
-            <a:r>
-              <a:rPr lang="en-US" altLang="ja-JP" kern="0" dirty="0" smtClean="0">
-                <a:solidFill>
-                  <a:schemeClr val="accent1"/>
-                </a:solidFill>
-                <a:latin typeface="+mj-ea"/>
-                <a:ea typeface="+mj-ea"/>
-              </a:rPr>
-              <a:t>About me</a:t>
-            </a:r>
-            <a:endParaRPr kumimoji="1" lang="ja-JP" altLang="en-US" dirty="0">
-              <a:latin typeface="+mj-ea"/>
-              <a:ea typeface="+mj-ea"/>
-            </a:endParaRPr>
-          </a:p>
-        </p:txBody>
-      </p:sp>
-      <p:pic>
-        <p:nvPicPr>
-          <p:cNvPr id="2" name="図 1"/>
-          <p:cNvPicPr>
-            <a:picLocks noChangeAspect="1"/>
-          </p:cNvPicPr>
-          <p:nvPr/>
-        </p:nvPicPr>
-        <p:blipFill>
-          <a:blip r:embed="rId3"/>
-          <a:stretch>
-            <a:fillRect/>
-          </a:stretch>
-        </p:blipFill>
-        <p:spPr>
-          <a:xfrm>
-            <a:off x="4224660" y="3645098"/>
-            <a:ext cx="3404220" cy="1144041"/>
-          </a:xfrm>
-          <a:prstGeom prst="rect">
-            <a:avLst/>
-          </a:prstGeom>
-        </p:spPr>
-      </p:pic>
-      <p:pic>
-        <p:nvPicPr>
-          <p:cNvPr id="6" name="図 5"/>
-          <p:cNvPicPr>
-            <a:picLocks noChangeAspect="1"/>
-          </p:cNvPicPr>
-          <p:nvPr/>
-        </p:nvPicPr>
-        <p:blipFill>
-          <a:blip r:embed="rId4"/>
-          <a:stretch>
-            <a:fillRect/>
-          </a:stretch>
-        </p:blipFill>
-        <p:spPr>
-          <a:xfrm>
-            <a:off x="4211960" y="5011962"/>
-            <a:ext cx="3413521" cy="1153342"/>
-          </a:xfrm>
-          <a:prstGeom prst="rect">
-            <a:avLst/>
-          </a:prstGeom>
-        </p:spPr>
-      </p:pic>
-      <p:pic>
-        <p:nvPicPr>
-          <p:cNvPr id="1026" name="Picture 2" descr="C:\Users\hiroyuki.a.ito\Pictures\Thehiro_v2.jpg"/>
-          <p:cNvPicPr>
-            <a:picLocks noChangeAspect="1" noChangeArrowheads="1"/>
-          </p:cNvPicPr>
-          <p:nvPr/>
-        </p:nvPicPr>
-        <p:blipFill>
-          <a:blip r:embed="rId5">
-            <a:extLst>
-              <a:ext uri="{28A0092B-C50C-407E-A947-70E740481C1C}">
-                <a14:useLocalDpi xmlns:a14="http://schemas.microsoft.com/office/drawing/2010/main" val="0"/>
-              </a:ext>
-            </a:extLst>
-          </a:blip>
-          <a:srcRect/>
-          <a:stretch>
-            <a:fillRect/>
-          </a:stretch>
-        </p:blipFill>
-        <p:spPr bwMode="auto">
-          <a:xfrm>
-            <a:off x="231078" y="1016732"/>
-            <a:ext cx="3429000" cy="3429000"/>
-          </a:xfrm>
-          <a:prstGeom prst="rect">
-            <a:avLst/>
-          </a:prstGeom>
-          <a:noFill/>
-          <a:extLst>
-            <a:ext uri="{909E8E84-426E-40DD-AFC4-6F175D3DCCD1}">
-              <a14:hiddenFill xmlns:a14="http://schemas.microsoft.com/office/drawing/2010/main">
-                <a:solidFill>
-                  <a:srgbClr val="FFFFFF"/>
-                </a:solidFill>
-              </a14:hiddenFill>
-            </a:ext>
-          </a:extLst>
-        </p:spPr>
-      </p:pic>
-    </p:spTree>
-    <p:extLst>
-      <p:ext uri="{BB962C8B-B14F-4D97-AF65-F5344CB8AC3E}">
-        <p14:creationId xmlns:p14="http://schemas.microsoft.com/office/powerpoint/2010/main" val="522943376"/>
-      </p:ext>
-    </p:extLst>
-  </p:cSld>
-  <p:clrMapOvr>
-    <a:masterClrMapping/>
-  </p:clrMapOvr>
-  <p:timing>
-    <p:tnLst>
-      <p:par>
-        <p:cTn id="1" dur="indefinite" restart="never" nodeType="tmRoot"/>
-      </p:par>
-    </p:tnLst>
-  </p:timing>
-</p:sld>
-</file>
-
-<file path=ppt/slides/slide20.xml><?xml version="1.0" encoding="utf-8"?>
-<p:sld xmlns:a="http://schemas.openxmlformats.org/drawingml/2006/main" xmlns:r="http://schemas.openxmlformats.org/officeDocument/2006/relationships" xmlns:p="http://schemas.openxmlformats.org/presentationml/2006/main">
-  <p:cSld>
-    <p:spTree>
-      <p:nvGrpSpPr>
-        <p:cNvPr id="1" name=""/>
-        <p:cNvGrpSpPr/>
-        <p:nvPr/>
-      </p:nvGrpSpPr>
-      <p:grpSpPr>
-        <a:xfrm>
-          <a:off x="0" y="0"/>
-          <a:ext cx="0" cy="0"/>
-          <a:chOff x="0" y="0"/>
-          <a:chExt cx="0" cy="0"/>
-        </a:xfrm>
-      </p:grpSpPr>
-      <p:sp>
-        <p:nvSpPr>
-          <p:cNvPr id="4" name="タイトル 1"/>
-          <p:cNvSpPr>
-            <a:spLocks noGrp="1"/>
-          </p:cNvSpPr>
-          <p:nvPr>
-            <p:ph type="title"/>
-          </p:nvPr>
-        </p:nvSpPr>
-        <p:spPr>
-          <a:xfrm>
-            <a:off x="360000" y="252000"/>
-            <a:ext cx="8424000" cy="360000"/>
-          </a:xfrm>
-          <a:noFill/>
-          <a:ln>
-            <a:noFill/>
-          </a:ln>
-        </p:spPr>
-        <p:txBody>
-          <a:bodyPr>
-            <a:normAutofit fontScale="90000"/>
-          </a:bodyPr>
-          <a:lstStyle/>
-          <a:p>
-            <a:r>
-              <a:rPr lang="ja-JP" altLang="en-US" dirty="0" smtClean="0">
-                <a:latin typeface="+mj-ea"/>
-                <a:cs typeface="ＭＳ 明朝"/>
-              </a:rPr>
-              <a:t>解決策：ビルド・テスト・リリースの自動化</a:t>
-            </a:r>
-            <a:endParaRPr kumimoji="1" lang="ja-JP" altLang="en-US" dirty="0">
-              <a:latin typeface="+mj-ea"/>
-              <a:ea typeface="+mj-ea"/>
-              <a:cs typeface="ＭＳ 明朝"/>
-            </a:endParaRPr>
-          </a:p>
-        </p:txBody>
-      </p:sp>
-      <p:pic>
-        <p:nvPicPr>
-          <p:cNvPr id="1028" name="Picture 4" descr="C:\Users\hiroyuki.a.ito\Pictures\TDD\TestFlight.png"/>
-          <p:cNvPicPr>
-            <a:picLocks noChangeAspect="1" noChangeArrowheads="1"/>
-          </p:cNvPicPr>
-          <p:nvPr/>
-        </p:nvPicPr>
-        <p:blipFill>
-          <a:blip r:embed="rId3" cstate="print">
-            <a:extLst>
-              <a:ext uri="{28A0092B-C50C-407E-A947-70E740481C1C}">
-                <a14:useLocalDpi xmlns:a14="http://schemas.microsoft.com/office/drawing/2010/main" val="0"/>
-              </a:ext>
-            </a:extLst>
-          </a:blip>
-          <a:srcRect/>
-          <a:stretch>
-            <a:fillRect/>
-          </a:stretch>
-        </p:blipFill>
-        <p:spPr bwMode="auto">
-          <a:xfrm>
-            <a:off x="188222" y="2964309"/>
-            <a:ext cx="3414889" cy="1024467"/>
-          </a:xfrm>
-          <a:prstGeom prst="rect">
-            <a:avLst/>
-          </a:prstGeom>
-          <a:noFill/>
-          <a:ln>
-            <a:noFill/>
-          </a:ln>
-          <a:extLst>
-            <a:ext uri="{909E8E84-426E-40DD-AFC4-6F175D3DCCD1}">
-              <a14:hiddenFill xmlns:a14="http://schemas.microsoft.com/office/drawing/2010/main">
-                <a:solidFill>
-                  <a:srgbClr val="FFFFFF"/>
-                </a:solidFill>
-              </a14:hiddenFill>
-            </a:ext>
-          </a:extLst>
-        </p:spPr>
-      </p:pic>
-      <p:pic>
-        <p:nvPicPr>
-          <p:cNvPr id="1031" name="Picture 7" descr="C:\Users\hiroyuki.a.ito\Pictures\TDD\stash.jpg"/>
-          <p:cNvPicPr>
-            <a:picLocks noChangeAspect="1" noChangeArrowheads="1"/>
-          </p:cNvPicPr>
-          <p:nvPr/>
-        </p:nvPicPr>
-        <p:blipFill>
-          <a:blip r:embed="rId4">
-            <a:extLst>
-              <a:ext uri="{28A0092B-C50C-407E-A947-70E740481C1C}">
-                <a14:useLocalDpi xmlns:a14="http://schemas.microsoft.com/office/drawing/2010/main" val="0"/>
-              </a:ext>
-            </a:extLst>
-          </a:blip>
-          <a:srcRect/>
-          <a:stretch>
-            <a:fillRect/>
-          </a:stretch>
-        </p:blipFill>
-        <p:spPr bwMode="auto">
-          <a:xfrm>
-            <a:off x="585024" y="806182"/>
-            <a:ext cx="2621285" cy="1152128"/>
-          </a:xfrm>
-          <a:prstGeom prst="rect">
-            <a:avLst/>
-          </a:prstGeom>
-          <a:noFill/>
-          <a:ln>
-            <a:noFill/>
-          </a:ln>
-          <a:extLst>
-            <a:ext uri="{909E8E84-426E-40DD-AFC4-6F175D3DCCD1}">
-              <a14:hiddenFill xmlns:a14="http://schemas.microsoft.com/office/drawing/2010/main">
-                <a:solidFill>
-                  <a:srgbClr val="FFFFFF"/>
-                </a:solidFill>
-              </a14:hiddenFill>
-            </a:ext>
-          </a:extLst>
-        </p:spPr>
-      </p:pic>
-      <p:cxnSp>
-        <p:nvCxnSpPr>
-          <p:cNvPr id="3" name="直線矢印コネクタ 2"/>
-          <p:cNvCxnSpPr>
-            <a:stCxn id="1026" idx="1"/>
-            <a:endCxn id="1031" idx="3"/>
-          </p:cNvCxnSpPr>
-          <p:nvPr/>
-        </p:nvCxnSpPr>
-        <p:spPr>
-          <a:xfrm flipH="1" flipV="1">
-            <a:off x="3206309" y="1382246"/>
-            <a:ext cx="3590960" cy="1025204"/>
-          </a:xfrm>
-          <a:prstGeom prst="straightConnector1">
-            <a:avLst/>
-          </a:prstGeom>
-          <a:ln w="38100">
-            <a:solidFill>
-              <a:schemeClr val="tx1"/>
-            </a:solidFill>
-            <a:tailEnd type="arrow"/>
-          </a:ln>
-          <a:effectLst>
-            <a:outerShdw blurRad="88900" dist="38100" dir="8100000" algn="ctr" rotWithShape="0">
-              <a:srgbClr val="000000">
-                <a:alpha val="30000"/>
-              </a:srgbClr>
-            </a:outerShdw>
-          </a:effectLst>
-        </p:spPr>
-        <p:style>
-          <a:lnRef idx="1">
-            <a:schemeClr val="accent1"/>
-          </a:lnRef>
-          <a:fillRef idx="0">
-            <a:schemeClr val="accent1"/>
-          </a:fillRef>
-          <a:effectRef idx="0">
-            <a:schemeClr val="accent1"/>
-          </a:effectRef>
-          <a:fontRef idx="minor">
-            <a:schemeClr val="tx1"/>
-          </a:fontRef>
-        </p:style>
-      </p:cxnSp>
-      <p:cxnSp>
-        <p:nvCxnSpPr>
-          <p:cNvPr id="6" name="直線矢印コネクタ 5"/>
-          <p:cNvCxnSpPr>
-            <a:stCxn id="1026" idx="1"/>
-            <a:endCxn id="1028" idx="3"/>
-          </p:cNvCxnSpPr>
-          <p:nvPr/>
-        </p:nvCxnSpPr>
-        <p:spPr>
-          <a:xfrm flipH="1">
-            <a:off x="3603111" y="2407450"/>
-            <a:ext cx="3194158" cy="1069093"/>
-          </a:xfrm>
-          <a:prstGeom prst="straightConnector1">
-            <a:avLst/>
-          </a:prstGeom>
-          <a:ln w="38100">
-            <a:solidFill>
-              <a:schemeClr val="tx1"/>
-            </a:solidFill>
-            <a:tailEnd type="arrow"/>
-          </a:ln>
-          <a:effectLst>
-            <a:outerShdw blurRad="88900" dist="38100" dir="8100000" algn="ctr" rotWithShape="0">
-              <a:srgbClr val="000000">
-                <a:alpha val="30000"/>
-              </a:srgbClr>
-            </a:outerShdw>
-          </a:effectLst>
-        </p:spPr>
-        <p:style>
-          <a:lnRef idx="1">
-            <a:schemeClr val="accent1"/>
-          </a:lnRef>
-          <a:fillRef idx="0">
-            <a:schemeClr val="accent1"/>
-          </a:fillRef>
-          <a:effectRef idx="0">
-            <a:schemeClr val="accent1"/>
-          </a:effectRef>
-          <a:fontRef idx="minor">
-            <a:schemeClr val="tx1"/>
-          </a:fontRef>
-        </p:style>
-      </p:cxnSp>
-      <p:cxnSp>
-        <p:nvCxnSpPr>
-          <p:cNvPr id="10" name="直線矢印コネクタ 9"/>
-          <p:cNvCxnSpPr>
-            <a:stCxn id="1028" idx="2"/>
-            <a:endCxn id="26" idx="0"/>
-          </p:cNvCxnSpPr>
-          <p:nvPr/>
-        </p:nvCxnSpPr>
-        <p:spPr>
-          <a:xfrm flipH="1">
-            <a:off x="825153" y="3988776"/>
-            <a:ext cx="1070514" cy="464332"/>
-          </a:xfrm>
-          <a:prstGeom prst="straightConnector1">
-            <a:avLst/>
-          </a:prstGeom>
-          <a:ln w="38100">
-            <a:solidFill>
-              <a:schemeClr val="tx1"/>
-            </a:solidFill>
-            <a:tailEnd type="arrow"/>
-          </a:ln>
-          <a:effectLst>
-            <a:outerShdw blurRad="88900" dist="38100" dir="8100000" algn="ctr" rotWithShape="0">
-              <a:srgbClr val="000000">
-                <a:alpha val="30000"/>
-              </a:srgbClr>
-            </a:outerShdw>
-          </a:effectLst>
-        </p:spPr>
-        <p:style>
-          <a:lnRef idx="1">
-            <a:schemeClr val="accent1"/>
-          </a:lnRef>
-          <a:fillRef idx="0">
-            <a:schemeClr val="accent1"/>
-          </a:fillRef>
-          <a:effectRef idx="0">
-            <a:schemeClr val="accent1"/>
-          </a:effectRef>
-          <a:fontRef idx="minor">
-            <a:schemeClr val="tx1"/>
-          </a:fontRef>
-        </p:style>
-      </p:cxnSp>
-      <p:cxnSp>
-        <p:nvCxnSpPr>
-          <p:cNvPr id="17" name="直線矢印コネクタ 16"/>
-          <p:cNvCxnSpPr>
-            <a:stCxn id="1028" idx="2"/>
-            <a:endCxn id="24" idx="0"/>
-          </p:cNvCxnSpPr>
-          <p:nvPr/>
-        </p:nvCxnSpPr>
-        <p:spPr>
-          <a:xfrm>
-            <a:off x="1895667" y="3988776"/>
-            <a:ext cx="7462" cy="462190"/>
-          </a:xfrm>
-          <a:prstGeom prst="straightConnector1">
-            <a:avLst/>
-          </a:prstGeom>
-          <a:ln w="38100">
-            <a:solidFill>
-              <a:schemeClr val="tx1"/>
-            </a:solidFill>
-            <a:tailEnd type="arrow"/>
-          </a:ln>
-          <a:effectLst>
-            <a:outerShdw blurRad="88900" dist="38100" dir="8100000" algn="ctr" rotWithShape="0">
-              <a:srgbClr val="000000">
-                <a:alpha val="30000"/>
-              </a:srgbClr>
-            </a:outerShdw>
-          </a:effectLst>
-        </p:spPr>
-        <p:style>
-          <a:lnRef idx="1">
-            <a:schemeClr val="accent1"/>
-          </a:lnRef>
-          <a:fillRef idx="0">
-            <a:schemeClr val="accent1"/>
-          </a:fillRef>
-          <a:effectRef idx="0">
-            <a:schemeClr val="accent1"/>
-          </a:effectRef>
-          <a:fontRef idx="minor">
-            <a:schemeClr val="tx1"/>
-          </a:fontRef>
-        </p:style>
-      </p:cxnSp>
-      <p:cxnSp>
-        <p:nvCxnSpPr>
-          <p:cNvPr id="19" name="直線矢印コネクタ 18"/>
-          <p:cNvCxnSpPr>
-            <a:stCxn id="1028" idx="2"/>
-          </p:cNvCxnSpPr>
-          <p:nvPr/>
-        </p:nvCxnSpPr>
-        <p:spPr>
-          <a:xfrm>
-            <a:off x="1895667" y="3988776"/>
-            <a:ext cx="1085437" cy="464332"/>
-          </a:xfrm>
-          <a:prstGeom prst="straightConnector1">
-            <a:avLst/>
-          </a:prstGeom>
-          <a:ln w="38100">
-            <a:solidFill>
-              <a:schemeClr val="tx1"/>
-            </a:solidFill>
-            <a:tailEnd type="arrow"/>
-          </a:ln>
-          <a:effectLst>
-            <a:outerShdw blurRad="88900" dist="38100" dir="8100000" algn="ctr" rotWithShape="0">
-              <a:srgbClr val="000000">
-                <a:alpha val="30000"/>
-              </a:srgbClr>
-            </a:outerShdw>
-          </a:effectLst>
-        </p:spPr>
-        <p:style>
-          <a:lnRef idx="1">
-            <a:schemeClr val="accent1"/>
-          </a:lnRef>
-          <a:fillRef idx="0">
-            <a:schemeClr val="accent1"/>
-          </a:fillRef>
-          <a:effectRef idx="0">
-            <a:schemeClr val="accent1"/>
-          </a:effectRef>
-          <a:fontRef idx="minor">
-            <a:schemeClr val="tx1"/>
-          </a:fontRef>
-        </p:style>
-      </p:cxnSp>
-      <p:grpSp>
-        <p:nvGrpSpPr>
-          <p:cNvPr id="41" name="グループ化 40"/>
-          <p:cNvGrpSpPr/>
-          <p:nvPr/>
-        </p:nvGrpSpPr>
-        <p:grpSpPr>
-          <a:xfrm>
-            <a:off x="6059580" y="1597417"/>
-            <a:ext cx="2904908" cy="2249690"/>
-            <a:chOff x="5580112" y="1148277"/>
-            <a:chExt cx="2904908" cy="2249690"/>
-          </a:xfrm>
-          <a:noFill/>
-        </p:grpSpPr>
-        <p:pic>
-          <p:nvPicPr>
-            <p:cNvPr id="1029" name="Picture 5" descr="C:\Users\hiroyuki.a.ito\AppData\Local\Microsoft\Windows\Temporary Internet Files\Content.IE5\2G6F3GKY\MP900402186[1].jpg"/>
-            <p:cNvPicPr>
-              <a:picLocks noChangeAspect="1" noChangeArrowheads="1"/>
-            </p:cNvPicPr>
-            <p:nvPr/>
-          </p:nvPicPr>
-          <p:blipFill>
-            <a:blip r:embed="rId5" cstate="print">
-              <a:extLst>
-                <a:ext uri="{28A0092B-C50C-407E-A947-70E740481C1C}">
-                  <a14:useLocalDpi xmlns:a14="http://schemas.microsoft.com/office/drawing/2010/main" val="0"/>
-                </a:ext>
-              </a:extLst>
-            </a:blip>
-            <a:srcRect/>
-            <a:stretch>
-              <a:fillRect/>
-            </a:stretch>
-          </p:blipFill>
-          <p:spPr bwMode="auto">
-            <a:xfrm>
-              <a:off x="5580112" y="1148277"/>
-              <a:ext cx="2904908" cy="2249690"/>
-            </a:xfrm>
-            <a:prstGeom prst="rect">
-              <a:avLst/>
-            </a:prstGeom>
-            <a:grpFill/>
-            <a:ln>
-              <a:noFill/>
-            </a:ln>
-            <a:extLst/>
-          </p:spPr>
-        </p:pic>
-        <p:pic>
-          <p:nvPicPr>
-            <p:cNvPr id="1026" name="Picture 2" descr="C:\Users\hiroyuki.a.ito\Pictures\00_Card\jenkins\jenkins.png"/>
-            <p:cNvPicPr>
-              <a:picLocks noChangeAspect="1" noChangeArrowheads="1"/>
-            </p:cNvPicPr>
-            <p:nvPr/>
-          </p:nvPicPr>
-          <p:blipFill>
-            <a:blip r:embed="rId6">
-              <a:extLst>
-                <a:ext uri="{28A0092B-C50C-407E-A947-70E740481C1C}">
-                  <a14:useLocalDpi xmlns:a14="http://schemas.microsoft.com/office/drawing/2010/main" val="0"/>
-                </a:ext>
-              </a:extLst>
-            </a:blip>
-            <a:srcRect/>
-            <a:stretch>
-              <a:fillRect/>
-            </a:stretch>
-          </p:blipFill>
-          <p:spPr bwMode="auto">
-            <a:xfrm>
-              <a:off x="6317801" y="1243545"/>
-              <a:ext cx="1429529" cy="1429529"/>
-            </a:xfrm>
-            <a:prstGeom prst="rect">
-              <a:avLst/>
-            </a:prstGeom>
-            <a:grpFill/>
-            <a:ln>
-              <a:noFill/>
-            </a:ln>
-            <a:extLst/>
-          </p:spPr>
-        </p:pic>
-      </p:grpSp>
-      <p:sp>
-        <p:nvSpPr>
-          <p:cNvPr id="31" name="タイトル 2"/>
-          <p:cNvSpPr txBox="1">
-            <a:spLocks/>
-          </p:cNvSpPr>
-          <p:nvPr/>
-        </p:nvSpPr>
-        <p:spPr>
-          <a:xfrm>
-            <a:off x="3419872" y="1052736"/>
-            <a:ext cx="3323635" cy="590811"/>
-          </a:xfrm>
-          <a:prstGeom prst="rect">
-            <a:avLst/>
-          </a:prstGeom>
-          <a:noFill/>
-          <a:ln>
-            <a:noFill/>
-          </a:ln>
-        </p:spPr>
-        <p:txBody>
-          <a:bodyPr anchor="ctr" anchorCtr="0">
-            <a:noAutofit/>
-          </a:bodyPr>
-          <a:lstStyle>
-            <a:lvl1pPr algn="ctr" defTabSz="914400" rtl="0" eaLnBrk="1" latinLnBrk="0" hangingPunct="1">
-              <a:spcBef>
-                <a:spcPct val="0"/>
-              </a:spcBef>
-              <a:buNone/>
-              <a:defRPr kumimoji="1" sz="2800" b="1" kern="1200" baseline="0">
-                <a:solidFill>
-                  <a:srgbClr val="C00000"/>
-                </a:solidFill>
-                <a:latin typeface="Arial" pitchFamily="34" charset="0"/>
-                <a:ea typeface="ＭＳ Ｐゴシック" pitchFamily="50" charset="-128"/>
-                <a:cs typeface="+mj-cs"/>
-              </a:defRPr>
-            </a:lvl1pPr>
-          </a:lstStyle>
-          <a:p>
-            <a:r>
-              <a:rPr lang="ja-JP" altLang="en-US" sz="2000" b="0" dirty="0" smtClean="0">
-                <a:solidFill>
-                  <a:schemeClr val="tx1"/>
-                </a:solidFill>
-                <a:latin typeface="+mn-lt"/>
-                <a:ea typeface="+mn-ea"/>
-                <a:cs typeface="ＭＳ 明朝"/>
-              </a:rPr>
-              <a:t>更新のチェック</a:t>
-            </a:r>
-            <a:endParaRPr lang="en-US" altLang="ja-JP" sz="2000" b="0" dirty="0" smtClean="0">
-              <a:solidFill>
-                <a:schemeClr val="tx1"/>
-              </a:solidFill>
-              <a:latin typeface="+mn-lt"/>
-              <a:ea typeface="+mn-ea"/>
-              <a:cs typeface="ＭＳ 明朝"/>
-            </a:endParaRPr>
-          </a:p>
-          <a:p>
-            <a:r>
-              <a:rPr lang="ja-JP" altLang="en-US" sz="2000" b="0" dirty="0" smtClean="0">
-                <a:solidFill>
-                  <a:schemeClr val="tx1"/>
-                </a:solidFill>
-                <a:latin typeface="+mn-lt"/>
-                <a:ea typeface="+mn-ea"/>
-                <a:cs typeface="ＭＳ 明朝"/>
-              </a:rPr>
-              <a:t>（１時間おき）</a:t>
-            </a:r>
-            <a:endParaRPr lang="en-US" altLang="ja-JP" sz="2000" b="0" dirty="0" smtClean="0">
-              <a:solidFill>
-                <a:schemeClr val="tx1"/>
-              </a:solidFill>
-              <a:latin typeface="+mn-lt"/>
-              <a:ea typeface="+mn-ea"/>
-              <a:cs typeface="ＭＳ 明朝"/>
-            </a:endParaRPr>
-          </a:p>
-        </p:txBody>
-      </p:sp>
-      <p:sp>
-        <p:nvSpPr>
-          <p:cNvPr id="32" name="タイトル 2"/>
-          <p:cNvSpPr txBox="1">
-            <a:spLocks/>
-          </p:cNvSpPr>
-          <p:nvPr/>
-        </p:nvSpPr>
-        <p:spPr>
-          <a:xfrm>
-            <a:off x="6588224" y="1052736"/>
-            <a:ext cx="2178256" cy="822976"/>
-          </a:xfrm>
-          <a:prstGeom prst="rect">
-            <a:avLst/>
-          </a:prstGeom>
-          <a:noFill/>
-          <a:ln>
-            <a:noFill/>
-          </a:ln>
-        </p:spPr>
-        <p:txBody>
-          <a:bodyPr anchor="ctr" anchorCtr="0">
-            <a:noAutofit/>
-          </a:bodyPr>
-          <a:lstStyle>
-            <a:lvl1pPr algn="ctr" defTabSz="914400" rtl="0" eaLnBrk="1" latinLnBrk="0" hangingPunct="1">
-              <a:spcBef>
-                <a:spcPct val="0"/>
-              </a:spcBef>
-              <a:buNone/>
-              <a:defRPr kumimoji="1" sz="2800" b="1" kern="1200" baseline="0">
-                <a:solidFill>
-                  <a:srgbClr val="C00000"/>
-                </a:solidFill>
-                <a:latin typeface="Arial" pitchFamily="34" charset="0"/>
-                <a:ea typeface="ＭＳ Ｐゴシック" pitchFamily="50" charset="-128"/>
-                <a:cs typeface="+mj-cs"/>
-              </a:defRPr>
-            </a:lvl1pPr>
-          </a:lstStyle>
-          <a:p>
-            <a:r>
-              <a:rPr lang="ja-JP" altLang="en-US" sz="2000" b="0" dirty="0" smtClean="0">
-                <a:solidFill>
-                  <a:schemeClr val="tx1"/>
-                </a:solidFill>
-                <a:latin typeface="+mn-lt"/>
-                <a:ea typeface="+mn-ea"/>
-                <a:cs typeface="ＭＳ 明朝"/>
-              </a:rPr>
-              <a:t>私のノート</a:t>
-            </a:r>
-            <a:r>
-              <a:rPr lang="en-US" altLang="ja-JP" sz="2000" b="0" dirty="0" smtClean="0">
-                <a:solidFill>
-                  <a:schemeClr val="tx1"/>
-                </a:solidFill>
-                <a:latin typeface="+mn-lt"/>
-                <a:ea typeface="+mn-ea"/>
-                <a:cs typeface="ＭＳ 明朝"/>
-              </a:rPr>
-              <a:t> PC</a:t>
-            </a:r>
-          </a:p>
-        </p:txBody>
-      </p:sp>
-      <p:sp>
-        <p:nvSpPr>
-          <p:cNvPr id="33" name="タイトル 2"/>
-          <p:cNvSpPr txBox="1">
-            <a:spLocks/>
-          </p:cNvSpPr>
-          <p:nvPr/>
-        </p:nvSpPr>
-        <p:spPr>
-          <a:xfrm>
-            <a:off x="3851920" y="5432322"/>
-            <a:ext cx="4896544" cy="950851"/>
-          </a:xfrm>
-          <a:prstGeom prst="rect">
-            <a:avLst/>
-          </a:prstGeom>
-          <a:noFill/>
-          <a:ln>
-            <a:noFill/>
-          </a:ln>
-        </p:spPr>
-        <p:txBody>
-          <a:bodyPr anchor="ctr" anchorCtr="0">
-            <a:noAutofit/>
-          </a:bodyPr>
-          <a:lstStyle>
-            <a:lvl1pPr algn="ctr" defTabSz="914400" rtl="0" eaLnBrk="1" latinLnBrk="0" hangingPunct="1">
-              <a:spcBef>
-                <a:spcPct val="0"/>
-              </a:spcBef>
-              <a:buNone/>
-              <a:defRPr kumimoji="1" sz="2800" b="1" kern="1200" baseline="0">
-                <a:solidFill>
-                  <a:srgbClr val="C00000"/>
-                </a:solidFill>
-                <a:latin typeface="Arial" pitchFamily="34" charset="0"/>
-                <a:ea typeface="ＭＳ Ｐゴシック" pitchFamily="50" charset="-128"/>
-                <a:cs typeface="+mj-cs"/>
-              </a:defRPr>
-            </a:lvl1pPr>
-          </a:lstStyle>
-          <a:p>
-            <a:pPr algn="l"/>
-            <a:r>
-              <a:rPr lang="ja-JP" altLang="en-US" sz="2000" b="0" dirty="0">
-                <a:solidFill>
-                  <a:schemeClr val="tx1"/>
-                </a:solidFill>
-                <a:latin typeface="+mn-lt"/>
-                <a:ea typeface="+mn-ea"/>
-                <a:cs typeface="ＭＳ 明朝"/>
-              </a:rPr>
-              <a:t>毎日</a:t>
-            </a:r>
-            <a:r>
-              <a:rPr lang="ja-JP" altLang="en-US" sz="2000" b="0" dirty="0" smtClean="0">
-                <a:solidFill>
-                  <a:schemeClr val="tx1"/>
-                </a:solidFill>
-                <a:latin typeface="+mn-lt"/>
-                <a:ea typeface="+mn-ea"/>
-                <a:cs typeface="ＭＳ 明朝"/>
-              </a:rPr>
-              <a:t>の朝礼で、</a:t>
-            </a:r>
-            <a:endParaRPr lang="en-US" altLang="ja-JP" sz="2000" b="0" dirty="0" smtClean="0">
-              <a:solidFill>
-                <a:schemeClr val="tx1"/>
-              </a:solidFill>
-              <a:latin typeface="+mn-lt"/>
-              <a:ea typeface="+mn-ea"/>
-              <a:cs typeface="ＭＳ 明朝"/>
-            </a:endParaRPr>
-          </a:p>
-          <a:p>
-            <a:pPr algn="l"/>
-            <a:r>
-              <a:rPr lang="ja-JP" altLang="en-US" sz="2000" b="0" dirty="0" smtClean="0">
-                <a:solidFill>
-                  <a:schemeClr val="tx1"/>
-                </a:solidFill>
-                <a:latin typeface="+mn-lt"/>
-                <a:ea typeface="+mn-ea"/>
-                <a:cs typeface="ＭＳ 明朝"/>
-              </a:rPr>
-              <a:t>最新版のアプリを</a:t>
-            </a:r>
-            <a:endParaRPr lang="en-US" altLang="ja-JP" sz="2000" b="0" dirty="0" smtClean="0">
-              <a:solidFill>
-                <a:schemeClr val="tx1"/>
-              </a:solidFill>
-              <a:latin typeface="+mn-lt"/>
-              <a:ea typeface="+mn-ea"/>
-              <a:cs typeface="ＭＳ 明朝"/>
-            </a:endParaRPr>
-          </a:p>
-          <a:p>
-            <a:pPr algn="l"/>
-            <a:r>
-              <a:rPr lang="ja-JP" altLang="en-US" sz="2000" b="0" dirty="0" smtClean="0">
-                <a:solidFill>
-                  <a:schemeClr val="tx1"/>
-                </a:solidFill>
-                <a:latin typeface="+mn-lt"/>
-                <a:ea typeface="+mn-ea"/>
-                <a:cs typeface="ＭＳ 明朝"/>
-              </a:rPr>
-              <a:t>ステークホルダーにデモする</a:t>
-            </a:r>
-            <a:endParaRPr lang="en-US" altLang="ja-JP" sz="2000" b="0" dirty="0" smtClean="0">
-              <a:solidFill>
-                <a:schemeClr val="tx1"/>
-              </a:solidFill>
-              <a:latin typeface="+mn-lt"/>
-              <a:ea typeface="+mn-ea"/>
-              <a:cs typeface="ＭＳ 明朝"/>
-            </a:endParaRPr>
-          </a:p>
-        </p:txBody>
-      </p:sp>
-      <p:cxnSp>
-        <p:nvCxnSpPr>
-          <p:cNvPr id="55" name="直線コネクタ 54"/>
-          <p:cNvCxnSpPr/>
-          <p:nvPr/>
-        </p:nvCxnSpPr>
-        <p:spPr>
-          <a:xfrm>
-            <a:off x="1281122" y="3802895"/>
-            <a:ext cx="2480774" cy="0"/>
-          </a:xfrm>
-          <a:prstGeom prst="line">
-            <a:avLst/>
-          </a:prstGeom>
-          <a:ln w="25400">
-            <a:solidFill>
-              <a:schemeClr val="accent6"/>
-            </a:solidFill>
-            <a:tailEnd type="none"/>
-          </a:ln>
-          <a:effectLst>
-            <a:outerShdw blurRad="88900" dist="38100" dir="8100000" algn="ctr" rotWithShape="0">
-              <a:srgbClr val="000000">
-                <a:alpha val="30000"/>
-              </a:srgbClr>
-            </a:outerShdw>
-          </a:effectLst>
-        </p:spPr>
-        <p:style>
-          <a:lnRef idx="1">
-            <a:schemeClr val="accent1"/>
-          </a:lnRef>
-          <a:fillRef idx="0">
-            <a:schemeClr val="accent1"/>
-          </a:fillRef>
-          <a:effectRef idx="0">
-            <a:schemeClr val="accent1"/>
-          </a:effectRef>
-          <a:fontRef idx="minor">
-            <a:schemeClr val="tx1"/>
-          </a:fontRef>
-        </p:style>
-      </p:cxnSp>
-      <p:sp>
-        <p:nvSpPr>
-          <p:cNvPr id="25" name="タイトル 2"/>
-          <p:cNvSpPr txBox="1">
-            <a:spLocks/>
-          </p:cNvSpPr>
-          <p:nvPr/>
-        </p:nvSpPr>
-        <p:spPr>
-          <a:xfrm>
-            <a:off x="2190102" y="2389439"/>
-            <a:ext cx="3323635" cy="590811"/>
-          </a:xfrm>
-          <a:prstGeom prst="rect">
-            <a:avLst/>
-          </a:prstGeom>
-          <a:noFill/>
-          <a:ln>
-            <a:noFill/>
-          </a:ln>
-        </p:spPr>
-        <p:txBody>
-          <a:bodyPr anchor="ctr" anchorCtr="0">
-            <a:noAutofit/>
-          </a:bodyPr>
-          <a:lstStyle>
-            <a:lvl1pPr algn="ctr" defTabSz="914400" rtl="0" eaLnBrk="1" latinLnBrk="0" hangingPunct="1">
-              <a:spcBef>
-                <a:spcPct val="0"/>
-              </a:spcBef>
-              <a:buNone/>
-              <a:defRPr kumimoji="1" sz="2800" b="1" kern="1200" baseline="0">
-                <a:solidFill>
-                  <a:srgbClr val="C00000"/>
-                </a:solidFill>
-                <a:latin typeface="Arial" pitchFamily="34" charset="0"/>
-                <a:ea typeface="ＭＳ Ｐゴシック" pitchFamily="50" charset="-128"/>
-                <a:cs typeface="+mj-cs"/>
-              </a:defRPr>
-            </a:lvl1pPr>
-          </a:lstStyle>
-          <a:p>
-            <a:r>
-              <a:rPr lang="ja-JP" altLang="en-US" sz="2000" b="0" dirty="0" smtClean="0">
-                <a:solidFill>
-                  <a:schemeClr val="tx1"/>
-                </a:solidFill>
-                <a:latin typeface="+mn-lt"/>
-                <a:ea typeface="+mn-ea"/>
-                <a:cs typeface="ＭＳ 明朝"/>
-              </a:rPr>
-              <a:t>チームメンバー全員に</a:t>
-            </a:r>
-            <a:endParaRPr lang="en-US" altLang="ja-JP" sz="2000" b="0" dirty="0" smtClean="0">
-              <a:solidFill>
-                <a:schemeClr val="tx1"/>
-              </a:solidFill>
-              <a:latin typeface="+mn-lt"/>
-              <a:ea typeface="+mn-ea"/>
-              <a:cs typeface="ＭＳ 明朝"/>
-            </a:endParaRPr>
-          </a:p>
-          <a:p>
-            <a:r>
-              <a:rPr lang="ja-JP" altLang="en-US" sz="2000" b="0" dirty="0" smtClean="0">
-                <a:solidFill>
-                  <a:schemeClr val="tx1"/>
-                </a:solidFill>
-                <a:latin typeface="+mn-lt"/>
-                <a:ea typeface="+mn-ea"/>
-                <a:cs typeface="ＭＳ 明朝"/>
-              </a:rPr>
-              <a:t>最新版のアプリを配信</a:t>
-            </a:r>
-            <a:endParaRPr lang="en-US" altLang="ja-JP" sz="2000" b="0" dirty="0" smtClean="0">
-              <a:solidFill>
-                <a:schemeClr val="tx1"/>
-              </a:solidFill>
-              <a:latin typeface="+mn-lt"/>
-              <a:ea typeface="+mn-ea"/>
-              <a:cs typeface="ＭＳ 明朝"/>
-            </a:endParaRPr>
-          </a:p>
-        </p:txBody>
-      </p:sp>
-      <p:pic>
-        <p:nvPicPr>
-          <p:cNvPr id="4098" name="Picture 2" descr="C:\Users\hiroyuki.a.ito\AppData\Local\Microsoft\Windows\Temporary Internet Files\Content.IE5\8OQ99XH7\MC900433826[1].png"/>
-          <p:cNvPicPr>
-            <a:picLocks noChangeAspect="1" noChangeArrowheads="1"/>
-          </p:cNvPicPr>
-          <p:nvPr/>
-        </p:nvPicPr>
-        <p:blipFill>
-          <a:blip r:embed="rId7">
-            <a:extLst>
-              <a:ext uri="{28A0092B-C50C-407E-A947-70E740481C1C}">
-                <a14:useLocalDpi xmlns:a14="http://schemas.microsoft.com/office/drawing/2010/main" val="0"/>
-              </a:ext>
-            </a:extLst>
-          </a:blip>
-          <a:srcRect/>
-          <a:stretch>
-            <a:fillRect/>
-          </a:stretch>
-        </p:blipFill>
-        <p:spPr bwMode="auto">
-          <a:xfrm>
-            <a:off x="2016071" y="4450967"/>
-            <a:ext cx="1930065" cy="1930065"/>
-          </a:xfrm>
-          <a:prstGeom prst="rect">
-            <a:avLst/>
-          </a:prstGeom>
-          <a:noFill/>
-          <a:ln>
-            <a:noFill/>
-          </a:ln>
-          <a:extLst>
-            <a:ext uri="{909E8E84-426E-40DD-AFC4-6F175D3DCCD1}">
-              <a14:hiddenFill xmlns:a14="http://schemas.microsoft.com/office/drawing/2010/main">
-                <a:solidFill>
-                  <a:srgbClr val="FFFFFF"/>
-                </a:solidFill>
-              </a14:hiddenFill>
-            </a:ext>
-          </a:extLst>
-        </p:spPr>
-      </p:pic>
-      <p:pic>
-        <p:nvPicPr>
-          <p:cNvPr id="24" name="Picture 2" descr="C:\Users\hiroyuki.a.ito\AppData\Local\Microsoft\Windows\Temporary Internet Files\Content.IE5\8OQ99XH7\MC900433826[1].png"/>
-          <p:cNvPicPr>
-            <a:picLocks noChangeAspect="1" noChangeArrowheads="1"/>
-          </p:cNvPicPr>
-          <p:nvPr/>
-        </p:nvPicPr>
-        <p:blipFill>
-          <a:blip r:embed="rId7">
-            <a:extLst>
-              <a:ext uri="{28A0092B-C50C-407E-A947-70E740481C1C}">
-                <a14:useLocalDpi xmlns:a14="http://schemas.microsoft.com/office/drawing/2010/main" val="0"/>
-              </a:ext>
-            </a:extLst>
-          </a:blip>
-          <a:srcRect/>
-          <a:stretch>
-            <a:fillRect/>
-          </a:stretch>
-        </p:blipFill>
-        <p:spPr bwMode="auto">
-          <a:xfrm>
-            <a:off x="938096" y="4450966"/>
-            <a:ext cx="1930065" cy="1930065"/>
-          </a:xfrm>
-          <a:prstGeom prst="rect">
-            <a:avLst/>
-          </a:prstGeom>
-          <a:noFill/>
-          <a:ln>
-            <a:noFill/>
-          </a:ln>
-          <a:extLst>
-            <a:ext uri="{909E8E84-426E-40DD-AFC4-6F175D3DCCD1}">
-              <a14:hiddenFill xmlns:a14="http://schemas.microsoft.com/office/drawing/2010/main">
-                <a:solidFill>
-                  <a:srgbClr val="FFFFFF"/>
-                </a:solidFill>
-              </a14:hiddenFill>
-            </a:ext>
-          </a:extLst>
-        </p:spPr>
-      </p:pic>
-      <p:pic>
-        <p:nvPicPr>
-          <p:cNvPr id="26" name="Picture 2" descr="C:\Users\hiroyuki.a.ito\AppData\Local\Microsoft\Windows\Temporary Internet Files\Content.IE5\8OQ99XH7\MC900433826[1].png"/>
-          <p:cNvPicPr>
-            <a:picLocks noChangeAspect="1" noChangeArrowheads="1"/>
-          </p:cNvPicPr>
-          <p:nvPr/>
-        </p:nvPicPr>
-        <p:blipFill>
-          <a:blip r:embed="rId7">
-            <a:extLst>
-              <a:ext uri="{28A0092B-C50C-407E-A947-70E740481C1C}">
-                <a14:useLocalDpi xmlns:a14="http://schemas.microsoft.com/office/drawing/2010/main" val="0"/>
-              </a:ext>
-            </a:extLst>
-          </a:blip>
-          <a:srcRect/>
-          <a:stretch>
-            <a:fillRect/>
-          </a:stretch>
-        </p:blipFill>
-        <p:spPr bwMode="auto">
-          <a:xfrm>
-            <a:off x="-139880" y="4453108"/>
-            <a:ext cx="1930065" cy="1930065"/>
-          </a:xfrm>
-          <a:prstGeom prst="rect">
-            <a:avLst/>
-          </a:prstGeom>
-          <a:noFill/>
-          <a:ln>
-            <a:noFill/>
-          </a:ln>
-          <a:extLst>
-            <a:ext uri="{909E8E84-426E-40DD-AFC4-6F175D3DCCD1}">
-              <a14:hiddenFill xmlns:a14="http://schemas.microsoft.com/office/drawing/2010/main">
-                <a:solidFill>
-                  <a:srgbClr val="FFFFFF"/>
-                </a:solidFill>
-              </a14:hiddenFill>
-            </a:ext>
-          </a:extLst>
-        </p:spPr>
-      </p:pic>
-      <p:cxnSp>
-        <p:nvCxnSpPr>
-          <p:cNvPr id="9" name="曲線コネクタ 8"/>
-          <p:cNvCxnSpPr>
-            <a:stCxn id="1029" idx="1"/>
-            <a:endCxn id="1029" idx="2"/>
-          </p:cNvCxnSpPr>
-          <p:nvPr/>
-        </p:nvCxnSpPr>
-        <p:spPr>
-          <a:xfrm rot="10800000" flipH="1" flipV="1">
-            <a:off x="6059580" y="2722261"/>
-            <a:ext cx="1452454" cy="1124845"/>
-          </a:xfrm>
-          <a:prstGeom prst="curvedConnector4">
-            <a:avLst>
-              <a:gd name="adj1" fmla="val -36321"/>
-              <a:gd name="adj2" fmla="val 162532"/>
-            </a:avLst>
-          </a:prstGeom>
-          <a:ln w="38100">
-            <a:solidFill>
-              <a:schemeClr val="tx1"/>
-            </a:solidFill>
-            <a:tailEnd type="arrow"/>
-          </a:ln>
-          <a:effectLst>
-            <a:outerShdw blurRad="88900" dist="38100" dir="8100000" algn="ctr" rotWithShape="0">
-              <a:srgbClr val="000000">
-                <a:alpha val="30000"/>
-              </a:srgbClr>
-            </a:outerShdw>
-          </a:effectLst>
-        </p:spPr>
-        <p:style>
-          <a:lnRef idx="1">
-            <a:schemeClr val="accent1"/>
-          </a:lnRef>
-          <a:fillRef idx="0">
-            <a:schemeClr val="accent1"/>
-          </a:fillRef>
-          <a:effectRef idx="0">
-            <a:schemeClr val="accent1"/>
-          </a:effectRef>
-          <a:fontRef idx="minor">
-            <a:schemeClr val="tx1"/>
-          </a:fontRef>
-        </p:style>
-      </p:cxnSp>
-      <p:sp>
-        <p:nvSpPr>
-          <p:cNvPr id="27" name="タイトル 2"/>
-          <p:cNvSpPr txBox="1">
-            <a:spLocks/>
-          </p:cNvSpPr>
-          <p:nvPr/>
-        </p:nvSpPr>
-        <p:spPr>
-          <a:xfrm>
-            <a:off x="4387476" y="4513160"/>
-            <a:ext cx="3825432" cy="590811"/>
-          </a:xfrm>
-          <a:prstGeom prst="rect">
-            <a:avLst/>
-          </a:prstGeom>
-          <a:noFill/>
-          <a:ln>
-            <a:noFill/>
-          </a:ln>
-        </p:spPr>
-        <p:txBody>
-          <a:bodyPr anchor="ctr" anchorCtr="0">
-            <a:noAutofit/>
-          </a:bodyPr>
-          <a:lstStyle>
-            <a:lvl1pPr algn="ctr" defTabSz="914400" rtl="0" eaLnBrk="1" latinLnBrk="0" hangingPunct="1">
-              <a:spcBef>
-                <a:spcPct val="0"/>
-              </a:spcBef>
-              <a:buNone/>
-              <a:defRPr kumimoji="1" sz="2800" b="1" kern="1200" baseline="0">
-                <a:solidFill>
-                  <a:srgbClr val="C00000"/>
-                </a:solidFill>
-                <a:latin typeface="Arial" pitchFamily="34" charset="0"/>
-                <a:ea typeface="ＭＳ Ｐゴシック" pitchFamily="50" charset="-128"/>
-                <a:cs typeface="+mj-cs"/>
-              </a:defRPr>
-            </a:lvl1pPr>
-          </a:lstStyle>
-          <a:p>
-            <a:r>
-              <a:rPr lang="ja-JP" altLang="en-US" sz="2000" b="0" dirty="0" smtClean="0">
-                <a:solidFill>
-                  <a:schemeClr val="tx1"/>
-                </a:solidFill>
-                <a:latin typeface="+mn-lt"/>
-                <a:ea typeface="+mn-ea"/>
-                <a:cs typeface="ＭＳ 明朝"/>
-              </a:rPr>
-              <a:t>ビルドと回帰テストを自動実行</a:t>
-            </a:r>
-            <a:endParaRPr lang="en-US" altLang="ja-JP" sz="2000" b="0" dirty="0" smtClean="0">
-              <a:solidFill>
-                <a:schemeClr val="tx1"/>
-              </a:solidFill>
-              <a:latin typeface="+mn-lt"/>
-              <a:ea typeface="+mn-ea"/>
-              <a:cs typeface="ＭＳ 明朝"/>
-            </a:endParaRPr>
-          </a:p>
-        </p:txBody>
-      </p:sp>
-    </p:spTree>
-    <p:extLst>
-      <p:ext uri="{BB962C8B-B14F-4D97-AF65-F5344CB8AC3E}">
-        <p14:creationId xmlns:p14="http://schemas.microsoft.com/office/powerpoint/2010/main" val="1199463252"/>
-      </p:ext>
-    </p:extLst>
-  </p:cSld>
-  <p:clrMapOvr>
-    <a:masterClrMapping/>
-  </p:clrMapOvr>
-  <p:timing>
-    <p:tnLst>
-      <p:par>
-        <p:cTn id="1" dur="indefinite" restart="never" nodeType="tmRoot">
-          <p:childTnLst>
-            <p:seq concurrent="1" nextAc="seek">
-              <p:cTn id="2" dur="indefinite" nodeType="mainSeq">
-                <p:childTnLst>
-                  <p:par>
-                    <p:cTn id="3" fill="hold">
-                      <p:stCondLst>
-                        <p:cond delay="indefinite"/>
-                      </p:stCondLst>
-                      <p:childTnLst>
-                        <p:par>
-                          <p:cTn id="4" fill="hold">
-                            <p:stCondLst>
-                              <p:cond delay="0"/>
-                            </p:stCondLst>
-                            <p:childTnLst>
-                              <p:par>
-                                <p:cTn id="5" presetID="5" presetClass="entr" presetSubtype="10" fill="hold" nodeType="clickEffect">
-                                  <p:stCondLst>
-                                    <p:cond delay="0"/>
-                                  </p:stCondLst>
-                                  <p:childTnLst>
-                                    <p:set>
-                                      <p:cBhvr>
-                                        <p:cTn id="6" dur="1" fill="hold">
-                                          <p:stCondLst>
-                                            <p:cond delay="0"/>
-                                          </p:stCondLst>
-                                        </p:cTn>
-                                        <p:tgtEl>
-                                          <p:spTgt spid="41"/>
-                                        </p:tgtEl>
-                                        <p:attrNameLst>
-                                          <p:attrName>style.visibility</p:attrName>
-                                        </p:attrNameLst>
-                                      </p:cBhvr>
-                                      <p:to>
-                                        <p:strVal val="visible"/>
-                                      </p:to>
-                                    </p:set>
-                                    <p:animEffect transition="in" filter="checkerboard(across)">
-                                      <p:cBhvr>
-                                        <p:cTn id="7" dur="500"/>
-                                        <p:tgtEl>
-                                          <p:spTgt spid="41"/>
-                                        </p:tgtEl>
-                                      </p:cBhvr>
-                                    </p:animEffect>
-                                  </p:childTnLst>
-                                </p:cTn>
-                              </p:par>
-                              <p:par>
-                                <p:cTn id="8" presetID="5" presetClass="entr" presetSubtype="10" fill="hold" grpId="0" nodeType="withEffect">
-                                  <p:stCondLst>
-                                    <p:cond delay="0"/>
-                                  </p:stCondLst>
-                                  <p:childTnLst>
-                                    <p:set>
-                                      <p:cBhvr>
-                                        <p:cTn id="9" dur="1" fill="hold">
-                                          <p:stCondLst>
-                                            <p:cond delay="0"/>
-                                          </p:stCondLst>
-                                        </p:cTn>
-                                        <p:tgtEl>
-                                          <p:spTgt spid="32"/>
-                                        </p:tgtEl>
-                                        <p:attrNameLst>
-                                          <p:attrName>style.visibility</p:attrName>
-                                        </p:attrNameLst>
-                                      </p:cBhvr>
-                                      <p:to>
-                                        <p:strVal val="visible"/>
-                                      </p:to>
-                                    </p:set>
-                                    <p:animEffect transition="in" filter="checkerboard(across)">
-                                      <p:cBhvr>
-                                        <p:cTn id="10" dur="500"/>
-                                        <p:tgtEl>
-                                          <p:spTgt spid="32"/>
-                                        </p:tgtEl>
-                                      </p:cBhvr>
-                                    </p:animEffect>
-                                  </p:childTnLst>
-                                </p:cTn>
-                              </p:par>
-                            </p:childTnLst>
-                          </p:cTn>
-                        </p:par>
-                      </p:childTnLst>
-                    </p:cTn>
-                  </p:par>
-                  <p:par>
-                    <p:cTn id="11" fill="hold">
-                      <p:stCondLst>
-                        <p:cond delay="indefinite"/>
-                      </p:stCondLst>
-                      <p:childTnLst>
-                        <p:par>
-                          <p:cTn id="12" fill="hold">
-                            <p:stCondLst>
-                              <p:cond delay="0"/>
-                            </p:stCondLst>
-                            <p:childTnLst>
-                              <p:par>
-                                <p:cTn id="13" presetID="3" presetClass="entr" presetSubtype="10" fill="hold" nodeType="clickEffect">
-                                  <p:stCondLst>
-                                    <p:cond delay="0"/>
-                                  </p:stCondLst>
-                                  <p:childTnLst>
-                                    <p:set>
-                                      <p:cBhvr>
-                                        <p:cTn id="14" dur="1" fill="hold">
-                                          <p:stCondLst>
-                                            <p:cond delay="0"/>
-                                          </p:stCondLst>
-                                        </p:cTn>
-                                        <p:tgtEl>
-                                          <p:spTgt spid="1031"/>
-                                        </p:tgtEl>
-                                        <p:attrNameLst>
-                                          <p:attrName>style.visibility</p:attrName>
-                                        </p:attrNameLst>
-                                      </p:cBhvr>
-                                      <p:to>
-                                        <p:strVal val="visible"/>
-                                      </p:to>
-                                    </p:set>
-                                    <p:animEffect transition="in" filter="blinds(horizontal)">
-                                      <p:cBhvr>
-                                        <p:cTn id="15" dur="500"/>
-                                        <p:tgtEl>
-                                          <p:spTgt spid="1031"/>
-                                        </p:tgtEl>
-                                      </p:cBhvr>
-                                    </p:animEffect>
-                                  </p:childTnLst>
-                                </p:cTn>
-                              </p:par>
-                              <p:par>
-                                <p:cTn id="16" presetID="3" presetClass="entr" presetSubtype="10" fill="hold" grpId="0" nodeType="withEffect">
-                                  <p:stCondLst>
-                                    <p:cond delay="0"/>
-                                  </p:stCondLst>
-                                  <p:childTnLst>
-                                    <p:set>
-                                      <p:cBhvr>
-                                        <p:cTn id="17" dur="1" fill="hold">
-                                          <p:stCondLst>
-                                            <p:cond delay="0"/>
-                                          </p:stCondLst>
-                                        </p:cTn>
-                                        <p:tgtEl>
-                                          <p:spTgt spid="31"/>
-                                        </p:tgtEl>
-                                        <p:attrNameLst>
-                                          <p:attrName>style.visibility</p:attrName>
-                                        </p:attrNameLst>
-                                      </p:cBhvr>
-                                      <p:to>
-                                        <p:strVal val="visible"/>
-                                      </p:to>
-                                    </p:set>
-                                    <p:animEffect transition="in" filter="blinds(horizontal)">
-                                      <p:cBhvr>
-                                        <p:cTn id="18" dur="500"/>
-                                        <p:tgtEl>
-                                          <p:spTgt spid="31"/>
-                                        </p:tgtEl>
-                                      </p:cBhvr>
-                                    </p:animEffect>
-                                  </p:childTnLst>
-                                </p:cTn>
-                              </p:par>
-                              <p:par>
-                                <p:cTn id="19" presetID="3" presetClass="entr" presetSubtype="10" fill="hold" nodeType="withEffect">
-                                  <p:stCondLst>
-                                    <p:cond delay="0"/>
-                                  </p:stCondLst>
-                                  <p:childTnLst>
-                                    <p:set>
-                                      <p:cBhvr>
-                                        <p:cTn id="20" dur="1" fill="hold">
-                                          <p:stCondLst>
-                                            <p:cond delay="0"/>
-                                          </p:stCondLst>
-                                        </p:cTn>
-                                        <p:tgtEl>
-                                          <p:spTgt spid="3"/>
-                                        </p:tgtEl>
-                                        <p:attrNameLst>
-                                          <p:attrName>style.visibility</p:attrName>
-                                        </p:attrNameLst>
-                                      </p:cBhvr>
-                                      <p:to>
-                                        <p:strVal val="visible"/>
-                                      </p:to>
-                                    </p:set>
-                                    <p:animEffect transition="in" filter="blinds(horizontal)">
-                                      <p:cBhvr>
-                                        <p:cTn id="21" dur="500"/>
-                                        <p:tgtEl>
-                                          <p:spTgt spid="3"/>
-                                        </p:tgtEl>
-                                      </p:cBhvr>
-                                    </p:animEffect>
-                                  </p:childTnLst>
-                                </p:cTn>
-                              </p:par>
-                            </p:childTnLst>
-                          </p:cTn>
-                        </p:par>
-                      </p:childTnLst>
-                    </p:cTn>
-                  </p:par>
-                  <p:par>
-                    <p:cTn id="22" fill="hold">
-                      <p:stCondLst>
-                        <p:cond delay="indefinite"/>
-                      </p:stCondLst>
-                      <p:childTnLst>
-                        <p:par>
-                          <p:cTn id="23" fill="hold">
-                            <p:stCondLst>
-                              <p:cond delay="0"/>
-                            </p:stCondLst>
-                            <p:childTnLst>
-                              <p:par>
-                                <p:cTn id="24" presetID="5" presetClass="entr" presetSubtype="10" fill="hold" grpId="0" nodeType="clickEffect">
-                                  <p:stCondLst>
-                                    <p:cond delay="0"/>
-                                  </p:stCondLst>
-                                  <p:childTnLst>
-                                    <p:set>
-                                      <p:cBhvr>
-                                        <p:cTn id="25" dur="1" fill="hold">
-                                          <p:stCondLst>
-                                            <p:cond delay="0"/>
-                                          </p:stCondLst>
-                                        </p:cTn>
-                                        <p:tgtEl>
-                                          <p:spTgt spid="27"/>
-                                        </p:tgtEl>
-                                        <p:attrNameLst>
-                                          <p:attrName>style.visibility</p:attrName>
-                                        </p:attrNameLst>
-                                      </p:cBhvr>
-                                      <p:to>
-                                        <p:strVal val="visible"/>
-                                      </p:to>
-                                    </p:set>
-                                    <p:animEffect transition="in" filter="checkerboard(across)">
-                                      <p:cBhvr>
-                                        <p:cTn id="26" dur="500"/>
-                                        <p:tgtEl>
-                                          <p:spTgt spid="27"/>
-                                        </p:tgtEl>
-                                      </p:cBhvr>
-                                    </p:animEffect>
-                                  </p:childTnLst>
-                                </p:cTn>
-                              </p:par>
-                              <p:par>
-                                <p:cTn id="27" presetID="5" presetClass="entr" presetSubtype="10" fill="hold" nodeType="withEffect">
-                                  <p:stCondLst>
-                                    <p:cond delay="0"/>
-                                  </p:stCondLst>
-                                  <p:childTnLst>
-                                    <p:set>
-                                      <p:cBhvr>
-                                        <p:cTn id="28" dur="1" fill="hold">
-                                          <p:stCondLst>
-                                            <p:cond delay="0"/>
-                                          </p:stCondLst>
-                                        </p:cTn>
-                                        <p:tgtEl>
-                                          <p:spTgt spid="9"/>
-                                        </p:tgtEl>
-                                        <p:attrNameLst>
-                                          <p:attrName>style.visibility</p:attrName>
-                                        </p:attrNameLst>
-                                      </p:cBhvr>
-                                      <p:to>
-                                        <p:strVal val="visible"/>
-                                      </p:to>
-                                    </p:set>
                                     <p:animEffect transition="in" filter="checkerboard(across)">
                                       <p:cBhvr>
                                         <p:cTn id="29" dur="500"/>
                                         <p:tgtEl>
-                                          <p:spTgt spid="9"/>
+                                          <p:spTgt spid="24"/>
                                         </p:tgtEl>
                                       </p:cBhvr>
                                     </p:animEffect>
@@ -15377,7 +13383,7 @@
                                           </p:stCondLst>
                                         </p:cTn>
                                         <p:tgtEl>
-                                          <p:spTgt spid="10"/>
+                                          <p:spTgt spid="19"/>
                                         </p:tgtEl>
                                         <p:attrNameLst>
                                           <p:attrName>style.visibility</p:attrName>
@@ -15391,7 +13397,7 @@
                                       <p:cBhvr>
                                         <p:cTn id="46" dur="500"/>
                                         <p:tgtEl>
-                                          <p:spTgt spid="10"/>
+                                          <p:spTgt spid="19"/>
                                         </p:tgtEl>
                                       </p:cBhvr>
                                     </p:animEffect>
@@ -15447,7 +13453,7 @@
                                           </p:stCondLst>
                                         </p:cTn>
                                         <p:tgtEl>
-                                          <p:spTgt spid="19"/>
+                                          <p:spTgt spid="10"/>
                                         </p:tgtEl>
                                         <p:attrNameLst>
                                           <p:attrName>style.visibility</p:attrName>
@@ -15461,7 +13467,7 @@
                                       <p:cBhvr>
                                         <p:cTn id="52" dur="500"/>
                                         <p:tgtEl>
-                                          <p:spTgt spid="19"/>
+                                          <p:spTgt spid="10"/>
                                         </p:tgtEl>
                                       </p:cBhvr>
                                     </p:animEffect>
@@ -15482,7 +13488,7 @@
                                           </p:stCondLst>
                                         </p:cTn>
                                         <p:tgtEl>
-                                          <p:spTgt spid="26"/>
+                                          <p:spTgt spid="9"/>
                                         </p:tgtEl>
                                         <p:attrNameLst>
                                           <p:attrName>style.visibility</p:attrName>
@@ -15496,7 +13502,7 @@
                                       <p:cBhvr>
                                         <p:cTn id="55" dur="500"/>
                                         <p:tgtEl>
-                                          <p:spTgt spid="26"/>
+                                          <p:spTgt spid="9"/>
                                         </p:tgtEl>
                                       </p:cBhvr>
                                     </p:animEffect>
@@ -15517,7 +13523,7 @@
                                           </p:stCondLst>
                                         </p:cTn>
                                         <p:tgtEl>
-                                          <p:spTgt spid="24"/>
+                                          <p:spTgt spid="22"/>
                                         </p:tgtEl>
                                         <p:attrNameLst>
                                           <p:attrName>style.visibility</p:attrName>
@@ -15531,7 +13537,7 @@
                                       <p:cBhvr>
                                         <p:cTn id="58" dur="500"/>
                                         <p:tgtEl>
-                                          <p:spTgt spid="24"/>
+                                          <p:spTgt spid="22"/>
                                         </p:tgtEl>
                                       </p:cBhvr>
                                     </p:animEffect>
@@ -15552,7 +13558,7 @@
                                           </p:stCondLst>
                                         </p:cTn>
                                         <p:tgtEl>
-                                          <p:spTgt spid="4098"/>
+                                          <p:spTgt spid="23"/>
                                         </p:tgtEl>
                                         <p:attrNameLst>
                                           <p:attrName>style.visibility</p:attrName>
@@ -15566,7 +13572,7 @@
                                       <p:cBhvr>
                                         <p:cTn id="61" dur="500"/>
                                         <p:tgtEl>
-                                          <p:spTgt spid="4098"/>
+                                          <p:spTgt spid="23"/>
                                         </p:tgtEl>
                                       </p:cBhvr>
                                     </p:animEffect>
@@ -15658,89 +13664,8 @@
       <p:bldP spid="32" grpId="0"/>
       <p:bldP spid="33" grpId="0"/>
       <p:bldP spid="25" grpId="0"/>
-      <p:bldP spid="27" grpId="0"/>
+      <p:bldP spid="24" grpId="0"/>
     </p:bldLst>
-  </p:timing>
-</p:sld>
-</file>
-
-<file path=ppt/slides/slide21.xml><?xml version="1.0" encoding="utf-8"?>
-<p:sld xmlns:a="http://schemas.openxmlformats.org/drawingml/2006/main" xmlns:r="http://schemas.openxmlformats.org/officeDocument/2006/relationships" xmlns:p="http://schemas.openxmlformats.org/presentationml/2006/main">
-  <p:cSld>
-    <p:spTree>
-      <p:nvGrpSpPr>
-        <p:cNvPr id="1" name=""/>
-        <p:cNvGrpSpPr/>
-        <p:nvPr/>
-      </p:nvGrpSpPr>
-      <p:grpSpPr>
-        <a:xfrm>
-          <a:off x="0" y="0"/>
-          <a:ext cx="0" cy="0"/>
-          <a:chOff x="0" y="0"/>
-          <a:chExt cx="0" cy="0"/>
-        </a:xfrm>
-      </p:grpSpPr>
-      <p:pic>
-        <p:nvPicPr>
-          <p:cNvPr id="1028" name="Picture 4" descr="C:\agile\docs\TDD\reports\IPS\画像\失敗した.jpg"/>
-          <p:cNvPicPr>
-            <a:picLocks noChangeAspect="1" noChangeArrowheads="1"/>
-          </p:cNvPicPr>
-          <p:nvPr/>
-        </p:nvPicPr>
-        <p:blipFill>
-          <a:blip r:embed="rId3">
-            <a:extLst>
-              <a:ext uri="{28A0092B-C50C-407E-A947-70E740481C1C}">
-                <a14:useLocalDpi xmlns:a14="http://schemas.microsoft.com/office/drawing/2010/main" val="0"/>
-              </a:ext>
-            </a:extLst>
-          </a:blip>
-          <a:srcRect/>
-          <a:stretch>
-            <a:fillRect/>
-          </a:stretch>
-        </p:blipFill>
-        <p:spPr bwMode="auto">
-          <a:xfrm>
-            <a:off x="1442386" y="332061"/>
-            <a:ext cx="6259229" cy="5861818"/>
-          </a:xfrm>
-          <a:prstGeom prst="rect">
-            <a:avLst/>
-          </a:prstGeom>
-          <a:noFill/>
-          <a:ln>
-            <a:noFill/>
-          </a:ln>
-          <a:extLst>
-            <a:ext uri="{909E8E84-426E-40DD-AFC4-6F175D3DCCD1}">
-              <a14:hiddenFill xmlns:a14="http://schemas.microsoft.com/office/drawing/2010/main">
-                <a:solidFill>
-                  <a:srgbClr val="FFFFFF"/>
-                </a:solidFill>
-              </a14:hiddenFill>
-            </a:ext>
-          </a:extLst>
-        </p:spPr>
-      </p:pic>
-    </p:spTree>
-    <p:extLst>
-      <p:ext uri="{BB962C8B-B14F-4D97-AF65-F5344CB8AC3E}">
-        <p14:creationId xmlns:p14="http://schemas.microsoft.com/office/powerpoint/2010/main" val="1504552315"/>
-      </p:ext>
-    </p:extLst>
-  </p:cSld>
-  <p:clrMapOvr>
-    <a:masterClrMapping/>
-  </p:clrMapOvr>
-  <p:timing>
-    <p:tnLst>
-      <p:par>
-        <p:cTn id="1" dur="indefinite" restart="never" nodeType="tmRoot"/>
-      </p:par>
-    </p:tnLst>
   </p:timing>
 </p:sld>
 </file>
@@ -17073,7 +14998,9 @@
             <a:off x="360000" y="252000"/>
             <a:ext cx="8424000" cy="360000"/>
           </a:xfrm>
-          <a:noFill/>
+          <a:solidFill>
+            <a:srgbClr val="92D050"/>
+          </a:solidFill>
           <a:ln>
             <a:noFill/>
           </a:ln>
@@ -22923,16 +20850,8 @@
           <a:lstStyle/>
           <a:p>
             <a:r>
-              <a:rPr lang="ja-JP" altLang="en-US" dirty="0" smtClean="0"/>
-              <a:t>（例）　</a:t>
-            </a:r>
-            <a:r>
               <a:rPr lang="en-US" altLang="ja-JP" dirty="0" smtClean="0"/>
-              <a:t>ATDD </a:t>
-            </a:r>
-            <a:r>
-              <a:rPr lang="ja-JP" altLang="en-US" dirty="0" smtClean="0"/>
-              <a:t>のテストケース</a:t>
+              <a:t>Example of BDD test scenario with Calabash-Android</a:t>
             </a:r>
             <a:endParaRPr kumimoji="1" lang="ja-JP" altLang="en-US" dirty="0"/>
           </a:p>
@@ -23094,12 +21013,20 @@
               <a:t>    </a:t>
             </a:r>
             <a:r>
-              <a:rPr lang="en-US" altLang="ja-JP" sz="2000" dirty="0">
+              <a:rPr lang="en-US" altLang="ja-JP" sz="2000" dirty="0" smtClean="0">
                 <a:solidFill>
                   <a:srgbClr val="00B050"/>
                 </a:solidFill>
               </a:rPr>
-              <a:t>Then</a:t>
+              <a:t>And</a:t>
+            </a:r>
+            <a:r>
+              <a:rPr lang="en-US" altLang="ja-JP" sz="2000" b="0" dirty="0" smtClean="0">
+                <a:solidFill>
+                  <a:schemeClr val="tx1"/>
+                </a:solidFill>
+              </a:rPr>
+              <a:t> </a:t>
             </a:r>
             <a:r>
               <a:rPr lang="en-US" altLang="ja-JP" sz="2000" b="0" dirty="0">
@@ -23107,7 +21034,7 @@
                   <a:schemeClr val="tx1"/>
                 </a:solidFill>
               </a:rPr>
-              <a:t> drumroll show today</a:t>
+              <a:t>drumroll show today</a:t>
             </a:r>
           </a:p>
           <a:p>
@@ -23371,13 +21298,13 @@
         </p:nvSpPr>
         <p:spPr>
           <a:xfrm>
-            <a:off x="5510836" y="764704"/>
-            <a:ext cx="2880000" cy="864096"/>
+            <a:off x="4643848" y="764704"/>
+            <a:ext cx="4320000" cy="864096"/>
           </a:xfrm>
           <a:prstGeom prst="wedgeRectCallout">
             <a:avLst>
-              <a:gd name="adj1" fmla="val -102876"/>
-              <a:gd name="adj2" fmla="val -3792"/>
+              <a:gd name="adj1" fmla="val -69278"/>
+              <a:gd name="adj2" fmla="val -7152"/>
             </a:avLst>
           </a:prstGeom>
           <a:solidFill>
@@ -23415,9 +21342,23 @@
           <a:bodyPr rtlCol="0" anchor="ctr"/>
           <a:lstStyle/>
           <a:p>
-            <a:r>
-              <a:rPr kumimoji="1" lang="ja-JP" altLang="en-US" sz="2000" dirty="0" smtClean="0"/>
-              <a:t>テストケースの名称です</a:t>
+            <a:pPr marL="342900" indent="-342900">
+              <a:buFont typeface="Arial" panose="020B0604020202020204" pitchFamily="34" charset="0"/>
+              <a:buChar char="•"/>
+            </a:pPr>
+            <a:r>
+              <a:rPr kumimoji="1" lang="en-US" altLang="ja-JP" sz="2000" dirty="0" smtClean="0"/>
+              <a:t>Feature	: name of all cases</a:t>
+            </a:r>
+          </a:p>
+          <a:p>
+            <a:pPr marL="342900" indent="-342900">
+              <a:buFont typeface="Arial" panose="020B0604020202020204" pitchFamily="34" charset="0"/>
+              <a:buChar char="•"/>
+            </a:pPr>
+            <a:r>
+              <a:rPr lang="en-US" altLang="ja-JP" sz="2000" dirty="0" smtClean="0"/>
+              <a:t>Scenario	: name of each case</a:t>
             </a:r>
             <a:endParaRPr kumimoji="1" lang="ja-JP" altLang="en-US" sz="2000" dirty="0"/>
           </a:p>
@@ -23431,13 +21372,13 @@
         </p:nvSpPr>
         <p:spPr>
           <a:xfrm>
-            <a:off x="5508104" y="1772816"/>
+            <a:off x="4643848" y="1772816"/>
             <a:ext cx="2880000" cy="864096"/>
           </a:xfrm>
           <a:prstGeom prst="wedgeRectCallout">
             <a:avLst>
-              <a:gd name="adj1" fmla="val -102984"/>
-              <a:gd name="adj2" fmla="val 26425"/>
+              <a:gd name="adj1" fmla="val -78794"/>
+              <a:gd name="adj2" fmla="val 19706"/>
             </a:avLst>
           </a:prstGeom>
           <a:solidFill>
@@ -23476,15 +21417,14 @@
           <a:lstStyle/>
           <a:p>
             <a:r>
-              <a:rPr kumimoji="1" lang="ja-JP" altLang="en-US" sz="2000" dirty="0" smtClean="0"/>
-              <a:t>このレベルの記述で</a:t>
-            </a:r>
-            <a:endParaRPr kumimoji="1" lang="en-US" altLang="ja-JP" sz="2000" dirty="0" smtClean="0"/>
+              <a:rPr kumimoji="1" lang="en-US" altLang="ja-JP" sz="2000" dirty="0" smtClean="0"/>
+              <a:t>These statements are</a:t>
+            </a:r>
           </a:p>
           <a:p>
             <a:r>
-              <a:rPr kumimoji="1" lang="ja-JP" altLang="en-US" sz="2000" dirty="0" smtClean="0"/>
-              <a:t>自動実行できます</a:t>
+              <a:rPr lang="en-US" altLang="ja-JP" sz="2000" dirty="0" smtClean="0"/>
+              <a:t>RUNNABLE!</a:t>
             </a:r>
             <a:endParaRPr kumimoji="1" lang="ja-JP" altLang="en-US" sz="2000" dirty="0"/>
           </a:p>
@@ -23498,13 +21438,13 @@
         </p:nvSpPr>
         <p:spPr>
           <a:xfrm>
-            <a:off x="3203848" y="4221088"/>
+            <a:off x="4643848" y="4221088"/>
             <a:ext cx="2880000" cy="1152128"/>
           </a:xfrm>
           <a:prstGeom prst="wedgeRectCallout">
             <a:avLst>
-              <a:gd name="adj1" fmla="val -76677"/>
-              <a:gd name="adj2" fmla="val -24081"/>
+              <a:gd name="adj1" fmla="val -124554"/>
+              <a:gd name="adj2" fmla="val -25341"/>
             </a:avLst>
           </a:prstGeom>
           <a:solidFill>
@@ -23543,19 +21483,14 @@
           <a:lstStyle/>
           <a:p>
             <a:r>
-              <a:rPr lang="ja-JP" altLang="en-US" sz="2000" dirty="0" smtClean="0"/>
-              <a:t>読みやすさを考慮した</a:t>
-            </a:r>
-            <a:endParaRPr lang="en-US" altLang="ja-JP" sz="2000" dirty="0" smtClean="0"/>
+              <a:rPr lang="en-US" altLang="ja-JP" sz="2000" dirty="0" smtClean="0"/>
+              <a:t>We can write data</a:t>
+            </a:r>
           </a:p>
           <a:p>
             <a:r>
-              <a:rPr lang="ja-JP" altLang="en-US" sz="2000" dirty="0" smtClean="0"/>
-              <a:t>記述が</a:t>
-            </a:r>
-            <a:r>
-              <a:rPr kumimoji="1" lang="ja-JP" altLang="en-US" sz="2000" dirty="0" smtClean="0"/>
-              <a:t>できます</a:t>
+              <a:rPr kumimoji="1" lang="en-US" altLang="ja-JP" sz="2000" dirty="0" smtClean="0"/>
+              <a:t>with table style like this</a:t>
             </a:r>
             <a:endParaRPr kumimoji="1" lang="ja-JP" altLang="en-US" sz="2000" dirty="0"/>
           </a:p>
@@ -23574,9 +21509,196 @@
   <p:timing>
     <p:tnLst>
       <p:par>
-        <p:cTn id="1" dur="indefinite" restart="never" nodeType="tmRoot"/>
+        <p:cTn id="1" dur="indefinite" restart="never" nodeType="tmRoot">
+          <p:childTnLst>
+            <p:seq concurrent="1" nextAc="seek">
+              <p:cTn id="2" dur="indefinite" nodeType="mainSeq">
+                <p:childTnLst>
+                  <p:par>
+                    <p:cTn id="3" fill="hold">
+                      <p:stCondLst>
+                        <p:cond delay="indefinite"/>
+                      </p:stCondLst>
+                      <p:childTnLst>
+                        <p:par>
+                          <p:cTn id="4" fill="hold">
+                            <p:stCondLst>
+                              <p:cond delay="0"/>
+                            </p:stCondLst>
+                            <p:childTnLst>
+                              <p:par>
+                                <p:cTn id="5" presetID="16" presetClass="entr" presetSubtype="21" fill="hold" grpId="0" nodeType="clickEffect">
+                                  <p:stCondLst>
+                                    <p:cond delay="0"/>
+                                  </p:stCondLst>
+                                  <p:childTnLst>
+                                    <p:set>
+                                      <p:cBhvr>
+                                        <p:cTn id="6" dur="1" fill="hold">
+                                          <p:stCondLst>
+                                            <p:cond delay="0"/>
+                                          </p:stCondLst>
+                                        </p:cTn>
+                                        <p:tgtEl>
+                                          <p:spTgt spid="6"/>
+                                        </p:tgtEl>
+                                        <p:attrNameLst>
+                                          <p:attrName>style.visibility</p:attrName>
+                                        </p:attrNameLst>
+                                      </p:cBhvr>
+                                      <p:to>
+                                        <p:strVal val="visible"/>
+                                      </p:to>
+                                    </p:set>
+                                    <p:animEffect transition="in" filter="barn(inVertical)">
+                                      <p:cBhvr>
+                                        <p:cTn id="7" dur="500"/>
+                                        <p:tgtEl>
+                                          <p:spTgt spid="6"/>
+                                        </p:tgtEl>
+                                      </p:cBhvr>
+                                    </p:animEffect>
+                                  </p:childTnLst>
+                                </p:cTn>
+                              </p:par>
+                            </p:childTnLst>
+                          </p:cTn>
+                        </p:par>
+                      </p:childTnLst>
+                    </p:cTn>
+                  </p:par>
+                  <p:par>
+                    <p:cTn id="8" fill="hold">
+                      <p:stCondLst>
+                        <p:cond delay="indefinite"/>
+                      </p:stCondLst>
+                      <p:childTnLst>
+                        <p:par>
+                          <p:cTn id="9" fill="hold">
+                            <p:stCondLst>
+                              <p:cond delay="0"/>
+                            </p:stCondLst>
+                            <p:childTnLst>
+                              <p:par>
+                                <p:cTn id="10" presetID="16" presetClass="entr" presetSubtype="21" fill="hold" grpId="0" nodeType="clickEffect">
+                                  <p:stCondLst>
+                                    <p:cond delay="0"/>
+                                  </p:stCondLst>
+                                  <p:childTnLst>
+                                    <p:set>
+                                      <p:cBhvr>
+                                        <p:cTn id="11" dur="1" fill="hold">
+                                          <p:stCondLst>
+                                            <p:cond delay="0"/>
+                                          </p:stCondLst>
+                                        </p:cTn>
+                                        <p:tgtEl>
+                                          <p:spTgt spid="8"/>
+                                        </p:tgtEl>
+                                        <p:attrNameLst>
+                                          <p:attrName>style.visibility</p:attrName>
+                                        </p:attrNameLst>
+                                      </p:cBhvr>
+                                      <p:to>
+                                        <p:strVal val="visible"/>
+                                      </p:to>
+                                    </p:set>
+                                    <p:animEffect transition="in" filter="barn(inVertical)">
+                                      <p:cBhvr>
+                                        <p:cTn id="12" dur="500"/>
+                                        <p:tgtEl>
+                                          <p:spTgt spid="8"/>
+                                        </p:tgtEl>
+                                      </p:cBhvr>
+                                    </p:animEffect>
+                                  </p:childTnLst>
+                                </p:cTn>
+                              </p:par>
+                            </p:childTnLst>
+                          </p:cTn>
+                        </p:par>
+                      </p:childTnLst>
+                    </p:cTn>
+                  </p:par>
+                  <p:par>
+                    <p:cTn id="13" fill="hold">
+                      <p:stCondLst>
+                        <p:cond delay="indefinite"/>
+                      </p:stCondLst>
+                      <p:childTnLst>
+                        <p:par>
+                          <p:cTn id="14" fill="hold">
+                            <p:stCondLst>
+                              <p:cond delay="0"/>
+                            </p:stCondLst>
+                            <p:childTnLst>
+                              <p:par>
+                                <p:cTn id="15" presetID="16" presetClass="entr" presetSubtype="21" fill="hold" grpId="0" nodeType="clickEffect">
+                                  <p:stCondLst>
+                                    <p:cond delay="0"/>
+                                  </p:stCondLst>
+                                  <p:childTnLst>
+                                    <p:set>
+                                      <p:cBhvr>
+                                        <p:cTn id="16" dur="1" fill="hold">
+                                          <p:stCondLst>
+                                            <p:cond delay="0"/>
+                                          </p:stCondLst>
+                                        </p:cTn>
+                                        <p:tgtEl>
+                                          <p:spTgt spid="9"/>
+                                        </p:tgtEl>
+                                        <p:attrNameLst>
+                                          <p:attrName>style.visibility</p:attrName>
+                                        </p:attrNameLst>
+                                      </p:cBhvr>
+                                      <p:to>
+                                        <p:strVal val="visible"/>
+                                      </p:to>
+                                    </p:set>
+                                    <p:animEffect transition="in" filter="barn(inVertical)">
+                                      <p:cBhvr>
+                                        <p:cTn id="17" dur="500"/>
+                                        <p:tgtEl>
+                                          <p:spTgt spid="9"/>
+                                        </p:tgtEl>
+                                      </p:cBhvr>
+                                    </p:animEffect>
+                                  </p:childTnLst>
+                                </p:cTn>
+                              </p:par>
+                            </p:childTnLst>
+                          </p:cTn>
+                        </p:par>
+                      </p:childTnLst>
+                    </p:cTn>
+                  </p:par>
+                </p:childTnLst>
+              </p:cTn>
+              <p:prevCondLst>
+                <p:cond evt="onPrev" delay="0">
+                  <p:tgtEl>
+                    <p:sldTgt/>
+                  </p:tgtEl>
+                </p:cond>
+              </p:prevCondLst>
+              <p:nextCondLst>
+                <p:cond evt="onNext" delay="0">
+                  <p:tgtEl>
+                    <p:sldTgt/>
+                  </p:tgtEl>
+                </p:cond>
+              </p:nextCondLst>
+            </p:seq>
+          </p:childTnLst>
+        </p:cTn>
       </p:par>
     </p:tnLst>
+    <p:bldLst>
+      <p:bldP spid="6" grpId="0" animBg="1"/>
+      <p:bldP spid="8" grpId="0" animBg="1"/>
+      <p:bldP spid="9" grpId="0" animBg="1"/>
+    </p:bldLst>
   </p:timing>
 </p:sld>
 </file>
@@ -24894,9 +23016,291 @@
           <a:chExt cx="0" cy="0"/>
         </a:xfrm>
       </p:grpSpPr>
+      <p:pic>
+        <p:nvPicPr>
+          <p:cNvPr id="6" name="Picture 2" descr="C:\Users\hiroyuki.a.ito\Pictures\00_Card\jenkins\jenkins.png"/>
+          <p:cNvPicPr>
+            <a:picLocks noChangeAspect="1" noChangeArrowheads="1"/>
+          </p:cNvPicPr>
+          <p:nvPr/>
+        </p:nvPicPr>
+        <p:blipFill>
+          <a:blip r:embed="rId3">
+            <a:extLst>
+              <a:ext uri="{28A0092B-C50C-407E-A947-70E740481C1C}">
+                <a14:useLocalDpi xmlns:a14="http://schemas.microsoft.com/office/drawing/2010/main" val="0"/>
+              </a:ext>
+            </a:extLst>
+          </a:blip>
+          <a:srcRect/>
+          <a:stretch>
+            <a:fillRect/>
+          </a:stretch>
+        </p:blipFill>
+        <p:spPr bwMode="auto">
+          <a:xfrm flipH="1">
+            <a:off x="351255" y="1059767"/>
+            <a:ext cx="1763728" cy="1763728"/>
+          </a:xfrm>
+          <a:prstGeom prst="rect">
+            <a:avLst/>
+          </a:prstGeom>
+          <a:noFill/>
+          <a:ln>
+            <a:solidFill>
+              <a:schemeClr val="accent1"/>
+            </a:solidFill>
+          </a:ln>
+          <a:extLst>
+            <a:ext uri="{909E8E84-426E-40DD-AFC4-6F175D3DCCD1}">
+              <a14:hiddenFill xmlns:a14="http://schemas.microsoft.com/office/drawing/2010/main">
+                <a:solidFill>
+                  <a:srgbClr val="FFFFFF"/>
+                </a:solidFill>
+              </a14:hiddenFill>
+            </a:ext>
+          </a:extLst>
+        </p:spPr>
+      </p:pic>
+      <p:pic>
+        <p:nvPicPr>
+          <p:cNvPr id="9" name="Picture 4" descr="C:\Users\hiroyuki.a.ito\Pictures\TDD\cucumber_logo.png"/>
+          <p:cNvPicPr>
+            <a:picLocks noChangeAspect="1" noChangeArrowheads="1"/>
+          </p:cNvPicPr>
+          <p:nvPr/>
+        </p:nvPicPr>
+        <p:blipFill>
+          <a:blip r:embed="rId4">
+            <a:extLst>
+              <a:ext uri="{28A0092B-C50C-407E-A947-70E740481C1C}">
+                <a14:useLocalDpi xmlns:a14="http://schemas.microsoft.com/office/drawing/2010/main" val="0"/>
+              </a:ext>
+            </a:extLst>
+          </a:blip>
+          <a:srcRect/>
+          <a:stretch>
+            <a:fillRect/>
+          </a:stretch>
+        </p:blipFill>
+        <p:spPr bwMode="auto">
+          <a:xfrm>
+            <a:off x="118985" y="4903461"/>
+            <a:ext cx="4054182" cy="1233880"/>
+          </a:xfrm>
+          <a:prstGeom prst="rect">
+            <a:avLst/>
+          </a:prstGeom>
+          <a:solidFill>
+            <a:schemeClr val="bg1"/>
+          </a:solidFill>
+          <a:ln>
+            <a:solidFill>
+              <a:schemeClr val="accent1"/>
+            </a:solidFill>
+          </a:ln>
+          <a:extLst/>
+        </p:spPr>
+      </p:pic>
+      <p:grpSp>
+        <p:nvGrpSpPr>
+          <p:cNvPr id="12" name="グループ化 11"/>
+          <p:cNvGrpSpPr/>
+          <p:nvPr/>
+        </p:nvGrpSpPr>
+        <p:grpSpPr>
+          <a:xfrm>
+            <a:off x="1043608" y="2206555"/>
+            <a:ext cx="4176464" cy="1233880"/>
+            <a:chOff x="1167405" y="839445"/>
+            <a:chExt cx="6809191" cy="2011684"/>
+          </a:xfrm>
+        </p:grpSpPr>
+        <p:pic>
+          <p:nvPicPr>
+            <p:cNvPr id="10" name="Picture 2" descr="C:\Users\hiroyuki.a.ito\Pictures\TDD\TestFlight.png"/>
+            <p:cNvPicPr>
+              <a:picLocks noChangeAspect="1" noChangeArrowheads="1"/>
+            </p:cNvPicPr>
+            <p:nvPr/>
+          </p:nvPicPr>
+          <p:blipFill>
+            <a:blip r:embed="rId5" cstate="print">
+              <a:extLst>
+                <a:ext uri="{28A0092B-C50C-407E-A947-70E740481C1C}">
+                  <a14:useLocalDpi xmlns:a14="http://schemas.microsoft.com/office/drawing/2010/main" val="0"/>
+                </a:ext>
+              </a:extLst>
+            </a:blip>
+            <a:srcRect/>
+            <a:stretch>
+              <a:fillRect/>
+            </a:stretch>
+          </p:blipFill>
+          <p:spPr bwMode="auto">
+            <a:xfrm>
+              <a:off x="1167405" y="839445"/>
+              <a:ext cx="6705614" cy="2011684"/>
+            </a:xfrm>
+            <a:prstGeom prst="rect">
+              <a:avLst/>
+            </a:prstGeom>
+            <a:noFill/>
+            <a:ln>
+              <a:solidFill>
+                <a:schemeClr val="accent1"/>
+              </a:solidFill>
+            </a:ln>
+            <a:extLst>
+              <a:ext uri="{909E8E84-426E-40DD-AFC4-6F175D3DCCD1}">
+                <a14:hiddenFill xmlns:a14="http://schemas.microsoft.com/office/drawing/2010/main">
+                  <a:solidFill>
+                    <a:srgbClr val="FFFFFF"/>
+                  </a:solidFill>
+                </a14:hiddenFill>
+              </a:ext>
+            </a:extLst>
+          </p:spPr>
+        </p:pic>
+        <p:cxnSp>
+          <p:nvCxnSpPr>
+            <p:cNvPr id="11" name="直線コネクタ 10"/>
+            <p:cNvCxnSpPr/>
+            <p:nvPr/>
+          </p:nvCxnSpPr>
+          <p:spPr>
+            <a:xfrm>
+              <a:off x="3279825" y="2493359"/>
+              <a:ext cx="4696771" cy="0"/>
+            </a:xfrm>
+            <a:prstGeom prst="line">
+              <a:avLst/>
+            </a:prstGeom>
+            <a:ln w="25400">
+              <a:solidFill>
+                <a:schemeClr val="accent1"/>
+              </a:solidFill>
+              <a:tailEnd type="none"/>
+            </a:ln>
+            <a:effectLst>
+              <a:outerShdw blurRad="88900" dist="38100" dir="8100000" algn="ctr" rotWithShape="0">
+                <a:srgbClr val="000000">
+                  <a:alpha val="30000"/>
+                </a:srgbClr>
+              </a:outerShdw>
+            </a:effectLst>
+          </p:spPr>
+          <p:style>
+            <a:lnRef idx="1">
+              <a:schemeClr val="accent1"/>
+            </a:lnRef>
+            <a:fillRef idx="0">
+              <a:schemeClr val="accent1"/>
+            </a:fillRef>
+            <a:effectRef idx="0">
+              <a:schemeClr val="accent1"/>
+            </a:effectRef>
+            <a:fontRef idx="minor">
+              <a:schemeClr val="tx1"/>
+            </a:fontRef>
+          </p:style>
+        </p:cxnSp>
+      </p:grpSp>
+      <p:pic>
+        <p:nvPicPr>
+          <p:cNvPr id="13" name="Picture 2" descr="C:\Users\hiroyuki.a.ito\Pictures\TDD\mockito_logo.jpg"/>
+          <p:cNvPicPr>
+            <a:picLocks noChangeAspect="1" noChangeArrowheads="1"/>
+          </p:cNvPicPr>
+          <p:nvPr/>
+        </p:nvPicPr>
+        <p:blipFill>
+          <a:blip r:embed="rId6">
+            <a:extLst>
+              <a:ext uri="{28A0092B-C50C-407E-A947-70E740481C1C}">
+                <a14:useLocalDpi xmlns:a14="http://schemas.microsoft.com/office/drawing/2010/main" val="0"/>
+              </a:ext>
+            </a:extLst>
+          </a:blip>
+          <a:srcRect/>
+          <a:stretch>
+            <a:fillRect/>
+          </a:stretch>
+        </p:blipFill>
+        <p:spPr bwMode="auto">
+          <a:xfrm>
+            <a:off x="2220634" y="3050724"/>
+            <a:ext cx="3118078" cy="1446716"/>
+          </a:xfrm>
+          <a:prstGeom prst="rect">
+            <a:avLst/>
+          </a:prstGeom>
+          <a:noFill/>
+          <a:ln>
+            <a:solidFill>
+              <a:schemeClr val="accent1"/>
+            </a:solidFill>
+          </a:ln>
+          <a:extLst>
+            <a:ext uri="{909E8E84-426E-40DD-AFC4-6F175D3DCCD1}">
+              <a14:hiddenFill xmlns:a14="http://schemas.microsoft.com/office/drawing/2010/main">
+                <a:solidFill>
+                  <a:srgbClr val="FFFFFF"/>
+                </a:solidFill>
+              </a14:hiddenFill>
+            </a:ext>
+          </a:extLst>
+        </p:spPr>
+      </p:pic>
+      <p:pic>
+        <p:nvPicPr>
+          <p:cNvPr id="14" name="Picture 3" descr="C:\Users\hiroyuki.a.ito\Pictures\TDD\robolectric_logo.png"/>
+          <p:cNvPicPr>
+            <a:picLocks noChangeAspect="1" noChangeArrowheads="1"/>
+          </p:cNvPicPr>
+          <p:nvPr/>
+        </p:nvPicPr>
+        <p:blipFill>
+          <a:blip r:embed="rId7">
+            <a:extLst>
+              <a:ext uri="{28A0092B-C50C-407E-A947-70E740481C1C}">
+                <a14:useLocalDpi xmlns:a14="http://schemas.microsoft.com/office/drawing/2010/main" val="0"/>
+              </a:ext>
+            </a:extLst>
+          </a:blip>
+          <a:srcRect/>
+          <a:stretch>
+            <a:fillRect/>
+          </a:stretch>
+        </p:blipFill>
+        <p:spPr bwMode="auto">
+          <a:xfrm>
+            <a:off x="24926" y="3000121"/>
+            <a:ext cx="2520280" cy="2520280"/>
+          </a:xfrm>
+          <a:prstGeom prst="rect">
+            <a:avLst/>
+          </a:prstGeom>
+          <a:noFill/>
+          <a:ln>
+            <a:solidFill>
+              <a:schemeClr val="accent1"/>
+            </a:solidFill>
+          </a:ln>
+          <a:extLst>
+            <a:ext uri="{909E8E84-426E-40DD-AFC4-6F175D3DCCD1}">
+              <a14:hiddenFill xmlns:a14="http://schemas.microsoft.com/office/drawing/2010/main">
+                <a:solidFill>
+                  <a:srgbClr val="FFFFFF"/>
+                </a:solidFill>
+              </a14:hiddenFill>
+            </a:ext>
+          </a:extLst>
+        </p:spPr>
+      </p:pic>
       <p:sp>
         <p:nvSpPr>
-          <p:cNvPr id="2" name="タイトル 1"/>
+          <p:cNvPr id="17" name="タイトル 1"/>
           <p:cNvSpPr>
             <a:spLocks noGrp="1"/>
           </p:cNvSpPr>
@@ -24905,7 +23309,18 @@
           </p:nvPr>
         </p:nvSpPr>
         <p:spPr>
-          <a:noFill/>
+          <a:xfrm>
+            <a:off x="360000" y="252000"/>
+            <a:ext cx="8424000" cy="360000"/>
+          </a:xfrm>
+          <a:solidFill>
+            <a:srgbClr val="92D050"/>
+          </a:solidFill>
+          <a:ln>
+            <a:solidFill>
+              <a:srgbClr val="FFFFFF"/>
+            </a:solidFill>
+          </a:ln>
         </p:spPr>
         <p:txBody>
           <a:bodyPr>
@@ -24914,1258 +23329,208 @@
           <a:lstStyle/>
           <a:p>
             <a:r>
-              <a:rPr kumimoji="1" lang="en-US" altLang="ja-JP" dirty="0" smtClean="0"/>
-              <a:t>Agenda</a:t>
-            </a:r>
-            <a:endParaRPr kumimoji="1" lang="ja-JP" altLang="en-US" dirty="0"/>
-          </a:p>
-        </p:txBody>
-      </p:sp>
-      <p:sp>
-        <p:nvSpPr>
-          <p:cNvPr id="5" name="Text Box 17"/>
-          <p:cNvSpPr txBox="1">
-            <a:spLocks noChangeArrowheads="1"/>
-          </p:cNvSpPr>
-          <p:nvPr/>
-        </p:nvSpPr>
-        <p:spPr bwMode="auto">
-          <a:xfrm>
-            <a:off x="445331" y="1052736"/>
-            <a:ext cx="8240400" cy="540000"/>
-          </a:xfrm>
-          <a:prstGeom prst="rect">
-            <a:avLst/>
-          </a:prstGeom>
-          <a:solidFill>
-            <a:srgbClr val="C00000"/>
-          </a:solidFill>
-          <a:ln w="12700">
-            <a:solidFill>
-              <a:srgbClr val="BF0000"/>
-            </a:solidFill>
-            <a:miter lim="800000"/>
-            <a:headEnd/>
-            <a:tailEnd/>
-          </a:ln>
-          <a:effectLst>
-            <a:outerShdw blurRad="88900" dist="38100" dir="8100000" algn="ctr" rotWithShape="0">
-              <a:schemeClr val="tx1">
-                <a:alpha val="30000"/>
-              </a:schemeClr>
-            </a:outerShdw>
-          </a:effectLst>
-          <a:extLst/>
-        </p:spPr>
-        <p:txBody>
-          <a:bodyPr anchor="ctr" anchorCtr="0"/>
-          <a:lstStyle>
-            <a:lvl1pPr algn="l" defTabSz="381000">
-              <a:spcBef>
-                <a:spcPct val="0"/>
-              </a:spcBef>
-              <a:defRPr kumimoji="1" sz="2400">
-                <a:solidFill>
-                  <a:schemeClr val="tx1"/>
-                </a:solidFill>
-                <a:latin typeface="Times New Roman" pitchFamily="18" charset="0"/>
-                <a:ea typeface="ＭＳ Ｐゴシック" charset="-128"/>
-              </a:defRPr>
-            </a:lvl1pPr>
-            <a:lvl2pPr algn="l" defTabSz="381000">
-              <a:spcBef>
-                <a:spcPct val="0"/>
-              </a:spcBef>
-              <a:defRPr kumimoji="1" sz="2400">
-                <a:solidFill>
-                  <a:schemeClr val="tx1"/>
-                </a:solidFill>
-                <a:latin typeface="Times New Roman" pitchFamily="18" charset="0"/>
-                <a:ea typeface="ＭＳ Ｐゴシック" charset="-128"/>
-              </a:defRPr>
-            </a:lvl2pPr>
-            <a:lvl3pPr algn="l" defTabSz="381000">
-              <a:spcBef>
-                <a:spcPct val="0"/>
-              </a:spcBef>
-              <a:defRPr kumimoji="1" sz="2400">
-                <a:solidFill>
-                  <a:schemeClr val="tx1"/>
-                </a:solidFill>
-                <a:latin typeface="Times New Roman" pitchFamily="18" charset="0"/>
-                <a:ea typeface="ＭＳ Ｐゴシック" charset="-128"/>
-              </a:defRPr>
-            </a:lvl3pPr>
-            <a:lvl4pPr algn="l" defTabSz="381000">
-              <a:spcBef>
-                <a:spcPct val="0"/>
-              </a:spcBef>
-              <a:defRPr kumimoji="1" sz="2400">
-                <a:solidFill>
-                  <a:schemeClr val="tx1"/>
-                </a:solidFill>
-                <a:latin typeface="Times New Roman" pitchFamily="18" charset="0"/>
-                <a:ea typeface="ＭＳ Ｐゴシック" charset="-128"/>
-              </a:defRPr>
-            </a:lvl4pPr>
-            <a:lvl5pPr algn="l" defTabSz="381000">
-              <a:spcBef>
-                <a:spcPct val="0"/>
-              </a:spcBef>
-              <a:defRPr kumimoji="1" sz="2400">
-                <a:solidFill>
-                  <a:schemeClr val="tx1"/>
-                </a:solidFill>
-                <a:latin typeface="Times New Roman" pitchFamily="18" charset="0"/>
-                <a:ea typeface="ＭＳ Ｐゴシック" charset="-128"/>
-              </a:defRPr>
-            </a:lvl5pPr>
-            <a:lvl6pPr defTabSz="381000" fontAlgn="base">
-              <a:spcBef>
-                <a:spcPct val="0"/>
-              </a:spcBef>
-              <a:spcAft>
-                <a:spcPct val="0"/>
-              </a:spcAft>
-              <a:defRPr kumimoji="1" sz="2400">
-                <a:solidFill>
-                  <a:schemeClr val="tx1"/>
-                </a:solidFill>
-                <a:latin typeface="Times New Roman" pitchFamily="18" charset="0"/>
-                <a:ea typeface="ＭＳ Ｐゴシック" charset="-128"/>
-              </a:defRPr>
-            </a:lvl6pPr>
-            <a:lvl7pPr defTabSz="381000" fontAlgn="base">
-              <a:spcBef>
-                <a:spcPct val="0"/>
-              </a:spcBef>
-              <a:spcAft>
-                <a:spcPct val="0"/>
-              </a:spcAft>
-              <a:defRPr kumimoji="1" sz="2400">
-                <a:solidFill>
-                  <a:schemeClr val="tx1"/>
-                </a:solidFill>
-                <a:latin typeface="Times New Roman" pitchFamily="18" charset="0"/>
-                <a:ea typeface="ＭＳ Ｐゴシック" charset="-128"/>
-              </a:defRPr>
-            </a:lvl7pPr>
-            <a:lvl8pPr defTabSz="381000" fontAlgn="base">
-              <a:spcBef>
-                <a:spcPct val="0"/>
-              </a:spcBef>
-              <a:spcAft>
-                <a:spcPct val="0"/>
-              </a:spcAft>
-              <a:defRPr kumimoji="1" sz="2400">
-                <a:solidFill>
-                  <a:schemeClr val="tx1"/>
-                </a:solidFill>
-                <a:latin typeface="Times New Roman" pitchFamily="18" charset="0"/>
-                <a:ea typeface="ＭＳ Ｐゴシック" charset="-128"/>
-              </a:defRPr>
-            </a:lvl8pPr>
-            <a:lvl9pPr defTabSz="381000" fontAlgn="base">
-              <a:spcBef>
-                <a:spcPct val="0"/>
-              </a:spcBef>
-              <a:spcAft>
-                <a:spcPct val="0"/>
-              </a:spcAft>
-              <a:defRPr kumimoji="1" sz="2400">
-                <a:solidFill>
-                  <a:schemeClr val="tx1"/>
-                </a:solidFill>
-                <a:latin typeface="Times New Roman" pitchFamily="18" charset="0"/>
-                <a:ea typeface="ＭＳ Ｐゴシック" charset="-128"/>
-              </a:defRPr>
-            </a:lvl9pPr>
-          </a:lstStyle>
-          <a:p>
-            <a:pPr lvl="0">
-              <a:spcBef>
-                <a:spcPct val="20000"/>
-              </a:spcBef>
-              <a:buClr>
-                <a:srgbClr val="FFFFFF"/>
-              </a:buClr>
-              <a:defRPr/>
-            </a:pPr>
-            <a:r>
-              <a:rPr kumimoji="1" lang="en-US" altLang="ja-JP" b="1" i="0" u="none" strike="noStrike" kern="0" cap="none" spc="0" normalizeH="0" baseline="0" noProof="0" dirty="0" smtClean="0">
-                <a:ln>
-                  <a:noFill/>
-                </a:ln>
-                <a:solidFill>
-                  <a:srgbClr val="FFFFFF"/>
-                </a:solidFill>
-                <a:effectLst/>
-                <a:uLnTx/>
-                <a:uFillTx/>
+              <a:rPr lang="en-US" altLang="ja-JP" kern="0" dirty="0" smtClean="0">
+                <a:solidFill>
+                  <a:schemeClr val="accent1"/>
+                </a:solidFill>
                 <a:latin typeface="+mn-lt"/>
-                <a:ea typeface="ＭＳ Ｐゴシック" panose="020B0600070205080204" pitchFamily="50" charset="-128"/>
-              </a:rPr>
-              <a:t>1. </a:t>
-            </a:r>
-            <a:r>
-              <a:rPr lang="en-US" altLang="ja-JP" b="1" kern="0" dirty="0">
-                <a:solidFill>
-                  <a:srgbClr val="FFFFFF"/>
-                </a:solidFill>
-                <a:latin typeface="+mn-lt"/>
-                <a:ea typeface="ＭＳ Ｐゴシック" panose="020B0600070205080204" pitchFamily="50" charset="-128"/>
-              </a:rPr>
-              <a:t>Conditions and </a:t>
-            </a:r>
-            <a:r>
-              <a:rPr lang="en-US" altLang="ja-JP" b="1" kern="0" dirty="0" smtClean="0">
-                <a:solidFill>
-                  <a:srgbClr val="FFFFFF"/>
-                </a:solidFill>
-                <a:latin typeface="+mn-lt"/>
-                <a:ea typeface="ＭＳ Ｐゴシック" panose="020B0600070205080204" pitchFamily="50" charset="-128"/>
-              </a:rPr>
-              <a:t>Challenges</a:t>
-            </a:r>
-            <a:endParaRPr kumimoji="1" lang="ja-JP" altLang="en-US" b="1" i="0" u="none" strike="noStrike" kern="0" cap="none" spc="0" normalizeH="0" baseline="0" noProof="0" dirty="0" smtClean="0">
-              <a:ln>
-                <a:noFill/>
-              </a:ln>
-              <a:solidFill>
-                <a:srgbClr val="FFFFFF"/>
-              </a:solidFill>
-              <a:effectLst/>
-              <a:uLnTx/>
-              <a:uFillTx/>
+                <a:ea typeface="+mj-ea"/>
+              </a:rPr>
+              <a:t>Three Approaches</a:t>
+            </a:r>
+            <a:endParaRPr kumimoji="1" lang="ja-JP" altLang="en-US" dirty="0">
               <a:latin typeface="+mn-lt"/>
-              <a:ea typeface="ＭＳ Ｐゴシック" panose="020B0600070205080204" pitchFamily="50" charset="-128"/>
+              <a:ea typeface="+mj-ea"/>
             </a:endParaRPr>
           </a:p>
         </p:txBody>
       </p:sp>
       <p:sp>
         <p:nvSpPr>
-          <p:cNvPr id="8" name="Text Box 17"/>
+          <p:cNvPr id="15" name="タイトル 2"/>
           <p:cNvSpPr txBox="1">
-            <a:spLocks noChangeArrowheads="1"/>
+            <a:spLocks/>
           </p:cNvSpPr>
           <p:nvPr/>
         </p:nvSpPr>
-        <p:spPr bwMode="auto">
+        <p:spPr>
           <a:xfrm>
-            <a:off x="445331" y="2802004"/>
-            <a:ext cx="8240400" cy="540000"/>
+            <a:off x="2146076" y="1089044"/>
+            <a:ext cx="8424000" cy="1260000"/>
           </a:xfrm>
           <a:prstGeom prst="rect">
             <a:avLst/>
           </a:prstGeom>
-          <a:solidFill>
-            <a:srgbClr val="C00000"/>
-          </a:solidFill>
-          <a:ln w="12700">
+          <a:noFill/>
+          <a:ln>
             <a:solidFill>
-              <a:srgbClr val="BF0000"/>
+              <a:schemeClr val="accent1"/>
             </a:solidFill>
-            <a:miter lim="800000"/>
-            <a:headEnd/>
-            <a:tailEnd/>
           </a:ln>
-          <a:effectLst>
-            <a:outerShdw blurRad="88900" dist="38100" dir="8100000" algn="ctr" rotWithShape="0">
-              <a:schemeClr val="tx1">
-                <a:alpha val="30000"/>
-              </a:schemeClr>
-            </a:outerShdw>
-          </a:effectLst>
-          <a:extLst/>
         </p:spPr>
         <p:txBody>
-          <a:bodyPr anchor="ctr" anchorCtr="0"/>
+          <a:bodyPr anchor="t" anchorCtr="0">
+            <a:noAutofit/>
+          </a:bodyPr>
           <a:lstStyle>
-            <a:lvl1pPr algn="l" defTabSz="381000">
-              <a:spcBef>
-                <a:spcPct val="0"/>
-              </a:spcBef>
-              <a:defRPr kumimoji="1" sz="2400">
-                <a:solidFill>
-                  <a:schemeClr val="tx1"/>
-                </a:solidFill>
-                <a:latin typeface="Times New Roman" pitchFamily="18" charset="0"/>
-                <a:ea typeface="ＭＳ Ｐゴシック" charset="-128"/>
+            <a:lvl1pPr algn="ctr" defTabSz="914400" rtl="0" eaLnBrk="1" latinLnBrk="0" hangingPunct="1">
+              <a:spcBef>
+                <a:spcPct val="0"/>
+              </a:spcBef>
+              <a:buNone/>
+              <a:defRPr kumimoji="1" sz="2800" b="1" kern="1200" baseline="0">
+                <a:solidFill>
+                  <a:srgbClr val="C00000"/>
+                </a:solidFill>
+                <a:latin typeface="Arial" pitchFamily="34" charset="0"/>
+                <a:ea typeface="ＭＳ Ｐゴシック" pitchFamily="50" charset="-128"/>
+                <a:cs typeface="+mj-cs"/>
               </a:defRPr>
             </a:lvl1pPr>
-            <a:lvl2pPr algn="l" defTabSz="381000">
-              <a:spcBef>
-                <a:spcPct val="0"/>
-              </a:spcBef>
-              <a:defRPr kumimoji="1" sz="2400">
-                <a:solidFill>
-                  <a:schemeClr val="tx1"/>
-                </a:solidFill>
-                <a:latin typeface="Times New Roman" pitchFamily="18" charset="0"/>
-                <a:ea typeface="ＭＳ Ｐゴシック" charset="-128"/>
-              </a:defRPr>
-            </a:lvl2pPr>
-            <a:lvl3pPr algn="l" defTabSz="381000">
-              <a:spcBef>
-                <a:spcPct val="0"/>
-              </a:spcBef>
-              <a:defRPr kumimoji="1" sz="2400">
-                <a:solidFill>
-                  <a:schemeClr val="tx1"/>
-                </a:solidFill>
-                <a:latin typeface="Times New Roman" pitchFamily="18" charset="0"/>
-                <a:ea typeface="ＭＳ Ｐゴシック" charset="-128"/>
-              </a:defRPr>
-            </a:lvl3pPr>
-            <a:lvl4pPr algn="l" defTabSz="381000">
-              <a:spcBef>
-                <a:spcPct val="0"/>
-              </a:spcBef>
-              <a:defRPr kumimoji="1" sz="2400">
-                <a:solidFill>
-                  <a:schemeClr val="tx1"/>
-                </a:solidFill>
-                <a:latin typeface="Times New Roman" pitchFamily="18" charset="0"/>
-                <a:ea typeface="ＭＳ Ｐゴシック" charset="-128"/>
-              </a:defRPr>
-            </a:lvl4pPr>
-            <a:lvl5pPr algn="l" defTabSz="381000">
-              <a:spcBef>
-                <a:spcPct val="0"/>
-              </a:spcBef>
-              <a:defRPr kumimoji="1" sz="2400">
-                <a:solidFill>
-                  <a:schemeClr val="tx1"/>
-                </a:solidFill>
-                <a:latin typeface="Times New Roman" pitchFamily="18" charset="0"/>
-                <a:ea typeface="ＭＳ Ｐゴシック" charset="-128"/>
-              </a:defRPr>
-            </a:lvl5pPr>
-            <a:lvl6pPr defTabSz="381000" fontAlgn="base">
-              <a:spcBef>
-                <a:spcPct val="0"/>
-              </a:spcBef>
-              <a:spcAft>
-                <a:spcPct val="0"/>
-              </a:spcAft>
-              <a:defRPr kumimoji="1" sz="2400">
-                <a:solidFill>
-                  <a:schemeClr val="tx1"/>
-                </a:solidFill>
-                <a:latin typeface="Times New Roman" pitchFamily="18" charset="0"/>
-                <a:ea typeface="ＭＳ Ｐゴシック" charset="-128"/>
-              </a:defRPr>
-            </a:lvl6pPr>
-            <a:lvl7pPr defTabSz="381000" fontAlgn="base">
-              <a:spcBef>
-                <a:spcPct val="0"/>
-              </a:spcBef>
-              <a:spcAft>
-                <a:spcPct val="0"/>
-              </a:spcAft>
-              <a:defRPr kumimoji="1" sz="2400">
-                <a:solidFill>
-                  <a:schemeClr val="tx1"/>
-                </a:solidFill>
-                <a:latin typeface="Times New Roman" pitchFamily="18" charset="0"/>
-                <a:ea typeface="ＭＳ Ｐゴシック" charset="-128"/>
-              </a:defRPr>
-            </a:lvl7pPr>
-            <a:lvl8pPr defTabSz="381000" fontAlgn="base">
-              <a:spcBef>
-                <a:spcPct val="0"/>
-              </a:spcBef>
-              <a:spcAft>
-                <a:spcPct val="0"/>
-              </a:spcAft>
-              <a:defRPr kumimoji="1" sz="2400">
-                <a:solidFill>
-                  <a:schemeClr val="tx1"/>
-                </a:solidFill>
-                <a:latin typeface="Times New Roman" pitchFamily="18" charset="0"/>
-                <a:ea typeface="ＭＳ Ｐゴシック" charset="-128"/>
-              </a:defRPr>
-            </a:lvl8pPr>
-            <a:lvl9pPr defTabSz="381000" fontAlgn="base">
-              <a:spcBef>
-                <a:spcPct val="0"/>
-              </a:spcBef>
-              <a:spcAft>
-                <a:spcPct val="0"/>
-              </a:spcAft>
-              <a:defRPr kumimoji="1" sz="2400">
-                <a:solidFill>
-                  <a:schemeClr val="tx1"/>
-                </a:solidFill>
-                <a:latin typeface="Times New Roman" pitchFamily="18" charset="0"/>
-                <a:ea typeface="ＭＳ Ｐゴシック" charset="-128"/>
-              </a:defRPr>
-            </a:lvl9pPr>
           </a:lstStyle>
           <a:p>
-            <a:pPr lvl="0">
-              <a:spcBef>
-                <a:spcPct val="20000"/>
-              </a:spcBef>
-              <a:buClr>
-                <a:srgbClr val="FFFFFF"/>
-              </a:buClr>
-              <a:defRPr/>
-            </a:pPr>
-            <a:r>
-              <a:rPr lang="en-US" altLang="ja-JP" b="1" kern="0" dirty="0">
-                <a:solidFill>
-                  <a:srgbClr val="FFFFFF"/>
+            <a:pPr algn="l"/>
+            <a:r>
+              <a:rPr lang="ja-JP" altLang="en-US" sz="2400" dirty="0" smtClean="0">
+                <a:solidFill>
+                  <a:schemeClr val="tx1"/>
                 </a:solidFill>
                 <a:latin typeface="+mn-lt"/>
               </a:rPr>
-              <a:t>3</a:t>
-            </a:r>
-            <a:r>
-              <a:rPr lang="en-US" altLang="ja-JP" b="1" kern="0" dirty="0" smtClean="0">
-                <a:solidFill>
-                  <a:srgbClr val="FFFFFF"/>
+              <a:t>・</a:t>
+            </a:r>
+            <a:r>
+              <a:rPr lang="en-US" altLang="ja-JP" sz="2400" dirty="0" smtClean="0">
+                <a:solidFill>
+                  <a:srgbClr val="008000"/>
                 </a:solidFill>
                 <a:latin typeface="+mn-lt"/>
               </a:rPr>
-              <a:t>. </a:t>
-            </a:r>
-            <a:r>
-              <a:rPr lang="en-US" altLang="ja-JP" b="1" kern="0" dirty="0" smtClean="0">
-                <a:solidFill>
-                  <a:srgbClr val="FFFFFF"/>
+              <a:t>Robolectric</a:t>
+            </a:r>
+            <a:r>
+              <a:rPr lang="en-US" altLang="ja-JP" sz="2400" b="0" dirty="0" smtClean="0">
+                <a:solidFill>
+                  <a:srgbClr val="000000"/>
                 </a:solidFill>
                 <a:latin typeface="+mn-lt"/>
               </a:rPr>
-              <a:t>TDD</a:t>
-            </a:r>
-            <a:endParaRPr kumimoji="1" lang="ja-JP" altLang="en-US" b="1" i="0" u="none" strike="noStrike" kern="0" cap="none" spc="0" normalizeH="0" baseline="0" noProof="0" dirty="0" smtClean="0">
-              <a:ln>
-                <a:noFill/>
-              </a:ln>
+              <a:t> </a:t>
+            </a:r>
+            <a:r>
+              <a:rPr lang="ja-JP" altLang="en-US" sz="2400" b="0" dirty="0" smtClean="0">
+                <a:solidFill>
+                  <a:srgbClr val="000000"/>
+                </a:solidFill>
+                <a:latin typeface="+mn-lt"/>
+              </a:rPr>
+              <a:t>で、全ての</a:t>
+            </a:r>
+            <a:r>
+              <a:rPr lang="en-US" altLang="ja-JP" sz="2400" b="0" dirty="0" smtClean="0">
+                <a:solidFill>
+                  <a:srgbClr val="000000"/>
+                </a:solidFill>
+                <a:latin typeface="+mn-lt"/>
+              </a:rPr>
+              <a:t> UT </a:t>
+            </a:r>
+            <a:r>
+              <a:rPr lang="ja-JP" altLang="en-US" sz="2400" b="0" dirty="0" smtClean="0">
+                <a:solidFill>
+                  <a:srgbClr val="000000"/>
+                </a:solidFill>
+                <a:latin typeface="+mn-lt"/>
+              </a:rPr>
+              <a:t>を</a:t>
+            </a:r>
+            <a:r>
+              <a:rPr lang="en-US" altLang="ja-JP" sz="2400" b="0" dirty="0" smtClean="0">
+                <a:solidFill>
+                  <a:srgbClr val="000000"/>
+                </a:solidFill>
+                <a:latin typeface="+mn-lt"/>
+              </a:rPr>
+              <a:t> JVM </a:t>
+            </a:r>
+            <a:r>
+              <a:rPr lang="ja-JP" altLang="en-US" sz="2400" b="0" dirty="0" smtClean="0">
+                <a:solidFill>
+                  <a:srgbClr val="000000"/>
+                </a:solidFill>
+                <a:latin typeface="+mn-lt"/>
+              </a:rPr>
+              <a:t>上で実行</a:t>
+            </a:r>
+            <a:r>
+              <a:rPr lang="ja-JP" altLang="en-US" sz="2400" b="0" dirty="0">
+                <a:solidFill>
+                  <a:srgbClr val="000000"/>
+                </a:solidFill>
+                <a:latin typeface="+mn-lt"/>
+              </a:rPr>
+              <a:t>できる</a:t>
+            </a:r>
+            <a:r>
+              <a:rPr lang="ja-JP" altLang="en-US" sz="2400" b="0" dirty="0" smtClean="0">
+                <a:solidFill>
+                  <a:srgbClr val="000000"/>
+                </a:solidFill>
+                <a:latin typeface="+mn-lt"/>
+              </a:rPr>
+              <a:t>！</a:t>
+            </a:r>
+            <a:endParaRPr lang="en-US" altLang="ja-JP" sz="2400" b="0" dirty="0" smtClean="0">
               <a:solidFill>
-                <a:srgbClr val="FFFFFF"/>
+                <a:srgbClr val="000000"/>
               </a:solidFill>
-              <a:effectLst/>
-              <a:uLnTx/>
-              <a:uFillTx/>
               <a:latin typeface="+mn-lt"/>
             </a:endParaRPr>
           </a:p>
-        </p:txBody>
-      </p:sp>
-      <p:sp>
-        <p:nvSpPr>
-          <p:cNvPr id="10" name="Text Box 17"/>
-          <p:cNvSpPr txBox="1">
-            <a:spLocks noChangeArrowheads="1"/>
-          </p:cNvSpPr>
-          <p:nvPr/>
-        </p:nvSpPr>
-        <p:spPr bwMode="auto">
-          <a:xfrm>
-            <a:off x="445331" y="1927370"/>
-            <a:ext cx="8240400" cy="540000"/>
-          </a:xfrm>
-          <a:prstGeom prst="rect">
-            <a:avLst/>
-          </a:prstGeom>
-          <a:solidFill>
-            <a:srgbClr val="C00000"/>
-          </a:solidFill>
-          <a:ln w="12700">
-            <a:solidFill>
-              <a:srgbClr val="BF0000"/>
-            </a:solidFill>
-            <a:miter lim="800000"/>
-            <a:headEnd/>
-            <a:tailEnd/>
-          </a:ln>
-          <a:effectLst>
-            <a:outerShdw blurRad="88900" dist="38100" dir="8100000" algn="ctr" rotWithShape="0">
-              <a:schemeClr val="tx1">
-                <a:alpha val="30000"/>
-              </a:schemeClr>
-            </a:outerShdw>
-          </a:effectLst>
-          <a:extLst/>
-        </p:spPr>
-        <p:txBody>
-          <a:bodyPr anchor="ctr" anchorCtr="0"/>
-          <a:lstStyle>
-            <a:lvl1pPr algn="l" defTabSz="381000">
-              <a:spcBef>
-                <a:spcPct val="0"/>
-              </a:spcBef>
-              <a:defRPr kumimoji="1" sz="2400">
-                <a:solidFill>
-                  <a:schemeClr val="tx1"/>
-                </a:solidFill>
-                <a:latin typeface="Times New Roman" pitchFamily="18" charset="0"/>
-                <a:ea typeface="ＭＳ Ｐゴシック" charset="-128"/>
-              </a:defRPr>
-            </a:lvl1pPr>
-            <a:lvl2pPr algn="l" defTabSz="381000">
-              <a:spcBef>
-                <a:spcPct val="0"/>
-              </a:spcBef>
-              <a:defRPr kumimoji="1" sz="2400">
-                <a:solidFill>
-                  <a:schemeClr val="tx1"/>
-                </a:solidFill>
-                <a:latin typeface="Times New Roman" pitchFamily="18" charset="0"/>
-                <a:ea typeface="ＭＳ Ｐゴシック" charset="-128"/>
-              </a:defRPr>
-            </a:lvl2pPr>
-            <a:lvl3pPr algn="l" defTabSz="381000">
-              <a:spcBef>
-                <a:spcPct val="0"/>
-              </a:spcBef>
-              <a:defRPr kumimoji="1" sz="2400">
-                <a:solidFill>
-                  <a:schemeClr val="tx1"/>
-                </a:solidFill>
-                <a:latin typeface="Times New Roman" pitchFamily="18" charset="0"/>
-                <a:ea typeface="ＭＳ Ｐゴシック" charset="-128"/>
-              </a:defRPr>
-            </a:lvl3pPr>
-            <a:lvl4pPr algn="l" defTabSz="381000">
-              <a:spcBef>
-                <a:spcPct val="0"/>
-              </a:spcBef>
-              <a:defRPr kumimoji="1" sz="2400">
-                <a:solidFill>
-                  <a:schemeClr val="tx1"/>
-                </a:solidFill>
-                <a:latin typeface="Times New Roman" pitchFamily="18" charset="0"/>
-                <a:ea typeface="ＭＳ Ｐゴシック" charset="-128"/>
-              </a:defRPr>
-            </a:lvl4pPr>
-            <a:lvl5pPr algn="l" defTabSz="381000">
-              <a:spcBef>
-                <a:spcPct val="0"/>
-              </a:spcBef>
-              <a:defRPr kumimoji="1" sz="2400">
-                <a:solidFill>
-                  <a:schemeClr val="tx1"/>
-                </a:solidFill>
-                <a:latin typeface="Times New Roman" pitchFamily="18" charset="0"/>
-                <a:ea typeface="ＭＳ Ｐゴシック" charset="-128"/>
-              </a:defRPr>
-            </a:lvl5pPr>
-            <a:lvl6pPr defTabSz="381000" fontAlgn="base">
-              <a:spcBef>
-                <a:spcPct val="0"/>
-              </a:spcBef>
-              <a:spcAft>
-                <a:spcPct val="0"/>
-              </a:spcAft>
-              <a:defRPr kumimoji="1" sz="2400">
-                <a:solidFill>
-                  <a:schemeClr val="tx1"/>
-                </a:solidFill>
-                <a:latin typeface="Times New Roman" pitchFamily="18" charset="0"/>
-                <a:ea typeface="ＭＳ Ｐゴシック" charset="-128"/>
-              </a:defRPr>
-            </a:lvl6pPr>
-            <a:lvl7pPr defTabSz="381000" fontAlgn="base">
-              <a:spcBef>
-                <a:spcPct val="0"/>
-              </a:spcBef>
-              <a:spcAft>
-                <a:spcPct val="0"/>
-              </a:spcAft>
-              <a:defRPr kumimoji="1" sz="2400">
-                <a:solidFill>
-                  <a:schemeClr val="tx1"/>
-                </a:solidFill>
-                <a:latin typeface="Times New Roman" pitchFamily="18" charset="0"/>
-                <a:ea typeface="ＭＳ Ｐゴシック" charset="-128"/>
-              </a:defRPr>
-            </a:lvl7pPr>
-            <a:lvl8pPr defTabSz="381000" fontAlgn="base">
-              <a:spcBef>
-                <a:spcPct val="0"/>
-              </a:spcBef>
-              <a:spcAft>
-                <a:spcPct val="0"/>
-              </a:spcAft>
-              <a:defRPr kumimoji="1" sz="2400">
-                <a:solidFill>
-                  <a:schemeClr val="tx1"/>
-                </a:solidFill>
-                <a:latin typeface="Times New Roman" pitchFamily="18" charset="0"/>
-                <a:ea typeface="ＭＳ Ｐゴシック" charset="-128"/>
-              </a:defRPr>
-            </a:lvl8pPr>
-            <a:lvl9pPr defTabSz="381000" fontAlgn="base">
-              <a:spcBef>
-                <a:spcPct val="0"/>
-              </a:spcBef>
-              <a:spcAft>
-                <a:spcPct val="0"/>
-              </a:spcAft>
-              <a:defRPr kumimoji="1" sz="2400">
-                <a:solidFill>
-                  <a:schemeClr val="tx1"/>
-                </a:solidFill>
-                <a:latin typeface="Times New Roman" pitchFamily="18" charset="0"/>
-                <a:ea typeface="ＭＳ Ｐゴシック" charset="-128"/>
-              </a:defRPr>
-            </a:lvl9pPr>
-          </a:lstStyle>
           <a:p>
-            <a:pPr lvl="0">
-              <a:spcBef>
-                <a:spcPct val="20000"/>
-              </a:spcBef>
-              <a:buClr>
-                <a:srgbClr val="FFFFFF"/>
-              </a:buClr>
-              <a:defRPr/>
+            <a:pPr marL="800100" lvl="1" indent="-342900">
+              <a:buFont typeface="Arial" pitchFamily="34" charset="0"/>
+              <a:buChar char="•"/>
             </a:pPr>
             <a:r>
-              <a:rPr lang="en-US" altLang="ja-JP" b="1" kern="0" dirty="0" smtClean="0">
-                <a:solidFill>
-                  <a:srgbClr val="FFFFFF"/>
-                </a:solidFill>
-                <a:latin typeface="+mn-lt"/>
-                <a:ea typeface="ＭＳ Ｐゴシック" panose="020B0600070205080204" pitchFamily="50" charset="-128"/>
-              </a:rPr>
-              <a:t>2. </a:t>
-            </a:r>
-            <a:r>
-              <a:rPr lang="en-US" altLang="ja-JP" b="1" kern="0" dirty="0" smtClean="0">
-                <a:solidFill>
-                  <a:srgbClr val="FFFFFF"/>
-                </a:solidFill>
-                <a:latin typeface="+mn-lt"/>
-                <a:ea typeface="ＭＳ Ｐゴシック" panose="020B0600070205080204" pitchFamily="50" charset="-128"/>
-              </a:rPr>
-              <a:t>CI/CD</a:t>
-            </a:r>
-            <a:endParaRPr kumimoji="1" lang="ja-JP" altLang="en-US" b="1" i="0" u="none" strike="noStrike" kern="0" cap="none" spc="0" normalizeH="0" baseline="0" noProof="0" dirty="0" smtClean="0">
-              <a:ln>
-                <a:noFill/>
-              </a:ln>
+              <a:rPr lang="en-US" altLang="ja-JP" sz="2400" dirty="0">
+                <a:hlinkClick r:id="rId8"/>
+              </a:rPr>
+              <a:t>http://robolectric.org</a:t>
+            </a:r>
+            <a:r>
+              <a:rPr lang="en-US" altLang="ja-JP" sz="2400" dirty="0" smtClean="0">
+                <a:hlinkClick r:id="rId8"/>
+              </a:rPr>
+              <a:t>/</a:t>
+            </a:r>
+            <a:endParaRPr lang="en-US" altLang="ja-JP" sz="2400" dirty="0"/>
+          </a:p>
+          <a:p>
+            <a:pPr marL="800100" lvl="1" indent="-342900">
+              <a:buFont typeface="Arial" pitchFamily="34" charset="0"/>
+              <a:buChar char="•"/>
+            </a:pPr>
+            <a:r>
+              <a:rPr lang="en-US" altLang="ja-JP" sz="2400" dirty="0" smtClean="0">
+                <a:solidFill>
+                  <a:schemeClr val="tx1"/>
+                </a:solidFill>
+              </a:rPr>
+              <a:t>Emulator </a:t>
+            </a:r>
+            <a:r>
+              <a:rPr lang="ja-JP" altLang="en-US" sz="2400" dirty="0" smtClean="0">
+                <a:solidFill>
+                  <a:schemeClr val="tx1"/>
+                </a:solidFill>
+              </a:rPr>
+              <a:t>も実機も不要。</a:t>
+            </a:r>
+            <a:endParaRPr lang="en-US" altLang="ja-JP" sz="2400" dirty="0" smtClean="0">
               <a:solidFill>
-                <a:srgbClr val="FFFFFF"/>
+                <a:schemeClr val="tx1"/>
               </a:solidFill>
-              <a:effectLst/>
-              <a:uLnTx/>
-              <a:uFillTx/>
-              <a:latin typeface="+mn-lt"/>
-              <a:ea typeface="ＭＳ Ｐゴシック" panose="020B0600070205080204" pitchFamily="50" charset="-128"/>
-            </a:endParaRPr>
-          </a:p>
-        </p:txBody>
-      </p:sp>
-      <p:sp>
-        <p:nvSpPr>
-          <p:cNvPr id="6" name="Text Box 17"/>
-          <p:cNvSpPr txBox="1">
-            <a:spLocks noChangeArrowheads="1"/>
-          </p:cNvSpPr>
-          <p:nvPr/>
-        </p:nvSpPr>
-        <p:spPr bwMode="auto">
-          <a:xfrm>
-            <a:off x="445331" y="3676638"/>
-            <a:ext cx="8240400" cy="540000"/>
-          </a:xfrm>
-          <a:prstGeom prst="rect">
-            <a:avLst/>
-          </a:prstGeom>
-          <a:solidFill>
-            <a:srgbClr val="C00000"/>
-          </a:solidFill>
-          <a:ln w="12700">
-            <a:solidFill>
-              <a:srgbClr val="BF0000"/>
-            </a:solidFill>
-            <a:miter lim="800000"/>
-            <a:headEnd/>
-            <a:tailEnd/>
-          </a:ln>
-          <a:effectLst>
-            <a:outerShdw blurRad="88900" dist="38100" dir="8100000" algn="ctr" rotWithShape="0">
-              <a:schemeClr val="tx1">
-                <a:alpha val="30000"/>
-              </a:schemeClr>
-            </a:outerShdw>
-          </a:effectLst>
-          <a:extLst/>
-        </p:spPr>
-        <p:txBody>
-          <a:bodyPr anchor="ctr" anchorCtr="0"/>
-          <a:lstStyle>
-            <a:lvl1pPr algn="l" defTabSz="381000">
-              <a:spcBef>
-                <a:spcPct val="0"/>
-              </a:spcBef>
-              <a:defRPr kumimoji="1" sz="2400">
-                <a:solidFill>
-                  <a:schemeClr val="tx1"/>
-                </a:solidFill>
-                <a:latin typeface="Times New Roman" pitchFamily="18" charset="0"/>
-                <a:ea typeface="ＭＳ Ｐゴシック" charset="-128"/>
-              </a:defRPr>
-            </a:lvl1pPr>
-            <a:lvl2pPr algn="l" defTabSz="381000">
-              <a:spcBef>
-                <a:spcPct val="0"/>
-              </a:spcBef>
-              <a:defRPr kumimoji="1" sz="2400">
-                <a:solidFill>
-                  <a:schemeClr val="tx1"/>
-                </a:solidFill>
-                <a:latin typeface="Times New Roman" pitchFamily="18" charset="0"/>
-                <a:ea typeface="ＭＳ Ｐゴシック" charset="-128"/>
-              </a:defRPr>
-            </a:lvl2pPr>
-            <a:lvl3pPr algn="l" defTabSz="381000">
-              <a:spcBef>
-                <a:spcPct val="0"/>
-              </a:spcBef>
-              <a:defRPr kumimoji="1" sz="2400">
-                <a:solidFill>
-                  <a:schemeClr val="tx1"/>
-                </a:solidFill>
-                <a:latin typeface="Times New Roman" pitchFamily="18" charset="0"/>
-                <a:ea typeface="ＭＳ Ｐゴシック" charset="-128"/>
-              </a:defRPr>
-            </a:lvl3pPr>
-            <a:lvl4pPr algn="l" defTabSz="381000">
-              <a:spcBef>
-                <a:spcPct val="0"/>
-              </a:spcBef>
-              <a:defRPr kumimoji="1" sz="2400">
-                <a:solidFill>
-                  <a:schemeClr val="tx1"/>
-                </a:solidFill>
-                <a:latin typeface="Times New Roman" pitchFamily="18" charset="0"/>
-                <a:ea typeface="ＭＳ Ｐゴシック" charset="-128"/>
-              </a:defRPr>
-            </a:lvl4pPr>
-            <a:lvl5pPr algn="l" defTabSz="381000">
-              <a:spcBef>
-                <a:spcPct val="0"/>
-              </a:spcBef>
-              <a:defRPr kumimoji="1" sz="2400">
-                <a:solidFill>
-                  <a:schemeClr val="tx1"/>
-                </a:solidFill>
-                <a:latin typeface="Times New Roman" pitchFamily="18" charset="0"/>
-                <a:ea typeface="ＭＳ Ｐゴシック" charset="-128"/>
-              </a:defRPr>
-            </a:lvl5pPr>
-            <a:lvl6pPr defTabSz="381000" fontAlgn="base">
-              <a:spcBef>
-                <a:spcPct val="0"/>
-              </a:spcBef>
-              <a:spcAft>
-                <a:spcPct val="0"/>
-              </a:spcAft>
-              <a:defRPr kumimoji="1" sz="2400">
-                <a:solidFill>
-                  <a:schemeClr val="tx1"/>
-                </a:solidFill>
-                <a:latin typeface="Times New Roman" pitchFamily="18" charset="0"/>
-                <a:ea typeface="ＭＳ Ｐゴシック" charset="-128"/>
-              </a:defRPr>
-            </a:lvl6pPr>
-            <a:lvl7pPr defTabSz="381000" fontAlgn="base">
-              <a:spcBef>
-                <a:spcPct val="0"/>
-              </a:spcBef>
-              <a:spcAft>
-                <a:spcPct val="0"/>
-              </a:spcAft>
-              <a:defRPr kumimoji="1" sz="2400">
-                <a:solidFill>
-                  <a:schemeClr val="tx1"/>
-                </a:solidFill>
-                <a:latin typeface="Times New Roman" pitchFamily="18" charset="0"/>
-                <a:ea typeface="ＭＳ Ｐゴシック" charset="-128"/>
-              </a:defRPr>
-            </a:lvl7pPr>
-            <a:lvl8pPr defTabSz="381000" fontAlgn="base">
-              <a:spcBef>
-                <a:spcPct val="0"/>
-              </a:spcBef>
-              <a:spcAft>
-                <a:spcPct val="0"/>
-              </a:spcAft>
-              <a:defRPr kumimoji="1" sz="2400">
-                <a:solidFill>
-                  <a:schemeClr val="tx1"/>
-                </a:solidFill>
-                <a:latin typeface="Times New Roman" pitchFamily="18" charset="0"/>
-                <a:ea typeface="ＭＳ Ｐゴシック" charset="-128"/>
-              </a:defRPr>
-            </a:lvl8pPr>
-            <a:lvl9pPr defTabSz="381000" fontAlgn="base">
-              <a:spcBef>
-                <a:spcPct val="0"/>
-              </a:spcBef>
-              <a:spcAft>
-                <a:spcPct val="0"/>
-              </a:spcAft>
-              <a:defRPr kumimoji="1" sz="2400">
-                <a:solidFill>
-                  <a:schemeClr val="tx1"/>
-                </a:solidFill>
-                <a:latin typeface="Times New Roman" pitchFamily="18" charset="0"/>
-                <a:ea typeface="ＭＳ Ｐゴシック" charset="-128"/>
-              </a:defRPr>
-            </a:lvl9pPr>
-          </a:lstStyle>
-          <a:p>
-            <a:pPr lvl="0">
-              <a:spcBef>
-                <a:spcPct val="20000"/>
-              </a:spcBef>
-              <a:buClr>
-                <a:srgbClr val="FFFFFF"/>
-              </a:buClr>
-              <a:defRPr/>
-            </a:pPr>
-            <a:r>
-              <a:rPr lang="en-US" altLang="ja-JP" b="1" kern="0" dirty="0" smtClean="0">
-                <a:solidFill>
-                  <a:srgbClr val="FFFFFF"/>
-                </a:solidFill>
-                <a:latin typeface="+mn-lt"/>
-              </a:rPr>
-              <a:t>4. </a:t>
-            </a:r>
-            <a:r>
-              <a:rPr lang="en-US" altLang="ja-JP" b="1" kern="0" dirty="0" smtClean="0">
-                <a:solidFill>
-                  <a:srgbClr val="FFFFFF"/>
-                </a:solidFill>
-                <a:latin typeface="+mn-lt"/>
-              </a:rPr>
-              <a:t>BDD</a:t>
-            </a:r>
-            <a:endParaRPr kumimoji="1" lang="ja-JP" altLang="en-US" b="1" i="0" u="none" strike="noStrike" kern="0" cap="none" spc="0" normalizeH="0" baseline="0" noProof="0" dirty="0" smtClean="0">
-              <a:ln>
-                <a:noFill/>
-              </a:ln>
-              <a:solidFill>
-                <a:srgbClr val="FFFFFF"/>
-              </a:solidFill>
-              <a:effectLst/>
-              <a:uLnTx/>
-              <a:uFillTx/>
-              <a:latin typeface="+mn-lt"/>
-            </a:endParaRPr>
-          </a:p>
-        </p:txBody>
-      </p:sp>
-      <p:sp>
-        <p:nvSpPr>
-          <p:cNvPr id="7" name="Text Box 17"/>
-          <p:cNvSpPr txBox="1">
-            <a:spLocks noChangeArrowheads="1"/>
-          </p:cNvSpPr>
-          <p:nvPr/>
-        </p:nvSpPr>
-        <p:spPr bwMode="auto">
-          <a:xfrm>
-            <a:off x="445331" y="4551272"/>
-            <a:ext cx="8240400" cy="540000"/>
-          </a:xfrm>
-          <a:prstGeom prst="rect">
-            <a:avLst/>
-          </a:prstGeom>
-          <a:solidFill>
-            <a:srgbClr val="C00000"/>
-          </a:solidFill>
-          <a:ln w="12700">
-            <a:solidFill>
-              <a:srgbClr val="BF0000"/>
-            </a:solidFill>
-            <a:miter lim="800000"/>
-            <a:headEnd/>
-            <a:tailEnd/>
-          </a:ln>
-          <a:effectLst>
-            <a:outerShdw blurRad="88900" dist="38100" dir="8100000" algn="ctr" rotWithShape="0">
-              <a:schemeClr val="tx1">
-                <a:alpha val="30000"/>
-              </a:schemeClr>
-            </a:outerShdw>
-          </a:effectLst>
-          <a:extLst/>
-        </p:spPr>
-        <p:txBody>
-          <a:bodyPr anchor="ctr" anchorCtr="0"/>
-          <a:lstStyle>
-            <a:lvl1pPr algn="l" defTabSz="381000">
-              <a:spcBef>
-                <a:spcPct val="0"/>
-              </a:spcBef>
-              <a:defRPr kumimoji="1" sz="2400">
-                <a:solidFill>
-                  <a:schemeClr val="tx1"/>
-                </a:solidFill>
-                <a:latin typeface="Times New Roman" pitchFamily="18" charset="0"/>
-                <a:ea typeface="ＭＳ Ｐゴシック" charset="-128"/>
-              </a:defRPr>
-            </a:lvl1pPr>
-            <a:lvl2pPr algn="l" defTabSz="381000">
-              <a:spcBef>
-                <a:spcPct val="0"/>
-              </a:spcBef>
-              <a:defRPr kumimoji="1" sz="2400">
-                <a:solidFill>
-                  <a:schemeClr val="tx1"/>
-                </a:solidFill>
-                <a:latin typeface="Times New Roman" pitchFamily="18" charset="0"/>
-                <a:ea typeface="ＭＳ Ｐゴシック" charset="-128"/>
-              </a:defRPr>
-            </a:lvl2pPr>
-            <a:lvl3pPr algn="l" defTabSz="381000">
-              <a:spcBef>
-                <a:spcPct val="0"/>
-              </a:spcBef>
-              <a:defRPr kumimoji="1" sz="2400">
-                <a:solidFill>
-                  <a:schemeClr val="tx1"/>
-                </a:solidFill>
-                <a:latin typeface="Times New Roman" pitchFamily="18" charset="0"/>
-                <a:ea typeface="ＭＳ Ｐゴシック" charset="-128"/>
-              </a:defRPr>
-            </a:lvl3pPr>
-            <a:lvl4pPr algn="l" defTabSz="381000">
-              <a:spcBef>
-                <a:spcPct val="0"/>
-              </a:spcBef>
-              <a:defRPr kumimoji="1" sz="2400">
-                <a:solidFill>
-                  <a:schemeClr val="tx1"/>
-                </a:solidFill>
-                <a:latin typeface="Times New Roman" pitchFamily="18" charset="0"/>
-                <a:ea typeface="ＭＳ Ｐゴシック" charset="-128"/>
-              </a:defRPr>
-            </a:lvl4pPr>
-            <a:lvl5pPr algn="l" defTabSz="381000">
-              <a:spcBef>
-                <a:spcPct val="0"/>
-              </a:spcBef>
-              <a:defRPr kumimoji="1" sz="2400">
-                <a:solidFill>
-                  <a:schemeClr val="tx1"/>
-                </a:solidFill>
-                <a:latin typeface="Times New Roman" pitchFamily="18" charset="0"/>
-                <a:ea typeface="ＭＳ Ｐゴシック" charset="-128"/>
-              </a:defRPr>
-            </a:lvl5pPr>
-            <a:lvl6pPr defTabSz="381000" fontAlgn="base">
-              <a:spcBef>
-                <a:spcPct val="0"/>
-              </a:spcBef>
-              <a:spcAft>
-                <a:spcPct val="0"/>
-              </a:spcAft>
-              <a:defRPr kumimoji="1" sz="2400">
-                <a:solidFill>
-                  <a:schemeClr val="tx1"/>
-                </a:solidFill>
-                <a:latin typeface="Times New Roman" pitchFamily="18" charset="0"/>
-                <a:ea typeface="ＭＳ Ｐゴシック" charset="-128"/>
-              </a:defRPr>
-            </a:lvl6pPr>
-            <a:lvl7pPr defTabSz="381000" fontAlgn="base">
-              <a:spcBef>
-                <a:spcPct val="0"/>
-              </a:spcBef>
-              <a:spcAft>
-                <a:spcPct val="0"/>
-              </a:spcAft>
-              <a:defRPr kumimoji="1" sz="2400">
-                <a:solidFill>
-                  <a:schemeClr val="tx1"/>
-                </a:solidFill>
-                <a:latin typeface="Times New Roman" pitchFamily="18" charset="0"/>
-                <a:ea typeface="ＭＳ Ｐゴシック" charset="-128"/>
-              </a:defRPr>
-            </a:lvl7pPr>
-            <a:lvl8pPr defTabSz="381000" fontAlgn="base">
-              <a:spcBef>
-                <a:spcPct val="0"/>
-              </a:spcBef>
-              <a:spcAft>
-                <a:spcPct val="0"/>
-              </a:spcAft>
-              <a:defRPr kumimoji="1" sz="2400">
-                <a:solidFill>
-                  <a:schemeClr val="tx1"/>
-                </a:solidFill>
-                <a:latin typeface="Times New Roman" pitchFamily="18" charset="0"/>
-                <a:ea typeface="ＭＳ Ｐゴシック" charset="-128"/>
-              </a:defRPr>
-            </a:lvl8pPr>
-            <a:lvl9pPr defTabSz="381000" fontAlgn="base">
-              <a:spcBef>
-                <a:spcPct val="0"/>
-              </a:spcBef>
-              <a:spcAft>
-                <a:spcPct val="0"/>
-              </a:spcAft>
-              <a:defRPr kumimoji="1" sz="2400">
-                <a:solidFill>
-                  <a:schemeClr val="tx1"/>
-                </a:solidFill>
-                <a:latin typeface="Times New Roman" pitchFamily="18" charset="0"/>
-                <a:ea typeface="ＭＳ Ｐゴシック" charset="-128"/>
-              </a:defRPr>
-            </a:lvl9pPr>
-          </a:lstStyle>
-          <a:p>
-            <a:pPr lvl="0">
-              <a:spcBef>
-                <a:spcPct val="20000"/>
-              </a:spcBef>
-              <a:buClr>
-                <a:srgbClr val="FFFFFF"/>
-              </a:buClr>
-              <a:defRPr/>
-            </a:pPr>
-            <a:r>
-              <a:rPr lang="en-US" altLang="ja-JP" b="1" kern="0" dirty="0" smtClean="0">
-                <a:solidFill>
-                  <a:srgbClr val="FFFFFF"/>
-                </a:solidFill>
-                <a:latin typeface="+mn-lt"/>
-              </a:rPr>
-              <a:t>5. </a:t>
-            </a:r>
-            <a:r>
-              <a:rPr lang="en-US" altLang="ja-JP" b="1" kern="0" dirty="0">
-                <a:solidFill>
-                  <a:srgbClr val="FFFFFF"/>
-                </a:solidFill>
-                <a:latin typeface="+mn-lt"/>
-              </a:rPr>
-              <a:t>Problems, Possibility and Future</a:t>
-            </a:r>
-            <a:endParaRPr kumimoji="1" lang="ja-JP" altLang="en-US" b="1" i="0" u="none" strike="noStrike" kern="0" cap="none" spc="0" normalizeH="0" baseline="0" noProof="0" dirty="0" smtClean="0">
-              <a:ln>
-                <a:noFill/>
-              </a:ln>
-              <a:solidFill>
-                <a:srgbClr val="FFFFFF"/>
-              </a:solidFill>
-              <a:effectLst/>
-              <a:uLnTx/>
-              <a:uFillTx/>
-              <a:latin typeface="+mn-lt"/>
-            </a:endParaRPr>
-          </a:p>
-        </p:txBody>
-      </p:sp>
-      <p:sp>
-        <p:nvSpPr>
-          <p:cNvPr id="11" name="Text Box 17"/>
-          <p:cNvSpPr txBox="1">
-            <a:spLocks noChangeArrowheads="1"/>
-          </p:cNvSpPr>
-          <p:nvPr/>
-        </p:nvSpPr>
-        <p:spPr bwMode="auto">
-          <a:xfrm>
-            <a:off x="445331" y="5425904"/>
-            <a:ext cx="8240400" cy="540000"/>
-          </a:xfrm>
-          <a:prstGeom prst="rect">
-            <a:avLst/>
-          </a:prstGeom>
-          <a:solidFill>
-            <a:srgbClr val="C00000"/>
-          </a:solidFill>
-          <a:ln w="12700">
-            <a:solidFill>
-              <a:srgbClr val="BF0000"/>
-            </a:solidFill>
-            <a:miter lim="800000"/>
-            <a:headEnd/>
-            <a:tailEnd/>
-          </a:ln>
-          <a:effectLst>
-            <a:outerShdw blurRad="88900" dist="38100" dir="8100000" algn="ctr" rotWithShape="0">
-              <a:schemeClr val="tx1">
-                <a:alpha val="30000"/>
-              </a:schemeClr>
-            </a:outerShdw>
-          </a:effectLst>
-          <a:extLst/>
-        </p:spPr>
-        <p:txBody>
-          <a:bodyPr anchor="ctr" anchorCtr="0"/>
-          <a:lstStyle>
-            <a:lvl1pPr algn="l" defTabSz="381000">
-              <a:spcBef>
-                <a:spcPct val="0"/>
-              </a:spcBef>
-              <a:defRPr kumimoji="1" sz="2400">
-                <a:solidFill>
-                  <a:schemeClr val="tx1"/>
-                </a:solidFill>
-                <a:latin typeface="Times New Roman" pitchFamily="18" charset="0"/>
-                <a:ea typeface="ＭＳ Ｐゴシック" charset="-128"/>
-              </a:defRPr>
-            </a:lvl1pPr>
-            <a:lvl2pPr algn="l" defTabSz="381000">
-              <a:spcBef>
-                <a:spcPct val="0"/>
-              </a:spcBef>
-              <a:defRPr kumimoji="1" sz="2400">
-                <a:solidFill>
-                  <a:schemeClr val="tx1"/>
-                </a:solidFill>
-                <a:latin typeface="Times New Roman" pitchFamily="18" charset="0"/>
-                <a:ea typeface="ＭＳ Ｐゴシック" charset="-128"/>
-              </a:defRPr>
-            </a:lvl2pPr>
-            <a:lvl3pPr algn="l" defTabSz="381000">
-              <a:spcBef>
-                <a:spcPct val="0"/>
-              </a:spcBef>
-              <a:defRPr kumimoji="1" sz="2400">
-                <a:solidFill>
-                  <a:schemeClr val="tx1"/>
-                </a:solidFill>
-                <a:latin typeface="Times New Roman" pitchFamily="18" charset="0"/>
-                <a:ea typeface="ＭＳ Ｐゴシック" charset="-128"/>
-              </a:defRPr>
-            </a:lvl3pPr>
-            <a:lvl4pPr algn="l" defTabSz="381000">
-              <a:spcBef>
-                <a:spcPct val="0"/>
-              </a:spcBef>
-              <a:defRPr kumimoji="1" sz="2400">
-                <a:solidFill>
-                  <a:schemeClr val="tx1"/>
-                </a:solidFill>
-                <a:latin typeface="Times New Roman" pitchFamily="18" charset="0"/>
-                <a:ea typeface="ＭＳ Ｐゴシック" charset="-128"/>
-              </a:defRPr>
-            </a:lvl4pPr>
-            <a:lvl5pPr algn="l" defTabSz="381000">
-              <a:spcBef>
-                <a:spcPct val="0"/>
-              </a:spcBef>
-              <a:defRPr kumimoji="1" sz="2400">
-                <a:solidFill>
-                  <a:schemeClr val="tx1"/>
-                </a:solidFill>
-                <a:latin typeface="Times New Roman" pitchFamily="18" charset="0"/>
-                <a:ea typeface="ＭＳ Ｐゴシック" charset="-128"/>
-              </a:defRPr>
-            </a:lvl5pPr>
-            <a:lvl6pPr defTabSz="381000" fontAlgn="base">
-              <a:spcBef>
-                <a:spcPct val="0"/>
-              </a:spcBef>
-              <a:spcAft>
-                <a:spcPct val="0"/>
-              </a:spcAft>
-              <a:defRPr kumimoji="1" sz="2400">
-                <a:solidFill>
-                  <a:schemeClr val="tx1"/>
-                </a:solidFill>
-                <a:latin typeface="Times New Roman" pitchFamily="18" charset="0"/>
-                <a:ea typeface="ＭＳ Ｐゴシック" charset="-128"/>
-              </a:defRPr>
-            </a:lvl6pPr>
-            <a:lvl7pPr defTabSz="381000" fontAlgn="base">
-              <a:spcBef>
-                <a:spcPct val="0"/>
-              </a:spcBef>
-              <a:spcAft>
-                <a:spcPct val="0"/>
-              </a:spcAft>
-              <a:defRPr kumimoji="1" sz="2400">
-                <a:solidFill>
-                  <a:schemeClr val="tx1"/>
-                </a:solidFill>
-                <a:latin typeface="Times New Roman" pitchFamily="18" charset="0"/>
-                <a:ea typeface="ＭＳ Ｐゴシック" charset="-128"/>
-              </a:defRPr>
-            </a:lvl7pPr>
-            <a:lvl8pPr defTabSz="381000" fontAlgn="base">
-              <a:spcBef>
-                <a:spcPct val="0"/>
-              </a:spcBef>
-              <a:spcAft>
-                <a:spcPct val="0"/>
-              </a:spcAft>
-              <a:defRPr kumimoji="1" sz="2400">
-                <a:solidFill>
-                  <a:schemeClr val="tx1"/>
-                </a:solidFill>
-                <a:latin typeface="Times New Roman" pitchFamily="18" charset="0"/>
-                <a:ea typeface="ＭＳ Ｐゴシック" charset="-128"/>
-              </a:defRPr>
-            </a:lvl8pPr>
-            <a:lvl9pPr defTabSz="381000" fontAlgn="base">
-              <a:spcBef>
-                <a:spcPct val="0"/>
-              </a:spcBef>
-              <a:spcAft>
-                <a:spcPct val="0"/>
-              </a:spcAft>
-              <a:defRPr kumimoji="1" sz="2400">
-                <a:solidFill>
-                  <a:schemeClr val="tx1"/>
-                </a:solidFill>
-                <a:latin typeface="Times New Roman" pitchFamily="18" charset="0"/>
-                <a:ea typeface="ＭＳ Ｐゴシック" charset="-128"/>
-              </a:defRPr>
-            </a:lvl9pPr>
-          </a:lstStyle>
-          <a:p>
-            <a:pPr lvl="0">
-              <a:spcBef>
-                <a:spcPct val="20000"/>
-              </a:spcBef>
-              <a:buClr>
-                <a:srgbClr val="FFFFFF"/>
-              </a:buClr>
-              <a:defRPr/>
-            </a:pPr>
-            <a:r>
-              <a:rPr lang="en-US" altLang="ja-JP" b="1" kern="0" dirty="0" smtClean="0">
-                <a:solidFill>
-                  <a:srgbClr val="FFFFFF"/>
-                </a:solidFill>
-                <a:latin typeface="+mn-lt"/>
-              </a:rPr>
-              <a:t>6</a:t>
-            </a:r>
-            <a:r>
-              <a:rPr lang="en-US" altLang="ja-JP" b="1" kern="0" dirty="0">
-                <a:solidFill>
-                  <a:srgbClr val="FFFFFF"/>
-                </a:solidFill>
-                <a:latin typeface="+mn-lt"/>
-              </a:rPr>
-              <a:t>. Conclusions</a:t>
-            </a:r>
-            <a:endParaRPr kumimoji="1" lang="ja-JP" altLang="en-US" b="1" i="0" u="none" strike="noStrike" kern="0" cap="none" spc="0" normalizeH="0" baseline="0" noProof="0" dirty="0" smtClean="0">
-              <a:ln>
-                <a:noFill/>
-              </a:ln>
-              <a:solidFill>
-                <a:srgbClr val="FFFFFF"/>
-              </a:solidFill>
-              <a:effectLst/>
-              <a:uLnTx/>
-              <a:uFillTx/>
-              <a:latin typeface="+mn-lt"/>
             </a:endParaRPr>
           </a:p>
         </p:txBody>
@@ -26173,7 +23538,7 @@
     </p:spTree>
     <p:extLst>
       <p:ext uri="{BB962C8B-B14F-4D97-AF65-F5344CB8AC3E}">
-        <p14:creationId xmlns:p14="http://schemas.microsoft.com/office/powerpoint/2010/main" val="3773336615"/>
+        <p14:creationId xmlns:p14="http://schemas.microsoft.com/office/powerpoint/2010/main" val="1453903427"/>
       </p:ext>
     </p:extLst>
   </p:cSld>
@@ -30342,6 +27707,1600 @@
       </p:grpSpPr>
       <p:sp>
         <p:nvSpPr>
+          <p:cNvPr id="17" name="タイトル 1"/>
+          <p:cNvSpPr>
+            <a:spLocks noGrp="1"/>
+          </p:cNvSpPr>
+          <p:nvPr>
+            <p:ph type="title"/>
+          </p:nvPr>
+        </p:nvSpPr>
+        <p:spPr>
+          <a:xfrm>
+            <a:off x="360000" y="252000"/>
+            <a:ext cx="8424000" cy="360000"/>
+          </a:xfrm>
+          <a:solidFill>
+            <a:srgbClr val="92D050"/>
+          </a:solidFill>
+          <a:ln>
+            <a:solidFill>
+              <a:srgbClr val="FFFFFF"/>
+            </a:solidFill>
+          </a:ln>
+        </p:spPr>
+        <p:txBody>
+          <a:bodyPr>
+            <a:normAutofit fontScale="90000"/>
+          </a:bodyPr>
+          <a:lstStyle/>
+          <a:p>
+            <a:r>
+              <a:rPr lang="en-US" altLang="ja-JP" kern="0" dirty="0" smtClean="0">
+                <a:solidFill>
+                  <a:schemeClr val="accent1"/>
+                </a:solidFill>
+                <a:latin typeface="+mn-lt"/>
+                <a:ea typeface="+mj-ea"/>
+              </a:rPr>
+              <a:t>Three Purposes</a:t>
+            </a:r>
+            <a:endParaRPr kumimoji="1" lang="ja-JP" altLang="en-US" dirty="0">
+              <a:latin typeface="+mn-lt"/>
+              <a:ea typeface="+mj-ea"/>
+            </a:endParaRPr>
+          </a:p>
+        </p:txBody>
+      </p:sp>
+      <p:sp>
+        <p:nvSpPr>
+          <p:cNvPr id="15" name="タイトル 2"/>
+          <p:cNvSpPr txBox="1">
+            <a:spLocks/>
+          </p:cNvSpPr>
+          <p:nvPr/>
+        </p:nvSpPr>
+        <p:spPr>
+          <a:xfrm>
+            <a:off x="2146076" y="1089044"/>
+            <a:ext cx="5738292" cy="1260000"/>
+          </a:xfrm>
+          <a:prstGeom prst="rect">
+            <a:avLst/>
+          </a:prstGeom>
+          <a:noFill/>
+          <a:ln>
+            <a:solidFill>
+              <a:schemeClr val="accent1"/>
+            </a:solidFill>
+          </a:ln>
+        </p:spPr>
+        <p:txBody>
+          <a:bodyPr anchor="t" anchorCtr="0">
+            <a:noAutofit/>
+          </a:bodyPr>
+          <a:lstStyle>
+            <a:lvl1pPr algn="ctr" defTabSz="914400" rtl="0" eaLnBrk="1" latinLnBrk="0" hangingPunct="1">
+              <a:spcBef>
+                <a:spcPct val="0"/>
+              </a:spcBef>
+              <a:buNone/>
+              <a:defRPr kumimoji="1" sz="2800" b="1" kern="1200" baseline="0">
+                <a:solidFill>
+                  <a:srgbClr val="C00000"/>
+                </a:solidFill>
+                <a:latin typeface="Arial" pitchFamily="34" charset="0"/>
+                <a:ea typeface="ＭＳ Ｐゴシック" pitchFamily="50" charset="-128"/>
+                <a:cs typeface="+mj-cs"/>
+              </a:defRPr>
+            </a:lvl1pPr>
+          </a:lstStyle>
+          <a:p>
+            <a:pPr algn="l"/>
+            <a:r>
+              <a:rPr lang="ja-JP" altLang="en-US" sz="3200" b="0" dirty="0" smtClean="0">
+                <a:solidFill>
+                  <a:schemeClr val="tx1"/>
+                </a:solidFill>
+                <a:latin typeface="+mj-ea"/>
+                <a:ea typeface="+mj-ea"/>
+              </a:rPr>
+              <a:t>・</a:t>
+            </a:r>
+            <a:r>
+              <a:rPr lang="en-US" altLang="ja-JP" sz="3200" b="0" dirty="0" smtClean="0">
+                <a:solidFill>
+                  <a:schemeClr val="tx1"/>
+                </a:solidFill>
+                <a:latin typeface="+mj-ea"/>
+                <a:ea typeface="+mj-ea"/>
+              </a:rPr>
+              <a:t>Efficiency</a:t>
+            </a:r>
+            <a:endParaRPr lang="en-US" altLang="ja-JP" sz="3200" b="0" dirty="0" smtClean="0">
+              <a:solidFill>
+                <a:schemeClr val="tx1"/>
+              </a:solidFill>
+              <a:latin typeface="+mj-ea"/>
+              <a:ea typeface="+mj-ea"/>
+            </a:endParaRPr>
+          </a:p>
+        </p:txBody>
+      </p:sp>
+      <p:sp>
+        <p:nvSpPr>
+          <p:cNvPr id="16" name="タイトル 2"/>
+          <p:cNvSpPr txBox="1">
+            <a:spLocks/>
+          </p:cNvSpPr>
+          <p:nvPr/>
+        </p:nvSpPr>
+        <p:spPr>
+          <a:xfrm>
+            <a:off x="2146076" y="2823495"/>
+            <a:ext cx="5738292" cy="1260000"/>
+          </a:xfrm>
+          <a:prstGeom prst="rect">
+            <a:avLst/>
+          </a:prstGeom>
+          <a:noFill/>
+          <a:ln>
+            <a:solidFill>
+              <a:schemeClr val="accent1"/>
+            </a:solidFill>
+          </a:ln>
+        </p:spPr>
+        <p:txBody>
+          <a:bodyPr anchor="t" anchorCtr="0">
+            <a:noAutofit/>
+          </a:bodyPr>
+          <a:lstStyle>
+            <a:lvl1pPr algn="ctr" defTabSz="914400" rtl="0" eaLnBrk="1" latinLnBrk="0" hangingPunct="1">
+              <a:spcBef>
+                <a:spcPct val="0"/>
+              </a:spcBef>
+              <a:buNone/>
+              <a:defRPr kumimoji="1" sz="2800" b="1" kern="1200" baseline="0">
+                <a:solidFill>
+                  <a:srgbClr val="C00000"/>
+                </a:solidFill>
+                <a:latin typeface="Arial" pitchFamily="34" charset="0"/>
+                <a:ea typeface="ＭＳ Ｐゴシック" pitchFamily="50" charset="-128"/>
+                <a:cs typeface="+mj-cs"/>
+              </a:defRPr>
+            </a:lvl1pPr>
+          </a:lstStyle>
+          <a:p>
+            <a:pPr algn="l"/>
+            <a:r>
+              <a:rPr lang="ja-JP" altLang="en-US" sz="3200" b="0" dirty="0" smtClean="0">
+                <a:solidFill>
+                  <a:schemeClr val="tx1"/>
+                </a:solidFill>
+                <a:latin typeface="+mj-ea"/>
+                <a:ea typeface="+mj-ea"/>
+              </a:rPr>
+              <a:t>・</a:t>
+            </a:r>
+            <a:r>
+              <a:rPr lang="en-US" altLang="ja-JP" sz="3200" b="0" dirty="0" smtClean="0">
+                <a:solidFill>
+                  <a:schemeClr val="tx1"/>
+                </a:solidFill>
+                <a:latin typeface="+mj-ea"/>
+                <a:ea typeface="+mj-ea"/>
+              </a:rPr>
+              <a:t>Learning</a:t>
+            </a:r>
+            <a:endParaRPr lang="en-US" altLang="ja-JP" sz="3200" b="0" dirty="0" smtClean="0">
+              <a:solidFill>
+                <a:schemeClr val="tx1"/>
+              </a:solidFill>
+              <a:latin typeface="+mj-ea"/>
+              <a:ea typeface="+mj-ea"/>
+            </a:endParaRPr>
+          </a:p>
+        </p:txBody>
+      </p:sp>
+      <p:sp>
+        <p:nvSpPr>
+          <p:cNvPr id="18" name="タイトル 2"/>
+          <p:cNvSpPr txBox="1">
+            <a:spLocks/>
+          </p:cNvSpPr>
+          <p:nvPr/>
+        </p:nvSpPr>
+        <p:spPr>
+          <a:xfrm>
+            <a:off x="2146076" y="5229200"/>
+            <a:ext cx="5738292" cy="1260000"/>
+          </a:xfrm>
+          <a:prstGeom prst="rect">
+            <a:avLst/>
+          </a:prstGeom>
+          <a:noFill/>
+          <a:ln>
+            <a:solidFill>
+              <a:schemeClr val="accent1"/>
+            </a:solidFill>
+          </a:ln>
+        </p:spPr>
+        <p:txBody>
+          <a:bodyPr anchor="t" anchorCtr="0">
+            <a:noAutofit/>
+          </a:bodyPr>
+          <a:lstStyle>
+            <a:lvl1pPr algn="ctr" defTabSz="914400" rtl="0" eaLnBrk="1" latinLnBrk="0" hangingPunct="1">
+              <a:spcBef>
+                <a:spcPct val="0"/>
+              </a:spcBef>
+              <a:buNone/>
+              <a:defRPr kumimoji="1" sz="2800" b="1" kern="1200" baseline="0">
+                <a:solidFill>
+                  <a:srgbClr val="C00000"/>
+                </a:solidFill>
+                <a:latin typeface="Arial" pitchFamily="34" charset="0"/>
+                <a:ea typeface="ＭＳ Ｐゴシック" pitchFamily="50" charset="-128"/>
+                <a:cs typeface="+mj-cs"/>
+              </a:defRPr>
+            </a:lvl1pPr>
+          </a:lstStyle>
+          <a:p>
+            <a:pPr algn="l"/>
+            <a:r>
+              <a:rPr lang="ja-JP" altLang="en-US" sz="3200" b="0" dirty="0" smtClean="0">
+                <a:solidFill>
+                  <a:schemeClr val="tx1"/>
+                </a:solidFill>
+                <a:latin typeface="+mj-ea"/>
+                <a:ea typeface="+mj-ea"/>
+              </a:rPr>
+              <a:t>・</a:t>
+            </a:r>
+            <a:r>
+              <a:rPr lang="en-US" altLang="ja-JP" sz="3200" b="0" dirty="0" smtClean="0">
+                <a:solidFill>
+                  <a:schemeClr val="tx1"/>
+                </a:solidFill>
+                <a:latin typeface="+mj-ea"/>
+                <a:ea typeface="+mj-ea"/>
+              </a:rPr>
+              <a:t>Collaboration</a:t>
+            </a:r>
+            <a:endParaRPr lang="en-US" altLang="ja-JP" sz="3200" b="0" dirty="0" smtClean="0">
+              <a:solidFill>
+                <a:schemeClr val="tx1"/>
+              </a:solidFill>
+              <a:latin typeface="+mj-ea"/>
+              <a:ea typeface="+mj-ea"/>
+            </a:endParaRPr>
+          </a:p>
+        </p:txBody>
+      </p:sp>
+    </p:spTree>
+    <p:extLst>
+      <p:ext uri="{BB962C8B-B14F-4D97-AF65-F5344CB8AC3E}">
+        <p14:creationId xmlns:p14="http://schemas.microsoft.com/office/powerpoint/2010/main" val="2025172219"/>
+      </p:ext>
+    </p:extLst>
+  </p:cSld>
+  <p:clrMapOvr>
+    <a:masterClrMapping/>
+  </p:clrMapOvr>
+  <p:timing>
+    <p:tnLst>
+      <p:par>
+        <p:cTn id="1" dur="indefinite" restart="never" nodeType="tmRoot"/>
+      </p:par>
+    </p:tnLst>
+  </p:timing>
+</p:sld>
+</file>
+
+<file path=ppt/slides/slide5.xml><?xml version="1.0" encoding="utf-8"?>
+<p:sld xmlns:a="http://schemas.openxmlformats.org/drawingml/2006/main" xmlns:r="http://schemas.openxmlformats.org/officeDocument/2006/relationships" xmlns:p="http://schemas.openxmlformats.org/presentationml/2006/main">
+  <p:cSld>
+    <p:spTree>
+      <p:nvGrpSpPr>
+        <p:cNvPr id="1" name=""/>
+        <p:cNvGrpSpPr/>
+        <p:nvPr/>
+      </p:nvGrpSpPr>
+      <p:grpSpPr>
+        <a:xfrm>
+          <a:off x="0" y="0"/>
+          <a:ext cx="0" cy="0"/>
+          <a:chOff x="0" y="0"/>
+          <a:chExt cx="0" cy="0"/>
+        </a:xfrm>
+      </p:grpSpPr>
+      <p:sp>
+        <p:nvSpPr>
+          <p:cNvPr id="2" name="タイトル 1"/>
+          <p:cNvSpPr>
+            <a:spLocks noGrp="1"/>
+          </p:cNvSpPr>
+          <p:nvPr>
+            <p:ph type="title"/>
+          </p:nvPr>
+        </p:nvSpPr>
+        <p:spPr>
+          <a:noFill/>
+        </p:spPr>
+        <p:txBody>
+          <a:bodyPr>
+            <a:normAutofit fontScale="90000"/>
+          </a:bodyPr>
+          <a:lstStyle/>
+          <a:p>
+            <a:r>
+              <a:rPr kumimoji="1" lang="en-US" altLang="ja-JP" dirty="0" smtClean="0"/>
+              <a:t>Agenda</a:t>
+            </a:r>
+            <a:endParaRPr kumimoji="1" lang="ja-JP" altLang="en-US" dirty="0"/>
+          </a:p>
+        </p:txBody>
+      </p:sp>
+      <p:sp>
+        <p:nvSpPr>
+          <p:cNvPr id="5" name="Text Box 17"/>
+          <p:cNvSpPr txBox="1">
+            <a:spLocks noChangeArrowheads="1"/>
+          </p:cNvSpPr>
+          <p:nvPr/>
+        </p:nvSpPr>
+        <p:spPr bwMode="auto">
+          <a:xfrm>
+            <a:off x="445331" y="1052736"/>
+            <a:ext cx="8240400" cy="540000"/>
+          </a:xfrm>
+          <a:prstGeom prst="rect">
+            <a:avLst/>
+          </a:prstGeom>
+          <a:solidFill>
+            <a:srgbClr val="C00000"/>
+          </a:solidFill>
+          <a:ln w="12700">
+            <a:solidFill>
+              <a:srgbClr val="BF0000"/>
+            </a:solidFill>
+            <a:miter lim="800000"/>
+            <a:headEnd/>
+            <a:tailEnd/>
+          </a:ln>
+          <a:effectLst>
+            <a:outerShdw blurRad="88900" dist="38100" dir="8100000" algn="ctr" rotWithShape="0">
+              <a:schemeClr val="tx1">
+                <a:alpha val="30000"/>
+              </a:schemeClr>
+            </a:outerShdw>
+          </a:effectLst>
+          <a:extLst/>
+        </p:spPr>
+        <p:txBody>
+          <a:bodyPr anchor="ctr" anchorCtr="0"/>
+          <a:lstStyle>
+            <a:lvl1pPr algn="l" defTabSz="381000">
+              <a:spcBef>
+                <a:spcPct val="0"/>
+              </a:spcBef>
+              <a:defRPr kumimoji="1" sz="2400">
+                <a:solidFill>
+                  <a:schemeClr val="tx1"/>
+                </a:solidFill>
+                <a:latin typeface="Times New Roman" pitchFamily="18" charset="0"/>
+                <a:ea typeface="ＭＳ Ｐゴシック" charset="-128"/>
+              </a:defRPr>
+            </a:lvl1pPr>
+            <a:lvl2pPr algn="l" defTabSz="381000">
+              <a:spcBef>
+                <a:spcPct val="0"/>
+              </a:spcBef>
+              <a:defRPr kumimoji="1" sz="2400">
+                <a:solidFill>
+                  <a:schemeClr val="tx1"/>
+                </a:solidFill>
+                <a:latin typeface="Times New Roman" pitchFamily="18" charset="0"/>
+                <a:ea typeface="ＭＳ Ｐゴシック" charset="-128"/>
+              </a:defRPr>
+            </a:lvl2pPr>
+            <a:lvl3pPr algn="l" defTabSz="381000">
+              <a:spcBef>
+                <a:spcPct val="0"/>
+              </a:spcBef>
+              <a:defRPr kumimoji="1" sz="2400">
+                <a:solidFill>
+                  <a:schemeClr val="tx1"/>
+                </a:solidFill>
+                <a:latin typeface="Times New Roman" pitchFamily="18" charset="0"/>
+                <a:ea typeface="ＭＳ Ｐゴシック" charset="-128"/>
+              </a:defRPr>
+            </a:lvl3pPr>
+            <a:lvl4pPr algn="l" defTabSz="381000">
+              <a:spcBef>
+                <a:spcPct val="0"/>
+              </a:spcBef>
+              <a:defRPr kumimoji="1" sz="2400">
+                <a:solidFill>
+                  <a:schemeClr val="tx1"/>
+                </a:solidFill>
+                <a:latin typeface="Times New Roman" pitchFamily="18" charset="0"/>
+                <a:ea typeface="ＭＳ Ｐゴシック" charset="-128"/>
+              </a:defRPr>
+            </a:lvl4pPr>
+            <a:lvl5pPr algn="l" defTabSz="381000">
+              <a:spcBef>
+                <a:spcPct val="0"/>
+              </a:spcBef>
+              <a:defRPr kumimoji="1" sz="2400">
+                <a:solidFill>
+                  <a:schemeClr val="tx1"/>
+                </a:solidFill>
+                <a:latin typeface="Times New Roman" pitchFamily="18" charset="0"/>
+                <a:ea typeface="ＭＳ Ｐゴシック" charset="-128"/>
+              </a:defRPr>
+            </a:lvl5pPr>
+            <a:lvl6pPr defTabSz="381000" fontAlgn="base">
+              <a:spcBef>
+                <a:spcPct val="0"/>
+              </a:spcBef>
+              <a:spcAft>
+                <a:spcPct val="0"/>
+              </a:spcAft>
+              <a:defRPr kumimoji="1" sz="2400">
+                <a:solidFill>
+                  <a:schemeClr val="tx1"/>
+                </a:solidFill>
+                <a:latin typeface="Times New Roman" pitchFamily="18" charset="0"/>
+                <a:ea typeface="ＭＳ Ｐゴシック" charset="-128"/>
+              </a:defRPr>
+            </a:lvl6pPr>
+            <a:lvl7pPr defTabSz="381000" fontAlgn="base">
+              <a:spcBef>
+                <a:spcPct val="0"/>
+              </a:spcBef>
+              <a:spcAft>
+                <a:spcPct val="0"/>
+              </a:spcAft>
+              <a:defRPr kumimoji="1" sz="2400">
+                <a:solidFill>
+                  <a:schemeClr val="tx1"/>
+                </a:solidFill>
+                <a:latin typeface="Times New Roman" pitchFamily="18" charset="0"/>
+                <a:ea typeface="ＭＳ Ｐゴシック" charset="-128"/>
+              </a:defRPr>
+            </a:lvl7pPr>
+            <a:lvl8pPr defTabSz="381000" fontAlgn="base">
+              <a:spcBef>
+                <a:spcPct val="0"/>
+              </a:spcBef>
+              <a:spcAft>
+                <a:spcPct val="0"/>
+              </a:spcAft>
+              <a:defRPr kumimoji="1" sz="2400">
+                <a:solidFill>
+                  <a:schemeClr val="tx1"/>
+                </a:solidFill>
+                <a:latin typeface="Times New Roman" pitchFamily="18" charset="0"/>
+                <a:ea typeface="ＭＳ Ｐゴシック" charset="-128"/>
+              </a:defRPr>
+            </a:lvl8pPr>
+            <a:lvl9pPr defTabSz="381000" fontAlgn="base">
+              <a:spcBef>
+                <a:spcPct val="0"/>
+              </a:spcBef>
+              <a:spcAft>
+                <a:spcPct val="0"/>
+              </a:spcAft>
+              <a:defRPr kumimoji="1" sz="2400">
+                <a:solidFill>
+                  <a:schemeClr val="tx1"/>
+                </a:solidFill>
+                <a:latin typeface="Times New Roman" pitchFamily="18" charset="0"/>
+                <a:ea typeface="ＭＳ Ｐゴシック" charset="-128"/>
+              </a:defRPr>
+            </a:lvl9pPr>
+          </a:lstStyle>
+          <a:p>
+            <a:pPr lvl="0">
+              <a:spcBef>
+                <a:spcPct val="20000"/>
+              </a:spcBef>
+              <a:buClr>
+                <a:srgbClr val="FFFFFF"/>
+              </a:buClr>
+              <a:defRPr/>
+            </a:pPr>
+            <a:r>
+              <a:rPr kumimoji="1" lang="en-US" altLang="ja-JP" b="1" i="0" u="none" strike="noStrike" kern="0" cap="none" spc="0" normalizeH="0" baseline="0" noProof="0" dirty="0" smtClean="0">
+                <a:ln>
+                  <a:noFill/>
+                </a:ln>
+                <a:solidFill>
+                  <a:srgbClr val="FFFFFF"/>
+                </a:solidFill>
+                <a:effectLst/>
+                <a:uLnTx/>
+                <a:uFillTx/>
+                <a:latin typeface="+mn-lt"/>
+                <a:ea typeface="ＭＳ Ｐゴシック" panose="020B0600070205080204" pitchFamily="50" charset="-128"/>
+              </a:rPr>
+              <a:t>1. </a:t>
+            </a:r>
+            <a:r>
+              <a:rPr lang="en-US" altLang="ja-JP" b="1" kern="0" dirty="0">
+                <a:solidFill>
+                  <a:srgbClr val="FFFFFF"/>
+                </a:solidFill>
+                <a:latin typeface="+mn-lt"/>
+                <a:ea typeface="ＭＳ Ｐゴシック" panose="020B0600070205080204" pitchFamily="50" charset="-128"/>
+              </a:rPr>
+              <a:t>Conditions and </a:t>
+            </a:r>
+            <a:r>
+              <a:rPr lang="en-US" altLang="ja-JP" b="1" kern="0" dirty="0" smtClean="0">
+                <a:solidFill>
+                  <a:srgbClr val="FFFFFF"/>
+                </a:solidFill>
+                <a:latin typeface="+mn-lt"/>
+                <a:ea typeface="ＭＳ Ｐゴシック" panose="020B0600070205080204" pitchFamily="50" charset="-128"/>
+              </a:rPr>
+              <a:t>Challenges</a:t>
+            </a:r>
+            <a:endParaRPr kumimoji="1" lang="ja-JP" altLang="en-US" b="1" i="0" u="none" strike="noStrike" kern="0" cap="none" spc="0" normalizeH="0" baseline="0" noProof="0" dirty="0" smtClean="0">
+              <a:ln>
+                <a:noFill/>
+              </a:ln>
+              <a:solidFill>
+                <a:srgbClr val="FFFFFF"/>
+              </a:solidFill>
+              <a:effectLst/>
+              <a:uLnTx/>
+              <a:uFillTx/>
+              <a:latin typeface="+mn-lt"/>
+              <a:ea typeface="ＭＳ Ｐゴシック" panose="020B0600070205080204" pitchFamily="50" charset="-128"/>
+            </a:endParaRPr>
+          </a:p>
+        </p:txBody>
+      </p:sp>
+      <p:sp>
+        <p:nvSpPr>
+          <p:cNvPr id="8" name="Text Box 17"/>
+          <p:cNvSpPr txBox="1">
+            <a:spLocks noChangeArrowheads="1"/>
+          </p:cNvSpPr>
+          <p:nvPr/>
+        </p:nvSpPr>
+        <p:spPr bwMode="auto">
+          <a:xfrm>
+            <a:off x="445331" y="2802004"/>
+            <a:ext cx="8240400" cy="540000"/>
+          </a:xfrm>
+          <a:prstGeom prst="rect">
+            <a:avLst/>
+          </a:prstGeom>
+          <a:solidFill>
+            <a:srgbClr val="C00000"/>
+          </a:solidFill>
+          <a:ln w="12700">
+            <a:solidFill>
+              <a:srgbClr val="BF0000"/>
+            </a:solidFill>
+            <a:miter lim="800000"/>
+            <a:headEnd/>
+            <a:tailEnd/>
+          </a:ln>
+          <a:effectLst>
+            <a:outerShdw blurRad="88900" dist="38100" dir="8100000" algn="ctr" rotWithShape="0">
+              <a:schemeClr val="tx1">
+                <a:alpha val="30000"/>
+              </a:schemeClr>
+            </a:outerShdw>
+          </a:effectLst>
+          <a:extLst/>
+        </p:spPr>
+        <p:txBody>
+          <a:bodyPr anchor="ctr" anchorCtr="0"/>
+          <a:lstStyle>
+            <a:lvl1pPr algn="l" defTabSz="381000">
+              <a:spcBef>
+                <a:spcPct val="0"/>
+              </a:spcBef>
+              <a:defRPr kumimoji="1" sz="2400">
+                <a:solidFill>
+                  <a:schemeClr val="tx1"/>
+                </a:solidFill>
+                <a:latin typeface="Times New Roman" pitchFamily="18" charset="0"/>
+                <a:ea typeface="ＭＳ Ｐゴシック" charset="-128"/>
+              </a:defRPr>
+            </a:lvl1pPr>
+            <a:lvl2pPr algn="l" defTabSz="381000">
+              <a:spcBef>
+                <a:spcPct val="0"/>
+              </a:spcBef>
+              <a:defRPr kumimoji="1" sz="2400">
+                <a:solidFill>
+                  <a:schemeClr val="tx1"/>
+                </a:solidFill>
+                <a:latin typeface="Times New Roman" pitchFamily="18" charset="0"/>
+                <a:ea typeface="ＭＳ Ｐゴシック" charset="-128"/>
+              </a:defRPr>
+            </a:lvl2pPr>
+            <a:lvl3pPr algn="l" defTabSz="381000">
+              <a:spcBef>
+                <a:spcPct val="0"/>
+              </a:spcBef>
+              <a:defRPr kumimoji="1" sz="2400">
+                <a:solidFill>
+                  <a:schemeClr val="tx1"/>
+                </a:solidFill>
+                <a:latin typeface="Times New Roman" pitchFamily="18" charset="0"/>
+                <a:ea typeface="ＭＳ Ｐゴシック" charset="-128"/>
+              </a:defRPr>
+            </a:lvl3pPr>
+            <a:lvl4pPr algn="l" defTabSz="381000">
+              <a:spcBef>
+                <a:spcPct val="0"/>
+              </a:spcBef>
+              <a:defRPr kumimoji="1" sz="2400">
+                <a:solidFill>
+                  <a:schemeClr val="tx1"/>
+                </a:solidFill>
+                <a:latin typeface="Times New Roman" pitchFamily="18" charset="0"/>
+                <a:ea typeface="ＭＳ Ｐゴシック" charset="-128"/>
+              </a:defRPr>
+            </a:lvl4pPr>
+            <a:lvl5pPr algn="l" defTabSz="381000">
+              <a:spcBef>
+                <a:spcPct val="0"/>
+              </a:spcBef>
+              <a:defRPr kumimoji="1" sz="2400">
+                <a:solidFill>
+                  <a:schemeClr val="tx1"/>
+                </a:solidFill>
+                <a:latin typeface="Times New Roman" pitchFamily="18" charset="0"/>
+                <a:ea typeface="ＭＳ Ｐゴシック" charset="-128"/>
+              </a:defRPr>
+            </a:lvl5pPr>
+            <a:lvl6pPr defTabSz="381000" fontAlgn="base">
+              <a:spcBef>
+                <a:spcPct val="0"/>
+              </a:spcBef>
+              <a:spcAft>
+                <a:spcPct val="0"/>
+              </a:spcAft>
+              <a:defRPr kumimoji="1" sz="2400">
+                <a:solidFill>
+                  <a:schemeClr val="tx1"/>
+                </a:solidFill>
+                <a:latin typeface="Times New Roman" pitchFamily="18" charset="0"/>
+                <a:ea typeface="ＭＳ Ｐゴシック" charset="-128"/>
+              </a:defRPr>
+            </a:lvl6pPr>
+            <a:lvl7pPr defTabSz="381000" fontAlgn="base">
+              <a:spcBef>
+                <a:spcPct val="0"/>
+              </a:spcBef>
+              <a:spcAft>
+                <a:spcPct val="0"/>
+              </a:spcAft>
+              <a:defRPr kumimoji="1" sz="2400">
+                <a:solidFill>
+                  <a:schemeClr val="tx1"/>
+                </a:solidFill>
+                <a:latin typeface="Times New Roman" pitchFamily="18" charset="0"/>
+                <a:ea typeface="ＭＳ Ｐゴシック" charset="-128"/>
+              </a:defRPr>
+            </a:lvl7pPr>
+            <a:lvl8pPr defTabSz="381000" fontAlgn="base">
+              <a:spcBef>
+                <a:spcPct val="0"/>
+              </a:spcBef>
+              <a:spcAft>
+                <a:spcPct val="0"/>
+              </a:spcAft>
+              <a:defRPr kumimoji="1" sz="2400">
+                <a:solidFill>
+                  <a:schemeClr val="tx1"/>
+                </a:solidFill>
+                <a:latin typeface="Times New Roman" pitchFamily="18" charset="0"/>
+                <a:ea typeface="ＭＳ Ｐゴシック" charset="-128"/>
+              </a:defRPr>
+            </a:lvl8pPr>
+            <a:lvl9pPr defTabSz="381000" fontAlgn="base">
+              <a:spcBef>
+                <a:spcPct val="0"/>
+              </a:spcBef>
+              <a:spcAft>
+                <a:spcPct val="0"/>
+              </a:spcAft>
+              <a:defRPr kumimoji="1" sz="2400">
+                <a:solidFill>
+                  <a:schemeClr val="tx1"/>
+                </a:solidFill>
+                <a:latin typeface="Times New Roman" pitchFamily="18" charset="0"/>
+                <a:ea typeface="ＭＳ Ｐゴシック" charset="-128"/>
+              </a:defRPr>
+            </a:lvl9pPr>
+          </a:lstStyle>
+          <a:p>
+            <a:pPr lvl="0">
+              <a:spcBef>
+                <a:spcPct val="20000"/>
+              </a:spcBef>
+              <a:buClr>
+                <a:srgbClr val="FFFFFF"/>
+              </a:buClr>
+              <a:defRPr/>
+            </a:pPr>
+            <a:r>
+              <a:rPr lang="en-US" altLang="ja-JP" b="1" kern="0" dirty="0">
+                <a:solidFill>
+                  <a:srgbClr val="FFFFFF"/>
+                </a:solidFill>
+                <a:latin typeface="+mn-lt"/>
+              </a:rPr>
+              <a:t>3</a:t>
+            </a:r>
+            <a:r>
+              <a:rPr lang="en-US" altLang="ja-JP" b="1" kern="0" dirty="0" smtClean="0">
+                <a:solidFill>
+                  <a:srgbClr val="FFFFFF"/>
+                </a:solidFill>
+                <a:latin typeface="+mn-lt"/>
+              </a:rPr>
+              <a:t>. TDD</a:t>
+            </a:r>
+            <a:endParaRPr kumimoji="1" lang="ja-JP" altLang="en-US" b="1" i="0" u="none" strike="noStrike" kern="0" cap="none" spc="0" normalizeH="0" baseline="0" noProof="0" dirty="0" smtClean="0">
+              <a:ln>
+                <a:noFill/>
+              </a:ln>
+              <a:solidFill>
+                <a:srgbClr val="FFFFFF"/>
+              </a:solidFill>
+              <a:effectLst/>
+              <a:uLnTx/>
+              <a:uFillTx/>
+              <a:latin typeface="+mn-lt"/>
+            </a:endParaRPr>
+          </a:p>
+        </p:txBody>
+      </p:sp>
+      <p:sp>
+        <p:nvSpPr>
+          <p:cNvPr id="10" name="Text Box 17"/>
+          <p:cNvSpPr txBox="1">
+            <a:spLocks noChangeArrowheads="1"/>
+          </p:cNvSpPr>
+          <p:nvPr/>
+        </p:nvSpPr>
+        <p:spPr bwMode="auto">
+          <a:xfrm>
+            <a:off x="445331" y="1927370"/>
+            <a:ext cx="8240400" cy="540000"/>
+          </a:xfrm>
+          <a:prstGeom prst="rect">
+            <a:avLst/>
+          </a:prstGeom>
+          <a:solidFill>
+            <a:srgbClr val="C00000"/>
+          </a:solidFill>
+          <a:ln w="12700">
+            <a:solidFill>
+              <a:srgbClr val="BF0000"/>
+            </a:solidFill>
+            <a:miter lim="800000"/>
+            <a:headEnd/>
+            <a:tailEnd/>
+          </a:ln>
+          <a:effectLst>
+            <a:outerShdw blurRad="88900" dist="38100" dir="8100000" algn="ctr" rotWithShape="0">
+              <a:schemeClr val="tx1">
+                <a:alpha val="30000"/>
+              </a:schemeClr>
+            </a:outerShdw>
+          </a:effectLst>
+          <a:extLst/>
+        </p:spPr>
+        <p:txBody>
+          <a:bodyPr anchor="ctr" anchorCtr="0"/>
+          <a:lstStyle>
+            <a:lvl1pPr algn="l" defTabSz="381000">
+              <a:spcBef>
+                <a:spcPct val="0"/>
+              </a:spcBef>
+              <a:defRPr kumimoji="1" sz="2400">
+                <a:solidFill>
+                  <a:schemeClr val="tx1"/>
+                </a:solidFill>
+                <a:latin typeface="Times New Roman" pitchFamily="18" charset="0"/>
+                <a:ea typeface="ＭＳ Ｐゴシック" charset="-128"/>
+              </a:defRPr>
+            </a:lvl1pPr>
+            <a:lvl2pPr algn="l" defTabSz="381000">
+              <a:spcBef>
+                <a:spcPct val="0"/>
+              </a:spcBef>
+              <a:defRPr kumimoji="1" sz="2400">
+                <a:solidFill>
+                  <a:schemeClr val="tx1"/>
+                </a:solidFill>
+                <a:latin typeface="Times New Roman" pitchFamily="18" charset="0"/>
+                <a:ea typeface="ＭＳ Ｐゴシック" charset="-128"/>
+              </a:defRPr>
+            </a:lvl2pPr>
+            <a:lvl3pPr algn="l" defTabSz="381000">
+              <a:spcBef>
+                <a:spcPct val="0"/>
+              </a:spcBef>
+              <a:defRPr kumimoji="1" sz="2400">
+                <a:solidFill>
+                  <a:schemeClr val="tx1"/>
+                </a:solidFill>
+                <a:latin typeface="Times New Roman" pitchFamily="18" charset="0"/>
+                <a:ea typeface="ＭＳ Ｐゴシック" charset="-128"/>
+              </a:defRPr>
+            </a:lvl3pPr>
+            <a:lvl4pPr algn="l" defTabSz="381000">
+              <a:spcBef>
+                <a:spcPct val="0"/>
+              </a:spcBef>
+              <a:defRPr kumimoji="1" sz="2400">
+                <a:solidFill>
+                  <a:schemeClr val="tx1"/>
+                </a:solidFill>
+                <a:latin typeface="Times New Roman" pitchFamily="18" charset="0"/>
+                <a:ea typeface="ＭＳ Ｐゴシック" charset="-128"/>
+              </a:defRPr>
+            </a:lvl4pPr>
+            <a:lvl5pPr algn="l" defTabSz="381000">
+              <a:spcBef>
+                <a:spcPct val="0"/>
+              </a:spcBef>
+              <a:defRPr kumimoji="1" sz="2400">
+                <a:solidFill>
+                  <a:schemeClr val="tx1"/>
+                </a:solidFill>
+                <a:latin typeface="Times New Roman" pitchFamily="18" charset="0"/>
+                <a:ea typeface="ＭＳ Ｐゴシック" charset="-128"/>
+              </a:defRPr>
+            </a:lvl5pPr>
+            <a:lvl6pPr defTabSz="381000" fontAlgn="base">
+              <a:spcBef>
+                <a:spcPct val="0"/>
+              </a:spcBef>
+              <a:spcAft>
+                <a:spcPct val="0"/>
+              </a:spcAft>
+              <a:defRPr kumimoji="1" sz="2400">
+                <a:solidFill>
+                  <a:schemeClr val="tx1"/>
+                </a:solidFill>
+                <a:latin typeface="Times New Roman" pitchFamily="18" charset="0"/>
+                <a:ea typeface="ＭＳ Ｐゴシック" charset="-128"/>
+              </a:defRPr>
+            </a:lvl6pPr>
+            <a:lvl7pPr defTabSz="381000" fontAlgn="base">
+              <a:spcBef>
+                <a:spcPct val="0"/>
+              </a:spcBef>
+              <a:spcAft>
+                <a:spcPct val="0"/>
+              </a:spcAft>
+              <a:defRPr kumimoji="1" sz="2400">
+                <a:solidFill>
+                  <a:schemeClr val="tx1"/>
+                </a:solidFill>
+                <a:latin typeface="Times New Roman" pitchFamily="18" charset="0"/>
+                <a:ea typeface="ＭＳ Ｐゴシック" charset="-128"/>
+              </a:defRPr>
+            </a:lvl7pPr>
+            <a:lvl8pPr defTabSz="381000" fontAlgn="base">
+              <a:spcBef>
+                <a:spcPct val="0"/>
+              </a:spcBef>
+              <a:spcAft>
+                <a:spcPct val="0"/>
+              </a:spcAft>
+              <a:defRPr kumimoji="1" sz="2400">
+                <a:solidFill>
+                  <a:schemeClr val="tx1"/>
+                </a:solidFill>
+                <a:latin typeface="Times New Roman" pitchFamily="18" charset="0"/>
+                <a:ea typeface="ＭＳ Ｐゴシック" charset="-128"/>
+              </a:defRPr>
+            </a:lvl8pPr>
+            <a:lvl9pPr defTabSz="381000" fontAlgn="base">
+              <a:spcBef>
+                <a:spcPct val="0"/>
+              </a:spcBef>
+              <a:spcAft>
+                <a:spcPct val="0"/>
+              </a:spcAft>
+              <a:defRPr kumimoji="1" sz="2400">
+                <a:solidFill>
+                  <a:schemeClr val="tx1"/>
+                </a:solidFill>
+                <a:latin typeface="Times New Roman" pitchFamily="18" charset="0"/>
+                <a:ea typeface="ＭＳ Ｐゴシック" charset="-128"/>
+              </a:defRPr>
+            </a:lvl9pPr>
+          </a:lstStyle>
+          <a:p>
+            <a:pPr lvl="0">
+              <a:spcBef>
+                <a:spcPct val="20000"/>
+              </a:spcBef>
+              <a:buClr>
+                <a:srgbClr val="FFFFFF"/>
+              </a:buClr>
+              <a:defRPr/>
+            </a:pPr>
+            <a:r>
+              <a:rPr lang="en-US" altLang="ja-JP" b="1" kern="0" dirty="0" smtClean="0">
+                <a:solidFill>
+                  <a:srgbClr val="FFFFFF"/>
+                </a:solidFill>
+                <a:latin typeface="+mn-lt"/>
+                <a:ea typeface="ＭＳ Ｐゴシック" panose="020B0600070205080204" pitchFamily="50" charset="-128"/>
+              </a:rPr>
+              <a:t>2. CI/CD</a:t>
+            </a:r>
+            <a:endParaRPr kumimoji="1" lang="ja-JP" altLang="en-US" b="1" i="0" u="none" strike="noStrike" kern="0" cap="none" spc="0" normalizeH="0" baseline="0" noProof="0" dirty="0" smtClean="0">
+              <a:ln>
+                <a:noFill/>
+              </a:ln>
+              <a:solidFill>
+                <a:srgbClr val="FFFFFF"/>
+              </a:solidFill>
+              <a:effectLst/>
+              <a:uLnTx/>
+              <a:uFillTx/>
+              <a:latin typeface="+mn-lt"/>
+              <a:ea typeface="ＭＳ Ｐゴシック" panose="020B0600070205080204" pitchFamily="50" charset="-128"/>
+            </a:endParaRPr>
+          </a:p>
+        </p:txBody>
+      </p:sp>
+      <p:sp>
+        <p:nvSpPr>
+          <p:cNvPr id="6" name="Text Box 17"/>
+          <p:cNvSpPr txBox="1">
+            <a:spLocks noChangeArrowheads="1"/>
+          </p:cNvSpPr>
+          <p:nvPr/>
+        </p:nvSpPr>
+        <p:spPr bwMode="auto">
+          <a:xfrm>
+            <a:off x="445331" y="3676638"/>
+            <a:ext cx="8240400" cy="540000"/>
+          </a:xfrm>
+          <a:prstGeom prst="rect">
+            <a:avLst/>
+          </a:prstGeom>
+          <a:solidFill>
+            <a:srgbClr val="C00000"/>
+          </a:solidFill>
+          <a:ln w="12700">
+            <a:solidFill>
+              <a:srgbClr val="BF0000"/>
+            </a:solidFill>
+            <a:miter lim="800000"/>
+            <a:headEnd/>
+            <a:tailEnd/>
+          </a:ln>
+          <a:effectLst>
+            <a:outerShdw blurRad="88900" dist="38100" dir="8100000" algn="ctr" rotWithShape="0">
+              <a:schemeClr val="tx1">
+                <a:alpha val="30000"/>
+              </a:schemeClr>
+            </a:outerShdw>
+          </a:effectLst>
+          <a:extLst/>
+        </p:spPr>
+        <p:txBody>
+          <a:bodyPr anchor="ctr" anchorCtr="0"/>
+          <a:lstStyle>
+            <a:lvl1pPr algn="l" defTabSz="381000">
+              <a:spcBef>
+                <a:spcPct val="0"/>
+              </a:spcBef>
+              <a:defRPr kumimoji="1" sz="2400">
+                <a:solidFill>
+                  <a:schemeClr val="tx1"/>
+                </a:solidFill>
+                <a:latin typeface="Times New Roman" pitchFamily="18" charset="0"/>
+                <a:ea typeface="ＭＳ Ｐゴシック" charset="-128"/>
+              </a:defRPr>
+            </a:lvl1pPr>
+            <a:lvl2pPr algn="l" defTabSz="381000">
+              <a:spcBef>
+                <a:spcPct val="0"/>
+              </a:spcBef>
+              <a:defRPr kumimoji="1" sz="2400">
+                <a:solidFill>
+                  <a:schemeClr val="tx1"/>
+                </a:solidFill>
+                <a:latin typeface="Times New Roman" pitchFamily="18" charset="0"/>
+                <a:ea typeface="ＭＳ Ｐゴシック" charset="-128"/>
+              </a:defRPr>
+            </a:lvl2pPr>
+            <a:lvl3pPr algn="l" defTabSz="381000">
+              <a:spcBef>
+                <a:spcPct val="0"/>
+              </a:spcBef>
+              <a:defRPr kumimoji="1" sz="2400">
+                <a:solidFill>
+                  <a:schemeClr val="tx1"/>
+                </a:solidFill>
+                <a:latin typeface="Times New Roman" pitchFamily="18" charset="0"/>
+                <a:ea typeface="ＭＳ Ｐゴシック" charset="-128"/>
+              </a:defRPr>
+            </a:lvl3pPr>
+            <a:lvl4pPr algn="l" defTabSz="381000">
+              <a:spcBef>
+                <a:spcPct val="0"/>
+              </a:spcBef>
+              <a:defRPr kumimoji="1" sz="2400">
+                <a:solidFill>
+                  <a:schemeClr val="tx1"/>
+                </a:solidFill>
+                <a:latin typeface="Times New Roman" pitchFamily="18" charset="0"/>
+                <a:ea typeface="ＭＳ Ｐゴシック" charset="-128"/>
+              </a:defRPr>
+            </a:lvl4pPr>
+            <a:lvl5pPr algn="l" defTabSz="381000">
+              <a:spcBef>
+                <a:spcPct val="0"/>
+              </a:spcBef>
+              <a:defRPr kumimoji="1" sz="2400">
+                <a:solidFill>
+                  <a:schemeClr val="tx1"/>
+                </a:solidFill>
+                <a:latin typeface="Times New Roman" pitchFamily="18" charset="0"/>
+                <a:ea typeface="ＭＳ Ｐゴシック" charset="-128"/>
+              </a:defRPr>
+            </a:lvl5pPr>
+            <a:lvl6pPr defTabSz="381000" fontAlgn="base">
+              <a:spcBef>
+                <a:spcPct val="0"/>
+              </a:spcBef>
+              <a:spcAft>
+                <a:spcPct val="0"/>
+              </a:spcAft>
+              <a:defRPr kumimoji="1" sz="2400">
+                <a:solidFill>
+                  <a:schemeClr val="tx1"/>
+                </a:solidFill>
+                <a:latin typeface="Times New Roman" pitchFamily="18" charset="0"/>
+                <a:ea typeface="ＭＳ Ｐゴシック" charset="-128"/>
+              </a:defRPr>
+            </a:lvl6pPr>
+            <a:lvl7pPr defTabSz="381000" fontAlgn="base">
+              <a:spcBef>
+                <a:spcPct val="0"/>
+              </a:spcBef>
+              <a:spcAft>
+                <a:spcPct val="0"/>
+              </a:spcAft>
+              <a:defRPr kumimoji="1" sz="2400">
+                <a:solidFill>
+                  <a:schemeClr val="tx1"/>
+                </a:solidFill>
+                <a:latin typeface="Times New Roman" pitchFamily="18" charset="0"/>
+                <a:ea typeface="ＭＳ Ｐゴシック" charset="-128"/>
+              </a:defRPr>
+            </a:lvl7pPr>
+            <a:lvl8pPr defTabSz="381000" fontAlgn="base">
+              <a:spcBef>
+                <a:spcPct val="0"/>
+              </a:spcBef>
+              <a:spcAft>
+                <a:spcPct val="0"/>
+              </a:spcAft>
+              <a:defRPr kumimoji="1" sz="2400">
+                <a:solidFill>
+                  <a:schemeClr val="tx1"/>
+                </a:solidFill>
+                <a:latin typeface="Times New Roman" pitchFamily="18" charset="0"/>
+                <a:ea typeface="ＭＳ Ｐゴシック" charset="-128"/>
+              </a:defRPr>
+            </a:lvl8pPr>
+            <a:lvl9pPr defTabSz="381000" fontAlgn="base">
+              <a:spcBef>
+                <a:spcPct val="0"/>
+              </a:spcBef>
+              <a:spcAft>
+                <a:spcPct val="0"/>
+              </a:spcAft>
+              <a:defRPr kumimoji="1" sz="2400">
+                <a:solidFill>
+                  <a:schemeClr val="tx1"/>
+                </a:solidFill>
+                <a:latin typeface="Times New Roman" pitchFamily="18" charset="0"/>
+                <a:ea typeface="ＭＳ Ｐゴシック" charset="-128"/>
+              </a:defRPr>
+            </a:lvl9pPr>
+          </a:lstStyle>
+          <a:p>
+            <a:pPr lvl="0">
+              <a:spcBef>
+                <a:spcPct val="20000"/>
+              </a:spcBef>
+              <a:buClr>
+                <a:srgbClr val="FFFFFF"/>
+              </a:buClr>
+              <a:defRPr/>
+            </a:pPr>
+            <a:r>
+              <a:rPr lang="en-US" altLang="ja-JP" b="1" kern="0" dirty="0" smtClean="0">
+                <a:solidFill>
+                  <a:srgbClr val="FFFFFF"/>
+                </a:solidFill>
+                <a:latin typeface="+mn-lt"/>
+              </a:rPr>
+              <a:t>4. BDD</a:t>
+            </a:r>
+            <a:endParaRPr kumimoji="1" lang="ja-JP" altLang="en-US" b="1" i="0" u="none" strike="noStrike" kern="0" cap="none" spc="0" normalizeH="0" baseline="0" noProof="0" dirty="0" smtClean="0">
+              <a:ln>
+                <a:noFill/>
+              </a:ln>
+              <a:solidFill>
+                <a:srgbClr val="FFFFFF"/>
+              </a:solidFill>
+              <a:effectLst/>
+              <a:uLnTx/>
+              <a:uFillTx/>
+              <a:latin typeface="+mn-lt"/>
+            </a:endParaRPr>
+          </a:p>
+        </p:txBody>
+      </p:sp>
+      <p:sp>
+        <p:nvSpPr>
+          <p:cNvPr id="7" name="Text Box 17"/>
+          <p:cNvSpPr txBox="1">
+            <a:spLocks noChangeArrowheads="1"/>
+          </p:cNvSpPr>
+          <p:nvPr/>
+        </p:nvSpPr>
+        <p:spPr bwMode="auto">
+          <a:xfrm>
+            <a:off x="445331" y="4551272"/>
+            <a:ext cx="8240400" cy="540000"/>
+          </a:xfrm>
+          <a:prstGeom prst="rect">
+            <a:avLst/>
+          </a:prstGeom>
+          <a:solidFill>
+            <a:srgbClr val="C00000"/>
+          </a:solidFill>
+          <a:ln w="12700">
+            <a:solidFill>
+              <a:srgbClr val="BF0000"/>
+            </a:solidFill>
+            <a:miter lim="800000"/>
+            <a:headEnd/>
+            <a:tailEnd/>
+          </a:ln>
+          <a:effectLst>
+            <a:outerShdw blurRad="88900" dist="38100" dir="8100000" algn="ctr" rotWithShape="0">
+              <a:schemeClr val="tx1">
+                <a:alpha val="30000"/>
+              </a:schemeClr>
+            </a:outerShdw>
+          </a:effectLst>
+          <a:extLst/>
+        </p:spPr>
+        <p:txBody>
+          <a:bodyPr anchor="ctr" anchorCtr="0"/>
+          <a:lstStyle>
+            <a:lvl1pPr algn="l" defTabSz="381000">
+              <a:spcBef>
+                <a:spcPct val="0"/>
+              </a:spcBef>
+              <a:defRPr kumimoji="1" sz="2400">
+                <a:solidFill>
+                  <a:schemeClr val="tx1"/>
+                </a:solidFill>
+                <a:latin typeface="Times New Roman" pitchFamily="18" charset="0"/>
+                <a:ea typeface="ＭＳ Ｐゴシック" charset="-128"/>
+              </a:defRPr>
+            </a:lvl1pPr>
+            <a:lvl2pPr algn="l" defTabSz="381000">
+              <a:spcBef>
+                <a:spcPct val="0"/>
+              </a:spcBef>
+              <a:defRPr kumimoji="1" sz="2400">
+                <a:solidFill>
+                  <a:schemeClr val="tx1"/>
+                </a:solidFill>
+                <a:latin typeface="Times New Roman" pitchFamily="18" charset="0"/>
+                <a:ea typeface="ＭＳ Ｐゴシック" charset="-128"/>
+              </a:defRPr>
+            </a:lvl2pPr>
+            <a:lvl3pPr algn="l" defTabSz="381000">
+              <a:spcBef>
+                <a:spcPct val="0"/>
+              </a:spcBef>
+              <a:defRPr kumimoji="1" sz="2400">
+                <a:solidFill>
+                  <a:schemeClr val="tx1"/>
+                </a:solidFill>
+                <a:latin typeface="Times New Roman" pitchFamily="18" charset="0"/>
+                <a:ea typeface="ＭＳ Ｐゴシック" charset="-128"/>
+              </a:defRPr>
+            </a:lvl3pPr>
+            <a:lvl4pPr algn="l" defTabSz="381000">
+              <a:spcBef>
+                <a:spcPct val="0"/>
+              </a:spcBef>
+              <a:defRPr kumimoji="1" sz="2400">
+                <a:solidFill>
+                  <a:schemeClr val="tx1"/>
+                </a:solidFill>
+                <a:latin typeface="Times New Roman" pitchFamily="18" charset="0"/>
+                <a:ea typeface="ＭＳ Ｐゴシック" charset="-128"/>
+              </a:defRPr>
+            </a:lvl4pPr>
+            <a:lvl5pPr algn="l" defTabSz="381000">
+              <a:spcBef>
+                <a:spcPct val="0"/>
+              </a:spcBef>
+              <a:defRPr kumimoji="1" sz="2400">
+                <a:solidFill>
+                  <a:schemeClr val="tx1"/>
+                </a:solidFill>
+                <a:latin typeface="Times New Roman" pitchFamily="18" charset="0"/>
+                <a:ea typeface="ＭＳ Ｐゴシック" charset="-128"/>
+              </a:defRPr>
+            </a:lvl5pPr>
+            <a:lvl6pPr defTabSz="381000" fontAlgn="base">
+              <a:spcBef>
+                <a:spcPct val="0"/>
+              </a:spcBef>
+              <a:spcAft>
+                <a:spcPct val="0"/>
+              </a:spcAft>
+              <a:defRPr kumimoji="1" sz="2400">
+                <a:solidFill>
+                  <a:schemeClr val="tx1"/>
+                </a:solidFill>
+                <a:latin typeface="Times New Roman" pitchFamily="18" charset="0"/>
+                <a:ea typeface="ＭＳ Ｐゴシック" charset="-128"/>
+              </a:defRPr>
+            </a:lvl6pPr>
+            <a:lvl7pPr defTabSz="381000" fontAlgn="base">
+              <a:spcBef>
+                <a:spcPct val="0"/>
+              </a:spcBef>
+              <a:spcAft>
+                <a:spcPct val="0"/>
+              </a:spcAft>
+              <a:defRPr kumimoji="1" sz="2400">
+                <a:solidFill>
+                  <a:schemeClr val="tx1"/>
+                </a:solidFill>
+                <a:latin typeface="Times New Roman" pitchFamily="18" charset="0"/>
+                <a:ea typeface="ＭＳ Ｐゴシック" charset="-128"/>
+              </a:defRPr>
+            </a:lvl7pPr>
+            <a:lvl8pPr defTabSz="381000" fontAlgn="base">
+              <a:spcBef>
+                <a:spcPct val="0"/>
+              </a:spcBef>
+              <a:spcAft>
+                <a:spcPct val="0"/>
+              </a:spcAft>
+              <a:defRPr kumimoji="1" sz="2400">
+                <a:solidFill>
+                  <a:schemeClr val="tx1"/>
+                </a:solidFill>
+                <a:latin typeface="Times New Roman" pitchFamily="18" charset="0"/>
+                <a:ea typeface="ＭＳ Ｐゴシック" charset="-128"/>
+              </a:defRPr>
+            </a:lvl8pPr>
+            <a:lvl9pPr defTabSz="381000" fontAlgn="base">
+              <a:spcBef>
+                <a:spcPct val="0"/>
+              </a:spcBef>
+              <a:spcAft>
+                <a:spcPct val="0"/>
+              </a:spcAft>
+              <a:defRPr kumimoji="1" sz="2400">
+                <a:solidFill>
+                  <a:schemeClr val="tx1"/>
+                </a:solidFill>
+                <a:latin typeface="Times New Roman" pitchFamily="18" charset="0"/>
+                <a:ea typeface="ＭＳ Ｐゴシック" charset="-128"/>
+              </a:defRPr>
+            </a:lvl9pPr>
+          </a:lstStyle>
+          <a:p>
+            <a:pPr lvl="0">
+              <a:spcBef>
+                <a:spcPct val="20000"/>
+              </a:spcBef>
+              <a:buClr>
+                <a:srgbClr val="FFFFFF"/>
+              </a:buClr>
+              <a:defRPr/>
+            </a:pPr>
+            <a:r>
+              <a:rPr lang="en-US" altLang="ja-JP" b="1" kern="0" dirty="0" smtClean="0">
+                <a:solidFill>
+                  <a:srgbClr val="FFFFFF"/>
+                </a:solidFill>
+                <a:latin typeface="+mn-lt"/>
+              </a:rPr>
+              <a:t>5. </a:t>
+            </a:r>
+            <a:r>
+              <a:rPr lang="en-US" altLang="ja-JP" b="1" kern="0" dirty="0">
+                <a:solidFill>
+                  <a:srgbClr val="FFFFFF"/>
+                </a:solidFill>
+                <a:latin typeface="+mn-lt"/>
+              </a:rPr>
+              <a:t>Problems, Possibility and Future</a:t>
+            </a:r>
+            <a:endParaRPr kumimoji="1" lang="ja-JP" altLang="en-US" b="1" i="0" u="none" strike="noStrike" kern="0" cap="none" spc="0" normalizeH="0" baseline="0" noProof="0" dirty="0" smtClean="0">
+              <a:ln>
+                <a:noFill/>
+              </a:ln>
+              <a:solidFill>
+                <a:srgbClr val="FFFFFF"/>
+              </a:solidFill>
+              <a:effectLst/>
+              <a:uLnTx/>
+              <a:uFillTx/>
+              <a:latin typeface="+mn-lt"/>
+            </a:endParaRPr>
+          </a:p>
+        </p:txBody>
+      </p:sp>
+      <p:sp>
+        <p:nvSpPr>
+          <p:cNvPr id="11" name="Text Box 17"/>
+          <p:cNvSpPr txBox="1">
+            <a:spLocks noChangeArrowheads="1"/>
+          </p:cNvSpPr>
+          <p:nvPr/>
+        </p:nvSpPr>
+        <p:spPr bwMode="auto">
+          <a:xfrm>
+            <a:off x="445331" y="5425904"/>
+            <a:ext cx="8240400" cy="540000"/>
+          </a:xfrm>
+          <a:prstGeom prst="rect">
+            <a:avLst/>
+          </a:prstGeom>
+          <a:solidFill>
+            <a:srgbClr val="C00000"/>
+          </a:solidFill>
+          <a:ln w="12700">
+            <a:solidFill>
+              <a:srgbClr val="BF0000"/>
+            </a:solidFill>
+            <a:miter lim="800000"/>
+            <a:headEnd/>
+            <a:tailEnd/>
+          </a:ln>
+          <a:effectLst>
+            <a:outerShdw blurRad="88900" dist="38100" dir="8100000" algn="ctr" rotWithShape="0">
+              <a:schemeClr val="tx1">
+                <a:alpha val="30000"/>
+              </a:schemeClr>
+            </a:outerShdw>
+          </a:effectLst>
+          <a:extLst/>
+        </p:spPr>
+        <p:txBody>
+          <a:bodyPr anchor="ctr" anchorCtr="0"/>
+          <a:lstStyle>
+            <a:lvl1pPr algn="l" defTabSz="381000">
+              <a:spcBef>
+                <a:spcPct val="0"/>
+              </a:spcBef>
+              <a:defRPr kumimoji="1" sz="2400">
+                <a:solidFill>
+                  <a:schemeClr val="tx1"/>
+                </a:solidFill>
+                <a:latin typeface="Times New Roman" pitchFamily="18" charset="0"/>
+                <a:ea typeface="ＭＳ Ｐゴシック" charset="-128"/>
+              </a:defRPr>
+            </a:lvl1pPr>
+            <a:lvl2pPr algn="l" defTabSz="381000">
+              <a:spcBef>
+                <a:spcPct val="0"/>
+              </a:spcBef>
+              <a:defRPr kumimoji="1" sz="2400">
+                <a:solidFill>
+                  <a:schemeClr val="tx1"/>
+                </a:solidFill>
+                <a:latin typeface="Times New Roman" pitchFamily="18" charset="0"/>
+                <a:ea typeface="ＭＳ Ｐゴシック" charset="-128"/>
+              </a:defRPr>
+            </a:lvl2pPr>
+            <a:lvl3pPr algn="l" defTabSz="381000">
+              <a:spcBef>
+                <a:spcPct val="0"/>
+              </a:spcBef>
+              <a:defRPr kumimoji="1" sz="2400">
+                <a:solidFill>
+                  <a:schemeClr val="tx1"/>
+                </a:solidFill>
+                <a:latin typeface="Times New Roman" pitchFamily="18" charset="0"/>
+                <a:ea typeface="ＭＳ Ｐゴシック" charset="-128"/>
+              </a:defRPr>
+            </a:lvl3pPr>
+            <a:lvl4pPr algn="l" defTabSz="381000">
+              <a:spcBef>
+                <a:spcPct val="0"/>
+              </a:spcBef>
+              <a:defRPr kumimoji="1" sz="2400">
+                <a:solidFill>
+                  <a:schemeClr val="tx1"/>
+                </a:solidFill>
+                <a:latin typeface="Times New Roman" pitchFamily="18" charset="0"/>
+                <a:ea typeface="ＭＳ Ｐゴシック" charset="-128"/>
+              </a:defRPr>
+            </a:lvl4pPr>
+            <a:lvl5pPr algn="l" defTabSz="381000">
+              <a:spcBef>
+                <a:spcPct val="0"/>
+              </a:spcBef>
+              <a:defRPr kumimoji="1" sz="2400">
+                <a:solidFill>
+                  <a:schemeClr val="tx1"/>
+                </a:solidFill>
+                <a:latin typeface="Times New Roman" pitchFamily="18" charset="0"/>
+                <a:ea typeface="ＭＳ Ｐゴシック" charset="-128"/>
+              </a:defRPr>
+            </a:lvl5pPr>
+            <a:lvl6pPr defTabSz="381000" fontAlgn="base">
+              <a:spcBef>
+                <a:spcPct val="0"/>
+              </a:spcBef>
+              <a:spcAft>
+                <a:spcPct val="0"/>
+              </a:spcAft>
+              <a:defRPr kumimoji="1" sz="2400">
+                <a:solidFill>
+                  <a:schemeClr val="tx1"/>
+                </a:solidFill>
+                <a:latin typeface="Times New Roman" pitchFamily="18" charset="0"/>
+                <a:ea typeface="ＭＳ Ｐゴシック" charset="-128"/>
+              </a:defRPr>
+            </a:lvl6pPr>
+            <a:lvl7pPr defTabSz="381000" fontAlgn="base">
+              <a:spcBef>
+                <a:spcPct val="0"/>
+              </a:spcBef>
+              <a:spcAft>
+                <a:spcPct val="0"/>
+              </a:spcAft>
+              <a:defRPr kumimoji="1" sz="2400">
+                <a:solidFill>
+                  <a:schemeClr val="tx1"/>
+                </a:solidFill>
+                <a:latin typeface="Times New Roman" pitchFamily="18" charset="0"/>
+                <a:ea typeface="ＭＳ Ｐゴシック" charset="-128"/>
+              </a:defRPr>
+            </a:lvl7pPr>
+            <a:lvl8pPr defTabSz="381000" fontAlgn="base">
+              <a:spcBef>
+                <a:spcPct val="0"/>
+              </a:spcBef>
+              <a:spcAft>
+                <a:spcPct val="0"/>
+              </a:spcAft>
+              <a:defRPr kumimoji="1" sz="2400">
+                <a:solidFill>
+                  <a:schemeClr val="tx1"/>
+                </a:solidFill>
+                <a:latin typeface="Times New Roman" pitchFamily="18" charset="0"/>
+                <a:ea typeface="ＭＳ Ｐゴシック" charset="-128"/>
+              </a:defRPr>
+            </a:lvl8pPr>
+            <a:lvl9pPr defTabSz="381000" fontAlgn="base">
+              <a:spcBef>
+                <a:spcPct val="0"/>
+              </a:spcBef>
+              <a:spcAft>
+                <a:spcPct val="0"/>
+              </a:spcAft>
+              <a:defRPr kumimoji="1" sz="2400">
+                <a:solidFill>
+                  <a:schemeClr val="tx1"/>
+                </a:solidFill>
+                <a:latin typeface="Times New Roman" pitchFamily="18" charset="0"/>
+                <a:ea typeface="ＭＳ Ｐゴシック" charset="-128"/>
+              </a:defRPr>
+            </a:lvl9pPr>
+          </a:lstStyle>
+          <a:p>
+            <a:pPr lvl="0">
+              <a:spcBef>
+                <a:spcPct val="20000"/>
+              </a:spcBef>
+              <a:buClr>
+                <a:srgbClr val="FFFFFF"/>
+              </a:buClr>
+              <a:defRPr/>
+            </a:pPr>
+            <a:r>
+              <a:rPr lang="en-US" altLang="ja-JP" b="1" kern="0" dirty="0" smtClean="0">
+                <a:solidFill>
+                  <a:srgbClr val="FFFFFF"/>
+                </a:solidFill>
+                <a:latin typeface="+mn-lt"/>
+              </a:rPr>
+              <a:t>6</a:t>
+            </a:r>
+            <a:r>
+              <a:rPr lang="en-US" altLang="ja-JP" b="1" kern="0" dirty="0">
+                <a:solidFill>
+                  <a:srgbClr val="FFFFFF"/>
+                </a:solidFill>
+                <a:latin typeface="+mn-lt"/>
+              </a:rPr>
+              <a:t>. Conclusions</a:t>
+            </a:r>
+            <a:endParaRPr kumimoji="1" lang="ja-JP" altLang="en-US" b="1" i="0" u="none" strike="noStrike" kern="0" cap="none" spc="0" normalizeH="0" baseline="0" noProof="0" dirty="0" smtClean="0">
+              <a:ln>
+                <a:noFill/>
+              </a:ln>
+              <a:solidFill>
+                <a:srgbClr val="FFFFFF"/>
+              </a:solidFill>
+              <a:effectLst/>
+              <a:uLnTx/>
+              <a:uFillTx/>
+              <a:latin typeface="+mn-lt"/>
+            </a:endParaRPr>
+          </a:p>
+        </p:txBody>
+      </p:sp>
+    </p:spTree>
+    <p:extLst>
+      <p:ext uri="{BB962C8B-B14F-4D97-AF65-F5344CB8AC3E}">
+        <p14:creationId xmlns:p14="http://schemas.microsoft.com/office/powerpoint/2010/main" val="3773336615"/>
+      </p:ext>
+    </p:extLst>
+  </p:cSld>
+  <p:clrMapOvr>
+    <a:masterClrMapping/>
+  </p:clrMapOvr>
+  <p:timing>
+    <p:tnLst>
+      <p:par>
+        <p:cTn id="1" dur="indefinite" restart="never" nodeType="tmRoot"/>
+      </p:par>
+    </p:tnLst>
+  </p:timing>
+</p:sld>
+</file>
+
+<file path=ppt/slides/slide6.xml><?xml version="1.0" encoding="utf-8"?>
+<p:sld xmlns:a="http://schemas.openxmlformats.org/drawingml/2006/main" xmlns:r="http://schemas.openxmlformats.org/officeDocument/2006/relationships" xmlns:p="http://schemas.openxmlformats.org/presentationml/2006/main">
+  <p:cSld>
+    <p:spTree>
+      <p:nvGrpSpPr>
+        <p:cNvPr id="1" name=""/>
+        <p:cNvGrpSpPr/>
+        <p:nvPr/>
+      </p:nvGrpSpPr>
+      <p:grpSpPr>
+        <a:xfrm>
+          <a:off x="0" y="0"/>
+          <a:ext cx="0" cy="0"/>
+          <a:chOff x="0" y="0"/>
+          <a:chExt cx="0" cy="0"/>
+        </a:xfrm>
+      </p:grpSpPr>
+      <p:sp>
+        <p:nvSpPr>
           <p:cNvPr id="5" name="Text Box 17"/>
           <p:cNvSpPr txBox="1">
             <a:spLocks noChangeArrowheads="1"/>
@@ -31619,7 +30578,7 @@
 </p:sld>
 </file>
 
-<file path=ppt/slides/slide5.xml><?xml version="1.0" encoding="utf-8"?>
+<file path=ppt/slides/slide7.xml><?xml version="1.0" encoding="utf-8"?>
 <p:sld xmlns:a="http://schemas.openxmlformats.org/drawingml/2006/main" xmlns:r="http://schemas.openxmlformats.org/officeDocument/2006/relationships" xmlns:p="http://schemas.openxmlformats.org/presentationml/2006/main">
   <p:cSld>
     <p:spTree>
@@ -31742,7 +30701,7 @@
 </p:sld>
 </file>
 
-<file path=ppt/slides/slide6.xml><?xml version="1.0" encoding="utf-8"?>
+<file path=ppt/slides/slide8.xml><?xml version="1.0" encoding="utf-8"?>
 <p:sld xmlns:a="http://schemas.openxmlformats.org/drawingml/2006/main" xmlns:r="http://schemas.openxmlformats.org/officeDocument/2006/relationships" xmlns:p="http://schemas.openxmlformats.org/presentationml/2006/main">
   <p:cSld>
     <p:spTree>
@@ -31938,7 +30897,7 @@
 </p:sld>
 </file>
 
-<file path=ppt/slides/slide7.xml><?xml version="1.0" encoding="utf-8"?>
+<file path=ppt/slides/slide9.xml><?xml version="1.0" encoding="utf-8"?>
 <p:sld xmlns:a="http://schemas.openxmlformats.org/drawingml/2006/main" xmlns:r="http://schemas.openxmlformats.org/officeDocument/2006/relationships" xmlns:p="http://schemas.openxmlformats.org/presentationml/2006/main">
   <p:cSld>
     <p:spTree>
@@ -32066,358 +31025,6 @@
     <p:extLst>
       <p:ext uri="{BB962C8B-B14F-4D97-AF65-F5344CB8AC3E}">
         <p14:creationId xmlns:p14="http://schemas.microsoft.com/office/powerpoint/2010/main" val="4029237450"/>
-      </p:ext>
-    </p:extLst>
-  </p:cSld>
-  <p:clrMapOvr>
-    <a:masterClrMapping/>
-  </p:clrMapOvr>
-  <p:timing>
-    <p:tnLst>
-      <p:par>
-        <p:cTn id="1" dur="indefinite" restart="never" nodeType="tmRoot"/>
-      </p:par>
-    </p:tnLst>
-  </p:timing>
-</p:sld>
-</file>
-
-<file path=ppt/slides/slide8.xml><?xml version="1.0" encoding="utf-8"?>
-<p:sld xmlns:a="http://schemas.openxmlformats.org/drawingml/2006/main" xmlns:r="http://schemas.openxmlformats.org/officeDocument/2006/relationships" xmlns:p="http://schemas.openxmlformats.org/presentationml/2006/main">
-  <p:cSld>
-    <p:spTree>
-      <p:nvGrpSpPr>
-        <p:cNvPr id="1" name=""/>
-        <p:cNvGrpSpPr/>
-        <p:nvPr/>
-      </p:nvGrpSpPr>
-      <p:grpSpPr>
-        <a:xfrm>
-          <a:off x="0" y="0"/>
-          <a:ext cx="0" cy="0"/>
-          <a:chOff x="0" y="0"/>
-          <a:chExt cx="0" cy="0"/>
-        </a:xfrm>
-      </p:grpSpPr>
-      <p:sp>
-        <p:nvSpPr>
-          <p:cNvPr id="7" name="タイトル 2"/>
-          <p:cNvSpPr txBox="1">
-            <a:spLocks/>
-          </p:cNvSpPr>
-          <p:nvPr/>
-        </p:nvSpPr>
-        <p:spPr>
-          <a:xfrm>
-            <a:off x="179512" y="1192412"/>
-            <a:ext cx="8784976" cy="4473176"/>
-          </a:xfrm>
-          <a:prstGeom prst="rect">
-            <a:avLst/>
-          </a:prstGeom>
-          <a:noFill/>
-          <a:ln>
-            <a:noFill/>
-          </a:ln>
-        </p:spPr>
-        <p:txBody>
-          <a:bodyPr anchor="ctr" anchorCtr="0">
-            <a:noAutofit/>
-          </a:bodyPr>
-          <a:lstStyle>
-            <a:lvl1pPr algn="ctr" defTabSz="914400" rtl="0" eaLnBrk="1" latinLnBrk="0" hangingPunct="1">
-              <a:spcBef>
-                <a:spcPct val="0"/>
-              </a:spcBef>
-              <a:buNone/>
-              <a:defRPr kumimoji="1" sz="2800" b="1" kern="1200" baseline="0">
-                <a:solidFill>
-                  <a:srgbClr val="C00000"/>
-                </a:solidFill>
-                <a:latin typeface="Arial" pitchFamily="34" charset="0"/>
-                <a:ea typeface="ＭＳ Ｐゴシック" pitchFamily="50" charset="-128"/>
-                <a:cs typeface="+mj-cs"/>
-              </a:defRPr>
-            </a:lvl1pPr>
-          </a:lstStyle>
-          <a:p>
-            <a:pPr algn="l">
-              <a:spcBef>
-                <a:spcPts val="0"/>
-              </a:spcBef>
-            </a:pPr>
-            <a:r>
-              <a:rPr kumimoji="0" lang="en-US" altLang="ja-JP" sz="4400" b="0" kern="0" dirty="0" smtClean="0">
-                <a:solidFill>
-                  <a:srgbClr val="000000"/>
-                </a:solidFill>
-                <a:latin typeface="+mn-ea"/>
-                <a:ea typeface="+mn-ea"/>
-                <a:cs typeface="ＭＳ 明朝"/>
-              </a:rPr>
-              <a:t>1) </a:t>
-            </a:r>
-            <a:r>
-              <a:rPr kumimoji="0" lang="ja-JP" altLang="en-US" sz="4400" b="0" kern="0" dirty="0" smtClean="0">
-                <a:solidFill>
-                  <a:srgbClr val="000000"/>
-                </a:solidFill>
-                <a:latin typeface="+mn-ea"/>
-                <a:ea typeface="+mn-ea"/>
-                <a:cs typeface="ＭＳ 明朝"/>
-              </a:rPr>
-              <a:t>スクラム</a:t>
-            </a:r>
-            <a:r>
-              <a:rPr kumimoji="0" lang="ja-JP" altLang="en-US" sz="4400" b="0" kern="0" dirty="0">
-                <a:solidFill>
-                  <a:srgbClr val="000000"/>
-                </a:solidFill>
-                <a:latin typeface="+mn-ea"/>
-                <a:ea typeface="+mn-ea"/>
-                <a:cs typeface="ＭＳ 明朝"/>
-              </a:rPr>
-              <a:t>を</a:t>
-            </a:r>
-            <a:r>
-              <a:rPr kumimoji="0" lang="ja-JP" altLang="en-US" sz="4400" b="0" kern="0" dirty="0" smtClean="0">
-                <a:solidFill>
-                  <a:srgbClr val="000000"/>
-                </a:solidFill>
-                <a:latin typeface="+mn-ea"/>
-                <a:ea typeface="+mn-ea"/>
-                <a:cs typeface="ＭＳ 明朝"/>
-              </a:rPr>
-              <a:t>採用することにしたが、</a:t>
-            </a:r>
-            <a:endParaRPr kumimoji="0" lang="en-US" altLang="ja-JP" sz="4400" b="0" kern="0" dirty="0">
-              <a:solidFill>
-                <a:srgbClr val="000000"/>
-              </a:solidFill>
-              <a:latin typeface="+mn-ea"/>
-              <a:ea typeface="+mn-ea"/>
-              <a:cs typeface="ＭＳ 明朝"/>
-            </a:endParaRPr>
-          </a:p>
-          <a:p>
-            <a:pPr indent="536575" algn="l">
-              <a:spcBef>
-                <a:spcPts val="0"/>
-              </a:spcBef>
-            </a:pPr>
-            <a:r>
-              <a:rPr kumimoji="0" lang="ja-JP" altLang="en-US" sz="4400" b="0" kern="0" dirty="0" smtClean="0">
-                <a:solidFill>
-                  <a:srgbClr val="000000"/>
-                </a:solidFill>
-                <a:latin typeface="+mn-ea"/>
-                <a:ea typeface="+mn-ea"/>
-                <a:cs typeface="ＭＳ 明朝"/>
-              </a:rPr>
-              <a:t>アジャイル・</a:t>
-            </a:r>
-            <a:r>
-              <a:rPr kumimoji="0" lang="ja-JP" altLang="en-US" sz="4400" b="0" kern="0" dirty="0">
-                <a:solidFill>
-                  <a:srgbClr val="000000"/>
-                </a:solidFill>
-                <a:latin typeface="+mn-ea"/>
-                <a:ea typeface="+mn-ea"/>
-                <a:cs typeface="ＭＳ 明朝"/>
-              </a:rPr>
-              <a:t>スクラム経験者は</a:t>
-            </a:r>
-            <a:r>
-              <a:rPr kumimoji="0" lang="ja-JP" altLang="en-US" sz="4400" b="0" kern="0" dirty="0" smtClean="0">
-                <a:solidFill>
-                  <a:srgbClr val="BF0000"/>
-                </a:solidFill>
-                <a:latin typeface="+mn-ea"/>
-                <a:ea typeface="+mn-ea"/>
-                <a:cs typeface="ＭＳ 明朝"/>
-              </a:rPr>
-              <a:t>ゼロ</a:t>
-            </a:r>
-            <a:endParaRPr kumimoji="0" lang="ja-JP" altLang="en-US" sz="4400" b="0" kern="0" dirty="0">
-              <a:solidFill>
-                <a:srgbClr val="BF0000"/>
-              </a:solidFill>
-              <a:latin typeface="+mn-ea"/>
-              <a:ea typeface="+mn-ea"/>
-              <a:cs typeface="ＭＳ 明朝"/>
-            </a:endParaRPr>
-          </a:p>
-        </p:txBody>
-      </p:sp>
-    </p:spTree>
-    <p:extLst>
-      <p:ext uri="{BB962C8B-B14F-4D97-AF65-F5344CB8AC3E}">
-        <p14:creationId xmlns:p14="http://schemas.microsoft.com/office/powerpoint/2010/main" val="2495657841"/>
-      </p:ext>
-    </p:extLst>
-  </p:cSld>
-  <p:clrMapOvr>
-    <a:masterClrMapping/>
-  </p:clrMapOvr>
-  <p:timing>
-    <p:tnLst>
-      <p:par>
-        <p:cTn id="1" dur="indefinite" restart="never" nodeType="tmRoot"/>
-      </p:par>
-    </p:tnLst>
-  </p:timing>
-</p:sld>
-</file>
-
-<file path=ppt/slides/slide9.xml><?xml version="1.0" encoding="utf-8"?>
-<p:sld xmlns:a="http://schemas.openxmlformats.org/drawingml/2006/main" xmlns:r="http://schemas.openxmlformats.org/officeDocument/2006/relationships" xmlns:p="http://schemas.openxmlformats.org/presentationml/2006/main">
-  <p:cSld>
-    <p:spTree>
-      <p:nvGrpSpPr>
-        <p:cNvPr id="1" name=""/>
-        <p:cNvGrpSpPr/>
-        <p:nvPr/>
-      </p:nvGrpSpPr>
-      <p:grpSpPr>
-        <a:xfrm>
-          <a:off x="0" y="0"/>
-          <a:ext cx="0" cy="0"/>
-          <a:chOff x="0" y="0"/>
-          <a:chExt cx="0" cy="0"/>
-        </a:xfrm>
-      </p:grpSpPr>
-      <p:sp>
-        <p:nvSpPr>
-          <p:cNvPr id="7" name="タイトル 2"/>
-          <p:cNvSpPr txBox="1">
-            <a:spLocks/>
-          </p:cNvSpPr>
-          <p:nvPr/>
-        </p:nvSpPr>
-        <p:spPr>
-          <a:xfrm>
-            <a:off x="179512" y="1192412"/>
-            <a:ext cx="8784976" cy="4473176"/>
-          </a:xfrm>
-          <a:prstGeom prst="rect">
-            <a:avLst/>
-          </a:prstGeom>
-          <a:noFill/>
-          <a:ln>
-            <a:noFill/>
-          </a:ln>
-        </p:spPr>
-        <p:txBody>
-          <a:bodyPr anchor="ctr" anchorCtr="0">
-            <a:noAutofit/>
-          </a:bodyPr>
-          <a:lstStyle>
-            <a:lvl1pPr algn="ctr" defTabSz="914400" rtl="0" eaLnBrk="1" latinLnBrk="0" hangingPunct="1">
-              <a:spcBef>
-                <a:spcPct val="0"/>
-              </a:spcBef>
-              <a:buNone/>
-              <a:defRPr kumimoji="1" sz="2800" b="1" kern="1200" baseline="0">
-                <a:solidFill>
-                  <a:srgbClr val="C00000"/>
-                </a:solidFill>
-                <a:latin typeface="Arial" pitchFamily="34" charset="0"/>
-                <a:ea typeface="ＭＳ Ｐゴシック" pitchFamily="50" charset="-128"/>
-                <a:cs typeface="+mj-cs"/>
-              </a:defRPr>
-            </a:lvl1pPr>
-          </a:lstStyle>
-          <a:p>
-            <a:pPr algn="l">
-              <a:spcBef>
-                <a:spcPts val="0"/>
-              </a:spcBef>
-            </a:pPr>
-            <a:r>
-              <a:rPr kumimoji="0" lang="en-US" altLang="ja-JP" sz="4400" b="0" kern="0" dirty="0" smtClean="0">
-                <a:solidFill>
-                  <a:srgbClr val="000000"/>
-                </a:solidFill>
-                <a:latin typeface="+mn-ea"/>
-                <a:ea typeface="+mn-ea"/>
-                <a:cs typeface="ＭＳ 明朝"/>
-              </a:rPr>
-              <a:t>2) </a:t>
-            </a:r>
-            <a:r>
-              <a:rPr kumimoji="0" lang="ja-JP" altLang="en-US" sz="4400" b="0" kern="0" dirty="0" smtClean="0">
-                <a:solidFill>
-                  <a:srgbClr val="000000"/>
-                </a:solidFill>
-                <a:latin typeface="+mn-ea"/>
-                <a:ea typeface="+mn-ea"/>
-                <a:cs typeface="ＭＳ 明朝"/>
-              </a:rPr>
-              <a:t>レガシーコードの</a:t>
-            </a:r>
-            <a:r>
-              <a:rPr kumimoji="0" lang="ja-JP" altLang="en-US" sz="4400" b="0" kern="0" dirty="0" smtClean="0">
-                <a:solidFill>
-                  <a:srgbClr val="BF0000"/>
-                </a:solidFill>
-                <a:latin typeface="+mn-ea"/>
-                <a:ea typeface="+mn-ea"/>
-                <a:cs typeface="ＭＳ 明朝"/>
-              </a:rPr>
-              <a:t>エンハンス</a:t>
-            </a:r>
-            <a:endParaRPr kumimoji="0" lang="en-US" altLang="ja-JP" sz="4400" b="0" kern="0" dirty="0">
-              <a:solidFill>
-                <a:srgbClr val="BF0000"/>
-              </a:solidFill>
-              <a:latin typeface="+mn-ea"/>
-              <a:ea typeface="+mn-ea"/>
-              <a:cs typeface="ＭＳ 明朝"/>
-            </a:endParaRPr>
-          </a:p>
-          <a:p>
-            <a:pPr indent="620713" algn="l">
-              <a:spcBef>
-                <a:spcPts val="0"/>
-              </a:spcBef>
-            </a:pPr>
-            <a:r>
-              <a:rPr kumimoji="0" lang="en-US" altLang="ja-JP" sz="4400" b="0" kern="0" dirty="0" smtClean="0">
-                <a:solidFill>
-                  <a:srgbClr val="000000"/>
-                </a:solidFill>
-                <a:latin typeface="+mn-ea"/>
-                <a:ea typeface="+mn-ea"/>
-                <a:cs typeface="ＭＳ 明朝"/>
-              </a:rPr>
-              <a:t>※</a:t>
-            </a:r>
-            <a:r>
-              <a:rPr kumimoji="0" lang="ja-JP" altLang="en-US" sz="4400" b="0" kern="0" dirty="0" smtClean="0">
-                <a:solidFill>
-                  <a:srgbClr val="000000"/>
-                </a:solidFill>
-                <a:latin typeface="+mn-ea"/>
-                <a:ea typeface="+mn-ea"/>
-                <a:cs typeface="ＭＳ 明朝"/>
-              </a:rPr>
-              <a:t>自動テストなどない</a:t>
-            </a:r>
-            <a:endParaRPr kumimoji="0" lang="ja-JP" altLang="en-US" sz="4400" b="0" kern="0" dirty="0">
-              <a:solidFill>
-                <a:srgbClr val="000000"/>
-              </a:solidFill>
-              <a:latin typeface="+mn-ea"/>
-              <a:ea typeface="+mn-ea"/>
-              <a:cs typeface="ＭＳ 明朝"/>
-            </a:endParaRPr>
-          </a:p>
-        </p:txBody>
-      </p:sp>
-    </p:spTree>
-    <p:extLst>
-      <p:ext uri="{BB962C8B-B14F-4D97-AF65-F5344CB8AC3E}">
-        <p14:creationId xmlns:p14="http://schemas.microsoft.com/office/powerpoint/2010/main" val="3030580250"/>
       </p:ext>
     </p:extLst>
   </p:cSld>
@@ -33128,12 +31735,12 @@
 <file path=customXml/itemProps3.xml><?xml version="1.0" encoding="utf-8"?>
 <ds:datastoreItem xmlns:ds="http://schemas.openxmlformats.org/officeDocument/2006/customXml" ds:itemID="{E52D75E9-7A55-4E2A-89EF-D6493A63AB07}">
   <ds:schemaRefs>
-    <ds:schemaRef ds:uri="http://purl.org/dc/elements/1.1/"/>
+    <ds:schemaRef ds:uri="http://schemas.microsoft.com/office/2006/documentManagement/types"/>
     <ds:schemaRef ds:uri="http://purl.org/dc/dcmitype/"/>
     <ds:schemaRef ds:uri="http://www.w3.org/XML/1998/namespace"/>
     <ds:schemaRef ds:uri="http://purl.org/dc/terms/"/>
-    <ds:schemaRef ds:uri="http://schemas.microsoft.com/office/2006/documentManagement/types"/>
     <ds:schemaRef ds:uri="http://schemas.microsoft.com/office/2006/metadata/properties"/>
+    <ds:schemaRef ds:uri="http://purl.org/dc/elements/1.1/"/>
     <ds:schemaRef ds:uri="http://schemas.openxmlformats.org/package/2006/metadata/core-properties"/>
   </ds:schemaRefs>
 </ds:datastoreItem>

--- a/presentations/TechnologyDrivenDevelopment.pptx
+++ b/presentations/TechnologyDrivenDevelopment.pptx
@@ -5,46 +5,47 @@
     <p:sldMasterId id="2147483648" r:id="rId4"/>
   </p:sldMasterIdLst>
   <p:notesMasterIdLst>
-    <p:notesMasterId r:id="rId42"/>
+    <p:notesMasterId r:id="rId43"/>
   </p:notesMasterIdLst>
   <p:sldIdLst>
     <p:sldId id="498" r:id="rId5"/>
     <p:sldId id="475" r:id="rId6"/>
-    <p:sldId id="712" r:id="rId7"/>
-    <p:sldId id="713" r:id="rId8"/>
-    <p:sldId id="480" r:id="rId9"/>
-    <p:sldId id="705" r:id="rId10"/>
-    <p:sldId id="694" r:id="rId11"/>
-    <p:sldId id="695" r:id="rId12"/>
-    <p:sldId id="696" r:id="rId13"/>
-    <p:sldId id="697" r:id="rId14"/>
-    <p:sldId id="698" r:id="rId15"/>
-    <p:sldId id="699" r:id="rId16"/>
-    <p:sldId id="700" r:id="rId17"/>
-    <p:sldId id="701" r:id="rId18"/>
-    <p:sldId id="702" r:id="rId19"/>
-    <p:sldId id="703" r:id="rId20"/>
-    <p:sldId id="704" r:id="rId21"/>
-    <p:sldId id="522" r:id="rId22"/>
-    <p:sldId id="619" r:id="rId23"/>
-    <p:sldId id="706" r:id="rId24"/>
-    <p:sldId id="711" r:id="rId25"/>
-    <p:sldId id="707" r:id="rId26"/>
-    <p:sldId id="690" r:id="rId27"/>
-    <p:sldId id="691" r:id="rId28"/>
-    <p:sldId id="692" r:id="rId29"/>
-    <p:sldId id="708" r:id="rId30"/>
-    <p:sldId id="693" r:id="rId31"/>
-    <p:sldId id="632" r:id="rId32"/>
-    <p:sldId id="709" r:id="rId33"/>
-    <p:sldId id="670" r:id="rId34"/>
-    <p:sldId id="656" r:id="rId35"/>
-    <p:sldId id="588" r:id="rId36"/>
-    <p:sldId id="710" r:id="rId37"/>
-    <p:sldId id="510" r:id="rId38"/>
-    <p:sldId id="555" r:id="rId39"/>
-    <p:sldId id="552" r:id="rId40"/>
-    <p:sldId id="680" r:id="rId41"/>
+    <p:sldId id="715" r:id="rId7"/>
+    <p:sldId id="714" r:id="rId8"/>
+    <p:sldId id="713" r:id="rId9"/>
+    <p:sldId id="480" r:id="rId10"/>
+    <p:sldId id="705" r:id="rId11"/>
+    <p:sldId id="694" r:id="rId12"/>
+    <p:sldId id="695" r:id="rId13"/>
+    <p:sldId id="696" r:id="rId14"/>
+    <p:sldId id="697" r:id="rId15"/>
+    <p:sldId id="698" r:id="rId16"/>
+    <p:sldId id="699" r:id="rId17"/>
+    <p:sldId id="700" r:id="rId18"/>
+    <p:sldId id="701" r:id="rId19"/>
+    <p:sldId id="702" r:id="rId20"/>
+    <p:sldId id="703" r:id="rId21"/>
+    <p:sldId id="704" r:id="rId22"/>
+    <p:sldId id="522" r:id="rId23"/>
+    <p:sldId id="619" r:id="rId24"/>
+    <p:sldId id="706" r:id="rId25"/>
+    <p:sldId id="711" r:id="rId26"/>
+    <p:sldId id="707" r:id="rId27"/>
+    <p:sldId id="690" r:id="rId28"/>
+    <p:sldId id="691" r:id="rId29"/>
+    <p:sldId id="692" r:id="rId30"/>
+    <p:sldId id="708" r:id="rId31"/>
+    <p:sldId id="693" r:id="rId32"/>
+    <p:sldId id="632" r:id="rId33"/>
+    <p:sldId id="709" r:id="rId34"/>
+    <p:sldId id="670" r:id="rId35"/>
+    <p:sldId id="656" r:id="rId36"/>
+    <p:sldId id="588" r:id="rId37"/>
+    <p:sldId id="710" r:id="rId38"/>
+    <p:sldId id="510" r:id="rId39"/>
+    <p:sldId id="555" r:id="rId40"/>
+    <p:sldId id="552" r:id="rId41"/>
+    <p:sldId id="680" r:id="rId42"/>
   </p:sldIdLst>
   <p:sldSz cx="9144000" cy="6858000" type="screen4x3"/>
   <p:notesSz cx="6807200" cy="9939338"/>
@@ -154,15 +155,6 @@
 </p:cmAuthorLst>
 </file>
 
-<file path=ppt/comments/comment1.xml><?xml version="1.0" encoding="utf-8"?>
-<p:cmLst xmlns:a="http://schemas.openxmlformats.org/drawingml/2006/main" xmlns:r="http://schemas.openxmlformats.org/officeDocument/2006/relationships" xmlns:p="http://schemas.openxmlformats.org/presentationml/2006/main">
-  <p:cm authorId="2" dt="2014-06-15T20:19:57.338" idx="3">
-    <p:pos x="3969" y="2945"/>
-    <p:text>画像が古いので改める</p:text>
-  </p:cm>
-</p:cmLst>
-</file>
-
 <file path=ppt/notesMasters/notesMaster1.xml><?xml version="1.0" encoding="utf-8"?>
 <p:notesMaster xmlns:a="http://schemas.openxmlformats.org/drawingml/2006/main" xmlns:r="http://schemas.openxmlformats.org/officeDocument/2006/relationships" xmlns:p="http://schemas.openxmlformats.org/presentationml/2006/main">
   <p:cSld>
@@ -245,7 +237,7 @@
           <a:p>
             <a:fld id="{94AE22AB-730F-4C4B-A6E7-89E97B93078F}" type="datetimeFigureOut">
               <a:rPr kumimoji="1" lang="ja-JP" altLang="en-US" smtClean="0"/>
-              <a:t>2014/6/30</a:t>
+              <a:t>2014/7/3</a:t>
             </a:fld>
             <a:endParaRPr kumimoji="1" lang="ja-JP" altLang="en-US" dirty="0"/>
           </a:p>
@@ -724,7 +716,7 @@
           <a:p>
             <a:fld id="{0D38E3F1-FAA5-4043-BB02-BBDB9D30AFA5}" type="slidenum">
               <a:rPr kumimoji="1" lang="ja-JP" altLang="en-US" smtClean="0"/>
-              <a:t>22</a:t>
+              <a:t>21</a:t>
             </a:fld>
             <a:endParaRPr kumimoji="1" lang="ja-JP" altLang="en-US" dirty="0"/>
           </a:p>
@@ -823,7 +815,7 @@
           <a:p>
             <a:fld id="{0D38E3F1-FAA5-4043-BB02-BBDB9D30AFA5}" type="slidenum">
               <a:rPr kumimoji="1" lang="ja-JP" altLang="en-US" smtClean="0"/>
-              <a:t>26</a:t>
+              <a:t>23</a:t>
             </a:fld>
             <a:endParaRPr kumimoji="1" lang="ja-JP" altLang="en-US" dirty="0"/>
           </a:p>
@@ -887,33 +879,21 @@
           <a:lstStyle/>
           <a:p>
             <a:r>
-              <a:rPr kumimoji="1" lang="ja-JP" altLang="en-US" dirty="0" smtClean="0"/>
-              <a:t>ちなみに、こちらが </a:t>
-            </a:r>
-            <a:r>
-              <a:rPr kumimoji="1" lang="en-US" altLang="ja-JP" dirty="0" smtClean="0"/>
-              <a:t>ATDD </a:t>
-            </a:r>
-            <a:r>
-              <a:rPr kumimoji="1" lang="ja-JP" altLang="en-US" dirty="0" smtClean="0"/>
-              <a:t>のテストケースの例です。</a:t>
-            </a:r>
-            <a:endParaRPr kumimoji="1" lang="en-US" altLang="ja-JP" dirty="0" smtClean="0"/>
+              <a:rPr kumimoji="1" lang="en-US" altLang="ja-JP" baseline="0" dirty="0" smtClean="0"/>
+              <a:t>Next, I will explain the 3 approaches, CI/CD, TDD, and BDD.</a:t>
+            </a:r>
           </a:p>
           <a:p>
             <a:r>
-              <a:rPr kumimoji="1" lang="ja-JP" altLang="en-US" dirty="0" smtClean="0"/>
-              <a:t>私たちは、</a:t>
-            </a:r>
-            <a:r>
-              <a:rPr kumimoji="1" lang="en-US" altLang="ja-JP" dirty="0" smtClean="0"/>
-              <a:t>Cucumber </a:t>
-            </a:r>
-            <a:r>
-              <a:rPr kumimoji="1" lang="ja-JP" altLang="en-US" dirty="0" smtClean="0"/>
-              <a:t>というツールを活用して、受入テストの自動化を実現しました。</a:t>
-            </a:r>
-            <a:endParaRPr kumimoji="1" lang="ja-JP" altLang="en-US" dirty="0"/>
+              <a:rPr kumimoji="1" lang="en-US" altLang="ja-JP" baseline="0" dirty="0" smtClean="0"/>
+              <a:t>After that, I will talk about the problems, possibilities, and the future of Technology-Driven Development.</a:t>
+            </a:r>
+          </a:p>
+          <a:p>
+            <a:r>
+              <a:rPr kumimoji="1" lang="en-US" altLang="ja-JP" baseline="0" dirty="0" smtClean="0"/>
+              <a:t>At last I will conclude this report.</a:t>
+            </a:r>
           </a:p>
         </p:txBody>
       </p:sp>
@@ -934,7 +914,7 @@
           <a:p>
             <a:fld id="{0D38E3F1-FAA5-4043-BB02-BBDB9D30AFA5}" type="slidenum">
               <a:rPr kumimoji="1" lang="ja-JP" altLang="en-US" smtClean="0"/>
-              <a:t>28</a:t>
+              <a:t>27</a:t>
             </a:fld>
             <a:endParaRPr kumimoji="1" lang="ja-JP" altLang="en-US" dirty="0"/>
           </a:p>
@@ -943,7 +923,7 @@
     </p:spTree>
     <p:extLst>
       <p:ext uri="{BB962C8B-B14F-4D97-AF65-F5344CB8AC3E}">
-        <p14:creationId xmlns:p14="http://schemas.microsoft.com/office/powerpoint/2010/main" val="638183945"/>
+        <p14:creationId xmlns:p14="http://schemas.microsoft.com/office/powerpoint/2010/main" val="4222455853"/>
       </p:ext>
     </p:extLst>
   </p:cSld>
@@ -998,9 +978,33 @@
           <a:lstStyle/>
           <a:p>
             <a:r>
-              <a:rPr kumimoji="1" lang="en-US" altLang="ja-JP" baseline="0" dirty="0" smtClean="0"/>
-              <a:t>Next, I will talk about the problems, possibilities, and the future of Technology-Driven Development.</a:t>
-            </a:r>
+              <a:rPr kumimoji="1" lang="ja-JP" altLang="en-US" dirty="0" smtClean="0"/>
+              <a:t>ちなみに、こちらが </a:t>
+            </a:r>
+            <a:r>
+              <a:rPr kumimoji="1" lang="en-US" altLang="ja-JP" dirty="0" smtClean="0"/>
+              <a:t>ATDD </a:t>
+            </a:r>
+            <a:r>
+              <a:rPr kumimoji="1" lang="ja-JP" altLang="en-US" dirty="0" smtClean="0"/>
+              <a:t>のテストケースの例です。</a:t>
+            </a:r>
+            <a:endParaRPr kumimoji="1" lang="en-US" altLang="ja-JP" dirty="0" smtClean="0"/>
+          </a:p>
+          <a:p>
+            <a:r>
+              <a:rPr kumimoji="1" lang="ja-JP" altLang="en-US" dirty="0" smtClean="0"/>
+              <a:t>私たちは、</a:t>
+            </a:r>
+            <a:r>
+              <a:rPr kumimoji="1" lang="en-US" altLang="ja-JP" dirty="0" smtClean="0"/>
+              <a:t>Cucumber </a:t>
+            </a:r>
+            <a:r>
+              <a:rPr kumimoji="1" lang="ja-JP" altLang="en-US" dirty="0" smtClean="0"/>
+              <a:t>というツールを活用して、受入テストの自動化を実現しました。</a:t>
+            </a:r>
+            <a:endParaRPr kumimoji="1" lang="ja-JP" altLang="en-US" dirty="0"/>
           </a:p>
         </p:txBody>
       </p:sp>
@@ -1030,7 +1034,7 @@
     </p:spTree>
     <p:extLst>
       <p:ext uri="{BB962C8B-B14F-4D97-AF65-F5344CB8AC3E}">
-        <p14:creationId xmlns:p14="http://schemas.microsoft.com/office/powerpoint/2010/main" val="4222455853"/>
+        <p14:creationId xmlns:p14="http://schemas.microsoft.com/office/powerpoint/2010/main" val="638183945"/>
       </p:ext>
     </p:extLst>
   </p:cSld>
@@ -1085,10 +1089,9 @@
           <a:lstStyle/>
           <a:p>
             <a:r>
-              <a:rPr kumimoji="1" lang="ja-JP" altLang="en-US" dirty="0" smtClean="0"/>
-              <a:t>また今の時代、現場を戦い抜くためには、自動化ツールをあらゆる局面で最大限に活用していくことが重要です。</a:t>
-            </a:r>
-            <a:endParaRPr kumimoji="1" lang="en-US" altLang="ja-JP" dirty="0" smtClean="0"/>
+              <a:rPr kumimoji="1" lang="en-US" altLang="ja-JP" baseline="0" dirty="0" smtClean="0"/>
+              <a:t>Next, I will talk about the problems, possibilities, and the future of Technology-Driven Development.</a:t>
+            </a:r>
           </a:p>
         </p:txBody>
       </p:sp>
@@ -1118,7 +1121,7 @@
     </p:spTree>
     <p:extLst>
       <p:ext uri="{BB962C8B-B14F-4D97-AF65-F5344CB8AC3E}">
-        <p14:creationId xmlns:p14="http://schemas.microsoft.com/office/powerpoint/2010/main" val="2965438642"/>
+        <p14:creationId xmlns:p14="http://schemas.microsoft.com/office/powerpoint/2010/main" val="4222455853"/>
       </p:ext>
     </p:extLst>
   </p:cSld>
@@ -1173,8 +1176,8 @@
           <a:lstStyle/>
           <a:p>
             <a:r>
-              <a:rPr lang="ja-JP" altLang="en-US" sz="1200" dirty="0" smtClean="0"/>
-              <a:t>また、問題がありそうな箇所、改善ができそうな箇所については数値計測を行い、その推移をみて行動し、成果を確認することを「何度も」「何度も」繰り返すことも重要です。</a:t>
+              <a:rPr kumimoji="1" lang="ja-JP" altLang="en-US" dirty="0" smtClean="0"/>
+              <a:t>また今の時代、現場を戦い抜くためには、自動化ツールをあらゆる局面で最大限に活用していくことが重要です。</a:t>
             </a:r>
             <a:endParaRPr kumimoji="1" lang="en-US" altLang="ja-JP" dirty="0" smtClean="0"/>
           </a:p>
@@ -1206,7 +1209,7 @@
     </p:spTree>
     <p:extLst>
       <p:ext uri="{BB962C8B-B14F-4D97-AF65-F5344CB8AC3E}">
-        <p14:creationId xmlns:p14="http://schemas.microsoft.com/office/powerpoint/2010/main" val="2478648550"/>
+        <p14:creationId xmlns:p14="http://schemas.microsoft.com/office/powerpoint/2010/main" val="2965438642"/>
       </p:ext>
     </p:extLst>
   </p:cSld>
@@ -1261,10 +1264,10 @@
           <a:lstStyle/>
           <a:p>
             <a:r>
-              <a:rPr kumimoji="1" lang="ja-JP" altLang="en-US" dirty="0" smtClean="0"/>
-              <a:t>また、定期的に自分たちの 良いところ・課題・解決策を確認する「振り返り」というプラクティスを導入することも、チームの学習のプラスとなります。</a:t>
-            </a:r>
-            <a:endParaRPr kumimoji="1" lang="ja-JP" altLang="en-US" dirty="0"/>
+              <a:rPr lang="ja-JP" altLang="en-US" sz="1200" dirty="0" smtClean="0"/>
+              <a:t>また、問題がありそうな箇所、改善ができそうな箇所については数値計測を行い、その推移をみて行動し、成果を確認することを「何度も」「何度も」繰り返すことも重要です。</a:t>
+            </a:r>
+            <a:endParaRPr kumimoji="1" lang="en-US" altLang="ja-JP" dirty="0" smtClean="0"/>
           </a:p>
         </p:txBody>
       </p:sp>
@@ -1294,7 +1297,7 @@
     </p:spTree>
     <p:extLst>
       <p:ext uri="{BB962C8B-B14F-4D97-AF65-F5344CB8AC3E}">
-        <p14:creationId xmlns:p14="http://schemas.microsoft.com/office/powerpoint/2010/main" val="1967552506"/>
+        <p14:creationId xmlns:p14="http://schemas.microsoft.com/office/powerpoint/2010/main" val="2478648550"/>
       </p:ext>
     </p:extLst>
   </p:cSld>
@@ -1349,9 +1352,10 @@
           <a:lstStyle/>
           <a:p>
             <a:r>
-              <a:rPr kumimoji="1" lang="en-US" altLang="ja-JP" baseline="0" dirty="0" smtClean="0"/>
-              <a:t>At last, conclusion of this report.</a:t>
-            </a:r>
+              <a:rPr kumimoji="1" lang="ja-JP" altLang="en-US" dirty="0" smtClean="0"/>
+              <a:t>また、定期的に自分たちの 良いところ・課題・解決策を確認する「振り返り」というプラクティスを導入することも、チームの学習のプラスとなります。</a:t>
+            </a:r>
+            <a:endParaRPr kumimoji="1" lang="ja-JP" altLang="en-US" dirty="0"/>
           </a:p>
         </p:txBody>
       </p:sp>
@@ -1381,7 +1385,7 @@
     </p:spTree>
     <p:extLst>
       <p:ext uri="{BB962C8B-B14F-4D97-AF65-F5344CB8AC3E}">
-        <p14:creationId xmlns:p14="http://schemas.microsoft.com/office/powerpoint/2010/main" val="4222455853"/>
+        <p14:creationId xmlns:p14="http://schemas.microsoft.com/office/powerpoint/2010/main" val="1967552506"/>
       </p:ext>
     </p:extLst>
   </p:cSld>
@@ -1436,38 +1440,9 @@
           <a:lstStyle/>
           <a:p>
             <a:r>
-              <a:rPr kumimoji="1" lang="ja-JP" altLang="en-US" dirty="0" smtClean="0"/>
-              <a:t>ここまでお話させていただいた内容は、</a:t>
-            </a:r>
-            <a:endParaRPr kumimoji="1" lang="en-US" altLang="ja-JP" dirty="0" smtClean="0"/>
-          </a:p>
-          <a:p>
-            <a:r>
-              <a:rPr kumimoji="1" lang="ja-JP" altLang="en-US" dirty="0" smtClean="0"/>
-              <a:t>いずれも私たちが現場の日々の現実に向き合い、</a:t>
-            </a:r>
-            <a:endParaRPr kumimoji="1" lang="en-US" altLang="ja-JP" dirty="0" smtClean="0"/>
-          </a:p>
-          <a:p>
-            <a:r>
-              <a:rPr kumimoji="1" lang="ja-JP" altLang="en-US" dirty="0" smtClean="0"/>
-              <a:t>試行錯誤を繰り返し、</a:t>
-            </a:r>
-            <a:endParaRPr kumimoji="1" lang="en-US" altLang="ja-JP" dirty="0" smtClean="0"/>
-          </a:p>
-          <a:p>
-            <a:r>
-              <a:rPr kumimoji="1" lang="ja-JP" altLang="en-US" dirty="0" smtClean="0"/>
-              <a:t>ようやく見つけた答えの１つです。</a:t>
-            </a:r>
-            <a:endParaRPr kumimoji="1" lang="en-US" altLang="ja-JP" dirty="0" smtClean="0"/>
-          </a:p>
-          <a:p>
-            <a:r>
-              <a:rPr kumimoji="1" lang="ja-JP" altLang="en-US" dirty="0" smtClean="0"/>
-              <a:t>すなわち、答えは現場にあります。</a:t>
-            </a:r>
-            <a:endParaRPr kumimoji="1" lang="ja-JP" altLang="en-US" dirty="0"/>
+              <a:rPr kumimoji="1" lang="en-US" altLang="ja-JP" baseline="0" dirty="0" smtClean="0"/>
+              <a:t>At last, conclusion of this report.</a:t>
+            </a:r>
           </a:p>
         </p:txBody>
       </p:sp>
@@ -1497,7 +1472,7 @@
     </p:spTree>
     <p:extLst>
       <p:ext uri="{BB962C8B-B14F-4D97-AF65-F5344CB8AC3E}">
-        <p14:creationId xmlns:p14="http://schemas.microsoft.com/office/powerpoint/2010/main" val="1023739980"/>
+        <p14:creationId xmlns:p14="http://schemas.microsoft.com/office/powerpoint/2010/main" val="4222455853"/>
       </p:ext>
     </p:extLst>
   </p:cSld>
@@ -1553,7 +1528,35 @@
           <a:p>
             <a:r>
               <a:rPr kumimoji="1" lang="ja-JP" altLang="en-US" dirty="0" smtClean="0"/>
-              <a:t>この現場実践主義こそが、私が考える「リーン開発」であり「アジャイル」です。</a:t>
+              <a:t>ここまでお話させていただいた内容は、</a:t>
+            </a:r>
+            <a:endParaRPr kumimoji="1" lang="en-US" altLang="ja-JP" dirty="0" smtClean="0"/>
+          </a:p>
+          <a:p>
+            <a:r>
+              <a:rPr kumimoji="1" lang="ja-JP" altLang="en-US" dirty="0" smtClean="0"/>
+              <a:t>いずれも私たちが現場の日々の現実に向き合い、</a:t>
+            </a:r>
+            <a:endParaRPr kumimoji="1" lang="en-US" altLang="ja-JP" dirty="0" smtClean="0"/>
+          </a:p>
+          <a:p>
+            <a:r>
+              <a:rPr kumimoji="1" lang="ja-JP" altLang="en-US" dirty="0" smtClean="0"/>
+              <a:t>試行錯誤を繰り返し、</a:t>
+            </a:r>
+            <a:endParaRPr kumimoji="1" lang="en-US" altLang="ja-JP" dirty="0" smtClean="0"/>
+          </a:p>
+          <a:p>
+            <a:r>
+              <a:rPr kumimoji="1" lang="ja-JP" altLang="en-US" dirty="0" smtClean="0"/>
+              <a:t>ようやく見つけた答えの１つです。</a:t>
+            </a:r>
+            <a:endParaRPr kumimoji="1" lang="en-US" altLang="ja-JP" dirty="0" smtClean="0"/>
+          </a:p>
+          <a:p>
+            <a:r>
+              <a:rPr kumimoji="1" lang="ja-JP" altLang="en-US" dirty="0" smtClean="0"/>
+              <a:t>すなわち、答えは現場にあります。</a:t>
             </a:r>
             <a:endParaRPr kumimoji="1" lang="ja-JP" altLang="en-US" dirty="0"/>
           </a:p>
@@ -1585,7 +1588,7 @@
     </p:spTree>
     <p:extLst>
       <p:ext uri="{BB962C8B-B14F-4D97-AF65-F5344CB8AC3E}">
-        <p14:creationId xmlns:p14="http://schemas.microsoft.com/office/powerpoint/2010/main" val="2965438642"/>
+        <p14:creationId xmlns:p14="http://schemas.microsoft.com/office/powerpoint/2010/main" val="1023739980"/>
       </p:ext>
     </p:extLst>
   </p:cSld>
@@ -1743,21 +1746,7 @@
           <a:p>
             <a:r>
               <a:rPr kumimoji="1" lang="ja-JP" altLang="en-US" dirty="0" smtClean="0"/>
-              <a:t>是非皆さんには、</a:t>
-            </a:r>
-            <a:endParaRPr kumimoji="1" lang="en-US" altLang="ja-JP" dirty="0" smtClean="0"/>
-          </a:p>
-          <a:p>
-            <a:r>
-              <a:rPr kumimoji="1" lang="ja-JP" altLang="en-US" dirty="0" smtClean="0"/>
-              <a:t>現場で試行錯誤を繰り返しながら、</a:t>
-            </a:r>
-            <a:endParaRPr kumimoji="1" lang="en-US" altLang="ja-JP" dirty="0" smtClean="0"/>
-          </a:p>
-          <a:p>
-            <a:r>
-              <a:rPr kumimoji="1" lang="ja-JP" altLang="en-US" dirty="0" smtClean="0"/>
-              <a:t>自分の「リーン開発」と「アジャイル」を、そして自分の答えを見つけていただきたいと考えています。</a:t>
+              <a:t>この現場実践主義こそが、私が考える「リーン開発」であり「アジャイル」です。</a:t>
             </a:r>
             <a:endParaRPr kumimoji="1" lang="ja-JP" altLang="en-US" dirty="0"/>
           </a:p>
@@ -1789,7 +1778,7 @@
     </p:spTree>
     <p:extLst>
       <p:ext uri="{BB962C8B-B14F-4D97-AF65-F5344CB8AC3E}">
-        <p14:creationId xmlns:p14="http://schemas.microsoft.com/office/powerpoint/2010/main" val="520003850"/>
+        <p14:creationId xmlns:p14="http://schemas.microsoft.com/office/powerpoint/2010/main" val="2965438642"/>
       </p:ext>
     </p:extLst>
   </p:cSld>
@@ -1845,6 +1834,108 @@
           <a:p>
             <a:r>
               <a:rPr kumimoji="1" lang="ja-JP" altLang="en-US" dirty="0" smtClean="0"/>
+              <a:t>是非皆さんには、</a:t>
+            </a:r>
+            <a:endParaRPr kumimoji="1" lang="en-US" altLang="ja-JP" dirty="0" smtClean="0"/>
+          </a:p>
+          <a:p>
+            <a:r>
+              <a:rPr kumimoji="1" lang="ja-JP" altLang="en-US" dirty="0" smtClean="0"/>
+              <a:t>現場で試行錯誤を繰り返しながら、</a:t>
+            </a:r>
+            <a:endParaRPr kumimoji="1" lang="en-US" altLang="ja-JP" dirty="0" smtClean="0"/>
+          </a:p>
+          <a:p>
+            <a:r>
+              <a:rPr kumimoji="1" lang="ja-JP" altLang="en-US" dirty="0" smtClean="0"/>
+              <a:t>自分の「リーン開発」と「アジャイル」を、そして自分の答えを見つけていただきたいと考えています。</a:t>
+            </a:r>
+            <a:endParaRPr kumimoji="1" lang="ja-JP" altLang="en-US" dirty="0"/>
+          </a:p>
+        </p:txBody>
+      </p:sp>
+      <p:sp>
+        <p:nvSpPr>
+          <p:cNvPr id="4" name="スライド番号プレースホルダー 3"/>
+          <p:cNvSpPr>
+            <a:spLocks noGrp="1"/>
+          </p:cNvSpPr>
+          <p:nvPr>
+            <p:ph type="sldNum" sz="quarter" idx="10"/>
+          </p:nvPr>
+        </p:nvSpPr>
+        <p:spPr/>
+        <p:txBody>
+          <a:bodyPr/>
+          <a:lstStyle/>
+          <a:p>
+            <a:fld id="{0D38E3F1-FAA5-4043-BB02-BBDB9D30AFA5}" type="slidenum">
+              <a:rPr kumimoji="1" lang="ja-JP" altLang="en-US" smtClean="0"/>
+              <a:t>37</a:t>
+            </a:fld>
+            <a:endParaRPr kumimoji="1" lang="ja-JP" altLang="en-US" dirty="0"/>
+          </a:p>
+        </p:txBody>
+      </p:sp>
+    </p:spTree>
+    <p:extLst>
+      <p:ext uri="{BB962C8B-B14F-4D97-AF65-F5344CB8AC3E}">
+        <p14:creationId xmlns:p14="http://schemas.microsoft.com/office/powerpoint/2010/main" val="520003850"/>
+      </p:ext>
+    </p:extLst>
+  </p:cSld>
+  <p:clrMapOvr>
+    <a:masterClrMapping/>
+  </p:clrMapOvr>
+</p:notes>
+</file>
+
+<file path=ppt/notesSlides/notesSlide22.xml><?xml version="1.0" encoding="utf-8"?>
+<p:notes xmlns:a="http://schemas.openxmlformats.org/drawingml/2006/main" xmlns:r="http://schemas.openxmlformats.org/officeDocument/2006/relationships" xmlns:p="http://schemas.openxmlformats.org/presentationml/2006/main">
+  <p:cSld>
+    <p:spTree>
+      <p:nvGrpSpPr>
+        <p:cNvPr id="1" name=""/>
+        <p:cNvGrpSpPr/>
+        <p:nvPr/>
+      </p:nvGrpSpPr>
+      <p:grpSpPr>
+        <a:xfrm>
+          <a:off x="0" y="0"/>
+          <a:ext cx="0" cy="0"/>
+          <a:chOff x="0" y="0"/>
+          <a:chExt cx="0" cy="0"/>
+        </a:xfrm>
+      </p:grpSpPr>
+      <p:sp>
+        <p:nvSpPr>
+          <p:cNvPr id="2" name="スライド イメージ プレースホルダー 1"/>
+          <p:cNvSpPr>
+            <a:spLocks noGrp="1" noRot="1" noChangeAspect="1"/>
+          </p:cNvSpPr>
+          <p:nvPr>
+            <p:ph type="sldImg"/>
+          </p:nvPr>
+        </p:nvSpPr>
+        <p:spPr/>
+      </p:sp>
+      <p:sp>
+        <p:nvSpPr>
+          <p:cNvPr id="3" name="ノート プレースホルダー 2"/>
+          <p:cNvSpPr>
+            <a:spLocks noGrp="1"/>
+          </p:cNvSpPr>
+          <p:nvPr>
+            <p:ph type="body" idx="1"/>
+          </p:nvPr>
+        </p:nvSpPr>
+        <p:spPr/>
+        <p:txBody>
+          <a:bodyPr/>
+          <a:lstStyle/>
+          <a:p>
+            <a:r>
+              <a:rPr kumimoji="1" lang="ja-JP" altLang="en-US" dirty="0" smtClean="0"/>
               <a:t>そして、楽しく天下を取りましょう！</a:t>
             </a:r>
             <a:endParaRPr kumimoji="1" lang="en-US" altLang="ja-JP" dirty="0" smtClean="0"/>
@@ -1885,7 +1976,7 @@
           <a:p>
             <a:fld id="{0D38E3F1-FAA5-4043-BB02-BBDB9D30AFA5}" type="slidenum">
               <a:rPr kumimoji="1" lang="ja-JP" altLang="en-US" smtClean="0"/>
-              <a:t>37</a:t>
+              <a:t>38</a:t>
             </a:fld>
             <a:endParaRPr kumimoji="1" lang="ja-JP" altLang="en-US" dirty="0"/>
           </a:p>
@@ -1950,9 +2041,23 @@
           <a:p>
             <a:r>
               <a:rPr kumimoji="1" lang="ja-JP" altLang="en-US" dirty="0" smtClean="0"/>
-              <a:t>また今の時代、現場を戦い抜くためには、自動化ツールをあらゆる局面で最大限に活用していくことが重要です。</a:t>
+              <a:t>改めまして自己紹介です。</a:t>
             </a:r>
             <a:endParaRPr kumimoji="1" lang="en-US" altLang="ja-JP" dirty="0" smtClean="0"/>
+          </a:p>
+          <a:p>
+            <a:r>
+              <a:rPr kumimoji="1" lang="ja-JP" altLang="en-US" dirty="0" smtClean="0"/>
+              <a:t>楽天株式会社の伊藤宏幸と申します。</a:t>
+            </a:r>
+            <a:endParaRPr kumimoji="1" lang="en-US" altLang="ja-JP" dirty="0" smtClean="0"/>
+          </a:p>
+          <a:p>
+            <a:r>
+              <a:rPr kumimoji="1" lang="ja-JP" altLang="en-US" dirty="0" smtClean="0"/>
+              <a:t>テスト駆動開発グループという組織に属し、アジャイルコーチとして、社内の様々な部署で、リーン開発・アジャイル・自動テストなどの支援を行なっております。</a:t>
+            </a:r>
+            <a:endParaRPr kumimoji="1" lang="ja-JP" altLang="en-US" dirty="0"/>
           </a:p>
         </p:txBody>
       </p:sp>
@@ -1982,7 +2087,7 @@
     </p:spTree>
     <p:extLst>
       <p:ext uri="{BB962C8B-B14F-4D97-AF65-F5344CB8AC3E}">
-        <p14:creationId xmlns:p14="http://schemas.microsoft.com/office/powerpoint/2010/main" val="2965438642"/>
+        <p14:creationId xmlns:p14="http://schemas.microsoft.com/office/powerpoint/2010/main" val="4067798629"/>
       </p:ext>
     </p:extLst>
   </p:cSld>
@@ -2125,33 +2230,10 @@
           <a:lstStyle/>
           <a:p>
             <a:r>
-              <a:rPr kumimoji="1" lang="en-US" altLang="ja-JP" baseline="0" dirty="0" smtClean="0"/>
-              <a:t>Here is this session’s agenda.</a:t>
-            </a:r>
-          </a:p>
-          <a:p>
-            <a:r>
-              <a:rPr kumimoji="1" lang="en-US" altLang="ja-JP" baseline="0" dirty="0" smtClean="0"/>
-              <a:t>At first, I will talk about the conditions and the challenges of my project.</a:t>
-            </a:r>
-          </a:p>
-          <a:p>
-            <a:r>
-              <a:rPr kumimoji="1" lang="en-US" altLang="ja-JP" baseline="0" dirty="0" smtClean="0"/>
-              <a:t>Next, I will explain the 3 approaches, CI/CD, TDD, and BDD.</a:t>
-            </a:r>
-          </a:p>
-          <a:p>
-            <a:r>
-              <a:rPr kumimoji="1" lang="en-US" altLang="ja-JP" baseline="0" dirty="0" smtClean="0"/>
-              <a:t>After that, I will talk about the problems, possibilities, and the future of Technology-Driven Development.</a:t>
-            </a:r>
-          </a:p>
-          <a:p>
-            <a:r>
-              <a:rPr kumimoji="1" lang="en-US" altLang="ja-JP" baseline="0" dirty="0" smtClean="0"/>
-              <a:t>At last I will conclude this report.</a:t>
-            </a:r>
+              <a:rPr kumimoji="1" lang="ja-JP" altLang="en-US" dirty="0" smtClean="0"/>
+              <a:t>また今の時代、現場を戦い抜くためには、自動化ツールをあらゆる局面で最大限に活用していくことが重要です。</a:t>
+            </a:r>
+            <a:endParaRPr kumimoji="1" lang="en-US" altLang="ja-JP" dirty="0" smtClean="0"/>
           </a:p>
         </p:txBody>
       </p:sp>
@@ -2181,7 +2263,7 @@
     </p:spTree>
     <p:extLst>
       <p:ext uri="{BB962C8B-B14F-4D97-AF65-F5344CB8AC3E}">
-        <p14:creationId xmlns:p14="http://schemas.microsoft.com/office/powerpoint/2010/main" val="4222455853"/>
+        <p14:creationId xmlns:p14="http://schemas.microsoft.com/office/powerpoint/2010/main" val="2965438642"/>
       </p:ext>
     </p:extLst>
   </p:cSld>
@@ -2235,26 +2317,33 @@
           <a:bodyPr/>
           <a:lstStyle/>
           <a:p>
-            <a:pPr marL="0" marR="0" indent="0" algn="l" defTabSz="914400" rtl="0" eaLnBrk="1" fontAlgn="auto" latinLnBrk="0" hangingPunct="1">
-              <a:lnSpc>
-                <a:spcPct val="100000"/>
-              </a:lnSpc>
-              <a:spcBef>
-                <a:spcPts val="0"/>
-              </a:spcBef>
-              <a:spcAft>
-                <a:spcPts val="0"/>
-              </a:spcAft>
-              <a:buClrTx/>
-              <a:buSzTx/>
-              <a:buFontTx/>
-              <a:buNone/>
-              <a:tabLst/>
-              <a:defRPr/>
-            </a:pPr>
+            <a:r>
+              <a:rPr kumimoji="1" lang="en-US" altLang="ja-JP" baseline="0" dirty="0" smtClean="0"/>
+              <a:t>Here is this session’s agenda.</a:t>
+            </a:r>
+          </a:p>
+          <a:p>
             <a:r>
               <a:rPr kumimoji="1" lang="en-US" altLang="ja-JP" baseline="0" dirty="0" smtClean="0"/>
               <a:t>At first, I will talk about the conditions and the challenges of my project.</a:t>
+            </a:r>
+          </a:p>
+          <a:p>
+            <a:r>
+              <a:rPr kumimoji="1" lang="en-US" altLang="ja-JP" baseline="0" dirty="0" smtClean="0"/>
+              <a:t>Next, I will explain the 3 approaches, CI/CD, TDD, and BDD.</a:t>
+            </a:r>
+          </a:p>
+          <a:p>
+            <a:r>
+              <a:rPr kumimoji="1" lang="en-US" altLang="ja-JP" baseline="0" dirty="0" smtClean="0"/>
+              <a:t>After that, I will talk about the problems, possibilities, and the future of Technology-Driven Development.</a:t>
+            </a:r>
+          </a:p>
+          <a:p>
+            <a:r>
+              <a:rPr kumimoji="1" lang="en-US" altLang="ja-JP" baseline="0" dirty="0" smtClean="0"/>
+              <a:t>At last I will conclude this report.</a:t>
             </a:r>
           </a:p>
         </p:txBody>
@@ -2339,147 +2428,27 @@
           <a:bodyPr/>
           <a:lstStyle/>
           <a:p>
-            <a:pPr marL="0" indent="0" algn="l">
-              <a:buFont typeface="Arial" panose="020B0604020202020204" pitchFamily="34" charset="0"/>
+            <a:pPr marL="0" marR="0" indent="0" algn="l" defTabSz="914400" rtl="0" eaLnBrk="1" fontAlgn="auto" latinLnBrk="0" hangingPunct="1">
+              <a:lnSpc>
+                <a:spcPct val="100000"/>
+              </a:lnSpc>
+              <a:spcBef>
+                <a:spcPts val="0"/>
+              </a:spcBef>
+              <a:spcAft>
+                <a:spcPts val="0"/>
+              </a:spcAft>
+              <a:buClrTx/>
+              <a:buSzTx/>
+              <a:buFontTx/>
               <a:buNone/>
+              <a:tabLst/>
+              <a:defRPr/>
             </a:pPr>
             <a:r>
-              <a:rPr lang="ja-JP" altLang="en-US" b="0" dirty="0" smtClean="0">
-                <a:solidFill>
-                  <a:srgbClr val="000000"/>
-                </a:solidFill>
-                <a:latin typeface="+mn-ea"/>
-              </a:rPr>
-              <a:t>私が支援したチームは、大きく３種類のメンバーで構成されていました。</a:t>
-            </a:r>
-            <a:endParaRPr lang="en-US" altLang="ja-JP" b="0" dirty="0" smtClean="0">
-              <a:solidFill>
-                <a:srgbClr val="000000"/>
-              </a:solidFill>
-              <a:latin typeface="+mn-ea"/>
-            </a:endParaRPr>
-          </a:p>
-          <a:p>
-            <a:pPr marL="171450" indent="-171450" algn="l">
-              <a:buFont typeface="Arial" panose="020B0604020202020204" pitchFamily="34" charset="0"/>
-              <a:buChar char="•"/>
-            </a:pPr>
-            <a:r>
-              <a:rPr lang="ja-JP" altLang="en-US" b="0" dirty="0" smtClean="0">
-                <a:solidFill>
-                  <a:srgbClr val="000000"/>
-                </a:solidFill>
-                <a:latin typeface="+mn-ea"/>
-              </a:rPr>
-              <a:t>まず、売上などの営業的観点からプロダクトの方向性を決める「ビジネスアナリスト」</a:t>
-            </a:r>
-            <a:endParaRPr lang="en-US" altLang="ja-JP" b="0" dirty="0" smtClean="0">
-              <a:solidFill>
-                <a:srgbClr val="000000"/>
-              </a:solidFill>
-              <a:latin typeface="+mn-ea"/>
-            </a:endParaRPr>
-          </a:p>
-          <a:p>
-            <a:pPr marL="171450" indent="-171450" algn="l">
-              <a:buFont typeface="Arial" panose="020B0604020202020204" pitchFamily="34" charset="0"/>
-              <a:buChar char="•"/>
-            </a:pPr>
-            <a:r>
-              <a:rPr lang="ja-JP" altLang="en-US" b="0" dirty="0" smtClean="0">
-                <a:solidFill>
-                  <a:srgbClr val="000000"/>
-                </a:solidFill>
-                <a:latin typeface="+mn-ea"/>
-              </a:rPr>
-              <a:t>次に、見栄えや操作性の観点からプロダクトの方向性を決める「</a:t>
-            </a:r>
-            <a:r>
-              <a:rPr lang="en-US" altLang="ja-JP" b="0" dirty="0" smtClean="0">
-                <a:solidFill>
-                  <a:srgbClr val="000000"/>
-                </a:solidFill>
-                <a:latin typeface="+mn-ea"/>
-              </a:rPr>
-              <a:t>UI/UX </a:t>
-            </a:r>
-            <a:r>
-              <a:rPr lang="ja-JP" altLang="en-US" b="0" dirty="0" smtClean="0">
-                <a:solidFill>
-                  <a:srgbClr val="000000"/>
-                </a:solidFill>
-                <a:latin typeface="+mn-ea"/>
-              </a:rPr>
-              <a:t>デザイナー」</a:t>
-            </a:r>
-            <a:endParaRPr lang="en-US" altLang="ja-JP" b="0" dirty="0" smtClean="0">
-              <a:solidFill>
-                <a:srgbClr val="000000"/>
-              </a:solidFill>
-              <a:latin typeface="+mn-ea"/>
-            </a:endParaRPr>
-          </a:p>
-          <a:p>
-            <a:pPr marL="171450" indent="-171450" algn="l">
-              <a:buFont typeface="Arial" panose="020B0604020202020204" pitchFamily="34" charset="0"/>
-              <a:buChar char="•"/>
-            </a:pPr>
-            <a:r>
-              <a:rPr lang="ja-JP" altLang="en-US" b="0" dirty="0" smtClean="0">
-                <a:solidFill>
-                  <a:srgbClr val="000000"/>
-                </a:solidFill>
-                <a:latin typeface="+mn-ea"/>
-              </a:rPr>
-              <a:t>そして、開発・テスト・運用を担当する「</a:t>
-            </a:r>
-            <a:r>
-              <a:rPr kumimoji="1" lang="ja-JP" altLang="en-US" sz="1200" dirty="0" smtClean="0"/>
-              <a:t>開発者」</a:t>
-            </a:r>
-            <a:endParaRPr lang="en-US" altLang="ja-JP" b="0" dirty="0" smtClean="0">
-              <a:solidFill>
-                <a:srgbClr val="000000"/>
-              </a:solidFill>
-              <a:latin typeface="+mn-ea"/>
-            </a:endParaRPr>
-          </a:p>
-          <a:p>
-            <a:pPr marL="0" indent="0" algn="l">
-              <a:buFont typeface="Arial" panose="020B0604020202020204" pitchFamily="34" charset="0"/>
-              <a:buNone/>
-            </a:pPr>
-            <a:r>
-              <a:rPr lang="ja-JP" altLang="en-US" b="0" dirty="0" smtClean="0">
-                <a:solidFill>
-                  <a:srgbClr val="000000"/>
-                </a:solidFill>
-                <a:latin typeface="+mn-ea"/>
-              </a:rPr>
-              <a:t>私が支援したチームは、全員で１０人前後でした。</a:t>
-            </a:r>
-            <a:endParaRPr lang="en-US" altLang="ja-JP" b="0" dirty="0" smtClean="0">
-              <a:solidFill>
-                <a:srgbClr val="000000"/>
-              </a:solidFill>
-              <a:latin typeface="+mn-ea"/>
-            </a:endParaRPr>
-          </a:p>
-          <a:p>
-            <a:pPr marL="0" indent="0" algn="l">
-              <a:buFont typeface="Arial" panose="020B0604020202020204" pitchFamily="34" charset="0"/>
-              <a:buNone/>
-            </a:pPr>
-            <a:r>
-              <a:rPr lang="ja-JP" altLang="en-US" b="0" dirty="0" smtClean="0">
-                <a:solidFill>
-                  <a:srgbClr val="000000"/>
-                </a:solidFill>
-                <a:latin typeface="+mn-ea"/>
-              </a:rPr>
-              <a:t>私はこのチームに、アジャイルコーチとして参加しました。</a:t>
-            </a:r>
-            <a:endParaRPr kumimoji="1" lang="ja-JP" altLang="en-US" dirty="0"/>
+              <a:rPr kumimoji="1" lang="en-US" altLang="ja-JP" baseline="0" dirty="0" smtClean="0"/>
+              <a:t>At first, I will talk about the conditions and the challenges of my project.</a:t>
+            </a:r>
           </a:p>
         </p:txBody>
       </p:sp>
@@ -2500,7 +2469,7 @@
           <a:p>
             <a:fld id="{0D38E3F1-FAA5-4043-BB02-BBDB9D30AFA5}" type="slidenum">
               <a:rPr kumimoji="1" lang="ja-JP" altLang="en-US" smtClean="0"/>
-              <a:t>18</a:t>
+              <a:t>7</a:t>
             </a:fld>
             <a:endParaRPr kumimoji="1" lang="ja-JP" altLang="en-US" dirty="0"/>
           </a:p>
@@ -2509,7 +2478,7 @@
     </p:spTree>
     <p:extLst>
       <p:ext uri="{BB962C8B-B14F-4D97-AF65-F5344CB8AC3E}">
-        <p14:creationId xmlns:p14="http://schemas.microsoft.com/office/powerpoint/2010/main" val="3097568748"/>
+        <p14:creationId xmlns:p14="http://schemas.microsoft.com/office/powerpoint/2010/main" val="4222455853"/>
       </p:ext>
     </p:extLst>
   </p:cSld>
@@ -2568,13 +2537,105 @@
               <a:buNone/>
             </a:pPr>
             <a:r>
-              <a:rPr kumimoji="1" lang="ja-JP" altLang="en-US" dirty="0" smtClean="0"/>
-              <a:t>次に、具体的なプロダクト開発の進め方についてご説明します</a:t>
-            </a:r>
-            <a:r>
-              <a:rPr kumimoji="1" lang="en-US" altLang="ja-JP" dirty="0" smtClean="0"/>
-              <a:t>…</a:t>
-            </a:r>
+              <a:rPr lang="ja-JP" altLang="en-US" b="0" dirty="0" smtClean="0">
+                <a:solidFill>
+                  <a:srgbClr val="000000"/>
+                </a:solidFill>
+                <a:latin typeface="+mn-ea"/>
+              </a:rPr>
+              <a:t>私が支援したチームは、大きく３種類のメンバーで構成されていました。</a:t>
+            </a:r>
+            <a:endParaRPr lang="en-US" altLang="ja-JP" b="0" dirty="0" smtClean="0">
+              <a:solidFill>
+                <a:srgbClr val="000000"/>
+              </a:solidFill>
+              <a:latin typeface="+mn-ea"/>
+            </a:endParaRPr>
+          </a:p>
+          <a:p>
+            <a:pPr marL="171450" indent="-171450" algn="l">
+              <a:buFont typeface="Arial" panose="020B0604020202020204" pitchFamily="34" charset="0"/>
+              <a:buChar char="•"/>
+            </a:pPr>
+            <a:r>
+              <a:rPr lang="ja-JP" altLang="en-US" b="0" dirty="0" smtClean="0">
+                <a:solidFill>
+                  <a:srgbClr val="000000"/>
+                </a:solidFill>
+                <a:latin typeface="+mn-ea"/>
+              </a:rPr>
+              <a:t>まず、売上などの営業的観点からプロダクトの方向性を決める「ビジネスアナリスト」</a:t>
+            </a:r>
+            <a:endParaRPr lang="en-US" altLang="ja-JP" b="0" dirty="0" smtClean="0">
+              <a:solidFill>
+                <a:srgbClr val="000000"/>
+              </a:solidFill>
+              <a:latin typeface="+mn-ea"/>
+            </a:endParaRPr>
+          </a:p>
+          <a:p>
+            <a:pPr marL="171450" indent="-171450" algn="l">
+              <a:buFont typeface="Arial" panose="020B0604020202020204" pitchFamily="34" charset="0"/>
+              <a:buChar char="•"/>
+            </a:pPr>
+            <a:r>
+              <a:rPr lang="ja-JP" altLang="en-US" b="0" dirty="0" smtClean="0">
+                <a:solidFill>
+                  <a:srgbClr val="000000"/>
+                </a:solidFill>
+                <a:latin typeface="+mn-ea"/>
+              </a:rPr>
+              <a:t>次に、見栄えや操作性の観点からプロダクトの方向性を決める「</a:t>
+            </a:r>
+            <a:r>
+              <a:rPr lang="en-US" altLang="ja-JP" b="0" dirty="0" smtClean="0">
+                <a:solidFill>
+                  <a:srgbClr val="000000"/>
+                </a:solidFill>
+                <a:latin typeface="+mn-ea"/>
+              </a:rPr>
+              <a:t>UI/UX </a:t>
+            </a:r>
+            <a:r>
+              <a:rPr lang="ja-JP" altLang="en-US" b="0" dirty="0" smtClean="0">
+                <a:solidFill>
+                  <a:srgbClr val="000000"/>
+                </a:solidFill>
+                <a:latin typeface="+mn-ea"/>
+              </a:rPr>
+              <a:t>デザイナー」</a:t>
+            </a:r>
+            <a:endParaRPr lang="en-US" altLang="ja-JP" b="0" dirty="0" smtClean="0">
+              <a:solidFill>
+                <a:srgbClr val="000000"/>
+              </a:solidFill>
+              <a:latin typeface="+mn-ea"/>
+            </a:endParaRPr>
+          </a:p>
+          <a:p>
+            <a:pPr marL="171450" indent="-171450" algn="l">
+              <a:buFont typeface="Arial" panose="020B0604020202020204" pitchFamily="34" charset="0"/>
+              <a:buChar char="•"/>
+            </a:pPr>
+            <a:r>
+              <a:rPr lang="ja-JP" altLang="en-US" b="0" dirty="0" smtClean="0">
+                <a:solidFill>
+                  <a:srgbClr val="000000"/>
+                </a:solidFill>
+                <a:latin typeface="+mn-ea"/>
+              </a:rPr>
+              <a:t>そして、開発・テスト・運用を担当する「</a:t>
+            </a:r>
+            <a:r>
+              <a:rPr kumimoji="1" lang="ja-JP" altLang="en-US" sz="1200" dirty="0" smtClean="0"/>
+              <a:t>開発者」</a:t>
+            </a:r>
+            <a:endParaRPr lang="en-US" altLang="ja-JP" b="0" dirty="0" smtClean="0">
+              <a:solidFill>
+                <a:srgbClr val="000000"/>
+              </a:solidFill>
+              <a:latin typeface="+mn-ea"/>
+            </a:endParaRPr>
           </a:p>
           <a:p>
             <a:pPr marL="0" indent="0" algn="l">
@@ -2582,21 +2643,20 @@
               <a:buNone/>
             </a:pPr>
             <a:r>
-              <a:rPr kumimoji="1" lang="ja-JP" altLang="en-US" dirty="0" smtClean="0"/>
-              <a:t>・まず、プロダクトとして何を作るべきか、ビジネスアナリストや </a:t>
-            </a:r>
-            <a:r>
-              <a:rPr kumimoji="1" lang="en-US" altLang="ja-JP" dirty="0" smtClean="0"/>
-              <a:t>UI/UX </a:t>
-            </a:r>
-            <a:r>
-              <a:rPr kumimoji="1" lang="ja-JP" altLang="en-US" dirty="0" smtClean="0"/>
-              <a:t>デザイナーから要望を募ります。これを「要件定義」と言います</a:t>
-            </a:r>
-            <a:r>
-              <a:rPr kumimoji="1" lang="en-US" altLang="ja-JP" dirty="0" smtClean="0"/>
-              <a:t>…</a:t>
-            </a:r>
+              <a:rPr lang="ja-JP" altLang="en-US" b="0" dirty="0" smtClean="0">
+                <a:solidFill>
+                  <a:srgbClr val="000000"/>
+                </a:solidFill>
+                <a:latin typeface="+mn-ea"/>
+              </a:rPr>
+              <a:t>私が支援したチームは、全員で１０人前後でした。</a:t>
+            </a:r>
+            <a:endParaRPr lang="en-US" altLang="ja-JP" b="0" dirty="0" smtClean="0">
+              <a:solidFill>
+                <a:srgbClr val="000000"/>
+              </a:solidFill>
+              <a:latin typeface="+mn-ea"/>
+            </a:endParaRPr>
           </a:p>
           <a:p>
             <a:pPr marL="0" indent="0" algn="l">
@@ -2604,57 +2664,15 @@
               <a:buNone/>
             </a:pPr>
             <a:r>
-              <a:rPr kumimoji="1" lang="ja-JP" altLang="en-US" dirty="0" smtClean="0"/>
-              <a:t>・次に、要件定義の内容に基づいて、開発者がプログラミングや単体・結合テストを行ないます</a:t>
-            </a:r>
-            <a:r>
-              <a:rPr kumimoji="1" lang="en-US" altLang="ja-JP" dirty="0" smtClean="0"/>
-              <a:t>…</a:t>
-            </a:r>
-          </a:p>
-          <a:p>
-            <a:pPr marL="0" indent="0" algn="l">
-              <a:buFont typeface="Arial" panose="020B0604020202020204" pitchFamily="34" charset="0"/>
-              <a:buNone/>
-            </a:pPr>
-            <a:r>
-              <a:rPr kumimoji="1" lang="ja-JP" altLang="en-US" dirty="0" smtClean="0"/>
-              <a:t>・そして、開発者がつくり上げたプロダクトを、ビジネスアナリストと</a:t>
-            </a:r>
-            <a:r>
-              <a:rPr kumimoji="1" lang="en-US" altLang="ja-JP" dirty="0" smtClean="0"/>
-              <a:t>UI/UX </a:t>
-            </a:r>
-            <a:r>
-              <a:rPr kumimoji="1" lang="ja-JP" altLang="en-US" dirty="0" smtClean="0"/>
-              <a:t>デザイナーが最終確認します</a:t>
-            </a:r>
-            <a:r>
-              <a:rPr kumimoji="1" lang="en-US" altLang="ja-JP" dirty="0" smtClean="0"/>
-              <a:t>…</a:t>
-            </a:r>
-          </a:p>
-          <a:p>
-            <a:pPr marL="0" indent="0" algn="l">
-              <a:buFont typeface="Arial" panose="020B0604020202020204" pitchFamily="34" charset="0"/>
-              <a:buNone/>
-            </a:pPr>
-            <a:r>
-              <a:rPr kumimoji="1" lang="ja-JP" altLang="en-US" dirty="0" smtClean="0"/>
-              <a:t>このサイクルを１ヶ月毎に繰り返すのが、基本的な流れです。</a:t>
-            </a:r>
-            <a:endParaRPr kumimoji="1" lang="en-US" altLang="ja-JP" dirty="0" smtClean="0"/>
-          </a:p>
-          <a:p>
-            <a:pPr marL="0" indent="0" algn="l">
-              <a:buFont typeface="Arial" panose="020B0604020202020204" pitchFamily="34" charset="0"/>
-              <a:buNone/>
-            </a:pPr>
-            <a:r>
-              <a:rPr kumimoji="1" lang="ja-JP" altLang="en-US" dirty="0" smtClean="0"/>
-              <a:t>またこのサイクルを、「スプリント」や「イテレーション」と呼称します。</a:t>
-            </a:r>
-            <a:endParaRPr kumimoji="1" lang="en-US" altLang="ja-JP" dirty="0" smtClean="0"/>
+              <a:rPr lang="ja-JP" altLang="en-US" b="0" dirty="0" smtClean="0">
+                <a:solidFill>
+                  <a:srgbClr val="000000"/>
+                </a:solidFill>
+                <a:latin typeface="+mn-ea"/>
+              </a:rPr>
+              <a:t>私はこのチームに、アジャイルコーチとして参加しました。</a:t>
+            </a:r>
+            <a:endParaRPr kumimoji="1" lang="ja-JP" altLang="en-US" dirty="0"/>
           </a:p>
         </p:txBody>
       </p:sp>
@@ -2738,22 +2756,98 @@
           <a:bodyPr/>
           <a:lstStyle/>
           <a:p>
-            <a:r>
-              <a:rPr kumimoji="1" lang="en-US" altLang="ja-JP" baseline="0" dirty="0" smtClean="0"/>
-              <a:t>Next, I will explain the 3 approaches, CI/CD, TDD, and BDD.</a:t>
+            <a:pPr marL="0" indent="0" algn="l">
+              <a:buFont typeface="Arial" panose="020B0604020202020204" pitchFamily="34" charset="0"/>
+              <a:buNone/>
+            </a:pPr>
+            <a:r>
+              <a:rPr kumimoji="1" lang="ja-JP" altLang="en-US" dirty="0" smtClean="0"/>
+              <a:t>次に、具体的なプロダクト開発の進め方についてご説明します</a:t>
+            </a:r>
+            <a:r>
+              <a:rPr kumimoji="1" lang="en-US" altLang="ja-JP" dirty="0" smtClean="0"/>
+              <a:t>…</a:t>
             </a:r>
           </a:p>
           <a:p>
-            <a:r>
-              <a:rPr kumimoji="1" lang="en-US" altLang="ja-JP" baseline="0" dirty="0" smtClean="0"/>
-              <a:t>After that, I will talk about the problems, possibilities, and the future of Technology-Driven Development.</a:t>
+            <a:pPr marL="0" indent="0" algn="l">
+              <a:buFont typeface="Arial" panose="020B0604020202020204" pitchFamily="34" charset="0"/>
+              <a:buNone/>
+            </a:pPr>
+            <a:r>
+              <a:rPr kumimoji="1" lang="ja-JP" altLang="en-US" dirty="0" smtClean="0"/>
+              <a:t>・まず、プロダクトとして何を作るべきか、ビジネスアナリストや </a:t>
+            </a:r>
+            <a:r>
+              <a:rPr kumimoji="1" lang="en-US" altLang="ja-JP" dirty="0" smtClean="0"/>
+              <a:t>UI/UX </a:t>
+            </a:r>
+            <a:r>
+              <a:rPr kumimoji="1" lang="ja-JP" altLang="en-US" dirty="0" smtClean="0"/>
+              <a:t>デザイナーから要望を募ります。これを「要件定義」と言います</a:t>
+            </a:r>
+            <a:r>
+              <a:rPr kumimoji="1" lang="en-US" altLang="ja-JP" dirty="0" smtClean="0"/>
+              <a:t>…</a:t>
             </a:r>
           </a:p>
           <a:p>
-            <a:r>
-              <a:rPr kumimoji="1" lang="en-US" altLang="ja-JP" baseline="0" dirty="0" smtClean="0"/>
-              <a:t>At last I will conclude this report.</a:t>
-            </a:r>
+            <a:pPr marL="0" indent="0" algn="l">
+              <a:buFont typeface="Arial" panose="020B0604020202020204" pitchFamily="34" charset="0"/>
+              <a:buNone/>
+            </a:pPr>
+            <a:r>
+              <a:rPr kumimoji="1" lang="ja-JP" altLang="en-US" dirty="0" smtClean="0"/>
+              <a:t>・次に、要件定義の内容に基づいて、開発者がプログラミングや単体・結合テストを行ないます</a:t>
+            </a:r>
+            <a:r>
+              <a:rPr kumimoji="1" lang="en-US" altLang="ja-JP" dirty="0" smtClean="0"/>
+              <a:t>…</a:t>
+            </a:r>
+          </a:p>
+          <a:p>
+            <a:pPr marL="0" indent="0" algn="l">
+              <a:buFont typeface="Arial" panose="020B0604020202020204" pitchFamily="34" charset="0"/>
+              <a:buNone/>
+            </a:pPr>
+            <a:r>
+              <a:rPr kumimoji="1" lang="ja-JP" altLang="en-US" dirty="0" smtClean="0"/>
+              <a:t>・そして、開発者がつくり上げたプロダクトを、ビジネスアナリストと</a:t>
+            </a:r>
+            <a:r>
+              <a:rPr kumimoji="1" lang="en-US" altLang="ja-JP" dirty="0" smtClean="0"/>
+              <a:t>UI/UX </a:t>
+            </a:r>
+            <a:r>
+              <a:rPr kumimoji="1" lang="ja-JP" altLang="en-US" dirty="0" smtClean="0"/>
+              <a:t>デザイナーが最終確認します</a:t>
+            </a:r>
+            <a:r>
+              <a:rPr kumimoji="1" lang="en-US" altLang="ja-JP" dirty="0" smtClean="0"/>
+              <a:t>…</a:t>
+            </a:r>
+          </a:p>
+          <a:p>
+            <a:pPr marL="0" indent="0" algn="l">
+              <a:buFont typeface="Arial" panose="020B0604020202020204" pitchFamily="34" charset="0"/>
+              <a:buNone/>
+            </a:pPr>
+            <a:r>
+              <a:rPr kumimoji="1" lang="ja-JP" altLang="en-US" dirty="0" smtClean="0"/>
+              <a:t>このサイクルを１ヶ月毎に繰り返すのが、基本的な流れです。</a:t>
+            </a:r>
+            <a:endParaRPr kumimoji="1" lang="en-US" altLang="ja-JP" dirty="0" smtClean="0"/>
+          </a:p>
+          <a:p>
+            <a:pPr marL="0" indent="0" algn="l">
+              <a:buFont typeface="Arial" panose="020B0604020202020204" pitchFamily="34" charset="0"/>
+              <a:buNone/>
+            </a:pPr>
+            <a:r>
+              <a:rPr kumimoji="1" lang="ja-JP" altLang="en-US" dirty="0" smtClean="0"/>
+              <a:t>またこのサイクルを、「スプリント」や「イテレーション」と呼称します。</a:t>
+            </a:r>
+            <a:endParaRPr kumimoji="1" lang="en-US" altLang="ja-JP" dirty="0" smtClean="0"/>
           </a:p>
         </p:txBody>
       </p:sp>
@@ -2783,7 +2877,7 @@
     </p:spTree>
     <p:extLst>
       <p:ext uri="{BB962C8B-B14F-4D97-AF65-F5344CB8AC3E}">
-        <p14:creationId xmlns:p14="http://schemas.microsoft.com/office/powerpoint/2010/main" val="4222455853"/>
+        <p14:creationId xmlns:p14="http://schemas.microsoft.com/office/powerpoint/2010/main" val="3097568748"/>
       </p:ext>
     </p:extLst>
   </p:cSld>
@@ -3841,8 +3935,8 @@
         </p:nvSpPr>
         <p:spPr>
           <a:xfrm>
-            <a:off x="179512" y="1192412"/>
-            <a:ext cx="8784976" cy="4473176"/>
+            <a:off x="53752" y="1192412"/>
+            <a:ext cx="9036496" cy="4473176"/>
           </a:xfrm>
           <a:prstGeom prst="rect">
             <a:avLst/>
@@ -3873,13 +3967,8 @@
             </a:lvl1pPr>
           </a:lstStyle>
           <a:p>
-            <a:pPr algn="l">
-              <a:spcBef>
-                <a:spcPts val="0"/>
-              </a:spcBef>
-            </a:pPr>
-            <a:r>
-              <a:rPr kumimoji="0" lang="en-US" altLang="ja-JP" sz="4400" b="0" kern="0" dirty="0" smtClean="0">
+            <a:r>
+              <a:rPr lang="ja-JP" altLang="en-US" sz="9600" b="0" dirty="0" smtClean="0">
                 <a:solidFill>
                   <a:srgbClr val="000000"/>
                 </a:solidFill>
@@ -3887,21 +3976,21 @@
                 <a:ea typeface="+mn-ea"/>
                 <a:cs typeface="ＭＳ 明朝"/>
               </a:rPr>
-              <a:t>1) </a:t>
-            </a:r>
-            <a:r>
-              <a:rPr kumimoji="0" lang="ja-JP" altLang="en-US" sz="4400" b="0" kern="0" dirty="0" smtClean="0">
-                <a:solidFill>
-                  <a:srgbClr val="000000"/>
+              <a:t>私の</a:t>
+            </a:r>
+            <a:r>
+              <a:rPr lang="ja-JP" altLang="en-US" sz="9600" b="0" dirty="0" smtClean="0">
+                <a:solidFill>
+                  <a:schemeClr val="accent1"/>
                 </a:solidFill>
                 <a:latin typeface="+mn-ea"/>
                 <a:ea typeface="+mn-ea"/>
                 <a:cs typeface="ＭＳ 明朝"/>
               </a:rPr>
-              <a:t>スクラム</a:t>
-            </a:r>
-            <a:r>
-              <a:rPr kumimoji="0" lang="ja-JP" altLang="en-US" sz="4400" b="0" kern="0" dirty="0">
+              <a:t>目</a:t>
+            </a:r>
+            <a:r>
+              <a:rPr lang="ja-JP" altLang="en-US" sz="9600" b="0" dirty="0" smtClean="0">
                 <a:solidFill>
                   <a:srgbClr val="000000"/>
                 </a:solidFill>
@@ -3909,20 +3998,9 @@
                 <a:ea typeface="+mn-ea"/>
                 <a:cs typeface="ＭＳ 明朝"/>
               </a:rPr>
-              <a:t>を</a:t>
-            </a:r>
-            <a:r>
-              <a:rPr kumimoji="0" lang="ja-JP" altLang="en-US" sz="4400" b="0" kern="0" dirty="0" smtClean="0">
-                <a:solidFill>
-                  <a:srgbClr val="000000"/>
-                </a:solidFill>
-                <a:latin typeface="+mn-ea"/>
-                <a:ea typeface="+mn-ea"/>
-                <a:cs typeface="ＭＳ 明朝"/>
-              </a:rPr>
-              <a:t>採用することにしたが、</a:t>
-            </a:r>
-            <a:endParaRPr kumimoji="0" lang="en-US" altLang="ja-JP" sz="4400" b="0" kern="0" dirty="0">
+              <a:t>から見た</a:t>
+            </a:r>
+            <a:endParaRPr lang="en-US" altLang="ja-JP" sz="9600" b="0" dirty="0" smtClean="0">
               <a:solidFill>
                 <a:srgbClr val="000000"/>
               </a:solidFill>
@@ -3932,13 +4010,8 @@
             </a:endParaRPr>
           </a:p>
           <a:p>
-            <a:pPr indent="536575" algn="l">
-              <a:spcBef>
-                <a:spcPts val="0"/>
-              </a:spcBef>
-            </a:pPr>
-            <a:r>
-              <a:rPr kumimoji="0" lang="ja-JP" altLang="en-US" sz="4400" b="0" kern="0" dirty="0" smtClean="0">
+            <a:r>
+              <a:rPr lang="ja-JP" altLang="en-US" sz="9600" b="0" dirty="0" smtClean="0">
                 <a:solidFill>
                   <a:srgbClr val="000000"/>
                 </a:solidFill>
@@ -3946,33 +4019,11 @@
                 <a:ea typeface="+mn-ea"/>
                 <a:cs typeface="ＭＳ 明朝"/>
               </a:rPr>
-              <a:t>アジャイル・</a:t>
-            </a:r>
-            <a:r>
-              <a:rPr kumimoji="0" lang="ja-JP" altLang="en-US" sz="4400" b="0" kern="0" dirty="0">
-                <a:solidFill>
-                  <a:srgbClr val="000000"/>
-                </a:solidFill>
-                <a:latin typeface="+mn-ea"/>
-                <a:ea typeface="+mn-ea"/>
-                <a:cs typeface="ＭＳ 明朝"/>
-              </a:rPr>
-              <a:t>スクラム経験者は</a:t>
-            </a:r>
-            <a:r>
-              <a:rPr kumimoji="0" lang="ja-JP" altLang="en-US" sz="4400" b="0" kern="0" dirty="0" smtClean="0">
-                <a:solidFill>
-                  <a:srgbClr val="BF0000"/>
-                </a:solidFill>
-                <a:latin typeface="+mn-ea"/>
-                <a:ea typeface="+mn-ea"/>
-                <a:cs typeface="ＭＳ 明朝"/>
-              </a:rPr>
-              <a:t>ゼロ</a:t>
-            </a:r>
-            <a:endParaRPr kumimoji="0" lang="ja-JP" altLang="en-US" sz="4400" b="0" kern="0" dirty="0">
+              <a:t>チーム状況</a:t>
+            </a:r>
+            <a:endParaRPr lang="en-US" altLang="ja-JP" sz="9600" b="0" dirty="0" smtClean="0">
               <a:solidFill>
-                <a:srgbClr val="BF0000"/>
+                <a:srgbClr val="000000"/>
               </a:solidFill>
               <a:latin typeface="+mn-ea"/>
               <a:ea typeface="+mn-ea"/>
@@ -3984,7 +4035,7 @@
     </p:spTree>
     <p:extLst>
       <p:ext uri="{BB962C8B-B14F-4D97-AF65-F5344CB8AC3E}">
-        <p14:creationId xmlns:p14="http://schemas.microsoft.com/office/powerpoint/2010/main" val="2495657841"/>
+        <p14:creationId xmlns:p14="http://schemas.microsoft.com/office/powerpoint/2010/main" val="4029237450"/>
       </p:ext>
     </p:extLst>
   </p:cSld>
@@ -4074,7 +4125,7 @@
                 <a:ea typeface="+mn-ea"/>
                 <a:cs typeface="ＭＳ 明朝"/>
               </a:rPr>
-              <a:t>2) </a:t>
+              <a:t>1) </a:t>
             </a:r>
             <a:r>
               <a:rPr kumimoji="0" lang="ja-JP" altLang="en-US" sz="4400" b="0" kern="0" dirty="0" smtClean="0">
@@ -4085,22 +4136,33 @@
                 <a:ea typeface="+mn-ea"/>
                 <a:cs typeface="ＭＳ 明朝"/>
               </a:rPr>
-              <a:t>レガシーコードの</a:t>
-            </a:r>
-            <a:r>
-              <a:rPr kumimoji="0" lang="ja-JP" altLang="en-US" sz="4400" b="0" kern="0" dirty="0" smtClean="0">
-                <a:solidFill>
-                  <a:srgbClr val="BF0000"/>
+              <a:t>スクラム</a:t>
+            </a:r>
+            <a:r>
+              <a:rPr kumimoji="0" lang="ja-JP" altLang="en-US" sz="4400" b="0" kern="0" dirty="0">
+                <a:solidFill>
+                  <a:srgbClr val="000000"/>
                 </a:solidFill>
                 <a:latin typeface="+mn-ea"/>
                 <a:ea typeface="+mn-ea"/>
                 <a:cs typeface="ＭＳ 明朝"/>
               </a:rPr>
-              <a:t>エンハンス</a:t>
+              <a:t>を</a:t>
+            </a:r>
+            <a:r>
+              <a:rPr kumimoji="0" lang="ja-JP" altLang="en-US" sz="4400" b="0" kern="0" dirty="0" smtClean="0">
+                <a:solidFill>
+                  <a:srgbClr val="000000"/>
+                </a:solidFill>
+                <a:latin typeface="+mn-ea"/>
+                <a:ea typeface="+mn-ea"/>
+                <a:cs typeface="ＭＳ 明朝"/>
+              </a:rPr>
+              <a:t>採用することにしたが、</a:t>
             </a:r>
             <a:endParaRPr kumimoji="0" lang="en-US" altLang="ja-JP" sz="4400" b="0" kern="0" dirty="0">
               <a:solidFill>
-                <a:srgbClr val="BF0000"/>
+                <a:srgbClr val="000000"/>
               </a:solidFill>
               <a:latin typeface="+mn-ea"/>
               <a:ea typeface="+mn-ea"/>
@@ -4108,13 +4170,13 @@
             </a:endParaRPr>
           </a:p>
           <a:p>
-            <a:pPr indent="620713" algn="l">
+            <a:pPr indent="536575" algn="l">
               <a:spcBef>
                 <a:spcPts val="0"/>
               </a:spcBef>
             </a:pPr>
             <a:r>
-              <a:rPr kumimoji="0" lang="en-US" altLang="ja-JP" sz="4400" b="0" kern="0" dirty="0" smtClean="0">
+              <a:rPr kumimoji="0" lang="ja-JP" altLang="en-US" sz="4400" b="0" kern="0" dirty="0" smtClean="0">
                 <a:solidFill>
                   <a:srgbClr val="000000"/>
                 </a:solidFill>
@@ -4122,10 +4184,10 @@
                 <a:ea typeface="+mn-ea"/>
                 <a:cs typeface="ＭＳ 明朝"/>
               </a:rPr>
-              <a:t>※</a:t>
-            </a:r>
-            <a:r>
-              <a:rPr kumimoji="0" lang="ja-JP" altLang="en-US" sz="4400" b="0" kern="0" dirty="0" smtClean="0">
+              <a:t>アジャイル・</a:t>
+            </a:r>
+            <a:r>
+              <a:rPr kumimoji="0" lang="ja-JP" altLang="en-US" sz="4400" b="0" kern="0" dirty="0">
                 <a:solidFill>
                   <a:srgbClr val="000000"/>
                 </a:solidFill>
@@ -4133,11 +4195,22 @@
                 <a:ea typeface="+mn-ea"/>
                 <a:cs typeface="ＭＳ 明朝"/>
               </a:rPr>
-              <a:t>自動テストなどない</a:t>
+              <a:t>スクラム経験者は</a:t>
+            </a:r>
+            <a:r>
+              <a:rPr kumimoji="0" lang="ja-JP" altLang="en-US" sz="4400" b="0" kern="0" dirty="0" smtClean="0">
+                <a:solidFill>
+                  <a:srgbClr val="BF0000"/>
+                </a:solidFill>
+                <a:latin typeface="+mn-ea"/>
+                <a:ea typeface="+mn-ea"/>
+                <a:cs typeface="ＭＳ 明朝"/>
+              </a:rPr>
+              <a:t>ゼロ</a:t>
             </a:r>
             <a:endParaRPr kumimoji="0" lang="ja-JP" altLang="en-US" sz="4400" b="0" kern="0" dirty="0">
               <a:solidFill>
-                <a:srgbClr val="000000"/>
+                <a:srgbClr val="BF0000"/>
               </a:solidFill>
               <a:latin typeface="+mn-ea"/>
               <a:ea typeface="+mn-ea"/>
@@ -4149,7 +4222,7 @@
     </p:spTree>
     <p:extLst>
       <p:ext uri="{BB962C8B-B14F-4D97-AF65-F5344CB8AC3E}">
-        <p14:creationId xmlns:p14="http://schemas.microsoft.com/office/powerpoint/2010/main" val="3030580250"/>
+        <p14:creationId xmlns:p14="http://schemas.microsoft.com/office/powerpoint/2010/main" val="2495657841"/>
       </p:ext>
     </p:extLst>
   </p:cSld>
@@ -4239,7 +4312,7 @@
                 <a:ea typeface="+mn-ea"/>
                 <a:cs typeface="ＭＳ 明朝"/>
               </a:rPr>
-              <a:t>3) </a:t>
+              <a:t>2) </a:t>
             </a:r>
             <a:r>
               <a:rPr kumimoji="0" lang="ja-JP" altLang="en-US" sz="4400" b="0" kern="0" dirty="0" smtClean="0">
@@ -4250,7 +4323,7 @@
                 <a:ea typeface="+mn-ea"/>
                 <a:cs typeface="ＭＳ 明朝"/>
               </a:rPr>
-              <a:t>テストもリリースも全て</a:t>
+              <a:t>レガシーコードの</a:t>
             </a:r>
             <a:r>
               <a:rPr kumimoji="0" lang="ja-JP" altLang="en-US" sz="4400" b="0" kern="0" dirty="0" smtClean="0">
@@ -4261,9 +4334,9 @@
                 <a:ea typeface="+mn-ea"/>
                 <a:cs typeface="ＭＳ 明朝"/>
               </a:rPr>
-              <a:t>手作業</a:t>
-            </a:r>
-            <a:endParaRPr kumimoji="0" lang="en-US" altLang="ja-JP" sz="4400" b="0" kern="0" dirty="0" smtClean="0">
+              <a:t>エンハンス</a:t>
+            </a:r>
+            <a:endParaRPr kumimoji="0" lang="en-US" altLang="ja-JP" sz="4400" b="0" kern="0" dirty="0">
               <a:solidFill>
                 <a:srgbClr val="BF0000"/>
               </a:solidFill>
@@ -4273,7 +4346,7 @@
             </a:endParaRPr>
           </a:p>
           <a:p>
-            <a:pPr indent="622300" algn="l">
+            <a:pPr indent="620713" algn="l">
               <a:spcBef>
                 <a:spcPts val="0"/>
               </a:spcBef>
@@ -4281,7 +4354,7 @@
             <a:r>
               <a:rPr kumimoji="0" lang="en-US" altLang="ja-JP" sz="4400" b="0" kern="0" dirty="0" smtClean="0">
                 <a:solidFill>
-                  <a:schemeClr val="tx1"/>
+                  <a:srgbClr val="000000"/>
                 </a:solidFill>
                 <a:latin typeface="+mn-ea"/>
                 <a:ea typeface="+mn-ea"/>
@@ -4292,17 +4365,17 @@
             <a:r>
               <a:rPr kumimoji="0" lang="ja-JP" altLang="en-US" sz="4400" b="0" kern="0" dirty="0" smtClean="0">
                 <a:solidFill>
-                  <a:schemeClr val="tx1"/>
+                  <a:srgbClr val="000000"/>
                 </a:solidFill>
                 <a:latin typeface="+mn-ea"/>
                 <a:ea typeface="+mn-ea"/>
                 <a:cs typeface="ＭＳ 明朝"/>
               </a:rPr>
-              <a:t>徹夜なんてザラ</a:t>
-            </a:r>
-            <a:endParaRPr kumimoji="0" lang="en-US" altLang="ja-JP" sz="4400" b="0" kern="0" dirty="0" smtClean="0">
+              <a:t>自動テストなどない</a:t>
+            </a:r>
+            <a:endParaRPr kumimoji="0" lang="ja-JP" altLang="en-US" sz="4400" b="0" kern="0" dirty="0">
               <a:solidFill>
-                <a:schemeClr val="tx1"/>
+                <a:srgbClr val="000000"/>
               </a:solidFill>
               <a:latin typeface="+mn-ea"/>
               <a:ea typeface="+mn-ea"/>
@@ -4314,7 +4387,7 @@
     </p:spTree>
     <p:extLst>
       <p:ext uri="{BB962C8B-B14F-4D97-AF65-F5344CB8AC3E}">
-        <p14:creationId xmlns:p14="http://schemas.microsoft.com/office/powerpoint/2010/main" val="810821384"/>
+        <p14:creationId xmlns:p14="http://schemas.microsoft.com/office/powerpoint/2010/main" val="3030580250"/>
       </p:ext>
     </p:extLst>
   </p:cSld>
@@ -4404,7 +4477,7 @@
                 <a:ea typeface="+mn-ea"/>
                 <a:cs typeface="ＭＳ 明朝"/>
               </a:rPr>
-              <a:t>4) </a:t>
+              <a:t>3) </a:t>
             </a:r>
             <a:r>
               <a:rPr kumimoji="0" lang="ja-JP" altLang="en-US" sz="4400" b="0" kern="0" dirty="0" smtClean="0">
@@ -4415,7 +4488,7 @@
                 <a:ea typeface="+mn-ea"/>
                 <a:cs typeface="ＭＳ 明朝"/>
               </a:rPr>
-              <a:t>メンバーが非常に</a:t>
+              <a:t>テストもリリースも全て</a:t>
             </a:r>
             <a:r>
               <a:rPr kumimoji="0" lang="ja-JP" altLang="en-US" sz="4400" b="0" kern="0" dirty="0" smtClean="0">
@@ -4426,7 +4499,7 @@
                 <a:ea typeface="+mn-ea"/>
                 <a:cs typeface="ＭＳ 明朝"/>
               </a:rPr>
-              <a:t>若い</a:t>
+              <a:t>手作業</a:t>
             </a:r>
             <a:endParaRPr kumimoji="0" lang="en-US" altLang="ja-JP" sz="4400" b="0" kern="0" dirty="0" smtClean="0">
               <a:solidFill>
@@ -4446,9 +4519,10 @@
             <a:r>
               <a:rPr kumimoji="0" lang="en-US" altLang="ja-JP" sz="4400" b="0" kern="0" dirty="0" smtClean="0">
                 <a:solidFill>
-                  <a:srgbClr val="000000"/>
+                  <a:schemeClr val="tx1"/>
                 </a:solidFill>
                 <a:latin typeface="+mn-ea"/>
+                <a:ea typeface="+mn-ea"/>
                 <a:cs typeface="ＭＳ 明朝"/>
               </a:rPr>
               <a:t>※</a:t>
@@ -4456,18 +4530,20 @@
             <a:r>
               <a:rPr kumimoji="0" lang="ja-JP" altLang="en-US" sz="4400" b="0" kern="0" dirty="0" smtClean="0">
                 <a:solidFill>
-                  <a:srgbClr val="000000"/>
+                  <a:schemeClr val="tx1"/>
                 </a:solidFill>
                 <a:latin typeface="+mn-ea"/>
+                <a:ea typeface="+mn-ea"/>
                 <a:cs typeface="ＭＳ 明朝"/>
               </a:rPr>
-              <a:t>平均キャリアは３年前後</a:t>
-            </a:r>
-            <a:endParaRPr kumimoji="0" lang="ja-JP" altLang="en-US" sz="4400" b="0" kern="0" dirty="0">
+              <a:t>徹夜なんてザラ</a:t>
+            </a:r>
+            <a:endParaRPr kumimoji="0" lang="en-US" altLang="ja-JP" sz="4400" b="0" kern="0" dirty="0" smtClean="0">
               <a:solidFill>
-                <a:srgbClr val="000000"/>
+                <a:schemeClr val="tx1"/>
               </a:solidFill>
               <a:latin typeface="+mn-ea"/>
+              <a:ea typeface="+mn-ea"/>
               <a:cs typeface="ＭＳ 明朝"/>
             </a:endParaRPr>
           </a:p>
@@ -4476,7 +4552,7 @@
     </p:spTree>
     <p:extLst>
       <p:ext uri="{BB962C8B-B14F-4D97-AF65-F5344CB8AC3E}">
-        <p14:creationId xmlns:p14="http://schemas.microsoft.com/office/powerpoint/2010/main" val="2305762005"/>
+        <p14:creationId xmlns:p14="http://schemas.microsoft.com/office/powerpoint/2010/main" val="810821384"/>
       </p:ext>
     </p:extLst>
   </p:cSld>
@@ -4520,8 +4596,8 @@
         </p:nvSpPr>
         <p:spPr>
           <a:xfrm>
-            <a:off x="107504" y="1192412"/>
-            <a:ext cx="8928992" cy="4473176"/>
+            <a:off x="179512" y="1192412"/>
+            <a:ext cx="8784976" cy="4473176"/>
           </a:xfrm>
           <a:prstGeom prst="rect">
             <a:avLst/>
@@ -4552,20 +4628,47 @@
             </a:lvl1pPr>
           </a:lstStyle>
           <a:p>
-            <a:r>
-              <a:rPr lang="ja-JP" altLang="en-US" sz="8800" b="0" dirty="0" smtClean="0">
-                <a:solidFill>
-                  <a:schemeClr val="tx1"/>
+            <a:pPr algn="l">
+              <a:spcBef>
+                <a:spcPts val="0"/>
+              </a:spcBef>
+            </a:pPr>
+            <a:r>
+              <a:rPr kumimoji="0" lang="en-US" altLang="ja-JP" sz="4400" b="0" kern="0" dirty="0" smtClean="0">
+                <a:solidFill>
+                  <a:srgbClr val="000000"/>
                 </a:solidFill>
                 <a:latin typeface="+mn-ea"/>
                 <a:ea typeface="+mn-ea"/>
                 <a:cs typeface="ＭＳ 明朝"/>
               </a:rPr>
-              <a:t>皆さんなら</a:t>
-            </a:r>
-            <a:endParaRPr lang="en-US" altLang="ja-JP" sz="8800" b="0" dirty="0" smtClean="0">
+              <a:t>4) </a:t>
+            </a:r>
+            <a:r>
+              <a:rPr kumimoji="0" lang="ja-JP" altLang="en-US" sz="4400" b="0" kern="0" dirty="0" smtClean="0">
+                <a:solidFill>
+                  <a:srgbClr val="000000"/>
+                </a:solidFill>
+                <a:latin typeface="+mn-ea"/>
+                <a:ea typeface="+mn-ea"/>
+                <a:cs typeface="ＭＳ 明朝"/>
+              </a:rPr>
+              <a:t>メンバーが非常に</a:t>
+            </a:r>
+            <a:r>
+              <a:rPr kumimoji="0" lang="ja-JP" altLang="en-US" sz="4400" b="0" kern="0" dirty="0" smtClean="0">
+                <a:solidFill>
+                  <a:srgbClr val="BF0000"/>
+                </a:solidFill>
+                <a:latin typeface="+mn-ea"/>
+                <a:ea typeface="+mn-ea"/>
+                <a:cs typeface="ＭＳ 明朝"/>
+              </a:rPr>
+              <a:t>若い</a:t>
+            </a:r>
+            <a:endParaRPr kumimoji="0" lang="en-US" altLang="ja-JP" sz="4400" b="0" kern="0" dirty="0" smtClean="0">
               <a:solidFill>
-                <a:schemeClr val="tx1"/>
+                <a:srgbClr val="BF0000"/>
               </a:solidFill>
               <a:latin typeface="+mn-ea"/>
               <a:ea typeface="+mn-ea"/>
@@ -4573,34 +4676,36 @@
             </a:endParaRPr>
           </a:p>
           <a:p>
-            <a:r>
-              <a:rPr lang="ja-JP" altLang="en-US" sz="8800" b="0" dirty="0" smtClean="0">
-                <a:solidFill>
-                  <a:srgbClr val="BF0000"/>
+            <a:pPr indent="622300" algn="l">
+              <a:spcBef>
+                <a:spcPts val="0"/>
+              </a:spcBef>
+            </a:pPr>
+            <a:r>
+              <a:rPr kumimoji="0" lang="en-US" altLang="ja-JP" sz="4400" b="0" kern="0" dirty="0" smtClean="0">
+                <a:solidFill>
+                  <a:srgbClr val="000000"/>
                 </a:solidFill>
                 <a:latin typeface="+mn-ea"/>
-                <a:ea typeface="+mn-ea"/>
                 <a:cs typeface="ＭＳ 明朝"/>
               </a:rPr>
-              <a:t>どう</a:t>
-            </a:r>
-            <a:r>
-              <a:rPr lang="ja-JP" altLang="en-US" sz="8800" b="0" dirty="0" smtClean="0">
-                <a:solidFill>
-                  <a:schemeClr val="tx1"/>
+              <a:t>※</a:t>
+            </a:r>
+            <a:r>
+              <a:rPr kumimoji="0" lang="ja-JP" altLang="en-US" sz="4400" b="0" kern="0" dirty="0" smtClean="0">
+                <a:solidFill>
+                  <a:srgbClr val="000000"/>
                 </a:solidFill>
                 <a:latin typeface="+mn-ea"/>
-                <a:ea typeface="+mn-ea"/>
                 <a:cs typeface="ＭＳ 明朝"/>
               </a:rPr>
-              <a:t>思いますか？</a:t>
-            </a:r>
-            <a:endParaRPr lang="en-US" altLang="ja-JP" sz="8800" b="0" dirty="0" smtClean="0">
+              <a:t>平均キャリアは３年前後</a:t>
+            </a:r>
+            <a:endParaRPr kumimoji="0" lang="ja-JP" altLang="en-US" sz="4400" b="0" kern="0" dirty="0">
               <a:solidFill>
-                <a:schemeClr val="tx1"/>
+                <a:srgbClr val="000000"/>
               </a:solidFill>
               <a:latin typeface="+mn-ea"/>
-              <a:ea typeface="+mn-ea"/>
               <a:cs typeface="ＭＳ 明朝"/>
             </a:endParaRPr>
           </a:p>
@@ -4609,7 +4714,7 @@
     </p:spTree>
     <p:extLst>
       <p:ext uri="{BB962C8B-B14F-4D97-AF65-F5344CB8AC3E}">
-        <p14:creationId xmlns:p14="http://schemas.microsoft.com/office/powerpoint/2010/main" val="3663135761"/>
+        <p14:creationId xmlns:p14="http://schemas.microsoft.com/office/powerpoint/2010/main" val="2305762005"/>
       </p:ext>
     </p:extLst>
   </p:cSld>
@@ -4686,19 +4791,19 @@
           </a:lstStyle>
           <a:p>
             <a:r>
-              <a:rPr lang="ja-JP" altLang="en-US" sz="9600" b="0" dirty="0" smtClean="0">
-                <a:solidFill>
-                  <a:srgbClr val="000000"/>
+              <a:rPr lang="ja-JP" altLang="en-US" sz="8800" b="0" dirty="0" smtClean="0">
+                <a:solidFill>
+                  <a:schemeClr val="tx1"/>
                 </a:solidFill>
                 <a:latin typeface="+mn-ea"/>
                 <a:ea typeface="+mn-ea"/>
                 <a:cs typeface="ＭＳ 明朝"/>
               </a:rPr>
-              <a:t>私は</a:t>
-            </a:r>
-            <a:endParaRPr lang="en-US" altLang="ja-JP" sz="9600" b="0" dirty="0" smtClean="0">
+              <a:t>皆さんなら</a:t>
+            </a:r>
+            <a:endParaRPr lang="en-US" altLang="ja-JP" sz="8800" b="0" dirty="0" smtClean="0">
               <a:solidFill>
-                <a:srgbClr val="000000"/>
+                <a:schemeClr val="tx1"/>
               </a:solidFill>
               <a:latin typeface="+mn-ea"/>
               <a:ea typeface="+mn-ea"/>
@@ -4707,7 +4812,7 @@
           </a:p>
           <a:p>
             <a:r>
-              <a:rPr lang="ja-JP" altLang="en-US" sz="9600" b="0" dirty="0" smtClean="0">
+              <a:rPr lang="ja-JP" altLang="en-US" sz="8800" b="0" dirty="0" smtClean="0">
                 <a:solidFill>
                   <a:srgbClr val="BF0000"/>
                 </a:solidFill>
@@ -4715,22 +4820,22 @@
                 <a:ea typeface="+mn-ea"/>
                 <a:cs typeface="ＭＳ 明朝"/>
               </a:rPr>
-              <a:t>わくわく</a:t>
-            </a:r>
-            <a:r>
-              <a:rPr lang="ja-JP" altLang="en-US" sz="9600" b="0" dirty="0" smtClean="0">
-                <a:solidFill>
-                  <a:srgbClr val="000000"/>
+              <a:t>どう</a:t>
+            </a:r>
+            <a:r>
+              <a:rPr lang="ja-JP" altLang="en-US" sz="8800" b="0" dirty="0" smtClean="0">
+                <a:solidFill>
+                  <a:schemeClr val="tx1"/>
                 </a:solidFill>
                 <a:latin typeface="+mn-ea"/>
                 <a:ea typeface="+mn-ea"/>
                 <a:cs typeface="ＭＳ 明朝"/>
               </a:rPr>
-              <a:t>しました。</a:t>
-            </a:r>
-            <a:endParaRPr lang="en-US" altLang="ja-JP" sz="9600" b="0" dirty="0" smtClean="0">
+              <a:t>思いますか？</a:t>
+            </a:r>
+            <a:endParaRPr lang="en-US" altLang="ja-JP" sz="8800" b="0" dirty="0" smtClean="0">
               <a:solidFill>
-                <a:srgbClr val="000000"/>
+                <a:schemeClr val="tx1"/>
               </a:solidFill>
               <a:latin typeface="+mn-ea"/>
               <a:ea typeface="+mn-ea"/>
@@ -4742,7 +4847,7 @@
     </p:spTree>
     <p:extLst>
       <p:ext uri="{BB962C8B-B14F-4D97-AF65-F5344CB8AC3E}">
-        <p14:creationId xmlns:p14="http://schemas.microsoft.com/office/powerpoint/2010/main" val="2585997850"/>
+        <p14:creationId xmlns:p14="http://schemas.microsoft.com/office/powerpoint/2010/main" val="3663135761"/>
       </p:ext>
     </p:extLst>
   </p:cSld>
@@ -4827,6 +4932,139 @@
                 <a:ea typeface="+mn-ea"/>
                 <a:cs typeface="ＭＳ 明朝"/>
               </a:rPr>
+              <a:t>私は</a:t>
+            </a:r>
+            <a:endParaRPr lang="en-US" altLang="ja-JP" sz="9600" b="0" dirty="0" smtClean="0">
+              <a:solidFill>
+                <a:srgbClr val="000000"/>
+              </a:solidFill>
+              <a:latin typeface="+mn-ea"/>
+              <a:ea typeface="+mn-ea"/>
+              <a:cs typeface="ＭＳ 明朝"/>
+            </a:endParaRPr>
+          </a:p>
+          <a:p>
+            <a:r>
+              <a:rPr lang="ja-JP" altLang="en-US" sz="9600" b="0" dirty="0" smtClean="0">
+                <a:solidFill>
+                  <a:srgbClr val="BF0000"/>
+                </a:solidFill>
+                <a:latin typeface="+mn-ea"/>
+                <a:ea typeface="+mn-ea"/>
+                <a:cs typeface="ＭＳ 明朝"/>
+              </a:rPr>
+              <a:t>わくわく</a:t>
+            </a:r>
+            <a:r>
+              <a:rPr lang="ja-JP" altLang="en-US" sz="9600" b="0" dirty="0" smtClean="0">
+                <a:solidFill>
+                  <a:srgbClr val="000000"/>
+                </a:solidFill>
+                <a:latin typeface="+mn-ea"/>
+                <a:ea typeface="+mn-ea"/>
+                <a:cs typeface="ＭＳ 明朝"/>
+              </a:rPr>
+              <a:t>しました。</a:t>
+            </a:r>
+            <a:endParaRPr lang="en-US" altLang="ja-JP" sz="9600" b="0" dirty="0" smtClean="0">
+              <a:solidFill>
+                <a:srgbClr val="000000"/>
+              </a:solidFill>
+              <a:latin typeface="+mn-ea"/>
+              <a:ea typeface="+mn-ea"/>
+              <a:cs typeface="ＭＳ 明朝"/>
+            </a:endParaRPr>
+          </a:p>
+        </p:txBody>
+      </p:sp>
+    </p:spTree>
+    <p:extLst>
+      <p:ext uri="{BB962C8B-B14F-4D97-AF65-F5344CB8AC3E}">
+        <p14:creationId xmlns:p14="http://schemas.microsoft.com/office/powerpoint/2010/main" val="2585997850"/>
+      </p:ext>
+    </p:extLst>
+  </p:cSld>
+  <p:clrMapOvr>
+    <a:masterClrMapping/>
+  </p:clrMapOvr>
+  <p:timing>
+    <p:tnLst>
+      <p:par>
+        <p:cTn id="1" dur="indefinite" restart="never" nodeType="tmRoot"/>
+      </p:par>
+    </p:tnLst>
+  </p:timing>
+</p:sld>
+</file>
+
+<file path=ppt/slides/slide17.xml><?xml version="1.0" encoding="utf-8"?>
+<p:sld xmlns:a="http://schemas.openxmlformats.org/drawingml/2006/main" xmlns:r="http://schemas.openxmlformats.org/officeDocument/2006/relationships" xmlns:p="http://schemas.openxmlformats.org/presentationml/2006/main">
+  <p:cSld>
+    <p:spTree>
+      <p:nvGrpSpPr>
+        <p:cNvPr id="1" name=""/>
+        <p:cNvGrpSpPr/>
+        <p:nvPr/>
+      </p:nvGrpSpPr>
+      <p:grpSpPr>
+        <a:xfrm>
+          <a:off x="0" y="0"/>
+          <a:ext cx="0" cy="0"/>
+          <a:chOff x="0" y="0"/>
+          <a:chExt cx="0" cy="0"/>
+        </a:xfrm>
+      </p:grpSpPr>
+      <p:sp>
+        <p:nvSpPr>
+          <p:cNvPr id="7" name="タイトル 2"/>
+          <p:cNvSpPr txBox="1">
+            <a:spLocks/>
+          </p:cNvSpPr>
+          <p:nvPr/>
+        </p:nvSpPr>
+        <p:spPr>
+          <a:xfrm>
+            <a:off x="107504" y="1192412"/>
+            <a:ext cx="8928992" cy="4473176"/>
+          </a:xfrm>
+          <a:prstGeom prst="rect">
+            <a:avLst/>
+          </a:prstGeom>
+          <a:noFill/>
+          <a:ln>
+            <a:noFill/>
+          </a:ln>
+        </p:spPr>
+        <p:txBody>
+          <a:bodyPr anchor="ctr" anchorCtr="0">
+            <a:noAutofit/>
+          </a:bodyPr>
+          <a:lstStyle>
+            <a:lvl1pPr algn="ctr" defTabSz="914400" rtl="0" eaLnBrk="1" latinLnBrk="0" hangingPunct="1">
+              <a:spcBef>
+                <a:spcPct val="0"/>
+              </a:spcBef>
+              <a:buNone/>
+              <a:defRPr kumimoji="1" sz="2800" b="1" kern="1200" baseline="0">
+                <a:solidFill>
+                  <a:srgbClr val="C00000"/>
+                </a:solidFill>
+                <a:latin typeface="Arial" pitchFamily="34" charset="0"/>
+                <a:ea typeface="ＭＳ Ｐゴシック" pitchFamily="50" charset="-128"/>
+                <a:cs typeface="+mj-cs"/>
+              </a:defRPr>
+            </a:lvl1pPr>
+          </a:lstStyle>
+          <a:p>
+            <a:r>
+              <a:rPr lang="ja-JP" altLang="en-US" sz="9600" b="0" dirty="0" smtClean="0">
+                <a:solidFill>
+                  <a:srgbClr val="000000"/>
+                </a:solidFill>
+                <a:latin typeface="+mn-ea"/>
+                <a:ea typeface="+mn-ea"/>
+                <a:cs typeface="ＭＳ 明朝"/>
+              </a:rPr>
               <a:t>どこに</a:t>
             </a:r>
             <a:endParaRPr lang="en-US" altLang="ja-JP" sz="9600" b="0" dirty="0" smtClean="0">
@@ -4905,7 +5143,7 @@
 </p:sld>
 </file>
 
-<file path=ppt/slides/slide17.xml><?xml version="1.0" encoding="utf-8"?>
+<file path=ppt/slides/slide18.xml><?xml version="1.0" encoding="utf-8"?>
 <p:sld xmlns:a="http://schemas.openxmlformats.org/drawingml/2006/main" xmlns:r="http://schemas.openxmlformats.org/officeDocument/2006/relationships" xmlns:p="http://schemas.openxmlformats.org/presentationml/2006/main">
   <p:cSld>
     <p:spTree>
@@ -5932,7 +6170,7 @@
 </p:sld>
 </file>
 
-<file path=ppt/slides/slide18.xml><?xml version="1.0" encoding="utf-8"?>
+<file path=ppt/slides/slide19.xml><?xml version="1.0" encoding="utf-8"?>
 <p:sld xmlns:a="http://schemas.openxmlformats.org/drawingml/2006/main" xmlns:r="http://schemas.openxmlformats.org/officeDocument/2006/relationships" xmlns:p="http://schemas.openxmlformats.org/presentationml/2006/main">
   <p:cSld>
     <p:spTree>
@@ -7450,7 +7688,383 @@
 </p:sld>
 </file>
 
-<file path=ppt/slides/slide19.xml><?xml version="1.0" encoding="utf-8"?>
+<file path=ppt/slides/slide2.xml><?xml version="1.0" encoding="utf-8"?>
+<p:sld xmlns:a="http://schemas.openxmlformats.org/drawingml/2006/main" xmlns:r="http://schemas.openxmlformats.org/officeDocument/2006/relationships" xmlns:p="http://schemas.openxmlformats.org/presentationml/2006/main">
+  <p:cSld>
+    <p:spTree>
+      <p:nvGrpSpPr>
+        <p:cNvPr id="1" name=""/>
+        <p:cNvGrpSpPr/>
+        <p:nvPr/>
+      </p:nvGrpSpPr>
+      <p:grpSpPr>
+        <a:xfrm>
+          <a:off x="0" y="0"/>
+          <a:ext cx="0" cy="0"/>
+          <a:chOff x="0" y="0"/>
+          <a:chExt cx="0" cy="0"/>
+        </a:xfrm>
+      </p:grpSpPr>
+      <p:sp>
+        <p:nvSpPr>
+          <p:cNvPr id="5" name="タイトル 2"/>
+          <p:cNvSpPr txBox="1">
+            <a:spLocks/>
+          </p:cNvSpPr>
+          <p:nvPr/>
+        </p:nvSpPr>
+        <p:spPr>
+          <a:xfrm>
+            <a:off x="3995936" y="1016733"/>
+            <a:ext cx="5002960" cy="5574170"/>
+          </a:xfrm>
+          <a:prstGeom prst="rect">
+            <a:avLst/>
+          </a:prstGeom>
+          <a:noFill/>
+          <a:ln>
+            <a:noFill/>
+          </a:ln>
+        </p:spPr>
+        <p:txBody>
+          <a:bodyPr anchor="ctr" anchorCtr="0">
+            <a:noAutofit/>
+          </a:bodyPr>
+          <a:lstStyle>
+            <a:lvl1pPr algn="ctr" defTabSz="914400" rtl="0" eaLnBrk="1" latinLnBrk="0" hangingPunct="1">
+              <a:spcBef>
+                <a:spcPct val="0"/>
+              </a:spcBef>
+              <a:buNone/>
+              <a:defRPr kumimoji="1" sz="2800" b="1" kern="1200" baseline="0">
+                <a:solidFill>
+                  <a:srgbClr val="C00000"/>
+                </a:solidFill>
+                <a:latin typeface="Arial" pitchFamily="34" charset="0"/>
+                <a:ea typeface="ＭＳ Ｐゴシック" pitchFamily="50" charset="-128"/>
+                <a:cs typeface="+mj-cs"/>
+              </a:defRPr>
+            </a:lvl1pPr>
+          </a:lstStyle>
+          <a:p>
+            <a:pPr algn="l" defTabSz="381000">
+              <a:spcBef>
+                <a:spcPct val="20000"/>
+              </a:spcBef>
+              <a:buClr>
+                <a:srgbClr val="FFFFFF"/>
+              </a:buClr>
+              <a:defRPr/>
+            </a:pPr>
+            <a:r>
+              <a:rPr lang="en-US" altLang="ja-JP" sz="3600" b="0" kern="0" dirty="0" smtClean="0">
+                <a:solidFill>
+                  <a:srgbClr val="000000"/>
+                </a:solidFill>
+                <a:latin typeface="+mn-lt"/>
+                <a:ea typeface="+mn-ea"/>
+              </a:rPr>
+              <a:t>Hiroyuki </a:t>
+            </a:r>
+            <a:r>
+              <a:rPr lang="en-US" altLang="ja-JP" sz="3600" b="0" kern="0" dirty="0" smtClean="0">
+                <a:solidFill>
+                  <a:srgbClr val="000000"/>
+                </a:solidFill>
+                <a:latin typeface="+mn-lt"/>
+                <a:ea typeface="+mn-ea"/>
+              </a:rPr>
+              <a:t>Ito (</a:t>
+            </a:r>
+            <a:r>
+              <a:rPr lang="en-US" altLang="ja-JP" sz="3600" b="0" kern="0" dirty="0" smtClean="0">
+                <a:solidFill>
+                  <a:srgbClr val="000000"/>
+                </a:solidFill>
+                <a:latin typeface="+mn-lt"/>
+                <a:ea typeface="+mn-ea"/>
+              </a:rPr>
+              <a:t>The Hiro)</a:t>
+            </a:r>
+          </a:p>
+          <a:p>
+            <a:pPr lvl="0" algn="l" defTabSz="381000">
+              <a:spcBef>
+                <a:spcPct val="20000"/>
+              </a:spcBef>
+              <a:buClr>
+                <a:srgbClr val="FFFFFF"/>
+              </a:buClr>
+              <a:defRPr/>
+            </a:pPr>
+            <a:r>
+              <a:rPr lang="en-US" altLang="ja-JP" sz="3600" b="0" kern="0" dirty="0" smtClean="0">
+                <a:solidFill>
+                  <a:schemeClr val="accent1"/>
+                </a:solidFill>
+                <a:latin typeface="+mn-lt"/>
+                <a:ea typeface="+mn-ea"/>
+              </a:rPr>
+              <a:t>Test-Driven Development Group!</a:t>
+            </a:r>
+            <a:endParaRPr lang="en-US" altLang="ja-JP" sz="3600" b="0" kern="0" dirty="0" smtClean="0">
+              <a:solidFill>
+                <a:srgbClr val="000000"/>
+              </a:solidFill>
+              <a:latin typeface="+mn-lt"/>
+              <a:ea typeface="+mn-ea"/>
+            </a:endParaRPr>
+          </a:p>
+          <a:p>
+            <a:pPr lvl="0" algn="l" defTabSz="381000">
+              <a:spcBef>
+                <a:spcPct val="20000"/>
+              </a:spcBef>
+              <a:buClr>
+                <a:srgbClr val="FFFFFF"/>
+              </a:buClr>
+              <a:defRPr/>
+            </a:pPr>
+            <a:r>
+              <a:rPr lang="en-US" altLang="ja-JP" sz="3600" b="0" kern="0" dirty="0" smtClean="0">
+                <a:solidFill>
+                  <a:schemeClr val="accent6"/>
+                </a:solidFill>
+                <a:latin typeface="+mn-lt"/>
+                <a:ea typeface="+mn-ea"/>
+              </a:rPr>
+              <a:t>@hageyahhoo</a:t>
+            </a:r>
+          </a:p>
+          <a:p>
+            <a:pPr lvl="0" algn="l" defTabSz="381000">
+              <a:spcBef>
+                <a:spcPct val="20000"/>
+              </a:spcBef>
+              <a:buClr>
+                <a:srgbClr val="FFFFFF"/>
+              </a:buClr>
+              <a:defRPr/>
+            </a:pPr>
+            <a:endParaRPr lang="en-US" altLang="ja-JP" sz="3600" b="0" kern="0" dirty="0" smtClean="0">
+              <a:solidFill>
+                <a:srgbClr val="000000"/>
+              </a:solidFill>
+              <a:latin typeface="+mn-lt"/>
+              <a:ea typeface="+mn-ea"/>
+            </a:endParaRPr>
+          </a:p>
+          <a:p>
+            <a:pPr lvl="0" algn="l" defTabSz="381000">
+              <a:spcBef>
+                <a:spcPct val="20000"/>
+              </a:spcBef>
+              <a:buClr>
+                <a:srgbClr val="FFFFFF"/>
+              </a:buClr>
+              <a:defRPr/>
+            </a:pPr>
+            <a:endParaRPr lang="en-US" altLang="ja-JP" sz="3600" b="0" kern="0" dirty="0">
+              <a:solidFill>
+                <a:srgbClr val="000000"/>
+              </a:solidFill>
+              <a:latin typeface="+mn-lt"/>
+              <a:ea typeface="+mn-ea"/>
+            </a:endParaRPr>
+          </a:p>
+          <a:p>
+            <a:pPr lvl="0" algn="l" defTabSz="381000">
+              <a:spcBef>
+                <a:spcPct val="20000"/>
+              </a:spcBef>
+              <a:buClr>
+                <a:srgbClr val="FFFFFF"/>
+              </a:buClr>
+              <a:defRPr/>
+            </a:pPr>
+            <a:endParaRPr lang="en-US" altLang="ja-JP" sz="3600" b="0" kern="0" dirty="0" smtClean="0">
+              <a:solidFill>
+                <a:srgbClr val="000000"/>
+              </a:solidFill>
+              <a:latin typeface="+mn-lt"/>
+              <a:ea typeface="+mn-ea"/>
+            </a:endParaRPr>
+          </a:p>
+          <a:p>
+            <a:pPr lvl="0" algn="l" defTabSz="381000">
+              <a:spcBef>
+                <a:spcPct val="20000"/>
+              </a:spcBef>
+              <a:buClr>
+                <a:srgbClr val="FFFFFF"/>
+              </a:buClr>
+              <a:defRPr/>
+            </a:pPr>
+            <a:endParaRPr lang="en-US" altLang="ja-JP" sz="3600" b="0" kern="0" dirty="0" smtClean="0">
+              <a:solidFill>
+                <a:srgbClr val="000000"/>
+              </a:solidFill>
+              <a:latin typeface="+mn-lt"/>
+              <a:ea typeface="+mn-ea"/>
+            </a:endParaRPr>
+          </a:p>
+        </p:txBody>
+      </p:sp>
+      <p:sp>
+        <p:nvSpPr>
+          <p:cNvPr id="4" name="タイトル 1"/>
+          <p:cNvSpPr>
+            <a:spLocks noGrp="1"/>
+          </p:cNvSpPr>
+          <p:nvPr>
+            <p:ph type="title"/>
+          </p:nvPr>
+        </p:nvSpPr>
+        <p:spPr>
+          <a:xfrm>
+            <a:off x="360000" y="252000"/>
+            <a:ext cx="8424000" cy="360000"/>
+          </a:xfrm>
+          <a:noFill/>
+          <a:ln>
+            <a:solidFill>
+              <a:srgbClr val="FFFFFF"/>
+            </a:solidFill>
+          </a:ln>
+        </p:spPr>
+        <p:txBody>
+          <a:bodyPr>
+            <a:normAutofit fontScale="90000"/>
+          </a:bodyPr>
+          <a:lstStyle/>
+          <a:p>
+            <a:r>
+              <a:rPr lang="en-US" altLang="ja-JP" kern="0" dirty="0" smtClean="0">
+                <a:solidFill>
+                  <a:schemeClr val="accent1"/>
+                </a:solidFill>
+                <a:latin typeface="+mj-ea"/>
+                <a:ea typeface="+mj-ea"/>
+              </a:rPr>
+              <a:t>About me</a:t>
+            </a:r>
+            <a:endParaRPr kumimoji="1" lang="ja-JP" altLang="en-US" dirty="0">
+              <a:latin typeface="+mj-ea"/>
+              <a:ea typeface="+mj-ea"/>
+            </a:endParaRPr>
+          </a:p>
+        </p:txBody>
+      </p:sp>
+      <p:pic>
+        <p:nvPicPr>
+          <p:cNvPr id="2" name="図 1"/>
+          <p:cNvPicPr>
+            <a:picLocks noChangeAspect="1"/>
+          </p:cNvPicPr>
+          <p:nvPr/>
+        </p:nvPicPr>
+        <p:blipFill>
+          <a:blip r:embed="rId3"/>
+          <a:stretch>
+            <a:fillRect/>
+          </a:stretch>
+        </p:blipFill>
+        <p:spPr>
+          <a:xfrm>
+            <a:off x="4224660" y="3880750"/>
+            <a:ext cx="3404220" cy="1144041"/>
+          </a:xfrm>
+          <a:prstGeom prst="rect">
+            <a:avLst/>
+          </a:prstGeom>
+        </p:spPr>
+      </p:pic>
+      <p:pic>
+        <p:nvPicPr>
+          <p:cNvPr id="6" name="図 5"/>
+          <p:cNvPicPr>
+            <a:picLocks noChangeAspect="1"/>
+          </p:cNvPicPr>
+          <p:nvPr/>
+        </p:nvPicPr>
+        <p:blipFill>
+          <a:blip r:embed="rId4"/>
+          <a:stretch>
+            <a:fillRect/>
+          </a:stretch>
+        </p:blipFill>
+        <p:spPr>
+          <a:xfrm>
+            <a:off x="4211960" y="5247614"/>
+            <a:ext cx="3413521" cy="1153342"/>
+          </a:xfrm>
+          <a:prstGeom prst="rect">
+            <a:avLst/>
+          </a:prstGeom>
+        </p:spPr>
+      </p:pic>
+      <p:pic>
+        <p:nvPicPr>
+          <p:cNvPr id="1026" name="Picture 2" descr="C:\Users\hiroyuki.a.ito\Pictures\Thehiro_v2.jpg"/>
+          <p:cNvPicPr>
+            <a:picLocks noChangeAspect="1" noChangeArrowheads="1"/>
+          </p:cNvPicPr>
+          <p:nvPr/>
+        </p:nvPicPr>
+        <p:blipFill>
+          <a:blip r:embed="rId5">
+            <a:extLst>
+              <a:ext uri="{28A0092B-C50C-407E-A947-70E740481C1C}">
+                <a14:useLocalDpi xmlns:a14="http://schemas.microsoft.com/office/drawing/2010/main" val="0"/>
+              </a:ext>
+            </a:extLst>
+          </a:blip>
+          <a:srcRect/>
+          <a:stretch>
+            <a:fillRect/>
+          </a:stretch>
+        </p:blipFill>
+        <p:spPr bwMode="auto">
+          <a:xfrm>
+            <a:off x="231078" y="1016732"/>
+            <a:ext cx="3429000" cy="3429000"/>
+          </a:xfrm>
+          <a:prstGeom prst="rect">
+            <a:avLst/>
+          </a:prstGeom>
+          <a:noFill/>
+          <a:extLst>
+            <a:ext uri="{909E8E84-426E-40DD-AFC4-6F175D3DCCD1}">
+              <a14:hiddenFill xmlns:a14="http://schemas.microsoft.com/office/drawing/2010/main">
+                <a:solidFill>
+                  <a:srgbClr val="FFFFFF"/>
+                </a:solidFill>
+              </a14:hiddenFill>
+            </a:ext>
+          </a:extLst>
+        </p:spPr>
+      </p:pic>
+    </p:spTree>
+    <p:extLst>
+      <p:ext uri="{BB962C8B-B14F-4D97-AF65-F5344CB8AC3E}">
+        <p14:creationId xmlns:p14="http://schemas.microsoft.com/office/powerpoint/2010/main" val="522943376"/>
+      </p:ext>
+    </p:extLst>
+  </p:cSld>
+  <p:clrMapOvr>
+    <a:masterClrMapping/>
+  </p:clrMapOvr>
+  <p:timing>
+    <p:tnLst>
+      <p:par>
+        <p:cTn id="1" dur="indefinite" restart="never" nodeType="tmRoot"/>
+      </p:par>
+    </p:tnLst>
+  </p:timing>
+</p:sld>
+</file>
+
+<file path=ppt/slides/slide20.xml><?xml version="1.0" encoding="utf-8"?>
 <p:sld xmlns:a="http://schemas.openxmlformats.org/drawingml/2006/main" xmlns:r="http://schemas.openxmlformats.org/officeDocument/2006/relationships" xmlns:p="http://schemas.openxmlformats.org/presentationml/2006/main">
   <p:cSld>
     <p:spTree>
@@ -10160,384 +10774,7 @@
 </p:sld>
 </file>
 
-<file path=ppt/slides/slide2.xml><?xml version="1.0" encoding="utf-8"?>
-<p:sld xmlns:a="http://schemas.openxmlformats.org/drawingml/2006/main" xmlns:r="http://schemas.openxmlformats.org/officeDocument/2006/relationships" xmlns:p="http://schemas.openxmlformats.org/presentationml/2006/main">
-  <p:cSld>
-    <p:spTree>
-      <p:nvGrpSpPr>
-        <p:cNvPr id="1" name=""/>
-        <p:cNvGrpSpPr/>
-        <p:nvPr/>
-      </p:nvGrpSpPr>
-      <p:grpSpPr>
-        <a:xfrm>
-          <a:off x="0" y="0"/>
-          <a:ext cx="0" cy="0"/>
-          <a:chOff x="0" y="0"/>
-          <a:chExt cx="0" cy="0"/>
-        </a:xfrm>
-      </p:grpSpPr>
-      <p:sp>
-        <p:nvSpPr>
-          <p:cNvPr id="5" name="タイトル 2"/>
-          <p:cNvSpPr txBox="1">
-            <a:spLocks/>
-          </p:cNvSpPr>
-          <p:nvPr/>
-        </p:nvSpPr>
-        <p:spPr>
-          <a:xfrm>
-            <a:off x="4139952" y="1054800"/>
-            <a:ext cx="4858944" cy="5038496"/>
-          </a:xfrm>
-          <a:prstGeom prst="rect">
-            <a:avLst/>
-          </a:prstGeom>
-          <a:noFill/>
-          <a:ln>
-            <a:noFill/>
-          </a:ln>
-        </p:spPr>
-        <p:txBody>
-          <a:bodyPr anchor="ctr" anchorCtr="0">
-            <a:noAutofit/>
-          </a:bodyPr>
-          <a:lstStyle>
-            <a:lvl1pPr algn="ctr" defTabSz="914400" rtl="0" eaLnBrk="1" latinLnBrk="0" hangingPunct="1">
-              <a:spcBef>
-                <a:spcPct val="0"/>
-              </a:spcBef>
-              <a:buNone/>
-              <a:defRPr kumimoji="1" sz="2800" b="1" kern="1200" baseline="0">
-                <a:solidFill>
-                  <a:srgbClr val="C00000"/>
-                </a:solidFill>
-                <a:latin typeface="Arial" pitchFamily="34" charset="0"/>
-                <a:ea typeface="ＭＳ Ｐゴシック" pitchFamily="50" charset="-128"/>
-                <a:cs typeface="+mj-cs"/>
-              </a:defRPr>
-            </a:lvl1pPr>
-          </a:lstStyle>
-          <a:p>
-            <a:pPr algn="l" defTabSz="381000">
-              <a:spcBef>
-                <a:spcPct val="20000"/>
-              </a:spcBef>
-              <a:buClr>
-                <a:srgbClr val="FFFFFF"/>
-              </a:buClr>
-              <a:defRPr/>
-            </a:pPr>
-            <a:r>
-              <a:rPr lang="en-US" altLang="ja-JP" sz="3600" b="0" kern="0" dirty="0" smtClean="0">
-                <a:solidFill>
-                  <a:srgbClr val="000000"/>
-                </a:solidFill>
-                <a:latin typeface="+mn-lt"/>
-                <a:ea typeface="+mn-ea"/>
-              </a:rPr>
-              <a:t>Hiroyuki Ito</a:t>
-            </a:r>
-          </a:p>
-          <a:p>
-            <a:pPr algn="l" defTabSz="381000">
-              <a:spcBef>
-                <a:spcPct val="20000"/>
-              </a:spcBef>
-              <a:buClr>
-                <a:srgbClr val="FFFFFF"/>
-              </a:buClr>
-              <a:defRPr/>
-            </a:pPr>
-            <a:r>
-              <a:rPr lang="en-US" altLang="ja-JP" sz="3600" b="0" kern="0" dirty="0" smtClean="0">
-                <a:solidFill>
-                  <a:srgbClr val="000000"/>
-                </a:solidFill>
-                <a:latin typeface="+mn-lt"/>
-                <a:ea typeface="+mn-ea"/>
-              </a:rPr>
-              <a:t>(The Hiro)</a:t>
-            </a:r>
-          </a:p>
-          <a:p>
-            <a:pPr lvl="0" algn="l" defTabSz="381000">
-              <a:spcBef>
-                <a:spcPct val="20000"/>
-              </a:spcBef>
-              <a:buClr>
-                <a:srgbClr val="FFFFFF"/>
-              </a:buClr>
-              <a:defRPr/>
-            </a:pPr>
-            <a:r>
-              <a:rPr lang="en-US" altLang="ja-JP" sz="3600" b="0" kern="0" dirty="0" smtClean="0">
-                <a:solidFill>
-                  <a:schemeClr val="accent1"/>
-                </a:solidFill>
-                <a:latin typeface="+mn-lt"/>
-                <a:ea typeface="+mn-ea"/>
-              </a:rPr>
-              <a:t>Test-Driven Development Group!</a:t>
-            </a:r>
-            <a:endParaRPr lang="en-US" altLang="ja-JP" sz="3600" b="0" kern="0" dirty="0" smtClean="0">
-              <a:solidFill>
-                <a:srgbClr val="000000"/>
-              </a:solidFill>
-              <a:latin typeface="+mn-lt"/>
-              <a:ea typeface="+mn-ea"/>
-            </a:endParaRPr>
-          </a:p>
-          <a:p>
-            <a:pPr lvl="0" algn="l" defTabSz="381000">
-              <a:spcBef>
-                <a:spcPct val="20000"/>
-              </a:spcBef>
-              <a:buClr>
-                <a:srgbClr val="FFFFFF"/>
-              </a:buClr>
-              <a:defRPr/>
-            </a:pPr>
-            <a:r>
-              <a:rPr lang="en-US" altLang="ja-JP" sz="3600" b="0" kern="0" dirty="0" smtClean="0">
-                <a:solidFill>
-                  <a:schemeClr val="accent6"/>
-                </a:solidFill>
-                <a:latin typeface="+mn-lt"/>
-                <a:ea typeface="+mn-ea"/>
-              </a:rPr>
-              <a:t>@hageyahhoo</a:t>
-            </a:r>
-          </a:p>
-          <a:p>
-            <a:pPr lvl="0" algn="l" defTabSz="381000">
-              <a:spcBef>
-                <a:spcPct val="20000"/>
-              </a:spcBef>
-              <a:buClr>
-                <a:srgbClr val="FFFFFF"/>
-              </a:buClr>
-              <a:defRPr/>
-            </a:pPr>
-            <a:endParaRPr lang="en-US" altLang="ja-JP" sz="3600" b="0" kern="0" dirty="0" smtClean="0">
-              <a:solidFill>
-                <a:srgbClr val="000000"/>
-              </a:solidFill>
-              <a:latin typeface="+mn-lt"/>
-              <a:ea typeface="+mn-ea"/>
-            </a:endParaRPr>
-          </a:p>
-          <a:p>
-            <a:pPr lvl="0" algn="l" defTabSz="381000">
-              <a:spcBef>
-                <a:spcPct val="20000"/>
-              </a:spcBef>
-              <a:buClr>
-                <a:srgbClr val="FFFFFF"/>
-              </a:buClr>
-              <a:defRPr/>
-            </a:pPr>
-            <a:endParaRPr lang="en-US" altLang="ja-JP" sz="3600" b="0" kern="0" dirty="0">
-              <a:solidFill>
-                <a:srgbClr val="000000"/>
-              </a:solidFill>
-              <a:latin typeface="+mn-lt"/>
-              <a:ea typeface="+mn-ea"/>
-            </a:endParaRPr>
-          </a:p>
-          <a:p>
-            <a:pPr lvl="0" algn="l" defTabSz="381000">
-              <a:spcBef>
-                <a:spcPct val="20000"/>
-              </a:spcBef>
-              <a:buClr>
-                <a:srgbClr val="FFFFFF"/>
-              </a:buClr>
-              <a:defRPr/>
-            </a:pPr>
-            <a:endParaRPr lang="en-US" altLang="ja-JP" sz="3600" b="0" kern="0" dirty="0" smtClean="0">
-              <a:solidFill>
-                <a:srgbClr val="000000"/>
-              </a:solidFill>
-              <a:latin typeface="+mn-lt"/>
-              <a:ea typeface="+mn-ea"/>
-            </a:endParaRPr>
-          </a:p>
-          <a:p>
-            <a:pPr lvl="0" algn="l" defTabSz="381000">
-              <a:spcBef>
-                <a:spcPct val="20000"/>
-              </a:spcBef>
-              <a:buClr>
-                <a:srgbClr val="FFFFFF"/>
-              </a:buClr>
-              <a:defRPr/>
-            </a:pPr>
-            <a:endParaRPr lang="en-US" altLang="ja-JP" sz="3600" b="0" kern="0" dirty="0" smtClean="0">
-              <a:solidFill>
-                <a:srgbClr val="000000"/>
-              </a:solidFill>
-              <a:latin typeface="+mn-lt"/>
-              <a:ea typeface="+mn-ea"/>
-            </a:endParaRPr>
-          </a:p>
-        </p:txBody>
-      </p:sp>
-      <p:sp>
-        <p:nvSpPr>
-          <p:cNvPr id="4" name="タイトル 1"/>
-          <p:cNvSpPr>
-            <a:spLocks noGrp="1"/>
-          </p:cNvSpPr>
-          <p:nvPr>
-            <p:ph type="title"/>
-          </p:nvPr>
-        </p:nvSpPr>
-        <p:spPr>
-          <a:xfrm>
-            <a:off x="360000" y="252000"/>
-            <a:ext cx="8424000" cy="360000"/>
-          </a:xfrm>
-          <a:noFill/>
-          <a:ln>
-            <a:solidFill>
-              <a:srgbClr val="FFFFFF"/>
-            </a:solidFill>
-          </a:ln>
-        </p:spPr>
-        <p:txBody>
-          <a:bodyPr>
-            <a:normAutofit fontScale="90000"/>
-          </a:bodyPr>
-          <a:lstStyle/>
-          <a:p>
-            <a:r>
-              <a:rPr lang="en-US" altLang="ja-JP" kern="0" dirty="0" smtClean="0">
-                <a:solidFill>
-                  <a:schemeClr val="accent1"/>
-                </a:solidFill>
-                <a:latin typeface="+mj-ea"/>
-                <a:ea typeface="+mj-ea"/>
-              </a:rPr>
-              <a:t>About me</a:t>
-            </a:r>
-            <a:endParaRPr kumimoji="1" lang="ja-JP" altLang="en-US" dirty="0">
-              <a:latin typeface="+mj-ea"/>
-              <a:ea typeface="+mj-ea"/>
-            </a:endParaRPr>
-          </a:p>
-        </p:txBody>
-      </p:sp>
-      <p:pic>
-        <p:nvPicPr>
-          <p:cNvPr id="2" name="図 1"/>
-          <p:cNvPicPr>
-            <a:picLocks noChangeAspect="1"/>
-          </p:cNvPicPr>
-          <p:nvPr/>
-        </p:nvPicPr>
-        <p:blipFill>
-          <a:blip r:embed="rId3"/>
-          <a:stretch>
-            <a:fillRect/>
-          </a:stretch>
-        </p:blipFill>
-        <p:spPr>
-          <a:xfrm>
-            <a:off x="4224660" y="3645098"/>
-            <a:ext cx="3404220" cy="1144041"/>
-          </a:xfrm>
-          <a:prstGeom prst="rect">
-            <a:avLst/>
-          </a:prstGeom>
-        </p:spPr>
-      </p:pic>
-      <p:pic>
-        <p:nvPicPr>
-          <p:cNvPr id="6" name="図 5"/>
-          <p:cNvPicPr>
-            <a:picLocks noChangeAspect="1"/>
-          </p:cNvPicPr>
-          <p:nvPr/>
-        </p:nvPicPr>
-        <p:blipFill>
-          <a:blip r:embed="rId4"/>
-          <a:stretch>
-            <a:fillRect/>
-          </a:stretch>
-        </p:blipFill>
-        <p:spPr>
-          <a:xfrm>
-            <a:off x="4211960" y="5011962"/>
-            <a:ext cx="3413521" cy="1153342"/>
-          </a:xfrm>
-          <a:prstGeom prst="rect">
-            <a:avLst/>
-          </a:prstGeom>
-        </p:spPr>
-      </p:pic>
-      <p:pic>
-        <p:nvPicPr>
-          <p:cNvPr id="1026" name="Picture 2" descr="C:\Users\hiroyuki.a.ito\Pictures\Thehiro_v2.jpg"/>
-          <p:cNvPicPr>
-            <a:picLocks noChangeAspect="1" noChangeArrowheads="1"/>
-          </p:cNvPicPr>
-          <p:nvPr/>
-        </p:nvPicPr>
-        <p:blipFill>
-          <a:blip r:embed="rId5">
-            <a:extLst>
-              <a:ext uri="{28A0092B-C50C-407E-A947-70E740481C1C}">
-                <a14:useLocalDpi xmlns:a14="http://schemas.microsoft.com/office/drawing/2010/main" val="0"/>
-              </a:ext>
-            </a:extLst>
-          </a:blip>
-          <a:srcRect/>
-          <a:stretch>
-            <a:fillRect/>
-          </a:stretch>
-        </p:blipFill>
-        <p:spPr bwMode="auto">
-          <a:xfrm>
-            <a:off x="231078" y="1016732"/>
-            <a:ext cx="3429000" cy="3429000"/>
-          </a:xfrm>
-          <a:prstGeom prst="rect">
-            <a:avLst/>
-          </a:prstGeom>
-          <a:noFill/>
-          <a:extLst>
-            <a:ext uri="{909E8E84-426E-40DD-AFC4-6F175D3DCCD1}">
-              <a14:hiddenFill xmlns:a14="http://schemas.microsoft.com/office/drawing/2010/main">
-                <a:solidFill>
-                  <a:srgbClr val="FFFFFF"/>
-                </a:solidFill>
-              </a14:hiddenFill>
-            </a:ext>
-          </a:extLst>
-        </p:spPr>
-      </p:pic>
-    </p:spTree>
-    <p:extLst>
-      <p:ext uri="{BB962C8B-B14F-4D97-AF65-F5344CB8AC3E}">
-        <p14:creationId xmlns:p14="http://schemas.microsoft.com/office/powerpoint/2010/main" val="522943376"/>
-      </p:ext>
-    </p:extLst>
-  </p:cSld>
-  <p:clrMapOvr>
-    <a:masterClrMapping/>
-  </p:clrMapOvr>
-  <p:timing>
-    <p:tnLst>
-      <p:par>
-        <p:cTn id="1" dur="indefinite" restart="never" nodeType="tmRoot"/>
-      </p:par>
-    </p:tnLst>
-  </p:timing>
-</p:sld>
-</file>
-
-<file path=ppt/slides/slide20.xml><?xml version="1.0" encoding="utf-8"?>
+<file path=ppt/slides/slide21.xml><?xml version="1.0" encoding="utf-8"?>
 <p:sld xmlns:a="http://schemas.openxmlformats.org/drawingml/2006/main" xmlns:r="http://schemas.openxmlformats.org/officeDocument/2006/relationships" xmlns:p="http://schemas.openxmlformats.org/presentationml/2006/main">
   <p:cSld>
     <p:spTree>
@@ -11833,7 +12070,7 @@
 </p:sld>
 </file>
 
-<file path=ppt/slides/slide21.xml><?xml version="1.0" encoding="utf-8"?>
+<file path=ppt/slides/slide22.xml><?xml version="1.0" encoding="utf-8"?>
 <p:sld xmlns:a="http://schemas.openxmlformats.org/drawingml/2006/main" xmlns:r="http://schemas.openxmlformats.org/officeDocument/2006/relationships" xmlns:p="http://schemas.openxmlformats.org/presentationml/2006/main">
   <p:cSld>
     <p:spTree>
@@ -13670,7 +13907,7 @@
 </p:sld>
 </file>
 
-<file path=ppt/slides/slide22.xml><?xml version="1.0" encoding="utf-8"?>
+<file path=ppt/slides/slide23.xml><?xml version="1.0" encoding="utf-8"?>
 <p:sld xmlns:a="http://schemas.openxmlformats.org/drawingml/2006/main" xmlns:r="http://schemas.openxmlformats.org/officeDocument/2006/relationships" xmlns:p="http://schemas.openxmlformats.org/presentationml/2006/main">
   <p:cSld>
     <p:spTree>
@@ -14966,7 +15203,7 @@
 </p:sld>
 </file>
 
-<file path=ppt/slides/slide23.xml><?xml version="1.0" encoding="utf-8"?>
+<file path=ppt/slides/slide24.xml><?xml version="1.0" encoding="utf-8"?>
 <p:sld xmlns:a="http://schemas.openxmlformats.org/drawingml/2006/main" xmlns:r="http://schemas.openxmlformats.org/officeDocument/2006/relationships" xmlns:p="http://schemas.openxmlformats.org/presentationml/2006/main">
   <p:cSld>
     <p:spTree>
@@ -16640,7 +16877,7 @@
 </p:sld>
 </file>
 
-<file path=ppt/slides/slide24.xml><?xml version="1.0" encoding="utf-8"?>
+<file path=ppt/slides/slide25.xml><?xml version="1.0" encoding="utf-8"?>
 <p:sld xmlns:a="http://schemas.openxmlformats.org/drawingml/2006/main" xmlns:r="http://schemas.openxmlformats.org/officeDocument/2006/relationships" xmlns:p="http://schemas.openxmlformats.org/presentationml/2006/main">
   <p:cSld>
     <p:spTree>
@@ -17167,7 +17404,7 @@
 </p:sld>
 </file>
 
-<file path=ppt/slides/slide25.xml><?xml version="1.0" encoding="utf-8"?>
+<file path=ppt/slides/slide26.xml><?xml version="1.0" encoding="utf-8"?>
 <p:sld xmlns:a="http://schemas.openxmlformats.org/drawingml/2006/main" xmlns:r="http://schemas.openxmlformats.org/officeDocument/2006/relationships" xmlns:p="http://schemas.openxmlformats.org/presentationml/2006/main">
   <p:cSld>
     <p:spTree>
@@ -19153,7 +19390,7 @@
 </p:sld>
 </file>
 
-<file path=ppt/slides/slide26.xml><?xml version="1.0" encoding="utf-8"?>
+<file path=ppt/slides/slide27.xml><?xml version="1.0" encoding="utf-8"?>
 <p:sld xmlns:a="http://schemas.openxmlformats.org/drawingml/2006/main" xmlns:r="http://schemas.openxmlformats.org/officeDocument/2006/relationships" xmlns:p="http://schemas.openxmlformats.org/presentationml/2006/main">
   <p:cSld>
     <p:spTree>
@@ -20449,7 +20686,7 @@
 </p:sld>
 </file>
 
-<file path=ppt/slides/slide27.xml><?xml version="1.0" encoding="utf-8"?>
+<file path=ppt/slides/slide28.xml><?xml version="1.0" encoding="utf-8"?>
 <p:sld xmlns:a="http://schemas.openxmlformats.org/drawingml/2006/main" xmlns:r="http://schemas.openxmlformats.org/officeDocument/2006/relationships" xmlns:p="http://schemas.openxmlformats.org/presentationml/2006/main">
   <p:cSld>
     <p:spTree>
@@ -20806,7 +21043,7 @@
 </p:sld>
 </file>
 
-<file path=ppt/slides/slide28.xml><?xml version="1.0" encoding="utf-8"?>
+<file path=ppt/slides/slide29.xml><?xml version="1.0" encoding="utf-8"?>
 <p:sld xmlns:a="http://schemas.openxmlformats.org/drawingml/2006/main" xmlns:r="http://schemas.openxmlformats.org/officeDocument/2006/relationships" xmlns:p="http://schemas.openxmlformats.org/presentationml/2006/main">
   <p:cSld>
     <p:spTree>
@@ -21703,7 +21940,89 @@
 </p:sld>
 </file>
 
-<file path=ppt/slides/slide29.xml><?xml version="1.0" encoding="utf-8"?>
+<file path=ppt/slides/slide3.xml><?xml version="1.0" encoding="utf-8"?>
+<p:sld xmlns:a="http://schemas.openxmlformats.org/drawingml/2006/main" xmlns:r="http://schemas.openxmlformats.org/officeDocument/2006/relationships" xmlns:p="http://schemas.openxmlformats.org/presentationml/2006/main">
+  <p:cSld>
+    <p:spTree>
+      <p:nvGrpSpPr>
+        <p:cNvPr id="1" name=""/>
+        <p:cNvGrpSpPr/>
+        <p:nvPr/>
+      </p:nvGrpSpPr>
+      <p:grpSpPr>
+        <a:xfrm>
+          <a:off x="0" y="0"/>
+          <a:ext cx="0" cy="0"/>
+          <a:chOff x="0" y="0"/>
+          <a:chExt cx="0" cy="0"/>
+        </a:xfrm>
+      </p:grpSpPr>
+      <p:sp>
+        <p:nvSpPr>
+          <p:cNvPr id="4" name="タイトル 1"/>
+          <p:cNvSpPr>
+            <a:spLocks noGrp="1"/>
+          </p:cNvSpPr>
+          <p:nvPr>
+            <p:ph type="title"/>
+          </p:nvPr>
+        </p:nvSpPr>
+        <p:spPr>
+          <a:xfrm>
+            <a:off x="360000" y="252000"/>
+            <a:ext cx="8424000" cy="360000"/>
+          </a:xfrm>
+          <a:noFill/>
+          <a:ln>
+            <a:solidFill>
+              <a:srgbClr val="FFFFFF"/>
+            </a:solidFill>
+          </a:ln>
+        </p:spPr>
+        <p:txBody>
+          <a:bodyPr>
+            <a:normAutofit fontScale="90000"/>
+          </a:bodyPr>
+          <a:lstStyle/>
+          <a:p>
+            <a:r>
+              <a:rPr lang="en-US" altLang="ja-JP" kern="0" dirty="0" smtClean="0">
+                <a:solidFill>
+                  <a:schemeClr val="accent1"/>
+                </a:solidFill>
+                <a:latin typeface="+mj-ea"/>
+                <a:ea typeface="+mj-ea"/>
+              </a:rPr>
+              <a:t>3 times</a:t>
+            </a:r>
+            <a:endParaRPr kumimoji="1" lang="ja-JP" altLang="en-US" dirty="0">
+              <a:latin typeface="+mj-ea"/>
+              <a:ea typeface="+mj-ea"/>
+            </a:endParaRPr>
+          </a:p>
+        </p:txBody>
+      </p:sp>
+    </p:spTree>
+    <p:extLst>
+      <p:ext uri="{BB962C8B-B14F-4D97-AF65-F5344CB8AC3E}">
+        <p14:creationId xmlns:p14="http://schemas.microsoft.com/office/powerpoint/2010/main" val="452196705"/>
+      </p:ext>
+    </p:extLst>
+  </p:cSld>
+  <p:clrMapOvr>
+    <a:masterClrMapping/>
+  </p:clrMapOvr>
+  <p:timing>
+    <p:tnLst>
+      <p:par>
+        <p:cTn id="1" dur="indefinite" restart="never" nodeType="tmRoot"/>
+      </p:par>
+    </p:tnLst>
+  </p:timing>
+</p:sld>
+</file>
+
+<file path=ppt/slides/slide30.xml><?xml version="1.0" encoding="utf-8"?>
 <p:sld xmlns:a="http://schemas.openxmlformats.org/drawingml/2006/main" xmlns:r="http://schemas.openxmlformats.org/officeDocument/2006/relationships" xmlns:p="http://schemas.openxmlformats.org/presentationml/2006/main">
   <p:cSld>
     <p:spTree>
@@ -22999,563 +23318,7 @@
 </p:sld>
 </file>
 
-<file path=ppt/slides/slide3.xml><?xml version="1.0" encoding="utf-8"?>
-<p:sld xmlns:a="http://schemas.openxmlformats.org/drawingml/2006/main" xmlns:r="http://schemas.openxmlformats.org/officeDocument/2006/relationships" xmlns:p="http://schemas.openxmlformats.org/presentationml/2006/main">
-  <p:cSld>
-    <p:spTree>
-      <p:nvGrpSpPr>
-        <p:cNvPr id="1" name=""/>
-        <p:cNvGrpSpPr/>
-        <p:nvPr/>
-      </p:nvGrpSpPr>
-      <p:grpSpPr>
-        <a:xfrm>
-          <a:off x="0" y="0"/>
-          <a:ext cx="0" cy="0"/>
-          <a:chOff x="0" y="0"/>
-          <a:chExt cx="0" cy="0"/>
-        </a:xfrm>
-      </p:grpSpPr>
-      <p:pic>
-        <p:nvPicPr>
-          <p:cNvPr id="6" name="Picture 2" descr="C:\Users\hiroyuki.a.ito\Pictures\00_Card\jenkins\jenkins.png"/>
-          <p:cNvPicPr>
-            <a:picLocks noChangeAspect="1" noChangeArrowheads="1"/>
-          </p:cNvPicPr>
-          <p:nvPr/>
-        </p:nvPicPr>
-        <p:blipFill>
-          <a:blip r:embed="rId3">
-            <a:extLst>
-              <a:ext uri="{28A0092B-C50C-407E-A947-70E740481C1C}">
-                <a14:useLocalDpi xmlns:a14="http://schemas.microsoft.com/office/drawing/2010/main" val="0"/>
-              </a:ext>
-            </a:extLst>
-          </a:blip>
-          <a:srcRect/>
-          <a:stretch>
-            <a:fillRect/>
-          </a:stretch>
-        </p:blipFill>
-        <p:spPr bwMode="auto">
-          <a:xfrm flipH="1">
-            <a:off x="351255" y="1059767"/>
-            <a:ext cx="1763728" cy="1763728"/>
-          </a:xfrm>
-          <a:prstGeom prst="rect">
-            <a:avLst/>
-          </a:prstGeom>
-          <a:noFill/>
-          <a:ln>
-            <a:solidFill>
-              <a:schemeClr val="accent1"/>
-            </a:solidFill>
-          </a:ln>
-          <a:extLst>
-            <a:ext uri="{909E8E84-426E-40DD-AFC4-6F175D3DCCD1}">
-              <a14:hiddenFill xmlns:a14="http://schemas.microsoft.com/office/drawing/2010/main">
-                <a:solidFill>
-                  <a:srgbClr val="FFFFFF"/>
-                </a:solidFill>
-              </a14:hiddenFill>
-            </a:ext>
-          </a:extLst>
-        </p:spPr>
-      </p:pic>
-      <p:pic>
-        <p:nvPicPr>
-          <p:cNvPr id="9" name="Picture 4" descr="C:\Users\hiroyuki.a.ito\Pictures\TDD\cucumber_logo.png"/>
-          <p:cNvPicPr>
-            <a:picLocks noChangeAspect="1" noChangeArrowheads="1"/>
-          </p:cNvPicPr>
-          <p:nvPr/>
-        </p:nvPicPr>
-        <p:blipFill>
-          <a:blip r:embed="rId4">
-            <a:extLst>
-              <a:ext uri="{28A0092B-C50C-407E-A947-70E740481C1C}">
-                <a14:useLocalDpi xmlns:a14="http://schemas.microsoft.com/office/drawing/2010/main" val="0"/>
-              </a:ext>
-            </a:extLst>
-          </a:blip>
-          <a:srcRect/>
-          <a:stretch>
-            <a:fillRect/>
-          </a:stretch>
-        </p:blipFill>
-        <p:spPr bwMode="auto">
-          <a:xfrm>
-            <a:off x="118985" y="4903461"/>
-            <a:ext cx="4054182" cy="1233880"/>
-          </a:xfrm>
-          <a:prstGeom prst="rect">
-            <a:avLst/>
-          </a:prstGeom>
-          <a:solidFill>
-            <a:schemeClr val="bg1"/>
-          </a:solidFill>
-          <a:ln>
-            <a:solidFill>
-              <a:schemeClr val="accent1"/>
-            </a:solidFill>
-          </a:ln>
-          <a:extLst/>
-        </p:spPr>
-      </p:pic>
-      <p:grpSp>
-        <p:nvGrpSpPr>
-          <p:cNvPr id="12" name="グループ化 11"/>
-          <p:cNvGrpSpPr/>
-          <p:nvPr/>
-        </p:nvGrpSpPr>
-        <p:grpSpPr>
-          <a:xfrm>
-            <a:off x="1043608" y="2206555"/>
-            <a:ext cx="4176464" cy="1233880"/>
-            <a:chOff x="1167405" y="839445"/>
-            <a:chExt cx="6809191" cy="2011684"/>
-          </a:xfrm>
-        </p:grpSpPr>
-        <p:pic>
-          <p:nvPicPr>
-            <p:cNvPr id="10" name="Picture 2" descr="C:\Users\hiroyuki.a.ito\Pictures\TDD\TestFlight.png"/>
-            <p:cNvPicPr>
-              <a:picLocks noChangeAspect="1" noChangeArrowheads="1"/>
-            </p:cNvPicPr>
-            <p:nvPr/>
-          </p:nvPicPr>
-          <p:blipFill>
-            <a:blip r:embed="rId5" cstate="print">
-              <a:extLst>
-                <a:ext uri="{28A0092B-C50C-407E-A947-70E740481C1C}">
-                  <a14:useLocalDpi xmlns:a14="http://schemas.microsoft.com/office/drawing/2010/main" val="0"/>
-                </a:ext>
-              </a:extLst>
-            </a:blip>
-            <a:srcRect/>
-            <a:stretch>
-              <a:fillRect/>
-            </a:stretch>
-          </p:blipFill>
-          <p:spPr bwMode="auto">
-            <a:xfrm>
-              <a:off x="1167405" y="839445"/>
-              <a:ext cx="6705614" cy="2011684"/>
-            </a:xfrm>
-            <a:prstGeom prst="rect">
-              <a:avLst/>
-            </a:prstGeom>
-            <a:noFill/>
-            <a:ln>
-              <a:solidFill>
-                <a:schemeClr val="accent1"/>
-              </a:solidFill>
-            </a:ln>
-            <a:extLst>
-              <a:ext uri="{909E8E84-426E-40DD-AFC4-6F175D3DCCD1}">
-                <a14:hiddenFill xmlns:a14="http://schemas.microsoft.com/office/drawing/2010/main">
-                  <a:solidFill>
-                    <a:srgbClr val="FFFFFF"/>
-                  </a:solidFill>
-                </a14:hiddenFill>
-              </a:ext>
-            </a:extLst>
-          </p:spPr>
-        </p:pic>
-        <p:cxnSp>
-          <p:nvCxnSpPr>
-            <p:cNvPr id="11" name="直線コネクタ 10"/>
-            <p:cNvCxnSpPr/>
-            <p:nvPr/>
-          </p:nvCxnSpPr>
-          <p:spPr>
-            <a:xfrm>
-              <a:off x="3279825" y="2493359"/>
-              <a:ext cx="4696771" cy="0"/>
-            </a:xfrm>
-            <a:prstGeom prst="line">
-              <a:avLst/>
-            </a:prstGeom>
-            <a:ln w="25400">
-              <a:solidFill>
-                <a:schemeClr val="accent1"/>
-              </a:solidFill>
-              <a:tailEnd type="none"/>
-            </a:ln>
-            <a:effectLst>
-              <a:outerShdw blurRad="88900" dist="38100" dir="8100000" algn="ctr" rotWithShape="0">
-                <a:srgbClr val="000000">
-                  <a:alpha val="30000"/>
-                </a:srgbClr>
-              </a:outerShdw>
-            </a:effectLst>
-          </p:spPr>
-          <p:style>
-            <a:lnRef idx="1">
-              <a:schemeClr val="accent1"/>
-            </a:lnRef>
-            <a:fillRef idx="0">
-              <a:schemeClr val="accent1"/>
-            </a:fillRef>
-            <a:effectRef idx="0">
-              <a:schemeClr val="accent1"/>
-            </a:effectRef>
-            <a:fontRef idx="minor">
-              <a:schemeClr val="tx1"/>
-            </a:fontRef>
-          </p:style>
-        </p:cxnSp>
-      </p:grpSp>
-      <p:pic>
-        <p:nvPicPr>
-          <p:cNvPr id="13" name="Picture 2" descr="C:\Users\hiroyuki.a.ito\Pictures\TDD\mockito_logo.jpg"/>
-          <p:cNvPicPr>
-            <a:picLocks noChangeAspect="1" noChangeArrowheads="1"/>
-          </p:cNvPicPr>
-          <p:nvPr/>
-        </p:nvPicPr>
-        <p:blipFill>
-          <a:blip r:embed="rId6">
-            <a:extLst>
-              <a:ext uri="{28A0092B-C50C-407E-A947-70E740481C1C}">
-                <a14:useLocalDpi xmlns:a14="http://schemas.microsoft.com/office/drawing/2010/main" val="0"/>
-              </a:ext>
-            </a:extLst>
-          </a:blip>
-          <a:srcRect/>
-          <a:stretch>
-            <a:fillRect/>
-          </a:stretch>
-        </p:blipFill>
-        <p:spPr bwMode="auto">
-          <a:xfrm>
-            <a:off x="2220634" y="3050724"/>
-            <a:ext cx="3118078" cy="1446716"/>
-          </a:xfrm>
-          <a:prstGeom prst="rect">
-            <a:avLst/>
-          </a:prstGeom>
-          <a:noFill/>
-          <a:ln>
-            <a:solidFill>
-              <a:schemeClr val="accent1"/>
-            </a:solidFill>
-          </a:ln>
-          <a:extLst>
-            <a:ext uri="{909E8E84-426E-40DD-AFC4-6F175D3DCCD1}">
-              <a14:hiddenFill xmlns:a14="http://schemas.microsoft.com/office/drawing/2010/main">
-                <a:solidFill>
-                  <a:srgbClr val="FFFFFF"/>
-                </a:solidFill>
-              </a14:hiddenFill>
-            </a:ext>
-          </a:extLst>
-        </p:spPr>
-      </p:pic>
-      <p:pic>
-        <p:nvPicPr>
-          <p:cNvPr id="14" name="Picture 3" descr="C:\Users\hiroyuki.a.ito\Pictures\TDD\robolectric_logo.png"/>
-          <p:cNvPicPr>
-            <a:picLocks noChangeAspect="1" noChangeArrowheads="1"/>
-          </p:cNvPicPr>
-          <p:nvPr/>
-        </p:nvPicPr>
-        <p:blipFill>
-          <a:blip r:embed="rId7">
-            <a:extLst>
-              <a:ext uri="{28A0092B-C50C-407E-A947-70E740481C1C}">
-                <a14:useLocalDpi xmlns:a14="http://schemas.microsoft.com/office/drawing/2010/main" val="0"/>
-              </a:ext>
-            </a:extLst>
-          </a:blip>
-          <a:srcRect/>
-          <a:stretch>
-            <a:fillRect/>
-          </a:stretch>
-        </p:blipFill>
-        <p:spPr bwMode="auto">
-          <a:xfrm>
-            <a:off x="24926" y="3000121"/>
-            <a:ext cx="2520280" cy="2520280"/>
-          </a:xfrm>
-          <a:prstGeom prst="rect">
-            <a:avLst/>
-          </a:prstGeom>
-          <a:noFill/>
-          <a:ln>
-            <a:solidFill>
-              <a:schemeClr val="accent1"/>
-            </a:solidFill>
-          </a:ln>
-          <a:extLst>
-            <a:ext uri="{909E8E84-426E-40DD-AFC4-6F175D3DCCD1}">
-              <a14:hiddenFill xmlns:a14="http://schemas.microsoft.com/office/drawing/2010/main">
-                <a:solidFill>
-                  <a:srgbClr val="FFFFFF"/>
-                </a:solidFill>
-              </a14:hiddenFill>
-            </a:ext>
-          </a:extLst>
-        </p:spPr>
-      </p:pic>
-      <p:sp>
-        <p:nvSpPr>
-          <p:cNvPr id="17" name="タイトル 1"/>
-          <p:cNvSpPr>
-            <a:spLocks noGrp="1"/>
-          </p:cNvSpPr>
-          <p:nvPr>
-            <p:ph type="title"/>
-          </p:nvPr>
-        </p:nvSpPr>
-        <p:spPr>
-          <a:xfrm>
-            <a:off x="360000" y="252000"/>
-            <a:ext cx="8424000" cy="360000"/>
-          </a:xfrm>
-          <a:solidFill>
-            <a:srgbClr val="92D050"/>
-          </a:solidFill>
-          <a:ln>
-            <a:solidFill>
-              <a:srgbClr val="FFFFFF"/>
-            </a:solidFill>
-          </a:ln>
-        </p:spPr>
-        <p:txBody>
-          <a:bodyPr>
-            <a:normAutofit fontScale="90000"/>
-          </a:bodyPr>
-          <a:lstStyle/>
-          <a:p>
-            <a:r>
-              <a:rPr lang="en-US" altLang="ja-JP" kern="0" dirty="0" smtClean="0">
-                <a:solidFill>
-                  <a:schemeClr val="accent1"/>
-                </a:solidFill>
-                <a:latin typeface="+mn-lt"/>
-                <a:ea typeface="+mj-ea"/>
-              </a:rPr>
-              <a:t>Three Approaches</a:t>
-            </a:r>
-            <a:endParaRPr kumimoji="1" lang="ja-JP" altLang="en-US" dirty="0">
-              <a:latin typeface="+mn-lt"/>
-              <a:ea typeface="+mj-ea"/>
-            </a:endParaRPr>
-          </a:p>
-        </p:txBody>
-      </p:sp>
-      <p:sp>
-        <p:nvSpPr>
-          <p:cNvPr id="15" name="タイトル 2"/>
-          <p:cNvSpPr txBox="1">
-            <a:spLocks/>
-          </p:cNvSpPr>
-          <p:nvPr/>
-        </p:nvSpPr>
-        <p:spPr>
-          <a:xfrm>
-            <a:off x="2146076" y="1089044"/>
-            <a:ext cx="8424000" cy="1260000"/>
-          </a:xfrm>
-          <a:prstGeom prst="rect">
-            <a:avLst/>
-          </a:prstGeom>
-          <a:noFill/>
-          <a:ln>
-            <a:solidFill>
-              <a:schemeClr val="accent1"/>
-            </a:solidFill>
-          </a:ln>
-        </p:spPr>
-        <p:txBody>
-          <a:bodyPr anchor="t" anchorCtr="0">
-            <a:noAutofit/>
-          </a:bodyPr>
-          <a:lstStyle>
-            <a:lvl1pPr algn="ctr" defTabSz="914400" rtl="0" eaLnBrk="1" latinLnBrk="0" hangingPunct="1">
-              <a:spcBef>
-                <a:spcPct val="0"/>
-              </a:spcBef>
-              <a:buNone/>
-              <a:defRPr kumimoji="1" sz="2800" b="1" kern="1200" baseline="0">
-                <a:solidFill>
-                  <a:srgbClr val="C00000"/>
-                </a:solidFill>
-                <a:latin typeface="Arial" pitchFamily="34" charset="0"/>
-                <a:ea typeface="ＭＳ Ｐゴシック" pitchFamily="50" charset="-128"/>
-                <a:cs typeface="+mj-cs"/>
-              </a:defRPr>
-            </a:lvl1pPr>
-          </a:lstStyle>
-          <a:p>
-            <a:pPr algn="l"/>
-            <a:r>
-              <a:rPr lang="ja-JP" altLang="en-US" sz="2400" dirty="0" smtClean="0">
-                <a:solidFill>
-                  <a:schemeClr val="tx1"/>
-                </a:solidFill>
-                <a:latin typeface="+mn-lt"/>
-              </a:rPr>
-              <a:t>・</a:t>
-            </a:r>
-            <a:r>
-              <a:rPr lang="en-US" altLang="ja-JP" sz="2400" dirty="0" smtClean="0">
-                <a:solidFill>
-                  <a:srgbClr val="008000"/>
-                </a:solidFill>
-                <a:latin typeface="+mn-lt"/>
-              </a:rPr>
-              <a:t>Robolectric</a:t>
-            </a:r>
-            <a:r>
-              <a:rPr lang="en-US" altLang="ja-JP" sz="2400" b="0" dirty="0" smtClean="0">
-                <a:solidFill>
-                  <a:srgbClr val="000000"/>
-                </a:solidFill>
-                <a:latin typeface="+mn-lt"/>
-              </a:rPr>
-              <a:t> </a:t>
-            </a:r>
-            <a:r>
-              <a:rPr lang="ja-JP" altLang="en-US" sz="2400" b="0" dirty="0" smtClean="0">
-                <a:solidFill>
-                  <a:srgbClr val="000000"/>
-                </a:solidFill>
-                <a:latin typeface="+mn-lt"/>
-              </a:rPr>
-              <a:t>で、全ての</a:t>
-            </a:r>
-            <a:r>
-              <a:rPr lang="en-US" altLang="ja-JP" sz="2400" b="0" dirty="0" smtClean="0">
-                <a:solidFill>
-                  <a:srgbClr val="000000"/>
-                </a:solidFill>
-                <a:latin typeface="+mn-lt"/>
-              </a:rPr>
-              <a:t> UT </a:t>
-            </a:r>
-            <a:r>
-              <a:rPr lang="ja-JP" altLang="en-US" sz="2400" b="0" dirty="0" smtClean="0">
-                <a:solidFill>
-                  <a:srgbClr val="000000"/>
-                </a:solidFill>
-                <a:latin typeface="+mn-lt"/>
-              </a:rPr>
-              <a:t>を</a:t>
-            </a:r>
-            <a:r>
-              <a:rPr lang="en-US" altLang="ja-JP" sz="2400" b="0" dirty="0" smtClean="0">
-                <a:solidFill>
-                  <a:srgbClr val="000000"/>
-                </a:solidFill>
-                <a:latin typeface="+mn-lt"/>
-              </a:rPr>
-              <a:t> JVM </a:t>
-            </a:r>
-            <a:r>
-              <a:rPr lang="ja-JP" altLang="en-US" sz="2400" b="0" dirty="0" smtClean="0">
-                <a:solidFill>
-                  <a:srgbClr val="000000"/>
-                </a:solidFill>
-                <a:latin typeface="+mn-lt"/>
-              </a:rPr>
-              <a:t>上で実行</a:t>
-            </a:r>
-            <a:r>
-              <a:rPr lang="ja-JP" altLang="en-US" sz="2400" b="0" dirty="0">
-                <a:solidFill>
-                  <a:srgbClr val="000000"/>
-                </a:solidFill>
-                <a:latin typeface="+mn-lt"/>
-              </a:rPr>
-              <a:t>できる</a:t>
-            </a:r>
-            <a:r>
-              <a:rPr lang="ja-JP" altLang="en-US" sz="2400" b="0" dirty="0" smtClean="0">
-                <a:solidFill>
-                  <a:srgbClr val="000000"/>
-                </a:solidFill>
-                <a:latin typeface="+mn-lt"/>
-              </a:rPr>
-              <a:t>！</a:t>
-            </a:r>
-            <a:endParaRPr lang="en-US" altLang="ja-JP" sz="2400" b="0" dirty="0" smtClean="0">
-              <a:solidFill>
-                <a:srgbClr val="000000"/>
-              </a:solidFill>
-              <a:latin typeface="+mn-lt"/>
-            </a:endParaRPr>
-          </a:p>
-          <a:p>
-            <a:pPr marL="800100" lvl="1" indent="-342900">
-              <a:buFont typeface="Arial" pitchFamily="34" charset="0"/>
-              <a:buChar char="•"/>
-            </a:pPr>
-            <a:r>
-              <a:rPr lang="en-US" altLang="ja-JP" sz="2400" dirty="0">
-                <a:hlinkClick r:id="rId8"/>
-              </a:rPr>
-              <a:t>http://robolectric.org</a:t>
-            </a:r>
-            <a:r>
-              <a:rPr lang="en-US" altLang="ja-JP" sz="2400" dirty="0" smtClean="0">
-                <a:hlinkClick r:id="rId8"/>
-              </a:rPr>
-              <a:t>/</a:t>
-            </a:r>
-            <a:endParaRPr lang="en-US" altLang="ja-JP" sz="2400" dirty="0"/>
-          </a:p>
-          <a:p>
-            <a:pPr marL="800100" lvl="1" indent="-342900">
-              <a:buFont typeface="Arial" pitchFamily="34" charset="0"/>
-              <a:buChar char="•"/>
-            </a:pPr>
-            <a:r>
-              <a:rPr lang="en-US" altLang="ja-JP" sz="2400" dirty="0" smtClean="0">
-                <a:solidFill>
-                  <a:schemeClr val="tx1"/>
-                </a:solidFill>
-              </a:rPr>
-              <a:t>Emulator </a:t>
-            </a:r>
-            <a:r>
-              <a:rPr lang="ja-JP" altLang="en-US" sz="2400" dirty="0" smtClean="0">
-                <a:solidFill>
-                  <a:schemeClr val="tx1"/>
-                </a:solidFill>
-              </a:rPr>
-              <a:t>も実機も不要。</a:t>
-            </a:r>
-            <a:endParaRPr lang="en-US" altLang="ja-JP" sz="2400" dirty="0" smtClean="0">
-              <a:solidFill>
-                <a:schemeClr val="tx1"/>
-              </a:solidFill>
-            </a:endParaRPr>
-          </a:p>
-        </p:txBody>
-      </p:sp>
-    </p:spTree>
-    <p:extLst>
-      <p:ext uri="{BB962C8B-B14F-4D97-AF65-F5344CB8AC3E}">
-        <p14:creationId xmlns:p14="http://schemas.microsoft.com/office/powerpoint/2010/main" val="1453903427"/>
-      </p:ext>
-    </p:extLst>
-  </p:cSld>
-  <p:clrMapOvr>
-    <a:masterClrMapping/>
-  </p:clrMapOvr>
-  <p:timing>
-    <p:tnLst>
-      <p:par>
-        <p:cTn id="1" dur="indefinite" restart="never" nodeType="tmRoot"/>
-      </p:par>
-    </p:tnLst>
-  </p:timing>
-</p:sld>
-</file>
-
-<file path=ppt/slides/slide30.xml><?xml version="1.0" encoding="utf-8"?>
+<file path=ppt/slides/slide31.xml><?xml version="1.0" encoding="utf-8"?>
 <p:sld xmlns:a="http://schemas.openxmlformats.org/drawingml/2006/main" xmlns:r="http://schemas.openxmlformats.org/officeDocument/2006/relationships" xmlns:p="http://schemas.openxmlformats.org/presentationml/2006/main">
   <p:cSld>
     <p:spTree>
@@ -23907,7 +23670,7 @@
 </p:sld>
 </file>
 
-<file path=ppt/slides/slide31.xml><?xml version="1.0" encoding="utf-8"?>
+<file path=ppt/slides/slide32.xml><?xml version="1.0" encoding="utf-8"?>
 <p:sld xmlns:a="http://schemas.openxmlformats.org/drawingml/2006/main" xmlns:r="http://schemas.openxmlformats.org/officeDocument/2006/relationships" xmlns:p="http://schemas.openxmlformats.org/presentationml/2006/main">
   <p:cSld>
     <p:spTree>
@@ -25616,7 +25379,7 @@
 </p:sld>
 </file>
 
-<file path=ppt/slides/slide32.xml><?xml version="1.0" encoding="utf-8"?>
+<file path=ppt/slides/slide33.xml><?xml version="1.0" encoding="utf-8"?>
 <p:sld xmlns:a="http://schemas.openxmlformats.org/drawingml/2006/main" xmlns:r="http://schemas.openxmlformats.org/officeDocument/2006/relationships" xmlns:p="http://schemas.openxmlformats.org/presentationml/2006/main">
   <p:cSld>
     <p:spTree>
@@ -25737,7 +25500,7 @@
 </p:sld>
 </file>
 
-<file path=ppt/slides/slide33.xml><?xml version="1.0" encoding="utf-8"?>
+<file path=ppt/slides/slide34.xml><?xml version="1.0" encoding="utf-8"?>
 <p:sld xmlns:a="http://schemas.openxmlformats.org/drawingml/2006/main" xmlns:r="http://schemas.openxmlformats.org/officeDocument/2006/relationships" xmlns:p="http://schemas.openxmlformats.org/presentationml/2006/main">
   <p:cSld>
     <p:spTree>
@@ -27033,7 +26796,7 @@
 </p:sld>
 </file>
 
-<file path=ppt/slides/slide34.xml><?xml version="1.0" encoding="utf-8"?>
+<file path=ppt/slides/slide35.xml><?xml version="1.0" encoding="utf-8"?>
 <p:sld xmlns:a="http://schemas.openxmlformats.org/drawingml/2006/main" xmlns:r="http://schemas.openxmlformats.org/officeDocument/2006/relationships" xmlns:p="http://schemas.openxmlformats.org/presentationml/2006/main">
   <p:cSld>
     <p:spTree>
@@ -27258,7 +27021,7 @@
 </p:sld>
 </file>
 
-<file path=ppt/slides/slide35.xml><?xml version="1.0" encoding="utf-8"?>
+<file path=ppt/slides/slide36.xml><?xml version="1.0" encoding="utf-8"?>
 <p:sld xmlns:a="http://schemas.openxmlformats.org/drawingml/2006/main" xmlns:r="http://schemas.openxmlformats.org/officeDocument/2006/relationships" xmlns:p="http://schemas.openxmlformats.org/presentationml/2006/main">
   <p:cSld>
     <p:spTree>
@@ -27390,7 +27153,7 @@
 </p:sld>
 </file>
 
-<file path=ppt/slides/slide36.xml><?xml version="1.0" encoding="utf-8"?>
+<file path=ppt/slides/slide37.xml><?xml version="1.0" encoding="utf-8"?>
 <p:sld xmlns:a="http://schemas.openxmlformats.org/drawingml/2006/main" xmlns:r="http://schemas.openxmlformats.org/officeDocument/2006/relationships" xmlns:p="http://schemas.openxmlformats.org/presentationml/2006/main">
   <p:cSld>
     <p:spTree>
@@ -27556,7 +27319,7 @@
 </p:sld>
 </file>
 
-<file path=ppt/slides/slide37.xml><?xml version="1.0" encoding="utf-8"?>
+<file path=ppt/slides/slide38.xml><?xml version="1.0" encoding="utf-8"?>
 <p:sld xmlns:a="http://schemas.openxmlformats.org/drawingml/2006/main" xmlns:r="http://schemas.openxmlformats.org/officeDocument/2006/relationships" xmlns:p="http://schemas.openxmlformats.org/presentationml/2006/main">
   <p:cSld>
     <p:spTree>
@@ -27743,7 +27506,17 @@
                 <a:latin typeface="+mn-lt"/>
                 <a:ea typeface="+mj-ea"/>
               </a:rPr>
-              <a:t>Three Purposes</a:t>
+              <a:t>Three </a:t>
+            </a:r>
+            <a:r>
+              <a:rPr lang="en-US" altLang="ja-JP" kern="0" dirty="0" smtClean="0">
+                <a:solidFill>
+                  <a:schemeClr val="accent1"/>
+                </a:solidFill>
+                <a:latin typeface="+mn-lt"/>
+                <a:ea typeface="+mj-ea"/>
+              </a:rPr>
+              <a:t>Approaches</a:t>
             </a:r>
             <a:endParaRPr kumimoji="1" lang="ja-JP" altLang="en-US" dirty="0">
               <a:latin typeface="+mn-lt"/>
@@ -27762,8 +27535,8 @@
         </p:nvSpPr>
         <p:spPr>
           <a:xfrm>
-            <a:off x="2146076" y="1089044"/>
-            <a:ext cx="5738292" cy="1260000"/>
+            <a:off x="1702854" y="1089044"/>
+            <a:ext cx="5738292" cy="1080000"/>
           </a:xfrm>
           <a:prstGeom prst="rect">
             <a:avLst/>
@@ -27776,7 +27549,7 @@
           </a:ln>
         </p:spPr>
         <p:txBody>
-          <a:bodyPr anchor="t" anchorCtr="0">
+          <a:bodyPr anchor="ctr" anchorCtr="0">
             <a:noAutofit/>
           </a:bodyPr>
           <a:lstStyle>
@@ -27798,29 +27571,13 @@
           <a:p>
             <a:pPr algn="l"/>
             <a:r>
-              <a:rPr lang="ja-JP" altLang="en-US" sz="3200" b="0" dirty="0" smtClean="0">
-                <a:solidFill>
-                  <a:schemeClr val="tx1"/>
-                </a:solidFill>
+              <a:rPr lang="en-US" altLang="ja-JP" sz="4800" dirty="0" smtClean="0">
                 <a:latin typeface="+mj-ea"/>
                 <a:ea typeface="+mj-ea"/>
               </a:rPr>
-              <a:t>・</a:t>
-            </a:r>
-            <a:r>
-              <a:rPr lang="en-US" altLang="ja-JP" sz="3200" b="0" dirty="0" smtClean="0">
-                <a:solidFill>
-                  <a:schemeClr val="tx1"/>
-                </a:solidFill>
-                <a:latin typeface="+mj-ea"/>
-                <a:ea typeface="+mj-ea"/>
-              </a:rPr>
-              <a:t>Efficiency</a:t>
-            </a:r>
-            <a:endParaRPr lang="en-US" altLang="ja-JP" sz="3200" b="0" dirty="0" smtClean="0">
-              <a:solidFill>
-                <a:schemeClr val="tx1"/>
-              </a:solidFill>
+              <a:t>CI/CD</a:t>
+            </a:r>
+            <a:endParaRPr lang="en-US" altLang="ja-JP" sz="4800" dirty="0" smtClean="0">
               <a:latin typeface="+mj-ea"/>
               <a:ea typeface="+mj-ea"/>
             </a:endParaRPr>
@@ -27837,8 +27594,8 @@
         </p:nvSpPr>
         <p:spPr>
           <a:xfrm>
-            <a:off x="2146076" y="2823495"/>
-            <a:ext cx="5738292" cy="1260000"/>
+            <a:off x="1702854" y="2889122"/>
+            <a:ext cx="5738292" cy="1080000"/>
           </a:xfrm>
           <a:prstGeom prst="rect">
             <a:avLst/>
@@ -27851,7 +27608,7 @@
           </a:ln>
         </p:spPr>
         <p:txBody>
-          <a:bodyPr anchor="t" anchorCtr="0">
+          <a:bodyPr anchor="ctr" anchorCtr="0">
             <a:noAutofit/>
           </a:bodyPr>
           <a:lstStyle>
@@ -27873,29 +27630,13 @@
           <a:p>
             <a:pPr algn="l"/>
             <a:r>
-              <a:rPr lang="ja-JP" altLang="en-US" sz="3200" b="0" dirty="0" smtClean="0">
-                <a:solidFill>
-                  <a:schemeClr val="tx1"/>
-                </a:solidFill>
+              <a:rPr lang="en-US" altLang="ja-JP" sz="4800" dirty="0" smtClean="0">
                 <a:latin typeface="+mj-ea"/>
                 <a:ea typeface="+mj-ea"/>
               </a:rPr>
-              <a:t>・</a:t>
-            </a:r>
-            <a:r>
-              <a:rPr lang="en-US" altLang="ja-JP" sz="3200" b="0" dirty="0" smtClean="0">
-                <a:solidFill>
-                  <a:schemeClr val="tx1"/>
-                </a:solidFill>
-                <a:latin typeface="+mj-ea"/>
-                <a:ea typeface="+mj-ea"/>
-              </a:rPr>
-              <a:t>Learning</a:t>
-            </a:r>
-            <a:endParaRPr lang="en-US" altLang="ja-JP" sz="3200" b="0" dirty="0" smtClean="0">
-              <a:solidFill>
-                <a:schemeClr val="tx1"/>
-              </a:solidFill>
+              <a:t>TDD</a:t>
+            </a:r>
+            <a:endParaRPr lang="en-US" altLang="ja-JP" sz="4800" dirty="0" smtClean="0">
               <a:latin typeface="+mj-ea"/>
               <a:ea typeface="+mj-ea"/>
             </a:endParaRPr>
@@ -27912,8 +27653,8 @@
         </p:nvSpPr>
         <p:spPr>
           <a:xfrm>
-            <a:off x="2146076" y="5229200"/>
-            <a:ext cx="5738292" cy="1260000"/>
+            <a:off x="1702854" y="4689200"/>
+            <a:ext cx="5738292" cy="1080000"/>
           </a:xfrm>
           <a:prstGeom prst="rect">
             <a:avLst/>
@@ -27926,7 +27667,7 @@
           </a:ln>
         </p:spPr>
         <p:txBody>
-          <a:bodyPr anchor="t" anchorCtr="0">
+          <a:bodyPr anchor="ctr" anchorCtr="0">
             <a:noAutofit/>
           </a:bodyPr>
           <a:lstStyle>
@@ -27948,29 +27689,556 @@
           <a:p>
             <a:pPr algn="l"/>
             <a:r>
-              <a:rPr lang="ja-JP" altLang="en-US" sz="3200" b="0" dirty="0" smtClean="0">
-                <a:solidFill>
-                  <a:schemeClr val="tx1"/>
-                </a:solidFill>
+              <a:rPr lang="en-US" altLang="ja-JP" sz="4800" dirty="0" smtClean="0">
                 <a:latin typeface="+mj-ea"/>
                 <a:ea typeface="+mj-ea"/>
               </a:rPr>
-              <a:t>・</a:t>
-            </a:r>
-            <a:r>
-              <a:rPr lang="en-US" altLang="ja-JP" sz="3200" b="0" dirty="0" smtClean="0">
-                <a:solidFill>
-                  <a:schemeClr val="tx1"/>
-                </a:solidFill>
+              <a:t>BDD</a:t>
+            </a:r>
+            <a:endParaRPr lang="en-US" altLang="ja-JP" sz="4800" dirty="0" smtClean="0">
+              <a:latin typeface="+mj-ea"/>
+              <a:ea typeface="+mj-ea"/>
+            </a:endParaRPr>
+          </a:p>
+        </p:txBody>
+      </p:sp>
+      <p:pic>
+        <p:nvPicPr>
+          <p:cNvPr id="6" name="Picture 4" descr="C:\Users\hiroyuki.a.ito\Pictures\TDD\cucumber_logo.png"/>
+          <p:cNvPicPr>
+            <a:picLocks noChangeAspect="1" noChangeArrowheads="1"/>
+          </p:cNvPicPr>
+          <p:nvPr/>
+        </p:nvPicPr>
+        <p:blipFill>
+          <a:blip r:embed="rId3">
+            <a:extLst>
+              <a:ext uri="{28A0092B-C50C-407E-A947-70E740481C1C}">
+                <a14:useLocalDpi xmlns:a14="http://schemas.microsoft.com/office/drawing/2010/main" val="0"/>
+              </a:ext>
+            </a:extLst>
+          </a:blip>
+          <a:srcRect/>
+          <a:stretch>
+            <a:fillRect/>
+          </a:stretch>
+        </p:blipFill>
+        <p:spPr bwMode="auto">
+          <a:xfrm>
+            <a:off x="4788024" y="4645526"/>
+            <a:ext cx="3588919" cy="1092278"/>
+          </a:xfrm>
+          <a:prstGeom prst="rect">
+            <a:avLst/>
+          </a:prstGeom>
+          <a:solidFill>
+            <a:schemeClr val="bg1"/>
+          </a:solidFill>
+          <a:ln>
+            <a:solidFill>
+              <a:schemeClr val="accent1"/>
+            </a:solidFill>
+          </a:ln>
+          <a:extLst/>
+        </p:spPr>
+      </p:pic>
+      <p:pic>
+        <p:nvPicPr>
+          <p:cNvPr id="7" name="Picture 2" descr="C:\Users\hiroyuki.a.ito\Pictures\TDD\mockito_logo.jpg"/>
+          <p:cNvPicPr>
+            <a:picLocks noChangeAspect="1" noChangeArrowheads="1"/>
+          </p:cNvPicPr>
+          <p:nvPr/>
+        </p:nvPicPr>
+        <p:blipFill>
+          <a:blip r:embed="rId4">
+            <a:extLst>
+              <a:ext uri="{28A0092B-C50C-407E-A947-70E740481C1C}">
+                <a14:useLocalDpi xmlns:a14="http://schemas.microsoft.com/office/drawing/2010/main" val="0"/>
+              </a:ext>
+            </a:extLst>
+          </a:blip>
+          <a:srcRect/>
+          <a:stretch>
+            <a:fillRect/>
+          </a:stretch>
+        </p:blipFill>
+        <p:spPr bwMode="auto">
+          <a:xfrm>
+            <a:off x="6025922" y="2564545"/>
+            <a:ext cx="3118078" cy="1446716"/>
+          </a:xfrm>
+          <a:prstGeom prst="rect">
+            <a:avLst/>
+          </a:prstGeom>
+          <a:noFill/>
+          <a:ln>
+            <a:solidFill>
+              <a:schemeClr val="accent1"/>
+            </a:solidFill>
+          </a:ln>
+          <a:extLst>
+            <a:ext uri="{909E8E84-426E-40DD-AFC4-6F175D3DCCD1}">
+              <a14:hiddenFill xmlns:a14="http://schemas.microsoft.com/office/drawing/2010/main">
+                <a:solidFill>
+                  <a:srgbClr val="FFFFFF"/>
+                </a:solidFill>
+              </a14:hiddenFill>
+            </a:ext>
+          </a:extLst>
+        </p:spPr>
+      </p:pic>
+      <p:pic>
+        <p:nvPicPr>
+          <p:cNvPr id="8" name="Picture 3" descr="C:\Users\hiroyuki.a.ito\Pictures\TDD\robolectric_logo.png"/>
+          <p:cNvPicPr>
+            <a:picLocks noChangeAspect="1" noChangeArrowheads="1"/>
+          </p:cNvPicPr>
+          <p:nvPr/>
+        </p:nvPicPr>
+        <p:blipFill>
+          <a:blip r:embed="rId5">
+            <a:extLst>
+              <a:ext uri="{28A0092B-C50C-407E-A947-70E740481C1C}">
+                <a14:useLocalDpi xmlns:a14="http://schemas.microsoft.com/office/drawing/2010/main" val="0"/>
+              </a:ext>
+            </a:extLst>
+          </a:blip>
+          <a:srcRect/>
+          <a:stretch>
+            <a:fillRect/>
+          </a:stretch>
+        </p:blipFill>
+        <p:spPr bwMode="auto">
+          <a:xfrm>
+            <a:off x="4283968" y="2513942"/>
+            <a:ext cx="1851162" cy="1851162"/>
+          </a:xfrm>
+          <a:prstGeom prst="rect">
+            <a:avLst/>
+          </a:prstGeom>
+          <a:noFill/>
+          <a:ln>
+            <a:solidFill>
+              <a:schemeClr val="accent1"/>
+            </a:solidFill>
+          </a:ln>
+          <a:extLst>
+            <a:ext uri="{909E8E84-426E-40DD-AFC4-6F175D3DCCD1}">
+              <a14:hiddenFill xmlns:a14="http://schemas.microsoft.com/office/drawing/2010/main">
+                <a:solidFill>
+                  <a:srgbClr val="FFFFFF"/>
+                </a:solidFill>
+              </a14:hiddenFill>
+            </a:ext>
+          </a:extLst>
+        </p:spPr>
+      </p:pic>
+      <p:pic>
+        <p:nvPicPr>
+          <p:cNvPr id="9" name="Picture 2" descr="C:\Users\hiroyuki.a.ito\Pictures\00_Card\jenkins\jenkins.png"/>
+          <p:cNvPicPr>
+            <a:picLocks noChangeAspect="1" noChangeArrowheads="1"/>
+          </p:cNvPicPr>
+          <p:nvPr/>
+        </p:nvPicPr>
+        <p:blipFill>
+          <a:blip r:embed="rId6">
+            <a:extLst>
+              <a:ext uri="{28A0092B-C50C-407E-A947-70E740481C1C}">
+                <a14:useLocalDpi xmlns:a14="http://schemas.microsoft.com/office/drawing/2010/main" val="0"/>
+              </a:ext>
+            </a:extLst>
+          </a:blip>
+          <a:srcRect/>
+          <a:stretch>
+            <a:fillRect/>
+          </a:stretch>
+        </p:blipFill>
+        <p:spPr bwMode="auto">
+          <a:xfrm flipH="1">
+            <a:off x="4507379" y="764704"/>
+            <a:ext cx="1404340" cy="1404340"/>
+          </a:xfrm>
+          <a:prstGeom prst="rect">
+            <a:avLst/>
+          </a:prstGeom>
+          <a:noFill/>
+          <a:ln>
+            <a:solidFill>
+              <a:schemeClr val="accent1"/>
+            </a:solidFill>
+          </a:ln>
+          <a:extLst>
+            <a:ext uri="{909E8E84-426E-40DD-AFC4-6F175D3DCCD1}">
+              <a14:hiddenFill xmlns:a14="http://schemas.microsoft.com/office/drawing/2010/main">
+                <a:solidFill>
+                  <a:srgbClr val="FFFFFF"/>
+                </a:solidFill>
+              </a14:hiddenFill>
+            </a:ext>
+          </a:extLst>
+        </p:spPr>
+      </p:pic>
+      <p:grpSp>
+        <p:nvGrpSpPr>
+          <p:cNvPr id="10" name="グループ化 9"/>
+          <p:cNvGrpSpPr/>
+          <p:nvPr/>
+        </p:nvGrpSpPr>
+        <p:grpSpPr>
+          <a:xfrm>
+            <a:off x="5724128" y="1012104"/>
+            <a:ext cx="4176464" cy="1233880"/>
+            <a:chOff x="1167405" y="839445"/>
+            <a:chExt cx="6809191" cy="2011684"/>
+          </a:xfrm>
+        </p:grpSpPr>
+        <p:pic>
+          <p:nvPicPr>
+            <p:cNvPr id="11" name="Picture 2" descr="C:\Users\hiroyuki.a.ito\Pictures\TDD\TestFlight.png"/>
+            <p:cNvPicPr>
+              <a:picLocks noChangeAspect="1" noChangeArrowheads="1"/>
+            </p:cNvPicPr>
+            <p:nvPr/>
+          </p:nvPicPr>
+          <p:blipFill>
+            <a:blip r:embed="rId7" cstate="print">
+              <a:extLst>
+                <a:ext uri="{28A0092B-C50C-407E-A947-70E740481C1C}">
+                  <a14:useLocalDpi xmlns:a14="http://schemas.microsoft.com/office/drawing/2010/main" val="0"/>
+                </a:ext>
+              </a:extLst>
+            </a:blip>
+            <a:srcRect/>
+            <a:stretch>
+              <a:fillRect/>
+            </a:stretch>
+          </p:blipFill>
+          <p:spPr bwMode="auto">
+            <a:xfrm>
+              <a:off x="1167405" y="839445"/>
+              <a:ext cx="6705614" cy="2011684"/>
+            </a:xfrm>
+            <a:prstGeom prst="rect">
+              <a:avLst/>
+            </a:prstGeom>
+            <a:noFill/>
+            <a:ln>
+              <a:solidFill>
+                <a:schemeClr val="accent1"/>
+              </a:solidFill>
+            </a:ln>
+            <a:extLst>
+              <a:ext uri="{909E8E84-426E-40DD-AFC4-6F175D3DCCD1}">
+                <a14:hiddenFill xmlns:a14="http://schemas.microsoft.com/office/drawing/2010/main">
+                  <a:solidFill>
+                    <a:srgbClr val="FFFFFF"/>
+                  </a:solidFill>
+                </a14:hiddenFill>
+              </a:ext>
+            </a:extLst>
+          </p:spPr>
+        </p:pic>
+        <p:cxnSp>
+          <p:nvCxnSpPr>
+            <p:cNvPr id="12" name="直線コネクタ 11"/>
+            <p:cNvCxnSpPr/>
+            <p:nvPr/>
+          </p:nvCxnSpPr>
+          <p:spPr>
+            <a:xfrm>
+              <a:off x="3279825" y="2493359"/>
+              <a:ext cx="4696771" cy="0"/>
+            </a:xfrm>
+            <a:prstGeom prst="line">
+              <a:avLst/>
+            </a:prstGeom>
+            <a:ln w="25400">
+              <a:solidFill>
+                <a:schemeClr val="accent1"/>
+              </a:solidFill>
+              <a:tailEnd type="none"/>
+            </a:ln>
+            <a:effectLst>
+              <a:outerShdw blurRad="88900" dist="38100" dir="8100000" algn="ctr" rotWithShape="0">
+                <a:srgbClr val="000000">
+                  <a:alpha val="30000"/>
+                </a:srgbClr>
+              </a:outerShdw>
+            </a:effectLst>
+          </p:spPr>
+          <p:style>
+            <a:lnRef idx="1">
+              <a:schemeClr val="accent1"/>
+            </a:lnRef>
+            <a:fillRef idx="0">
+              <a:schemeClr val="accent1"/>
+            </a:fillRef>
+            <a:effectRef idx="0">
+              <a:schemeClr val="accent1"/>
+            </a:effectRef>
+            <a:fontRef idx="minor">
+              <a:schemeClr val="tx1"/>
+            </a:fontRef>
+          </p:style>
+        </p:cxnSp>
+      </p:grpSp>
+    </p:spTree>
+    <p:extLst>
+      <p:ext uri="{BB962C8B-B14F-4D97-AF65-F5344CB8AC3E}">
+        <p14:creationId xmlns:p14="http://schemas.microsoft.com/office/powerpoint/2010/main" val="3694035996"/>
+      </p:ext>
+    </p:extLst>
+  </p:cSld>
+  <p:clrMapOvr>
+    <a:masterClrMapping/>
+  </p:clrMapOvr>
+  <p:timing>
+    <p:tnLst>
+      <p:par>
+        <p:cTn id="1" dur="indefinite" restart="never" nodeType="tmRoot"/>
+      </p:par>
+    </p:tnLst>
+  </p:timing>
+</p:sld>
+</file>
+
+<file path=ppt/slides/slide5.xml><?xml version="1.0" encoding="utf-8"?>
+<p:sld xmlns:a="http://schemas.openxmlformats.org/drawingml/2006/main" xmlns:r="http://schemas.openxmlformats.org/officeDocument/2006/relationships" xmlns:p="http://schemas.openxmlformats.org/presentationml/2006/main">
+  <p:cSld>
+    <p:spTree>
+      <p:nvGrpSpPr>
+        <p:cNvPr id="1" name=""/>
+        <p:cNvGrpSpPr/>
+        <p:nvPr/>
+      </p:nvGrpSpPr>
+      <p:grpSpPr>
+        <a:xfrm>
+          <a:off x="0" y="0"/>
+          <a:ext cx="0" cy="0"/>
+          <a:chOff x="0" y="0"/>
+          <a:chExt cx="0" cy="0"/>
+        </a:xfrm>
+      </p:grpSpPr>
+      <p:sp>
+        <p:nvSpPr>
+          <p:cNvPr id="17" name="タイトル 1"/>
+          <p:cNvSpPr>
+            <a:spLocks noGrp="1"/>
+          </p:cNvSpPr>
+          <p:nvPr>
+            <p:ph type="title"/>
+          </p:nvPr>
+        </p:nvSpPr>
+        <p:spPr>
+          <a:xfrm>
+            <a:off x="360000" y="252000"/>
+            <a:ext cx="8424000" cy="360000"/>
+          </a:xfrm>
+          <a:solidFill>
+            <a:srgbClr val="92D050"/>
+          </a:solidFill>
+          <a:ln>
+            <a:solidFill>
+              <a:srgbClr val="FFFFFF"/>
+            </a:solidFill>
+          </a:ln>
+        </p:spPr>
+        <p:txBody>
+          <a:bodyPr>
+            <a:normAutofit fontScale="90000"/>
+          </a:bodyPr>
+          <a:lstStyle/>
+          <a:p>
+            <a:r>
+              <a:rPr lang="en-US" altLang="ja-JP" kern="0" dirty="0" smtClean="0">
+                <a:solidFill>
+                  <a:schemeClr val="accent1"/>
+                </a:solidFill>
+                <a:latin typeface="+mn-lt"/>
+                <a:ea typeface="+mj-ea"/>
+              </a:rPr>
+              <a:t>Three Purposes</a:t>
+            </a:r>
+            <a:endParaRPr kumimoji="1" lang="ja-JP" altLang="en-US" dirty="0">
+              <a:latin typeface="+mn-lt"/>
+              <a:ea typeface="+mj-ea"/>
+            </a:endParaRPr>
+          </a:p>
+        </p:txBody>
+      </p:sp>
+      <p:sp>
+        <p:nvSpPr>
+          <p:cNvPr id="15" name="タイトル 2"/>
+          <p:cNvSpPr txBox="1">
+            <a:spLocks/>
+          </p:cNvSpPr>
+          <p:nvPr/>
+        </p:nvSpPr>
+        <p:spPr>
+          <a:xfrm>
+            <a:off x="1702854" y="1089044"/>
+            <a:ext cx="5738292" cy="1080000"/>
+          </a:xfrm>
+          <a:prstGeom prst="rect">
+            <a:avLst/>
+          </a:prstGeom>
+          <a:noFill/>
+          <a:ln>
+            <a:solidFill>
+              <a:schemeClr val="accent1"/>
+            </a:solidFill>
+          </a:ln>
+        </p:spPr>
+        <p:txBody>
+          <a:bodyPr anchor="ctr" anchorCtr="0">
+            <a:noAutofit/>
+          </a:bodyPr>
+          <a:lstStyle>
+            <a:lvl1pPr algn="ctr" defTabSz="914400" rtl="0" eaLnBrk="1" latinLnBrk="0" hangingPunct="1">
+              <a:spcBef>
+                <a:spcPct val="0"/>
+              </a:spcBef>
+              <a:buNone/>
+              <a:defRPr kumimoji="1" sz="2800" b="1" kern="1200" baseline="0">
+                <a:solidFill>
+                  <a:srgbClr val="C00000"/>
+                </a:solidFill>
+                <a:latin typeface="Arial" pitchFamily="34" charset="0"/>
+                <a:ea typeface="ＭＳ Ｐゴシック" pitchFamily="50" charset="-128"/>
+                <a:cs typeface="+mj-cs"/>
+              </a:defRPr>
+            </a:lvl1pPr>
+          </a:lstStyle>
+          <a:p>
+            <a:pPr algn="l"/>
+            <a:r>
+              <a:rPr lang="en-US" altLang="ja-JP" sz="4800" dirty="0" smtClean="0">
                 <a:latin typeface="+mj-ea"/>
                 <a:ea typeface="+mj-ea"/>
               </a:rPr>
+              <a:t>Efficiency</a:t>
+            </a:r>
+            <a:endParaRPr lang="en-US" altLang="ja-JP" sz="4800" dirty="0" smtClean="0">
+              <a:latin typeface="+mj-ea"/>
+              <a:ea typeface="+mj-ea"/>
+            </a:endParaRPr>
+          </a:p>
+        </p:txBody>
+      </p:sp>
+      <p:sp>
+        <p:nvSpPr>
+          <p:cNvPr id="16" name="タイトル 2"/>
+          <p:cNvSpPr txBox="1">
+            <a:spLocks/>
+          </p:cNvSpPr>
+          <p:nvPr/>
+        </p:nvSpPr>
+        <p:spPr>
+          <a:xfrm>
+            <a:off x="1702854" y="2889122"/>
+            <a:ext cx="5738292" cy="1080000"/>
+          </a:xfrm>
+          <a:prstGeom prst="rect">
+            <a:avLst/>
+          </a:prstGeom>
+          <a:noFill/>
+          <a:ln>
+            <a:solidFill>
+              <a:schemeClr val="accent1"/>
+            </a:solidFill>
+          </a:ln>
+        </p:spPr>
+        <p:txBody>
+          <a:bodyPr anchor="ctr" anchorCtr="0">
+            <a:noAutofit/>
+          </a:bodyPr>
+          <a:lstStyle>
+            <a:lvl1pPr algn="ctr" defTabSz="914400" rtl="0" eaLnBrk="1" latinLnBrk="0" hangingPunct="1">
+              <a:spcBef>
+                <a:spcPct val="0"/>
+              </a:spcBef>
+              <a:buNone/>
+              <a:defRPr kumimoji="1" sz="2800" b="1" kern="1200" baseline="0">
+                <a:solidFill>
+                  <a:srgbClr val="C00000"/>
+                </a:solidFill>
+                <a:latin typeface="Arial" pitchFamily="34" charset="0"/>
+                <a:ea typeface="ＭＳ Ｐゴシック" pitchFamily="50" charset="-128"/>
+                <a:cs typeface="+mj-cs"/>
+              </a:defRPr>
+            </a:lvl1pPr>
+          </a:lstStyle>
+          <a:p>
+            <a:pPr algn="l"/>
+            <a:r>
+              <a:rPr lang="en-US" altLang="ja-JP" sz="4800" dirty="0" smtClean="0">
+                <a:latin typeface="+mj-ea"/>
+                <a:ea typeface="+mj-ea"/>
+              </a:rPr>
+              <a:t>Learning</a:t>
+            </a:r>
+            <a:endParaRPr lang="en-US" altLang="ja-JP" sz="4800" dirty="0" smtClean="0">
+              <a:latin typeface="+mj-ea"/>
+              <a:ea typeface="+mj-ea"/>
+            </a:endParaRPr>
+          </a:p>
+        </p:txBody>
+      </p:sp>
+      <p:sp>
+        <p:nvSpPr>
+          <p:cNvPr id="18" name="タイトル 2"/>
+          <p:cNvSpPr txBox="1">
+            <a:spLocks/>
+          </p:cNvSpPr>
+          <p:nvPr/>
+        </p:nvSpPr>
+        <p:spPr>
+          <a:xfrm>
+            <a:off x="1702854" y="4689200"/>
+            <a:ext cx="5738292" cy="1080000"/>
+          </a:xfrm>
+          <a:prstGeom prst="rect">
+            <a:avLst/>
+          </a:prstGeom>
+          <a:noFill/>
+          <a:ln>
+            <a:solidFill>
+              <a:schemeClr val="accent1"/>
+            </a:solidFill>
+          </a:ln>
+        </p:spPr>
+        <p:txBody>
+          <a:bodyPr anchor="ctr" anchorCtr="0">
+            <a:noAutofit/>
+          </a:bodyPr>
+          <a:lstStyle>
+            <a:lvl1pPr algn="ctr" defTabSz="914400" rtl="0" eaLnBrk="1" latinLnBrk="0" hangingPunct="1">
+              <a:spcBef>
+                <a:spcPct val="0"/>
+              </a:spcBef>
+              <a:buNone/>
+              <a:defRPr kumimoji="1" sz="2800" b="1" kern="1200" baseline="0">
+                <a:solidFill>
+                  <a:srgbClr val="C00000"/>
+                </a:solidFill>
+                <a:latin typeface="Arial" pitchFamily="34" charset="0"/>
+                <a:ea typeface="ＭＳ Ｐゴシック" pitchFamily="50" charset="-128"/>
+                <a:cs typeface="+mj-cs"/>
+              </a:defRPr>
+            </a:lvl1pPr>
+          </a:lstStyle>
+          <a:p>
+            <a:pPr algn="l"/>
+            <a:r>
+              <a:rPr lang="en-US" altLang="ja-JP" sz="4800" dirty="0" smtClean="0">
+                <a:latin typeface="+mj-ea"/>
+                <a:ea typeface="+mj-ea"/>
+              </a:rPr>
               <a:t>Collaboration</a:t>
             </a:r>
-            <a:endParaRPr lang="en-US" altLang="ja-JP" sz="3200" b="0" dirty="0" smtClean="0">
-              <a:solidFill>
-                <a:schemeClr val="tx1"/>
-              </a:solidFill>
+            <a:endParaRPr lang="en-US" altLang="ja-JP" sz="4800" dirty="0" smtClean="0">
               <a:latin typeface="+mj-ea"/>
               <a:ea typeface="+mj-ea"/>
             </a:endParaRPr>
@@ -27997,7 +28265,7 @@
 </p:sld>
 </file>
 
-<file path=ppt/slides/slide5.xml><?xml version="1.0" encoding="utf-8"?>
+<file path=ppt/slides/slide6.xml><?xml version="1.0" encoding="utf-8"?>
 <p:sld xmlns:a="http://schemas.openxmlformats.org/drawingml/2006/main" xmlns:r="http://schemas.openxmlformats.org/officeDocument/2006/relationships" xmlns:p="http://schemas.openxmlformats.org/presentationml/2006/main">
   <p:cSld>
     <p:spTree>
@@ -29282,7 +29550,7 @@
 </p:sld>
 </file>
 
-<file path=ppt/slides/slide6.xml><?xml version="1.0" encoding="utf-8"?>
+<file path=ppt/slides/slide7.xml><?xml version="1.0" encoding="utf-8"?>
 <p:sld xmlns:a="http://schemas.openxmlformats.org/drawingml/2006/main" xmlns:r="http://schemas.openxmlformats.org/officeDocument/2006/relationships" xmlns:p="http://schemas.openxmlformats.org/presentationml/2006/main">
   <p:cSld>
     <p:spTree>
@@ -30578,7 +30846,7 @@
 </p:sld>
 </file>
 
-<file path=ppt/slides/slide7.xml><?xml version="1.0" encoding="utf-8"?>
+<file path=ppt/slides/slide8.xml><?xml version="1.0" encoding="utf-8"?>
 <p:sld xmlns:a="http://schemas.openxmlformats.org/drawingml/2006/main" xmlns:r="http://schemas.openxmlformats.org/officeDocument/2006/relationships" xmlns:p="http://schemas.openxmlformats.org/presentationml/2006/main">
   <p:cSld>
     <p:spTree>
@@ -30701,7 +30969,7 @@
 </p:sld>
 </file>
 
-<file path=ppt/slides/slide8.xml><?xml version="1.0" encoding="utf-8"?>
+<file path=ppt/slides/slide9.xml><?xml version="1.0" encoding="utf-8"?>
 <p:sld xmlns:a="http://schemas.openxmlformats.org/drawingml/2006/main" xmlns:r="http://schemas.openxmlformats.org/officeDocument/2006/relationships" xmlns:p="http://schemas.openxmlformats.org/presentationml/2006/main">
   <p:cSld>
     <p:spTree>
@@ -30881,150 +31149,6 @@
     <p:extLst>
       <p:ext uri="{BB962C8B-B14F-4D97-AF65-F5344CB8AC3E}">
         <p14:creationId xmlns:p14="http://schemas.microsoft.com/office/powerpoint/2010/main" val="3752741527"/>
-      </p:ext>
-    </p:extLst>
-  </p:cSld>
-  <p:clrMapOvr>
-    <a:masterClrMapping/>
-  </p:clrMapOvr>
-  <p:timing>
-    <p:tnLst>
-      <p:par>
-        <p:cTn id="1" dur="indefinite" restart="never" nodeType="tmRoot"/>
-      </p:par>
-    </p:tnLst>
-  </p:timing>
-</p:sld>
-</file>
-
-<file path=ppt/slides/slide9.xml><?xml version="1.0" encoding="utf-8"?>
-<p:sld xmlns:a="http://schemas.openxmlformats.org/drawingml/2006/main" xmlns:r="http://schemas.openxmlformats.org/officeDocument/2006/relationships" xmlns:p="http://schemas.openxmlformats.org/presentationml/2006/main">
-  <p:cSld>
-    <p:spTree>
-      <p:nvGrpSpPr>
-        <p:cNvPr id="1" name=""/>
-        <p:cNvGrpSpPr/>
-        <p:nvPr/>
-      </p:nvGrpSpPr>
-      <p:grpSpPr>
-        <a:xfrm>
-          <a:off x="0" y="0"/>
-          <a:ext cx="0" cy="0"/>
-          <a:chOff x="0" y="0"/>
-          <a:chExt cx="0" cy="0"/>
-        </a:xfrm>
-      </p:grpSpPr>
-      <p:sp>
-        <p:nvSpPr>
-          <p:cNvPr id="7" name="タイトル 2"/>
-          <p:cNvSpPr txBox="1">
-            <a:spLocks/>
-          </p:cNvSpPr>
-          <p:nvPr/>
-        </p:nvSpPr>
-        <p:spPr>
-          <a:xfrm>
-            <a:off x="53752" y="1192412"/>
-            <a:ext cx="9036496" cy="4473176"/>
-          </a:xfrm>
-          <a:prstGeom prst="rect">
-            <a:avLst/>
-          </a:prstGeom>
-          <a:noFill/>
-          <a:ln>
-            <a:noFill/>
-          </a:ln>
-        </p:spPr>
-        <p:txBody>
-          <a:bodyPr anchor="ctr" anchorCtr="0">
-            <a:noAutofit/>
-          </a:bodyPr>
-          <a:lstStyle>
-            <a:lvl1pPr algn="ctr" defTabSz="914400" rtl="0" eaLnBrk="1" latinLnBrk="0" hangingPunct="1">
-              <a:spcBef>
-                <a:spcPct val="0"/>
-              </a:spcBef>
-              <a:buNone/>
-              <a:defRPr kumimoji="1" sz="2800" b="1" kern="1200" baseline="0">
-                <a:solidFill>
-                  <a:srgbClr val="C00000"/>
-                </a:solidFill>
-                <a:latin typeface="Arial" pitchFamily="34" charset="0"/>
-                <a:ea typeface="ＭＳ Ｐゴシック" pitchFamily="50" charset="-128"/>
-                <a:cs typeface="+mj-cs"/>
-              </a:defRPr>
-            </a:lvl1pPr>
-          </a:lstStyle>
-          <a:p>
-            <a:r>
-              <a:rPr lang="ja-JP" altLang="en-US" sz="9600" b="0" dirty="0" smtClean="0">
-                <a:solidFill>
-                  <a:srgbClr val="000000"/>
-                </a:solidFill>
-                <a:latin typeface="+mn-ea"/>
-                <a:ea typeface="+mn-ea"/>
-                <a:cs typeface="ＭＳ 明朝"/>
-              </a:rPr>
-              <a:t>私の</a:t>
-            </a:r>
-            <a:r>
-              <a:rPr lang="ja-JP" altLang="en-US" sz="9600" b="0" dirty="0" smtClean="0">
-                <a:solidFill>
-                  <a:schemeClr val="accent1"/>
-                </a:solidFill>
-                <a:latin typeface="+mn-ea"/>
-                <a:ea typeface="+mn-ea"/>
-                <a:cs typeface="ＭＳ 明朝"/>
-              </a:rPr>
-              <a:t>目</a:t>
-            </a:r>
-            <a:r>
-              <a:rPr lang="ja-JP" altLang="en-US" sz="9600" b="0" dirty="0" smtClean="0">
-                <a:solidFill>
-                  <a:srgbClr val="000000"/>
-                </a:solidFill>
-                <a:latin typeface="+mn-ea"/>
-                <a:ea typeface="+mn-ea"/>
-                <a:cs typeface="ＭＳ 明朝"/>
-              </a:rPr>
-              <a:t>から見た</a:t>
-            </a:r>
-            <a:endParaRPr lang="en-US" altLang="ja-JP" sz="9600" b="0" dirty="0" smtClean="0">
-              <a:solidFill>
-                <a:srgbClr val="000000"/>
-              </a:solidFill>
-              <a:latin typeface="+mn-ea"/>
-              <a:ea typeface="+mn-ea"/>
-              <a:cs typeface="ＭＳ 明朝"/>
-            </a:endParaRPr>
-          </a:p>
-          <a:p>
-            <a:r>
-              <a:rPr lang="ja-JP" altLang="en-US" sz="9600" b="0" dirty="0" smtClean="0">
-                <a:solidFill>
-                  <a:srgbClr val="000000"/>
-                </a:solidFill>
-                <a:latin typeface="+mn-ea"/>
-                <a:ea typeface="+mn-ea"/>
-                <a:cs typeface="ＭＳ 明朝"/>
-              </a:rPr>
-              <a:t>チーム状況</a:t>
-            </a:r>
-            <a:endParaRPr lang="en-US" altLang="ja-JP" sz="9600" b="0" dirty="0" smtClean="0">
-              <a:solidFill>
-                <a:srgbClr val="000000"/>
-              </a:solidFill>
-              <a:latin typeface="+mn-ea"/>
-              <a:ea typeface="+mn-ea"/>
-              <a:cs typeface="ＭＳ 明朝"/>
-            </a:endParaRPr>
-          </a:p>
-        </p:txBody>
-      </p:sp>
-    </p:spTree>
-    <p:extLst>
-      <p:ext uri="{BB962C8B-B14F-4D97-AF65-F5344CB8AC3E}">
-        <p14:creationId xmlns:p14="http://schemas.microsoft.com/office/powerpoint/2010/main" val="4029237450"/>
       </p:ext>
     </p:extLst>
   </p:cSld>
@@ -31646,12 +31770,9 @@
 </file>
 
 <file path=customXml/item1.xml><?xml version="1.0" encoding="utf-8"?>
-<?mso-contentType ?>
-<FormTemplates xmlns="http://schemas.microsoft.com/sharepoint/v3/contenttype/forms">
-  <Display>DocumentLibraryForm</Display>
-  <Edit>DocumentLibraryForm</Edit>
-  <New>DocumentLibraryForm</New>
-</FormTemplates>
+<p:properties xmlns:p="http://schemas.microsoft.com/office/2006/metadata/properties" xmlns:xsi="http://www.w3.org/2001/XMLSchema-instance">
+  <documentManagement/>
+</p:properties>
 </file>
 
 <file path=customXml/item2.xml><?xml version="1.0" encoding="utf-8"?>
@@ -31704,15 +31825,24 @@
 </file>
 
 <file path=customXml/item3.xml><?xml version="1.0" encoding="utf-8"?>
-<p:properties xmlns:p="http://schemas.microsoft.com/office/2006/metadata/properties" xmlns:xsi="http://www.w3.org/2001/XMLSchema-instance">
-  <documentManagement/>
-</p:properties>
+<?mso-contentType ?>
+<FormTemplates xmlns="http://schemas.microsoft.com/sharepoint/v3/contenttype/forms">
+  <Display>DocumentLibraryForm</Display>
+  <Edit>DocumentLibraryForm</Edit>
+  <New>DocumentLibraryForm</New>
+</FormTemplates>
 </file>
 
 <file path=customXml/itemProps1.xml><?xml version="1.0" encoding="utf-8"?>
-<ds:datastoreItem xmlns:ds="http://schemas.openxmlformats.org/officeDocument/2006/customXml" ds:itemID="{564C25D7-D27D-47E0-8384-6126C745CB52}">
+<ds:datastoreItem xmlns:ds="http://schemas.openxmlformats.org/officeDocument/2006/customXml" ds:itemID="{E52D75E9-7A55-4E2A-89EF-D6493A63AB07}">
   <ds:schemaRefs>
-    <ds:schemaRef ds:uri="http://schemas.microsoft.com/sharepoint/v3/contenttype/forms"/>
+    <ds:schemaRef ds:uri="http://purl.org/dc/elements/1.1/"/>
+    <ds:schemaRef ds:uri="http://schemas.microsoft.com/office/2006/metadata/properties"/>
+    <ds:schemaRef ds:uri="http://schemas.microsoft.com/office/2006/documentManagement/types"/>
+    <ds:schemaRef ds:uri="http://schemas.openxmlformats.org/package/2006/metadata/core-properties"/>
+    <ds:schemaRef ds:uri="http://purl.org/dc/dcmitype/"/>
+    <ds:schemaRef ds:uri="http://www.w3.org/XML/1998/namespace"/>
+    <ds:schemaRef ds:uri="http://purl.org/dc/terms/"/>
   </ds:schemaRefs>
 </ds:datastoreItem>
 </file>
@@ -31733,15 +31863,9 @@
 </file>
 
 <file path=customXml/itemProps3.xml><?xml version="1.0" encoding="utf-8"?>
-<ds:datastoreItem xmlns:ds="http://schemas.openxmlformats.org/officeDocument/2006/customXml" ds:itemID="{E52D75E9-7A55-4E2A-89EF-D6493A63AB07}">
+<ds:datastoreItem xmlns:ds="http://schemas.openxmlformats.org/officeDocument/2006/customXml" ds:itemID="{564C25D7-D27D-47E0-8384-6126C745CB52}">
   <ds:schemaRefs>
-    <ds:schemaRef ds:uri="http://schemas.microsoft.com/office/2006/documentManagement/types"/>
-    <ds:schemaRef ds:uri="http://purl.org/dc/dcmitype/"/>
-    <ds:schemaRef ds:uri="http://www.w3.org/XML/1998/namespace"/>
-    <ds:schemaRef ds:uri="http://purl.org/dc/terms/"/>
-    <ds:schemaRef ds:uri="http://schemas.microsoft.com/office/2006/metadata/properties"/>
-    <ds:schemaRef ds:uri="http://purl.org/dc/elements/1.1/"/>
-    <ds:schemaRef ds:uri="http://schemas.openxmlformats.org/package/2006/metadata/core-properties"/>
+    <ds:schemaRef ds:uri="http://schemas.microsoft.com/sharepoint/v3/contenttype/forms"/>
   </ds:schemaRefs>
 </ds:datastoreItem>
 </file>
--- a/presentations/TechnologyDrivenDevelopment.pptx
+++ b/presentations/TechnologyDrivenDevelopment.pptx
@@ -5,47 +5,50 @@
     <p:sldMasterId id="2147483648" r:id="rId4"/>
   </p:sldMasterIdLst>
   <p:notesMasterIdLst>
-    <p:notesMasterId r:id="rId43"/>
+    <p:notesMasterId r:id="rId46"/>
   </p:notesMasterIdLst>
   <p:sldIdLst>
     <p:sldId id="498" r:id="rId5"/>
     <p:sldId id="475" r:id="rId6"/>
     <p:sldId id="715" r:id="rId7"/>
-    <p:sldId id="714" r:id="rId8"/>
-    <p:sldId id="713" r:id="rId9"/>
-    <p:sldId id="480" r:id="rId10"/>
-    <p:sldId id="705" r:id="rId11"/>
-    <p:sldId id="694" r:id="rId12"/>
-    <p:sldId id="695" r:id="rId13"/>
-    <p:sldId id="696" r:id="rId14"/>
-    <p:sldId id="697" r:id="rId15"/>
-    <p:sldId id="698" r:id="rId16"/>
-    <p:sldId id="699" r:id="rId17"/>
-    <p:sldId id="700" r:id="rId18"/>
-    <p:sldId id="701" r:id="rId19"/>
-    <p:sldId id="702" r:id="rId20"/>
-    <p:sldId id="703" r:id="rId21"/>
-    <p:sldId id="704" r:id="rId22"/>
-    <p:sldId id="522" r:id="rId23"/>
-    <p:sldId id="619" r:id="rId24"/>
-    <p:sldId id="706" r:id="rId25"/>
-    <p:sldId id="711" r:id="rId26"/>
-    <p:sldId id="707" r:id="rId27"/>
-    <p:sldId id="690" r:id="rId28"/>
-    <p:sldId id="691" r:id="rId29"/>
-    <p:sldId id="692" r:id="rId30"/>
-    <p:sldId id="708" r:id="rId31"/>
-    <p:sldId id="693" r:id="rId32"/>
-    <p:sldId id="632" r:id="rId33"/>
-    <p:sldId id="709" r:id="rId34"/>
-    <p:sldId id="670" r:id="rId35"/>
-    <p:sldId id="656" r:id="rId36"/>
-    <p:sldId id="588" r:id="rId37"/>
-    <p:sldId id="710" r:id="rId38"/>
-    <p:sldId id="510" r:id="rId39"/>
-    <p:sldId id="555" r:id="rId40"/>
-    <p:sldId id="552" r:id="rId41"/>
-    <p:sldId id="680" r:id="rId42"/>
+    <p:sldId id="717" r:id="rId8"/>
+    <p:sldId id="716" r:id="rId9"/>
+    <p:sldId id="713" r:id="rId10"/>
+    <p:sldId id="718" r:id="rId11"/>
+    <p:sldId id="720" r:id="rId12"/>
+    <p:sldId id="480" r:id="rId13"/>
+    <p:sldId id="705" r:id="rId14"/>
+    <p:sldId id="694" r:id="rId15"/>
+    <p:sldId id="695" r:id="rId16"/>
+    <p:sldId id="696" r:id="rId17"/>
+    <p:sldId id="697" r:id="rId18"/>
+    <p:sldId id="698" r:id="rId19"/>
+    <p:sldId id="699" r:id="rId20"/>
+    <p:sldId id="700" r:id="rId21"/>
+    <p:sldId id="701" r:id="rId22"/>
+    <p:sldId id="702" r:id="rId23"/>
+    <p:sldId id="703" r:id="rId24"/>
+    <p:sldId id="704" r:id="rId25"/>
+    <p:sldId id="522" r:id="rId26"/>
+    <p:sldId id="619" r:id="rId27"/>
+    <p:sldId id="706" r:id="rId28"/>
+    <p:sldId id="711" r:id="rId29"/>
+    <p:sldId id="707" r:id="rId30"/>
+    <p:sldId id="690" r:id="rId31"/>
+    <p:sldId id="691" r:id="rId32"/>
+    <p:sldId id="692" r:id="rId33"/>
+    <p:sldId id="708" r:id="rId34"/>
+    <p:sldId id="693" r:id="rId35"/>
+    <p:sldId id="632" r:id="rId36"/>
+    <p:sldId id="709" r:id="rId37"/>
+    <p:sldId id="670" r:id="rId38"/>
+    <p:sldId id="656" r:id="rId39"/>
+    <p:sldId id="588" r:id="rId40"/>
+    <p:sldId id="710" r:id="rId41"/>
+    <p:sldId id="510" r:id="rId42"/>
+    <p:sldId id="555" r:id="rId43"/>
+    <p:sldId id="552" r:id="rId44"/>
+    <p:sldId id="680" r:id="rId45"/>
   </p:sldIdLst>
   <p:sldSz cx="9144000" cy="6858000" type="screen4x3"/>
   <p:notesSz cx="6807200" cy="9939338"/>
@@ -237,7 +240,7 @@
           <a:p>
             <a:fld id="{94AE22AB-730F-4C4B-A6E7-89E97B93078F}" type="datetimeFigureOut">
               <a:rPr kumimoji="1" lang="ja-JP" altLang="en-US" smtClean="0"/>
-              <a:t>2014/7/3</a:t>
+              <a:t>2014/7/4</a:t>
             </a:fld>
             <a:endParaRPr kumimoji="1" lang="ja-JP" altLang="en-US" dirty="0"/>
           </a:p>
@@ -680,21 +683,26 @@
           <a:bodyPr/>
           <a:lstStyle/>
           <a:p>
+            <a:pPr marL="0" marR="0" indent="0" algn="l" defTabSz="914400" rtl="0" eaLnBrk="1" fontAlgn="auto" latinLnBrk="0" hangingPunct="1">
+              <a:lnSpc>
+                <a:spcPct val="100000"/>
+              </a:lnSpc>
+              <a:spcBef>
+                <a:spcPts val="0"/>
+              </a:spcBef>
+              <a:spcAft>
+                <a:spcPts val="0"/>
+              </a:spcAft>
+              <a:buClrTx/>
+              <a:buSzTx/>
+              <a:buFontTx/>
+              <a:buNone/>
+              <a:tabLst/>
+              <a:defRPr/>
+            </a:pPr>
             <a:r>
               <a:rPr kumimoji="1" lang="en-US" altLang="ja-JP" baseline="0" dirty="0" smtClean="0"/>
-              <a:t>Next, I will explain the 3 approaches, CI/CD, TDD, and BDD.</a:t>
-            </a:r>
-          </a:p>
-          <a:p>
-            <a:r>
-              <a:rPr kumimoji="1" lang="en-US" altLang="ja-JP" baseline="0" dirty="0" smtClean="0"/>
-              <a:t>After that, I will talk about the problems, possibilities, and the future of Technology-Driven Development.</a:t>
-            </a:r>
-          </a:p>
-          <a:p>
-            <a:r>
-              <a:rPr kumimoji="1" lang="en-US" altLang="ja-JP" baseline="0" dirty="0" smtClean="0"/>
-              <a:t>At last I will conclude this report.</a:t>
+              <a:t>At first, I will talk about the conditions and the challenges of my project.</a:t>
             </a:r>
           </a:p>
         </p:txBody>
@@ -716,7 +724,7 @@
           <a:p>
             <a:fld id="{0D38E3F1-FAA5-4043-BB02-BBDB9D30AFA5}" type="slidenum">
               <a:rPr kumimoji="1" lang="ja-JP" altLang="en-US" smtClean="0"/>
-              <a:t>21</a:t>
+              <a:t>10</a:t>
             </a:fld>
             <a:endParaRPr kumimoji="1" lang="ja-JP" altLang="en-US" dirty="0"/>
           </a:p>
@@ -779,22 +787,147 @@
           <a:bodyPr/>
           <a:lstStyle/>
           <a:p>
-            <a:r>
-              <a:rPr kumimoji="1" lang="en-US" altLang="ja-JP" baseline="0" dirty="0" smtClean="0"/>
-              <a:t>Next, I will explain the 3 approaches, CI/CD, TDD, and BDD.</a:t>
-            </a:r>
+            <a:pPr marL="0" indent="0" algn="l">
+              <a:buFont typeface="Arial" panose="020B0604020202020204" pitchFamily="34" charset="0"/>
+              <a:buNone/>
+            </a:pPr>
+            <a:r>
+              <a:rPr lang="ja-JP" altLang="en-US" b="0" dirty="0" smtClean="0">
+                <a:solidFill>
+                  <a:srgbClr val="000000"/>
+                </a:solidFill>
+                <a:latin typeface="+mn-ea"/>
+              </a:rPr>
+              <a:t>私が支援したチームは、大きく３種類のメンバーで構成されていました。</a:t>
+            </a:r>
+            <a:endParaRPr lang="en-US" altLang="ja-JP" b="0" dirty="0" smtClean="0">
+              <a:solidFill>
+                <a:srgbClr val="000000"/>
+              </a:solidFill>
+              <a:latin typeface="+mn-ea"/>
+            </a:endParaRPr>
           </a:p>
           <a:p>
-            <a:r>
-              <a:rPr kumimoji="1" lang="en-US" altLang="ja-JP" baseline="0" dirty="0" smtClean="0"/>
-              <a:t>After that, I will talk about the problems, possibilities, and the future of Technology-Driven Development.</a:t>
-            </a:r>
+            <a:pPr marL="171450" indent="-171450" algn="l">
+              <a:buFont typeface="Arial" panose="020B0604020202020204" pitchFamily="34" charset="0"/>
+              <a:buChar char="•"/>
+            </a:pPr>
+            <a:r>
+              <a:rPr lang="ja-JP" altLang="en-US" b="0" dirty="0" smtClean="0">
+                <a:solidFill>
+                  <a:srgbClr val="000000"/>
+                </a:solidFill>
+                <a:latin typeface="+mn-ea"/>
+              </a:rPr>
+              <a:t>まず、売上などの営業的観点からプロダクトの方向性を決める「ビジネスアナリスト」</a:t>
+            </a:r>
+            <a:endParaRPr lang="en-US" altLang="ja-JP" b="0" dirty="0" smtClean="0">
+              <a:solidFill>
+                <a:srgbClr val="000000"/>
+              </a:solidFill>
+              <a:latin typeface="+mn-ea"/>
+            </a:endParaRPr>
           </a:p>
           <a:p>
-            <a:r>
-              <a:rPr kumimoji="1" lang="en-US" altLang="ja-JP" baseline="0" dirty="0" smtClean="0"/>
-              <a:t>At last I will conclude this report.</a:t>
-            </a:r>
+            <a:pPr marL="171450" indent="-171450" algn="l">
+              <a:buFont typeface="Arial" panose="020B0604020202020204" pitchFamily="34" charset="0"/>
+              <a:buChar char="•"/>
+            </a:pPr>
+            <a:r>
+              <a:rPr lang="ja-JP" altLang="en-US" b="0" dirty="0" smtClean="0">
+                <a:solidFill>
+                  <a:srgbClr val="000000"/>
+                </a:solidFill>
+                <a:latin typeface="+mn-ea"/>
+              </a:rPr>
+              <a:t>次に、見栄えや操作性の観点からプロダクトの方向性を決める「</a:t>
+            </a:r>
+            <a:r>
+              <a:rPr lang="en-US" altLang="ja-JP" b="0" dirty="0" smtClean="0">
+                <a:solidFill>
+                  <a:srgbClr val="000000"/>
+                </a:solidFill>
+                <a:latin typeface="+mn-ea"/>
+              </a:rPr>
+              <a:t>UI/UX </a:t>
+            </a:r>
+            <a:r>
+              <a:rPr lang="ja-JP" altLang="en-US" b="0" dirty="0" smtClean="0">
+                <a:solidFill>
+                  <a:srgbClr val="000000"/>
+                </a:solidFill>
+                <a:latin typeface="+mn-ea"/>
+              </a:rPr>
+              <a:t>デザイナー」</a:t>
+            </a:r>
+            <a:endParaRPr lang="en-US" altLang="ja-JP" b="0" dirty="0" smtClean="0">
+              <a:solidFill>
+                <a:srgbClr val="000000"/>
+              </a:solidFill>
+              <a:latin typeface="+mn-ea"/>
+            </a:endParaRPr>
+          </a:p>
+          <a:p>
+            <a:pPr marL="171450" indent="-171450" algn="l">
+              <a:buFont typeface="Arial" panose="020B0604020202020204" pitchFamily="34" charset="0"/>
+              <a:buChar char="•"/>
+            </a:pPr>
+            <a:r>
+              <a:rPr lang="ja-JP" altLang="en-US" b="0" dirty="0" smtClean="0">
+                <a:solidFill>
+                  <a:srgbClr val="000000"/>
+                </a:solidFill>
+                <a:latin typeface="+mn-ea"/>
+              </a:rPr>
+              <a:t>そして、開発・テスト・運用を担当する「</a:t>
+            </a:r>
+            <a:r>
+              <a:rPr kumimoji="1" lang="ja-JP" altLang="en-US" sz="1200" dirty="0" smtClean="0"/>
+              <a:t>開発者」</a:t>
+            </a:r>
+            <a:endParaRPr lang="en-US" altLang="ja-JP" b="0" dirty="0" smtClean="0">
+              <a:solidFill>
+                <a:srgbClr val="000000"/>
+              </a:solidFill>
+              <a:latin typeface="+mn-ea"/>
+            </a:endParaRPr>
+          </a:p>
+          <a:p>
+            <a:pPr marL="0" indent="0" algn="l">
+              <a:buFont typeface="Arial" panose="020B0604020202020204" pitchFamily="34" charset="0"/>
+              <a:buNone/>
+            </a:pPr>
+            <a:r>
+              <a:rPr lang="ja-JP" altLang="en-US" b="0" dirty="0" smtClean="0">
+                <a:solidFill>
+                  <a:srgbClr val="000000"/>
+                </a:solidFill>
+                <a:latin typeface="+mn-ea"/>
+              </a:rPr>
+              <a:t>私が支援したチームは、全員で１０人前後でした。</a:t>
+            </a:r>
+            <a:endParaRPr lang="en-US" altLang="ja-JP" b="0" dirty="0" smtClean="0">
+              <a:solidFill>
+                <a:srgbClr val="000000"/>
+              </a:solidFill>
+              <a:latin typeface="+mn-ea"/>
+            </a:endParaRPr>
+          </a:p>
+          <a:p>
+            <a:pPr marL="0" indent="0" algn="l">
+              <a:buFont typeface="Arial" panose="020B0604020202020204" pitchFamily="34" charset="0"/>
+              <a:buNone/>
+            </a:pPr>
+            <a:r>
+              <a:rPr lang="ja-JP" altLang="en-US" b="0" dirty="0" smtClean="0">
+                <a:solidFill>
+                  <a:srgbClr val="000000"/>
+                </a:solidFill>
+                <a:latin typeface="+mn-ea"/>
+              </a:rPr>
+              <a:t>私はこのチームに、アジャイルコーチとして参加しました。</a:t>
+            </a:r>
+            <a:endParaRPr kumimoji="1" lang="ja-JP" altLang="en-US" dirty="0"/>
           </a:p>
         </p:txBody>
       </p:sp>
@@ -815,7 +948,7 @@
           <a:p>
             <a:fld id="{0D38E3F1-FAA5-4043-BB02-BBDB9D30AFA5}" type="slidenum">
               <a:rPr kumimoji="1" lang="ja-JP" altLang="en-US" smtClean="0"/>
-              <a:t>23</a:t>
+              <a:t>22</a:t>
             </a:fld>
             <a:endParaRPr kumimoji="1" lang="ja-JP" altLang="en-US" dirty="0"/>
           </a:p>
@@ -824,7 +957,7 @@
     </p:spTree>
     <p:extLst>
       <p:ext uri="{BB962C8B-B14F-4D97-AF65-F5344CB8AC3E}">
-        <p14:creationId xmlns:p14="http://schemas.microsoft.com/office/powerpoint/2010/main" val="4222455853"/>
+        <p14:creationId xmlns:p14="http://schemas.microsoft.com/office/powerpoint/2010/main" val="3097568748"/>
       </p:ext>
     </p:extLst>
   </p:cSld>
@@ -878,22 +1011,98 @@
           <a:bodyPr/>
           <a:lstStyle/>
           <a:p>
-            <a:r>
-              <a:rPr kumimoji="1" lang="en-US" altLang="ja-JP" baseline="0" dirty="0" smtClean="0"/>
-              <a:t>Next, I will explain the 3 approaches, CI/CD, TDD, and BDD.</a:t>
+            <a:pPr marL="0" indent="0" algn="l">
+              <a:buFont typeface="Arial" panose="020B0604020202020204" pitchFamily="34" charset="0"/>
+              <a:buNone/>
+            </a:pPr>
+            <a:r>
+              <a:rPr kumimoji="1" lang="ja-JP" altLang="en-US" dirty="0" smtClean="0"/>
+              <a:t>次に、具体的なプロダクト開発の進め方についてご説明します</a:t>
+            </a:r>
+            <a:r>
+              <a:rPr kumimoji="1" lang="en-US" altLang="ja-JP" dirty="0" smtClean="0"/>
+              <a:t>…</a:t>
             </a:r>
           </a:p>
           <a:p>
-            <a:r>
-              <a:rPr kumimoji="1" lang="en-US" altLang="ja-JP" baseline="0" dirty="0" smtClean="0"/>
-              <a:t>After that, I will talk about the problems, possibilities, and the future of Technology-Driven Development.</a:t>
+            <a:pPr marL="0" indent="0" algn="l">
+              <a:buFont typeface="Arial" panose="020B0604020202020204" pitchFamily="34" charset="0"/>
+              <a:buNone/>
+            </a:pPr>
+            <a:r>
+              <a:rPr kumimoji="1" lang="ja-JP" altLang="en-US" dirty="0" smtClean="0"/>
+              <a:t>・まず、プロダクトとして何を作るべきか、ビジネスアナリストや </a:t>
+            </a:r>
+            <a:r>
+              <a:rPr kumimoji="1" lang="en-US" altLang="ja-JP" dirty="0" smtClean="0"/>
+              <a:t>UI/UX </a:t>
+            </a:r>
+            <a:r>
+              <a:rPr kumimoji="1" lang="ja-JP" altLang="en-US" dirty="0" smtClean="0"/>
+              <a:t>デザイナーから要望を募ります。これを「要件定義」と言います</a:t>
+            </a:r>
+            <a:r>
+              <a:rPr kumimoji="1" lang="en-US" altLang="ja-JP" dirty="0" smtClean="0"/>
+              <a:t>…</a:t>
             </a:r>
           </a:p>
           <a:p>
-            <a:r>
-              <a:rPr kumimoji="1" lang="en-US" altLang="ja-JP" baseline="0" dirty="0" smtClean="0"/>
-              <a:t>At last I will conclude this report.</a:t>
-            </a:r>
+            <a:pPr marL="0" indent="0" algn="l">
+              <a:buFont typeface="Arial" panose="020B0604020202020204" pitchFamily="34" charset="0"/>
+              <a:buNone/>
+            </a:pPr>
+            <a:r>
+              <a:rPr kumimoji="1" lang="ja-JP" altLang="en-US" dirty="0" smtClean="0"/>
+              <a:t>・次に、要件定義の内容に基づいて、開発者がプログラミングや単体・結合テストを行ないます</a:t>
+            </a:r>
+            <a:r>
+              <a:rPr kumimoji="1" lang="en-US" altLang="ja-JP" dirty="0" smtClean="0"/>
+              <a:t>…</a:t>
+            </a:r>
+          </a:p>
+          <a:p>
+            <a:pPr marL="0" indent="0" algn="l">
+              <a:buFont typeface="Arial" panose="020B0604020202020204" pitchFamily="34" charset="0"/>
+              <a:buNone/>
+            </a:pPr>
+            <a:r>
+              <a:rPr kumimoji="1" lang="ja-JP" altLang="en-US" dirty="0" smtClean="0"/>
+              <a:t>・そして、開発者がつくり上げたプロダクトを、ビジネスアナリストと</a:t>
+            </a:r>
+            <a:r>
+              <a:rPr kumimoji="1" lang="en-US" altLang="ja-JP" dirty="0" smtClean="0"/>
+              <a:t>UI/UX </a:t>
+            </a:r>
+            <a:r>
+              <a:rPr kumimoji="1" lang="ja-JP" altLang="en-US" dirty="0" smtClean="0"/>
+              <a:t>デザイナーが最終確認します</a:t>
+            </a:r>
+            <a:r>
+              <a:rPr kumimoji="1" lang="en-US" altLang="ja-JP" dirty="0" smtClean="0"/>
+              <a:t>…</a:t>
+            </a:r>
+          </a:p>
+          <a:p>
+            <a:pPr marL="0" indent="0" algn="l">
+              <a:buFont typeface="Arial" panose="020B0604020202020204" pitchFamily="34" charset="0"/>
+              <a:buNone/>
+            </a:pPr>
+            <a:r>
+              <a:rPr kumimoji="1" lang="ja-JP" altLang="en-US" dirty="0" smtClean="0"/>
+              <a:t>このサイクルを１ヶ月毎に繰り返すのが、基本的な流れです。</a:t>
+            </a:r>
+            <a:endParaRPr kumimoji="1" lang="en-US" altLang="ja-JP" dirty="0" smtClean="0"/>
+          </a:p>
+          <a:p>
+            <a:pPr marL="0" indent="0" algn="l">
+              <a:buFont typeface="Arial" panose="020B0604020202020204" pitchFamily="34" charset="0"/>
+              <a:buNone/>
+            </a:pPr>
+            <a:r>
+              <a:rPr kumimoji="1" lang="ja-JP" altLang="en-US" dirty="0" smtClean="0"/>
+              <a:t>またこのサイクルを、「スプリント」や「イテレーション」と呼称します。</a:t>
+            </a:r>
+            <a:endParaRPr kumimoji="1" lang="en-US" altLang="ja-JP" dirty="0" smtClean="0"/>
           </a:p>
         </p:txBody>
       </p:sp>
@@ -914,7 +1123,7 @@
           <a:p>
             <a:fld id="{0D38E3F1-FAA5-4043-BB02-BBDB9D30AFA5}" type="slidenum">
               <a:rPr kumimoji="1" lang="ja-JP" altLang="en-US" smtClean="0"/>
-              <a:t>27</a:t>
+              <a:t>23</a:t>
             </a:fld>
             <a:endParaRPr kumimoji="1" lang="ja-JP" altLang="en-US" dirty="0"/>
           </a:p>
@@ -923,7 +1132,7 @@
     </p:spTree>
     <p:extLst>
       <p:ext uri="{BB962C8B-B14F-4D97-AF65-F5344CB8AC3E}">
-        <p14:creationId xmlns:p14="http://schemas.microsoft.com/office/powerpoint/2010/main" val="4222455853"/>
+        <p14:creationId xmlns:p14="http://schemas.microsoft.com/office/powerpoint/2010/main" val="3097568748"/>
       </p:ext>
     </p:extLst>
   </p:cSld>
@@ -978,33 +1187,21 @@
           <a:lstStyle/>
           <a:p>
             <a:r>
-              <a:rPr kumimoji="1" lang="ja-JP" altLang="en-US" dirty="0" smtClean="0"/>
-              <a:t>ちなみに、こちらが </a:t>
-            </a:r>
-            <a:r>
-              <a:rPr kumimoji="1" lang="en-US" altLang="ja-JP" dirty="0" smtClean="0"/>
-              <a:t>ATDD </a:t>
-            </a:r>
-            <a:r>
-              <a:rPr kumimoji="1" lang="ja-JP" altLang="en-US" dirty="0" smtClean="0"/>
-              <a:t>のテストケースの例です。</a:t>
-            </a:r>
-            <a:endParaRPr kumimoji="1" lang="en-US" altLang="ja-JP" dirty="0" smtClean="0"/>
+              <a:rPr kumimoji="1" lang="en-US" altLang="ja-JP" baseline="0" dirty="0" smtClean="0"/>
+              <a:t>Next, I will explain the 3 approaches, CI/CD, TDD, and BDD.</a:t>
+            </a:r>
           </a:p>
           <a:p>
             <a:r>
-              <a:rPr kumimoji="1" lang="ja-JP" altLang="en-US" dirty="0" smtClean="0"/>
-              <a:t>私たちは、</a:t>
-            </a:r>
-            <a:r>
-              <a:rPr kumimoji="1" lang="en-US" altLang="ja-JP" dirty="0" smtClean="0"/>
-              <a:t>Cucumber </a:t>
-            </a:r>
-            <a:r>
-              <a:rPr kumimoji="1" lang="ja-JP" altLang="en-US" dirty="0" smtClean="0"/>
-              <a:t>というツールを活用して、受入テストの自動化を実現しました。</a:t>
-            </a:r>
-            <a:endParaRPr kumimoji="1" lang="ja-JP" altLang="en-US" dirty="0"/>
+              <a:rPr kumimoji="1" lang="en-US" altLang="ja-JP" baseline="0" dirty="0" smtClean="0"/>
+              <a:t>After that, I will talk about the problems, possibilities, and the future of Technology-Driven Development.</a:t>
+            </a:r>
+          </a:p>
+          <a:p>
+            <a:r>
+              <a:rPr kumimoji="1" lang="en-US" altLang="ja-JP" baseline="0" dirty="0" smtClean="0"/>
+              <a:t>At last I will conclude this report.</a:t>
+            </a:r>
           </a:p>
         </p:txBody>
       </p:sp>
@@ -1025,7 +1222,7 @@
           <a:p>
             <a:fld id="{0D38E3F1-FAA5-4043-BB02-BBDB9D30AFA5}" type="slidenum">
               <a:rPr kumimoji="1" lang="ja-JP" altLang="en-US" smtClean="0"/>
-              <a:t>29</a:t>
+              <a:t>24</a:t>
             </a:fld>
             <a:endParaRPr kumimoji="1" lang="ja-JP" altLang="en-US" dirty="0"/>
           </a:p>
@@ -1034,7 +1231,7 @@
     </p:spTree>
     <p:extLst>
       <p:ext uri="{BB962C8B-B14F-4D97-AF65-F5344CB8AC3E}">
-        <p14:creationId xmlns:p14="http://schemas.microsoft.com/office/powerpoint/2010/main" val="638183945"/>
+        <p14:creationId xmlns:p14="http://schemas.microsoft.com/office/powerpoint/2010/main" val="4222455853"/>
       </p:ext>
     </p:extLst>
   </p:cSld>
@@ -1090,7 +1287,19 @@
           <a:p>
             <a:r>
               <a:rPr kumimoji="1" lang="en-US" altLang="ja-JP" baseline="0" dirty="0" smtClean="0"/>
-              <a:t>Next, I will talk about the problems, possibilities, and the future of Technology-Driven Development.</a:t>
+              <a:t>Next, I will explain the 3 approaches, CI/CD, TDD, and BDD.</a:t>
+            </a:r>
+          </a:p>
+          <a:p>
+            <a:r>
+              <a:rPr kumimoji="1" lang="en-US" altLang="ja-JP" baseline="0" dirty="0" smtClean="0"/>
+              <a:t>After that, I will talk about the problems, possibilities, and the future of Technology-Driven Development.</a:t>
+            </a:r>
+          </a:p>
+          <a:p>
+            <a:r>
+              <a:rPr kumimoji="1" lang="en-US" altLang="ja-JP" baseline="0" dirty="0" smtClean="0"/>
+              <a:t>At last I will conclude this report.</a:t>
             </a:r>
           </a:p>
         </p:txBody>
@@ -1112,7 +1321,7 @@
           <a:p>
             <a:fld id="{0D38E3F1-FAA5-4043-BB02-BBDB9D30AFA5}" type="slidenum">
               <a:rPr kumimoji="1" lang="ja-JP" altLang="en-US" smtClean="0"/>
-              <a:t>30</a:t>
+              <a:t>26</a:t>
             </a:fld>
             <a:endParaRPr kumimoji="1" lang="ja-JP" altLang="en-US" dirty="0"/>
           </a:p>
@@ -1176,10 +1385,21 @@
           <a:lstStyle/>
           <a:p>
             <a:r>
-              <a:rPr kumimoji="1" lang="ja-JP" altLang="en-US" dirty="0" smtClean="0"/>
-              <a:t>また今の時代、現場を戦い抜くためには、自動化ツールをあらゆる局面で最大限に活用していくことが重要です。</a:t>
-            </a:r>
-            <a:endParaRPr kumimoji="1" lang="en-US" altLang="ja-JP" dirty="0" smtClean="0"/>
+              <a:rPr kumimoji="1" lang="en-US" altLang="ja-JP" baseline="0" dirty="0" smtClean="0"/>
+              <a:t>Next, I will explain the 3 approaches, CI/CD, TDD, and BDD.</a:t>
+            </a:r>
+          </a:p>
+          <a:p>
+            <a:r>
+              <a:rPr kumimoji="1" lang="en-US" altLang="ja-JP" baseline="0" dirty="0" smtClean="0"/>
+              <a:t>After that, I will talk about the problems, possibilities, and the future of Technology-Driven Development.</a:t>
+            </a:r>
+          </a:p>
+          <a:p>
+            <a:r>
+              <a:rPr kumimoji="1" lang="en-US" altLang="ja-JP" baseline="0" dirty="0" smtClean="0"/>
+              <a:t>At last I will conclude this report.</a:t>
+            </a:r>
           </a:p>
         </p:txBody>
       </p:sp>
@@ -1200,7 +1420,7 @@
           <a:p>
             <a:fld id="{0D38E3F1-FAA5-4043-BB02-BBDB9D30AFA5}" type="slidenum">
               <a:rPr kumimoji="1" lang="ja-JP" altLang="en-US" smtClean="0"/>
-              <a:t>31</a:t>
+              <a:t>30</a:t>
             </a:fld>
             <a:endParaRPr kumimoji="1" lang="ja-JP" altLang="en-US" dirty="0"/>
           </a:p>
@@ -1209,7 +1429,7 @@
     </p:spTree>
     <p:extLst>
       <p:ext uri="{BB962C8B-B14F-4D97-AF65-F5344CB8AC3E}">
-        <p14:creationId xmlns:p14="http://schemas.microsoft.com/office/powerpoint/2010/main" val="2965438642"/>
+        <p14:creationId xmlns:p14="http://schemas.microsoft.com/office/powerpoint/2010/main" val="4222455853"/>
       </p:ext>
     </p:extLst>
   </p:cSld>
@@ -1264,10 +1484,33 @@
           <a:lstStyle/>
           <a:p>
             <a:r>
-              <a:rPr lang="ja-JP" altLang="en-US" sz="1200" dirty="0" smtClean="0"/>
-              <a:t>また、問題がありそうな箇所、改善ができそうな箇所については数値計測を行い、その推移をみて行動し、成果を確認することを「何度も」「何度も」繰り返すことも重要です。</a:t>
+              <a:rPr kumimoji="1" lang="ja-JP" altLang="en-US" dirty="0" smtClean="0"/>
+              <a:t>ちなみに、こちらが </a:t>
+            </a:r>
+            <a:r>
+              <a:rPr kumimoji="1" lang="en-US" altLang="ja-JP" dirty="0" smtClean="0"/>
+              <a:t>ATDD </a:t>
+            </a:r>
+            <a:r>
+              <a:rPr kumimoji="1" lang="ja-JP" altLang="en-US" dirty="0" smtClean="0"/>
+              <a:t>のテストケースの例です。</a:t>
             </a:r>
             <a:endParaRPr kumimoji="1" lang="en-US" altLang="ja-JP" dirty="0" smtClean="0"/>
+          </a:p>
+          <a:p>
+            <a:r>
+              <a:rPr kumimoji="1" lang="ja-JP" altLang="en-US" dirty="0" smtClean="0"/>
+              <a:t>私たちは、</a:t>
+            </a:r>
+            <a:r>
+              <a:rPr kumimoji="1" lang="en-US" altLang="ja-JP" dirty="0" smtClean="0"/>
+              <a:t>Cucumber </a:t>
+            </a:r>
+            <a:r>
+              <a:rPr kumimoji="1" lang="ja-JP" altLang="en-US" dirty="0" smtClean="0"/>
+              <a:t>というツールを活用して、受入テストの自動化を実現しました。</a:t>
+            </a:r>
+            <a:endParaRPr kumimoji="1" lang="ja-JP" altLang="en-US" dirty="0"/>
           </a:p>
         </p:txBody>
       </p:sp>
@@ -1297,7 +1540,7 @@
     </p:spTree>
     <p:extLst>
       <p:ext uri="{BB962C8B-B14F-4D97-AF65-F5344CB8AC3E}">
-        <p14:creationId xmlns:p14="http://schemas.microsoft.com/office/powerpoint/2010/main" val="2478648550"/>
+        <p14:creationId xmlns:p14="http://schemas.microsoft.com/office/powerpoint/2010/main" val="638183945"/>
       </p:ext>
     </p:extLst>
   </p:cSld>
@@ -1352,10 +1595,9 @@
           <a:lstStyle/>
           <a:p>
             <a:r>
-              <a:rPr kumimoji="1" lang="ja-JP" altLang="en-US" dirty="0" smtClean="0"/>
-              <a:t>また、定期的に自分たちの 良いところ・課題・解決策を確認する「振り返り」というプラクティスを導入することも、チームの学習のプラスとなります。</a:t>
-            </a:r>
-            <a:endParaRPr kumimoji="1" lang="ja-JP" altLang="en-US" dirty="0"/>
+              <a:rPr kumimoji="1" lang="en-US" altLang="ja-JP" baseline="0" dirty="0" smtClean="0"/>
+              <a:t>Next, I will talk about the problems, possibilities, and the future of Technology-Driven Development.</a:t>
+            </a:r>
           </a:p>
         </p:txBody>
       </p:sp>
@@ -1385,7 +1627,7 @@
     </p:spTree>
     <p:extLst>
       <p:ext uri="{BB962C8B-B14F-4D97-AF65-F5344CB8AC3E}">
-        <p14:creationId xmlns:p14="http://schemas.microsoft.com/office/powerpoint/2010/main" val="1967552506"/>
+        <p14:creationId xmlns:p14="http://schemas.microsoft.com/office/powerpoint/2010/main" val="4222455853"/>
       </p:ext>
     </p:extLst>
   </p:cSld>
@@ -1440,9 +1682,10 @@
           <a:lstStyle/>
           <a:p>
             <a:r>
-              <a:rPr kumimoji="1" lang="en-US" altLang="ja-JP" baseline="0" dirty="0" smtClean="0"/>
-              <a:t>At last, conclusion of this report.</a:t>
-            </a:r>
+              <a:rPr kumimoji="1" lang="ja-JP" altLang="en-US" dirty="0" smtClean="0"/>
+              <a:t>また今の時代、現場を戦い抜くためには、自動化ツールをあらゆる局面で最大限に活用していくことが重要です。</a:t>
+            </a:r>
+            <a:endParaRPr kumimoji="1" lang="en-US" altLang="ja-JP" dirty="0" smtClean="0"/>
           </a:p>
         </p:txBody>
       </p:sp>
@@ -1472,7 +1715,7 @@
     </p:spTree>
     <p:extLst>
       <p:ext uri="{BB962C8B-B14F-4D97-AF65-F5344CB8AC3E}">
-        <p14:creationId xmlns:p14="http://schemas.microsoft.com/office/powerpoint/2010/main" val="4222455853"/>
+        <p14:creationId xmlns:p14="http://schemas.microsoft.com/office/powerpoint/2010/main" val="2965438642"/>
       </p:ext>
     </p:extLst>
   </p:cSld>
@@ -1527,38 +1770,10 @@
           <a:lstStyle/>
           <a:p>
             <a:r>
-              <a:rPr kumimoji="1" lang="ja-JP" altLang="en-US" dirty="0" smtClean="0"/>
-              <a:t>ここまでお話させていただいた内容は、</a:t>
+              <a:rPr lang="ja-JP" altLang="en-US" sz="1200" dirty="0" smtClean="0"/>
+              <a:t>また、問題がありそうな箇所、改善ができそうな箇所については数値計測を行い、その推移をみて行動し、成果を確認することを「何度も」「何度も」繰り返すことも重要です。</a:t>
             </a:r>
             <a:endParaRPr kumimoji="1" lang="en-US" altLang="ja-JP" dirty="0" smtClean="0"/>
-          </a:p>
-          <a:p>
-            <a:r>
-              <a:rPr kumimoji="1" lang="ja-JP" altLang="en-US" dirty="0" smtClean="0"/>
-              <a:t>いずれも私たちが現場の日々の現実に向き合い、</a:t>
-            </a:r>
-            <a:endParaRPr kumimoji="1" lang="en-US" altLang="ja-JP" dirty="0" smtClean="0"/>
-          </a:p>
-          <a:p>
-            <a:r>
-              <a:rPr kumimoji="1" lang="ja-JP" altLang="en-US" dirty="0" smtClean="0"/>
-              <a:t>試行錯誤を繰り返し、</a:t>
-            </a:r>
-            <a:endParaRPr kumimoji="1" lang="en-US" altLang="ja-JP" dirty="0" smtClean="0"/>
-          </a:p>
-          <a:p>
-            <a:r>
-              <a:rPr kumimoji="1" lang="ja-JP" altLang="en-US" dirty="0" smtClean="0"/>
-              <a:t>ようやく見つけた答えの１つです。</a:t>
-            </a:r>
-            <a:endParaRPr kumimoji="1" lang="en-US" altLang="ja-JP" dirty="0" smtClean="0"/>
-          </a:p>
-          <a:p>
-            <a:r>
-              <a:rPr kumimoji="1" lang="ja-JP" altLang="en-US" dirty="0" smtClean="0"/>
-              <a:t>すなわち、答えは現場にあります。</a:t>
-            </a:r>
-            <a:endParaRPr kumimoji="1" lang="ja-JP" altLang="en-US" dirty="0"/>
           </a:p>
         </p:txBody>
       </p:sp>
@@ -1588,7 +1803,7 @@
     </p:spTree>
     <p:extLst>
       <p:ext uri="{BB962C8B-B14F-4D97-AF65-F5344CB8AC3E}">
-        <p14:creationId xmlns:p14="http://schemas.microsoft.com/office/powerpoint/2010/main" val="1023739980"/>
+        <p14:creationId xmlns:p14="http://schemas.microsoft.com/office/powerpoint/2010/main" val="2478648550"/>
       </p:ext>
     </p:extLst>
   </p:cSld>
@@ -1746,7 +1961,7 @@
           <a:p>
             <a:r>
               <a:rPr kumimoji="1" lang="ja-JP" altLang="en-US" dirty="0" smtClean="0"/>
-              <a:t>この現場実践主義こそが、私が考える「リーン開発」であり「アジャイル」です。</a:t>
+              <a:t>また、定期的に自分たちの 良いところ・課題・解決策を確認する「振り返り」というプラクティスを導入することも、チームの学習のプラスとなります。</a:t>
             </a:r>
             <a:endParaRPr kumimoji="1" lang="ja-JP" altLang="en-US" dirty="0"/>
           </a:p>
@@ -1778,7 +1993,7 @@
     </p:spTree>
     <p:extLst>
       <p:ext uri="{BB962C8B-B14F-4D97-AF65-F5344CB8AC3E}">
-        <p14:creationId xmlns:p14="http://schemas.microsoft.com/office/powerpoint/2010/main" val="2965438642"/>
+        <p14:creationId xmlns:p14="http://schemas.microsoft.com/office/powerpoint/2010/main" val="1967552506"/>
       </p:ext>
     </p:extLst>
   </p:cSld>
@@ -1833,24 +2048,9 @@
           <a:lstStyle/>
           <a:p>
             <a:r>
-              <a:rPr kumimoji="1" lang="ja-JP" altLang="en-US" dirty="0" smtClean="0"/>
-              <a:t>是非皆さんには、</a:t>
-            </a:r>
-            <a:endParaRPr kumimoji="1" lang="en-US" altLang="ja-JP" dirty="0" smtClean="0"/>
-          </a:p>
-          <a:p>
-            <a:r>
-              <a:rPr kumimoji="1" lang="ja-JP" altLang="en-US" dirty="0" smtClean="0"/>
-              <a:t>現場で試行錯誤を繰り返しながら、</a:t>
-            </a:r>
-            <a:endParaRPr kumimoji="1" lang="en-US" altLang="ja-JP" dirty="0" smtClean="0"/>
-          </a:p>
-          <a:p>
-            <a:r>
-              <a:rPr kumimoji="1" lang="ja-JP" altLang="en-US" dirty="0" smtClean="0"/>
-              <a:t>自分の「リーン開発」と「アジャイル」を、そして自分の答えを見つけていただきたいと考えています。</a:t>
-            </a:r>
-            <a:endParaRPr kumimoji="1" lang="ja-JP" altLang="en-US" dirty="0"/>
+              <a:rPr kumimoji="1" lang="en-US" altLang="ja-JP" baseline="0" dirty="0" smtClean="0"/>
+              <a:t>At last, conclusion of this report.</a:t>
+            </a:r>
           </a:p>
         </p:txBody>
       </p:sp>
@@ -1880,7 +2080,7 @@
     </p:spTree>
     <p:extLst>
       <p:ext uri="{BB962C8B-B14F-4D97-AF65-F5344CB8AC3E}">
-        <p14:creationId xmlns:p14="http://schemas.microsoft.com/office/powerpoint/2010/main" val="520003850"/>
+        <p14:creationId xmlns:p14="http://schemas.microsoft.com/office/powerpoint/2010/main" val="4222455853"/>
       </p:ext>
     </p:extLst>
   </p:cSld>
@@ -1936,6 +2136,312 @@
           <a:p>
             <a:r>
               <a:rPr kumimoji="1" lang="ja-JP" altLang="en-US" dirty="0" smtClean="0"/>
+              <a:t>ここまでお話させていただいた内容は、</a:t>
+            </a:r>
+            <a:endParaRPr kumimoji="1" lang="en-US" altLang="ja-JP" dirty="0" smtClean="0"/>
+          </a:p>
+          <a:p>
+            <a:r>
+              <a:rPr kumimoji="1" lang="ja-JP" altLang="en-US" dirty="0" smtClean="0"/>
+              <a:t>いずれも私たちが現場の日々の現実に向き合い、</a:t>
+            </a:r>
+            <a:endParaRPr kumimoji="1" lang="en-US" altLang="ja-JP" dirty="0" smtClean="0"/>
+          </a:p>
+          <a:p>
+            <a:r>
+              <a:rPr kumimoji="1" lang="ja-JP" altLang="en-US" dirty="0" smtClean="0"/>
+              <a:t>試行錯誤を繰り返し、</a:t>
+            </a:r>
+            <a:endParaRPr kumimoji="1" lang="en-US" altLang="ja-JP" dirty="0" smtClean="0"/>
+          </a:p>
+          <a:p>
+            <a:r>
+              <a:rPr kumimoji="1" lang="ja-JP" altLang="en-US" dirty="0" smtClean="0"/>
+              <a:t>ようやく見つけた答えの１つです。</a:t>
+            </a:r>
+            <a:endParaRPr kumimoji="1" lang="en-US" altLang="ja-JP" dirty="0" smtClean="0"/>
+          </a:p>
+          <a:p>
+            <a:r>
+              <a:rPr kumimoji="1" lang="ja-JP" altLang="en-US" dirty="0" smtClean="0"/>
+              <a:t>すなわち、答えは現場にあります。</a:t>
+            </a:r>
+            <a:endParaRPr kumimoji="1" lang="ja-JP" altLang="en-US" dirty="0"/>
+          </a:p>
+        </p:txBody>
+      </p:sp>
+      <p:sp>
+        <p:nvSpPr>
+          <p:cNvPr id="4" name="スライド番号プレースホルダー 3"/>
+          <p:cNvSpPr>
+            <a:spLocks noGrp="1"/>
+          </p:cNvSpPr>
+          <p:nvPr>
+            <p:ph type="sldNum" sz="quarter" idx="10"/>
+          </p:nvPr>
+        </p:nvSpPr>
+        <p:spPr/>
+        <p:txBody>
+          <a:bodyPr/>
+          <a:lstStyle/>
+          <a:p>
+            <a:fld id="{0D38E3F1-FAA5-4043-BB02-BBDB9D30AFA5}" type="slidenum">
+              <a:rPr kumimoji="1" lang="ja-JP" altLang="en-US" smtClean="0"/>
+              <a:t>38</a:t>
+            </a:fld>
+            <a:endParaRPr kumimoji="1" lang="ja-JP" altLang="en-US" dirty="0"/>
+          </a:p>
+        </p:txBody>
+      </p:sp>
+    </p:spTree>
+    <p:extLst>
+      <p:ext uri="{BB962C8B-B14F-4D97-AF65-F5344CB8AC3E}">
+        <p14:creationId xmlns:p14="http://schemas.microsoft.com/office/powerpoint/2010/main" val="1023739980"/>
+      </p:ext>
+    </p:extLst>
+  </p:cSld>
+  <p:clrMapOvr>
+    <a:masterClrMapping/>
+  </p:clrMapOvr>
+</p:notes>
+</file>
+
+<file path=ppt/notesSlides/notesSlide23.xml><?xml version="1.0" encoding="utf-8"?>
+<p:notes xmlns:a="http://schemas.openxmlformats.org/drawingml/2006/main" xmlns:r="http://schemas.openxmlformats.org/officeDocument/2006/relationships" xmlns:p="http://schemas.openxmlformats.org/presentationml/2006/main">
+  <p:cSld>
+    <p:spTree>
+      <p:nvGrpSpPr>
+        <p:cNvPr id="1" name=""/>
+        <p:cNvGrpSpPr/>
+        <p:nvPr/>
+      </p:nvGrpSpPr>
+      <p:grpSpPr>
+        <a:xfrm>
+          <a:off x="0" y="0"/>
+          <a:ext cx="0" cy="0"/>
+          <a:chOff x="0" y="0"/>
+          <a:chExt cx="0" cy="0"/>
+        </a:xfrm>
+      </p:grpSpPr>
+      <p:sp>
+        <p:nvSpPr>
+          <p:cNvPr id="2" name="スライド イメージ プレースホルダー 1"/>
+          <p:cNvSpPr>
+            <a:spLocks noGrp="1" noRot="1" noChangeAspect="1"/>
+          </p:cNvSpPr>
+          <p:nvPr>
+            <p:ph type="sldImg"/>
+          </p:nvPr>
+        </p:nvSpPr>
+        <p:spPr/>
+      </p:sp>
+      <p:sp>
+        <p:nvSpPr>
+          <p:cNvPr id="3" name="ノート プレースホルダー 2"/>
+          <p:cNvSpPr>
+            <a:spLocks noGrp="1"/>
+          </p:cNvSpPr>
+          <p:nvPr>
+            <p:ph type="body" idx="1"/>
+          </p:nvPr>
+        </p:nvSpPr>
+        <p:spPr/>
+        <p:txBody>
+          <a:bodyPr/>
+          <a:lstStyle/>
+          <a:p>
+            <a:r>
+              <a:rPr kumimoji="1" lang="ja-JP" altLang="en-US" dirty="0" smtClean="0"/>
+              <a:t>この現場実践主義こそが、私が考える「リーン開発」であり「アジャイル」です。</a:t>
+            </a:r>
+            <a:endParaRPr kumimoji="1" lang="ja-JP" altLang="en-US" dirty="0"/>
+          </a:p>
+        </p:txBody>
+      </p:sp>
+      <p:sp>
+        <p:nvSpPr>
+          <p:cNvPr id="4" name="スライド番号プレースホルダー 3"/>
+          <p:cNvSpPr>
+            <a:spLocks noGrp="1"/>
+          </p:cNvSpPr>
+          <p:nvPr>
+            <p:ph type="sldNum" sz="quarter" idx="10"/>
+          </p:nvPr>
+        </p:nvSpPr>
+        <p:spPr/>
+        <p:txBody>
+          <a:bodyPr/>
+          <a:lstStyle/>
+          <a:p>
+            <a:fld id="{0D38E3F1-FAA5-4043-BB02-BBDB9D30AFA5}" type="slidenum">
+              <a:rPr kumimoji="1" lang="ja-JP" altLang="en-US" smtClean="0"/>
+              <a:t>39</a:t>
+            </a:fld>
+            <a:endParaRPr kumimoji="1" lang="ja-JP" altLang="en-US" dirty="0"/>
+          </a:p>
+        </p:txBody>
+      </p:sp>
+    </p:spTree>
+    <p:extLst>
+      <p:ext uri="{BB962C8B-B14F-4D97-AF65-F5344CB8AC3E}">
+        <p14:creationId xmlns:p14="http://schemas.microsoft.com/office/powerpoint/2010/main" val="2965438642"/>
+      </p:ext>
+    </p:extLst>
+  </p:cSld>
+  <p:clrMapOvr>
+    <a:masterClrMapping/>
+  </p:clrMapOvr>
+</p:notes>
+</file>
+
+<file path=ppt/notesSlides/notesSlide24.xml><?xml version="1.0" encoding="utf-8"?>
+<p:notes xmlns:a="http://schemas.openxmlformats.org/drawingml/2006/main" xmlns:r="http://schemas.openxmlformats.org/officeDocument/2006/relationships" xmlns:p="http://schemas.openxmlformats.org/presentationml/2006/main">
+  <p:cSld>
+    <p:spTree>
+      <p:nvGrpSpPr>
+        <p:cNvPr id="1" name=""/>
+        <p:cNvGrpSpPr/>
+        <p:nvPr/>
+      </p:nvGrpSpPr>
+      <p:grpSpPr>
+        <a:xfrm>
+          <a:off x="0" y="0"/>
+          <a:ext cx="0" cy="0"/>
+          <a:chOff x="0" y="0"/>
+          <a:chExt cx="0" cy="0"/>
+        </a:xfrm>
+      </p:grpSpPr>
+      <p:sp>
+        <p:nvSpPr>
+          <p:cNvPr id="2" name="スライド イメージ プレースホルダー 1"/>
+          <p:cNvSpPr>
+            <a:spLocks noGrp="1" noRot="1" noChangeAspect="1"/>
+          </p:cNvSpPr>
+          <p:nvPr>
+            <p:ph type="sldImg"/>
+          </p:nvPr>
+        </p:nvSpPr>
+        <p:spPr/>
+      </p:sp>
+      <p:sp>
+        <p:nvSpPr>
+          <p:cNvPr id="3" name="ノート プレースホルダー 2"/>
+          <p:cNvSpPr>
+            <a:spLocks noGrp="1"/>
+          </p:cNvSpPr>
+          <p:nvPr>
+            <p:ph type="body" idx="1"/>
+          </p:nvPr>
+        </p:nvSpPr>
+        <p:spPr/>
+        <p:txBody>
+          <a:bodyPr/>
+          <a:lstStyle/>
+          <a:p>
+            <a:r>
+              <a:rPr kumimoji="1" lang="ja-JP" altLang="en-US" dirty="0" smtClean="0"/>
+              <a:t>是非皆さんには、</a:t>
+            </a:r>
+            <a:endParaRPr kumimoji="1" lang="en-US" altLang="ja-JP" dirty="0" smtClean="0"/>
+          </a:p>
+          <a:p>
+            <a:r>
+              <a:rPr kumimoji="1" lang="ja-JP" altLang="en-US" dirty="0" smtClean="0"/>
+              <a:t>現場で試行錯誤を繰り返しながら、</a:t>
+            </a:r>
+            <a:endParaRPr kumimoji="1" lang="en-US" altLang="ja-JP" dirty="0" smtClean="0"/>
+          </a:p>
+          <a:p>
+            <a:r>
+              <a:rPr kumimoji="1" lang="ja-JP" altLang="en-US" dirty="0" smtClean="0"/>
+              <a:t>自分の「リーン開発」と「アジャイル」を、そして自分の答えを見つけていただきたいと考えています。</a:t>
+            </a:r>
+            <a:endParaRPr kumimoji="1" lang="ja-JP" altLang="en-US" dirty="0"/>
+          </a:p>
+        </p:txBody>
+      </p:sp>
+      <p:sp>
+        <p:nvSpPr>
+          <p:cNvPr id="4" name="スライド番号プレースホルダー 3"/>
+          <p:cNvSpPr>
+            <a:spLocks noGrp="1"/>
+          </p:cNvSpPr>
+          <p:nvPr>
+            <p:ph type="sldNum" sz="quarter" idx="10"/>
+          </p:nvPr>
+        </p:nvSpPr>
+        <p:spPr/>
+        <p:txBody>
+          <a:bodyPr/>
+          <a:lstStyle/>
+          <a:p>
+            <a:fld id="{0D38E3F1-FAA5-4043-BB02-BBDB9D30AFA5}" type="slidenum">
+              <a:rPr kumimoji="1" lang="ja-JP" altLang="en-US" smtClean="0"/>
+              <a:t>40</a:t>
+            </a:fld>
+            <a:endParaRPr kumimoji="1" lang="ja-JP" altLang="en-US" dirty="0"/>
+          </a:p>
+        </p:txBody>
+      </p:sp>
+    </p:spTree>
+    <p:extLst>
+      <p:ext uri="{BB962C8B-B14F-4D97-AF65-F5344CB8AC3E}">
+        <p14:creationId xmlns:p14="http://schemas.microsoft.com/office/powerpoint/2010/main" val="520003850"/>
+      </p:ext>
+    </p:extLst>
+  </p:cSld>
+  <p:clrMapOvr>
+    <a:masterClrMapping/>
+  </p:clrMapOvr>
+</p:notes>
+</file>
+
+<file path=ppt/notesSlides/notesSlide25.xml><?xml version="1.0" encoding="utf-8"?>
+<p:notes xmlns:a="http://schemas.openxmlformats.org/drawingml/2006/main" xmlns:r="http://schemas.openxmlformats.org/officeDocument/2006/relationships" xmlns:p="http://schemas.openxmlformats.org/presentationml/2006/main">
+  <p:cSld>
+    <p:spTree>
+      <p:nvGrpSpPr>
+        <p:cNvPr id="1" name=""/>
+        <p:cNvGrpSpPr/>
+        <p:nvPr/>
+      </p:nvGrpSpPr>
+      <p:grpSpPr>
+        <a:xfrm>
+          <a:off x="0" y="0"/>
+          <a:ext cx="0" cy="0"/>
+          <a:chOff x="0" y="0"/>
+          <a:chExt cx="0" cy="0"/>
+        </a:xfrm>
+      </p:grpSpPr>
+      <p:sp>
+        <p:nvSpPr>
+          <p:cNvPr id="2" name="スライド イメージ プレースホルダー 1"/>
+          <p:cNvSpPr>
+            <a:spLocks noGrp="1" noRot="1" noChangeAspect="1"/>
+          </p:cNvSpPr>
+          <p:nvPr>
+            <p:ph type="sldImg"/>
+          </p:nvPr>
+        </p:nvSpPr>
+        <p:spPr/>
+      </p:sp>
+      <p:sp>
+        <p:nvSpPr>
+          <p:cNvPr id="3" name="ノート プレースホルダー 2"/>
+          <p:cNvSpPr>
+            <a:spLocks noGrp="1"/>
+          </p:cNvSpPr>
+          <p:nvPr>
+            <p:ph type="body" idx="1"/>
+          </p:nvPr>
+        </p:nvSpPr>
+        <p:spPr/>
+        <p:txBody>
+          <a:bodyPr/>
+          <a:lstStyle/>
+          <a:p>
+            <a:r>
+              <a:rPr kumimoji="1" lang="ja-JP" altLang="en-US" dirty="0" smtClean="0"/>
               <a:t>そして、楽しく天下を取りましょう！</a:t>
             </a:r>
             <a:endParaRPr kumimoji="1" lang="en-US" altLang="ja-JP" dirty="0" smtClean="0"/>
@@ -1976,7 +2482,7 @@
           <a:p>
             <a:fld id="{0D38E3F1-FAA5-4043-BB02-BBDB9D30AFA5}" type="slidenum">
               <a:rPr kumimoji="1" lang="ja-JP" altLang="en-US" smtClean="0"/>
-              <a:t>38</a:t>
+              <a:t>41</a:t>
             </a:fld>
             <a:endParaRPr kumimoji="1" lang="ja-JP" altLang="en-US" dirty="0"/>
           </a:p>
@@ -2143,9 +2649,23 @@
           <a:p>
             <a:r>
               <a:rPr kumimoji="1" lang="ja-JP" altLang="en-US" dirty="0" smtClean="0"/>
-              <a:t>また今の時代、現場を戦い抜くためには、自動化ツールをあらゆる局面で最大限に活用していくことが重要です。</a:t>
+              <a:t>改めまして自己紹介です。</a:t>
             </a:r>
             <a:endParaRPr kumimoji="1" lang="en-US" altLang="ja-JP" dirty="0" smtClean="0"/>
+          </a:p>
+          <a:p>
+            <a:r>
+              <a:rPr kumimoji="1" lang="ja-JP" altLang="en-US" dirty="0" smtClean="0"/>
+              <a:t>楽天株式会社の伊藤宏幸と申します。</a:t>
+            </a:r>
+            <a:endParaRPr kumimoji="1" lang="en-US" altLang="ja-JP" dirty="0" smtClean="0"/>
+          </a:p>
+          <a:p>
+            <a:r>
+              <a:rPr kumimoji="1" lang="ja-JP" altLang="en-US" dirty="0" smtClean="0"/>
+              <a:t>テスト駆動開発グループという組織に属し、アジャイルコーチとして、社内の様々な部署で、リーン開発・アジャイル・自動テストなどの支援を行なっております。</a:t>
+            </a:r>
+            <a:endParaRPr kumimoji="1" lang="ja-JP" altLang="en-US" dirty="0"/>
           </a:p>
         </p:txBody>
       </p:sp>
@@ -2175,7 +2695,7 @@
     </p:spTree>
     <p:extLst>
       <p:ext uri="{BB962C8B-B14F-4D97-AF65-F5344CB8AC3E}">
-        <p14:creationId xmlns:p14="http://schemas.microsoft.com/office/powerpoint/2010/main" val="2965438642"/>
+        <p14:creationId xmlns:p14="http://schemas.microsoft.com/office/powerpoint/2010/main" val="4067798629"/>
       </p:ext>
     </p:extLst>
   </p:cSld>
@@ -2231,9 +2751,23 @@
           <a:p>
             <a:r>
               <a:rPr kumimoji="1" lang="ja-JP" altLang="en-US" dirty="0" smtClean="0"/>
-              <a:t>また今の時代、現場を戦い抜くためには、自動化ツールをあらゆる局面で最大限に活用していくことが重要です。</a:t>
+              <a:t>改めまして自己紹介です。</a:t>
             </a:r>
             <a:endParaRPr kumimoji="1" lang="en-US" altLang="ja-JP" dirty="0" smtClean="0"/>
+          </a:p>
+          <a:p>
+            <a:r>
+              <a:rPr kumimoji="1" lang="ja-JP" altLang="en-US" dirty="0" smtClean="0"/>
+              <a:t>楽天株式会社の伊藤宏幸と申します。</a:t>
+            </a:r>
+            <a:endParaRPr kumimoji="1" lang="en-US" altLang="ja-JP" dirty="0" smtClean="0"/>
+          </a:p>
+          <a:p>
+            <a:r>
+              <a:rPr kumimoji="1" lang="ja-JP" altLang="en-US" dirty="0" smtClean="0"/>
+              <a:t>テスト駆動開発グループという組織に属し、アジャイルコーチとして、社内の様々な部署で、リーン開発・アジャイル・自動テストなどの支援を行なっております。</a:t>
+            </a:r>
+            <a:endParaRPr kumimoji="1" lang="ja-JP" altLang="en-US" dirty="0"/>
           </a:p>
         </p:txBody>
       </p:sp>
@@ -2263,7 +2797,7 @@
     </p:spTree>
     <p:extLst>
       <p:ext uri="{BB962C8B-B14F-4D97-AF65-F5344CB8AC3E}">
-        <p14:creationId xmlns:p14="http://schemas.microsoft.com/office/powerpoint/2010/main" val="2965438642"/>
+        <p14:creationId xmlns:p14="http://schemas.microsoft.com/office/powerpoint/2010/main" val="4067798629"/>
       </p:ext>
     </p:extLst>
   </p:cSld>
@@ -2318,33 +2852,10 @@
           <a:lstStyle/>
           <a:p>
             <a:r>
-              <a:rPr kumimoji="1" lang="en-US" altLang="ja-JP" baseline="0" dirty="0" smtClean="0"/>
-              <a:t>Here is this session’s agenda.</a:t>
-            </a:r>
-          </a:p>
-          <a:p>
-            <a:r>
-              <a:rPr kumimoji="1" lang="en-US" altLang="ja-JP" baseline="0" dirty="0" smtClean="0"/>
-              <a:t>At first, I will talk about the conditions and the challenges of my project.</a:t>
-            </a:r>
-          </a:p>
-          <a:p>
-            <a:r>
-              <a:rPr kumimoji="1" lang="en-US" altLang="ja-JP" baseline="0" dirty="0" smtClean="0"/>
-              <a:t>Next, I will explain the 3 approaches, CI/CD, TDD, and BDD.</a:t>
-            </a:r>
-          </a:p>
-          <a:p>
-            <a:r>
-              <a:rPr kumimoji="1" lang="en-US" altLang="ja-JP" baseline="0" dirty="0" smtClean="0"/>
-              <a:t>After that, I will talk about the problems, possibilities, and the future of Technology-Driven Development.</a:t>
-            </a:r>
-          </a:p>
-          <a:p>
-            <a:r>
-              <a:rPr kumimoji="1" lang="en-US" altLang="ja-JP" baseline="0" dirty="0" smtClean="0"/>
-              <a:t>At last I will conclude this report.</a:t>
-            </a:r>
+              <a:rPr kumimoji="1" lang="ja-JP" altLang="en-US" dirty="0" smtClean="0"/>
+              <a:t>また今の時代、現場を戦い抜くためには、自動化ツールをあらゆる局面で最大限に活用していくことが重要です。</a:t>
+            </a:r>
+            <a:endParaRPr kumimoji="1" lang="en-US" altLang="ja-JP" dirty="0" smtClean="0"/>
           </a:p>
         </p:txBody>
       </p:sp>
@@ -2374,7 +2885,7 @@
     </p:spTree>
     <p:extLst>
       <p:ext uri="{BB962C8B-B14F-4D97-AF65-F5344CB8AC3E}">
-        <p14:creationId xmlns:p14="http://schemas.microsoft.com/office/powerpoint/2010/main" val="4222455853"/>
+        <p14:creationId xmlns:p14="http://schemas.microsoft.com/office/powerpoint/2010/main" val="2965438642"/>
       </p:ext>
     </p:extLst>
   </p:cSld>
@@ -2428,27 +2939,11 @@
           <a:bodyPr/>
           <a:lstStyle/>
           <a:p>
-            <a:pPr marL="0" marR="0" indent="0" algn="l" defTabSz="914400" rtl="0" eaLnBrk="1" fontAlgn="auto" latinLnBrk="0" hangingPunct="1">
-              <a:lnSpc>
-                <a:spcPct val="100000"/>
-              </a:lnSpc>
-              <a:spcBef>
-                <a:spcPts val="0"/>
-              </a:spcBef>
-              <a:spcAft>
-                <a:spcPts val="0"/>
-              </a:spcAft>
-              <a:buClrTx/>
-              <a:buSzTx/>
-              <a:buFontTx/>
-              <a:buNone/>
-              <a:tabLst/>
-              <a:defRPr/>
-            </a:pPr>
-            <a:r>
-              <a:rPr kumimoji="1" lang="en-US" altLang="ja-JP" baseline="0" dirty="0" smtClean="0"/>
-              <a:t>At first, I will talk about the conditions and the challenges of my project.</a:t>
-            </a:r>
+            <a:r>
+              <a:rPr kumimoji="1" lang="ja-JP" altLang="en-US" dirty="0" smtClean="0"/>
+              <a:t>また今の時代、現場を戦い抜くためには、自動化ツールをあらゆる局面で最大限に活用していくことが重要です。</a:t>
+            </a:r>
+            <a:endParaRPr kumimoji="1" lang="en-US" altLang="ja-JP" dirty="0" smtClean="0"/>
           </a:p>
         </p:txBody>
       </p:sp>
@@ -2478,7 +2973,7 @@
     </p:spTree>
     <p:extLst>
       <p:ext uri="{BB962C8B-B14F-4D97-AF65-F5344CB8AC3E}">
-        <p14:creationId xmlns:p14="http://schemas.microsoft.com/office/powerpoint/2010/main" val="4222455853"/>
+        <p14:creationId xmlns:p14="http://schemas.microsoft.com/office/powerpoint/2010/main" val="2965438642"/>
       </p:ext>
     </p:extLst>
   </p:cSld>
@@ -2532,147 +3027,11 @@
           <a:bodyPr/>
           <a:lstStyle/>
           <a:p>
-            <a:pPr marL="0" indent="0" algn="l">
-              <a:buFont typeface="Arial" panose="020B0604020202020204" pitchFamily="34" charset="0"/>
-              <a:buNone/>
-            </a:pPr>
-            <a:r>
-              <a:rPr lang="ja-JP" altLang="en-US" b="0" dirty="0" smtClean="0">
-                <a:solidFill>
-                  <a:srgbClr val="000000"/>
-                </a:solidFill>
-                <a:latin typeface="+mn-ea"/>
-              </a:rPr>
-              <a:t>私が支援したチームは、大きく３種類のメンバーで構成されていました。</a:t>
-            </a:r>
-            <a:endParaRPr lang="en-US" altLang="ja-JP" b="0" dirty="0" smtClean="0">
-              <a:solidFill>
-                <a:srgbClr val="000000"/>
-              </a:solidFill>
-              <a:latin typeface="+mn-ea"/>
-            </a:endParaRPr>
-          </a:p>
-          <a:p>
-            <a:pPr marL="171450" indent="-171450" algn="l">
-              <a:buFont typeface="Arial" panose="020B0604020202020204" pitchFamily="34" charset="0"/>
-              <a:buChar char="•"/>
-            </a:pPr>
-            <a:r>
-              <a:rPr lang="ja-JP" altLang="en-US" b="0" dirty="0" smtClean="0">
-                <a:solidFill>
-                  <a:srgbClr val="000000"/>
-                </a:solidFill>
-                <a:latin typeface="+mn-ea"/>
-              </a:rPr>
-              <a:t>まず、売上などの営業的観点からプロダクトの方向性を決める「ビジネスアナリスト」</a:t>
-            </a:r>
-            <a:endParaRPr lang="en-US" altLang="ja-JP" b="0" dirty="0" smtClean="0">
-              <a:solidFill>
-                <a:srgbClr val="000000"/>
-              </a:solidFill>
-              <a:latin typeface="+mn-ea"/>
-            </a:endParaRPr>
-          </a:p>
-          <a:p>
-            <a:pPr marL="171450" indent="-171450" algn="l">
-              <a:buFont typeface="Arial" panose="020B0604020202020204" pitchFamily="34" charset="0"/>
-              <a:buChar char="•"/>
-            </a:pPr>
-            <a:r>
-              <a:rPr lang="ja-JP" altLang="en-US" b="0" dirty="0" smtClean="0">
-                <a:solidFill>
-                  <a:srgbClr val="000000"/>
-                </a:solidFill>
-                <a:latin typeface="+mn-ea"/>
-              </a:rPr>
-              <a:t>次に、見栄えや操作性の観点からプロダクトの方向性を決める「</a:t>
-            </a:r>
-            <a:r>
-              <a:rPr lang="en-US" altLang="ja-JP" b="0" dirty="0" smtClean="0">
-                <a:solidFill>
-                  <a:srgbClr val="000000"/>
-                </a:solidFill>
-                <a:latin typeface="+mn-ea"/>
-              </a:rPr>
-              <a:t>UI/UX </a:t>
-            </a:r>
-            <a:r>
-              <a:rPr lang="ja-JP" altLang="en-US" b="0" dirty="0" smtClean="0">
-                <a:solidFill>
-                  <a:srgbClr val="000000"/>
-                </a:solidFill>
-                <a:latin typeface="+mn-ea"/>
-              </a:rPr>
-              <a:t>デザイナー」</a:t>
-            </a:r>
-            <a:endParaRPr lang="en-US" altLang="ja-JP" b="0" dirty="0" smtClean="0">
-              <a:solidFill>
-                <a:srgbClr val="000000"/>
-              </a:solidFill>
-              <a:latin typeface="+mn-ea"/>
-            </a:endParaRPr>
-          </a:p>
-          <a:p>
-            <a:pPr marL="171450" indent="-171450" algn="l">
-              <a:buFont typeface="Arial" panose="020B0604020202020204" pitchFamily="34" charset="0"/>
-              <a:buChar char="•"/>
-            </a:pPr>
-            <a:r>
-              <a:rPr lang="ja-JP" altLang="en-US" b="0" dirty="0" smtClean="0">
-                <a:solidFill>
-                  <a:srgbClr val="000000"/>
-                </a:solidFill>
-                <a:latin typeface="+mn-ea"/>
-              </a:rPr>
-              <a:t>そして、開発・テスト・運用を担当する「</a:t>
-            </a:r>
-            <a:r>
-              <a:rPr kumimoji="1" lang="ja-JP" altLang="en-US" sz="1200" dirty="0" smtClean="0"/>
-              <a:t>開発者」</a:t>
-            </a:r>
-            <a:endParaRPr lang="en-US" altLang="ja-JP" b="0" dirty="0" smtClean="0">
-              <a:solidFill>
-                <a:srgbClr val="000000"/>
-              </a:solidFill>
-              <a:latin typeface="+mn-ea"/>
-            </a:endParaRPr>
-          </a:p>
-          <a:p>
-            <a:pPr marL="0" indent="0" algn="l">
-              <a:buFont typeface="Arial" panose="020B0604020202020204" pitchFamily="34" charset="0"/>
-              <a:buNone/>
-            </a:pPr>
-            <a:r>
-              <a:rPr lang="ja-JP" altLang="en-US" b="0" dirty="0" smtClean="0">
-                <a:solidFill>
-                  <a:srgbClr val="000000"/>
-                </a:solidFill>
-                <a:latin typeface="+mn-ea"/>
-              </a:rPr>
-              <a:t>私が支援したチームは、全員で１０人前後でした。</a:t>
-            </a:r>
-            <a:endParaRPr lang="en-US" altLang="ja-JP" b="0" dirty="0" smtClean="0">
-              <a:solidFill>
-                <a:srgbClr val="000000"/>
-              </a:solidFill>
-              <a:latin typeface="+mn-ea"/>
-            </a:endParaRPr>
-          </a:p>
-          <a:p>
-            <a:pPr marL="0" indent="0" algn="l">
-              <a:buFont typeface="Arial" panose="020B0604020202020204" pitchFamily="34" charset="0"/>
-              <a:buNone/>
-            </a:pPr>
-            <a:r>
-              <a:rPr lang="ja-JP" altLang="en-US" b="0" dirty="0" smtClean="0">
-                <a:solidFill>
-                  <a:srgbClr val="000000"/>
-                </a:solidFill>
-                <a:latin typeface="+mn-ea"/>
-              </a:rPr>
-              <a:t>私はこのチームに、アジャイルコーチとして参加しました。</a:t>
-            </a:r>
-            <a:endParaRPr kumimoji="1" lang="ja-JP" altLang="en-US" dirty="0"/>
+            <a:r>
+              <a:rPr kumimoji="1" lang="ja-JP" altLang="en-US" dirty="0" smtClean="0"/>
+              <a:t>また今の時代、現場を戦い抜くためには、自動化ツールをあらゆる局面で最大限に活用していくことが重要です。</a:t>
+            </a:r>
+            <a:endParaRPr kumimoji="1" lang="en-US" altLang="ja-JP" dirty="0" smtClean="0"/>
           </a:p>
         </p:txBody>
       </p:sp>
@@ -2693,7 +3052,7 @@
           <a:p>
             <a:fld id="{0D38E3F1-FAA5-4043-BB02-BBDB9D30AFA5}" type="slidenum">
               <a:rPr kumimoji="1" lang="ja-JP" altLang="en-US" smtClean="0"/>
-              <a:t>19</a:t>
+              <a:t>8</a:t>
             </a:fld>
             <a:endParaRPr kumimoji="1" lang="ja-JP" altLang="en-US" dirty="0"/>
           </a:p>
@@ -2702,7 +3061,7 @@
     </p:spTree>
     <p:extLst>
       <p:ext uri="{BB962C8B-B14F-4D97-AF65-F5344CB8AC3E}">
-        <p14:creationId xmlns:p14="http://schemas.microsoft.com/office/powerpoint/2010/main" val="3097568748"/>
+        <p14:creationId xmlns:p14="http://schemas.microsoft.com/office/powerpoint/2010/main" val="2965438642"/>
       </p:ext>
     </p:extLst>
   </p:cSld>
@@ -2756,98 +3115,34 @@
           <a:bodyPr/>
           <a:lstStyle/>
           <a:p>
-            <a:pPr marL="0" indent="0" algn="l">
-              <a:buFont typeface="Arial" panose="020B0604020202020204" pitchFamily="34" charset="0"/>
-              <a:buNone/>
-            </a:pPr>
-            <a:r>
-              <a:rPr kumimoji="1" lang="ja-JP" altLang="en-US" dirty="0" smtClean="0"/>
-              <a:t>次に、具体的なプロダクト開発の進め方についてご説明します</a:t>
-            </a:r>
-            <a:r>
-              <a:rPr kumimoji="1" lang="en-US" altLang="ja-JP" dirty="0" smtClean="0"/>
-              <a:t>…</a:t>
+            <a:r>
+              <a:rPr kumimoji="1" lang="en-US" altLang="ja-JP" baseline="0" dirty="0" smtClean="0"/>
+              <a:t>Here is this session’s agenda.</a:t>
             </a:r>
           </a:p>
           <a:p>
-            <a:pPr marL="0" indent="0" algn="l">
-              <a:buFont typeface="Arial" panose="020B0604020202020204" pitchFamily="34" charset="0"/>
-              <a:buNone/>
-            </a:pPr>
-            <a:r>
-              <a:rPr kumimoji="1" lang="ja-JP" altLang="en-US" dirty="0" smtClean="0"/>
-              <a:t>・まず、プロダクトとして何を作るべきか、ビジネスアナリストや </a:t>
-            </a:r>
-            <a:r>
-              <a:rPr kumimoji="1" lang="en-US" altLang="ja-JP" dirty="0" smtClean="0"/>
-              <a:t>UI/UX </a:t>
-            </a:r>
-            <a:r>
-              <a:rPr kumimoji="1" lang="ja-JP" altLang="en-US" dirty="0" smtClean="0"/>
-              <a:t>デザイナーから要望を募ります。これを「要件定義」と言います</a:t>
-            </a:r>
-            <a:r>
-              <a:rPr kumimoji="1" lang="en-US" altLang="ja-JP" dirty="0" smtClean="0"/>
-              <a:t>…</a:t>
+            <a:r>
+              <a:rPr kumimoji="1" lang="en-US" altLang="ja-JP" baseline="0" dirty="0" smtClean="0"/>
+              <a:t>At first, I will talk about the conditions and the challenges of my project.</a:t>
             </a:r>
           </a:p>
           <a:p>
-            <a:pPr marL="0" indent="0" algn="l">
-              <a:buFont typeface="Arial" panose="020B0604020202020204" pitchFamily="34" charset="0"/>
-              <a:buNone/>
-            </a:pPr>
-            <a:r>
-              <a:rPr kumimoji="1" lang="ja-JP" altLang="en-US" dirty="0" smtClean="0"/>
-              <a:t>・次に、要件定義の内容に基づいて、開発者がプログラミングや単体・結合テストを行ないます</a:t>
-            </a:r>
-            <a:r>
-              <a:rPr kumimoji="1" lang="en-US" altLang="ja-JP" dirty="0" smtClean="0"/>
-              <a:t>…</a:t>
+            <a:r>
+              <a:rPr kumimoji="1" lang="en-US" altLang="ja-JP" baseline="0" dirty="0" smtClean="0"/>
+              <a:t>Next, I will explain the 3 approaches, CI/CD, TDD, and BDD.</a:t>
             </a:r>
           </a:p>
           <a:p>
-            <a:pPr marL="0" indent="0" algn="l">
-              <a:buFont typeface="Arial" panose="020B0604020202020204" pitchFamily="34" charset="0"/>
-              <a:buNone/>
-            </a:pPr>
-            <a:r>
-              <a:rPr kumimoji="1" lang="ja-JP" altLang="en-US" dirty="0" smtClean="0"/>
-              <a:t>・そして、開発者がつくり上げたプロダクトを、ビジネスアナリストと</a:t>
-            </a:r>
-            <a:r>
-              <a:rPr kumimoji="1" lang="en-US" altLang="ja-JP" dirty="0" smtClean="0"/>
-              <a:t>UI/UX </a:t>
-            </a:r>
-            <a:r>
-              <a:rPr kumimoji="1" lang="ja-JP" altLang="en-US" dirty="0" smtClean="0"/>
-              <a:t>デザイナーが最終確認します</a:t>
-            </a:r>
-            <a:r>
-              <a:rPr kumimoji="1" lang="en-US" altLang="ja-JP" dirty="0" smtClean="0"/>
-              <a:t>…</a:t>
+            <a:r>
+              <a:rPr kumimoji="1" lang="en-US" altLang="ja-JP" baseline="0" dirty="0" smtClean="0"/>
+              <a:t>After that, I will talk about the problems, possibilities, and the future of Technology-Driven Development.</a:t>
             </a:r>
           </a:p>
           <a:p>
-            <a:pPr marL="0" indent="0" algn="l">
-              <a:buFont typeface="Arial" panose="020B0604020202020204" pitchFamily="34" charset="0"/>
-              <a:buNone/>
-            </a:pPr>
-            <a:r>
-              <a:rPr kumimoji="1" lang="ja-JP" altLang="en-US" dirty="0" smtClean="0"/>
-              <a:t>このサイクルを１ヶ月毎に繰り返すのが、基本的な流れです。</a:t>
-            </a:r>
-            <a:endParaRPr kumimoji="1" lang="en-US" altLang="ja-JP" dirty="0" smtClean="0"/>
-          </a:p>
-          <a:p>
-            <a:pPr marL="0" indent="0" algn="l">
-              <a:buFont typeface="Arial" panose="020B0604020202020204" pitchFamily="34" charset="0"/>
-              <a:buNone/>
-            </a:pPr>
-            <a:r>
-              <a:rPr kumimoji="1" lang="ja-JP" altLang="en-US" dirty="0" smtClean="0"/>
-              <a:t>またこのサイクルを、「スプリント」や「イテレーション」と呼称します。</a:t>
-            </a:r>
-            <a:endParaRPr kumimoji="1" lang="en-US" altLang="ja-JP" dirty="0" smtClean="0"/>
+            <a:r>
+              <a:rPr kumimoji="1" lang="en-US" altLang="ja-JP" baseline="0" dirty="0" smtClean="0"/>
+              <a:t>At last I will conclude this report.</a:t>
+            </a:r>
           </a:p>
         </p:txBody>
       </p:sp>
@@ -2868,7 +3163,7 @@
           <a:p>
             <a:fld id="{0D38E3F1-FAA5-4043-BB02-BBDB9D30AFA5}" type="slidenum">
               <a:rPr kumimoji="1" lang="ja-JP" altLang="en-US" smtClean="0"/>
-              <a:t>20</a:t>
+              <a:t>9</a:t>
             </a:fld>
             <a:endParaRPr kumimoji="1" lang="ja-JP" altLang="en-US" dirty="0"/>
           </a:p>
@@ -2877,7 +3172,7 @@
     </p:spTree>
     <p:extLst>
       <p:ext uri="{BB962C8B-B14F-4D97-AF65-F5344CB8AC3E}">
-        <p14:creationId xmlns:p14="http://schemas.microsoft.com/office/powerpoint/2010/main" val="3097568748"/>
+        <p14:creationId xmlns:p14="http://schemas.microsoft.com/office/powerpoint/2010/main" val="4222455853"/>
       </p:ext>
     </p:extLst>
   </p:cSld>
@@ -3927,107 +4222,1259 @@
       </p:grpSpPr>
       <p:sp>
         <p:nvSpPr>
-          <p:cNvPr id="7" name="タイトル 2"/>
+          <p:cNvPr id="5" name="Text Box 17"/>
           <p:cNvSpPr txBox="1">
-            <a:spLocks/>
+            <a:spLocks noChangeArrowheads="1"/>
           </p:cNvSpPr>
           <p:nvPr/>
         </p:nvSpPr>
-        <p:spPr>
+        <p:spPr bwMode="auto">
           <a:xfrm>
-            <a:off x="53752" y="1192412"/>
-            <a:ext cx="9036496" cy="4473176"/>
+            <a:off x="445331" y="1052736"/>
+            <a:ext cx="8240400" cy="540000"/>
           </a:xfrm>
           <a:prstGeom prst="rect">
             <a:avLst/>
           </a:prstGeom>
-          <a:noFill/>
-          <a:ln>
-            <a:noFill/>
+          <a:solidFill>
+            <a:srgbClr val="C00000"/>
+          </a:solidFill>
+          <a:ln w="12700">
+            <a:solidFill>
+              <a:srgbClr val="BF0000"/>
+            </a:solidFill>
+            <a:miter lim="800000"/>
+            <a:headEnd/>
+            <a:tailEnd/>
           </a:ln>
+          <a:effectLst>
+            <a:outerShdw blurRad="88900" dist="38100" dir="8100000" algn="ctr" rotWithShape="0">
+              <a:schemeClr val="tx1">
+                <a:alpha val="30000"/>
+              </a:schemeClr>
+            </a:outerShdw>
+          </a:effectLst>
+          <a:extLst/>
         </p:spPr>
         <p:txBody>
-          <a:bodyPr anchor="ctr" anchorCtr="0">
-            <a:noAutofit/>
-          </a:bodyPr>
+          <a:bodyPr anchor="ctr" anchorCtr="0"/>
           <a:lstStyle>
-            <a:lvl1pPr algn="ctr" defTabSz="914400" rtl="0" eaLnBrk="1" latinLnBrk="0" hangingPunct="1">
-              <a:spcBef>
-                <a:spcPct val="0"/>
-              </a:spcBef>
-              <a:buNone/>
-              <a:defRPr kumimoji="1" sz="2800" b="1" kern="1200" baseline="0">
-                <a:solidFill>
-                  <a:srgbClr val="C00000"/>
-                </a:solidFill>
-                <a:latin typeface="Arial" pitchFamily="34" charset="0"/>
-                <a:ea typeface="ＭＳ Ｐゴシック" pitchFamily="50" charset="-128"/>
-                <a:cs typeface="+mj-cs"/>
+            <a:lvl1pPr algn="l" defTabSz="381000">
+              <a:spcBef>
+                <a:spcPct val="0"/>
+              </a:spcBef>
+              <a:defRPr kumimoji="1" sz="2400">
+                <a:solidFill>
+                  <a:schemeClr val="tx1"/>
+                </a:solidFill>
+                <a:latin typeface="Times New Roman" pitchFamily="18" charset="0"/>
+                <a:ea typeface="ＭＳ Ｐゴシック" charset="-128"/>
               </a:defRPr>
             </a:lvl1pPr>
+            <a:lvl2pPr algn="l" defTabSz="381000">
+              <a:spcBef>
+                <a:spcPct val="0"/>
+              </a:spcBef>
+              <a:defRPr kumimoji="1" sz="2400">
+                <a:solidFill>
+                  <a:schemeClr val="tx1"/>
+                </a:solidFill>
+                <a:latin typeface="Times New Roman" pitchFamily="18" charset="0"/>
+                <a:ea typeface="ＭＳ Ｐゴシック" charset="-128"/>
+              </a:defRPr>
+            </a:lvl2pPr>
+            <a:lvl3pPr algn="l" defTabSz="381000">
+              <a:spcBef>
+                <a:spcPct val="0"/>
+              </a:spcBef>
+              <a:defRPr kumimoji="1" sz="2400">
+                <a:solidFill>
+                  <a:schemeClr val="tx1"/>
+                </a:solidFill>
+                <a:latin typeface="Times New Roman" pitchFamily="18" charset="0"/>
+                <a:ea typeface="ＭＳ Ｐゴシック" charset="-128"/>
+              </a:defRPr>
+            </a:lvl3pPr>
+            <a:lvl4pPr algn="l" defTabSz="381000">
+              <a:spcBef>
+                <a:spcPct val="0"/>
+              </a:spcBef>
+              <a:defRPr kumimoji="1" sz="2400">
+                <a:solidFill>
+                  <a:schemeClr val="tx1"/>
+                </a:solidFill>
+                <a:latin typeface="Times New Roman" pitchFamily="18" charset="0"/>
+                <a:ea typeface="ＭＳ Ｐゴシック" charset="-128"/>
+              </a:defRPr>
+            </a:lvl4pPr>
+            <a:lvl5pPr algn="l" defTabSz="381000">
+              <a:spcBef>
+                <a:spcPct val="0"/>
+              </a:spcBef>
+              <a:defRPr kumimoji="1" sz="2400">
+                <a:solidFill>
+                  <a:schemeClr val="tx1"/>
+                </a:solidFill>
+                <a:latin typeface="Times New Roman" pitchFamily="18" charset="0"/>
+                <a:ea typeface="ＭＳ Ｐゴシック" charset="-128"/>
+              </a:defRPr>
+            </a:lvl5pPr>
+            <a:lvl6pPr defTabSz="381000" fontAlgn="base">
+              <a:spcBef>
+                <a:spcPct val="0"/>
+              </a:spcBef>
+              <a:spcAft>
+                <a:spcPct val="0"/>
+              </a:spcAft>
+              <a:defRPr kumimoji="1" sz="2400">
+                <a:solidFill>
+                  <a:schemeClr val="tx1"/>
+                </a:solidFill>
+                <a:latin typeface="Times New Roman" pitchFamily="18" charset="0"/>
+                <a:ea typeface="ＭＳ Ｐゴシック" charset="-128"/>
+              </a:defRPr>
+            </a:lvl6pPr>
+            <a:lvl7pPr defTabSz="381000" fontAlgn="base">
+              <a:spcBef>
+                <a:spcPct val="0"/>
+              </a:spcBef>
+              <a:spcAft>
+                <a:spcPct val="0"/>
+              </a:spcAft>
+              <a:defRPr kumimoji="1" sz="2400">
+                <a:solidFill>
+                  <a:schemeClr val="tx1"/>
+                </a:solidFill>
+                <a:latin typeface="Times New Roman" pitchFamily="18" charset="0"/>
+                <a:ea typeface="ＭＳ Ｐゴシック" charset="-128"/>
+              </a:defRPr>
+            </a:lvl7pPr>
+            <a:lvl8pPr defTabSz="381000" fontAlgn="base">
+              <a:spcBef>
+                <a:spcPct val="0"/>
+              </a:spcBef>
+              <a:spcAft>
+                <a:spcPct val="0"/>
+              </a:spcAft>
+              <a:defRPr kumimoji="1" sz="2400">
+                <a:solidFill>
+                  <a:schemeClr val="tx1"/>
+                </a:solidFill>
+                <a:latin typeface="Times New Roman" pitchFamily="18" charset="0"/>
+                <a:ea typeface="ＭＳ Ｐゴシック" charset="-128"/>
+              </a:defRPr>
+            </a:lvl8pPr>
+            <a:lvl9pPr defTabSz="381000" fontAlgn="base">
+              <a:spcBef>
+                <a:spcPct val="0"/>
+              </a:spcBef>
+              <a:spcAft>
+                <a:spcPct val="0"/>
+              </a:spcAft>
+              <a:defRPr kumimoji="1" sz="2400">
+                <a:solidFill>
+                  <a:schemeClr val="tx1"/>
+                </a:solidFill>
+                <a:latin typeface="Times New Roman" pitchFamily="18" charset="0"/>
+                <a:ea typeface="ＭＳ Ｐゴシック" charset="-128"/>
+              </a:defRPr>
+            </a:lvl9pPr>
           </a:lstStyle>
           <a:p>
-            <a:r>
-              <a:rPr lang="ja-JP" altLang="en-US" sz="9600" b="0" dirty="0" smtClean="0">
-                <a:solidFill>
-                  <a:srgbClr val="000000"/>
-                </a:solidFill>
-                <a:latin typeface="+mn-ea"/>
-                <a:ea typeface="+mn-ea"/>
-                <a:cs typeface="ＭＳ 明朝"/>
-              </a:rPr>
-              <a:t>私の</a:t>
-            </a:r>
-            <a:r>
-              <a:rPr lang="ja-JP" altLang="en-US" sz="9600" b="0" dirty="0" smtClean="0">
-                <a:solidFill>
-                  <a:schemeClr val="accent1"/>
-                </a:solidFill>
-                <a:latin typeface="+mn-ea"/>
-                <a:ea typeface="+mn-ea"/>
-                <a:cs typeface="ＭＳ 明朝"/>
-              </a:rPr>
-              <a:t>目</a:t>
-            </a:r>
-            <a:r>
-              <a:rPr lang="ja-JP" altLang="en-US" sz="9600" b="0" dirty="0" smtClean="0">
-                <a:solidFill>
-                  <a:srgbClr val="000000"/>
-                </a:solidFill>
-                <a:latin typeface="+mn-ea"/>
-                <a:ea typeface="+mn-ea"/>
-                <a:cs typeface="ＭＳ 明朝"/>
-              </a:rPr>
-              <a:t>から見た</a:t>
-            </a:r>
-            <a:endParaRPr lang="en-US" altLang="ja-JP" sz="9600" b="0" dirty="0" smtClean="0">
+            <a:pPr lvl="0">
+              <a:spcBef>
+                <a:spcPct val="20000"/>
+              </a:spcBef>
+              <a:buClr>
+                <a:srgbClr val="FFFFFF"/>
+              </a:buClr>
+              <a:defRPr/>
+            </a:pPr>
+            <a:r>
+              <a:rPr kumimoji="1" lang="en-US" altLang="ja-JP" b="1" i="0" u="none" strike="noStrike" kern="0" cap="none" spc="0" normalizeH="0" baseline="0" noProof="0" dirty="0" smtClean="0">
+                <a:ln>
+                  <a:noFill/>
+                </a:ln>
+                <a:solidFill>
+                  <a:srgbClr val="FFFFFF"/>
+                </a:solidFill>
+                <a:effectLst/>
+                <a:uLnTx/>
+                <a:uFillTx/>
+                <a:latin typeface="+mn-lt"/>
+                <a:ea typeface="ＭＳ Ｐゴシック" panose="020B0600070205080204" pitchFamily="50" charset="-128"/>
+              </a:rPr>
+              <a:t>1. </a:t>
+            </a:r>
+            <a:r>
+              <a:rPr lang="en-US" altLang="ja-JP" b="1" kern="0" dirty="0">
+                <a:solidFill>
+                  <a:srgbClr val="FFFFFF"/>
+                </a:solidFill>
+                <a:latin typeface="+mn-lt"/>
+                <a:ea typeface="ＭＳ Ｐゴシック" panose="020B0600070205080204" pitchFamily="50" charset="-128"/>
+              </a:rPr>
+              <a:t>Conditions and </a:t>
+            </a:r>
+            <a:r>
+              <a:rPr lang="en-US" altLang="ja-JP" b="1" kern="0" dirty="0" smtClean="0">
+                <a:solidFill>
+                  <a:srgbClr val="FFFFFF"/>
+                </a:solidFill>
+                <a:latin typeface="+mn-lt"/>
+                <a:ea typeface="ＭＳ Ｐゴシック" panose="020B0600070205080204" pitchFamily="50" charset="-128"/>
+              </a:rPr>
+              <a:t>Challenges</a:t>
+            </a:r>
+            <a:endParaRPr kumimoji="1" lang="ja-JP" altLang="en-US" b="1" i="0" u="none" strike="noStrike" kern="0" cap="none" spc="0" normalizeH="0" baseline="0" noProof="0" dirty="0" smtClean="0">
+              <a:ln>
+                <a:noFill/>
+              </a:ln>
               <a:solidFill>
-                <a:srgbClr val="000000"/>
+                <a:srgbClr val="FFFFFF"/>
               </a:solidFill>
-              <a:latin typeface="+mn-ea"/>
-              <a:ea typeface="+mn-ea"/>
-              <a:cs typeface="ＭＳ 明朝"/>
+              <a:effectLst/>
+              <a:uLnTx/>
+              <a:uFillTx/>
+              <a:latin typeface="+mn-lt"/>
+              <a:ea typeface="ＭＳ Ｐゴシック" panose="020B0600070205080204" pitchFamily="50" charset="-128"/>
             </a:endParaRPr>
           </a:p>
+        </p:txBody>
+      </p:sp>
+      <p:sp>
+        <p:nvSpPr>
+          <p:cNvPr id="8" name="Text Box 17"/>
+          <p:cNvSpPr txBox="1">
+            <a:spLocks noChangeArrowheads="1"/>
+          </p:cNvSpPr>
+          <p:nvPr/>
+        </p:nvSpPr>
+        <p:spPr bwMode="auto">
+          <a:xfrm>
+            <a:off x="445331" y="2802004"/>
+            <a:ext cx="8240400" cy="540000"/>
+          </a:xfrm>
+          <a:prstGeom prst="rect">
+            <a:avLst/>
+          </a:prstGeom>
+          <a:solidFill>
+            <a:schemeClr val="bg1">
+              <a:lumMod val="50000"/>
+            </a:schemeClr>
+          </a:solidFill>
+          <a:ln w="12700">
+            <a:solidFill>
+              <a:schemeClr val="tx1"/>
+            </a:solidFill>
+            <a:miter lim="800000"/>
+            <a:headEnd/>
+            <a:tailEnd/>
+          </a:ln>
+          <a:effectLst>
+            <a:outerShdw blurRad="88900" dist="38100" dir="8100000" algn="ctr" rotWithShape="0">
+              <a:schemeClr val="tx1">
+                <a:alpha val="30000"/>
+              </a:schemeClr>
+            </a:outerShdw>
+          </a:effectLst>
+          <a:extLst/>
+        </p:spPr>
+        <p:txBody>
+          <a:bodyPr anchor="ctr" anchorCtr="0"/>
+          <a:lstStyle>
+            <a:lvl1pPr algn="l" defTabSz="381000">
+              <a:spcBef>
+                <a:spcPct val="0"/>
+              </a:spcBef>
+              <a:defRPr kumimoji="1" sz="2400">
+                <a:solidFill>
+                  <a:schemeClr val="tx1"/>
+                </a:solidFill>
+                <a:latin typeface="Times New Roman" pitchFamily="18" charset="0"/>
+                <a:ea typeface="ＭＳ Ｐゴシック" charset="-128"/>
+              </a:defRPr>
+            </a:lvl1pPr>
+            <a:lvl2pPr algn="l" defTabSz="381000">
+              <a:spcBef>
+                <a:spcPct val="0"/>
+              </a:spcBef>
+              <a:defRPr kumimoji="1" sz="2400">
+                <a:solidFill>
+                  <a:schemeClr val="tx1"/>
+                </a:solidFill>
+                <a:latin typeface="Times New Roman" pitchFamily="18" charset="0"/>
+                <a:ea typeface="ＭＳ Ｐゴシック" charset="-128"/>
+              </a:defRPr>
+            </a:lvl2pPr>
+            <a:lvl3pPr algn="l" defTabSz="381000">
+              <a:spcBef>
+                <a:spcPct val="0"/>
+              </a:spcBef>
+              <a:defRPr kumimoji="1" sz="2400">
+                <a:solidFill>
+                  <a:schemeClr val="tx1"/>
+                </a:solidFill>
+                <a:latin typeface="Times New Roman" pitchFamily="18" charset="0"/>
+                <a:ea typeface="ＭＳ Ｐゴシック" charset="-128"/>
+              </a:defRPr>
+            </a:lvl3pPr>
+            <a:lvl4pPr algn="l" defTabSz="381000">
+              <a:spcBef>
+                <a:spcPct val="0"/>
+              </a:spcBef>
+              <a:defRPr kumimoji="1" sz="2400">
+                <a:solidFill>
+                  <a:schemeClr val="tx1"/>
+                </a:solidFill>
+                <a:latin typeface="Times New Roman" pitchFamily="18" charset="0"/>
+                <a:ea typeface="ＭＳ Ｐゴシック" charset="-128"/>
+              </a:defRPr>
+            </a:lvl4pPr>
+            <a:lvl5pPr algn="l" defTabSz="381000">
+              <a:spcBef>
+                <a:spcPct val="0"/>
+              </a:spcBef>
+              <a:defRPr kumimoji="1" sz="2400">
+                <a:solidFill>
+                  <a:schemeClr val="tx1"/>
+                </a:solidFill>
+                <a:latin typeface="Times New Roman" pitchFamily="18" charset="0"/>
+                <a:ea typeface="ＭＳ Ｐゴシック" charset="-128"/>
+              </a:defRPr>
+            </a:lvl5pPr>
+            <a:lvl6pPr defTabSz="381000" fontAlgn="base">
+              <a:spcBef>
+                <a:spcPct val="0"/>
+              </a:spcBef>
+              <a:spcAft>
+                <a:spcPct val="0"/>
+              </a:spcAft>
+              <a:defRPr kumimoji="1" sz="2400">
+                <a:solidFill>
+                  <a:schemeClr val="tx1"/>
+                </a:solidFill>
+                <a:latin typeface="Times New Roman" pitchFamily="18" charset="0"/>
+                <a:ea typeface="ＭＳ Ｐゴシック" charset="-128"/>
+              </a:defRPr>
+            </a:lvl6pPr>
+            <a:lvl7pPr defTabSz="381000" fontAlgn="base">
+              <a:spcBef>
+                <a:spcPct val="0"/>
+              </a:spcBef>
+              <a:spcAft>
+                <a:spcPct val="0"/>
+              </a:spcAft>
+              <a:defRPr kumimoji="1" sz="2400">
+                <a:solidFill>
+                  <a:schemeClr val="tx1"/>
+                </a:solidFill>
+                <a:latin typeface="Times New Roman" pitchFamily="18" charset="0"/>
+                <a:ea typeface="ＭＳ Ｐゴシック" charset="-128"/>
+              </a:defRPr>
+            </a:lvl7pPr>
+            <a:lvl8pPr defTabSz="381000" fontAlgn="base">
+              <a:spcBef>
+                <a:spcPct val="0"/>
+              </a:spcBef>
+              <a:spcAft>
+                <a:spcPct val="0"/>
+              </a:spcAft>
+              <a:defRPr kumimoji="1" sz="2400">
+                <a:solidFill>
+                  <a:schemeClr val="tx1"/>
+                </a:solidFill>
+                <a:latin typeface="Times New Roman" pitchFamily="18" charset="0"/>
+                <a:ea typeface="ＭＳ Ｐゴシック" charset="-128"/>
+              </a:defRPr>
+            </a:lvl8pPr>
+            <a:lvl9pPr defTabSz="381000" fontAlgn="base">
+              <a:spcBef>
+                <a:spcPct val="0"/>
+              </a:spcBef>
+              <a:spcAft>
+                <a:spcPct val="0"/>
+              </a:spcAft>
+              <a:defRPr kumimoji="1" sz="2400">
+                <a:solidFill>
+                  <a:schemeClr val="tx1"/>
+                </a:solidFill>
+                <a:latin typeface="Times New Roman" pitchFamily="18" charset="0"/>
+                <a:ea typeface="ＭＳ Ｐゴシック" charset="-128"/>
+              </a:defRPr>
+            </a:lvl9pPr>
+          </a:lstStyle>
           <a:p>
-            <a:r>
-              <a:rPr lang="ja-JP" altLang="en-US" sz="9600" b="0" dirty="0" smtClean="0">
-                <a:solidFill>
-                  <a:srgbClr val="000000"/>
-                </a:solidFill>
-                <a:latin typeface="+mn-ea"/>
-                <a:ea typeface="+mn-ea"/>
-                <a:cs typeface="ＭＳ 明朝"/>
-              </a:rPr>
-              <a:t>チーム状況</a:t>
-            </a:r>
-            <a:endParaRPr lang="en-US" altLang="ja-JP" sz="9600" b="0" dirty="0" smtClean="0">
+            <a:pPr lvl="0">
+              <a:spcBef>
+                <a:spcPct val="20000"/>
+              </a:spcBef>
+              <a:buClr>
+                <a:srgbClr val="FFFFFF"/>
+              </a:buClr>
+              <a:defRPr/>
+            </a:pPr>
+            <a:r>
+              <a:rPr lang="en-US" altLang="ja-JP" b="1" kern="0" dirty="0">
+                <a:solidFill>
+                  <a:srgbClr val="FFFFFF"/>
+                </a:solidFill>
+                <a:latin typeface="+mn-lt"/>
+              </a:rPr>
+              <a:t>3</a:t>
+            </a:r>
+            <a:r>
+              <a:rPr lang="en-US" altLang="ja-JP" b="1" kern="0" dirty="0" smtClean="0">
+                <a:solidFill>
+                  <a:srgbClr val="FFFFFF"/>
+                </a:solidFill>
+                <a:latin typeface="+mn-lt"/>
+              </a:rPr>
+              <a:t>. </a:t>
+            </a:r>
+            <a:r>
+              <a:rPr lang="en-US" altLang="ja-JP" b="1" kern="0" dirty="0">
+                <a:solidFill>
+                  <a:srgbClr val="FFFFFF"/>
+                </a:solidFill>
+                <a:latin typeface="+mn-lt"/>
+              </a:rPr>
+              <a:t>TDD</a:t>
+            </a:r>
+            <a:endParaRPr kumimoji="1" lang="ja-JP" altLang="en-US" b="1" i="0" u="none" strike="noStrike" kern="0" cap="none" spc="0" normalizeH="0" baseline="0" noProof="0" dirty="0" smtClean="0">
+              <a:ln>
+                <a:noFill/>
+              </a:ln>
               <a:solidFill>
-                <a:srgbClr val="000000"/>
+                <a:srgbClr val="FFFFFF"/>
               </a:solidFill>
-              <a:latin typeface="+mn-ea"/>
-              <a:ea typeface="+mn-ea"/>
-              <a:cs typeface="ＭＳ 明朝"/>
+              <a:effectLst/>
+              <a:uLnTx/>
+              <a:uFillTx/>
+              <a:latin typeface="+mn-lt"/>
+            </a:endParaRPr>
+          </a:p>
+        </p:txBody>
+      </p:sp>
+      <p:sp>
+        <p:nvSpPr>
+          <p:cNvPr id="10" name="Text Box 17"/>
+          <p:cNvSpPr txBox="1">
+            <a:spLocks noChangeArrowheads="1"/>
+          </p:cNvSpPr>
+          <p:nvPr/>
+        </p:nvSpPr>
+        <p:spPr bwMode="auto">
+          <a:xfrm>
+            <a:off x="445331" y="1927370"/>
+            <a:ext cx="8240400" cy="540000"/>
+          </a:xfrm>
+          <a:prstGeom prst="rect">
+            <a:avLst/>
+          </a:prstGeom>
+          <a:solidFill>
+            <a:schemeClr val="bg1">
+              <a:lumMod val="50000"/>
+            </a:schemeClr>
+          </a:solidFill>
+          <a:ln w="12700">
+            <a:solidFill>
+              <a:schemeClr val="tx1"/>
+            </a:solidFill>
+            <a:miter lim="800000"/>
+            <a:headEnd/>
+            <a:tailEnd/>
+          </a:ln>
+          <a:effectLst>
+            <a:outerShdw blurRad="88900" dist="38100" dir="8100000" algn="ctr" rotWithShape="0">
+              <a:schemeClr val="tx1">
+                <a:alpha val="30000"/>
+              </a:schemeClr>
+            </a:outerShdw>
+          </a:effectLst>
+          <a:extLst/>
+        </p:spPr>
+        <p:txBody>
+          <a:bodyPr anchor="ctr" anchorCtr="0"/>
+          <a:lstStyle>
+            <a:lvl1pPr algn="l" defTabSz="381000">
+              <a:spcBef>
+                <a:spcPct val="0"/>
+              </a:spcBef>
+              <a:defRPr kumimoji="1" sz="2400">
+                <a:solidFill>
+                  <a:schemeClr val="tx1"/>
+                </a:solidFill>
+                <a:latin typeface="Times New Roman" pitchFamily="18" charset="0"/>
+                <a:ea typeface="ＭＳ Ｐゴシック" charset="-128"/>
+              </a:defRPr>
+            </a:lvl1pPr>
+            <a:lvl2pPr algn="l" defTabSz="381000">
+              <a:spcBef>
+                <a:spcPct val="0"/>
+              </a:spcBef>
+              <a:defRPr kumimoji="1" sz="2400">
+                <a:solidFill>
+                  <a:schemeClr val="tx1"/>
+                </a:solidFill>
+                <a:latin typeface="Times New Roman" pitchFamily="18" charset="0"/>
+                <a:ea typeface="ＭＳ Ｐゴシック" charset="-128"/>
+              </a:defRPr>
+            </a:lvl2pPr>
+            <a:lvl3pPr algn="l" defTabSz="381000">
+              <a:spcBef>
+                <a:spcPct val="0"/>
+              </a:spcBef>
+              <a:defRPr kumimoji="1" sz="2400">
+                <a:solidFill>
+                  <a:schemeClr val="tx1"/>
+                </a:solidFill>
+                <a:latin typeface="Times New Roman" pitchFamily="18" charset="0"/>
+                <a:ea typeface="ＭＳ Ｐゴシック" charset="-128"/>
+              </a:defRPr>
+            </a:lvl3pPr>
+            <a:lvl4pPr algn="l" defTabSz="381000">
+              <a:spcBef>
+                <a:spcPct val="0"/>
+              </a:spcBef>
+              <a:defRPr kumimoji="1" sz="2400">
+                <a:solidFill>
+                  <a:schemeClr val="tx1"/>
+                </a:solidFill>
+                <a:latin typeface="Times New Roman" pitchFamily="18" charset="0"/>
+                <a:ea typeface="ＭＳ Ｐゴシック" charset="-128"/>
+              </a:defRPr>
+            </a:lvl4pPr>
+            <a:lvl5pPr algn="l" defTabSz="381000">
+              <a:spcBef>
+                <a:spcPct val="0"/>
+              </a:spcBef>
+              <a:defRPr kumimoji="1" sz="2400">
+                <a:solidFill>
+                  <a:schemeClr val="tx1"/>
+                </a:solidFill>
+                <a:latin typeface="Times New Roman" pitchFamily="18" charset="0"/>
+                <a:ea typeface="ＭＳ Ｐゴシック" charset="-128"/>
+              </a:defRPr>
+            </a:lvl5pPr>
+            <a:lvl6pPr defTabSz="381000" fontAlgn="base">
+              <a:spcBef>
+                <a:spcPct val="0"/>
+              </a:spcBef>
+              <a:spcAft>
+                <a:spcPct val="0"/>
+              </a:spcAft>
+              <a:defRPr kumimoji="1" sz="2400">
+                <a:solidFill>
+                  <a:schemeClr val="tx1"/>
+                </a:solidFill>
+                <a:latin typeface="Times New Roman" pitchFamily="18" charset="0"/>
+                <a:ea typeface="ＭＳ Ｐゴシック" charset="-128"/>
+              </a:defRPr>
+            </a:lvl6pPr>
+            <a:lvl7pPr defTabSz="381000" fontAlgn="base">
+              <a:spcBef>
+                <a:spcPct val="0"/>
+              </a:spcBef>
+              <a:spcAft>
+                <a:spcPct val="0"/>
+              </a:spcAft>
+              <a:defRPr kumimoji="1" sz="2400">
+                <a:solidFill>
+                  <a:schemeClr val="tx1"/>
+                </a:solidFill>
+                <a:latin typeface="Times New Roman" pitchFamily="18" charset="0"/>
+                <a:ea typeface="ＭＳ Ｐゴシック" charset="-128"/>
+              </a:defRPr>
+            </a:lvl7pPr>
+            <a:lvl8pPr defTabSz="381000" fontAlgn="base">
+              <a:spcBef>
+                <a:spcPct val="0"/>
+              </a:spcBef>
+              <a:spcAft>
+                <a:spcPct val="0"/>
+              </a:spcAft>
+              <a:defRPr kumimoji="1" sz="2400">
+                <a:solidFill>
+                  <a:schemeClr val="tx1"/>
+                </a:solidFill>
+                <a:latin typeface="Times New Roman" pitchFamily="18" charset="0"/>
+                <a:ea typeface="ＭＳ Ｐゴシック" charset="-128"/>
+              </a:defRPr>
+            </a:lvl8pPr>
+            <a:lvl9pPr defTabSz="381000" fontAlgn="base">
+              <a:spcBef>
+                <a:spcPct val="0"/>
+              </a:spcBef>
+              <a:spcAft>
+                <a:spcPct val="0"/>
+              </a:spcAft>
+              <a:defRPr kumimoji="1" sz="2400">
+                <a:solidFill>
+                  <a:schemeClr val="tx1"/>
+                </a:solidFill>
+                <a:latin typeface="Times New Roman" pitchFamily="18" charset="0"/>
+                <a:ea typeface="ＭＳ Ｐゴシック" charset="-128"/>
+              </a:defRPr>
+            </a:lvl9pPr>
+          </a:lstStyle>
+          <a:p>
+            <a:pPr lvl="0">
+              <a:spcBef>
+                <a:spcPct val="20000"/>
+              </a:spcBef>
+              <a:buClr>
+                <a:srgbClr val="FFFFFF"/>
+              </a:buClr>
+              <a:defRPr/>
+            </a:pPr>
+            <a:r>
+              <a:rPr lang="en-US" altLang="ja-JP" b="1" kern="0" dirty="0" smtClean="0">
+                <a:solidFill>
+                  <a:srgbClr val="FFFFFF"/>
+                </a:solidFill>
+                <a:latin typeface="+mn-lt"/>
+                <a:ea typeface="ＭＳ Ｐゴシック" panose="020B0600070205080204" pitchFamily="50" charset="-128"/>
+              </a:rPr>
+              <a:t>2. </a:t>
+            </a:r>
+            <a:r>
+              <a:rPr lang="en-US" altLang="ja-JP" b="1" kern="0" dirty="0">
+                <a:solidFill>
+                  <a:srgbClr val="FFFFFF"/>
+                </a:solidFill>
+                <a:latin typeface="+mn-lt"/>
+                <a:ea typeface="ＭＳ Ｐゴシック" panose="020B0600070205080204" pitchFamily="50" charset="-128"/>
+              </a:rPr>
+              <a:t>CI/CD</a:t>
+            </a:r>
+            <a:endParaRPr kumimoji="1" lang="ja-JP" altLang="en-US" b="1" i="0" u="none" strike="noStrike" kern="0" cap="none" spc="0" normalizeH="0" baseline="0" noProof="0" dirty="0" smtClean="0">
+              <a:ln>
+                <a:noFill/>
+              </a:ln>
+              <a:solidFill>
+                <a:srgbClr val="FFFFFF"/>
+              </a:solidFill>
+              <a:effectLst/>
+              <a:uLnTx/>
+              <a:uFillTx/>
+              <a:latin typeface="+mn-lt"/>
+              <a:ea typeface="ＭＳ Ｐゴシック" panose="020B0600070205080204" pitchFamily="50" charset="-128"/>
+            </a:endParaRPr>
+          </a:p>
+        </p:txBody>
+      </p:sp>
+      <p:sp>
+        <p:nvSpPr>
+          <p:cNvPr id="6" name="Text Box 17"/>
+          <p:cNvSpPr txBox="1">
+            <a:spLocks noChangeArrowheads="1"/>
+          </p:cNvSpPr>
+          <p:nvPr/>
+        </p:nvSpPr>
+        <p:spPr bwMode="auto">
+          <a:xfrm>
+            <a:off x="445331" y="3676638"/>
+            <a:ext cx="8240400" cy="540000"/>
+          </a:xfrm>
+          <a:prstGeom prst="rect">
+            <a:avLst/>
+          </a:prstGeom>
+          <a:solidFill>
+            <a:schemeClr val="bg1">
+              <a:lumMod val="50000"/>
+            </a:schemeClr>
+          </a:solidFill>
+          <a:ln w="12700">
+            <a:solidFill>
+              <a:schemeClr val="tx1"/>
+            </a:solidFill>
+            <a:miter lim="800000"/>
+            <a:headEnd/>
+            <a:tailEnd/>
+          </a:ln>
+          <a:effectLst>
+            <a:outerShdw blurRad="88900" dist="38100" dir="8100000" algn="ctr" rotWithShape="0">
+              <a:schemeClr val="tx1">
+                <a:alpha val="30000"/>
+              </a:schemeClr>
+            </a:outerShdw>
+          </a:effectLst>
+          <a:extLst/>
+        </p:spPr>
+        <p:txBody>
+          <a:bodyPr anchor="ctr" anchorCtr="0"/>
+          <a:lstStyle>
+            <a:lvl1pPr algn="l" defTabSz="381000">
+              <a:spcBef>
+                <a:spcPct val="0"/>
+              </a:spcBef>
+              <a:defRPr kumimoji="1" sz="2400">
+                <a:solidFill>
+                  <a:schemeClr val="tx1"/>
+                </a:solidFill>
+                <a:latin typeface="Times New Roman" pitchFamily="18" charset="0"/>
+                <a:ea typeface="ＭＳ Ｐゴシック" charset="-128"/>
+              </a:defRPr>
+            </a:lvl1pPr>
+            <a:lvl2pPr algn="l" defTabSz="381000">
+              <a:spcBef>
+                <a:spcPct val="0"/>
+              </a:spcBef>
+              <a:defRPr kumimoji="1" sz="2400">
+                <a:solidFill>
+                  <a:schemeClr val="tx1"/>
+                </a:solidFill>
+                <a:latin typeface="Times New Roman" pitchFamily="18" charset="0"/>
+                <a:ea typeface="ＭＳ Ｐゴシック" charset="-128"/>
+              </a:defRPr>
+            </a:lvl2pPr>
+            <a:lvl3pPr algn="l" defTabSz="381000">
+              <a:spcBef>
+                <a:spcPct val="0"/>
+              </a:spcBef>
+              <a:defRPr kumimoji="1" sz="2400">
+                <a:solidFill>
+                  <a:schemeClr val="tx1"/>
+                </a:solidFill>
+                <a:latin typeface="Times New Roman" pitchFamily="18" charset="0"/>
+                <a:ea typeface="ＭＳ Ｐゴシック" charset="-128"/>
+              </a:defRPr>
+            </a:lvl3pPr>
+            <a:lvl4pPr algn="l" defTabSz="381000">
+              <a:spcBef>
+                <a:spcPct val="0"/>
+              </a:spcBef>
+              <a:defRPr kumimoji="1" sz="2400">
+                <a:solidFill>
+                  <a:schemeClr val="tx1"/>
+                </a:solidFill>
+                <a:latin typeface="Times New Roman" pitchFamily="18" charset="0"/>
+                <a:ea typeface="ＭＳ Ｐゴシック" charset="-128"/>
+              </a:defRPr>
+            </a:lvl4pPr>
+            <a:lvl5pPr algn="l" defTabSz="381000">
+              <a:spcBef>
+                <a:spcPct val="0"/>
+              </a:spcBef>
+              <a:defRPr kumimoji="1" sz="2400">
+                <a:solidFill>
+                  <a:schemeClr val="tx1"/>
+                </a:solidFill>
+                <a:latin typeface="Times New Roman" pitchFamily="18" charset="0"/>
+                <a:ea typeface="ＭＳ Ｐゴシック" charset="-128"/>
+              </a:defRPr>
+            </a:lvl5pPr>
+            <a:lvl6pPr defTabSz="381000" fontAlgn="base">
+              <a:spcBef>
+                <a:spcPct val="0"/>
+              </a:spcBef>
+              <a:spcAft>
+                <a:spcPct val="0"/>
+              </a:spcAft>
+              <a:defRPr kumimoji="1" sz="2400">
+                <a:solidFill>
+                  <a:schemeClr val="tx1"/>
+                </a:solidFill>
+                <a:latin typeface="Times New Roman" pitchFamily="18" charset="0"/>
+                <a:ea typeface="ＭＳ Ｐゴシック" charset="-128"/>
+              </a:defRPr>
+            </a:lvl6pPr>
+            <a:lvl7pPr defTabSz="381000" fontAlgn="base">
+              <a:spcBef>
+                <a:spcPct val="0"/>
+              </a:spcBef>
+              <a:spcAft>
+                <a:spcPct val="0"/>
+              </a:spcAft>
+              <a:defRPr kumimoji="1" sz="2400">
+                <a:solidFill>
+                  <a:schemeClr val="tx1"/>
+                </a:solidFill>
+                <a:latin typeface="Times New Roman" pitchFamily="18" charset="0"/>
+                <a:ea typeface="ＭＳ Ｐゴシック" charset="-128"/>
+              </a:defRPr>
+            </a:lvl7pPr>
+            <a:lvl8pPr defTabSz="381000" fontAlgn="base">
+              <a:spcBef>
+                <a:spcPct val="0"/>
+              </a:spcBef>
+              <a:spcAft>
+                <a:spcPct val="0"/>
+              </a:spcAft>
+              <a:defRPr kumimoji="1" sz="2400">
+                <a:solidFill>
+                  <a:schemeClr val="tx1"/>
+                </a:solidFill>
+                <a:latin typeface="Times New Roman" pitchFamily="18" charset="0"/>
+                <a:ea typeface="ＭＳ Ｐゴシック" charset="-128"/>
+              </a:defRPr>
+            </a:lvl8pPr>
+            <a:lvl9pPr defTabSz="381000" fontAlgn="base">
+              <a:spcBef>
+                <a:spcPct val="0"/>
+              </a:spcBef>
+              <a:spcAft>
+                <a:spcPct val="0"/>
+              </a:spcAft>
+              <a:defRPr kumimoji="1" sz="2400">
+                <a:solidFill>
+                  <a:schemeClr val="tx1"/>
+                </a:solidFill>
+                <a:latin typeface="Times New Roman" pitchFamily="18" charset="0"/>
+                <a:ea typeface="ＭＳ Ｐゴシック" charset="-128"/>
+              </a:defRPr>
+            </a:lvl9pPr>
+          </a:lstStyle>
+          <a:p>
+            <a:pPr lvl="0">
+              <a:spcBef>
+                <a:spcPct val="20000"/>
+              </a:spcBef>
+              <a:buClr>
+                <a:srgbClr val="FFFFFF"/>
+              </a:buClr>
+              <a:defRPr/>
+            </a:pPr>
+            <a:r>
+              <a:rPr lang="en-US" altLang="ja-JP" b="1" kern="0" dirty="0" smtClean="0">
+                <a:solidFill>
+                  <a:srgbClr val="FFFFFF"/>
+                </a:solidFill>
+                <a:latin typeface="+mn-lt"/>
+              </a:rPr>
+              <a:t>4. </a:t>
+            </a:r>
+            <a:r>
+              <a:rPr lang="en-US" altLang="ja-JP" b="1" kern="0" dirty="0">
+                <a:solidFill>
+                  <a:srgbClr val="FFFFFF"/>
+                </a:solidFill>
+                <a:latin typeface="+mn-lt"/>
+              </a:rPr>
+              <a:t>BDD</a:t>
+            </a:r>
+            <a:endParaRPr kumimoji="1" lang="ja-JP" altLang="en-US" b="1" i="0" u="none" strike="noStrike" kern="0" cap="none" spc="0" normalizeH="0" baseline="0" noProof="0" dirty="0" smtClean="0">
+              <a:ln>
+                <a:noFill/>
+              </a:ln>
+              <a:solidFill>
+                <a:srgbClr val="FFFFFF"/>
+              </a:solidFill>
+              <a:effectLst/>
+              <a:uLnTx/>
+              <a:uFillTx/>
+              <a:latin typeface="+mn-lt"/>
+            </a:endParaRPr>
+          </a:p>
+        </p:txBody>
+      </p:sp>
+      <p:sp>
+        <p:nvSpPr>
+          <p:cNvPr id="7" name="Text Box 17"/>
+          <p:cNvSpPr txBox="1">
+            <a:spLocks noChangeArrowheads="1"/>
+          </p:cNvSpPr>
+          <p:nvPr/>
+        </p:nvSpPr>
+        <p:spPr bwMode="auto">
+          <a:xfrm>
+            <a:off x="445331" y="4551272"/>
+            <a:ext cx="8240400" cy="540000"/>
+          </a:xfrm>
+          <a:prstGeom prst="rect">
+            <a:avLst/>
+          </a:prstGeom>
+          <a:solidFill>
+            <a:schemeClr val="bg1">
+              <a:lumMod val="50000"/>
+            </a:schemeClr>
+          </a:solidFill>
+          <a:ln w="12700">
+            <a:solidFill>
+              <a:schemeClr val="tx1"/>
+            </a:solidFill>
+            <a:miter lim="800000"/>
+            <a:headEnd/>
+            <a:tailEnd/>
+          </a:ln>
+          <a:effectLst>
+            <a:outerShdw blurRad="88900" dist="38100" dir="8100000" algn="ctr" rotWithShape="0">
+              <a:schemeClr val="tx1">
+                <a:alpha val="30000"/>
+              </a:schemeClr>
+            </a:outerShdw>
+          </a:effectLst>
+          <a:extLst/>
+        </p:spPr>
+        <p:txBody>
+          <a:bodyPr anchor="ctr" anchorCtr="0"/>
+          <a:lstStyle>
+            <a:lvl1pPr algn="l" defTabSz="381000">
+              <a:spcBef>
+                <a:spcPct val="0"/>
+              </a:spcBef>
+              <a:defRPr kumimoji="1" sz="2400">
+                <a:solidFill>
+                  <a:schemeClr val="tx1"/>
+                </a:solidFill>
+                <a:latin typeface="Times New Roman" pitchFamily="18" charset="0"/>
+                <a:ea typeface="ＭＳ Ｐゴシック" charset="-128"/>
+              </a:defRPr>
+            </a:lvl1pPr>
+            <a:lvl2pPr algn="l" defTabSz="381000">
+              <a:spcBef>
+                <a:spcPct val="0"/>
+              </a:spcBef>
+              <a:defRPr kumimoji="1" sz="2400">
+                <a:solidFill>
+                  <a:schemeClr val="tx1"/>
+                </a:solidFill>
+                <a:latin typeface="Times New Roman" pitchFamily="18" charset="0"/>
+                <a:ea typeface="ＭＳ Ｐゴシック" charset="-128"/>
+              </a:defRPr>
+            </a:lvl2pPr>
+            <a:lvl3pPr algn="l" defTabSz="381000">
+              <a:spcBef>
+                <a:spcPct val="0"/>
+              </a:spcBef>
+              <a:defRPr kumimoji="1" sz="2400">
+                <a:solidFill>
+                  <a:schemeClr val="tx1"/>
+                </a:solidFill>
+                <a:latin typeface="Times New Roman" pitchFamily="18" charset="0"/>
+                <a:ea typeface="ＭＳ Ｐゴシック" charset="-128"/>
+              </a:defRPr>
+            </a:lvl3pPr>
+            <a:lvl4pPr algn="l" defTabSz="381000">
+              <a:spcBef>
+                <a:spcPct val="0"/>
+              </a:spcBef>
+              <a:defRPr kumimoji="1" sz="2400">
+                <a:solidFill>
+                  <a:schemeClr val="tx1"/>
+                </a:solidFill>
+                <a:latin typeface="Times New Roman" pitchFamily="18" charset="0"/>
+                <a:ea typeface="ＭＳ Ｐゴシック" charset="-128"/>
+              </a:defRPr>
+            </a:lvl4pPr>
+            <a:lvl5pPr algn="l" defTabSz="381000">
+              <a:spcBef>
+                <a:spcPct val="0"/>
+              </a:spcBef>
+              <a:defRPr kumimoji="1" sz="2400">
+                <a:solidFill>
+                  <a:schemeClr val="tx1"/>
+                </a:solidFill>
+                <a:latin typeface="Times New Roman" pitchFamily="18" charset="0"/>
+                <a:ea typeface="ＭＳ Ｐゴシック" charset="-128"/>
+              </a:defRPr>
+            </a:lvl5pPr>
+            <a:lvl6pPr defTabSz="381000" fontAlgn="base">
+              <a:spcBef>
+                <a:spcPct val="0"/>
+              </a:spcBef>
+              <a:spcAft>
+                <a:spcPct val="0"/>
+              </a:spcAft>
+              <a:defRPr kumimoji="1" sz="2400">
+                <a:solidFill>
+                  <a:schemeClr val="tx1"/>
+                </a:solidFill>
+                <a:latin typeface="Times New Roman" pitchFamily="18" charset="0"/>
+                <a:ea typeface="ＭＳ Ｐゴシック" charset="-128"/>
+              </a:defRPr>
+            </a:lvl6pPr>
+            <a:lvl7pPr defTabSz="381000" fontAlgn="base">
+              <a:spcBef>
+                <a:spcPct val="0"/>
+              </a:spcBef>
+              <a:spcAft>
+                <a:spcPct val="0"/>
+              </a:spcAft>
+              <a:defRPr kumimoji="1" sz="2400">
+                <a:solidFill>
+                  <a:schemeClr val="tx1"/>
+                </a:solidFill>
+                <a:latin typeface="Times New Roman" pitchFamily="18" charset="0"/>
+                <a:ea typeface="ＭＳ Ｐゴシック" charset="-128"/>
+              </a:defRPr>
+            </a:lvl7pPr>
+            <a:lvl8pPr defTabSz="381000" fontAlgn="base">
+              <a:spcBef>
+                <a:spcPct val="0"/>
+              </a:spcBef>
+              <a:spcAft>
+                <a:spcPct val="0"/>
+              </a:spcAft>
+              <a:defRPr kumimoji="1" sz="2400">
+                <a:solidFill>
+                  <a:schemeClr val="tx1"/>
+                </a:solidFill>
+                <a:latin typeface="Times New Roman" pitchFamily="18" charset="0"/>
+                <a:ea typeface="ＭＳ Ｐゴシック" charset="-128"/>
+              </a:defRPr>
+            </a:lvl8pPr>
+            <a:lvl9pPr defTabSz="381000" fontAlgn="base">
+              <a:spcBef>
+                <a:spcPct val="0"/>
+              </a:spcBef>
+              <a:spcAft>
+                <a:spcPct val="0"/>
+              </a:spcAft>
+              <a:defRPr kumimoji="1" sz="2400">
+                <a:solidFill>
+                  <a:schemeClr val="tx1"/>
+                </a:solidFill>
+                <a:latin typeface="Times New Roman" pitchFamily="18" charset="0"/>
+                <a:ea typeface="ＭＳ Ｐゴシック" charset="-128"/>
+              </a:defRPr>
+            </a:lvl9pPr>
+          </a:lstStyle>
+          <a:p>
+            <a:pPr lvl="0">
+              <a:spcBef>
+                <a:spcPct val="20000"/>
+              </a:spcBef>
+              <a:buClr>
+                <a:srgbClr val="FFFFFF"/>
+              </a:buClr>
+              <a:defRPr/>
+            </a:pPr>
+            <a:r>
+              <a:rPr lang="en-US" altLang="ja-JP" b="1" kern="0" dirty="0" smtClean="0">
+                <a:solidFill>
+                  <a:srgbClr val="FFFFFF"/>
+                </a:solidFill>
+                <a:latin typeface="+mn-lt"/>
+              </a:rPr>
+              <a:t>5. </a:t>
+            </a:r>
+            <a:r>
+              <a:rPr lang="en-US" altLang="ja-JP" b="1" kern="0" dirty="0">
+                <a:solidFill>
+                  <a:srgbClr val="FFFFFF"/>
+                </a:solidFill>
+                <a:latin typeface="+mn-lt"/>
+              </a:rPr>
+              <a:t>Problems, Possibility and Future</a:t>
+            </a:r>
+            <a:endParaRPr kumimoji="1" lang="ja-JP" altLang="en-US" b="1" i="0" u="none" strike="noStrike" kern="0" cap="none" spc="0" normalizeH="0" baseline="0" noProof="0" dirty="0" smtClean="0">
+              <a:ln>
+                <a:noFill/>
+              </a:ln>
+              <a:solidFill>
+                <a:srgbClr val="FFFFFF"/>
+              </a:solidFill>
+              <a:effectLst/>
+              <a:uLnTx/>
+              <a:uFillTx/>
+              <a:latin typeface="+mn-lt"/>
+            </a:endParaRPr>
+          </a:p>
+        </p:txBody>
+      </p:sp>
+      <p:sp>
+        <p:nvSpPr>
+          <p:cNvPr id="11" name="Text Box 17"/>
+          <p:cNvSpPr txBox="1">
+            <a:spLocks noChangeArrowheads="1"/>
+          </p:cNvSpPr>
+          <p:nvPr/>
+        </p:nvSpPr>
+        <p:spPr bwMode="auto">
+          <a:xfrm>
+            <a:off x="445331" y="5425904"/>
+            <a:ext cx="8240400" cy="540000"/>
+          </a:xfrm>
+          <a:prstGeom prst="rect">
+            <a:avLst/>
+          </a:prstGeom>
+          <a:solidFill>
+            <a:schemeClr val="bg1">
+              <a:lumMod val="50000"/>
+            </a:schemeClr>
+          </a:solidFill>
+          <a:ln w="12700">
+            <a:solidFill>
+              <a:schemeClr val="tx1"/>
+            </a:solidFill>
+            <a:miter lim="800000"/>
+            <a:headEnd/>
+            <a:tailEnd/>
+          </a:ln>
+          <a:effectLst>
+            <a:outerShdw blurRad="88900" dist="38100" dir="8100000" algn="ctr" rotWithShape="0">
+              <a:schemeClr val="tx1">
+                <a:alpha val="30000"/>
+              </a:schemeClr>
+            </a:outerShdw>
+          </a:effectLst>
+          <a:extLst/>
+        </p:spPr>
+        <p:txBody>
+          <a:bodyPr anchor="ctr" anchorCtr="0"/>
+          <a:lstStyle>
+            <a:lvl1pPr algn="l" defTabSz="381000">
+              <a:spcBef>
+                <a:spcPct val="0"/>
+              </a:spcBef>
+              <a:defRPr kumimoji="1" sz="2400">
+                <a:solidFill>
+                  <a:schemeClr val="tx1"/>
+                </a:solidFill>
+                <a:latin typeface="Times New Roman" pitchFamily="18" charset="0"/>
+                <a:ea typeface="ＭＳ Ｐゴシック" charset="-128"/>
+              </a:defRPr>
+            </a:lvl1pPr>
+            <a:lvl2pPr algn="l" defTabSz="381000">
+              <a:spcBef>
+                <a:spcPct val="0"/>
+              </a:spcBef>
+              <a:defRPr kumimoji="1" sz="2400">
+                <a:solidFill>
+                  <a:schemeClr val="tx1"/>
+                </a:solidFill>
+                <a:latin typeface="Times New Roman" pitchFamily="18" charset="0"/>
+                <a:ea typeface="ＭＳ Ｐゴシック" charset="-128"/>
+              </a:defRPr>
+            </a:lvl2pPr>
+            <a:lvl3pPr algn="l" defTabSz="381000">
+              <a:spcBef>
+                <a:spcPct val="0"/>
+              </a:spcBef>
+              <a:defRPr kumimoji="1" sz="2400">
+                <a:solidFill>
+                  <a:schemeClr val="tx1"/>
+                </a:solidFill>
+                <a:latin typeface="Times New Roman" pitchFamily="18" charset="0"/>
+                <a:ea typeface="ＭＳ Ｐゴシック" charset="-128"/>
+              </a:defRPr>
+            </a:lvl3pPr>
+            <a:lvl4pPr algn="l" defTabSz="381000">
+              <a:spcBef>
+                <a:spcPct val="0"/>
+              </a:spcBef>
+              <a:defRPr kumimoji="1" sz="2400">
+                <a:solidFill>
+                  <a:schemeClr val="tx1"/>
+                </a:solidFill>
+                <a:latin typeface="Times New Roman" pitchFamily="18" charset="0"/>
+                <a:ea typeface="ＭＳ Ｐゴシック" charset="-128"/>
+              </a:defRPr>
+            </a:lvl4pPr>
+            <a:lvl5pPr algn="l" defTabSz="381000">
+              <a:spcBef>
+                <a:spcPct val="0"/>
+              </a:spcBef>
+              <a:defRPr kumimoji="1" sz="2400">
+                <a:solidFill>
+                  <a:schemeClr val="tx1"/>
+                </a:solidFill>
+                <a:latin typeface="Times New Roman" pitchFamily="18" charset="0"/>
+                <a:ea typeface="ＭＳ Ｐゴシック" charset="-128"/>
+              </a:defRPr>
+            </a:lvl5pPr>
+            <a:lvl6pPr defTabSz="381000" fontAlgn="base">
+              <a:spcBef>
+                <a:spcPct val="0"/>
+              </a:spcBef>
+              <a:spcAft>
+                <a:spcPct val="0"/>
+              </a:spcAft>
+              <a:defRPr kumimoji="1" sz="2400">
+                <a:solidFill>
+                  <a:schemeClr val="tx1"/>
+                </a:solidFill>
+                <a:latin typeface="Times New Roman" pitchFamily="18" charset="0"/>
+                <a:ea typeface="ＭＳ Ｐゴシック" charset="-128"/>
+              </a:defRPr>
+            </a:lvl6pPr>
+            <a:lvl7pPr defTabSz="381000" fontAlgn="base">
+              <a:spcBef>
+                <a:spcPct val="0"/>
+              </a:spcBef>
+              <a:spcAft>
+                <a:spcPct val="0"/>
+              </a:spcAft>
+              <a:defRPr kumimoji="1" sz="2400">
+                <a:solidFill>
+                  <a:schemeClr val="tx1"/>
+                </a:solidFill>
+                <a:latin typeface="Times New Roman" pitchFamily="18" charset="0"/>
+                <a:ea typeface="ＭＳ Ｐゴシック" charset="-128"/>
+              </a:defRPr>
+            </a:lvl7pPr>
+            <a:lvl8pPr defTabSz="381000" fontAlgn="base">
+              <a:spcBef>
+                <a:spcPct val="0"/>
+              </a:spcBef>
+              <a:spcAft>
+                <a:spcPct val="0"/>
+              </a:spcAft>
+              <a:defRPr kumimoji="1" sz="2400">
+                <a:solidFill>
+                  <a:schemeClr val="tx1"/>
+                </a:solidFill>
+                <a:latin typeface="Times New Roman" pitchFamily="18" charset="0"/>
+                <a:ea typeface="ＭＳ Ｐゴシック" charset="-128"/>
+              </a:defRPr>
+            </a:lvl8pPr>
+            <a:lvl9pPr defTabSz="381000" fontAlgn="base">
+              <a:spcBef>
+                <a:spcPct val="0"/>
+              </a:spcBef>
+              <a:spcAft>
+                <a:spcPct val="0"/>
+              </a:spcAft>
+              <a:defRPr kumimoji="1" sz="2400">
+                <a:solidFill>
+                  <a:schemeClr val="tx1"/>
+                </a:solidFill>
+                <a:latin typeface="Times New Roman" pitchFamily="18" charset="0"/>
+                <a:ea typeface="ＭＳ Ｐゴシック" charset="-128"/>
+              </a:defRPr>
+            </a:lvl9pPr>
+          </a:lstStyle>
+          <a:p>
+            <a:pPr lvl="0">
+              <a:spcBef>
+                <a:spcPct val="20000"/>
+              </a:spcBef>
+              <a:buClr>
+                <a:srgbClr val="FFFFFF"/>
+              </a:buClr>
+              <a:defRPr/>
+            </a:pPr>
+            <a:r>
+              <a:rPr lang="en-US" altLang="ja-JP" b="1" kern="0" dirty="0" smtClean="0">
+                <a:solidFill>
+                  <a:srgbClr val="FFFFFF"/>
+                </a:solidFill>
+                <a:latin typeface="+mn-lt"/>
+              </a:rPr>
+              <a:t>6</a:t>
+            </a:r>
+            <a:r>
+              <a:rPr lang="en-US" altLang="ja-JP" b="1" kern="0" dirty="0">
+                <a:solidFill>
+                  <a:srgbClr val="FFFFFF"/>
+                </a:solidFill>
+                <a:latin typeface="+mn-lt"/>
+              </a:rPr>
+              <a:t>. Conclusions</a:t>
+            </a:r>
+            <a:endParaRPr kumimoji="1" lang="ja-JP" altLang="en-US" b="1" i="0" u="none" strike="noStrike" kern="0" cap="none" spc="0" normalizeH="0" baseline="0" noProof="0" dirty="0" smtClean="0">
+              <a:ln>
+                <a:noFill/>
+              </a:ln>
+              <a:solidFill>
+                <a:srgbClr val="FFFFFF"/>
+              </a:solidFill>
+              <a:effectLst/>
+              <a:uLnTx/>
+              <a:uFillTx/>
+              <a:latin typeface="+mn-lt"/>
             </a:endParaRPr>
           </a:p>
         </p:txBody>
@@ -4035,7 +5482,7 @@
     </p:spTree>
     <p:extLst>
       <p:ext uri="{BB962C8B-B14F-4D97-AF65-F5344CB8AC3E}">
-        <p14:creationId xmlns:p14="http://schemas.microsoft.com/office/powerpoint/2010/main" val="4029237450"/>
+        <p14:creationId xmlns:p14="http://schemas.microsoft.com/office/powerpoint/2010/main" val="1781670292"/>
       </p:ext>
     </p:extLst>
   </p:cSld>
@@ -4079,8 +5526,8 @@
         </p:nvSpPr>
         <p:spPr>
           <a:xfrm>
-            <a:off x="179512" y="1192412"/>
-            <a:ext cx="8784976" cy="4473176"/>
+            <a:off x="360000" y="1192412"/>
+            <a:ext cx="8424000" cy="4473176"/>
           </a:xfrm>
           <a:prstGeom prst="rect">
             <a:avLst/>
@@ -4111,13 +5558,8 @@
             </a:lvl1pPr>
           </a:lstStyle>
           <a:p>
-            <a:pPr algn="l">
-              <a:spcBef>
-                <a:spcPts val="0"/>
-              </a:spcBef>
-            </a:pPr>
-            <a:r>
-              <a:rPr kumimoji="0" lang="en-US" altLang="ja-JP" sz="4400" b="0" kern="0" dirty="0" smtClean="0">
+            <a:r>
+              <a:rPr lang="ja-JP" altLang="en-US" sz="9600" b="0" dirty="0" smtClean="0">
                 <a:solidFill>
                   <a:srgbClr val="000000"/>
                 </a:solidFill>
@@ -4125,21 +5567,21 @@
                 <a:ea typeface="+mn-ea"/>
                 <a:cs typeface="ＭＳ 明朝"/>
               </a:rPr>
-              <a:t>1) </a:t>
-            </a:r>
-            <a:r>
-              <a:rPr kumimoji="0" lang="ja-JP" altLang="en-US" sz="4400" b="0" kern="0" dirty="0" smtClean="0">
-                <a:solidFill>
-                  <a:srgbClr val="000000"/>
+              <a:t>今年の</a:t>
+            </a:r>
+            <a:r>
+              <a:rPr lang="en-US" altLang="ja-JP" sz="9600" b="0" dirty="0" smtClean="0">
+                <a:solidFill>
+                  <a:srgbClr val="BF0000"/>
                 </a:solidFill>
                 <a:latin typeface="+mn-ea"/>
                 <a:ea typeface="+mn-ea"/>
                 <a:cs typeface="ＭＳ 明朝"/>
               </a:rPr>
-              <a:t>スクラム</a:t>
-            </a:r>
-            <a:r>
-              <a:rPr kumimoji="0" lang="ja-JP" altLang="en-US" sz="4400" b="0" kern="0" dirty="0">
+              <a:t>GW</a:t>
+            </a:r>
+            <a:r>
+              <a:rPr lang="ja-JP" altLang="en-US" sz="9600" b="0" dirty="0" smtClean="0">
                 <a:solidFill>
                   <a:srgbClr val="000000"/>
                 </a:solidFill>
@@ -4147,70 +5589,11 @@
                 <a:ea typeface="+mn-ea"/>
                 <a:cs typeface="ＭＳ 明朝"/>
               </a:rPr>
-              <a:t>を</a:t>
-            </a:r>
-            <a:r>
-              <a:rPr kumimoji="0" lang="ja-JP" altLang="en-US" sz="4400" b="0" kern="0" dirty="0" smtClean="0">
-                <a:solidFill>
-                  <a:srgbClr val="000000"/>
-                </a:solidFill>
-                <a:latin typeface="+mn-ea"/>
-                <a:ea typeface="+mn-ea"/>
-                <a:cs typeface="ＭＳ 明朝"/>
-              </a:rPr>
-              <a:t>採用することにしたが、</a:t>
-            </a:r>
-            <a:endParaRPr kumimoji="0" lang="en-US" altLang="ja-JP" sz="4400" b="0" kern="0" dirty="0">
+              <a:t>前</a:t>
+            </a:r>
+            <a:endParaRPr lang="en-US" altLang="ja-JP" sz="9600" b="0" dirty="0" smtClean="0">
               <a:solidFill>
                 <a:srgbClr val="000000"/>
-              </a:solidFill>
-              <a:latin typeface="+mn-ea"/>
-              <a:ea typeface="+mn-ea"/>
-              <a:cs typeface="ＭＳ 明朝"/>
-            </a:endParaRPr>
-          </a:p>
-          <a:p>
-            <a:pPr indent="536575" algn="l">
-              <a:spcBef>
-                <a:spcPts val="0"/>
-              </a:spcBef>
-            </a:pPr>
-            <a:r>
-              <a:rPr kumimoji="0" lang="ja-JP" altLang="en-US" sz="4400" b="0" kern="0" dirty="0" smtClean="0">
-                <a:solidFill>
-                  <a:srgbClr val="000000"/>
-                </a:solidFill>
-                <a:latin typeface="+mn-ea"/>
-                <a:ea typeface="+mn-ea"/>
-                <a:cs typeface="ＭＳ 明朝"/>
-              </a:rPr>
-              <a:t>アジャイル・</a:t>
-            </a:r>
-            <a:r>
-              <a:rPr kumimoji="0" lang="ja-JP" altLang="en-US" sz="4400" b="0" kern="0" dirty="0">
-                <a:solidFill>
-                  <a:srgbClr val="000000"/>
-                </a:solidFill>
-                <a:latin typeface="+mn-ea"/>
-                <a:ea typeface="+mn-ea"/>
-                <a:cs typeface="ＭＳ 明朝"/>
-              </a:rPr>
-              <a:t>スクラム経験者は</a:t>
-            </a:r>
-            <a:r>
-              <a:rPr kumimoji="0" lang="ja-JP" altLang="en-US" sz="4400" b="0" kern="0" dirty="0" smtClean="0">
-                <a:solidFill>
-                  <a:srgbClr val="BF0000"/>
-                </a:solidFill>
-                <a:latin typeface="+mn-ea"/>
-                <a:ea typeface="+mn-ea"/>
-                <a:cs typeface="ＭＳ 明朝"/>
-              </a:rPr>
-              <a:t>ゼロ</a:t>
-            </a:r>
-            <a:endParaRPr kumimoji="0" lang="ja-JP" altLang="en-US" sz="4400" b="0" kern="0" dirty="0">
-              <a:solidFill>
-                <a:srgbClr val="BF0000"/>
               </a:solidFill>
               <a:latin typeface="+mn-ea"/>
               <a:ea typeface="+mn-ea"/>
@@ -4222,7 +5605,7 @@
     </p:spTree>
     <p:extLst>
       <p:ext uri="{BB962C8B-B14F-4D97-AF65-F5344CB8AC3E}">
-        <p14:creationId xmlns:p14="http://schemas.microsoft.com/office/powerpoint/2010/main" val="2495657841"/>
+        <p14:creationId xmlns:p14="http://schemas.microsoft.com/office/powerpoint/2010/main" val="2727676713"/>
       </p:ext>
     </p:extLst>
   </p:cSld>
@@ -4266,8 +5649,8 @@
         </p:nvSpPr>
         <p:spPr>
           <a:xfrm>
-            <a:off x="179512" y="1192412"/>
-            <a:ext cx="8784976" cy="4473176"/>
+            <a:off x="107504" y="584684"/>
+            <a:ext cx="8928992" cy="5688632"/>
           </a:xfrm>
           <a:prstGeom prst="rect">
             <a:avLst/>
@@ -4298,47 +5681,20 @@
             </a:lvl1pPr>
           </a:lstStyle>
           <a:p>
-            <a:pPr algn="l">
-              <a:spcBef>
-                <a:spcPts val="0"/>
-              </a:spcBef>
-            </a:pPr>
-            <a:r>
-              <a:rPr kumimoji="0" lang="en-US" altLang="ja-JP" sz="4400" b="0" kern="0" dirty="0" smtClean="0">
-                <a:solidFill>
-                  <a:srgbClr val="000000"/>
+            <a:r>
+              <a:rPr lang="ja-JP" altLang="en-US" sz="7200" b="0" dirty="0" smtClean="0">
+                <a:solidFill>
+                  <a:schemeClr val="tx1"/>
                 </a:solidFill>
                 <a:latin typeface="+mn-ea"/>
                 <a:ea typeface="+mn-ea"/>
                 <a:cs typeface="ＭＳ 明朝"/>
               </a:rPr>
-              <a:t>2) </a:t>
-            </a:r>
-            <a:r>
-              <a:rPr kumimoji="0" lang="ja-JP" altLang="en-US" sz="4400" b="0" kern="0" dirty="0" smtClean="0">
-                <a:solidFill>
-                  <a:srgbClr val="000000"/>
-                </a:solidFill>
-                <a:latin typeface="+mn-ea"/>
-                <a:ea typeface="+mn-ea"/>
-                <a:cs typeface="ＭＳ 明朝"/>
-              </a:rPr>
-              <a:t>レガシーコードの</a:t>
-            </a:r>
-            <a:r>
-              <a:rPr kumimoji="0" lang="ja-JP" altLang="en-US" sz="4400" b="0" kern="0" dirty="0" smtClean="0">
-                <a:solidFill>
-                  <a:srgbClr val="BF0000"/>
-                </a:solidFill>
-                <a:latin typeface="+mn-ea"/>
-                <a:ea typeface="+mn-ea"/>
-                <a:cs typeface="ＭＳ 明朝"/>
-              </a:rPr>
-              <a:t>エンハンス</a:t>
-            </a:r>
-            <a:endParaRPr kumimoji="0" lang="en-US" altLang="ja-JP" sz="4400" b="0" kern="0" dirty="0">
+              <a:t>某プロジェクトから、</a:t>
+            </a:r>
+            <a:endParaRPr lang="en-US" altLang="ja-JP" sz="7200" b="0" dirty="0" smtClean="0">
               <a:solidFill>
-                <a:srgbClr val="BF0000"/>
+                <a:schemeClr val="tx1"/>
               </a:solidFill>
               <a:latin typeface="+mn-ea"/>
               <a:ea typeface="+mn-ea"/>
@@ -4346,24 +5702,19 @@
             </a:endParaRPr>
           </a:p>
           <a:p>
-            <a:pPr indent="620713" algn="l">
-              <a:spcBef>
-                <a:spcPts val="0"/>
-              </a:spcBef>
-            </a:pPr>
-            <a:r>
-              <a:rPr kumimoji="0" lang="en-US" altLang="ja-JP" sz="4400" b="0" kern="0" dirty="0" smtClean="0">
-                <a:solidFill>
-                  <a:srgbClr val="000000"/>
+            <a:r>
+              <a:rPr lang="ja-JP" altLang="en-US" sz="7200" b="0" dirty="0" smtClean="0">
+                <a:solidFill>
+                  <a:srgbClr val="BF0000"/>
                 </a:solidFill>
                 <a:latin typeface="+mn-ea"/>
                 <a:ea typeface="+mn-ea"/>
                 <a:cs typeface="ＭＳ 明朝"/>
               </a:rPr>
-              <a:t>※</a:t>
-            </a:r>
-            <a:r>
-              <a:rPr kumimoji="0" lang="ja-JP" altLang="en-US" sz="4400" b="0" kern="0" dirty="0" smtClean="0">
+              <a:t>アジャイルコーチ</a:t>
+            </a:r>
+            <a:r>
+              <a:rPr lang="ja-JP" altLang="en-US" sz="7200" b="0" dirty="0" smtClean="0">
                 <a:solidFill>
                   <a:srgbClr val="000000"/>
                 </a:solidFill>
@@ -4371,9 +5722,72 @@
                 <a:ea typeface="+mn-ea"/>
                 <a:cs typeface="ＭＳ 明朝"/>
               </a:rPr>
-              <a:t>自動テストなどない</a:t>
-            </a:r>
-            <a:endParaRPr kumimoji="0" lang="ja-JP" altLang="en-US" sz="4400" b="0" kern="0" dirty="0">
+              <a:t>として</a:t>
+            </a:r>
+            <a:endParaRPr lang="en-US" altLang="ja-JP" sz="7200" b="0" dirty="0" smtClean="0">
+              <a:solidFill>
+                <a:srgbClr val="000000"/>
+              </a:solidFill>
+              <a:latin typeface="+mn-ea"/>
+              <a:ea typeface="+mn-ea"/>
+              <a:cs typeface="ＭＳ 明朝"/>
+            </a:endParaRPr>
+          </a:p>
+          <a:p>
+            <a:r>
+              <a:rPr lang="ja-JP" altLang="en-US" sz="7200" b="0" dirty="0" smtClean="0">
+                <a:solidFill>
+                  <a:srgbClr val="000000"/>
+                </a:solidFill>
+                <a:latin typeface="+mn-ea"/>
+                <a:ea typeface="+mn-ea"/>
+                <a:cs typeface="ＭＳ 明朝"/>
+              </a:rPr>
+              <a:t>サポートして欲しい</a:t>
+            </a:r>
+            <a:endParaRPr lang="en-US" altLang="ja-JP" sz="7200" b="0" dirty="0" smtClean="0">
+              <a:solidFill>
+                <a:srgbClr val="000000"/>
+              </a:solidFill>
+              <a:latin typeface="+mn-ea"/>
+              <a:ea typeface="+mn-ea"/>
+              <a:cs typeface="ＭＳ 明朝"/>
+            </a:endParaRPr>
+          </a:p>
+          <a:p>
+            <a:r>
+              <a:rPr lang="ja-JP" altLang="en-US" sz="7200" b="0" dirty="0" smtClean="0">
+                <a:solidFill>
+                  <a:srgbClr val="000000"/>
+                </a:solidFill>
+                <a:latin typeface="+mn-ea"/>
+                <a:ea typeface="+mn-ea"/>
+                <a:cs typeface="ＭＳ 明朝"/>
+              </a:rPr>
+              <a:t>というリクエストを</a:t>
+            </a:r>
+            <a:endParaRPr lang="en-US" altLang="ja-JP" sz="7200" b="0" dirty="0" smtClean="0">
+              <a:solidFill>
+                <a:srgbClr val="000000"/>
+              </a:solidFill>
+              <a:latin typeface="+mn-ea"/>
+              <a:ea typeface="+mn-ea"/>
+              <a:cs typeface="ＭＳ 明朝"/>
+            </a:endParaRPr>
+          </a:p>
+          <a:p>
+            <a:r>
+              <a:rPr lang="ja-JP" altLang="en-US" sz="7200" b="0" dirty="0" smtClean="0">
+                <a:solidFill>
+                  <a:srgbClr val="000000"/>
+                </a:solidFill>
+                <a:latin typeface="+mn-ea"/>
+                <a:ea typeface="+mn-ea"/>
+                <a:cs typeface="ＭＳ 明朝"/>
+              </a:rPr>
+              <a:t>いただきました。</a:t>
+            </a:r>
+            <a:endParaRPr lang="en-US" altLang="ja-JP" sz="7200" b="0" dirty="0" smtClean="0">
               <a:solidFill>
                 <a:srgbClr val="000000"/>
               </a:solidFill>
@@ -4387,7 +5801,7 @@
     </p:spTree>
     <p:extLst>
       <p:ext uri="{BB962C8B-B14F-4D97-AF65-F5344CB8AC3E}">
-        <p14:creationId xmlns:p14="http://schemas.microsoft.com/office/powerpoint/2010/main" val="3030580250"/>
+        <p14:creationId xmlns:p14="http://schemas.microsoft.com/office/powerpoint/2010/main" val="3752741527"/>
       </p:ext>
     </p:extLst>
   </p:cSld>
@@ -4431,8 +5845,8 @@
         </p:nvSpPr>
         <p:spPr>
           <a:xfrm>
-            <a:off x="179512" y="1192412"/>
-            <a:ext cx="8784976" cy="4473176"/>
+            <a:off x="53752" y="1192412"/>
+            <a:ext cx="9036496" cy="4473176"/>
           </a:xfrm>
           <a:prstGeom prst="rect">
             <a:avLst/>
@@ -4463,13 +5877,8 @@
             </a:lvl1pPr>
           </a:lstStyle>
           <a:p>
-            <a:pPr algn="l">
-              <a:spcBef>
-                <a:spcPts val="0"/>
-              </a:spcBef>
-            </a:pPr>
-            <a:r>
-              <a:rPr kumimoji="0" lang="en-US" altLang="ja-JP" sz="4400" b="0" kern="0" dirty="0" smtClean="0">
+            <a:r>
+              <a:rPr lang="ja-JP" altLang="en-US" sz="9600" b="0" dirty="0" smtClean="0">
                 <a:solidFill>
                   <a:srgbClr val="000000"/>
                 </a:solidFill>
@@ -4477,33 +5886,33 @@
                 <a:ea typeface="+mn-ea"/>
                 <a:cs typeface="ＭＳ 明朝"/>
               </a:rPr>
-              <a:t>3) </a:t>
-            </a:r>
-            <a:r>
-              <a:rPr kumimoji="0" lang="ja-JP" altLang="en-US" sz="4400" b="0" kern="0" dirty="0" smtClean="0">
-                <a:solidFill>
-                  <a:srgbClr val="000000"/>
+              <a:t>私の</a:t>
+            </a:r>
+            <a:r>
+              <a:rPr lang="ja-JP" altLang="en-US" sz="9600" b="0" dirty="0" smtClean="0">
+                <a:solidFill>
+                  <a:schemeClr val="accent1"/>
                 </a:solidFill>
                 <a:latin typeface="+mn-ea"/>
                 <a:ea typeface="+mn-ea"/>
                 <a:cs typeface="ＭＳ 明朝"/>
               </a:rPr>
-              <a:t>テストもリリースも全て</a:t>
-            </a:r>
-            <a:r>
-              <a:rPr kumimoji="0" lang="ja-JP" altLang="en-US" sz="4400" b="0" kern="0" dirty="0" smtClean="0">
-                <a:solidFill>
-                  <a:srgbClr val="BF0000"/>
+              <a:t>目</a:t>
+            </a:r>
+            <a:r>
+              <a:rPr lang="ja-JP" altLang="en-US" sz="9600" b="0" dirty="0" smtClean="0">
+                <a:solidFill>
+                  <a:srgbClr val="000000"/>
                 </a:solidFill>
                 <a:latin typeface="+mn-ea"/>
                 <a:ea typeface="+mn-ea"/>
                 <a:cs typeface="ＭＳ 明朝"/>
               </a:rPr>
-              <a:t>手作業</a:t>
-            </a:r>
-            <a:endParaRPr kumimoji="0" lang="en-US" altLang="ja-JP" sz="4400" b="0" kern="0" dirty="0" smtClean="0">
+              <a:t>から見た</a:t>
+            </a:r>
+            <a:endParaRPr lang="en-US" altLang="ja-JP" sz="9600" b="0" dirty="0" smtClean="0">
               <a:solidFill>
-                <a:srgbClr val="BF0000"/>
+                <a:srgbClr val="000000"/>
               </a:solidFill>
               <a:latin typeface="+mn-ea"/>
               <a:ea typeface="+mn-ea"/>
@@ -4511,36 +5920,20 @@
             </a:endParaRPr>
           </a:p>
           <a:p>
-            <a:pPr indent="622300" algn="l">
-              <a:spcBef>
-                <a:spcPts val="0"/>
-              </a:spcBef>
-            </a:pPr>
-            <a:r>
-              <a:rPr kumimoji="0" lang="en-US" altLang="ja-JP" sz="4400" b="0" kern="0" dirty="0" smtClean="0">
-                <a:solidFill>
-                  <a:schemeClr val="tx1"/>
+            <a:r>
+              <a:rPr lang="ja-JP" altLang="en-US" sz="9600" b="0" dirty="0" smtClean="0">
+                <a:solidFill>
+                  <a:srgbClr val="000000"/>
                 </a:solidFill>
                 <a:latin typeface="+mn-ea"/>
                 <a:ea typeface="+mn-ea"/>
                 <a:cs typeface="ＭＳ 明朝"/>
               </a:rPr>
-              <a:t>※</a:t>
-            </a:r>
-            <a:r>
-              <a:rPr kumimoji="0" lang="ja-JP" altLang="en-US" sz="4400" b="0" kern="0" dirty="0" smtClean="0">
-                <a:solidFill>
-                  <a:schemeClr val="tx1"/>
-                </a:solidFill>
-                <a:latin typeface="+mn-ea"/>
-                <a:ea typeface="+mn-ea"/>
-                <a:cs typeface="ＭＳ 明朝"/>
-              </a:rPr>
-              <a:t>徹夜なんてザラ</a:t>
-            </a:r>
-            <a:endParaRPr kumimoji="0" lang="en-US" altLang="ja-JP" sz="4400" b="0" kern="0" dirty="0" smtClean="0">
+              <a:t>チーム状況</a:t>
+            </a:r>
+            <a:endParaRPr lang="en-US" altLang="ja-JP" sz="9600" b="0" dirty="0" smtClean="0">
               <a:solidFill>
-                <a:schemeClr val="tx1"/>
+                <a:srgbClr val="000000"/>
               </a:solidFill>
               <a:latin typeface="+mn-ea"/>
               <a:ea typeface="+mn-ea"/>
@@ -4552,7 +5945,7 @@
     </p:spTree>
     <p:extLst>
       <p:ext uri="{BB962C8B-B14F-4D97-AF65-F5344CB8AC3E}">
-        <p14:creationId xmlns:p14="http://schemas.microsoft.com/office/powerpoint/2010/main" val="810821384"/>
+        <p14:creationId xmlns:p14="http://schemas.microsoft.com/office/powerpoint/2010/main" val="4029237450"/>
       </p:ext>
     </p:extLst>
   </p:cSld>
@@ -4642,7 +6035,7 @@
                 <a:ea typeface="+mn-ea"/>
                 <a:cs typeface="ＭＳ 明朝"/>
               </a:rPr>
-              <a:t>4) </a:t>
+              <a:t>1) </a:t>
             </a:r>
             <a:r>
               <a:rPr kumimoji="0" lang="ja-JP" altLang="en-US" sz="4400" b="0" kern="0" dirty="0" smtClean="0">
@@ -4653,20 +6046,79 @@
                 <a:ea typeface="+mn-ea"/>
                 <a:cs typeface="ＭＳ 明朝"/>
               </a:rPr>
-              <a:t>メンバーが非常に</a:t>
-            </a:r>
-            <a:r>
-              <a:rPr kumimoji="0" lang="ja-JP" altLang="en-US" sz="4400" b="0" kern="0" dirty="0" smtClean="0">
-                <a:solidFill>
-                  <a:srgbClr val="BF0000"/>
+              <a:t>スクラム</a:t>
+            </a:r>
+            <a:r>
+              <a:rPr kumimoji="0" lang="ja-JP" altLang="en-US" sz="4400" b="0" kern="0" dirty="0">
+                <a:solidFill>
+                  <a:srgbClr val="000000"/>
                 </a:solidFill>
                 <a:latin typeface="+mn-ea"/>
                 <a:ea typeface="+mn-ea"/>
                 <a:cs typeface="ＭＳ 明朝"/>
               </a:rPr>
-              <a:t>若い</a:t>
-            </a:r>
-            <a:endParaRPr kumimoji="0" lang="en-US" altLang="ja-JP" sz="4400" b="0" kern="0" dirty="0" smtClean="0">
+              <a:t>を</a:t>
+            </a:r>
+            <a:r>
+              <a:rPr kumimoji="0" lang="ja-JP" altLang="en-US" sz="4400" b="0" kern="0" dirty="0" smtClean="0">
+                <a:solidFill>
+                  <a:srgbClr val="000000"/>
+                </a:solidFill>
+                <a:latin typeface="+mn-ea"/>
+                <a:ea typeface="+mn-ea"/>
+                <a:cs typeface="ＭＳ 明朝"/>
+              </a:rPr>
+              <a:t>採用することにしたが、</a:t>
+            </a:r>
+            <a:endParaRPr kumimoji="0" lang="en-US" altLang="ja-JP" sz="4400" b="0" kern="0" dirty="0">
+              <a:solidFill>
+                <a:srgbClr val="000000"/>
+              </a:solidFill>
+              <a:latin typeface="+mn-ea"/>
+              <a:ea typeface="+mn-ea"/>
+              <a:cs typeface="ＭＳ 明朝"/>
+            </a:endParaRPr>
+          </a:p>
+          <a:p>
+            <a:pPr indent="536575" algn="l">
+              <a:spcBef>
+                <a:spcPts val="0"/>
+              </a:spcBef>
+            </a:pPr>
+            <a:r>
+              <a:rPr kumimoji="0" lang="ja-JP" altLang="en-US" sz="4400" b="0" kern="0" dirty="0" smtClean="0">
+                <a:solidFill>
+                  <a:srgbClr val="000000"/>
+                </a:solidFill>
+                <a:latin typeface="+mn-ea"/>
+                <a:ea typeface="+mn-ea"/>
+                <a:cs typeface="ＭＳ 明朝"/>
+              </a:rPr>
+              <a:t>アジャイル・</a:t>
+            </a:r>
+            <a:r>
+              <a:rPr kumimoji="0" lang="ja-JP" altLang="en-US" sz="4400" b="0" kern="0" dirty="0">
+                <a:solidFill>
+                  <a:srgbClr val="000000"/>
+                </a:solidFill>
+                <a:latin typeface="+mn-ea"/>
+                <a:ea typeface="+mn-ea"/>
+                <a:cs typeface="ＭＳ 明朝"/>
+              </a:rPr>
+              <a:t>スクラム経験者は</a:t>
+            </a:r>
+            <a:r>
+              <a:rPr kumimoji="0" lang="ja-JP" altLang="en-US" sz="4400" b="0" kern="0" dirty="0" smtClean="0">
+                <a:solidFill>
+                  <a:srgbClr val="BF0000"/>
+                </a:solidFill>
+                <a:latin typeface="+mn-ea"/>
+                <a:ea typeface="+mn-ea"/>
+                <a:cs typeface="ＭＳ 明朝"/>
+              </a:rPr>
+              <a:t>ゼロ</a:t>
+            </a:r>
+            <a:endParaRPr kumimoji="0" lang="ja-JP" altLang="en-US" sz="4400" b="0" kern="0" dirty="0">
               <a:solidFill>
                 <a:srgbClr val="BF0000"/>
               </a:solidFill>
@@ -4675,46 +6127,12 @@
               <a:cs typeface="ＭＳ 明朝"/>
             </a:endParaRPr>
           </a:p>
-          <a:p>
-            <a:pPr indent="622300" algn="l">
-              <a:spcBef>
-                <a:spcPts val="0"/>
-              </a:spcBef>
-            </a:pPr>
-            <a:r>
-              <a:rPr kumimoji="0" lang="en-US" altLang="ja-JP" sz="4400" b="0" kern="0" dirty="0" smtClean="0">
-                <a:solidFill>
-                  <a:srgbClr val="000000"/>
-                </a:solidFill>
-                <a:latin typeface="+mn-ea"/>
-                <a:cs typeface="ＭＳ 明朝"/>
-              </a:rPr>
-              <a:t>※</a:t>
-            </a:r>
-            <a:r>
-              <a:rPr kumimoji="0" lang="ja-JP" altLang="en-US" sz="4400" b="0" kern="0" dirty="0" smtClean="0">
-                <a:solidFill>
-                  <a:srgbClr val="000000"/>
-                </a:solidFill>
-                <a:latin typeface="+mn-ea"/>
-                <a:cs typeface="ＭＳ 明朝"/>
-              </a:rPr>
-              <a:t>平均キャリアは３年前後</a:t>
-            </a:r>
-            <a:endParaRPr kumimoji="0" lang="ja-JP" altLang="en-US" sz="4400" b="0" kern="0" dirty="0">
-              <a:solidFill>
-                <a:srgbClr val="000000"/>
-              </a:solidFill>
-              <a:latin typeface="+mn-ea"/>
-              <a:cs typeface="ＭＳ 明朝"/>
-            </a:endParaRPr>
-          </a:p>
         </p:txBody>
       </p:sp>
     </p:spTree>
     <p:extLst>
       <p:ext uri="{BB962C8B-B14F-4D97-AF65-F5344CB8AC3E}">
-        <p14:creationId xmlns:p14="http://schemas.microsoft.com/office/powerpoint/2010/main" val="2305762005"/>
+        <p14:creationId xmlns:p14="http://schemas.microsoft.com/office/powerpoint/2010/main" val="2495657841"/>
       </p:ext>
     </p:extLst>
   </p:cSld>
@@ -4758,8 +6176,8 @@
         </p:nvSpPr>
         <p:spPr>
           <a:xfrm>
-            <a:off x="107504" y="1192412"/>
-            <a:ext cx="8928992" cy="4473176"/>
+            <a:off x="179512" y="1192412"/>
+            <a:ext cx="8784976" cy="4473176"/>
           </a:xfrm>
           <a:prstGeom prst="rect">
             <a:avLst/>
@@ -4790,20 +6208,47 @@
             </a:lvl1pPr>
           </a:lstStyle>
           <a:p>
-            <a:r>
-              <a:rPr lang="ja-JP" altLang="en-US" sz="8800" b="0" dirty="0" smtClean="0">
-                <a:solidFill>
-                  <a:schemeClr val="tx1"/>
+            <a:pPr algn="l">
+              <a:spcBef>
+                <a:spcPts val="0"/>
+              </a:spcBef>
+            </a:pPr>
+            <a:r>
+              <a:rPr kumimoji="0" lang="en-US" altLang="ja-JP" sz="4400" b="0" kern="0" dirty="0" smtClean="0">
+                <a:solidFill>
+                  <a:srgbClr val="000000"/>
                 </a:solidFill>
                 <a:latin typeface="+mn-ea"/>
                 <a:ea typeface="+mn-ea"/>
                 <a:cs typeface="ＭＳ 明朝"/>
               </a:rPr>
-              <a:t>皆さんなら</a:t>
-            </a:r>
-            <a:endParaRPr lang="en-US" altLang="ja-JP" sz="8800" b="0" dirty="0" smtClean="0">
+              <a:t>2) </a:t>
+            </a:r>
+            <a:r>
+              <a:rPr kumimoji="0" lang="ja-JP" altLang="en-US" sz="4400" b="0" kern="0" dirty="0" smtClean="0">
+                <a:solidFill>
+                  <a:srgbClr val="000000"/>
+                </a:solidFill>
+                <a:latin typeface="+mn-ea"/>
+                <a:ea typeface="+mn-ea"/>
+                <a:cs typeface="ＭＳ 明朝"/>
+              </a:rPr>
+              <a:t>レガシーコードの</a:t>
+            </a:r>
+            <a:r>
+              <a:rPr kumimoji="0" lang="ja-JP" altLang="en-US" sz="4400" b="0" kern="0" dirty="0" smtClean="0">
+                <a:solidFill>
+                  <a:srgbClr val="BF0000"/>
+                </a:solidFill>
+                <a:latin typeface="+mn-ea"/>
+                <a:ea typeface="+mn-ea"/>
+                <a:cs typeface="ＭＳ 明朝"/>
+              </a:rPr>
+              <a:t>エンハンス</a:t>
+            </a:r>
+            <a:endParaRPr kumimoji="0" lang="en-US" altLang="ja-JP" sz="4400" b="0" kern="0" dirty="0">
               <a:solidFill>
-                <a:schemeClr val="tx1"/>
+                <a:srgbClr val="BF0000"/>
               </a:solidFill>
               <a:latin typeface="+mn-ea"/>
               <a:ea typeface="+mn-ea"/>
@@ -4811,31 +6256,36 @@
             </a:endParaRPr>
           </a:p>
           <a:p>
-            <a:r>
-              <a:rPr lang="ja-JP" altLang="en-US" sz="8800" b="0" dirty="0" smtClean="0">
-                <a:solidFill>
-                  <a:srgbClr val="BF0000"/>
+            <a:pPr indent="620713" algn="l">
+              <a:spcBef>
+                <a:spcPts val="0"/>
+              </a:spcBef>
+            </a:pPr>
+            <a:r>
+              <a:rPr kumimoji="0" lang="en-US" altLang="ja-JP" sz="4400" b="0" kern="0" dirty="0" smtClean="0">
+                <a:solidFill>
+                  <a:srgbClr val="000000"/>
                 </a:solidFill>
                 <a:latin typeface="+mn-ea"/>
                 <a:ea typeface="+mn-ea"/>
                 <a:cs typeface="ＭＳ 明朝"/>
               </a:rPr>
-              <a:t>どう</a:t>
-            </a:r>
-            <a:r>
-              <a:rPr lang="ja-JP" altLang="en-US" sz="8800" b="0" dirty="0" smtClean="0">
-                <a:solidFill>
-                  <a:schemeClr val="tx1"/>
+              <a:t>※</a:t>
+            </a:r>
+            <a:r>
+              <a:rPr kumimoji="0" lang="ja-JP" altLang="en-US" sz="4400" b="0" kern="0" dirty="0" smtClean="0">
+                <a:solidFill>
+                  <a:srgbClr val="000000"/>
                 </a:solidFill>
                 <a:latin typeface="+mn-ea"/>
                 <a:ea typeface="+mn-ea"/>
                 <a:cs typeface="ＭＳ 明朝"/>
               </a:rPr>
-              <a:t>思いますか？</a:t>
-            </a:r>
-            <a:endParaRPr lang="en-US" altLang="ja-JP" sz="8800" b="0" dirty="0" smtClean="0">
+              <a:t>自動テストなどない</a:t>
+            </a:r>
+            <a:endParaRPr kumimoji="0" lang="ja-JP" altLang="en-US" sz="4400" b="0" kern="0" dirty="0">
               <a:solidFill>
-                <a:schemeClr val="tx1"/>
+                <a:srgbClr val="000000"/>
               </a:solidFill>
               <a:latin typeface="+mn-ea"/>
               <a:ea typeface="+mn-ea"/>
@@ -4847,7 +6297,7 @@
     </p:spTree>
     <p:extLst>
       <p:ext uri="{BB962C8B-B14F-4D97-AF65-F5344CB8AC3E}">
-        <p14:creationId xmlns:p14="http://schemas.microsoft.com/office/powerpoint/2010/main" val="3663135761"/>
+        <p14:creationId xmlns:p14="http://schemas.microsoft.com/office/powerpoint/2010/main" val="3030580250"/>
       </p:ext>
     </p:extLst>
   </p:cSld>
@@ -4891,8 +6341,8 @@
         </p:nvSpPr>
         <p:spPr>
           <a:xfrm>
-            <a:off x="107504" y="1192412"/>
-            <a:ext cx="8928992" cy="4473176"/>
+            <a:off x="179512" y="1192412"/>
+            <a:ext cx="8784976" cy="4473176"/>
           </a:xfrm>
           <a:prstGeom prst="rect">
             <a:avLst/>
@@ -4923,8 +6373,13 @@
             </a:lvl1pPr>
           </a:lstStyle>
           <a:p>
-            <a:r>
-              <a:rPr lang="ja-JP" altLang="en-US" sz="9600" b="0" dirty="0" smtClean="0">
+            <a:pPr algn="l">
+              <a:spcBef>
+                <a:spcPts val="0"/>
+              </a:spcBef>
+            </a:pPr>
+            <a:r>
+              <a:rPr kumimoji="0" lang="en-US" altLang="ja-JP" sz="4400" b="0" kern="0" dirty="0" smtClean="0">
                 <a:solidFill>
                   <a:srgbClr val="000000"/>
                 </a:solidFill>
@@ -4932,11 +6387,33 @@
                 <a:ea typeface="+mn-ea"/>
                 <a:cs typeface="ＭＳ 明朝"/>
               </a:rPr>
-              <a:t>私は</a:t>
-            </a:r>
-            <a:endParaRPr lang="en-US" altLang="ja-JP" sz="9600" b="0" dirty="0" smtClean="0">
+              <a:t>3) </a:t>
+            </a:r>
+            <a:r>
+              <a:rPr kumimoji="0" lang="ja-JP" altLang="en-US" sz="4400" b="0" kern="0" dirty="0" smtClean="0">
+                <a:solidFill>
+                  <a:srgbClr val="000000"/>
+                </a:solidFill>
+                <a:latin typeface="+mn-ea"/>
+                <a:ea typeface="+mn-ea"/>
+                <a:cs typeface="ＭＳ 明朝"/>
+              </a:rPr>
+              <a:t>テストもリリースも全て</a:t>
+            </a:r>
+            <a:r>
+              <a:rPr kumimoji="0" lang="ja-JP" altLang="en-US" sz="4400" b="0" kern="0" dirty="0" smtClean="0">
+                <a:solidFill>
+                  <a:srgbClr val="BF0000"/>
+                </a:solidFill>
+                <a:latin typeface="+mn-ea"/>
+                <a:ea typeface="+mn-ea"/>
+                <a:cs typeface="ＭＳ 明朝"/>
+              </a:rPr>
+              <a:t>手作業</a:t>
+            </a:r>
+            <a:endParaRPr kumimoji="0" lang="en-US" altLang="ja-JP" sz="4400" b="0" kern="0" dirty="0" smtClean="0">
               <a:solidFill>
-                <a:srgbClr val="000000"/>
+                <a:srgbClr val="BF0000"/>
               </a:solidFill>
               <a:latin typeface="+mn-ea"/>
               <a:ea typeface="+mn-ea"/>
@@ -4944,31 +6421,36 @@
             </a:endParaRPr>
           </a:p>
           <a:p>
-            <a:r>
-              <a:rPr lang="ja-JP" altLang="en-US" sz="9600" b="0" dirty="0" smtClean="0">
-                <a:solidFill>
-                  <a:srgbClr val="BF0000"/>
+            <a:pPr indent="622300" algn="l">
+              <a:spcBef>
+                <a:spcPts val="0"/>
+              </a:spcBef>
+            </a:pPr>
+            <a:r>
+              <a:rPr kumimoji="0" lang="en-US" altLang="ja-JP" sz="4400" b="0" kern="0" dirty="0" smtClean="0">
+                <a:solidFill>
+                  <a:schemeClr val="tx1"/>
                 </a:solidFill>
                 <a:latin typeface="+mn-ea"/>
                 <a:ea typeface="+mn-ea"/>
                 <a:cs typeface="ＭＳ 明朝"/>
               </a:rPr>
-              <a:t>わくわく</a:t>
-            </a:r>
-            <a:r>
-              <a:rPr lang="ja-JP" altLang="en-US" sz="9600" b="0" dirty="0" smtClean="0">
-                <a:solidFill>
-                  <a:srgbClr val="000000"/>
+              <a:t>※</a:t>
+            </a:r>
+            <a:r>
+              <a:rPr kumimoji="0" lang="ja-JP" altLang="en-US" sz="4400" b="0" kern="0" dirty="0" smtClean="0">
+                <a:solidFill>
+                  <a:schemeClr val="tx1"/>
                 </a:solidFill>
                 <a:latin typeface="+mn-ea"/>
                 <a:ea typeface="+mn-ea"/>
                 <a:cs typeface="ＭＳ 明朝"/>
               </a:rPr>
-              <a:t>しました。</a:t>
-            </a:r>
-            <a:endParaRPr lang="en-US" altLang="ja-JP" sz="9600" b="0" dirty="0" smtClean="0">
+              <a:t>徹夜なんてザラ</a:t>
+            </a:r>
+            <a:endParaRPr kumimoji="0" lang="en-US" altLang="ja-JP" sz="4400" b="0" kern="0" dirty="0" smtClean="0">
               <a:solidFill>
-                <a:srgbClr val="000000"/>
+                <a:schemeClr val="tx1"/>
               </a:solidFill>
               <a:latin typeface="+mn-ea"/>
               <a:ea typeface="+mn-ea"/>
@@ -4980,7 +6462,7 @@
     </p:spTree>
     <p:extLst>
       <p:ext uri="{BB962C8B-B14F-4D97-AF65-F5344CB8AC3E}">
-        <p14:creationId xmlns:p14="http://schemas.microsoft.com/office/powerpoint/2010/main" val="2585997850"/>
+        <p14:creationId xmlns:p14="http://schemas.microsoft.com/office/powerpoint/2010/main" val="810821384"/>
       </p:ext>
     </p:extLst>
   </p:cSld>
@@ -5024,6 +6506,790 @@
         </p:nvSpPr>
         <p:spPr>
           <a:xfrm>
+            <a:off x="179512" y="1192412"/>
+            <a:ext cx="8784976" cy="4473176"/>
+          </a:xfrm>
+          <a:prstGeom prst="rect">
+            <a:avLst/>
+          </a:prstGeom>
+          <a:noFill/>
+          <a:ln>
+            <a:noFill/>
+          </a:ln>
+        </p:spPr>
+        <p:txBody>
+          <a:bodyPr anchor="ctr" anchorCtr="0">
+            <a:noAutofit/>
+          </a:bodyPr>
+          <a:lstStyle>
+            <a:lvl1pPr algn="ctr" defTabSz="914400" rtl="0" eaLnBrk="1" latinLnBrk="0" hangingPunct="1">
+              <a:spcBef>
+                <a:spcPct val="0"/>
+              </a:spcBef>
+              <a:buNone/>
+              <a:defRPr kumimoji="1" sz="2800" b="1" kern="1200" baseline="0">
+                <a:solidFill>
+                  <a:srgbClr val="C00000"/>
+                </a:solidFill>
+                <a:latin typeface="Arial" pitchFamily="34" charset="0"/>
+                <a:ea typeface="ＭＳ Ｐゴシック" pitchFamily="50" charset="-128"/>
+                <a:cs typeface="+mj-cs"/>
+              </a:defRPr>
+            </a:lvl1pPr>
+          </a:lstStyle>
+          <a:p>
+            <a:pPr algn="l">
+              <a:spcBef>
+                <a:spcPts val="0"/>
+              </a:spcBef>
+            </a:pPr>
+            <a:r>
+              <a:rPr kumimoji="0" lang="en-US" altLang="ja-JP" sz="4400" b="0" kern="0" dirty="0" smtClean="0">
+                <a:solidFill>
+                  <a:srgbClr val="000000"/>
+                </a:solidFill>
+                <a:latin typeface="+mn-ea"/>
+                <a:ea typeface="+mn-ea"/>
+                <a:cs typeface="ＭＳ 明朝"/>
+              </a:rPr>
+              <a:t>4) </a:t>
+            </a:r>
+            <a:r>
+              <a:rPr kumimoji="0" lang="ja-JP" altLang="en-US" sz="4400" b="0" kern="0" dirty="0" smtClean="0">
+                <a:solidFill>
+                  <a:srgbClr val="000000"/>
+                </a:solidFill>
+                <a:latin typeface="+mn-ea"/>
+                <a:ea typeface="+mn-ea"/>
+                <a:cs typeface="ＭＳ 明朝"/>
+              </a:rPr>
+              <a:t>メンバーが非常に</a:t>
+            </a:r>
+            <a:r>
+              <a:rPr kumimoji="0" lang="ja-JP" altLang="en-US" sz="4400" b="0" kern="0" dirty="0" smtClean="0">
+                <a:solidFill>
+                  <a:srgbClr val="BF0000"/>
+                </a:solidFill>
+                <a:latin typeface="+mn-ea"/>
+                <a:ea typeface="+mn-ea"/>
+                <a:cs typeface="ＭＳ 明朝"/>
+              </a:rPr>
+              <a:t>若い</a:t>
+            </a:r>
+            <a:endParaRPr kumimoji="0" lang="en-US" altLang="ja-JP" sz="4400" b="0" kern="0" dirty="0" smtClean="0">
+              <a:solidFill>
+                <a:srgbClr val="BF0000"/>
+              </a:solidFill>
+              <a:latin typeface="+mn-ea"/>
+              <a:ea typeface="+mn-ea"/>
+              <a:cs typeface="ＭＳ 明朝"/>
+            </a:endParaRPr>
+          </a:p>
+          <a:p>
+            <a:pPr indent="622300" algn="l">
+              <a:spcBef>
+                <a:spcPts val="0"/>
+              </a:spcBef>
+            </a:pPr>
+            <a:r>
+              <a:rPr kumimoji="0" lang="en-US" altLang="ja-JP" sz="4400" b="0" kern="0" dirty="0" smtClean="0">
+                <a:solidFill>
+                  <a:srgbClr val="000000"/>
+                </a:solidFill>
+                <a:latin typeface="+mn-ea"/>
+                <a:cs typeface="ＭＳ 明朝"/>
+              </a:rPr>
+              <a:t>※</a:t>
+            </a:r>
+            <a:r>
+              <a:rPr kumimoji="0" lang="ja-JP" altLang="en-US" sz="4400" b="0" kern="0" dirty="0" smtClean="0">
+                <a:solidFill>
+                  <a:srgbClr val="000000"/>
+                </a:solidFill>
+                <a:latin typeface="+mn-ea"/>
+                <a:cs typeface="ＭＳ 明朝"/>
+              </a:rPr>
+              <a:t>平均キャリアは３年前後</a:t>
+            </a:r>
+            <a:endParaRPr kumimoji="0" lang="ja-JP" altLang="en-US" sz="4400" b="0" kern="0" dirty="0">
+              <a:solidFill>
+                <a:srgbClr val="000000"/>
+              </a:solidFill>
+              <a:latin typeface="+mn-ea"/>
+              <a:cs typeface="ＭＳ 明朝"/>
+            </a:endParaRPr>
+          </a:p>
+        </p:txBody>
+      </p:sp>
+    </p:spTree>
+    <p:extLst>
+      <p:ext uri="{BB962C8B-B14F-4D97-AF65-F5344CB8AC3E}">
+        <p14:creationId xmlns:p14="http://schemas.microsoft.com/office/powerpoint/2010/main" val="2305762005"/>
+      </p:ext>
+    </p:extLst>
+  </p:cSld>
+  <p:clrMapOvr>
+    <a:masterClrMapping/>
+  </p:clrMapOvr>
+  <p:timing>
+    <p:tnLst>
+      <p:par>
+        <p:cTn id="1" dur="indefinite" restart="never" nodeType="tmRoot"/>
+      </p:par>
+    </p:tnLst>
+  </p:timing>
+</p:sld>
+</file>
+
+<file path=ppt/slides/slide18.xml><?xml version="1.0" encoding="utf-8"?>
+<p:sld xmlns:a="http://schemas.openxmlformats.org/drawingml/2006/main" xmlns:r="http://schemas.openxmlformats.org/officeDocument/2006/relationships" xmlns:p="http://schemas.openxmlformats.org/presentationml/2006/main">
+  <p:cSld>
+    <p:spTree>
+      <p:nvGrpSpPr>
+        <p:cNvPr id="1" name=""/>
+        <p:cNvGrpSpPr/>
+        <p:nvPr/>
+      </p:nvGrpSpPr>
+      <p:grpSpPr>
+        <a:xfrm>
+          <a:off x="0" y="0"/>
+          <a:ext cx="0" cy="0"/>
+          <a:chOff x="0" y="0"/>
+          <a:chExt cx="0" cy="0"/>
+        </a:xfrm>
+      </p:grpSpPr>
+      <p:sp>
+        <p:nvSpPr>
+          <p:cNvPr id="7" name="タイトル 2"/>
+          <p:cNvSpPr txBox="1">
+            <a:spLocks/>
+          </p:cNvSpPr>
+          <p:nvPr/>
+        </p:nvSpPr>
+        <p:spPr>
+          <a:xfrm>
+            <a:off x="107504" y="1192412"/>
+            <a:ext cx="8928992" cy="4473176"/>
+          </a:xfrm>
+          <a:prstGeom prst="rect">
+            <a:avLst/>
+          </a:prstGeom>
+          <a:noFill/>
+          <a:ln>
+            <a:noFill/>
+          </a:ln>
+        </p:spPr>
+        <p:txBody>
+          <a:bodyPr anchor="ctr" anchorCtr="0">
+            <a:noAutofit/>
+          </a:bodyPr>
+          <a:lstStyle>
+            <a:lvl1pPr algn="ctr" defTabSz="914400" rtl="0" eaLnBrk="1" latinLnBrk="0" hangingPunct="1">
+              <a:spcBef>
+                <a:spcPct val="0"/>
+              </a:spcBef>
+              <a:buNone/>
+              <a:defRPr kumimoji="1" sz="2800" b="1" kern="1200" baseline="0">
+                <a:solidFill>
+                  <a:srgbClr val="C00000"/>
+                </a:solidFill>
+                <a:latin typeface="Arial" pitchFamily="34" charset="0"/>
+                <a:ea typeface="ＭＳ Ｐゴシック" pitchFamily="50" charset="-128"/>
+                <a:cs typeface="+mj-cs"/>
+              </a:defRPr>
+            </a:lvl1pPr>
+          </a:lstStyle>
+          <a:p>
+            <a:r>
+              <a:rPr lang="ja-JP" altLang="en-US" sz="8800" b="0" dirty="0" smtClean="0">
+                <a:solidFill>
+                  <a:schemeClr val="tx1"/>
+                </a:solidFill>
+                <a:latin typeface="+mn-ea"/>
+                <a:ea typeface="+mn-ea"/>
+                <a:cs typeface="ＭＳ 明朝"/>
+              </a:rPr>
+              <a:t>皆さんなら</a:t>
+            </a:r>
+            <a:endParaRPr lang="en-US" altLang="ja-JP" sz="8800" b="0" dirty="0" smtClean="0">
+              <a:solidFill>
+                <a:schemeClr val="tx1"/>
+              </a:solidFill>
+              <a:latin typeface="+mn-ea"/>
+              <a:ea typeface="+mn-ea"/>
+              <a:cs typeface="ＭＳ 明朝"/>
+            </a:endParaRPr>
+          </a:p>
+          <a:p>
+            <a:r>
+              <a:rPr lang="ja-JP" altLang="en-US" sz="8800" b="0" dirty="0" smtClean="0">
+                <a:solidFill>
+                  <a:srgbClr val="BF0000"/>
+                </a:solidFill>
+                <a:latin typeface="+mn-ea"/>
+                <a:ea typeface="+mn-ea"/>
+                <a:cs typeface="ＭＳ 明朝"/>
+              </a:rPr>
+              <a:t>どう</a:t>
+            </a:r>
+            <a:r>
+              <a:rPr lang="ja-JP" altLang="en-US" sz="8800" b="0" dirty="0" smtClean="0">
+                <a:solidFill>
+                  <a:schemeClr val="tx1"/>
+                </a:solidFill>
+                <a:latin typeface="+mn-ea"/>
+                <a:ea typeface="+mn-ea"/>
+                <a:cs typeface="ＭＳ 明朝"/>
+              </a:rPr>
+              <a:t>思いますか？</a:t>
+            </a:r>
+            <a:endParaRPr lang="en-US" altLang="ja-JP" sz="8800" b="0" dirty="0" smtClean="0">
+              <a:solidFill>
+                <a:schemeClr val="tx1"/>
+              </a:solidFill>
+              <a:latin typeface="+mn-ea"/>
+              <a:ea typeface="+mn-ea"/>
+              <a:cs typeface="ＭＳ 明朝"/>
+            </a:endParaRPr>
+          </a:p>
+        </p:txBody>
+      </p:sp>
+    </p:spTree>
+    <p:extLst>
+      <p:ext uri="{BB962C8B-B14F-4D97-AF65-F5344CB8AC3E}">
+        <p14:creationId xmlns:p14="http://schemas.microsoft.com/office/powerpoint/2010/main" val="3663135761"/>
+      </p:ext>
+    </p:extLst>
+  </p:cSld>
+  <p:clrMapOvr>
+    <a:masterClrMapping/>
+  </p:clrMapOvr>
+  <p:timing>
+    <p:tnLst>
+      <p:par>
+        <p:cTn id="1" dur="indefinite" restart="never" nodeType="tmRoot"/>
+      </p:par>
+    </p:tnLst>
+  </p:timing>
+</p:sld>
+</file>
+
+<file path=ppt/slides/slide19.xml><?xml version="1.0" encoding="utf-8"?>
+<p:sld xmlns:a="http://schemas.openxmlformats.org/drawingml/2006/main" xmlns:r="http://schemas.openxmlformats.org/officeDocument/2006/relationships" xmlns:p="http://schemas.openxmlformats.org/presentationml/2006/main">
+  <p:cSld>
+    <p:spTree>
+      <p:nvGrpSpPr>
+        <p:cNvPr id="1" name=""/>
+        <p:cNvGrpSpPr/>
+        <p:nvPr/>
+      </p:nvGrpSpPr>
+      <p:grpSpPr>
+        <a:xfrm>
+          <a:off x="0" y="0"/>
+          <a:ext cx="0" cy="0"/>
+          <a:chOff x="0" y="0"/>
+          <a:chExt cx="0" cy="0"/>
+        </a:xfrm>
+      </p:grpSpPr>
+      <p:sp>
+        <p:nvSpPr>
+          <p:cNvPr id="7" name="タイトル 2"/>
+          <p:cNvSpPr txBox="1">
+            <a:spLocks/>
+          </p:cNvSpPr>
+          <p:nvPr/>
+        </p:nvSpPr>
+        <p:spPr>
+          <a:xfrm>
+            <a:off x="107504" y="1192412"/>
+            <a:ext cx="8928992" cy="4473176"/>
+          </a:xfrm>
+          <a:prstGeom prst="rect">
+            <a:avLst/>
+          </a:prstGeom>
+          <a:noFill/>
+          <a:ln>
+            <a:noFill/>
+          </a:ln>
+        </p:spPr>
+        <p:txBody>
+          <a:bodyPr anchor="ctr" anchorCtr="0">
+            <a:noAutofit/>
+          </a:bodyPr>
+          <a:lstStyle>
+            <a:lvl1pPr algn="ctr" defTabSz="914400" rtl="0" eaLnBrk="1" latinLnBrk="0" hangingPunct="1">
+              <a:spcBef>
+                <a:spcPct val="0"/>
+              </a:spcBef>
+              <a:buNone/>
+              <a:defRPr kumimoji="1" sz="2800" b="1" kern="1200" baseline="0">
+                <a:solidFill>
+                  <a:srgbClr val="C00000"/>
+                </a:solidFill>
+                <a:latin typeface="Arial" pitchFamily="34" charset="0"/>
+                <a:ea typeface="ＭＳ Ｐゴシック" pitchFamily="50" charset="-128"/>
+                <a:cs typeface="+mj-cs"/>
+              </a:defRPr>
+            </a:lvl1pPr>
+          </a:lstStyle>
+          <a:p>
+            <a:r>
+              <a:rPr lang="ja-JP" altLang="en-US" sz="9600" b="0" dirty="0" smtClean="0">
+                <a:solidFill>
+                  <a:srgbClr val="000000"/>
+                </a:solidFill>
+                <a:latin typeface="+mn-ea"/>
+                <a:ea typeface="+mn-ea"/>
+                <a:cs typeface="ＭＳ 明朝"/>
+              </a:rPr>
+              <a:t>私は</a:t>
+            </a:r>
+            <a:endParaRPr lang="en-US" altLang="ja-JP" sz="9600" b="0" dirty="0" smtClean="0">
+              <a:solidFill>
+                <a:srgbClr val="000000"/>
+              </a:solidFill>
+              <a:latin typeface="+mn-ea"/>
+              <a:ea typeface="+mn-ea"/>
+              <a:cs typeface="ＭＳ 明朝"/>
+            </a:endParaRPr>
+          </a:p>
+          <a:p>
+            <a:r>
+              <a:rPr lang="ja-JP" altLang="en-US" sz="9600" b="0" dirty="0" smtClean="0">
+                <a:solidFill>
+                  <a:srgbClr val="BF0000"/>
+                </a:solidFill>
+                <a:latin typeface="+mn-ea"/>
+                <a:ea typeface="+mn-ea"/>
+                <a:cs typeface="ＭＳ 明朝"/>
+              </a:rPr>
+              <a:t>わくわく</a:t>
+            </a:r>
+            <a:r>
+              <a:rPr lang="ja-JP" altLang="en-US" sz="9600" b="0" dirty="0" smtClean="0">
+                <a:solidFill>
+                  <a:srgbClr val="000000"/>
+                </a:solidFill>
+                <a:latin typeface="+mn-ea"/>
+                <a:ea typeface="+mn-ea"/>
+                <a:cs typeface="ＭＳ 明朝"/>
+              </a:rPr>
+              <a:t>しました。</a:t>
+            </a:r>
+            <a:endParaRPr lang="en-US" altLang="ja-JP" sz="9600" b="0" dirty="0" smtClean="0">
+              <a:solidFill>
+                <a:srgbClr val="000000"/>
+              </a:solidFill>
+              <a:latin typeface="+mn-ea"/>
+              <a:ea typeface="+mn-ea"/>
+              <a:cs typeface="ＭＳ 明朝"/>
+            </a:endParaRPr>
+          </a:p>
+        </p:txBody>
+      </p:sp>
+    </p:spTree>
+    <p:extLst>
+      <p:ext uri="{BB962C8B-B14F-4D97-AF65-F5344CB8AC3E}">
+        <p14:creationId xmlns:p14="http://schemas.microsoft.com/office/powerpoint/2010/main" val="2585997850"/>
+      </p:ext>
+    </p:extLst>
+  </p:cSld>
+  <p:clrMapOvr>
+    <a:masterClrMapping/>
+  </p:clrMapOvr>
+  <p:timing>
+    <p:tnLst>
+      <p:par>
+        <p:cTn id="1" dur="indefinite" restart="never" nodeType="tmRoot"/>
+      </p:par>
+    </p:tnLst>
+  </p:timing>
+</p:sld>
+</file>
+
+<file path=ppt/slides/slide2.xml><?xml version="1.0" encoding="utf-8"?>
+<p:sld xmlns:a="http://schemas.openxmlformats.org/drawingml/2006/main" xmlns:r="http://schemas.openxmlformats.org/officeDocument/2006/relationships" xmlns:p="http://schemas.openxmlformats.org/presentationml/2006/main">
+  <p:cSld>
+    <p:spTree>
+      <p:nvGrpSpPr>
+        <p:cNvPr id="1" name=""/>
+        <p:cNvGrpSpPr/>
+        <p:nvPr/>
+      </p:nvGrpSpPr>
+      <p:grpSpPr>
+        <a:xfrm>
+          <a:off x="0" y="0"/>
+          <a:ext cx="0" cy="0"/>
+          <a:chOff x="0" y="0"/>
+          <a:chExt cx="0" cy="0"/>
+        </a:xfrm>
+      </p:grpSpPr>
+      <p:sp>
+        <p:nvSpPr>
+          <p:cNvPr id="5" name="タイトル 2"/>
+          <p:cNvSpPr txBox="1">
+            <a:spLocks/>
+          </p:cNvSpPr>
+          <p:nvPr/>
+        </p:nvSpPr>
+        <p:spPr>
+          <a:xfrm>
+            <a:off x="3995936" y="1016733"/>
+            <a:ext cx="5002960" cy="5574170"/>
+          </a:xfrm>
+          <a:prstGeom prst="rect">
+            <a:avLst/>
+          </a:prstGeom>
+          <a:noFill/>
+          <a:ln>
+            <a:noFill/>
+          </a:ln>
+        </p:spPr>
+        <p:txBody>
+          <a:bodyPr anchor="ctr" anchorCtr="0">
+            <a:noAutofit/>
+          </a:bodyPr>
+          <a:lstStyle>
+            <a:lvl1pPr algn="ctr" defTabSz="914400" rtl="0" eaLnBrk="1" latinLnBrk="0" hangingPunct="1">
+              <a:spcBef>
+                <a:spcPct val="0"/>
+              </a:spcBef>
+              <a:buNone/>
+              <a:defRPr kumimoji="1" sz="2800" b="1" kern="1200" baseline="0">
+                <a:solidFill>
+                  <a:srgbClr val="C00000"/>
+                </a:solidFill>
+                <a:latin typeface="Arial" pitchFamily="34" charset="0"/>
+                <a:ea typeface="ＭＳ Ｐゴシック" pitchFamily="50" charset="-128"/>
+                <a:cs typeface="+mj-cs"/>
+              </a:defRPr>
+            </a:lvl1pPr>
+          </a:lstStyle>
+          <a:p>
+            <a:pPr algn="l" defTabSz="381000">
+              <a:spcBef>
+                <a:spcPct val="20000"/>
+              </a:spcBef>
+              <a:buClr>
+                <a:srgbClr val="FFFFFF"/>
+              </a:buClr>
+              <a:defRPr/>
+            </a:pPr>
+            <a:r>
+              <a:rPr lang="en-US" altLang="ja-JP" sz="3600" b="0" kern="0" dirty="0" smtClean="0">
+                <a:solidFill>
+                  <a:srgbClr val="000000"/>
+                </a:solidFill>
+                <a:latin typeface="+mn-lt"/>
+                <a:ea typeface="+mn-ea"/>
+              </a:rPr>
+              <a:t>Hiroyuki Ito (The Hiro)</a:t>
+            </a:r>
+          </a:p>
+          <a:p>
+            <a:pPr lvl="0" algn="l" defTabSz="381000">
+              <a:spcBef>
+                <a:spcPct val="20000"/>
+              </a:spcBef>
+              <a:buClr>
+                <a:srgbClr val="FFFFFF"/>
+              </a:buClr>
+              <a:defRPr/>
+            </a:pPr>
+            <a:r>
+              <a:rPr lang="en-US" altLang="ja-JP" sz="3600" b="0" kern="0" dirty="0" smtClean="0">
+                <a:solidFill>
+                  <a:schemeClr val="accent1"/>
+                </a:solidFill>
+                <a:latin typeface="+mn-lt"/>
+                <a:ea typeface="+mn-ea"/>
+              </a:rPr>
+              <a:t>Test-Driven Development Group!</a:t>
+            </a:r>
+            <a:endParaRPr lang="en-US" altLang="ja-JP" sz="3600" b="0" kern="0" dirty="0" smtClean="0">
+              <a:solidFill>
+                <a:srgbClr val="000000"/>
+              </a:solidFill>
+              <a:latin typeface="+mn-lt"/>
+              <a:ea typeface="+mn-ea"/>
+            </a:endParaRPr>
+          </a:p>
+          <a:p>
+            <a:pPr lvl="0" algn="l" defTabSz="381000">
+              <a:spcBef>
+                <a:spcPct val="20000"/>
+              </a:spcBef>
+              <a:buClr>
+                <a:srgbClr val="FFFFFF"/>
+              </a:buClr>
+              <a:defRPr/>
+            </a:pPr>
+            <a:r>
+              <a:rPr lang="en-US" altLang="ja-JP" sz="3600" b="0" kern="0" dirty="0" smtClean="0">
+                <a:solidFill>
+                  <a:schemeClr val="accent6"/>
+                </a:solidFill>
+                <a:latin typeface="+mn-lt"/>
+                <a:ea typeface="+mn-ea"/>
+              </a:rPr>
+              <a:t>@hageyahhoo</a:t>
+            </a:r>
+          </a:p>
+          <a:p>
+            <a:pPr lvl="0" algn="l" defTabSz="381000">
+              <a:spcBef>
+                <a:spcPct val="20000"/>
+              </a:spcBef>
+              <a:buClr>
+                <a:srgbClr val="FFFFFF"/>
+              </a:buClr>
+              <a:defRPr/>
+            </a:pPr>
+            <a:endParaRPr lang="en-US" altLang="ja-JP" sz="3600" b="0" kern="0" dirty="0" smtClean="0">
+              <a:solidFill>
+                <a:srgbClr val="000000"/>
+              </a:solidFill>
+              <a:latin typeface="+mn-lt"/>
+              <a:ea typeface="+mn-ea"/>
+            </a:endParaRPr>
+          </a:p>
+          <a:p>
+            <a:pPr lvl="0" algn="l" defTabSz="381000">
+              <a:spcBef>
+                <a:spcPct val="20000"/>
+              </a:spcBef>
+              <a:buClr>
+                <a:srgbClr val="FFFFFF"/>
+              </a:buClr>
+              <a:defRPr/>
+            </a:pPr>
+            <a:endParaRPr lang="en-US" altLang="ja-JP" sz="3600" b="0" kern="0" dirty="0">
+              <a:solidFill>
+                <a:srgbClr val="000000"/>
+              </a:solidFill>
+              <a:latin typeface="+mn-lt"/>
+              <a:ea typeface="+mn-ea"/>
+            </a:endParaRPr>
+          </a:p>
+          <a:p>
+            <a:pPr lvl="0" algn="l" defTabSz="381000">
+              <a:spcBef>
+                <a:spcPct val="20000"/>
+              </a:spcBef>
+              <a:buClr>
+                <a:srgbClr val="FFFFFF"/>
+              </a:buClr>
+              <a:defRPr/>
+            </a:pPr>
+            <a:endParaRPr lang="en-US" altLang="ja-JP" sz="3600" b="0" kern="0" dirty="0" smtClean="0">
+              <a:solidFill>
+                <a:srgbClr val="000000"/>
+              </a:solidFill>
+              <a:latin typeface="+mn-lt"/>
+              <a:ea typeface="+mn-ea"/>
+            </a:endParaRPr>
+          </a:p>
+          <a:p>
+            <a:pPr lvl="0" algn="l" defTabSz="381000">
+              <a:spcBef>
+                <a:spcPct val="20000"/>
+              </a:spcBef>
+              <a:buClr>
+                <a:srgbClr val="FFFFFF"/>
+              </a:buClr>
+              <a:defRPr/>
+            </a:pPr>
+            <a:endParaRPr lang="en-US" altLang="ja-JP" sz="3600" b="0" kern="0" dirty="0" smtClean="0">
+              <a:solidFill>
+                <a:srgbClr val="000000"/>
+              </a:solidFill>
+              <a:latin typeface="+mn-lt"/>
+              <a:ea typeface="+mn-ea"/>
+            </a:endParaRPr>
+          </a:p>
+        </p:txBody>
+      </p:sp>
+      <p:sp>
+        <p:nvSpPr>
+          <p:cNvPr id="4" name="タイトル 1"/>
+          <p:cNvSpPr>
+            <a:spLocks noGrp="1"/>
+          </p:cNvSpPr>
+          <p:nvPr>
+            <p:ph type="title"/>
+          </p:nvPr>
+        </p:nvSpPr>
+        <p:spPr>
+          <a:xfrm>
+            <a:off x="360000" y="252000"/>
+            <a:ext cx="8424000" cy="360000"/>
+          </a:xfrm>
+          <a:noFill/>
+          <a:ln>
+            <a:solidFill>
+              <a:srgbClr val="FFFFFF"/>
+            </a:solidFill>
+          </a:ln>
+        </p:spPr>
+        <p:txBody>
+          <a:bodyPr>
+            <a:normAutofit fontScale="90000"/>
+          </a:bodyPr>
+          <a:lstStyle/>
+          <a:p>
+            <a:r>
+              <a:rPr lang="en-US" altLang="ja-JP" kern="0" dirty="0" smtClean="0">
+                <a:solidFill>
+                  <a:schemeClr val="accent1"/>
+                </a:solidFill>
+                <a:latin typeface="+mn-lt"/>
+                <a:ea typeface="+mj-ea"/>
+              </a:rPr>
+              <a:t>About me</a:t>
+            </a:r>
+            <a:endParaRPr kumimoji="1" lang="ja-JP" altLang="en-US" dirty="0">
+              <a:latin typeface="+mn-lt"/>
+              <a:ea typeface="+mj-ea"/>
+            </a:endParaRPr>
+          </a:p>
+        </p:txBody>
+      </p:sp>
+      <p:pic>
+        <p:nvPicPr>
+          <p:cNvPr id="2" name="図 1"/>
+          <p:cNvPicPr>
+            <a:picLocks noChangeAspect="1"/>
+          </p:cNvPicPr>
+          <p:nvPr/>
+        </p:nvPicPr>
+        <p:blipFill>
+          <a:blip r:embed="rId3"/>
+          <a:stretch>
+            <a:fillRect/>
+          </a:stretch>
+        </p:blipFill>
+        <p:spPr>
+          <a:xfrm>
+            <a:off x="4224660" y="3880750"/>
+            <a:ext cx="3404220" cy="1144041"/>
+          </a:xfrm>
+          <a:prstGeom prst="rect">
+            <a:avLst/>
+          </a:prstGeom>
+        </p:spPr>
+      </p:pic>
+      <p:pic>
+        <p:nvPicPr>
+          <p:cNvPr id="6" name="図 5"/>
+          <p:cNvPicPr>
+            <a:picLocks noChangeAspect="1"/>
+          </p:cNvPicPr>
+          <p:nvPr/>
+        </p:nvPicPr>
+        <p:blipFill>
+          <a:blip r:embed="rId4"/>
+          <a:stretch>
+            <a:fillRect/>
+          </a:stretch>
+        </p:blipFill>
+        <p:spPr>
+          <a:xfrm>
+            <a:off x="4211960" y="5247614"/>
+            <a:ext cx="3413521" cy="1153342"/>
+          </a:xfrm>
+          <a:prstGeom prst="rect">
+            <a:avLst/>
+          </a:prstGeom>
+        </p:spPr>
+      </p:pic>
+      <p:pic>
+        <p:nvPicPr>
+          <p:cNvPr id="1026" name="Picture 2" descr="C:\Users\hiroyuki.a.ito\Pictures\Thehiro_v2.jpg"/>
+          <p:cNvPicPr>
+            <a:picLocks noChangeAspect="1" noChangeArrowheads="1"/>
+          </p:cNvPicPr>
+          <p:nvPr/>
+        </p:nvPicPr>
+        <p:blipFill>
+          <a:blip r:embed="rId5">
+            <a:extLst>
+              <a:ext uri="{28A0092B-C50C-407E-A947-70E740481C1C}">
+                <a14:useLocalDpi xmlns:a14="http://schemas.microsoft.com/office/drawing/2010/main" val="0"/>
+              </a:ext>
+            </a:extLst>
+          </a:blip>
+          <a:srcRect/>
+          <a:stretch>
+            <a:fillRect/>
+          </a:stretch>
+        </p:blipFill>
+        <p:spPr bwMode="auto">
+          <a:xfrm>
+            <a:off x="231078" y="1016732"/>
+            <a:ext cx="3429000" cy="3429000"/>
+          </a:xfrm>
+          <a:prstGeom prst="rect">
+            <a:avLst/>
+          </a:prstGeom>
+          <a:noFill/>
+          <a:extLst>
+            <a:ext uri="{909E8E84-426E-40DD-AFC4-6F175D3DCCD1}">
+              <a14:hiddenFill xmlns:a14="http://schemas.microsoft.com/office/drawing/2010/main">
+                <a:solidFill>
+                  <a:srgbClr val="FFFFFF"/>
+                </a:solidFill>
+              </a14:hiddenFill>
+            </a:ext>
+          </a:extLst>
+        </p:spPr>
+      </p:pic>
+    </p:spTree>
+    <p:extLst>
+      <p:ext uri="{BB962C8B-B14F-4D97-AF65-F5344CB8AC3E}">
+        <p14:creationId xmlns:p14="http://schemas.microsoft.com/office/powerpoint/2010/main" val="522943376"/>
+      </p:ext>
+    </p:extLst>
+  </p:cSld>
+  <p:clrMapOvr>
+    <a:masterClrMapping/>
+  </p:clrMapOvr>
+  <p:timing>
+    <p:tnLst>
+      <p:par>
+        <p:cTn id="1" dur="indefinite" restart="never" nodeType="tmRoot"/>
+      </p:par>
+    </p:tnLst>
+  </p:timing>
+</p:sld>
+</file>
+
+<file path=ppt/slides/slide20.xml><?xml version="1.0" encoding="utf-8"?>
+<p:sld xmlns:a="http://schemas.openxmlformats.org/drawingml/2006/main" xmlns:r="http://schemas.openxmlformats.org/officeDocument/2006/relationships" xmlns:p="http://schemas.openxmlformats.org/presentationml/2006/main">
+  <p:cSld>
+    <p:spTree>
+      <p:nvGrpSpPr>
+        <p:cNvPr id="1" name=""/>
+        <p:cNvGrpSpPr/>
+        <p:nvPr/>
+      </p:nvGrpSpPr>
+      <p:grpSpPr>
+        <a:xfrm>
+          <a:off x="0" y="0"/>
+          <a:ext cx="0" cy="0"/>
+          <a:chOff x="0" y="0"/>
+          <a:chExt cx="0" cy="0"/>
+        </a:xfrm>
+      </p:grpSpPr>
+      <p:sp>
+        <p:nvSpPr>
+          <p:cNvPr id="7" name="タイトル 2"/>
+          <p:cNvSpPr txBox="1">
+            <a:spLocks/>
+          </p:cNvSpPr>
+          <p:nvPr/>
+        </p:nvSpPr>
+        <p:spPr>
+          <a:xfrm>
             <a:off x="107504" y="1192412"/>
             <a:ext cx="8928992" cy="4473176"/>
           </a:xfrm>
@@ -5143,7 +7409,7 @@
 </p:sld>
 </file>
 
-<file path=ppt/slides/slide18.xml><?xml version="1.0" encoding="utf-8"?>
+<file path=ppt/slides/slide21.xml><?xml version="1.0" encoding="utf-8"?>
 <p:sld xmlns:a="http://schemas.openxmlformats.org/drawingml/2006/main" xmlns:r="http://schemas.openxmlformats.org/officeDocument/2006/relationships" xmlns:p="http://schemas.openxmlformats.org/presentationml/2006/main">
   <p:cSld>
     <p:spTree>
@@ -6170,7 +8436,7 @@
 </p:sld>
 </file>
 
-<file path=ppt/slides/slide19.xml><?xml version="1.0" encoding="utf-8"?>
+<file path=ppt/slides/slide22.xml><?xml version="1.0" encoding="utf-8"?>
 <p:sld xmlns:a="http://schemas.openxmlformats.org/drawingml/2006/main" xmlns:r="http://schemas.openxmlformats.org/officeDocument/2006/relationships" xmlns:p="http://schemas.openxmlformats.org/presentationml/2006/main">
   <p:cSld>
     <p:spTree>
@@ -7688,383 +9954,7 @@
 </p:sld>
 </file>
 
-<file path=ppt/slides/slide2.xml><?xml version="1.0" encoding="utf-8"?>
-<p:sld xmlns:a="http://schemas.openxmlformats.org/drawingml/2006/main" xmlns:r="http://schemas.openxmlformats.org/officeDocument/2006/relationships" xmlns:p="http://schemas.openxmlformats.org/presentationml/2006/main">
-  <p:cSld>
-    <p:spTree>
-      <p:nvGrpSpPr>
-        <p:cNvPr id="1" name=""/>
-        <p:cNvGrpSpPr/>
-        <p:nvPr/>
-      </p:nvGrpSpPr>
-      <p:grpSpPr>
-        <a:xfrm>
-          <a:off x="0" y="0"/>
-          <a:ext cx="0" cy="0"/>
-          <a:chOff x="0" y="0"/>
-          <a:chExt cx="0" cy="0"/>
-        </a:xfrm>
-      </p:grpSpPr>
-      <p:sp>
-        <p:nvSpPr>
-          <p:cNvPr id="5" name="タイトル 2"/>
-          <p:cNvSpPr txBox="1">
-            <a:spLocks/>
-          </p:cNvSpPr>
-          <p:nvPr/>
-        </p:nvSpPr>
-        <p:spPr>
-          <a:xfrm>
-            <a:off x="3995936" y="1016733"/>
-            <a:ext cx="5002960" cy="5574170"/>
-          </a:xfrm>
-          <a:prstGeom prst="rect">
-            <a:avLst/>
-          </a:prstGeom>
-          <a:noFill/>
-          <a:ln>
-            <a:noFill/>
-          </a:ln>
-        </p:spPr>
-        <p:txBody>
-          <a:bodyPr anchor="ctr" anchorCtr="0">
-            <a:noAutofit/>
-          </a:bodyPr>
-          <a:lstStyle>
-            <a:lvl1pPr algn="ctr" defTabSz="914400" rtl="0" eaLnBrk="1" latinLnBrk="0" hangingPunct="1">
-              <a:spcBef>
-                <a:spcPct val="0"/>
-              </a:spcBef>
-              <a:buNone/>
-              <a:defRPr kumimoji="1" sz="2800" b="1" kern="1200" baseline="0">
-                <a:solidFill>
-                  <a:srgbClr val="C00000"/>
-                </a:solidFill>
-                <a:latin typeface="Arial" pitchFamily="34" charset="0"/>
-                <a:ea typeface="ＭＳ Ｐゴシック" pitchFamily="50" charset="-128"/>
-                <a:cs typeface="+mj-cs"/>
-              </a:defRPr>
-            </a:lvl1pPr>
-          </a:lstStyle>
-          <a:p>
-            <a:pPr algn="l" defTabSz="381000">
-              <a:spcBef>
-                <a:spcPct val="20000"/>
-              </a:spcBef>
-              <a:buClr>
-                <a:srgbClr val="FFFFFF"/>
-              </a:buClr>
-              <a:defRPr/>
-            </a:pPr>
-            <a:r>
-              <a:rPr lang="en-US" altLang="ja-JP" sz="3600" b="0" kern="0" dirty="0" smtClean="0">
-                <a:solidFill>
-                  <a:srgbClr val="000000"/>
-                </a:solidFill>
-                <a:latin typeface="+mn-lt"/>
-                <a:ea typeface="+mn-ea"/>
-              </a:rPr>
-              <a:t>Hiroyuki </a:t>
-            </a:r>
-            <a:r>
-              <a:rPr lang="en-US" altLang="ja-JP" sz="3600" b="0" kern="0" dirty="0" smtClean="0">
-                <a:solidFill>
-                  <a:srgbClr val="000000"/>
-                </a:solidFill>
-                <a:latin typeface="+mn-lt"/>
-                <a:ea typeface="+mn-ea"/>
-              </a:rPr>
-              <a:t>Ito (</a:t>
-            </a:r>
-            <a:r>
-              <a:rPr lang="en-US" altLang="ja-JP" sz="3600" b="0" kern="0" dirty="0" smtClean="0">
-                <a:solidFill>
-                  <a:srgbClr val="000000"/>
-                </a:solidFill>
-                <a:latin typeface="+mn-lt"/>
-                <a:ea typeface="+mn-ea"/>
-              </a:rPr>
-              <a:t>The Hiro)</a:t>
-            </a:r>
-          </a:p>
-          <a:p>
-            <a:pPr lvl="0" algn="l" defTabSz="381000">
-              <a:spcBef>
-                <a:spcPct val="20000"/>
-              </a:spcBef>
-              <a:buClr>
-                <a:srgbClr val="FFFFFF"/>
-              </a:buClr>
-              <a:defRPr/>
-            </a:pPr>
-            <a:r>
-              <a:rPr lang="en-US" altLang="ja-JP" sz="3600" b="0" kern="0" dirty="0" smtClean="0">
-                <a:solidFill>
-                  <a:schemeClr val="accent1"/>
-                </a:solidFill>
-                <a:latin typeface="+mn-lt"/>
-                <a:ea typeface="+mn-ea"/>
-              </a:rPr>
-              <a:t>Test-Driven Development Group!</a:t>
-            </a:r>
-            <a:endParaRPr lang="en-US" altLang="ja-JP" sz="3600" b="0" kern="0" dirty="0" smtClean="0">
-              <a:solidFill>
-                <a:srgbClr val="000000"/>
-              </a:solidFill>
-              <a:latin typeface="+mn-lt"/>
-              <a:ea typeface="+mn-ea"/>
-            </a:endParaRPr>
-          </a:p>
-          <a:p>
-            <a:pPr lvl="0" algn="l" defTabSz="381000">
-              <a:spcBef>
-                <a:spcPct val="20000"/>
-              </a:spcBef>
-              <a:buClr>
-                <a:srgbClr val="FFFFFF"/>
-              </a:buClr>
-              <a:defRPr/>
-            </a:pPr>
-            <a:r>
-              <a:rPr lang="en-US" altLang="ja-JP" sz="3600" b="0" kern="0" dirty="0" smtClean="0">
-                <a:solidFill>
-                  <a:schemeClr val="accent6"/>
-                </a:solidFill>
-                <a:latin typeface="+mn-lt"/>
-                <a:ea typeface="+mn-ea"/>
-              </a:rPr>
-              <a:t>@hageyahhoo</a:t>
-            </a:r>
-          </a:p>
-          <a:p>
-            <a:pPr lvl="0" algn="l" defTabSz="381000">
-              <a:spcBef>
-                <a:spcPct val="20000"/>
-              </a:spcBef>
-              <a:buClr>
-                <a:srgbClr val="FFFFFF"/>
-              </a:buClr>
-              <a:defRPr/>
-            </a:pPr>
-            <a:endParaRPr lang="en-US" altLang="ja-JP" sz="3600" b="0" kern="0" dirty="0" smtClean="0">
-              <a:solidFill>
-                <a:srgbClr val="000000"/>
-              </a:solidFill>
-              <a:latin typeface="+mn-lt"/>
-              <a:ea typeface="+mn-ea"/>
-            </a:endParaRPr>
-          </a:p>
-          <a:p>
-            <a:pPr lvl="0" algn="l" defTabSz="381000">
-              <a:spcBef>
-                <a:spcPct val="20000"/>
-              </a:spcBef>
-              <a:buClr>
-                <a:srgbClr val="FFFFFF"/>
-              </a:buClr>
-              <a:defRPr/>
-            </a:pPr>
-            <a:endParaRPr lang="en-US" altLang="ja-JP" sz="3600" b="0" kern="0" dirty="0">
-              <a:solidFill>
-                <a:srgbClr val="000000"/>
-              </a:solidFill>
-              <a:latin typeface="+mn-lt"/>
-              <a:ea typeface="+mn-ea"/>
-            </a:endParaRPr>
-          </a:p>
-          <a:p>
-            <a:pPr lvl="0" algn="l" defTabSz="381000">
-              <a:spcBef>
-                <a:spcPct val="20000"/>
-              </a:spcBef>
-              <a:buClr>
-                <a:srgbClr val="FFFFFF"/>
-              </a:buClr>
-              <a:defRPr/>
-            </a:pPr>
-            <a:endParaRPr lang="en-US" altLang="ja-JP" sz="3600" b="0" kern="0" dirty="0" smtClean="0">
-              <a:solidFill>
-                <a:srgbClr val="000000"/>
-              </a:solidFill>
-              <a:latin typeface="+mn-lt"/>
-              <a:ea typeface="+mn-ea"/>
-            </a:endParaRPr>
-          </a:p>
-          <a:p>
-            <a:pPr lvl="0" algn="l" defTabSz="381000">
-              <a:spcBef>
-                <a:spcPct val="20000"/>
-              </a:spcBef>
-              <a:buClr>
-                <a:srgbClr val="FFFFFF"/>
-              </a:buClr>
-              <a:defRPr/>
-            </a:pPr>
-            <a:endParaRPr lang="en-US" altLang="ja-JP" sz="3600" b="0" kern="0" dirty="0" smtClean="0">
-              <a:solidFill>
-                <a:srgbClr val="000000"/>
-              </a:solidFill>
-              <a:latin typeface="+mn-lt"/>
-              <a:ea typeface="+mn-ea"/>
-            </a:endParaRPr>
-          </a:p>
-        </p:txBody>
-      </p:sp>
-      <p:sp>
-        <p:nvSpPr>
-          <p:cNvPr id="4" name="タイトル 1"/>
-          <p:cNvSpPr>
-            <a:spLocks noGrp="1"/>
-          </p:cNvSpPr>
-          <p:nvPr>
-            <p:ph type="title"/>
-          </p:nvPr>
-        </p:nvSpPr>
-        <p:spPr>
-          <a:xfrm>
-            <a:off x="360000" y="252000"/>
-            <a:ext cx="8424000" cy="360000"/>
-          </a:xfrm>
-          <a:noFill/>
-          <a:ln>
-            <a:solidFill>
-              <a:srgbClr val="FFFFFF"/>
-            </a:solidFill>
-          </a:ln>
-        </p:spPr>
-        <p:txBody>
-          <a:bodyPr>
-            <a:normAutofit fontScale="90000"/>
-          </a:bodyPr>
-          <a:lstStyle/>
-          <a:p>
-            <a:r>
-              <a:rPr lang="en-US" altLang="ja-JP" kern="0" dirty="0" smtClean="0">
-                <a:solidFill>
-                  <a:schemeClr val="accent1"/>
-                </a:solidFill>
-                <a:latin typeface="+mj-ea"/>
-                <a:ea typeface="+mj-ea"/>
-              </a:rPr>
-              <a:t>About me</a:t>
-            </a:r>
-            <a:endParaRPr kumimoji="1" lang="ja-JP" altLang="en-US" dirty="0">
-              <a:latin typeface="+mj-ea"/>
-              <a:ea typeface="+mj-ea"/>
-            </a:endParaRPr>
-          </a:p>
-        </p:txBody>
-      </p:sp>
-      <p:pic>
-        <p:nvPicPr>
-          <p:cNvPr id="2" name="図 1"/>
-          <p:cNvPicPr>
-            <a:picLocks noChangeAspect="1"/>
-          </p:cNvPicPr>
-          <p:nvPr/>
-        </p:nvPicPr>
-        <p:blipFill>
-          <a:blip r:embed="rId3"/>
-          <a:stretch>
-            <a:fillRect/>
-          </a:stretch>
-        </p:blipFill>
-        <p:spPr>
-          <a:xfrm>
-            <a:off x="4224660" y="3880750"/>
-            <a:ext cx="3404220" cy="1144041"/>
-          </a:xfrm>
-          <a:prstGeom prst="rect">
-            <a:avLst/>
-          </a:prstGeom>
-        </p:spPr>
-      </p:pic>
-      <p:pic>
-        <p:nvPicPr>
-          <p:cNvPr id="6" name="図 5"/>
-          <p:cNvPicPr>
-            <a:picLocks noChangeAspect="1"/>
-          </p:cNvPicPr>
-          <p:nvPr/>
-        </p:nvPicPr>
-        <p:blipFill>
-          <a:blip r:embed="rId4"/>
-          <a:stretch>
-            <a:fillRect/>
-          </a:stretch>
-        </p:blipFill>
-        <p:spPr>
-          <a:xfrm>
-            <a:off x="4211960" y="5247614"/>
-            <a:ext cx="3413521" cy="1153342"/>
-          </a:xfrm>
-          <a:prstGeom prst="rect">
-            <a:avLst/>
-          </a:prstGeom>
-        </p:spPr>
-      </p:pic>
-      <p:pic>
-        <p:nvPicPr>
-          <p:cNvPr id="1026" name="Picture 2" descr="C:\Users\hiroyuki.a.ito\Pictures\Thehiro_v2.jpg"/>
-          <p:cNvPicPr>
-            <a:picLocks noChangeAspect="1" noChangeArrowheads="1"/>
-          </p:cNvPicPr>
-          <p:nvPr/>
-        </p:nvPicPr>
-        <p:blipFill>
-          <a:blip r:embed="rId5">
-            <a:extLst>
-              <a:ext uri="{28A0092B-C50C-407E-A947-70E740481C1C}">
-                <a14:useLocalDpi xmlns:a14="http://schemas.microsoft.com/office/drawing/2010/main" val="0"/>
-              </a:ext>
-            </a:extLst>
-          </a:blip>
-          <a:srcRect/>
-          <a:stretch>
-            <a:fillRect/>
-          </a:stretch>
-        </p:blipFill>
-        <p:spPr bwMode="auto">
-          <a:xfrm>
-            <a:off x="231078" y="1016732"/>
-            <a:ext cx="3429000" cy="3429000"/>
-          </a:xfrm>
-          <a:prstGeom prst="rect">
-            <a:avLst/>
-          </a:prstGeom>
-          <a:noFill/>
-          <a:extLst>
-            <a:ext uri="{909E8E84-426E-40DD-AFC4-6F175D3DCCD1}">
-              <a14:hiddenFill xmlns:a14="http://schemas.microsoft.com/office/drawing/2010/main">
-                <a:solidFill>
-                  <a:srgbClr val="FFFFFF"/>
-                </a:solidFill>
-              </a14:hiddenFill>
-            </a:ext>
-          </a:extLst>
-        </p:spPr>
-      </p:pic>
-    </p:spTree>
-    <p:extLst>
-      <p:ext uri="{BB962C8B-B14F-4D97-AF65-F5344CB8AC3E}">
-        <p14:creationId xmlns:p14="http://schemas.microsoft.com/office/powerpoint/2010/main" val="522943376"/>
-      </p:ext>
-    </p:extLst>
-  </p:cSld>
-  <p:clrMapOvr>
-    <a:masterClrMapping/>
-  </p:clrMapOvr>
-  <p:timing>
-    <p:tnLst>
-      <p:par>
-        <p:cTn id="1" dur="indefinite" restart="never" nodeType="tmRoot"/>
-      </p:par>
-    </p:tnLst>
-  </p:timing>
-</p:sld>
-</file>
-
-<file path=ppt/slides/slide20.xml><?xml version="1.0" encoding="utf-8"?>
+<file path=ppt/slides/slide23.xml><?xml version="1.0" encoding="utf-8"?>
 <p:sld xmlns:a="http://schemas.openxmlformats.org/drawingml/2006/main" xmlns:r="http://schemas.openxmlformats.org/officeDocument/2006/relationships" xmlns:p="http://schemas.openxmlformats.org/presentationml/2006/main">
   <p:cSld>
     <p:spTree>
@@ -10774,7 +12664,7 @@
 </p:sld>
 </file>
 
-<file path=ppt/slides/slide21.xml><?xml version="1.0" encoding="utf-8"?>
+<file path=ppt/slides/slide24.xml><?xml version="1.0" encoding="utf-8"?>
 <p:sld xmlns:a="http://schemas.openxmlformats.org/drawingml/2006/main" xmlns:r="http://schemas.openxmlformats.org/officeDocument/2006/relationships" xmlns:p="http://schemas.openxmlformats.org/presentationml/2006/main">
   <p:cSld>
     <p:spTree>
@@ -12070,7 +13960,7 @@
 </p:sld>
 </file>
 
-<file path=ppt/slides/slide22.xml><?xml version="1.0" encoding="utf-8"?>
+<file path=ppt/slides/slide25.xml><?xml version="1.0" encoding="utf-8"?>
 <p:sld xmlns:a="http://schemas.openxmlformats.org/drawingml/2006/main" xmlns:r="http://schemas.openxmlformats.org/officeDocument/2006/relationships" xmlns:p="http://schemas.openxmlformats.org/presentationml/2006/main">
   <p:cSld>
     <p:spTree>
@@ -13907,7 +15797,7 @@
 </p:sld>
 </file>
 
-<file path=ppt/slides/slide23.xml><?xml version="1.0" encoding="utf-8"?>
+<file path=ppt/slides/slide26.xml><?xml version="1.0" encoding="utf-8"?>
 <p:sld xmlns:a="http://schemas.openxmlformats.org/drawingml/2006/main" xmlns:r="http://schemas.openxmlformats.org/officeDocument/2006/relationships" xmlns:p="http://schemas.openxmlformats.org/presentationml/2006/main">
   <p:cSld>
     <p:spTree>
@@ -15203,7 +17093,7 @@
 </p:sld>
 </file>
 
-<file path=ppt/slides/slide24.xml><?xml version="1.0" encoding="utf-8"?>
+<file path=ppt/slides/slide27.xml><?xml version="1.0" encoding="utf-8"?>
 <p:sld xmlns:a="http://schemas.openxmlformats.org/drawingml/2006/main" xmlns:r="http://schemas.openxmlformats.org/officeDocument/2006/relationships" xmlns:p="http://schemas.openxmlformats.org/presentationml/2006/main">
   <p:cSld>
     <p:spTree>
@@ -16877,7 +18767,7 @@
 </p:sld>
 </file>
 
-<file path=ppt/slides/slide25.xml><?xml version="1.0" encoding="utf-8"?>
+<file path=ppt/slides/slide28.xml><?xml version="1.0" encoding="utf-8"?>
 <p:sld xmlns:a="http://schemas.openxmlformats.org/drawingml/2006/main" xmlns:r="http://schemas.openxmlformats.org/officeDocument/2006/relationships" xmlns:p="http://schemas.openxmlformats.org/presentationml/2006/main">
   <p:cSld>
     <p:spTree>
@@ -17404,7 +19294,7 @@
 </p:sld>
 </file>
 
-<file path=ppt/slides/slide26.xml><?xml version="1.0" encoding="utf-8"?>
+<file path=ppt/slides/slide29.xml><?xml version="1.0" encoding="utf-8"?>
 <p:sld xmlns:a="http://schemas.openxmlformats.org/drawingml/2006/main" xmlns:r="http://schemas.openxmlformats.org/officeDocument/2006/relationships" xmlns:p="http://schemas.openxmlformats.org/presentationml/2006/main">
   <p:cSld>
     <p:spTree>
@@ -19390,7 +21280,91 @@
 </p:sld>
 </file>
 
-<file path=ppt/slides/slide27.xml><?xml version="1.0" encoding="utf-8"?>
+<file path=ppt/slides/slide3.xml><?xml version="1.0" encoding="utf-8"?>
+<p:sld xmlns:a="http://schemas.openxmlformats.org/drawingml/2006/main" xmlns:r="http://schemas.openxmlformats.org/officeDocument/2006/relationships" xmlns:p="http://schemas.openxmlformats.org/presentationml/2006/main">
+  <p:cSld>
+    <p:spTree>
+      <p:nvGrpSpPr>
+        <p:cNvPr id="1" name=""/>
+        <p:cNvGrpSpPr/>
+        <p:nvPr/>
+      </p:nvGrpSpPr>
+      <p:grpSpPr>
+        <a:xfrm>
+          <a:off x="0" y="0"/>
+          <a:ext cx="0" cy="0"/>
+          <a:chOff x="0" y="0"/>
+          <a:chExt cx="0" cy="0"/>
+        </a:xfrm>
+      </p:grpSpPr>
+      <p:sp>
+        <p:nvSpPr>
+          <p:cNvPr id="4" name="タイトル 1"/>
+          <p:cNvSpPr>
+            <a:spLocks noGrp="1"/>
+          </p:cNvSpPr>
+          <p:nvPr>
+            <p:ph type="title"/>
+          </p:nvPr>
+        </p:nvSpPr>
+        <p:spPr>
+          <a:xfrm>
+            <a:off x="360000" y="252000"/>
+            <a:ext cx="8424000" cy="360000"/>
+          </a:xfrm>
+          <a:solidFill>
+            <a:srgbClr val="00B050"/>
+          </a:solidFill>
+          <a:ln>
+            <a:solidFill>
+              <a:srgbClr val="FFFFFF"/>
+            </a:solidFill>
+          </a:ln>
+        </p:spPr>
+        <p:txBody>
+          <a:bodyPr>
+            <a:normAutofit fontScale="90000"/>
+          </a:bodyPr>
+          <a:lstStyle/>
+          <a:p>
+            <a:r>
+              <a:rPr lang="en-US" altLang="ja-JP" kern="0" dirty="0" smtClean="0">
+                <a:solidFill>
+                  <a:schemeClr val="accent1"/>
+                </a:solidFill>
+                <a:latin typeface="+mn-lt"/>
+                <a:ea typeface="+mj-ea"/>
+              </a:rPr>
+              <a:t>3 times</a:t>
+            </a:r>
+            <a:endParaRPr kumimoji="1" lang="ja-JP" altLang="en-US" dirty="0">
+              <a:latin typeface="+mn-lt"/>
+              <a:ea typeface="+mj-ea"/>
+            </a:endParaRPr>
+          </a:p>
+        </p:txBody>
+      </p:sp>
+    </p:spTree>
+    <p:extLst>
+      <p:ext uri="{BB962C8B-B14F-4D97-AF65-F5344CB8AC3E}">
+        <p14:creationId xmlns:p14="http://schemas.microsoft.com/office/powerpoint/2010/main" val="452196705"/>
+      </p:ext>
+    </p:extLst>
+  </p:cSld>
+  <p:clrMapOvr>
+    <a:masterClrMapping/>
+  </p:clrMapOvr>
+  <p:timing>
+    <p:tnLst>
+      <p:par>
+        <p:cTn id="1" dur="indefinite" restart="never" nodeType="tmRoot"/>
+      </p:par>
+    </p:tnLst>
+  </p:timing>
+</p:sld>
+</file>
+
+<file path=ppt/slides/slide30.xml><?xml version="1.0" encoding="utf-8"?>
 <p:sld xmlns:a="http://schemas.openxmlformats.org/drawingml/2006/main" xmlns:r="http://schemas.openxmlformats.org/officeDocument/2006/relationships" xmlns:p="http://schemas.openxmlformats.org/presentationml/2006/main">
   <p:cSld>
     <p:spTree>
@@ -20686,7 +22660,7 @@
 </p:sld>
 </file>
 
-<file path=ppt/slides/slide28.xml><?xml version="1.0" encoding="utf-8"?>
+<file path=ppt/slides/slide31.xml><?xml version="1.0" encoding="utf-8"?>
 <p:sld xmlns:a="http://schemas.openxmlformats.org/drawingml/2006/main" xmlns:r="http://schemas.openxmlformats.org/officeDocument/2006/relationships" xmlns:p="http://schemas.openxmlformats.org/presentationml/2006/main">
   <p:cSld>
     <p:spTree>
@@ -21043,7 +23017,7 @@
 </p:sld>
 </file>
 
-<file path=ppt/slides/slide29.xml><?xml version="1.0" encoding="utf-8"?>
+<file path=ppt/slides/slide32.xml><?xml version="1.0" encoding="utf-8"?>
 <p:sld xmlns:a="http://schemas.openxmlformats.org/drawingml/2006/main" xmlns:r="http://schemas.openxmlformats.org/officeDocument/2006/relationships" xmlns:p="http://schemas.openxmlformats.org/presentationml/2006/main">
   <p:cSld>
     <p:spTree>
@@ -21940,89 +23914,7 @@
 </p:sld>
 </file>
 
-<file path=ppt/slides/slide3.xml><?xml version="1.0" encoding="utf-8"?>
-<p:sld xmlns:a="http://schemas.openxmlformats.org/drawingml/2006/main" xmlns:r="http://schemas.openxmlformats.org/officeDocument/2006/relationships" xmlns:p="http://schemas.openxmlformats.org/presentationml/2006/main">
-  <p:cSld>
-    <p:spTree>
-      <p:nvGrpSpPr>
-        <p:cNvPr id="1" name=""/>
-        <p:cNvGrpSpPr/>
-        <p:nvPr/>
-      </p:nvGrpSpPr>
-      <p:grpSpPr>
-        <a:xfrm>
-          <a:off x="0" y="0"/>
-          <a:ext cx="0" cy="0"/>
-          <a:chOff x="0" y="0"/>
-          <a:chExt cx="0" cy="0"/>
-        </a:xfrm>
-      </p:grpSpPr>
-      <p:sp>
-        <p:nvSpPr>
-          <p:cNvPr id="4" name="タイトル 1"/>
-          <p:cNvSpPr>
-            <a:spLocks noGrp="1"/>
-          </p:cNvSpPr>
-          <p:nvPr>
-            <p:ph type="title"/>
-          </p:nvPr>
-        </p:nvSpPr>
-        <p:spPr>
-          <a:xfrm>
-            <a:off x="360000" y="252000"/>
-            <a:ext cx="8424000" cy="360000"/>
-          </a:xfrm>
-          <a:noFill/>
-          <a:ln>
-            <a:solidFill>
-              <a:srgbClr val="FFFFFF"/>
-            </a:solidFill>
-          </a:ln>
-        </p:spPr>
-        <p:txBody>
-          <a:bodyPr>
-            <a:normAutofit fontScale="90000"/>
-          </a:bodyPr>
-          <a:lstStyle/>
-          <a:p>
-            <a:r>
-              <a:rPr lang="en-US" altLang="ja-JP" kern="0" dirty="0" smtClean="0">
-                <a:solidFill>
-                  <a:schemeClr val="accent1"/>
-                </a:solidFill>
-                <a:latin typeface="+mj-ea"/>
-                <a:ea typeface="+mj-ea"/>
-              </a:rPr>
-              <a:t>3 times</a:t>
-            </a:r>
-            <a:endParaRPr kumimoji="1" lang="ja-JP" altLang="en-US" dirty="0">
-              <a:latin typeface="+mj-ea"/>
-              <a:ea typeface="+mj-ea"/>
-            </a:endParaRPr>
-          </a:p>
-        </p:txBody>
-      </p:sp>
-    </p:spTree>
-    <p:extLst>
-      <p:ext uri="{BB962C8B-B14F-4D97-AF65-F5344CB8AC3E}">
-        <p14:creationId xmlns:p14="http://schemas.microsoft.com/office/powerpoint/2010/main" val="452196705"/>
-      </p:ext>
-    </p:extLst>
-  </p:cSld>
-  <p:clrMapOvr>
-    <a:masterClrMapping/>
-  </p:clrMapOvr>
-  <p:timing>
-    <p:tnLst>
-      <p:par>
-        <p:cTn id="1" dur="indefinite" restart="never" nodeType="tmRoot"/>
-      </p:par>
-    </p:tnLst>
-  </p:timing>
-</p:sld>
-</file>
-
-<file path=ppt/slides/slide30.xml><?xml version="1.0" encoding="utf-8"?>
+<file path=ppt/slides/slide33.xml><?xml version="1.0" encoding="utf-8"?>
 <p:sld xmlns:a="http://schemas.openxmlformats.org/drawingml/2006/main" xmlns:r="http://schemas.openxmlformats.org/officeDocument/2006/relationships" xmlns:p="http://schemas.openxmlformats.org/presentationml/2006/main">
   <p:cSld>
     <p:spTree>
@@ -23318,7 +25210,7 @@
 </p:sld>
 </file>
 
-<file path=ppt/slides/slide31.xml><?xml version="1.0" encoding="utf-8"?>
+<file path=ppt/slides/slide34.xml><?xml version="1.0" encoding="utf-8"?>
 <p:sld xmlns:a="http://schemas.openxmlformats.org/drawingml/2006/main" xmlns:r="http://schemas.openxmlformats.org/officeDocument/2006/relationships" xmlns:p="http://schemas.openxmlformats.org/presentationml/2006/main">
   <p:cSld>
     <p:spTree>
@@ -23670,7 +25562,7 @@
 </p:sld>
 </file>
 
-<file path=ppt/slides/slide32.xml><?xml version="1.0" encoding="utf-8"?>
+<file path=ppt/slides/slide35.xml><?xml version="1.0" encoding="utf-8"?>
 <p:sld xmlns:a="http://schemas.openxmlformats.org/drawingml/2006/main" xmlns:r="http://schemas.openxmlformats.org/officeDocument/2006/relationships" xmlns:p="http://schemas.openxmlformats.org/presentationml/2006/main">
   <p:cSld>
     <p:spTree>
@@ -25379,7 +27271,7 @@
 </p:sld>
 </file>
 
-<file path=ppt/slides/slide33.xml><?xml version="1.0" encoding="utf-8"?>
+<file path=ppt/slides/slide36.xml><?xml version="1.0" encoding="utf-8"?>
 <p:sld xmlns:a="http://schemas.openxmlformats.org/drawingml/2006/main" xmlns:r="http://schemas.openxmlformats.org/officeDocument/2006/relationships" xmlns:p="http://schemas.openxmlformats.org/presentationml/2006/main">
   <p:cSld>
     <p:spTree>
@@ -25500,7 +27392,7 @@
 </p:sld>
 </file>
 
-<file path=ppt/slides/slide34.xml><?xml version="1.0" encoding="utf-8"?>
+<file path=ppt/slides/slide37.xml><?xml version="1.0" encoding="utf-8"?>
 <p:sld xmlns:a="http://schemas.openxmlformats.org/drawingml/2006/main" xmlns:r="http://schemas.openxmlformats.org/officeDocument/2006/relationships" xmlns:p="http://schemas.openxmlformats.org/presentationml/2006/main">
   <p:cSld>
     <p:spTree>
@@ -26796,7 +28688,7 @@
 </p:sld>
 </file>
 
-<file path=ppt/slides/slide35.xml><?xml version="1.0" encoding="utf-8"?>
+<file path=ppt/slides/slide38.xml><?xml version="1.0" encoding="utf-8"?>
 <p:sld xmlns:a="http://schemas.openxmlformats.org/drawingml/2006/main" xmlns:r="http://schemas.openxmlformats.org/officeDocument/2006/relationships" xmlns:p="http://schemas.openxmlformats.org/presentationml/2006/main">
   <p:cSld>
     <p:spTree>
@@ -27021,7 +28913,7 @@
 </p:sld>
 </file>
 
-<file path=ppt/slides/slide36.xml><?xml version="1.0" encoding="utf-8"?>
+<file path=ppt/slides/slide39.xml><?xml version="1.0" encoding="utf-8"?>
 <p:sld xmlns:a="http://schemas.openxmlformats.org/drawingml/2006/main" xmlns:r="http://schemas.openxmlformats.org/officeDocument/2006/relationships" xmlns:p="http://schemas.openxmlformats.org/presentationml/2006/main">
   <p:cSld>
     <p:spTree>
@@ -27153,7 +29045,156 @@
 </p:sld>
 </file>
 
-<file path=ppt/slides/slide37.xml><?xml version="1.0" encoding="utf-8"?>
+<file path=ppt/slides/slide4.xml><?xml version="1.0" encoding="utf-8"?>
+<p:sld xmlns:a="http://schemas.openxmlformats.org/drawingml/2006/main" xmlns:r="http://schemas.openxmlformats.org/officeDocument/2006/relationships" xmlns:p="http://schemas.openxmlformats.org/presentationml/2006/main">
+  <p:cSld>
+    <p:spTree>
+      <p:nvGrpSpPr>
+        <p:cNvPr id="1" name=""/>
+        <p:cNvGrpSpPr/>
+        <p:nvPr/>
+      </p:nvGrpSpPr>
+      <p:grpSpPr>
+        <a:xfrm>
+          <a:off x="0" y="0"/>
+          <a:ext cx="0" cy="0"/>
+          <a:chOff x="0" y="0"/>
+          <a:chExt cx="0" cy="0"/>
+        </a:xfrm>
+      </p:grpSpPr>
+      <p:sp>
+        <p:nvSpPr>
+          <p:cNvPr id="4" name="タイトル 1"/>
+          <p:cNvSpPr>
+            <a:spLocks noGrp="1"/>
+          </p:cNvSpPr>
+          <p:nvPr>
+            <p:ph type="title"/>
+          </p:nvPr>
+        </p:nvSpPr>
+        <p:spPr>
+          <a:xfrm>
+            <a:off x="360000" y="252000"/>
+            <a:ext cx="8424000" cy="360000"/>
+          </a:xfrm>
+          <a:noFill/>
+          <a:ln>
+            <a:noFill/>
+          </a:ln>
+        </p:spPr>
+        <p:txBody>
+          <a:bodyPr>
+            <a:normAutofit fontScale="90000"/>
+          </a:bodyPr>
+          <a:lstStyle/>
+          <a:p>
+            <a:r>
+              <a:rPr lang="en-US" altLang="ja-JP" kern="0" dirty="0" smtClean="0">
+                <a:solidFill>
+                  <a:schemeClr val="accent1"/>
+                </a:solidFill>
+                <a:latin typeface="+mn-lt"/>
+                <a:ea typeface="+mj-ea"/>
+              </a:rPr>
+              <a:t>This Session’s Theme</a:t>
+            </a:r>
+            <a:endParaRPr kumimoji="1" lang="ja-JP" altLang="en-US" dirty="0">
+              <a:latin typeface="+mn-lt"/>
+              <a:ea typeface="+mj-ea"/>
+            </a:endParaRPr>
+          </a:p>
+        </p:txBody>
+      </p:sp>
+      <p:sp>
+        <p:nvSpPr>
+          <p:cNvPr id="3" name="タイトル 2"/>
+          <p:cNvSpPr txBox="1">
+            <a:spLocks/>
+          </p:cNvSpPr>
+          <p:nvPr/>
+        </p:nvSpPr>
+        <p:spPr>
+          <a:xfrm>
+            <a:off x="360000" y="1192412"/>
+            <a:ext cx="8424000" cy="4473176"/>
+          </a:xfrm>
+          <a:prstGeom prst="rect">
+            <a:avLst/>
+          </a:prstGeom>
+          <a:noFill/>
+          <a:ln>
+            <a:noFill/>
+          </a:ln>
+        </p:spPr>
+        <p:txBody>
+          <a:bodyPr anchor="ctr" anchorCtr="0">
+            <a:noAutofit/>
+          </a:bodyPr>
+          <a:lstStyle>
+            <a:lvl1pPr algn="ctr" defTabSz="914400" rtl="0" eaLnBrk="1" latinLnBrk="0" hangingPunct="1">
+              <a:spcBef>
+                <a:spcPct val="0"/>
+              </a:spcBef>
+              <a:buNone/>
+              <a:defRPr kumimoji="1" sz="2800" b="1" kern="1200" baseline="0">
+                <a:solidFill>
+                  <a:srgbClr val="C00000"/>
+                </a:solidFill>
+                <a:latin typeface="Arial" pitchFamily="34" charset="0"/>
+                <a:ea typeface="ＭＳ Ｐゴシック" pitchFamily="50" charset="-128"/>
+                <a:cs typeface="+mj-cs"/>
+              </a:defRPr>
+            </a:lvl1pPr>
+          </a:lstStyle>
+          <a:p>
+            <a:r>
+              <a:rPr lang="en-US" altLang="ja-JP" sz="9600" dirty="0" smtClean="0"/>
+              <a:t>Technology-</a:t>
+            </a:r>
+          </a:p>
+          <a:p>
+            <a:r>
+              <a:rPr lang="en-US" altLang="ja-JP" sz="9600" dirty="0" smtClean="0"/>
+              <a:t>Driven</a:t>
+            </a:r>
+          </a:p>
+          <a:p>
+            <a:r>
+              <a:rPr lang="en-US" altLang="ja-JP" sz="9600" dirty="0" smtClean="0"/>
+              <a:t>Development</a:t>
+            </a:r>
+            <a:endParaRPr lang="en-US" altLang="ja-JP" sz="9600" b="0" dirty="0" smtClean="0">
+              <a:solidFill>
+                <a:srgbClr val="000000"/>
+              </a:solidFill>
+              <a:latin typeface="+mn-ea"/>
+              <a:ea typeface="+mn-ea"/>
+              <a:cs typeface="ＭＳ 明朝"/>
+            </a:endParaRPr>
+          </a:p>
+        </p:txBody>
+      </p:sp>
+    </p:spTree>
+    <p:extLst>
+      <p:ext uri="{BB962C8B-B14F-4D97-AF65-F5344CB8AC3E}">
+        <p14:creationId xmlns:p14="http://schemas.microsoft.com/office/powerpoint/2010/main" val="4288531928"/>
+      </p:ext>
+    </p:extLst>
+  </p:cSld>
+  <p:clrMapOvr>
+    <a:masterClrMapping/>
+  </p:clrMapOvr>
+  <p:timing>
+    <p:tnLst>
+      <p:par>
+        <p:cTn id="1" dur="indefinite" restart="never" nodeType="tmRoot"/>
+      </p:par>
+    </p:tnLst>
+  </p:timing>
+</p:sld>
+</file>
+
+<file path=ppt/slides/slide40.xml><?xml version="1.0" encoding="utf-8"?>
 <p:sld xmlns:a="http://schemas.openxmlformats.org/drawingml/2006/main" xmlns:r="http://schemas.openxmlformats.org/officeDocument/2006/relationships" xmlns:p="http://schemas.openxmlformats.org/presentationml/2006/main">
   <p:cSld>
     <p:spTree>
@@ -27319,7 +29360,7 @@
 </p:sld>
 </file>
 
-<file path=ppt/slides/slide38.xml><?xml version="1.0" encoding="utf-8"?>
+<file path=ppt/slides/slide41.xml><?xml version="1.0" encoding="utf-8"?>
 <p:sld xmlns:a="http://schemas.openxmlformats.org/drawingml/2006/main" xmlns:r="http://schemas.openxmlformats.org/officeDocument/2006/relationships" xmlns:p="http://schemas.openxmlformats.org/presentationml/2006/main">
   <p:cSld>
     <p:spTree>
@@ -27451,7 +29492,149 @@
 </p:sld>
 </file>
 
-<file path=ppt/slides/slide4.xml><?xml version="1.0" encoding="utf-8"?>
+<file path=ppt/slides/slide5.xml><?xml version="1.0" encoding="utf-8"?>
+<p:sld xmlns:a="http://schemas.openxmlformats.org/drawingml/2006/main" xmlns:r="http://schemas.openxmlformats.org/officeDocument/2006/relationships" xmlns:p="http://schemas.openxmlformats.org/presentationml/2006/main">
+  <p:cSld>
+    <p:spTree>
+      <p:nvGrpSpPr>
+        <p:cNvPr id="1" name=""/>
+        <p:cNvGrpSpPr/>
+        <p:nvPr/>
+      </p:nvGrpSpPr>
+      <p:grpSpPr>
+        <a:xfrm>
+          <a:off x="0" y="0"/>
+          <a:ext cx="0" cy="0"/>
+          <a:chOff x="0" y="0"/>
+          <a:chExt cx="0" cy="0"/>
+        </a:xfrm>
+      </p:grpSpPr>
+      <p:sp>
+        <p:nvSpPr>
+          <p:cNvPr id="4" name="タイトル 1"/>
+          <p:cNvSpPr>
+            <a:spLocks noGrp="1"/>
+          </p:cNvSpPr>
+          <p:nvPr>
+            <p:ph type="title"/>
+          </p:nvPr>
+        </p:nvSpPr>
+        <p:spPr>
+          <a:xfrm>
+            <a:off x="360000" y="252000"/>
+            <a:ext cx="8424000" cy="360000"/>
+          </a:xfrm>
+          <a:solidFill>
+            <a:srgbClr val="00B050"/>
+          </a:solidFill>
+          <a:ln>
+            <a:solidFill>
+              <a:srgbClr val="FFFFFF"/>
+            </a:solidFill>
+          </a:ln>
+        </p:spPr>
+        <p:txBody>
+          <a:bodyPr>
+            <a:normAutofit fontScale="90000"/>
+          </a:bodyPr>
+          <a:lstStyle/>
+          <a:p>
+            <a:r>
+              <a:rPr lang="en-US" altLang="ja-JP" kern="0" dirty="0" smtClean="0">
+                <a:solidFill>
+                  <a:schemeClr val="accent1"/>
+                </a:solidFill>
+                <a:latin typeface="+mn-lt"/>
+                <a:ea typeface="+mj-ea"/>
+              </a:rPr>
+              <a:t>About Automation</a:t>
+            </a:r>
+            <a:endParaRPr kumimoji="1" lang="ja-JP" altLang="en-US" dirty="0">
+              <a:latin typeface="+mn-lt"/>
+              <a:ea typeface="+mj-ea"/>
+            </a:endParaRPr>
+          </a:p>
+        </p:txBody>
+      </p:sp>
+      <p:sp>
+        <p:nvSpPr>
+          <p:cNvPr id="3" name="タイトル 2"/>
+          <p:cNvSpPr txBox="1">
+            <a:spLocks/>
+          </p:cNvSpPr>
+          <p:nvPr/>
+        </p:nvSpPr>
+        <p:spPr>
+          <a:xfrm>
+            <a:off x="360000" y="1192412"/>
+            <a:ext cx="8424000" cy="4473176"/>
+          </a:xfrm>
+          <a:prstGeom prst="rect">
+            <a:avLst/>
+          </a:prstGeom>
+          <a:noFill/>
+          <a:ln>
+            <a:solidFill>
+              <a:srgbClr val="C00000"/>
+            </a:solidFill>
+          </a:ln>
+        </p:spPr>
+        <p:txBody>
+          <a:bodyPr anchor="ctr" anchorCtr="0">
+            <a:noAutofit/>
+          </a:bodyPr>
+          <a:lstStyle>
+            <a:lvl1pPr algn="ctr" defTabSz="914400" rtl="0" eaLnBrk="1" latinLnBrk="0" hangingPunct="1">
+              <a:spcBef>
+                <a:spcPct val="0"/>
+              </a:spcBef>
+              <a:buNone/>
+              <a:defRPr kumimoji="1" sz="2800" b="1" kern="1200" baseline="0">
+                <a:solidFill>
+                  <a:srgbClr val="C00000"/>
+                </a:solidFill>
+                <a:latin typeface="Arial" pitchFamily="34" charset="0"/>
+                <a:ea typeface="ＭＳ Ｐゴシック" pitchFamily="50" charset="-128"/>
+                <a:cs typeface="+mj-cs"/>
+              </a:defRPr>
+            </a:lvl1pPr>
+          </a:lstStyle>
+          <a:p>
+            <a:r>
+              <a:rPr lang="en-US" altLang="ja-JP" sz="9600" b="0" dirty="0" smtClean="0">
+                <a:solidFill>
+                  <a:srgbClr val="000000"/>
+                </a:solidFill>
+                <a:latin typeface="+mn-lt"/>
+                <a:ea typeface="+mn-ea"/>
+                <a:cs typeface="ＭＳ 明朝"/>
+              </a:rPr>
+              <a:t>Automation</a:t>
+            </a:r>
+          </a:p>
+        </p:txBody>
+      </p:sp>
+    </p:spTree>
+    <p:extLst>
+      <p:ext uri="{BB962C8B-B14F-4D97-AF65-F5344CB8AC3E}">
+        <p14:creationId xmlns:p14="http://schemas.microsoft.com/office/powerpoint/2010/main" val="448108395"/>
+      </p:ext>
+    </p:extLst>
+  </p:cSld>
+  <p:clrMapOvr>
+    <a:masterClrMapping/>
+  </p:clrMapOvr>
+  <p:timing>
+    <p:tnLst>
+      <p:par>
+        <p:cTn id="1" dur="indefinite" restart="never" nodeType="tmRoot"/>
+      </p:par>
+    </p:tnLst>
+  </p:timing>
+</p:sld>
+</file>
+
+<file path=ppt/slides/slide6.xml><?xml version="1.0" encoding="utf-8"?>
 <p:sld xmlns:a="http://schemas.openxmlformats.org/drawingml/2006/main" xmlns:r="http://schemas.openxmlformats.org/officeDocument/2006/relationships" xmlns:p="http://schemas.openxmlformats.org/presentationml/2006/main">
   <p:cSld>
     <p:spTree>
@@ -27483,13 +29666,9 @@
             <a:off x="360000" y="252000"/>
             <a:ext cx="8424000" cy="360000"/>
           </a:xfrm>
-          <a:solidFill>
-            <a:srgbClr val="92D050"/>
-          </a:solidFill>
+          <a:noFill/>
           <a:ln>
-            <a:solidFill>
-              <a:srgbClr val="FFFFFF"/>
-            </a:solidFill>
+            <a:noFill/>
           </a:ln>
         </p:spPr>
         <p:txBody>
@@ -27506,17 +29685,7 @@
                 <a:latin typeface="+mn-lt"/>
                 <a:ea typeface="+mj-ea"/>
               </a:rPr>
-              <a:t>Three </a:t>
-            </a:r>
-            <a:r>
-              <a:rPr lang="en-US" altLang="ja-JP" kern="0" dirty="0" smtClean="0">
-                <a:solidFill>
-                  <a:schemeClr val="accent1"/>
-                </a:solidFill>
-                <a:latin typeface="+mn-lt"/>
-                <a:ea typeface="+mj-ea"/>
-              </a:rPr>
-              <a:t>Approaches</a:t>
+              <a:t>Three Purposes</a:t>
             </a:r>
             <a:endParaRPr kumimoji="1" lang="ja-JP" altLang="en-US" dirty="0">
               <a:latin typeface="+mn-lt"/>
@@ -27535,17 +29704,15 @@
         </p:nvSpPr>
         <p:spPr>
           <a:xfrm>
-            <a:off x="1702854" y="1089044"/>
-            <a:ext cx="5738292" cy="1080000"/>
+            <a:off x="2916496" y="1286974"/>
+            <a:ext cx="6120000" cy="1080000"/>
           </a:xfrm>
           <a:prstGeom prst="rect">
             <a:avLst/>
           </a:prstGeom>
           <a:noFill/>
           <a:ln>
-            <a:solidFill>
-              <a:schemeClr val="accent1"/>
-            </a:solidFill>
+            <a:noFill/>
           </a:ln>
         </p:spPr>
         <p:txBody>
@@ -27571,16 +29738,12 @@
           <a:p>
             <a:pPr algn="l"/>
             <a:r>
-              <a:rPr lang="en-US" altLang="ja-JP" sz="4800" dirty="0" smtClean="0">
-                <a:latin typeface="+mj-ea"/>
+              <a:rPr lang="en-US" altLang="ja-JP" sz="7200" dirty="0" smtClean="0">
+                <a:latin typeface="+mn-lt"/>
                 <a:ea typeface="+mj-ea"/>
               </a:rPr>
-              <a:t>CI/CD</a:t>
-            </a:r>
-            <a:endParaRPr lang="en-US" altLang="ja-JP" sz="4800" dirty="0" smtClean="0">
-              <a:latin typeface="+mj-ea"/>
-              <a:ea typeface="+mj-ea"/>
-            </a:endParaRPr>
+              <a:t>Efficiency</a:t>
+            </a:r>
           </a:p>
         </p:txBody>
       </p:sp>
@@ -27594,17 +29757,15 @@
         </p:nvSpPr>
         <p:spPr>
           <a:xfrm>
-            <a:off x="1702854" y="2889122"/>
-            <a:ext cx="5738292" cy="1080000"/>
+            <a:off x="2916496" y="3087052"/>
+            <a:ext cx="6120000" cy="1080000"/>
           </a:xfrm>
           <a:prstGeom prst="rect">
             <a:avLst/>
           </a:prstGeom>
           <a:noFill/>
           <a:ln>
-            <a:solidFill>
-              <a:schemeClr val="accent1"/>
-            </a:solidFill>
+            <a:noFill/>
           </a:ln>
         </p:spPr>
         <p:txBody>
@@ -27630,16 +29791,12 @@
           <a:p>
             <a:pPr algn="l"/>
             <a:r>
-              <a:rPr lang="en-US" altLang="ja-JP" sz="4800" dirty="0" smtClean="0">
-                <a:latin typeface="+mj-ea"/>
+              <a:rPr lang="en-US" altLang="ja-JP" sz="7200" dirty="0" smtClean="0">
+                <a:latin typeface="+mn-lt"/>
                 <a:ea typeface="+mj-ea"/>
               </a:rPr>
-              <a:t>TDD</a:t>
-            </a:r>
-            <a:endParaRPr lang="en-US" altLang="ja-JP" sz="4800" dirty="0" smtClean="0">
-              <a:latin typeface="+mj-ea"/>
-              <a:ea typeface="+mj-ea"/>
-            </a:endParaRPr>
+              <a:t>Learning</a:t>
+            </a:r>
           </a:p>
         </p:txBody>
       </p:sp>
@@ -27653,17 +29810,15 @@
         </p:nvSpPr>
         <p:spPr>
           <a:xfrm>
-            <a:off x="1702854" y="4689200"/>
-            <a:ext cx="5738292" cy="1080000"/>
+            <a:off x="2916496" y="4896488"/>
+            <a:ext cx="6120000" cy="1080000"/>
           </a:xfrm>
           <a:prstGeom prst="rect">
             <a:avLst/>
           </a:prstGeom>
           <a:noFill/>
           <a:ln>
-            <a:solidFill>
-              <a:schemeClr val="accent1"/>
-            </a:solidFill>
+            <a:noFill/>
           </a:ln>
         </p:spPr>
         <p:txBody>
@@ -27689,22 +29844,18 @@
           <a:p>
             <a:pPr algn="l"/>
             <a:r>
-              <a:rPr lang="en-US" altLang="ja-JP" sz="4800" dirty="0" smtClean="0">
-                <a:latin typeface="+mj-ea"/>
+              <a:rPr lang="en-US" altLang="ja-JP" sz="7200" dirty="0" smtClean="0">
+                <a:latin typeface="+mn-lt"/>
                 <a:ea typeface="+mj-ea"/>
               </a:rPr>
-              <a:t>BDD</a:t>
-            </a:r>
-            <a:endParaRPr lang="en-US" altLang="ja-JP" sz="4800" dirty="0" smtClean="0">
-              <a:latin typeface="+mj-ea"/>
-              <a:ea typeface="+mj-ea"/>
-            </a:endParaRPr>
+              <a:t>Collaboration</a:t>
+            </a:r>
           </a:p>
         </p:txBody>
       </p:sp>
       <p:pic>
         <p:nvPicPr>
-          <p:cNvPr id="6" name="Picture 4" descr="C:\Users\hiroyuki.a.ito\Pictures\TDD\cucumber_logo.png"/>
+          <p:cNvPr id="1026" name="Picture 2" descr="C:\Users\hiroyuki.a.ito\Pictures\Agile2014\Efficiency.jpg"/>
           <p:cNvPicPr>
             <a:picLocks noChangeAspect="1" noChangeArrowheads="1"/>
           </p:cNvPicPr>
@@ -27725,26 +29876,27 @@
         </p:blipFill>
         <p:spPr bwMode="auto">
           <a:xfrm>
-            <a:off x="4788024" y="4645526"/>
-            <a:ext cx="3588919" cy="1092278"/>
+            <a:off x="593073" y="1089044"/>
+            <a:ext cx="2254336" cy="1475860"/>
           </a:xfrm>
           <a:prstGeom prst="rect">
             <a:avLst/>
           </a:prstGeom>
-          <a:solidFill>
-            <a:schemeClr val="bg1"/>
-          </a:solidFill>
-          <a:ln>
-            <a:solidFill>
-              <a:schemeClr val="accent1"/>
-            </a:solidFill>
-          </a:ln>
-          <a:extLst/>
+          <a:noFill/>
+          <a:extLst>
+            <a:ext uri="{909E8E84-426E-40DD-AFC4-6F175D3DCCD1}">
+              <a14:hiddenFill xmlns:a14="http://schemas.microsoft.com/office/drawing/2010/main">
+                <a:solidFill>
+                  <a:srgbClr val="FFFFFF"/>
+                </a:solidFill>
+              </a14:hiddenFill>
+            </a:ext>
+          </a:extLst>
         </p:spPr>
       </p:pic>
       <p:pic>
         <p:nvPicPr>
-          <p:cNvPr id="7" name="Picture 2" descr="C:\Users\hiroyuki.a.ito\Pictures\TDD\mockito_logo.jpg"/>
+          <p:cNvPr id="1028" name="Picture 4" descr="C:\Users\hiroyuki.a.ito\Pictures\Agile2014\Collaboration.png"/>
           <p:cNvPicPr>
             <a:picLocks noChangeAspect="1" noChangeArrowheads="1"/>
           </p:cNvPicPr>
@@ -27765,18 +29917,13 @@
         </p:blipFill>
         <p:spPr bwMode="auto">
           <a:xfrm>
-            <a:off x="6025922" y="2564545"/>
-            <a:ext cx="3118078" cy="1446716"/>
+            <a:off x="593073" y="4689200"/>
+            <a:ext cx="2244109" cy="1494576"/>
           </a:xfrm>
           <a:prstGeom prst="rect">
             <a:avLst/>
           </a:prstGeom>
           <a:noFill/>
-          <a:ln>
-            <a:solidFill>
-              <a:schemeClr val="accent1"/>
-            </a:solidFill>
-          </a:ln>
           <a:extLst>
             <a:ext uri="{909E8E84-426E-40DD-AFC4-6F175D3DCCD1}">
               <a14:hiddenFill xmlns:a14="http://schemas.microsoft.com/office/drawing/2010/main">
@@ -27790,14 +29937,14 @@
       </p:pic>
       <p:pic>
         <p:nvPicPr>
-          <p:cNvPr id="8" name="Picture 3" descr="C:\Users\hiroyuki.a.ito\Pictures\TDD\robolectric_logo.png"/>
+          <p:cNvPr id="9" name="Picture 3" descr="C:\Users\hiroyuki.a.ito\Pictures\Agile2014\Learning.jpg"/>
           <p:cNvPicPr>
             <a:picLocks noChangeAspect="1" noChangeArrowheads="1"/>
           </p:cNvPicPr>
           <p:nvPr/>
         </p:nvPicPr>
         <p:blipFill>
-          <a:blip r:embed="rId5">
+          <a:blip r:embed="rId5" cstate="print">
             <a:extLst>
               <a:ext uri="{28A0092B-C50C-407E-A947-70E740481C1C}">
                 <a14:useLocalDpi xmlns:a14="http://schemas.microsoft.com/office/drawing/2010/main" val="0"/>
@@ -27811,18 +29958,13 @@
         </p:blipFill>
         <p:spPr bwMode="auto">
           <a:xfrm>
-            <a:off x="4283968" y="2513942"/>
-            <a:ext cx="1851162" cy="1851162"/>
+            <a:off x="593073" y="2889122"/>
+            <a:ext cx="2244109" cy="1475860"/>
           </a:xfrm>
           <a:prstGeom prst="rect">
             <a:avLst/>
           </a:prstGeom>
           <a:noFill/>
-          <a:ln>
-            <a:solidFill>
-              <a:schemeClr val="accent1"/>
-            </a:solidFill>
-          </a:ln>
           <a:extLst>
             <a:ext uri="{909E8E84-426E-40DD-AFC4-6F175D3DCCD1}">
               <a14:hiddenFill xmlns:a14="http://schemas.microsoft.com/office/drawing/2010/main">
@@ -27834,160 +29976,10 @@
           </a:extLst>
         </p:spPr>
       </p:pic>
-      <p:pic>
-        <p:nvPicPr>
-          <p:cNvPr id="9" name="Picture 2" descr="C:\Users\hiroyuki.a.ito\Pictures\00_Card\jenkins\jenkins.png"/>
-          <p:cNvPicPr>
-            <a:picLocks noChangeAspect="1" noChangeArrowheads="1"/>
-          </p:cNvPicPr>
-          <p:nvPr/>
-        </p:nvPicPr>
-        <p:blipFill>
-          <a:blip r:embed="rId6">
-            <a:extLst>
-              <a:ext uri="{28A0092B-C50C-407E-A947-70E740481C1C}">
-                <a14:useLocalDpi xmlns:a14="http://schemas.microsoft.com/office/drawing/2010/main" val="0"/>
-              </a:ext>
-            </a:extLst>
-          </a:blip>
-          <a:srcRect/>
-          <a:stretch>
-            <a:fillRect/>
-          </a:stretch>
-        </p:blipFill>
-        <p:spPr bwMode="auto">
-          <a:xfrm flipH="1">
-            <a:off x="4507379" y="764704"/>
-            <a:ext cx="1404340" cy="1404340"/>
-          </a:xfrm>
-          <a:prstGeom prst="rect">
-            <a:avLst/>
-          </a:prstGeom>
-          <a:noFill/>
-          <a:ln>
-            <a:solidFill>
-              <a:schemeClr val="accent1"/>
-            </a:solidFill>
-          </a:ln>
-          <a:extLst>
-            <a:ext uri="{909E8E84-426E-40DD-AFC4-6F175D3DCCD1}">
-              <a14:hiddenFill xmlns:a14="http://schemas.microsoft.com/office/drawing/2010/main">
-                <a:solidFill>
-                  <a:srgbClr val="FFFFFF"/>
-                </a:solidFill>
-              </a14:hiddenFill>
-            </a:ext>
-          </a:extLst>
-        </p:spPr>
-      </p:pic>
-      <p:grpSp>
-        <p:nvGrpSpPr>
-          <p:cNvPr id="10" name="グループ化 9"/>
-          <p:cNvGrpSpPr/>
-          <p:nvPr/>
-        </p:nvGrpSpPr>
-        <p:grpSpPr>
-          <a:xfrm>
-            <a:off x="5724128" y="1012104"/>
-            <a:ext cx="4176464" cy="1233880"/>
-            <a:chOff x="1167405" y="839445"/>
-            <a:chExt cx="6809191" cy="2011684"/>
-          </a:xfrm>
-        </p:grpSpPr>
-        <p:pic>
-          <p:nvPicPr>
-            <p:cNvPr id="11" name="Picture 2" descr="C:\Users\hiroyuki.a.ito\Pictures\TDD\TestFlight.png"/>
-            <p:cNvPicPr>
-              <a:picLocks noChangeAspect="1" noChangeArrowheads="1"/>
-            </p:cNvPicPr>
-            <p:nvPr/>
-          </p:nvPicPr>
-          <p:blipFill>
-            <a:blip r:embed="rId7" cstate="print">
-              <a:extLst>
-                <a:ext uri="{28A0092B-C50C-407E-A947-70E740481C1C}">
-                  <a14:useLocalDpi xmlns:a14="http://schemas.microsoft.com/office/drawing/2010/main" val="0"/>
-                </a:ext>
-              </a:extLst>
-            </a:blip>
-            <a:srcRect/>
-            <a:stretch>
-              <a:fillRect/>
-            </a:stretch>
-          </p:blipFill>
-          <p:spPr bwMode="auto">
-            <a:xfrm>
-              <a:off x="1167405" y="839445"/>
-              <a:ext cx="6705614" cy="2011684"/>
-            </a:xfrm>
-            <a:prstGeom prst="rect">
-              <a:avLst/>
-            </a:prstGeom>
-            <a:noFill/>
-            <a:ln>
-              <a:solidFill>
-                <a:schemeClr val="accent1"/>
-              </a:solidFill>
-            </a:ln>
-            <a:extLst>
-              <a:ext uri="{909E8E84-426E-40DD-AFC4-6F175D3DCCD1}">
-                <a14:hiddenFill xmlns:a14="http://schemas.microsoft.com/office/drawing/2010/main">
-                  <a:solidFill>
-                    <a:srgbClr val="FFFFFF"/>
-                  </a:solidFill>
-                </a14:hiddenFill>
-              </a:ext>
-            </a:extLst>
-          </p:spPr>
-        </p:pic>
-        <p:cxnSp>
-          <p:nvCxnSpPr>
-            <p:cNvPr id="12" name="直線コネクタ 11"/>
-            <p:cNvCxnSpPr/>
-            <p:nvPr/>
-          </p:nvCxnSpPr>
-          <p:spPr>
-            <a:xfrm>
-              <a:off x="3279825" y="2493359"/>
-              <a:ext cx="4696771" cy="0"/>
-            </a:xfrm>
-            <a:prstGeom prst="line">
-              <a:avLst/>
-            </a:prstGeom>
-            <a:ln w="25400">
-              <a:solidFill>
-                <a:schemeClr val="accent1"/>
-              </a:solidFill>
-              <a:tailEnd type="none"/>
-            </a:ln>
-            <a:effectLst>
-              <a:outerShdw blurRad="88900" dist="38100" dir="8100000" algn="ctr" rotWithShape="0">
-                <a:srgbClr val="000000">
-                  <a:alpha val="30000"/>
-                </a:srgbClr>
-              </a:outerShdw>
-            </a:effectLst>
-          </p:spPr>
-          <p:style>
-            <a:lnRef idx="1">
-              <a:schemeClr val="accent1"/>
-            </a:lnRef>
-            <a:fillRef idx="0">
-              <a:schemeClr val="accent1"/>
-            </a:fillRef>
-            <a:effectRef idx="0">
-              <a:schemeClr val="accent1"/>
-            </a:effectRef>
-            <a:fontRef idx="minor">
-              <a:schemeClr val="tx1"/>
-            </a:fontRef>
-          </p:style>
-        </p:cxnSp>
-      </p:grpSp>
     </p:spTree>
     <p:extLst>
       <p:ext uri="{BB962C8B-B14F-4D97-AF65-F5344CB8AC3E}">
-        <p14:creationId xmlns:p14="http://schemas.microsoft.com/office/powerpoint/2010/main" val="3694035996"/>
+        <p14:creationId xmlns:p14="http://schemas.microsoft.com/office/powerpoint/2010/main" val="2025172219"/>
       </p:ext>
     </p:extLst>
   </p:cSld>
@@ -27997,14 +29989,306 @@
   <p:timing>
     <p:tnLst>
       <p:par>
-        <p:cTn id="1" dur="indefinite" restart="never" nodeType="tmRoot"/>
+        <p:cTn id="1" dur="indefinite" restart="never" nodeType="tmRoot">
+          <p:childTnLst>
+            <p:seq concurrent="1" nextAc="seek">
+              <p:cTn id="2" dur="indefinite" nodeType="mainSeq">
+                <p:childTnLst>
+                  <p:par>
+                    <p:cTn id="3" fill="hold">
+                      <p:stCondLst>
+                        <p:cond delay="indefinite"/>
+                      </p:stCondLst>
+                      <p:childTnLst>
+                        <p:par>
+                          <p:cTn id="4" fill="hold">
+                            <p:stCondLst>
+                              <p:cond delay="0"/>
+                            </p:stCondLst>
+                            <p:childTnLst>
+                              <p:par>
+                                <p:cTn id="5" presetID="22" presetClass="entr" presetSubtype="8" fill="hold" nodeType="clickEffect">
+                                  <p:stCondLst>
+                                    <p:cond delay="0"/>
+                                  </p:stCondLst>
+                                  <p:childTnLst>
+                                    <p:set>
+                                      <p:cBhvr>
+                                        <p:cTn id="6" dur="1" fill="hold">
+                                          <p:stCondLst>
+                                            <p:cond delay="0"/>
+                                          </p:stCondLst>
+                                        </p:cTn>
+                                        <p:tgtEl>
+                                          <p:spTgt spid="1026"/>
+                                        </p:tgtEl>
+                                        <p:attrNameLst>
+                                          <p:attrName>style.visibility</p:attrName>
+                                        </p:attrNameLst>
+                                      </p:cBhvr>
+                                      <p:to>
+                                        <p:strVal val="visible"/>
+                                      </p:to>
+                                    </p:set>
+                                    <p:animEffect transition="in" filter="wipe(left)">
+                                      <p:cBhvr>
+                                        <p:cTn id="7" dur="500"/>
+                                        <p:tgtEl>
+                                          <p:spTgt spid="1026"/>
+                                        </p:tgtEl>
+                                      </p:cBhvr>
+                                    </p:animEffect>
+                                  </p:childTnLst>
+                                </p:cTn>
+                              </p:par>
+                              <p:par>
+                                <p:cTn id="8" presetID="22" presetClass="entr" presetSubtype="8" fill="hold" grpId="0" nodeType="withEffect">
+                                  <p:stCondLst>
+                                    <p:cond delay="0"/>
+                                  </p:stCondLst>
+                                  <p:childTnLst>
+                                    <p:set>
+                                      <p:cBhvr>
+                                        <p:cTn id="9" dur="1" fill="hold">
+                                          <p:stCondLst>
+                                            <p:cond delay="0"/>
+                                          </p:stCondLst>
+                                        </p:cTn>
+                                        <p:tgtEl>
+                                          <p:spTgt spid="15"/>
+                                        </p:tgtEl>
+                                        <p:attrNameLst>
+                                          <p:attrName>style.visibility</p:attrName>
+                                        </p:attrNameLst>
+                                      </p:cBhvr>
+                                      <p:to>
+                                        <p:strVal val="visible"/>
+                                      </p:to>
+                                    </p:set>
+                                    <p:animEffect transition="in" filter="wipe(left)">
+                                      <p:cBhvr>
+                                        <p:cTn id="10" dur="500"/>
+                                        <p:tgtEl>
+                                          <p:spTgt spid="15"/>
+                                        </p:tgtEl>
+                                      </p:cBhvr>
+                                    </p:animEffect>
+                                  </p:childTnLst>
+                                </p:cTn>
+                              </p:par>
+                            </p:childTnLst>
+                          </p:cTn>
+                        </p:par>
+                      </p:childTnLst>
+                    </p:cTn>
+                  </p:par>
+                  <p:par>
+                    <p:cTn id="11" fill="hold">
+                      <p:stCondLst>
+                        <p:cond delay="indefinite"/>
+                      </p:stCondLst>
+                      <p:childTnLst>
+                        <p:par>
+                          <p:cTn id="12" fill="hold">
+                            <p:stCondLst>
+                              <p:cond delay="0"/>
+                            </p:stCondLst>
+                            <p:childTnLst>
+                              <p:par>
+                                <p:cTn id="13" presetID="22" presetClass="entr" presetSubtype="8" fill="hold" nodeType="clickEffect">
+                                  <p:stCondLst>
+                                    <p:cond delay="0"/>
+                                  </p:stCondLst>
+                                  <p:childTnLst>
+                                    <p:set>
+                                      <p:cBhvr>
+                                        <p:cTn id="14" dur="1" fill="hold">
+                                          <p:stCondLst>
+                                            <p:cond delay="0"/>
+                                          </p:stCondLst>
+                                        </p:cTn>
+                                        <p:tgtEl>
+                                          <p:spTgt spid="9"/>
+                                        </p:tgtEl>
+                                        <p:attrNameLst>
+                                          <p:attrName>style.visibility</p:attrName>
+                                        </p:attrNameLst>
+                                      </p:cBhvr>
+                                      <p:to>
+                                        <p:strVal val="visible"/>
+                                      </p:to>
+                                    </p:set>
+                                    <p:animEffect transition="in" filter="wipe(left)">
+                                      <p:cBhvr>
+                                        <p:cTn id="15" dur="500"/>
+                                        <p:tgtEl>
+                                          <p:spTgt spid="9"/>
+                                        </p:tgtEl>
+                                      </p:cBhvr>
+                                    </p:animEffect>
+                                  </p:childTnLst>
+                                </p:cTn>
+                              </p:par>
+                              <p:par>
+                                <p:cTn id="16" presetID="22" presetClass="entr" presetSubtype="8" fill="hold" grpId="0" nodeType="withEffect">
+                                  <p:stCondLst>
+                                    <p:cond delay="0"/>
+                                  </p:stCondLst>
+                                  <p:childTnLst>
+                                    <p:set>
+                                      <p:cBhvr>
+                                        <p:cTn id="17" dur="1" fill="hold">
+                                          <p:stCondLst>
+                                            <p:cond delay="0"/>
+                                          </p:stCondLst>
+                                        </p:cTn>
+                                        <p:tgtEl>
+                                          <p:spTgt spid="16"/>
+                                        </p:tgtEl>
+                                        <p:attrNameLst>
+                                          <p:attrName>style.visibility</p:attrName>
+                                        </p:attrNameLst>
+                                      </p:cBhvr>
+                                      <p:to>
+                                        <p:strVal val="visible"/>
+                                      </p:to>
+                                    </p:set>
+                                    <p:animEffect transition="in" filter="wipe(left)">
+                                      <p:cBhvr>
+                                        <p:cTn id="18" dur="500"/>
+                                        <p:tgtEl>
+                                          <p:spTgt spid="16"/>
+                                        </p:tgtEl>
+                                      </p:cBhvr>
+                                    </p:animEffect>
+                                  </p:childTnLst>
+                                </p:cTn>
+                              </p:par>
+                            </p:childTnLst>
+                          </p:cTn>
+                        </p:par>
+                      </p:childTnLst>
+                    </p:cTn>
+                  </p:par>
+                  <p:par>
+                    <p:cTn id="19" fill="hold">
+                      <p:stCondLst>
+                        <p:cond delay="indefinite"/>
+                      </p:stCondLst>
+                      <p:childTnLst>
+                        <p:par>
+                          <p:cTn id="20" fill="hold">
+                            <p:stCondLst>
+                              <p:cond delay="0"/>
+                            </p:stCondLst>
+                            <p:childTnLst>
+                              <p:par>
+                                <p:cTn id="21" presetID="22" presetClass="entr" presetSubtype="8" fill="hold" nodeType="clickEffect">
+                                  <p:stCondLst>
+                                    <p:cond delay="0"/>
+                                  </p:stCondLst>
+                                  <p:childTnLst>
+                                    <p:set>
+                                      <p:cBhvr>
+                                        <p:cTn id="22" dur="1" fill="hold">
+                                          <p:stCondLst>
+                                            <p:cond delay="0"/>
+                                          </p:stCondLst>
+                                        </p:cTn>
+                                        <p:tgtEl>
+                                          <p:spTgt spid="1028"/>
+                                        </p:tgtEl>
+                                        <p:attrNameLst>
+                                          <p:attrName>style.visibility</p:attrName>
+                                        </p:attrNameLst>
+                                      </p:cBhvr>
+                                      <p:to>
+                                        <p:strVal val="visible"/>
+                                      </p:to>
+                                    </p:set>
+                                    <p:animEffect transition="in" filter="wipe(left)">
+                                      <p:cBhvr>
+                                        <p:cTn id="23" dur="500"/>
+                                        <p:tgtEl>
+                                          <p:spTgt spid="1028"/>
+                                        </p:tgtEl>
+                                      </p:cBhvr>
+                                    </p:animEffect>
+                                  </p:childTnLst>
+                                </p:cTn>
+                              </p:par>
+                              <p:par>
+                                <p:cTn id="24" presetID="22" presetClass="entr" presetSubtype="8" fill="hold" grpId="0" nodeType="withEffect">
+                                  <p:stCondLst>
+                                    <p:cond delay="0"/>
+                                  </p:stCondLst>
+                                  <p:childTnLst>
+                                    <p:set>
+                                      <p:cBhvr>
+                                        <p:cTn id="25" dur="1" fill="hold">
+                                          <p:stCondLst>
+                                            <p:cond delay="0"/>
+                                          </p:stCondLst>
+                                        </p:cTn>
+                                        <p:tgtEl>
+                                          <p:spTgt spid="18"/>
+                                        </p:tgtEl>
+                                        <p:attrNameLst>
+                                          <p:attrName>style.visibility</p:attrName>
+                                        </p:attrNameLst>
+                                      </p:cBhvr>
+                                      <p:to>
+                                        <p:strVal val="visible"/>
+                                      </p:to>
+                                    </p:set>
+                                    <p:animEffect transition="in" filter="wipe(left)">
+                                      <p:cBhvr>
+                                        <p:cTn id="26" dur="500"/>
+                                        <p:tgtEl>
+                                          <p:spTgt spid="18"/>
+                                        </p:tgtEl>
+                                      </p:cBhvr>
+                                    </p:animEffect>
+                                  </p:childTnLst>
+                                </p:cTn>
+                              </p:par>
+                            </p:childTnLst>
+                          </p:cTn>
+                        </p:par>
+                      </p:childTnLst>
+                    </p:cTn>
+                  </p:par>
+                </p:childTnLst>
+              </p:cTn>
+              <p:prevCondLst>
+                <p:cond evt="onPrev" delay="0">
+                  <p:tgtEl>
+                    <p:sldTgt/>
+                  </p:tgtEl>
+                </p:cond>
+              </p:prevCondLst>
+              <p:nextCondLst>
+                <p:cond evt="onNext" delay="0">
+                  <p:tgtEl>
+                    <p:sldTgt/>
+                  </p:tgtEl>
+                </p:cond>
+              </p:nextCondLst>
+            </p:seq>
+          </p:childTnLst>
+        </p:cTn>
       </p:par>
     </p:tnLst>
+    <p:bldLst>
+      <p:bldP spid="15" grpId="0"/>
+      <p:bldP spid="16" grpId="0"/>
+      <p:bldP spid="18" grpId="0"/>
+    </p:bldLst>
   </p:timing>
 </p:sld>
 </file>
 
-<file path=ppt/slides/slide5.xml><?xml version="1.0" encoding="utf-8"?>
+<file path=ppt/slides/slide7.xml><?xml version="1.0" encoding="utf-8"?>
 <p:sld xmlns:a="http://schemas.openxmlformats.org/drawingml/2006/main" xmlns:r="http://schemas.openxmlformats.org/officeDocument/2006/relationships" xmlns:p="http://schemas.openxmlformats.org/presentationml/2006/main">
   <p:cSld>
     <p:spTree>
@@ -28036,13 +30320,9 @@
             <a:off x="360000" y="252000"/>
             <a:ext cx="8424000" cy="360000"/>
           </a:xfrm>
-          <a:solidFill>
-            <a:srgbClr val="92D050"/>
-          </a:solidFill>
+          <a:noFill/>
           <a:ln>
-            <a:solidFill>
-              <a:srgbClr val="FFFFFF"/>
-            </a:solidFill>
+            <a:noFill/>
           </a:ln>
         </p:spPr>
         <p:txBody>
@@ -28059,7 +30339,17 @@
                 <a:latin typeface="+mn-lt"/>
                 <a:ea typeface="+mj-ea"/>
               </a:rPr>
-              <a:t>Three Purposes</a:t>
+              <a:t>Three </a:t>
+            </a:r>
+            <a:r>
+              <a:rPr lang="en-US" altLang="ja-JP" kern="0" dirty="0" smtClean="0">
+                <a:solidFill>
+                  <a:schemeClr val="accent1"/>
+                </a:solidFill>
+                <a:latin typeface="+mn-lt"/>
+                <a:ea typeface="+mj-ea"/>
+              </a:rPr>
+              <a:t>Approaches</a:t>
             </a:r>
             <a:endParaRPr kumimoji="1" lang="ja-JP" altLang="en-US" dirty="0">
               <a:latin typeface="+mn-lt"/>
@@ -28078,17 +30368,15 @@
         </p:nvSpPr>
         <p:spPr>
           <a:xfrm>
-            <a:off x="1702854" y="1089044"/>
-            <a:ext cx="5738292" cy="1080000"/>
+            <a:off x="251520" y="1286974"/>
+            <a:ext cx="2880000" cy="1080000"/>
           </a:xfrm>
           <a:prstGeom prst="rect">
             <a:avLst/>
           </a:prstGeom>
           <a:noFill/>
           <a:ln>
-            <a:solidFill>
-              <a:schemeClr val="accent1"/>
-            </a:solidFill>
+            <a:noFill/>
           </a:ln>
         </p:spPr>
         <p:txBody>
@@ -28114,14 +30402,14 @@
           <a:p>
             <a:pPr algn="l"/>
             <a:r>
-              <a:rPr lang="en-US" altLang="ja-JP" sz="4800" dirty="0" smtClean="0">
-                <a:latin typeface="+mj-ea"/>
+              <a:rPr lang="en-US" altLang="ja-JP" sz="7200" dirty="0" smtClean="0">
+                <a:latin typeface="+mn-lt"/>
                 <a:ea typeface="+mj-ea"/>
               </a:rPr>
-              <a:t>Efficiency</a:t>
-            </a:r>
-            <a:endParaRPr lang="en-US" altLang="ja-JP" sz="4800" dirty="0" smtClean="0">
-              <a:latin typeface="+mj-ea"/>
+              <a:t>CI/CD</a:t>
+            </a:r>
+            <a:endParaRPr lang="en-US" altLang="ja-JP" sz="7200" dirty="0" smtClean="0">
+              <a:latin typeface="+mn-lt"/>
               <a:ea typeface="+mj-ea"/>
             </a:endParaRPr>
           </a:p>
@@ -28137,17 +30425,15 @@
         </p:nvSpPr>
         <p:spPr>
           <a:xfrm>
-            <a:off x="1702854" y="2889122"/>
-            <a:ext cx="5738292" cy="1080000"/>
+            <a:off x="251520" y="3087052"/>
+            <a:ext cx="2880000" cy="1080000"/>
           </a:xfrm>
           <a:prstGeom prst="rect">
             <a:avLst/>
           </a:prstGeom>
           <a:noFill/>
           <a:ln>
-            <a:solidFill>
-              <a:schemeClr val="accent1"/>
-            </a:solidFill>
+            <a:noFill/>
           </a:ln>
         </p:spPr>
         <p:txBody>
@@ -28173,14 +30459,14 @@
           <a:p>
             <a:pPr algn="l"/>
             <a:r>
-              <a:rPr lang="en-US" altLang="ja-JP" sz="4800" dirty="0" smtClean="0">
-                <a:latin typeface="+mj-ea"/>
+              <a:rPr lang="en-US" altLang="ja-JP" sz="7200" dirty="0" smtClean="0">
+                <a:latin typeface="+mn-lt"/>
                 <a:ea typeface="+mj-ea"/>
               </a:rPr>
-              <a:t>Learning</a:t>
-            </a:r>
-            <a:endParaRPr lang="en-US" altLang="ja-JP" sz="4800" dirty="0" smtClean="0">
-              <a:latin typeface="+mj-ea"/>
+              <a:t>TDD</a:t>
+            </a:r>
+            <a:endParaRPr lang="en-US" altLang="ja-JP" sz="7200" dirty="0" smtClean="0">
+              <a:latin typeface="+mn-lt"/>
               <a:ea typeface="+mj-ea"/>
             </a:endParaRPr>
           </a:p>
@@ -28196,17 +30482,15 @@
         </p:nvSpPr>
         <p:spPr>
           <a:xfrm>
-            <a:off x="1702854" y="4689200"/>
-            <a:ext cx="5738292" cy="1080000"/>
+            <a:off x="251520" y="4896488"/>
+            <a:ext cx="2880000" cy="1080000"/>
           </a:xfrm>
           <a:prstGeom prst="rect">
             <a:avLst/>
           </a:prstGeom>
           <a:noFill/>
           <a:ln>
-            <a:solidFill>
-              <a:schemeClr val="accent1"/>
-            </a:solidFill>
+            <a:noFill/>
           </a:ln>
         </p:spPr>
         <p:txBody>
@@ -28232,23 +30516,278 @@
           <a:p>
             <a:pPr algn="l"/>
             <a:r>
-              <a:rPr lang="en-US" altLang="ja-JP" sz="4800" dirty="0" smtClean="0">
-                <a:latin typeface="+mj-ea"/>
+              <a:rPr lang="en-US" altLang="ja-JP" sz="7200" dirty="0" smtClean="0">
+                <a:latin typeface="+mn-lt"/>
                 <a:ea typeface="+mj-ea"/>
               </a:rPr>
-              <a:t>Collaboration</a:t>
-            </a:r>
-            <a:endParaRPr lang="en-US" altLang="ja-JP" sz="4800" dirty="0" smtClean="0">
-              <a:latin typeface="+mj-ea"/>
+              <a:t>BDD</a:t>
+            </a:r>
+            <a:endParaRPr lang="en-US" altLang="ja-JP" sz="7200" dirty="0" smtClean="0">
+              <a:latin typeface="+mn-lt"/>
               <a:ea typeface="+mj-ea"/>
             </a:endParaRPr>
           </a:p>
         </p:txBody>
       </p:sp>
+      <p:pic>
+        <p:nvPicPr>
+          <p:cNvPr id="1028" name="Picture 4" descr="C:\Users\hiroyuki.a.ito\Pictures\Agile2014\Collaboration.png"/>
+          <p:cNvPicPr>
+            <a:picLocks noChangeAspect="1" noChangeArrowheads="1"/>
+          </p:cNvPicPr>
+          <p:nvPr/>
+        </p:nvPicPr>
+        <p:blipFill>
+          <a:blip r:embed="rId3" cstate="print">
+            <a:extLst>
+              <a:ext uri="{28A0092B-C50C-407E-A947-70E740481C1C}">
+                <a14:useLocalDpi xmlns:a14="http://schemas.microsoft.com/office/drawing/2010/main" val="0"/>
+              </a:ext>
+            </a:extLst>
+          </a:blip>
+          <a:srcRect/>
+          <a:stretch>
+            <a:fillRect/>
+          </a:stretch>
+        </p:blipFill>
+        <p:spPr bwMode="auto">
+          <a:xfrm>
+            <a:off x="3148445" y="4797523"/>
+            <a:ext cx="1918815" cy="1277930"/>
+          </a:xfrm>
+          <a:prstGeom prst="rect">
+            <a:avLst/>
+          </a:prstGeom>
+          <a:noFill/>
+          <a:ln>
+            <a:noFill/>
+          </a:ln>
+          <a:extLst>
+            <a:ext uri="{909E8E84-426E-40DD-AFC4-6F175D3DCCD1}">
+              <a14:hiddenFill xmlns:a14="http://schemas.microsoft.com/office/drawing/2010/main">
+                <a:solidFill>
+                  <a:srgbClr val="FFFFFF"/>
+                </a:solidFill>
+              </a14:hiddenFill>
+            </a:ext>
+          </a:extLst>
+        </p:spPr>
+      </p:pic>
+      <p:pic>
+        <p:nvPicPr>
+          <p:cNvPr id="22" name="Picture 2" descr="C:\Users\hiroyuki.a.ito\Pictures\Agile2014\Efficiency.jpg"/>
+          <p:cNvPicPr>
+            <a:picLocks noChangeAspect="1" noChangeArrowheads="1"/>
+          </p:cNvPicPr>
+          <p:nvPr/>
+        </p:nvPicPr>
+        <p:blipFill>
+          <a:blip r:embed="rId4">
+            <a:extLst>
+              <a:ext uri="{28A0092B-C50C-407E-A947-70E740481C1C}">
+                <a14:useLocalDpi xmlns:a14="http://schemas.microsoft.com/office/drawing/2010/main" val="0"/>
+              </a:ext>
+            </a:extLst>
+          </a:blip>
+          <a:srcRect/>
+          <a:stretch>
+            <a:fillRect/>
+          </a:stretch>
+        </p:blipFill>
+        <p:spPr bwMode="auto">
+          <a:xfrm>
+            <a:off x="3148445" y="1196010"/>
+            <a:ext cx="1927559" cy="1261927"/>
+          </a:xfrm>
+          <a:prstGeom prst="rect">
+            <a:avLst/>
+          </a:prstGeom>
+          <a:noFill/>
+          <a:extLst>
+            <a:ext uri="{909E8E84-426E-40DD-AFC4-6F175D3DCCD1}">
+              <a14:hiddenFill xmlns:a14="http://schemas.microsoft.com/office/drawing/2010/main">
+                <a:solidFill>
+                  <a:srgbClr val="FFFFFF"/>
+                </a:solidFill>
+              </a14:hiddenFill>
+            </a:ext>
+          </a:extLst>
+        </p:spPr>
+      </p:pic>
+      <p:pic>
+        <p:nvPicPr>
+          <p:cNvPr id="21" name="Picture 4" descr="C:\Users\hiroyuki.a.ito\Pictures\Agile2014\Collaboration.png"/>
+          <p:cNvPicPr>
+            <a:picLocks noChangeAspect="1" noChangeArrowheads="1"/>
+          </p:cNvPicPr>
+          <p:nvPr/>
+        </p:nvPicPr>
+        <p:blipFill>
+          <a:blip r:embed="rId3" cstate="print">
+            <a:extLst>
+              <a:ext uri="{28A0092B-C50C-407E-A947-70E740481C1C}">
+                <a14:useLocalDpi xmlns:a14="http://schemas.microsoft.com/office/drawing/2010/main" val="0"/>
+              </a:ext>
+            </a:extLst>
+          </a:blip>
+          <a:srcRect/>
+          <a:stretch>
+            <a:fillRect/>
+          </a:stretch>
+        </p:blipFill>
+        <p:spPr bwMode="auto">
+          <a:xfrm>
+            <a:off x="5139830" y="1180007"/>
+            <a:ext cx="1918815" cy="1277930"/>
+          </a:xfrm>
+          <a:prstGeom prst="rect">
+            <a:avLst/>
+          </a:prstGeom>
+          <a:noFill/>
+          <a:extLst>
+            <a:ext uri="{909E8E84-426E-40DD-AFC4-6F175D3DCCD1}">
+              <a14:hiddenFill xmlns:a14="http://schemas.microsoft.com/office/drawing/2010/main">
+                <a:solidFill>
+                  <a:srgbClr val="FFFFFF"/>
+                </a:solidFill>
+              </a14:hiddenFill>
+            </a:ext>
+          </a:extLst>
+        </p:spPr>
+      </p:pic>
+      <p:pic>
+        <p:nvPicPr>
+          <p:cNvPr id="23" name="Picture 2" descr="C:\Users\hiroyuki.a.ito\Pictures\Agile2014\Efficiency.jpg"/>
+          <p:cNvPicPr>
+            <a:picLocks noChangeAspect="1" noChangeArrowheads="1"/>
+          </p:cNvPicPr>
+          <p:nvPr/>
+        </p:nvPicPr>
+        <p:blipFill>
+          <a:blip r:embed="rId4">
+            <a:extLst>
+              <a:ext uri="{28A0092B-C50C-407E-A947-70E740481C1C}">
+                <a14:useLocalDpi xmlns:a14="http://schemas.microsoft.com/office/drawing/2010/main" val="0"/>
+              </a:ext>
+            </a:extLst>
+          </a:blip>
+          <a:srcRect/>
+          <a:stretch>
+            <a:fillRect/>
+          </a:stretch>
+        </p:blipFill>
+        <p:spPr bwMode="auto">
+          <a:xfrm>
+            <a:off x="5139830" y="4797523"/>
+            <a:ext cx="1927559" cy="1261927"/>
+          </a:xfrm>
+          <a:prstGeom prst="rect">
+            <a:avLst/>
+          </a:prstGeom>
+          <a:noFill/>
+          <a:ln>
+            <a:noFill/>
+          </a:ln>
+          <a:extLst>
+            <a:ext uri="{909E8E84-426E-40DD-AFC4-6F175D3DCCD1}">
+              <a14:hiddenFill xmlns:a14="http://schemas.microsoft.com/office/drawing/2010/main">
+                <a:solidFill>
+                  <a:srgbClr val="FFFFFF"/>
+                </a:solidFill>
+              </a14:hiddenFill>
+            </a:ext>
+          </a:extLst>
+        </p:spPr>
+      </p:pic>
+      <p:pic>
+        <p:nvPicPr>
+          <p:cNvPr id="27" name="Picture 3" descr="C:\Users\hiroyuki.a.ito\Pictures\Agile2014\Learning.jpg"/>
+          <p:cNvPicPr>
+            <a:picLocks noChangeAspect="1" noChangeArrowheads="1"/>
+          </p:cNvPicPr>
+          <p:nvPr/>
+        </p:nvPicPr>
+        <p:blipFill>
+          <a:blip r:embed="rId5" cstate="print">
+            <a:extLst>
+              <a:ext uri="{28A0092B-C50C-407E-A947-70E740481C1C}">
+                <a14:useLocalDpi xmlns:a14="http://schemas.microsoft.com/office/drawing/2010/main" val="0"/>
+              </a:ext>
+            </a:extLst>
+          </a:blip>
+          <a:srcRect/>
+          <a:stretch>
+            <a:fillRect/>
+          </a:stretch>
+        </p:blipFill>
+        <p:spPr bwMode="auto">
+          <a:xfrm>
+            <a:off x="3148445" y="2996088"/>
+            <a:ext cx="1918815" cy="1261927"/>
+          </a:xfrm>
+          <a:prstGeom prst="rect">
+            <a:avLst/>
+          </a:prstGeom>
+          <a:noFill/>
+          <a:extLst>
+            <a:ext uri="{909E8E84-426E-40DD-AFC4-6F175D3DCCD1}">
+              <a14:hiddenFill xmlns:a14="http://schemas.microsoft.com/office/drawing/2010/main">
+                <a:solidFill>
+                  <a:srgbClr val="FFFFFF"/>
+                </a:solidFill>
+              </a14:hiddenFill>
+            </a:ext>
+          </a:extLst>
+        </p:spPr>
+      </p:pic>
+      <p:pic>
+        <p:nvPicPr>
+          <p:cNvPr id="28" name="Picture 3" descr="C:\Users\hiroyuki.a.ito\Pictures\Agile2014\Learning.jpg"/>
+          <p:cNvPicPr>
+            <a:picLocks noChangeAspect="1" noChangeArrowheads="1"/>
+          </p:cNvPicPr>
+          <p:nvPr/>
+        </p:nvPicPr>
+        <p:blipFill>
+          <a:blip r:embed="rId5" cstate="print">
+            <a:extLst>
+              <a:ext uri="{28A0092B-C50C-407E-A947-70E740481C1C}">
+                <a14:useLocalDpi xmlns:a14="http://schemas.microsoft.com/office/drawing/2010/main" val="0"/>
+              </a:ext>
+            </a:extLst>
+          </a:blip>
+          <a:srcRect/>
+          <a:stretch>
+            <a:fillRect/>
+          </a:stretch>
+        </p:blipFill>
+        <p:spPr bwMode="auto">
+          <a:xfrm>
+            <a:off x="7139961" y="4797523"/>
+            <a:ext cx="1918815" cy="1261927"/>
+          </a:xfrm>
+          <a:prstGeom prst="rect">
+            <a:avLst/>
+          </a:prstGeom>
+          <a:noFill/>
+          <a:ln>
+            <a:noFill/>
+          </a:ln>
+          <a:extLst>
+            <a:ext uri="{909E8E84-426E-40DD-AFC4-6F175D3DCCD1}">
+              <a14:hiddenFill xmlns:a14="http://schemas.microsoft.com/office/drawing/2010/main">
+                <a:solidFill>
+                  <a:srgbClr val="FFFFFF"/>
+                </a:solidFill>
+              </a14:hiddenFill>
+            </a:ext>
+          </a:extLst>
+        </p:spPr>
+      </p:pic>
     </p:spTree>
     <p:extLst>
       <p:ext uri="{BB962C8B-B14F-4D97-AF65-F5344CB8AC3E}">
-        <p14:creationId xmlns:p14="http://schemas.microsoft.com/office/powerpoint/2010/main" val="2025172219"/>
+        <p14:creationId xmlns:p14="http://schemas.microsoft.com/office/powerpoint/2010/main" val="2514468057"/>
       </p:ext>
     </p:extLst>
   </p:cSld>
@@ -28258,14 +30797,1248 @@
   <p:timing>
     <p:tnLst>
       <p:par>
-        <p:cTn id="1" dur="indefinite" restart="never" nodeType="tmRoot"/>
+        <p:cTn id="1" dur="indefinite" restart="never" nodeType="tmRoot">
+          <p:childTnLst>
+            <p:seq concurrent="1" nextAc="seek">
+              <p:cTn id="2" dur="indefinite" nodeType="mainSeq">
+                <p:childTnLst>
+                  <p:par>
+                    <p:cTn id="3" fill="hold">
+                      <p:stCondLst>
+                        <p:cond delay="indefinite"/>
+                      </p:stCondLst>
+                      <p:childTnLst>
+                        <p:par>
+                          <p:cTn id="4" fill="hold">
+                            <p:stCondLst>
+                              <p:cond delay="0"/>
+                            </p:stCondLst>
+                            <p:childTnLst>
+                              <p:par>
+                                <p:cTn id="5" presetID="22" presetClass="entr" presetSubtype="8" fill="hold" grpId="0" nodeType="clickEffect">
+                                  <p:stCondLst>
+                                    <p:cond delay="0"/>
+                                  </p:stCondLst>
+                                  <p:childTnLst>
+                                    <p:set>
+                                      <p:cBhvr>
+                                        <p:cTn id="6" dur="1" fill="hold">
+                                          <p:stCondLst>
+                                            <p:cond delay="0"/>
+                                          </p:stCondLst>
+                                        </p:cTn>
+                                        <p:tgtEl>
+                                          <p:spTgt spid="15"/>
+                                        </p:tgtEl>
+                                        <p:attrNameLst>
+                                          <p:attrName>style.visibility</p:attrName>
+                                        </p:attrNameLst>
+                                      </p:cBhvr>
+                                      <p:to>
+                                        <p:strVal val="visible"/>
+                                      </p:to>
+                                    </p:set>
+                                    <p:animEffect transition="in" filter="wipe(left)">
+                                      <p:cBhvr>
+                                        <p:cTn id="7" dur="500"/>
+                                        <p:tgtEl>
+                                          <p:spTgt spid="15"/>
+                                        </p:tgtEl>
+                                      </p:cBhvr>
+                                    </p:animEffect>
+                                  </p:childTnLst>
+                                </p:cTn>
+                              </p:par>
+                            </p:childTnLst>
+                          </p:cTn>
+                        </p:par>
+                      </p:childTnLst>
+                    </p:cTn>
+                  </p:par>
+                  <p:par>
+                    <p:cTn id="8" fill="hold">
+                      <p:stCondLst>
+                        <p:cond delay="indefinite"/>
+                      </p:stCondLst>
+                      <p:childTnLst>
+                        <p:par>
+                          <p:cTn id="9" fill="hold">
+                            <p:stCondLst>
+                              <p:cond delay="0"/>
+                            </p:stCondLst>
+                            <p:childTnLst>
+                              <p:par>
+                                <p:cTn id="10" presetID="16" presetClass="entr" presetSubtype="21" fill="hold" nodeType="clickEffect">
+                                  <p:stCondLst>
+                                    <p:cond delay="0"/>
+                                  </p:stCondLst>
+                                  <p:childTnLst>
+                                    <p:set>
+                                      <p:cBhvr>
+                                        <p:cTn id="11" dur="1" fill="hold">
+                                          <p:stCondLst>
+                                            <p:cond delay="0"/>
+                                          </p:stCondLst>
+                                        </p:cTn>
+                                        <p:tgtEl>
+                                          <p:spTgt spid="22"/>
+                                        </p:tgtEl>
+                                        <p:attrNameLst>
+                                          <p:attrName>style.visibility</p:attrName>
+                                        </p:attrNameLst>
+                                      </p:cBhvr>
+                                      <p:to>
+                                        <p:strVal val="visible"/>
+                                      </p:to>
+                                    </p:set>
+                                    <p:animEffect transition="in" filter="barn(inVertical)">
+                                      <p:cBhvr>
+                                        <p:cTn id="12" dur="500"/>
+                                        <p:tgtEl>
+                                          <p:spTgt spid="22"/>
+                                        </p:tgtEl>
+                                      </p:cBhvr>
+                                    </p:animEffect>
+                                  </p:childTnLst>
+                                </p:cTn>
+                              </p:par>
+                              <p:par>
+                                <p:cTn id="13" presetID="16" presetClass="entr" presetSubtype="21" fill="hold" nodeType="withEffect">
+                                  <p:stCondLst>
+                                    <p:cond delay="0"/>
+                                  </p:stCondLst>
+                                  <p:childTnLst>
+                                    <p:set>
+                                      <p:cBhvr>
+                                        <p:cTn id="14" dur="1" fill="hold">
+                                          <p:stCondLst>
+                                            <p:cond delay="0"/>
+                                          </p:stCondLst>
+                                        </p:cTn>
+                                        <p:tgtEl>
+                                          <p:spTgt spid="21"/>
+                                        </p:tgtEl>
+                                        <p:attrNameLst>
+                                          <p:attrName>style.visibility</p:attrName>
+                                        </p:attrNameLst>
+                                      </p:cBhvr>
+                                      <p:to>
+                                        <p:strVal val="visible"/>
+                                      </p:to>
+                                    </p:set>
+                                    <p:animEffect transition="in" filter="barn(inVertical)">
+                                      <p:cBhvr>
+                                        <p:cTn id="15" dur="500"/>
+                                        <p:tgtEl>
+                                          <p:spTgt spid="21"/>
+                                        </p:tgtEl>
+                                      </p:cBhvr>
+                                    </p:animEffect>
+                                  </p:childTnLst>
+                                </p:cTn>
+                              </p:par>
+                            </p:childTnLst>
+                          </p:cTn>
+                        </p:par>
+                      </p:childTnLst>
+                    </p:cTn>
+                  </p:par>
+                  <p:par>
+                    <p:cTn id="16" fill="hold">
+                      <p:stCondLst>
+                        <p:cond delay="indefinite"/>
+                      </p:stCondLst>
+                      <p:childTnLst>
+                        <p:par>
+                          <p:cTn id="17" fill="hold">
+                            <p:stCondLst>
+                              <p:cond delay="0"/>
+                            </p:stCondLst>
+                            <p:childTnLst>
+                              <p:par>
+                                <p:cTn id="18" presetID="22" presetClass="entr" presetSubtype="8" fill="hold" grpId="0" nodeType="clickEffect">
+                                  <p:stCondLst>
+                                    <p:cond delay="0"/>
+                                  </p:stCondLst>
+                                  <p:childTnLst>
+                                    <p:set>
+                                      <p:cBhvr>
+                                        <p:cTn id="19" dur="1" fill="hold">
+                                          <p:stCondLst>
+                                            <p:cond delay="0"/>
+                                          </p:stCondLst>
+                                        </p:cTn>
+                                        <p:tgtEl>
+                                          <p:spTgt spid="16"/>
+                                        </p:tgtEl>
+                                        <p:attrNameLst>
+                                          <p:attrName>style.visibility</p:attrName>
+                                        </p:attrNameLst>
+                                      </p:cBhvr>
+                                      <p:to>
+                                        <p:strVal val="visible"/>
+                                      </p:to>
+                                    </p:set>
+                                    <p:animEffect transition="in" filter="wipe(left)">
+                                      <p:cBhvr>
+                                        <p:cTn id="20" dur="500"/>
+                                        <p:tgtEl>
+                                          <p:spTgt spid="16"/>
+                                        </p:tgtEl>
+                                      </p:cBhvr>
+                                    </p:animEffect>
+                                  </p:childTnLst>
+                                </p:cTn>
+                              </p:par>
+                            </p:childTnLst>
+                          </p:cTn>
+                        </p:par>
+                      </p:childTnLst>
+                    </p:cTn>
+                  </p:par>
+                  <p:par>
+                    <p:cTn id="21" fill="hold">
+                      <p:stCondLst>
+                        <p:cond delay="indefinite"/>
+                      </p:stCondLst>
+                      <p:childTnLst>
+                        <p:par>
+                          <p:cTn id="22" fill="hold">
+                            <p:stCondLst>
+                              <p:cond delay="0"/>
+                            </p:stCondLst>
+                            <p:childTnLst>
+                              <p:par>
+                                <p:cTn id="23" presetID="16" presetClass="entr" presetSubtype="21" fill="hold" nodeType="clickEffect">
+                                  <p:stCondLst>
+                                    <p:cond delay="0"/>
+                                  </p:stCondLst>
+                                  <p:childTnLst>
+                                    <p:set>
+                                      <p:cBhvr>
+                                        <p:cTn id="24" dur="1" fill="hold">
+                                          <p:stCondLst>
+                                            <p:cond delay="0"/>
+                                          </p:stCondLst>
+                                        </p:cTn>
+                                        <p:tgtEl>
+                                          <p:spTgt spid="27"/>
+                                        </p:tgtEl>
+                                        <p:attrNameLst>
+                                          <p:attrName>style.visibility</p:attrName>
+                                        </p:attrNameLst>
+                                      </p:cBhvr>
+                                      <p:to>
+                                        <p:strVal val="visible"/>
+                                      </p:to>
+                                    </p:set>
+                                    <p:animEffect transition="in" filter="barn(inVertical)">
+                                      <p:cBhvr>
+                                        <p:cTn id="25" dur="500"/>
+                                        <p:tgtEl>
+                                          <p:spTgt spid="27"/>
+                                        </p:tgtEl>
+                                      </p:cBhvr>
+                                    </p:animEffect>
+                                  </p:childTnLst>
+                                </p:cTn>
+                              </p:par>
+                            </p:childTnLst>
+                          </p:cTn>
+                        </p:par>
+                      </p:childTnLst>
+                    </p:cTn>
+                  </p:par>
+                  <p:par>
+                    <p:cTn id="26" fill="hold">
+                      <p:stCondLst>
+                        <p:cond delay="indefinite"/>
+                      </p:stCondLst>
+                      <p:childTnLst>
+                        <p:par>
+                          <p:cTn id="27" fill="hold">
+                            <p:stCondLst>
+                              <p:cond delay="0"/>
+                            </p:stCondLst>
+                            <p:childTnLst>
+                              <p:par>
+                                <p:cTn id="28" presetID="22" presetClass="entr" presetSubtype="8" fill="hold" grpId="0" nodeType="clickEffect">
+                                  <p:stCondLst>
+                                    <p:cond delay="0"/>
+                                  </p:stCondLst>
+                                  <p:childTnLst>
+                                    <p:set>
+                                      <p:cBhvr>
+                                        <p:cTn id="29" dur="1" fill="hold">
+                                          <p:stCondLst>
+                                            <p:cond delay="0"/>
+                                          </p:stCondLst>
+                                        </p:cTn>
+                                        <p:tgtEl>
+                                          <p:spTgt spid="18"/>
+                                        </p:tgtEl>
+                                        <p:attrNameLst>
+                                          <p:attrName>style.visibility</p:attrName>
+                                        </p:attrNameLst>
+                                      </p:cBhvr>
+                                      <p:to>
+                                        <p:strVal val="visible"/>
+                                      </p:to>
+                                    </p:set>
+                                    <p:animEffect transition="in" filter="wipe(left)">
+                                      <p:cBhvr>
+                                        <p:cTn id="30" dur="500"/>
+                                        <p:tgtEl>
+                                          <p:spTgt spid="18"/>
+                                        </p:tgtEl>
+                                      </p:cBhvr>
+                                    </p:animEffect>
+                                  </p:childTnLst>
+                                </p:cTn>
+                              </p:par>
+                            </p:childTnLst>
+                          </p:cTn>
+                        </p:par>
+                      </p:childTnLst>
+                    </p:cTn>
+                  </p:par>
+                  <p:par>
+                    <p:cTn id="31" fill="hold">
+                      <p:stCondLst>
+                        <p:cond delay="indefinite"/>
+                      </p:stCondLst>
+                      <p:childTnLst>
+                        <p:par>
+                          <p:cTn id="32" fill="hold">
+                            <p:stCondLst>
+                              <p:cond delay="0"/>
+                            </p:stCondLst>
+                            <p:childTnLst>
+                              <p:par>
+                                <p:cTn id="33" presetID="16" presetClass="entr" presetSubtype="21" fill="hold" nodeType="clickEffect">
+                                  <p:stCondLst>
+                                    <p:cond delay="0"/>
+                                  </p:stCondLst>
+                                  <p:childTnLst>
+                                    <p:set>
+                                      <p:cBhvr>
+                                        <p:cTn id="34" dur="1" fill="hold">
+                                          <p:stCondLst>
+                                            <p:cond delay="0"/>
+                                          </p:stCondLst>
+                                        </p:cTn>
+                                        <p:tgtEl>
+                                          <p:spTgt spid="1028"/>
+                                        </p:tgtEl>
+                                        <p:attrNameLst>
+                                          <p:attrName>style.visibility</p:attrName>
+                                        </p:attrNameLst>
+                                      </p:cBhvr>
+                                      <p:to>
+                                        <p:strVal val="visible"/>
+                                      </p:to>
+                                    </p:set>
+                                    <p:animEffect transition="in" filter="barn(inVertical)">
+                                      <p:cBhvr>
+                                        <p:cTn id="35" dur="500"/>
+                                        <p:tgtEl>
+                                          <p:spTgt spid="1028"/>
+                                        </p:tgtEl>
+                                      </p:cBhvr>
+                                    </p:animEffect>
+                                  </p:childTnLst>
+                                </p:cTn>
+                              </p:par>
+                              <p:par>
+                                <p:cTn id="36" presetID="16" presetClass="entr" presetSubtype="21" fill="hold" nodeType="withEffect">
+                                  <p:stCondLst>
+                                    <p:cond delay="0"/>
+                                  </p:stCondLst>
+                                  <p:childTnLst>
+                                    <p:set>
+                                      <p:cBhvr>
+                                        <p:cTn id="37" dur="1" fill="hold">
+                                          <p:stCondLst>
+                                            <p:cond delay="0"/>
+                                          </p:stCondLst>
+                                        </p:cTn>
+                                        <p:tgtEl>
+                                          <p:spTgt spid="23"/>
+                                        </p:tgtEl>
+                                        <p:attrNameLst>
+                                          <p:attrName>style.visibility</p:attrName>
+                                        </p:attrNameLst>
+                                      </p:cBhvr>
+                                      <p:to>
+                                        <p:strVal val="visible"/>
+                                      </p:to>
+                                    </p:set>
+                                    <p:animEffect transition="in" filter="barn(inVertical)">
+                                      <p:cBhvr>
+                                        <p:cTn id="38" dur="500"/>
+                                        <p:tgtEl>
+                                          <p:spTgt spid="23"/>
+                                        </p:tgtEl>
+                                      </p:cBhvr>
+                                    </p:animEffect>
+                                  </p:childTnLst>
+                                </p:cTn>
+                              </p:par>
+                              <p:par>
+                                <p:cTn id="39" presetID="16" presetClass="entr" presetSubtype="21" fill="hold" nodeType="withEffect">
+                                  <p:stCondLst>
+                                    <p:cond delay="0"/>
+                                  </p:stCondLst>
+                                  <p:childTnLst>
+                                    <p:set>
+                                      <p:cBhvr>
+                                        <p:cTn id="40" dur="1" fill="hold">
+                                          <p:stCondLst>
+                                            <p:cond delay="0"/>
+                                          </p:stCondLst>
+                                        </p:cTn>
+                                        <p:tgtEl>
+                                          <p:spTgt spid="28"/>
+                                        </p:tgtEl>
+                                        <p:attrNameLst>
+                                          <p:attrName>style.visibility</p:attrName>
+                                        </p:attrNameLst>
+                                      </p:cBhvr>
+                                      <p:to>
+                                        <p:strVal val="visible"/>
+                                      </p:to>
+                                    </p:set>
+                                    <p:animEffect transition="in" filter="barn(inVertical)">
+                                      <p:cBhvr>
+                                        <p:cTn id="41" dur="500"/>
+                                        <p:tgtEl>
+                                          <p:spTgt spid="28"/>
+                                        </p:tgtEl>
+                                      </p:cBhvr>
+                                    </p:animEffect>
+                                  </p:childTnLst>
+                                </p:cTn>
+                              </p:par>
+                            </p:childTnLst>
+                          </p:cTn>
+                        </p:par>
+                      </p:childTnLst>
+                    </p:cTn>
+                  </p:par>
+                </p:childTnLst>
+              </p:cTn>
+              <p:prevCondLst>
+                <p:cond evt="onPrev" delay="0">
+                  <p:tgtEl>
+                    <p:sldTgt/>
+                  </p:tgtEl>
+                </p:cond>
+              </p:prevCondLst>
+              <p:nextCondLst>
+                <p:cond evt="onNext" delay="0">
+                  <p:tgtEl>
+                    <p:sldTgt/>
+                  </p:tgtEl>
+                </p:cond>
+              </p:nextCondLst>
+            </p:seq>
+          </p:childTnLst>
+        </p:cTn>
+      </p:par>
+    </p:tnLst>
+    <p:bldLst>
+      <p:bldP spid="15" grpId="0"/>
+      <p:bldP spid="16" grpId="0"/>
+      <p:bldP spid="18" grpId="0"/>
+    </p:bldLst>
+  </p:timing>
+</p:sld>
+</file>
+
+<file path=ppt/slides/slide8.xml><?xml version="1.0" encoding="utf-8"?>
+<p:sld xmlns:a="http://schemas.openxmlformats.org/drawingml/2006/main" xmlns:r="http://schemas.openxmlformats.org/officeDocument/2006/relationships" xmlns:p="http://schemas.openxmlformats.org/presentationml/2006/main">
+  <p:cSld>
+    <p:spTree>
+      <p:nvGrpSpPr>
+        <p:cNvPr id="1" name=""/>
+        <p:cNvGrpSpPr/>
+        <p:nvPr/>
+      </p:nvGrpSpPr>
+      <p:grpSpPr>
+        <a:xfrm>
+          <a:off x="0" y="0"/>
+          <a:ext cx="0" cy="0"/>
+          <a:chOff x="0" y="0"/>
+          <a:chExt cx="0" cy="0"/>
+        </a:xfrm>
+      </p:grpSpPr>
+      <p:sp>
+        <p:nvSpPr>
+          <p:cNvPr id="17" name="タイトル 1"/>
+          <p:cNvSpPr>
+            <a:spLocks noGrp="1"/>
+          </p:cNvSpPr>
+          <p:nvPr>
+            <p:ph type="title"/>
+          </p:nvPr>
+        </p:nvSpPr>
+        <p:spPr>
+          <a:xfrm>
+            <a:off x="360000" y="252000"/>
+            <a:ext cx="8424000" cy="360000"/>
+          </a:xfrm>
+          <a:noFill/>
+          <a:ln>
+            <a:noFill/>
+          </a:ln>
+        </p:spPr>
+        <p:txBody>
+          <a:bodyPr>
+            <a:normAutofit fontScale="90000"/>
+          </a:bodyPr>
+          <a:lstStyle/>
+          <a:p>
+            <a:r>
+              <a:rPr lang="en-US" altLang="ja-JP" kern="0" dirty="0" smtClean="0">
+                <a:solidFill>
+                  <a:schemeClr val="accent1"/>
+                </a:solidFill>
+                <a:latin typeface="+mn-lt"/>
+                <a:ea typeface="+mj-ea"/>
+              </a:rPr>
+              <a:t>Three </a:t>
+            </a:r>
+            <a:r>
+              <a:rPr lang="en-US" altLang="ja-JP" kern="0" dirty="0" smtClean="0">
+                <a:solidFill>
+                  <a:schemeClr val="accent1"/>
+                </a:solidFill>
+                <a:latin typeface="+mn-lt"/>
+                <a:ea typeface="+mj-ea"/>
+              </a:rPr>
+              <a:t>Approaches</a:t>
+            </a:r>
+            <a:endParaRPr kumimoji="1" lang="ja-JP" altLang="en-US" dirty="0">
+              <a:latin typeface="+mn-lt"/>
+              <a:ea typeface="+mj-ea"/>
+            </a:endParaRPr>
+          </a:p>
+        </p:txBody>
+      </p:sp>
+      <p:sp>
+        <p:nvSpPr>
+          <p:cNvPr id="15" name="タイトル 2"/>
+          <p:cNvSpPr txBox="1">
+            <a:spLocks/>
+          </p:cNvSpPr>
+          <p:nvPr/>
+        </p:nvSpPr>
+        <p:spPr>
+          <a:xfrm>
+            <a:off x="251520" y="1286974"/>
+            <a:ext cx="2880000" cy="1080000"/>
+          </a:xfrm>
+          <a:prstGeom prst="rect">
+            <a:avLst/>
+          </a:prstGeom>
+          <a:noFill/>
+          <a:ln>
+            <a:noFill/>
+          </a:ln>
+        </p:spPr>
+        <p:txBody>
+          <a:bodyPr anchor="ctr" anchorCtr="0">
+            <a:noAutofit/>
+          </a:bodyPr>
+          <a:lstStyle>
+            <a:lvl1pPr algn="ctr" defTabSz="914400" rtl="0" eaLnBrk="1" latinLnBrk="0" hangingPunct="1">
+              <a:spcBef>
+                <a:spcPct val="0"/>
+              </a:spcBef>
+              <a:buNone/>
+              <a:defRPr kumimoji="1" sz="2800" b="1" kern="1200" baseline="0">
+                <a:solidFill>
+                  <a:srgbClr val="C00000"/>
+                </a:solidFill>
+                <a:latin typeface="Arial" pitchFamily="34" charset="0"/>
+                <a:ea typeface="ＭＳ Ｐゴシック" pitchFamily="50" charset="-128"/>
+                <a:cs typeface="+mj-cs"/>
+              </a:defRPr>
+            </a:lvl1pPr>
+          </a:lstStyle>
+          <a:p>
+            <a:pPr algn="l"/>
+            <a:r>
+              <a:rPr lang="en-US" altLang="ja-JP" sz="7200" dirty="0" smtClean="0">
+                <a:latin typeface="+mn-lt"/>
+                <a:ea typeface="+mj-ea"/>
+              </a:rPr>
+              <a:t>CI/CD</a:t>
+            </a:r>
+            <a:endParaRPr lang="en-US" altLang="ja-JP" sz="7200" dirty="0" smtClean="0">
+              <a:latin typeface="+mn-lt"/>
+              <a:ea typeface="+mj-ea"/>
+            </a:endParaRPr>
+          </a:p>
+        </p:txBody>
+      </p:sp>
+      <p:sp>
+        <p:nvSpPr>
+          <p:cNvPr id="16" name="タイトル 2"/>
+          <p:cNvSpPr txBox="1">
+            <a:spLocks/>
+          </p:cNvSpPr>
+          <p:nvPr/>
+        </p:nvSpPr>
+        <p:spPr>
+          <a:xfrm>
+            <a:off x="251520" y="3087052"/>
+            <a:ext cx="2880000" cy="1080000"/>
+          </a:xfrm>
+          <a:prstGeom prst="rect">
+            <a:avLst/>
+          </a:prstGeom>
+          <a:noFill/>
+          <a:ln>
+            <a:noFill/>
+          </a:ln>
+        </p:spPr>
+        <p:txBody>
+          <a:bodyPr anchor="ctr" anchorCtr="0">
+            <a:noAutofit/>
+          </a:bodyPr>
+          <a:lstStyle>
+            <a:lvl1pPr algn="ctr" defTabSz="914400" rtl="0" eaLnBrk="1" latinLnBrk="0" hangingPunct="1">
+              <a:spcBef>
+                <a:spcPct val="0"/>
+              </a:spcBef>
+              <a:buNone/>
+              <a:defRPr kumimoji="1" sz="2800" b="1" kern="1200" baseline="0">
+                <a:solidFill>
+                  <a:srgbClr val="C00000"/>
+                </a:solidFill>
+                <a:latin typeface="Arial" pitchFamily="34" charset="0"/>
+                <a:ea typeface="ＭＳ Ｐゴシック" pitchFamily="50" charset="-128"/>
+                <a:cs typeface="+mj-cs"/>
+              </a:defRPr>
+            </a:lvl1pPr>
+          </a:lstStyle>
+          <a:p>
+            <a:pPr algn="l"/>
+            <a:r>
+              <a:rPr lang="en-US" altLang="ja-JP" sz="7200" dirty="0" smtClean="0">
+                <a:latin typeface="+mn-lt"/>
+                <a:ea typeface="+mj-ea"/>
+              </a:rPr>
+              <a:t>TDD</a:t>
+            </a:r>
+            <a:endParaRPr lang="en-US" altLang="ja-JP" sz="7200" dirty="0" smtClean="0">
+              <a:latin typeface="+mn-lt"/>
+              <a:ea typeface="+mj-ea"/>
+            </a:endParaRPr>
+          </a:p>
+        </p:txBody>
+      </p:sp>
+      <p:sp>
+        <p:nvSpPr>
+          <p:cNvPr id="18" name="タイトル 2"/>
+          <p:cNvSpPr txBox="1">
+            <a:spLocks/>
+          </p:cNvSpPr>
+          <p:nvPr/>
+        </p:nvSpPr>
+        <p:spPr>
+          <a:xfrm>
+            <a:off x="251520" y="4896488"/>
+            <a:ext cx="2880000" cy="1080000"/>
+          </a:xfrm>
+          <a:prstGeom prst="rect">
+            <a:avLst/>
+          </a:prstGeom>
+          <a:noFill/>
+          <a:ln>
+            <a:noFill/>
+          </a:ln>
+        </p:spPr>
+        <p:txBody>
+          <a:bodyPr anchor="ctr" anchorCtr="0">
+            <a:noAutofit/>
+          </a:bodyPr>
+          <a:lstStyle>
+            <a:lvl1pPr algn="ctr" defTabSz="914400" rtl="0" eaLnBrk="1" latinLnBrk="0" hangingPunct="1">
+              <a:spcBef>
+                <a:spcPct val="0"/>
+              </a:spcBef>
+              <a:buNone/>
+              <a:defRPr kumimoji="1" sz="2800" b="1" kern="1200" baseline="0">
+                <a:solidFill>
+                  <a:srgbClr val="C00000"/>
+                </a:solidFill>
+                <a:latin typeface="Arial" pitchFamily="34" charset="0"/>
+                <a:ea typeface="ＭＳ Ｐゴシック" pitchFamily="50" charset="-128"/>
+                <a:cs typeface="+mj-cs"/>
+              </a:defRPr>
+            </a:lvl1pPr>
+          </a:lstStyle>
+          <a:p>
+            <a:pPr algn="l"/>
+            <a:r>
+              <a:rPr lang="en-US" altLang="ja-JP" sz="7200" dirty="0" smtClean="0">
+                <a:latin typeface="+mn-lt"/>
+                <a:ea typeface="+mj-ea"/>
+              </a:rPr>
+              <a:t>BDD</a:t>
+            </a:r>
+            <a:endParaRPr lang="en-US" altLang="ja-JP" sz="7200" dirty="0" smtClean="0">
+              <a:latin typeface="+mn-lt"/>
+              <a:ea typeface="+mj-ea"/>
+            </a:endParaRPr>
+          </a:p>
+        </p:txBody>
+      </p:sp>
+      <p:pic>
+        <p:nvPicPr>
+          <p:cNvPr id="12" name="Picture 4" descr="C:\Users\hiroyuki.a.ito\Pictures\TDD\cucumber_logo.png"/>
+          <p:cNvPicPr>
+            <a:picLocks noChangeAspect="1" noChangeArrowheads="1"/>
+          </p:cNvPicPr>
+          <p:nvPr/>
+        </p:nvPicPr>
+        <p:blipFill>
+          <a:blip r:embed="rId3">
+            <a:extLst>
+              <a:ext uri="{28A0092B-C50C-407E-A947-70E740481C1C}">
+                <a14:useLocalDpi xmlns:a14="http://schemas.microsoft.com/office/drawing/2010/main" val="0"/>
+              </a:ext>
+            </a:extLst>
+          </a:blip>
+          <a:srcRect/>
+          <a:stretch>
+            <a:fillRect/>
+          </a:stretch>
+        </p:blipFill>
+        <p:spPr bwMode="auto">
+          <a:xfrm>
+            <a:off x="3148445" y="4734318"/>
+            <a:ext cx="4614267" cy="1404340"/>
+          </a:xfrm>
+          <a:prstGeom prst="rect">
+            <a:avLst/>
+          </a:prstGeom>
+          <a:solidFill>
+            <a:schemeClr val="bg1"/>
+          </a:solidFill>
+          <a:ln>
+            <a:noFill/>
+          </a:ln>
+          <a:extLst/>
+        </p:spPr>
+      </p:pic>
+      <p:pic>
+        <p:nvPicPr>
+          <p:cNvPr id="13" name="Picture 2" descr="C:\Users\hiroyuki.a.ito\Pictures\TDD\mockito_logo.jpg"/>
+          <p:cNvPicPr>
+            <a:picLocks noChangeAspect="1" noChangeArrowheads="1"/>
+          </p:cNvPicPr>
+          <p:nvPr/>
+        </p:nvPicPr>
+        <p:blipFill>
+          <a:blip r:embed="rId4">
+            <a:extLst>
+              <a:ext uri="{28A0092B-C50C-407E-A947-70E740481C1C}">
+                <a14:useLocalDpi xmlns:a14="http://schemas.microsoft.com/office/drawing/2010/main" val="0"/>
+              </a:ext>
+            </a:extLst>
+          </a:blip>
+          <a:srcRect/>
+          <a:stretch>
+            <a:fillRect/>
+          </a:stretch>
+        </p:blipFill>
+        <p:spPr bwMode="auto">
+          <a:xfrm>
+            <a:off x="4639869" y="2996088"/>
+            <a:ext cx="3026746" cy="1404340"/>
+          </a:xfrm>
+          <a:prstGeom prst="rect">
+            <a:avLst/>
+          </a:prstGeom>
+          <a:noFill/>
+          <a:ln>
+            <a:noFill/>
+          </a:ln>
+          <a:extLst>
+            <a:ext uri="{909E8E84-426E-40DD-AFC4-6F175D3DCCD1}">
+              <a14:hiddenFill xmlns:a14="http://schemas.microsoft.com/office/drawing/2010/main">
+                <a:solidFill>
+                  <a:srgbClr val="FFFFFF"/>
+                </a:solidFill>
+              </a14:hiddenFill>
+            </a:ext>
+          </a:extLst>
+        </p:spPr>
+      </p:pic>
+      <p:pic>
+        <p:nvPicPr>
+          <p:cNvPr id="14" name="Picture 3" descr="C:\Users\hiroyuki.a.ito\Pictures\TDD\robolectric_logo.png"/>
+          <p:cNvPicPr>
+            <a:picLocks noChangeAspect="1" noChangeArrowheads="1"/>
+          </p:cNvPicPr>
+          <p:nvPr/>
+        </p:nvPicPr>
+        <p:blipFill>
+          <a:blip r:embed="rId5">
+            <a:extLst>
+              <a:ext uri="{28A0092B-C50C-407E-A947-70E740481C1C}">
+                <a14:useLocalDpi xmlns:a14="http://schemas.microsoft.com/office/drawing/2010/main" val="0"/>
+              </a:ext>
+            </a:extLst>
+          </a:blip>
+          <a:srcRect/>
+          <a:stretch>
+            <a:fillRect/>
+          </a:stretch>
+        </p:blipFill>
+        <p:spPr bwMode="auto">
+          <a:xfrm>
+            <a:off x="3148445" y="2996088"/>
+            <a:ext cx="1404340" cy="1404340"/>
+          </a:xfrm>
+          <a:prstGeom prst="rect">
+            <a:avLst/>
+          </a:prstGeom>
+          <a:noFill/>
+          <a:ln>
+            <a:noFill/>
+          </a:ln>
+          <a:extLst>
+            <a:ext uri="{909E8E84-426E-40DD-AFC4-6F175D3DCCD1}">
+              <a14:hiddenFill xmlns:a14="http://schemas.microsoft.com/office/drawing/2010/main">
+                <a:solidFill>
+                  <a:srgbClr val="FFFFFF"/>
+                </a:solidFill>
+              </a14:hiddenFill>
+            </a:ext>
+          </a:extLst>
+        </p:spPr>
+      </p:pic>
+      <p:pic>
+        <p:nvPicPr>
+          <p:cNvPr id="19" name="Picture 2" descr="C:\Users\hiroyuki.a.ito\Pictures\00_Card\jenkins\jenkins.png"/>
+          <p:cNvPicPr>
+            <a:picLocks noChangeAspect="1" noChangeArrowheads="1"/>
+          </p:cNvPicPr>
+          <p:nvPr/>
+        </p:nvPicPr>
+        <p:blipFill>
+          <a:blip r:embed="rId6">
+            <a:extLst>
+              <a:ext uri="{28A0092B-C50C-407E-A947-70E740481C1C}">
+                <a14:useLocalDpi xmlns:a14="http://schemas.microsoft.com/office/drawing/2010/main" val="0"/>
+              </a:ext>
+            </a:extLst>
+          </a:blip>
+          <a:srcRect/>
+          <a:stretch>
+            <a:fillRect/>
+          </a:stretch>
+        </p:blipFill>
+        <p:spPr bwMode="auto">
+          <a:xfrm flipH="1">
+            <a:off x="3148445" y="1124804"/>
+            <a:ext cx="1404340" cy="1404340"/>
+          </a:xfrm>
+          <a:prstGeom prst="rect">
+            <a:avLst/>
+          </a:prstGeom>
+          <a:noFill/>
+          <a:ln>
+            <a:noFill/>
+          </a:ln>
+          <a:extLst>
+            <a:ext uri="{909E8E84-426E-40DD-AFC4-6F175D3DCCD1}">
+              <a14:hiddenFill xmlns:a14="http://schemas.microsoft.com/office/drawing/2010/main">
+                <a:solidFill>
+                  <a:srgbClr val="FFFFFF"/>
+                </a:solidFill>
+              </a14:hiddenFill>
+            </a:ext>
+          </a:extLst>
+        </p:spPr>
+      </p:pic>
+      <p:grpSp>
+        <p:nvGrpSpPr>
+          <p:cNvPr id="20" name="グループ化 19"/>
+          <p:cNvGrpSpPr/>
+          <p:nvPr/>
+        </p:nvGrpSpPr>
+        <p:grpSpPr>
+          <a:xfrm>
+            <a:off x="4639869" y="1175284"/>
+            <a:ext cx="4411703" cy="1303379"/>
+            <a:chOff x="1167405" y="839445"/>
+            <a:chExt cx="6809191" cy="2011684"/>
+          </a:xfrm>
+        </p:grpSpPr>
+        <p:pic>
+          <p:nvPicPr>
+            <p:cNvPr id="24" name="Picture 2" descr="C:\Users\hiroyuki.a.ito\Pictures\TDD\TestFlight.png"/>
+            <p:cNvPicPr>
+              <a:picLocks noChangeAspect="1" noChangeArrowheads="1"/>
+            </p:cNvPicPr>
+            <p:nvPr/>
+          </p:nvPicPr>
+          <p:blipFill>
+            <a:blip r:embed="rId7" cstate="print">
+              <a:extLst>
+                <a:ext uri="{28A0092B-C50C-407E-A947-70E740481C1C}">
+                  <a14:useLocalDpi xmlns:a14="http://schemas.microsoft.com/office/drawing/2010/main" val="0"/>
+                </a:ext>
+              </a:extLst>
+            </a:blip>
+            <a:srcRect/>
+            <a:stretch>
+              <a:fillRect/>
+            </a:stretch>
+          </p:blipFill>
+          <p:spPr bwMode="auto">
+            <a:xfrm>
+              <a:off x="1167405" y="839445"/>
+              <a:ext cx="6705614" cy="2011684"/>
+            </a:xfrm>
+            <a:prstGeom prst="rect">
+              <a:avLst/>
+            </a:prstGeom>
+            <a:noFill/>
+            <a:ln>
+              <a:noFill/>
+            </a:ln>
+            <a:extLst>
+              <a:ext uri="{909E8E84-426E-40DD-AFC4-6F175D3DCCD1}">
+                <a14:hiddenFill xmlns:a14="http://schemas.microsoft.com/office/drawing/2010/main">
+                  <a:solidFill>
+                    <a:srgbClr val="FFFFFF"/>
+                  </a:solidFill>
+                </a14:hiddenFill>
+              </a:ext>
+            </a:extLst>
+          </p:spPr>
+        </p:pic>
+        <p:cxnSp>
+          <p:nvCxnSpPr>
+            <p:cNvPr id="25" name="直線コネクタ 24"/>
+            <p:cNvCxnSpPr/>
+            <p:nvPr/>
+          </p:nvCxnSpPr>
+          <p:spPr>
+            <a:xfrm>
+              <a:off x="3279825" y="2493359"/>
+              <a:ext cx="4696771" cy="0"/>
+            </a:xfrm>
+            <a:prstGeom prst="line">
+              <a:avLst/>
+            </a:prstGeom>
+            <a:ln w="25400">
+              <a:noFill/>
+              <a:tailEnd type="none"/>
+            </a:ln>
+            <a:effectLst>
+              <a:outerShdw blurRad="88900" dist="38100" dir="8100000" algn="ctr" rotWithShape="0">
+                <a:srgbClr val="000000">
+                  <a:alpha val="30000"/>
+                </a:srgbClr>
+              </a:outerShdw>
+            </a:effectLst>
+          </p:spPr>
+          <p:style>
+            <a:lnRef idx="1">
+              <a:schemeClr val="accent1"/>
+            </a:lnRef>
+            <a:fillRef idx="0">
+              <a:schemeClr val="accent1"/>
+            </a:fillRef>
+            <a:effectRef idx="0">
+              <a:schemeClr val="accent1"/>
+            </a:effectRef>
+            <a:fontRef idx="minor">
+              <a:schemeClr val="tx1"/>
+            </a:fontRef>
+          </p:style>
+        </p:cxnSp>
+      </p:grpSp>
+    </p:spTree>
+    <p:extLst>
+      <p:ext uri="{BB962C8B-B14F-4D97-AF65-F5344CB8AC3E}">
+        <p14:creationId xmlns:p14="http://schemas.microsoft.com/office/powerpoint/2010/main" val="2331548459"/>
+      </p:ext>
+    </p:extLst>
+  </p:cSld>
+  <p:clrMapOvr>
+    <a:masterClrMapping/>
+  </p:clrMapOvr>
+  <p:timing>
+    <p:tnLst>
+      <p:par>
+        <p:cTn id="1" dur="indefinite" restart="never" nodeType="tmRoot">
+          <p:childTnLst>
+            <p:seq concurrent="1" nextAc="seek">
+              <p:cTn id="2" dur="indefinite" nodeType="mainSeq">
+                <p:childTnLst>
+                  <p:par>
+                    <p:cTn id="3" fill="hold">
+                      <p:stCondLst>
+                        <p:cond delay="indefinite"/>
+                      </p:stCondLst>
+                      <p:childTnLst>
+                        <p:par>
+                          <p:cTn id="4" fill="hold">
+                            <p:stCondLst>
+                              <p:cond delay="0"/>
+                            </p:stCondLst>
+                            <p:childTnLst>
+                              <p:par>
+                                <p:cTn id="5" presetID="10" presetClass="entr" presetSubtype="0" fill="hold" nodeType="clickEffect">
+                                  <p:stCondLst>
+                                    <p:cond delay="0"/>
+                                  </p:stCondLst>
+                                  <p:childTnLst>
+                                    <p:set>
+                                      <p:cBhvr>
+                                        <p:cTn id="6" dur="1" fill="hold">
+                                          <p:stCondLst>
+                                            <p:cond delay="0"/>
+                                          </p:stCondLst>
+                                        </p:cTn>
+                                        <p:tgtEl>
+                                          <p:spTgt spid="19"/>
+                                        </p:tgtEl>
+                                        <p:attrNameLst>
+                                          <p:attrName>style.visibility</p:attrName>
+                                        </p:attrNameLst>
+                                      </p:cBhvr>
+                                      <p:to>
+                                        <p:strVal val="visible"/>
+                                      </p:to>
+                                    </p:set>
+                                    <p:animEffect transition="in" filter="fade">
+                                      <p:cBhvr>
+                                        <p:cTn id="7" dur="1000"/>
+                                        <p:tgtEl>
+                                          <p:spTgt spid="19"/>
+                                        </p:tgtEl>
+                                      </p:cBhvr>
+                                    </p:animEffect>
+                                  </p:childTnLst>
+                                </p:cTn>
+                              </p:par>
+                              <p:par>
+                                <p:cTn id="8" presetID="10" presetClass="entr" presetSubtype="0" fill="hold" nodeType="withEffect">
+                                  <p:stCondLst>
+                                    <p:cond delay="0"/>
+                                  </p:stCondLst>
+                                  <p:childTnLst>
+                                    <p:set>
+                                      <p:cBhvr>
+                                        <p:cTn id="9" dur="1" fill="hold">
+                                          <p:stCondLst>
+                                            <p:cond delay="0"/>
+                                          </p:stCondLst>
+                                        </p:cTn>
+                                        <p:tgtEl>
+                                          <p:spTgt spid="20"/>
+                                        </p:tgtEl>
+                                        <p:attrNameLst>
+                                          <p:attrName>style.visibility</p:attrName>
+                                        </p:attrNameLst>
+                                      </p:cBhvr>
+                                      <p:to>
+                                        <p:strVal val="visible"/>
+                                      </p:to>
+                                    </p:set>
+                                    <p:animEffect transition="in" filter="fade">
+                                      <p:cBhvr>
+                                        <p:cTn id="10" dur="1000"/>
+                                        <p:tgtEl>
+                                          <p:spTgt spid="20"/>
+                                        </p:tgtEl>
+                                      </p:cBhvr>
+                                    </p:animEffect>
+                                  </p:childTnLst>
+                                </p:cTn>
+                              </p:par>
+                            </p:childTnLst>
+                          </p:cTn>
+                        </p:par>
+                      </p:childTnLst>
+                    </p:cTn>
+                  </p:par>
+                  <p:par>
+                    <p:cTn id="11" fill="hold">
+                      <p:stCondLst>
+                        <p:cond delay="indefinite"/>
+                      </p:stCondLst>
+                      <p:childTnLst>
+                        <p:par>
+                          <p:cTn id="12" fill="hold">
+                            <p:stCondLst>
+                              <p:cond delay="0"/>
+                            </p:stCondLst>
+                            <p:childTnLst>
+                              <p:par>
+                                <p:cTn id="13" presetID="10" presetClass="entr" presetSubtype="0" fill="hold" nodeType="clickEffect">
+                                  <p:stCondLst>
+                                    <p:cond delay="0"/>
+                                  </p:stCondLst>
+                                  <p:childTnLst>
+                                    <p:set>
+                                      <p:cBhvr>
+                                        <p:cTn id="14" dur="1" fill="hold">
+                                          <p:stCondLst>
+                                            <p:cond delay="0"/>
+                                          </p:stCondLst>
+                                        </p:cTn>
+                                        <p:tgtEl>
+                                          <p:spTgt spid="14"/>
+                                        </p:tgtEl>
+                                        <p:attrNameLst>
+                                          <p:attrName>style.visibility</p:attrName>
+                                        </p:attrNameLst>
+                                      </p:cBhvr>
+                                      <p:to>
+                                        <p:strVal val="visible"/>
+                                      </p:to>
+                                    </p:set>
+                                    <p:animEffect transition="in" filter="fade">
+                                      <p:cBhvr>
+                                        <p:cTn id="15" dur="1000"/>
+                                        <p:tgtEl>
+                                          <p:spTgt spid="14"/>
+                                        </p:tgtEl>
+                                      </p:cBhvr>
+                                    </p:animEffect>
+                                  </p:childTnLst>
+                                </p:cTn>
+                              </p:par>
+                              <p:par>
+                                <p:cTn id="16" presetID="10" presetClass="entr" presetSubtype="0" fill="hold" nodeType="withEffect">
+                                  <p:stCondLst>
+                                    <p:cond delay="0"/>
+                                  </p:stCondLst>
+                                  <p:childTnLst>
+                                    <p:set>
+                                      <p:cBhvr>
+                                        <p:cTn id="17" dur="1" fill="hold">
+                                          <p:stCondLst>
+                                            <p:cond delay="0"/>
+                                          </p:stCondLst>
+                                        </p:cTn>
+                                        <p:tgtEl>
+                                          <p:spTgt spid="13"/>
+                                        </p:tgtEl>
+                                        <p:attrNameLst>
+                                          <p:attrName>style.visibility</p:attrName>
+                                        </p:attrNameLst>
+                                      </p:cBhvr>
+                                      <p:to>
+                                        <p:strVal val="visible"/>
+                                      </p:to>
+                                    </p:set>
+                                    <p:animEffect transition="in" filter="fade">
+                                      <p:cBhvr>
+                                        <p:cTn id="18" dur="1000"/>
+                                        <p:tgtEl>
+                                          <p:spTgt spid="13"/>
+                                        </p:tgtEl>
+                                      </p:cBhvr>
+                                    </p:animEffect>
+                                  </p:childTnLst>
+                                </p:cTn>
+                              </p:par>
+                            </p:childTnLst>
+                          </p:cTn>
+                        </p:par>
+                      </p:childTnLst>
+                    </p:cTn>
+                  </p:par>
+                  <p:par>
+                    <p:cTn id="19" fill="hold">
+                      <p:stCondLst>
+                        <p:cond delay="indefinite"/>
+                      </p:stCondLst>
+                      <p:childTnLst>
+                        <p:par>
+                          <p:cTn id="20" fill="hold">
+                            <p:stCondLst>
+                              <p:cond delay="0"/>
+                            </p:stCondLst>
+                            <p:childTnLst>
+                              <p:par>
+                                <p:cTn id="21" presetID="10" presetClass="entr" presetSubtype="0" fill="hold" nodeType="clickEffect">
+                                  <p:stCondLst>
+                                    <p:cond delay="0"/>
+                                  </p:stCondLst>
+                                  <p:childTnLst>
+                                    <p:set>
+                                      <p:cBhvr>
+                                        <p:cTn id="22" dur="1" fill="hold">
+                                          <p:stCondLst>
+                                            <p:cond delay="0"/>
+                                          </p:stCondLst>
+                                        </p:cTn>
+                                        <p:tgtEl>
+                                          <p:spTgt spid="12"/>
+                                        </p:tgtEl>
+                                        <p:attrNameLst>
+                                          <p:attrName>style.visibility</p:attrName>
+                                        </p:attrNameLst>
+                                      </p:cBhvr>
+                                      <p:to>
+                                        <p:strVal val="visible"/>
+                                      </p:to>
+                                    </p:set>
+                                    <p:animEffect transition="in" filter="fade">
+                                      <p:cBhvr>
+                                        <p:cTn id="23" dur="1000"/>
+                                        <p:tgtEl>
+                                          <p:spTgt spid="12"/>
+                                        </p:tgtEl>
+                                      </p:cBhvr>
+                                    </p:animEffect>
+                                  </p:childTnLst>
+                                </p:cTn>
+                              </p:par>
+                            </p:childTnLst>
+                          </p:cTn>
+                        </p:par>
+                      </p:childTnLst>
+                    </p:cTn>
+                  </p:par>
+                </p:childTnLst>
+              </p:cTn>
+              <p:prevCondLst>
+                <p:cond evt="onPrev" delay="0">
+                  <p:tgtEl>
+                    <p:sldTgt/>
+                  </p:tgtEl>
+                </p:cond>
+              </p:prevCondLst>
+              <p:nextCondLst>
+                <p:cond evt="onNext" delay="0">
+                  <p:tgtEl>
+                    <p:sldTgt/>
+                  </p:tgtEl>
+                </p:cond>
+              </p:nextCondLst>
+            </p:seq>
+          </p:childTnLst>
+        </p:cTn>
       </p:par>
     </p:tnLst>
   </p:timing>
 </p:sld>
 </file>
 
-<file path=ppt/slides/slide6.xml><?xml version="1.0" encoding="utf-8"?>
+<file path=ppt/slides/slide9.xml><?xml version="1.0" encoding="utf-8"?>
 <p:sld xmlns:a="http://schemas.openxmlformats.org/drawingml/2006/main" xmlns:r="http://schemas.openxmlformats.org/officeDocument/2006/relationships" xmlns:p="http://schemas.openxmlformats.org/presentationml/2006/main">
   <p:cSld>
     <p:spTree>
@@ -29534,1621 +33307,6 @@
     <p:extLst>
       <p:ext uri="{BB962C8B-B14F-4D97-AF65-F5344CB8AC3E}">
         <p14:creationId xmlns:p14="http://schemas.microsoft.com/office/powerpoint/2010/main" val="3773336615"/>
-      </p:ext>
-    </p:extLst>
-  </p:cSld>
-  <p:clrMapOvr>
-    <a:masterClrMapping/>
-  </p:clrMapOvr>
-  <p:timing>
-    <p:tnLst>
-      <p:par>
-        <p:cTn id="1" dur="indefinite" restart="never" nodeType="tmRoot"/>
-      </p:par>
-    </p:tnLst>
-  </p:timing>
-</p:sld>
-</file>
-
-<file path=ppt/slides/slide7.xml><?xml version="1.0" encoding="utf-8"?>
-<p:sld xmlns:a="http://schemas.openxmlformats.org/drawingml/2006/main" xmlns:r="http://schemas.openxmlformats.org/officeDocument/2006/relationships" xmlns:p="http://schemas.openxmlformats.org/presentationml/2006/main">
-  <p:cSld>
-    <p:spTree>
-      <p:nvGrpSpPr>
-        <p:cNvPr id="1" name=""/>
-        <p:cNvGrpSpPr/>
-        <p:nvPr/>
-      </p:nvGrpSpPr>
-      <p:grpSpPr>
-        <a:xfrm>
-          <a:off x="0" y="0"/>
-          <a:ext cx="0" cy="0"/>
-          <a:chOff x="0" y="0"/>
-          <a:chExt cx="0" cy="0"/>
-        </a:xfrm>
-      </p:grpSpPr>
-      <p:sp>
-        <p:nvSpPr>
-          <p:cNvPr id="5" name="Text Box 17"/>
-          <p:cNvSpPr txBox="1">
-            <a:spLocks noChangeArrowheads="1"/>
-          </p:cNvSpPr>
-          <p:nvPr/>
-        </p:nvSpPr>
-        <p:spPr bwMode="auto">
-          <a:xfrm>
-            <a:off x="445331" y="1052736"/>
-            <a:ext cx="8240400" cy="540000"/>
-          </a:xfrm>
-          <a:prstGeom prst="rect">
-            <a:avLst/>
-          </a:prstGeom>
-          <a:solidFill>
-            <a:srgbClr val="C00000"/>
-          </a:solidFill>
-          <a:ln w="12700">
-            <a:solidFill>
-              <a:srgbClr val="BF0000"/>
-            </a:solidFill>
-            <a:miter lim="800000"/>
-            <a:headEnd/>
-            <a:tailEnd/>
-          </a:ln>
-          <a:effectLst>
-            <a:outerShdw blurRad="88900" dist="38100" dir="8100000" algn="ctr" rotWithShape="0">
-              <a:schemeClr val="tx1">
-                <a:alpha val="30000"/>
-              </a:schemeClr>
-            </a:outerShdw>
-          </a:effectLst>
-          <a:extLst/>
-        </p:spPr>
-        <p:txBody>
-          <a:bodyPr anchor="ctr" anchorCtr="0"/>
-          <a:lstStyle>
-            <a:lvl1pPr algn="l" defTabSz="381000">
-              <a:spcBef>
-                <a:spcPct val="0"/>
-              </a:spcBef>
-              <a:defRPr kumimoji="1" sz="2400">
-                <a:solidFill>
-                  <a:schemeClr val="tx1"/>
-                </a:solidFill>
-                <a:latin typeface="Times New Roman" pitchFamily="18" charset="0"/>
-                <a:ea typeface="ＭＳ Ｐゴシック" charset="-128"/>
-              </a:defRPr>
-            </a:lvl1pPr>
-            <a:lvl2pPr algn="l" defTabSz="381000">
-              <a:spcBef>
-                <a:spcPct val="0"/>
-              </a:spcBef>
-              <a:defRPr kumimoji="1" sz="2400">
-                <a:solidFill>
-                  <a:schemeClr val="tx1"/>
-                </a:solidFill>
-                <a:latin typeface="Times New Roman" pitchFamily="18" charset="0"/>
-                <a:ea typeface="ＭＳ Ｐゴシック" charset="-128"/>
-              </a:defRPr>
-            </a:lvl2pPr>
-            <a:lvl3pPr algn="l" defTabSz="381000">
-              <a:spcBef>
-                <a:spcPct val="0"/>
-              </a:spcBef>
-              <a:defRPr kumimoji="1" sz="2400">
-                <a:solidFill>
-                  <a:schemeClr val="tx1"/>
-                </a:solidFill>
-                <a:latin typeface="Times New Roman" pitchFamily="18" charset="0"/>
-                <a:ea typeface="ＭＳ Ｐゴシック" charset="-128"/>
-              </a:defRPr>
-            </a:lvl3pPr>
-            <a:lvl4pPr algn="l" defTabSz="381000">
-              <a:spcBef>
-                <a:spcPct val="0"/>
-              </a:spcBef>
-              <a:defRPr kumimoji="1" sz="2400">
-                <a:solidFill>
-                  <a:schemeClr val="tx1"/>
-                </a:solidFill>
-                <a:latin typeface="Times New Roman" pitchFamily="18" charset="0"/>
-                <a:ea typeface="ＭＳ Ｐゴシック" charset="-128"/>
-              </a:defRPr>
-            </a:lvl4pPr>
-            <a:lvl5pPr algn="l" defTabSz="381000">
-              <a:spcBef>
-                <a:spcPct val="0"/>
-              </a:spcBef>
-              <a:defRPr kumimoji="1" sz="2400">
-                <a:solidFill>
-                  <a:schemeClr val="tx1"/>
-                </a:solidFill>
-                <a:latin typeface="Times New Roman" pitchFamily="18" charset="0"/>
-                <a:ea typeface="ＭＳ Ｐゴシック" charset="-128"/>
-              </a:defRPr>
-            </a:lvl5pPr>
-            <a:lvl6pPr defTabSz="381000" fontAlgn="base">
-              <a:spcBef>
-                <a:spcPct val="0"/>
-              </a:spcBef>
-              <a:spcAft>
-                <a:spcPct val="0"/>
-              </a:spcAft>
-              <a:defRPr kumimoji="1" sz="2400">
-                <a:solidFill>
-                  <a:schemeClr val="tx1"/>
-                </a:solidFill>
-                <a:latin typeface="Times New Roman" pitchFamily="18" charset="0"/>
-                <a:ea typeface="ＭＳ Ｐゴシック" charset="-128"/>
-              </a:defRPr>
-            </a:lvl6pPr>
-            <a:lvl7pPr defTabSz="381000" fontAlgn="base">
-              <a:spcBef>
-                <a:spcPct val="0"/>
-              </a:spcBef>
-              <a:spcAft>
-                <a:spcPct val="0"/>
-              </a:spcAft>
-              <a:defRPr kumimoji="1" sz="2400">
-                <a:solidFill>
-                  <a:schemeClr val="tx1"/>
-                </a:solidFill>
-                <a:latin typeface="Times New Roman" pitchFamily="18" charset="0"/>
-                <a:ea typeface="ＭＳ Ｐゴシック" charset="-128"/>
-              </a:defRPr>
-            </a:lvl7pPr>
-            <a:lvl8pPr defTabSz="381000" fontAlgn="base">
-              <a:spcBef>
-                <a:spcPct val="0"/>
-              </a:spcBef>
-              <a:spcAft>
-                <a:spcPct val="0"/>
-              </a:spcAft>
-              <a:defRPr kumimoji="1" sz="2400">
-                <a:solidFill>
-                  <a:schemeClr val="tx1"/>
-                </a:solidFill>
-                <a:latin typeface="Times New Roman" pitchFamily="18" charset="0"/>
-                <a:ea typeface="ＭＳ Ｐゴシック" charset="-128"/>
-              </a:defRPr>
-            </a:lvl8pPr>
-            <a:lvl9pPr defTabSz="381000" fontAlgn="base">
-              <a:spcBef>
-                <a:spcPct val="0"/>
-              </a:spcBef>
-              <a:spcAft>
-                <a:spcPct val="0"/>
-              </a:spcAft>
-              <a:defRPr kumimoji="1" sz="2400">
-                <a:solidFill>
-                  <a:schemeClr val="tx1"/>
-                </a:solidFill>
-                <a:latin typeface="Times New Roman" pitchFamily="18" charset="0"/>
-                <a:ea typeface="ＭＳ Ｐゴシック" charset="-128"/>
-              </a:defRPr>
-            </a:lvl9pPr>
-          </a:lstStyle>
-          <a:p>
-            <a:pPr lvl="0">
-              <a:spcBef>
-                <a:spcPct val="20000"/>
-              </a:spcBef>
-              <a:buClr>
-                <a:srgbClr val="FFFFFF"/>
-              </a:buClr>
-              <a:defRPr/>
-            </a:pPr>
-            <a:r>
-              <a:rPr kumimoji="1" lang="en-US" altLang="ja-JP" b="1" i="0" u="none" strike="noStrike" kern="0" cap="none" spc="0" normalizeH="0" baseline="0" noProof="0" dirty="0" smtClean="0">
-                <a:ln>
-                  <a:noFill/>
-                </a:ln>
-                <a:solidFill>
-                  <a:srgbClr val="FFFFFF"/>
-                </a:solidFill>
-                <a:effectLst/>
-                <a:uLnTx/>
-                <a:uFillTx/>
-                <a:latin typeface="+mn-lt"/>
-                <a:ea typeface="ＭＳ Ｐゴシック" panose="020B0600070205080204" pitchFamily="50" charset="-128"/>
-              </a:rPr>
-              <a:t>1. </a:t>
-            </a:r>
-            <a:r>
-              <a:rPr lang="en-US" altLang="ja-JP" b="1" kern="0" dirty="0">
-                <a:solidFill>
-                  <a:srgbClr val="FFFFFF"/>
-                </a:solidFill>
-                <a:latin typeface="+mn-lt"/>
-                <a:ea typeface="ＭＳ Ｐゴシック" panose="020B0600070205080204" pitchFamily="50" charset="-128"/>
-              </a:rPr>
-              <a:t>Conditions and </a:t>
-            </a:r>
-            <a:r>
-              <a:rPr lang="en-US" altLang="ja-JP" b="1" kern="0" dirty="0" smtClean="0">
-                <a:solidFill>
-                  <a:srgbClr val="FFFFFF"/>
-                </a:solidFill>
-                <a:latin typeface="+mn-lt"/>
-                <a:ea typeface="ＭＳ Ｐゴシック" panose="020B0600070205080204" pitchFamily="50" charset="-128"/>
-              </a:rPr>
-              <a:t>Challenges</a:t>
-            </a:r>
-            <a:endParaRPr kumimoji="1" lang="ja-JP" altLang="en-US" b="1" i="0" u="none" strike="noStrike" kern="0" cap="none" spc="0" normalizeH="0" baseline="0" noProof="0" dirty="0" smtClean="0">
-              <a:ln>
-                <a:noFill/>
-              </a:ln>
-              <a:solidFill>
-                <a:srgbClr val="FFFFFF"/>
-              </a:solidFill>
-              <a:effectLst/>
-              <a:uLnTx/>
-              <a:uFillTx/>
-              <a:latin typeface="+mn-lt"/>
-              <a:ea typeface="ＭＳ Ｐゴシック" panose="020B0600070205080204" pitchFamily="50" charset="-128"/>
-            </a:endParaRPr>
-          </a:p>
-        </p:txBody>
-      </p:sp>
-      <p:sp>
-        <p:nvSpPr>
-          <p:cNvPr id="8" name="Text Box 17"/>
-          <p:cNvSpPr txBox="1">
-            <a:spLocks noChangeArrowheads="1"/>
-          </p:cNvSpPr>
-          <p:nvPr/>
-        </p:nvSpPr>
-        <p:spPr bwMode="auto">
-          <a:xfrm>
-            <a:off x="445331" y="2802004"/>
-            <a:ext cx="8240400" cy="540000"/>
-          </a:xfrm>
-          <a:prstGeom prst="rect">
-            <a:avLst/>
-          </a:prstGeom>
-          <a:solidFill>
-            <a:schemeClr val="bg1">
-              <a:lumMod val="50000"/>
-            </a:schemeClr>
-          </a:solidFill>
-          <a:ln w="12700">
-            <a:solidFill>
-              <a:schemeClr val="tx1"/>
-            </a:solidFill>
-            <a:miter lim="800000"/>
-            <a:headEnd/>
-            <a:tailEnd/>
-          </a:ln>
-          <a:effectLst>
-            <a:outerShdw blurRad="88900" dist="38100" dir="8100000" algn="ctr" rotWithShape="0">
-              <a:schemeClr val="tx1">
-                <a:alpha val="30000"/>
-              </a:schemeClr>
-            </a:outerShdw>
-          </a:effectLst>
-          <a:extLst/>
-        </p:spPr>
-        <p:txBody>
-          <a:bodyPr anchor="ctr" anchorCtr="0"/>
-          <a:lstStyle>
-            <a:lvl1pPr algn="l" defTabSz="381000">
-              <a:spcBef>
-                <a:spcPct val="0"/>
-              </a:spcBef>
-              <a:defRPr kumimoji="1" sz="2400">
-                <a:solidFill>
-                  <a:schemeClr val="tx1"/>
-                </a:solidFill>
-                <a:latin typeface="Times New Roman" pitchFamily="18" charset="0"/>
-                <a:ea typeface="ＭＳ Ｐゴシック" charset="-128"/>
-              </a:defRPr>
-            </a:lvl1pPr>
-            <a:lvl2pPr algn="l" defTabSz="381000">
-              <a:spcBef>
-                <a:spcPct val="0"/>
-              </a:spcBef>
-              <a:defRPr kumimoji="1" sz="2400">
-                <a:solidFill>
-                  <a:schemeClr val="tx1"/>
-                </a:solidFill>
-                <a:latin typeface="Times New Roman" pitchFamily="18" charset="0"/>
-                <a:ea typeface="ＭＳ Ｐゴシック" charset="-128"/>
-              </a:defRPr>
-            </a:lvl2pPr>
-            <a:lvl3pPr algn="l" defTabSz="381000">
-              <a:spcBef>
-                <a:spcPct val="0"/>
-              </a:spcBef>
-              <a:defRPr kumimoji="1" sz="2400">
-                <a:solidFill>
-                  <a:schemeClr val="tx1"/>
-                </a:solidFill>
-                <a:latin typeface="Times New Roman" pitchFamily="18" charset="0"/>
-                <a:ea typeface="ＭＳ Ｐゴシック" charset="-128"/>
-              </a:defRPr>
-            </a:lvl3pPr>
-            <a:lvl4pPr algn="l" defTabSz="381000">
-              <a:spcBef>
-                <a:spcPct val="0"/>
-              </a:spcBef>
-              <a:defRPr kumimoji="1" sz="2400">
-                <a:solidFill>
-                  <a:schemeClr val="tx1"/>
-                </a:solidFill>
-                <a:latin typeface="Times New Roman" pitchFamily="18" charset="0"/>
-                <a:ea typeface="ＭＳ Ｐゴシック" charset="-128"/>
-              </a:defRPr>
-            </a:lvl4pPr>
-            <a:lvl5pPr algn="l" defTabSz="381000">
-              <a:spcBef>
-                <a:spcPct val="0"/>
-              </a:spcBef>
-              <a:defRPr kumimoji="1" sz="2400">
-                <a:solidFill>
-                  <a:schemeClr val="tx1"/>
-                </a:solidFill>
-                <a:latin typeface="Times New Roman" pitchFamily="18" charset="0"/>
-                <a:ea typeface="ＭＳ Ｐゴシック" charset="-128"/>
-              </a:defRPr>
-            </a:lvl5pPr>
-            <a:lvl6pPr defTabSz="381000" fontAlgn="base">
-              <a:spcBef>
-                <a:spcPct val="0"/>
-              </a:spcBef>
-              <a:spcAft>
-                <a:spcPct val="0"/>
-              </a:spcAft>
-              <a:defRPr kumimoji="1" sz="2400">
-                <a:solidFill>
-                  <a:schemeClr val="tx1"/>
-                </a:solidFill>
-                <a:latin typeface="Times New Roman" pitchFamily="18" charset="0"/>
-                <a:ea typeface="ＭＳ Ｐゴシック" charset="-128"/>
-              </a:defRPr>
-            </a:lvl6pPr>
-            <a:lvl7pPr defTabSz="381000" fontAlgn="base">
-              <a:spcBef>
-                <a:spcPct val="0"/>
-              </a:spcBef>
-              <a:spcAft>
-                <a:spcPct val="0"/>
-              </a:spcAft>
-              <a:defRPr kumimoji="1" sz="2400">
-                <a:solidFill>
-                  <a:schemeClr val="tx1"/>
-                </a:solidFill>
-                <a:latin typeface="Times New Roman" pitchFamily="18" charset="0"/>
-                <a:ea typeface="ＭＳ Ｐゴシック" charset="-128"/>
-              </a:defRPr>
-            </a:lvl7pPr>
-            <a:lvl8pPr defTabSz="381000" fontAlgn="base">
-              <a:spcBef>
-                <a:spcPct val="0"/>
-              </a:spcBef>
-              <a:spcAft>
-                <a:spcPct val="0"/>
-              </a:spcAft>
-              <a:defRPr kumimoji="1" sz="2400">
-                <a:solidFill>
-                  <a:schemeClr val="tx1"/>
-                </a:solidFill>
-                <a:latin typeface="Times New Roman" pitchFamily="18" charset="0"/>
-                <a:ea typeface="ＭＳ Ｐゴシック" charset="-128"/>
-              </a:defRPr>
-            </a:lvl8pPr>
-            <a:lvl9pPr defTabSz="381000" fontAlgn="base">
-              <a:spcBef>
-                <a:spcPct val="0"/>
-              </a:spcBef>
-              <a:spcAft>
-                <a:spcPct val="0"/>
-              </a:spcAft>
-              <a:defRPr kumimoji="1" sz="2400">
-                <a:solidFill>
-                  <a:schemeClr val="tx1"/>
-                </a:solidFill>
-                <a:latin typeface="Times New Roman" pitchFamily="18" charset="0"/>
-                <a:ea typeface="ＭＳ Ｐゴシック" charset="-128"/>
-              </a:defRPr>
-            </a:lvl9pPr>
-          </a:lstStyle>
-          <a:p>
-            <a:pPr lvl="0">
-              <a:spcBef>
-                <a:spcPct val="20000"/>
-              </a:spcBef>
-              <a:buClr>
-                <a:srgbClr val="FFFFFF"/>
-              </a:buClr>
-              <a:defRPr/>
-            </a:pPr>
-            <a:r>
-              <a:rPr lang="en-US" altLang="ja-JP" b="1" kern="0" dirty="0">
-                <a:solidFill>
-                  <a:srgbClr val="FFFFFF"/>
-                </a:solidFill>
-                <a:latin typeface="+mn-lt"/>
-              </a:rPr>
-              <a:t>3</a:t>
-            </a:r>
-            <a:r>
-              <a:rPr lang="en-US" altLang="ja-JP" b="1" kern="0" dirty="0" smtClean="0">
-                <a:solidFill>
-                  <a:srgbClr val="FFFFFF"/>
-                </a:solidFill>
-                <a:latin typeface="+mn-lt"/>
-              </a:rPr>
-              <a:t>. </a:t>
-            </a:r>
-            <a:r>
-              <a:rPr lang="en-US" altLang="ja-JP" b="1" kern="0" dirty="0">
-                <a:solidFill>
-                  <a:srgbClr val="FFFFFF"/>
-                </a:solidFill>
-                <a:latin typeface="+mn-lt"/>
-              </a:rPr>
-              <a:t>TDD</a:t>
-            </a:r>
-            <a:endParaRPr kumimoji="1" lang="ja-JP" altLang="en-US" b="1" i="0" u="none" strike="noStrike" kern="0" cap="none" spc="0" normalizeH="0" baseline="0" noProof="0" dirty="0" smtClean="0">
-              <a:ln>
-                <a:noFill/>
-              </a:ln>
-              <a:solidFill>
-                <a:srgbClr val="FFFFFF"/>
-              </a:solidFill>
-              <a:effectLst/>
-              <a:uLnTx/>
-              <a:uFillTx/>
-              <a:latin typeface="+mn-lt"/>
-            </a:endParaRPr>
-          </a:p>
-        </p:txBody>
-      </p:sp>
-      <p:sp>
-        <p:nvSpPr>
-          <p:cNvPr id="10" name="Text Box 17"/>
-          <p:cNvSpPr txBox="1">
-            <a:spLocks noChangeArrowheads="1"/>
-          </p:cNvSpPr>
-          <p:nvPr/>
-        </p:nvSpPr>
-        <p:spPr bwMode="auto">
-          <a:xfrm>
-            <a:off x="445331" y="1927370"/>
-            <a:ext cx="8240400" cy="540000"/>
-          </a:xfrm>
-          <a:prstGeom prst="rect">
-            <a:avLst/>
-          </a:prstGeom>
-          <a:solidFill>
-            <a:schemeClr val="bg1">
-              <a:lumMod val="50000"/>
-            </a:schemeClr>
-          </a:solidFill>
-          <a:ln w="12700">
-            <a:solidFill>
-              <a:schemeClr val="tx1"/>
-            </a:solidFill>
-            <a:miter lim="800000"/>
-            <a:headEnd/>
-            <a:tailEnd/>
-          </a:ln>
-          <a:effectLst>
-            <a:outerShdw blurRad="88900" dist="38100" dir="8100000" algn="ctr" rotWithShape="0">
-              <a:schemeClr val="tx1">
-                <a:alpha val="30000"/>
-              </a:schemeClr>
-            </a:outerShdw>
-          </a:effectLst>
-          <a:extLst/>
-        </p:spPr>
-        <p:txBody>
-          <a:bodyPr anchor="ctr" anchorCtr="0"/>
-          <a:lstStyle>
-            <a:lvl1pPr algn="l" defTabSz="381000">
-              <a:spcBef>
-                <a:spcPct val="0"/>
-              </a:spcBef>
-              <a:defRPr kumimoji="1" sz="2400">
-                <a:solidFill>
-                  <a:schemeClr val="tx1"/>
-                </a:solidFill>
-                <a:latin typeface="Times New Roman" pitchFamily="18" charset="0"/>
-                <a:ea typeface="ＭＳ Ｐゴシック" charset="-128"/>
-              </a:defRPr>
-            </a:lvl1pPr>
-            <a:lvl2pPr algn="l" defTabSz="381000">
-              <a:spcBef>
-                <a:spcPct val="0"/>
-              </a:spcBef>
-              <a:defRPr kumimoji="1" sz="2400">
-                <a:solidFill>
-                  <a:schemeClr val="tx1"/>
-                </a:solidFill>
-                <a:latin typeface="Times New Roman" pitchFamily="18" charset="0"/>
-                <a:ea typeface="ＭＳ Ｐゴシック" charset="-128"/>
-              </a:defRPr>
-            </a:lvl2pPr>
-            <a:lvl3pPr algn="l" defTabSz="381000">
-              <a:spcBef>
-                <a:spcPct val="0"/>
-              </a:spcBef>
-              <a:defRPr kumimoji="1" sz="2400">
-                <a:solidFill>
-                  <a:schemeClr val="tx1"/>
-                </a:solidFill>
-                <a:latin typeface="Times New Roman" pitchFamily="18" charset="0"/>
-                <a:ea typeface="ＭＳ Ｐゴシック" charset="-128"/>
-              </a:defRPr>
-            </a:lvl3pPr>
-            <a:lvl4pPr algn="l" defTabSz="381000">
-              <a:spcBef>
-                <a:spcPct val="0"/>
-              </a:spcBef>
-              <a:defRPr kumimoji="1" sz="2400">
-                <a:solidFill>
-                  <a:schemeClr val="tx1"/>
-                </a:solidFill>
-                <a:latin typeface="Times New Roman" pitchFamily="18" charset="0"/>
-                <a:ea typeface="ＭＳ Ｐゴシック" charset="-128"/>
-              </a:defRPr>
-            </a:lvl4pPr>
-            <a:lvl5pPr algn="l" defTabSz="381000">
-              <a:spcBef>
-                <a:spcPct val="0"/>
-              </a:spcBef>
-              <a:defRPr kumimoji="1" sz="2400">
-                <a:solidFill>
-                  <a:schemeClr val="tx1"/>
-                </a:solidFill>
-                <a:latin typeface="Times New Roman" pitchFamily="18" charset="0"/>
-                <a:ea typeface="ＭＳ Ｐゴシック" charset="-128"/>
-              </a:defRPr>
-            </a:lvl5pPr>
-            <a:lvl6pPr defTabSz="381000" fontAlgn="base">
-              <a:spcBef>
-                <a:spcPct val="0"/>
-              </a:spcBef>
-              <a:spcAft>
-                <a:spcPct val="0"/>
-              </a:spcAft>
-              <a:defRPr kumimoji="1" sz="2400">
-                <a:solidFill>
-                  <a:schemeClr val="tx1"/>
-                </a:solidFill>
-                <a:latin typeface="Times New Roman" pitchFamily="18" charset="0"/>
-                <a:ea typeface="ＭＳ Ｐゴシック" charset="-128"/>
-              </a:defRPr>
-            </a:lvl6pPr>
-            <a:lvl7pPr defTabSz="381000" fontAlgn="base">
-              <a:spcBef>
-                <a:spcPct val="0"/>
-              </a:spcBef>
-              <a:spcAft>
-                <a:spcPct val="0"/>
-              </a:spcAft>
-              <a:defRPr kumimoji="1" sz="2400">
-                <a:solidFill>
-                  <a:schemeClr val="tx1"/>
-                </a:solidFill>
-                <a:latin typeface="Times New Roman" pitchFamily="18" charset="0"/>
-                <a:ea typeface="ＭＳ Ｐゴシック" charset="-128"/>
-              </a:defRPr>
-            </a:lvl7pPr>
-            <a:lvl8pPr defTabSz="381000" fontAlgn="base">
-              <a:spcBef>
-                <a:spcPct val="0"/>
-              </a:spcBef>
-              <a:spcAft>
-                <a:spcPct val="0"/>
-              </a:spcAft>
-              <a:defRPr kumimoji="1" sz="2400">
-                <a:solidFill>
-                  <a:schemeClr val="tx1"/>
-                </a:solidFill>
-                <a:latin typeface="Times New Roman" pitchFamily="18" charset="0"/>
-                <a:ea typeface="ＭＳ Ｐゴシック" charset="-128"/>
-              </a:defRPr>
-            </a:lvl8pPr>
-            <a:lvl9pPr defTabSz="381000" fontAlgn="base">
-              <a:spcBef>
-                <a:spcPct val="0"/>
-              </a:spcBef>
-              <a:spcAft>
-                <a:spcPct val="0"/>
-              </a:spcAft>
-              <a:defRPr kumimoji="1" sz="2400">
-                <a:solidFill>
-                  <a:schemeClr val="tx1"/>
-                </a:solidFill>
-                <a:latin typeface="Times New Roman" pitchFamily="18" charset="0"/>
-                <a:ea typeface="ＭＳ Ｐゴシック" charset="-128"/>
-              </a:defRPr>
-            </a:lvl9pPr>
-          </a:lstStyle>
-          <a:p>
-            <a:pPr lvl="0">
-              <a:spcBef>
-                <a:spcPct val="20000"/>
-              </a:spcBef>
-              <a:buClr>
-                <a:srgbClr val="FFFFFF"/>
-              </a:buClr>
-              <a:defRPr/>
-            </a:pPr>
-            <a:r>
-              <a:rPr lang="en-US" altLang="ja-JP" b="1" kern="0" dirty="0" smtClean="0">
-                <a:solidFill>
-                  <a:srgbClr val="FFFFFF"/>
-                </a:solidFill>
-                <a:latin typeface="+mn-lt"/>
-                <a:ea typeface="ＭＳ Ｐゴシック" panose="020B0600070205080204" pitchFamily="50" charset="-128"/>
-              </a:rPr>
-              <a:t>2. </a:t>
-            </a:r>
-            <a:r>
-              <a:rPr lang="en-US" altLang="ja-JP" b="1" kern="0" dirty="0">
-                <a:solidFill>
-                  <a:srgbClr val="FFFFFF"/>
-                </a:solidFill>
-                <a:latin typeface="+mn-lt"/>
-                <a:ea typeface="ＭＳ Ｐゴシック" panose="020B0600070205080204" pitchFamily="50" charset="-128"/>
-              </a:rPr>
-              <a:t>CI/CD</a:t>
-            </a:r>
-            <a:endParaRPr kumimoji="1" lang="ja-JP" altLang="en-US" b="1" i="0" u="none" strike="noStrike" kern="0" cap="none" spc="0" normalizeH="0" baseline="0" noProof="0" dirty="0" smtClean="0">
-              <a:ln>
-                <a:noFill/>
-              </a:ln>
-              <a:solidFill>
-                <a:srgbClr val="FFFFFF"/>
-              </a:solidFill>
-              <a:effectLst/>
-              <a:uLnTx/>
-              <a:uFillTx/>
-              <a:latin typeface="+mn-lt"/>
-              <a:ea typeface="ＭＳ Ｐゴシック" panose="020B0600070205080204" pitchFamily="50" charset="-128"/>
-            </a:endParaRPr>
-          </a:p>
-        </p:txBody>
-      </p:sp>
-      <p:sp>
-        <p:nvSpPr>
-          <p:cNvPr id="6" name="Text Box 17"/>
-          <p:cNvSpPr txBox="1">
-            <a:spLocks noChangeArrowheads="1"/>
-          </p:cNvSpPr>
-          <p:nvPr/>
-        </p:nvSpPr>
-        <p:spPr bwMode="auto">
-          <a:xfrm>
-            <a:off x="445331" y="3676638"/>
-            <a:ext cx="8240400" cy="540000"/>
-          </a:xfrm>
-          <a:prstGeom prst="rect">
-            <a:avLst/>
-          </a:prstGeom>
-          <a:solidFill>
-            <a:schemeClr val="bg1">
-              <a:lumMod val="50000"/>
-            </a:schemeClr>
-          </a:solidFill>
-          <a:ln w="12700">
-            <a:solidFill>
-              <a:schemeClr val="tx1"/>
-            </a:solidFill>
-            <a:miter lim="800000"/>
-            <a:headEnd/>
-            <a:tailEnd/>
-          </a:ln>
-          <a:effectLst>
-            <a:outerShdw blurRad="88900" dist="38100" dir="8100000" algn="ctr" rotWithShape="0">
-              <a:schemeClr val="tx1">
-                <a:alpha val="30000"/>
-              </a:schemeClr>
-            </a:outerShdw>
-          </a:effectLst>
-          <a:extLst/>
-        </p:spPr>
-        <p:txBody>
-          <a:bodyPr anchor="ctr" anchorCtr="0"/>
-          <a:lstStyle>
-            <a:lvl1pPr algn="l" defTabSz="381000">
-              <a:spcBef>
-                <a:spcPct val="0"/>
-              </a:spcBef>
-              <a:defRPr kumimoji="1" sz="2400">
-                <a:solidFill>
-                  <a:schemeClr val="tx1"/>
-                </a:solidFill>
-                <a:latin typeface="Times New Roman" pitchFamily="18" charset="0"/>
-                <a:ea typeface="ＭＳ Ｐゴシック" charset="-128"/>
-              </a:defRPr>
-            </a:lvl1pPr>
-            <a:lvl2pPr algn="l" defTabSz="381000">
-              <a:spcBef>
-                <a:spcPct val="0"/>
-              </a:spcBef>
-              <a:defRPr kumimoji="1" sz="2400">
-                <a:solidFill>
-                  <a:schemeClr val="tx1"/>
-                </a:solidFill>
-                <a:latin typeface="Times New Roman" pitchFamily="18" charset="0"/>
-                <a:ea typeface="ＭＳ Ｐゴシック" charset="-128"/>
-              </a:defRPr>
-            </a:lvl2pPr>
-            <a:lvl3pPr algn="l" defTabSz="381000">
-              <a:spcBef>
-                <a:spcPct val="0"/>
-              </a:spcBef>
-              <a:defRPr kumimoji="1" sz="2400">
-                <a:solidFill>
-                  <a:schemeClr val="tx1"/>
-                </a:solidFill>
-                <a:latin typeface="Times New Roman" pitchFamily="18" charset="0"/>
-                <a:ea typeface="ＭＳ Ｐゴシック" charset="-128"/>
-              </a:defRPr>
-            </a:lvl3pPr>
-            <a:lvl4pPr algn="l" defTabSz="381000">
-              <a:spcBef>
-                <a:spcPct val="0"/>
-              </a:spcBef>
-              <a:defRPr kumimoji="1" sz="2400">
-                <a:solidFill>
-                  <a:schemeClr val="tx1"/>
-                </a:solidFill>
-                <a:latin typeface="Times New Roman" pitchFamily="18" charset="0"/>
-                <a:ea typeface="ＭＳ Ｐゴシック" charset="-128"/>
-              </a:defRPr>
-            </a:lvl4pPr>
-            <a:lvl5pPr algn="l" defTabSz="381000">
-              <a:spcBef>
-                <a:spcPct val="0"/>
-              </a:spcBef>
-              <a:defRPr kumimoji="1" sz="2400">
-                <a:solidFill>
-                  <a:schemeClr val="tx1"/>
-                </a:solidFill>
-                <a:latin typeface="Times New Roman" pitchFamily="18" charset="0"/>
-                <a:ea typeface="ＭＳ Ｐゴシック" charset="-128"/>
-              </a:defRPr>
-            </a:lvl5pPr>
-            <a:lvl6pPr defTabSz="381000" fontAlgn="base">
-              <a:spcBef>
-                <a:spcPct val="0"/>
-              </a:spcBef>
-              <a:spcAft>
-                <a:spcPct val="0"/>
-              </a:spcAft>
-              <a:defRPr kumimoji="1" sz="2400">
-                <a:solidFill>
-                  <a:schemeClr val="tx1"/>
-                </a:solidFill>
-                <a:latin typeface="Times New Roman" pitchFamily="18" charset="0"/>
-                <a:ea typeface="ＭＳ Ｐゴシック" charset="-128"/>
-              </a:defRPr>
-            </a:lvl6pPr>
-            <a:lvl7pPr defTabSz="381000" fontAlgn="base">
-              <a:spcBef>
-                <a:spcPct val="0"/>
-              </a:spcBef>
-              <a:spcAft>
-                <a:spcPct val="0"/>
-              </a:spcAft>
-              <a:defRPr kumimoji="1" sz="2400">
-                <a:solidFill>
-                  <a:schemeClr val="tx1"/>
-                </a:solidFill>
-                <a:latin typeface="Times New Roman" pitchFamily="18" charset="0"/>
-                <a:ea typeface="ＭＳ Ｐゴシック" charset="-128"/>
-              </a:defRPr>
-            </a:lvl7pPr>
-            <a:lvl8pPr defTabSz="381000" fontAlgn="base">
-              <a:spcBef>
-                <a:spcPct val="0"/>
-              </a:spcBef>
-              <a:spcAft>
-                <a:spcPct val="0"/>
-              </a:spcAft>
-              <a:defRPr kumimoji="1" sz="2400">
-                <a:solidFill>
-                  <a:schemeClr val="tx1"/>
-                </a:solidFill>
-                <a:latin typeface="Times New Roman" pitchFamily="18" charset="0"/>
-                <a:ea typeface="ＭＳ Ｐゴシック" charset="-128"/>
-              </a:defRPr>
-            </a:lvl8pPr>
-            <a:lvl9pPr defTabSz="381000" fontAlgn="base">
-              <a:spcBef>
-                <a:spcPct val="0"/>
-              </a:spcBef>
-              <a:spcAft>
-                <a:spcPct val="0"/>
-              </a:spcAft>
-              <a:defRPr kumimoji="1" sz="2400">
-                <a:solidFill>
-                  <a:schemeClr val="tx1"/>
-                </a:solidFill>
-                <a:latin typeface="Times New Roman" pitchFamily="18" charset="0"/>
-                <a:ea typeface="ＭＳ Ｐゴシック" charset="-128"/>
-              </a:defRPr>
-            </a:lvl9pPr>
-          </a:lstStyle>
-          <a:p>
-            <a:pPr lvl="0">
-              <a:spcBef>
-                <a:spcPct val="20000"/>
-              </a:spcBef>
-              <a:buClr>
-                <a:srgbClr val="FFFFFF"/>
-              </a:buClr>
-              <a:defRPr/>
-            </a:pPr>
-            <a:r>
-              <a:rPr lang="en-US" altLang="ja-JP" b="1" kern="0" dirty="0" smtClean="0">
-                <a:solidFill>
-                  <a:srgbClr val="FFFFFF"/>
-                </a:solidFill>
-                <a:latin typeface="+mn-lt"/>
-              </a:rPr>
-              <a:t>4. </a:t>
-            </a:r>
-            <a:r>
-              <a:rPr lang="en-US" altLang="ja-JP" b="1" kern="0" dirty="0">
-                <a:solidFill>
-                  <a:srgbClr val="FFFFFF"/>
-                </a:solidFill>
-                <a:latin typeface="+mn-lt"/>
-              </a:rPr>
-              <a:t>BDD</a:t>
-            </a:r>
-            <a:endParaRPr kumimoji="1" lang="ja-JP" altLang="en-US" b="1" i="0" u="none" strike="noStrike" kern="0" cap="none" spc="0" normalizeH="0" baseline="0" noProof="0" dirty="0" smtClean="0">
-              <a:ln>
-                <a:noFill/>
-              </a:ln>
-              <a:solidFill>
-                <a:srgbClr val="FFFFFF"/>
-              </a:solidFill>
-              <a:effectLst/>
-              <a:uLnTx/>
-              <a:uFillTx/>
-              <a:latin typeface="+mn-lt"/>
-            </a:endParaRPr>
-          </a:p>
-        </p:txBody>
-      </p:sp>
-      <p:sp>
-        <p:nvSpPr>
-          <p:cNvPr id="7" name="Text Box 17"/>
-          <p:cNvSpPr txBox="1">
-            <a:spLocks noChangeArrowheads="1"/>
-          </p:cNvSpPr>
-          <p:nvPr/>
-        </p:nvSpPr>
-        <p:spPr bwMode="auto">
-          <a:xfrm>
-            <a:off x="445331" y="4551272"/>
-            <a:ext cx="8240400" cy="540000"/>
-          </a:xfrm>
-          <a:prstGeom prst="rect">
-            <a:avLst/>
-          </a:prstGeom>
-          <a:solidFill>
-            <a:schemeClr val="bg1">
-              <a:lumMod val="50000"/>
-            </a:schemeClr>
-          </a:solidFill>
-          <a:ln w="12700">
-            <a:solidFill>
-              <a:schemeClr val="tx1"/>
-            </a:solidFill>
-            <a:miter lim="800000"/>
-            <a:headEnd/>
-            <a:tailEnd/>
-          </a:ln>
-          <a:effectLst>
-            <a:outerShdw blurRad="88900" dist="38100" dir="8100000" algn="ctr" rotWithShape="0">
-              <a:schemeClr val="tx1">
-                <a:alpha val="30000"/>
-              </a:schemeClr>
-            </a:outerShdw>
-          </a:effectLst>
-          <a:extLst/>
-        </p:spPr>
-        <p:txBody>
-          <a:bodyPr anchor="ctr" anchorCtr="0"/>
-          <a:lstStyle>
-            <a:lvl1pPr algn="l" defTabSz="381000">
-              <a:spcBef>
-                <a:spcPct val="0"/>
-              </a:spcBef>
-              <a:defRPr kumimoji="1" sz="2400">
-                <a:solidFill>
-                  <a:schemeClr val="tx1"/>
-                </a:solidFill>
-                <a:latin typeface="Times New Roman" pitchFamily="18" charset="0"/>
-                <a:ea typeface="ＭＳ Ｐゴシック" charset="-128"/>
-              </a:defRPr>
-            </a:lvl1pPr>
-            <a:lvl2pPr algn="l" defTabSz="381000">
-              <a:spcBef>
-                <a:spcPct val="0"/>
-              </a:spcBef>
-              <a:defRPr kumimoji="1" sz="2400">
-                <a:solidFill>
-                  <a:schemeClr val="tx1"/>
-                </a:solidFill>
-                <a:latin typeface="Times New Roman" pitchFamily="18" charset="0"/>
-                <a:ea typeface="ＭＳ Ｐゴシック" charset="-128"/>
-              </a:defRPr>
-            </a:lvl2pPr>
-            <a:lvl3pPr algn="l" defTabSz="381000">
-              <a:spcBef>
-                <a:spcPct val="0"/>
-              </a:spcBef>
-              <a:defRPr kumimoji="1" sz="2400">
-                <a:solidFill>
-                  <a:schemeClr val="tx1"/>
-                </a:solidFill>
-                <a:latin typeface="Times New Roman" pitchFamily="18" charset="0"/>
-                <a:ea typeface="ＭＳ Ｐゴシック" charset="-128"/>
-              </a:defRPr>
-            </a:lvl3pPr>
-            <a:lvl4pPr algn="l" defTabSz="381000">
-              <a:spcBef>
-                <a:spcPct val="0"/>
-              </a:spcBef>
-              <a:defRPr kumimoji="1" sz="2400">
-                <a:solidFill>
-                  <a:schemeClr val="tx1"/>
-                </a:solidFill>
-                <a:latin typeface="Times New Roman" pitchFamily="18" charset="0"/>
-                <a:ea typeface="ＭＳ Ｐゴシック" charset="-128"/>
-              </a:defRPr>
-            </a:lvl4pPr>
-            <a:lvl5pPr algn="l" defTabSz="381000">
-              <a:spcBef>
-                <a:spcPct val="0"/>
-              </a:spcBef>
-              <a:defRPr kumimoji="1" sz="2400">
-                <a:solidFill>
-                  <a:schemeClr val="tx1"/>
-                </a:solidFill>
-                <a:latin typeface="Times New Roman" pitchFamily="18" charset="0"/>
-                <a:ea typeface="ＭＳ Ｐゴシック" charset="-128"/>
-              </a:defRPr>
-            </a:lvl5pPr>
-            <a:lvl6pPr defTabSz="381000" fontAlgn="base">
-              <a:spcBef>
-                <a:spcPct val="0"/>
-              </a:spcBef>
-              <a:spcAft>
-                <a:spcPct val="0"/>
-              </a:spcAft>
-              <a:defRPr kumimoji="1" sz="2400">
-                <a:solidFill>
-                  <a:schemeClr val="tx1"/>
-                </a:solidFill>
-                <a:latin typeface="Times New Roman" pitchFamily="18" charset="0"/>
-                <a:ea typeface="ＭＳ Ｐゴシック" charset="-128"/>
-              </a:defRPr>
-            </a:lvl6pPr>
-            <a:lvl7pPr defTabSz="381000" fontAlgn="base">
-              <a:spcBef>
-                <a:spcPct val="0"/>
-              </a:spcBef>
-              <a:spcAft>
-                <a:spcPct val="0"/>
-              </a:spcAft>
-              <a:defRPr kumimoji="1" sz="2400">
-                <a:solidFill>
-                  <a:schemeClr val="tx1"/>
-                </a:solidFill>
-                <a:latin typeface="Times New Roman" pitchFamily="18" charset="0"/>
-                <a:ea typeface="ＭＳ Ｐゴシック" charset="-128"/>
-              </a:defRPr>
-            </a:lvl7pPr>
-            <a:lvl8pPr defTabSz="381000" fontAlgn="base">
-              <a:spcBef>
-                <a:spcPct val="0"/>
-              </a:spcBef>
-              <a:spcAft>
-                <a:spcPct val="0"/>
-              </a:spcAft>
-              <a:defRPr kumimoji="1" sz="2400">
-                <a:solidFill>
-                  <a:schemeClr val="tx1"/>
-                </a:solidFill>
-                <a:latin typeface="Times New Roman" pitchFamily="18" charset="0"/>
-                <a:ea typeface="ＭＳ Ｐゴシック" charset="-128"/>
-              </a:defRPr>
-            </a:lvl8pPr>
-            <a:lvl9pPr defTabSz="381000" fontAlgn="base">
-              <a:spcBef>
-                <a:spcPct val="0"/>
-              </a:spcBef>
-              <a:spcAft>
-                <a:spcPct val="0"/>
-              </a:spcAft>
-              <a:defRPr kumimoji="1" sz="2400">
-                <a:solidFill>
-                  <a:schemeClr val="tx1"/>
-                </a:solidFill>
-                <a:latin typeface="Times New Roman" pitchFamily="18" charset="0"/>
-                <a:ea typeface="ＭＳ Ｐゴシック" charset="-128"/>
-              </a:defRPr>
-            </a:lvl9pPr>
-          </a:lstStyle>
-          <a:p>
-            <a:pPr lvl="0">
-              <a:spcBef>
-                <a:spcPct val="20000"/>
-              </a:spcBef>
-              <a:buClr>
-                <a:srgbClr val="FFFFFF"/>
-              </a:buClr>
-              <a:defRPr/>
-            </a:pPr>
-            <a:r>
-              <a:rPr lang="en-US" altLang="ja-JP" b="1" kern="0" dirty="0" smtClean="0">
-                <a:solidFill>
-                  <a:srgbClr val="FFFFFF"/>
-                </a:solidFill>
-                <a:latin typeface="+mn-lt"/>
-              </a:rPr>
-              <a:t>5. </a:t>
-            </a:r>
-            <a:r>
-              <a:rPr lang="en-US" altLang="ja-JP" b="1" kern="0" dirty="0">
-                <a:solidFill>
-                  <a:srgbClr val="FFFFFF"/>
-                </a:solidFill>
-                <a:latin typeface="+mn-lt"/>
-              </a:rPr>
-              <a:t>Problems, Possibility and Future</a:t>
-            </a:r>
-            <a:endParaRPr kumimoji="1" lang="ja-JP" altLang="en-US" b="1" i="0" u="none" strike="noStrike" kern="0" cap="none" spc="0" normalizeH="0" baseline="0" noProof="0" dirty="0" smtClean="0">
-              <a:ln>
-                <a:noFill/>
-              </a:ln>
-              <a:solidFill>
-                <a:srgbClr val="FFFFFF"/>
-              </a:solidFill>
-              <a:effectLst/>
-              <a:uLnTx/>
-              <a:uFillTx/>
-              <a:latin typeface="+mn-lt"/>
-            </a:endParaRPr>
-          </a:p>
-        </p:txBody>
-      </p:sp>
-      <p:sp>
-        <p:nvSpPr>
-          <p:cNvPr id="11" name="Text Box 17"/>
-          <p:cNvSpPr txBox="1">
-            <a:spLocks noChangeArrowheads="1"/>
-          </p:cNvSpPr>
-          <p:nvPr/>
-        </p:nvSpPr>
-        <p:spPr bwMode="auto">
-          <a:xfrm>
-            <a:off x="445331" y="5425904"/>
-            <a:ext cx="8240400" cy="540000"/>
-          </a:xfrm>
-          <a:prstGeom prst="rect">
-            <a:avLst/>
-          </a:prstGeom>
-          <a:solidFill>
-            <a:schemeClr val="bg1">
-              <a:lumMod val="50000"/>
-            </a:schemeClr>
-          </a:solidFill>
-          <a:ln w="12700">
-            <a:solidFill>
-              <a:schemeClr val="tx1"/>
-            </a:solidFill>
-            <a:miter lim="800000"/>
-            <a:headEnd/>
-            <a:tailEnd/>
-          </a:ln>
-          <a:effectLst>
-            <a:outerShdw blurRad="88900" dist="38100" dir="8100000" algn="ctr" rotWithShape="0">
-              <a:schemeClr val="tx1">
-                <a:alpha val="30000"/>
-              </a:schemeClr>
-            </a:outerShdw>
-          </a:effectLst>
-          <a:extLst/>
-        </p:spPr>
-        <p:txBody>
-          <a:bodyPr anchor="ctr" anchorCtr="0"/>
-          <a:lstStyle>
-            <a:lvl1pPr algn="l" defTabSz="381000">
-              <a:spcBef>
-                <a:spcPct val="0"/>
-              </a:spcBef>
-              <a:defRPr kumimoji="1" sz="2400">
-                <a:solidFill>
-                  <a:schemeClr val="tx1"/>
-                </a:solidFill>
-                <a:latin typeface="Times New Roman" pitchFamily="18" charset="0"/>
-                <a:ea typeface="ＭＳ Ｐゴシック" charset="-128"/>
-              </a:defRPr>
-            </a:lvl1pPr>
-            <a:lvl2pPr algn="l" defTabSz="381000">
-              <a:spcBef>
-                <a:spcPct val="0"/>
-              </a:spcBef>
-              <a:defRPr kumimoji="1" sz="2400">
-                <a:solidFill>
-                  <a:schemeClr val="tx1"/>
-                </a:solidFill>
-                <a:latin typeface="Times New Roman" pitchFamily="18" charset="0"/>
-                <a:ea typeface="ＭＳ Ｐゴシック" charset="-128"/>
-              </a:defRPr>
-            </a:lvl2pPr>
-            <a:lvl3pPr algn="l" defTabSz="381000">
-              <a:spcBef>
-                <a:spcPct val="0"/>
-              </a:spcBef>
-              <a:defRPr kumimoji="1" sz="2400">
-                <a:solidFill>
-                  <a:schemeClr val="tx1"/>
-                </a:solidFill>
-                <a:latin typeface="Times New Roman" pitchFamily="18" charset="0"/>
-                <a:ea typeface="ＭＳ Ｐゴシック" charset="-128"/>
-              </a:defRPr>
-            </a:lvl3pPr>
-            <a:lvl4pPr algn="l" defTabSz="381000">
-              <a:spcBef>
-                <a:spcPct val="0"/>
-              </a:spcBef>
-              <a:defRPr kumimoji="1" sz="2400">
-                <a:solidFill>
-                  <a:schemeClr val="tx1"/>
-                </a:solidFill>
-                <a:latin typeface="Times New Roman" pitchFamily="18" charset="0"/>
-                <a:ea typeface="ＭＳ Ｐゴシック" charset="-128"/>
-              </a:defRPr>
-            </a:lvl4pPr>
-            <a:lvl5pPr algn="l" defTabSz="381000">
-              <a:spcBef>
-                <a:spcPct val="0"/>
-              </a:spcBef>
-              <a:defRPr kumimoji="1" sz="2400">
-                <a:solidFill>
-                  <a:schemeClr val="tx1"/>
-                </a:solidFill>
-                <a:latin typeface="Times New Roman" pitchFamily="18" charset="0"/>
-                <a:ea typeface="ＭＳ Ｐゴシック" charset="-128"/>
-              </a:defRPr>
-            </a:lvl5pPr>
-            <a:lvl6pPr defTabSz="381000" fontAlgn="base">
-              <a:spcBef>
-                <a:spcPct val="0"/>
-              </a:spcBef>
-              <a:spcAft>
-                <a:spcPct val="0"/>
-              </a:spcAft>
-              <a:defRPr kumimoji="1" sz="2400">
-                <a:solidFill>
-                  <a:schemeClr val="tx1"/>
-                </a:solidFill>
-                <a:latin typeface="Times New Roman" pitchFamily="18" charset="0"/>
-                <a:ea typeface="ＭＳ Ｐゴシック" charset="-128"/>
-              </a:defRPr>
-            </a:lvl6pPr>
-            <a:lvl7pPr defTabSz="381000" fontAlgn="base">
-              <a:spcBef>
-                <a:spcPct val="0"/>
-              </a:spcBef>
-              <a:spcAft>
-                <a:spcPct val="0"/>
-              </a:spcAft>
-              <a:defRPr kumimoji="1" sz="2400">
-                <a:solidFill>
-                  <a:schemeClr val="tx1"/>
-                </a:solidFill>
-                <a:latin typeface="Times New Roman" pitchFamily="18" charset="0"/>
-                <a:ea typeface="ＭＳ Ｐゴシック" charset="-128"/>
-              </a:defRPr>
-            </a:lvl7pPr>
-            <a:lvl8pPr defTabSz="381000" fontAlgn="base">
-              <a:spcBef>
-                <a:spcPct val="0"/>
-              </a:spcBef>
-              <a:spcAft>
-                <a:spcPct val="0"/>
-              </a:spcAft>
-              <a:defRPr kumimoji="1" sz="2400">
-                <a:solidFill>
-                  <a:schemeClr val="tx1"/>
-                </a:solidFill>
-                <a:latin typeface="Times New Roman" pitchFamily="18" charset="0"/>
-                <a:ea typeface="ＭＳ Ｐゴシック" charset="-128"/>
-              </a:defRPr>
-            </a:lvl8pPr>
-            <a:lvl9pPr defTabSz="381000" fontAlgn="base">
-              <a:spcBef>
-                <a:spcPct val="0"/>
-              </a:spcBef>
-              <a:spcAft>
-                <a:spcPct val="0"/>
-              </a:spcAft>
-              <a:defRPr kumimoji="1" sz="2400">
-                <a:solidFill>
-                  <a:schemeClr val="tx1"/>
-                </a:solidFill>
-                <a:latin typeface="Times New Roman" pitchFamily="18" charset="0"/>
-                <a:ea typeface="ＭＳ Ｐゴシック" charset="-128"/>
-              </a:defRPr>
-            </a:lvl9pPr>
-          </a:lstStyle>
-          <a:p>
-            <a:pPr lvl="0">
-              <a:spcBef>
-                <a:spcPct val="20000"/>
-              </a:spcBef>
-              <a:buClr>
-                <a:srgbClr val="FFFFFF"/>
-              </a:buClr>
-              <a:defRPr/>
-            </a:pPr>
-            <a:r>
-              <a:rPr lang="en-US" altLang="ja-JP" b="1" kern="0" dirty="0" smtClean="0">
-                <a:solidFill>
-                  <a:srgbClr val="FFFFFF"/>
-                </a:solidFill>
-                <a:latin typeface="+mn-lt"/>
-              </a:rPr>
-              <a:t>6</a:t>
-            </a:r>
-            <a:r>
-              <a:rPr lang="en-US" altLang="ja-JP" b="1" kern="0" dirty="0">
-                <a:solidFill>
-                  <a:srgbClr val="FFFFFF"/>
-                </a:solidFill>
-                <a:latin typeface="+mn-lt"/>
-              </a:rPr>
-              <a:t>. Conclusions</a:t>
-            </a:r>
-            <a:endParaRPr kumimoji="1" lang="ja-JP" altLang="en-US" b="1" i="0" u="none" strike="noStrike" kern="0" cap="none" spc="0" normalizeH="0" baseline="0" noProof="0" dirty="0" smtClean="0">
-              <a:ln>
-                <a:noFill/>
-              </a:ln>
-              <a:solidFill>
-                <a:srgbClr val="FFFFFF"/>
-              </a:solidFill>
-              <a:effectLst/>
-              <a:uLnTx/>
-              <a:uFillTx/>
-              <a:latin typeface="+mn-lt"/>
-            </a:endParaRPr>
-          </a:p>
-        </p:txBody>
-      </p:sp>
-    </p:spTree>
-    <p:extLst>
-      <p:ext uri="{BB962C8B-B14F-4D97-AF65-F5344CB8AC3E}">
-        <p14:creationId xmlns:p14="http://schemas.microsoft.com/office/powerpoint/2010/main" val="1781670292"/>
-      </p:ext>
-    </p:extLst>
-  </p:cSld>
-  <p:clrMapOvr>
-    <a:masterClrMapping/>
-  </p:clrMapOvr>
-  <p:timing>
-    <p:tnLst>
-      <p:par>
-        <p:cTn id="1" dur="indefinite" restart="never" nodeType="tmRoot"/>
-      </p:par>
-    </p:tnLst>
-  </p:timing>
-</p:sld>
-</file>
-
-<file path=ppt/slides/slide8.xml><?xml version="1.0" encoding="utf-8"?>
-<p:sld xmlns:a="http://schemas.openxmlformats.org/drawingml/2006/main" xmlns:r="http://schemas.openxmlformats.org/officeDocument/2006/relationships" xmlns:p="http://schemas.openxmlformats.org/presentationml/2006/main">
-  <p:cSld>
-    <p:spTree>
-      <p:nvGrpSpPr>
-        <p:cNvPr id="1" name=""/>
-        <p:cNvGrpSpPr/>
-        <p:nvPr/>
-      </p:nvGrpSpPr>
-      <p:grpSpPr>
-        <a:xfrm>
-          <a:off x="0" y="0"/>
-          <a:ext cx="0" cy="0"/>
-          <a:chOff x="0" y="0"/>
-          <a:chExt cx="0" cy="0"/>
-        </a:xfrm>
-      </p:grpSpPr>
-      <p:sp>
-        <p:nvSpPr>
-          <p:cNvPr id="7" name="タイトル 2"/>
-          <p:cNvSpPr txBox="1">
-            <a:spLocks/>
-          </p:cNvSpPr>
-          <p:nvPr/>
-        </p:nvSpPr>
-        <p:spPr>
-          <a:xfrm>
-            <a:off x="360000" y="1192412"/>
-            <a:ext cx="8424000" cy="4473176"/>
-          </a:xfrm>
-          <a:prstGeom prst="rect">
-            <a:avLst/>
-          </a:prstGeom>
-          <a:noFill/>
-          <a:ln>
-            <a:noFill/>
-          </a:ln>
-        </p:spPr>
-        <p:txBody>
-          <a:bodyPr anchor="ctr" anchorCtr="0">
-            <a:noAutofit/>
-          </a:bodyPr>
-          <a:lstStyle>
-            <a:lvl1pPr algn="ctr" defTabSz="914400" rtl="0" eaLnBrk="1" latinLnBrk="0" hangingPunct="1">
-              <a:spcBef>
-                <a:spcPct val="0"/>
-              </a:spcBef>
-              <a:buNone/>
-              <a:defRPr kumimoji="1" sz="2800" b="1" kern="1200" baseline="0">
-                <a:solidFill>
-                  <a:srgbClr val="C00000"/>
-                </a:solidFill>
-                <a:latin typeface="Arial" pitchFamily="34" charset="0"/>
-                <a:ea typeface="ＭＳ Ｐゴシック" pitchFamily="50" charset="-128"/>
-                <a:cs typeface="+mj-cs"/>
-              </a:defRPr>
-            </a:lvl1pPr>
-          </a:lstStyle>
-          <a:p>
-            <a:r>
-              <a:rPr lang="ja-JP" altLang="en-US" sz="9600" b="0" dirty="0" smtClean="0">
-                <a:solidFill>
-                  <a:srgbClr val="000000"/>
-                </a:solidFill>
-                <a:latin typeface="+mn-ea"/>
-                <a:ea typeface="+mn-ea"/>
-                <a:cs typeface="ＭＳ 明朝"/>
-              </a:rPr>
-              <a:t>今年の</a:t>
-            </a:r>
-            <a:r>
-              <a:rPr lang="en-US" altLang="ja-JP" sz="9600" b="0" dirty="0" smtClean="0">
-                <a:solidFill>
-                  <a:srgbClr val="BF0000"/>
-                </a:solidFill>
-                <a:latin typeface="+mn-ea"/>
-                <a:ea typeface="+mn-ea"/>
-                <a:cs typeface="ＭＳ 明朝"/>
-              </a:rPr>
-              <a:t>GW</a:t>
-            </a:r>
-            <a:r>
-              <a:rPr lang="ja-JP" altLang="en-US" sz="9600" b="0" dirty="0" smtClean="0">
-                <a:solidFill>
-                  <a:srgbClr val="000000"/>
-                </a:solidFill>
-                <a:latin typeface="+mn-ea"/>
-                <a:ea typeface="+mn-ea"/>
-                <a:cs typeface="ＭＳ 明朝"/>
-              </a:rPr>
-              <a:t>前</a:t>
-            </a:r>
-            <a:endParaRPr lang="en-US" altLang="ja-JP" sz="9600" b="0" dirty="0" smtClean="0">
-              <a:solidFill>
-                <a:srgbClr val="000000"/>
-              </a:solidFill>
-              <a:latin typeface="+mn-ea"/>
-              <a:ea typeface="+mn-ea"/>
-              <a:cs typeface="ＭＳ 明朝"/>
-            </a:endParaRPr>
-          </a:p>
-        </p:txBody>
-      </p:sp>
-    </p:spTree>
-    <p:extLst>
-      <p:ext uri="{BB962C8B-B14F-4D97-AF65-F5344CB8AC3E}">
-        <p14:creationId xmlns:p14="http://schemas.microsoft.com/office/powerpoint/2010/main" val="2727676713"/>
-      </p:ext>
-    </p:extLst>
-  </p:cSld>
-  <p:clrMapOvr>
-    <a:masterClrMapping/>
-  </p:clrMapOvr>
-  <p:timing>
-    <p:tnLst>
-      <p:par>
-        <p:cTn id="1" dur="indefinite" restart="never" nodeType="tmRoot"/>
-      </p:par>
-    </p:tnLst>
-  </p:timing>
-</p:sld>
-</file>
-
-<file path=ppt/slides/slide9.xml><?xml version="1.0" encoding="utf-8"?>
-<p:sld xmlns:a="http://schemas.openxmlformats.org/drawingml/2006/main" xmlns:r="http://schemas.openxmlformats.org/officeDocument/2006/relationships" xmlns:p="http://schemas.openxmlformats.org/presentationml/2006/main">
-  <p:cSld>
-    <p:spTree>
-      <p:nvGrpSpPr>
-        <p:cNvPr id="1" name=""/>
-        <p:cNvGrpSpPr/>
-        <p:nvPr/>
-      </p:nvGrpSpPr>
-      <p:grpSpPr>
-        <a:xfrm>
-          <a:off x="0" y="0"/>
-          <a:ext cx="0" cy="0"/>
-          <a:chOff x="0" y="0"/>
-          <a:chExt cx="0" cy="0"/>
-        </a:xfrm>
-      </p:grpSpPr>
-      <p:sp>
-        <p:nvSpPr>
-          <p:cNvPr id="7" name="タイトル 2"/>
-          <p:cNvSpPr txBox="1">
-            <a:spLocks/>
-          </p:cNvSpPr>
-          <p:nvPr/>
-        </p:nvSpPr>
-        <p:spPr>
-          <a:xfrm>
-            <a:off x="107504" y="584684"/>
-            <a:ext cx="8928992" cy="5688632"/>
-          </a:xfrm>
-          <a:prstGeom prst="rect">
-            <a:avLst/>
-          </a:prstGeom>
-          <a:noFill/>
-          <a:ln>
-            <a:noFill/>
-          </a:ln>
-        </p:spPr>
-        <p:txBody>
-          <a:bodyPr anchor="ctr" anchorCtr="0">
-            <a:noAutofit/>
-          </a:bodyPr>
-          <a:lstStyle>
-            <a:lvl1pPr algn="ctr" defTabSz="914400" rtl="0" eaLnBrk="1" latinLnBrk="0" hangingPunct="1">
-              <a:spcBef>
-                <a:spcPct val="0"/>
-              </a:spcBef>
-              <a:buNone/>
-              <a:defRPr kumimoji="1" sz="2800" b="1" kern="1200" baseline="0">
-                <a:solidFill>
-                  <a:srgbClr val="C00000"/>
-                </a:solidFill>
-                <a:latin typeface="Arial" pitchFamily="34" charset="0"/>
-                <a:ea typeface="ＭＳ Ｐゴシック" pitchFamily="50" charset="-128"/>
-                <a:cs typeface="+mj-cs"/>
-              </a:defRPr>
-            </a:lvl1pPr>
-          </a:lstStyle>
-          <a:p>
-            <a:r>
-              <a:rPr lang="ja-JP" altLang="en-US" sz="7200" b="0" dirty="0" smtClean="0">
-                <a:solidFill>
-                  <a:schemeClr val="tx1"/>
-                </a:solidFill>
-                <a:latin typeface="+mn-ea"/>
-                <a:ea typeface="+mn-ea"/>
-                <a:cs typeface="ＭＳ 明朝"/>
-              </a:rPr>
-              <a:t>某プロジェクトから、</a:t>
-            </a:r>
-            <a:endParaRPr lang="en-US" altLang="ja-JP" sz="7200" b="0" dirty="0" smtClean="0">
-              <a:solidFill>
-                <a:schemeClr val="tx1"/>
-              </a:solidFill>
-              <a:latin typeface="+mn-ea"/>
-              <a:ea typeface="+mn-ea"/>
-              <a:cs typeface="ＭＳ 明朝"/>
-            </a:endParaRPr>
-          </a:p>
-          <a:p>
-            <a:r>
-              <a:rPr lang="ja-JP" altLang="en-US" sz="7200" b="0" dirty="0" smtClean="0">
-                <a:solidFill>
-                  <a:srgbClr val="BF0000"/>
-                </a:solidFill>
-                <a:latin typeface="+mn-ea"/>
-                <a:ea typeface="+mn-ea"/>
-                <a:cs typeface="ＭＳ 明朝"/>
-              </a:rPr>
-              <a:t>アジャイルコーチ</a:t>
-            </a:r>
-            <a:r>
-              <a:rPr lang="ja-JP" altLang="en-US" sz="7200" b="0" dirty="0" smtClean="0">
-                <a:solidFill>
-                  <a:srgbClr val="000000"/>
-                </a:solidFill>
-                <a:latin typeface="+mn-ea"/>
-                <a:ea typeface="+mn-ea"/>
-                <a:cs typeface="ＭＳ 明朝"/>
-              </a:rPr>
-              <a:t>として</a:t>
-            </a:r>
-            <a:endParaRPr lang="en-US" altLang="ja-JP" sz="7200" b="0" dirty="0" smtClean="0">
-              <a:solidFill>
-                <a:srgbClr val="000000"/>
-              </a:solidFill>
-              <a:latin typeface="+mn-ea"/>
-              <a:ea typeface="+mn-ea"/>
-              <a:cs typeface="ＭＳ 明朝"/>
-            </a:endParaRPr>
-          </a:p>
-          <a:p>
-            <a:r>
-              <a:rPr lang="ja-JP" altLang="en-US" sz="7200" b="0" dirty="0" smtClean="0">
-                <a:solidFill>
-                  <a:srgbClr val="000000"/>
-                </a:solidFill>
-                <a:latin typeface="+mn-ea"/>
-                <a:ea typeface="+mn-ea"/>
-                <a:cs typeface="ＭＳ 明朝"/>
-              </a:rPr>
-              <a:t>サポートして欲しい</a:t>
-            </a:r>
-            <a:endParaRPr lang="en-US" altLang="ja-JP" sz="7200" b="0" dirty="0" smtClean="0">
-              <a:solidFill>
-                <a:srgbClr val="000000"/>
-              </a:solidFill>
-              <a:latin typeface="+mn-ea"/>
-              <a:ea typeface="+mn-ea"/>
-              <a:cs typeface="ＭＳ 明朝"/>
-            </a:endParaRPr>
-          </a:p>
-          <a:p>
-            <a:r>
-              <a:rPr lang="ja-JP" altLang="en-US" sz="7200" b="0" dirty="0" smtClean="0">
-                <a:solidFill>
-                  <a:srgbClr val="000000"/>
-                </a:solidFill>
-                <a:latin typeface="+mn-ea"/>
-                <a:ea typeface="+mn-ea"/>
-                <a:cs typeface="ＭＳ 明朝"/>
-              </a:rPr>
-              <a:t>というリクエストを</a:t>
-            </a:r>
-            <a:endParaRPr lang="en-US" altLang="ja-JP" sz="7200" b="0" dirty="0" smtClean="0">
-              <a:solidFill>
-                <a:srgbClr val="000000"/>
-              </a:solidFill>
-              <a:latin typeface="+mn-ea"/>
-              <a:ea typeface="+mn-ea"/>
-              <a:cs typeface="ＭＳ 明朝"/>
-            </a:endParaRPr>
-          </a:p>
-          <a:p>
-            <a:r>
-              <a:rPr lang="ja-JP" altLang="en-US" sz="7200" b="0" dirty="0" smtClean="0">
-                <a:solidFill>
-                  <a:srgbClr val="000000"/>
-                </a:solidFill>
-                <a:latin typeface="+mn-ea"/>
-                <a:ea typeface="+mn-ea"/>
-                <a:cs typeface="ＭＳ 明朝"/>
-              </a:rPr>
-              <a:t>いただきました。</a:t>
-            </a:r>
-            <a:endParaRPr lang="en-US" altLang="ja-JP" sz="7200" b="0" dirty="0" smtClean="0">
-              <a:solidFill>
-                <a:srgbClr val="000000"/>
-              </a:solidFill>
-              <a:latin typeface="+mn-ea"/>
-              <a:ea typeface="+mn-ea"/>
-              <a:cs typeface="ＭＳ 明朝"/>
-            </a:endParaRPr>
-          </a:p>
-        </p:txBody>
-      </p:sp>
-    </p:spTree>
-    <p:extLst>
-      <p:ext uri="{BB962C8B-B14F-4D97-AF65-F5344CB8AC3E}">
-        <p14:creationId xmlns:p14="http://schemas.microsoft.com/office/powerpoint/2010/main" val="3752741527"/>
       </p:ext>
     </p:extLst>
   </p:cSld>
@@ -31836,12 +33994,12 @@
 <file path=customXml/itemProps1.xml><?xml version="1.0" encoding="utf-8"?>
 <ds:datastoreItem xmlns:ds="http://schemas.openxmlformats.org/officeDocument/2006/customXml" ds:itemID="{E52D75E9-7A55-4E2A-89EF-D6493A63AB07}">
   <ds:schemaRefs>
-    <ds:schemaRef ds:uri="http://purl.org/dc/elements/1.1/"/>
-    <ds:schemaRef ds:uri="http://schemas.microsoft.com/office/2006/metadata/properties"/>
-    <ds:schemaRef ds:uri="http://schemas.microsoft.com/office/2006/documentManagement/types"/>
-    <ds:schemaRef ds:uri="http://schemas.openxmlformats.org/package/2006/metadata/core-properties"/>
     <ds:schemaRef ds:uri="http://purl.org/dc/dcmitype/"/>
     <ds:schemaRef ds:uri="http://www.w3.org/XML/1998/namespace"/>
+    <ds:schemaRef ds:uri="http://schemas.microsoft.com/office/2006/documentManagement/types"/>
+    <ds:schemaRef ds:uri="http://purl.org/dc/elements/1.1/"/>
+    <ds:schemaRef ds:uri="http://schemas.openxmlformats.org/package/2006/metadata/core-properties"/>
+    <ds:schemaRef ds:uri="http://schemas.microsoft.com/office/2006/metadata/properties"/>
     <ds:schemaRef ds:uri="http://purl.org/dc/terms/"/>
   </ds:schemaRefs>
 </ds:datastoreItem>
